--- a/Images/Figures_PPT/Jitter_Plot_TOR_All.pptx
+++ b/Images/Figures_PPT/Jitter_Plot_TOR_All.pptx
@@ -2359,7 +2359,7 @@
           </p:nvSpPr>
           <p:spPr>
             <a:xfrm>
-              <a:off x="1459435" y="2815588"/>
+              <a:off x="1459435" y="2815606"/>
               <a:ext cx="2796732" cy="0"/>
             </a:xfrm>
             <a:custGeom>
@@ -2402,7 +2402,7 @@
           </p:nvSpPr>
           <p:spPr>
             <a:xfrm>
-              <a:off x="1459435" y="2361618"/>
+              <a:off x="1459435" y="2361636"/>
               <a:ext cx="2796732" cy="0"/>
             </a:xfrm>
             <a:custGeom>
@@ -2445,7 +2445,7 @@
           </p:nvSpPr>
           <p:spPr>
             <a:xfrm>
-              <a:off x="1459435" y="1907647"/>
+              <a:off x="1459435" y="1907666"/>
               <a:ext cx="2796732" cy="0"/>
             </a:xfrm>
             <a:custGeom>
@@ -2488,7 +2488,7 @@
           </p:nvSpPr>
           <p:spPr>
             <a:xfrm>
-              <a:off x="1459435" y="1453677"/>
+              <a:off x="1459435" y="1453696"/>
               <a:ext cx="2796732" cy="0"/>
             </a:xfrm>
             <a:custGeom>
@@ -2531,7 +2531,7 @@
           </p:nvSpPr>
           <p:spPr>
             <a:xfrm>
-              <a:off x="1459435" y="3042573"/>
+              <a:off x="1459435" y="3042591"/>
               <a:ext cx="2796732" cy="0"/>
             </a:xfrm>
             <a:custGeom>
@@ -2574,7 +2574,7 @@
           </p:nvSpPr>
           <p:spPr>
             <a:xfrm>
-              <a:off x="1459435" y="2588603"/>
+              <a:off x="1459435" y="2588621"/>
               <a:ext cx="2796732" cy="0"/>
             </a:xfrm>
             <a:custGeom>
@@ -2617,7 +2617,7 @@
           </p:nvSpPr>
           <p:spPr>
             <a:xfrm>
-              <a:off x="1459435" y="2134633"/>
+              <a:off x="1459435" y="2134651"/>
               <a:ext cx="2796732" cy="0"/>
             </a:xfrm>
             <a:custGeom>
@@ -2660,7 +2660,7 @@
           </p:nvSpPr>
           <p:spPr>
             <a:xfrm>
-              <a:off x="1459435" y="1680662"/>
+              <a:off x="1459435" y="1680681"/>
               <a:ext cx="2796732" cy="0"/>
             </a:xfrm>
             <a:custGeom>
@@ -2832,7 +2832,7 @@
           </p:nvSpPr>
           <p:spPr>
             <a:xfrm>
-              <a:off x="2655506" y="2907097"/>
+              <a:off x="3127715" y="2907127"/>
               <a:ext cx="63202" cy="63202"/>
             </a:xfrm>
             <a:custGeom>
@@ -2875,7 +2875,7 @@
           </p:nvSpPr>
           <p:spPr>
             <a:xfrm>
-              <a:off x="2146067" y="2419704"/>
+              <a:off x="1984729" y="2419741"/>
               <a:ext cx="63202" cy="63202"/>
             </a:xfrm>
             <a:custGeom>
@@ -2918,7 +2918,7 @@
           </p:nvSpPr>
           <p:spPr>
             <a:xfrm>
-              <a:off x="2123102" y="2585731"/>
+              <a:off x="2287140" y="2585745"/>
               <a:ext cx="63202" cy="63202"/>
             </a:xfrm>
             <a:custGeom>
@@ -2961,7 +2961,7 @@
           </p:nvSpPr>
           <p:spPr>
             <a:xfrm>
-              <a:off x="2624609" y="2899653"/>
+              <a:off x="2825230" y="2899687"/>
               <a:ext cx="63202" cy="63202"/>
             </a:xfrm>
             <a:custGeom>
@@ -3004,7 +3004,7 @@
           </p:nvSpPr>
           <p:spPr>
             <a:xfrm>
-              <a:off x="2153600" y="2784196"/>
+              <a:off x="1691753" y="2784217"/>
               <a:ext cx="63202" cy="63202"/>
             </a:xfrm>
             <a:custGeom>
@@ -3047,7 +3047,7 @@
           </p:nvSpPr>
           <p:spPr>
             <a:xfrm>
-              <a:off x="1758283" y="2808306"/>
+              <a:off x="1710745" y="2808329"/>
               <a:ext cx="63202" cy="63202"/>
             </a:xfrm>
             <a:custGeom>
@@ -3090,7 +3090,7 @@
           </p:nvSpPr>
           <p:spPr>
             <a:xfrm>
-              <a:off x="2265314" y="2359925"/>
+              <a:off x="1991636" y="2359953"/>
               <a:ext cx="63202" cy="63202"/>
             </a:xfrm>
             <a:custGeom>
@@ -3133,7 +3133,7 @@
           </p:nvSpPr>
           <p:spPr>
             <a:xfrm>
-              <a:off x="1656089" y="2513663"/>
+              <a:off x="1841651" y="2513676"/>
               <a:ext cx="63202" cy="63202"/>
             </a:xfrm>
             <a:custGeom>
@@ -3176,7 +3176,7 @@
           </p:nvSpPr>
           <p:spPr>
             <a:xfrm>
-              <a:off x="1881537" y="2680923"/>
+              <a:off x="1613306" y="2680970"/>
               <a:ext cx="63202" cy="63202"/>
             </a:xfrm>
             <a:custGeom>
@@ -3219,7 +3219,7 @@
           </p:nvSpPr>
           <p:spPr>
             <a:xfrm>
-              <a:off x="2234094" y="2485502"/>
+              <a:off x="2290785" y="2485533"/>
               <a:ext cx="63202" cy="63202"/>
             </a:xfrm>
             <a:custGeom>
@@ -3262,7 +3262,7 @@
           </p:nvSpPr>
           <p:spPr>
             <a:xfrm>
-              <a:off x="2036804" y="2799390"/>
+              <a:off x="2233824" y="2799410"/>
               <a:ext cx="63202" cy="63202"/>
             </a:xfrm>
             <a:custGeom>
@@ -3305,7 +3305,7 @@
           </p:nvSpPr>
           <p:spPr>
             <a:xfrm>
-              <a:off x="2881722" y="2935461"/>
+              <a:off x="3153781" y="2935498"/>
               <a:ext cx="63202" cy="63202"/>
             </a:xfrm>
             <a:custGeom>
@@ -3348,7 +3348,7 @@
           </p:nvSpPr>
           <p:spPr>
             <a:xfrm>
-              <a:off x="2042832" y="2513345"/>
+              <a:off x="1724368" y="2513340"/>
               <a:ext cx="63202" cy="63202"/>
             </a:xfrm>
             <a:custGeom>
@@ -3391,7 +3391,7 @@
           </p:nvSpPr>
           <p:spPr>
             <a:xfrm>
-              <a:off x="2101783" y="2807726"/>
+              <a:off x="2299192" y="2807765"/>
               <a:ext cx="63202" cy="63202"/>
             </a:xfrm>
             <a:custGeom>
@@ -3434,7 +3434,7 @@
           </p:nvSpPr>
           <p:spPr>
             <a:xfrm>
-              <a:off x="1621109" y="2701781"/>
+              <a:off x="1762200" y="2701785"/>
               <a:ext cx="63202" cy="63202"/>
             </a:xfrm>
             <a:custGeom>
@@ -3477,7 +3477,7 @@
           </p:nvSpPr>
           <p:spPr>
             <a:xfrm>
-              <a:off x="1620487" y="2680947"/>
+              <a:off x="1906077" y="2680971"/>
               <a:ext cx="63202" cy="63202"/>
             </a:xfrm>
             <a:custGeom>
@@ -3520,7 +3520,7 @@
           </p:nvSpPr>
           <p:spPr>
             <a:xfrm>
-              <a:off x="1903562" y="2808710"/>
+              <a:off x="1887237" y="2808758"/>
               <a:ext cx="63202" cy="63202"/>
             </a:xfrm>
             <a:custGeom>
@@ -3563,7 +3563,7 @@
           </p:nvSpPr>
           <p:spPr>
             <a:xfrm>
-              <a:off x="2478342" y="2929491"/>
+              <a:off x="2924420" y="2929506"/>
               <a:ext cx="63202" cy="63202"/>
             </a:xfrm>
             <a:custGeom>
@@ -3606,7 +3606,7 @@
           </p:nvSpPr>
           <p:spPr>
             <a:xfrm>
-              <a:off x="2089449" y="2859522"/>
+              <a:off x="1794490" y="2859534"/>
               <a:ext cx="63202" cy="63202"/>
             </a:xfrm>
             <a:custGeom>
@@ -3649,7 +3649,7 @@
           </p:nvSpPr>
           <p:spPr>
             <a:xfrm>
-              <a:off x="1874284" y="2485510"/>
+              <a:off x="2127953" y="2485511"/>
               <a:ext cx="63202" cy="63202"/>
             </a:xfrm>
             <a:custGeom>
@@ -3692,7 +3692,7 @@
           </p:nvSpPr>
           <p:spPr>
             <a:xfrm>
-              <a:off x="2056141" y="2666770"/>
+              <a:off x="1758168" y="2666803"/>
               <a:ext cx="63202" cy="63202"/>
             </a:xfrm>
             <a:custGeom>
@@ -3735,7 +3735,7 @@
           </p:nvSpPr>
           <p:spPr>
             <a:xfrm>
-              <a:off x="2210064" y="2809643"/>
+              <a:off x="1883409" y="2809654"/>
               <a:ext cx="63202" cy="63202"/>
             </a:xfrm>
             <a:custGeom>
@@ -3778,7 +3778,7 @@
           </p:nvSpPr>
           <p:spPr>
             <a:xfrm>
-              <a:off x="2049010" y="2514224"/>
+              <a:off x="2141384" y="2514241"/>
               <a:ext cx="63202" cy="63202"/>
             </a:xfrm>
             <a:custGeom>
@@ -3821,7 +3821,7 @@
           </p:nvSpPr>
           <p:spPr>
             <a:xfrm>
-              <a:off x="2191634" y="2821396"/>
+              <a:off x="2183074" y="2821428"/>
               <a:ext cx="63202" cy="63202"/>
             </a:xfrm>
             <a:custGeom>
@@ -3864,7 +3864,7 @@
           </p:nvSpPr>
           <p:spPr>
             <a:xfrm>
-              <a:off x="1748817" y="2768739"/>
+              <a:off x="1812613" y="2768743"/>
               <a:ext cx="63202" cy="63202"/>
             </a:xfrm>
             <a:custGeom>
@@ -3907,7 +3907,7 @@
           </p:nvSpPr>
           <p:spPr>
             <a:xfrm>
-              <a:off x="2249656" y="2680706"/>
+              <a:off x="1617778" y="2680719"/>
               <a:ext cx="63202" cy="63202"/>
             </a:xfrm>
             <a:custGeom>
@@ -3950,7 +3950,7 @@
           </p:nvSpPr>
           <p:spPr>
             <a:xfrm>
-              <a:off x="1901509" y="2681326"/>
+              <a:off x="1610968" y="2681364"/>
               <a:ext cx="63202" cy="63202"/>
             </a:xfrm>
             <a:custGeom>
@@ -3993,7 +3993,7 @@
           </p:nvSpPr>
           <p:spPr>
             <a:xfrm>
-              <a:off x="2122286" y="2681156"/>
+              <a:off x="2134972" y="2681185"/>
               <a:ext cx="63202" cy="63202"/>
             </a:xfrm>
             <a:custGeom>
@@ -4036,7 +4036,7 @@
           </p:nvSpPr>
           <p:spPr>
             <a:xfrm>
-              <a:off x="2145933" y="2681480"/>
+              <a:off x="1779536" y="2681505"/>
               <a:ext cx="63202" cy="63202"/>
             </a:xfrm>
             <a:custGeom>
@@ -4079,7 +4079,7 @@
           </p:nvSpPr>
           <p:spPr>
             <a:xfrm>
-              <a:off x="1914234" y="2680262"/>
+              <a:off x="2147173" y="2680290"/>
               <a:ext cx="63202" cy="63202"/>
             </a:xfrm>
             <a:custGeom>
@@ -4122,7 +4122,7 @@
           </p:nvSpPr>
           <p:spPr>
             <a:xfrm>
-              <a:off x="1773445" y="2681211"/>
+              <a:off x="1681205" y="2681223"/>
               <a:ext cx="63202" cy="63202"/>
             </a:xfrm>
             <a:custGeom>
@@ -4165,7 +4165,7 @@
           </p:nvSpPr>
           <p:spPr>
             <a:xfrm>
-              <a:off x="1625443" y="2680244"/>
+              <a:off x="2229022" y="2680271"/>
               <a:ext cx="63202" cy="63202"/>
             </a:xfrm>
             <a:custGeom>
@@ -4208,7 +4208,7 @@
           </p:nvSpPr>
           <p:spPr>
             <a:xfrm>
-              <a:off x="1734709" y="2679650"/>
+              <a:off x="2013323" y="2679686"/>
               <a:ext cx="63202" cy="63202"/>
             </a:xfrm>
             <a:custGeom>
@@ -4251,7 +4251,7 @@
           </p:nvSpPr>
           <p:spPr>
             <a:xfrm>
-              <a:off x="2239053" y="2680930"/>
+              <a:off x="1910892" y="2680972"/>
               <a:ext cx="63202" cy="63202"/>
             </a:xfrm>
             <a:custGeom>
@@ -4294,7 +4294,7 @@
           </p:nvSpPr>
           <p:spPr>
             <a:xfrm>
-              <a:off x="1992714" y="2865349"/>
+              <a:off x="1855668" y="2865355"/>
               <a:ext cx="63202" cy="63202"/>
             </a:xfrm>
             <a:custGeom>
@@ -4337,7 +4337,7 @@
           </p:nvSpPr>
           <p:spPr>
             <a:xfrm>
-              <a:off x="3124491" y="2883253"/>
+              <a:off x="2994235" y="2883273"/>
               <a:ext cx="63202" cy="63202"/>
             </a:xfrm>
             <a:custGeom>
@@ -4380,7 +4380,7 @@
           </p:nvSpPr>
           <p:spPr>
             <a:xfrm>
-              <a:off x="2827941" y="2913182"/>
+              <a:off x="2550007" y="2913211"/>
               <a:ext cx="63202" cy="63202"/>
             </a:xfrm>
             <a:custGeom>
@@ -4423,7 +4423,7 @@
           </p:nvSpPr>
           <p:spPr>
             <a:xfrm>
-              <a:off x="3474904" y="2950413"/>
+              <a:off x="3908632" y="2950421"/>
               <a:ext cx="63202" cy="63202"/>
             </a:xfrm>
             <a:custGeom>
@@ -4466,7 +4466,7 @@
           </p:nvSpPr>
           <p:spPr>
             <a:xfrm>
-              <a:off x="2868692" y="2926809"/>
+              <a:off x="2495562" y="2926838"/>
               <a:ext cx="63202" cy="63202"/>
             </a:xfrm>
             <a:custGeom>
@@ -4509,7 +4509,7 @@
           </p:nvSpPr>
           <p:spPr>
             <a:xfrm>
-              <a:off x="3041322" y="2897065"/>
+              <a:off x="2820763" y="2897087"/>
               <a:ext cx="63202" cy="63202"/>
             </a:xfrm>
             <a:custGeom>
@@ -4552,7 +4552,7 @@
           </p:nvSpPr>
           <p:spPr>
             <a:xfrm>
-              <a:off x="2517017" y="2933170"/>
+              <a:off x="3067445" y="2933168"/>
               <a:ext cx="63202" cy="63202"/>
             </a:xfrm>
             <a:custGeom>
@@ -4595,7 +4595,7 @@
           </p:nvSpPr>
           <p:spPr>
             <a:xfrm>
-              <a:off x="2110409" y="2475199"/>
+              <a:off x="2260096" y="2475226"/>
               <a:ext cx="63202" cy="63202"/>
             </a:xfrm>
             <a:custGeom>
@@ -4638,7 +4638,7 @@
           </p:nvSpPr>
           <p:spPr>
             <a:xfrm>
-              <a:off x="3144796" y="2880011"/>
+              <a:off x="2629223" y="2880002"/>
               <a:ext cx="63202" cy="63202"/>
             </a:xfrm>
             <a:custGeom>
@@ -4681,7 +4681,7 @@
           </p:nvSpPr>
           <p:spPr>
             <a:xfrm>
-              <a:off x="2242420" y="2856503"/>
+              <a:off x="2238234" y="2856490"/>
               <a:ext cx="63202" cy="63202"/>
             </a:xfrm>
             <a:custGeom>
@@ -4724,7 +4724,7 @@
           </p:nvSpPr>
           <p:spPr>
             <a:xfrm>
-              <a:off x="2234856" y="2564348"/>
+              <a:off x="1745517" y="2564391"/>
               <a:ext cx="63202" cy="63202"/>
             </a:xfrm>
             <a:custGeom>
@@ -4767,7 +4767,7 @@
           </p:nvSpPr>
           <p:spPr>
             <a:xfrm>
-              <a:off x="2133090" y="2808777"/>
+              <a:off x="2141497" y="2808802"/>
               <a:ext cx="63202" cy="63202"/>
             </a:xfrm>
             <a:custGeom>
@@ -4810,7 +4810,7 @@
           </p:nvSpPr>
           <p:spPr>
             <a:xfrm>
-              <a:off x="1607641" y="2803648"/>
+              <a:off x="2067989" y="2803654"/>
               <a:ext cx="63202" cy="63202"/>
             </a:xfrm>
             <a:custGeom>
@@ -4853,7 +4853,7 @@
           </p:nvSpPr>
           <p:spPr>
             <a:xfrm>
-              <a:off x="1885151" y="2813218"/>
+              <a:off x="2261744" y="2813245"/>
               <a:ext cx="63202" cy="63202"/>
             </a:xfrm>
             <a:custGeom>
@@ -4896,7 +4896,7 @@
           </p:nvSpPr>
           <p:spPr>
             <a:xfrm>
-              <a:off x="1824600" y="2809486"/>
+              <a:off x="2229381" y="2809526"/>
               <a:ext cx="63202" cy="63202"/>
             </a:xfrm>
             <a:custGeom>
@@ -4939,7 +4939,7 @@
           </p:nvSpPr>
           <p:spPr>
             <a:xfrm>
-              <a:off x="2258567" y="2862623"/>
+              <a:off x="2037667" y="2862622"/>
               <a:ext cx="63202" cy="63202"/>
             </a:xfrm>
             <a:custGeom>
@@ -4982,7 +4982,7 @@
           </p:nvSpPr>
           <p:spPr>
             <a:xfrm>
-              <a:off x="2140084" y="2644807"/>
+              <a:off x="2120353" y="2644801"/>
               <a:ext cx="63202" cy="63202"/>
             </a:xfrm>
             <a:custGeom>
@@ -5025,7 +5025,7 @@
           </p:nvSpPr>
           <p:spPr>
             <a:xfrm>
-              <a:off x="1968291" y="2639387"/>
+              <a:off x="1764656" y="2639413"/>
               <a:ext cx="63202" cy="63202"/>
             </a:xfrm>
             <a:custGeom>
@@ -5068,7 +5068,7 @@
           </p:nvSpPr>
           <p:spPr>
             <a:xfrm>
-              <a:off x="2017913" y="2865125"/>
+              <a:off x="2287819" y="2865112"/>
               <a:ext cx="63202" cy="63202"/>
             </a:xfrm>
             <a:custGeom>
@@ -5111,7 +5111,7 @@
           </p:nvSpPr>
           <p:spPr>
             <a:xfrm>
-              <a:off x="3147704" y="2932735"/>
+              <a:off x="3067140" y="2932757"/>
               <a:ext cx="63202" cy="63202"/>
             </a:xfrm>
             <a:custGeom>
@@ -5154,7 +5154,7 @@
           </p:nvSpPr>
           <p:spPr>
             <a:xfrm>
-              <a:off x="1689655" y="2806047"/>
+              <a:off x="2298785" y="2806061"/>
               <a:ext cx="63202" cy="63202"/>
             </a:xfrm>
             <a:custGeom>
@@ -5197,7 +5197,7 @@
           </p:nvSpPr>
           <p:spPr>
             <a:xfrm>
-              <a:off x="1620481" y="2808878"/>
+              <a:off x="2088097" y="2808880"/>
               <a:ext cx="63202" cy="63202"/>
             </a:xfrm>
             <a:custGeom>
@@ -5240,7 +5240,7 @@
           </p:nvSpPr>
           <p:spPr>
             <a:xfrm>
-              <a:off x="1896409" y="2811103"/>
+              <a:off x="2064546" y="2811114"/>
               <a:ext cx="63202" cy="63202"/>
             </a:xfrm>
             <a:custGeom>
@@ -5283,7 +5283,7 @@
           </p:nvSpPr>
           <p:spPr>
             <a:xfrm>
-              <a:off x="2210385" y="2808924"/>
+              <a:off x="2049641" y="2808944"/>
               <a:ext cx="63202" cy="63202"/>
             </a:xfrm>
             <a:custGeom>
@@ -5326,7 +5326,7 @@
           </p:nvSpPr>
           <p:spPr>
             <a:xfrm>
-              <a:off x="1661884" y="2688714"/>
+              <a:off x="1660927" y="2688728"/>
               <a:ext cx="63202" cy="63202"/>
             </a:xfrm>
             <a:custGeom>
@@ -5369,7 +5369,7 @@
           </p:nvSpPr>
           <p:spPr>
             <a:xfrm>
-              <a:off x="2277111" y="2485448"/>
+              <a:off x="1758047" y="2485457"/>
               <a:ext cx="63202" cy="63202"/>
             </a:xfrm>
             <a:custGeom>
@@ -5412,7 +5412,7 @@
           </p:nvSpPr>
           <p:spPr>
             <a:xfrm>
-              <a:off x="2020312" y="2475664"/>
+              <a:off x="2231274" y="2475673"/>
               <a:ext cx="63202" cy="63202"/>
             </a:xfrm>
             <a:custGeom>
@@ -5455,7 +5455,7 @@
           </p:nvSpPr>
           <p:spPr>
             <a:xfrm>
-              <a:off x="1691561" y="2796110"/>
+              <a:off x="2046822" y="2796133"/>
               <a:ext cx="63202" cy="63202"/>
             </a:xfrm>
             <a:custGeom>
@@ -5498,7 +5498,7 @@
           </p:nvSpPr>
           <p:spPr>
             <a:xfrm>
-              <a:off x="2896070" y="2875788"/>
+              <a:off x="2877322" y="2875805"/>
               <a:ext cx="63202" cy="63202"/>
             </a:xfrm>
             <a:custGeom>
@@ -5541,7 +5541,7 @@
           </p:nvSpPr>
           <p:spPr>
             <a:xfrm>
-              <a:off x="2609849" y="2897335"/>
+              <a:off x="3067016" y="2897352"/>
               <a:ext cx="63202" cy="63202"/>
             </a:xfrm>
             <a:custGeom>
@@ -5584,7 +5584,7 @@
           </p:nvSpPr>
           <p:spPr>
             <a:xfrm>
-              <a:off x="1918436" y="2858696"/>
+              <a:off x="1818773" y="2858711"/>
               <a:ext cx="63202" cy="63202"/>
             </a:xfrm>
             <a:custGeom>
@@ -5627,7 +5627,7 @@
           </p:nvSpPr>
           <p:spPr>
             <a:xfrm>
-              <a:off x="1907757" y="2793559"/>
+              <a:off x="1861180" y="2793585"/>
               <a:ext cx="63202" cy="63202"/>
             </a:xfrm>
             <a:custGeom>
@@ -5670,7 +5670,7 @@
           </p:nvSpPr>
           <p:spPr>
             <a:xfrm>
-              <a:off x="1989329" y="2851846"/>
+              <a:off x="1755679" y="2851862"/>
               <a:ext cx="63202" cy="63202"/>
             </a:xfrm>
             <a:custGeom>
@@ -5713,7 +5713,7 @@
           </p:nvSpPr>
           <p:spPr>
             <a:xfrm>
-              <a:off x="1858537" y="2858558"/>
+              <a:off x="1982994" y="2858609"/>
               <a:ext cx="63202" cy="63202"/>
             </a:xfrm>
             <a:custGeom>
@@ -5756,7 +5756,7 @@
           </p:nvSpPr>
           <p:spPr>
             <a:xfrm>
-              <a:off x="2177542" y="2809638"/>
+              <a:off x="1834064" y="2809652"/>
               <a:ext cx="63202" cy="63202"/>
             </a:xfrm>
             <a:custGeom>
@@ -5799,7 +5799,7 @@
           </p:nvSpPr>
           <p:spPr>
             <a:xfrm>
-              <a:off x="1921781" y="2812412"/>
+              <a:off x="1650061" y="2812434"/>
               <a:ext cx="63202" cy="63202"/>
             </a:xfrm>
             <a:custGeom>
@@ -5842,7 +5842,7 @@
           </p:nvSpPr>
           <p:spPr>
             <a:xfrm>
-              <a:off x="2619955" y="2876036"/>
+              <a:off x="3031225" y="2876076"/>
               <a:ext cx="63202" cy="63202"/>
             </a:xfrm>
             <a:custGeom>
@@ -5885,7 +5885,7 @@
           </p:nvSpPr>
           <p:spPr>
             <a:xfrm>
-              <a:off x="1603286" y="2472013"/>
+              <a:off x="2284113" y="2472028"/>
               <a:ext cx="63202" cy="63202"/>
             </a:xfrm>
             <a:custGeom>
@@ -5928,7 +5928,7 @@
           </p:nvSpPr>
           <p:spPr>
             <a:xfrm>
-              <a:off x="2099851" y="2473504"/>
+              <a:off x="1771039" y="2473547"/>
               <a:ext cx="63202" cy="63202"/>
             </a:xfrm>
             <a:custGeom>
@@ -5971,7 +5971,7 @@
           </p:nvSpPr>
           <p:spPr>
             <a:xfrm>
-              <a:off x="2094686" y="2476275"/>
+              <a:off x="2162382" y="2476299"/>
               <a:ext cx="63202" cy="63202"/>
             </a:xfrm>
             <a:custGeom>
@@ -6014,7 +6014,7 @@
           </p:nvSpPr>
           <p:spPr>
             <a:xfrm>
-              <a:off x="1610502" y="2817613"/>
+              <a:off x="1626535" y="2817646"/>
               <a:ext cx="63202" cy="63202"/>
             </a:xfrm>
             <a:custGeom>
@@ -6057,7 +6057,7 @@
           </p:nvSpPr>
           <p:spPr>
             <a:xfrm>
-              <a:off x="2121736" y="2817812"/>
+              <a:off x="1984639" y="2817823"/>
               <a:ext cx="63202" cy="63202"/>
             </a:xfrm>
             <a:custGeom>
@@ -6100,7 +6100,7 @@
           </p:nvSpPr>
           <p:spPr>
             <a:xfrm>
-              <a:off x="1787784" y="2658157"/>
+              <a:off x="1714946" y="2658166"/>
               <a:ext cx="63202" cy="63202"/>
             </a:xfrm>
             <a:custGeom>
@@ -6143,7 +6143,7 @@
           </p:nvSpPr>
           <p:spPr>
             <a:xfrm>
-              <a:off x="1834203" y="2843462"/>
+              <a:off x="1699749" y="2843472"/>
               <a:ext cx="63202" cy="63202"/>
             </a:xfrm>
             <a:custGeom>
@@ -6186,7 +6186,7 @@
           </p:nvSpPr>
           <p:spPr>
             <a:xfrm>
-              <a:off x="1759078" y="2498667"/>
+              <a:off x="2259186" y="2498670"/>
               <a:ext cx="63202" cy="63202"/>
             </a:xfrm>
             <a:custGeom>
@@ -6229,7 +6229,7 @@
           </p:nvSpPr>
           <p:spPr>
             <a:xfrm>
-              <a:off x="2281858" y="2828280"/>
+              <a:off x="2279105" y="2828327"/>
               <a:ext cx="63202" cy="63202"/>
             </a:xfrm>
             <a:custGeom>
@@ -6272,7 +6272,7 @@
           </p:nvSpPr>
           <p:spPr>
             <a:xfrm>
-              <a:off x="2095757" y="2746959"/>
+              <a:off x="1978567" y="2746972"/>
               <a:ext cx="63202" cy="63202"/>
             </a:xfrm>
             <a:custGeom>
@@ -6315,7 +6315,7 @@
           </p:nvSpPr>
           <p:spPr>
             <a:xfrm>
-              <a:off x="1952981" y="2805234"/>
+              <a:off x="1997707" y="2805241"/>
               <a:ext cx="63202" cy="63202"/>
             </a:xfrm>
             <a:custGeom>
@@ -6358,7 +6358,7 @@
           </p:nvSpPr>
           <p:spPr>
             <a:xfrm>
-              <a:off x="2223148" y="2476054"/>
+              <a:off x="2240526" y="2476075"/>
               <a:ext cx="63202" cy="63202"/>
             </a:xfrm>
             <a:custGeom>
@@ -6457,7 +6457,7 @@
           </p:nvSpPr>
           <p:spPr>
             <a:xfrm>
-              <a:off x="1459435" y="4740920"/>
+              <a:off x="1459435" y="4740939"/>
               <a:ext cx="2796732" cy="0"/>
             </a:xfrm>
             <a:custGeom>
@@ -6500,7 +6500,7 @@
           </p:nvSpPr>
           <p:spPr>
             <a:xfrm>
-              <a:off x="1459435" y="4286950"/>
+              <a:off x="1459435" y="4286969"/>
               <a:ext cx="2796732" cy="0"/>
             </a:xfrm>
             <a:custGeom>
@@ -6543,7 +6543,7 @@
           </p:nvSpPr>
           <p:spPr>
             <a:xfrm>
-              <a:off x="1459435" y="3832980"/>
+              <a:off x="1459435" y="3832999"/>
               <a:ext cx="2796732" cy="0"/>
             </a:xfrm>
             <a:custGeom>
@@ -6586,7 +6586,7 @@
           </p:nvSpPr>
           <p:spPr>
             <a:xfrm>
-              <a:off x="1459435" y="3379010"/>
+              <a:off x="1459435" y="3379029"/>
               <a:ext cx="2796732" cy="0"/>
             </a:xfrm>
             <a:custGeom>
@@ -6629,7 +6629,7 @@
           </p:nvSpPr>
           <p:spPr>
             <a:xfrm>
-              <a:off x="1459435" y="4967906"/>
+              <a:off x="1459435" y="4967924"/>
               <a:ext cx="2796732" cy="0"/>
             </a:xfrm>
             <a:custGeom>
@@ -6672,7 +6672,7 @@
           </p:nvSpPr>
           <p:spPr>
             <a:xfrm>
-              <a:off x="1459435" y="4513935"/>
+              <a:off x="1459435" y="4513954"/>
               <a:ext cx="2796732" cy="0"/>
             </a:xfrm>
             <a:custGeom>
@@ -6715,7 +6715,7 @@
           </p:nvSpPr>
           <p:spPr>
             <a:xfrm>
-              <a:off x="1459435" y="4059965"/>
+              <a:off x="1459435" y="4059984"/>
               <a:ext cx="2796732" cy="0"/>
             </a:xfrm>
             <a:custGeom>
@@ -6758,7 +6758,7 @@
           </p:nvSpPr>
           <p:spPr>
             <a:xfrm>
-              <a:off x="1459435" y="3605995"/>
+              <a:off x="1459435" y="3606014"/>
               <a:ext cx="2796732" cy="0"/>
             </a:xfrm>
             <a:custGeom>
@@ -6930,7 +6930,7 @@
           </p:nvSpPr>
           <p:spPr>
             <a:xfrm>
-              <a:off x="2029522" y="4513613"/>
+              <a:off x="2231228" y="4513624"/>
               <a:ext cx="63202" cy="63202"/>
             </a:xfrm>
             <a:custGeom>
@@ -6973,7 +6973,7 @@
           </p:nvSpPr>
           <p:spPr>
             <a:xfrm>
-              <a:off x="1854540" y="4611451"/>
+              <a:off x="1969474" y="4611468"/>
               <a:ext cx="63202" cy="63202"/>
             </a:xfrm>
             <a:custGeom>
@@ -7016,7 +7016,7 @@
           </p:nvSpPr>
           <p:spPr>
             <a:xfrm>
-              <a:off x="2014853" y="4512426"/>
+              <a:off x="1917953" y="4512441"/>
               <a:ext cx="63202" cy="63202"/>
             </a:xfrm>
             <a:custGeom>
@@ -7059,7 +7059,7 @@
           </p:nvSpPr>
           <p:spPr>
             <a:xfrm>
-              <a:off x="1918811" y="4519802"/>
+              <a:off x="1971778" y="4519819"/>
               <a:ext cx="63202" cy="63202"/>
             </a:xfrm>
             <a:custGeom>
@@ -7102,7 +7102,7 @@
           </p:nvSpPr>
           <p:spPr>
             <a:xfrm>
-              <a:off x="2258088" y="4515199"/>
+              <a:off x="1892046" y="4515203"/>
               <a:ext cx="63202" cy="63202"/>
             </a:xfrm>
             <a:custGeom>
@@ -7145,7 +7145,7 @@
           </p:nvSpPr>
           <p:spPr>
             <a:xfrm>
-              <a:off x="1762931" y="4654966"/>
+              <a:off x="2202056" y="4655015"/>
               <a:ext cx="63202" cy="63202"/>
             </a:xfrm>
             <a:custGeom>
@@ -7188,7 +7188,7 @@
           </p:nvSpPr>
           <p:spPr>
             <a:xfrm>
-              <a:off x="1968789" y="4527056"/>
+              <a:off x="1968341" y="4527074"/>
               <a:ext cx="63202" cy="63202"/>
             </a:xfrm>
             <a:custGeom>
@@ -7231,7 +7231,7 @@
           </p:nvSpPr>
           <p:spPr>
             <a:xfrm>
-              <a:off x="1878920" y="4577589"/>
+              <a:off x="2060553" y="4577605"/>
               <a:ext cx="63202" cy="63202"/>
             </a:xfrm>
             <a:custGeom>
@@ -7274,7 +7274,7 @@
           </p:nvSpPr>
           <p:spPr>
             <a:xfrm>
-              <a:off x="1704875" y="4622186"/>
+              <a:off x="1808061" y="4622234"/>
               <a:ext cx="63202" cy="63202"/>
             </a:xfrm>
             <a:custGeom>
@@ -7317,7 +7317,7 @@
           </p:nvSpPr>
           <p:spPr>
             <a:xfrm>
-              <a:off x="2004438" y="4576155"/>
+              <a:off x="1945506" y="4576177"/>
               <a:ext cx="63202" cy="63202"/>
             </a:xfrm>
             <a:custGeom>
@@ -7360,7 +7360,7 @@
           </p:nvSpPr>
           <p:spPr>
             <a:xfrm>
-              <a:off x="1754802" y="4569166"/>
+              <a:off x="1922325" y="4569204"/>
               <a:ext cx="63202" cy="63202"/>
             </a:xfrm>
             <a:custGeom>
@@ -7403,7 +7403,7 @@
           </p:nvSpPr>
           <p:spPr>
             <a:xfrm>
-              <a:off x="2109016" y="4697387"/>
+              <a:off x="1988420" y="4697404"/>
               <a:ext cx="63202" cy="63202"/>
             </a:xfrm>
             <a:custGeom>
@@ -7446,7 +7446,7 @@
           </p:nvSpPr>
           <p:spPr>
             <a:xfrm>
-              <a:off x="1793328" y="4419503"/>
+              <a:off x="1728628" y="4419512"/>
               <a:ext cx="63202" cy="63202"/>
             </a:xfrm>
             <a:custGeom>
@@ -7489,7 +7489,7 @@
           </p:nvSpPr>
           <p:spPr>
             <a:xfrm>
-              <a:off x="1921390" y="4632324"/>
+              <a:off x="2060561" y="4632327"/>
               <a:ext cx="63202" cy="63202"/>
             </a:xfrm>
             <a:custGeom>
@@ -7532,7 +7532,7 @@
           </p:nvSpPr>
           <p:spPr>
             <a:xfrm>
-              <a:off x="2168673" y="4679462"/>
+              <a:off x="1696046" y="4679473"/>
               <a:ext cx="63202" cy="63202"/>
             </a:xfrm>
             <a:custGeom>
@@ -7575,7 +7575,7 @@
           </p:nvSpPr>
           <p:spPr>
             <a:xfrm>
-              <a:off x="2262313" y="4351035"/>
+              <a:off x="2070234" y="4351070"/>
               <a:ext cx="63202" cy="63202"/>
             </a:xfrm>
             <a:custGeom>
@@ -7618,7 +7618,7 @@
           </p:nvSpPr>
           <p:spPr>
             <a:xfrm>
-              <a:off x="2212149" y="4615226"/>
+              <a:off x="2171274" y="4615226"/>
               <a:ext cx="63202" cy="63202"/>
             </a:xfrm>
             <a:custGeom>
@@ -7661,7 +7661,7 @@
           </p:nvSpPr>
           <p:spPr>
             <a:xfrm>
-              <a:off x="1806723" y="4391874"/>
+              <a:off x="1668306" y="4391881"/>
               <a:ext cx="63202" cy="63202"/>
             </a:xfrm>
             <a:custGeom>
@@ -7704,7 +7704,7 @@
           </p:nvSpPr>
           <p:spPr>
             <a:xfrm>
-              <a:off x="1954479" y="4621800"/>
+              <a:off x="1757954" y="4621795"/>
               <a:ext cx="63202" cy="63202"/>
             </a:xfrm>
             <a:custGeom>
@@ -7747,7 +7747,7 @@
           </p:nvSpPr>
           <p:spPr>
             <a:xfrm>
-              <a:off x="2282205" y="4622201"/>
+              <a:off x="1831390" y="4622222"/>
               <a:ext cx="63202" cy="63202"/>
             </a:xfrm>
             <a:custGeom>
@@ -7790,7 +7790,7 @@
           </p:nvSpPr>
           <p:spPr>
             <a:xfrm>
-              <a:off x="1796302" y="4538822"/>
+              <a:off x="1927206" y="4538842"/>
               <a:ext cx="63202" cy="63202"/>
             </a:xfrm>
             <a:custGeom>
@@ -7833,7 +7833,7 @@
           </p:nvSpPr>
           <p:spPr>
             <a:xfrm>
-              <a:off x="1961018" y="4572505"/>
+              <a:off x="2272679" y="4572499"/>
               <a:ext cx="63202" cy="63202"/>
             </a:xfrm>
             <a:custGeom>
@@ -7932,7 +7932,7 @@
           </p:nvSpPr>
           <p:spPr>
             <a:xfrm>
-              <a:off x="1459435" y="6666253"/>
+              <a:off x="1459435" y="6666272"/>
               <a:ext cx="2796732" cy="0"/>
             </a:xfrm>
             <a:custGeom>
@@ -7975,7 +7975,7 @@
           </p:nvSpPr>
           <p:spPr>
             <a:xfrm>
-              <a:off x="1459435" y="6212283"/>
+              <a:off x="1459435" y="6212302"/>
               <a:ext cx="2796732" cy="0"/>
             </a:xfrm>
             <a:custGeom>
@@ -8018,7 +8018,7 @@
           </p:nvSpPr>
           <p:spPr>
             <a:xfrm>
-              <a:off x="1459435" y="5758313"/>
+              <a:off x="1459435" y="5758332"/>
               <a:ext cx="2796732" cy="0"/>
             </a:xfrm>
             <a:custGeom>
@@ -8061,7 +8061,7 @@
           </p:nvSpPr>
           <p:spPr>
             <a:xfrm>
-              <a:off x="1459435" y="5304342"/>
+              <a:off x="1459435" y="5304362"/>
               <a:ext cx="2796732" cy="0"/>
             </a:xfrm>
             <a:custGeom>
@@ -8104,7 +8104,7 @@
           </p:nvSpPr>
           <p:spPr>
             <a:xfrm>
-              <a:off x="1459435" y="6893238"/>
+              <a:off x="1459435" y="6893257"/>
               <a:ext cx="2796732" cy="0"/>
             </a:xfrm>
             <a:custGeom>
@@ -8147,7 +8147,7 @@
           </p:nvSpPr>
           <p:spPr>
             <a:xfrm>
-              <a:off x="1459435" y="6439268"/>
+              <a:off x="1459435" y="6439287"/>
               <a:ext cx="2796732" cy="0"/>
             </a:xfrm>
             <a:custGeom>
@@ -8190,7 +8190,7 @@
           </p:nvSpPr>
           <p:spPr>
             <a:xfrm>
-              <a:off x="1459435" y="5985298"/>
+              <a:off x="1459435" y="5985317"/>
               <a:ext cx="2796732" cy="0"/>
             </a:xfrm>
             <a:custGeom>
@@ -8233,7 +8233,7 @@
           </p:nvSpPr>
           <p:spPr>
             <a:xfrm>
-              <a:off x="1459435" y="5531328"/>
+              <a:off x="1459435" y="5531347"/>
               <a:ext cx="2796732" cy="0"/>
             </a:xfrm>
             <a:custGeom>
@@ -8405,7 +8405,7 @@
           </p:nvSpPr>
           <p:spPr>
             <a:xfrm>
-              <a:off x="2266967" y="5955425"/>
+              <a:off x="1652101" y="5955426"/>
               <a:ext cx="63202" cy="63202"/>
             </a:xfrm>
             <a:custGeom>
@@ -8448,7 +8448,7 @@
           </p:nvSpPr>
           <p:spPr>
             <a:xfrm>
-              <a:off x="2230364" y="5973366"/>
+              <a:off x="2053387" y="5973360"/>
               <a:ext cx="63202" cy="63202"/>
             </a:xfrm>
             <a:custGeom>
@@ -8491,7 +8491,7 @@
           </p:nvSpPr>
           <p:spPr>
             <a:xfrm>
-              <a:off x="2157076" y="5924914"/>
+              <a:off x="2160302" y="5924931"/>
               <a:ext cx="63202" cy="63202"/>
             </a:xfrm>
             <a:custGeom>
@@ -8534,7 +8534,7 @@
           </p:nvSpPr>
           <p:spPr>
             <a:xfrm>
-              <a:off x="1752212" y="6337202"/>
+              <a:off x="2206647" y="6337237"/>
               <a:ext cx="63202" cy="63202"/>
             </a:xfrm>
             <a:custGeom>
@@ -8577,7 +8577,7 @@
           </p:nvSpPr>
           <p:spPr>
             <a:xfrm>
-              <a:off x="1879429" y="6262623"/>
+              <a:off x="1796910" y="6262632"/>
               <a:ext cx="63202" cy="63202"/>
             </a:xfrm>
             <a:custGeom>
@@ -8620,7 +8620,7 @@
           </p:nvSpPr>
           <p:spPr>
             <a:xfrm>
-              <a:off x="1888803" y="6282900"/>
+              <a:off x="1923762" y="6282924"/>
               <a:ext cx="63202" cy="63202"/>
             </a:xfrm>
             <a:custGeom>
@@ -8663,7 +8663,7 @@
           </p:nvSpPr>
           <p:spPr>
             <a:xfrm>
-              <a:off x="1819207" y="6194408"/>
+              <a:off x="1847242" y="6194409"/>
               <a:ext cx="63202" cy="63202"/>
             </a:xfrm>
             <a:custGeom>
@@ -8706,7 +8706,7 @@
           </p:nvSpPr>
           <p:spPr>
             <a:xfrm>
-              <a:off x="2222176" y="6178175"/>
+              <a:off x="1735663" y="6178201"/>
               <a:ext cx="63202" cy="63202"/>
             </a:xfrm>
             <a:custGeom>
@@ -8749,7 +8749,7 @@
           </p:nvSpPr>
           <p:spPr>
             <a:xfrm>
-              <a:off x="1754029" y="6518710"/>
+              <a:off x="1687175" y="6518717"/>
               <a:ext cx="63202" cy="63202"/>
             </a:xfrm>
             <a:custGeom>
@@ -8792,7 +8792,7 @@
           </p:nvSpPr>
           <p:spPr>
             <a:xfrm>
-              <a:off x="2180366" y="6514696"/>
+              <a:off x="1764009" y="6514723"/>
               <a:ext cx="63202" cy="63202"/>
             </a:xfrm>
             <a:custGeom>
@@ -8835,7 +8835,7 @@
           </p:nvSpPr>
           <p:spPr>
             <a:xfrm>
-              <a:off x="1661290" y="6288227"/>
+              <a:off x="2257975" y="6288234"/>
               <a:ext cx="63202" cy="63202"/>
             </a:xfrm>
             <a:custGeom>
@@ -8878,7 +8878,7 @@
           </p:nvSpPr>
           <p:spPr>
             <a:xfrm>
-              <a:off x="2041553" y="6379015"/>
+              <a:off x="1675266" y="6379032"/>
               <a:ext cx="63202" cy="63202"/>
             </a:xfrm>
             <a:custGeom>
@@ -8921,7 +8921,7 @@
           </p:nvSpPr>
           <p:spPr>
             <a:xfrm>
-              <a:off x="2191172" y="6230996"/>
+              <a:off x="1801030" y="6231011"/>
               <a:ext cx="63202" cy="63202"/>
             </a:xfrm>
             <a:custGeom>
@@ -8964,7 +8964,7 @@
           </p:nvSpPr>
           <p:spPr>
             <a:xfrm>
-              <a:off x="1665152" y="6304340"/>
+              <a:off x="2242607" y="6304371"/>
               <a:ext cx="63202" cy="63202"/>
             </a:xfrm>
             <a:custGeom>
@@ -9007,7 +9007,7 @@
           </p:nvSpPr>
           <p:spPr>
             <a:xfrm>
-              <a:off x="2257483" y="6425734"/>
+              <a:off x="1778036" y="6425746"/>
               <a:ext cx="63202" cy="63202"/>
             </a:xfrm>
             <a:custGeom>
@@ -9050,7 +9050,7 @@
           </p:nvSpPr>
           <p:spPr>
             <a:xfrm>
-              <a:off x="1944928" y="6300541"/>
+              <a:off x="2120695" y="6300555"/>
               <a:ext cx="63202" cy="63202"/>
             </a:xfrm>
             <a:custGeom>
@@ -9093,7 +9093,7 @@
           </p:nvSpPr>
           <p:spPr>
             <a:xfrm>
-              <a:off x="1884845" y="6335897"/>
+              <a:off x="1887145" y="6335898"/>
               <a:ext cx="63202" cy="63202"/>
             </a:xfrm>
             <a:custGeom>
@@ -9136,7 +9136,7 @@
           </p:nvSpPr>
           <p:spPr>
             <a:xfrm>
-              <a:off x="1642632" y="6305834"/>
+              <a:off x="2160576" y="6305863"/>
               <a:ext cx="63202" cy="63202"/>
             </a:xfrm>
             <a:custGeom>
@@ -9179,7 +9179,7 @@
           </p:nvSpPr>
           <p:spPr>
             <a:xfrm>
-              <a:off x="2169277" y="6287261"/>
+              <a:off x="2215146" y="6287283"/>
               <a:ext cx="63202" cy="63202"/>
             </a:xfrm>
             <a:custGeom>
@@ -9222,7 +9222,7 @@
           </p:nvSpPr>
           <p:spPr>
             <a:xfrm>
-              <a:off x="1614972" y="6313996"/>
+              <a:off x="1892353" y="6314040"/>
               <a:ext cx="63202" cy="63202"/>
             </a:xfrm>
             <a:custGeom>
@@ -9265,7 +9265,7 @@
           </p:nvSpPr>
           <p:spPr>
             <a:xfrm>
-              <a:off x="1788421" y="6299346"/>
+              <a:off x="2281615" y="6299352"/>
               <a:ext cx="63202" cy="63202"/>
             </a:xfrm>
             <a:custGeom>
@@ -9308,7 +9308,7 @@
           </p:nvSpPr>
           <p:spPr>
             <a:xfrm>
-              <a:off x="1946224" y="6274661"/>
+              <a:off x="2013418" y="6274682"/>
               <a:ext cx="63202" cy="63202"/>
             </a:xfrm>
             <a:custGeom>
@@ -9351,7 +9351,7 @@
           </p:nvSpPr>
           <p:spPr>
             <a:xfrm>
-              <a:off x="1874122" y="6157361"/>
+              <a:off x="2120231" y="6157356"/>
               <a:ext cx="63202" cy="63202"/>
             </a:xfrm>
             <a:custGeom>
@@ -9394,7 +9394,7 @@
           </p:nvSpPr>
           <p:spPr>
             <a:xfrm>
-              <a:off x="2012843" y="6189143"/>
+              <a:off x="1940820" y="6189136"/>
               <a:ext cx="63202" cy="63202"/>
             </a:xfrm>
             <a:custGeom>
@@ -9437,7 +9437,7 @@
           </p:nvSpPr>
           <p:spPr>
             <a:xfrm>
-              <a:off x="1991337" y="6393244"/>
+              <a:off x="1722544" y="6393231"/>
               <a:ext cx="63202" cy="63202"/>
             </a:xfrm>
             <a:custGeom>
@@ -9480,7 +9480,7 @@
           </p:nvSpPr>
           <p:spPr>
             <a:xfrm>
-              <a:off x="2135264" y="6476993"/>
+              <a:off x="1860605" y="6477000"/>
               <a:ext cx="63202" cy="63202"/>
             </a:xfrm>
             <a:custGeom>
@@ -9523,7 +9523,7 @@
           </p:nvSpPr>
           <p:spPr>
             <a:xfrm>
-              <a:off x="2039828" y="6511271"/>
+              <a:off x="2294200" y="6511280"/>
               <a:ext cx="63202" cy="63202"/>
             </a:xfrm>
             <a:custGeom>
@@ -9566,7 +9566,7 @@
           </p:nvSpPr>
           <p:spPr>
             <a:xfrm>
-              <a:off x="1817486" y="6586448"/>
+              <a:off x="2261111" y="6586463"/>
               <a:ext cx="63202" cy="63202"/>
             </a:xfrm>
             <a:custGeom>
@@ -9609,7 +9609,7 @@
           </p:nvSpPr>
           <p:spPr>
             <a:xfrm>
-              <a:off x="1763761" y="6235293"/>
+              <a:off x="1781141" y="6235304"/>
               <a:ext cx="63202" cy="63202"/>
             </a:xfrm>
             <a:custGeom>
@@ -9652,7 +9652,7 @@
           </p:nvSpPr>
           <p:spPr>
             <a:xfrm>
-              <a:off x="1998934" y="6280188"/>
+              <a:off x="1839272" y="6280224"/>
               <a:ext cx="63202" cy="63202"/>
             </a:xfrm>
             <a:custGeom>
@@ -9695,7 +9695,7 @@
           </p:nvSpPr>
           <p:spPr>
             <a:xfrm>
-              <a:off x="1776249" y="6641161"/>
+              <a:off x="1976902" y="6641175"/>
               <a:ext cx="63202" cy="63202"/>
             </a:xfrm>
             <a:custGeom>
@@ -9738,7 +9738,7 @@
           </p:nvSpPr>
           <p:spPr>
             <a:xfrm>
-              <a:off x="1675940" y="5944785"/>
+              <a:off x="2033990" y="5944821"/>
               <a:ext cx="63202" cy="63202"/>
             </a:xfrm>
             <a:custGeom>
@@ -9781,7 +9781,7 @@
           </p:nvSpPr>
           <p:spPr>
             <a:xfrm>
-              <a:off x="2007538" y="6287319"/>
+              <a:off x="2011576" y="6287343"/>
               <a:ext cx="63202" cy="63202"/>
             </a:xfrm>
             <a:custGeom>
@@ -9824,7 +9824,7 @@
           </p:nvSpPr>
           <p:spPr>
             <a:xfrm>
-              <a:off x="1787130" y="6305359"/>
+              <a:off x="2034997" y="6305374"/>
               <a:ext cx="63202" cy="63202"/>
             </a:xfrm>
             <a:custGeom>
@@ -9867,7 +9867,7 @@
           </p:nvSpPr>
           <p:spPr>
             <a:xfrm>
-              <a:off x="1929397" y="6352771"/>
+              <a:off x="2177889" y="6352813"/>
               <a:ext cx="63202" cy="63202"/>
             </a:xfrm>
             <a:custGeom>
@@ -9910,7 +9910,7 @@
           </p:nvSpPr>
           <p:spPr>
             <a:xfrm>
-              <a:off x="2252131" y="6337266"/>
+              <a:off x="1961391" y="6337284"/>
               <a:ext cx="63202" cy="63202"/>
             </a:xfrm>
             <a:custGeom>
@@ -9953,7 +9953,7 @@
           </p:nvSpPr>
           <p:spPr>
             <a:xfrm>
-              <a:off x="1970228" y="6310684"/>
+              <a:off x="2130846" y="6310713"/>
               <a:ext cx="63202" cy="63202"/>
             </a:xfrm>
             <a:custGeom>
@@ -9996,7 +9996,7 @@
           </p:nvSpPr>
           <p:spPr>
             <a:xfrm>
-              <a:off x="1703423" y="6395672"/>
+              <a:off x="2284736" y="6395688"/>
               <a:ext cx="63202" cy="63202"/>
             </a:xfrm>
             <a:custGeom>
@@ -10039,7 +10039,7 @@
           </p:nvSpPr>
           <p:spPr>
             <a:xfrm>
-              <a:off x="1906056" y="6072548"/>
+              <a:off x="2173464" y="6072567"/>
               <a:ext cx="63202" cy="63202"/>
             </a:xfrm>
             <a:custGeom>
@@ -10082,7 +10082,7 @@
           </p:nvSpPr>
           <p:spPr>
             <a:xfrm>
-              <a:off x="1921733" y="6417978"/>
+              <a:off x="2169815" y="6417992"/>
               <a:ext cx="63202" cy="63202"/>
             </a:xfrm>
             <a:custGeom>
@@ -10125,7 +10125,7 @@
           </p:nvSpPr>
           <p:spPr>
             <a:xfrm>
-              <a:off x="1966514" y="5914332"/>
+              <a:off x="2267969" y="5914366"/>
               <a:ext cx="63202" cy="63202"/>
             </a:xfrm>
             <a:custGeom>
@@ -10168,7 +10168,7 @@
           </p:nvSpPr>
           <p:spPr>
             <a:xfrm>
-              <a:off x="1643725" y="6387471"/>
+              <a:off x="1797224" y="6387499"/>
               <a:ext cx="63202" cy="63202"/>
             </a:xfrm>
             <a:custGeom>
@@ -10211,7 +10211,7 @@
           </p:nvSpPr>
           <p:spPr>
             <a:xfrm>
-              <a:off x="2069931" y="6296631"/>
+              <a:off x="2190668" y="6296658"/>
               <a:ext cx="63202" cy="63202"/>
             </a:xfrm>
             <a:custGeom>
@@ -10254,7 +10254,7 @@
           </p:nvSpPr>
           <p:spPr>
             <a:xfrm>
-              <a:off x="1616982" y="6441835"/>
+              <a:off x="1786543" y="6441885"/>
               <a:ext cx="63202" cy="63202"/>
             </a:xfrm>
             <a:custGeom>
@@ -10297,7 +10297,7 @@
           </p:nvSpPr>
           <p:spPr>
             <a:xfrm>
-              <a:off x="2027515" y="5895258"/>
+              <a:off x="1990105" y="5895287"/>
               <a:ext cx="63202" cy="63202"/>
             </a:xfrm>
             <a:custGeom>
@@ -10340,7 +10340,7 @@
           </p:nvSpPr>
           <p:spPr>
             <a:xfrm>
-              <a:off x="2294388" y="6308946"/>
+              <a:off x="1740573" y="6308963"/>
               <a:ext cx="63202" cy="63202"/>
             </a:xfrm>
             <a:custGeom>
@@ -10383,7 +10383,7 @@
           </p:nvSpPr>
           <p:spPr>
             <a:xfrm>
-              <a:off x="1695329" y="6245792"/>
+              <a:off x="1688714" y="6245815"/>
               <a:ext cx="63202" cy="63202"/>
             </a:xfrm>
             <a:custGeom>
@@ -10426,7 +10426,7 @@
           </p:nvSpPr>
           <p:spPr>
             <a:xfrm>
-              <a:off x="1649241" y="6236753"/>
+              <a:off x="2246628" y="6236779"/>
               <a:ext cx="63202" cy="63202"/>
             </a:xfrm>
             <a:custGeom>
@@ -10469,7 +10469,7 @@
           </p:nvSpPr>
           <p:spPr>
             <a:xfrm>
-              <a:off x="2087811" y="5889787"/>
+              <a:off x="1812692" y="5889802"/>
               <a:ext cx="63202" cy="63202"/>
             </a:xfrm>
             <a:custGeom>
@@ -10512,7 +10512,7 @@
           </p:nvSpPr>
           <p:spPr>
             <a:xfrm>
-              <a:off x="1908803" y="6225863"/>
+              <a:off x="1883300" y="6225885"/>
               <a:ext cx="63202" cy="63202"/>
             </a:xfrm>
             <a:custGeom>
@@ -10555,7 +10555,7 @@
           </p:nvSpPr>
           <p:spPr>
             <a:xfrm>
-              <a:off x="2145556" y="6281447"/>
+              <a:off x="1778468" y="6281488"/>
               <a:ext cx="63202" cy="63202"/>
             </a:xfrm>
             <a:custGeom>
@@ -10598,7 +10598,7 @@
           </p:nvSpPr>
           <p:spPr>
             <a:xfrm>
-              <a:off x="2014439" y="6361256"/>
+              <a:off x="2273683" y="6361290"/>
               <a:ext cx="63202" cy="63202"/>
             </a:xfrm>
             <a:custGeom>
@@ -10641,7 +10641,7 @@
           </p:nvSpPr>
           <p:spPr>
             <a:xfrm>
-              <a:off x="2156243" y="6277360"/>
+              <a:off x="1993909" y="6277393"/>
               <a:ext cx="63202" cy="63202"/>
             </a:xfrm>
             <a:custGeom>
@@ -10684,7 +10684,7 @@
           </p:nvSpPr>
           <p:spPr>
             <a:xfrm>
-              <a:off x="1799048" y="6282563"/>
+              <a:off x="1861508" y="6282587"/>
               <a:ext cx="63202" cy="63202"/>
             </a:xfrm>
             <a:custGeom>
@@ -10727,7 +10727,7 @@
           </p:nvSpPr>
           <p:spPr>
             <a:xfrm>
-              <a:off x="1809459" y="6069715"/>
+              <a:off x="2146199" y="6069752"/>
               <a:ext cx="63202" cy="63202"/>
             </a:xfrm>
             <a:custGeom>
@@ -10770,7 +10770,7 @@
           </p:nvSpPr>
           <p:spPr>
             <a:xfrm>
-              <a:off x="1729509" y="6387483"/>
+              <a:off x="2171861" y="6387487"/>
               <a:ext cx="63202" cy="63202"/>
             </a:xfrm>
             <a:custGeom>
@@ -10813,7 +10813,7 @@
           </p:nvSpPr>
           <p:spPr>
             <a:xfrm>
-              <a:off x="1971575" y="6229864"/>
+              <a:off x="1659585" y="6229882"/>
               <a:ext cx="63202" cy="63202"/>
             </a:xfrm>
             <a:custGeom>
@@ -10856,7 +10856,7 @@
           </p:nvSpPr>
           <p:spPr>
             <a:xfrm>
-              <a:off x="1822278" y="5916435"/>
+              <a:off x="1731755" y="5916453"/>
               <a:ext cx="63202" cy="63202"/>
             </a:xfrm>
             <a:custGeom>
@@ -10899,7 +10899,7 @@
           </p:nvSpPr>
           <p:spPr>
             <a:xfrm>
-              <a:off x="1872518" y="5914843"/>
+              <a:off x="1868104" y="5914868"/>
               <a:ext cx="63202" cy="63202"/>
             </a:xfrm>
             <a:custGeom>
@@ -10942,7 +10942,7 @@
           </p:nvSpPr>
           <p:spPr>
             <a:xfrm>
-              <a:off x="1670769" y="5914607"/>
+              <a:off x="1651135" y="5914637"/>
               <a:ext cx="63202" cy="63202"/>
             </a:xfrm>
             <a:custGeom>
@@ -10985,7 +10985,7 @@
           </p:nvSpPr>
           <p:spPr>
             <a:xfrm>
-              <a:off x="2298153" y="5914473"/>
+              <a:off x="2068748" y="5914483"/>
               <a:ext cx="63202" cy="63202"/>
             </a:xfrm>
             <a:custGeom>
@@ -11028,7 +11028,7 @@
           </p:nvSpPr>
           <p:spPr>
             <a:xfrm>
-              <a:off x="1768997" y="5914484"/>
+              <a:off x="1799766" y="5914489"/>
               <a:ext cx="63202" cy="63202"/>
             </a:xfrm>
             <a:custGeom>
@@ -11071,7 +11071,7 @@
           </p:nvSpPr>
           <p:spPr>
             <a:xfrm>
-              <a:off x="1725723" y="6094896"/>
+              <a:off x="1885066" y="6094903"/>
               <a:ext cx="63202" cy="63202"/>
             </a:xfrm>
             <a:custGeom>
@@ -11114,7 +11114,7 @@
           </p:nvSpPr>
           <p:spPr>
             <a:xfrm>
-              <a:off x="1621020" y="6087949"/>
+              <a:off x="1867383" y="6087968"/>
               <a:ext cx="63202" cy="63202"/>
             </a:xfrm>
             <a:custGeom>
@@ -11157,7 +11157,7 @@
           </p:nvSpPr>
           <p:spPr>
             <a:xfrm>
-              <a:off x="2218710" y="6364951"/>
+              <a:off x="1882660" y="6364982"/>
               <a:ext cx="63202" cy="63202"/>
             </a:xfrm>
             <a:custGeom>
@@ -11200,7 +11200,7 @@
           </p:nvSpPr>
           <p:spPr>
             <a:xfrm>
-              <a:off x="2067417" y="5925159"/>
+              <a:off x="2034483" y="5925150"/>
               <a:ext cx="63202" cy="63202"/>
             </a:xfrm>
             <a:custGeom>
@@ -11243,7 +11243,7 @@
           </p:nvSpPr>
           <p:spPr>
             <a:xfrm>
-              <a:off x="1957079" y="6185255"/>
+              <a:off x="1782840" y="6185287"/>
               <a:ext cx="63202" cy="63202"/>
             </a:xfrm>
             <a:custGeom>
@@ -11286,7 +11286,7 @@
           </p:nvSpPr>
           <p:spPr>
             <a:xfrm>
-              <a:off x="1966411" y="6102455"/>
+              <a:off x="1885122" y="6102490"/>
               <a:ext cx="63202" cy="63202"/>
             </a:xfrm>
             <a:custGeom>
@@ -11329,7 +11329,7 @@
           </p:nvSpPr>
           <p:spPr>
             <a:xfrm>
-              <a:off x="2060015" y="6375795"/>
+              <a:off x="2231020" y="6375835"/>
               <a:ext cx="63202" cy="63202"/>
             </a:xfrm>
             <a:custGeom>
@@ -11372,7 +11372,7 @@
           </p:nvSpPr>
           <p:spPr>
             <a:xfrm>
-              <a:off x="1792927" y="5931979"/>
+              <a:off x="2244986" y="5932022"/>
               <a:ext cx="63202" cy="63202"/>
             </a:xfrm>
             <a:custGeom>
@@ -11415,7 +11415,7 @@
           </p:nvSpPr>
           <p:spPr>
             <a:xfrm>
-              <a:off x="1798090" y="6292948"/>
+              <a:off x="1986925" y="6292967"/>
               <a:ext cx="63202" cy="63202"/>
             </a:xfrm>
             <a:custGeom>
@@ -11458,7 +11458,7 @@
           </p:nvSpPr>
           <p:spPr>
             <a:xfrm>
-              <a:off x="1623024" y="6513274"/>
+              <a:off x="2231151" y="6513281"/>
               <a:ext cx="63202" cy="63202"/>
             </a:xfrm>
             <a:custGeom>
@@ -11501,7 +11501,7 @@
           </p:nvSpPr>
           <p:spPr>
             <a:xfrm>
-              <a:off x="2169801" y="6080113"/>
+              <a:off x="1734513" y="6080151"/>
               <a:ext cx="63202" cy="63202"/>
             </a:xfrm>
             <a:custGeom>
@@ -11544,7 +11544,7 @@
           </p:nvSpPr>
           <p:spPr>
             <a:xfrm>
-              <a:off x="1758636" y="6359830"/>
+              <a:off x="1675803" y="6359832"/>
               <a:ext cx="63202" cy="63202"/>
             </a:xfrm>
             <a:custGeom>
@@ -11587,7 +11587,7 @@
           </p:nvSpPr>
           <p:spPr>
             <a:xfrm>
-              <a:off x="1747683" y="5909665"/>
+              <a:off x="2099433" y="5909682"/>
               <a:ext cx="63202" cy="63202"/>
             </a:xfrm>
             <a:custGeom>
@@ -11630,7 +11630,7 @@
           </p:nvSpPr>
           <p:spPr>
             <a:xfrm>
-              <a:off x="2162438" y="6040196"/>
+              <a:off x="2256061" y="6040204"/>
               <a:ext cx="63202" cy="63202"/>
             </a:xfrm>
             <a:custGeom>
@@ -11673,7 +11673,7 @@
           </p:nvSpPr>
           <p:spPr>
             <a:xfrm>
-              <a:off x="2275534" y="6001682"/>
+              <a:off x="1719389" y="6001706"/>
               <a:ext cx="63202" cy="63202"/>
             </a:xfrm>
             <a:custGeom>
@@ -11716,7 +11716,7 @@
           </p:nvSpPr>
           <p:spPr>
             <a:xfrm>
-              <a:off x="1734519" y="6031417"/>
+              <a:off x="1822405" y="6031431"/>
               <a:ext cx="63202" cy="63202"/>
             </a:xfrm>
             <a:custGeom>
@@ -11759,7 +11759,7 @@
           </p:nvSpPr>
           <p:spPr>
             <a:xfrm>
-              <a:off x="2101952" y="5903257"/>
+              <a:off x="2160718" y="5903273"/>
               <a:ext cx="63202" cy="63202"/>
             </a:xfrm>
             <a:custGeom>
@@ -11802,7 +11802,7 @@
           </p:nvSpPr>
           <p:spPr>
             <a:xfrm>
-              <a:off x="2218223" y="5901120"/>
+              <a:off x="2028599" y="5901152"/>
               <a:ext cx="63202" cy="63202"/>
             </a:xfrm>
             <a:custGeom>
@@ -11845,7 +11845,7 @@
           </p:nvSpPr>
           <p:spPr>
             <a:xfrm>
-              <a:off x="2006671" y="6067554"/>
+              <a:off x="1871523" y="6067557"/>
               <a:ext cx="63202" cy="63202"/>
             </a:xfrm>
             <a:custGeom>
@@ -11888,7 +11888,7 @@
           </p:nvSpPr>
           <p:spPr>
             <a:xfrm>
-              <a:off x="1742620" y="6060285"/>
+              <a:off x="1728480" y="6060325"/>
               <a:ext cx="63202" cy="63202"/>
             </a:xfrm>
             <a:custGeom>
@@ -11931,7 +11931,7 @@
           </p:nvSpPr>
           <p:spPr>
             <a:xfrm>
-              <a:off x="1849139" y="5912808"/>
+              <a:off x="1776714" y="5912813"/>
               <a:ext cx="63202" cy="63202"/>
             </a:xfrm>
             <a:custGeom>
@@ -11974,7 +11974,7 @@
           </p:nvSpPr>
           <p:spPr>
             <a:xfrm>
-              <a:off x="1674473" y="5918188"/>
+              <a:off x="1778698" y="5918197"/>
               <a:ext cx="63202" cy="63202"/>
             </a:xfrm>
             <a:custGeom>
@@ -12017,7 +12017,7 @@
           </p:nvSpPr>
           <p:spPr>
             <a:xfrm>
-              <a:off x="2076411" y="5918278"/>
+              <a:off x="1889584" y="5918307"/>
               <a:ext cx="63202" cy="63202"/>
             </a:xfrm>
             <a:custGeom>
@@ -12060,7 +12060,7 @@
           </p:nvSpPr>
           <p:spPr>
             <a:xfrm>
-              <a:off x="1902908" y="5956403"/>
+              <a:off x="1627515" y="5956443"/>
               <a:ext cx="63202" cy="63202"/>
             </a:xfrm>
             <a:custGeom>
@@ -12103,7 +12103,7 @@
           </p:nvSpPr>
           <p:spPr>
             <a:xfrm>
-              <a:off x="1991649" y="5910668"/>
+              <a:off x="1736697" y="5910684"/>
               <a:ext cx="63202" cy="63202"/>
             </a:xfrm>
             <a:custGeom>
@@ -12146,7 +12146,7 @@
           </p:nvSpPr>
           <p:spPr>
             <a:xfrm>
-              <a:off x="1760667" y="6280182"/>
+              <a:off x="1980893" y="6280222"/>
               <a:ext cx="63202" cy="63202"/>
             </a:xfrm>
             <a:custGeom>
@@ -12189,7 +12189,7 @@
           </p:nvSpPr>
           <p:spPr>
             <a:xfrm>
-              <a:off x="2139360" y="5926766"/>
+              <a:off x="2197600" y="5926783"/>
               <a:ext cx="63202" cy="63202"/>
             </a:xfrm>
             <a:custGeom>
@@ -12232,7 +12232,7 @@
           </p:nvSpPr>
           <p:spPr>
             <a:xfrm>
-              <a:off x="2022127" y="5866428"/>
+              <a:off x="1907482" y="5866456"/>
               <a:ext cx="63202" cy="63202"/>
             </a:xfrm>
             <a:custGeom>
@@ -12275,7 +12275,7 @@
           </p:nvSpPr>
           <p:spPr>
             <a:xfrm>
-              <a:off x="2161685" y="6192032"/>
+              <a:off x="1978065" y="6192053"/>
               <a:ext cx="63202" cy="63202"/>
             </a:xfrm>
             <a:custGeom>
@@ -12318,7 +12318,7 @@
           </p:nvSpPr>
           <p:spPr>
             <a:xfrm>
-              <a:off x="2042756" y="6535882"/>
+              <a:off x="2066919" y="6535871"/>
               <a:ext cx="63202" cy="63202"/>
             </a:xfrm>
             <a:custGeom>
@@ -12361,7 +12361,7 @@
           </p:nvSpPr>
           <p:spPr>
             <a:xfrm>
-              <a:off x="1751795" y="6254890"/>
+              <a:off x="2009887" y="6254928"/>
               <a:ext cx="63202" cy="63202"/>
             </a:xfrm>
             <a:custGeom>
@@ -12404,7 +12404,7 @@
           </p:nvSpPr>
           <p:spPr>
             <a:xfrm>
-              <a:off x="1899380" y="6244837"/>
+              <a:off x="2214541" y="6244857"/>
               <a:ext cx="63202" cy="63202"/>
             </a:xfrm>
             <a:custGeom>
@@ -12447,7 +12447,7 @@
           </p:nvSpPr>
           <p:spPr>
             <a:xfrm>
-              <a:off x="1765915" y="5905904"/>
+              <a:off x="2300452" y="5905926"/>
               <a:ext cx="63202" cy="63202"/>
             </a:xfrm>
             <a:custGeom>
@@ -12490,7 +12490,7 @@
           </p:nvSpPr>
           <p:spPr>
             <a:xfrm>
-              <a:off x="2232756" y="5966800"/>
+              <a:off x="1758637" y="5966845"/>
               <a:ext cx="63202" cy="63202"/>
             </a:xfrm>
             <a:custGeom>
@@ -12533,7 +12533,7 @@
           </p:nvSpPr>
           <p:spPr>
             <a:xfrm>
-              <a:off x="2270071" y="6248535"/>
+              <a:off x="2138142" y="6248580"/>
               <a:ext cx="63202" cy="63202"/>
             </a:xfrm>
             <a:custGeom>
@@ -12576,7 +12576,7 @@
           </p:nvSpPr>
           <p:spPr>
             <a:xfrm>
-              <a:off x="1879905" y="6257461"/>
+              <a:off x="1939073" y="6257472"/>
               <a:ext cx="63202" cy="63202"/>
             </a:xfrm>
             <a:custGeom>
@@ -12619,7 +12619,7 @@
           </p:nvSpPr>
           <p:spPr>
             <a:xfrm>
-              <a:off x="2036106" y="6255808"/>
+              <a:off x="1884989" y="6255818"/>
               <a:ext cx="63202" cy="63202"/>
             </a:xfrm>
             <a:custGeom>
@@ -12662,7 +12662,7 @@
           </p:nvSpPr>
           <p:spPr>
             <a:xfrm>
-              <a:off x="1628809" y="6355469"/>
+              <a:off x="1724398" y="6355473"/>
               <a:ext cx="63202" cy="63202"/>
             </a:xfrm>
             <a:custGeom>
@@ -12705,7 +12705,7 @@
           </p:nvSpPr>
           <p:spPr>
             <a:xfrm>
-              <a:off x="2102904" y="6301968"/>
+              <a:off x="1641716" y="6302009"/>
               <a:ext cx="63202" cy="63202"/>
             </a:xfrm>
             <a:custGeom>
@@ -12748,7 +12748,7 @@
           </p:nvSpPr>
           <p:spPr>
             <a:xfrm>
-              <a:off x="1823420" y="5922618"/>
+              <a:off x="2002013" y="5922620"/>
               <a:ext cx="63202" cy="63202"/>
             </a:xfrm>
             <a:custGeom>
@@ -12791,7 +12791,7 @@
           </p:nvSpPr>
           <p:spPr>
             <a:xfrm>
-              <a:off x="2193592" y="6353501"/>
+              <a:off x="2159691" y="6353515"/>
               <a:ext cx="63202" cy="63202"/>
             </a:xfrm>
             <a:custGeom>
@@ -12834,7 +12834,7 @@
           </p:nvSpPr>
           <p:spPr>
             <a:xfrm>
-              <a:off x="1890442" y="6359108"/>
+              <a:off x="1850130" y="6359122"/>
               <a:ext cx="63202" cy="63202"/>
             </a:xfrm>
             <a:custGeom>
@@ -12877,7 +12877,7 @@
           </p:nvSpPr>
           <p:spPr>
             <a:xfrm>
-              <a:off x="2129786" y="6328954"/>
+              <a:off x="2267111" y="6328951"/>
               <a:ext cx="63202" cy="63202"/>
             </a:xfrm>
             <a:custGeom>
@@ -12920,7 +12920,7 @@
           </p:nvSpPr>
           <p:spPr>
             <a:xfrm>
-              <a:off x="2215301" y="6419192"/>
+              <a:off x="2157099" y="6419229"/>
               <a:ext cx="63202" cy="63202"/>
             </a:xfrm>
             <a:custGeom>
@@ -12963,7 +12963,7 @@
           </p:nvSpPr>
           <p:spPr>
             <a:xfrm>
-              <a:off x="2036683" y="6358940"/>
+              <a:off x="1637624" y="6358969"/>
               <a:ext cx="63202" cy="63202"/>
             </a:xfrm>
             <a:custGeom>
@@ -13006,7 +13006,7 @@
           </p:nvSpPr>
           <p:spPr>
             <a:xfrm>
-              <a:off x="2072136" y="5980990"/>
+              <a:off x="1803523" y="5981009"/>
               <a:ext cx="63202" cy="63202"/>
             </a:xfrm>
             <a:custGeom>
@@ -13049,7 +13049,7 @@
           </p:nvSpPr>
           <p:spPr>
             <a:xfrm>
-              <a:off x="1965454" y="6483917"/>
+              <a:off x="1753146" y="6483950"/>
               <a:ext cx="63202" cy="63202"/>
             </a:xfrm>
             <a:custGeom>
@@ -13092,7 +13092,7 @@
           </p:nvSpPr>
           <p:spPr>
             <a:xfrm>
-              <a:off x="2244979" y="6336632"/>
+              <a:off x="1642165" y="6336629"/>
               <a:ext cx="63202" cy="63202"/>
             </a:xfrm>
             <a:custGeom>
@@ -13135,7 +13135,7 @@
           </p:nvSpPr>
           <p:spPr>
             <a:xfrm>
-              <a:off x="2048123" y="5928692"/>
+              <a:off x="1963207" y="5928700"/>
               <a:ext cx="63202" cy="63202"/>
             </a:xfrm>
             <a:custGeom>
@@ -13178,7 +13178,7 @@
           </p:nvSpPr>
           <p:spPr>
             <a:xfrm>
-              <a:off x="1855715" y="5926259"/>
+              <a:off x="1917880" y="5926290"/>
               <a:ext cx="63202" cy="63202"/>
             </a:xfrm>
             <a:custGeom>
@@ -13221,7 +13221,7 @@
           </p:nvSpPr>
           <p:spPr>
             <a:xfrm>
-              <a:off x="2017905" y="5943363"/>
+              <a:off x="2122183" y="5943380"/>
               <a:ext cx="63202" cy="63202"/>
             </a:xfrm>
             <a:custGeom>
@@ -13264,7 +13264,7 @@
           </p:nvSpPr>
           <p:spPr>
             <a:xfrm>
-              <a:off x="2128372" y="5934707"/>
+              <a:off x="1629865" y="5934737"/>
               <a:ext cx="63202" cy="63202"/>
             </a:xfrm>
             <a:custGeom>
@@ -13307,7 +13307,7 @@
           </p:nvSpPr>
           <p:spPr>
             <a:xfrm>
-              <a:off x="2069842" y="6062595"/>
+              <a:off x="1739598" y="6062623"/>
               <a:ext cx="63202" cy="63202"/>
             </a:xfrm>
             <a:custGeom>
@@ -13350,7 +13350,7 @@
           </p:nvSpPr>
           <p:spPr>
             <a:xfrm>
-              <a:off x="2184499" y="6625966"/>
+              <a:off x="2096716" y="6626002"/>
               <a:ext cx="63202" cy="63202"/>
             </a:xfrm>
             <a:custGeom>
@@ -13393,7 +13393,7 @@
           </p:nvSpPr>
           <p:spPr>
             <a:xfrm>
-              <a:off x="2007622" y="6223481"/>
+              <a:off x="1886280" y="6223522"/>
               <a:ext cx="63202" cy="63202"/>
             </a:xfrm>
             <a:custGeom>
@@ -13436,7 +13436,7 @@
           </p:nvSpPr>
           <p:spPr>
             <a:xfrm>
-              <a:off x="2011793" y="6183186"/>
+              <a:off x="1801654" y="6183189"/>
               <a:ext cx="63202" cy="63202"/>
             </a:xfrm>
             <a:custGeom>
@@ -13479,7 +13479,7 @@
           </p:nvSpPr>
           <p:spPr>
             <a:xfrm>
-              <a:off x="1772243" y="6628353"/>
+              <a:off x="2015436" y="6628342"/>
               <a:ext cx="63202" cy="63202"/>
             </a:xfrm>
             <a:custGeom>
@@ -13522,7 +13522,7 @@
           </p:nvSpPr>
           <p:spPr>
             <a:xfrm>
-              <a:off x="2301783" y="6328163"/>
+              <a:off x="2287934" y="6328210"/>
               <a:ext cx="63202" cy="63202"/>
             </a:xfrm>
             <a:custGeom>
@@ -13621,7 +13621,7 @@
           </p:nvSpPr>
           <p:spPr>
             <a:xfrm>
-              <a:off x="4325757" y="2815588"/>
+              <a:off x="4325757" y="2815606"/>
               <a:ext cx="2796732" cy="0"/>
             </a:xfrm>
             <a:custGeom>
@@ -13664,7 +13664,7 @@
           </p:nvSpPr>
           <p:spPr>
             <a:xfrm>
-              <a:off x="4325757" y="2361618"/>
+              <a:off x="4325757" y="2361636"/>
               <a:ext cx="2796732" cy="0"/>
             </a:xfrm>
             <a:custGeom>
@@ -13707,7 +13707,7 @@
           </p:nvSpPr>
           <p:spPr>
             <a:xfrm>
-              <a:off x="4325757" y="1907647"/>
+              <a:off x="4325757" y="1907666"/>
               <a:ext cx="2796732" cy="0"/>
             </a:xfrm>
             <a:custGeom>
@@ -13750,7 +13750,7 @@
           </p:nvSpPr>
           <p:spPr>
             <a:xfrm>
-              <a:off x="4325757" y="1453677"/>
+              <a:off x="4325757" y="1453696"/>
               <a:ext cx="2796732" cy="0"/>
             </a:xfrm>
             <a:custGeom>
@@ -13793,7 +13793,7 @@
           </p:nvSpPr>
           <p:spPr>
             <a:xfrm>
-              <a:off x="4325757" y="3042573"/>
+              <a:off x="4325757" y="3042591"/>
               <a:ext cx="2796732" cy="0"/>
             </a:xfrm>
             <a:custGeom>
@@ -13836,7 +13836,7 @@
           </p:nvSpPr>
           <p:spPr>
             <a:xfrm>
-              <a:off x="4325757" y="2588603"/>
+              <a:off x="4325757" y="2588621"/>
               <a:ext cx="2796732" cy="0"/>
             </a:xfrm>
             <a:custGeom>
@@ -13879,7 +13879,7 @@
           </p:nvSpPr>
           <p:spPr>
             <a:xfrm>
-              <a:off x="4325757" y="2134633"/>
+              <a:off x="4325757" y="2134651"/>
               <a:ext cx="2796732" cy="0"/>
             </a:xfrm>
             <a:custGeom>
@@ -13922,7 +13922,7 @@
           </p:nvSpPr>
           <p:spPr>
             <a:xfrm>
-              <a:off x="4325757" y="1680662"/>
+              <a:off x="4325757" y="1680681"/>
               <a:ext cx="2796732" cy="0"/>
             </a:xfrm>
             <a:custGeom>
@@ -14094,7 +14094,7 @@
           </p:nvSpPr>
           <p:spPr>
             <a:xfrm>
-              <a:off x="5055875" y="2249980"/>
+              <a:off x="4762136" y="2250017"/>
               <a:ext cx="63202" cy="63202"/>
             </a:xfrm>
             <a:custGeom>
@@ -14137,7 +14137,7 @@
           </p:nvSpPr>
           <p:spPr>
             <a:xfrm>
-              <a:off x="4777512" y="2284747"/>
+              <a:off x="5057627" y="2284772"/>
               <a:ext cx="63202" cy="63202"/>
             </a:xfrm>
             <a:custGeom>
@@ -14180,7 +14180,7 @@
           </p:nvSpPr>
           <p:spPr>
             <a:xfrm>
-              <a:off x="4601515" y="2521759"/>
+              <a:off x="4947884" y="2521806"/>
               <a:ext cx="63202" cy="63202"/>
             </a:xfrm>
             <a:custGeom>
@@ -14223,7 +14223,7 @@
           </p:nvSpPr>
           <p:spPr>
             <a:xfrm>
-              <a:off x="4995476" y="2239387"/>
+              <a:off x="4867668" y="2239409"/>
               <a:ext cx="63202" cy="63202"/>
             </a:xfrm>
             <a:custGeom>
@@ -14266,7 +14266,7 @@
           </p:nvSpPr>
           <p:spPr>
             <a:xfrm>
-              <a:off x="5039699" y="2310668"/>
+              <a:off x="5103308" y="2310705"/>
               <a:ext cx="63202" cy="63202"/>
             </a:xfrm>
             <a:custGeom>
@@ -14309,7 +14309,7 @@
           </p:nvSpPr>
           <p:spPr>
             <a:xfrm>
-              <a:off x="4884978" y="2550366"/>
+              <a:off x="4502479" y="2550406"/>
               <a:ext cx="63202" cy="63202"/>
             </a:xfrm>
             <a:custGeom>
@@ -14352,7 +14352,7 @@
           </p:nvSpPr>
           <p:spPr>
             <a:xfrm>
-              <a:off x="4994852" y="2279088"/>
+              <a:off x="4472669" y="2279110"/>
               <a:ext cx="63202" cy="63202"/>
             </a:xfrm>
             <a:custGeom>
@@ -14395,7 +14395,7 @@
           </p:nvSpPr>
           <p:spPr>
             <a:xfrm>
-              <a:off x="5959305" y="2933814"/>
+              <a:off x="5594508" y="2933798"/>
               <a:ext cx="63202" cy="63202"/>
             </a:xfrm>
             <a:custGeom>
@@ -14438,7 +14438,7 @@
           </p:nvSpPr>
           <p:spPr>
             <a:xfrm>
-              <a:off x="4858959" y="2251465"/>
+              <a:off x="4647651" y="2251513"/>
               <a:ext cx="63202" cy="63202"/>
             </a:xfrm>
             <a:custGeom>
@@ -14481,7 +14481,7 @@
           </p:nvSpPr>
           <p:spPr>
             <a:xfrm>
-              <a:off x="4528698" y="2590795"/>
+              <a:off x="4517244" y="2590799"/>
               <a:ext cx="63202" cy="63202"/>
             </a:xfrm>
             <a:custGeom>
@@ -14524,7 +14524,7 @@
           </p:nvSpPr>
           <p:spPr>
             <a:xfrm>
-              <a:off x="4534999" y="2835938"/>
+              <a:off x="4567093" y="2835954"/>
               <a:ext cx="63202" cy="63202"/>
             </a:xfrm>
             <a:custGeom>
@@ -14567,7 +14567,7 @@
           </p:nvSpPr>
           <p:spPr>
             <a:xfrm>
-              <a:off x="5012721" y="2254189"/>
+              <a:off x="5024493" y="2254216"/>
               <a:ext cx="63202" cy="63202"/>
             </a:xfrm>
             <a:custGeom>
@@ -14610,7 +14610,7 @@
           </p:nvSpPr>
           <p:spPr>
             <a:xfrm>
-              <a:off x="4725039" y="2247089"/>
+              <a:off x="5111191" y="2247094"/>
               <a:ext cx="63202" cy="63202"/>
             </a:xfrm>
             <a:custGeom>
@@ -14653,7 +14653,7 @@
           </p:nvSpPr>
           <p:spPr>
             <a:xfrm>
-              <a:off x="4696297" y="2273059"/>
+              <a:off x="4903075" y="2273055"/>
               <a:ext cx="63202" cy="63202"/>
             </a:xfrm>
             <a:custGeom>
@@ -14696,7 +14696,7 @@
           </p:nvSpPr>
           <p:spPr>
             <a:xfrm>
-              <a:off x="4755352" y="2294922"/>
+              <a:off x="5052683" y="2294953"/>
               <a:ext cx="63202" cy="63202"/>
             </a:xfrm>
             <a:custGeom>
@@ -14739,7 +14739,7 @@
           </p:nvSpPr>
           <p:spPr>
             <a:xfrm>
-              <a:off x="4794065" y="2282493"/>
+              <a:off x="4729662" y="2282518"/>
               <a:ext cx="63202" cy="63202"/>
             </a:xfrm>
             <a:custGeom>
@@ -14782,7 +14782,7 @@
           </p:nvSpPr>
           <p:spPr>
             <a:xfrm>
-              <a:off x="5147141" y="2301677"/>
+              <a:off x="5042833" y="2301712"/>
               <a:ext cx="63202" cy="63202"/>
             </a:xfrm>
             <a:custGeom>
@@ -14825,7 +14825,7 @@
           </p:nvSpPr>
           <p:spPr>
             <a:xfrm>
-              <a:off x="4983327" y="2274913"/>
+              <a:off x="5125228" y="2274907"/>
               <a:ext cx="63202" cy="63202"/>
             </a:xfrm>
             <a:custGeom>
@@ -14868,7 +14868,7 @@
           </p:nvSpPr>
           <p:spPr>
             <a:xfrm>
-              <a:off x="5012367" y="2270940"/>
+              <a:off x="4820585" y="2270959"/>
               <a:ext cx="63202" cy="63202"/>
             </a:xfrm>
             <a:custGeom>
@@ -14911,7 +14911,7 @@
           </p:nvSpPr>
           <p:spPr>
             <a:xfrm>
-              <a:off x="4558200" y="2419804"/>
+              <a:off x="4649019" y="2419823"/>
               <a:ext cx="63202" cy="63202"/>
             </a:xfrm>
             <a:custGeom>
@@ -14954,7 +14954,7 @@
           </p:nvSpPr>
           <p:spPr>
             <a:xfrm>
-              <a:off x="4685569" y="2269835"/>
+              <a:off x="5153060" y="2269855"/>
               <a:ext cx="63202" cy="63202"/>
             </a:xfrm>
             <a:custGeom>
@@ -14997,7 +14997,7 @@
           </p:nvSpPr>
           <p:spPr>
             <a:xfrm>
-              <a:off x="4580798" y="2405415"/>
+              <a:off x="4859363" y="2405455"/>
               <a:ext cx="63202" cy="63202"/>
             </a:xfrm>
             <a:custGeom>
@@ -15040,7 +15040,7 @@
           </p:nvSpPr>
           <p:spPr>
             <a:xfrm>
-              <a:off x="4500330" y="2494476"/>
+              <a:off x="4733350" y="2494518"/>
               <a:ext cx="63202" cy="63202"/>
             </a:xfrm>
             <a:custGeom>
@@ -15083,7 +15083,7 @@
           </p:nvSpPr>
           <p:spPr>
             <a:xfrm>
-              <a:off x="4715782" y="2464574"/>
+              <a:off x="4803872" y="2464599"/>
               <a:ext cx="63202" cy="63202"/>
             </a:xfrm>
             <a:custGeom>
@@ -15126,7 +15126,7 @@
           </p:nvSpPr>
           <p:spPr>
             <a:xfrm>
-              <a:off x="4621864" y="2415095"/>
+              <a:off x="4754067" y="2415097"/>
               <a:ext cx="63202" cy="63202"/>
             </a:xfrm>
             <a:custGeom>
@@ -15169,7 +15169,7 @@
           </p:nvSpPr>
           <p:spPr>
             <a:xfrm>
-              <a:off x="4563323" y="2275116"/>
+              <a:off x="4783010" y="2275153"/>
               <a:ext cx="63202" cy="63202"/>
             </a:xfrm>
             <a:custGeom>
@@ -15212,7 +15212,7 @@
           </p:nvSpPr>
           <p:spPr>
             <a:xfrm>
-              <a:off x="4757182" y="2515694"/>
+              <a:off x="4549670" y="2515709"/>
               <a:ext cx="63202" cy="63202"/>
             </a:xfrm>
             <a:custGeom>
@@ -15255,7 +15255,7 @@
           </p:nvSpPr>
           <p:spPr>
             <a:xfrm>
-              <a:off x="4902750" y="2275602"/>
+              <a:off x="4808529" y="2275599"/>
               <a:ext cx="63202" cy="63202"/>
             </a:xfrm>
             <a:custGeom>
@@ -15298,7 +15298,7 @@
           </p:nvSpPr>
           <p:spPr>
             <a:xfrm>
-              <a:off x="4781398" y="2296727"/>
+              <a:off x="4884222" y="2296768"/>
               <a:ext cx="63202" cy="63202"/>
             </a:xfrm>
             <a:custGeom>
@@ -15341,7 +15341,7 @@
           </p:nvSpPr>
           <p:spPr>
             <a:xfrm>
-              <a:off x="5143901" y="2648333"/>
+              <a:off x="4797571" y="2648356"/>
               <a:ext cx="63202" cy="63202"/>
             </a:xfrm>
             <a:custGeom>
@@ -15384,7 +15384,7 @@
           </p:nvSpPr>
           <p:spPr>
             <a:xfrm>
-              <a:off x="5075718" y="2331918"/>
+              <a:off x="5007826" y="2331949"/>
               <a:ext cx="63202" cy="63202"/>
             </a:xfrm>
             <a:custGeom>
@@ -15427,7 +15427,7 @@
           </p:nvSpPr>
           <p:spPr>
             <a:xfrm>
-              <a:off x="4829491" y="2270134"/>
+              <a:off x="4809275" y="2270145"/>
               <a:ext cx="63202" cy="63202"/>
             </a:xfrm>
             <a:custGeom>
@@ -15470,7 +15470,7 @@
           </p:nvSpPr>
           <p:spPr>
             <a:xfrm>
-              <a:off x="4836511" y="2584948"/>
+              <a:off x="4616518" y="2584993"/>
               <a:ext cx="63202" cy="63202"/>
             </a:xfrm>
             <a:custGeom>
@@ -15513,7 +15513,7 @@
           </p:nvSpPr>
           <p:spPr>
             <a:xfrm>
-              <a:off x="4590367" y="2394342"/>
+              <a:off x="5145725" y="2394376"/>
               <a:ext cx="63202" cy="63202"/>
             </a:xfrm>
             <a:custGeom>
@@ -15556,7 +15556,7 @@
           </p:nvSpPr>
           <p:spPr>
             <a:xfrm>
-              <a:off x="4783316" y="2285740"/>
+              <a:off x="4718356" y="2285785"/>
               <a:ext cx="63202" cy="63202"/>
             </a:xfrm>
             <a:custGeom>
@@ -15599,7 +15599,7 @@
           </p:nvSpPr>
           <p:spPr>
             <a:xfrm>
-              <a:off x="4982462" y="2283258"/>
+              <a:off x="4894576" y="2283270"/>
               <a:ext cx="63202" cy="63202"/>
             </a:xfrm>
             <a:custGeom>
@@ -15642,7 +15642,7 @@
           </p:nvSpPr>
           <p:spPr>
             <a:xfrm>
-              <a:off x="4967782" y="2242074"/>
+              <a:off x="5076520" y="2242112"/>
               <a:ext cx="63202" cy="63202"/>
             </a:xfrm>
             <a:custGeom>
@@ -15685,7 +15685,7 @@
           </p:nvSpPr>
           <p:spPr>
             <a:xfrm>
-              <a:off x="5119321" y="2242085"/>
+              <a:off x="4635748" y="2242087"/>
               <a:ext cx="63202" cy="63202"/>
             </a:xfrm>
             <a:custGeom>
@@ -15728,7 +15728,7 @@
           </p:nvSpPr>
           <p:spPr>
             <a:xfrm>
-              <a:off x="5109774" y="2307046"/>
+              <a:off x="5014549" y="2307050"/>
               <a:ext cx="63202" cy="63202"/>
             </a:xfrm>
             <a:custGeom>
@@ -15771,7 +15771,7 @@
           </p:nvSpPr>
           <p:spPr>
             <a:xfrm>
-              <a:off x="4962122" y="2595649"/>
+              <a:off x="5153615" y="2595659"/>
               <a:ext cx="63202" cy="63202"/>
             </a:xfrm>
             <a:custGeom>
@@ -15814,7 +15814,7 @@
           </p:nvSpPr>
           <p:spPr>
             <a:xfrm>
-              <a:off x="4721751" y="2303564"/>
+              <a:off x="5078388" y="2303552"/>
               <a:ext cx="63202" cy="63202"/>
             </a:xfrm>
             <a:custGeom>
@@ -15857,7 +15857,7 @@
           </p:nvSpPr>
           <p:spPr>
             <a:xfrm>
-              <a:off x="4972761" y="2289249"/>
+              <a:off x="4753594" y="2289280"/>
               <a:ext cx="63202" cy="63202"/>
             </a:xfrm>
             <a:custGeom>
@@ -15900,7 +15900,7 @@
           </p:nvSpPr>
           <p:spPr>
             <a:xfrm>
-              <a:off x="4702399" y="2210931"/>
+              <a:off x="4856627" y="2210946"/>
               <a:ext cx="63202" cy="63202"/>
             </a:xfrm>
             <a:custGeom>
@@ -15943,7 +15943,7 @@
           </p:nvSpPr>
           <p:spPr>
             <a:xfrm>
-              <a:off x="5044109" y="2488371"/>
+              <a:off x="5061026" y="2488375"/>
               <a:ext cx="63202" cy="63202"/>
             </a:xfrm>
             <a:custGeom>
@@ -15986,7 +15986,7 @@
           </p:nvSpPr>
           <p:spPr>
             <a:xfrm>
-              <a:off x="5100097" y="2235943"/>
+              <a:off x="4573114" y="2235973"/>
               <a:ext cx="63202" cy="63202"/>
             </a:xfrm>
             <a:custGeom>
@@ -16029,7 +16029,7 @@
           </p:nvSpPr>
           <p:spPr>
             <a:xfrm>
-              <a:off x="4891985" y="2324538"/>
+              <a:off x="4617888" y="2324544"/>
               <a:ext cx="63202" cy="63202"/>
             </a:xfrm>
             <a:custGeom>
@@ -16072,7 +16072,7 @@
           </p:nvSpPr>
           <p:spPr>
             <a:xfrm>
-              <a:off x="4517036" y="2355302"/>
+              <a:off x="4490602" y="2355327"/>
               <a:ext cx="63202" cy="63202"/>
             </a:xfrm>
             <a:custGeom>
@@ -16115,7 +16115,7 @@
           </p:nvSpPr>
           <p:spPr>
             <a:xfrm>
-              <a:off x="4603487" y="2276849"/>
+              <a:off x="4720230" y="2276868"/>
               <a:ext cx="63202" cy="63202"/>
             </a:xfrm>
             <a:custGeom>
@@ -16158,7 +16158,7 @@
           </p:nvSpPr>
           <p:spPr>
             <a:xfrm>
-              <a:off x="4924774" y="2577868"/>
+              <a:off x="4679009" y="2577919"/>
               <a:ext cx="63202" cy="63202"/>
             </a:xfrm>
             <a:custGeom>
@@ -16201,7 +16201,7 @@
           </p:nvSpPr>
           <p:spPr>
             <a:xfrm>
-              <a:off x="4938312" y="2747745"/>
+              <a:off x="4585309" y="2747796"/>
               <a:ext cx="63202" cy="63202"/>
             </a:xfrm>
             <a:custGeom>
@@ -16244,7 +16244,7 @@
           </p:nvSpPr>
           <p:spPr>
             <a:xfrm>
-              <a:off x="4650295" y="2329074"/>
+              <a:off x="4630235" y="2329080"/>
               <a:ext cx="63202" cy="63202"/>
             </a:xfrm>
             <a:custGeom>
@@ -16287,7 +16287,7 @@
           </p:nvSpPr>
           <p:spPr>
             <a:xfrm>
-              <a:off x="4608438" y="2463812"/>
+              <a:off x="4822923" y="2463819"/>
               <a:ext cx="63202" cy="63202"/>
             </a:xfrm>
             <a:custGeom>
@@ -16330,7 +16330,7 @@
           </p:nvSpPr>
           <p:spPr>
             <a:xfrm>
-              <a:off x="4744668" y="2595167"/>
+              <a:off x="5034108" y="2595214"/>
               <a:ext cx="63202" cy="63202"/>
             </a:xfrm>
             <a:custGeom>
@@ -16373,7 +16373,7 @@
           </p:nvSpPr>
           <p:spPr>
             <a:xfrm>
-              <a:off x="5110514" y="2284541"/>
+              <a:off x="4732559" y="2284560"/>
               <a:ext cx="63202" cy="63202"/>
             </a:xfrm>
             <a:custGeom>
@@ -16416,7 +16416,7 @@
           </p:nvSpPr>
           <p:spPr>
             <a:xfrm>
-              <a:off x="5142879" y="2356747"/>
+              <a:off x="4763705" y="2356781"/>
               <a:ext cx="63202" cy="63202"/>
             </a:xfrm>
             <a:custGeom>
@@ -16459,7 +16459,7 @@
           </p:nvSpPr>
           <p:spPr>
             <a:xfrm>
-              <a:off x="4496656" y="2252389"/>
+              <a:off x="4547328" y="2252409"/>
               <a:ext cx="63202" cy="63202"/>
             </a:xfrm>
             <a:custGeom>
@@ -16502,7 +16502,7 @@
           </p:nvSpPr>
           <p:spPr>
             <a:xfrm>
-              <a:off x="5134679" y="2709439"/>
+              <a:off x="4473339" y="2709478"/>
               <a:ext cx="63202" cy="63202"/>
             </a:xfrm>
             <a:custGeom>
@@ -16545,7 +16545,7 @@
           </p:nvSpPr>
           <p:spPr>
             <a:xfrm>
-              <a:off x="4624850" y="2278885"/>
+              <a:off x="4826951" y="2278936"/>
               <a:ext cx="63202" cy="63202"/>
             </a:xfrm>
             <a:custGeom>
@@ -16588,7 +16588,7 @@
           </p:nvSpPr>
           <p:spPr>
             <a:xfrm>
-              <a:off x="4788238" y="2329059"/>
+              <a:off x="4965296" y="2329090"/>
               <a:ext cx="63202" cy="63202"/>
             </a:xfrm>
             <a:custGeom>
@@ -16631,7 +16631,7 @@
           </p:nvSpPr>
           <p:spPr>
             <a:xfrm>
-              <a:off x="5066022" y="2676124"/>
+              <a:off x="4967746" y="2676128"/>
               <a:ext cx="63202" cy="63202"/>
             </a:xfrm>
             <a:custGeom>
@@ -16674,7 +16674,7 @@
           </p:nvSpPr>
           <p:spPr>
             <a:xfrm>
-              <a:off x="4803581" y="2345548"/>
+              <a:off x="4584348" y="2345567"/>
               <a:ext cx="63202" cy="63202"/>
             </a:xfrm>
             <a:custGeom>
@@ -16717,7 +16717,7 @@
           </p:nvSpPr>
           <p:spPr>
             <a:xfrm>
-              <a:off x="4740325" y="2351171"/>
+              <a:off x="4615585" y="2351191"/>
               <a:ext cx="63202" cy="63202"/>
             </a:xfrm>
             <a:custGeom>
@@ -16760,7 +16760,7 @@
           </p:nvSpPr>
           <p:spPr>
             <a:xfrm>
-              <a:off x="4931766" y="2239687"/>
+              <a:off x="4497829" y="2239686"/>
               <a:ext cx="63202" cy="63202"/>
             </a:xfrm>
             <a:custGeom>
@@ -16803,7 +16803,7 @@
           </p:nvSpPr>
           <p:spPr>
             <a:xfrm>
-              <a:off x="4936053" y="2273585"/>
+              <a:off x="4710000" y="2273615"/>
               <a:ext cx="63202" cy="63202"/>
             </a:xfrm>
             <a:custGeom>
@@ -16846,7 +16846,7 @@
           </p:nvSpPr>
           <p:spPr>
             <a:xfrm>
-              <a:off x="5056344" y="2338974"/>
+              <a:off x="4735755" y="2338968"/>
               <a:ext cx="63202" cy="63202"/>
             </a:xfrm>
             <a:custGeom>
@@ -16889,7 +16889,7 @@
           </p:nvSpPr>
           <p:spPr>
             <a:xfrm>
-              <a:off x="5025828" y="2316506"/>
+              <a:off x="4583098" y="2316493"/>
               <a:ext cx="63202" cy="63202"/>
             </a:xfrm>
             <a:custGeom>
@@ -16932,7 +16932,7 @@
           </p:nvSpPr>
           <p:spPr>
             <a:xfrm>
-              <a:off x="4990590" y="2241711"/>
+              <a:off x="4779392" y="2241745"/>
               <a:ext cx="63202" cy="63202"/>
             </a:xfrm>
             <a:custGeom>
@@ -16975,7 +16975,7 @@
           </p:nvSpPr>
           <p:spPr>
             <a:xfrm>
-              <a:off x="4708096" y="2454768"/>
+              <a:off x="4510042" y="2454785"/>
               <a:ext cx="63202" cy="63202"/>
             </a:xfrm>
             <a:custGeom>
@@ -17018,7 +17018,7 @@
           </p:nvSpPr>
           <p:spPr>
             <a:xfrm>
-              <a:off x="4824362" y="2302748"/>
+              <a:off x="4975195" y="2302751"/>
               <a:ext cx="63202" cy="63202"/>
             </a:xfrm>
             <a:custGeom>
@@ -17061,7 +17061,7 @@
           </p:nvSpPr>
           <p:spPr>
             <a:xfrm>
-              <a:off x="4691322" y="2316185"/>
+              <a:off x="5113918" y="2316205"/>
               <a:ext cx="63202" cy="63202"/>
             </a:xfrm>
             <a:custGeom>
@@ -17104,7 +17104,7 @@
           </p:nvSpPr>
           <p:spPr>
             <a:xfrm>
-              <a:off x="4474694" y="2610389"/>
+              <a:off x="4628798" y="2610402"/>
               <a:ext cx="63202" cy="63202"/>
             </a:xfrm>
             <a:custGeom>
@@ -17147,7 +17147,7 @@
           </p:nvSpPr>
           <p:spPr>
             <a:xfrm>
-              <a:off x="4908666" y="2630846"/>
+              <a:off x="5028018" y="2630895"/>
               <a:ext cx="63202" cy="63202"/>
             </a:xfrm>
             <a:custGeom>
@@ -17190,7 +17190,7 @@
           </p:nvSpPr>
           <p:spPr>
             <a:xfrm>
-              <a:off x="5001218" y="2242682"/>
+              <a:off x="4608334" y="2242709"/>
               <a:ext cx="63202" cy="63202"/>
             </a:xfrm>
             <a:custGeom>
@@ -17233,7 +17233,7 @@
           </p:nvSpPr>
           <p:spPr>
             <a:xfrm>
-              <a:off x="5080015" y="2236313"/>
+              <a:off x="5012553" y="2236334"/>
               <a:ext cx="63202" cy="63202"/>
             </a:xfrm>
             <a:custGeom>
@@ -17276,7 +17276,7 @@
           </p:nvSpPr>
           <p:spPr>
             <a:xfrm>
-              <a:off x="4634227" y="2233944"/>
+              <a:off x="4601654" y="2233972"/>
               <a:ext cx="63202" cy="63202"/>
             </a:xfrm>
             <a:custGeom>
@@ -17319,7 +17319,7 @@
           </p:nvSpPr>
           <p:spPr>
             <a:xfrm>
-              <a:off x="4758804" y="2486607"/>
+              <a:off x="4762447" y="2486626"/>
               <a:ext cx="63202" cy="63202"/>
             </a:xfrm>
             <a:custGeom>
@@ -17362,7 +17362,7 @@
           </p:nvSpPr>
           <p:spPr>
             <a:xfrm>
-              <a:off x="4561987" y="2283028"/>
+              <a:off x="4745636" y="2283034"/>
               <a:ext cx="63202" cy="63202"/>
             </a:xfrm>
             <a:custGeom>
@@ -17405,7 +17405,7 @@
           </p:nvSpPr>
           <p:spPr>
             <a:xfrm>
-              <a:off x="5021362" y="2242400"/>
+              <a:off x="4857377" y="2242402"/>
               <a:ext cx="63202" cy="63202"/>
             </a:xfrm>
             <a:custGeom>
@@ -17448,7 +17448,7 @@
           </p:nvSpPr>
           <p:spPr>
             <a:xfrm>
-              <a:off x="4729033" y="2481021"/>
+              <a:off x="4940115" y="2481029"/>
               <a:ext cx="63202" cy="63202"/>
             </a:xfrm>
             <a:custGeom>
@@ -17491,7 +17491,7 @@
           </p:nvSpPr>
           <p:spPr>
             <a:xfrm>
-              <a:off x="4526462" y="2236319"/>
+              <a:off x="5088818" y="2236329"/>
               <a:ext cx="63202" cy="63202"/>
             </a:xfrm>
             <a:custGeom>
@@ -17534,7 +17534,7 @@
           </p:nvSpPr>
           <p:spPr>
             <a:xfrm>
-              <a:off x="4605217" y="2238735"/>
+              <a:off x="4776275" y="2238729"/>
               <a:ext cx="63202" cy="63202"/>
             </a:xfrm>
             <a:custGeom>
@@ -17577,7 +17577,7 @@
           </p:nvSpPr>
           <p:spPr>
             <a:xfrm>
-              <a:off x="5048378" y="2275754"/>
+              <a:off x="4790935" y="2275771"/>
               <a:ext cx="63202" cy="63202"/>
             </a:xfrm>
             <a:custGeom>
@@ -17620,7 +17620,7 @@
           </p:nvSpPr>
           <p:spPr>
             <a:xfrm>
-              <a:off x="4885843" y="2240441"/>
+              <a:off x="5156970" y="2240462"/>
               <a:ext cx="63202" cy="63202"/>
             </a:xfrm>
             <a:custGeom>
@@ -17663,7 +17663,7 @@
           </p:nvSpPr>
           <p:spPr>
             <a:xfrm>
-              <a:off x="4585130" y="2398559"/>
+              <a:off x="4876907" y="2398570"/>
               <a:ext cx="63202" cy="63202"/>
             </a:xfrm>
             <a:custGeom>
@@ -17706,7 +17706,7 @@
           </p:nvSpPr>
           <p:spPr>
             <a:xfrm>
-              <a:off x="5028827" y="2238387"/>
+              <a:off x="4992100" y="2238423"/>
               <a:ext cx="63202" cy="63202"/>
             </a:xfrm>
             <a:custGeom>
@@ -17749,7 +17749,7 @@
           </p:nvSpPr>
           <p:spPr>
             <a:xfrm>
-              <a:off x="4483165" y="2243976"/>
+              <a:off x="5027870" y="2244024"/>
               <a:ext cx="63202" cy="63202"/>
             </a:xfrm>
             <a:custGeom>
@@ -17848,7 +17848,7 @@
           </p:nvSpPr>
           <p:spPr>
             <a:xfrm>
-              <a:off x="4325757" y="4740920"/>
+              <a:off x="4325757" y="4740939"/>
               <a:ext cx="2796732" cy="0"/>
             </a:xfrm>
             <a:custGeom>
@@ -17891,7 +17891,7 @@
           </p:nvSpPr>
           <p:spPr>
             <a:xfrm>
-              <a:off x="4325757" y="4286950"/>
+              <a:off x="4325757" y="4286969"/>
               <a:ext cx="2796732" cy="0"/>
             </a:xfrm>
             <a:custGeom>
@@ -17934,7 +17934,7 @@
           </p:nvSpPr>
           <p:spPr>
             <a:xfrm>
-              <a:off x="4325757" y="3832980"/>
+              <a:off x="4325757" y="3832999"/>
               <a:ext cx="2796732" cy="0"/>
             </a:xfrm>
             <a:custGeom>
@@ -17977,7 +17977,7 @@
           </p:nvSpPr>
           <p:spPr>
             <a:xfrm>
-              <a:off x="4325757" y="3379010"/>
+              <a:off x="4325757" y="3379029"/>
               <a:ext cx="2796732" cy="0"/>
             </a:xfrm>
             <a:custGeom>
@@ -18020,7 +18020,7 @@
           </p:nvSpPr>
           <p:spPr>
             <a:xfrm>
-              <a:off x="4325757" y="4967906"/>
+              <a:off x="4325757" y="4967924"/>
               <a:ext cx="2796732" cy="0"/>
             </a:xfrm>
             <a:custGeom>
@@ -18063,7 +18063,7 @@
           </p:nvSpPr>
           <p:spPr>
             <a:xfrm>
-              <a:off x="4325757" y="4513935"/>
+              <a:off x="4325757" y="4513954"/>
               <a:ext cx="2796732" cy="0"/>
             </a:xfrm>
             <a:custGeom>
@@ -18106,7 +18106,7 @@
           </p:nvSpPr>
           <p:spPr>
             <a:xfrm>
-              <a:off x="4325757" y="4059965"/>
+              <a:off x="4325757" y="4059984"/>
               <a:ext cx="2796732" cy="0"/>
             </a:xfrm>
             <a:custGeom>
@@ -18149,7 +18149,7 @@
           </p:nvSpPr>
           <p:spPr>
             <a:xfrm>
-              <a:off x="4325757" y="3605995"/>
+              <a:off x="4325757" y="3606014"/>
               <a:ext cx="2796732" cy="0"/>
             </a:xfrm>
             <a:custGeom>
@@ -18321,7 +18321,7 @@
           </p:nvSpPr>
           <p:spPr>
             <a:xfrm>
-              <a:off x="4783385" y="4367008"/>
+              <a:off x="4660915" y="4367027"/>
               <a:ext cx="63202" cy="63202"/>
             </a:xfrm>
             <a:custGeom>
@@ -18364,7 +18364,7 @@
           </p:nvSpPr>
           <p:spPr>
             <a:xfrm>
-              <a:off x="5125429" y="4304782"/>
+              <a:off x="4659492" y="4304813"/>
               <a:ext cx="63202" cy="63202"/>
             </a:xfrm>
             <a:custGeom>
@@ -18407,7 +18407,7 @@
           </p:nvSpPr>
           <p:spPr>
             <a:xfrm>
-              <a:off x="6005007" y="4227884"/>
+              <a:off x="5837691" y="4227915"/>
               <a:ext cx="63202" cy="63202"/>
             </a:xfrm>
             <a:custGeom>
@@ -18450,7 +18450,7 @@
           </p:nvSpPr>
           <p:spPr>
             <a:xfrm>
-              <a:off x="6869696" y="4769044"/>
+              <a:off x="6576899" y="4769062"/>
               <a:ext cx="63202" cy="63202"/>
             </a:xfrm>
             <a:custGeom>
@@ -18493,7 +18493,7 @@
           </p:nvSpPr>
           <p:spPr>
             <a:xfrm>
-              <a:off x="6732734" y="4883747"/>
+              <a:off x="6641660" y="4883747"/>
               <a:ext cx="63202" cy="63202"/>
             </a:xfrm>
             <a:custGeom>
@@ -18536,7 +18536,7 @@
           </p:nvSpPr>
           <p:spPr>
             <a:xfrm>
-              <a:off x="6664962" y="4687351"/>
+              <a:off x="6795288" y="4687355"/>
               <a:ext cx="63202" cy="63202"/>
             </a:xfrm>
             <a:custGeom>
@@ -18579,7 +18579,7 @@
           </p:nvSpPr>
           <p:spPr>
             <a:xfrm>
-              <a:off x="6343127" y="4864338"/>
+              <a:off x="6256161" y="4864379"/>
               <a:ext cx="63202" cy="63202"/>
             </a:xfrm>
             <a:custGeom>
@@ -18678,7 +18678,7 @@
           </p:nvSpPr>
           <p:spPr>
             <a:xfrm>
-              <a:off x="4325757" y="6666253"/>
+              <a:off x="4325757" y="6666272"/>
               <a:ext cx="2796732" cy="0"/>
             </a:xfrm>
             <a:custGeom>
@@ -18721,7 +18721,7 @@
           </p:nvSpPr>
           <p:spPr>
             <a:xfrm>
-              <a:off x="4325757" y="6212283"/>
+              <a:off x="4325757" y="6212302"/>
               <a:ext cx="2796732" cy="0"/>
             </a:xfrm>
             <a:custGeom>
@@ -18764,7 +18764,7 @@
           </p:nvSpPr>
           <p:spPr>
             <a:xfrm>
-              <a:off x="4325757" y="5758313"/>
+              <a:off x="4325757" y="5758332"/>
               <a:ext cx="2796732" cy="0"/>
             </a:xfrm>
             <a:custGeom>
@@ -18807,7 +18807,7 @@
           </p:nvSpPr>
           <p:spPr>
             <a:xfrm>
-              <a:off x="4325757" y="5304342"/>
+              <a:off x="4325757" y="5304362"/>
               <a:ext cx="2796732" cy="0"/>
             </a:xfrm>
             <a:custGeom>
@@ -18850,7 +18850,7 @@
           </p:nvSpPr>
           <p:spPr>
             <a:xfrm>
-              <a:off x="4325757" y="6893238"/>
+              <a:off x="4325757" y="6893257"/>
               <a:ext cx="2796732" cy="0"/>
             </a:xfrm>
             <a:custGeom>
@@ -18893,7 +18893,7 @@
           </p:nvSpPr>
           <p:spPr>
             <a:xfrm>
-              <a:off x="4325757" y="6439268"/>
+              <a:off x="4325757" y="6439287"/>
               <a:ext cx="2796732" cy="0"/>
             </a:xfrm>
             <a:custGeom>
@@ -18936,7 +18936,7 @@
           </p:nvSpPr>
           <p:spPr>
             <a:xfrm>
-              <a:off x="4325757" y="5985298"/>
+              <a:off x="4325757" y="5985317"/>
               <a:ext cx="2796732" cy="0"/>
             </a:xfrm>
             <a:custGeom>
@@ -18979,7 +18979,7 @@
           </p:nvSpPr>
           <p:spPr>
             <a:xfrm>
-              <a:off x="4325757" y="5531328"/>
+              <a:off x="4325757" y="5531347"/>
               <a:ext cx="2796732" cy="0"/>
             </a:xfrm>
             <a:custGeom>
@@ -19151,7 +19151,7 @@
           </p:nvSpPr>
           <p:spPr>
             <a:xfrm>
-              <a:off x="4997096" y="5890175"/>
+              <a:off x="4823764" y="5890203"/>
               <a:ext cx="63202" cy="63202"/>
             </a:xfrm>
             <a:custGeom>
@@ -19194,7 +19194,7 @@
           </p:nvSpPr>
           <p:spPr>
             <a:xfrm>
-              <a:off x="4804046" y="5865734"/>
+              <a:off x="4626720" y="5865728"/>
               <a:ext cx="63202" cy="63202"/>
             </a:xfrm>
             <a:custGeom>
@@ -19237,7 +19237,7 @@
           </p:nvSpPr>
           <p:spPr>
             <a:xfrm>
-              <a:off x="4907578" y="5923232"/>
+              <a:off x="5083745" y="5923252"/>
               <a:ext cx="63202" cy="63202"/>
             </a:xfrm>
             <a:custGeom>
@@ -19280,7 +19280,7 @@
           </p:nvSpPr>
           <p:spPr>
             <a:xfrm>
-              <a:off x="4685693" y="5811786"/>
+              <a:off x="4929198" y="5811791"/>
               <a:ext cx="63202" cy="63202"/>
             </a:xfrm>
             <a:custGeom>
@@ -19323,7 +19323,7 @@
           </p:nvSpPr>
           <p:spPr>
             <a:xfrm>
-              <a:off x="4899566" y="5866226"/>
+              <a:off x="4652005" y="5866220"/>
               <a:ext cx="63202" cy="63202"/>
             </a:xfrm>
             <a:custGeom>
@@ -19366,7 +19366,7 @@
           </p:nvSpPr>
           <p:spPr>
             <a:xfrm>
-              <a:off x="4819334" y="5881803"/>
+              <a:off x="4894592" y="5881816"/>
               <a:ext cx="63202" cy="63202"/>
             </a:xfrm>
             <a:custGeom>
@@ -19409,7 +19409,7 @@
           </p:nvSpPr>
           <p:spPr>
             <a:xfrm>
-              <a:off x="5068244" y="5864256"/>
+              <a:off x="4487316" y="5864273"/>
               <a:ext cx="63202" cy="63202"/>
             </a:xfrm>
             <a:custGeom>
@@ -19452,7 +19452,7 @@
           </p:nvSpPr>
           <p:spPr>
             <a:xfrm>
-              <a:off x="4718888" y="5932996"/>
+              <a:off x="5150678" y="5932998"/>
               <a:ext cx="63202" cy="63202"/>
             </a:xfrm>
             <a:custGeom>
@@ -19495,7 +19495,7 @@
           </p:nvSpPr>
           <p:spPr>
             <a:xfrm>
-              <a:off x="5116723" y="6091311"/>
+              <a:off x="4828699" y="6091298"/>
               <a:ext cx="63202" cy="63202"/>
             </a:xfrm>
             <a:custGeom>
@@ -19538,7 +19538,7 @@
           </p:nvSpPr>
           <p:spPr>
             <a:xfrm>
-              <a:off x="4831104" y="5923104"/>
+              <a:off x="4516133" y="5923127"/>
               <a:ext cx="63202" cy="63202"/>
             </a:xfrm>
             <a:custGeom>
@@ -19581,7 +19581,7 @@
           </p:nvSpPr>
           <p:spPr>
             <a:xfrm>
-              <a:off x="4933990" y="5929737"/>
+              <a:off x="4614541" y="5929729"/>
               <a:ext cx="63202" cy="63202"/>
             </a:xfrm>
             <a:custGeom>
@@ -19624,7 +19624,7 @@
           </p:nvSpPr>
           <p:spPr>
             <a:xfrm>
-              <a:off x="4687866" y="6079862"/>
+              <a:off x="4794009" y="6079888"/>
               <a:ext cx="63202" cy="63202"/>
             </a:xfrm>
             <a:custGeom>
@@ -19667,7 +19667,7 @@
           </p:nvSpPr>
           <p:spPr>
             <a:xfrm>
-              <a:off x="4791317" y="6082032"/>
+              <a:off x="4878103" y="6082066"/>
               <a:ext cx="63202" cy="63202"/>
             </a:xfrm>
             <a:custGeom>
@@ -19710,7 +19710,7 @@
           </p:nvSpPr>
           <p:spPr>
             <a:xfrm>
-              <a:off x="4499296" y="5899873"/>
+              <a:off x="4821116" y="5899860"/>
               <a:ext cx="63202" cy="63202"/>
             </a:xfrm>
             <a:custGeom>
@@ -19753,7 +19753,7 @@
           </p:nvSpPr>
           <p:spPr>
             <a:xfrm>
-              <a:off x="4923070" y="5930360"/>
+              <a:off x="4828790" y="5930374"/>
               <a:ext cx="63202" cy="63202"/>
             </a:xfrm>
             <a:custGeom>
@@ -19796,7 +19796,7 @@
           </p:nvSpPr>
           <p:spPr>
             <a:xfrm>
-              <a:off x="4812771" y="5848187"/>
+              <a:off x="4680540" y="5848195"/>
               <a:ext cx="63202" cy="63202"/>
             </a:xfrm>
             <a:custGeom>
@@ -19839,7 +19839,7 @@
           </p:nvSpPr>
           <p:spPr>
             <a:xfrm>
-              <a:off x="5153733" y="5912162"/>
+              <a:off x="5068309" y="5912176"/>
               <a:ext cx="63202" cy="63202"/>
             </a:xfrm>
             <a:custGeom>
@@ -19882,7 +19882,7 @@
           </p:nvSpPr>
           <p:spPr>
             <a:xfrm>
-              <a:off x="5130064" y="5859923"/>
+              <a:off x="4682792" y="5859909"/>
               <a:ext cx="63202" cy="63202"/>
             </a:xfrm>
             <a:custGeom>
@@ -19925,7 +19925,7 @@
           </p:nvSpPr>
           <p:spPr>
             <a:xfrm>
-              <a:off x="5084794" y="5887071"/>
+              <a:off x="4788742" y="5887088"/>
               <a:ext cx="63202" cy="63202"/>
             </a:xfrm>
             <a:custGeom>
@@ -19968,7 +19968,7 @@
           </p:nvSpPr>
           <p:spPr>
             <a:xfrm>
-              <a:off x="4958182" y="5845339"/>
+              <a:off x="5136264" y="5845363"/>
               <a:ext cx="63202" cy="63202"/>
             </a:xfrm>
             <a:custGeom>
@@ -20011,7 +20011,7 @@
           </p:nvSpPr>
           <p:spPr>
             <a:xfrm>
-              <a:off x="4613669" y="6194712"/>
+              <a:off x="4989651" y="6194712"/>
               <a:ext cx="63202" cy="63202"/>
             </a:xfrm>
             <a:custGeom>
@@ -20054,7 +20054,7 @@
           </p:nvSpPr>
           <p:spPr>
             <a:xfrm>
-              <a:off x="5021382" y="5885996"/>
+              <a:off x="4819825" y="5886013"/>
               <a:ext cx="63202" cy="63202"/>
             </a:xfrm>
             <a:custGeom>
@@ -20097,7 +20097,7 @@
           </p:nvSpPr>
           <p:spPr>
             <a:xfrm>
-              <a:off x="5132282" y="5883661"/>
+              <a:off x="4604223" y="5883681"/>
               <a:ext cx="63202" cy="63202"/>
             </a:xfrm>
             <a:custGeom>
@@ -20140,7 +20140,7 @@
           </p:nvSpPr>
           <p:spPr>
             <a:xfrm>
-              <a:off x="4497625" y="5854735"/>
+              <a:off x="4958971" y="5854757"/>
               <a:ext cx="63202" cy="63202"/>
             </a:xfrm>
             <a:custGeom>
@@ -20183,7 +20183,7 @@
           </p:nvSpPr>
           <p:spPr>
             <a:xfrm>
-              <a:off x="5093267" y="5863903"/>
+              <a:off x="5132571" y="5863927"/>
               <a:ext cx="63202" cy="63202"/>
             </a:xfrm>
             <a:custGeom>
@@ -20226,7 +20226,7 @@
           </p:nvSpPr>
           <p:spPr>
             <a:xfrm>
-              <a:off x="4895025" y="5882643"/>
+              <a:off x="4494946" y="5882653"/>
               <a:ext cx="63202" cy="63202"/>
             </a:xfrm>
             <a:custGeom>
@@ -20269,7 +20269,7 @@
           </p:nvSpPr>
           <p:spPr>
             <a:xfrm>
-              <a:off x="5037347" y="5881544"/>
+              <a:off x="4616146" y="5881573"/>
               <a:ext cx="63202" cy="63202"/>
             </a:xfrm>
             <a:custGeom>
@@ -20312,7 +20312,7 @@
           </p:nvSpPr>
           <p:spPr>
             <a:xfrm>
-              <a:off x="4833133" y="5865626"/>
+              <a:off x="5140637" y="5865661"/>
               <a:ext cx="63202" cy="63202"/>
             </a:xfrm>
             <a:custGeom>
@@ -20355,7 +20355,7 @@
           </p:nvSpPr>
           <p:spPr>
             <a:xfrm>
-              <a:off x="4664400" y="5922770"/>
+              <a:off x="4958390" y="5922787"/>
               <a:ext cx="63202" cy="63202"/>
             </a:xfrm>
             <a:custGeom>
@@ -20398,7 +20398,7 @@
           </p:nvSpPr>
           <p:spPr>
             <a:xfrm>
-              <a:off x="5066192" y="5901276"/>
+              <a:off x="4657841" y="5901281"/>
               <a:ext cx="63202" cy="63202"/>
             </a:xfrm>
             <a:custGeom>
@@ -20441,7 +20441,7 @@
           </p:nvSpPr>
           <p:spPr>
             <a:xfrm>
-              <a:off x="5158313" y="5889063"/>
+              <a:off x="5017555" y="5889061"/>
               <a:ext cx="63202" cy="63202"/>
             </a:xfrm>
             <a:custGeom>
@@ -20484,7 +20484,7 @@
           </p:nvSpPr>
           <p:spPr>
             <a:xfrm>
-              <a:off x="4762547" y="5854716"/>
+              <a:off x="4963388" y="5854764"/>
               <a:ext cx="63202" cy="63202"/>
             </a:xfrm>
             <a:custGeom>
@@ -20527,7 +20527,7 @@
           </p:nvSpPr>
           <p:spPr>
             <a:xfrm>
-              <a:off x="4746842" y="5864264"/>
+              <a:off x="4840115" y="5864276"/>
               <a:ext cx="63202" cy="63202"/>
             </a:xfrm>
             <a:custGeom>
@@ -20570,7 +20570,7 @@
           </p:nvSpPr>
           <p:spPr>
             <a:xfrm>
-              <a:off x="5086364" y="5864263"/>
+              <a:off x="4587912" y="5864266"/>
               <a:ext cx="63202" cy="63202"/>
             </a:xfrm>
             <a:custGeom>
@@ -20613,7 +20613,7 @@
           </p:nvSpPr>
           <p:spPr>
             <a:xfrm>
-              <a:off x="5112382" y="5889191"/>
+              <a:off x="4928367" y="5889194"/>
               <a:ext cx="63202" cy="63202"/>
             </a:xfrm>
             <a:custGeom>
@@ -20656,7 +20656,7 @@
           </p:nvSpPr>
           <p:spPr>
             <a:xfrm>
-              <a:off x="4844331" y="5890058"/>
+              <a:off x="4750590" y="5890073"/>
               <a:ext cx="63202" cy="63202"/>
             </a:xfrm>
             <a:custGeom>
@@ -20699,7 +20699,7 @@
           </p:nvSpPr>
           <p:spPr>
             <a:xfrm>
-              <a:off x="4601945" y="6023434"/>
+              <a:off x="4848450" y="6023428"/>
               <a:ext cx="63202" cy="63202"/>
             </a:xfrm>
             <a:custGeom>
@@ -20742,7 +20742,7 @@
           </p:nvSpPr>
           <p:spPr>
             <a:xfrm>
-              <a:off x="4751314" y="5857717"/>
+              <a:off x="4907969" y="5857733"/>
               <a:ext cx="63202" cy="63202"/>
             </a:xfrm>
             <a:custGeom>
@@ -20785,7 +20785,7 @@
           </p:nvSpPr>
           <p:spPr>
             <a:xfrm>
-              <a:off x="4682115" y="5892122"/>
+              <a:off x="4551774" y="5892157"/>
               <a:ext cx="63202" cy="63202"/>
             </a:xfrm>
             <a:custGeom>
@@ -20828,7 +20828,7 @@
           </p:nvSpPr>
           <p:spPr>
             <a:xfrm>
-              <a:off x="5066639" y="5917818"/>
+              <a:off x="4660039" y="5917846"/>
               <a:ext cx="63202" cy="63202"/>
             </a:xfrm>
             <a:custGeom>
@@ -20871,7 +20871,7 @@
           </p:nvSpPr>
           <p:spPr>
             <a:xfrm>
-              <a:off x="5080958" y="5861986"/>
+              <a:off x="4930880" y="5862020"/>
               <a:ext cx="63202" cy="63202"/>
             </a:xfrm>
             <a:custGeom>
@@ -20914,7 +20914,7 @@
           </p:nvSpPr>
           <p:spPr>
             <a:xfrm>
-              <a:off x="4995319" y="5878774"/>
+              <a:off x="4521265" y="5878815"/>
               <a:ext cx="63202" cy="63202"/>
             </a:xfrm>
             <a:custGeom>
@@ -20957,7 +20957,7 @@
           </p:nvSpPr>
           <p:spPr>
             <a:xfrm>
-              <a:off x="4996070" y="6183770"/>
+              <a:off x="4566735" y="6183774"/>
               <a:ext cx="63202" cy="63202"/>
             </a:xfrm>
             <a:custGeom>
@@ -21000,7 +21000,7 @@
           </p:nvSpPr>
           <p:spPr>
             <a:xfrm>
-              <a:off x="4919311" y="5889695"/>
+              <a:off x="4553705" y="5889688"/>
               <a:ext cx="63202" cy="63202"/>
             </a:xfrm>
             <a:custGeom>
@@ -21043,7 +21043,7 @@
           </p:nvSpPr>
           <p:spPr>
             <a:xfrm>
-              <a:off x="4543073" y="6015763"/>
+              <a:off x="4548269" y="6015776"/>
               <a:ext cx="63202" cy="63202"/>
             </a:xfrm>
             <a:custGeom>
@@ -21086,7 +21086,7 @@
           </p:nvSpPr>
           <p:spPr>
             <a:xfrm>
-              <a:off x="4653401" y="5864144"/>
+              <a:off x="4851365" y="5864148"/>
               <a:ext cx="63202" cy="63202"/>
             </a:xfrm>
             <a:custGeom>
@@ -21129,7 +21129,7 @@
           </p:nvSpPr>
           <p:spPr>
             <a:xfrm>
-              <a:off x="4533036" y="6004260"/>
+              <a:off x="4732228" y="6004296"/>
               <a:ext cx="63202" cy="63202"/>
             </a:xfrm>
             <a:custGeom>
@@ -21172,7 +21172,7 @@
           </p:nvSpPr>
           <p:spPr>
             <a:xfrm>
-              <a:off x="5135118" y="5866960"/>
+              <a:off x="5048986" y="5866973"/>
               <a:ext cx="63202" cy="63202"/>
             </a:xfrm>
             <a:custGeom>
@@ -21215,7 +21215,7 @@
           </p:nvSpPr>
           <p:spPr>
             <a:xfrm>
-              <a:off x="5095456" y="5898579"/>
+              <a:off x="5110618" y="5898618"/>
               <a:ext cx="63202" cy="63202"/>
             </a:xfrm>
             <a:custGeom>
@@ -21258,7 +21258,7 @@
           </p:nvSpPr>
           <p:spPr>
             <a:xfrm>
-              <a:off x="4686390" y="5875291"/>
+              <a:off x="5151694" y="5875326"/>
               <a:ext cx="63202" cy="63202"/>
             </a:xfrm>
             <a:custGeom>
@@ -21301,7 +21301,7 @@
           </p:nvSpPr>
           <p:spPr>
             <a:xfrm>
-              <a:off x="4971000" y="5939568"/>
+              <a:off x="4708095" y="5939605"/>
               <a:ext cx="63202" cy="63202"/>
             </a:xfrm>
             <a:custGeom>
@@ -21344,7 +21344,7 @@
           </p:nvSpPr>
           <p:spPr>
             <a:xfrm>
-              <a:off x="5019535" y="5899133"/>
+              <a:off x="4997987" y="5899146"/>
               <a:ext cx="63202" cy="63202"/>
             </a:xfrm>
             <a:custGeom>
@@ -21387,7 +21387,7 @@
           </p:nvSpPr>
           <p:spPr>
             <a:xfrm>
-              <a:off x="5145723" y="6159359"/>
+              <a:off x="4477328" y="6159378"/>
               <a:ext cx="63202" cy="63202"/>
             </a:xfrm>
             <a:custGeom>
@@ -21430,7 +21430,7 @@
           </p:nvSpPr>
           <p:spPr>
             <a:xfrm>
-              <a:off x="5069412" y="6107691"/>
+              <a:off x="4509598" y="6107688"/>
               <a:ext cx="63202" cy="63202"/>
             </a:xfrm>
             <a:custGeom>
@@ -21473,7 +21473,7 @@
           </p:nvSpPr>
           <p:spPr>
             <a:xfrm>
-              <a:off x="4673903" y="5862862"/>
+              <a:off x="5125212" y="5862867"/>
               <a:ext cx="63202" cy="63202"/>
             </a:xfrm>
             <a:custGeom>
@@ -21516,7 +21516,7 @@
           </p:nvSpPr>
           <p:spPr>
             <a:xfrm>
-              <a:off x="4866013" y="5917135"/>
+              <a:off x="4997237" y="5917188"/>
               <a:ext cx="63202" cy="63202"/>
             </a:xfrm>
             <a:custGeom>
@@ -21559,7 +21559,7 @@
           </p:nvSpPr>
           <p:spPr>
             <a:xfrm>
-              <a:off x="4821306" y="5988912"/>
+              <a:off x="5141429" y="5988945"/>
               <a:ext cx="63202" cy="63202"/>
             </a:xfrm>
             <a:custGeom>
@@ -21602,7 +21602,7 @@
           </p:nvSpPr>
           <p:spPr>
             <a:xfrm>
-              <a:off x="4962659" y="5870044"/>
+              <a:off x="4688835" y="5870057"/>
               <a:ext cx="63202" cy="63202"/>
             </a:xfrm>
             <a:custGeom>
@@ -21645,7 +21645,7 @@
           </p:nvSpPr>
           <p:spPr>
             <a:xfrm>
-              <a:off x="4657363" y="5858828"/>
+              <a:off x="4868566" y="5858835"/>
               <a:ext cx="63202" cy="63202"/>
             </a:xfrm>
             <a:custGeom>
@@ -21688,7 +21688,7 @@
           </p:nvSpPr>
           <p:spPr>
             <a:xfrm>
-              <a:off x="4549884" y="5924781"/>
+              <a:off x="4585134" y="5924810"/>
               <a:ext cx="63202" cy="63202"/>
             </a:xfrm>
             <a:custGeom>
@@ -21731,7 +21731,7 @@
           </p:nvSpPr>
           <p:spPr>
             <a:xfrm>
-              <a:off x="5042990" y="5925310"/>
+              <a:off x="5020228" y="5925329"/>
               <a:ext cx="63202" cy="63202"/>
             </a:xfrm>
             <a:custGeom>
@@ -21774,7 +21774,7 @@
           </p:nvSpPr>
           <p:spPr>
             <a:xfrm>
-              <a:off x="5103938" y="5931801"/>
+              <a:off x="4526223" y="5931820"/>
               <a:ext cx="63202" cy="63202"/>
             </a:xfrm>
             <a:custGeom>
@@ -21817,7 +21817,7 @@
           </p:nvSpPr>
           <p:spPr>
             <a:xfrm>
-              <a:off x="5145282" y="6193675"/>
+              <a:off x="4490058" y="6193676"/>
               <a:ext cx="63202" cy="63202"/>
             </a:xfrm>
             <a:custGeom>
@@ -21860,7 +21860,7 @@
           </p:nvSpPr>
           <p:spPr>
             <a:xfrm>
-              <a:off x="5049768" y="5866992"/>
+              <a:off x="4597972" y="5867024"/>
               <a:ext cx="63202" cy="63202"/>
             </a:xfrm>
             <a:custGeom>
@@ -21903,7 +21903,7 @@
           </p:nvSpPr>
           <p:spPr>
             <a:xfrm>
-              <a:off x="5131655" y="5878547"/>
+              <a:off x="4498258" y="5878567"/>
               <a:ext cx="63202" cy="63202"/>
             </a:xfrm>
             <a:custGeom>
@@ -21946,7 +21946,7 @@
           </p:nvSpPr>
           <p:spPr>
             <a:xfrm>
-              <a:off x="4778303" y="5930811"/>
+              <a:off x="4714638" y="5930828"/>
               <a:ext cx="63202" cy="63202"/>
             </a:xfrm>
             <a:custGeom>
@@ -21989,7 +21989,7 @@
           </p:nvSpPr>
           <p:spPr>
             <a:xfrm>
-              <a:off x="4706805" y="5874303"/>
+              <a:off x="4563121" y="5874333"/>
               <a:ext cx="63202" cy="63202"/>
             </a:xfrm>
             <a:custGeom>
@@ -22032,7 +22032,7 @@
           </p:nvSpPr>
           <p:spPr>
             <a:xfrm>
-              <a:off x="5054894" y="5872173"/>
+              <a:off x="4540391" y="5872191"/>
               <a:ext cx="63202" cy="63202"/>
             </a:xfrm>
             <a:custGeom>
@@ -22075,7 +22075,7 @@
           </p:nvSpPr>
           <p:spPr>
             <a:xfrm>
-              <a:off x="5168134" y="6101612"/>
+              <a:off x="4791854" y="6101633"/>
               <a:ext cx="63202" cy="63202"/>
             </a:xfrm>
             <a:custGeom>
@@ -22118,7 +22118,7 @@
           </p:nvSpPr>
           <p:spPr>
             <a:xfrm>
-              <a:off x="5077529" y="5858952"/>
+              <a:off x="5131332" y="5858976"/>
               <a:ext cx="63202" cy="63202"/>
             </a:xfrm>
             <a:custGeom>
@@ -22161,7 +22161,7 @@
           </p:nvSpPr>
           <p:spPr>
             <a:xfrm>
-              <a:off x="4764370" y="5861505"/>
+              <a:off x="4798213" y="5861527"/>
               <a:ext cx="63202" cy="63202"/>
             </a:xfrm>
             <a:custGeom>
@@ -22204,7 +22204,7 @@
           </p:nvSpPr>
           <p:spPr>
             <a:xfrm>
-              <a:off x="5014391" y="5851519"/>
+              <a:off x="4959445" y="5851530"/>
               <a:ext cx="63202" cy="63202"/>
             </a:xfrm>
             <a:custGeom>
@@ -22247,7 +22247,7 @@
           </p:nvSpPr>
           <p:spPr>
             <a:xfrm>
-              <a:off x="4595225" y="6108902"/>
+              <a:off x="4890488" y="6108910"/>
               <a:ext cx="63202" cy="63202"/>
             </a:xfrm>
             <a:custGeom>
@@ -22290,7 +22290,7 @@
           </p:nvSpPr>
           <p:spPr>
             <a:xfrm>
-              <a:off x="4637920" y="5865451"/>
+              <a:off x="4593018" y="5865467"/>
               <a:ext cx="63202" cy="63202"/>
             </a:xfrm>
             <a:custGeom>
@@ -22333,7 +22333,7 @@
           </p:nvSpPr>
           <p:spPr>
             <a:xfrm>
-              <a:off x="4702722" y="5869649"/>
+              <a:off x="4876022" y="5869687"/>
               <a:ext cx="63202" cy="63202"/>
             </a:xfrm>
             <a:custGeom>
@@ -22376,7 +22376,7 @@
           </p:nvSpPr>
           <p:spPr>
             <a:xfrm>
-              <a:off x="4616003" y="6004273"/>
+              <a:off x="4771111" y="6004293"/>
               <a:ext cx="63202" cy="63202"/>
             </a:xfrm>
             <a:custGeom>
@@ -22419,7 +22419,7 @@
           </p:nvSpPr>
           <p:spPr>
             <a:xfrm>
-              <a:off x="5040639" y="5931434"/>
+              <a:off x="5145829" y="5931457"/>
               <a:ext cx="63202" cy="63202"/>
             </a:xfrm>
             <a:custGeom>
@@ -22462,7 +22462,7 @@
           </p:nvSpPr>
           <p:spPr>
             <a:xfrm>
-              <a:off x="5126916" y="5927861"/>
+              <a:off x="4849682" y="5927881"/>
               <a:ext cx="63202" cy="63202"/>
             </a:xfrm>
             <a:custGeom>
@@ -22505,7 +22505,7 @@
           </p:nvSpPr>
           <p:spPr>
             <a:xfrm>
-              <a:off x="5129619" y="5870988"/>
+              <a:off x="4636969" y="5871000"/>
               <a:ext cx="63202" cy="63202"/>
             </a:xfrm>
             <a:custGeom>
@@ -22548,7 +22548,7 @@
           </p:nvSpPr>
           <p:spPr>
             <a:xfrm>
-              <a:off x="4868308" y="5871435"/>
+              <a:off x="4616944" y="5871457"/>
               <a:ext cx="63202" cy="63202"/>
             </a:xfrm>
             <a:custGeom>
@@ -22591,7 +22591,7 @@
           </p:nvSpPr>
           <p:spPr>
             <a:xfrm>
-              <a:off x="4976640" y="5891944"/>
+              <a:off x="4972369" y="5891970"/>
               <a:ext cx="63202" cy="63202"/>
             </a:xfrm>
             <a:custGeom>
@@ -22634,7 +22634,7 @@
           </p:nvSpPr>
           <p:spPr>
             <a:xfrm>
-              <a:off x="5010602" y="6126460"/>
+              <a:off x="4478869" y="6126487"/>
               <a:ext cx="63202" cy="63202"/>
             </a:xfrm>
             <a:custGeom>
@@ -22677,7 +22677,7 @@
           </p:nvSpPr>
           <p:spPr>
             <a:xfrm>
-              <a:off x="4820170" y="6319744"/>
+              <a:off x="4713491" y="6319739"/>
               <a:ext cx="63202" cy="63202"/>
             </a:xfrm>
             <a:custGeom>
@@ -22720,7 +22720,7 @@
           </p:nvSpPr>
           <p:spPr>
             <a:xfrm>
-              <a:off x="4889435" y="5891141"/>
+              <a:off x="5078561" y="5891140"/>
               <a:ext cx="63202" cy="63202"/>
             </a:xfrm>
             <a:custGeom>
@@ -22763,7 +22763,7 @@
           </p:nvSpPr>
           <p:spPr>
             <a:xfrm>
-              <a:off x="4918522" y="6680396"/>
+              <a:off x="4579517" y="6680423"/>
               <a:ext cx="63202" cy="63202"/>
             </a:xfrm>
             <a:custGeom>
@@ -22806,7 +22806,7 @@
           </p:nvSpPr>
           <p:spPr>
             <a:xfrm>
-              <a:off x="4913978" y="5940436"/>
+              <a:off x="4967887" y="5940446"/>
               <a:ext cx="63202" cy="63202"/>
             </a:xfrm>
             <a:custGeom>
@@ -22849,7 +22849,7 @@
           </p:nvSpPr>
           <p:spPr>
             <a:xfrm>
-              <a:off x="4832646" y="5897271"/>
+              <a:off x="4524982" y="5897298"/>
               <a:ext cx="63202" cy="63202"/>
             </a:xfrm>
             <a:custGeom>
@@ -22892,7 +22892,7 @@
           </p:nvSpPr>
           <p:spPr>
             <a:xfrm>
-              <a:off x="4831894" y="5856079"/>
+              <a:off x="5003737" y="5856096"/>
               <a:ext cx="63202" cy="63202"/>
             </a:xfrm>
             <a:custGeom>
@@ -22935,7 +22935,7 @@
           </p:nvSpPr>
           <p:spPr>
             <a:xfrm>
-              <a:off x="4696540" y="5953609"/>
+              <a:off x="4659012" y="5953616"/>
               <a:ext cx="63202" cy="63202"/>
             </a:xfrm>
             <a:custGeom>
@@ -22978,7 +22978,7 @@
           </p:nvSpPr>
           <p:spPr>
             <a:xfrm>
-              <a:off x="4497576" y="5869585"/>
+              <a:off x="4737402" y="5869592"/>
               <a:ext cx="63202" cy="63202"/>
             </a:xfrm>
             <a:custGeom>
@@ -23021,7 +23021,7 @@
           </p:nvSpPr>
           <p:spPr>
             <a:xfrm>
-              <a:off x="4510314" y="5923110"/>
+              <a:off x="4570530" y="5923112"/>
               <a:ext cx="63202" cy="63202"/>
             </a:xfrm>
             <a:custGeom>
@@ -23064,7 +23064,7 @@
           </p:nvSpPr>
           <p:spPr>
             <a:xfrm>
-              <a:off x="4556620" y="5932011"/>
+              <a:off x="5057788" y="5932016"/>
               <a:ext cx="63202" cy="63202"/>
             </a:xfrm>
             <a:custGeom>
@@ -23107,7 +23107,7 @@
           </p:nvSpPr>
           <p:spPr>
             <a:xfrm>
-              <a:off x="4858021" y="5947720"/>
+              <a:off x="4701262" y="5947714"/>
               <a:ext cx="63202" cy="63202"/>
             </a:xfrm>
             <a:custGeom>
@@ -23150,7 +23150,7 @@
           </p:nvSpPr>
           <p:spPr>
             <a:xfrm>
-              <a:off x="4715001" y="5874439"/>
+              <a:off x="4978048" y="5874447"/>
               <a:ext cx="63202" cy="63202"/>
             </a:xfrm>
             <a:custGeom>
@@ -23193,7 +23193,7 @@
           </p:nvSpPr>
           <p:spPr>
             <a:xfrm>
-              <a:off x="4899791" y="5879248"/>
+              <a:off x="4606066" y="5879280"/>
               <a:ext cx="63202" cy="63202"/>
             </a:xfrm>
             <a:custGeom>
@@ -23236,7 +23236,7 @@
           </p:nvSpPr>
           <p:spPr>
             <a:xfrm>
-              <a:off x="4494470" y="6126627"/>
+              <a:off x="4577751" y="6126651"/>
               <a:ext cx="63202" cy="63202"/>
             </a:xfrm>
             <a:custGeom>
@@ -23279,7 +23279,7 @@
           </p:nvSpPr>
           <p:spPr>
             <a:xfrm>
-              <a:off x="4740552" y="5862002"/>
+              <a:off x="5135830" y="5862004"/>
               <a:ext cx="63202" cy="63202"/>
             </a:xfrm>
             <a:custGeom>
@@ -23322,7 +23322,7 @@
           </p:nvSpPr>
           <p:spPr>
             <a:xfrm>
-              <a:off x="4511561" y="6132142"/>
+              <a:off x="4995160" y="6132171"/>
               <a:ext cx="63202" cy="63202"/>
             </a:xfrm>
             <a:custGeom>
@@ -23365,7 +23365,7 @@
           </p:nvSpPr>
           <p:spPr>
             <a:xfrm>
-              <a:off x="4527271" y="5908947"/>
+              <a:off x="4655379" y="5908948"/>
               <a:ext cx="63202" cy="63202"/>
             </a:xfrm>
             <a:custGeom>
@@ -23408,7 +23408,7 @@
           </p:nvSpPr>
           <p:spPr>
             <a:xfrm>
-              <a:off x="5167131" y="6042889"/>
+              <a:off x="4489477" y="6042934"/>
               <a:ext cx="63202" cy="63202"/>
             </a:xfrm>
             <a:custGeom>
@@ -23451,7 +23451,7 @@
           </p:nvSpPr>
           <p:spPr>
             <a:xfrm>
-              <a:off x="4871224" y="5920686"/>
+              <a:off x="4763514" y="5920704"/>
               <a:ext cx="63202" cy="63202"/>
             </a:xfrm>
             <a:custGeom>
@@ -23494,7 +23494,7 @@
           </p:nvSpPr>
           <p:spPr>
             <a:xfrm>
-              <a:off x="4998769" y="5921448"/>
+              <a:off x="5023737" y="5921497"/>
               <a:ext cx="63202" cy="63202"/>
             </a:xfrm>
             <a:custGeom>
@@ -23537,7 +23537,7 @@
           </p:nvSpPr>
           <p:spPr>
             <a:xfrm>
-              <a:off x="4505315" y="6072177"/>
+              <a:off x="5029372" y="6072200"/>
               <a:ext cx="63202" cy="63202"/>
             </a:xfrm>
             <a:custGeom>
@@ -23580,7 +23580,7 @@
           </p:nvSpPr>
           <p:spPr>
             <a:xfrm>
-              <a:off x="4990956" y="5871566"/>
+              <a:off x="4798105" y="5871603"/>
               <a:ext cx="63202" cy="63202"/>
             </a:xfrm>
             <a:custGeom>
@@ -23623,7 +23623,7 @@
           </p:nvSpPr>
           <p:spPr>
             <a:xfrm>
-              <a:off x="4944902" y="5854713"/>
+              <a:off x="5017627" y="5854750"/>
               <a:ext cx="63202" cy="63202"/>
             </a:xfrm>
             <a:custGeom>
@@ -23666,7 +23666,7 @@
           </p:nvSpPr>
           <p:spPr>
             <a:xfrm>
-              <a:off x="4671922" y="6086254"/>
+              <a:off x="4673100" y="6086288"/>
               <a:ext cx="63202" cy="63202"/>
             </a:xfrm>
             <a:custGeom>
@@ -23709,7 +23709,7 @@
           </p:nvSpPr>
           <p:spPr>
             <a:xfrm>
-              <a:off x="4660932" y="5869074"/>
+              <a:off x="4978346" y="5869110"/>
               <a:ext cx="63202" cy="63202"/>
             </a:xfrm>
             <a:custGeom>
@@ -23752,7 +23752,7 @@
           </p:nvSpPr>
           <p:spPr>
             <a:xfrm>
-              <a:off x="4725162" y="5936452"/>
+              <a:off x="4603014" y="5936472"/>
               <a:ext cx="63202" cy="63202"/>
             </a:xfrm>
             <a:custGeom>
@@ -23795,7 +23795,7 @@
           </p:nvSpPr>
           <p:spPr>
             <a:xfrm>
-              <a:off x="4678027" y="5868068"/>
+              <a:off x="5021658" y="5868092"/>
               <a:ext cx="63202" cy="63202"/>
             </a:xfrm>
             <a:custGeom>
@@ -23838,7 +23838,7 @@
           </p:nvSpPr>
           <p:spPr>
             <a:xfrm>
-              <a:off x="4606833" y="5850455"/>
+              <a:off x="5100087" y="5850496"/>
               <a:ext cx="63202" cy="63202"/>
             </a:xfrm>
             <a:custGeom>
@@ -23881,7 +23881,7 @@
           </p:nvSpPr>
           <p:spPr>
             <a:xfrm>
-              <a:off x="5160264" y="5849199"/>
+              <a:off x="4741204" y="5849208"/>
               <a:ext cx="63202" cy="63202"/>
             </a:xfrm>
             <a:custGeom>
@@ -23924,7 +23924,7 @@
           </p:nvSpPr>
           <p:spPr>
             <a:xfrm>
-              <a:off x="4720825" y="5849190"/>
+              <a:off x="4916939" y="5849201"/>
               <a:ext cx="63202" cy="63202"/>
             </a:xfrm>
             <a:custGeom>
@@ -23967,7 +23967,7 @@
           </p:nvSpPr>
           <p:spPr>
             <a:xfrm>
-              <a:off x="5128195" y="5857356"/>
+              <a:off x="5095003" y="5857379"/>
               <a:ext cx="63202" cy="63202"/>
             </a:xfrm>
             <a:custGeom>
@@ -24010,7 +24010,7 @@
           </p:nvSpPr>
           <p:spPr>
             <a:xfrm>
-              <a:off x="5000312" y="5883364"/>
+              <a:off x="5119391" y="5883382"/>
               <a:ext cx="63202" cy="63202"/>
             </a:xfrm>
             <a:custGeom>
@@ -24053,7 +24053,7 @@
           </p:nvSpPr>
           <p:spPr>
             <a:xfrm>
-              <a:off x="4678015" y="5909174"/>
+              <a:off x="4894690" y="5909188"/>
               <a:ext cx="63202" cy="63202"/>
             </a:xfrm>
             <a:custGeom>
@@ -24096,7 +24096,7 @@
           </p:nvSpPr>
           <p:spPr>
             <a:xfrm>
-              <a:off x="5106613" y="5866257"/>
+              <a:off x="4837207" y="5866298"/>
               <a:ext cx="63202" cy="63202"/>
             </a:xfrm>
             <a:custGeom>
@@ -24139,7 +24139,7 @@
           </p:nvSpPr>
           <p:spPr>
             <a:xfrm>
-              <a:off x="4977320" y="5945262"/>
+              <a:off x="4951426" y="5945258"/>
               <a:ext cx="63202" cy="63202"/>
             </a:xfrm>
             <a:custGeom>
@@ -24182,7 +24182,7 @@
           </p:nvSpPr>
           <p:spPr>
             <a:xfrm>
-              <a:off x="4513050" y="6091881"/>
+              <a:off x="4851564" y="6091886"/>
               <a:ext cx="63202" cy="63202"/>
             </a:xfrm>
             <a:custGeom>
@@ -24225,7 +24225,7 @@
           </p:nvSpPr>
           <p:spPr>
             <a:xfrm>
-              <a:off x="4699113" y="6031842"/>
+              <a:off x="4612945" y="6031834"/>
               <a:ext cx="63202" cy="63202"/>
             </a:xfrm>
             <a:custGeom>
@@ -24268,7 +24268,7 @@
           </p:nvSpPr>
           <p:spPr>
             <a:xfrm>
-              <a:off x="5146083" y="5901389"/>
+              <a:off x="4735406" y="5901422"/>
               <a:ext cx="63202" cy="63202"/>
             </a:xfrm>
             <a:custGeom>
@@ -24311,7 +24311,7 @@
           </p:nvSpPr>
           <p:spPr>
             <a:xfrm>
-              <a:off x="5136727" y="5885957"/>
+              <a:off x="5139986" y="5885976"/>
               <a:ext cx="63202" cy="63202"/>
             </a:xfrm>
             <a:custGeom>
@@ -24354,7 +24354,7 @@
           </p:nvSpPr>
           <p:spPr>
             <a:xfrm>
-              <a:off x="5097609" y="6176382"/>
+              <a:off x="4865354" y="6176382"/>
               <a:ext cx="63202" cy="63202"/>
             </a:xfrm>
             <a:custGeom>
@@ -24397,7 +24397,7 @@
           </p:nvSpPr>
           <p:spPr>
             <a:xfrm>
-              <a:off x="4537269" y="5985644"/>
+              <a:off x="4982725" y="5985671"/>
               <a:ext cx="63202" cy="63202"/>
             </a:xfrm>
             <a:custGeom>
@@ -24440,7 +24440,7 @@
           </p:nvSpPr>
           <p:spPr>
             <a:xfrm>
-              <a:off x="5135643" y="5887885"/>
+              <a:off x="4552318" y="5887878"/>
               <a:ext cx="63202" cy="63202"/>
             </a:xfrm>
             <a:custGeom>
@@ -24483,7 +24483,7 @@
           </p:nvSpPr>
           <p:spPr>
             <a:xfrm>
-              <a:off x="4782634" y="5868248"/>
+              <a:off x="4922151" y="5868292"/>
               <a:ext cx="63202" cy="63202"/>
             </a:xfrm>
             <a:custGeom>
@@ -24526,7 +24526,7 @@
           </p:nvSpPr>
           <p:spPr>
             <a:xfrm>
-              <a:off x="4591370" y="5935235"/>
+              <a:off x="4880401" y="5935242"/>
               <a:ext cx="63202" cy="63202"/>
             </a:xfrm>
             <a:custGeom>
@@ -24569,7 +24569,7 @@
           </p:nvSpPr>
           <p:spPr>
             <a:xfrm>
-              <a:off x="4595854" y="5892311"/>
+              <a:off x="4723879" y="5892351"/>
               <a:ext cx="63202" cy="63202"/>
             </a:xfrm>
             <a:custGeom>
@@ -24612,7 +24612,7 @@
           </p:nvSpPr>
           <p:spPr>
             <a:xfrm>
-              <a:off x="4752854" y="5858196"/>
+              <a:off x="5143817" y="5858193"/>
               <a:ext cx="63202" cy="63202"/>
             </a:xfrm>
             <a:custGeom>
@@ -24655,7 +24655,7 @@
           </p:nvSpPr>
           <p:spPr>
             <a:xfrm>
-              <a:off x="4886054" y="5863905"/>
+              <a:off x="4716201" y="5863903"/>
               <a:ext cx="63202" cy="63202"/>
             </a:xfrm>
             <a:custGeom>
@@ -24698,7 +24698,7 @@
           </p:nvSpPr>
           <p:spPr>
             <a:xfrm>
-              <a:off x="4561033" y="5876015"/>
+              <a:off x="4956107" y="5876044"/>
               <a:ext cx="63202" cy="63202"/>
             </a:xfrm>
             <a:custGeom>
@@ -24741,7 +24741,7 @@
           </p:nvSpPr>
           <p:spPr>
             <a:xfrm>
-              <a:off x="4807475" y="6083091"/>
+              <a:off x="4898005" y="6083095"/>
               <a:ext cx="63202" cy="63202"/>
             </a:xfrm>
             <a:custGeom>
@@ -24784,7 +24784,7 @@
           </p:nvSpPr>
           <p:spPr>
             <a:xfrm>
-              <a:off x="4932132" y="6339249"/>
+              <a:off x="5147693" y="6339287"/>
               <a:ext cx="63202" cy="63202"/>
             </a:xfrm>
             <a:custGeom>
@@ -24827,7 +24827,7 @@
           </p:nvSpPr>
           <p:spPr>
             <a:xfrm>
-              <a:off x="4560927" y="5904817"/>
+              <a:off x="4753785" y="5904809"/>
               <a:ext cx="63202" cy="63202"/>
             </a:xfrm>
             <a:custGeom>
@@ -24870,7 +24870,7 @@
           </p:nvSpPr>
           <p:spPr>
             <a:xfrm>
-              <a:off x="4776585" y="6357824"/>
+              <a:off x="4704279" y="6357852"/>
               <a:ext cx="63202" cy="63202"/>
             </a:xfrm>
             <a:custGeom>
@@ -24913,7 +24913,7 @@
           </p:nvSpPr>
           <p:spPr>
             <a:xfrm>
-              <a:off x="4629509" y="6076678"/>
+              <a:off x="5132775" y="6076679"/>
               <a:ext cx="63202" cy="63202"/>
             </a:xfrm>
             <a:custGeom>
@@ -24956,7 +24956,7 @@
           </p:nvSpPr>
           <p:spPr>
             <a:xfrm>
-              <a:off x="4906678" y="5876490"/>
+              <a:off x="4656632" y="5876490"/>
               <a:ext cx="63202" cy="63202"/>
             </a:xfrm>
             <a:custGeom>
@@ -24999,7 +24999,7 @@
           </p:nvSpPr>
           <p:spPr>
             <a:xfrm>
-              <a:off x="5102824" y="6068185"/>
+              <a:off x="4485200" y="6068208"/>
               <a:ext cx="63202" cy="63202"/>
             </a:xfrm>
             <a:custGeom>
@@ -25042,7 +25042,7 @@
           </p:nvSpPr>
           <p:spPr>
             <a:xfrm>
-              <a:off x="4886169" y="6079320"/>
+              <a:off x="5104436" y="6079313"/>
               <a:ext cx="63202" cy="63202"/>
             </a:xfrm>
             <a:custGeom>
@@ -25085,7 +25085,7 @@
           </p:nvSpPr>
           <p:spPr>
             <a:xfrm>
-              <a:off x="4887106" y="6141454"/>
+              <a:off x="5017980" y="6141464"/>
               <a:ext cx="63202" cy="63202"/>
             </a:xfrm>
             <a:custGeom>
@@ -25128,7 +25128,7 @@
           </p:nvSpPr>
           <p:spPr>
             <a:xfrm>
-              <a:off x="4899709" y="6080308"/>
+              <a:off x="4954289" y="6080332"/>
               <a:ext cx="63202" cy="63202"/>
             </a:xfrm>
             <a:custGeom>
@@ -25171,7 +25171,7 @@
           </p:nvSpPr>
           <p:spPr>
             <a:xfrm>
-              <a:off x="4572777" y="5911329"/>
+              <a:off x="4541943" y="5911378"/>
               <a:ext cx="63202" cy="63202"/>
             </a:xfrm>
             <a:custGeom>
@@ -25214,7 +25214,7 @@
           </p:nvSpPr>
           <p:spPr>
             <a:xfrm>
-              <a:off x="4973546" y="6005146"/>
+              <a:off x="5009936" y="6005139"/>
               <a:ext cx="63202" cy="63202"/>
             </a:xfrm>
             <a:custGeom>
@@ -25257,7 +25257,7 @@
           </p:nvSpPr>
           <p:spPr>
             <a:xfrm>
-              <a:off x="4661819" y="5921845"/>
+              <a:off x="4996991" y="5921861"/>
               <a:ext cx="63202" cy="63202"/>
             </a:xfrm>
             <a:custGeom>
@@ -25300,7 +25300,7 @@
           </p:nvSpPr>
           <p:spPr>
             <a:xfrm>
-              <a:off x="4671185" y="6113854"/>
+              <a:off x="5048487" y="6113859"/>
               <a:ext cx="63202" cy="63202"/>
             </a:xfrm>
             <a:custGeom>
@@ -25343,7 +25343,7 @@
           </p:nvSpPr>
           <p:spPr>
             <a:xfrm>
-              <a:off x="5092282" y="5975732"/>
+              <a:off x="4681493" y="5975737"/>
               <a:ext cx="63202" cy="63202"/>
             </a:xfrm>
             <a:custGeom>
@@ -25386,7 +25386,7 @@
           </p:nvSpPr>
           <p:spPr>
             <a:xfrm>
-              <a:off x="4909398" y="6117608"/>
+              <a:off x="4526613" y="6117634"/>
               <a:ext cx="63202" cy="63202"/>
             </a:xfrm>
             <a:custGeom>
@@ -25429,7 +25429,7 @@
           </p:nvSpPr>
           <p:spPr>
             <a:xfrm>
-              <a:off x="4957665" y="6068586"/>
+              <a:off x="5087129" y="6068616"/>
               <a:ext cx="63202" cy="63202"/>
             </a:xfrm>
             <a:custGeom>
@@ -25472,7 +25472,7 @@
           </p:nvSpPr>
           <p:spPr>
             <a:xfrm>
-              <a:off x="4684471" y="5999382"/>
+              <a:off x="5137876" y="5999383"/>
               <a:ext cx="63202" cy="63202"/>
             </a:xfrm>
             <a:custGeom>
@@ -25515,7 +25515,7 @@
           </p:nvSpPr>
           <p:spPr>
             <a:xfrm>
-              <a:off x="4776300" y="5913872"/>
+              <a:off x="5053543" y="5913904"/>
               <a:ext cx="63202" cy="63202"/>
             </a:xfrm>
             <a:custGeom>
@@ -25558,7 +25558,7 @@
           </p:nvSpPr>
           <p:spPr>
             <a:xfrm>
-              <a:off x="4684467" y="6085724"/>
+              <a:off x="4700414" y="6085721"/>
               <a:ext cx="63202" cy="63202"/>
             </a:xfrm>
             <a:custGeom>
@@ -25601,7 +25601,7 @@
           </p:nvSpPr>
           <p:spPr>
             <a:xfrm>
-              <a:off x="4728355" y="5936871"/>
+              <a:off x="4837077" y="5936867"/>
               <a:ext cx="63202" cy="63202"/>
             </a:xfrm>
             <a:custGeom>
@@ -25644,7 +25644,7 @@
           </p:nvSpPr>
           <p:spPr>
             <a:xfrm>
-              <a:off x="4981712" y="5900258"/>
+              <a:off x="4768650" y="5900267"/>
               <a:ext cx="63202" cy="63202"/>
             </a:xfrm>
             <a:custGeom>
@@ -25687,7 +25687,7 @@
           </p:nvSpPr>
           <p:spPr>
             <a:xfrm>
-              <a:off x="4878215" y="5896587"/>
+              <a:off x="4824871" y="5896589"/>
               <a:ext cx="63202" cy="63202"/>
             </a:xfrm>
             <a:custGeom>
@@ -25730,7 +25730,7 @@
           </p:nvSpPr>
           <p:spPr>
             <a:xfrm>
-              <a:off x="4931813" y="5892139"/>
+              <a:off x="5017628" y="5892165"/>
               <a:ext cx="63202" cy="63202"/>
             </a:xfrm>
             <a:custGeom>
@@ -25773,7 +25773,7 @@
           </p:nvSpPr>
           <p:spPr>
             <a:xfrm>
-              <a:off x="4681790" y="6170683"/>
+              <a:off x="4692599" y="6170703"/>
               <a:ext cx="63202" cy="63202"/>
             </a:xfrm>
             <a:custGeom>
@@ -25816,7 +25816,7 @@
           </p:nvSpPr>
           <p:spPr>
             <a:xfrm>
-              <a:off x="4545463" y="5916232"/>
+              <a:off x="5099430" y="5916276"/>
               <a:ext cx="63202" cy="63202"/>
             </a:xfrm>
             <a:custGeom>
@@ -25859,7 +25859,7 @@
           </p:nvSpPr>
           <p:spPr>
             <a:xfrm>
-              <a:off x="4990911" y="5891500"/>
+              <a:off x="4846229" y="5891529"/>
               <a:ext cx="63202" cy="63202"/>
             </a:xfrm>
             <a:custGeom>
@@ -25902,7 +25902,7 @@
           </p:nvSpPr>
           <p:spPr>
             <a:xfrm>
-              <a:off x="5002965" y="5883387"/>
+              <a:off x="4865854" y="5883390"/>
               <a:ext cx="63202" cy="63202"/>
             </a:xfrm>
             <a:custGeom>
@@ -25945,7 +25945,7 @@
           </p:nvSpPr>
           <p:spPr>
             <a:xfrm>
-              <a:off x="4745011" y="5925188"/>
+              <a:off x="4871204" y="5925199"/>
               <a:ext cx="63202" cy="63202"/>
             </a:xfrm>
             <a:custGeom>
@@ -25988,7 +25988,7 @@
           </p:nvSpPr>
           <p:spPr>
             <a:xfrm>
-              <a:off x="4665508" y="5896329"/>
+              <a:off x="4605332" y="5896325"/>
               <a:ext cx="63202" cy="63202"/>
             </a:xfrm>
             <a:custGeom>
@@ -26031,7 +26031,7 @@
           </p:nvSpPr>
           <p:spPr>
             <a:xfrm>
-              <a:off x="5125106" y="6119897"/>
+              <a:off x="5095433" y="6119928"/>
               <a:ext cx="63202" cy="63202"/>
             </a:xfrm>
             <a:custGeom>
@@ -26074,7 +26074,7 @@
           </p:nvSpPr>
           <p:spPr>
             <a:xfrm>
-              <a:off x="4673162" y="5926150"/>
+              <a:off x="5050254" y="5926159"/>
               <a:ext cx="63202" cy="63202"/>
             </a:xfrm>
             <a:custGeom>
@@ -26117,7 +26117,7 @@
           </p:nvSpPr>
           <p:spPr>
             <a:xfrm>
-              <a:off x="4997403" y="5922236"/>
+              <a:off x="4556544" y="5922269"/>
               <a:ext cx="63202" cy="63202"/>
             </a:xfrm>
             <a:custGeom>
@@ -26160,7 +26160,7 @@
           </p:nvSpPr>
           <p:spPr>
             <a:xfrm>
-              <a:off x="4824487" y="5931776"/>
+              <a:off x="4708807" y="5931799"/>
               <a:ext cx="63202" cy="63202"/>
             </a:xfrm>
             <a:custGeom>
@@ -26203,7 +26203,7 @@
           </p:nvSpPr>
           <p:spPr>
             <a:xfrm>
-              <a:off x="4504349" y="5862393"/>
+              <a:off x="4843548" y="5862438"/>
               <a:ext cx="63202" cy="63202"/>
             </a:xfrm>
             <a:custGeom>
@@ -26246,7 +26246,7 @@
           </p:nvSpPr>
           <p:spPr>
             <a:xfrm>
-              <a:off x="4685156" y="5879871"/>
+              <a:off x="5105489" y="5879903"/>
               <a:ext cx="63202" cy="63202"/>
             </a:xfrm>
             <a:custGeom>
@@ -26289,7 +26289,7 @@
           </p:nvSpPr>
           <p:spPr>
             <a:xfrm>
-              <a:off x="4958767" y="5887506"/>
+              <a:off x="4627056" y="5887526"/>
               <a:ext cx="63202" cy="63202"/>
             </a:xfrm>
             <a:custGeom>
@@ -26332,7 +26332,7 @@
           </p:nvSpPr>
           <p:spPr>
             <a:xfrm>
-              <a:off x="4527198" y="5887836"/>
+              <a:off x="4856913" y="5887852"/>
               <a:ext cx="63202" cy="63202"/>
             </a:xfrm>
             <a:custGeom>
@@ -26375,7 +26375,7 @@
           </p:nvSpPr>
           <p:spPr>
             <a:xfrm>
-              <a:off x="4970002" y="5916618"/>
+              <a:off x="5071694" y="5916631"/>
               <a:ext cx="63202" cy="63202"/>
             </a:xfrm>
             <a:custGeom>
@@ -26418,7 +26418,7 @@
           </p:nvSpPr>
           <p:spPr>
             <a:xfrm>
-              <a:off x="4561348" y="6138502"/>
+              <a:off x="4883946" y="6138544"/>
               <a:ext cx="63202" cy="63202"/>
             </a:xfrm>
             <a:custGeom>
@@ -26461,7 +26461,7 @@
           </p:nvSpPr>
           <p:spPr>
             <a:xfrm>
-              <a:off x="4559486" y="5904767"/>
+              <a:off x="5014831" y="5904771"/>
               <a:ext cx="63202" cy="63202"/>
             </a:xfrm>
             <a:custGeom>
@@ -26504,7 +26504,7 @@
           </p:nvSpPr>
           <p:spPr>
             <a:xfrm>
-              <a:off x="4769383" y="5869037"/>
+              <a:off x="4796589" y="5869059"/>
               <a:ext cx="63202" cy="63202"/>
             </a:xfrm>
             <a:custGeom>
@@ -26547,7 +26547,7 @@
           </p:nvSpPr>
           <p:spPr>
             <a:xfrm>
-              <a:off x="4506024" y="6128503"/>
+              <a:off x="5166535" y="6128553"/>
               <a:ext cx="63202" cy="63202"/>
             </a:xfrm>
             <a:custGeom>
@@ -26590,7 +26590,7 @@
           </p:nvSpPr>
           <p:spPr>
             <a:xfrm>
-              <a:off x="4544977" y="5888022"/>
+              <a:off x="5010234" y="5888032"/>
               <a:ext cx="63202" cy="63202"/>
             </a:xfrm>
             <a:custGeom>
@@ -26633,7 +26633,7 @@
           </p:nvSpPr>
           <p:spPr>
             <a:xfrm>
-              <a:off x="4692051" y="5939840"/>
+              <a:off x="4822888" y="5939887"/>
               <a:ext cx="63202" cy="63202"/>
             </a:xfrm>
             <a:custGeom>
@@ -26676,7 +26676,7 @@
           </p:nvSpPr>
           <p:spPr>
             <a:xfrm>
-              <a:off x="4547999" y="5862040"/>
+              <a:off x="4894565" y="5862059"/>
               <a:ext cx="63202" cy="63202"/>
             </a:xfrm>
             <a:custGeom>
@@ -26719,7 +26719,7 @@
           </p:nvSpPr>
           <p:spPr>
             <a:xfrm>
-              <a:off x="4693168" y="5913505"/>
+              <a:off x="4696020" y="5913525"/>
               <a:ext cx="63202" cy="63202"/>
             </a:xfrm>
             <a:custGeom>
@@ -26762,7 +26762,7 @@
           </p:nvSpPr>
           <p:spPr>
             <a:xfrm>
-              <a:off x="5105851" y="5861055"/>
+              <a:off x="4922571" y="5861060"/>
               <a:ext cx="63202" cy="63202"/>
             </a:xfrm>
             <a:custGeom>
@@ -26805,7 +26805,7 @@
           </p:nvSpPr>
           <p:spPr>
             <a:xfrm>
-              <a:off x="4881674" y="5860510"/>
+              <a:off x="4515153" y="5860523"/>
               <a:ext cx="63202" cy="63202"/>
             </a:xfrm>
             <a:custGeom>
@@ -26848,7 +26848,7 @@
           </p:nvSpPr>
           <p:spPr>
             <a:xfrm>
-              <a:off x="4751879" y="5859917"/>
+              <a:off x="4949126" y="5859915"/>
               <a:ext cx="63202" cy="63202"/>
             </a:xfrm>
             <a:custGeom>
@@ -26891,7 +26891,7 @@
           </p:nvSpPr>
           <p:spPr>
             <a:xfrm>
-              <a:off x="4880289" y="5862849"/>
+              <a:off x="4579467" y="5862884"/>
               <a:ext cx="63202" cy="63202"/>
             </a:xfrm>
             <a:custGeom>
@@ -26934,7 +26934,7 @@
           </p:nvSpPr>
           <p:spPr>
             <a:xfrm>
-              <a:off x="4884396" y="5896913"/>
+              <a:off x="4500090" y="5896933"/>
               <a:ext cx="63202" cy="63202"/>
             </a:xfrm>
             <a:custGeom>
@@ -26977,7 +26977,7 @@
           </p:nvSpPr>
           <p:spPr>
             <a:xfrm>
-              <a:off x="4479741" y="6060340"/>
+              <a:off x="5139509" y="6060351"/>
               <a:ext cx="63202" cy="63202"/>
             </a:xfrm>
             <a:custGeom>
@@ -27020,7 +27020,7 @@
           </p:nvSpPr>
           <p:spPr>
             <a:xfrm>
-              <a:off x="4924996" y="5888817"/>
+              <a:off x="5130735" y="5888848"/>
               <a:ext cx="63202" cy="63202"/>
             </a:xfrm>
             <a:custGeom>
@@ -27063,7 +27063,7 @@
           </p:nvSpPr>
           <p:spPr>
             <a:xfrm>
-              <a:off x="5149639" y="5872808"/>
+              <a:off x="4532208" y="5872815"/>
               <a:ext cx="63202" cy="63202"/>
             </a:xfrm>
             <a:custGeom>
@@ -27106,7 +27106,7 @@
           </p:nvSpPr>
           <p:spPr>
             <a:xfrm>
-              <a:off x="4859765" y="5997124"/>
+              <a:off x="4690827" y="5997149"/>
               <a:ext cx="63202" cy="63202"/>
             </a:xfrm>
             <a:custGeom>
@@ -27149,7 +27149,7 @@
           </p:nvSpPr>
           <p:spPr>
             <a:xfrm>
-              <a:off x="4536605" y="5990295"/>
+              <a:off x="4976189" y="5990315"/>
               <a:ext cx="63202" cy="63202"/>
             </a:xfrm>
             <a:custGeom>
@@ -27192,7 +27192,7 @@
           </p:nvSpPr>
           <p:spPr>
             <a:xfrm>
-              <a:off x="5026434" y="6000965"/>
+              <a:off x="5129866" y="6000969"/>
               <a:ext cx="63202" cy="63202"/>
             </a:xfrm>
             <a:custGeom>
@@ -27235,7 +27235,7 @@
           </p:nvSpPr>
           <p:spPr>
             <a:xfrm>
-              <a:off x="5050881" y="5968767"/>
+              <a:off x="4580788" y="5968772"/>
               <a:ext cx="63202" cy="63202"/>
             </a:xfrm>
             <a:custGeom>
@@ -27278,7 +27278,7 @@
           </p:nvSpPr>
           <p:spPr>
             <a:xfrm>
-              <a:off x="4783164" y="5862235"/>
+              <a:off x="5019109" y="5862256"/>
               <a:ext cx="63202" cy="63202"/>
             </a:xfrm>
             <a:custGeom>
@@ -27321,7 +27321,7 @@
           </p:nvSpPr>
           <p:spPr>
             <a:xfrm>
-              <a:off x="5160733" y="5317369"/>
+              <a:off x="4931215" y="5317369"/>
               <a:ext cx="63202" cy="63202"/>
             </a:xfrm>
             <a:custGeom>
@@ -27364,7 +27364,7 @@
           </p:nvSpPr>
           <p:spPr>
             <a:xfrm>
-              <a:off x="4994875" y="6104461"/>
+              <a:off x="4695566" y="6104492"/>
               <a:ext cx="63202" cy="63202"/>
             </a:xfrm>
             <a:custGeom>
@@ -27407,7 +27407,7 @@
           </p:nvSpPr>
           <p:spPr>
             <a:xfrm>
-              <a:off x="4714781" y="6119653"/>
+              <a:off x="4558792" y="6119675"/>
               <a:ext cx="63202" cy="63202"/>
             </a:xfrm>
             <a:custGeom>
@@ -27450,7 +27450,7 @@
           </p:nvSpPr>
           <p:spPr>
             <a:xfrm>
-              <a:off x="5107416" y="5861300"/>
+              <a:off x="4523819" y="5861348"/>
               <a:ext cx="63202" cy="63202"/>
             </a:xfrm>
             <a:custGeom>
@@ -27493,7 +27493,7 @@
           </p:nvSpPr>
           <p:spPr>
             <a:xfrm>
-              <a:off x="5026977" y="5875533"/>
+              <a:off x="5099209" y="5875550"/>
               <a:ext cx="63202" cy="63202"/>
             </a:xfrm>
             <a:custGeom>
@@ -27536,7 +27536,7 @@
           </p:nvSpPr>
           <p:spPr>
             <a:xfrm>
-              <a:off x="5123450" y="6143130"/>
+              <a:off x="5094878" y="6143152"/>
               <a:ext cx="63202" cy="63202"/>
             </a:xfrm>
             <a:custGeom>
@@ -27579,7 +27579,7 @@
           </p:nvSpPr>
           <p:spPr>
             <a:xfrm>
-              <a:off x="5133270" y="5887634"/>
+              <a:off x="4473710" y="5887669"/>
               <a:ext cx="63202" cy="63202"/>
             </a:xfrm>
             <a:custGeom>
@@ -27622,7 +27622,7 @@
           </p:nvSpPr>
           <p:spPr>
             <a:xfrm>
-              <a:off x="4796330" y="5865274"/>
+              <a:off x="4584656" y="5865299"/>
               <a:ext cx="63202" cy="63202"/>
             </a:xfrm>
             <a:custGeom>
@@ -27665,7 +27665,7 @@
           </p:nvSpPr>
           <p:spPr>
             <a:xfrm>
-              <a:off x="4627987" y="6127702"/>
+              <a:off x="5112809" y="6127728"/>
               <a:ext cx="63202" cy="63202"/>
             </a:xfrm>
             <a:custGeom>
@@ -27708,7 +27708,7 @@
           </p:nvSpPr>
           <p:spPr>
             <a:xfrm>
-              <a:off x="4541015" y="6128033"/>
+              <a:off x="4870013" y="6128024"/>
               <a:ext cx="63202" cy="63202"/>
             </a:xfrm>
             <a:custGeom>
@@ -27751,7 +27751,7 @@
           </p:nvSpPr>
           <p:spPr>
             <a:xfrm>
-              <a:off x="4582926" y="5936413"/>
+              <a:off x="4736380" y="5936408"/>
               <a:ext cx="63202" cy="63202"/>
             </a:xfrm>
             <a:custGeom>
@@ -27794,7 +27794,7 @@
           </p:nvSpPr>
           <p:spPr>
             <a:xfrm>
-              <a:off x="4890048" y="5911130"/>
+              <a:off x="5018414" y="5911146"/>
               <a:ext cx="63202" cy="63202"/>
             </a:xfrm>
             <a:custGeom>
@@ -27837,7 +27837,7 @@
           </p:nvSpPr>
           <p:spPr>
             <a:xfrm>
-              <a:off x="5078102" y="5899589"/>
+              <a:off x="4486176" y="5899620"/>
               <a:ext cx="63202" cy="63202"/>
             </a:xfrm>
             <a:custGeom>
@@ -27880,7 +27880,7 @@
           </p:nvSpPr>
           <p:spPr>
             <a:xfrm>
-              <a:off x="4962812" y="5853601"/>
+              <a:off x="4890889" y="5853633"/>
               <a:ext cx="63202" cy="63202"/>
             </a:xfrm>
             <a:custGeom>
@@ -27923,7 +27923,7 @@
           </p:nvSpPr>
           <p:spPr>
             <a:xfrm>
-              <a:off x="4956718" y="5906012"/>
+              <a:off x="4791455" y="5906053"/>
               <a:ext cx="63202" cy="63202"/>
             </a:xfrm>
             <a:custGeom>
@@ -27966,7 +27966,7 @@
           </p:nvSpPr>
           <p:spPr>
             <a:xfrm>
-              <a:off x="4786948" y="6433403"/>
+              <a:off x="4672167" y="6433416"/>
               <a:ext cx="63202" cy="63202"/>
             </a:xfrm>
             <a:custGeom>
@@ -28009,7 +28009,7 @@
           </p:nvSpPr>
           <p:spPr>
             <a:xfrm>
-              <a:off x="4916092" y="5877293"/>
+              <a:off x="5117780" y="5877328"/>
               <a:ext cx="63202" cy="63202"/>
             </a:xfrm>
             <a:custGeom>
@@ -28052,7 +28052,7 @@
           </p:nvSpPr>
           <p:spPr>
             <a:xfrm>
-              <a:off x="4795566" y="5881207"/>
+              <a:off x="4492968" y="5881231"/>
               <a:ext cx="63202" cy="63202"/>
             </a:xfrm>
             <a:custGeom>
@@ -28095,7 +28095,7 @@
           </p:nvSpPr>
           <p:spPr>
             <a:xfrm>
-              <a:off x="4910135" y="5872709"/>
+              <a:off x="4690059" y="5872743"/>
               <a:ext cx="63202" cy="63202"/>
             </a:xfrm>
             <a:custGeom>
@@ -28138,7 +28138,7 @@
           </p:nvSpPr>
           <p:spPr>
             <a:xfrm>
-              <a:off x="4625628" y="5864022"/>
+              <a:off x="4738812" y="5864060"/>
               <a:ext cx="63202" cy="63202"/>
             </a:xfrm>
             <a:custGeom>
@@ -28181,7 +28181,7 @@
           </p:nvSpPr>
           <p:spPr>
             <a:xfrm>
-              <a:off x="5057505" y="6099222"/>
+              <a:off x="4682929" y="6099247"/>
               <a:ext cx="63202" cy="63202"/>
             </a:xfrm>
             <a:custGeom>
@@ -28224,7 +28224,7 @@
           </p:nvSpPr>
           <p:spPr>
             <a:xfrm>
-              <a:off x="4661240" y="6086908"/>
+              <a:off x="4624693" y="6086923"/>
               <a:ext cx="63202" cy="63202"/>
             </a:xfrm>
             <a:custGeom>
@@ -28267,7 +28267,7 @@
           </p:nvSpPr>
           <p:spPr>
             <a:xfrm>
-              <a:off x="4949712" y="6148727"/>
+              <a:off x="4925857" y="6148747"/>
               <a:ext cx="63202" cy="63202"/>
             </a:xfrm>
             <a:custGeom>
@@ -28310,7 +28310,7 @@
           </p:nvSpPr>
           <p:spPr>
             <a:xfrm>
-              <a:off x="4642410" y="5890339"/>
+              <a:off x="4964904" y="5890333"/>
               <a:ext cx="63202" cy="63202"/>
             </a:xfrm>
             <a:custGeom>
@@ -28353,7 +28353,7 @@
           </p:nvSpPr>
           <p:spPr>
             <a:xfrm>
-              <a:off x="4644023" y="5935908"/>
+              <a:off x="4743291" y="5935904"/>
               <a:ext cx="63202" cy="63202"/>
             </a:xfrm>
             <a:custGeom>
@@ -28396,7 +28396,7 @@
           </p:nvSpPr>
           <p:spPr>
             <a:xfrm>
-              <a:off x="4859898" y="5913374"/>
+              <a:off x="4995834" y="5913386"/>
               <a:ext cx="63202" cy="63202"/>
             </a:xfrm>
             <a:custGeom>
@@ -28439,7 +28439,7 @@
           </p:nvSpPr>
           <p:spPr>
             <a:xfrm>
-              <a:off x="4810255" y="5993518"/>
+              <a:off x="5149338" y="5993516"/>
               <a:ext cx="63202" cy="63202"/>
             </a:xfrm>
             <a:custGeom>
@@ -28482,7 +28482,7 @@
           </p:nvSpPr>
           <p:spPr>
             <a:xfrm>
-              <a:off x="5126724" y="5931997"/>
+              <a:off x="4990845" y="5932012"/>
               <a:ext cx="63202" cy="63202"/>
             </a:xfrm>
             <a:custGeom>
@@ -28525,7 +28525,7 @@
           </p:nvSpPr>
           <p:spPr>
             <a:xfrm>
-              <a:off x="4874026" y="5930946"/>
+              <a:off x="4532675" y="5930975"/>
               <a:ext cx="63202" cy="63202"/>
             </a:xfrm>
             <a:custGeom>
@@ -28568,7 +28568,7 @@
           </p:nvSpPr>
           <p:spPr>
             <a:xfrm>
-              <a:off x="4611921" y="5931222"/>
+              <a:off x="5163575" y="5931226"/>
               <a:ext cx="63202" cy="63202"/>
             </a:xfrm>
             <a:custGeom>
@@ -28611,7 +28611,7 @@
           </p:nvSpPr>
           <p:spPr>
             <a:xfrm>
-              <a:off x="4523199" y="6116350"/>
+              <a:off x="4874574" y="6116356"/>
               <a:ext cx="63202" cy="63202"/>
             </a:xfrm>
             <a:custGeom>
@@ -28654,7 +28654,7 @@
           </p:nvSpPr>
           <p:spPr>
             <a:xfrm>
-              <a:off x="5001077" y="6054061"/>
+              <a:off x="4743312" y="6054078"/>
               <a:ext cx="63202" cy="63202"/>
             </a:xfrm>
             <a:custGeom>
@@ -28697,7 +28697,7 @@
           </p:nvSpPr>
           <p:spPr>
             <a:xfrm>
-              <a:off x="5047437" y="5854294"/>
+              <a:off x="4821955" y="5854292"/>
               <a:ext cx="63202" cy="63202"/>
             </a:xfrm>
             <a:custGeom>
@@ -28740,7 +28740,7 @@
           </p:nvSpPr>
           <p:spPr>
             <a:xfrm>
-              <a:off x="4576521" y="5930717"/>
+              <a:off x="4857773" y="5930754"/>
               <a:ext cx="63202" cy="63202"/>
             </a:xfrm>
             <a:custGeom>
@@ -28783,7 +28783,7 @@
           </p:nvSpPr>
           <p:spPr>
             <a:xfrm>
-              <a:off x="4696193" y="5868909"/>
+              <a:off x="4949034" y="5868928"/>
               <a:ext cx="63202" cy="63202"/>
             </a:xfrm>
             <a:custGeom>
@@ -28826,7 +28826,7 @@
           </p:nvSpPr>
           <p:spPr>
             <a:xfrm>
-              <a:off x="4627183" y="5877846"/>
+              <a:off x="4966766" y="5877849"/>
               <a:ext cx="63202" cy="63202"/>
             </a:xfrm>
             <a:custGeom>
@@ -28869,7 +28869,7 @@
           </p:nvSpPr>
           <p:spPr>
             <a:xfrm>
-              <a:off x="5077712" y="5862867"/>
+              <a:off x="4487813" y="5862883"/>
               <a:ext cx="63202" cy="63202"/>
             </a:xfrm>
             <a:custGeom>
@@ -28912,7 +28912,7 @@
           </p:nvSpPr>
           <p:spPr>
             <a:xfrm>
-              <a:off x="4661120" y="6202562"/>
+              <a:off x="4822587" y="6202569"/>
               <a:ext cx="63202" cy="63202"/>
             </a:xfrm>
             <a:custGeom>
@@ -28955,7 +28955,7 @@
           </p:nvSpPr>
           <p:spPr>
             <a:xfrm>
-              <a:off x="4531197" y="5962681"/>
+              <a:off x="4886741" y="5962698"/>
               <a:ext cx="63202" cy="63202"/>
             </a:xfrm>
             <a:custGeom>
@@ -28998,7 +28998,7 @@
           </p:nvSpPr>
           <p:spPr>
             <a:xfrm>
-              <a:off x="4902111" y="5934866"/>
+              <a:off x="4469547" y="5934866"/>
               <a:ext cx="63202" cy="63202"/>
             </a:xfrm>
             <a:custGeom>
@@ -29041,7 +29041,7 @@
           </p:nvSpPr>
           <p:spPr>
             <a:xfrm>
-              <a:off x="4940165" y="5879782"/>
+              <a:off x="4935123" y="5879793"/>
               <a:ext cx="63202" cy="63202"/>
             </a:xfrm>
             <a:custGeom>
@@ -29084,7 +29084,7 @@
           </p:nvSpPr>
           <p:spPr>
             <a:xfrm>
-              <a:off x="5051223" y="5885998"/>
+              <a:off x="4492776" y="5886014"/>
               <a:ext cx="63202" cy="63202"/>
             </a:xfrm>
             <a:custGeom>
@@ -29127,7 +29127,7 @@
           </p:nvSpPr>
           <p:spPr>
             <a:xfrm>
-              <a:off x="4946190" y="5870803"/>
+              <a:off x="5121602" y="5870813"/>
               <a:ext cx="63202" cy="63202"/>
             </a:xfrm>
             <a:custGeom>
@@ -29170,7 +29170,7 @@
           </p:nvSpPr>
           <p:spPr>
             <a:xfrm>
-              <a:off x="5062054" y="5867882"/>
+              <a:off x="5135741" y="5867928"/>
               <a:ext cx="63202" cy="63202"/>
             </a:xfrm>
             <a:custGeom>
@@ -29213,7 +29213,7 @@
           </p:nvSpPr>
           <p:spPr>
             <a:xfrm>
-              <a:off x="4476120" y="5872076"/>
+              <a:off x="5041260" y="5872084"/>
               <a:ext cx="63202" cy="63202"/>
             </a:xfrm>
             <a:custGeom>
@@ -29256,7 +29256,7 @@
           </p:nvSpPr>
           <p:spPr>
             <a:xfrm>
-              <a:off x="4940588" y="5924111"/>
+              <a:off x="4991999" y="5924132"/>
               <a:ext cx="63202" cy="63202"/>
             </a:xfrm>
             <a:custGeom>
@@ -29299,7 +29299,7 @@
           </p:nvSpPr>
           <p:spPr>
             <a:xfrm>
-              <a:off x="4720788" y="5851177"/>
+              <a:off x="4785163" y="5851206"/>
               <a:ext cx="63202" cy="63202"/>
             </a:xfrm>
             <a:custGeom>
@@ -29342,7 +29342,7 @@
           </p:nvSpPr>
           <p:spPr>
             <a:xfrm>
-              <a:off x="4926500" y="5880744"/>
+              <a:off x="4563592" y="5880757"/>
               <a:ext cx="63202" cy="63202"/>
             </a:xfrm>
             <a:custGeom>
@@ -29385,7 +29385,7 @@
           </p:nvSpPr>
           <p:spPr>
             <a:xfrm>
-              <a:off x="4714695" y="6354036"/>
+              <a:off x="4681685" y="6354088"/>
               <a:ext cx="63202" cy="63202"/>
             </a:xfrm>
             <a:custGeom>
@@ -29428,7 +29428,7 @@
           </p:nvSpPr>
           <p:spPr>
             <a:xfrm>
-              <a:off x="4897603" y="6078349"/>
+              <a:off x="4563966" y="6078383"/>
               <a:ext cx="63202" cy="63202"/>
             </a:xfrm>
             <a:custGeom>
@@ -29471,7 +29471,7 @@
           </p:nvSpPr>
           <p:spPr>
             <a:xfrm>
-              <a:off x="4578725" y="5856782"/>
+              <a:off x="5065512" y="5856795"/>
               <a:ext cx="63202" cy="63202"/>
             </a:xfrm>
             <a:custGeom>
@@ -29514,7 +29514,7 @@
           </p:nvSpPr>
           <p:spPr>
             <a:xfrm>
-              <a:off x="4548956" y="5928421"/>
+              <a:off x="5074386" y="5928437"/>
               <a:ext cx="63202" cy="63202"/>
             </a:xfrm>
             <a:custGeom>
@@ -29557,7 +29557,7 @@
           </p:nvSpPr>
           <p:spPr>
             <a:xfrm>
-              <a:off x="4866502" y="5897033"/>
+              <a:off x="4545316" y="5897042"/>
               <a:ext cx="63202" cy="63202"/>
             </a:xfrm>
             <a:custGeom>
@@ -29600,7 +29600,7 @@
           </p:nvSpPr>
           <p:spPr>
             <a:xfrm>
-              <a:off x="4803287" y="5860268"/>
+              <a:off x="4481740" y="5860281"/>
               <a:ext cx="63202" cy="63202"/>
             </a:xfrm>
             <a:custGeom>
@@ -29643,7 +29643,7 @@
           </p:nvSpPr>
           <p:spPr>
             <a:xfrm>
-              <a:off x="5007369" y="5989213"/>
+              <a:off x="4658431" y="5989228"/>
               <a:ext cx="63202" cy="63202"/>
             </a:xfrm>
             <a:custGeom>
@@ -29686,7 +29686,7 @@
           </p:nvSpPr>
           <p:spPr>
             <a:xfrm>
-              <a:off x="4808846" y="5889416"/>
+              <a:off x="5039461" y="5889445"/>
               <a:ext cx="63202" cy="63202"/>
             </a:xfrm>
             <a:custGeom>
@@ -29729,7 +29729,7 @@
           </p:nvSpPr>
           <p:spPr>
             <a:xfrm>
-              <a:off x="4525677" y="5862981"/>
+              <a:off x="4830449" y="5863030"/>
               <a:ext cx="63202" cy="63202"/>
             </a:xfrm>
             <a:custGeom>
@@ -29772,7 +29772,7 @@
           </p:nvSpPr>
           <p:spPr>
             <a:xfrm>
-              <a:off x="5012771" y="5873917"/>
+              <a:off x="4837559" y="5873939"/>
               <a:ext cx="63202" cy="63202"/>
             </a:xfrm>
             <a:custGeom>
@@ -29815,7 +29815,7 @@
           </p:nvSpPr>
           <p:spPr>
             <a:xfrm>
-              <a:off x="4800913" y="6186039"/>
+              <a:off x="4650738" y="6186055"/>
               <a:ext cx="63202" cy="63202"/>
             </a:xfrm>
             <a:custGeom>
@@ -29858,7 +29858,7 @@
           </p:nvSpPr>
           <p:spPr>
             <a:xfrm>
-              <a:off x="4772541" y="5858671"/>
+              <a:off x="4994731" y="5858703"/>
               <a:ext cx="63202" cy="63202"/>
             </a:xfrm>
             <a:custGeom>
@@ -29901,7 +29901,7 @@
           </p:nvSpPr>
           <p:spPr>
             <a:xfrm>
-              <a:off x="4619699" y="5860538"/>
+              <a:off x="4568426" y="5860573"/>
               <a:ext cx="63202" cy="63202"/>
             </a:xfrm>
             <a:custGeom>
@@ -29944,7 +29944,7 @@
           </p:nvSpPr>
           <p:spPr>
             <a:xfrm>
-              <a:off x="4576636" y="6107605"/>
+              <a:off x="5005570" y="6107595"/>
               <a:ext cx="63202" cy="63202"/>
             </a:xfrm>
             <a:custGeom>
@@ -29987,7 +29987,7 @@
           </p:nvSpPr>
           <p:spPr>
             <a:xfrm>
-              <a:off x="4831421" y="6311829"/>
+              <a:off x="4598699" y="6311841"/>
               <a:ext cx="63202" cy="63202"/>
             </a:xfrm>
             <a:custGeom>
@@ -30030,7 +30030,7 @@
           </p:nvSpPr>
           <p:spPr>
             <a:xfrm>
-              <a:off x="4759091" y="5870889"/>
+              <a:off x="4768355" y="5870906"/>
               <a:ext cx="63202" cy="63202"/>
             </a:xfrm>
             <a:custGeom>
@@ -30073,7 +30073,7 @@
           </p:nvSpPr>
           <p:spPr>
             <a:xfrm>
-              <a:off x="4907419" y="5887796"/>
+              <a:off x="4548829" y="5887790"/>
               <a:ext cx="63202" cy="63202"/>
             </a:xfrm>
             <a:custGeom>
@@ -30116,7 +30116,7 @@
           </p:nvSpPr>
           <p:spPr>
             <a:xfrm>
-              <a:off x="5117179" y="5882927"/>
+              <a:off x="4612522" y="5882953"/>
               <a:ext cx="63202" cy="63202"/>
             </a:xfrm>
             <a:custGeom>
@@ -30159,7 +30159,7 @@
           </p:nvSpPr>
           <p:spPr>
             <a:xfrm>
-              <a:off x="4776435" y="5867456"/>
+              <a:off x="4928401" y="5867444"/>
               <a:ext cx="63202" cy="63202"/>
             </a:xfrm>
             <a:custGeom>
@@ -30202,7 +30202,7 @@
           </p:nvSpPr>
           <p:spPr>
             <a:xfrm>
-              <a:off x="5033753" y="5917786"/>
+              <a:off x="4689291" y="5917813"/>
               <a:ext cx="63202" cy="63202"/>
             </a:xfrm>
             <a:custGeom>
@@ -30245,7 +30245,7 @@
           </p:nvSpPr>
           <p:spPr>
             <a:xfrm>
-              <a:off x="4503735" y="6008008"/>
+              <a:off x="4745019" y="6008019"/>
               <a:ext cx="63202" cy="63202"/>
             </a:xfrm>
             <a:custGeom>
@@ -30288,7 +30288,7 @@
           </p:nvSpPr>
           <p:spPr>
             <a:xfrm>
-              <a:off x="4516228" y="5866752"/>
+              <a:off x="5132390" y="5866771"/>
               <a:ext cx="63202" cy="63202"/>
             </a:xfrm>
             <a:custGeom>
@@ -30331,7 +30331,7 @@
           </p:nvSpPr>
           <p:spPr>
             <a:xfrm>
-              <a:off x="5087584" y="6148533"/>
+              <a:off x="4648455" y="6148565"/>
               <a:ext cx="63202" cy="63202"/>
             </a:xfrm>
             <a:custGeom>
@@ -30374,7 +30374,7 @@
           </p:nvSpPr>
           <p:spPr>
             <a:xfrm>
-              <a:off x="4522521" y="5936080"/>
+              <a:off x="4975541" y="5936095"/>
               <a:ext cx="63202" cy="63202"/>
             </a:xfrm>
             <a:custGeom>
@@ -30417,7 +30417,7 @@
           </p:nvSpPr>
           <p:spPr>
             <a:xfrm>
-              <a:off x="5098764" y="5869174"/>
+              <a:off x="4728577" y="5869169"/>
               <a:ext cx="63202" cy="63202"/>
             </a:xfrm>
             <a:custGeom>
@@ -30460,7 +30460,7 @@
           </p:nvSpPr>
           <p:spPr>
             <a:xfrm>
-              <a:off x="4508806" y="5852879"/>
+              <a:off x="4547035" y="5852891"/>
               <a:ext cx="63202" cy="63202"/>
             </a:xfrm>
             <a:custGeom>
@@ -30503,7 +30503,7 @@
           </p:nvSpPr>
           <p:spPr>
             <a:xfrm>
-              <a:off x="4945116" y="5920108"/>
+              <a:off x="4978820" y="5920120"/>
               <a:ext cx="63202" cy="63202"/>
             </a:xfrm>
             <a:custGeom>
@@ -30546,7 +30546,7 @@
           </p:nvSpPr>
           <p:spPr>
             <a:xfrm>
-              <a:off x="5136168" y="5927460"/>
+              <a:off x="4760240" y="5927490"/>
               <a:ext cx="63202" cy="63202"/>
             </a:xfrm>
             <a:custGeom>
@@ -30589,7 +30589,7 @@
           </p:nvSpPr>
           <p:spPr>
             <a:xfrm>
-              <a:off x="4581889" y="6269198"/>
+              <a:off x="4845729" y="6269229"/>
               <a:ext cx="63202" cy="63202"/>
             </a:xfrm>
             <a:custGeom>
@@ -30632,7 +30632,7 @@
           </p:nvSpPr>
           <p:spPr>
             <a:xfrm>
-              <a:off x="5150314" y="5935964"/>
+              <a:off x="4476492" y="5935965"/>
               <a:ext cx="63202" cy="63202"/>
             </a:xfrm>
             <a:custGeom>
@@ -30675,7 +30675,7 @@
           </p:nvSpPr>
           <p:spPr>
             <a:xfrm>
-              <a:off x="5029605" y="5929584"/>
+              <a:off x="4642653" y="5929603"/>
               <a:ext cx="63202" cy="63202"/>
             </a:xfrm>
             <a:custGeom>
@@ -30718,7 +30718,7 @@
           </p:nvSpPr>
           <p:spPr>
             <a:xfrm>
-              <a:off x="4874430" y="5854223"/>
+              <a:off x="4668991" y="5854248"/>
               <a:ext cx="63202" cy="63202"/>
             </a:xfrm>
             <a:custGeom>
@@ -30761,7 +30761,7 @@
           </p:nvSpPr>
           <p:spPr>
             <a:xfrm>
-              <a:off x="4744337" y="5895365"/>
+              <a:off x="4693868" y="5895362"/>
               <a:ext cx="63202" cy="63202"/>
             </a:xfrm>
             <a:custGeom>
@@ -30804,7 +30804,7 @@
           </p:nvSpPr>
           <p:spPr>
             <a:xfrm>
-              <a:off x="4892981" y="6115938"/>
+              <a:off x="5133192" y="6115981"/>
               <a:ext cx="63202" cy="63202"/>
             </a:xfrm>
             <a:custGeom>
@@ -30847,7 +30847,7 @@
           </p:nvSpPr>
           <p:spPr>
             <a:xfrm>
-              <a:off x="4512352" y="5862894"/>
+              <a:off x="4754401" y="5862908"/>
               <a:ext cx="63202" cy="63202"/>
             </a:xfrm>
             <a:custGeom>
@@ -30890,7 +30890,7 @@
           </p:nvSpPr>
           <p:spPr>
             <a:xfrm>
-              <a:off x="4640238" y="5867341"/>
+              <a:off x="5030451" y="5867371"/>
               <a:ext cx="63202" cy="63202"/>
             </a:xfrm>
             <a:custGeom>
@@ -30933,7 +30933,7 @@
           </p:nvSpPr>
           <p:spPr>
             <a:xfrm>
-              <a:off x="4613167" y="5867031"/>
+              <a:off x="4775700" y="5867045"/>
               <a:ext cx="63202" cy="63202"/>
             </a:xfrm>
             <a:custGeom>
@@ -30976,7 +30976,7 @@
           </p:nvSpPr>
           <p:spPr>
             <a:xfrm>
-              <a:off x="4571561" y="6122404"/>
+              <a:off x="4932593" y="6122410"/>
               <a:ext cx="63202" cy="63202"/>
             </a:xfrm>
             <a:custGeom>
@@ -31019,7 +31019,7 @@
           </p:nvSpPr>
           <p:spPr>
             <a:xfrm>
-              <a:off x="4532918" y="5858357"/>
+              <a:off x="5129978" y="5858378"/>
               <a:ext cx="63202" cy="63202"/>
             </a:xfrm>
             <a:custGeom>
@@ -31062,7 +31062,7 @@
           </p:nvSpPr>
           <p:spPr>
             <a:xfrm>
-              <a:off x="4679772" y="5908297"/>
+              <a:off x="4871921" y="5908334"/>
               <a:ext cx="63202" cy="63202"/>
             </a:xfrm>
             <a:custGeom>
@@ -31105,7 +31105,7 @@
           </p:nvSpPr>
           <p:spPr>
             <a:xfrm>
-              <a:off x="4552349" y="5924385"/>
+              <a:off x="4471846" y="5924376"/>
               <a:ext cx="63202" cy="63202"/>
             </a:xfrm>
             <a:custGeom>
@@ -31148,7 +31148,7 @@
           </p:nvSpPr>
           <p:spPr>
             <a:xfrm>
-              <a:off x="4674789" y="5876883"/>
+              <a:off x="4699276" y="5876916"/>
               <a:ext cx="63202" cy="63202"/>
             </a:xfrm>
             <a:custGeom>
@@ -31191,7 +31191,7 @@
           </p:nvSpPr>
           <p:spPr>
             <a:xfrm>
-              <a:off x="4781796" y="6128800"/>
+              <a:off x="4819035" y="6128827"/>
               <a:ext cx="63202" cy="63202"/>
             </a:xfrm>
             <a:custGeom>
@@ -31234,7 +31234,7 @@
           </p:nvSpPr>
           <p:spPr>
             <a:xfrm>
-              <a:off x="4536492" y="5963645"/>
+              <a:off x="4574324" y="5963654"/>
               <a:ext cx="63202" cy="63202"/>
             </a:xfrm>
             <a:custGeom>
@@ -31277,7 +31277,7 @@
           </p:nvSpPr>
           <p:spPr>
             <a:xfrm>
-              <a:off x="4809879" y="5888648"/>
+              <a:off x="4681690" y="5888657"/>
               <a:ext cx="63202" cy="63202"/>
             </a:xfrm>
             <a:custGeom>
@@ -31320,7 +31320,7 @@
           </p:nvSpPr>
           <p:spPr>
             <a:xfrm>
-              <a:off x="5008889" y="5863144"/>
+              <a:off x="4962733" y="5863156"/>
               <a:ext cx="63202" cy="63202"/>
             </a:xfrm>
             <a:custGeom>
@@ -31363,7 +31363,7 @@
           </p:nvSpPr>
           <p:spPr>
             <a:xfrm>
-              <a:off x="5127857" y="5903199"/>
+              <a:off x="4640494" y="5903236"/>
               <a:ext cx="63202" cy="63202"/>
             </a:xfrm>
             <a:custGeom>
@@ -31406,7 +31406,7 @@
           </p:nvSpPr>
           <p:spPr>
             <a:xfrm>
-              <a:off x="4955447" y="5883418"/>
+              <a:off x="4993745" y="5883425"/>
               <a:ext cx="63202" cy="63202"/>
             </a:xfrm>
             <a:custGeom>
@@ -31449,7 +31449,7 @@
           </p:nvSpPr>
           <p:spPr>
             <a:xfrm>
-              <a:off x="4711541" y="5932618"/>
+              <a:off x="5111271" y="5932636"/>
               <a:ext cx="63202" cy="63202"/>
             </a:xfrm>
             <a:custGeom>
@@ -31492,7 +31492,7 @@
           </p:nvSpPr>
           <p:spPr>
             <a:xfrm>
-              <a:off x="4861171" y="6202848"/>
+              <a:off x="5105861" y="6202864"/>
               <a:ext cx="63202" cy="63202"/>
             </a:xfrm>
             <a:custGeom>
@@ -31535,7 +31535,7 @@
           </p:nvSpPr>
           <p:spPr>
             <a:xfrm>
-              <a:off x="5123487" y="6163928"/>
+              <a:off x="4655725" y="6163938"/>
               <a:ext cx="63202" cy="63202"/>
             </a:xfrm>
             <a:custGeom>
@@ -31578,7 +31578,7 @@
           </p:nvSpPr>
           <p:spPr>
             <a:xfrm>
-              <a:off x="5166633" y="5959326"/>
+              <a:off x="4834388" y="5959341"/>
               <a:ext cx="63202" cy="63202"/>
             </a:xfrm>
             <a:custGeom>
@@ -31621,7 +31621,7 @@
           </p:nvSpPr>
           <p:spPr>
             <a:xfrm>
-              <a:off x="4695541" y="6236243"/>
+              <a:off x="4578661" y="6236276"/>
               <a:ext cx="63202" cy="63202"/>
             </a:xfrm>
             <a:custGeom>
@@ -31664,7 +31664,7 @@
           </p:nvSpPr>
           <p:spPr>
             <a:xfrm>
-              <a:off x="5001834" y="5864211"/>
+              <a:off x="4981948" y="5864247"/>
               <a:ext cx="63202" cy="63202"/>
             </a:xfrm>
             <a:custGeom>
@@ -31707,7 +31707,7 @@
           </p:nvSpPr>
           <p:spPr>
             <a:xfrm>
-              <a:off x="4728519" y="5907339"/>
+              <a:off x="4625086" y="5907350"/>
               <a:ext cx="63202" cy="63202"/>
             </a:xfrm>
             <a:custGeom>
@@ -31750,7 +31750,7 @@
           </p:nvSpPr>
           <p:spPr>
             <a:xfrm>
-              <a:off x="5036239" y="5894769"/>
+              <a:off x="4769647" y="5894785"/>
               <a:ext cx="63202" cy="63202"/>
             </a:xfrm>
             <a:custGeom>
@@ -31793,7 +31793,7 @@
           </p:nvSpPr>
           <p:spPr>
             <a:xfrm>
-              <a:off x="4830285" y="5860438"/>
+              <a:off x="4731151" y="5860486"/>
               <a:ext cx="63202" cy="63202"/>
             </a:xfrm>
             <a:custGeom>
@@ -31836,7 +31836,7 @@
           </p:nvSpPr>
           <p:spPr>
             <a:xfrm>
-              <a:off x="4785892" y="5890865"/>
+              <a:off x="5070950" y="5890891"/>
               <a:ext cx="63202" cy="63202"/>
             </a:xfrm>
             <a:custGeom>
@@ -31879,7 +31879,7 @@
           </p:nvSpPr>
           <p:spPr>
             <a:xfrm>
-              <a:off x="4819789" y="5868710"/>
+              <a:off x="4905019" y="5868735"/>
               <a:ext cx="63202" cy="63202"/>
             </a:xfrm>
             <a:custGeom>
@@ -31922,7 +31922,7 @@
           </p:nvSpPr>
           <p:spPr>
             <a:xfrm>
-              <a:off x="5052118" y="5873524"/>
+              <a:off x="4642263" y="5873557"/>
               <a:ext cx="63202" cy="63202"/>
             </a:xfrm>
             <a:custGeom>
@@ -31965,7 +31965,7 @@
           </p:nvSpPr>
           <p:spPr>
             <a:xfrm>
-              <a:off x="5109734" y="5883745"/>
+              <a:off x="4632991" y="5883772"/>
               <a:ext cx="63202" cy="63202"/>
             </a:xfrm>
             <a:custGeom>
@@ -32008,7 +32008,7 @@
           </p:nvSpPr>
           <p:spPr>
             <a:xfrm>
-              <a:off x="4924457" y="6121616"/>
+              <a:off x="4480085" y="6121625"/>
               <a:ext cx="63202" cy="63202"/>
             </a:xfrm>
             <a:custGeom>
@@ -32051,7 +32051,7 @@
           </p:nvSpPr>
           <p:spPr>
             <a:xfrm>
-              <a:off x="4788249" y="6008932"/>
+              <a:off x="4570474" y="6008978"/>
               <a:ext cx="63202" cy="63202"/>
             </a:xfrm>
             <a:custGeom>
@@ -32094,7 +32094,7 @@
           </p:nvSpPr>
           <p:spPr>
             <a:xfrm>
-              <a:off x="4655347" y="5853867"/>
+              <a:off x="4729351" y="5853885"/>
               <a:ext cx="63202" cy="63202"/>
             </a:xfrm>
             <a:custGeom>
@@ -32137,7 +32137,7 @@
           </p:nvSpPr>
           <p:spPr>
             <a:xfrm>
-              <a:off x="5124700" y="5931009"/>
+              <a:off x="4759420" y="5931020"/>
               <a:ext cx="63202" cy="63202"/>
             </a:xfrm>
             <a:custGeom>
@@ -32180,7 +32180,7 @@
           </p:nvSpPr>
           <p:spPr>
             <a:xfrm>
-              <a:off x="4559293" y="5931875"/>
+              <a:off x="4941282" y="5931868"/>
               <a:ext cx="63202" cy="63202"/>
             </a:xfrm>
             <a:custGeom>
@@ -32223,7 +32223,7 @@
           </p:nvSpPr>
           <p:spPr>
             <a:xfrm>
-              <a:off x="5133885" y="5874531"/>
+              <a:off x="4725123" y="5874559"/>
               <a:ext cx="63202" cy="63202"/>
             </a:xfrm>
             <a:custGeom>
@@ -32266,7 +32266,7 @@
           </p:nvSpPr>
           <p:spPr>
             <a:xfrm>
-              <a:off x="5051817" y="5893627"/>
+              <a:off x="4604583" y="5893659"/>
               <a:ext cx="63202" cy="63202"/>
             </a:xfrm>
             <a:custGeom>
@@ -32309,7 +32309,7 @@
           </p:nvSpPr>
           <p:spPr>
             <a:xfrm>
-              <a:off x="4778229" y="5923113"/>
+              <a:off x="4862031" y="5923131"/>
               <a:ext cx="63202" cy="63202"/>
             </a:xfrm>
             <a:custGeom>
@@ -32352,7 +32352,7 @@
           </p:nvSpPr>
           <p:spPr>
             <a:xfrm>
-              <a:off x="4717234" y="5923904"/>
+              <a:off x="4925450" y="5923938"/>
               <a:ext cx="63202" cy="63202"/>
             </a:xfrm>
             <a:custGeom>
@@ -32395,7 +32395,7 @@
           </p:nvSpPr>
           <p:spPr>
             <a:xfrm>
-              <a:off x="4498064" y="5889274"/>
+              <a:off x="4485684" y="5889292"/>
               <a:ext cx="63202" cy="63202"/>
             </a:xfrm>
             <a:custGeom>
@@ -32438,7 +32438,7 @@
           </p:nvSpPr>
           <p:spPr>
             <a:xfrm>
-              <a:off x="4885038" y="5888185"/>
+              <a:off x="4928013" y="5888221"/>
               <a:ext cx="63202" cy="63202"/>
             </a:xfrm>
             <a:custGeom>
@@ -32481,7 +32481,7 @@
           </p:nvSpPr>
           <p:spPr>
             <a:xfrm>
-              <a:off x="4878352" y="5960838"/>
+              <a:off x="4890306" y="5960835"/>
               <a:ext cx="63202" cy="63202"/>
             </a:xfrm>
             <a:custGeom>
@@ -32524,7 +32524,7 @@
           </p:nvSpPr>
           <p:spPr>
             <a:xfrm>
-              <a:off x="4813644" y="5887585"/>
+              <a:off x="4695132" y="5887601"/>
               <a:ext cx="63202" cy="63202"/>
             </a:xfrm>
             <a:custGeom>
@@ -32567,7 +32567,7 @@
           </p:nvSpPr>
           <p:spPr>
             <a:xfrm>
-              <a:off x="4878803" y="5883754"/>
+              <a:off x="4902908" y="5883758"/>
               <a:ext cx="63202" cy="63202"/>
             </a:xfrm>
             <a:custGeom>
@@ -32610,7 +32610,7 @@
           </p:nvSpPr>
           <p:spPr>
             <a:xfrm>
-              <a:off x="4548845" y="5733387"/>
+              <a:off x="4620088" y="5733411"/>
               <a:ext cx="63202" cy="63202"/>
             </a:xfrm>
             <a:custGeom>
@@ -32653,7 +32653,7 @@
           </p:nvSpPr>
           <p:spPr>
             <a:xfrm>
-              <a:off x="4599223" y="5874311"/>
+              <a:off x="5044203" y="5874333"/>
               <a:ext cx="63202" cy="63202"/>
             </a:xfrm>
             <a:custGeom>
@@ -32696,7 +32696,7 @@
           </p:nvSpPr>
           <p:spPr>
             <a:xfrm>
-              <a:off x="4708771" y="5890441"/>
+              <a:off x="5147708" y="5890492"/>
               <a:ext cx="63202" cy="63202"/>
             </a:xfrm>
             <a:custGeom>
@@ -32739,7 +32739,7 @@
           </p:nvSpPr>
           <p:spPr>
             <a:xfrm>
-              <a:off x="5034739" y="5882789"/>
+              <a:off x="5141459" y="5882817"/>
               <a:ext cx="63202" cy="63202"/>
             </a:xfrm>
             <a:custGeom>
@@ -32782,7 +32782,7 @@
           </p:nvSpPr>
           <p:spPr>
             <a:xfrm>
-              <a:off x="4694418" y="5870756"/>
+              <a:off x="4471989" y="5870789"/>
               <a:ext cx="63202" cy="63202"/>
             </a:xfrm>
             <a:custGeom>
@@ -32825,7 +32825,7 @@
           </p:nvSpPr>
           <p:spPr>
             <a:xfrm>
-              <a:off x="5103888" y="5873553"/>
+              <a:off x="4738018" y="5873586"/>
               <a:ext cx="63202" cy="63202"/>
             </a:xfrm>
             <a:custGeom>
@@ -32868,7 +32868,7 @@
           </p:nvSpPr>
           <p:spPr>
             <a:xfrm>
-              <a:off x="4694597" y="5857902"/>
+              <a:off x="4471984" y="5857928"/>
               <a:ext cx="63202" cy="63202"/>
             </a:xfrm>
             <a:custGeom>
@@ -32911,7 +32911,7 @@
           </p:nvSpPr>
           <p:spPr>
             <a:xfrm>
-              <a:off x="4572715" y="6073593"/>
+              <a:off x="4612244" y="6073608"/>
               <a:ext cx="63202" cy="63202"/>
             </a:xfrm>
             <a:custGeom>
@@ -32954,7 +32954,7 @@
           </p:nvSpPr>
           <p:spPr>
             <a:xfrm>
-              <a:off x="4839707" y="6066321"/>
+              <a:off x="4882606" y="6066336"/>
               <a:ext cx="63202" cy="63202"/>
             </a:xfrm>
             <a:custGeom>
@@ -32997,7 +32997,7 @@
           </p:nvSpPr>
           <p:spPr>
             <a:xfrm>
-              <a:off x="5158382" y="6096661"/>
+              <a:off x="5111595" y="6096658"/>
               <a:ext cx="63202" cy="63202"/>
             </a:xfrm>
             <a:custGeom>
@@ -33040,7 +33040,7 @@
           </p:nvSpPr>
           <p:spPr>
             <a:xfrm>
-              <a:off x="4702260" y="6063157"/>
+              <a:off x="4694276" y="6063167"/>
               <a:ext cx="63202" cy="63202"/>
             </a:xfrm>
             <a:custGeom>
@@ -33083,7 +33083,7 @@
           </p:nvSpPr>
           <p:spPr>
             <a:xfrm>
-              <a:off x="4869658" y="5899142"/>
+              <a:off x="4987767" y="5899145"/>
               <a:ext cx="63202" cy="63202"/>
             </a:xfrm>
             <a:custGeom>
@@ -33126,7 +33126,7 @@
           </p:nvSpPr>
           <p:spPr>
             <a:xfrm>
-              <a:off x="5044436" y="6299595"/>
+              <a:off x="4513322" y="6299582"/>
               <a:ext cx="63202" cy="63202"/>
             </a:xfrm>
             <a:custGeom>
@@ -33169,7 +33169,7 @@
           </p:nvSpPr>
           <p:spPr>
             <a:xfrm>
-              <a:off x="4997170" y="6289737"/>
+              <a:off x="5078457" y="6289742"/>
               <a:ext cx="63202" cy="63202"/>
             </a:xfrm>
             <a:custGeom>
@@ -33212,7 +33212,7 @@
           </p:nvSpPr>
           <p:spPr>
             <a:xfrm>
-              <a:off x="4508126" y="5866045"/>
+              <a:off x="4768094" y="5866055"/>
               <a:ext cx="63202" cy="63202"/>
             </a:xfrm>
             <a:custGeom>
@@ -33255,7 +33255,7 @@
           </p:nvSpPr>
           <p:spPr>
             <a:xfrm>
-              <a:off x="4817090" y="5870347"/>
+              <a:off x="4682353" y="5870376"/>
               <a:ext cx="63202" cy="63202"/>
             </a:xfrm>
             <a:custGeom>
@@ -33298,7 +33298,7 @@
           </p:nvSpPr>
           <p:spPr>
             <a:xfrm>
-              <a:off x="4835931" y="6098961"/>
+              <a:off x="4545904" y="6098987"/>
               <a:ext cx="63202" cy="63202"/>
             </a:xfrm>
             <a:custGeom>
@@ -33341,7 +33341,7 @@
           </p:nvSpPr>
           <p:spPr>
             <a:xfrm>
-              <a:off x="4806962" y="6052420"/>
+              <a:off x="4488397" y="6052445"/>
               <a:ext cx="63202" cy="63202"/>
             </a:xfrm>
             <a:custGeom>
@@ -33384,7 +33384,7 @@
           </p:nvSpPr>
           <p:spPr>
             <a:xfrm>
-              <a:off x="4569898" y="5902714"/>
+              <a:off x="4723313" y="5902724"/>
               <a:ext cx="63202" cy="63202"/>
             </a:xfrm>
             <a:custGeom>
@@ -33427,7 +33427,7 @@
           </p:nvSpPr>
           <p:spPr>
             <a:xfrm>
-              <a:off x="4743647" y="6049293"/>
+              <a:off x="4969330" y="6049327"/>
               <a:ext cx="63202" cy="63202"/>
             </a:xfrm>
             <a:custGeom>
@@ -33470,7 +33470,7 @@
           </p:nvSpPr>
           <p:spPr>
             <a:xfrm>
-              <a:off x="4584058" y="5998218"/>
+              <a:off x="4643970" y="5998250"/>
               <a:ext cx="63202" cy="63202"/>
             </a:xfrm>
             <a:custGeom>
@@ -33513,7 +33513,7 @@
           </p:nvSpPr>
           <p:spPr>
             <a:xfrm>
-              <a:off x="4925370" y="5863929"/>
+              <a:off x="4795125" y="5863961"/>
               <a:ext cx="63202" cy="63202"/>
             </a:xfrm>
             <a:custGeom>
@@ -33556,7 +33556,7 @@
           </p:nvSpPr>
           <p:spPr>
             <a:xfrm>
-              <a:off x="5054428" y="5871260"/>
+              <a:off x="4700540" y="5871279"/>
               <a:ext cx="63202" cy="63202"/>
             </a:xfrm>
             <a:custGeom>
@@ -33599,7 +33599,7 @@
           </p:nvSpPr>
           <p:spPr>
             <a:xfrm>
-              <a:off x="4968589" y="5860127"/>
+              <a:off x="4962855" y="5860160"/>
               <a:ext cx="63202" cy="63202"/>
             </a:xfrm>
             <a:custGeom>
@@ -33642,7 +33642,7 @@
           </p:nvSpPr>
           <p:spPr>
             <a:xfrm>
-              <a:off x="4554001" y="5925788"/>
+              <a:off x="4906371" y="5925783"/>
               <a:ext cx="63202" cy="63202"/>
             </a:xfrm>
             <a:custGeom>
@@ -33685,7 +33685,7 @@
           </p:nvSpPr>
           <p:spPr>
             <a:xfrm>
-              <a:off x="4834525" y="5870839"/>
+              <a:off x="4690715" y="5870878"/>
               <a:ext cx="63202" cy="63202"/>
             </a:xfrm>
             <a:custGeom>
@@ -33728,7 +33728,7 @@
           </p:nvSpPr>
           <p:spPr>
             <a:xfrm>
-              <a:off x="5012137" y="5927440"/>
+              <a:off x="4762250" y="5927459"/>
               <a:ext cx="63202" cy="63202"/>
             </a:xfrm>
             <a:custGeom>
@@ -33771,7 +33771,7 @@
           </p:nvSpPr>
           <p:spPr>
             <a:xfrm>
-              <a:off x="5070948" y="5932406"/>
+              <a:off x="5149967" y="5932411"/>
               <a:ext cx="63202" cy="63202"/>
             </a:xfrm>
             <a:custGeom>
@@ -33814,7 +33814,7 @@
           </p:nvSpPr>
           <p:spPr>
             <a:xfrm>
-              <a:off x="4856461" y="5926512"/>
+              <a:off x="4922377" y="5926514"/>
               <a:ext cx="63202" cy="63202"/>
             </a:xfrm>
             <a:custGeom>
@@ -33857,7 +33857,7 @@
           </p:nvSpPr>
           <p:spPr>
             <a:xfrm>
-              <a:off x="4864324" y="5927001"/>
+              <a:off x="4764216" y="5927022"/>
               <a:ext cx="63202" cy="63202"/>
             </a:xfrm>
             <a:custGeom>
@@ -33900,7 +33900,7 @@
           </p:nvSpPr>
           <p:spPr>
             <a:xfrm>
-              <a:off x="4928850" y="5888564"/>
+              <a:off x="4810962" y="5888572"/>
               <a:ext cx="63202" cy="63202"/>
             </a:xfrm>
             <a:custGeom>
@@ -33943,7 +33943,7 @@
           </p:nvSpPr>
           <p:spPr>
             <a:xfrm>
-              <a:off x="4513183" y="5925009"/>
+              <a:off x="4959744" y="5925020"/>
               <a:ext cx="63202" cy="63202"/>
             </a:xfrm>
             <a:custGeom>
@@ -33986,7 +33986,7 @@
           </p:nvSpPr>
           <p:spPr>
             <a:xfrm>
-              <a:off x="4963618" y="6043852"/>
+              <a:off x="4751882" y="6043875"/>
               <a:ext cx="63202" cy="63202"/>
             </a:xfrm>
             <a:custGeom>
@@ -34029,7 +34029,7 @@
           </p:nvSpPr>
           <p:spPr>
             <a:xfrm>
-              <a:off x="4691674" y="5870223"/>
+              <a:off x="4724490" y="5870217"/>
               <a:ext cx="63202" cy="63202"/>
             </a:xfrm>
             <a:custGeom>
@@ -34072,7 +34072,7 @@
           </p:nvSpPr>
           <p:spPr>
             <a:xfrm>
-              <a:off x="4681695" y="6197034"/>
+              <a:off x="4905734" y="6197052"/>
               <a:ext cx="63202" cy="63202"/>
             </a:xfrm>
             <a:custGeom>
@@ -34115,7 +34115,7 @@
           </p:nvSpPr>
           <p:spPr>
             <a:xfrm>
-              <a:off x="5019534" y="5907838"/>
+              <a:off x="4543806" y="5907849"/>
               <a:ext cx="63202" cy="63202"/>
             </a:xfrm>
             <a:custGeom>
@@ -34158,7 +34158,7 @@
           </p:nvSpPr>
           <p:spPr>
             <a:xfrm>
-              <a:off x="4576704" y="6119549"/>
+              <a:off x="4838731" y="6119566"/>
               <a:ext cx="63202" cy="63202"/>
             </a:xfrm>
             <a:custGeom>
@@ -34201,7 +34201,7 @@
           </p:nvSpPr>
           <p:spPr>
             <a:xfrm>
-              <a:off x="4754433" y="5959818"/>
+              <a:off x="4583763" y="5959843"/>
               <a:ext cx="63202" cy="63202"/>
             </a:xfrm>
             <a:custGeom>
@@ -34244,7 +34244,7 @@
           </p:nvSpPr>
           <p:spPr>
             <a:xfrm>
-              <a:off x="4858422" y="6153988"/>
+              <a:off x="5111849" y="6153998"/>
               <a:ext cx="63202" cy="63202"/>
             </a:xfrm>
             <a:custGeom>
@@ -34287,7 +34287,7 @@
           </p:nvSpPr>
           <p:spPr>
             <a:xfrm>
-              <a:off x="5081920" y="6086833"/>
+              <a:off x="4826845" y="6086882"/>
               <a:ext cx="63202" cy="63202"/>
             </a:xfrm>
             <a:custGeom>
@@ -34330,7 +34330,7 @@
           </p:nvSpPr>
           <p:spPr>
             <a:xfrm>
-              <a:off x="4777908" y="6260305"/>
+              <a:off x="4529623" y="6260344"/>
               <a:ext cx="63202" cy="63202"/>
             </a:xfrm>
             <a:custGeom>
@@ -34373,7 +34373,7 @@
           </p:nvSpPr>
           <p:spPr>
             <a:xfrm>
-              <a:off x="4940861" y="5865207"/>
+              <a:off x="4963420" y="5865227"/>
               <a:ext cx="63202" cy="63202"/>
             </a:xfrm>
             <a:custGeom>
@@ -34416,7 +34416,7 @@
           </p:nvSpPr>
           <p:spPr>
             <a:xfrm>
-              <a:off x="4968874" y="5865348"/>
+              <a:off x="5159356" y="5865360"/>
               <a:ext cx="63202" cy="63202"/>
             </a:xfrm>
             <a:custGeom>
@@ -34459,7 +34459,7 @@
           </p:nvSpPr>
           <p:spPr>
             <a:xfrm>
-              <a:off x="4705706" y="6175837"/>
+              <a:off x="4889819" y="6175834"/>
               <a:ext cx="63202" cy="63202"/>
             </a:xfrm>
             <a:custGeom>
@@ -34502,7 +34502,7 @@
           </p:nvSpPr>
           <p:spPr>
             <a:xfrm>
-              <a:off x="4582489" y="6112235"/>
+              <a:off x="5034285" y="6112258"/>
               <a:ext cx="63202" cy="63202"/>
             </a:xfrm>
             <a:custGeom>
@@ -34545,7 +34545,7 @@
           </p:nvSpPr>
           <p:spPr>
             <a:xfrm>
-              <a:off x="4693475" y="5998175"/>
+              <a:off x="4575698" y="5998203"/>
               <a:ext cx="63202" cy="63202"/>
             </a:xfrm>
             <a:custGeom>
@@ -34588,7 +34588,7 @@
           </p:nvSpPr>
           <p:spPr>
             <a:xfrm>
-              <a:off x="4714445" y="6068500"/>
+              <a:off x="4830613" y="6068516"/>
               <a:ext cx="63202" cy="63202"/>
             </a:xfrm>
             <a:custGeom>
@@ -34687,7 +34687,7 @@
           </p:nvSpPr>
           <p:spPr>
             <a:xfrm>
-              <a:off x="7192078" y="2815588"/>
+              <a:off x="7192078" y="2815606"/>
               <a:ext cx="2796732" cy="0"/>
             </a:xfrm>
             <a:custGeom>
@@ -34730,7 +34730,7 @@
           </p:nvSpPr>
           <p:spPr>
             <a:xfrm>
-              <a:off x="7192078" y="2361618"/>
+              <a:off x="7192078" y="2361636"/>
               <a:ext cx="2796732" cy="0"/>
             </a:xfrm>
             <a:custGeom>
@@ -34773,7 +34773,7 @@
           </p:nvSpPr>
           <p:spPr>
             <a:xfrm>
-              <a:off x="7192078" y="1907647"/>
+              <a:off x="7192078" y="1907666"/>
               <a:ext cx="2796732" cy="0"/>
             </a:xfrm>
             <a:custGeom>
@@ -34816,7 +34816,7 @@
           </p:nvSpPr>
           <p:spPr>
             <a:xfrm>
-              <a:off x="7192078" y="1453677"/>
+              <a:off x="7192078" y="1453696"/>
               <a:ext cx="2796732" cy="0"/>
             </a:xfrm>
             <a:custGeom>
@@ -34859,7 +34859,7 @@
           </p:nvSpPr>
           <p:spPr>
             <a:xfrm>
-              <a:off x="7192078" y="3042573"/>
+              <a:off x="7192078" y="3042591"/>
               <a:ext cx="2796732" cy="0"/>
             </a:xfrm>
             <a:custGeom>
@@ -34902,7 +34902,7 @@
           </p:nvSpPr>
           <p:spPr>
             <a:xfrm>
-              <a:off x="7192078" y="2588603"/>
+              <a:off x="7192078" y="2588621"/>
               <a:ext cx="2796732" cy="0"/>
             </a:xfrm>
             <a:custGeom>
@@ -34945,7 +34945,7 @@
           </p:nvSpPr>
           <p:spPr>
             <a:xfrm>
-              <a:off x="7192078" y="2134633"/>
+              <a:off x="7192078" y="2134651"/>
               <a:ext cx="2796732" cy="0"/>
             </a:xfrm>
             <a:custGeom>
@@ -34988,7 +34988,7 @@
           </p:nvSpPr>
           <p:spPr>
             <a:xfrm>
-              <a:off x="7192078" y="1680662"/>
+              <a:off x="7192078" y="1680681"/>
               <a:ext cx="2796732" cy="0"/>
             </a:xfrm>
             <a:custGeom>
@@ -35160,7 +35160,7 @@
           </p:nvSpPr>
           <p:spPr>
             <a:xfrm>
-              <a:off x="7624162" y="2813887"/>
+              <a:off x="7559357" y="2813921"/>
               <a:ext cx="63202" cy="63202"/>
             </a:xfrm>
             <a:custGeom>
@@ -35203,7 +35203,7 @@
           </p:nvSpPr>
           <p:spPr>
             <a:xfrm>
-              <a:off x="7991976" y="2585255"/>
+              <a:off x="7732629" y="2585267"/>
               <a:ext cx="63202" cy="63202"/>
             </a:xfrm>
             <a:custGeom>
@@ -35246,7 +35246,7 @@
           </p:nvSpPr>
           <p:spPr>
             <a:xfrm>
-              <a:off x="7803491" y="2552153"/>
+              <a:off x="7771788" y="2552158"/>
               <a:ext cx="63202" cy="63202"/>
             </a:xfrm>
             <a:custGeom>
@@ -35289,7 +35289,7 @@
           </p:nvSpPr>
           <p:spPr>
             <a:xfrm>
-              <a:off x="7976301" y="2556516"/>
+              <a:off x="7714386" y="2556516"/>
               <a:ext cx="63202" cy="63202"/>
             </a:xfrm>
             <a:custGeom>
@@ -35332,7 +35332,7 @@
           </p:nvSpPr>
           <p:spPr>
             <a:xfrm>
-              <a:off x="7817374" y="2550272"/>
+              <a:off x="7678912" y="2550314"/>
               <a:ext cx="63202" cy="63202"/>
             </a:xfrm>
             <a:custGeom>
@@ -35375,7 +35375,7 @@
           </p:nvSpPr>
           <p:spPr>
             <a:xfrm>
-              <a:off x="7653052" y="2269576"/>
+              <a:off x="7600513" y="2269598"/>
               <a:ext cx="63202" cy="63202"/>
             </a:xfrm>
             <a:custGeom>
@@ -35418,7 +35418,7 @@
           </p:nvSpPr>
           <p:spPr>
             <a:xfrm>
-              <a:off x="7919491" y="2573485"/>
+              <a:off x="7666766" y="2573490"/>
               <a:ext cx="63202" cy="63202"/>
             </a:xfrm>
             <a:custGeom>
@@ -35461,7 +35461,7 @@
           </p:nvSpPr>
           <p:spPr>
             <a:xfrm>
-              <a:off x="7872886" y="2583561"/>
+              <a:off x="8024349" y="2583569"/>
               <a:ext cx="63202" cy="63202"/>
             </a:xfrm>
             <a:custGeom>
@@ -35504,7 +35504,7 @@
           </p:nvSpPr>
           <p:spPr>
             <a:xfrm>
-              <a:off x="7450430" y="2549324"/>
+              <a:off x="7465815" y="2549335"/>
               <a:ext cx="63202" cy="63202"/>
             </a:xfrm>
             <a:custGeom>
@@ -35547,7 +35547,7 @@
           </p:nvSpPr>
           <p:spPr>
             <a:xfrm>
-              <a:off x="7748321" y="2548652"/>
+              <a:off x="8011560" y="2548679"/>
               <a:ext cx="63202" cy="63202"/>
             </a:xfrm>
             <a:custGeom>
@@ -35590,7 +35590,7 @@
           </p:nvSpPr>
           <p:spPr>
             <a:xfrm>
-              <a:off x="7713653" y="2574606"/>
+              <a:off x="7963481" y="2574652"/>
               <a:ext cx="63202" cy="63202"/>
             </a:xfrm>
             <a:custGeom>
@@ -35633,7 +35633,7 @@
           </p:nvSpPr>
           <p:spPr>
             <a:xfrm>
-              <a:off x="7460437" y="2659466"/>
+              <a:off x="7786689" y="2659473"/>
               <a:ext cx="63202" cy="63202"/>
             </a:xfrm>
             <a:custGeom>
@@ -35676,7 +35676,7 @@
           </p:nvSpPr>
           <p:spPr>
             <a:xfrm>
-              <a:off x="7556888" y="2579615"/>
+              <a:off x="7574989" y="2579622"/>
               <a:ext cx="63202" cy="63202"/>
             </a:xfrm>
             <a:custGeom>
@@ -35719,7 +35719,7 @@
           </p:nvSpPr>
           <p:spPr>
             <a:xfrm>
-              <a:off x="7790742" y="2585589"/>
+              <a:off x="7617066" y="2585627"/>
               <a:ext cx="63202" cy="63202"/>
             </a:xfrm>
             <a:custGeom>
@@ -35762,7 +35762,7 @@
           </p:nvSpPr>
           <p:spPr>
             <a:xfrm>
-              <a:off x="7413712" y="2573712"/>
+              <a:off x="7945395" y="2573716"/>
               <a:ext cx="63202" cy="63202"/>
             </a:xfrm>
             <a:custGeom>
@@ -35805,7 +35805,7 @@
           </p:nvSpPr>
           <p:spPr>
             <a:xfrm>
-              <a:off x="7952318" y="2582186"/>
+              <a:off x="7498050" y="2582231"/>
               <a:ext cx="63202" cy="63202"/>
             </a:xfrm>
             <a:custGeom>
@@ -35848,7 +35848,7 @@
           </p:nvSpPr>
           <p:spPr>
             <a:xfrm>
-              <a:off x="7345732" y="2572492"/>
+              <a:off x="7813472" y="2572499"/>
               <a:ext cx="63202" cy="63202"/>
             </a:xfrm>
             <a:custGeom>
@@ -35891,7 +35891,7 @@
           </p:nvSpPr>
           <p:spPr>
             <a:xfrm>
-              <a:off x="7387217" y="2557382"/>
+              <a:off x="7631747" y="2557385"/>
               <a:ext cx="63202" cy="63202"/>
             </a:xfrm>
             <a:custGeom>
@@ -35934,7 +35934,7 @@
           </p:nvSpPr>
           <p:spPr>
             <a:xfrm>
-              <a:off x="7800244" y="2578236"/>
+              <a:off x="7449025" y="2578282"/>
               <a:ext cx="63202" cy="63202"/>
             </a:xfrm>
             <a:custGeom>
@@ -35977,7 +35977,7 @@
           </p:nvSpPr>
           <p:spPr>
             <a:xfrm>
-              <a:off x="7565779" y="2671885"/>
+              <a:off x="7416985" y="2671931"/>
               <a:ext cx="63202" cy="63202"/>
             </a:xfrm>
             <a:custGeom>
@@ -36020,7 +36020,7 @@
           </p:nvSpPr>
           <p:spPr>
             <a:xfrm>
-              <a:off x="7506767" y="2548824"/>
+              <a:off x="7898452" y="2548855"/>
               <a:ext cx="63202" cy="63202"/>
             </a:xfrm>
             <a:custGeom>
@@ -36063,7 +36063,7 @@
           </p:nvSpPr>
           <p:spPr>
             <a:xfrm>
-              <a:off x="7375355" y="2552948"/>
+              <a:off x="7463917" y="2552963"/>
               <a:ext cx="63202" cy="63202"/>
             </a:xfrm>
             <a:custGeom>
@@ -36106,7 +36106,7 @@
           </p:nvSpPr>
           <p:spPr>
             <a:xfrm>
-              <a:off x="7763591" y="2585841"/>
+              <a:off x="7693088" y="2585832"/>
               <a:ext cx="63202" cy="63202"/>
             </a:xfrm>
             <a:custGeom>
@@ -36149,7 +36149,7 @@
           </p:nvSpPr>
           <p:spPr>
             <a:xfrm>
-              <a:off x="7387596" y="2572121"/>
+              <a:off x="8026005" y="2572143"/>
               <a:ext cx="63202" cy="63202"/>
             </a:xfrm>
             <a:custGeom>
@@ -36192,7 +36192,7 @@
           </p:nvSpPr>
           <p:spPr>
             <a:xfrm>
-              <a:off x="7856782" y="2576159"/>
+              <a:off x="7837740" y="2576167"/>
               <a:ext cx="63202" cy="63202"/>
             </a:xfrm>
             <a:custGeom>
@@ -36235,7 +36235,7 @@
           </p:nvSpPr>
           <p:spPr>
             <a:xfrm>
-              <a:off x="7965160" y="2574628"/>
+              <a:off x="7824625" y="2574647"/>
               <a:ext cx="63202" cy="63202"/>
             </a:xfrm>
             <a:custGeom>
@@ -36278,7 +36278,7 @@
           </p:nvSpPr>
           <p:spPr>
             <a:xfrm>
-              <a:off x="8001227" y="2256351"/>
+              <a:off x="7855305" y="2256361"/>
               <a:ext cx="63202" cy="63202"/>
             </a:xfrm>
             <a:custGeom>
@@ -36321,7 +36321,7 @@
           </p:nvSpPr>
           <p:spPr>
             <a:xfrm>
-              <a:off x="7871557" y="2583845"/>
+              <a:off x="7478033" y="2583863"/>
               <a:ext cx="63202" cy="63202"/>
             </a:xfrm>
             <a:custGeom>
@@ -36364,7 +36364,7 @@
           </p:nvSpPr>
           <p:spPr>
             <a:xfrm>
-              <a:off x="7826778" y="2683468"/>
+              <a:off x="7932620" y="2683483"/>
               <a:ext cx="63202" cy="63202"/>
             </a:xfrm>
             <a:custGeom>
@@ -36407,7 +36407,7 @@
           </p:nvSpPr>
           <p:spPr>
             <a:xfrm>
-              <a:off x="7499908" y="2572358"/>
+              <a:off x="7671700" y="2572350"/>
               <a:ext cx="63202" cy="63202"/>
             </a:xfrm>
             <a:custGeom>
@@ -36450,7 +36450,7 @@
           </p:nvSpPr>
           <p:spPr>
             <a:xfrm>
-              <a:off x="7668756" y="2256053"/>
+              <a:off x="7948828" y="2256071"/>
               <a:ext cx="63202" cy="63202"/>
             </a:xfrm>
             <a:custGeom>
@@ -36493,7 +36493,7 @@
           </p:nvSpPr>
           <p:spPr>
             <a:xfrm>
-              <a:off x="7713309" y="2552989"/>
+              <a:off x="7505050" y="2553022"/>
               <a:ext cx="63202" cy="63202"/>
             </a:xfrm>
             <a:custGeom>
@@ -36536,7 +36536,7 @@
           </p:nvSpPr>
           <p:spPr>
             <a:xfrm>
-              <a:off x="7491409" y="2562710"/>
+              <a:off x="7577085" y="2562722"/>
               <a:ext cx="63202" cy="63202"/>
             </a:xfrm>
             <a:custGeom>
@@ -36579,7 +36579,7 @@
           </p:nvSpPr>
           <p:spPr>
             <a:xfrm>
-              <a:off x="7931822" y="2555291"/>
+              <a:off x="7886862" y="2555297"/>
               <a:ext cx="63202" cy="63202"/>
             </a:xfrm>
             <a:custGeom>
@@ -36622,7 +36622,7 @@
           </p:nvSpPr>
           <p:spPr>
             <a:xfrm>
-              <a:off x="7526316" y="2557551"/>
+              <a:off x="7374121" y="2557581"/>
               <a:ext cx="63202" cy="63202"/>
             </a:xfrm>
             <a:custGeom>
@@ -36665,7 +36665,7 @@
           </p:nvSpPr>
           <p:spPr>
             <a:xfrm>
-              <a:off x="7911377" y="2557695"/>
+              <a:off x="7693900" y="2557708"/>
               <a:ext cx="63202" cy="63202"/>
             </a:xfrm>
             <a:custGeom>
@@ -36708,7 +36708,7 @@
           </p:nvSpPr>
           <p:spPr>
             <a:xfrm>
-              <a:off x="7548198" y="2557993"/>
+              <a:off x="7918597" y="2558034"/>
               <a:ext cx="63202" cy="63202"/>
             </a:xfrm>
             <a:custGeom>
@@ -36751,7 +36751,7 @@
           </p:nvSpPr>
           <p:spPr>
             <a:xfrm>
-              <a:off x="7436595" y="2559163"/>
+              <a:off x="7719595" y="2559184"/>
               <a:ext cx="63202" cy="63202"/>
             </a:xfrm>
             <a:custGeom>
@@ -36794,7 +36794,7 @@
           </p:nvSpPr>
           <p:spPr>
             <a:xfrm>
-              <a:off x="8009727" y="2553314"/>
+              <a:off x="7502043" y="2553336"/>
               <a:ext cx="63202" cy="63202"/>
             </a:xfrm>
             <a:custGeom>
@@ -36837,7 +36837,7 @@
           </p:nvSpPr>
           <p:spPr>
             <a:xfrm>
-              <a:off x="7582559" y="2592272"/>
+              <a:off x="7454419" y="2592299"/>
               <a:ext cx="63202" cy="63202"/>
             </a:xfrm>
             <a:custGeom>
@@ -36880,7 +36880,7 @@
           </p:nvSpPr>
           <p:spPr>
             <a:xfrm>
-              <a:off x="7755800" y="2568931"/>
+              <a:off x="7627866" y="2568962"/>
               <a:ext cx="63202" cy="63202"/>
             </a:xfrm>
             <a:custGeom>
@@ -36923,7 +36923,7 @@
           </p:nvSpPr>
           <p:spPr>
             <a:xfrm>
-              <a:off x="7478319" y="2555879"/>
+              <a:off x="7755275" y="2555890"/>
               <a:ext cx="63202" cy="63202"/>
             </a:xfrm>
             <a:custGeom>
@@ -36966,7 +36966,7 @@
           </p:nvSpPr>
           <p:spPr>
             <a:xfrm>
-              <a:off x="7726376" y="2622873"/>
+              <a:off x="7393992" y="2622895"/>
               <a:ext cx="63202" cy="63202"/>
             </a:xfrm>
             <a:custGeom>
@@ -37009,7 +37009,7 @@
           </p:nvSpPr>
           <p:spPr>
             <a:xfrm>
-              <a:off x="7871465" y="2469841"/>
+              <a:off x="7456319" y="2469861"/>
               <a:ext cx="63202" cy="63202"/>
             </a:xfrm>
             <a:custGeom>
@@ -37052,7 +37052,7 @@
           </p:nvSpPr>
           <p:spPr>
             <a:xfrm>
-              <a:off x="7768306" y="2555716"/>
+              <a:off x="7943579" y="2555756"/>
               <a:ext cx="63202" cy="63202"/>
             </a:xfrm>
             <a:custGeom>
@@ -37095,7 +37095,7 @@
           </p:nvSpPr>
           <p:spPr>
             <a:xfrm>
-              <a:off x="7642752" y="2557315"/>
+              <a:off x="7910176" y="2557335"/>
               <a:ext cx="63202" cy="63202"/>
             </a:xfrm>
             <a:custGeom>
@@ -37138,7 +37138,7 @@
           </p:nvSpPr>
           <p:spPr>
             <a:xfrm>
-              <a:off x="7632377" y="2556712"/>
+              <a:off x="7861669" y="2556749"/>
               <a:ext cx="63202" cy="63202"/>
             </a:xfrm>
             <a:custGeom>
@@ -37181,7 +37181,7 @@
           </p:nvSpPr>
           <p:spPr>
             <a:xfrm>
-              <a:off x="7678660" y="2557375"/>
+              <a:off x="7889255" y="2557388"/>
               <a:ext cx="63202" cy="63202"/>
             </a:xfrm>
             <a:custGeom>
@@ -37224,7 +37224,7 @@
           </p:nvSpPr>
           <p:spPr>
             <a:xfrm>
-              <a:off x="7357062" y="2550129"/>
+              <a:off x="8001682" y="2550183"/>
               <a:ext cx="63202" cy="63202"/>
             </a:xfrm>
             <a:custGeom>
@@ -37323,7 +37323,7 @@
           </p:nvSpPr>
           <p:spPr>
             <a:xfrm>
-              <a:off x="7192078" y="4740920"/>
+              <a:off x="7192078" y="4740939"/>
               <a:ext cx="2796732" cy="0"/>
             </a:xfrm>
             <a:custGeom>
@@ -37366,7 +37366,7 @@
           </p:nvSpPr>
           <p:spPr>
             <a:xfrm>
-              <a:off x="7192078" y="4286950"/>
+              <a:off x="7192078" y="4286969"/>
               <a:ext cx="2796732" cy="0"/>
             </a:xfrm>
             <a:custGeom>
@@ -37409,7 +37409,7 @@
           </p:nvSpPr>
           <p:spPr>
             <a:xfrm>
-              <a:off x="7192078" y="3832980"/>
+              <a:off x="7192078" y="3832999"/>
               <a:ext cx="2796732" cy="0"/>
             </a:xfrm>
             <a:custGeom>
@@ -37452,7 +37452,7 @@
           </p:nvSpPr>
           <p:spPr>
             <a:xfrm>
-              <a:off x="7192078" y="3379010"/>
+              <a:off x="7192078" y="3379029"/>
               <a:ext cx="2796732" cy="0"/>
             </a:xfrm>
             <a:custGeom>
@@ -37495,7 +37495,7 @@
           </p:nvSpPr>
           <p:spPr>
             <a:xfrm>
-              <a:off x="7192078" y="4967906"/>
+              <a:off x="7192078" y="4967924"/>
               <a:ext cx="2796732" cy="0"/>
             </a:xfrm>
             <a:custGeom>
@@ -37538,7 +37538,7 @@
           </p:nvSpPr>
           <p:spPr>
             <a:xfrm>
-              <a:off x="7192078" y="4513935"/>
+              <a:off x="7192078" y="4513954"/>
               <a:ext cx="2796732" cy="0"/>
             </a:xfrm>
             <a:custGeom>
@@ -37581,7 +37581,7 @@
           </p:nvSpPr>
           <p:spPr>
             <a:xfrm>
-              <a:off x="7192078" y="4059965"/>
+              <a:off x="7192078" y="4059984"/>
               <a:ext cx="2796732" cy="0"/>
             </a:xfrm>
             <a:custGeom>
@@ -37624,7 +37624,7 @@
           </p:nvSpPr>
           <p:spPr>
             <a:xfrm>
-              <a:off x="7192078" y="3605995"/>
+              <a:off x="7192078" y="3606014"/>
               <a:ext cx="2796732" cy="0"/>
             </a:xfrm>
             <a:custGeom>
@@ -37796,7 +37796,7 @@
           </p:nvSpPr>
           <p:spPr>
             <a:xfrm>
-              <a:off x="7397232" y="4442509"/>
+              <a:off x="7454729" y="4442528"/>
               <a:ext cx="63202" cy="63202"/>
             </a:xfrm>
             <a:custGeom>
@@ -37839,7 +37839,7 @@
           </p:nvSpPr>
           <p:spPr>
             <a:xfrm>
-              <a:off x="7755496" y="4365086"/>
+              <a:off x="7960657" y="4365091"/>
               <a:ext cx="63202" cy="63202"/>
             </a:xfrm>
             <a:custGeom>
@@ -37882,7 +37882,7 @@
           </p:nvSpPr>
           <p:spPr>
             <a:xfrm>
-              <a:off x="8013872" y="4516611"/>
+              <a:off x="7787538" y="4516620"/>
               <a:ext cx="63202" cy="63202"/>
             </a:xfrm>
             <a:custGeom>
@@ -37925,7 +37925,7 @@
           </p:nvSpPr>
           <p:spPr>
             <a:xfrm>
-              <a:off x="7818132" y="4441868"/>
+              <a:off x="7416282" y="4441918"/>
               <a:ext cx="63202" cy="63202"/>
             </a:xfrm>
             <a:custGeom>
@@ -37968,7 +37968,7 @@
           </p:nvSpPr>
           <p:spPr>
             <a:xfrm>
-              <a:off x="7991832" y="4504733"/>
+              <a:off x="7520697" y="4504725"/>
               <a:ext cx="63202" cy="63202"/>
             </a:xfrm>
             <a:custGeom>
@@ -38011,7 +38011,7 @@
           </p:nvSpPr>
           <p:spPr>
             <a:xfrm>
-              <a:off x="8027389" y="4407445"/>
+              <a:off x="7593232" y="4407446"/>
               <a:ext cx="63202" cy="63202"/>
             </a:xfrm>
             <a:custGeom>
@@ -38054,7 +38054,7 @@
           </p:nvSpPr>
           <p:spPr>
             <a:xfrm>
-              <a:off x="7796933" y="4388378"/>
+              <a:off x="7975768" y="4388394"/>
               <a:ext cx="63202" cy="63202"/>
             </a:xfrm>
             <a:custGeom>
@@ -38097,7 +38097,7 @@
           </p:nvSpPr>
           <p:spPr>
             <a:xfrm>
-              <a:off x="7774345" y="4445827"/>
+              <a:off x="7768553" y="4445854"/>
               <a:ext cx="63202" cy="63202"/>
             </a:xfrm>
             <a:custGeom>
@@ -38140,7 +38140,7 @@
           </p:nvSpPr>
           <p:spPr>
             <a:xfrm>
-              <a:off x="7405611" y="4475851"/>
+              <a:off x="7616677" y="4475873"/>
               <a:ext cx="63202" cy="63202"/>
             </a:xfrm>
             <a:custGeom>
@@ -38183,7 +38183,7 @@
           </p:nvSpPr>
           <p:spPr>
             <a:xfrm>
-              <a:off x="7384171" y="4371731"/>
+              <a:off x="7614641" y="4371750"/>
               <a:ext cx="63202" cy="63202"/>
             </a:xfrm>
             <a:custGeom>
@@ -38226,7 +38226,7 @@
           </p:nvSpPr>
           <p:spPr>
             <a:xfrm>
-              <a:off x="7488505" y="4356660"/>
+              <a:off x="7518375" y="4356705"/>
               <a:ext cx="63202" cy="63202"/>
             </a:xfrm>
             <a:custGeom>
@@ -38269,7 +38269,7 @@
           </p:nvSpPr>
           <p:spPr>
             <a:xfrm>
-              <a:off x="7904350" y="4415503"/>
+              <a:off x="8022131" y="4415527"/>
               <a:ext cx="63202" cy="63202"/>
             </a:xfrm>
             <a:custGeom>
@@ -38312,7 +38312,7 @@
           </p:nvSpPr>
           <p:spPr>
             <a:xfrm>
-              <a:off x="7825864" y="4357132"/>
+              <a:off x="7510894" y="4357142"/>
               <a:ext cx="63202" cy="63202"/>
             </a:xfrm>
             <a:custGeom>
@@ -38355,7 +38355,7 @@
           </p:nvSpPr>
           <p:spPr>
             <a:xfrm>
-              <a:off x="7481001" y="4387669"/>
+              <a:off x="7737786" y="4387688"/>
               <a:ext cx="63202" cy="63202"/>
             </a:xfrm>
             <a:custGeom>
@@ -39850,7 +39850,7 @@
           </p:nvSpPr>
           <p:spPr>
             <a:xfrm>
-              <a:off x="1334650" y="3000881"/>
+              <a:off x="1334650" y="3000900"/>
               <a:ext cx="62155" cy="81691"/>
             </a:xfrm>
             <a:prstGeom prst="rect">
@@ -39896,7 +39896,7 @@
           </p:nvSpPr>
           <p:spPr>
             <a:xfrm>
-              <a:off x="1148183" y="2546911"/>
+              <a:off x="1148183" y="2546930"/>
               <a:ext cx="248622" cy="81691"/>
             </a:xfrm>
             <a:prstGeom prst="rect">
@@ -39942,7 +39942,7 @@
           </p:nvSpPr>
           <p:spPr>
             <a:xfrm>
-              <a:off x="1148183" y="2092941"/>
+              <a:off x="1148183" y="2092960"/>
               <a:ext cx="248622" cy="81691"/>
             </a:xfrm>
             <a:prstGeom prst="rect">
@@ -39988,7 +39988,7 @@
           </p:nvSpPr>
           <p:spPr>
             <a:xfrm>
-              <a:off x="1148183" y="1638916"/>
+              <a:off x="1148183" y="1638935"/>
               <a:ext cx="248622" cy="81746"/>
             </a:xfrm>
             <a:prstGeom prst="rect">
@@ -40034,7 +40034,7 @@
           </p:nvSpPr>
           <p:spPr>
             <a:xfrm>
-              <a:off x="1424641" y="3042573"/>
+              <a:off x="1424641" y="3042591"/>
               <a:ext cx="34794" cy="0"/>
             </a:xfrm>
             <a:custGeom>
@@ -40074,7 +40074,7 @@
           </p:nvSpPr>
           <p:spPr>
             <a:xfrm>
-              <a:off x="1424641" y="2588603"/>
+              <a:off x="1424641" y="2588621"/>
               <a:ext cx="34794" cy="0"/>
             </a:xfrm>
             <a:custGeom>
@@ -40114,7 +40114,7 @@
           </p:nvSpPr>
           <p:spPr>
             <a:xfrm>
-              <a:off x="1424641" y="2134633"/>
+              <a:off x="1424641" y="2134651"/>
               <a:ext cx="34794" cy="0"/>
             </a:xfrm>
             <a:custGeom>
@@ -40154,7 +40154,7 @@
           </p:nvSpPr>
           <p:spPr>
             <a:xfrm>
-              <a:off x="1424641" y="1680662"/>
+              <a:off x="1424641" y="1680681"/>
               <a:ext cx="34794" cy="0"/>
             </a:xfrm>
             <a:custGeom>
@@ -40194,7 +40194,7 @@
           </p:nvSpPr>
           <p:spPr>
             <a:xfrm>
-              <a:off x="1334650" y="4926214"/>
+              <a:off x="1334650" y="4926232"/>
               <a:ext cx="62155" cy="81691"/>
             </a:xfrm>
             <a:prstGeom prst="rect">
@@ -40240,7 +40240,7 @@
           </p:nvSpPr>
           <p:spPr>
             <a:xfrm>
-              <a:off x="1148183" y="4472244"/>
+              <a:off x="1148183" y="4472262"/>
               <a:ext cx="248622" cy="81691"/>
             </a:xfrm>
             <a:prstGeom prst="rect">
@@ -40286,7 +40286,7 @@
           </p:nvSpPr>
           <p:spPr>
             <a:xfrm>
-              <a:off x="1148183" y="4018273"/>
+              <a:off x="1148183" y="4018292"/>
               <a:ext cx="248622" cy="81691"/>
             </a:xfrm>
             <a:prstGeom prst="rect">
@@ -40332,7 +40332,7 @@
           </p:nvSpPr>
           <p:spPr>
             <a:xfrm>
-              <a:off x="1148183" y="3564249"/>
+              <a:off x="1148183" y="3564268"/>
               <a:ext cx="248622" cy="81746"/>
             </a:xfrm>
             <a:prstGeom prst="rect">
@@ -40378,7 +40378,7 @@
           </p:nvSpPr>
           <p:spPr>
             <a:xfrm>
-              <a:off x="1424641" y="4967906"/>
+              <a:off x="1424641" y="4967924"/>
               <a:ext cx="34794" cy="0"/>
             </a:xfrm>
             <a:custGeom>
@@ -40418,7 +40418,7 @@
           </p:nvSpPr>
           <p:spPr>
             <a:xfrm>
-              <a:off x="1424641" y="4513935"/>
+              <a:off x="1424641" y="4513954"/>
               <a:ext cx="34794" cy="0"/>
             </a:xfrm>
             <a:custGeom>
@@ -40458,7 +40458,7 @@
           </p:nvSpPr>
           <p:spPr>
             <a:xfrm>
-              <a:off x="1424641" y="4059965"/>
+              <a:off x="1424641" y="4059984"/>
               <a:ext cx="34794" cy="0"/>
             </a:xfrm>
             <a:custGeom>
@@ -40498,7 +40498,7 @@
           </p:nvSpPr>
           <p:spPr>
             <a:xfrm>
-              <a:off x="1424641" y="3605995"/>
+              <a:off x="1424641" y="3606014"/>
               <a:ext cx="34794" cy="0"/>
             </a:xfrm>
             <a:custGeom>
@@ -40538,7 +40538,7 @@
           </p:nvSpPr>
           <p:spPr>
             <a:xfrm>
-              <a:off x="1334650" y="6851546"/>
+              <a:off x="1334650" y="6851565"/>
               <a:ext cx="62155" cy="81691"/>
             </a:xfrm>
             <a:prstGeom prst="rect">
@@ -40584,7 +40584,7 @@
           </p:nvSpPr>
           <p:spPr>
             <a:xfrm>
-              <a:off x="1148183" y="6397576"/>
+              <a:off x="1148183" y="6397595"/>
               <a:ext cx="248622" cy="81691"/>
             </a:xfrm>
             <a:prstGeom prst="rect">
@@ -40630,7 +40630,7 @@
           </p:nvSpPr>
           <p:spPr>
             <a:xfrm>
-              <a:off x="1148183" y="5943606"/>
+              <a:off x="1148183" y="5943625"/>
               <a:ext cx="248622" cy="81691"/>
             </a:xfrm>
             <a:prstGeom prst="rect">
@@ -40676,7 +40676,7 @@
           </p:nvSpPr>
           <p:spPr>
             <a:xfrm>
-              <a:off x="1148183" y="5489581"/>
+              <a:off x="1148183" y="5489600"/>
               <a:ext cx="248622" cy="81746"/>
             </a:xfrm>
             <a:prstGeom prst="rect">
@@ -40722,7 +40722,7 @@
           </p:nvSpPr>
           <p:spPr>
             <a:xfrm>
-              <a:off x="1424641" y="6893238"/>
+              <a:off x="1424641" y="6893257"/>
               <a:ext cx="34794" cy="0"/>
             </a:xfrm>
             <a:custGeom>
@@ -40762,7 +40762,7 @@
           </p:nvSpPr>
           <p:spPr>
             <a:xfrm>
-              <a:off x="1424641" y="6439268"/>
+              <a:off x="1424641" y="6439287"/>
               <a:ext cx="34794" cy="0"/>
             </a:xfrm>
             <a:custGeom>
@@ -40802,7 +40802,7 @@
           </p:nvSpPr>
           <p:spPr>
             <a:xfrm>
-              <a:off x="1424641" y="5985298"/>
+              <a:off x="1424641" y="5985317"/>
               <a:ext cx="34794" cy="0"/>
             </a:xfrm>
             <a:custGeom>
@@ -40842,7 +40842,7 @@
           </p:nvSpPr>
           <p:spPr>
             <a:xfrm>
-              <a:off x="1424641" y="5531328"/>
+              <a:off x="1424641" y="5531347"/>
               <a:ext cx="34794" cy="0"/>
             </a:xfrm>
             <a:custGeom>

--- a/Images/Figures_PPT/Jitter_Plot_TOR_All.pptx
+++ b/Images/Figures_PPT/Jitter_Plot_TOR_All.pptx
@@ -2359,7 +2359,7 @@
           </p:nvSpPr>
           <p:spPr>
             <a:xfrm>
-              <a:off x="1459435" y="2815606"/>
+              <a:off x="1459435" y="2815610"/>
               <a:ext cx="2796732" cy="0"/>
             </a:xfrm>
             <a:custGeom>
@@ -2402,7 +2402,7 @@
           </p:nvSpPr>
           <p:spPr>
             <a:xfrm>
-              <a:off x="1459435" y="2361636"/>
+              <a:off x="1459435" y="2361629"/>
               <a:ext cx="2796732" cy="0"/>
             </a:xfrm>
             <a:custGeom>
@@ -2445,7 +2445,7 @@
           </p:nvSpPr>
           <p:spPr>
             <a:xfrm>
-              <a:off x="1459435" y="1907666"/>
+              <a:off x="1459435" y="1907647"/>
               <a:ext cx="2796732" cy="0"/>
             </a:xfrm>
             <a:custGeom>
@@ -2488,7 +2488,7 @@
           </p:nvSpPr>
           <p:spPr>
             <a:xfrm>
-              <a:off x="1459435" y="1453696"/>
+              <a:off x="1459435" y="1453666"/>
               <a:ext cx="2796732" cy="0"/>
             </a:xfrm>
             <a:custGeom>
@@ -2531,7 +2531,7 @@
           </p:nvSpPr>
           <p:spPr>
             <a:xfrm>
-              <a:off x="1459435" y="3042591"/>
+              <a:off x="1459435" y="3042600"/>
               <a:ext cx="2796732" cy="0"/>
             </a:xfrm>
             <a:custGeom>
@@ -2574,7 +2574,7 @@
           </p:nvSpPr>
           <p:spPr>
             <a:xfrm>
-              <a:off x="1459435" y="2588621"/>
+              <a:off x="1459435" y="2588619"/>
               <a:ext cx="2796732" cy="0"/>
             </a:xfrm>
             <a:custGeom>
@@ -2617,7 +2617,7 @@
           </p:nvSpPr>
           <p:spPr>
             <a:xfrm>
-              <a:off x="1459435" y="2134651"/>
+              <a:off x="1459435" y="2134638"/>
               <a:ext cx="2796732" cy="0"/>
             </a:xfrm>
             <a:custGeom>
@@ -2660,7 +2660,7 @@
           </p:nvSpPr>
           <p:spPr>
             <a:xfrm>
-              <a:off x="1459435" y="1680681"/>
+              <a:off x="1459435" y="1680657"/>
               <a:ext cx="2796732" cy="0"/>
             </a:xfrm>
             <a:custGeom>
@@ -2832,7 +2832,7 @@
           </p:nvSpPr>
           <p:spPr>
             <a:xfrm>
-              <a:off x="3127715" y="2907127"/>
+              <a:off x="2664067" y="2907125"/>
               <a:ext cx="63202" cy="63202"/>
             </a:xfrm>
             <a:custGeom>
@@ -2875,7 +2875,7 @@
           </p:nvSpPr>
           <p:spPr>
             <a:xfrm>
-              <a:off x="1984729" y="2419741"/>
+              <a:off x="1966123" y="2419735"/>
               <a:ext cx="63202" cy="63202"/>
             </a:xfrm>
             <a:custGeom>
@@ -2918,7 +2918,7 @@
           </p:nvSpPr>
           <p:spPr>
             <a:xfrm>
-              <a:off x="2287140" y="2585745"/>
+              <a:off x="2296445" y="2585740"/>
               <a:ext cx="63202" cy="63202"/>
             </a:xfrm>
             <a:custGeom>
@@ -2961,7 +2961,7 @@
           </p:nvSpPr>
           <p:spPr>
             <a:xfrm>
-              <a:off x="2825230" y="2899687"/>
+              <a:off x="3075780" y="2899694"/>
               <a:ext cx="63202" cy="63202"/>
             </a:xfrm>
             <a:custGeom>
@@ -3004,7 +3004,7 @@
           </p:nvSpPr>
           <p:spPr>
             <a:xfrm>
-              <a:off x="1691753" y="2784217"/>
+              <a:off x="1938675" y="2784247"/>
               <a:ext cx="63202" cy="63202"/>
             </a:xfrm>
             <a:custGeom>
@@ -3047,7 +3047,7 @@
           </p:nvSpPr>
           <p:spPr>
             <a:xfrm>
-              <a:off x="1710745" y="2808329"/>
+              <a:off x="1658268" y="2808328"/>
               <a:ext cx="63202" cy="63202"/>
             </a:xfrm>
             <a:custGeom>
@@ -3090,7 +3090,7 @@
           </p:nvSpPr>
           <p:spPr>
             <a:xfrm>
-              <a:off x="1991636" y="2359953"/>
+              <a:off x="2040073" y="2359939"/>
               <a:ext cx="63202" cy="63202"/>
             </a:xfrm>
             <a:custGeom>
@@ -3133,7 +3133,7 @@
           </p:nvSpPr>
           <p:spPr>
             <a:xfrm>
-              <a:off x="1841651" y="2513676"/>
+              <a:off x="1908976" y="2513671"/>
               <a:ext cx="63202" cy="63202"/>
             </a:xfrm>
             <a:custGeom>
@@ -3176,7 +3176,7 @@
           </p:nvSpPr>
           <p:spPr>
             <a:xfrm>
-              <a:off x="1613306" y="2680970"/>
+              <a:off x="1658354" y="2680969"/>
               <a:ext cx="63202" cy="63202"/>
             </a:xfrm>
             <a:custGeom>
@@ -3219,7 +3219,7 @@
           </p:nvSpPr>
           <p:spPr>
             <a:xfrm>
-              <a:off x="2290785" y="2485533"/>
+              <a:off x="2043157" y="2485510"/>
               <a:ext cx="63202" cy="63202"/>
             </a:xfrm>
             <a:custGeom>
@@ -3262,7 +3262,7 @@
           </p:nvSpPr>
           <p:spPr>
             <a:xfrm>
-              <a:off x="2233824" y="2799410"/>
+              <a:off x="1865298" y="2799401"/>
               <a:ext cx="63202" cy="63202"/>
             </a:xfrm>
             <a:custGeom>
@@ -3305,7 +3305,7 @@
           </p:nvSpPr>
           <p:spPr>
             <a:xfrm>
-              <a:off x="3153781" y="2935498"/>
+              <a:off x="2636808" y="2935501"/>
               <a:ext cx="63202" cy="63202"/>
             </a:xfrm>
             <a:custGeom>
@@ -3348,7 +3348,7 @@
           </p:nvSpPr>
           <p:spPr>
             <a:xfrm>
-              <a:off x="1724368" y="2513340"/>
+              <a:off x="2121561" y="2513329"/>
               <a:ext cx="63202" cy="63202"/>
             </a:xfrm>
             <a:custGeom>
@@ -3391,7 +3391,7 @@
           </p:nvSpPr>
           <p:spPr>
             <a:xfrm>
-              <a:off x="2299192" y="2807765"/>
+              <a:off x="1722062" y="2807754"/>
               <a:ext cx="63202" cy="63202"/>
             </a:xfrm>
             <a:custGeom>
@@ -3434,7 +3434,7 @@
           </p:nvSpPr>
           <p:spPr>
             <a:xfrm>
-              <a:off x="1762200" y="2701785"/>
+              <a:off x="2167106" y="2701787"/>
               <a:ext cx="63202" cy="63202"/>
             </a:xfrm>
             <a:custGeom>
@@ -3477,7 +3477,7 @@
           </p:nvSpPr>
           <p:spPr>
             <a:xfrm>
-              <a:off x="1906077" y="2680971"/>
+              <a:off x="1832665" y="2680967"/>
               <a:ext cx="63202" cy="63202"/>
             </a:xfrm>
             <a:custGeom>
@@ -3520,7 +3520,7 @@
           </p:nvSpPr>
           <p:spPr>
             <a:xfrm>
-              <a:off x="1887237" y="2808758"/>
+              <a:off x="1795527" y="2808764"/>
               <a:ext cx="63202" cy="63202"/>
             </a:xfrm>
             <a:custGeom>
@@ -3563,7 +3563,7 @@
           </p:nvSpPr>
           <p:spPr>
             <a:xfrm>
-              <a:off x="2924420" y="2929506"/>
+              <a:off x="2848935" y="2929511"/>
               <a:ext cx="63202" cy="63202"/>
             </a:xfrm>
             <a:custGeom>
@@ -3606,7 +3606,7 @@
           </p:nvSpPr>
           <p:spPr>
             <a:xfrm>
-              <a:off x="1794490" y="2859534"/>
+              <a:off x="1822905" y="2859553"/>
               <a:ext cx="63202" cy="63202"/>
             </a:xfrm>
             <a:custGeom>
@@ -3649,7 +3649,7 @@
           </p:nvSpPr>
           <p:spPr>
             <a:xfrm>
-              <a:off x="2127953" y="2485511"/>
+              <a:off x="1742139" y="2485533"/>
               <a:ext cx="63202" cy="63202"/>
             </a:xfrm>
             <a:custGeom>
@@ -3692,7 +3692,7 @@
           </p:nvSpPr>
           <p:spPr>
             <a:xfrm>
-              <a:off x="1758168" y="2666803"/>
+              <a:off x="2234450" y="2666804"/>
               <a:ext cx="63202" cy="63202"/>
             </a:xfrm>
             <a:custGeom>
@@ -3735,7 +3735,7 @@
           </p:nvSpPr>
           <p:spPr>
             <a:xfrm>
-              <a:off x="1883409" y="2809654"/>
+              <a:off x="2193292" y="2809662"/>
               <a:ext cx="63202" cy="63202"/>
             </a:xfrm>
             <a:custGeom>
@@ -3778,7 +3778,7 @@
           </p:nvSpPr>
           <p:spPr>
             <a:xfrm>
-              <a:off x="2141384" y="2514241"/>
+              <a:off x="1654213" y="2514246"/>
               <a:ext cx="63202" cy="63202"/>
             </a:xfrm>
             <a:custGeom>
@@ -3821,7 +3821,7 @@
           </p:nvSpPr>
           <p:spPr>
             <a:xfrm>
-              <a:off x="2183074" y="2821428"/>
+              <a:off x="1631357" y="2821427"/>
               <a:ext cx="63202" cy="63202"/>
             </a:xfrm>
             <a:custGeom>
@@ -3864,7 +3864,7 @@
           </p:nvSpPr>
           <p:spPr>
             <a:xfrm>
-              <a:off x="1812613" y="2768743"/>
+              <a:off x="1608042" y="2768768"/>
               <a:ext cx="63202" cy="63202"/>
             </a:xfrm>
             <a:custGeom>
@@ -3907,7 +3907,7 @@
           </p:nvSpPr>
           <p:spPr>
             <a:xfrm>
-              <a:off x="1617778" y="2680719"/>
+              <a:off x="1992643" y="2680739"/>
               <a:ext cx="63202" cy="63202"/>
             </a:xfrm>
             <a:custGeom>
@@ -3950,7 +3950,7 @@
           </p:nvSpPr>
           <p:spPr>
             <a:xfrm>
-              <a:off x="1610968" y="2681364"/>
+              <a:off x="2046359" y="2681358"/>
               <a:ext cx="63202" cy="63202"/>
             </a:xfrm>
             <a:custGeom>
@@ -3993,7 +3993,7 @@
           </p:nvSpPr>
           <p:spPr>
             <a:xfrm>
-              <a:off x="2134972" y="2681185"/>
+              <a:off x="1948459" y="2681197"/>
               <a:ext cx="63202" cy="63202"/>
             </a:xfrm>
             <a:custGeom>
@@ -4036,7 +4036,7 @@
           </p:nvSpPr>
           <p:spPr>
             <a:xfrm>
-              <a:off x="1779536" y="2681505"/>
+              <a:off x="1767144" y="2681514"/>
               <a:ext cx="63202" cy="63202"/>
             </a:xfrm>
             <a:custGeom>
@@ -4079,7 +4079,7 @@
           </p:nvSpPr>
           <p:spPr>
             <a:xfrm>
-              <a:off x="2147173" y="2680290"/>
+              <a:off x="2246324" y="2680279"/>
               <a:ext cx="63202" cy="63202"/>
             </a:xfrm>
             <a:custGeom>
@@ -4122,7 +4122,7 @@
           </p:nvSpPr>
           <p:spPr>
             <a:xfrm>
-              <a:off x="1681205" y="2681223"/>
+              <a:off x="2249648" y="2681212"/>
               <a:ext cx="63202" cy="63202"/>
             </a:xfrm>
             <a:custGeom>
@@ -4165,7 +4165,7 @@
           </p:nvSpPr>
           <p:spPr>
             <a:xfrm>
-              <a:off x="2229022" y="2680271"/>
+              <a:off x="1974777" y="2680290"/>
               <a:ext cx="63202" cy="63202"/>
             </a:xfrm>
             <a:custGeom>
@@ -4208,7 +4208,7 @@
           </p:nvSpPr>
           <p:spPr>
             <a:xfrm>
-              <a:off x="2013323" y="2679686"/>
+              <a:off x="1950347" y="2679693"/>
               <a:ext cx="63202" cy="63202"/>
             </a:xfrm>
             <a:custGeom>
@@ -4251,7 +4251,7 @@
           </p:nvSpPr>
           <p:spPr>
             <a:xfrm>
-              <a:off x="1910892" y="2680972"/>
+              <a:off x="1965075" y="2680947"/>
               <a:ext cx="63202" cy="63202"/>
             </a:xfrm>
             <a:custGeom>
@@ -4294,7 +4294,7 @@
           </p:nvSpPr>
           <p:spPr>
             <a:xfrm>
-              <a:off x="1855668" y="2865355"/>
+              <a:off x="1875274" y="2865357"/>
               <a:ext cx="63202" cy="63202"/>
             </a:xfrm>
             <a:custGeom>
@@ -4337,7 +4337,7 @@
           </p:nvSpPr>
           <p:spPr>
             <a:xfrm>
-              <a:off x="2994235" y="2883273"/>
+              <a:off x="3150911" y="2883311"/>
               <a:ext cx="63202" cy="63202"/>
             </a:xfrm>
             <a:custGeom>
@@ -4380,7 +4380,7 @@
           </p:nvSpPr>
           <p:spPr>
             <a:xfrm>
-              <a:off x="2550007" y="2913211"/>
+              <a:off x="3072221" y="2913202"/>
               <a:ext cx="63202" cy="63202"/>
             </a:xfrm>
             <a:custGeom>
@@ -4423,7 +4423,7 @@
           </p:nvSpPr>
           <p:spPr>
             <a:xfrm>
-              <a:off x="3908632" y="2950421"/>
+              <a:off x="3871458" y="2950420"/>
               <a:ext cx="63202" cy="63202"/>
             </a:xfrm>
             <a:custGeom>
@@ -4466,7 +4466,7 @@
           </p:nvSpPr>
           <p:spPr>
             <a:xfrm>
-              <a:off x="2495562" y="2926838"/>
+              <a:off x="3103131" y="2926815"/>
               <a:ext cx="63202" cy="63202"/>
             </a:xfrm>
             <a:custGeom>
@@ -4509,7 +4509,7 @@
           </p:nvSpPr>
           <p:spPr>
             <a:xfrm>
-              <a:off x="2820763" y="2897087"/>
+              <a:off x="2608774" y="2897084"/>
               <a:ext cx="63202" cy="63202"/>
             </a:xfrm>
             <a:custGeom>
@@ -4552,7 +4552,7 @@
           </p:nvSpPr>
           <p:spPr>
             <a:xfrm>
-              <a:off x="3067445" y="2933168"/>
+              <a:off x="2840109" y="2933193"/>
               <a:ext cx="63202" cy="63202"/>
             </a:xfrm>
             <a:custGeom>
@@ -4595,7 +4595,7 @@
           </p:nvSpPr>
           <p:spPr>
             <a:xfrm>
-              <a:off x="2260096" y="2475226"/>
+              <a:off x="1761280" y="2475206"/>
               <a:ext cx="63202" cy="63202"/>
             </a:xfrm>
             <a:custGeom>
@@ -4638,7 +4638,7 @@
           </p:nvSpPr>
           <p:spPr>
             <a:xfrm>
-              <a:off x="2629223" y="2880002"/>
+              <a:off x="2477128" y="2880039"/>
               <a:ext cx="63202" cy="63202"/>
             </a:xfrm>
             <a:custGeom>
@@ -4681,7 +4681,7 @@
           </p:nvSpPr>
           <p:spPr>
             <a:xfrm>
-              <a:off x="2238234" y="2856490"/>
+              <a:off x="2134910" y="2856503"/>
               <a:ext cx="63202" cy="63202"/>
             </a:xfrm>
             <a:custGeom>
@@ -4724,7 +4724,7 @@
           </p:nvSpPr>
           <p:spPr>
             <a:xfrm>
-              <a:off x="1745517" y="2564391"/>
+              <a:off x="1808283" y="2564356"/>
               <a:ext cx="63202" cy="63202"/>
             </a:xfrm>
             <a:custGeom>
@@ -4767,7 +4767,7 @@
           </p:nvSpPr>
           <p:spPr>
             <a:xfrm>
-              <a:off x="2141497" y="2808802"/>
+              <a:off x="1658400" y="2808789"/>
               <a:ext cx="63202" cy="63202"/>
             </a:xfrm>
             <a:custGeom>
@@ -4810,7 +4810,7 @@
           </p:nvSpPr>
           <p:spPr>
             <a:xfrm>
-              <a:off x="2067989" y="2803654"/>
+              <a:off x="1844976" y="2803680"/>
               <a:ext cx="63202" cy="63202"/>
             </a:xfrm>
             <a:custGeom>
@@ -4853,7 +4853,7 @@
           </p:nvSpPr>
           <p:spPr>
             <a:xfrm>
-              <a:off x="2261744" y="2813245"/>
+              <a:off x="2119522" y="2813256"/>
               <a:ext cx="63202" cy="63202"/>
             </a:xfrm>
             <a:custGeom>
@@ -4896,7 +4896,7 @@
           </p:nvSpPr>
           <p:spPr>
             <a:xfrm>
-              <a:off x="2229381" y="2809526"/>
+              <a:off x="2268772" y="2809508"/>
               <a:ext cx="63202" cy="63202"/>
             </a:xfrm>
             <a:custGeom>
@@ -4939,7 +4939,7 @@
           </p:nvSpPr>
           <p:spPr>
             <a:xfrm>
-              <a:off x="2037667" y="2862622"/>
+              <a:off x="2221738" y="2862634"/>
               <a:ext cx="63202" cy="63202"/>
             </a:xfrm>
             <a:custGeom>
@@ -4982,7 +4982,7 @@
           </p:nvSpPr>
           <p:spPr>
             <a:xfrm>
-              <a:off x="2120353" y="2644801"/>
+              <a:off x="1730464" y="2644802"/>
               <a:ext cx="63202" cy="63202"/>
             </a:xfrm>
             <a:custGeom>
@@ -5025,7 +5025,7 @@
           </p:nvSpPr>
           <p:spPr>
             <a:xfrm>
-              <a:off x="1764656" y="2639413"/>
+              <a:off x="2244209" y="2639412"/>
               <a:ext cx="63202" cy="63202"/>
             </a:xfrm>
             <a:custGeom>
@@ -5068,7 +5068,7 @@
           </p:nvSpPr>
           <p:spPr>
             <a:xfrm>
-              <a:off x="2287819" y="2865112"/>
+              <a:off x="1898735" y="2865142"/>
               <a:ext cx="63202" cy="63202"/>
             </a:xfrm>
             <a:custGeom>
@@ -5111,7 +5111,7 @@
           </p:nvSpPr>
           <p:spPr>
             <a:xfrm>
-              <a:off x="3067140" y="2932757"/>
+              <a:off x="2762849" y="2932765"/>
               <a:ext cx="63202" cy="63202"/>
             </a:xfrm>
             <a:custGeom>
@@ -5154,7 +5154,7 @@
           </p:nvSpPr>
           <p:spPr>
             <a:xfrm>
-              <a:off x="2298785" y="2806061"/>
+              <a:off x="1940604" y="2806078"/>
               <a:ext cx="63202" cy="63202"/>
             </a:xfrm>
             <a:custGeom>
@@ -5197,7 +5197,7 @@
           </p:nvSpPr>
           <p:spPr>
             <a:xfrm>
-              <a:off x="2088097" y="2808880"/>
+              <a:off x="1749778" y="2808869"/>
               <a:ext cx="63202" cy="63202"/>
             </a:xfrm>
             <a:custGeom>
@@ -5240,7 +5240,7 @@
           </p:nvSpPr>
           <p:spPr>
             <a:xfrm>
-              <a:off x="2064546" y="2811114"/>
+              <a:off x="1889544" y="2811113"/>
               <a:ext cx="63202" cy="63202"/>
             </a:xfrm>
             <a:custGeom>
@@ -5283,7 +5283,7 @@
           </p:nvSpPr>
           <p:spPr>
             <a:xfrm>
-              <a:off x="2049641" y="2808944"/>
+              <a:off x="1867936" y="2808935"/>
               <a:ext cx="63202" cy="63202"/>
             </a:xfrm>
             <a:custGeom>
@@ -5326,7 +5326,7 @@
           </p:nvSpPr>
           <p:spPr>
             <a:xfrm>
-              <a:off x="1660927" y="2688728"/>
+              <a:off x="2242780" y="2688703"/>
               <a:ext cx="63202" cy="63202"/>
             </a:xfrm>
             <a:custGeom>
@@ -5369,7 +5369,7 @@
           </p:nvSpPr>
           <p:spPr>
             <a:xfrm>
-              <a:off x="1758047" y="2485457"/>
+              <a:off x="2135013" y="2485484"/>
               <a:ext cx="63202" cy="63202"/>
             </a:xfrm>
             <a:custGeom>
@@ -5412,7 +5412,7 @@
           </p:nvSpPr>
           <p:spPr>
             <a:xfrm>
-              <a:off x="2231274" y="2475673"/>
+              <a:off x="1885687" y="2475648"/>
               <a:ext cx="63202" cy="63202"/>
             </a:xfrm>
             <a:custGeom>
@@ -5455,7 +5455,7 @@
           </p:nvSpPr>
           <p:spPr>
             <a:xfrm>
-              <a:off x="2046822" y="2796133"/>
+              <a:off x="2085700" y="2796140"/>
               <a:ext cx="63202" cy="63202"/>
             </a:xfrm>
             <a:custGeom>
@@ -5498,7 +5498,7 @@
           </p:nvSpPr>
           <p:spPr>
             <a:xfrm>
-              <a:off x="2877322" y="2875805"/>
+              <a:off x="2814327" y="2875790"/>
               <a:ext cx="63202" cy="63202"/>
             </a:xfrm>
             <a:custGeom>
@@ -5541,7 +5541,7 @@
           </p:nvSpPr>
           <p:spPr>
             <a:xfrm>
-              <a:off x="3067016" y="2897352"/>
+              <a:off x="2611733" y="2897365"/>
               <a:ext cx="63202" cy="63202"/>
             </a:xfrm>
             <a:custGeom>
@@ -5584,7 +5584,7 @@
           </p:nvSpPr>
           <p:spPr>
             <a:xfrm>
-              <a:off x="1818773" y="2858711"/>
+              <a:off x="1899643" y="2858746"/>
               <a:ext cx="63202" cy="63202"/>
             </a:xfrm>
             <a:custGeom>
@@ -5627,7 +5627,7 @@
           </p:nvSpPr>
           <p:spPr>
             <a:xfrm>
-              <a:off x="1861180" y="2793585"/>
+              <a:off x="1918813" y="2793603"/>
               <a:ext cx="63202" cy="63202"/>
             </a:xfrm>
             <a:custGeom>
@@ -5670,7 +5670,7 @@
           </p:nvSpPr>
           <p:spPr>
             <a:xfrm>
-              <a:off x="1755679" y="2851862"/>
+              <a:off x="2059559" y="2851879"/>
               <a:ext cx="63202" cy="63202"/>
             </a:xfrm>
             <a:custGeom>
@@ -5713,7 +5713,7 @@
           </p:nvSpPr>
           <p:spPr>
             <a:xfrm>
-              <a:off x="1982994" y="2858609"/>
+              <a:off x="1981878" y="2858597"/>
               <a:ext cx="63202" cy="63202"/>
             </a:xfrm>
             <a:custGeom>
@@ -5756,7 +5756,7 @@
           </p:nvSpPr>
           <p:spPr>
             <a:xfrm>
-              <a:off x="1834064" y="2809652"/>
+              <a:off x="1812874" y="2809646"/>
               <a:ext cx="63202" cy="63202"/>
             </a:xfrm>
             <a:custGeom>
@@ -5799,7 +5799,7 @@
           </p:nvSpPr>
           <p:spPr>
             <a:xfrm>
-              <a:off x="1650061" y="2812434"/>
+              <a:off x="2238252" y="2812437"/>
               <a:ext cx="63202" cy="63202"/>
             </a:xfrm>
             <a:custGeom>
@@ -5842,7 +5842,7 @@
           </p:nvSpPr>
           <p:spPr>
             <a:xfrm>
-              <a:off x="3031225" y="2876076"/>
+              <a:off x="3155129" y="2876078"/>
               <a:ext cx="63202" cy="63202"/>
             </a:xfrm>
             <a:custGeom>
@@ -5885,7 +5885,7 @@
           </p:nvSpPr>
           <p:spPr>
             <a:xfrm>
-              <a:off x="2284113" y="2472028"/>
+              <a:off x="1914893" y="2472043"/>
               <a:ext cx="63202" cy="63202"/>
             </a:xfrm>
             <a:custGeom>
@@ -5928,7 +5928,7 @@
           </p:nvSpPr>
           <p:spPr>
             <a:xfrm>
-              <a:off x="1771039" y="2473547"/>
+              <a:off x="1909751" y="2473518"/>
               <a:ext cx="63202" cy="63202"/>
             </a:xfrm>
             <a:custGeom>
@@ -5971,7 +5971,7 @@
           </p:nvSpPr>
           <p:spPr>
             <a:xfrm>
-              <a:off x="2162382" y="2476299"/>
+              <a:off x="1956607" y="2476287"/>
               <a:ext cx="63202" cy="63202"/>
             </a:xfrm>
             <a:custGeom>
@@ -6014,7 +6014,7 @@
           </p:nvSpPr>
           <p:spPr>
             <a:xfrm>
-              <a:off x="1626535" y="2817646"/>
+              <a:off x="1995048" y="2817635"/>
               <a:ext cx="63202" cy="63202"/>
             </a:xfrm>
             <a:custGeom>
@@ -6057,7 +6057,7 @@
           </p:nvSpPr>
           <p:spPr>
             <a:xfrm>
-              <a:off x="1984639" y="2817823"/>
+              <a:off x="2200811" y="2817819"/>
               <a:ext cx="63202" cy="63202"/>
             </a:xfrm>
             <a:custGeom>
@@ -6100,7 +6100,7 @@
           </p:nvSpPr>
           <p:spPr>
             <a:xfrm>
-              <a:off x="1714946" y="2658166"/>
+              <a:off x="1620650" y="2658159"/>
               <a:ext cx="63202" cy="63202"/>
             </a:xfrm>
             <a:custGeom>
@@ -6143,7 +6143,7 @@
           </p:nvSpPr>
           <p:spPr>
             <a:xfrm>
-              <a:off x="1699749" y="2843472"/>
+              <a:off x="2013840" y="2843487"/>
               <a:ext cx="63202" cy="63202"/>
             </a:xfrm>
             <a:custGeom>
@@ -6186,7 +6186,7 @@
           </p:nvSpPr>
           <p:spPr>
             <a:xfrm>
-              <a:off x="2259186" y="2498670"/>
+              <a:off x="2285908" y="2498683"/>
               <a:ext cx="63202" cy="63202"/>
             </a:xfrm>
             <a:custGeom>
@@ -6229,7 +6229,7 @@
           </p:nvSpPr>
           <p:spPr>
             <a:xfrm>
-              <a:off x="2279105" y="2828327"/>
+              <a:off x="2170617" y="2828322"/>
               <a:ext cx="63202" cy="63202"/>
             </a:xfrm>
             <a:custGeom>
@@ -6272,7 +6272,7 @@
           </p:nvSpPr>
           <p:spPr>
             <a:xfrm>
-              <a:off x="1978567" y="2746972"/>
+              <a:off x="2268591" y="2746974"/>
               <a:ext cx="63202" cy="63202"/>
             </a:xfrm>
             <a:custGeom>
@@ -6315,7 +6315,7 @@
           </p:nvSpPr>
           <p:spPr>
             <a:xfrm>
-              <a:off x="1997707" y="2805241"/>
+              <a:off x="2007916" y="2805240"/>
               <a:ext cx="63202" cy="63202"/>
             </a:xfrm>
             <a:custGeom>
@@ -6358,7 +6358,7 @@
           </p:nvSpPr>
           <p:spPr>
             <a:xfrm>
-              <a:off x="2240526" y="2476075"/>
+              <a:off x="2060914" y="2476084"/>
               <a:ext cx="63202" cy="63202"/>
             </a:xfrm>
             <a:custGeom>
@@ -6457,7 +6457,7 @@
           </p:nvSpPr>
           <p:spPr>
             <a:xfrm>
-              <a:off x="1459435" y="4740939"/>
+              <a:off x="1459435" y="4740942"/>
               <a:ext cx="2796732" cy="0"/>
             </a:xfrm>
             <a:custGeom>
@@ -6500,7 +6500,7 @@
           </p:nvSpPr>
           <p:spPr>
             <a:xfrm>
-              <a:off x="1459435" y="4286969"/>
+              <a:off x="1459435" y="4286961"/>
               <a:ext cx="2796732" cy="0"/>
             </a:xfrm>
             <a:custGeom>
@@ -6543,7 +6543,7 @@
           </p:nvSpPr>
           <p:spPr>
             <a:xfrm>
-              <a:off x="1459435" y="3832999"/>
+              <a:off x="1459435" y="3832980"/>
               <a:ext cx="2796732" cy="0"/>
             </a:xfrm>
             <a:custGeom>
@@ -6586,7 +6586,7 @@
           </p:nvSpPr>
           <p:spPr>
             <a:xfrm>
-              <a:off x="1459435" y="3379029"/>
+              <a:off x="1459435" y="3378999"/>
               <a:ext cx="2796732" cy="0"/>
             </a:xfrm>
             <a:custGeom>
@@ -6629,7 +6629,7 @@
           </p:nvSpPr>
           <p:spPr>
             <a:xfrm>
-              <a:off x="1459435" y="4967924"/>
+              <a:off x="1459435" y="4967933"/>
               <a:ext cx="2796732" cy="0"/>
             </a:xfrm>
             <a:custGeom>
@@ -6672,7 +6672,7 @@
           </p:nvSpPr>
           <p:spPr>
             <a:xfrm>
-              <a:off x="1459435" y="4513954"/>
+              <a:off x="1459435" y="4513952"/>
               <a:ext cx="2796732" cy="0"/>
             </a:xfrm>
             <a:custGeom>
@@ -6715,7 +6715,7 @@
           </p:nvSpPr>
           <p:spPr>
             <a:xfrm>
-              <a:off x="1459435" y="4059984"/>
+              <a:off x="1459435" y="4059971"/>
               <a:ext cx="2796732" cy="0"/>
             </a:xfrm>
             <a:custGeom>
@@ -6758,7 +6758,7 @@
           </p:nvSpPr>
           <p:spPr>
             <a:xfrm>
-              <a:off x="1459435" y="3606014"/>
+              <a:off x="1459435" y="3605989"/>
               <a:ext cx="2796732" cy="0"/>
             </a:xfrm>
             <a:custGeom>
@@ -6930,7 +6930,7 @@
           </p:nvSpPr>
           <p:spPr>
             <a:xfrm>
-              <a:off x="2231228" y="4513624"/>
+              <a:off x="2255816" y="4513620"/>
               <a:ext cx="63202" cy="63202"/>
             </a:xfrm>
             <a:custGeom>
@@ -6973,7 +6973,7 @@
           </p:nvSpPr>
           <p:spPr>
             <a:xfrm>
-              <a:off x="1969474" y="4611468"/>
+              <a:off x="2056530" y="4611479"/>
               <a:ext cx="63202" cy="63202"/>
             </a:xfrm>
             <a:custGeom>
@@ -7016,7 +7016,7 @@
           </p:nvSpPr>
           <p:spPr>
             <a:xfrm>
-              <a:off x="1917953" y="4512441"/>
+              <a:off x="1932915" y="4512433"/>
               <a:ext cx="63202" cy="63202"/>
             </a:xfrm>
             <a:custGeom>
@@ -7059,7 +7059,7 @@
           </p:nvSpPr>
           <p:spPr>
             <a:xfrm>
-              <a:off x="1971778" y="4519819"/>
+              <a:off x="1931954" y="4519791"/>
               <a:ext cx="63202" cy="63202"/>
             </a:xfrm>
             <a:custGeom>
@@ -7102,7 +7102,7 @@
           </p:nvSpPr>
           <p:spPr>
             <a:xfrm>
-              <a:off x="1892046" y="4515203"/>
+              <a:off x="1939115" y="4515223"/>
               <a:ext cx="63202" cy="63202"/>
             </a:xfrm>
             <a:custGeom>
@@ -7145,7 +7145,7 @@
           </p:nvSpPr>
           <p:spPr>
             <a:xfrm>
-              <a:off x="2202056" y="4655015"/>
+              <a:off x="2129840" y="4654984"/>
               <a:ext cx="63202" cy="63202"/>
             </a:xfrm>
             <a:custGeom>
@@ -7188,7 +7188,7 @@
           </p:nvSpPr>
           <p:spPr>
             <a:xfrm>
-              <a:off x="1968341" y="4527074"/>
+              <a:off x="1980277" y="4527077"/>
               <a:ext cx="63202" cy="63202"/>
             </a:xfrm>
             <a:custGeom>
@@ -7231,7 +7231,7 @@
           </p:nvSpPr>
           <p:spPr>
             <a:xfrm>
-              <a:off x="2060553" y="4577605"/>
+              <a:off x="1973868" y="4577582"/>
               <a:ext cx="63202" cy="63202"/>
             </a:xfrm>
             <a:custGeom>
@@ -7274,7 +7274,7 @@
           </p:nvSpPr>
           <p:spPr>
             <a:xfrm>
-              <a:off x="1808061" y="4622234"/>
+              <a:off x="1875217" y="4622220"/>
               <a:ext cx="63202" cy="63202"/>
             </a:xfrm>
             <a:custGeom>
@@ -7317,7 +7317,7 @@
           </p:nvSpPr>
           <p:spPr>
             <a:xfrm>
-              <a:off x="1945506" y="4576177"/>
+              <a:off x="1807127" y="4576171"/>
               <a:ext cx="63202" cy="63202"/>
             </a:xfrm>
             <a:custGeom>
@@ -7360,7 +7360,7 @@
           </p:nvSpPr>
           <p:spPr>
             <a:xfrm>
-              <a:off x="1922325" y="4569204"/>
+              <a:off x="1742924" y="4569185"/>
               <a:ext cx="63202" cy="63202"/>
             </a:xfrm>
             <a:custGeom>
@@ -7403,7 +7403,7 @@
           </p:nvSpPr>
           <p:spPr>
             <a:xfrm>
-              <a:off x="1988420" y="4697404"/>
+              <a:off x="1928754" y="4697408"/>
               <a:ext cx="63202" cy="63202"/>
             </a:xfrm>
             <a:custGeom>
@@ -7446,7 +7446,7 @@
           </p:nvSpPr>
           <p:spPr>
             <a:xfrm>
-              <a:off x="1728628" y="4419512"/>
+              <a:off x="1771835" y="4419519"/>
               <a:ext cx="63202" cy="63202"/>
             </a:xfrm>
             <a:custGeom>
@@ -7489,7 +7489,7 @@
           </p:nvSpPr>
           <p:spPr>
             <a:xfrm>
-              <a:off x="2060561" y="4632327"/>
+              <a:off x="2012261" y="4632330"/>
               <a:ext cx="63202" cy="63202"/>
             </a:xfrm>
             <a:custGeom>
@@ -7532,7 +7532,7 @@
           </p:nvSpPr>
           <p:spPr>
             <a:xfrm>
-              <a:off x="1696046" y="4679473"/>
+              <a:off x="1976872" y="4679471"/>
               <a:ext cx="63202" cy="63202"/>
             </a:xfrm>
             <a:custGeom>
@@ -7575,7 +7575,7 @@
           </p:nvSpPr>
           <p:spPr>
             <a:xfrm>
-              <a:off x="2070234" y="4351070"/>
+              <a:off x="2249401" y="4351055"/>
               <a:ext cx="63202" cy="63202"/>
             </a:xfrm>
             <a:custGeom>
@@ -7618,7 +7618,7 @@
           </p:nvSpPr>
           <p:spPr>
             <a:xfrm>
-              <a:off x="2171274" y="4615226"/>
+              <a:off x="1625296" y="4615239"/>
               <a:ext cx="63202" cy="63202"/>
             </a:xfrm>
             <a:custGeom>
@@ -7661,7 +7661,7 @@
           </p:nvSpPr>
           <p:spPr>
             <a:xfrm>
-              <a:off x="1668306" y="4391881"/>
+              <a:off x="2029547" y="4391855"/>
               <a:ext cx="63202" cy="63202"/>
             </a:xfrm>
             <a:custGeom>
@@ -7704,7 +7704,7 @@
           </p:nvSpPr>
           <p:spPr>
             <a:xfrm>
-              <a:off x="1757954" y="4621795"/>
+              <a:off x="2295182" y="4621816"/>
               <a:ext cx="63202" cy="63202"/>
             </a:xfrm>
             <a:custGeom>
@@ -7747,7 +7747,7 @@
           </p:nvSpPr>
           <p:spPr>
             <a:xfrm>
-              <a:off x="1831390" y="4622222"/>
+              <a:off x="1672385" y="4622206"/>
               <a:ext cx="63202" cy="63202"/>
             </a:xfrm>
             <a:custGeom>
@@ -7790,7 +7790,7 @@
           </p:nvSpPr>
           <p:spPr>
             <a:xfrm>
-              <a:off x="1927206" y="4538842"/>
+              <a:off x="1770987" y="4538821"/>
               <a:ext cx="63202" cy="63202"/>
             </a:xfrm>
             <a:custGeom>
@@ -7833,7 +7833,7 @@
           </p:nvSpPr>
           <p:spPr>
             <a:xfrm>
-              <a:off x="2272679" y="4572499"/>
+              <a:off x="1603542" y="4572499"/>
               <a:ext cx="63202" cy="63202"/>
             </a:xfrm>
             <a:custGeom>
@@ -7932,7 +7932,7 @@
           </p:nvSpPr>
           <p:spPr>
             <a:xfrm>
-              <a:off x="1459435" y="6666272"/>
+              <a:off x="1459435" y="6666275"/>
               <a:ext cx="2796732" cy="0"/>
             </a:xfrm>
             <a:custGeom>
@@ -7975,7 +7975,7 @@
           </p:nvSpPr>
           <p:spPr>
             <a:xfrm>
-              <a:off x="1459435" y="6212302"/>
+              <a:off x="1459435" y="6212294"/>
               <a:ext cx="2796732" cy="0"/>
             </a:xfrm>
             <a:custGeom>
@@ -8018,7 +8018,7 @@
           </p:nvSpPr>
           <p:spPr>
             <a:xfrm>
-              <a:off x="1459435" y="5758332"/>
+              <a:off x="1459435" y="5758313"/>
               <a:ext cx="2796732" cy="0"/>
             </a:xfrm>
             <a:custGeom>
@@ -8061,7 +8061,7 @@
           </p:nvSpPr>
           <p:spPr>
             <a:xfrm>
-              <a:off x="1459435" y="5304362"/>
+              <a:off x="1459435" y="5304331"/>
               <a:ext cx="2796732" cy="0"/>
             </a:xfrm>
             <a:custGeom>
@@ -8104,7 +8104,7 @@
           </p:nvSpPr>
           <p:spPr>
             <a:xfrm>
-              <a:off x="1459435" y="6893257"/>
+              <a:off x="1459435" y="6893265"/>
               <a:ext cx="2796732" cy="0"/>
             </a:xfrm>
             <a:custGeom>
@@ -8147,7 +8147,7 @@
           </p:nvSpPr>
           <p:spPr>
             <a:xfrm>
-              <a:off x="1459435" y="6439287"/>
+              <a:off x="1459435" y="6439284"/>
               <a:ext cx="2796732" cy="0"/>
             </a:xfrm>
             <a:custGeom>
@@ -8190,7 +8190,7 @@
           </p:nvSpPr>
           <p:spPr>
             <a:xfrm>
-              <a:off x="1459435" y="5985317"/>
+              <a:off x="1459435" y="5985303"/>
               <a:ext cx="2796732" cy="0"/>
             </a:xfrm>
             <a:custGeom>
@@ -8233,7 +8233,7 @@
           </p:nvSpPr>
           <p:spPr>
             <a:xfrm>
-              <a:off x="1459435" y="5531347"/>
+              <a:off x="1459435" y="5531322"/>
               <a:ext cx="2796732" cy="0"/>
             </a:xfrm>
             <a:custGeom>
@@ -8405,7 +8405,7 @@
           </p:nvSpPr>
           <p:spPr>
             <a:xfrm>
-              <a:off x="1652101" y="5955426"/>
+              <a:off x="1699643" y="5955413"/>
               <a:ext cx="63202" cy="63202"/>
             </a:xfrm>
             <a:custGeom>
@@ -8448,7 +8448,7 @@
           </p:nvSpPr>
           <p:spPr>
             <a:xfrm>
-              <a:off x="2053387" y="5973360"/>
+              <a:off x="1928235" y="5973376"/>
               <a:ext cx="63202" cy="63202"/>
             </a:xfrm>
             <a:custGeom>
@@ -8491,7 +8491,7 @@
           </p:nvSpPr>
           <p:spPr>
             <a:xfrm>
-              <a:off x="2160302" y="5924931"/>
+              <a:off x="2010399" y="5924906"/>
               <a:ext cx="63202" cy="63202"/>
             </a:xfrm>
             <a:custGeom>
@@ -8534,7 +8534,7 @@
           </p:nvSpPr>
           <p:spPr>
             <a:xfrm>
-              <a:off x="2206647" y="6337237"/>
+              <a:off x="2152805" y="6337241"/>
               <a:ext cx="63202" cy="63202"/>
             </a:xfrm>
             <a:custGeom>
@@ -8577,7 +8577,7 @@
           </p:nvSpPr>
           <p:spPr>
             <a:xfrm>
-              <a:off x="1796910" y="6262632"/>
+              <a:off x="2179750" y="6262618"/>
               <a:ext cx="63202" cy="63202"/>
             </a:xfrm>
             <a:custGeom>
@@ -8620,7 +8620,7 @@
           </p:nvSpPr>
           <p:spPr>
             <a:xfrm>
-              <a:off x="1923762" y="6282924"/>
+              <a:off x="1618328" y="6282922"/>
               <a:ext cx="63202" cy="63202"/>
             </a:xfrm>
             <a:custGeom>
@@ -8663,7 +8663,7 @@
           </p:nvSpPr>
           <p:spPr>
             <a:xfrm>
-              <a:off x="1847242" y="6194409"/>
+              <a:off x="1959773" y="6194407"/>
               <a:ext cx="63202" cy="63202"/>
             </a:xfrm>
             <a:custGeom>
@@ -8706,7 +8706,7 @@
           </p:nvSpPr>
           <p:spPr>
             <a:xfrm>
-              <a:off x="1735663" y="6178201"/>
+              <a:off x="2127922" y="6178204"/>
               <a:ext cx="63202" cy="63202"/>
             </a:xfrm>
             <a:custGeom>
@@ -8749,7 +8749,7 @@
           </p:nvSpPr>
           <p:spPr>
             <a:xfrm>
-              <a:off x="1687175" y="6518717"/>
+              <a:off x="1910307" y="6518745"/>
               <a:ext cx="63202" cy="63202"/>
             </a:xfrm>
             <a:custGeom>
@@ -8792,7 +8792,7 @@
           </p:nvSpPr>
           <p:spPr>
             <a:xfrm>
-              <a:off x="1764009" y="6514723"/>
+              <a:off x="1778480" y="6514719"/>
               <a:ext cx="63202" cy="63202"/>
             </a:xfrm>
             <a:custGeom>
@@ -8835,7 +8835,7 @@
           </p:nvSpPr>
           <p:spPr>
             <a:xfrm>
-              <a:off x="2257975" y="6288234"/>
+              <a:off x="2142498" y="6288228"/>
               <a:ext cx="63202" cy="63202"/>
             </a:xfrm>
             <a:custGeom>
@@ -8878,7 +8878,7 @@
           </p:nvSpPr>
           <p:spPr>
             <a:xfrm>
-              <a:off x="1675266" y="6379032"/>
+              <a:off x="2268243" y="6379027"/>
               <a:ext cx="63202" cy="63202"/>
             </a:xfrm>
             <a:custGeom>
@@ -8921,7 +8921,7 @@
           </p:nvSpPr>
           <p:spPr>
             <a:xfrm>
-              <a:off x="1801030" y="6231011"/>
+              <a:off x="2133395" y="6230989"/>
               <a:ext cx="63202" cy="63202"/>
             </a:xfrm>
             <a:custGeom>
@@ -8964,7 +8964,7 @@
           </p:nvSpPr>
           <p:spPr>
             <a:xfrm>
-              <a:off x="2242607" y="6304371"/>
+              <a:off x="1687842" y="6304370"/>
               <a:ext cx="63202" cy="63202"/>
             </a:xfrm>
             <a:custGeom>
@@ -9007,7 +9007,7 @@
           </p:nvSpPr>
           <p:spPr>
             <a:xfrm>
-              <a:off x="1778036" y="6425746"/>
+              <a:off x="1661799" y="6425746"/>
               <a:ext cx="63202" cy="63202"/>
             </a:xfrm>
             <a:custGeom>
@@ -9050,7 +9050,7 @@
           </p:nvSpPr>
           <p:spPr>
             <a:xfrm>
-              <a:off x="2120695" y="6300555"/>
+              <a:off x="1924084" y="6300528"/>
               <a:ext cx="63202" cy="63202"/>
             </a:xfrm>
             <a:custGeom>
@@ -9093,7 +9093,7 @@
           </p:nvSpPr>
           <p:spPr>
             <a:xfrm>
-              <a:off x="1887145" y="6335898"/>
+              <a:off x="2096494" y="6335911"/>
               <a:ext cx="63202" cy="63202"/>
             </a:xfrm>
             <a:custGeom>
@@ -9136,7 +9136,7 @@
           </p:nvSpPr>
           <p:spPr>
             <a:xfrm>
-              <a:off x="2160576" y="6305863"/>
+              <a:off x="2212634" y="6305851"/>
               <a:ext cx="63202" cy="63202"/>
             </a:xfrm>
             <a:custGeom>
@@ -9179,7 +9179,7 @@
           </p:nvSpPr>
           <p:spPr>
             <a:xfrm>
-              <a:off x="2215146" y="6287283"/>
+              <a:off x="2155782" y="6287291"/>
               <a:ext cx="63202" cy="63202"/>
             </a:xfrm>
             <a:custGeom>
@@ -9222,7 +9222,7 @@
           </p:nvSpPr>
           <p:spPr>
             <a:xfrm>
-              <a:off x="1892353" y="6314040"/>
+              <a:off x="1957396" y="6314009"/>
               <a:ext cx="63202" cy="63202"/>
             </a:xfrm>
             <a:custGeom>
@@ -9265,7 +9265,7 @@
           </p:nvSpPr>
           <p:spPr>
             <a:xfrm>
-              <a:off x="2281615" y="6299352"/>
+              <a:off x="1825673" y="6299362"/>
               <a:ext cx="63202" cy="63202"/>
             </a:xfrm>
             <a:custGeom>
@@ -9308,7 +9308,7 @@
           </p:nvSpPr>
           <p:spPr>
             <a:xfrm>
-              <a:off x="2013418" y="6274682"/>
+              <a:off x="2094699" y="6274676"/>
               <a:ext cx="63202" cy="63202"/>
             </a:xfrm>
             <a:custGeom>
@@ -9351,7 +9351,7 @@
           </p:nvSpPr>
           <p:spPr>
             <a:xfrm>
-              <a:off x="2120231" y="6157356"/>
+              <a:off x="1609930" y="6157374"/>
               <a:ext cx="63202" cy="63202"/>
             </a:xfrm>
             <a:custGeom>
@@ -9394,7 +9394,7 @@
           </p:nvSpPr>
           <p:spPr>
             <a:xfrm>
-              <a:off x="1940820" y="6189136"/>
+              <a:off x="1627719" y="6189130"/>
               <a:ext cx="63202" cy="63202"/>
             </a:xfrm>
             <a:custGeom>
@@ -9437,7 +9437,7 @@
           </p:nvSpPr>
           <p:spPr>
             <a:xfrm>
-              <a:off x="1722544" y="6393231"/>
+              <a:off x="2075668" y="6393256"/>
               <a:ext cx="63202" cy="63202"/>
             </a:xfrm>
             <a:custGeom>
@@ -9480,7 +9480,7 @@
           </p:nvSpPr>
           <p:spPr>
             <a:xfrm>
-              <a:off x="1860605" y="6477000"/>
+              <a:off x="2134543" y="6477013"/>
               <a:ext cx="63202" cy="63202"/>
             </a:xfrm>
             <a:custGeom>
@@ -9523,7 +9523,7 @@
           </p:nvSpPr>
           <p:spPr>
             <a:xfrm>
-              <a:off x="2294200" y="6511280"/>
+              <a:off x="1620469" y="6511279"/>
               <a:ext cx="63202" cy="63202"/>
             </a:xfrm>
             <a:custGeom>
@@ -9566,7 +9566,7 @@
           </p:nvSpPr>
           <p:spPr>
             <a:xfrm>
-              <a:off x="2261111" y="6586463"/>
+              <a:off x="2080102" y="6586452"/>
               <a:ext cx="63202" cy="63202"/>
             </a:xfrm>
             <a:custGeom>
@@ -9609,7 +9609,7 @@
           </p:nvSpPr>
           <p:spPr>
             <a:xfrm>
-              <a:off x="1781141" y="6235304"/>
+              <a:off x="2228594" y="6235318"/>
               <a:ext cx="63202" cy="63202"/>
             </a:xfrm>
             <a:custGeom>
@@ -9652,7 +9652,7 @@
           </p:nvSpPr>
           <p:spPr>
             <a:xfrm>
-              <a:off x="1839272" y="6280224"/>
+              <a:off x="2169842" y="6280218"/>
               <a:ext cx="63202" cy="63202"/>
             </a:xfrm>
             <a:custGeom>
@@ -9695,7 +9695,7 @@
           </p:nvSpPr>
           <p:spPr>
             <a:xfrm>
-              <a:off x="1976902" y="6641175"/>
+              <a:off x="1717421" y="6641163"/>
               <a:ext cx="63202" cy="63202"/>
             </a:xfrm>
             <a:custGeom>
@@ -9738,7 +9738,7 @@
           </p:nvSpPr>
           <p:spPr>
             <a:xfrm>
-              <a:off x="2033990" y="5944821"/>
+              <a:off x="1606339" y="5944821"/>
               <a:ext cx="63202" cy="63202"/>
             </a:xfrm>
             <a:custGeom>
@@ -9781,7 +9781,7 @@
           </p:nvSpPr>
           <p:spPr>
             <a:xfrm>
-              <a:off x="2011576" y="6287343"/>
+              <a:off x="1736558" y="6287319"/>
               <a:ext cx="63202" cy="63202"/>
             </a:xfrm>
             <a:custGeom>
@@ -9824,7 +9824,7 @@
           </p:nvSpPr>
           <p:spPr>
             <a:xfrm>
-              <a:off x="2034997" y="6305374"/>
+              <a:off x="1779309" y="6305345"/>
               <a:ext cx="63202" cy="63202"/>
             </a:xfrm>
             <a:custGeom>
@@ -9867,7 +9867,7 @@
           </p:nvSpPr>
           <p:spPr>
             <a:xfrm>
-              <a:off x="2177889" y="6352813"/>
+              <a:off x="1925374" y="6352792"/>
               <a:ext cx="63202" cy="63202"/>
             </a:xfrm>
             <a:custGeom>
@@ -9910,7 +9910,7 @@
           </p:nvSpPr>
           <p:spPr>
             <a:xfrm>
-              <a:off x="1961391" y="6337284"/>
+              <a:off x="2052372" y="6337278"/>
               <a:ext cx="63202" cy="63202"/>
             </a:xfrm>
             <a:custGeom>
@@ -9953,7 +9953,7 @@
           </p:nvSpPr>
           <p:spPr>
             <a:xfrm>
-              <a:off x="2130846" y="6310713"/>
+              <a:off x="2079831" y="6310716"/>
               <a:ext cx="63202" cy="63202"/>
             </a:xfrm>
             <a:custGeom>
@@ -9996,7 +9996,7 @@
           </p:nvSpPr>
           <p:spPr>
             <a:xfrm>
-              <a:off x="2284736" y="6395688"/>
+              <a:off x="2286312" y="6395695"/>
               <a:ext cx="63202" cy="63202"/>
             </a:xfrm>
             <a:custGeom>
@@ -10039,7 +10039,7 @@
           </p:nvSpPr>
           <p:spPr>
             <a:xfrm>
-              <a:off x="2173464" y="6072567"/>
+              <a:off x="2185671" y="6072569"/>
               <a:ext cx="63202" cy="63202"/>
             </a:xfrm>
             <a:custGeom>
@@ -10082,7 +10082,7 @@
           </p:nvSpPr>
           <p:spPr>
             <a:xfrm>
-              <a:off x="2169815" y="6417992"/>
+              <a:off x="1762608" y="6417983"/>
               <a:ext cx="63202" cy="63202"/>
             </a:xfrm>
             <a:custGeom>
@@ -10125,7 +10125,7 @@
           </p:nvSpPr>
           <p:spPr>
             <a:xfrm>
-              <a:off x="2267969" y="5914366"/>
+              <a:off x="2015213" y="5914357"/>
               <a:ext cx="63202" cy="63202"/>
             </a:xfrm>
             <a:custGeom>
@@ -10168,7 +10168,7 @@
           </p:nvSpPr>
           <p:spPr>
             <a:xfrm>
-              <a:off x="1797224" y="6387499"/>
+              <a:off x="2121857" y="6387491"/>
               <a:ext cx="63202" cy="63202"/>
             </a:xfrm>
             <a:custGeom>
@@ -10211,7 +10211,7 @@
           </p:nvSpPr>
           <p:spPr>
             <a:xfrm>
-              <a:off x="2190668" y="6296658"/>
+              <a:off x="2036711" y="6296627"/>
               <a:ext cx="63202" cy="63202"/>
             </a:xfrm>
             <a:custGeom>
@@ -10254,7 +10254,7 @@
           </p:nvSpPr>
           <p:spPr>
             <a:xfrm>
-              <a:off x="1786543" y="6441885"/>
+              <a:off x="2242890" y="6441882"/>
               <a:ext cx="63202" cy="63202"/>
             </a:xfrm>
             <a:custGeom>
@@ -10297,7 +10297,7 @@
           </p:nvSpPr>
           <p:spPr>
             <a:xfrm>
-              <a:off x="1990105" y="5895287"/>
+              <a:off x="1921651" y="5895282"/>
               <a:ext cx="63202" cy="63202"/>
             </a:xfrm>
             <a:custGeom>
@@ -10340,7 +10340,7 @@
           </p:nvSpPr>
           <p:spPr>
             <a:xfrm>
-              <a:off x="1740573" y="6308963"/>
+              <a:off x="1841756" y="6308936"/>
               <a:ext cx="63202" cy="63202"/>
             </a:xfrm>
             <a:custGeom>
@@ -10383,7 +10383,7 @@
           </p:nvSpPr>
           <p:spPr>
             <a:xfrm>
-              <a:off x="1688714" y="6245815"/>
+              <a:off x="1867420" y="6245804"/>
               <a:ext cx="63202" cy="63202"/>
             </a:xfrm>
             <a:custGeom>
@@ -10426,7 +10426,7 @@
           </p:nvSpPr>
           <p:spPr>
             <a:xfrm>
-              <a:off x="2246628" y="6236779"/>
+              <a:off x="2070562" y="6236754"/>
               <a:ext cx="63202" cy="63202"/>
             </a:xfrm>
             <a:custGeom>
@@ -10469,7 +10469,7 @@
           </p:nvSpPr>
           <p:spPr>
             <a:xfrm>
-              <a:off x="1812692" y="5889802"/>
+              <a:off x="1710996" y="5889795"/>
               <a:ext cx="63202" cy="63202"/>
             </a:xfrm>
             <a:custGeom>
@@ -10512,7 +10512,7 @@
           </p:nvSpPr>
           <p:spPr>
             <a:xfrm>
-              <a:off x="1883300" y="6225885"/>
+              <a:off x="2234095" y="6225848"/>
               <a:ext cx="63202" cy="63202"/>
             </a:xfrm>
             <a:custGeom>
@@ -10555,7 +10555,7 @@
           </p:nvSpPr>
           <p:spPr>
             <a:xfrm>
-              <a:off x="1778468" y="6281488"/>
+              <a:off x="1634600" y="6281486"/>
               <a:ext cx="63202" cy="63202"/>
             </a:xfrm>
             <a:custGeom>
@@ -10598,7 +10598,7 @@
           </p:nvSpPr>
           <p:spPr>
             <a:xfrm>
-              <a:off x="2273683" y="6361290"/>
+              <a:off x="1988956" y="6361298"/>
               <a:ext cx="63202" cy="63202"/>
             </a:xfrm>
             <a:custGeom>
@@ -10641,7 +10641,7 @@
           </p:nvSpPr>
           <p:spPr>
             <a:xfrm>
-              <a:off x="1993909" y="6277393"/>
+              <a:off x="2093499" y="6277376"/>
               <a:ext cx="63202" cy="63202"/>
             </a:xfrm>
             <a:custGeom>
@@ -10684,7 +10684,7 @@
           </p:nvSpPr>
           <p:spPr>
             <a:xfrm>
-              <a:off x="1861508" y="6282587"/>
+              <a:off x="2240411" y="6282583"/>
               <a:ext cx="63202" cy="63202"/>
             </a:xfrm>
             <a:custGeom>
@@ -10727,7 +10727,7 @@
           </p:nvSpPr>
           <p:spPr>
             <a:xfrm>
-              <a:off x="2146199" y="6069752"/>
+              <a:off x="1836166" y="6069721"/>
               <a:ext cx="63202" cy="63202"/>
             </a:xfrm>
             <a:custGeom>
@@ -10770,7 +10770,7 @@
           </p:nvSpPr>
           <p:spPr>
             <a:xfrm>
-              <a:off x="2171861" y="6387487"/>
+              <a:off x="1894181" y="6387486"/>
               <a:ext cx="63202" cy="63202"/>
             </a:xfrm>
             <a:custGeom>
@@ -10813,7 +10813,7 @@
           </p:nvSpPr>
           <p:spPr>
             <a:xfrm>
-              <a:off x="1659585" y="6229882"/>
+              <a:off x="1822635" y="6229849"/>
               <a:ext cx="63202" cy="63202"/>
             </a:xfrm>
             <a:custGeom>
@@ -10856,7 +10856,7 @@
           </p:nvSpPr>
           <p:spPr>
             <a:xfrm>
-              <a:off x="1731755" y="5916453"/>
+              <a:off x="1877607" y="5916418"/>
               <a:ext cx="63202" cy="63202"/>
             </a:xfrm>
             <a:custGeom>
@@ -10899,7 +10899,7 @@
           </p:nvSpPr>
           <p:spPr>
             <a:xfrm>
-              <a:off x="1868104" y="5914868"/>
+              <a:off x="1721378" y="5914832"/>
               <a:ext cx="63202" cy="63202"/>
             </a:xfrm>
             <a:custGeom>
@@ -10942,7 +10942,7 @@
           </p:nvSpPr>
           <p:spPr>
             <a:xfrm>
-              <a:off x="1651135" y="5914637"/>
+              <a:off x="2233920" y="5914618"/>
               <a:ext cx="63202" cy="63202"/>
             </a:xfrm>
             <a:custGeom>
@@ -10985,7 +10985,7 @@
           </p:nvSpPr>
           <p:spPr>
             <a:xfrm>
-              <a:off x="2068748" y="5914483"/>
+              <a:off x="2166766" y="5914465"/>
               <a:ext cx="63202" cy="63202"/>
             </a:xfrm>
             <a:custGeom>
@@ -11028,7 +11028,7 @@
           </p:nvSpPr>
           <p:spPr>
             <a:xfrm>
-              <a:off x="1799766" y="5914489"/>
+              <a:off x="2007433" y="5914481"/>
               <a:ext cx="63202" cy="63202"/>
             </a:xfrm>
             <a:custGeom>
@@ -11071,7 +11071,7 @@
           </p:nvSpPr>
           <p:spPr>
             <a:xfrm>
-              <a:off x="1885066" y="6094903"/>
+              <a:off x="1644546" y="6094893"/>
               <a:ext cx="63202" cy="63202"/>
             </a:xfrm>
             <a:custGeom>
@@ -11114,7 +11114,7 @@
           </p:nvSpPr>
           <p:spPr>
             <a:xfrm>
-              <a:off x="1867383" y="6087968"/>
+              <a:off x="2041858" y="6087938"/>
               <a:ext cx="63202" cy="63202"/>
             </a:xfrm>
             <a:custGeom>
@@ -11157,7 +11157,7 @@
           </p:nvSpPr>
           <p:spPr>
             <a:xfrm>
-              <a:off x="1882660" y="6364982"/>
+              <a:off x="2067053" y="6364981"/>
               <a:ext cx="63202" cy="63202"/>
             </a:xfrm>
             <a:custGeom>
@@ -11200,7 +11200,7 @@
           </p:nvSpPr>
           <p:spPr>
             <a:xfrm>
-              <a:off x="2034483" y="5925150"/>
+              <a:off x="2159519" y="5925130"/>
               <a:ext cx="63202" cy="63202"/>
             </a:xfrm>
             <a:custGeom>
@@ -11243,7 +11243,7 @@
           </p:nvSpPr>
           <p:spPr>
             <a:xfrm>
-              <a:off x="1782840" y="6185287"/>
+              <a:off x="1994775" y="6185266"/>
               <a:ext cx="63202" cy="63202"/>
             </a:xfrm>
             <a:custGeom>
@@ -11286,7 +11286,7 @@
           </p:nvSpPr>
           <p:spPr>
             <a:xfrm>
-              <a:off x="1885122" y="6102490"/>
+              <a:off x="2106538" y="6102468"/>
               <a:ext cx="63202" cy="63202"/>
             </a:xfrm>
             <a:custGeom>
@@ -11329,7 +11329,7 @@
           </p:nvSpPr>
           <p:spPr>
             <a:xfrm>
-              <a:off x="2231020" y="6375835"/>
+              <a:off x="2093029" y="6375808"/>
               <a:ext cx="63202" cy="63202"/>
             </a:xfrm>
             <a:custGeom>
@@ -11372,7 +11372,7 @@
           </p:nvSpPr>
           <p:spPr>
             <a:xfrm>
-              <a:off x="2244986" y="5932022"/>
+              <a:off x="1768977" y="5932018"/>
               <a:ext cx="63202" cy="63202"/>
             </a:xfrm>
             <a:custGeom>
@@ -11415,7 +11415,7 @@
           </p:nvSpPr>
           <p:spPr>
             <a:xfrm>
-              <a:off x="1986925" y="6292967"/>
+              <a:off x="2016377" y="6292949"/>
               <a:ext cx="63202" cy="63202"/>
             </a:xfrm>
             <a:custGeom>
@@ -11458,7 +11458,7 @@
           </p:nvSpPr>
           <p:spPr>
             <a:xfrm>
-              <a:off x="2231151" y="6513281"/>
+              <a:off x="2288546" y="6513286"/>
               <a:ext cx="63202" cy="63202"/>
             </a:xfrm>
             <a:custGeom>
@@ -11501,7 +11501,7 @@
           </p:nvSpPr>
           <p:spPr>
             <a:xfrm>
-              <a:off x="1734513" y="6080151"/>
+              <a:off x="1694221" y="6080124"/>
               <a:ext cx="63202" cy="63202"/>
             </a:xfrm>
             <a:custGeom>
@@ -11544,7 +11544,7 @@
           </p:nvSpPr>
           <p:spPr>
             <a:xfrm>
-              <a:off x="1675803" y="6359832"/>
+              <a:off x="1689987" y="6359846"/>
               <a:ext cx="63202" cy="63202"/>
             </a:xfrm>
             <a:custGeom>
@@ -11587,7 +11587,7 @@
           </p:nvSpPr>
           <p:spPr>
             <a:xfrm>
-              <a:off x="2099433" y="5909682"/>
+              <a:off x="1647729" y="5909655"/>
               <a:ext cx="63202" cy="63202"/>
             </a:xfrm>
             <a:custGeom>
@@ -11630,7 +11630,7 @@
           </p:nvSpPr>
           <p:spPr>
             <a:xfrm>
-              <a:off x="2256061" y="6040204"/>
+              <a:off x="2037105" y="6040171"/>
               <a:ext cx="63202" cy="63202"/>
             </a:xfrm>
             <a:custGeom>
@@ -11673,7 +11673,7 @@
           </p:nvSpPr>
           <p:spPr>
             <a:xfrm>
-              <a:off x="1719389" y="6001706"/>
+              <a:off x="1896270" y="6001690"/>
               <a:ext cx="63202" cy="63202"/>
             </a:xfrm>
             <a:custGeom>
@@ -11716,7 +11716,7 @@
           </p:nvSpPr>
           <p:spPr>
             <a:xfrm>
-              <a:off x="1822405" y="6031431"/>
+              <a:off x="2054719" y="6031405"/>
               <a:ext cx="63202" cy="63202"/>
             </a:xfrm>
             <a:custGeom>
@@ -11759,7 +11759,7 @@
           </p:nvSpPr>
           <p:spPr>
             <a:xfrm>
-              <a:off x="2160718" y="5903273"/>
+              <a:off x="2121049" y="5903264"/>
               <a:ext cx="63202" cy="63202"/>
             </a:xfrm>
             <a:custGeom>
@@ -11802,7 +11802,7 @@
           </p:nvSpPr>
           <p:spPr>
             <a:xfrm>
-              <a:off x="2028599" y="5901152"/>
+              <a:off x="1841753" y="5901128"/>
               <a:ext cx="63202" cy="63202"/>
             </a:xfrm>
             <a:custGeom>
@@ -11845,7 +11845,7 @@
           </p:nvSpPr>
           <p:spPr>
             <a:xfrm>
-              <a:off x="1871523" y="6067557"/>
+              <a:off x="2123875" y="6067575"/>
               <a:ext cx="63202" cy="63202"/>
             </a:xfrm>
             <a:custGeom>
@@ -11888,7 +11888,7 @@
           </p:nvSpPr>
           <p:spPr>
             <a:xfrm>
-              <a:off x="1728480" y="6060325"/>
+              <a:off x="1646724" y="6060301"/>
               <a:ext cx="63202" cy="63202"/>
             </a:xfrm>
             <a:custGeom>
@@ -11931,7 +11931,7 @@
           </p:nvSpPr>
           <p:spPr>
             <a:xfrm>
-              <a:off x="1776714" y="5912813"/>
+              <a:off x="2093913" y="5912787"/>
               <a:ext cx="63202" cy="63202"/>
             </a:xfrm>
             <a:custGeom>
@@ -11974,7 +11974,7 @@
           </p:nvSpPr>
           <p:spPr>
             <a:xfrm>
-              <a:off x="1778698" y="5918197"/>
+              <a:off x="2020220" y="5918206"/>
               <a:ext cx="63202" cy="63202"/>
             </a:xfrm>
             <a:custGeom>
@@ -12017,7 +12017,7 @@
           </p:nvSpPr>
           <p:spPr>
             <a:xfrm>
-              <a:off x="1889584" y="5918307"/>
+              <a:off x="1812830" y="5918282"/>
               <a:ext cx="63202" cy="63202"/>
             </a:xfrm>
             <a:custGeom>
@@ -12060,7 +12060,7 @@
           </p:nvSpPr>
           <p:spPr>
             <a:xfrm>
-              <a:off x="1627515" y="5956443"/>
+              <a:off x="2097393" y="5956438"/>
               <a:ext cx="63202" cy="63202"/>
             </a:xfrm>
             <a:custGeom>
@@ -12103,7 +12103,7 @@
           </p:nvSpPr>
           <p:spPr>
             <a:xfrm>
-              <a:off x="1736697" y="5910684"/>
+              <a:off x="2251058" y="5910666"/>
               <a:ext cx="63202" cy="63202"/>
             </a:xfrm>
             <a:custGeom>
@@ -12146,7 +12146,7 @@
           </p:nvSpPr>
           <p:spPr>
             <a:xfrm>
-              <a:off x="1980893" y="6280222"/>
+              <a:off x="1938167" y="6280222"/>
               <a:ext cx="63202" cy="63202"/>
             </a:xfrm>
             <a:custGeom>
@@ -12189,7 +12189,7 @@
           </p:nvSpPr>
           <p:spPr>
             <a:xfrm>
-              <a:off x="2197600" y="5926783"/>
+              <a:off x="2067375" y="5926765"/>
               <a:ext cx="63202" cy="63202"/>
             </a:xfrm>
             <a:custGeom>
@@ -12232,7 +12232,7 @@
           </p:nvSpPr>
           <p:spPr>
             <a:xfrm>
-              <a:off x="1907482" y="5866456"/>
+              <a:off x="1687292" y="5866429"/>
               <a:ext cx="63202" cy="63202"/>
             </a:xfrm>
             <a:custGeom>
@@ -12275,7 +12275,7 @@
           </p:nvSpPr>
           <p:spPr>
             <a:xfrm>
-              <a:off x="1978065" y="6192053"/>
+              <a:off x="1674805" y="6192025"/>
               <a:ext cx="63202" cy="63202"/>
             </a:xfrm>
             <a:custGeom>
@@ -12318,7 +12318,7 @@
           </p:nvSpPr>
           <p:spPr>
             <a:xfrm>
-              <a:off x="2066919" y="6535871"/>
+              <a:off x="2232721" y="6535885"/>
               <a:ext cx="63202" cy="63202"/>
             </a:xfrm>
             <a:custGeom>
@@ -12361,7 +12361,7 @@
           </p:nvSpPr>
           <p:spPr>
             <a:xfrm>
-              <a:off x="2009887" y="6254928"/>
+              <a:off x="2127195" y="6254907"/>
               <a:ext cx="63202" cy="63202"/>
             </a:xfrm>
             <a:custGeom>
@@ -12404,7 +12404,7 @@
           </p:nvSpPr>
           <p:spPr>
             <a:xfrm>
-              <a:off x="2214541" y="6244857"/>
+              <a:off x="1706218" y="6244847"/>
               <a:ext cx="63202" cy="63202"/>
             </a:xfrm>
             <a:custGeom>
@@ -12447,7 +12447,7 @@
           </p:nvSpPr>
           <p:spPr>
             <a:xfrm>
-              <a:off x="2300452" y="5905926"/>
+              <a:off x="1637946" y="5905915"/>
               <a:ext cx="63202" cy="63202"/>
             </a:xfrm>
             <a:custGeom>
@@ -12490,7 +12490,7 @@
           </p:nvSpPr>
           <p:spPr>
             <a:xfrm>
-              <a:off x="1758637" y="5966845"/>
+              <a:off x="1717218" y="5966819"/>
               <a:ext cx="63202" cy="63202"/>
             </a:xfrm>
             <a:custGeom>
@@ -12533,7 +12533,7 @@
           </p:nvSpPr>
           <p:spPr>
             <a:xfrm>
-              <a:off x="2138142" y="6248580"/>
+              <a:off x="2057035" y="6248550"/>
               <a:ext cx="63202" cy="63202"/>
             </a:xfrm>
             <a:custGeom>
@@ -12576,7 +12576,7 @@
           </p:nvSpPr>
           <p:spPr>
             <a:xfrm>
-              <a:off x="1939073" y="6257472"/>
+              <a:off x="2215499" y="6257448"/>
               <a:ext cx="63202" cy="63202"/>
             </a:xfrm>
             <a:custGeom>
@@ -12619,7 +12619,7 @@
           </p:nvSpPr>
           <p:spPr>
             <a:xfrm>
-              <a:off x="1884989" y="6255818"/>
+              <a:off x="1884059" y="6255816"/>
               <a:ext cx="63202" cy="63202"/>
             </a:xfrm>
             <a:custGeom>
@@ -12662,7 +12662,7 @@
           </p:nvSpPr>
           <p:spPr>
             <a:xfrm>
-              <a:off x="1724398" y="6355473"/>
+              <a:off x="1744150" y="6355493"/>
               <a:ext cx="63202" cy="63202"/>
             </a:xfrm>
             <a:custGeom>
@@ -12705,7 +12705,7 @@
           </p:nvSpPr>
           <p:spPr>
             <a:xfrm>
-              <a:off x="1641716" y="6302009"/>
+              <a:off x="1760224" y="6301983"/>
               <a:ext cx="63202" cy="63202"/>
             </a:xfrm>
             <a:custGeom>
@@ -12748,7 +12748,7 @@
           </p:nvSpPr>
           <p:spPr>
             <a:xfrm>
-              <a:off x="2002013" y="5922620"/>
+              <a:off x="2058675" y="5922616"/>
               <a:ext cx="63202" cy="63202"/>
             </a:xfrm>
             <a:custGeom>
@@ -12791,7 +12791,7 @@
           </p:nvSpPr>
           <p:spPr>
             <a:xfrm>
-              <a:off x="2159691" y="6353515"/>
+              <a:off x="2229941" y="6353510"/>
               <a:ext cx="63202" cy="63202"/>
             </a:xfrm>
             <a:custGeom>
@@ -12834,7 +12834,7 @@
           </p:nvSpPr>
           <p:spPr>
             <a:xfrm>
-              <a:off x="1850130" y="6359122"/>
+              <a:off x="1761208" y="6359123"/>
               <a:ext cx="63202" cy="63202"/>
             </a:xfrm>
             <a:custGeom>
@@ -12877,7 +12877,7 @@
           </p:nvSpPr>
           <p:spPr>
             <a:xfrm>
-              <a:off x="2267111" y="6328951"/>
+              <a:off x="2287574" y="6328958"/>
               <a:ext cx="63202" cy="63202"/>
             </a:xfrm>
             <a:custGeom>
@@ -12920,7 +12920,7 @@
           </p:nvSpPr>
           <p:spPr>
             <a:xfrm>
-              <a:off x="2157099" y="6419229"/>
+              <a:off x="1690498" y="6419199"/>
               <a:ext cx="63202" cy="63202"/>
             </a:xfrm>
             <a:custGeom>
@@ -12963,7 +12963,7 @@
           </p:nvSpPr>
           <p:spPr>
             <a:xfrm>
-              <a:off x="1637624" y="6358969"/>
+              <a:off x="2050966" y="6358978"/>
               <a:ext cx="63202" cy="63202"/>
             </a:xfrm>
             <a:custGeom>
@@ -13006,7 +13006,7 @@
           </p:nvSpPr>
           <p:spPr>
             <a:xfrm>
-              <a:off x="1803523" y="5981009"/>
+              <a:off x="1694535" y="5980986"/>
               <a:ext cx="63202" cy="63202"/>
             </a:xfrm>
             <a:custGeom>
@@ -13049,7 +13049,7 @@
           </p:nvSpPr>
           <p:spPr>
             <a:xfrm>
-              <a:off x="1753146" y="6483950"/>
+              <a:off x="1693750" y="6483956"/>
               <a:ext cx="63202" cy="63202"/>
             </a:xfrm>
             <a:custGeom>
@@ -13092,7 +13092,7 @@
           </p:nvSpPr>
           <p:spPr>
             <a:xfrm>
-              <a:off x="1642165" y="6336629"/>
+              <a:off x="2059827" y="6336639"/>
               <a:ext cx="63202" cy="63202"/>
             </a:xfrm>
             <a:custGeom>
@@ -13135,7 +13135,7 @@
           </p:nvSpPr>
           <p:spPr>
             <a:xfrm>
-              <a:off x="1963207" y="5928700"/>
+              <a:off x="1619361" y="5928697"/>
               <a:ext cx="63202" cy="63202"/>
             </a:xfrm>
             <a:custGeom>
@@ -13178,7 +13178,7 @@
           </p:nvSpPr>
           <p:spPr>
             <a:xfrm>
-              <a:off x="1917880" y="5926290"/>
+              <a:off x="1613998" y="5926289"/>
               <a:ext cx="63202" cy="63202"/>
             </a:xfrm>
             <a:custGeom>
@@ -13221,7 +13221,7 @@
           </p:nvSpPr>
           <p:spPr>
             <a:xfrm>
-              <a:off x="2122183" y="5943380"/>
+              <a:off x="2013794" y="5943361"/>
               <a:ext cx="63202" cy="63202"/>
             </a:xfrm>
             <a:custGeom>
@@ -13264,7 +13264,7 @@
           </p:nvSpPr>
           <p:spPr>
             <a:xfrm>
-              <a:off x="1629865" y="5934737"/>
+              <a:off x="1968416" y="5934720"/>
               <a:ext cx="63202" cy="63202"/>
             </a:xfrm>
             <a:custGeom>
@@ -13307,7 +13307,7 @@
           </p:nvSpPr>
           <p:spPr>
             <a:xfrm>
-              <a:off x="1739598" y="6062623"/>
+              <a:off x="1709051" y="6062595"/>
               <a:ext cx="63202" cy="63202"/>
             </a:xfrm>
             <a:custGeom>
@@ -13350,7 +13350,7 @@
           </p:nvSpPr>
           <p:spPr>
             <a:xfrm>
-              <a:off x="2096716" y="6626002"/>
+              <a:off x="2103253" y="6625988"/>
               <a:ext cx="63202" cy="63202"/>
             </a:xfrm>
             <a:custGeom>
@@ -13393,7 +13393,7 @@
           </p:nvSpPr>
           <p:spPr>
             <a:xfrm>
-              <a:off x="1886280" y="6223522"/>
+              <a:off x="2161839" y="6223487"/>
               <a:ext cx="63202" cy="63202"/>
             </a:xfrm>
             <a:custGeom>
@@ -13436,7 +13436,7 @@
           </p:nvSpPr>
           <p:spPr>
             <a:xfrm>
-              <a:off x="1801654" y="6183189"/>
+              <a:off x="1903116" y="6183177"/>
               <a:ext cx="63202" cy="63202"/>
             </a:xfrm>
             <a:custGeom>
@@ -13479,7 +13479,7 @@
           </p:nvSpPr>
           <p:spPr>
             <a:xfrm>
-              <a:off x="2015436" y="6628342"/>
+              <a:off x="2121584" y="6628369"/>
               <a:ext cx="63202" cy="63202"/>
             </a:xfrm>
             <a:custGeom>
@@ -13522,7 +13522,7 @@
           </p:nvSpPr>
           <p:spPr>
             <a:xfrm>
-              <a:off x="2287934" y="6328210"/>
+              <a:off x="1934929" y="6328179"/>
               <a:ext cx="63202" cy="63202"/>
             </a:xfrm>
             <a:custGeom>
@@ -13621,7 +13621,7 @@
           </p:nvSpPr>
           <p:spPr>
             <a:xfrm>
-              <a:off x="4325757" y="2815606"/>
+              <a:off x="4325757" y="2815610"/>
               <a:ext cx="2796732" cy="0"/>
             </a:xfrm>
             <a:custGeom>
@@ -13664,7 +13664,7 @@
           </p:nvSpPr>
           <p:spPr>
             <a:xfrm>
-              <a:off x="4325757" y="2361636"/>
+              <a:off x="4325757" y="2361629"/>
               <a:ext cx="2796732" cy="0"/>
             </a:xfrm>
             <a:custGeom>
@@ -13707,7 +13707,7 @@
           </p:nvSpPr>
           <p:spPr>
             <a:xfrm>
-              <a:off x="4325757" y="1907666"/>
+              <a:off x="4325757" y="1907647"/>
               <a:ext cx="2796732" cy="0"/>
             </a:xfrm>
             <a:custGeom>
@@ -13750,7 +13750,7 @@
           </p:nvSpPr>
           <p:spPr>
             <a:xfrm>
-              <a:off x="4325757" y="1453696"/>
+              <a:off x="4325757" y="1453666"/>
               <a:ext cx="2796732" cy="0"/>
             </a:xfrm>
             <a:custGeom>
@@ -13793,7 +13793,7 @@
           </p:nvSpPr>
           <p:spPr>
             <a:xfrm>
-              <a:off x="4325757" y="3042591"/>
+              <a:off x="4325757" y="3042600"/>
               <a:ext cx="2796732" cy="0"/>
             </a:xfrm>
             <a:custGeom>
@@ -13836,7 +13836,7 @@
           </p:nvSpPr>
           <p:spPr>
             <a:xfrm>
-              <a:off x="4325757" y="2588621"/>
+              <a:off x="4325757" y="2588619"/>
               <a:ext cx="2796732" cy="0"/>
             </a:xfrm>
             <a:custGeom>
@@ -13879,7 +13879,7 @@
           </p:nvSpPr>
           <p:spPr>
             <a:xfrm>
-              <a:off x="4325757" y="2134651"/>
+              <a:off x="4325757" y="2134638"/>
               <a:ext cx="2796732" cy="0"/>
             </a:xfrm>
             <a:custGeom>
@@ -13922,7 +13922,7 @@
           </p:nvSpPr>
           <p:spPr>
             <a:xfrm>
-              <a:off x="4325757" y="1680681"/>
+              <a:off x="4325757" y="1680657"/>
               <a:ext cx="2796732" cy="0"/>
             </a:xfrm>
             <a:custGeom>
@@ -14094,7 +14094,7 @@
           </p:nvSpPr>
           <p:spPr>
             <a:xfrm>
-              <a:off x="4762136" y="2250017"/>
+              <a:off x="4609361" y="2249993"/>
               <a:ext cx="63202" cy="63202"/>
             </a:xfrm>
             <a:custGeom>
@@ -14137,7 +14137,7 @@
           </p:nvSpPr>
           <p:spPr>
             <a:xfrm>
-              <a:off x="5057627" y="2284772"/>
+              <a:off x="4893357" y="2284755"/>
               <a:ext cx="63202" cy="63202"/>
             </a:xfrm>
             <a:custGeom>
@@ -14180,7 +14180,7 @@
           </p:nvSpPr>
           <p:spPr>
             <a:xfrm>
-              <a:off x="4947884" y="2521806"/>
+              <a:off x="4700119" y="2521781"/>
               <a:ext cx="63202" cy="63202"/>
             </a:xfrm>
             <a:custGeom>
@@ -14223,7 +14223,7 @@
           </p:nvSpPr>
           <p:spPr>
             <a:xfrm>
-              <a:off x="4867668" y="2239409"/>
+              <a:off x="5017932" y="2239410"/>
               <a:ext cx="63202" cy="63202"/>
             </a:xfrm>
             <a:custGeom>
@@ -14266,7 +14266,7 @@
           </p:nvSpPr>
           <p:spPr>
             <a:xfrm>
-              <a:off x="5103308" y="2310705"/>
+              <a:off x="4689018" y="2310684"/>
               <a:ext cx="63202" cy="63202"/>
             </a:xfrm>
             <a:custGeom>
@@ -14309,7 +14309,7 @@
           </p:nvSpPr>
           <p:spPr>
             <a:xfrm>
-              <a:off x="4502479" y="2550406"/>
+              <a:off x="4957835" y="2550403"/>
               <a:ext cx="63202" cy="63202"/>
             </a:xfrm>
             <a:custGeom>
@@ -14352,7 +14352,7 @@
           </p:nvSpPr>
           <p:spPr>
             <a:xfrm>
-              <a:off x="4472669" y="2279110"/>
+              <a:off x="5117582" y="2279073"/>
               <a:ext cx="63202" cy="63202"/>
             </a:xfrm>
             <a:custGeom>
@@ -14395,7 +14395,7 @@
           </p:nvSpPr>
           <p:spPr>
             <a:xfrm>
-              <a:off x="5594508" y="2933798"/>
+              <a:off x="5913564" y="2933838"/>
               <a:ext cx="63202" cy="63202"/>
             </a:xfrm>
             <a:custGeom>
@@ -14438,7 +14438,7 @@
           </p:nvSpPr>
           <p:spPr>
             <a:xfrm>
-              <a:off x="4647651" y="2251513"/>
+              <a:off x="4596610" y="2251479"/>
               <a:ext cx="63202" cy="63202"/>
             </a:xfrm>
             <a:custGeom>
@@ -14481,7 +14481,7 @@
           </p:nvSpPr>
           <p:spPr>
             <a:xfrm>
-              <a:off x="4517244" y="2590799"/>
+              <a:off x="5147021" y="2590776"/>
               <a:ext cx="63202" cy="63202"/>
             </a:xfrm>
             <a:custGeom>
@@ -14524,7 +14524,7 @@
           </p:nvSpPr>
           <p:spPr>
             <a:xfrm>
-              <a:off x="4567093" y="2835954"/>
+              <a:off x="4884197" y="2835962"/>
               <a:ext cx="63202" cy="63202"/>
             </a:xfrm>
             <a:custGeom>
@@ -14567,7 +14567,7 @@
           </p:nvSpPr>
           <p:spPr>
             <a:xfrm>
-              <a:off x="5024493" y="2254216"/>
+              <a:off x="4850967" y="2254230"/>
               <a:ext cx="63202" cy="63202"/>
             </a:xfrm>
             <a:custGeom>
@@ -14610,7 +14610,7 @@
           </p:nvSpPr>
           <p:spPr>
             <a:xfrm>
-              <a:off x="5111191" y="2247094"/>
+              <a:off x="4904181" y="2247082"/>
               <a:ext cx="63202" cy="63202"/>
             </a:xfrm>
             <a:custGeom>
@@ -14653,7 +14653,7 @@
           </p:nvSpPr>
           <p:spPr>
             <a:xfrm>
-              <a:off x="4903075" y="2273055"/>
+              <a:off x="4737457" y="2273039"/>
               <a:ext cx="63202" cy="63202"/>
             </a:xfrm>
             <a:custGeom>
@@ -14696,7 +14696,7 @@
           </p:nvSpPr>
           <p:spPr>
             <a:xfrm>
-              <a:off x="5052683" y="2294953"/>
+              <a:off x="4987661" y="2294932"/>
               <a:ext cx="63202" cy="63202"/>
             </a:xfrm>
             <a:custGeom>
@@ -14739,7 +14739,7 @@
           </p:nvSpPr>
           <p:spPr>
             <a:xfrm>
-              <a:off x="4729662" y="2282518"/>
+              <a:off x="5093207" y="2282499"/>
               <a:ext cx="63202" cy="63202"/>
             </a:xfrm>
             <a:custGeom>
@@ -14782,7 +14782,7 @@
           </p:nvSpPr>
           <p:spPr>
             <a:xfrm>
-              <a:off x="5042833" y="2301712"/>
+              <a:off x="5066992" y="2301682"/>
               <a:ext cx="63202" cy="63202"/>
             </a:xfrm>
             <a:custGeom>
@@ -14825,7 +14825,7 @@
           </p:nvSpPr>
           <p:spPr>
             <a:xfrm>
-              <a:off x="5125228" y="2274907"/>
+              <a:off x="4917709" y="2274903"/>
               <a:ext cx="63202" cy="63202"/>
             </a:xfrm>
             <a:custGeom>
@@ -14868,7 +14868,7 @@
           </p:nvSpPr>
           <p:spPr>
             <a:xfrm>
-              <a:off x="4820585" y="2270959"/>
+              <a:off x="5041635" y="2270980"/>
               <a:ext cx="63202" cy="63202"/>
             </a:xfrm>
             <a:custGeom>
@@ -14911,7 +14911,7 @@
           </p:nvSpPr>
           <p:spPr>
             <a:xfrm>
-              <a:off x="4649019" y="2419823"/>
+              <a:off x="4628259" y="2419810"/>
               <a:ext cx="63202" cy="63202"/>
             </a:xfrm>
             <a:custGeom>
@@ -14954,7 +14954,7 @@
           </p:nvSpPr>
           <p:spPr>
             <a:xfrm>
-              <a:off x="5153060" y="2269855"/>
+              <a:off x="4554691" y="2269832"/>
               <a:ext cx="63202" cy="63202"/>
             </a:xfrm>
             <a:custGeom>
@@ -14997,7 +14997,7 @@
           </p:nvSpPr>
           <p:spPr>
             <a:xfrm>
-              <a:off x="4859363" y="2405455"/>
+              <a:off x="5149412" y="2405450"/>
               <a:ext cx="63202" cy="63202"/>
             </a:xfrm>
             <a:custGeom>
@@ -15040,7 +15040,7 @@
           </p:nvSpPr>
           <p:spPr>
             <a:xfrm>
-              <a:off x="4733350" y="2494518"/>
+              <a:off x="4535128" y="2494500"/>
               <a:ext cx="63202" cy="63202"/>
             </a:xfrm>
             <a:custGeom>
@@ -15083,7 +15083,7 @@
           </p:nvSpPr>
           <p:spPr>
             <a:xfrm>
-              <a:off x="4803872" y="2464599"/>
+              <a:off x="5036992" y="2464599"/>
               <a:ext cx="63202" cy="63202"/>
             </a:xfrm>
             <a:custGeom>
@@ -15126,7 +15126,7 @@
           </p:nvSpPr>
           <p:spPr>
             <a:xfrm>
-              <a:off x="4754067" y="2415097"/>
+              <a:off x="5165263" y="2415097"/>
               <a:ext cx="63202" cy="63202"/>
             </a:xfrm>
             <a:custGeom>
@@ -15169,7 +15169,7 @@
           </p:nvSpPr>
           <p:spPr>
             <a:xfrm>
-              <a:off x="4783010" y="2275153"/>
+              <a:off x="4985531" y="2275142"/>
               <a:ext cx="63202" cy="63202"/>
             </a:xfrm>
             <a:custGeom>
@@ -15212,7 +15212,7 @@
           </p:nvSpPr>
           <p:spPr>
             <a:xfrm>
-              <a:off x="4549670" y="2515709"/>
+              <a:off x="4571394" y="2515718"/>
               <a:ext cx="63202" cy="63202"/>
             </a:xfrm>
             <a:custGeom>
@@ -15255,7 +15255,7 @@
           </p:nvSpPr>
           <p:spPr>
             <a:xfrm>
-              <a:off x="4808529" y="2275599"/>
+              <a:off x="4558287" y="2275590"/>
               <a:ext cx="63202" cy="63202"/>
             </a:xfrm>
             <a:custGeom>
@@ -15298,7 +15298,7 @@
           </p:nvSpPr>
           <p:spPr>
             <a:xfrm>
-              <a:off x="4884222" y="2296768"/>
+              <a:off x="5077683" y="2296765"/>
               <a:ext cx="63202" cy="63202"/>
             </a:xfrm>
             <a:custGeom>
@@ -15341,7 +15341,7 @@
           </p:nvSpPr>
           <p:spPr>
             <a:xfrm>
-              <a:off x="4797571" y="2648356"/>
+              <a:off x="5123591" y="2648363"/>
               <a:ext cx="63202" cy="63202"/>
             </a:xfrm>
             <a:custGeom>
@@ -15384,7 +15384,7 @@
           </p:nvSpPr>
           <p:spPr>
             <a:xfrm>
-              <a:off x="5007826" y="2331949"/>
+              <a:off x="5119754" y="2331930"/>
               <a:ext cx="63202" cy="63202"/>
             </a:xfrm>
             <a:custGeom>
@@ -15427,7 +15427,7 @@
           </p:nvSpPr>
           <p:spPr>
             <a:xfrm>
-              <a:off x="4809275" y="2270145"/>
+              <a:off x="5055072" y="2270142"/>
               <a:ext cx="63202" cy="63202"/>
             </a:xfrm>
             <a:custGeom>
@@ -15470,7 +15470,7 @@
           </p:nvSpPr>
           <p:spPr>
             <a:xfrm>
-              <a:off x="4616518" y="2584993"/>
+              <a:off x="5058649" y="2584986"/>
               <a:ext cx="63202" cy="63202"/>
             </a:xfrm>
             <a:custGeom>
@@ -15513,7 +15513,7 @@
           </p:nvSpPr>
           <p:spPr>
             <a:xfrm>
-              <a:off x="5145725" y="2394376"/>
+              <a:off x="4851519" y="2394343"/>
               <a:ext cx="63202" cy="63202"/>
             </a:xfrm>
             <a:custGeom>
@@ -15556,7 +15556,7 @@
           </p:nvSpPr>
           <p:spPr>
             <a:xfrm>
-              <a:off x="4718356" y="2285785"/>
+              <a:off x="5028016" y="2285770"/>
               <a:ext cx="63202" cy="63202"/>
             </a:xfrm>
             <a:custGeom>
@@ -15599,7 +15599,7 @@
           </p:nvSpPr>
           <p:spPr>
             <a:xfrm>
-              <a:off x="4894576" y="2283270"/>
+              <a:off x="4822375" y="2283254"/>
               <a:ext cx="63202" cy="63202"/>
             </a:xfrm>
             <a:custGeom>
@@ -15642,7 +15642,7 @@
           </p:nvSpPr>
           <p:spPr>
             <a:xfrm>
-              <a:off x="5076520" y="2242112"/>
+              <a:off x="5136198" y="2242088"/>
               <a:ext cx="63202" cy="63202"/>
             </a:xfrm>
             <a:custGeom>
@@ -15685,7 +15685,7 @@
           </p:nvSpPr>
           <p:spPr>
             <a:xfrm>
-              <a:off x="4635748" y="2242087"/>
+              <a:off x="4957596" y="2242083"/>
               <a:ext cx="63202" cy="63202"/>
             </a:xfrm>
             <a:custGeom>
@@ -15728,7 +15728,7 @@
           </p:nvSpPr>
           <p:spPr>
             <a:xfrm>
-              <a:off x="5014549" y="2307050"/>
+              <a:off x="5143329" y="2307054"/>
               <a:ext cx="63202" cy="63202"/>
             </a:xfrm>
             <a:custGeom>
@@ -15771,7 +15771,7 @@
           </p:nvSpPr>
           <p:spPr>
             <a:xfrm>
-              <a:off x="5153615" y="2595659"/>
+              <a:off x="5058022" y="2595650"/>
               <a:ext cx="63202" cy="63202"/>
             </a:xfrm>
             <a:custGeom>
@@ -15814,7 +15814,7 @@
           </p:nvSpPr>
           <p:spPr>
             <a:xfrm>
-              <a:off x="5078388" y="2303552"/>
+              <a:off x="4921634" y="2303564"/>
               <a:ext cx="63202" cy="63202"/>
             </a:xfrm>
             <a:custGeom>
@@ -15857,7 +15857,7 @@
           </p:nvSpPr>
           <p:spPr>
             <a:xfrm>
-              <a:off x="4753594" y="2289280"/>
+              <a:off x="4575703" y="2289258"/>
               <a:ext cx="63202" cy="63202"/>
             </a:xfrm>
             <a:custGeom>
@@ -15900,7 +15900,7 @@
           </p:nvSpPr>
           <p:spPr>
             <a:xfrm>
-              <a:off x="4856627" y="2210946"/>
+              <a:off x="4951827" y="2210933"/>
               <a:ext cx="63202" cy="63202"/>
             </a:xfrm>
             <a:custGeom>
@@ -15943,7 +15943,7 @@
           </p:nvSpPr>
           <p:spPr>
             <a:xfrm>
-              <a:off x="5061026" y="2488375"/>
+              <a:off x="4834625" y="2488359"/>
               <a:ext cx="63202" cy="63202"/>
             </a:xfrm>
             <a:custGeom>
@@ -15986,7 +15986,7 @@
           </p:nvSpPr>
           <p:spPr>
             <a:xfrm>
-              <a:off x="4573114" y="2235973"/>
+              <a:off x="4747299" y="2235970"/>
               <a:ext cx="63202" cy="63202"/>
             </a:xfrm>
             <a:custGeom>
@@ -16029,7 +16029,7 @@
           </p:nvSpPr>
           <p:spPr>
             <a:xfrm>
-              <a:off x="4617888" y="2324544"/>
+              <a:off x="5142114" y="2324521"/>
               <a:ext cx="63202" cy="63202"/>
             </a:xfrm>
             <a:custGeom>
@@ -16072,7 +16072,7 @@
           </p:nvSpPr>
           <p:spPr>
             <a:xfrm>
-              <a:off x="4490602" y="2355327"/>
+              <a:off x="4739905" y="2355316"/>
               <a:ext cx="63202" cy="63202"/>
             </a:xfrm>
             <a:custGeom>
@@ -16115,7 +16115,7 @@
           </p:nvSpPr>
           <p:spPr>
             <a:xfrm>
-              <a:off x="4720230" y="2276868"/>
+              <a:off x="5133636" y="2276852"/>
               <a:ext cx="63202" cy="63202"/>
             </a:xfrm>
             <a:custGeom>
@@ -16158,7 +16158,7 @@
           </p:nvSpPr>
           <p:spPr>
             <a:xfrm>
-              <a:off x="4679009" y="2577919"/>
+              <a:off x="4541376" y="2577894"/>
               <a:ext cx="63202" cy="63202"/>
             </a:xfrm>
             <a:custGeom>
@@ -16201,7 +16201,7 @@
           </p:nvSpPr>
           <p:spPr>
             <a:xfrm>
-              <a:off x="4585309" y="2747796"/>
+              <a:off x="5106279" y="2747784"/>
               <a:ext cx="63202" cy="63202"/>
             </a:xfrm>
             <a:custGeom>
@@ -16244,7 +16244,7 @@
           </p:nvSpPr>
           <p:spPr>
             <a:xfrm>
-              <a:off x="4630235" y="2329080"/>
+              <a:off x="4979555" y="2329056"/>
               <a:ext cx="63202" cy="63202"/>
             </a:xfrm>
             <a:custGeom>
@@ -16287,7 +16287,7 @@
           </p:nvSpPr>
           <p:spPr>
             <a:xfrm>
-              <a:off x="4822923" y="2463819"/>
+              <a:off x="4807248" y="2463807"/>
               <a:ext cx="63202" cy="63202"/>
             </a:xfrm>
             <a:custGeom>
@@ -16330,7 +16330,7 @@
           </p:nvSpPr>
           <p:spPr>
             <a:xfrm>
-              <a:off x="5034108" y="2595214"/>
+              <a:off x="5098756" y="2595194"/>
               <a:ext cx="63202" cy="63202"/>
             </a:xfrm>
             <a:custGeom>
@@ -16373,7 +16373,7 @@
           </p:nvSpPr>
           <p:spPr>
             <a:xfrm>
-              <a:off x="4732559" y="2284560"/>
+              <a:off x="4571141" y="2284556"/>
               <a:ext cx="63202" cy="63202"/>
             </a:xfrm>
             <a:custGeom>
@@ -16416,7 +16416,7 @@
           </p:nvSpPr>
           <p:spPr>
             <a:xfrm>
-              <a:off x="4763705" y="2356781"/>
+              <a:off x="4510922" y="2356752"/>
               <a:ext cx="63202" cy="63202"/>
             </a:xfrm>
             <a:custGeom>
@@ -16459,7 +16459,7 @@
           </p:nvSpPr>
           <p:spPr>
             <a:xfrm>
-              <a:off x="4547328" y="2252409"/>
+              <a:off x="5112978" y="2252397"/>
               <a:ext cx="63202" cy="63202"/>
             </a:xfrm>
             <a:custGeom>
@@ -16502,7 +16502,7 @@
           </p:nvSpPr>
           <p:spPr>
             <a:xfrm>
-              <a:off x="4473339" y="2709478"/>
+              <a:off x="4469005" y="2709458"/>
               <a:ext cx="63202" cy="63202"/>
             </a:xfrm>
             <a:custGeom>
@@ -16545,7 +16545,7 @@
           </p:nvSpPr>
           <p:spPr>
             <a:xfrm>
-              <a:off x="4826951" y="2278936"/>
+              <a:off x="5103719" y="2278921"/>
               <a:ext cx="63202" cy="63202"/>
             </a:xfrm>
             <a:custGeom>
@@ -16588,7 +16588,7 @@
           </p:nvSpPr>
           <p:spPr>
             <a:xfrm>
-              <a:off x="4965296" y="2329090"/>
+              <a:off x="5096732" y="2329087"/>
               <a:ext cx="63202" cy="63202"/>
             </a:xfrm>
             <a:custGeom>
@@ -16631,7 +16631,7 @@
           </p:nvSpPr>
           <p:spPr>
             <a:xfrm>
-              <a:off x="4967746" y="2676128"/>
+              <a:off x="4884668" y="2676124"/>
               <a:ext cx="63202" cy="63202"/>
             </a:xfrm>
             <a:custGeom>
@@ -16674,7 +16674,7 @@
           </p:nvSpPr>
           <p:spPr>
             <a:xfrm>
-              <a:off x="4584348" y="2345567"/>
+              <a:off x="4809005" y="2345549"/>
               <a:ext cx="63202" cy="63202"/>
             </a:xfrm>
             <a:custGeom>
@@ -16717,7 +16717,7 @@
           </p:nvSpPr>
           <p:spPr>
             <a:xfrm>
-              <a:off x="4615585" y="2351191"/>
+              <a:off x="4607434" y="2351196"/>
               <a:ext cx="63202" cy="63202"/>
             </a:xfrm>
             <a:custGeom>
@@ -16760,7 +16760,7 @@
           </p:nvSpPr>
           <p:spPr>
             <a:xfrm>
-              <a:off x="4497829" y="2239686"/>
+              <a:off x="4913805" y="2239671"/>
               <a:ext cx="63202" cy="63202"/>
             </a:xfrm>
             <a:custGeom>
@@ -16803,7 +16803,7 @@
           </p:nvSpPr>
           <p:spPr>
             <a:xfrm>
-              <a:off x="4710000" y="2273615"/>
+              <a:off x="5085986" y="2273601"/>
               <a:ext cx="63202" cy="63202"/>
             </a:xfrm>
             <a:custGeom>
@@ -16846,7 +16846,7 @@
           </p:nvSpPr>
           <p:spPr>
             <a:xfrm>
-              <a:off x="4735755" y="2338968"/>
+              <a:off x="5001249" y="2338984"/>
               <a:ext cx="63202" cy="63202"/>
             </a:xfrm>
             <a:custGeom>
@@ -16889,7 +16889,7 @@
           </p:nvSpPr>
           <p:spPr>
             <a:xfrm>
-              <a:off x="4583098" y="2316493"/>
+              <a:off x="4890686" y="2316511"/>
               <a:ext cx="63202" cy="63202"/>
             </a:xfrm>
             <a:custGeom>
@@ -16932,7 +16932,7 @@
           </p:nvSpPr>
           <p:spPr>
             <a:xfrm>
-              <a:off x="4779392" y="2241745"/>
+              <a:off x="4734024" y="2241721"/>
               <a:ext cx="63202" cy="63202"/>
             </a:xfrm>
             <a:custGeom>
@@ -16975,7 +16975,7 @@
           </p:nvSpPr>
           <p:spPr>
             <a:xfrm>
-              <a:off x="4510042" y="2454785"/>
+              <a:off x="4543681" y="2454783"/>
               <a:ext cx="63202" cy="63202"/>
             </a:xfrm>
             <a:custGeom>
@@ -17018,7 +17018,7 @@
           </p:nvSpPr>
           <p:spPr>
             <a:xfrm>
-              <a:off x="4975195" y="2302751"/>
+              <a:off x="4757922" y="2302736"/>
               <a:ext cx="63202" cy="63202"/>
             </a:xfrm>
             <a:custGeom>
@@ -17061,7 +17061,7 @@
           </p:nvSpPr>
           <p:spPr>
             <a:xfrm>
-              <a:off x="5113918" y="2316205"/>
+              <a:off x="4539647" y="2316172"/>
               <a:ext cx="63202" cy="63202"/>
             </a:xfrm>
             <a:custGeom>
@@ -17104,7 +17104,7 @@
           </p:nvSpPr>
           <p:spPr>
             <a:xfrm>
-              <a:off x="4628798" y="2610402"/>
+              <a:off x="5024336" y="2610410"/>
               <a:ext cx="63202" cy="63202"/>
             </a:xfrm>
             <a:custGeom>
@@ -17147,7 +17147,7 @@
           </p:nvSpPr>
           <p:spPr>
             <a:xfrm>
-              <a:off x="5028018" y="2630895"/>
+              <a:off x="4554067" y="2630864"/>
               <a:ext cx="63202" cy="63202"/>
             </a:xfrm>
             <a:custGeom>
@@ -17190,7 +17190,7 @@
           </p:nvSpPr>
           <p:spPr>
             <a:xfrm>
-              <a:off x="4608334" y="2242709"/>
+              <a:off x="4717694" y="2242692"/>
               <a:ext cx="63202" cy="63202"/>
             </a:xfrm>
             <a:custGeom>
@@ -17233,7 +17233,7 @@
           </p:nvSpPr>
           <p:spPr>
             <a:xfrm>
-              <a:off x="5012553" y="2236334"/>
+              <a:off x="4943881" y="2236337"/>
               <a:ext cx="63202" cy="63202"/>
             </a:xfrm>
             <a:custGeom>
@@ -17276,7 +17276,7 @@
           </p:nvSpPr>
           <p:spPr>
             <a:xfrm>
-              <a:off x="4601654" y="2233972"/>
+              <a:off x="5009841" y="2233972"/>
               <a:ext cx="63202" cy="63202"/>
             </a:xfrm>
             <a:custGeom>
@@ -17319,7 +17319,7 @@
           </p:nvSpPr>
           <p:spPr>
             <a:xfrm>
-              <a:off x="4762447" y="2486626"/>
+              <a:off x="4530309" y="2486598"/>
               <a:ext cx="63202" cy="63202"/>
             </a:xfrm>
             <a:custGeom>
@@ -17362,7 +17362,7 @@
           </p:nvSpPr>
           <p:spPr>
             <a:xfrm>
-              <a:off x="4745636" y="2283034"/>
+              <a:off x="4577307" y="2283051"/>
               <a:ext cx="63202" cy="63202"/>
             </a:xfrm>
             <a:custGeom>
@@ -17405,7 +17405,7 @@
           </p:nvSpPr>
           <p:spPr>
             <a:xfrm>
-              <a:off x="4857377" y="2242402"/>
+              <a:off x="4750803" y="2242422"/>
               <a:ext cx="63202" cy="63202"/>
             </a:xfrm>
             <a:custGeom>
@@ -17448,7 +17448,7 @@
           </p:nvSpPr>
           <p:spPr>
             <a:xfrm>
-              <a:off x="4940115" y="2481029"/>
+              <a:off x="4564750" y="2481029"/>
               <a:ext cx="63202" cy="63202"/>
             </a:xfrm>
             <a:custGeom>
@@ -17491,7 +17491,7 @@
           </p:nvSpPr>
           <p:spPr>
             <a:xfrm>
-              <a:off x="5088818" y="2236329"/>
+              <a:off x="4629661" y="2236334"/>
               <a:ext cx="63202" cy="63202"/>
             </a:xfrm>
             <a:custGeom>
@@ -17534,7 +17534,7 @@
           </p:nvSpPr>
           <p:spPr>
             <a:xfrm>
-              <a:off x="4776275" y="2238729"/>
+              <a:off x="4877621" y="2238732"/>
               <a:ext cx="63202" cy="63202"/>
             </a:xfrm>
             <a:custGeom>
@@ -17577,7 +17577,7 @@
           </p:nvSpPr>
           <p:spPr>
             <a:xfrm>
-              <a:off x="4790935" y="2275771"/>
+              <a:off x="5114909" y="2275777"/>
               <a:ext cx="63202" cy="63202"/>
             </a:xfrm>
             <a:custGeom>
@@ -17620,7 +17620,7 @@
           </p:nvSpPr>
           <p:spPr>
             <a:xfrm>
-              <a:off x="5156970" y="2240462"/>
+              <a:off x="5023012" y="2240440"/>
               <a:ext cx="63202" cy="63202"/>
             </a:xfrm>
             <a:custGeom>
@@ -17663,7 +17663,7 @@
           </p:nvSpPr>
           <p:spPr>
             <a:xfrm>
-              <a:off x="4876907" y="2398570"/>
+              <a:off x="4641443" y="2398596"/>
               <a:ext cx="63202" cy="63202"/>
             </a:xfrm>
             <a:custGeom>
@@ -17706,7 +17706,7 @@
           </p:nvSpPr>
           <p:spPr>
             <a:xfrm>
-              <a:off x="4992100" y="2238423"/>
+              <a:off x="4740285" y="2238418"/>
               <a:ext cx="63202" cy="63202"/>
             </a:xfrm>
             <a:custGeom>
@@ -17749,7 +17749,7 @@
           </p:nvSpPr>
           <p:spPr>
             <a:xfrm>
-              <a:off x="5027870" y="2244024"/>
+              <a:off x="4578421" y="2243985"/>
               <a:ext cx="63202" cy="63202"/>
             </a:xfrm>
             <a:custGeom>
@@ -17848,7 +17848,7 @@
           </p:nvSpPr>
           <p:spPr>
             <a:xfrm>
-              <a:off x="4325757" y="4740939"/>
+              <a:off x="4325757" y="4740942"/>
               <a:ext cx="2796732" cy="0"/>
             </a:xfrm>
             <a:custGeom>
@@ -17891,7 +17891,7 @@
           </p:nvSpPr>
           <p:spPr>
             <a:xfrm>
-              <a:off x="4325757" y="4286969"/>
+              <a:off x="4325757" y="4286961"/>
               <a:ext cx="2796732" cy="0"/>
             </a:xfrm>
             <a:custGeom>
@@ -17934,7 +17934,7 @@
           </p:nvSpPr>
           <p:spPr>
             <a:xfrm>
-              <a:off x="4325757" y="3832999"/>
+              <a:off x="4325757" y="3832980"/>
               <a:ext cx="2796732" cy="0"/>
             </a:xfrm>
             <a:custGeom>
@@ -17977,7 +17977,7 @@
           </p:nvSpPr>
           <p:spPr>
             <a:xfrm>
-              <a:off x="4325757" y="3379029"/>
+              <a:off x="4325757" y="3378999"/>
               <a:ext cx="2796732" cy="0"/>
             </a:xfrm>
             <a:custGeom>
@@ -18020,7 +18020,7 @@
           </p:nvSpPr>
           <p:spPr>
             <a:xfrm>
-              <a:off x="4325757" y="4967924"/>
+              <a:off x="4325757" y="4967933"/>
               <a:ext cx="2796732" cy="0"/>
             </a:xfrm>
             <a:custGeom>
@@ -18063,7 +18063,7 @@
           </p:nvSpPr>
           <p:spPr>
             <a:xfrm>
-              <a:off x="4325757" y="4513954"/>
+              <a:off x="4325757" y="4513952"/>
               <a:ext cx="2796732" cy="0"/>
             </a:xfrm>
             <a:custGeom>
@@ -18106,7 +18106,7 @@
           </p:nvSpPr>
           <p:spPr>
             <a:xfrm>
-              <a:off x="4325757" y="4059984"/>
+              <a:off x="4325757" y="4059971"/>
               <a:ext cx="2796732" cy="0"/>
             </a:xfrm>
             <a:custGeom>
@@ -18149,7 +18149,7 @@
           </p:nvSpPr>
           <p:spPr>
             <a:xfrm>
-              <a:off x="4325757" y="3606014"/>
+              <a:off x="4325757" y="3605989"/>
               <a:ext cx="2796732" cy="0"/>
             </a:xfrm>
             <a:custGeom>
@@ -18321,7 +18321,7 @@
           </p:nvSpPr>
           <p:spPr>
             <a:xfrm>
-              <a:off x="4660915" y="4367027"/>
+              <a:off x="4771871" y="4367035"/>
               <a:ext cx="63202" cy="63202"/>
             </a:xfrm>
             <a:custGeom>
@@ -18364,7 +18364,7 @@
           </p:nvSpPr>
           <p:spPr>
             <a:xfrm>
-              <a:off x="4659492" y="4304813"/>
+              <a:off x="4471443" y="4304811"/>
               <a:ext cx="63202" cy="63202"/>
             </a:xfrm>
             <a:custGeom>
@@ -18407,7 +18407,7 @@
           </p:nvSpPr>
           <p:spPr>
             <a:xfrm>
-              <a:off x="5837691" y="4227915"/>
+              <a:off x="6024466" y="4227895"/>
               <a:ext cx="63202" cy="63202"/>
             </a:xfrm>
             <a:custGeom>
@@ -18450,7 +18450,7 @@
           </p:nvSpPr>
           <p:spPr>
             <a:xfrm>
-              <a:off x="6576899" y="4769062"/>
+              <a:off x="6386623" y="4769073"/>
               <a:ext cx="63202" cy="63202"/>
             </a:xfrm>
             <a:custGeom>
@@ -18493,7 +18493,7 @@
           </p:nvSpPr>
           <p:spPr>
             <a:xfrm>
-              <a:off x="6641660" y="4883747"/>
+              <a:off x="6338036" y="4883747"/>
               <a:ext cx="63202" cy="63202"/>
             </a:xfrm>
             <a:custGeom>
@@ -18536,7 +18536,7 @@
           </p:nvSpPr>
           <p:spPr>
             <a:xfrm>
-              <a:off x="6795288" y="4687355"/>
+              <a:off x="6255539" y="4687370"/>
               <a:ext cx="63202" cy="63202"/>
             </a:xfrm>
             <a:custGeom>
@@ -18579,7 +18579,7 @@
           </p:nvSpPr>
           <p:spPr>
             <a:xfrm>
-              <a:off x="6256161" y="4864379"/>
+              <a:off x="6297674" y="4864387"/>
               <a:ext cx="63202" cy="63202"/>
             </a:xfrm>
             <a:custGeom>
@@ -18678,7 +18678,7 @@
           </p:nvSpPr>
           <p:spPr>
             <a:xfrm>
-              <a:off x="4325757" y="6666272"/>
+              <a:off x="4325757" y="6666275"/>
               <a:ext cx="2796732" cy="0"/>
             </a:xfrm>
             <a:custGeom>
@@ -18721,7 +18721,7 @@
           </p:nvSpPr>
           <p:spPr>
             <a:xfrm>
-              <a:off x="4325757" y="6212302"/>
+              <a:off x="4325757" y="6212294"/>
               <a:ext cx="2796732" cy="0"/>
             </a:xfrm>
             <a:custGeom>
@@ -18764,7 +18764,7 @@
           </p:nvSpPr>
           <p:spPr>
             <a:xfrm>
-              <a:off x="4325757" y="5758332"/>
+              <a:off x="4325757" y="5758313"/>
               <a:ext cx="2796732" cy="0"/>
             </a:xfrm>
             <a:custGeom>
@@ -18807,7 +18807,7 @@
           </p:nvSpPr>
           <p:spPr>
             <a:xfrm>
-              <a:off x="4325757" y="5304362"/>
+              <a:off x="4325757" y="5304331"/>
               <a:ext cx="2796732" cy="0"/>
             </a:xfrm>
             <a:custGeom>
@@ -18850,7 +18850,7 @@
           </p:nvSpPr>
           <p:spPr>
             <a:xfrm>
-              <a:off x="4325757" y="6893257"/>
+              <a:off x="4325757" y="6893265"/>
               <a:ext cx="2796732" cy="0"/>
             </a:xfrm>
             <a:custGeom>
@@ -18893,7 +18893,7 @@
           </p:nvSpPr>
           <p:spPr>
             <a:xfrm>
-              <a:off x="4325757" y="6439287"/>
+              <a:off x="4325757" y="6439284"/>
               <a:ext cx="2796732" cy="0"/>
             </a:xfrm>
             <a:custGeom>
@@ -18936,7 +18936,7 @@
           </p:nvSpPr>
           <p:spPr>
             <a:xfrm>
-              <a:off x="4325757" y="5985317"/>
+              <a:off x="4325757" y="5985303"/>
               <a:ext cx="2796732" cy="0"/>
             </a:xfrm>
             <a:custGeom>
@@ -18979,7 +18979,7 @@
           </p:nvSpPr>
           <p:spPr>
             <a:xfrm>
-              <a:off x="4325757" y="5531347"/>
+              <a:off x="4325757" y="5531322"/>
               <a:ext cx="2796732" cy="0"/>
             </a:xfrm>
             <a:custGeom>
@@ -19151,7 +19151,7 @@
           </p:nvSpPr>
           <p:spPr>
             <a:xfrm>
-              <a:off x="4823764" y="5890203"/>
+              <a:off x="4869948" y="5890194"/>
               <a:ext cx="63202" cy="63202"/>
             </a:xfrm>
             <a:custGeom>
@@ -19194,7 +19194,7 @@
           </p:nvSpPr>
           <p:spPr>
             <a:xfrm>
-              <a:off x="4626720" y="5865728"/>
+              <a:off x="4846909" y="5865703"/>
               <a:ext cx="63202" cy="63202"/>
             </a:xfrm>
             <a:custGeom>
@@ -19237,7 +19237,7 @@
           </p:nvSpPr>
           <p:spPr>
             <a:xfrm>
-              <a:off x="5083745" y="5923252"/>
+              <a:off x="5063006" y="5923222"/>
               <a:ext cx="63202" cy="63202"/>
             </a:xfrm>
             <a:custGeom>
@@ -19280,7 +19280,7 @@
           </p:nvSpPr>
           <p:spPr>
             <a:xfrm>
-              <a:off x="4929198" y="5811791"/>
+              <a:off x="4647658" y="5811790"/>
               <a:ext cx="63202" cy="63202"/>
             </a:xfrm>
             <a:custGeom>
@@ -19323,7 +19323,7 @@
           </p:nvSpPr>
           <p:spPr>
             <a:xfrm>
-              <a:off x="4652005" y="5866220"/>
+              <a:off x="4795740" y="5866202"/>
               <a:ext cx="63202" cy="63202"/>
             </a:xfrm>
             <a:custGeom>
@@ -19366,7 +19366,7 @@
           </p:nvSpPr>
           <p:spPr>
             <a:xfrm>
-              <a:off x="4894592" y="5881816"/>
+              <a:off x="5113862" y="5881779"/>
               <a:ext cx="63202" cy="63202"/>
             </a:xfrm>
             <a:custGeom>
@@ -19409,7 +19409,7 @@
           </p:nvSpPr>
           <p:spPr>
             <a:xfrm>
-              <a:off x="4487316" y="5864273"/>
+              <a:off x="4879905" y="5864280"/>
               <a:ext cx="63202" cy="63202"/>
             </a:xfrm>
             <a:custGeom>
@@ -19452,7 +19452,7 @@
           </p:nvSpPr>
           <p:spPr>
             <a:xfrm>
-              <a:off x="5150678" y="5932998"/>
+              <a:off x="4940371" y="5933017"/>
               <a:ext cx="63202" cy="63202"/>
             </a:xfrm>
             <a:custGeom>
@@ -19495,7 +19495,7 @@
           </p:nvSpPr>
           <p:spPr>
             <a:xfrm>
-              <a:off x="4828699" y="6091298"/>
+              <a:off x="4486194" y="6091317"/>
               <a:ext cx="63202" cy="63202"/>
             </a:xfrm>
             <a:custGeom>
@@ -19538,7 +19538,7 @@
           </p:nvSpPr>
           <p:spPr>
             <a:xfrm>
-              <a:off x="4516133" y="5923127"/>
+              <a:off x="5115550" y="5923094"/>
               <a:ext cx="63202" cy="63202"/>
             </a:xfrm>
             <a:custGeom>
@@ -19581,7 +19581,7 @@
           </p:nvSpPr>
           <p:spPr>
             <a:xfrm>
-              <a:off x="4614541" y="5929729"/>
+              <a:off x="4963293" y="5929719"/>
               <a:ext cx="63202" cy="63202"/>
             </a:xfrm>
             <a:custGeom>
@@ -19624,7 +19624,7 @@
           </p:nvSpPr>
           <p:spPr>
             <a:xfrm>
-              <a:off x="4794009" y="6079888"/>
+              <a:off x="4474513" y="6079848"/>
               <a:ext cx="63202" cy="63202"/>
             </a:xfrm>
             <a:custGeom>
@@ -19667,7 +19667,7 @@
           </p:nvSpPr>
           <p:spPr>
             <a:xfrm>
-              <a:off x="4878103" y="6082066"/>
+              <a:off x="4815417" y="6082040"/>
               <a:ext cx="63202" cy="63202"/>
             </a:xfrm>
             <a:custGeom>
@@ -19710,7 +19710,7 @@
           </p:nvSpPr>
           <p:spPr>
             <a:xfrm>
-              <a:off x="4821116" y="5899860"/>
+              <a:off x="4742201" y="5899862"/>
               <a:ext cx="63202" cy="63202"/>
             </a:xfrm>
             <a:custGeom>
@@ -19753,7 +19753,7 @@
           </p:nvSpPr>
           <p:spPr>
             <a:xfrm>
-              <a:off x="4828790" y="5930374"/>
+              <a:off x="4838774" y="5930363"/>
               <a:ext cx="63202" cy="63202"/>
             </a:xfrm>
             <a:custGeom>
@@ -19796,7 +19796,7 @@
           </p:nvSpPr>
           <p:spPr>
             <a:xfrm>
-              <a:off x="4680540" y="5848195"/>
+              <a:off x="4958477" y="5848201"/>
               <a:ext cx="63202" cy="63202"/>
             </a:xfrm>
             <a:custGeom>
@@ -19839,7 +19839,7 @@
           </p:nvSpPr>
           <p:spPr>
             <a:xfrm>
-              <a:off x="5068309" y="5912176"/>
+              <a:off x="4937481" y="5912168"/>
               <a:ext cx="63202" cy="63202"/>
             </a:xfrm>
             <a:custGeom>
@@ -19882,7 +19882,7 @@
           </p:nvSpPr>
           <p:spPr>
             <a:xfrm>
-              <a:off x="4682792" y="5859909"/>
+              <a:off x="4631052" y="5859912"/>
               <a:ext cx="63202" cy="63202"/>
             </a:xfrm>
             <a:custGeom>
@@ -19925,7 +19925,7 @@
           </p:nvSpPr>
           <p:spPr>
             <a:xfrm>
-              <a:off x="4788742" y="5887088"/>
+              <a:off x="4701799" y="5887041"/>
               <a:ext cx="63202" cy="63202"/>
             </a:xfrm>
             <a:custGeom>
@@ -19968,7 +19968,7 @@
           </p:nvSpPr>
           <p:spPr>
             <a:xfrm>
-              <a:off x="5136264" y="5845363"/>
+              <a:off x="5090955" y="5845330"/>
               <a:ext cx="63202" cy="63202"/>
             </a:xfrm>
             <a:custGeom>
@@ -20011,7 +20011,7 @@
           </p:nvSpPr>
           <p:spPr>
             <a:xfrm>
-              <a:off x="4989651" y="6194712"/>
+              <a:off x="5147528" y="6194705"/>
               <a:ext cx="63202" cy="63202"/>
             </a:xfrm>
             <a:custGeom>
@@ -20054,7 +20054,7 @@
           </p:nvSpPr>
           <p:spPr>
             <a:xfrm>
-              <a:off x="4819825" y="5886013"/>
+              <a:off x="5131644" y="5886021"/>
               <a:ext cx="63202" cy="63202"/>
             </a:xfrm>
             <a:custGeom>
@@ -20097,7 +20097,7 @@
           </p:nvSpPr>
           <p:spPr>
             <a:xfrm>
-              <a:off x="4604223" y="5883681"/>
+              <a:off x="4680580" y="5883635"/>
               <a:ext cx="63202" cy="63202"/>
             </a:xfrm>
             <a:custGeom>
@@ -20140,7 +20140,7 @@
           </p:nvSpPr>
           <p:spPr>
             <a:xfrm>
-              <a:off x="4958971" y="5854757"/>
+              <a:off x="4568691" y="5854737"/>
               <a:ext cx="63202" cy="63202"/>
             </a:xfrm>
             <a:custGeom>
@@ -20183,7 +20183,7 @@
           </p:nvSpPr>
           <p:spPr>
             <a:xfrm>
-              <a:off x="5132571" y="5863927"/>
+              <a:off x="5086293" y="5863916"/>
               <a:ext cx="63202" cy="63202"/>
             </a:xfrm>
             <a:custGeom>
@@ -20226,7 +20226,7 @@
           </p:nvSpPr>
           <p:spPr>
             <a:xfrm>
-              <a:off x="4494946" y="5882653"/>
+              <a:off x="5078985" y="5882655"/>
               <a:ext cx="63202" cy="63202"/>
             </a:xfrm>
             <a:custGeom>
@@ -20269,7 +20269,7 @@
           </p:nvSpPr>
           <p:spPr>
             <a:xfrm>
-              <a:off x="4616146" y="5881573"/>
+              <a:off x="5163092" y="5881571"/>
               <a:ext cx="63202" cy="63202"/>
             </a:xfrm>
             <a:custGeom>
@@ -20312,7 +20312,7 @@
           </p:nvSpPr>
           <p:spPr>
             <a:xfrm>
-              <a:off x="5140637" y="5865661"/>
+              <a:off x="4519905" y="5865635"/>
               <a:ext cx="63202" cy="63202"/>
             </a:xfrm>
             <a:custGeom>
@@ -20355,7 +20355,7 @@
           </p:nvSpPr>
           <p:spPr>
             <a:xfrm>
-              <a:off x="4958390" y="5922787"/>
+              <a:off x="4519298" y="5922771"/>
               <a:ext cx="63202" cy="63202"/>
             </a:xfrm>
             <a:custGeom>
@@ -20398,7 +20398,7 @@
           </p:nvSpPr>
           <p:spPr>
             <a:xfrm>
-              <a:off x="4657841" y="5901281"/>
+              <a:off x="5015416" y="5901266"/>
               <a:ext cx="63202" cy="63202"/>
             </a:xfrm>
             <a:custGeom>
@@ -20441,7 +20441,7 @@
           </p:nvSpPr>
           <p:spPr>
             <a:xfrm>
-              <a:off x="5017555" y="5889061"/>
+              <a:off x="5162555" y="5889066"/>
               <a:ext cx="63202" cy="63202"/>
             </a:xfrm>
             <a:custGeom>
@@ -20484,7 +20484,7 @@
           </p:nvSpPr>
           <p:spPr>
             <a:xfrm>
-              <a:off x="4963388" y="5854764"/>
+              <a:off x="5017880" y="5854742"/>
               <a:ext cx="63202" cy="63202"/>
             </a:xfrm>
             <a:custGeom>
@@ -20527,7 +20527,7 @@
           </p:nvSpPr>
           <p:spPr>
             <a:xfrm>
-              <a:off x="4840115" y="5864276"/>
+              <a:off x="5124403" y="5864285"/>
               <a:ext cx="63202" cy="63202"/>
             </a:xfrm>
             <a:custGeom>
@@ -20570,7 +20570,7 @@
           </p:nvSpPr>
           <p:spPr>
             <a:xfrm>
-              <a:off x="4587912" y="5864266"/>
+              <a:off x="4890060" y="5864265"/>
               <a:ext cx="63202" cy="63202"/>
             </a:xfrm>
             <a:custGeom>
@@ -20613,7 +20613,7 @@
           </p:nvSpPr>
           <p:spPr>
             <a:xfrm>
-              <a:off x="4928367" y="5889194"/>
+              <a:off x="4760761" y="5889206"/>
               <a:ext cx="63202" cy="63202"/>
             </a:xfrm>
             <a:custGeom>
@@ -20656,7 +20656,7 @@
           </p:nvSpPr>
           <p:spPr>
             <a:xfrm>
-              <a:off x="4750590" y="5890073"/>
+              <a:off x="4953556" y="5890044"/>
               <a:ext cx="63202" cy="63202"/>
             </a:xfrm>
             <a:custGeom>
@@ -20699,7 +20699,7 @@
           </p:nvSpPr>
           <p:spPr>
             <a:xfrm>
-              <a:off x="4848450" y="6023428"/>
+              <a:off x="4974029" y="6023416"/>
               <a:ext cx="63202" cy="63202"/>
             </a:xfrm>
             <a:custGeom>
@@ -20742,7 +20742,7 @@
           </p:nvSpPr>
           <p:spPr>
             <a:xfrm>
-              <a:off x="4907969" y="5857733"/>
+              <a:off x="5090037" y="5857721"/>
               <a:ext cx="63202" cy="63202"/>
             </a:xfrm>
             <a:custGeom>
@@ -20785,7 +20785,7 @@
           </p:nvSpPr>
           <p:spPr>
             <a:xfrm>
-              <a:off x="4551774" y="5892157"/>
+              <a:off x="4823274" y="5892125"/>
               <a:ext cx="63202" cy="63202"/>
             </a:xfrm>
             <a:custGeom>
@@ -20828,7 +20828,7 @@
           </p:nvSpPr>
           <p:spPr>
             <a:xfrm>
-              <a:off x="4660039" y="5917846"/>
+              <a:off x="4886675" y="5917821"/>
               <a:ext cx="63202" cy="63202"/>
             </a:xfrm>
             <a:custGeom>
@@ -20871,7 +20871,7 @@
           </p:nvSpPr>
           <p:spPr>
             <a:xfrm>
-              <a:off x="4930880" y="5862020"/>
+              <a:off x="4814711" y="5862014"/>
               <a:ext cx="63202" cy="63202"/>
             </a:xfrm>
             <a:custGeom>
@@ -20914,7 +20914,7 @@
           </p:nvSpPr>
           <p:spPr>
             <a:xfrm>
-              <a:off x="4521265" y="5878815"/>
+              <a:off x="4970460" y="5878779"/>
               <a:ext cx="63202" cy="63202"/>
             </a:xfrm>
             <a:custGeom>
@@ -20957,7 +20957,7 @@
           </p:nvSpPr>
           <p:spPr>
             <a:xfrm>
-              <a:off x="4566735" y="6183774"/>
+              <a:off x="4553279" y="6183798"/>
               <a:ext cx="63202" cy="63202"/>
             </a:xfrm>
             <a:custGeom>
@@ -21000,7 +21000,7 @@
           </p:nvSpPr>
           <p:spPr>
             <a:xfrm>
-              <a:off x="4553705" y="5889688"/>
+              <a:off x="5015045" y="5889683"/>
               <a:ext cx="63202" cy="63202"/>
             </a:xfrm>
             <a:custGeom>
@@ -21043,7 +21043,7 @@
           </p:nvSpPr>
           <p:spPr>
             <a:xfrm>
-              <a:off x="4548269" y="6015776"/>
+              <a:off x="4481146" y="6015775"/>
               <a:ext cx="63202" cy="63202"/>
             </a:xfrm>
             <a:custGeom>
@@ -21086,7 +21086,7 @@
           </p:nvSpPr>
           <p:spPr>
             <a:xfrm>
-              <a:off x="4851365" y="5864148"/>
+              <a:off x="4995027" y="5864145"/>
               <a:ext cx="63202" cy="63202"/>
             </a:xfrm>
             <a:custGeom>
@@ -21129,7 +21129,7 @@
           </p:nvSpPr>
           <p:spPr>
             <a:xfrm>
-              <a:off x="4732228" y="6004296"/>
+              <a:off x="4590812" y="6004260"/>
               <a:ext cx="63202" cy="63202"/>
             </a:xfrm>
             <a:custGeom>
@@ -21172,7 +21172,7 @@
           </p:nvSpPr>
           <p:spPr>
             <a:xfrm>
-              <a:off x="5048986" y="5866973"/>
+              <a:off x="4536366" y="5866948"/>
               <a:ext cx="63202" cy="63202"/>
             </a:xfrm>
             <a:custGeom>
@@ -21215,7 +21215,7 @@
           </p:nvSpPr>
           <p:spPr>
             <a:xfrm>
-              <a:off x="5110618" y="5898618"/>
+              <a:off x="4896025" y="5898581"/>
               <a:ext cx="63202" cy="63202"/>
             </a:xfrm>
             <a:custGeom>
@@ -21258,7 +21258,7 @@
           </p:nvSpPr>
           <p:spPr>
             <a:xfrm>
-              <a:off x="5151694" y="5875326"/>
+              <a:off x="4611224" y="5875287"/>
               <a:ext cx="63202" cy="63202"/>
             </a:xfrm>
             <a:custGeom>
@@ -21301,7 +21301,7 @@
           </p:nvSpPr>
           <p:spPr>
             <a:xfrm>
-              <a:off x="4708095" y="5939605"/>
+              <a:off x="4497757" y="5939571"/>
               <a:ext cx="63202" cy="63202"/>
             </a:xfrm>
             <a:custGeom>
@@ -21344,7 +21344,7 @@
           </p:nvSpPr>
           <p:spPr>
             <a:xfrm>
-              <a:off x="4997987" y="5899146"/>
+              <a:off x="4837955" y="5899140"/>
               <a:ext cx="63202" cy="63202"/>
             </a:xfrm>
             <a:custGeom>
@@ -21387,7 +21387,7 @@
           </p:nvSpPr>
           <p:spPr>
             <a:xfrm>
-              <a:off x="4477328" y="6159378"/>
+              <a:off x="4771618" y="6159341"/>
               <a:ext cx="63202" cy="63202"/>
             </a:xfrm>
             <a:custGeom>
@@ -21430,7 +21430,7 @@
           </p:nvSpPr>
           <p:spPr>
             <a:xfrm>
-              <a:off x="4509598" y="6107688"/>
+              <a:off x="5000781" y="6107709"/>
               <a:ext cx="63202" cy="63202"/>
             </a:xfrm>
             <a:custGeom>
@@ -21473,7 +21473,7 @@
           </p:nvSpPr>
           <p:spPr>
             <a:xfrm>
-              <a:off x="5125212" y="5862867"/>
+              <a:off x="5107717" y="5862853"/>
               <a:ext cx="63202" cy="63202"/>
             </a:xfrm>
             <a:custGeom>
@@ -21516,7 +21516,7 @@
           </p:nvSpPr>
           <p:spPr>
             <a:xfrm>
-              <a:off x="4997237" y="5917188"/>
+              <a:off x="4910656" y="5917152"/>
               <a:ext cx="63202" cy="63202"/>
             </a:xfrm>
             <a:custGeom>
@@ -21559,7 +21559,7 @@
           </p:nvSpPr>
           <p:spPr>
             <a:xfrm>
-              <a:off x="5141429" y="5988945"/>
+              <a:off x="5063579" y="5988924"/>
               <a:ext cx="63202" cy="63202"/>
             </a:xfrm>
             <a:custGeom>
@@ -21602,7 +21602,7 @@
           </p:nvSpPr>
           <p:spPr>
             <a:xfrm>
-              <a:off x="4688835" y="5870057"/>
+              <a:off x="4893438" y="5870018"/>
               <a:ext cx="63202" cy="63202"/>
             </a:xfrm>
             <a:custGeom>
@@ -21645,7 +21645,7 @@
           </p:nvSpPr>
           <p:spPr>
             <a:xfrm>
-              <a:off x="4868566" y="5858835"/>
+              <a:off x="4783862" y="5858815"/>
               <a:ext cx="63202" cy="63202"/>
             </a:xfrm>
             <a:custGeom>
@@ -21688,7 +21688,7 @@
           </p:nvSpPr>
           <p:spPr>
             <a:xfrm>
-              <a:off x="4585134" y="5924810"/>
+              <a:off x="4667057" y="5924795"/>
               <a:ext cx="63202" cy="63202"/>
             </a:xfrm>
             <a:custGeom>
@@ -21731,7 +21731,7 @@
           </p:nvSpPr>
           <p:spPr>
             <a:xfrm>
-              <a:off x="5020228" y="5925329"/>
+              <a:off x="4799958" y="5925343"/>
               <a:ext cx="63202" cy="63202"/>
             </a:xfrm>
             <a:custGeom>
@@ -21774,7 +21774,7 @@
           </p:nvSpPr>
           <p:spPr>
             <a:xfrm>
-              <a:off x="4526223" y="5931820"/>
+              <a:off x="4616117" y="5931816"/>
               <a:ext cx="63202" cy="63202"/>
             </a:xfrm>
             <a:custGeom>
@@ -21817,7 +21817,7 @@
           </p:nvSpPr>
           <p:spPr>
             <a:xfrm>
-              <a:off x="4490058" y="6193676"/>
+              <a:off x="4651983" y="6193681"/>
               <a:ext cx="63202" cy="63202"/>
             </a:xfrm>
             <a:custGeom>
@@ -21860,7 +21860,7 @@
           </p:nvSpPr>
           <p:spPr>
             <a:xfrm>
-              <a:off x="4597972" y="5867024"/>
+              <a:off x="4669706" y="5866985"/>
               <a:ext cx="63202" cy="63202"/>
             </a:xfrm>
             <a:custGeom>
@@ -21903,7 +21903,7 @@
           </p:nvSpPr>
           <p:spPr>
             <a:xfrm>
-              <a:off x="4498258" y="5878567"/>
+              <a:off x="4830146" y="5878555"/>
               <a:ext cx="63202" cy="63202"/>
             </a:xfrm>
             <a:custGeom>
@@ -21946,7 +21946,7 @@
           </p:nvSpPr>
           <p:spPr>
             <a:xfrm>
-              <a:off x="4714638" y="5930828"/>
+              <a:off x="4716549" y="5930813"/>
               <a:ext cx="63202" cy="63202"/>
             </a:xfrm>
             <a:custGeom>
@@ -21989,7 +21989,7 @@
           </p:nvSpPr>
           <p:spPr>
             <a:xfrm>
-              <a:off x="4563121" y="5874333"/>
+              <a:off x="4961504" y="5874303"/>
               <a:ext cx="63202" cy="63202"/>
             </a:xfrm>
             <a:custGeom>
@@ -22032,7 +22032,7 @@
           </p:nvSpPr>
           <p:spPr>
             <a:xfrm>
-              <a:off x="4540391" y="5872191"/>
+              <a:off x="4848568" y="5872163"/>
               <a:ext cx="63202" cy="63202"/>
             </a:xfrm>
             <a:custGeom>
@@ -22075,7 +22075,7 @@
           </p:nvSpPr>
           <p:spPr>
             <a:xfrm>
-              <a:off x="4791854" y="6101633"/>
+              <a:off x="4939415" y="6101592"/>
               <a:ext cx="63202" cy="63202"/>
             </a:xfrm>
             <a:custGeom>
@@ -22118,7 +22118,7 @@
           </p:nvSpPr>
           <p:spPr>
             <a:xfrm>
-              <a:off x="5131332" y="5858976"/>
+              <a:off x="4577088" y="5858974"/>
               <a:ext cx="63202" cy="63202"/>
             </a:xfrm>
             <a:custGeom>
@@ -22161,7 +22161,7 @@
           </p:nvSpPr>
           <p:spPr>
             <a:xfrm>
-              <a:off x="4798213" y="5861527"/>
+              <a:off x="4630243" y="5861499"/>
               <a:ext cx="63202" cy="63202"/>
             </a:xfrm>
             <a:custGeom>
@@ -22204,7 +22204,7 @@
           </p:nvSpPr>
           <p:spPr>
             <a:xfrm>
-              <a:off x="4959445" y="5851530"/>
+              <a:off x="4756292" y="5851513"/>
               <a:ext cx="63202" cy="63202"/>
             </a:xfrm>
             <a:custGeom>
@@ -22247,7 +22247,7 @@
           </p:nvSpPr>
           <p:spPr>
             <a:xfrm>
-              <a:off x="4890488" y="6108910"/>
+              <a:off x="4929700" y="6108900"/>
               <a:ext cx="63202" cy="63202"/>
             </a:xfrm>
             <a:custGeom>
@@ -22290,7 +22290,7 @@
           </p:nvSpPr>
           <p:spPr>
             <a:xfrm>
-              <a:off x="4593018" y="5865467"/>
+              <a:off x="5151385" y="5865430"/>
               <a:ext cx="63202" cy="63202"/>
             </a:xfrm>
             <a:custGeom>
@@ -22333,7 +22333,7 @@
           </p:nvSpPr>
           <p:spPr>
             <a:xfrm>
-              <a:off x="4876022" y="5869687"/>
+              <a:off x="4484553" y="5869656"/>
               <a:ext cx="63202" cy="63202"/>
             </a:xfrm>
             <a:custGeom>
@@ -22376,7 +22376,7 @@
           </p:nvSpPr>
           <p:spPr>
             <a:xfrm>
-              <a:off x="4771111" y="6004293"/>
+              <a:off x="4505886" y="6004265"/>
               <a:ext cx="63202" cy="63202"/>
             </a:xfrm>
             <a:custGeom>
@@ -22419,7 +22419,7 @@
           </p:nvSpPr>
           <p:spPr>
             <a:xfrm>
-              <a:off x="5145829" y="5931457"/>
+              <a:off x="4711183" y="5931467"/>
               <a:ext cx="63202" cy="63202"/>
             </a:xfrm>
             <a:custGeom>
@@ -22462,7 +22462,7 @@
           </p:nvSpPr>
           <p:spPr>
             <a:xfrm>
-              <a:off x="4849682" y="5927881"/>
+              <a:off x="4826997" y="5927886"/>
               <a:ext cx="63202" cy="63202"/>
             </a:xfrm>
             <a:custGeom>
@@ -22505,7 +22505,7 @@
           </p:nvSpPr>
           <p:spPr>
             <a:xfrm>
-              <a:off x="4636969" y="5871000"/>
+              <a:off x="4731534" y="5870999"/>
               <a:ext cx="63202" cy="63202"/>
             </a:xfrm>
             <a:custGeom>
@@ -22548,7 +22548,7 @@
           </p:nvSpPr>
           <p:spPr>
             <a:xfrm>
-              <a:off x="4616944" y="5871457"/>
+              <a:off x="4990360" y="5871451"/>
               <a:ext cx="63202" cy="63202"/>
             </a:xfrm>
             <a:custGeom>
@@ -22591,7 +22591,7 @@
           </p:nvSpPr>
           <p:spPr>
             <a:xfrm>
-              <a:off x="4972369" y="5891970"/>
+              <a:off x="4809950" y="5891973"/>
               <a:ext cx="63202" cy="63202"/>
             </a:xfrm>
             <a:custGeom>
@@ -22634,7 +22634,7 @@
           </p:nvSpPr>
           <p:spPr>
             <a:xfrm>
-              <a:off x="4478869" y="6126487"/>
+              <a:off x="5040677" y="6126499"/>
               <a:ext cx="63202" cy="63202"/>
             </a:xfrm>
             <a:custGeom>
@@ -22677,7 +22677,7 @@
           </p:nvSpPr>
           <p:spPr>
             <a:xfrm>
-              <a:off x="4713491" y="6319739"/>
+              <a:off x="4768299" y="6319743"/>
               <a:ext cx="63202" cy="63202"/>
             </a:xfrm>
             <a:custGeom>
@@ -22720,7 +22720,7 @@
           </p:nvSpPr>
           <p:spPr>
             <a:xfrm>
-              <a:off x="5078561" y="5891140"/>
+              <a:off x="4916464" y="5891132"/>
               <a:ext cx="63202" cy="63202"/>
             </a:xfrm>
             <a:custGeom>
@@ -22763,7 +22763,7 @@
           </p:nvSpPr>
           <p:spPr>
             <a:xfrm>
-              <a:off x="4579517" y="6680423"/>
+              <a:off x="4877913" y="6680423"/>
               <a:ext cx="63202" cy="63202"/>
             </a:xfrm>
             <a:custGeom>
@@ -22806,7 +22806,7 @@
           </p:nvSpPr>
           <p:spPr>
             <a:xfrm>
-              <a:off x="4967887" y="5940446"/>
+              <a:off x="4954828" y="5940439"/>
               <a:ext cx="63202" cy="63202"/>
             </a:xfrm>
             <a:custGeom>
@@ -22849,7 +22849,7 @@
           </p:nvSpPr>
           <p:spPr>
             <a:xfrm>
-              <a:off x="4524982" y="5897298"/>
+              <a:off x="5050591" y="5897289"/>
               <a:ext cx="63202" cy="63202"/>
             </a:xfrm>
             <a:custGeom>
@@ -22892,7 +22892,7 @@
           </p:nvSpPr>
           <p:spPr>
             <a:xfrm>
-              <a:off x="5003737" y="5856096"/>
+              <a:off x="5069053" y="5856112"/>
               <a:ext cx="63202" cy="63202"/>
             </a:xfrm>
             <a:custGeom>
@@ -22935,7 +22935,7 @@
           </p:nvSpPr>
           <p:spPr>
             <a:xfrm>
-              <a:off x="4659012" y="5953616"/>
+              <a:off x="4676909" y="5953596"/>
               <a:ext cx="63202" cy="63202"/>
             </a:xfrm>
             <a:custGeom>
@@ -22978,7 +22978,7 @@
           </p:nvSpPr>
           <p:spPr>
             <a:xfrm>
-              <a:off x="4737402" y="5869592"/>
+              <a:off x="4680275" y="5869569"/>
               <a:ext cx="63202" cy="63202"/>
             </a:xfrm>
             <a:custGeom>
@@ -23021,7 +23021,7 @@
           </p:nvSpPr>
           <p:spPr>
             <a:xfrm>
-              <a:off x="4570530" y="5923112"/>
+              <a:off x="4880959" y="5923121"/>
               <a:ext cx="63202" cy="63202"/>
             </a:xfrm>
             <a:custGeom>
@@ -23064,7 +23064,7 @@
           </p:nvSpPr>
           <p:spPr>
             <a:xfrm>
-              <a:off x="5057788" y="5932016"/>
+              <a:off x="4781370" y="5932008"/>
               <a:ext cx="63202" cy="63202"/>
             </a:xfrm>
             <a:custGeom>
@@ -23107,7 +23107,7 @@
           </p:nvSpPr>
           <p:spPr>
             <a:xfrm>
-              <a:off x="4701262" y="5947714"/>
+              <a:off x="4892579" y="5947700"/>
               <a:ext cx="63202" cy="63202"/>
             </a:xfrm>
             <a:custGeom>
@@ -23150,7 +23150,7 @@
           </p:nvSpPr>
           <p:spPr>
             <a:xfrm>
-              <a:off x="4978048" y="5874447"/>
+              <a:off x="5007135" y="5874423"/>
               <a:ext cx="63202" cy="63202"/>
             </a:xfrm>
             <a:custGeom>
@@ -23193,7 +23193,7 @@
           </p:nvSpPr>
           <p:spPr>
             <a:xfrm>
-              <a:off x="4606066" y="5879280"/>
+              <a:off x="4473839" y="5879237"/>
               <a:ext cx="63202" cy="63202"/>
             </a:xfrm>
             <a:custGeom>
@@ -23236,7 +23236,7 @@
           </p:nvSpPr>
           <p:spPr>
             <a:xfrm>
-              <a:off x="4577751" y="6126651"/>
+              <a:off x="4627875" y="6126632"/>
               <a:ext cx="63202" cy="63202"/>
             </a:xfrm>
             <a:custGeom>
@@ -23279,7 +23279,7 @@
           </p:nvSpPr>
           <p:spPr>
             <a:xfrm>
-              <a:off x="5135830" y="5862004"/>
+              <a:off x="4754285" y="5862008"/>
               <a:ext cx="63202" cy="63202"/>
             </a:xfrm>
             <a:custGeom>
@@ -23322,7 +23322,7 @@
           </p:nvSpPr>
           <p:spPr>
             <a:xfrm>
-              <a:off x="4995160" y="6132171"/>
+              <a:off x="4515471" y="6132169"/>
               <a:ext cx="63202" cy="63202"/>
             </a:xfrm>
             <a:custGeom>
@@ -23365,7 +23365,7 @@
           </p:nvSpPr>
           <p:spPr>
             <a:xfrm>
-              <a:off x="4655379" y="5908948"/>
+              <a:off x="4851159" y="5908935"/>
               <a:ext cx="63202" cy="63202"/>
             </a:xfrm>
             <a:custGeom>
@@ -23408,7 +23408,7 @@
           </p:nvSpPr>
           <p:spPr>
             <a:xfrm>
-              <a:off x="4489477" y="6042934"/>
+              <a:off x="4817404" y="6042916"/>
               <a:ext cx="63202" cy="63202"/>
             </a:xfrm>
             <a:custGeom>
@@ -23451,7 +23451,7 @@
           </p:nvSpPr>
           <p:spPr>
             <a:xfrm>
-              <a:off x="4763514" y="5920704"/>
+              <a:off x="4767873" y="5920695"/>
               <a:ext cx="63202" cy="63202"/>
             </a:xfrm>
             <a:custGeom>
@@ -23494,7 +23494,7 @@
           </p:nvSpPr>
           <p:spPr>
             <a:xfrm>
-              <a:off x="5023737" y="5921497"/>
+              <a:off x="4967918" y="5921456"/>
               <a:ext cx="63202" cy="63202"/>
             </a:xfrm>
             <a:custGeom>
@@ -23537,7 +23537,7 @@
           </p:nvSpPr>
           <p:spPr>
             <a:xfrm>
-              <a:off x="5029372" y="6072200"/>
+              <a:off x="5156050" y="6072183"/>
               <a:ext cx="63202" cy="63202"/>
             </a:xfrm>
             <a:custGeom>
@@ -23580,7 +23580,7 @@
           </p:nvSpPr>
           <p:spPr>
             <a:xfrm>
-              <a:off x="4798105" y="5871603"/>
+              <a:off x="5142616" y="5871570"/>
               <a:ext cx="63202" cy="63202"/>
             </a:xfrm>
             <a:custGeom>
@@ -23623,7 +23623,7 @@
           </p:nvSpPr>
           <p:spPr>
             <a:xfrm>
-              <a:off x="5017627" y="5854750"/>
+              <a:off x="4751753" y="5854724"/>
               <a:ext cx="63202" cy="63202"/>
             </a:xfrm>
             <a:custGeom>
@@ -23666,7 +23666,7 @@
           </p:nvSpPr>
           <p:spPr>
             <a:xfrm>
-              <a:off x="4673100" y="6086288"/>
+              <a:off x="4517447" y="6086269"/>
               <a:ext cx="63202" cy="63202"/>
             </a:xfrm>
             <a:custGeom>
@@ -23709,7 +23709,7 @@
           </p:nvSpPr>
           <p:spPr>
             <a:xfrm>
-              <a:off x="4978346" y="5869110"/>
+              <a:off x="4574806" y="5869093"/>
               <a:ext cx="63202" cy="63202"/>
             </a:xfrm>
             <a:custGeom>
@@ -23752,7 +23752,7 @@
           </p:nvSpPr>
           <p:spPr>
             <a:xfrm>
-              <a:off x="4603014" y="5936472"/>
+              <a:off x="4536533" y="5936468"/>
               <a:ext cx="63202" cy="63202"/>
             </a:xfrm>
             <a:custGeom>
@@ -23795,7 +23795,7 @@
           </p:nvSpPr>
           <p:spPr>
             <a:xfrm>
-              <a:off x="5021658" y="5868092"/>
+              <a:off x="5116686" y="5868089"/>
               <a:ext cx="63202" cy="63202"/>
             </a:xfrm>
             <a:custGeom>
@@ -23838,7 +23838,7 @@
           </p:nvSpPr>
           <p:spPr>
             <a:xfrm>
-              <a:off x="5100087" y="5850496"/>
+              <a:off x="4578604" y="5850461"/>
               <a:ext cx="63202" cy="63202"/>
             </a:xfrm>
             <a:custGeom>
@@ -23881,7 +23881,7 @@
           </p:nvSpPr>
           <p:spPr>
             <a:xfrm>
-              <a:off x="4741204" y="5849208"/>
+              <a:off x="5150522" y="5849181"/>
               <a:ext cx="63202" cy="63202"/>
             </a:xfrm>
             <a:custGeom>
@@ -23924,7 +23924,7 @@
           </p:nvSpPr>
           <p:spPr>
             <a:xfrm>
-              <a:off x="4916939" y="5849201"/>
+              <a:off x="4719800" y="5849209"/>
               <a:ext cx="63202" cy="63202"/>
             </a:xfrm>
             <a:custGeom>
@@ -23967,7 +23967,7 @@
           </p:nvSpPr>
           <p:spPr>
             <a:xfrm>
-              <a:off x="5095003" y="5857379"/>
+              <a:off x="4921239" y="5857364"/>
               <a:ext cx="63202" cy="63202"/>
             </a:xfrm>
             <a:custGeom>
@@ -24010,7 +24010,7 @@
           </p:nvSpPr>
           <p:spPr>
             <a:xfrm>
-              <a:off x="5119391" y="5883382"/>
+              <a:off x="4492214" y="5883373"/>
               <a:ext cx="63202" cy="63202"/>
             </a:xfrm>
             <a:custGeom>
@@ -24053,7 +24053,7 @@
           </p:nvSpPr>
           <p:spPr>
             <a:xfrm>
-              <a:off x="4894690" y="5909188"/>
+              <a:off x="5090406" y="5909168"/>
               <a:ext cx="63202" cy="63202"/>
             </a:xfrm>
             <a:custGeom>
@@ -24096,7 +24096,7 @@
           </p:nvSpPr>
           <p:spPr>
             <a:xfrm>
-              <a:off x="4837207" y="5866298"/>
+              <a:off x="4928734" y="5866264"/>
               <a:ext cx="63202" cy="63202"/>
             </a:xfrm>
             <a:custGeom>
@@ -24139,7 +24139,7 @@
           </p:nvSpPr>
           <p:spPr>
             <a:xfrm>
-              <a:off x="4951426" y="5945258"/>
+              <a:off x="4497906" y="5945245"/>
               <a:ext cx="63202" cy="63202"/>
             </a:xfrm>
             <a:custGeom>
@@ -24182,7 +24182,7 @@
           </p:nvSpPr>
           <p:spPr>
             <a:xfrm>
-              <a:off x="4851564" y="6091886"/>
+              <a:off x="4941105" y="6091892"/>
               <a:ext cx="63202" cy="63202"/>
             </a:xfrm>
             <a:custGeom>
@@ -24225,7 +24225,7 @@
           </p:nvSpPr>
           <p:spPr>
             <a:xfrm>
-              <a:off x="4612945" y="6031834"/>
+              <a:off x="4840301" y="6031835"/>
               <a:ext cx="63202" cy="63202"/>
             </a:xfrm>
             <a:custGeom>
@@ -24268,7 +24268,7 @@
           </p:nvSpPr>
           <p:spPr>
             <a:xfrm>
-              <a:off x="4735406" y="5901422"/>
+              <a:off x="4929564" y="5901420"/>
               <a:ext cx="63202" cy="63202"/>
             </a:xfrm>
             <a:custGeom>
@@ -24311,7 +24311,7 @@
           </p:nvSpPr>
           <p:spPr>
             <a:xfrm>
-              <a:off x="5139986" y="5885976"/>
+              <a:off x="5104719" y="5885981"/>
               <a:ext cx="63202" cy="63202"/>
             </a:xfrm>
             <a:custGeom>
@@ -24354,7 +24354,7 @@
           </p:nvSpPr>
           <p:spPr>
             <a:xfrm>
-              <a:off x="4865354" y="6176382"/>
+              <a:off x="4946889" y="6176386"/>
               <a:ext cx="63202" cy="63202"/>
             </a:xfrm>
             <a:custGeom>
@@ -24397,7 +24397,7 @@
           </p:nvSpPr>
           <p:spPr>
             <a:xfrm>
-              <a:off x="4982725" y="5985671"/>
+              <a:off x="4720507" y="5985656"/>
               <a:ext cx="63202" cy="63202"/>
             </a:xfrm>
             <a:custGeom>
@@ -24440,7 +24440,7 @@
           </p:nvSpPr>
           <p:spPr>
             <a:xfrm>
-              <a:off x="4552318" y="5887878"/>
+              <a:off x="4861283" y="5887888"/>
               <a:ext cx="63202" cy="63202"/>
             </a:xfrm>
             <a:custGeom>
@@ -24483,7 +24483,7 @@
           </p:nvSpPr>
           <p:spPr>
             <a:xfrm>
-              <a:off x="4922151" y="5868292"/>
+              <a:off x="5091715" y="5868275"/>
               <a:ext cx="63202" cy="63202"/>
             </a:xfrm>
             <a:custGeom>
@@ -24526,7 +24526,7 @@
           </p:nvSpPr>
           <p:spPr>
             <a:xfrm>
-              <a:off x="4880401" y="5935242"/>
+              <a:off x="4960240" y="5935231"/>
               <a:ext cx="63202" cy="63202"/>
             </a:xfrm>
             <a:custGeom>
@@ -24569,7 +24569,7 @@
           </p:nvSpPr>
           <p:spPr>
             <a:xfrm>
-              <a:off x="4723879" y="5892351"/>
+              <a:off x="4890223" y="5892320"/>
               <a:ext cx="63202" cy="63202"/>
             </a:xfrm>
             <a:custGeom>
@@ -24612,7 +24612,7 @@
           </p:nvSpPr>
           <p:spPr>
             <a:xfrm>
-              <a:off x="5143817" y="5858193"/>
+              <a:off x="4696339" y="5858184"/>
               <a:ext cx="63202" cy="63202"/>
             </a:xfrm>
             <a:custGeom>
@@ -24655,7 +24655,7 @@
           </p:nvSpPr>
           <p:spPr>
             <a:xfrm>
-              <a:off x="4716201" y="5863903"/>
+              <a:off x="4651622" y="5863915"/>
               <a:ext cx="63202" cy="63202"/>
             </a:xfrm>
             <a:custGeom>
@@ -24698,7 +24698,7 @@
           </p:nvSpPr>
           <p:spPr>
             <a:xfrm>
-              <a:off x="4956107" y="5876044"/>
+              <a:off x="4723720" y="5876012"/>
               <a:ext cx="63202" cy="63202"/>
             </a:xfrm>
             <a:custGeom>
@@ -24741,7 +24741,7 @@
           </p:nvSpPr>
           <p:spPr>
             <a:xfrm>
-              <a:off x="4898005" y="6083095"/>
+              <a:off x="4616531" y="6083088"/>
               <a:ext cx="63202" cy="63202"/>
             </a:xfrm>
             <a:custGeom>
@@ -24784,7 +24784,7 @@
           </p:nvSpPr>
           <p:spPr>
             <a:xfrm>
-              <a:off x="5147693" y="6339287"/>
+              <a:off x="4747292" y="6339275"/>
               <a:ext cx="63202" cy="63202"/>
             </a:xfrm>
             <a:custGeom>
@@ -24827,7 +24827,7 @@
           </p:nvSpPr>
           <p:spPr>
             <a:xfrm>
-              <a:off x="4753785" y="5904809"/>
+              <a:off x="4959406" y="5904819"/>
               <a:ext cx="63202" cy="63202"/>
             </a:xfrm>
             <a:custGeom>
@@ -24870,7 +24870,7 @@
           </p:nvSpPr>
           <p:spPr>
             <a:xfrm>
-              <a:off x="4704279" y="6357852"/>
+              <a:off x="4924277" y="6357820"/>
               <a:ext cx="63202" cy="63202"/>
             </a:xfrm>
             <a:custGeom>
@@ -24913,7 +24913,7 @@
           </p:nvSpPr>
           <p:spPr>
             <a:xfrm>
-              <a:off x="5132775" y="6076679"/>
+              <a:off x="5054952" y="6076698"/>
               <a:ext cx="63202" cy="63202"/>
             </a:xfrm>
             <a:custGeom>
@@ -24956,7 +24956,7 @@
           </p:nvSpPr>
           <p:spPr>
             <a:xfrm>
-              <a:off x="4656632" y="5876490"/>
+              <a:off x="4520073" y="5876467"/>
               <a:ext cx="63202" cy="63202"/>
             </a:xfrm>
             <a:custGeom>
@@ -24999,7 +24999,7 @@
           </p:nvSpPr>
           <p:spPr>
             <a:xfrm>
-              <a:off x="4485200" y="6068208"/>
+              <a:off x="4691602" y="6068197"/>
               <a:ext cx="63202" cy="63202"/>
             </a:xfrm>
             <a:custGeom>
@@ -25042,7 +25042,7 @@
           </p:nvSpPr>
           <p:spPr>
             <a:xfrm>
-              <a:off x="5104436" y="6079313"/>
+              <a:off x="4722891" y="6079306"/>
               <a:ext cx="63202" cy="63202"/>
             </a:xfrm>
             <a:custGeom>
@@ -25085,7 +25085,7 @@
           </p:nvSpPr>
           <p:spPr>
             <a:xfrm>
-              <a:off x="5017980" y="6141464"/>
+              <a:off x="5027318" y="6141456"/>
               <a:ext cx="63202" cy="63202"/>
             </a:xfrm>
             <a:custGeom>
@@ -25128,7 +25128,7 @@
           </p:nvSpPr>
           <p:spPr>
             <a:xfrm>
-              <a:off x="4954289" y="6080332"/>
+              <a:off x="4499741" y="6080304"/>
               <a:ext cx="63202" cy="63202"/>
             </a:xfrm>
             <a:custGeom>
@@ -25171,7 +25171,7 @@
           </p:nvSpPr>
           <p:spPr>
             <a:xfrm>
-              <a:off x="4541943" y="5911378"/>
+              <a:off x="5102015" y="5911351"/>
               <a:ext cx="63202" cy="63202"/>
             </a:xfrm>
             <a:custGeom>
@@ -25214,7 +25214,7 @@
           </p:nvSpPr>
           <p:spPr>
             <a:xfrm>
-              <a:off x="5009936" y="6005139"/>
+              <a:off x="5048677" y="6005140"/>
               <a:ext cx="63202" cy="63202"/>
             </a:xfrm>
             <a:custGeom>
@@ -25257,7 +25257,7 @@
           </p:nvSpPr>
           <p:spPr>
             <a:xfrm>
-              <a:off x="4996991" y="5921861"/>
+              <a:off x="4691629" y="5921849"/>
               <a:ext cx="63202" cy="63202"/>
             </a:xfrm>
             <a:custGeom>
@@ -25300,7 +25300,7 @@
           </p:nvSpPr>
           <p:spPr>
             <a:xfrm>
-              <a:off x="5048487" y="6113859"/>
+              <a:off x="4991606" y="6113883"/>
               <a:ext cx="63202" cy="63202"/>
             </a:xfrm>
             <a:custGeom>
@@ -25343,7 +25343,7 @@
           </p:nvSpPr>
           <p:spPr>
             <a:xfrm>
-              <a:off x="4681493" y="5975737"/>
+              <a:off x="4483210" y="5975722"/>
               <a:ext cx="63202" cy="63202"/>
             </a:xfrm>
             <a:custGeom>
@@ -25386,7 +25386,7 @@
           </p:nvSpPr>
           <p:spPr>
             <a:xfrm>
-              <a:off x="4526613" y="6117634"/>
+              <a:off x="5047567" y="6117638"/>
               <a:ext cx="63202" cy="63202"/>
             </a:xfrm>
             <a:custGeom>
@@ -25429,7 +25429,7 @@
           </p:nvSpPr>
           <p:spPr>
             <a:xfrm>
-              <a:off x="5087129" y="6068616"/>
+              <a:off x="5076813" y="6068602"/>
               <a:ext cx="63202" cy="63202"/>
             </a:xfrm>
             <a:custGeom>
@@ -25472,7 +25472,7 @@
           </p:nvSpPr>
           <p:spPr>
             <a:xfrm>
-              <a:off x="5137876" y="5999383"/>
+              <a:off x="4780321" y="5999388"/>
               <a:ext cx="63202" cy="63202"/>
             </a:xfrm>
             <a:custGeom>
@@ -25515,7 +25515,7 @@
           </p:nvSpPr>
           <p:spPr>
             <a:xfrm>
-              <a:off x="5053543" y="5913904"/>
+              <a:off x="5037627" y="5913898"/>
               <a:ext cx="63202" cy="63202"/>
             </a:xfrm>
             <a:custGeom>
@@ -25558,7 +25558,7 @@
           </p:nvSpPr>
           <p:spPr>
             <a:xfrm>
-              <a:off x="4700414" y="6085721"/>
+              <a:off x="4584878" y="6085718"/>
               <a:ext cx="63202" cy="63202"/>
             </a:xfrm>
             <a:custGeom>
@@ -25601,7 +25601,7 @@
           </p:nvSpPr>
           <p:spPr>
             <a:xfrm>
-              <a:off x="4837077" y="5936867"/>
+              <a:off x="4996879" y="5936870"/>
               <a:ext cx="63202" cy="63202"/>
             </a:xfrm>
             <a:custGeom>
@@ -25644,7 +25644,7 @@
           </p:nvSpPr>
           <p:spPr>
             <a:xfrm>
-              <a:off x="4768650" y="5900267"/>
+              <a:off x="5074609" y="5900255"/>
               <a:ext cx="63202" cy="63202"/>
             </a:xfrm>
             <a:custGeom>
@@ -25687,7 +25687,7 @@
           </p:nvSpPr>
           <p:spPr>
             <a:xfrm>
-              <a:off x="4824871" y="5896589"/>
+              <a:off x="4674906" y="5896608"/>
               <a:ext cx="63202" cy="63202"/>
             </a:xfrm>
             <a:custGeom>
@@ -25730,7 +25730,7 @@
           </p:nvSpPr>
           <p:spPr>
             <a:xfrm>
-              <a:off x="5017628" y="5892165"/>
+              <a:off x="4937488" y="5892158"/>
               <a:ext cx="63202" cy="63202"/>
             </a:xfrm>
             <a:custGeom>
@@ -25773,7 +25773,7 @@
           </p:nvSpPr>
           <p:spPr>
             <a:xfrm>
-              <a:off x="4692599" y="6170703"/>
+              <a:off x="5131719" y="6170708"/>
               <a:ext cx="63202" cy="63202"/>
             </a:xfrm>
             <a:custGeom>
@@ -25816,7 +25816,7 @@
           </p:nvSpPr>
           <p:spPr>
             <a:xfrm>
-              <a:off x="5099430" y="5916276"/>
+              <a:off x="4710839" y="5916236"/>
               <a:ext cx="63202" cy="63202"/>
             </a:xfrm>
             <a:custGeom>
@@ -25859,7 +25859,7 @@
           </p:nvSpPr>
           <p:spPr>
             <a:xfrm>
-              <a:off x="4846229" y="5891529"/>
+              <a:off x="4674525" y="5891518"/>
               <a:ext cx="63202" cy="63202"/>
             </a:xfrm>
             <a:custGeom>
@@ -25902,7 +25902,7 @@
           </p:nvSpPr>
           <p:spPr>
             <a:xfrm>
-              <a:off x="4865854" y="5883390"/>
+              <a:off x="4904044" y="5883396"/>
               <a:ext cx="63202" cy="63202"/>
             </a:xfrm>
             <a:custGeom>
@@ -25945,7 +25945,7 @@
           </p:nvSpPr>
           <p:spPr>
             <a:xfrm>
-              <a:off x="4871204" y="5925199"/>
+              <a:off x="4492853" y="5925205"/>
               <a:ext cx="63202" cy="63202"/>
             </a:xfrm>
             <a:custGeom>
@@ -25988,7 +25988,7 @@
           </p:nvSpPr>
           <p:spPr>
             <a:xfrm>
-              <a:off x="4605332" y="5896325"/>
+              <a:off x="5166659" y="5896336"/>
               <a:ext cx="63202" cy="63202"/>
             </a:xfrm>
             <a:custGeom>
@@ -26031,7 +26031,7 @@
           </p:nvSpPr>
           <p:spPr>
             <a:xfrm>
-              <a:off x="5095433" y="6119928"/>
+              <a:off x="4742578" y="6119892"/>
               <a:ext cx="63202" cy="63202"/>
             </a:xfrm>
             <a:custGeom>
@@ -26074,7 +26074,7 @@
           </p:nvSpPr>
           <p:spPr>
             <a:xfrm>
-              <a:off x="5050254" y="5926159"/>
+              <a:off x="5102610" y="5926138"/>
               <a:ext cx="63202" cy="63202"/>
             </a:xfrm>
             <a:custGeom>
@@ -26117,7 +26117,7 @@
           </p:nvSpPr>
           <p:spPr>
             <a:xfrm>
-              <a:off x="4556544" y="5922269"/>
+              <a:off x="4842634" y="5922227"/>
               <a:ext cx="63202" cy="63202"/>
             </a:xfrm>
             <a:custGeom>
@@ -26160,7 +26160,7 @@
           </p:nvSpPr>
           <p:spPr>
             <a:xfrm>
-              <a:off x="4708807" y="5931799"/>
+              <a:off x="4695612" y="5931784"/>
               <a:ext cx="63202" cy="63202"/>
             </a:xfrm>
             <a:custGeom>
@@ -26203,7 +26203,7 @@
           </p:nvSpPr>
           <p:spPr>
             <a:xfrm>
-              <a:off x="4843548" y="5862438"/>
+              <a:off x="4536673" y="5862406"/>
               <a:ext cx="63202" cy="63202"/>
             </a:xfrm>
             <a:custGeom>
@@ -26246,7 +26246,7 @@
           </p:nvSpPr>
           <p:spPr>
             <a:xfrm>
-              <a:off x="5105489" y="5879903"/>
+              <a:off x="4644997" y="5879900"/>
               <a:ext cx="63202" cy="63202"/>
             </a:xfrm>
             <a:custGeom>
@@ -26289,7 +26289,7 @@
           </p:nvSpPr>
           <p:spPr>
             <a:xfrm>
-              <a:off x="4627056" y="5887526"/>
+              <a:off x="4592181" y="5887508"/>
               <a:ext cx="63202" cy="63202"/>
             </a:xfrm>
             <a:custGeom>
@@ -26332,7 +26332,7 @@
           </p:nvSpPr>
           <p:spPr>
             <a:xfrm>
-              <a:off x="4856913" y="5887852"/>
+              <a:off x="5066252" y="5887839"/>
               <a:ext cx="63202" cy="63202"/>
             </a:xfrm>
             <a:custGeom>
@@ -26375,7 +26375,7 @@
           </p:nvSpPr>
           <p:spPr>
             <a:xfrm>
-              <a:off x="5071694" y="5916631"/>
+              <a:off x="4854297" y="5916599"/>
               <a:ext cx="63202" cy="63202"/>
             </a:xfrm>
             <a:custGeom>
@@ -26418,7 +26418,7 @@
           </p:nvSpPr>
           <p:spPr>
             <a:xfrm>
-              <a:off x="4883946" y="6138544"/>
+              <a:off x="4678875" y="6138515"/>
               <a:ext cx="63202" cy="63202"/>
             </a:xfrm>
             <a:custGeom>
@@ -26461,7 +26461,7 @@
           </p:nvSpPr>
           <p:spPr>
             <a:xfrm>
-              <a:off x="5014831" y="5904771"/>
+              <a:off x="4666625" y="5904766"/>
               <a:ext cx="63202" cy="63202"/>
             </a:xfrm>
             <a:custGeom>
@@ -26504,7 +26504,7 @@
           </p:nvSpPr>
           <p:spPr>
             <a:xfrm>
-              <a:off x="4796589" y="5869059"/>
+              <a:off x="4953325" y="5869039"/>
               <a:ext cx="63202" cy="63202"/>
             </a:xfrm>
             <a:custGeom>
@@ -26547,7 +26547,7 @@
           </p:nvSpPr>
           <p:spPr>
             <a:xfrm>
-              <a:off x="5166535" y="6128553"/>
+              <a:off x="4937491" y="6128548"/>
               <a:ext cx="63202" cy="63202"/>
             </a:xfrm>
             <a:custGeom>
@@ -26590,7 +26590,7 @@
           </p:nvSpPr>
           <p:spPr>
             <a:xfrm>
-              <a:off x="5010234" y="5888032"/>
+              <a:off x="4967213" y="5888018"/>
               <a:ext cx="63202" cy="63202"/>
             </a:xfrm>
             <a:custGeom>
@@ -26633,7 +26633,7 @@
           </p:nvSpPr>
           <p:spPr>
             <a:xfrm>
-              <a:off x="4822888" y="5939887"/>
+              <a:off x="4647420" y="5939847"/>
               <a:ext cx="63202" cy="63202"/>
             </a:xfrm>
             <a:custGeom>
@@ -26676,7 +26676,7 @@
           </p:nvSpPr>
           <p:spPr>
             <a:xfrm>
-              <a:off x="4894565" y="5862059"/>
+              <a:off x="4961446" y="5862044"/>
               <a:ext cx="63202" cy="63202"/>
             </a:xfrm>
             <a:custGeom>
@@ -26719,7 +26719,7 @@
           </p:nvSpPr>
           <p:spPr>
             <a:xfrm>
-              <a:off x="4696020" y="5913525"/>
+              <a:off x="5121096" y="5913508"/>
               <a:ext cx="63202" cy="63202"/>
             </a:xfrm>
             <a:custGeom>
@@ -26762,7 +26762,7 @@
           </p:nvSpPr>
           <p:spPr>
             <a:xfrm>
-              <a:off x="4922571" y="5861060"/>
+              <a:off x="4550217" y="5861049"/>
               <a:ext cx="63202" cy="63202"/>
             </a:xfrm>
             <a:custGeom>
@@ -26805,7 +26805,7 @@
           </p:nvSpPr>
           <p:spPr>
             <a:xfrm>
-              <a:off x="4515153" y="5860523"/>
+              <a:off x="4521323" y="5860513"/>
               <a:ext cx="63202" cy="63202"/>
             </a:xfrm>
             <a:custGeom>
@@ -26848,7 +26848,7 @@
           </p:nvSpPr>
           <p:spPr>
             <a:xfrm>
-              <a:off x="4949126" y="5859915"/>
+              <a:off x="4916824" y="5859897"/>
               <a:ext cx="63202" cy="63202"/>
             </a:xfrm>
             <a:custGeom>
@@ -26891,7 +26891,7 @@
           </p:nvSpPr>
           <p:spPr>
             <a:xfrm>
-              <a:off x="4579467" y="5862884"/>
+              <a:off x="4572529" y="5862867"/>
               <a:ext cx="63202" cy="63202"/>
             </a:xfrm>
             <a:custGeom>
@@ -26934,7 +26934,7 @@
           </p:nvSpPr>
           <p:spPr>
             <a:xfrm>
-              <a:off x="4500090" y="5896933"/>
+              <a:off x="4530676" y="5896919"/>
               <a:ext cx="63202" cy="63202"/>
             </a:xfrm>
             <a:custGeom>
@@ -26977,7 +26977,7 @@
           </p:nvSpPr>
           <p:spPr>
             <a:xfrm>
-              <a:off x="5139509" y="6060351"/>
+              <a:off x="5037900" y="6060329"/>
               <a:ext cx="63202" cy="63202"/>
             </a:xfrm>
             <a:custGeom>
@@ -27020,7 +27020,7 @@
           </p:nvSpPr>
           <p:spPr>
             <a:xfrm>
-              <a:off x="5130735" y="5888848"/>
+              <a:off x="4471873" y="5888812"/>
               <a:ext cx="63202" cy="63202"/>
             </a:xfrm>
             <a:custGeom>
@@ -27063,7 +27063,7 @@
           </p:nvSpPr>
           <p:spPr>
             <a:xfrm>
-              <a:off x="4532208" y="5872815"/>
+              <a:off x="5001876" y="5872785"/>
               <a:ext cx="63202" cy="63202"/>
             </a:xfrm>
             <a:custGeom>
@@ -27106,7 +27106,7 @@
           </p:nvSpPr>
           <p:spPr>
             <a:xfrm>
-              <a:off x="4690827" y="5997149"/>
+              <a:off x="5026234" y="5997137"/>
               <a:ext cx="63202" cy="63202"/>
             </a:xfrm>
             <a:custGeom>
@@ -27149,7 +27149,7 @@
           </p:nvSpPr>
           <p:spPr>
             <a:xfrm>
-              <a:off x="4976189" y="5990315"/>
+              <a:off x="4471750" y="5990303"/>
               <a:ext cx="63202" cy="63202"/>
             </a:xfrm>
             <a:custGeom>
@@ -27192,7 +27192,7 @@
           </p:nvSpPr>
           <p:spPr>
             <a:xfrm>
-              <a:off x="5129866" y="6000969"/>
+              <a:off x="4545307" y="6000975"/>
               <a:ext cx="63202" cy="63202"/>
             </a:xfrm>
             <a:custGeom>
@@ -27235,7 +27235,7 @@
           </p:nvSpPr>
           <p:spPr>
             <a:xfrm>
-              <a:off x="4580788" y="5968772"/>
+              <a:off x="4579528" y="5968780"/>
               <a:ext cx="63202" cy="63202"/>
             </a:xfrm>
             <a:custGeom>
@@ -27278,7 +27278,7 @@
           </p:nvSpPr>
           <p:spPr>
             <a:xfrm>
-              <a:off x="5019109" y="5862256"/>
+              <a:off x="4635568" y="5862211"/>
               <a:ext cx="63202" cy="63202"/>
             </a:xfrm>
             <a:custGeom>
@@ -27321,7 +27321,7 @@
           </p:nvSpPr>
           <p:spPr>
             <a:xfrm>
-              <a:off x="4931215" y="5317369"/>
+              <a:off x="5095714" y="5317369"/>
               <a:ext cx="63202" cy="63202"/>
             </a:xfrm>
             <a:custGeom>
@@ -27364,7 +27364,7 @@
           </p:nvSpPr>
           <p:spPr>
             <a:xfrm>
-              <a:off x="4695566" y="6104492"/>
+              <a:off x="4743871" y="6104475"/>
               <a:ext cx="63202" cy="63202"/>
             </a:xfrm>
             <a:custGeom>
@@ -27407,7 +27407,7 @@
           </p:nvSpPr>
           <p:spPr>
             <a:xfrm>
-              <a:off x="4558792" y="6119675"/>
+              <a:off x="4520134" y="6119694"/>
               <a:ext cx="63202" cy="63202"/>
             </a:xfrm>
             <a:custGeom>
@@ -27450,7 +27450,7 @@
           </p:nvSpPr>
           <p:spPr>
             <a:xfrm>
-              <a:off x="4523819" y="5861348"/>
+              <a:off x="4770327" y="5861328"/>
               <a:ext cx="63202" cy="63202"/>
             </a:xfrm>
             <a:custGeom>
@@ -27493,7 +27493,7 @@
           </p:nvSpPr>
           <p:spPr>
             <a:xfrm>
-              <a:off x="5099209" y="5875550"/>
+              <a:off x="4875901" y="5875526"/>
               <a:ext cx="63202" cy="63202"/>
             </a:xfrm>
             <a:custGeom>
@@ -27536,7 +27536,7 @@
           </p:nvSpPr>
           <p:spPr>
             <a:xfrm>
-              <a:off x="5094878" y="6143152"/>
+              <a:off x="4842376" y="6143152"/>
               <a:ext cx="63202" cy="63202"/>
             </a:xfrm>
             <a:custGeom>
@@ -27579,7 +27579,7 @@
           </p:nvSpPr>
           <p:spPr>
             <a:xfrm>
-              <a:off x="4473710" y="5887669"/>
+              <a:off x="4824794" y="5887652"/>
               <a:ext cx="63202" cy="63202"/>
             </a:xfrm>
             <a:custGeom>
@@ -27622,7 +27622,7 @@
           </p:nvSpPr>
           <p:spPr>
             <a:xfrm>
-              <a:off x="4584656" y="5865299"/>
+              <a:off x="5019272" y="5865282"/>
               <a:ext cx="63202" cy="63202"/>
             </a:xfrm>
             <a:custGeom>
@@ -27665,7 +27665,7 @@
           </p:nvSpPr>
           <p:spPr>
             <a:xfrm>
-              <a:off x="5112809" y="6127728"/>
+              <a:off x="4518850" y="6127699"/>
               <a:ext cx="63202" cy="63202"/>
             </a:xfrm>
             <a:custGeom>
@@ -27708,7 +27708,7 @@
           </p:nvSpPr>
           <p:spPr>
             <a:xfrm>
-              <a:off x="4870013" y="6128024"/>
+              <a:off x="4915031" y="6128034"/>
               <a:ext cx="63202" cy="63202"/>
             </a:xfrm>
             <a:custGeom>
@@ -27751,7 +27751,7 @@
           </p:nvSpPr>
           <p:spPr>
             <a:xfrm>
-              <a:off x="4736380" y="5936408"/>
+              <a:off x="4659329" y="5936415"/>
               <a:ext cx="63202" cy="63202"/>
             </a:xfrm>
             <a:custGeom>
@@ -27794,7 +27794,7 @@
           </p:nvSpPr>
           <p:spPr>
             <a:xfrm>
-              <a:off x="5018414" y="5911146"/>
+              <a:off x="4983700" y="5911105"/>
               <a:ext cx="63202" cy="63202"/>
             </a:xfrm>
             <a:custGeom>
@@ -27837,7 +27837,7 @@
           </p:nvSpPr>
           <p:spPr>
             <a:xfrm>
-              <a:off x="4486176" y="5899620"/>
+              <a:off x="4974421" y="5899574"/>
               <a:ext cx="63202" cy="63202"/>
             </a:xfrm>
             <a:custGeom>
@@ -27880,7 +27880,7 @@
           </p:nvSpPr>
           <p:spPr>
             <a:xfrm>
-              <a:off x="4890889" y="5853633"/>
+              <a:off x="4586588" y="5853584"/>
               <a:ext cx="63202" cy="63202"/>
             </a:xfrm>
             <a:custGeom>
@@ -27923,7 +27923,7 @@
           </p:nvSpPr>
           <p:spPr>
             <a:xfrm>
-              <a:off x="4791455" y="5906053"/>
+              <a:off x="4614185" y="5906032"/>
               <a:ext cx="63202" cy="63202"/>
             </a:xfrm>
             <a:custGeom>
@@ -27966,7 +27966,7 @@
           </p:nvSpPr>
           <p:spPr>
             <a:xfrm>
-              <a:off x="4672167" y="6433416"/>
+              <a:off x="5155168" y="6433441"/>
               <a:ext cx="63202" cy="63202"/>
             </a:xfrm>
             <a:custGeom>
@@ -28009,7 +28009,7 @@
           </p:nvSpPr>
           <p:spPr>
             <a:xfrm>
-              <a:off x="5117780" y="5877328"/>
+              <a:off x="4640980" y="5877311"/>
               <a:ext cx="63202" cy="63202"/>
             </a:xfrm>
             <a:custGeom>
@@ -28052,7 +28052,7 @@
           </p:nvSpPr>
           <p:spPr>
             <a:xfrm>
-              <a:off x="4492968" y="5881231"/>
+              <a:off x="4958905" y="5881191"/>
               <a:ext cx="63202" cy="63202"/>
             </a:xfrm>
             <a:custGeom>
@@ -28095,7 +28095,7 @@
           </p:nvSpPr>
           <p:spPr>
             <a:xfrm>
-              <a:off x="4690059" y="5872743"/>
+              <a:off x="4997343" y="5872703"/>
               <a:ext cx="63202" cy="63202"/>
             </a:xfrm>
             <a:custGeom>
@@ -28138,7 +28138,7 @@
           </p:nvSpPr>
           <p:spPr>
             <a:xfrm>
-              <a:off x="4738812" y="5864060"/>
+              <a:off x="4558847" y="5864040"/>
               <a:ext cx="63202" cy="63202"/>
             </a:xfrm>
             <a:custGeom>
@@ -28181,7 +28181,7 @@
           </p:nvSpPr>
           <p:spPr>
             <a:xfrm>
-              <a:off x="4682929" y="6099247"/>
+              <a:off x="4475345" y="6099266"/>
               <a:ext cx="63202" cy="63202"/>
             </a:xfrm>
             <a:custGeom>
@@ -28224,7 +28224,7 @@
           </p:nvSpPr>
           <p:spPr>
             <a:xfrm>
-              <a:off x="4624693" y="6086923"/>
+              <a:off x="4879071" y="6086916"/>
               <a:ext cx="63202" cy="63202"/>
             </a:xfrm>
             <a:custGeom>
@@ -28267,7 +28267,7 @@
           </p:nvSpPr>
           <p:spPr>
             <a:xfrm>
-              <a:off x="4925857" y="6148747"/>
+              <a:off x="5134455" y="6148735"/>
               <a:ext cx="63202" cy="63202"/>
             </a:xfrm>
             <a:custGeom>
@@ -28310,7 +28310,7 @@
           </p:nvSpPr>
           <p:spPr>
             <a:xfrm>
-              <a:off x="4964904" y="5890333"/>
+              <a:off x="4973229" y="5890335"/>
               <a:ext cx="63202" cy="63202"/>
             </a:xfrm>
             <a:custGeom>
@@ -28353,7 +28353,7 @@
           </p:nvSpPr>
           <p:spPr>
             <a:xfrm>
-              <a:off x="4743291" y="5935904"/>
+              <a:off x="4820949" y="5935921"/>
               <a:ext cx="63202" cy="63202"/>
             </a:xfrm>
             <a:custGeom>
@@ -28396,7 +28396,7 @@
           </p:nvSpPr>
           <p:spPr>
             <a:xfrm>
-              <a:off x="4995834" y="5913386"/>
+              <a:off x="4801723" y="5913387"/>
               <a:ext cx="63202" cy="63202"/>
             </a:xfrm>
             <a:custGeom>
@@ -28439,7 +28439,7 @@
           </p:nvSpPr>
           <p:spPr>
             <a:xfrm>
-              <a:off x="5149338" y="5993516"/>
+              <a:off x="4581472" y="5993514"/>
               <a:ext cx="63202" cy="63202"/>
             </a:xfrm>
             <a:custGeom>
@@ -28482,7 +28482,7 @@
           </p:nvSpPr>
           <p:spPr>
             <a:xfrm>
-              <a:off x="4990845" y="5932012"/>
+              <a:off x="4857485" y="5931998"/>
               <a:ext cx="63202" cy="63202"/>
             </a:xfrm>
             <a:custGeom>
@@ -28525,7 +28525,7 @@
           </p:nvSpPr>
           <p:spPr>
             <a:xfrm>
-              <a:off x="4532675" y="5930975"/>
+              <a:off x="4663436" y="5930946"/>
               <a:ext cx="63202" cy="63202"/>
             </a:xfrm>
             <a:custGeom>
@@ -28568,7 +28568,7 @@
           </p:nvSpPr>
           <p:spPr>
             <a:xfrm>
-              <a:off x="5163575" y="5931226"/>
+              <a:off x="4509777" y="5931228"/>
               <a:ext cx="63202" cy="63202"/>
             </a:xfrm>
             <a:custGeom>
@@ -28611,7 +28611,7 @@
           </p:nvSpPr>
           <p:spPr>
             <a:xfrm>
-              <a:off x="4874574" y="6116356"/>
+              <a:off x="4690596" y="6116365"/>
               <a:ext cx="63202" cy="63202"/>
             </a:xfrm>
             <a:custGeom>
@@ -28654,7 +28654,7 @@
           </p:nvSpPr>
           <p:spPr>
             <a:xfrm>
-              <a:off x="4743312" y="6054078"/>
+              <a:off x="4807123" y="6054061"/>
               <a:ext cx="63202" cy="63202"/>
             </a:xfrm>
             <a:custGeom>
@@ -28697,7 +28697,7 @@
           </p:nvSpPr>
           <p:spPr>
             <a:xfrm>
-              <a:off x="4821955" y="5854292"/>
+              <a:off x="5105207" y="5854267"/>
               <a:ext cx="63202" cy="63202"/>
             </a:xfrm>
             <a:custGeom>
@@ -28740,7 +28740,7 @@
           </p:nvSpPr>
           <p:spPr>
             <a:xfrm>
-              <a:off x="4857773" y="5930754"/>
+              <a:off x="4512590" y="5930723"/>
               <a:ext cx="63202" cy="63202"/>
             </a:xfrm>
             <a:custGeom>
@@ -28783,7 +28783,7 @@
           </p:nvSpPr>
           <p:spPr>
             <a:xfrm>
-              <a:off x="4949034" y="5868928"/>
+              <a:off x="5143345" y="5868902"/>
               <a:ext cx="63202" cy="63202"/>
             </a:xfrm>
             <a:custGeom>
@@ -28826,7 +28826,7 @@
           </p:nvSpPr>
           <p:spPr>
             <a:xfrm>
-              <a:off x="4966766" y="5877849"/>
+              <a:off x="4944641" y="5877858"/>
               <a:ext cx="63202" cy="63202"/>
             </a:xfrm>
             <a:custGeom>
@@ -28869,7 +28869,7 @@
           </p:nvSpPr>
           <p:spPr>
             <a:xfrm>
-              <a:off x="4487813" y="5862883"/>
+              <a:off x="5095637" y="5862844"/>
               <a:ext cx="63202" cy="63202"/>
             </a:xfrm>
             <a:custGeom>
@@ -28912,7 +28912,7 @@
           </p:nvSpPr>
           <p:spPr>
             <a:xfrm>
-              <a:off x="4822587" y="6202569"/>
+              <a:off x="4786546" y="6202560"/>
               <a:ext cx="63202" cy="63202"/>
             </a:xfrm>
             <a:custGeom>
@@ -28955,7 +28955,7 @@
           </p:nvSpPr>
           <p:spPr>
             <a:xfrm>
-              <a:off x="4886741" y="5962698"/>
+              <a:off x="4782338" y="5962687"/>
               <a:ext cx="63202" cy="63202"/>
             </a:xfrm>
             <a:custGeom>
@@ -28998,7 +28998,7 @@
           </p:nvSpPr>
           <p:spPr>
             <a:xfrm>
-              <a:off x="4469547" y="5934866"/>
+              <a:off x="4531680" y="5934876"/>
               <a:ext cx="63202" cy="63202"/>
             </a:xfrm>
             <a:custGeom>
@@ -29041,7 +29041,7 @@
           </p:nvSpPr>
           <p:spPr>
             <a:xfrm>
-              <a:off x="4935123" y="5879793"/>
+              <a:off x="5162830" y="5879776"/>
               <a:ext cx="63202" cy="63202"/>
             </a:xfrm>
             <a:custGeom>
@@ -29084,7 +29084,7 @@
           </p:nvSpPr>
           <p:spPr>
             <a:xfrm>
-              <a:off x="4492776" y="5886014"/>
+              <a:off x="4912388" y="5886003"/>
               <a:ext cx="63202" cy="63202"/>
             </a:xfrm>
             <a:custGeom>
@@ -29127,7 +29127,7 @@
           </p:nvSpPr>
           <p:spPr>
             <a:xfrm>
-              <a:off x="5121602" y="5870813"/>
+              <a:off x="4851005" y="5870814"/>
               <a:ext cx="63202" cy="63202"/>
             </a:xfrm>
             <a:custGeom>
@@ -29170,7 +29170,7 @@
           </p:nvSpPr>
           <p:spPr>
             <a:xfrm>
-              <a:off x="5135741" y="5867928"/>
+              <a:off x="4788591" y="5867911"/>
               <a:ext cx="63202" cy="63202"/>
             </a:xfrm>
             <a:custGeom>
@@ -29213,7 +29213,7 @@
           </p:nvSpPr>
           <p:spPr>
             <a:xfrm>
-              <a:off x="5041260" y="5872084"/>
+              <a:off x="4727359" y="5872067"/>
               <a:ext cx="63202" cy="63202"/>
             </a:xfrm>
             <a:custGeom>
@@ -29256,7 +29256,7 @@
           </p:nvSpPr>
           <p:spPr>
             <a:xfrm>
-              <a:off x="4991999" y="5924132"/>
+              <a:off x="5003674" y="5924113"/>
               <a:ext cx="63202" cy="63202"/>
             </a:xfrm>
             <a:custGeom>
@@ -29299,7 +29299,7 @@
           </p:nvSpPr>
           <p:spPr>
             <a:xfrm>
-              <a:off x="4785163" y="5851206"/>
+              <a:off x="4596183" y="5851188"/>
               <a:ext cx="63202" cy="63202"/>
             </a:xfrm>
             <a:custGeom>
@@ -29342,7 +29342,7 @@
           </p:nvSpPr>
           <p:spPr>
             <a:xfrm>
-              <a:off x="4563592" y="5880757"/>
+              <a:off x="5081237" y="5880734"/>
               <a:ext cx="63202" cy="63202"/>
             </a:xfrm>
             <a:custGeom>
@@ -29385,7 +29385,7 @@
           </p:nvSpPr>
           <p:spPr>
             <a:xfrm>
-              <a:off x="4681685" y="6354088"/>
+              <a:off x="5164979" y="6354063"/>
               <a:ext cx="63202" cy="63202"/>
             </a:xfrm>
             <a:custGeom>
@@ -29428,7 +29428,7 @@
           </p:nvSpPr>
           <p:spPr>
             <a:xfrm>
-              <a:off x="4563966" y="6078383"/>
+              <a:off x="4732038" y="6078354"/>
               <a:ext cx="63202" cy="63202"/>
             </a:xfrm>
             <a:custGeom>
@@ -29471,7 +29471,7 @@
           </p:nvSpPr>
           <p:spPr>
             <a:xfrm>
-              <a:off x="5065512" y="5856795"/>
+              <a:off x="4648261" y="5856759"/>
               <a:ext cx="63202" cy="63202"/>
             </a:xfrm>
             <a:custGeom>
@@ -29514,7 +29514,7 @@
           </p:nvSpPr>
           <p:spPr>
             <a:xfrm>
-              <a:off x="5074386" y="5928437"/>
+              <a:off x="4798089" y="5928405"/>
               <a:ext cx="63202" cy="63202"/>
             </a:xfrm>
             <a:custGeom>
@@ -29557,7 +29557,7 @@
           </p:nvSpPr>
           <p:spPr>
             <a:xfrm>
-              <a:off x="4545316" y="5897042"/>
+              <a:off x="5132769" y="5897048"/>
               <a:ext cx="63202" cy="63202"/>
             </a:xfrm>
             <a:custGeom>
@@ -29600,7 +29600,7 @@
           </p:nvSpPr>
           <p:spPr>
             <a:xfrm>
-              <a:off x="4481740" y="5860281"/>
+              <a:off x="4473061" y="5860272"/>
               <a:ext cx="63202" cy="63202"/>
             </a:xfrm>
             <a:custGeom>
@@ -29643,7 +29643,7 @@
           </p:nvSpPr>
           <p:spPr>
             <a:xfrm>
-              <a:off x="4658431" y="5989228"/>
+              <a:off x="5036869" y="5989198"/>
               <a:ext cx="63202" cy="63202"/>
             </a:xfrm>
             <a:custGeom>
@@ -29686,7 +29686,7 @@
           </p:nvSpPr>
           <p:spPr>
             <a:xfrm>
-              <a:off x="5039461" y="5889445"/>
+              <a:off x="4498288" y="5889403"/>
               <a:ext cx="63202" cy="63202"/>
             </a:xfrm>
             <a:custGeom>
@@ -29729,7 +29729,7 @@
           </p:nvSpPr>
           <p:spPr>
             <a:xfrm>
-              <a:off x="4830449" y="5863030"/>
+              <a:off x="4863431" y="5863008"/>
               <a:ext cx="63202" cy="63202"/>
             </a:xfrm>
             <a:custGeom>
@@ -29772,7 +29772,7 @@
           </p:nvSpPr>
           <p:spPr>
             <a:xfrm>
-              <a:off x="4837559" y="5873939"/>
+              <a:off x="5102389" y="5873930"/>
               <a:ext cx="63202" cy="63202"/>
             </a:xfrm>
             <a:custGeom>
@@ -29815,7 +29815,7 @@
           </p:nvSpPr>
           <p:spPr>
             <a:xfrm>
-              <a:off x="4650738" y="6186055"/>
+              <a:off x="5128404" y="6186036"/>
               <a:ext cx="63202" cy="63202"/>
             </a:xfrm>
             <a:custGeom>
@@ -29858,7 +29858,7 @@
           </p:nvSpPr>
           <p:spPr>
             <a:xfrm>
-              <a:off x="4994731" y="5858703"/>
+              <a:off x="4664458" y="5858694"/>
               <a:ext cx="63202" cy="63202"/>
             </a:xfrm>
             <a:custGeom>
@@ -29901,7 +29901,7 @@
           </p:nvSpPr>
           <p:spPr>
             <a:xfrm>
-              <a:off x="4568426" y="5860573"/>
+              <a:off x="5037975" y="5860539"/>
               <a:ext cx="63202" cy="63202"/>
             </a:xfrm>
             <a:custGeom>
@@ -29944,7 +29944,7 @@
           </p:nvSpPr>
           <p:spPr>
             <a:xfrm>
-              <a:off x="5005570" y="6107595"/>
+              <a:off x="4471681" y="6107613"/>
               <a:ext cx="63202" cy="63202"/>
             </a:xfrm>
             <a:custGeom>
@@ -29987,7 +29987,7 @@
           </p:nvSpPr>
           <p:spPr>
             <a:xfrm>
-              <a:off x="4598699" y="6311841"/>
+              <a:off x="4986318" y="6311855"/>
               <a:ext cx="63202" cy="63202"/>
             </a:xfrm>
             <a:custGeom>
@@ -30030,7 +30030,7 @@
           </p:nvSpPr>
           <p:spPr>
             <a:xfrm>
-              <a:off x="4768355" y="5870906"/>
+              <a:off x="4917111" y="5870897"/>
               <a:ext cx="63202" cy="63202"/>
             </a:xfrm>
             <a:custGeom>
@@ -30073,7 +30073,7 @@
           </p:nvSpPr>
           <p:spPr>
             <a:xfrm>
-              <a:off x="4548829" y="5887790"/>
+              <a:off x="5056542" y="5887778"/>
               <a:ext cx="63202" cy="63202"/>
             </a:xfrm>
             <a:custGeom>
@@ -30116,7 +30116,7 @@
           </p:nvSpPr>
           <p:spPr>
             <a:xfrm>
-              <a:off x="4612522" y="5882953"/>
+              <a:off x="5089584" y="5882912"/>
               <a:ext cx="63202" cy="63202"/>
             </a:xfrm>
             <a:custGeom>
@@ -30159,7 +30159,7 @@
           </p:nvSpPr>
           <p:spPr>
             <a:xfrm>
-              <a:off x="4928401" y="5867444"/>
+              <a:off x="4469718" y="5867446"/>
               <a:ext cx="63202" cy="63202"/>
             </a:xfrm>
             <a:custGeom>
@@ -30202,7 +30202,7 @@
           </p:nvSpPr>
           <p:spPr>
             <a:xfrm>
-              <a:off x="4689291" y="5917813"/>
+              <a:off x="5022260" y="5917796"/>
               <a:ext cx="63202" cy="63202"/>
             </a:xfrm>
             <a:custGeom>
@@ -30245,7 +30245,7 @@
           </p:nvSpPr>
           <p:spPr>
             <a:xfrm>
-              <a:off x="4745019" y="6008019"/>
+              <a:off x="4859025" y="6007983"/>
               <a:ext cx="63202" cy="63202"/>
             </a:xfrm>
             <a:custGeom>
@@ -30288,7 +30288,7 @@
           </p:nvSpPr>
           <p:spPr>
             <a:xfrm>
-              <a:off x="5132390" y="5866771"/>
+              <a:off x="5035960" y="5866770"/>
               <a:ext cx="63202" cy="63202"/>
             </a:xfrm>
             <a:custGeom>
@@ -30331,7 +30331,7 @@
           </p:nvSpPr>
           <p:spPr>
             <a:xfrm>
-              <a:off x="4648455" y="6148565"/>
+              <a:off x="4982247" y="6148566"/>
               <a:ext cx="63202" cy="63202"/>
             </a:xfrm>
             <a:custGeom>
@@ -30374,7 +30374,7 @@
           </p:nvSpPr>
           <p:spPr>
             <a:xfrm>
-              <a:off x="4975541" y="5936095"/>
+              <a:off x="4843081" y="5936091"/>
               <a:ext cx="63202" cy="63202"/>
             </a:xfrm>
             <a:custGeom>
@@ -30417,7 +30417,7 @@
           </p:nvSpPr>
           <p:spPr>
             <a:xfrm>
-              <a:off x="4728577" y="5869169"/>
+              <a:off x="4502192" y="5869165"/>
               <a:ext cx="63202" cy="63202"/>
             </a:xfrm>
             <a:custGeom>
@@ -30460,7 +30460,7 @@
           </p:nvSpPr>
           <p:spPr>
             <a:xfrm>
-              <a:off x="4547035" y="5852891"/>
+              <a:off x="4989918" y="5852862"/>
               <a:ext cx="63202" cy="63202"/>
             </a:xfrm>
             <a:custGeom>
@@ -30503,7 +30503,7 @@
           </p:nvSpPr>
           <p:spPr>
             <a:xfrm>
-              <a:off x="4978820" y="5920120"/>
+              <a:off x="4812007" y="5920101"/>
               <a:ext cx="63202" cy="63202"/>
             </a:xfrm>
             <a:custGeom>
@@ -30546,7 +30546,7 @@
           </p:nvSpPr>
           <p:spPr>
             <a:xfrm>
-              <a:off x="4760240" y="5927490"/>
+              <a:off x="4757075" y="5927462"/>
               <a:ext cx="63202" cy="63202"/>
             </a:xfrm>
             <a:custGeom>
@@ -30589,7 +30589,7 @@
           </p:nvSpPr>
           <p:spPr>
             <a:xfrm>
-              <a:off x="4845729" y="6269229"/>
+              <a:off x="4502767" y="6269231"/>
               <a:ext cx="63202" cy="63202"/>
             </a:xfrm>
             <a:custGeom>
@@ -30632,7 +30632,7 @@
           </p:nvSpPr>
           <p:spPr>
             <a:xfrm>
-              <a:off x="4476492" y="5935965"/>
+              <a:off x="5140642" y="5935940"/>
               <a:ext cx="63202" cy="63202"/>
             </a:xfrm>
             <a:custGeom>
@@ -30675,7 +30675,7 @@
           </p:nvSpPr>
           <p:spPr>
             <a:xfrm>
-              <a:off x="4642653" y="5929603"/>
+              <a:off x="4571747" y="5929591"/>
               <a:ext cx="63202" cy="63202"/>
             </a:xfrm>
             <a:custGeom>
@@ -30718,7 +30718,7 @@
           </p:nvSpPr>
           <p:spPr>
             <a:xfrm>
-              <a:off x="4668991" y="5854248"/>
+              <a:off x="5001078" y="5854241"/>
               <a:ext cx="63202" cy="63202"/>
             </a:xfrm>
             <a:custGeom>
@@ -30761,7 +30761,7 @@
           </p:nvSpPr>
           <p:spPr>
             <a:xfrm>
-              <a:off x="4693868" y="5895362"/>
+              <a:off x="5026247" y="5895372"/>
               <a:ext cx="63202" cy="63202"/>
             </a:xfrm>
             <a:custGeom>
@@ -30804,7 +30804,7 @@
           </p:nvSpPr>
           <p:spPr>
             <a:xfrm>
-              <a:off x="5133192" y="6115981"/>
+              <a:off x="4783573" y="6115951"/>
               <a:ext cx="63202" cy="63202"/>
             </a:xfrm>
             <a:custGeom>
@@ -30847,7 +30847,7 @@
           </p:nvSpPr>
           <p:spPr>
             <a:xfrm>
-              <a:off x="4754401" y="5862908"/>
+              <a:off x="4969760" y="5862896"/>
               <a:ext cx="63202" cy="63202"/>
             </a:xfrm>
             <a:custGeom>
@@ -30890,7 +30890,7 @@
           </p:nvSpPr>
           <p:spPr>
             <a:xfrm>
-              <a:off x="5030451" y="5867371"/>
+              <a:off x="4655014" y="5867362"/>
               <a:ext cx="63202" cy="63202"/>
             </a:xfrm>
             <a:custGeom>
@@ -30933,7 +30933,7 @@
           </p:nvSpPr>
           <p:spPr>
             <a:xfrm>
-              <a:off x="4775700" y="5867045"/>
+              <a:off x="4701489" y="5867051"/>
               <a:ext cx="63202" cy="63202"/>
             </a:xfrm>
             <a:custGeom>
@@ -30976,7 +30976,7 @@
           </p:nvSpPr>
           <p:spPr>
             <a:xfrm>
-              <a:off x="4932593" y="6122410"/>
+              <a:off x="4581248" y="6122413"/>
               <a:ext cx="63202" cy="63202"/>
             </a:xfrm>
             <a:custGeom>
@@ -31019,7 +31019,7 @@
           </p:nvSpPr>
           <p:spPr>
             <a:xfrm>
-              <a:off x="5129978" y="5858378"/>
+              <a:off x="4787313" y="5858377"/>
               <a:ext cx="63202" cy="63202"/>
             </a:xfrm>
             <a:custGeom>
@@ -31062,7 +31062,7 @@
           </p:nvSpPr>
           <p:spPr>
             <a:xfrm>
-              <a:off x="4871921" y="5908334"/>
+              <a:off x="5134882" y="5908293"/>
               <a:ext cx="63202" cy="63202"/>
             </a:xfrm>
             <a:custGeom>
@@ -31105,7 +31105,7 @@
           </p:nvSpPr>
           <p:spPr>
             <a:xfrm>
-              <a:off x="4471846" y="5924376"/>
+              <a:off x="4769198" y="5924371"/>
               <a:ext cx="63202" cy="63202"/>
             </a:xfrm>
             <a:custGeom>
@@ -31148,7 +31148,7 @@
           </p:nvSpPr>
           <p:spPr>
             <a:xfrm>
-              <a:off x="4699276" y="5876916"/>
+              <a:off x="4568471" y="5876901"/>
               <a:ext cx="63202" cy="63202"/>
             </a:xfrm>
             <a:custGeom>
@@ -31191,7 +31191,7 @@
           </p:nvSpPr>
           <p:spPr>
             <a:xfrm>
-              <a:off x="4819035" y="6128827"/>
+              <a:off x="4569833" y="6128809"/>
               <a:ext cx="63202" cy="63202"/>
             </a:xfrm>
             <a:custGeom>
@@ -31234,7 +31234,7 @@
           </p:nvSpPr>
           <p:spPr>
             <a:xfrm>
-              <a:off x="4574324" y="5963654"/>
+              <a:off x="4589681" y="5963658"/>
               <a:ext cx="63202" cy="63202"/>
             </a:xfrm>
             <a:custGeom>
@@ -31277,7 +31277,7 @@
           </p:nvSpPr>
           <p:spPr>
             <a:xfrm>
-              <a:off x="4681690" y="5888657"/>
+              <a:off x="5148517" y="5888642"/>
               <a:ext cx="63202" cy="63202"/>
             </a:xfrm>
             <a:custGeom>
@@ -31320,7 +31320,7 @@
           </p:nvSpPr>
           <p:spPr>
             <a:xfrm>
-              <a:off x="4962733" y="5863156"/>
+              <a:off x="4698192" y="5863123"/>
               <a:ext cx="63202" cy="63202"/>
             </a:xfrm>
             <a:custGeom>
@@ -31363,7 +31363,7 @@
           </p:nvSpPr>
           <p:spPr>
             <a:xfrm>
-              <a:off x="4640494" y="5903236"/>
+              <a:off x="4867227" y="5903217"/>
               <a:ext cx="63202" cy="63202"/>
             </a:xfrm>
             <a:custGeom>
@@ -31406,7 +31406,7 @@
           </p:nvSpPr>
           <p:spPr>
             <a:xfrm>
-              <a:off x="4993745" y="5883425"/>
+              <a:off x="5095431" y="5883429"/>
               <a:ext cx="63202" cy="63202"/>
             </a:xfrm>
             <a:custGeom>
@@ -31449,7 +31449,7 @@
           </p:nvSpPr>
           <p:spPr>
             <a:xfrm>
-              <a:off x="5111271" y="5932636"/>
+              <a:off x="4733729" y="5932639"/>
               <a:ext cx="63202" cy="63202"/>
             </a:xfrm>
             <a:custGeom>
@@ -31492,7 +31492,7 @@
           </p:nvSpPr>
           <p:spPr>
             <a:xfrm>
-              <a:off x="5105861" y="6202864"/>
+              <a:off x="4494660" y="6202853"/>
               <a:ext cx="63202" cy="63202"/>
             </a:xfrm>
             <a:custGeom>
@@ -31535,7 +31535,7 @@
           </p:nvSpPr>
           <p:spPr>
             <a:xfrm>
-              <a:off x="4655725" y="6163938"/>
+              <a:off x="4633942" y="6163928"/>
               <a:ext cx="63202" cy="63202"/>
             </a:xfrm>
             <a:custGeom>
@@ -31578,7 +31578,7 @@
           </p:nvSpPr>
           <p:spPr>
             <a:xfrm>
-              <a:off x="4834388" y="5959341"/>
+              <a:off x="4859508" y="5959325"/>
               <a:ext cx="63202" cy="63202"/>
             </a:xfrm>
             <a:custGeom>
@@ -31621,7 +31621,7 @@
           </p:nvSpPr>
           <p:spPr>
             <a:xfrm>
-              <a:off x="4578661" y="6236276"/>
+              <a:off x="4649293" y="6236271"/>
               <a:ext cx="63202" cy="63202"/>
             </a:xfrm>
             <a:custGeom>
@@ -31664,7 +31664,7 @@
           </p:nvSpPr>
           <p:spPr>
             <a:xfrm>
-              <a:off x="4981948" y="5864247"/>
+              <a:off x="4552314" y="5864218"/>
               <a:ext cx="63202" cy="63202"/>
             </a:xfrm>
             <a:custGeom>
@@ -31707,7 +31707,7 @@
           </p:nvSpPr>
           <p:spPr>
             <a:xfrm>
-              <a:off x="4625086" y="5907350"/>
+              <a:off x="4832302" y="5907348"/>
               <a:ext cx="63202" cy="63202"/>
             </a:xfrm>
             <a:custGeom>
@@ -31750,7 +31750,7 @@
           </p:nvSpPr>
           <p:spPr>
             <a:xfrm>
-              <a:off x="4769647" y="5894785"/>
+              <a:off x="5027689" y="5894791"/>
               <a:ext cx="63202" cy="63202"/>
             </a:xfrm>
             <a:custGeom>
@@ -31793,7 +31793,7 @@
           </p:nvSpPr>
           <p:spPr>
             <a:xfrm>
-              <a:off x="4731151" y="5860486"/>
+              <a:off x="4703098" y="5860467"/>
               <a:ext cx="63202" cy="63202"/>
             </a:xfrm>
             <a:custGeom>
@@ -31836,7 +31836,7 @@
           </p:nvSpPr>
           <p:spPr>
             <a:xfrm>
-              <a:off x="5070950" y="5890891"/>
+              <a:off x="4483461" y="5890866"/>
               <a:ext cx="63202" cy="63202"/>
             </a:xfrm>
             <a:custGeom>
@@ -31879,7 +31879,7 @@
           </p:nvSpPr>
           <p:spPr>
             <a:xfrm>
-              <a:off x="4905019" y="5868735"/>
+              <a:off x="4836424" y="5868716"/>
               <a:ext cx="63202" cy="63202"/>
             </a:xfrm>
             <a:custGeom>
@@ -31922,7 +31922,7 @@
           </p:nvSpPr>
           <p:spPr>
             <a:xfrm>
-              <a:off x="4642263" y="5873557"/>
+              <a:off x="4807885" y="5873524"/>
               <a:ext cx="63202" cy="63202"/>
             </a:xfrm>
             <a:custGeom>
@@ -31965,7 +31965,7 @@
           </p:nvSpPr>
           <p:spPr>
             <a:xfrm>
-              <a:off x="4632991" y="5883772"/>
+              <a:off x="4831307" y="5883727"/>
               <a:ext cx="63202" cy="63202"/>
             </a:xfrm>
             <a:custGeom>
@@ -32008,7 +32008,7 @@
           </p:nvSpPr>
           <p:spPr>
             <a:xfrm>
-              <a:off x="4480085" y="6121625"/>
+              <a:off x="5111319" y="6121637"/>
               <a:ext cx="63202" cy="63202"/>
             </a:xfrm>
             <a:custGeom>
@@ -32051,7 +32051,7 @@
           </p:nvSpPr>
           <p:spPr>
             <a:xfrm>
-              <a:off x="4570474" y="6008978"/>
+              <a:off x="4572300" y="6008945"/>
               <a:ext cx="63202" cy="63202"/>
             </a:xfrm>
             <a:custGeom>
@@ -32094,7 +32094,7 @@
           </p:nvSpPr>
           <p:spPr>
             <a:xfrm>
-              <a:off x="4729351" y="5853885"/>
+              <a:off x="4757437" y="5853878"/>
               <a:ext cx="63202" cy="63202"/>
             </a:xfrm>
             <a:custGeom>
@@ -32137,7 +32137,7 @@
           </p:nvSpPr>
           <p:spPr>
             <a:xfrm>
-              <a:off x="4759420" y="5931020"/>
+              <a:off x="4943101" y="5930995"/>
               <a:ext cx="63202" cy="63202"/>
             </a:xfrm>
             <a:custGeom>
@@ -32180,7 +32180,7 @@
           </p:nvSpPr>
           <p:spPr>
             <a:xfrm>
-              <a:off x="4941282" y="5931868"/>
+              <a:off x="4917615" y="5931866"/>
               <a:ext cx="63202" cy="63202"/>
             </a:xfrm>
             <a:custGeom>
@@ -32223,7 +32223,7 @@
           </p:nvSpPr>
           <p:spPr>
             <a:xfrm>
-              <a:off x="4725123" y="5874559"/>
+              <a:off x="4615766" y="5874527"/>
               <a:ext cx="63202" cy="63202"/>
             </a:xfrm>
             <a:custGeom>
@@ -32266,7 +32266,7 @@
           </p:nvSpPr>
           <p:spPr>
             <a:xfrm>
-              <a:off x="4604583" y="5893659"/>
+              <a:off x="5004281" y="5893631"/>
               <a:ext cx="63202" cy="63202"/>
             </a:xfrm>
             <a:custGeom>
@@ -32309,7 +32309,7 @@
           </p:nvSpPr>
           <p:spPr>
             <a:xfrm>
-              <a:off x="4862031" y="5923131"/>
+              <a:off x="4879574" y="5923098"/>
               <a:ext cx="63202" cy="63202"/>
             </a:xfrm>
             <a:custGeom>
@@ -32352,7 +32352,7 @@
           </p:nvSpPr>
           <p:spPr>
             <a:xfrm>
-              <a:off x="4925450" y="5923938"/>
+              <a:off x="4678271" y="5923904"/>
               <a:ext cx="63202" cy="63202"/>
             </a:xfrm>
             <a:custGeom>
@@ -32395,7 +32395,7 @@
           </p:nvSpPr>
           <p:spPr>
             <a:xfrm>
-              <a:off x="4485684" y="5889292"/>
+              <a:off x="4710235" y="5889294"/>
               <a:ext cx="63202" cy="63202"/>
             </a:xfrm>
             <a:custGeom>
@@ -32438,7 +32438,7 @@
           </p:nvSpPr>
           <p:spPr>
             <a:xfrm>
-              <a:off x="4928013" y="5888221"/>
+              <a:off x="4705017" y="5888192"/>
               <a:ext cx="63202" cy="63202"/>
             </a:xfrm>
             <a:custGeom>
@@ -32481,7 +32481,7 @@
           </p:nvSpPr>
           <p:spPr>
             <a:xfrm>
-              <a:off x="4890306" y="5960835"/>
+              <a:off x="4541663" y="5960812"/>
               <a:ext cx="63202" cy="63202"/>
             </a:xfrm>
             <a:custGeom>
@@ -32524,7 +32524,7 @@
           </p:nvSpPr>
           <p:spPr>
             <a:xfrm>
-              <a:off x="4695132" y="5887601"/>
+              <a:off x="4503601" y="5887612"/>
               <a:ext cx="63202" cy="63202"/>
             </a:xfrm>
             <a:custGeom>
@@ -32567,7 +32567,7 @@
           </p:nvSpPr>
           <p:spPr>
             <a:xfrm>
-              <a:off x="4902908" y="5883758"/>
+              <a:off x="4561157" y="5883749"/>
               <a:ext cx="63202" cy="63202"/>
             </a:xfrm>
             <a:custGeom>
@@ -32610,7 +32610,7 @@
           </p:nvSpPr>
           <p:spPr>
             <a:xfrm>
-              <a:off x="4620088" y="5733411"/>
+              <a:off x="5046947" y="5733381"/>
               <a:ext cx="63202" cy="63202"/>
             </a:xfrm>
             <a:custGeom>
@@ -32653,7 +32653,7 @@
           </p:nvSpPr>
           <p:spPr>
             <a:xfrm>
-              <a:off x="5044203" y="5874333"/>
+              <a:off x="5131341" y="5874307"/>
               <a:ext cx="63202" cy="63202"/>
             </a:xfrm>
             <a:custGeom>
@@ -32696,7 +32696,7 @@
           </p:nvSpPr>
           <p:spPr>
             <a:xfrm>
-              <a:off x="5147708" y="5890492"/>
+              <a:off x="5020097" y="5890458"/>
               <a:ext cx="63202" cy="63202"/>
             </a:xfrm>
             <a:custGeom>
@@ -32739,7 +32739,7 @@
           </p:nvSpPr>
           <p:spPr>
             <a:xfrm>
-              <a:off x="5141459" y="5882817"/>
+              <a:off x="5002694" y="5882792"/>
               <a:ext cx="63202" cy="63202"/>
             </a:xfrm>
             <a:custGeom>
@@ -32782,7 +32782,7 @@
           </p:nvSpPr>
           <p:spPr>
             <a:xfrm>
-              <a:off x="4471989" y="5870789"/>
+              <a:off x="4510989" y="5870757"/>
               <a:ext cx="63202" cy="63202"/>
             </a:xfrm>
             <a:custGeom>
@@ -32825,7 +32825,7 @@
           </p:nvSpPr>
           <p:spPr>
             <a:xfrm>
-              <a:off x="4738018" y="5873586"/>
+              <a:off x="5070637" y="5873575"/>
               <a:ext cx="63202" cy="63202"/>
             </a:xfrm>
             <a:custGeom>
@@ -32868,7 +32868,7 @@
           </p:nvSpPr>
           <p:spPr>
             <a:xfrm>
-              <a:off x="4471984" y="5857928"/>
+              <a:off x="4937816" y="5857900"/>
               <a:ext cx="63202" cy="63202"/>
             </a:xfrm>
             <a:custGeom>
@@ -32911,7 +32911,7 @@
           </p:nvSpPr>
           <p:spPr>
             <a:xfrm>
-              <a:off x="4612244" y="6073608"/>
+              <a:off x="4767903" y="6073601"/>
               <a:ext cx="63202" cy="63202"/>
             </a:xfrm>
             <a:custGeom>
@@ -32954,7 +32954,7 @@
           </p:nvSpPr>
           <p:spPr>
             <a:xfrm>
-              <a:off x="4882606" y="6066336"/>
+              <a:off x="4573767" y="6066342"/>
               <a:ext cx="63202" cy="63202"/>
             </a:xfrm>
             <a:custGeom>
@@ -32997,7 +32997,7 @@
           </p:nvSpPr>
           <p:spPr>
             <a:xfrm>
-              <a:off x="5111595" y="6096658"/>
+              <a:off x="4545691" y="6096650"/>
               <a:ext cx="63202" cy="63202"/>
             </a:xfrm>
             <a:custGeom>
@@ -33040,7 +33040,7 @@
           </p:nvSpPr>
           <p:spPr>
             <a:xfrm>
-              <a:off x="4694276" y="6063167"/>
+              <a:off x="4885132" y="6063141"/>
               <a:ext cx="63202" cy="63202"/>
             </a:xfrm>
             <a:custGeom>
@@ -33083,7 +33083,7 @@
           </p:nvSpPr>
           <p:spPr>
             <a:xfrm>
-              <a:off x="4987767" y="5899145"/>
+              <a:off x="5056667" y="5899126"/>
               <a:ext cx="63202" cy="63202"/>
             </a:xfrm>
             <a:custGeom>
@@ -33126,7 +33126,7 @@
           </p:nvSpPr>
           <p:spPr>
             <a:xfrm>
-              <a:off x="4513322" y="6299582"/>
+              <a:off x="4859651" y="6299573"/>
               <a:ext cx="63202" cy="63202"/>
             </a:xfrm>
             <a:custGeom>
@@ -33169,7 +33169,7 @@
           </p:nvSpPr>
           <p:spPr>
             <a:xfrm>
-              <a:off x="5078457" y="6289742"/>
+              <a:off x="4621088" y="6289730"/>
               <a:ext cx="63202" cy="63202"/>
             </a:xfrm>
             <a:custGeom>
@@ -33212,7 +33212,7 @@
           </p:nvSpPr>
           <p:spPr>
             <a:xfrm>
-              <a:off x="4768094" y="5866055"/>
+              <a:off x="4927499" y="5866033"/>
               <a:ext cx="63202" cy="63202"/>
             </a:xfrm>
             <a:custGeom>
@@ -33255,7 +33255,7 @@
           </p:nvSpPr>
           <p:spPr>
             <a:xfrm>
-              <a:off x="4682353" y="5870376"/>
+              <a:off x="4533503" y="5870357"/>
               <a:ext cx="63202" cy="63202"/>
             </a:xfrm>
             <a:custGeom>
@@ -33298,7 +33298,7 @@
           </p:nvSpPr>
           <p:spPr>
             <a:xfrm>
-              <a:off x="4545904" y="6098987"/>
+              <a:off x="4758362" y="6098990"/>
               <a:ext cx="63202" cy="63202"/>
             </a:xfrm>
             <a:custGeom>
@@ -33341,7 +33341,7 @@
           </p:nvSpPr>
           <p:spPr>
             <a:xfrm>
-              <a:off x="4488397" y="6052445"/>
+              <a:off x="4742778" y="6052438"/>
               <a:ext cx="63202" cy="63202"/>
             </a:xfrm>
             <a:custGeom>
@@ -33384,7 +33384,7 @@
           </p:nvSpPr>
           <p:spPr>
             <a:xfrm>
-              <a:off x="4723313" y="5902724"/>
+              <a:off x="4937985" y="5902710"/>
               <a:ext cx="63202" cy="63202"/>
             </a:xfrm>
             <a:custGeom>
@@ -33427,7 +33427,7 @@
           </p:nvSpPr>
           <p:spPr>
             <a:xfrm>
-              <a:off x="4969330" y="6049327"/>
+              <a:off x="4506525" y="6049323"/>
               <a:ext cx="63202" cy="63202"/>
             </a:xfrm>
             <a:custGeom>
@@ -33470,7 +33470,7 @@
           </p:nvSpPr>
           <p:spPr>
             <a:xfrm>
-              <a:off x="4643970" y="5998250"/>
+              <a:off x="4740970" y="5998230"/>
               <a:ext cx="63202" cy="63202"/>
             </a:xfrm>
             <a:custGeom>
@@ -33513,7 +33513,7 @@
           </p:nvSpPr>
           <p:spPr>
             <a:xfrm>
-              <a:off x="4795125" y="5863961"/>
+              <a:off x="4812869" y="5863950"/>
               <a:ext cx="63202" cy="63202"/>
             </a:xfrm>
             <a:custGeom>
@@ -33556,7 +33556,7 @@
           </p:nvSpPr>
           <p:spPr>
             <a:xfrm>
-              <a:off x="4700540" y="5871279"/>
+              <a:off x="4699942" y="5871253"/>
               <a:ext cx="63202" cy="63202"/>
             </a:xfrm>
             <a:custGeom>
@@ -33599,7 +33599,7 @@
           </p:nvSpPr>
           <p:spPr>
             <a:xfrm>
-              <a:off x="4962855" y="5860160"/>
+              <a:off x="4981366" y="5860123"/>
               <a:ext cx="63202" cy="63202"/>
             </a:xfrm>
             <a:custGeom>
@@ -33642,7 +33642,7 @@
           </p:nvSpPr>
           <p:spPr>
             <a:xfrm>
-              <a:off x="4906371" y="5925783"/>
+              <a:off x="5080376" y="5925785"/>
               <a:ext cx="63202" cy="63202"/>
             </a:xfrm>
             <a:custGeom>
@@ -33685,7 +33685,7 @@
           </p:nvSpPr>
           <p:spPr>
             <a:xfrm>
-              <a:off x="4690715" y="5870878"/>
+              <a:off x="4954027" y="5870847"/>
               <a:ext cx="63202" cy="63202"/>
             </a:xfrm>
             <a:custGeom>
@@ -33728,7 +33728,7 @@
           </p:nvSpPr>
           <p:spPr>
             <a:xfrm>
-              <a:off x="4762250" y="5927459"/>
+              <a:off x="5068149" y="5927444"/>
               <a:ext cx="63202" cy="63202"/>
             </a:xfrm>
             <a:custGeom>
@@ -33771,7 +33771,7 @@
           </p:nvSpPr>
           <p:spPr>
             <a:xfrm>
-              <a:off x="5149967" y="5932411"/>
+              <a:off x="5105521" y="5932425"/>
               <a:ext cx="63202" cy="63202"/>
             </a:xfrm>
             <a:custGeom>
@@ -33814,7 +33814,7 @@
           </p:nvSpPr>
           <p:spPr>
             <a:xfrm>
-              <a:off x="4922377" y="5926514"/>
+              <a:off x="5114452" y="5926520"/>
               <a:ext cx="63202" cy="63202"/>
             </a:xfrm>
             <a:custGeom>
@@ -33857,7 +33857,7 @@
           </p:nvSpPr>
           <p:spPr>
             <a:xfrm>
-              <a:off x="4764216" y="5927022"/>
+              <a:off x="4934768" y="5926997"/>
               <a:ext cx="63202" cy="63202"/>
             </a:xfrm>
             <a:custGeom>
@@ -33900,7 +33900,7 @@
           </p:nvSpPr>
           <p:spPr>
             <a:xfrm>
-              <a:off x="4810962" y="5888572"/>
+              <a:off x="4884039" y="5888549"/>
               <a:ext cx="63202" cy="63202"/>
             </a:xfrm>
             <a:custGeom>
@@ -33943,7 +33943,7 @@
           </p:nvSpPr>
           <p:spPr>
             <a:xfrm>
-              <a:off x="4959744" y="5925020"/>
+              <a:off x="4503221" y="5925002"/>
               <a:ext cx="63202" cy="63202"/>
             </a:xfrm>
             <a:custGeom>
@@ -33986,7 +33986,7 @@
           </p:nvSpPr>
           <p:spPr>
             <a:xfrm>
-              <a:off x="4751882" y="6043875"/>
+              <a:off x="4607851" y="6043846"/>
               <a:ext cx="63202" cy="63202"/>
             </a:xfrm>
             <a:custGeom>
@@ -34029,7 +34029,7 @@
           </p:nvSpPr>
           <p:spPr>
             <a:xfrm>
-              <a:off x="4724490" y="5870217"/>
+              <a:off x="5150296" y="5870231"/>
               <a:ext cx="63202" cy="63202"/>
             </a:xfrm>
             <a:custGeom>
@@ -34072,7 +34072,7 @@
           </p:nvSpPr>
           <p:spPr>
             <a:xfrm>
-              <a:off x="4905734" y="6197052"/>
+              <a:off x="4903522" y="6197019"/>
               <a:ext cx="63202" cy="63202"/>
             </a:xfrm>
             <a:custGeom>
@@ -34115,7 +34115,7 @@
           </p:nvSpPr>
           <p:spPr>
             <a:xfrm>
-              <a:off x="4543806" y="5907849"/>
+              <a:off x="5024040" y="5907867"/>
               <a:ext cx="63202" cy="63202"/>
             </a:xfrm>
             <a:custGeom>
@@ -34158,7 +34158,7 @@
           </p:nvSpPr>
           <p:spPr>
             <a:xfrm>
-              <a:off x="4838731" y="6119566"/>
+              <a:off x="4887145" y="6119559"/>
               <a:ext cx="63202" cy="63202"/>
             </a:xfrm>
             <a:custGeom>
@@ -34201,7 +34201,7 @@
           </p:nvSpPr>
           <p:spPr>
             <a:xfrm>
-              <a:off x="4583763" y="5959843"/>
+              <a:off x="5161425" y="5959825"/>
               <a:ext cx="63202" cy="63202"/>
             </a:xfrm>
             <a:custGeom>
@@ -34244,7 +34244,7 @@
           </p:nvSpPr>
           <p:spPr>
             <a:xfrm>
-              <a:off x="5111849" y="6153998"/>
+              <a:off x="4648037" y="6153999"/>
               <a:ext cx="63202" cy="63202"/>
             </a:xfrm>
             <a:custGeom>
@@ -34287,7 +34287,7 @@
           </p:nvSpPr>
           <p:spPr>
             <a:xfrm>
-              <a:off x="4826845" y="6086882"/>
+              <a:off x="5153447" y="6086861"/>
               <a:ext cx="63202" cy="63202"/>
             </a:xfrm>
             <a:custGeom>
@@ -34330,7 +34330,7 @@
           </p:nvSpPr>
           <p:spPr>
             <a:xfrm>
-              <a:off x="4529623" y="6260344"/>
+              <a:off x="4901770" y="6260321"/>
               <a:ext cx="63202" cy="63202"/>
             </a:xfrm>
             <a:custGeom>
@@ -34373,7 +34373,7 @@
           </p:nvSpPr>
           <p:spPr>
             <a:xfrm>
-              <a:off x="4963420" y="5865227"/>
+              <a:off x="5119575" y="5865236"/>
               <a:ext cx="63202" cy="63202"/>
             </a:xfrm>
             <a:custGeom>
@@ -34416,7 +34416,7 @@
           </p:nvSpPr>
           <p:spPr>
             <a:xfrm>
-              <a:off x="5159356" y="5865360"/>
+              <a:off x="5042830" y="5865359"/>
               <a:ext cx="63202" cy="63202"/>
             </a:xfrm>
             <a:custGeom>
@@ -34459,7 +34459,7 @@
           </p:nvSpPr>
           <p:spPr>
             <a:xfrm>
-              <a:off x="4889819" y="6175834"/>
+              <a:off x="4512767" y="6175827"/>
               <a:ext cx="63202" cy="63202"/>
             </a:xfrm>
             <a:custGeom>
@@ -34502,7 +34502,7 @@
           </p:nvSpPr>
           <p:spPr>
             <a:xfrm>
-              <a:off x="5034285" y="6112258"/>
+              <a:off x="4576716" y="6112230"/>
               <a:ext cx="63202" cy="63202"/>
             </a:xfrm>
             <a:custGeom>
@@ -34545,7 +34545,7 @@
           </p:nvSpPr>
           <p:spPr>
             <a:xfrm>
-              <a:off x="4575698" y="5998203"/>
+              <a:off x="4802925" y="5998209"/>
               <a:ext cx="63202" cy="63202"/>
             </a:xfrm>
             <a:custGeom>
@@ -34588,7 +34588,7 @@
           </p:nvSpPr>
           <p:spPr>
             <a:xfrm>
-              <a:off x="4830613" y="6068516"/>
+              <a:off x="4984278" y="6068502"/>
               <a:ext cx="63202" cy="63202"/>
             </a:xfrm>
             <a:custGeom>
@@ -34687,7 +34687,7 @@
           </p:nvSpPr>
           <p:spPr>
             <a:xfrm>
-              <a:off x="7192078" y="2815606"/>
+              <a:off x="7192078" y="2815610"/>
               <a:ext cx="2796732" cy="0"/>
             </a:xfrm>
             <a:custGeom>
@@ -34730,7 +34730,7 @@
           </p:nvSpPr>
           <p:spPr>
             <a:xfrm>
-              <a:off x="7192078" y="2361636"/>
+              <a:off x="7192078" y="2361629"/>
               <a:ext cx="2796732" cy="0"/>
             </a:xfrm>
             <a:custGeom>
@@ -34773,7 +34773,7 @@
           </p:nvSpPr>
           <p:spPr>
             <a:xfrm>
-              <a:off x="7192078" y="1907666"/>
+              <a:off x="7192078" y="1907647"/>
               <a:ext cx="2796732" cy="0"/>
             </a:xfrm>
             <a:custGeom>
@@ -34816,7 +34816,7 @@
           </p:nvSpPr>
           <p:spPr>
             <a:xfrm>
-              <a:off x="7192078" y="1453696"/>
+              <a:off x="7192078" y="1453666"/>
               <a:ext cx="2796732" cy="0"/>
             </a:xfrm>
             <a:custGeom>
@@ -34859,7 +34859,7 @@
           </p:nvSpPr>
           <p:spPr>
             <a:xfrm>
-              <a:off x="7192078" y="3042591"/>
+              <a:off x="7192078" y="3042600"/>
               <a:ext cx="2796732" cy="0"/>
             </a:xfrm>
             <a:custGeom>
@@ -34902,7 +34902,7 @@
           </p:nvSpPr>
           <p:spPr>
             <a:xfrm>
-              <a:off x="7192078" y="2588621"/>
+              <a:off x="7192078" y="2588619"/>
               <a:ext cx="2796732" cy="0"/>
             </a:xfrm>
             <a:custGeom>
@@ -34945,7 +34945,7 @@
           </p:nvSpPr>
           <p:spPr>
             <a:xfrm>
-              <a:off x="7192078" y="2134651"/>
+              <a:off x="7192078" y="2134638"/>
               <a:ext cx="2796732" cy="0"/>
             </a:xfrm>
             <a:custGeom>
@@ -34988,7 +34988,7 @@
           </p:nvSpPr>
           <p:spPr>
             <a:xfrm>
-              <a:off x="7192078" y="1680681"/>
+              <a:off x="7192078" y="1680657"/>
               <a:ext cx="2796732" cy="0"/>
             </a:xfrm>
             <a:custGeom>
@@ -35160,7 +35160,7 @@
           </p:nvSpPr>
           <p:spPr>
             <a:xfrm>
-              <a:off x="7559357" y="2813921"/>
+              <a:off x="7719500" y="2813923"/>
               <a:ext cx="63202" cy="63202"/>
             </a:xfrm>
             <a:custGeom>
@@ -35203,7 +35203,7 @@
           </p:nvSpPr>
           <p:spPr>
             <a:xfrm>
-              <a:off x="7732629" y="2585267"/>
+              <a:off x="7376588" y="2585262"/>
               <a:ext cx="63202" cy="63202"/>
             </a:xfrm>
             <a:custGeom>
@@ -35246,7 +35246,7 @@
           </p:nvSpPr>
           <p:spPr>
             <a:xfrm>
-              <a:off x="7771788" y="2552158"/>
+              <a:off x="7478558" y="2552147"/>
               <a:ext cx="63202" cy="63202"/>
             </a:xfrm>
             <a:custGeom>
@@ -35289,7 +35289,7 @@
           </p:nvSpPr>
           <p:spPr>
             <a:xfrm>
-              <a:off x="7714386" y="2556516"/>
+              <a:off x="7970059" y="2556537"/>
               <a:ext cx="63202" cy="63202"/>
             </a:xfrm>
             <a:custGeom>
@@ -35332,7 +35332,7 @@
           </p:nvSpPr>
           <p:spPr>
             <a:xfrm>
-              <a:off x="7678912" y="2550314"/>
+              <a:off x="7475926" y="2550284"/>
               <a:ext cx="63202" cy="63202"/>
             </a:xfrm>
             <a:custGeom>
@@ -35375,7 +35375,7 @@
           </p:nvSpPr>
           <p:spPr>
             <a:xfrm>
-              <a:off x="7600513" y="2269598"/>
+              <a:off x="7738181" y="2269586"/>
               <a:ext cx="63202" cy="63202"/>
             </a:xfrm>
             <a:custGeom>
@@ -35418,7 +35418,7 @@
           </p:nvSpPr>
           <p:spPr>
             <a:xfrm>
-              <a:off x="7666766" y="2573490"/>
+              <a:off x="7776408" y="2573490"/>
               <a:ext cx="63202" cy="63202"/>
             </a:xfrm>
             <a:custGeom>
@@ -35461,7 +35461,7 @@
           </p:nvSpPr>
           <p:spPr>
             <a:xfrm>
-              <a:off x="8024349" y="2583569"/>
+              <a:off x="7823014" y="2583593"/>
               <a:ext cx="63202" cy="63202"/>
             </a:xfrm>
             <a:custGeom>
@@ -35504,7 +35504,7 @@
           </p:nvSpPr>
           <p:spPr>
             <a:xfrm>
-              <a:off x="7465815" y="2549335"/>
+              <a:off x="7594571" y="2549348"/>
               <a:ext cx="63202" cy="63202"/>
             </a:xfrm>
             <a:custGeom>
@@ -35547,7 +35547,7 @@
           </p:nvSpPr>
           <p:spPr>
             <a:xfrm>
-              <a:off x="8011560" y="2548679"/>
+              <a:off x="7581578" y="2548670"/>
               <a:ext cx="63202" cy="63202"/>
             </a:xfrm>
             <a:custGeom>
@@ -35590,7 +35590,7 @@
           </p:nvSpPr>
           <p:spPr>
             <a:xfrm>
-              <a:off x="7963481" y="2574652"/>
+              <a:off x="7767996" y="2574645"/>
               <a:ext cx="63202" cy="63202"/>
             </a:xfrm>
             <a:custGeom>
@@ -35633,7 +35633,7 @@
           </p:nvSpPr>
           <p:spPr>
             <a:xfrm>
-              <a:off x="7786689" y="2659473"/>
+              <a:off x="7939646" y="2659495"/>
               <a:ext cx="63202" cy="63202"/>
             </a:xfrm>
             <a:custGeom>
@@ -35676,7 +35676,7 @@
           </p:nvSpPr>
           <p:spPr>
             <a:xfrm>
-              <a:off x="7574989" y="2579622"/>
+              <a:off x="7695092" y="2579619"/>
               <a:ext cx="63202" cy="63202"/>
             </a:xfrm>
             <a:custGeom>
@@ -35719,7 +35719,7 @@
           </p:nvSpPr>
           <p:spPr>
             <a:xfrm>
-              <a:off x="7617066" y="2585627"/>
+              <a:off x="7576461" y="2585625"/>
               <a:ext cx="63202" cy="63202"/>
             </a:xfrm>
             <a:custGeom>
@@ -35762,7 +35762,7 @@
           </p:nvSpPr>
           <p:spPr>
             <a:xfrm>
-              <a:off x="7945395" y="2573716"/>
+              <a:off x="7594450" y="2573719"/>
               <a:ext cx="63202" cy="63202"/>
             </a:xfrm>
             <a:custGeom>
@@ -35805,7 +35805,7 @@
           </p:nvSpPr>
           <p:spPr>
             <a:xfrm>
-              <a:off x="7498050" y="2582231"/>
+              <a:off x="7846063" y="2582221"/>
               <a:ext cx="63202" cy="63202"/>
             </a:xfrm>
             <a:custGeom>
@@ -35848,7 +35848,7 @@
           </p:nvSpPr>
           <p:spPr>
             <a:xfrm>
-              <a:off x="7813472" y="2572499"/>
+              <a:off x="7880993" y="2572510"/>
               <a:ext cx="63202" cy="63202"/>
             </a:xfrm>
             <a:custGeom>
@@ -35891,7 +35891,7 @@
           </p:nvSpPr>
           <p:spPr>
             <a:xfrm>
-              <a:off x="7631747" y="2557385"/>
+              <a:off x="7657474" y="2557389"/>
               <a:ext cx="63202" cy="63202"/>
             </a:xfrm>
             <a:custGeom>
@@ -35934,7 +35934,7 @@
           </p:nvSpPr>
           <p:spPr>
             <a:xfrm>
-              <a:off x="7449025" y="2578282"/>
+              <a:off x="7694357" y="2578262"/>
               <a:ext cx="63202" cy="63202"/>
             </a:xfrm>
             <a:custGeom>
@@ -35977,7 +35977,7 @@
           </p:nvSpPr>
           <p:spPr>
             <a:xfrm>
-              <a:off x="7416985" y="2671931"/>
+              <a:off x="7527722" y="2671924"/>
               <a:ext cx="63202" cy="63202"/>
             </a:xfrm>
             <a:custGeom>
@@ -36020,7 +36020,7 @@
           </p:nvSpPr>
           <p:spPr>
             <a:xfrm>
-              <a:off x="7898452" y="2548855"/>
+              <a:off x="7818999" y="2548839"/>
               <a:ext cx="63202" cy="63202"/>
             </a:xfrm>
             <a:custGeom>
@@ -36063,7 +36063,7 @@
           </p:nvSpPr>
           <p:spPr>
             <a:xfrm>
-              <a:off x="7463917" y="2552963"/>
+              <a:off x="7791381" y="2552995"/>
               <a:ext cx="63202" cy="63202"/>
             </a:xfrm>
             <a:custGeom>
@@ -36106,7 +36106,7 @@
           </p:nvSpPr>
           <p:spPr>
             <a:xfrm>
-              <a:off x="7693088" y="2585832"/>
+              <a:off x="7898479" y="2585839"/>
               <a:ext cx="63202" cy="63202"/>
             </a:xfrm>
             <a:custGeom>
@@ -36149,7 +36149,7 @@
           </p:nvSpPr>
           <p:spPr>
             <a:xfrm>
-              <a:off x="8026005" y="2572143"/>
+              <a:off x="7732333" y="2572135"/>
               <a:ext cx="63202" cy="63202"/>
             </a:xfrm>
             <a:custGeom>
@@ -36192,7 +36192,7 @@
           </p:nvSpPr>
           <p:spPr>
             <a:xfrm>
-              <a:off x="7837740" y="2576167"/>
+              <a:off x="7812054" y="2576164"/>
               <a:ext cx="63202" cy="63202"/>
             </a:xfrm>
             <a:custGeom>
@@ -36235,7 +36235,7 @@
           </p:nvSpPr>
           <p:spPr>
             <a:xfrm>
-              <a:off x="7824625" y="2574647"/>
+              <a:off x="7815454" y="2574625"/>
               <a:ext cx="63202" cy="63202"/>
             </a:xfrm>
             <a:custGeom>
@@ -36278,7 +36278,7 @@
           </p:nvSpPr>
           <p:spPr>
             <a:xfrm>
-              <a:off x="7855305" y="2256361"/>
+              <a:off x="8027950" y="2256347"/>
               <a:ext cx="63202" cy="63202"/>
             </a:xfrm>
             <a:custGeom>
@@ -36321,7 +36321,7 @@
           </p:nvSpPr>
           <p:spPr>
             <a:xfrm>
-              <a:off x="7478033" y="2583863"/>
+              <a:off x="7625526" y="2583855"/>
               <a:ext cx="63202" cy="63202"/>
             </a:xfrm>
             <a:custGeom>
@@ -36364,7 +36364,7 @@
           </p:nvSpPr>
           <p:spPr>
             <a:xfrm>
-              <a:off x="7932620" y="2683483"/>
+              <a:off x="7646398" y="2683491"/>
               <a:ext cx="63202" cy="63202"/>
             </a:xfrm>
             <a:custGeom>
@@ -36407,7 +36407,7 @@
           </p:nvSpPr>
           <p:spPr>
             <a:xfrm>
-              <a:off x="7671700" y="2572350"/>
+              <a:off x="7829280" y="2572366"/>
               <a:ext cx="63202" cy="63202"/>
             </a:xfrm>
             <a:custGeom>
@@ -36450,7 +36450,7 @@
           </p:nvSpPr>
           <p:spPr>
             <a:xfrm>
-              <a:off x="7948828" y="2256071"/>
+              <a:off x="7757764" y="2256066"/>
               <a:ext cx="63202" cy="63202"/>
             </a:xfrm>
             <a:custGeom>
@@ -36493,7 +36493,7 @@
           </p:nvSpPr>
           <p:spPr>
             <a:xfrm>
-              <a:off x="7505050" y="2553022"/>
+              <a:off x="7614527" y="2553006"/>
               <a:ext cx="63202" cy="63202"/>
             </a:xfrm>
             <a:custGeom>
@@ -36536,7 +36536,7 @@
           </p:nvSpPr>
           <p:spPr>
             <a:xfrm>
-              <a:off x="7577085" y="2562722"/>
+              <a:off x="7727223" y="2562722"/>
               <a:ext cx="63202" cy="63202"/>
             </a:xfrm>
             <a:custGeom>
@@ -36579,7 +36579,7 @@
           </p:nvSpPr>
           <p:spPr>
             <a:xfrm>
-              <a:off x="7886862" y="2555297"/>
+              <a:off x="7586456" y="2555290"/>
               <a:ext cx="63202" cy="63202"/>
             </a:xfrm>
             <a:custGeom>
@@ -36622,7 +36622,7 @@
           </p:nvSpPr>
           <p:spPr>
             <a:xfrm>
-              <a:off x="7374121" y="2557581"/>
+              <a:off x="7568613" y="2557579"/>
               <a:ext cx="63202" cy="63202"/>
             </a:xfrm>
             <a:custGeom>
@@ -36665,7 +36665,7 @@
           </p:nvSpPr>
           <p:spPr>
             <a:xfrm>
-              <a:off x="7693900" y="2557708"/>
+              <a:off x="7747666" y="2557709"/>
               <a:ext cx="63202" cy="63202"/>
             </a:xfrm>
             <a:custGeom>
@@ -36708,7 +36708,7 @@
           </p:nvSpPr>
           <p:spPr>
             <a:xfrm>
-              <a:off x="7918597" y="2558034"/>
+              <a:off x="7489244" y="2558003"/>
               <a:ext cx="63202" cy="63202"/>
             </a:xfrm>
             <a:custGeom>
@@ -36751,7 +36751,7 @@
           </p:nvSpPr>
           <p:spPr>
             <a:xfrm>
-              <a:off x="7719595" y="2559184"/>
+              <a:off x="7951520" y="2559201"/>
               <a:ext cx="63202" cy="63202"/>
             </a:xfrm>
             <a:custGeom>
@@ -36794,7 +36794,7 @@
           </p:nvSpPr>
           <p:spPr>
             <a:xfrm>
-              <a:off x="7502043" y="2553336"/>
+              <a:off x="7789648" y="2553330"/>
               <a:ext cx="63202" cy="63202"/>
             </a:xfrm>
             <a:custGeom>
@@ -36837,7 +36837,7 @@
           </p:nvSpPr>
           <p:spPr>
             <a:xfrm>
-              <a:off x="7454419" y="2592299"/>
+              <a:off x="7969899" y="2592282"/>
               <a:ext cx="63202" cy="63202"/>
             </a:xfrm>
             <a:custGeom>
@@ -36880,7 +36880,7 @@
           </p:nvSpPr>
           <p:spPr>
             <a:xfrm>
-              <a:off x="7627866" y="2568962"/>
+              <a:off x="7372805" y="2568971"/>
               <a:ext cx="63202" cy="63202"/>
             </a:xfrm>
             <a:custGeom>
@@ -36923,7 +36923,7 @@
           </p:nvSpPr>
           <p:spPr>
             <a:xfrm>
-              <a:off x="7755275" y="2555890"/>
+              <a:off x="7411141" y="2555884"/>
               <a:ext cx="63202" cy="63202"/>
             </a:xfrm>
             <a:custGeom>
@@ -36966,7 +36966,7 @@
           </p:nvSpPr>
           <p:spPr>
             <a:xfrm>
-              <a:off x="7393992" y="2622895"/>
+              <a:off x="7807056" y="2622892"/>
               <a:ext cx="63202" cy="63202"/>
             </a:xfrm>
             <a:custGeom>
@@ -37009,7 +37009,7 @@
           </p:nvSpPr>
           <p:spPr>
             <a:xfrm>
-              <a:off x="7456319" y="2469861"/>
+              <a:off x="7401839" y="2469842"/>
               <a:ext cx="63202" cy="63202"/>
             </a:xfrm>
             <a:custGeom>
@@ -37052,7 +37052,7 @@
           </p:nvSpPr>
           <p:spPr>
             <a:xfrm>
-              <a:off x="7943579" y="2555756"/>
+              <a:off x="7434223" y="2555748"/>
               <a:ext cx="63202" cy="63202"/>
             </a:xfrm>
             <a:custGeom>
@@ -37095,7 +37095,7 @@
           </p:nvSpPr>
           <p:spPr>
             <a:xfrm>
-              <a:off x="7910176" y="2557335"/>
+              <a:off x="7398854" y="2557347"/>
               <a:ext cx="63202" cy="63202"/>
             </a:xfrm>
             <a:custGeom>
@@ -37138,7 +37138,7 @@
           </p:nvSpPr>
           <p:spPr>
             <a:xfrm>
-              <a:off x="7861669" y="2556749"/>
+              <a:off x="7536410" y="2556732"/>
               <a:ext cx="63202" cy="63202"/>
             </a:xfrm>
             <a:custGeom>
@@ -37181,7 +37181,7 @@
           </p:nvSpPr>
           <p:spPr>
             <a:xfrm>
-              <a:off x="7889255" y="2557388"/>
+              <a:off x="7810695" y="2557396"/>
               <a:ext cx="63202" cy="63202"/>
             </a:xfrm>
             <a:custGeom>
@@ -37224,7 +37224,7 @@
           </p:nvSpPr>
           <p:spPr>
             <a:xfrm>
-              <a:off x="8001682" y="2550183"/>
+              <a:off x="7554756" y="2550166"/>
               <a:ext cx="63202" cy="63202"/>
             </a:xfrm>
             <a:custGeom>
@@ -37323,7 +37323,7 @@
           </p:nvSpPr>
           <p:spPr>
             <a:xfrm>
-              <a:off x="7192078" y="4740939"/>
+              <a:off x="7192078" y="4740942"/>
               <a:ext cx="2796732" cy="0"/>
             </a:xfrm>
             <a:custGeom>
@@ -37366,7 +37366,7 @@
           </p:nvSpPr>
           <p:spPr>
             <a:xfrm>
-              <a:off x="7192078" y="4286969"/>
+              <a:off x="7192078" y="4286961"/>
               <a:ext cx="2796732" cy="0"/>
             </a:xfrm>
             <a:custGeom>
@@ -37409,7 +37409,7 @@
           </p:nvSpPr>
           <p:spPr>
             <a:xfrm>
-              <a:off x="7192078" y="3832999"/>
+              <a:off x="7192078" y="3832980"/>
               <a:ext cx="2796732" cy="0"/>
             </a:xfrm>
             <a:custGeom>
@@ -37452,7 +37452,7 @@
           </p:nvSpPr>
           <p:spPr>
             <a:xfrm>
-              <a:off x="7192078" y="3379029"/>
+              <a:off x="7192078" y="3378999"/>
               <a:ext cx="2796732" cy="0"/>
             </a:xfrm>
             <a:custGeom>
@@ -37495,7 +37495,7 @@
           </p:nvSpPr>
           <p:spPr>
             <a:xfrm>
-              <a:off x="7192078" y="4967924"/>
+              <a:off x="7192078" y="4967933"/>
               <a:ext cx="2796732" cy="0"/>
             </a:xfrm>
             <a:custGeom>
@@ -37538,7 +37538,7 @@
           </p:nvSpPr>
           <p:spPr>
             <a:xfrm>
-              <a:off x="7192078" y="4513954"/>
+              <a:off x="7192078" y="4513952"/>
               <a:ext cx="2796732" cy="0"/>
             </a:xfrm>
             <a:custGeom>
@@ -37581,7 +37581,7 @@
           </p:nvSpPr>
           <p:spPr>
             <a:xfrm>
-              <a:off x="7192078" y="4059984"/>
+              <a:off x="7192078" y="4059971"/>
               <a:ext cx="2796732" cy="0"/>
             </a:xfrm>
             <a:custGeom>
@@ -37624,7 +37624,7 @@
           </p:nvSpPr>
           <p:spPr>
             <a:xfrm>
-              <a:off x="7192078" y="3606014"/>
+              <a:off x="7192078" y="3605989"/>
               <a:ext cx="2796732" cy="0"/>
             </a:xfrm>
             <a:custGeom>
@@ -37796,7 +37796,7 @@
           </p:nvSpPr>
           <p:spPr>
             <a:xfrm>
-              <a:off x="7454729" y="4442528"/>
+              <a:off x="7574997" y="4442519"/>
               <a:ext cx="63202" cy="63202"/>
             </a:xfrm>
             <a:custGeom>
@@ -37839,7 +37839,7 @@
           </p:nvSpPr>
           <p:spPr>
             <a:xfrm>
-              <a:off x="7960657" y="4365091"/>
+              <a:off x="7974784" y="4365095"/>
               <a:ext cx="63202" cy="63202"/>
             </a:xfrm>
             <a:custGeom>
@@ -37882,7 +37882,7 @@
           </p:nvSpPr>
           <p:spPr>
             <a:xfrm>
-              <a:off x="7787538" y="4516620"/>
+              <a:off x="7705176" y="4516629"/>
               <a:ext cx="63202" cy="63202"/>
             </a:xfrm>
             <a:custGeom>
@@ -37925,7 +37925,7 @@
           </p:nvSpPr>
           <p:spPr>
             <a:xfrm>
-              <a:off x="7416282" y="4441918"/>
+              <a:off x="7930862" y="4441887"/>
               <a:ext cx="63202" cy="63202"/>
             </a:xfrm>
             <a:custGeom>
@@ -37968,7 +37968,7 @@
           </p:nvSpPr>
           <p:spPr>
             <a:xfrm>
-              <a:off x="7520697" y="4504725"/>
+              <a:off x="7768934" y="4504748"/>
               <a:ext cx="63202" cy="63202"/>
             </a:xfrm>
             <a:custGeom>
@@ -38011,7 +38011,7 @@
           </p:nvSpPr>
           <p:spPr>
             <a:xfrm>
-              <a:off x="7593232" y="4407446"/>
+              <a:off x="7566223" y="4407460"/>
               <a:ext cx="63202" cy="63202"/>
             </a:xfrm>
             <a:custGeom>
@@ -38054,7 +38054,7 @@
           </p:nvSpPr>
           <p:spPr>
             <a:xfrm>
-              <a:off x="7975768" y="4388394"/>
+              <a:off x="7841450" y="4388378"/>
               <a:ext cx="63202" cy="63202"/>
             </a:xfrm>
             <a:custGeom>
@@ -38097,7 +38097,7 @@
           </p:nvSpPr>
           <p:spPr>
             <a:xfrm>
-              <a:off x="7768553" y="4445854"/>
+              <a:off x="7854299" y="4445849"/>
               <a:ext cx="63202" cy="63202"/>
             </a:xfrm>
             <a:custGeom>
@@ -38140,7 +38140,7 @@
           </p:nvSpPr>
           <p:spPr>
             <a:xfrm>
-              <a:off x="7616677" y="4475873"/>
+              <a:off x="7723102" y="4475866"/>
               <a:ext cx="63202" cy="63202"/>
             </a:xfrm>
             <a:custGeom>
@@ -38183,7 +38183,7 @@
           </p:nvSpPr>
           <p:spPr>
             <a:xfrm>
-              <a:off x="7614641" y="4371750"/>
+              <a:off x="7864028" y="4371754"/>
               <a:ext cx="63202" cy="63202"/>
             </a:xfrm>
             <a:custGeom>
@@ -38226,7 +38226,7 @@
           </p:nvSpPr>
           <p:spPr>
             <a:xfrm>
-              <a:off x="7518375" y="4356705"/>
+              <a:off x="7524866" y="4356676"/>
               <a:ext cx="63202" cy="63202"/>
             </a:xfrm>
             <a:custGeom>
@@ -38269,7 +38269,7 @@
           </p:nvSpPr>
           <p:spPr>
             <a:xfrm>
-              <a:off x="8022131" y="4415527"/>
+              <a:off x="7977499" y="4415536"/>
               <a:ext cx="63202" cy="63202"/>
             </a:xfrm>
             <a:custGeom>
@@ -38312,7 +38312,7 @@
           </p:nvSpPr>
           <p:spPr>
             <a:xfrm>
-              <a:off x="7510894" y="4357142"/>
+              <a:off x="7513322" y="4357128"/>
               <a:ext cx="63202" cy="63202"/>
             </a:xfrm>
             <a:custGeom>
@@ -38355,7 +38355,7 @@
           </p:nvSpPr>
           <p:spPr>
             <a:xfrm>
-              <a:off x="7737786" y="4387688"/>
+              <a:off x="7825552" y="4387696"/>
               <a:ext cx="63202" cy="63202"/>
             </a:xfrm>
             <a:custGeom>
@@ -39850,7 +39850,7 @@
           </p:nvSpPr>
           <p:spPr>
             <a:xfrm>
-              <a:off x="1334650" y="3000900"/>
+              <a:off x="1334650" y="3000909"/>
               <a:ext cx="62155" cy="81691"/>
             </a:xfrm>
             <a:prstGeom prst="rect">
@@ -39896,7 +39896,7 @@
           </p:nvSpPr>
           <p:spPr>
             <a:xfrm>
-              <a:off x="1148183" y="2546930"/>
+              <a:off x="1148183" y="2546927"/>
               <a:ext cx="248622" cy="81691"/>
             </a:xfrm>
             <a:prstGeom prst="rect">
@@ -39942,7 +39942,7 @@
           </p:nvSpPr>
           <p:spPr>
             <a:xfrm>
-              <a:off x="1148183" y="2092960"/>
+              <a:off x="1148183" y="2092946"/>
               <a:ext cx="248622" cy="81691"/>
             </a:xfrm>
             <a:prstGeom prst="rect">
@@ -39988,7 +39988,7 @@
           </p:nvSpPr>
           <p:spPr>
             <a:xfrm>
-              <a:off x="1148183" y="1638935"/>
+              <a:off x="1148183" y="1638911"/>
               <a:ext cx="248622" cy="81746"/>
             </a:xfrm>
             <a:prstGeom prst="rect">
@@ -40034,7 +40034,7 @@
           </p:nvSpPr>
           <p:spPr>
             <a:xfrm>
-              <a:off x="1424641" y="3042591"/>
+              <a:off x="1424641" y="3042600"/>
               <a:ext cx="34794" cy="0"/>
             </a:xfrm>
             <a:custGeom>
@@ -40074,7 +40074,7 @@
           </p:nvSpPr>
           <p:spPr>
             <a:xfrm>
-              <a:off x="1424641" y="2588621"/>
+              <a:off x="1424641" y="2588619"/>
               <a:ext cx="34794" cy="0"/>
             </a:xfrm>
             <a:custGeom>
@@ -40114,7 +40114,7 @@
           </p:nvSpPr>
           <p:spPr>
             <a:xfrm>
-              <a:off x="1424641" y="2134651"/>
+              <a:off x="1424641" y="2134638"/>
               <a:ext cx="34794" cy="0"/>
             </a:xfrm>
             <a:custGeom>
@@ -40154,7 +40154,7 @@
           </p:nvSpPr>
           <p:spPr>
             <a:xfrm>
-              <a:off x="1424641" y="1680681"/>
+              <a:off x="1424641" y="1680657"/>
               <a:ext cx="34794" cy="0"/>
             </a:xfrm>
             <a:custGeom>
@@ -40194,7 +40194,7 @@
           </p:nvSpPr>
           <p:spPr>
             <a:xfrm>
-              <a:off x="1334650" y="4926232"/>
+              <a:off x="1334650" y="4926241"/>
               <a:ext cx="62155" cy="81691"/>
             </a:xfrm>
             <a:prstGeom prst="rect">
@@ -40240,7 +40240,7 @@
           </p:nvSpPr>
           <p:spPr>
             <a:xfrm>
-              <a:off x="1148183" y="4472262"/>
+              <a:off x="1148183" y="4472260"/>
               <a:ext cx="248622" cy="81691"/>
             </a:xfrm>
             <a:prstGeom prst="rect">
@@ -40286,7 +40286,7 @@
           </p:nvSpPr>
           <p:spPr>
             <a:xfrm>
-              <a:off x="1148183" y="4018292"/>
+              <a:off x="1148183" y="4018279"/>
               <a:ext cx="248622" cy="81691"/>
             </a:xfrm>
             <a:prstGeom prst="rect">
@@ -40332,7 +40332,7 @@
           </p:nvSpPr>
           <p:spPr>
             <a:xfrm>
-              <a:off x="1148183" y="3564268"/>
+              <a:off x="1148183" y="3564243"/>
               <a:ext cx="248622" cy="81746"/>
             </a:xfrm>
             <a:prstGeom prst="rect">
@@ -40378,7 +40378,7 @@
           </p:nvSpPr>
           <p:spPr>
             <a:xfrm>
-              <a:off x="1424641" y="4967924"/>
+              <a:off x="1424641" y="4967933"/>
               <a:ext cx="34794" cy="0"/>
             </a:xfrm>
             <a:custGeom>
@@ -40418,7 +40418,7 @@
           </p:nvSpPr>
           <p:spPr>
             <a:xfrm>
-              <a:off x="1424641" y="4513954"/>
+              <a:off x="1424641" y="4513952"/>
               <a:ext cx="34794" cy="0"/>
             </a:xfrm>
             <a:custGeom>
@@ -40458,7 +40458,7 @@
           </p:nvSpPr>
           <p:spPr>
             <a:xfrm>
-              <a:off x="1424641" y="4059984"/>
+              <a:off x="1424641" y="4059971"/>
               <a:ext cx="34794" cy="0"/>
             </a:xfrm>
             <a:custGeom>
@@ -40498,7 +40498,7 @@
           </p:nvSpPr>
           <p:spPr>
             <a:xfrm>
-              <a:off x="1424641" y="3606014"/>
+              <a:off x="1424641" y="3605989"/>
               <a:ext cx="34794" cy="0"/>
             </a:xfrm>
             <a:custGeom>
@@ -40538,7 +40538,7 @@
           </p:nvSpPr>
           <p:spPr>
             <a:xfrm>
-              <a:off x="1334650" y="6851565"/>
+              <a:off x="1334650" y="6851574"/>
               <a:ext cx="62155" cy="81691"/>
             </a:xfrm>
             <a:prstGeom prst="rect">
@@ -40584,7 +40584,7 @@
           </p:nvSpPr>
           <p:spPr>
             <a:xfrm>
-              <a:off x="1148183" y="6397595"/>
+              <a:off x="1148183" y="6397593"/>
               <a:ext cx="248622" cy="81691"/>
             </a:xfrm>
             <a:prstGeom prst="rect">
@@ -40630,7 +40630,7 @@
           </p:nvSpPr>
           <p:spPr>
             <a:xfrm>
-              <a:off x="1148183" y="5943625"/>
+              <a:off x="1148183" y="5943611"/>
               <a:ext cx="248622" cy="81691"/>
             </a:xfrm>
             <a:prstGeom prst="rect">
@@ -40676,7 +40676,7 @@
           </p:nvSpPr>
           <p:spPr>
             <a:xfrm>
-              <a:off x="1148183" y="5489600"/>
+              <a:off x="1148183" y="5489576"/>
               <a:ext cx="248622" cy="81746"/>
             </a:xfrm>
             <a:prstGeom prst="rect">
@@ -40722,7 +40722,7 @@
           </p:nvSpPr>
           <p:spPr>
             <a:xfrm>
-              <a:off x="1424641" y="6893257"/>
+              <a:off x="1424641" y="6893265"/>
               <a:ext cx="34794" cy="0"/>
             </a:xfrm>
             <a:custGeom>
@@ -40762,7 +40762,7 @@
           </p:nvSpPr>
           <p:spPr>
             <a:xfrm>
-              <a:off x="1424641" y="6439287"/>
+              <a:off x="1424641" y="6439284"/>
               <a:ext cx="34794" cy="0"/>
             </a:xfrm>
             <a:custGeom>
@@ -40802,7 +40802,7 @@
           </p:nvSpPr>
           <p:spPr>
             <a:xfrm>
-              <a:off x="1424641" y="5985317"/>
+              <a:off x="1424641" y="5985303"/>
               <a:ext cx="34794" cy="0"/>
             </a:xfrm>
             <a:custGeom>
@@ -40842,7 +40842,7 @@
           </p:nvSpPr>
           <p:spPr>
             <a:xfrm>
-              <a:off x="1424641" y="5531347"/>
+              <a:off x="1424641" y="5531322"/>
               <a:ext cx="34794" cy="0"/>
             </a:xfrm>
             <a:custGeom>

--- a/Images/Figures_PPT/Jitter_Plot_TOR_All.pptx
+++ b/Images/Figures_PPT/Jitter_Plot_TOR_All.pptx
@@ -2359,7 +2359,7 @@
           </p:nvSpPr>
           <p:spPr>
             <a:xfrm>
-              <a:off x="1459435" y="2815610"/>
+              <a:off x="1459435" y="2815588"/>
               <a:ext cx="2796732" cy="0"/>
             </a:xfrm>
             <a:custGeom>
@@ -2402,7 +2402,7 @@
           </p:nvSpPr>
           <p:spPr>
             <a:xfrm>
-              <a:off x="1459435" y="2361629"/>
+              <a:off x="1459435" y="2361622"/>
               <a:ext cx="2796732" cy="0"/>
             </a:xfrm>
             <a:custGeom>
@@ -2445,7 +2445,7 @@
           </p:nvSpPr>
           <p:spPr>
             <a:xfrm>
-              <a:off x="1459435" y="1907647"/>
+              <a:off x="1459435" y="1907655"/>
               <a:ext cx="2796732" cy="0"/>
             </a:xfrm>
             <a:custGeom>
@@ -2488,7 +2488,7 @@
           </p:nvSpPr>
           <p:spPr>
             <a:xfrm>
-              <a:off x="1459435" y="1453666"/>
+              <a:off x="1459435" y="1453689"/>
               <a:ext cx="2796732" cy="0"/>
             </a:xfrm>
             <a:custGeom>
@@ -2531,7 +2531,7 @@
           </p:nvSpPr>
           <p:spPr>
             <a:xfrm>
-              <a:off x="1459435" y="3042600"/>
+              <a:off x="1459435" y="3042572"/>
               <a:ext cx="2796732" cy="0"/>
             </a:xfrm>
             <a:custGeom>
@@ -2574,7 +2574,7 @@
           </p:nvSpPr>
           <p:spPr>
             <a:xfrm>
-              <a:off x="1459435" y="2588619"/>
+              <a:off x="1459435" y="2588605"/>
               <a:ext cx="2796732" cy="0"/>
             </a:xfrm>
             <a:custGeom>
@@ -2617,7 +2617,7 @@
           </p:nvSpPr>
           <p:spPr>
             <a:xfrm>
-              <a:off x="1459435" y="2134638"/>
+              <a:off x="1459435" y="2134639"/>
               <a:ext cx="2796732" cy="0"/>
             </a:xfrm>
             <a:custGeom>
@@ -2660,7 +2660,7 @@
           </p:nvSpPr>
           <p:spPr>
             <a:xfrm>
-              <a:off x="1459435" y="1680657"/>
+              <a:off x="1459435" y="1680672"/>
               <a:ext cx="2796732" cy="0"/>
             </a:xfrm>
             <a:custGeom>
@@ -2832,7 +2832,7 @@
           </p:nvSpPr>
           <p:spPr>
             <a:xfrm>
-              <a:off x="2664067" y="2907125"/>
+              <a:off x="2798289" y="2907120"/>
               <a:ext cx="63202" cy="63202"/>
             </a:xfrm>
             <a:custGeom>
@@ -2875,7 +2875,7 @@
           </p:nvSpPr>
           <p:spPr>
             <a:xfrm>
-              <a:off x="1966123" y="2419735"/>
+              <a:off x="2160292" y="2419726"/>
               <a:ext cx="63202" cy="63202"/>
             </a:xfrm>
             <a:custGeom>
@@ -2918,7 +2918,7 @@
           </p:nvSpPr>
           <p:spPr>
             <a:xfrm>
-              <a:off x="2296445" y="2585740"/>
+              <a:off x="1805704" y="2585757"/>
               <a:ext cx="63202" cy="63202"/>
             </a:xfrm>
             <a:custGeom>
@@ -2961,7 +2961,7 @@
           </p:nvSpPr>
           <p:spPr>
             <a:xfrm>
-              <a:off x="3075780" y="2899694"/>
+              <a:off x="3044372" y="2899670"/>
               <a:ext cx="63202" cy="63202"/>
             </a:xfrm>
             <a:custGeom>
@@ -3004,7 +3004,7 @@
           </p:nvSpPr>
           <p:spPr>
             <a:xfrm>
-              <a:off x="1938675" y="2784247"/>
+              <a:off x="1748346" y="2784209"/>
               <a:ext cx="63202" cy="63202"/>
             </a:xfrm>
             <a:custGeom>
@@ -3047,7 +3047,7 @@
           </p:nvSpPr>
           <p:spPr>
             <a:xfrm>
-              <a:off x="1658268" y="2808328"/>
+              <a:off x="1951135" y="2808321"/>
               <a:ext cx="63202" cy="63202"/>
             </a:xfrm>
             <a:custGeom>
@@ -3090,7 +3090,7 @@
           </p:nvSpPr>
           <p:spPr>
             <a:xfrm>
-              <a:off x="2040073" y="2359939"/>
+              <a:off x="2234782" y="2359926"/>
               <a:ext cx="63202" cy="63202"/>
             </a:xfrm>
             <a:custGeom>
@@ -3133,7 +3133,7 @@
           </p:nvSpPr>
           <p:spPr>
             <a:xfrm>
-              <a:off x="1908976" y="2513671"/>
+              <a:off x="1794282" y="2513654"/>
               <a:ext cx="63202" cy="63202"/>
             </a:xfrm>
             <a:custGeom>
@@ -3176,7 +3176,7 @@
           </p:nvSpPr>
           <p:spPr>
             <a:xfrm>
-              <a:off x="1658354" y="2680969"/>
+              <a:off x="1662678" y="2680930"/>
               <a:ext cx="63202" cy="63202"/>
             </a:xfrm>
             <a:custGeom>
@@ -3219,7 +3219,7 @@
           </p:nvSpPr>
           <p:spPr>
             <a:xfrm>
-              <a:off x="2043157" y="2485510"/>
+              <a:off x="2180195" y="2485509"/>
               <a:ext cx="63202" cy="63202"/>
             </a:xfrm>
             <a:custGeom>
@@ -3262,7 +3262,7 @@
           </p:nvSpPr>
           <p:spPr>
             <a:xfrm>
-              <a:off x="1865298" y="2799401"/>
+              <a:off x="2166139" y="2799394"/>
               <a:ext cx="63202" cy="63202"/>
             </a:xfrm>
             <a:custGeom>
@@ -3305,7 +3305,7 @@
           </p:nvSpPr>
           <p:spPr>
             <a:xfrm>
-              <a:off x="2636808" y="2935501"/>
+              <a:off x="3115062" y="2935491"/>
               <a:ext cx="63202" cy="63202"/>
             </a:xfrm>
             <a:custGeom>
@@ -3348,7 +3348,7 @@
           </p:nvSpPr>
           <p:spPr>
             <a:xfrm>
-              <a:off x="2121561" y="2513329"/>
+              <a:off x="1889654" y="2513315"/>
               <a:ext cx="63202" cy="63202"/>
             </a:xfrm>
             <a:custGeom>
@@ -3391,7 +3391,7 @@
           </p:nvSpPr>
           <p:spPr>
             <a:xfrm>
-              <a:off x="1722062" y="2807754"/>
+              <a:off x="1816377" y="2807744"/>
               <a:ext cx="63202" cy="63202"/>
             </a:xfrm>
             <a:custGeom>
@@ -3434,7 +3434,7 @@
           </p:nvSpPr>
           <p:spPr>
             <a:xfrm>
-              <a:off x="2167106" y="2701787"/>
+              <a:off x="1794035" y="2701773"/>
               <a:ext cx="63202" cy="63202"/>
             </a:xfrm>
             <a:custGeom>
@@ -3477,7 +3477,7 @@
           </p:nvSpPr>
           <p:spPr>
             <a:xfrm>
-              <a:off x="1832665" y="2680967"/>
+              <a:off x="2055160" y="2680935"/>
               <a:ext cx="63202" cy="63202"/>
             </a:xfrm>
             <a:custGeom>
@@ -3520,7 +3520,7 @@
           </p:nvSpPr>
           <p:spPr>
             <a:xfrm>
-              <a:off x="1795527" y="2808764"/>
+              <a:off x="1869493" y="2808738"/>
               <a:ext cx="63202" cy="63202"/>
             </a:xfrm>
             <a:custGeom>
@@ -3563,7 +3563,7 @@
           </p:nvSpPr>
           <p:spPr>
             <a:xfrm>
-              <a:off x="2848935" y="2929511"/>
+              <a:off x="2672608" y="2929466"/>
               <a:ext cx="63202" cy="63202"/>
             </a:xfrm>
             <a:custGeom>
@@ -3606,7 +3606,7 @@
           </p:nvSpPr>
           <p:spPr>
             <a:xfrm>
-              <a:off x="1822905" y="2859553"/>
+              <a:off x="1755883" y="2859535"/>
               <a:ext cx="63202" cy="63202"/>
             </a:xfrm>
             <a:custGeom>
@@ -3649,7 +3649,7 @@
           </p:nvSpPr>
           <p:spPr>
             <a:xfrm>
-              <a:off x="1742139" y="2485533"/>
+              <a:off x="1631951" y="2485511"/>
               <a:ext cx="63202" cy="63202"/>
             </a:xfrm>
             <a:custGeom>
@@ -3692,7 +3692,7 @@
           </p:nvSpPr>
           <p:spPr>
             <a:xfrm>
-              <a:off x="2234450" y="2666804"/>
+              <a:off x="2212818" y="2666781"/>
               <a:ext cx="63202" cy="63202"/>
             </a:xfrm>
             <a:custGeom>
@@ -3735,7 +3735,7 @@
           </p:nvSpPr>
           <p:spPr>
             <a:xfrm>
-              <a:off x="2193292" y="2809662"/>
+              <a:off x="2068521" y="2809623"/>
               <a:ext cx="63202" cy="63202"/>
             </a:xfrm>
             <a:custGeom>
@@ -3778,7 +3778,7 @@
           </p:nvSpPr>
           <p:spPr>
             <a:xfrm>
-              <a:off x="1654213" y="2514246"/>
+              <a:off x="1856836" y="2514238"/>
               <a:ext cx="63202" cy="63202"/>
             </a:xfrm>
             <a:custGeom>
@@ -3821,7 +3821,7 @@
           </p:nvSpPr>
           <p:spPr>
             <a:xfrm>
-              <a:off x="1631357" y="2821427"/>
+              <a:off x="2196926" y="2821399"/>
               <a:ext cx="63202" cy="63202"/>
             </a:xfrm>
             <a:custGeom>
@@ -3864,7 +3864,7 @@
           </p:nvSpPr>
           <p:spPr>
             <a:xfrm>
-              <a:off x="1608042" y="2768768"/>
+              <a:off x="1687236" y="2768730"/>
               <a:ext cx="63202" cy="63202"/>
             </a:xfrm>
             <a:custGeom>
@@ -3907,7 +3907,7 @@
           </p:nvSpPr>
           <p:spPr>
             <a:xfrm>
-              <a:off x="1992643" y="2680739"/>
+              <a:off x="2247712" y="2680698"/>
               <a:ext cx="63202" cy="63202"/>
             </a:xfrm>
             <a:custGeom>
@@ -3950,7 +3950,7 @@
           </p:nvSpPr>
           <p:spPr>
             <a:xfrm>
-              <a:off x="2046359" y="2681358"/>
+              <a:off x="1962707" y="2681328"/>
               <a:ext cx="63202" cy="63202"/>
             </a:xfrm>
             <a:custGeom>
@@ -3993,7 +3993,7 @@
           </p:nvSpPr>
           <p:spPr>
             <a:xfrm>
-              <a:off x="1948459" y="2681197"/>
+              <a:off x="2258739" y="2681147"/>
               <a:ext cx="63202" cy="63202"/>
             </a:xfrm>
             <a:custGeom>
@@ -4036,7 +4036,7 @@
           </p:nvSpPr>
           <p:spPr>
             <a:xfrm>
-              <a:off x="1767144" y="2681514"/>
+              <a:off x="1761601" y="2681486"/>
               <a:ext cx="63202" cy="63202"/>
             </a:xfrm>
             <a:custGeom>
@@ -4079,7 +4079,7 @@
           </p:nvSpPr>
           <p:spPr>
             <a:xfrm>
-              <a:off x="2246324" y="2680279"/>
+              <a:off x="1764455" y="2680249"/>
               <a:ext cx="63202" cy="63202"/>
             </a:xfrm>
             <a:custGeom>
@@ -4122,7 +4122,7 @@
           </p:nvSpPr>
           <p:spPr>
             <a:xfrm>
-              <a:off x="2249648" y="2681212"/>
+              <a:off x="1936372" y="2681212"/>
               <a:ext cx="63202" cy="63202"/>
             </a:xfrm>
             <a:custGeom>
@@ -4165,7 +4165,7 @@
           </p:nvSpPr>
           <p:spPr>
             <a:xfrm>
-              <a:off x="1974777" y="2680290"/>
+              <a:off x="2203919" y="2680266"/>
               <a:ext cx="63202" cy="63202"/>
             </a:xfrm>
             <a:custGeom>
@@ -4208,7 +4208,7 @@
           </p:nvSpPr>
           <p:spPr>
             <a:xfrm>
-              <a:off x="1950347" y="2679693"/>
+              <a:off x="2249991" y="2679653"/>
               <a:ext cx="63202" cy="63202"/>
             </a:xfrm>
             <a:custGeom>
@@ -4251,7 +4251,7 @@
           </p:nvSpPr>
           <p:spPr>
             <a:xfrm>
-              <a:off x="1965075" y="2680947"/>
+              <a:off x="1774254" y="2680940"/>
               <a:ext cx="63202" cy="63202"/>
             </a:xfrm>
             <a:custGeom>
@@ -4294,7 +4294,7 @@
           </p:nvSpPr>
           <p:spPr>
             <a:xfrm>
-              <a:off x="1875274" y="2865357"/>
+              <a:off x="1640468" y="2865340"/>
               <a:ext cx="63202" cy="63202"/>
             </a:xfrm>
             <a:custGeom>
@@ -4337,7 +4337,7 @@
           </p:nvSpPr>
           <p:spPr>
             <a:xfrm>
-              <a:off x="3150911" y="2883311"/>
+              <a:off x="3136878" y="2883265"/>
               <a:ext cx="63202" cy="63202"/>
             </a:xfrm>
             <a:custGeom>
@@ -4380,7 +4380,7 @@
           </p:nvSpPr>
           <p:spPr>
             <a:xfrm>
-              <a:off x="3072221" y="2913202"/>
+              <a:off x="2597658" y="2913194"/>
               <a:ext cx="63202" cy="63202"/>
             </a:xfrm>
             <a:custGeom>
@@ -4423,7 +4423,7 @@
           </p:nvSpPr>
           <p:spPr>
             <a:xfrm>
-              <a:off x="3871458" y="2950420"/>
+              <a:off x="3492805" y="2950427"/>
               <a:ext cx="63202" cy="63202"/>
             </a:xfrm>
             <a:custGeom>
@@ -4466,7 +4466,7 @@
           </p:nvSpPr>
           <p:spPr>
             <a:xfrm>
-              <a:off x="3103131" y="2926815"/>
+              <a:off x="2917407" y="2926819"/>
               <a:ext cx="63202" cy="63202"/>
             </a:xfrm>
             <a:custGeom>
@@ -4509,7 +4509,7 @@
           </p:nvSpPr>
           <p:spPr>
             <a:xfrm>
-              <a:off x="2608774" y="2897084"/>
+              <a:off x="3038947" y="2897078"/>
               <a:ext cx="63202" cy="63202"/>
             </a:xfrm>
             <a:custGeom>
@@ -4552,7 +4552,7 @@
           </p:nvSpPr>
           <p:spPr>
             <a:xfrm>
-              <a:off x="2840109" y="2933193"/>
+              <a:off x="2488698" y="2933158"/>
               <a:ext cx="63202" cy="63202"/>
             </a:xfrm>
             <a:custGeom>
@@ -4595,7 +4595,7 @@
           </p:nvSpPr>
           <p:spPr>
             <a:xfrm>
-              <a:off x="1761280" y="2475206"/>
+              <a:off x="2253952" y="2475216"/>
               <a:ext cx="63202" cy="63202"/>
             </a:xfrm>
             <a:custGeom>
@@ -4638,7 +4638,7 @@
           </p:nvSpPr>
           <p:spPr>
             <a:xfrm>
-              <a:off x="2477128" y="2880039"/>
+              <a:off x="2773688" y="2880004"/>
               <a:ext cx="63202" cy="63202"/>
             </a:xfrm>
             <a:custGeom>
@@ -4681,7 +4681,7 @@
           </p:nvSpPr>
           <p:spPr>
             <a:xfrm>
-              <a:off x="2134910" y="2856503"/>
+              <a:off x="1636940" y="2856474"/>
               <a:ext cx="63202" cy="63202"/>
             </a:xfrm>
             <a:custGeom>
@@ -4724,7 +4724,7 @@
           </p:nvSpPr>
           <p:spPr>
             <a:xfrm>
-              <a:off x="1808283" y="2564356"/>
+              <a:off x="2017862" y="2564370"/>
               <a:ext cx="63202" cy="63202"/>
             </a:xfrm>
             <a:custGeom>
@@ -4767,7 +4767,7 @@
           </p:nvSpPr>
           <p:spPr>
             <a:xfrm>
-              <a:off x="1658400" y="2808789"/>
+              <a:off x="2244129" y="2808773"/>
               <a:ext cx="63202" cy="63202"/>
             </a:xfrm>
             <a:custGeom>
@@ -4810,7 +4810,7 @@
           </p:nvSpPr>
           <p:spPr>
             <a:xfrm>
-              <a:off x="1844976" y="2803680"/>
+              <a:off x="2062190" y="2803650"/>
               <a:ext cx="63202" cy="63202"/>
             </a:xfrm>
             <a:custGeom>
@@ -4853,7 +4853,7 @@
           </p:nvSpPr>
           <p:spPr>
             <a:xfrm>
-              <a:off x="2119522" y="2813256"/>
+              <a:off x="1899694" y="2813224"/>
               <a:ext cx="63202" cy="63202"/>
             </a:xfrm>
             <a:custGeom>
@@ -4896,7 +4896,7 @@
           </p:nvSpPr>
           <p:spPr>
             <a:xfrm>
-              <a:off x="2268772" y="2809508"/>
+              <a:off x="1814945" y="2809505"/>
               <a:ext cx="63202" cy="63202"/>
             </a:xfrm>
             <a:custGeom>
@@ -4939,7 +4939,7 @@
           </p:nvSpPr>
           <p:spPr>
             <a:xfrm>
-              <a:off x="2221738" y="2862634"/>
+              <a:off x="1720923" y="2862627"/>
               <a:ext cx="63202" cy="63202"/>
             </a:xfrm>
             <a:custGeom>
@@ -4982,7 +4982,7 @@
           </p:nvSpPr>
           <p:spPr>
             <a:xfrm>
-              <a:off x="1730464" y="2644802"/>
+              <a:off x="1785905" y="2644817"/>
               <a:ext cx="63202" cy="63202"/>
             </a:xfrm>
             <a:custGeom>
@@ -5025,7 +5025,7 @@
           </p:nvSpPr>
           <p:spPr>
             <a:xfrm>
-              <a:off x="2244209" y="2639412"/>
+              <a:off x="1863715" y="2639398"/>
               <a:ext cx="63202" cy="63202"/>
             </a:xfrm>
             <a:custGeom>
@@ -5068,7 +5068,7 @@
           </p:nvSpPr>
           <p:spPr>
             <a:xfrm>
-              <a:off x="1898735" y="2865142"/>
+              <a:off x="1888218" y="2865129"/>
               <a:ext cx="63202" cy="63202"/>
             </a:xfrm>
             <a:custGeom>
@@ -5111,7 +5111,7 @@
           </p:nvSpPr>
           <p:spPr>
             <a:xfrm>
-              <a:off x="2762849" y="2932765"/>
+              <a:off x="2716944" y="2932770"/>
               <a:ext cx="63202" cy="63202"/>
             </a:xfrm>
             <a:custGeom>
@@ -5154,7 +5154,7 @@
           </p:nvSpPr>
           <p:spPr>
             <a:xfrm>
-              <a:off x="1940604" y="2806078"/>
+              <a:off x="1863945" y="2806052"/>
               <a:ext cx="63202" cy="63202"/>
             </a:xfrm>
             <a:custGeom>
@@ -5197,7 +5197,7 @@
           </p:nvSpPr>
           <p:spPr>
             <a:xfrm>
-              <a:off x="1749778" y="2808869"/>
+              <a:off x="1971843" y="2808851"/>
               <a:ext cx="63202" cy="63202"/>
             </a:xfrm>
             <a:custGeom>
@@ -5240,7 +5240,7 @@
           </p:nvSpPr>
           <p:spPr>
             <a:xfrm>
-              <a:off x="1889544" y="2811113"/>
+              <a:off x="2264568" y="2811079"/>
               <a:ext cx="63202" cy="63202"/>
             </a:xfrm>
             <a:custGeom>
@@ -5283,7 +5283,7 @@
           </p:nvSpPr>
           <p:spPr>
             <a:xfrm>
-              <a:off x="1867936" y="2808935"/>
+              <a:off x="1940542" y="2808922"/>
               <a:ext cx="63202" cy="63202"/>
             </a:xfrm>
             <a:custGeom>
@@ -5326,7 +5326,7 @@
           </p:nvSpPr>
           <p:spPr>
             <a:xfrm>
-              <a:off x="2242780" y="2688703"/>
+              <a:off x="2233643" y="2688690"/>
               <a:ext cx="63202" cy="63202"/>
             </a:xfrm>
             <a:custGeom>
@@ -5369,7 +5369,7 @@
           </p:nvSpPr>
           <p:spPr>
             <a:xfrm>
-              <a:off x="2135013" y="2485484"/>
+              <a:off x="1691212" y="2485464"/>
               <a:ext cx="63202" cy="63202"/>
             </a:xfrm>
             <a:custGeom>
@@ -5412,7 +5412,7 @@
           </p:nvSpPr>
           <p:spPr>
             <a:xfrm>
-              <a:off x="1885687" y="2475648"/>
+              <a:off x="2285900" y="2475640"/>
               <a:ext cx="63202" cy="63202"/>
             </a:xfrm>
             <a:custGeom>
@@ -5455,7 +5455,7 @@
           </p:nvSpPr>
           <p:spPr>
             <a:xfrm>
-              <a:off x="2085700" y="2796140"/>
+              <a:off x="1767639" y="2796115"/>
               <a:ext cx="63202" cy="63202"/>
             </a:xfrm>
             <a:custGeom>
@@ -5498,7 +5498,7 @@
           </p:nvSpPr>
           <p:spPr>
             <a:xfrm>
-              <a:off x="2814327" y="2875790"/>
+              <a:off x="2949226" y="2875789"/>
               <a:ext cx="63202" cy="63202"/>
             </a:xfrm>
             <a:custGeom>
@@ -5541,7 +5541,7 @@
           </p:nvSpPr>
           <p:spPr>
             <a:xfrm>
-              <a:off x="2611733" y="2897365"/>
+              <a:off x="2683788" y="2897339"/>
               <a:ext cx="63202" cy="63202"/>
             </a:xfrm>
             <a:custGeom>
@@ -5584,7 +5584,7 @@
           </p:nvSpPr>
           <p:spPr>
             <a:xfrm>
-              <a:off x="1899643" y="2858746"/>
+              <a:off x="1615914" y="2858707"/>
               <a:ext cx="63202" cy="63202"/>
             </a:xfrm>
             <a:custGeom>
@@ -5627,7 +5627,7 @@
           </p:nvSpPr>
           <p:spPr>
             <a:xfrm>
-              <a:off x="1918813" y="2793603"/>
+              <a:off x="1752444" y="2793558"/>
               <a:ext cx="63202" cy="63202"/>
             </a:xfrm>
             <a:custGeom>
@@ -5670,7 +5670,7 @@
           </p:nvSpPr>
           <p:spPr>
             <a:xfrm>
-              <a:off x="2059559" y="2851879"/>
+              <a:off x="2206876" y="2851872"/>
               <a:ext cx="63202" cy="63202"/>
             </a:xfrm>
             <a:custGeom>
@@ -5713,7 +5713,7 @@
           </p:nvSpPr>
           <p:spPr>
             <a:xfrm>
-              <a:off x="1981878" y="2858597"/>
+              <a:off x="2005771" y="2858581"/>
               <a:ext cx="63202" cy="63202"/>
             </a:xfrm>
             <a:custGeom>
@@ -5756,7 +5756,7 @@
           </p:nvSpPr>
           <p:spPr>
             <a:xfrm>
-              <a:off x="1812874" y="2809646"/>
+              <a:off x="2065987" y="2809634"/>
               <a:ext cx="63202" cy="63202"/>
             </a:xfrm>
             <a:custGeom>
@@ -5799,7 +5799,7 @@
           </p:nvSpPr>
           <p:spPr>
             <a:xfrm>
-              <a:off x="2238252" y="2812437"/>
+              <a:off x="1654837" y="2812390"/>
               <a:ext cx="63202" cy="63202"/>
             </a:xfrm>
             <a:custGeom>
@@ -5842,7 +5842,7 @@
           </p:nvSpPr>
           <p:spPr>
             <a:xfrm>
-              <a:off x="3155129" y="2876078"/>
+              <a:off x="3048783" y="2876049"/>
               <a:ext cx="63202" cy="63202"/>
             </a:xfrm>
             <a:custGeom>
@@ -5885,7 +5885,7 @@
           </p:nvSpPr>
           <p:spPr>
             <a:xfrm>
-              <a:off x="1914893" y="2472043"/>
+              <a:off x="2198100" y="2472031"/>
               <a:ext cx="63202" cy="63202"/>
             </a:xfrm>
             <a:custGeom>
@@ -5928,7 +5928,7 @@
           </p:nvSpPr>
           <p:spPr>
             <a:xfrm>
-              <a:off x="1909751" y="2473518"/>
+              <a:off x="1965431" y="2473532"/>
               <a:ext cx="63202" cy="63202"/>
             </a:xfrm>
             <a:custGeom>
@@ -5971,7 +5971,7 @@
           </p:nvSpPr>
           <p:spPr>
             <a:xfrm>
-              <a:off x="1956607" y="2476287"/>
+              <a:off x="1612565" y="2476293"/>
               <a:ext cx="63202" cy="63202"/>
             </a:xfrm>
             <a:custGeom>
@@ -6014,7 +6014,7 @@
           </p:nvSpPr>
           <p:spPr>
             <a:xfrm>
-              <a:off x="1995048" y="2817635"/>
+              <a:off x="2104818" y="2817617"/>
               <a:ext cx="63202" cy="63202"/>
             </a:xfrm>
             <a:custGeom>
@@ -6057,7 +6057,7 @@
           </p:nvSpPr>
           <p:spPr>
             <a:xfrm>
-              <a:off x="2200811" y="2817819"/>
+              <a:off x="1946184" y="2817823"/>
               <a:ext cx="63202" cy="63202"/>
             </a:xfrm>
             <a:custGeom>
@@ -6100,7 +6100,7 @@
           </p:nvSpPr>
           <p:spPr>
             <a:xfrm>
-              <a:off x="1620650" y="2658159"/>
+              <a:off x="1645726" y="2658133"/>
               <a:ext cx="63202" cy="63202"/>
             </a:xfrm>
             <a:custGeom>
@@ -6143,7 +6143,7 @@
           </p:nvSpPr>
           <p:spPr>
             <a:xfrm>
-              <a:off x="2013840" y="2843487"/>
+              <a:off x="2006431" y="2843448"/>
               <a:ext cx="63202" cy="63202"/>
             </a:xfrm>
             <a:custGeom>
@@ -6186,7 +6186,7 @@
           </p:nvSpPr>
           <p:spPr>
             <a:xfrm>
-              <a:off x="2285908" y="2498683"/>
+              <a:off x="2136131" y="2498651"/>
               <a:ext cx="63202" cy="63202"/>
             </a:xfrm>
             <a:custGeom>
@@ -6229,7 +6229,7 @@
           </p:nvSpPr>
           <p:spPr>
             <a:xfrm>
-              <a:off x="2170617" y="2828322"/>
+              <a:off x="1952093" y="2828298"/>
               <a:ext cx="63202" cy="63202"/>
             </a:xfrm>
             <a:custGeom>
@@ -6272,7 +6272,7 @@
           </p:nvSpPr>
           <p:spPr>
             <a:xfrm>
-              <a:off x="2268591" y="2746974"/>
+              <a:off x="2223663" y="2746950"/>
               <a:ext cx="63202" cy="63202"/>
             </a:xfrm>
             <a:custGeom>
@@ -6315,7 +6315,7 @@
           </p:nvSpPr>
           <p:spPr>
             <a:xfrm>
-              <a:off x="2007916" y="2805240"/>
+              <a:off x="1715829" y="2805247"/>
               <a:ext cx="63202" cy="63202"/>
             </a:xfrm>
             <a:custGeom>
@@ -6358,7 +6358,7 @@
           </p:nvSpPr>
           <p:spPr>
             <a:xfrm>
-              <a:off x="2060914" y="2476084"/>
+              <a:off x="1772389" y="2476044"/>
               <a:ext cx="63202" cy="63202"/>
             </a:xfrm>
             <a:custGeom>
@@ -6457,7 +6457,7 @@
           </p:nvSpPr>
           <p:spPr>
             <a:xfrm>
-              <a:off x="1459435" y="4740942"/>
+              <a:off x="1459435" y="4740921"/>
               <a:ext cx="2796732" cy="0"/>
             </a:xfrm>
             <a:custGeom>
@@ -6500,7 +6500,7 @@
           </p:nvSpPr>
           <p:spPr>
             <a:xfrm>
-              <a:off x="1459435" y="4286961"/>
+              <a:off x="1459435" y="4286954"/>
               <a:ext cx="2796732" cy="0"/>
             </a:xfrm>
             <a:custGeom>
@@ -6543,7 +6543,7 @@
           </p:nvSpPr>
           <p:spPr>
             <a:xfrm>
-              <a:off x="1459435" y="3832980"/>
+              <a:off x="1459435" y="3832988"/>
               <a:ext cx="2796732" cy="0"/>
             </a:xfrm>
             <a:custGeom>
@@ -6586,7 +6586,7 @@
           </p:nvSpPr>
           <p:spPr>
             <a:xfrm>
-              <a:off x="1459435" y="3378999"/>
+              <a:off x="1459435" y="3379021"/>
               <a:ext cx="2796732" cy="0"/>
             </a:xfrm>
             <a:custGeom>
@@ -6629,7 +6629,7 @@
           </p:nvSpPr>
           <p:spPr>
             <a:xfrm>
-              <a:off x="1459435" y="4967933"/>
+              <a:off x="1459435" y="4967904"/>
               <a:ext cx="2796732" cy="0"/>
             </a:xfrm>
             <a:custGeom>
@@ -6672,7 +6672,7 @@
           </p:nvSpPr>
           <p:spPr>
             <a:xfrm>
-              <a:off x="1459435" y="4513952"/>
+              <a:off x="1459435" y="4513938"/>
               <a:ext cx="2796732" cy="0"/>
             </a:xfrm>
             <a:custGeom>
@@ -6758,7 +6758,7 @@
           </p:nvSpPr>
           <p:spPr>
             <a:xfrm>
-              <a:off x="1459435" y="3605989"/>
+              <a:off x="1459435" y="3606005"/>
               <a:ext cx="2796732" cy="0"/>
             </a:xfrm>
             <a:custGeom>
@@ -6930,7 +6930,7 @@
           </p:nvSpPr>
           <p:spPr>
             <a:xfrm>
-              <a:off x="2255816" y="4513620"/>
+              <a:off x="1909050" y="4513600"/>
               <a:ext cx="63202" cy="63202"/>
             </a:xfrm>
             <a:custGeom>
@@ -6973,7 +6973,7 @@
           </p:nvSpPr>
           <p:spPr>
             <a:xfrm>
-              <a:off x="2056530" y="4611479"/>
+              <a:off x="1884160" y="4611458"/>
               <a:ext cx="63202" cy="63202"/>
             </a:xfrm>
             <a:custGeom>
@@ -7016,7 +7016,7 @@
           </p:nvSpPr>
           <p:spPr>
             <a:xfrm>
-              <a:off x="1932915" y="4512433"/>
+              <a:off x="1941493" y="4512428"/>
               <a:ext cx="63202" cy="63202"/>
             </a:xfrm>
             <a:custGeom>
@@ -7059,7 +7059,7 @@
           </p:nvSpPr>
           <p:spPr>
             <a:xfrm>
-              <a:off x="1931954" y="4519791"/>
+              <a:off x="1918379" y="4519783"/>
               <a:ext cx="63202" cy="63202"/>
             </a:xfrm>
             <a:custGeom>
@@ -7102,7 +7102,7 @@
           </p:nvSpPr>
           <p:spPr>
             <a:xfrm>
-              <a:off x="1939115" y="4515223"/>
+              <a:off x="1978302" y="4515191"/>
               <a:ext cx="63202" cy="63202"/>
             </a:xfrm>
             <a:custGeom>
@@ -7145,7 +7145,7 @@
           </p:nvSpPr>
           <p:spPr>
             <a:xfrm>
-              <a:off x="2129840" y="4654984"/>
+              <a:off x="1788588" y="4654972"/>
               <a:ext cx="63202" cy="63202"/>
             </a:xfrm>
             <a:custGeom>
@@ -7188,7 +7188,7 @@
           </p:nvSpPr>
           <p:spPr>
             <a:xfrm>
-              <a:off x="1980277" y="4527077"/>
+              <a:off x="2300974" y="4527038"/>
               <a:ext cx="63202" cy="63202"/>
             </a:xfrm>
             <a:custGeom>
@@ -7231,7 +7231,7 @@
           </p:nvSpPr>
           <p:spPr>
             <a:xfrm>
-              <a:off x="1973868" y="4577582"/>
+              <a:off x="2134444" y="4577565"/>
               <a:ext cx="63202" cy="63202"/>
             </a:xfrm>
             <a:custGeom>
@@ -7274,7 +7274,7 @@
           </p:nvSpPr>
           <p:spPr>
             <a:xfrm>
-              <a:off x="1875217" y="4622220"/>
+              <a:off x="2067545" y="4622189"/>
               <a:ext cx="63202" cy="63202"/>
             </a:xfrm>
             <a:custGeom>
@@ -7317,7 +7317,7 @@
           </p:nvSpPr>
           <p:spPr>
             <a:xfrm>
-              <a:off x="1807127" y="4576171"/>
+              <a:off x="2160199" y="4576154"/>
               <a:ext cx="63202" cy="63202"/>
             </a:xfrm>
             <a:custGeom>
@@ -7360,7 +7360,7 @@
           </p:nvSpPr>
           <p:spPr>
             <a:xfrm>
-              <a:off x="1742924" y="4569185"/>
+              <a:off x="1929081" y="4569181"/>
               <a:ext cx="63202" cy="63202"/>
             </a:xfrm>
             <a:custGeom>
@@ -7403,7 +7403,7 @@
           </p:nvSpPr>
           <p:spPr>
             <a:xfrm>
-              <a:off x="1928754" y="4697408"/>
+              <a:off x="2234382" y="4697395"/>
               <a:ext cx="63202" cy="63202"/>
             </a:xfrm>
             <a:custGeom>
@@ -7446,7 +7446,7 @@
           </p:nvSpPr>
           <p:spPr>
             <a:xfrm>
-              <a:off x="1771835" y="4419519"/>
+              <a:off x="1730066" y="4419515"/>
               <a:ext cx="63202" cy="63202"/>
             </a:xfrm>
             <a:custGeom>
@@ -7489,7 +7489,7 @@
           </p:nvSpPr>
           <p:spPr>
             <a:xfrm>
-              <a:off x="2012261" y="4632330"/>
+              <a:off x="1629491" y="4632324"/>
               <a:ext cx="63202" cy="63202"/>
             </a:xfrm>
             <a:custGeom>
@@ -7532,7 +7532,7 @@
           </p:nvSpPr>
           <p:spPr>
             <a:xfrm>
-              <a:off x="1976872" y="4679471"/>
+              <a:off x="2099807" y="4679454"/>
               <a:ext cx="63202" cy="63202"/>
             </a:xfrm>
             <a:custGeom>
@@ -7575,7 +7575,7 @@
           </p:nvSpPr>
           <p:spPr>
             <a:xfrm>
-              <a:off x="2249401" y="4351055"/>
+              <a:off x="1803577" y="4351059"/>
               <a:ext cx="63202" cy="63202"/>
             </a:xfrm>
             <a:custGeom>
@@ -7618,7 +7618,7 @@
           </p:nvSpPr>
           <p:spPr>
             <a:xfrm>
-              <a:off x="1625296" y="4615239"/>
+              <a:off x="2256852" y="4615204"/>
               <a:ext cx="63202" cy="63202"/>
             </a:xfrm>
             <a:custGeom>
@@ -7661,7 +7661,7 @@
           </p:nvSpPr>
           <p:spPr>
             <a:xfrm>
-              <a:off x="2029547" y="4391855"/>
+              <a:off x="1790888" y="4391857"/>
               <a:ext cx="63202" cy="63202"/>
             </a:xfrm>
             <a:custGeom>
@@ -7704,7 +7704,7 @@
           </p:nvSpPr>
           <p:spPr>
             <a:xfrm>
-              <a:off x="2295182" y="4621816"/>
+              <a:off x="1804617" y="4621790"/>
               <a:ext cx="63202" cy="63202"/>
             </a:xfrm>
             <a:custGeom>
@@ -7747,7 +7747,7 @@
           </p:nvSpPr>
           <p:spPr>
             <a:xfrm>
-              <a:off x="1672385" y="4622206"/>
+              <a:off x="1639779" y="4622205"/>
               <a:ext cx="63202" cy="63202"/>
             </a:xfrm>
             <a:custGeom>
@@ -7790,7 +7790,7 @@
           </p:nvSpPr>
           <p:spPr>
             <a:xfrm>
-              <a:off x="1770987" y="4538821"/>
+              <a:off x="2044306" y="4538825"/>
               <a:ext cx="63202" cy="63202"/>
             </a:xfrm>
             <a:custGeom>
@@ -7833,7 +7833,7 @@
           </p:nvSpPr>
           <p:spPr>
             <a:xfrm>
-              <a:off x="1603542" y="4572499"/>
+              <a:off x="1885373" y="4572504"/>
               <a:ext cx="63202" cy="63202"/>
             </a:xfrm>
             <a:custGeom>
@@ -7932,7 +7932,7 @@
           </p:nvSpPr>
           <p:spPr>
             <a:xfrm>
-              <a:off x="1459435" y="6666275"/>
+              <a:off x="1459435" y="6666253"/>
               <a:ext cx="2796732" cy="0"/>
             </a:xfrm>
             <a:custGeom>
@@ -7975,7 +7975,7 @@
           </p:nvSpPr>
           <p:spPr>
             <a:xfrm>
-              <a:off x="1459435" y="6212294"/>
+              <a:off x="1459435" y="6212287"/>
               <a:ext cx="2796732" cy="0"/>
             </a:xfrm>
             <a:custGeom>
@@ -8018,7 +8018,7 @@
           </p:nvSpPr>
           <p:spPr>
             <a:xfrm>
-              <a:off x="1459435" y="5758313"/>
+              <a:off x="1459435" y="5758321"/>
               <a:ext cx="2796732" cy="0"/>
             </a:xfrm>
             <a:custGeom>
@@ -8061,7 +8061,7 @@
           </p:nvSpPr>
           <p:spPr>
             <a:xfrm>
-              <a:off x="1459435" y="5304331"/>
+              <a:off x="1459435" y="5304354"/>
               <a:ext cx="2796732" cy="0"/>
             </a:xfrm>
             <a:custGeom>
@@ -8104,7 +8104,7 @@
           </p:nvSpPr>
           <p:spPr>
             <a:xfrm>
-              <a:off x="1459435" y="6893265"/>
+              <a:off x="1459435" y="6893237"/>
               <a:ext cx="2796732" cy="0"/>
             </a:xfrm>
             <a:custGeom>
@@ -8147,7 +8147,7 @@
           </p:nvSpPr>
           <p:spPr>
             <a:xfrm>
-              <a:off x="1459435" y="6439284"/>
+              <a:off x="1459435" y="6439270"/>
               <a:ext cx="2796732" cy="0"/>
             </a:xfrm>
             <a:custGeom>
@@ -8190,7 +8190,7 @@
           </p:nvSpPr>
           <p:spPr>
             <a:xfrm>
-              <a:off x="1459435" y="5985303"/>
+              <a:off x="1459435" y="5985304"/>
               <a:ext cx="2796732" cy="0"/>
             </a:xfrm>
             <a:custGeom>
@@ -8233,7 +8233,7 @@
           </p:nvSpPr>
           <p:spPr>
             <a:xfrm>
-              <a:off x="1459435" y="5531322"/>
+              <a:off x="1459435" y="5531337"/>
               <a:ext cx="2796732" cy="0"/>
             </a:xfrm>
             <a:custGeom>
@@ -8405,7 +8405,7 @@
           </p:nvSpPr>
           <p:spPr>
             <a:xfrm>
-              <a:off x="1699643" y="5955413"/>
+              <a:off x="2045988" y="5955432"/>
               <a:ext cx="63202" cy="63202"/>
             </a:xfrm>
             <a:custGeom>
@@ -8448,7 +8448,7 @@
           </p:nvSpPr>
           <p:spPr>
             <a:xfrm>
-              <a:off x="1928235" y="5973376"/>
+              <a:off x="2286645" y="5973368"/>
               <a:ext cx="63202" cy="63202"/>
             </a:xfrm>
             <a:custGeom>
@@ -8491,7 +8491,7 @@
           </p:nvSpPr>
           <p:spPr>
             <a:xfrm>
-              <a:off x="2010399" y="5924906"/>
+              <a:off x="1634381" y="5924935"/>
               <a:ext cx="63202" cy="63202"/>
             </a:xfrm>
             <a:custGeom>
@@ -8534,7 +8534,7 @@
           </p:nvSpPr>
           <p:spPr>
             <a:xfrm>
-              <a:off x="2152805" y="6337241"/>
+              <a:off x="2209269" y="6337211"/>
               <a:ext cx="63202" cy="63202"/>
             </a:xfrm>
             <a:custGeom>
@@ -8577,7 +8577,7 @@
           </p:nvSpPr>
           <p:spPr>
             <a:xfrm>
-              <a:off x="2179750" y="6262618"/>
+              <a:off x="1776757" y="6262628"/>
               <a:ext cx="63202" cy="63202"/>
             </a:xfrm>
             <a:custGeom>
@@ -8620,7 +8620,7 @@
           </p:nvSpPr>
           <p:spPr>
             <a:xfrm>
-              <a:off x="1618328" y="6282922"/>
+              <a:off x="1789072" y="6282915"/>
               <a:ext cx="63202" cy="63202"/>
             </a:xfrm>
             <a:custGeom>
@@ -8663,7 +8663,7 @@
           </p:nvSpPr>
           <p:spPr>
             <a:xfrm>
-              <a:off x="1959773" y="6194407"/>
+              <a:off x="1943967" y="6194411"/>
               <a:ext cx="63202" cy="63202"/>
             </a:xfrm>
             <a:custGeom>
@@ -8706,7 +8706,7 @@
           </p:nvSpPr>
           <p:spPr>
             <a:xfrm>
-              <a:off x="2127922" y="6178204"/>
+              <a:off x="1717443" y="6178200"/>
               <a:ext cx="63202" cy="63202"/>
             </a:xfrm>
             <a:custGeom>
@@ -8749,7 +8749,7 @@
           </p:nvSpPr>
           <p:spPr>
             <a:xfrm>
-              <a:off x="1910307" y="6518745"/>
+              <a:off x="2276737" y="6518720"/>
               <a:ext cx="63202" cy="63202"/>
             </a:xfrm>
             <a:custGeom>
@@ -8792,7 +8792,7 @@
           </p:nvSpPr>
           <p:spPr>
             <a:xfrm>
-              <a:off x="1778480" y="6514719"/>
+              <a:off x="2159254" y="6514711"/>
               <a:ext cx="63202" cy="63202"/>
             </a:xfrm>
             <a:custGeom>
@@ -8835,7 +8835,7 @@
           </p:nvSpPr>
           <p:spPr>
             <a:xfrm>
-              <a:off x="2142498" y="6288228"/>
+              <a:off x="1641014" y="6288217"/>
               <a:ext cx="63202" cy="63202"/>
             </a:xfrm>
             <a:custGeom>
@@ -8878,7 +8878,7 @@
           </p:nvSpPr>
           <p:spPr>
             <a:xfrm>
-              <a:off x="2268243" y="6379027"/>
+              <a:off x="1715417" y="6379007"/>
               <a:ext cx="63202" cy="63202"/>
             </a:xfrm>
             <a:custGeom>
@@ -8921,7 +8921,7 @@
           </p:nvSpPr>
           <p:spPr>
             <a:xfrm>
-              <a:off x="2133395" y="6230989"/>
+              <a:off x="1800657" y="6230983"/>
               <a:ext cx="63202" cy="63202"/>
             </a:xfrm>
             <a:custGeom>
@@ -8964,7 +8964,7 @@
           </p:nvSpPr>
           <p:spPr>
             <a:xfrm>
-              <a:off x="1687842" y="6304370"/>
+              <a:off x="1636113" y="6304357"/>
               <a:ext cx="63202" cy="63202"/>
             </a:xfrm>
             <a:custGeom>
@@ -9007,7 +9007,7 @@
           </p:nvSpPr>
           <p:spPr>
             <a:xfrm>
-              <a:off x="1661799" y="6425746"/>
+              <a:off x="1633899" y="6425739"/>
               <a:ext cx="63202" cy="63202"/>
             </a:xfrm>
             <a:custGeom>
@@ -9050,7 +9050,7 @@
           </p:nvSpPr>
           <p:spPr>
             <a:xfrm>
-              <a:off x="1924084" y="6300528"/>
+              <a:off x="2154194" y="6300531"/>
               <a:ext cx="63202" cy="63202"/>
             </a:xfrm>
             <a:custGeom>
@@ -9093,7 +9093,7 @@
           </p:nvSpPr>
           <p:spPr>
             <a:xfrm>
-              <a:off x="2096494" y="6335911"/>
+              <a:off x="2286838" y="6335895"/>
               <a:ext cx="63202" cy="63202"/>
             </a:xfrm>
             <a:custGeom>
@@ -9136,7 +9136,7 @@
           </p:nvSpPr>
           <p:spPr>
             <a:xfrm>
-              <a:off x="2212634" y="6305851"/>
+              <a:off x="2244688" y="6305838"/>
               <a:ext cx="63202" cy="63202"/>
             </a:xfrm>
             <a:custGeom>
@@ -9179,7 +9179,7 @@
           </p:nvSpPr>
           <p:spPr>
             <a:xfrm>
-              <a:off x="2155782" y="6287291"/>
+              <a:off x="1890636" y="6287280"/>
               <a:ext cx="63202" cy="63202"/>
             </a:xfrm>
             <a:custGeom>
@@ -9222,7 +9222,7 @@
           </p:nvSpPr>
           <p:spPr>
             <a:xfrm>
-              <a:off x="1957396" y="6314009"/>
+              <a:off x="1697043" y="6314026"/>
               <a:ext cx="63202" cy="63202"/>
             </a:xfrm>
             <a:custGeom>
@@ -9265,7 +9265,7 @@
           </p:nvSpPr>
           <p:spPr>
             <a:xfrm>
-              <a:off x="1825673" y="6299362"/>
+              <a:off x="2224593" y="6299344"/>
               <a:ext cx="63202" cy="63202"/>
             </a:xfrm>
             <a:custGeom>
@@ -9308,7 +9308,7 @@
           </p:nvSpPr>
           <p:spPr>
             <a:xfrm>
-              <a:off x="2094699" y="6274676"/>
+              <a:off x="1870543" y="6274645"/>
               <a:ext cx="63202" cy="63202"/>
             </a:xfrm>
             <a:custGeom>
@@ -9351,7 +9351,7 @@
           </p:nvSpPr>
           <p:spPr>
             <a:xfrm>
-              <a:off x="1609930" y="6157374"/>
+              <a:off x="2025923" y="6157339"/>
               <a:ext cx="63202" cy="63202"/>
             </a:xfrm>
             <a:custGeom>
@@ -9394,7 +9394,7 @@
           </p:nvSpPr>
           <p:spPr>
             <a:xfrm>
-              <a:off x="1627719" y="6189130"/>
+              <a:off x="1612135" y="6189126"/>
               <a:ext cx="63202" cy="63202"/>
             </a:xfrm>
             <a:custGeom>
@@ -9437,7 +9437,7 @@
           </p:nvSpPr>
           <p:spPr>
             <a:xfrm>
-              <a:off x="2075668" y="6393256"/>
+              <a:off x="2178010" y="6393218"/>
               <a:ext cx="63202" cy="63202"/>
             </a:xfrm>
             <a:custGeom>
@@ -9480,7 +9480,7 @@
           </p:nvSpPr>
           <p:spPr>
             <a:xfrm>
-              <a:off x="2134543" y="6477013"/>
+              <a:off x="2011025" y="6476980"/>
               <a:ext cx="63202" cy="63202"/>
             </a:xfrm>
             <a:custGeom>
@@ -9523,7 +9523,7 @@
           </p:nvSpPr>
           <p:spPr>
             <a:xfrm>
-              <a:off x="1620469" y="6511279"/>
+              <a:off x="2070829" y="6511263"/>
               <a:ext cx="63202" cy="63202"/>
             </a:xfrm>
             <a:custGeom>
@@ -9566,7 +9566,7 @@
           </p:nvSpPr>
           <p:spPr>
             <a:xfrm>
-              <a:off x="2080102" y="6586452"/>
+              <a:off x="1939448" y="6586445"/>
               <a:ext cx="63202" cy="63202"/>
             </a:xfrm>
             <a:custGeom>
@@ -9609,7 +9609,7 @@
           </p:nvSpPr>
           <p:spPr>
             <a:xfrm>
-              <a:off x="2228594" y="6235318"/>
+              <a:off x="1924105" y="6235310"/>
               <a:ext cx="63202" cy="63202"/>
             </a:xfrm>
             <a:custGeom>
@@ -9652,7 +9652,7 @@
           </p:nvSpPr>
           <p:spPr>
             <a:xfrm>
-              <a:off x="2169842" y="6280218"/>
+              <a:off x="2220367" y="6280195"/>
               <a:ext cx="63202" cy="63202"/>
             </a:xfrm>
             <a:custGeom>
@@ -9695,7 +9695,7 @@
           </p:nvSpPr>
           <p:spPr>
             <a:xfrm>
-              <a:off x="1717421" y="6641163"/>
+              <a:off x="2106674" y="6641155"/>
               <a:ext cx="63202" cy="63202"/>
             </a:xfrm>
             <a:custGeom>
@@ -9738,7 +9738,7 @@
           </p:nvSpPr>
           <p:spPr>
             <a:xfrm>
-              <a:off x="1606339" y="5944821"/>
+              <a:off x="1723820" y="5944812"/>
               <a:ext cx="63202" cy="63202"/>
             </a:xfrm>
             <a:custGeom>
@@ -9781,7 +9781,7 @@
           </p:nvSpPr>
           <p:spPr>
             <a:xfrm>
-              <a:off x="1736558" y="6287319"/>
+              <a:off x="2111112" y="6287322"/>
               <a:ext cx="63202" cy="63202"/>
             </a:xfrm>
             <a:custGeom>
@@ -9824,7 +9824,7 @@
           </p:nvSpPr>
           <p:spPr>
             <a:xfrm>
-              <a:off x="1779309" y="6305345"/>
+              <a:off x="2005144" y="6305347"/>
               <a:ext cx="63202" cy="63202"/>
             </a:xfrm>
             <a:custGeom>
@@ -9867,7 +9867,7 @@
           </p:nvSpPr>
           <p:spPr>
             <a:xfrm>
-              <a:off x="1925374" y="6352792"/>
+              <a:off x="1732339" y="6352782"/>
               <a:ext cx="63202" cy="63202"/>
             </a:xfrm>
             <a:custGeom>
@@ -9910,7 +9910,7 @@
           </p:nvSpPr>
           <p:spPr>
             <a:xfrm>
-              <a:off x="2052372" y="6337278"/>
+              <a:off x="1767770" y="6337267"/>
               <a:ext cx="63202" cy="63202"/>
             </a:xfrm>
             <a:custGeom>
@@ -9953,7 +9953,7 @@
           </p:nvSpPr>
           <p:spPr>
             <a:xfrm>
-              <a:off x="2079831" y="6310716"/>
+              <a:off x="2051891" y="6310713"/>
               <a:ext cx="63202" cy="63202"/>
             </a:xfrm>
             <a:custGeom>
@@ -9996,7 +9996,7 @@
           </p:nvSpPr>
           <p:spPr>
             <a:xfrm>
-              <a:off x="2286312" y="6395695"/>
+              <a:off x="2261550" y="6395702"/>
               <a:ext cx="63202" cy="63202"/>
             </a:xfrm>
             <a:custGeom>
@@ -10039,7 +10039,7 @@
           </p:nvSpPr>
           <p:spPr>
             <a:xfrm>
-              <a:off x="2185671" y="6072569"/>
+              <a:off x="1776192" y="6072544"/>
               <a:ext cx="63202" cy="63202"/>
             </a:xfrm>
             <a:custGeom>
@@ -10082,7 +10082,7 @@
           </p:nvSpPr>
           <p:spPr>
             <a:xfrm>
-              <a:off x="1762608" y="6417983"/>
+              <a:off x="1755014" y="6417959"/>
               <a:ext cx="63202" cy="63202"/>
             </a:xfrm>
             <a:custGeom>
@@ -10125,7 +10125,7 @@
           </p:nvSpPr>
           <p:spPr>
             <a:xfrm>
-              <a:off x="2015213" y="5914357"/>
+              <a:off x="2025307" y="5914341"/>
               <a:ext cx="63202" cy="63202"/>
             </a:xfrm>
             <a:custGeom>
@@ -10168,7 +10168,7 @@
           </p:nvSpPr>
           <p:spPr>
             <a:xfrm>
-              <a:off x="2121857" y="6387491"/>
+              <a:off x="2105320" y="6387474"/>
               <a:ext cx="63202" cy="63202"/>
             </a:xfrm>
             <a:custGeom>
@@ -10211,7 +10211,7 @@
           </p:nvSpPr>
           <p:spPr>
             <a:xfrm>
-              <a:off x="2036711" y="6296627"/>
+              <a:off x="1841540" y="6296621"/>
               <a:ext cx="63202" cy="63202"/>
             </a:xfrm>
             <a:custGeom>
@@ -10254,7 +10254,7 @@
           </p:nvSpPr>
           <p:spPr>
             <a:xfrm>
-              <a:off x="2242890" y="6441882"/>
+              <a:off x="1868868" y="6441870"/>
               <a:ext cx="63202" cy="63202"/>
             </a:xfrm>
             <a:custGeom>
@@ -10297,7 +10297,7 @@
           </p:nvSpPr>
           <p:spPr>
             <a:xfrm>
-              <a:off x="1921651" y="5895282"/>
+              <a:off x="1981773" y="5895291"/>
               <a:ext cx="63202" cy="63202"/>
             </a:xfrm>
             <a:custGeom>
@@ -10340,7 +10340,7 @@
           </p:nvSpPr>
           <p:spPr>
             <a:xfrm>
-              <a:off x="1841756" y="6308936"/>
+              <a:off x="1685034" y="6308931"/>
               <a:ext cx="63202" cy="63202"/>
             </a:xfrm>
             <a:custGeom>
@@ -10383,7 +10383,7 @@
           </p:nvSpPr>
           <p:spPr>
             <a:xfrm>
-              <a:off x="1867420" y="6245804"/>
+              <a:off x="2255872" y="6245768"/>
               <a:ext cx="63202" cy="63202"/>
             </a:xfrm>
             <a:custGeom>
@@ -10426,7 +10426,7 @@
           </p:nvSpPr>
           <p:spPr>
             <a:xfrm>
-              <a:off x="2070562" y="6236754"/>
+              <a:off x="1952641" y="6236762"/>
               <a:ext cx="63202" cy="63202"/>
             </a:xfrm>
             <a:custGeom>
@@ -10469,7 +10469,7 @@
           </p:nvSpPr>
           <p:spPr>
             <a:xfrm>
-              <a:off x="1710996" y="5889795"/>
+              <a:off x="1746616" y="5889770"/>
               <a:ext cx="63202" cy="63202"/>
             </a:xfrm>
             <a:custGeom>
@@ -10512,7 +10512,7 @@
           </p:nvSpPr>
           <p:spPr>
             <a:xfrm>
-              <a:off x="2234095" y="6225848"/>
+              <a:off x="2199184" y="6225840"/>
               <a:ext cx="63202" cy="63202"/>
             </a:xfrm>
             <a:custGeom>
@@ -10555,7 +10555,7 @@
           </p:nvSpPr>
           <p:spPr>
             <a:xfrm>
-              <a:off x="1634600" y="6281486"/>
+              <a:off x="2011517" y="6281468"/>
               <a:ext cx="63202" cy="63202"/>
             </a:xfrm>
             <a:custGeom>
@@ -10598,7 +10598,7 @@
           </p:nvSpPr>
           <p:spPr>
             <a:xfrm>
-              <a:off x="1988956" y="6361298"/>
+              <a:off x="2155219" y="6361269"/>
               <a:ext cx="63202" cy="63202"/>
             </a:xfrm>
             <a:custGeom>
@@ -10641,7 +10641,7 @@
           </p:nvSpPr>
           <p:spPr>
             <a:xfrm>
-              <a:off x="2093499" y="6277376"/>
+              <a:off x="1748518" y="6277397"/>
               <a:ext cx="63202" cy="63202"/>
             </a:xfrm>
             <a:custGeom>
@@ -10684,7 +10684,7 @@
           </p:nvSpPr>
           <p:spPr>
             <a:xfrm>
-              <a:off x="2240411" y="6282583"/>
+              <a:off x="2219080" y="6282539"/>
               <a:ext cx="63202" cy="63202"/>
             </a:xfrm>
             <a:custGeom>
@@ -10727,7 +10727,7 @@
           </p:nvSpPr>
           <p:spPr>
             <a:xfrm>
-              <a:off x="1836166" y="6069721"/>
+              <a:off x="1820594" y="6069753"/>
               <a:ext cx="63202" cy="63202"/>
             </a:xfrm>
             <a:custGeom>
@@ -10770,7 +10770,7 @@
           </p:nvSpPr>
           <p:spPr>
             <a:xfrm>
-              <a:off x="1894181" y="6387486"/>
+              <a:off x="1846374" y="6387483"/>
               <a:ext cx="63202" cy="63202"/>
             </a:xfrm>
             <a:custGeom>
@@ -10813,7 +10813,7 @@
           </p:nvSpPr>
           <p:spPr>
             <a:xfrm>
-              <a:off x="1822635" y="6229849"/>
+              <a:off x="1754742" y="6229858"/>
               <a:ext cx="63202" cy="63202"/>
             </a:xfrm>
             <a:custGeom>
@@ -10856,7 +10856,7 @@
           </p:nvSpPr>
           <p:spPr>
             <a:xfrm>
-              <a:off x="1877607" y="5916418"/>
+              <a:off x="1786646" y="5916444"/>
               <a:ext cx="63202" cy="63202"/>
             </a:xfrm>
             <a:custGeom>
@@ -10899,7 +10899,7 @@
           </p:nvSpPr>
           <p:spPr>
             <a:xfrm>
-              <a:off x="1721378" y="5914832"/>
+              <a:off x="1991228" y="5914834"/>
               <a:ext cx="63202" cy="63202"/>
             </a:xfrm>
             <a:custGeom>
@@ -10942,7 +10942,7 @@
           </p:nvSpPr>
           <p:spPr>
             <a:xfrm>
-              <a:off x="2233920" y="5914618"/>
+              <a:off x="1947005" y="5914616"/>
               <a:ext cx="63202" cy="63202"/>
             </a:xfrm>
             <a:custGeom>
@@ -10985,7 +10985,7 @@
           </p:nvSpPr>
           <p:spPr>
             <a:xfrm>
-              <a:off x="2166766" y="5914465"/>
+              <a:off x="1872986" y="5914482"/>
               <a:ext cx="63202" cy="63202"/>
             </a:xfrm>
             <a:custGeom>
@@ -11028,7 +11028,7 @@
           </p:nvSpPr>
           <p:spPr>
             <a:xfrm>
-              <a:off x="2007433" y="5914481"/>
+              <a:off x="1700311" y="5914465"/>
               <a:ext cx="63202" cy="63202"/>
             </a:xfrm>
             <a:custGeom>
@@ -11071,7 +11071,7 @@
           </p:nvSpPr>
           <p:spPr>
             <a:xfrm>
-              <a:off x="1644546" y="6094893"/>
+              <a:off x="2191403" y="6094890"/>
               <a:ext cx="63202" cy="63202"/>
             </a:xfrm>
             <a:custGeom>
@@ -11114,7 +11114,7 @@
           </p:nvSpPr>
           <p:spPr>
             <a:xfrm>
-              <a:off x="2041858" y="6087938"/>
+              <a:off x="1800542" y="6087934"/>
               <a:ext cx="63202" cy="63202"/>
             </a:xfrm>
             <a:custGeom>
@@ -11157,7 +11157,7 @@
           </p:nvSpPr>
           <p:spPr>
             <a:xfrm>
-              <a:off x="2067053" y="6364981"/>
+              <a:off x="1680008" y="6364962"/>
               <a:ext cx="63202" cy="63202"/>
             </a:xfrm>
             <a:custGeom>
@@ -11200,7 +11200,7 @@
           </p:nvSpPr>
           <p:spPr>
             <a:xfrm>
-              <a:off x="2159519" y="5925130"/>
+              <a:off x="1814426" y="5925138"/>
               <a:ext cx="63202" cy="63202"/>
             </a:xfrm>
             <a:custGeom>
@@ -11243,7 +11243,7 @@
           </p:nvSpPr>
           <p:spPr>
             <a:xfrm>
-              <a:off x="1994775" y="6185266"/>
+              <a:off x="2196275" y="6185256"/>
               <a:ext cx="63202" cy="63202"/>
             </a:xfrm>
             <a:custGeom>
@@ -11286,7 +11286,7 @@
           </p:nvSpPr>
           <p:spPr>
             <a:xfrm>
-              <a:off x="2106538" y="6102468"/>
+              <a:off x="2280249" y="6102452"/>
               <a:ext cx="63202" cy="63202"/>
             </a:xfrm>
             <a:custGeom>
@@ -11329,7 +11329,7 @@
           </p:nvSpPr>
           <p:spPr>
             <a:xfrm>
-              <a:off x="2093029" y="6375808"/>
+              <a:off x="1732072" y="6375798"/>
               <a:ext cx="63202" cy="63202"/>
             </a:xfrm>
             <a:custGeom>
@@ -11372,7 +11372,7 @@
           </p:nvSpPr>
           <p:spPr>
             <a:xfrm>
-              <a:off x="1768977" y="5932018"/>
+              <a:off x="2197304" y="5932011"/>
               <a:ext cx="63202" cy="63202"/>
             </a:xfrm>
             <a:custGeom>
@@ -11415,7 +11415,7 @@
           </p:nvSpPr>
           <p:spPr>
             <a:xfrm>
-              <a:off x="2016377" y="6292949"/>
+              <a:off x="2058490" y="6292969"/>
               <a:ext cx="63202" cy="63202"/>
             </a:xfrm>
             <a:custGeom>
@@ -11458,7 +11458,7 @@
           </p:nvSpPr>
           <p:spPr>
             <a:xfrm>
-              <a:off x="2288546" y="6513286"/>
+              <a:off x="2074387" y="6513258"/>
               <a:ext cx="63202" cy="63202"/>
             </a:xfrm>
             <a:custGeom>
@@ -11501,7 +11501,7 @@
           </p:nvSpPr>
           <p:spPr>
             <a:xfrm>
-              <a:off x="1694221" y="6080124"/>
+              <a:off x="1879272" y="6080148"/>
               <a:ext cx="63202" cy="63202"/>
             </a:xfrm>
             <a:custGeom>
@@ -11544,7 +11544,7 @@
           </p:nvSpPr>
           <p:spPr>
             <a:xfrm>
-              <a:off x="1689987" y="6359846"/>
+              <a:off x="1656029" y="6359830"/>
               <a:ext cx="63202" cy="63202"/>
             </a:xfrm>
             <a:custGeom>
@@ -11587,7 +11587,7 @@
           </p:nvSpPr>
           <p:spPr>
             <a:xfrm>
-              <a:off x="1647729" y="5909655"/>
+              <a:off x="1846208" y="5909667"/>
               <a:ext cx="63202" cy="63202"/>
             </a:xfrm>
             <a:custGeom>
@@ -11630,7 +11630,7 @@
           </p:nvSpPr>
           <p:spPr>
             <a:xfrm>
-              <a:off x="2037105" y="6040171"/>
+              <a:off x="2261903" y="6040175"/>
               <a:ext cx="63202" cy="63202"/>
             </a:xfrm>
             <a:custGeom>
@@ -11673,7 +11673,7 @@
           </p:nvSpPr>
           <p:spPr>
             <a:xfrm>
-              <a:off x="1896270" y="6001690"/>
+              <a:off x="1699013" y="6001682"/>
               <a:ext cx="63202" cy="63202"/>
             </a:xfrm>
             <a:custGeom>
@@ -11716,7 +11716,7 @@
           </p:nvSpPr>
           <p:spPr>
             <a:xfrm>
-              <a:off x="2054719" y="6031405"/>
+              <a:off x="1623287" y="6031432"/>
               <a:ext cx="63202" cy="63202"/>
             </a:xfrm>
             <a:custGeom>
@@ -11759,7 +11759,7 @@
           </p:nvSpPr>
           <p:spPr>
             <a:xfrm>
-              <a:off x="2121049" y="5903264"/>
+              <a:off x="1652328" y="5903251"/>
               <a:ext cx="63202" cy="63202"/>
             </a:xfrm>
             <a:custGeom>
@@ -11802,7 +11802,7 @@
           </p:nvSpPr>
           <p:spPr>
             <a:xfrm>
-              <a:off x="1841753" y="5901128"/>
+              <a:off x="1680811" y="5901130"/>
               <a:ext cx="63202" cy="63202"/>
             </a:xfrm>
             <a:custGeom>
@@ -11845,7 +11845,7 @@
           </p:nvSpPr>
           <p:spPr>
             <a:xfrm>
-              <a:off x="2123875" y="6067575"/>
+              <a:off x="2289056" y="6067554"/>
               <a:ext cx="63202" cy="63202"/>
             </a:xfrm>
             <a:custGeom>
@@ -11888,7 +11888,7 @@
           </p:nvSpPr>
           <p:spPr>
             <a:xfrm>
-              <a:off x="1646724" y="6060301"/>
+              <a:off x="2255105" y="6060288"/>
               <a:ext cx="63202" cy="63202"/>
             </a:xfrm>
             <a:custGeom>
@@ -11931,7 +11931,7 @@
           </p:nvSpPr>
           <p:spPr>
             <a:xfrm>
-              <a:off x="2093913" y="5912787"/>
+              <a:off x="1904485" y="5912797"/>
               <a:ext cx="63202" cy="63202"/>
             </a:xfrm>
             <a:custGeom>
@@ -11974,7 +11974,7 @@
           </p:nvSpPr>
           <p:spPr>
             <a:xfrm>
-              <a:off x="2020220" y="5918206"/>
+              <a:off x="1772501" y="5918215"/>
               <a:ext cx="63202" cy="63202"/>
             </a:xfrm>
             <a:custGeom>
@@ -12017,7 +12017,7 @@
           </p:nvSpPr>
           <p:spPr>
             <a:xfrm>
-              <a:off x="1812830" y="5918282"/>
+              <a:off x="1951800" y="5918298"/>
               <a:ext cx="63202" cy="63202"/>
             </a:xfrm>
             <a:custGeom>
@@ -12060,7 +12060,7 @@
           </p:nvSpPr>
           <p:spPr>
             <a:xfrm>
-              <a:off x="2097393" y="5956438"/>
+              <a:off x="1825274" y="5956432"/>
               <a:ext cx="63202" cy="63202"/>
             </a:xfrm>
             <a:custGeom>
@@ -12103,7 +12103,7 @@
           </p:nvSpPr>
           <p:spPr>
             <a:xfrm>
-              <a:off x="2251058" y="5910666"/>
+              <a:off x="1984573" y="5910680"/>
               <a:ext cx="63202" cy="63202"/>
             </a:xfrm>
             <a:custGeom>
@@ -12146,7 +12146,7 @@
           </p:nvSpPr>
           <p:spPr>
             <a:xfrm>
-              <a:off x="1938167" y="6280222"/>
+              <a:off x="1657413" y="6280202"/>
               <a:ext cx="63202" cy="63202"/>
             </a:xfrm>
             <a:custGeom>
@@ -12189,7 +12189,7 @@
           </p:nvSpPr>
           <p:spPr>
             <a:xfrm>
-              <a:off x="2067375" y="5926765"/>
+              <a:off x="2181692" y="5926791"/>
               <a:ext cx="63202" cy="63202"/>
             </a:xfrm>
             <a:custGeom>
@@ -12232,7 +12232,7 @@
           </p:nvSpPr>
           <p:spPr>
             <a:xfrm>
-              <a:off x="1687292" y="5866429"/>
+              <a:off x="1745955" y="5866433"/>
               <a:ext cx="63202" cy="63202"/>
             </a:xfrm>
             <a:custGeom>
@@ -12275,7 +12275,7 @@
           </p:nvSpPr>
           <p:spPr>
             <a:xfrm>
-              <a:off x="1674805" y="6192025"/>
+              <a:off x="1828216" y="6192031"/>
               <a:ext cx="63202" cy="63202"/>
             </a:xfrm>
             <a:custGeom>
@@ -12318,7 +12318,7 @@
           </p:nvSpPr>
           <p:spPr>
             <a:xfrm>
-              <a:off x="2232721" y="6535885"/>
+              <a:off x="2093838" y="6535886"/>
               <a:ext cx="63202" cy="63202"/>
             </a:xfrm>
             <a:custGeom>
@@ -12361,7 +12361,7 @@
           </p:nvSpPr>
           <p:spPr>
             <a:xfrm>
-              <a:off x="2127195" y="6254907"/>
+              <a:off x="1761601" y="6254913"/>
               <a:ext cx="63202" cy="63202"/>
             </a:xfrm>
             <a:custGeom>
@@ -12404,7 +12404,7 @@
           </p:nvSpPr>
           <p:spPr>
             <a:xfrm>
-              <a:off x="1706218" y="6244847"/>
+              <a:off x="1753746" y="6244832"/>
               <a:ext cx="63202" cy="63202"/>
             </a:xfrm>
             <a:custGeom>
@@ -12447,7 +12447,7 @@
           </p:nvSpPr>
           <p:spPr>
             <a:xfrm>
-              <a:off x="1637946" y="5905915"/>
+              <a:off x="1666389" y="5905888"/>
               <a:ext cx="63202" cy="63202"/>
             </a:xfrm>
             <a:custGeom>
@@ -12490,7 +12490,7 @@
           </p:nvSpPr>
           <p:spPr>
             <a:xfrm>
-              <a:off x="1717218" y="5966819"/>
+              <a:off x="1725327" y="5966817"/>
               <a:ext cx="63202" cy="63202"/>
             </a:xfrm>
             <a:custGeom>
@@ -12533,7 +12533,7 @@
           </p:nvSpPr>
           <p:spPr>
             <a:xfrm>
-              <a:off x="2057035" y="6248550"/>
+              <a:off x="2201739" y="6248552"/>
               <a:ext cx="63202" cy="63202"/>
             </a:xfrm>
             <a:custGeom>
@@ -12576,7 +12576,7 @@
           </p:nvSpPr>
           <p:spPr>
             <a:xfrm>
-              <a:off x="2215499" y="6257448"/>
+              <a:off x="1761445" y="6257449"/>
               <a:ext cx="63202" cy="63202"/>
             </a:xfrm>
             <a:custGeom>
@@ -12619,7 +12619,7 @@
           </p:nvSpPr>
           <p:spPr>
             <a:xfrm>
-              <a:off x="1884059" y="6255816"/>
+              <a:off x="2084134" y="6255822"/>
               <a:ext cx="63202" cy="63202"/>
             </a:xfrm>
             <a:custGeom>
@@ -12662,7 +12662,7 @@
           </p:nvSpPr>
           <p:spPr>
             <a:xfrm>
-              <a:off x="1744150" y="6355493"/>
+              <a:off x="2137483" y="6355447"/>
               <a:ext cx="63202" cy="63202"/>
             </a:xfrm>
             <a:custGeom>
@@ -12705,7 +12705,7 @@
           </p:nvSpPr>
           <p:spPr>
             <a:xfrm>
-              <a:off x="1760224" y="6301983"/>
+              <a:off x="1693809" y="6301972"/>
               <a:ext cx="63202" cy="63202"/>
             </a:xfrm>
             <a:custGeom>
@@ -12748,7 +12748,7 @@
           </p:nvSpPr>
           <p:spPr>
             <a:xfrm>
-              <a:off x="2058675" y="5922616"/>
+              <a:off x="1759288" y="5922614"/>
               <a:ext cx="63202" cy="63202"/>
             </a:xfrm>
             <a:custGeom>
@@ -12791,7 +12791,7 @@
           </p:nvSpPr>
           <p:spPr>
             <a:xfrm>
-              <a:off x="2229941" y="6353510"/>
+              <a:off x="1636581" y="6353504"/>
               <a:ext cx="63202" cy="63202"/>
             </a:xfrm>
             <a:custGeom>
@@ -12834,7 +12834,7 @@
           </p:nvSpPr>
           <p:spPr>
             <a:xfrm>
-              <a:off x="1761208" y="6359123"/>
+              <a:off x="1694313" y="6359097"/>
               <a:ext cx="63202" cy="63202"/>
             </a:xfrm>
             <a:custGeom>
@@ -12877,7 +12877,7 @@
           </p:nvSpPr>
           <p:spPr>
             <a:xfrm>
-              <a:off x="2287574" y="6328958"/>
+              <a:off x="1770463" y="6328957"/>
               <a:ext cx="63202" cy="63202"/>
             </a:xfrm>
             <a:custGeom>
@@ -12920,7 +12920,7 @@
           </p:nvSpPr>
           <p:spPr>
             <a:xfrm>
-              <a:off x="1690498" y="6419199"/>
+              <a:off x="1802875" y="6419213"/>
               <a:ext cx="63202" cy="63202"/>
             </a:xfrm>
             <a:custGeom>
@@ -12963,7 +12963,7 @@
           </p:nvSpPr>
           <p:spPr>
             <a:xfrm>
-              <a:off x="2050966" y="6358978"/>
+              <a:off x="1724321" y="6358968"/>
               <a:ext cx="63202" cy="63202"/>
             </a:xfrm>
             <a:custGeom>
@@ -13006,7 +13006,7 @@
           </p:nvSpPr>
           <p:spPr>
             <a:xfrm>
-              <a:off x="1694535" y="5980986"/>
+              <a:off x="2055961" y="5980989"/>
               <a:ext cx="63202" cy="63202"/>
             </a:xfrm>
             <a:custGeom>
@@ -13049,7 +13049,7 @@
           </p:nvSpPr>
           <p:spPr>
             <a:xfrm>
-              <a:off x="1693750" y="6483956"/>
+              <a:off x="1849309" y="6483946"/>
               <a:ext cx="63202" cy="63202"/>
             </a:xfrm>
             <a:custGeom>
@@ -13092,7 +13092,7 @@
           </p:nvSpPr>
           <p:spPr>
             <a:xfrm>
-              <a:off x="2059827" y="6336639"/>
+              <a:off x="1858029" y="6336639"/>
               <a:ext cx="63202" cy="63202"/>
             </a:xfrm>
             <a:custGeom>
@@ -13135,7 +13135,7 @@
           </p:nvSpPr>
           <p:spPr>
             <a:xfrm>
-              <a:off x="1619361" y="5928697"/>
+              <a:off x="2118020" y="5928682"/>
               <a:ext cx="63202" cy="63202"/>
             </a:xfrm>
             <a:custGeom>
@@ -13178,7 +13178,7 @@
           </p:nvSpPr>
           <p:spPr>
             <a:xfrm>
-              <a:off x="1613998" y="5926289"/>
+              <a:off x="2034241" y="5926292"/>
               <a:ext cx="63202" cy="63202"/>
             </a:xfrm>
             <a:custGeom>
@@ -13221,7 +13221,7 @@
           </p:nvSpPr>
           <p:spPr>
             <a:xfrm>
-              <a:off x="2013794" y="5943361"/>
+              <a:off x="2200637" y="5943368"/>
               <a:ext cx="63202" cy="63202"/>
             </a:xfrm>
             <a:custGeom>
@@ -13264,7 +13264,7 @@
           </p:nvSpPr>
           <p:spPr>
             <a:xfrm>
-              <a:off x="1968416" y="5934720"/>
+              <a:off x="1657396" y="5934726"/>
               <a:ext cx="63202" cy="63202"/>
             </a:xfrm>
             <a:custGeom>
@@ -13307,7 +13307,7 @@
           </p:nvSpPr>
           <p:spPr>
             <a:xfrm>
-              <a:off x="1709051" y="6062595"/>
+              <a:off x="2242197" y="6062621"/>
               <a:ext cx="63202" cy="63202"/>
             </a:xfrm>
             <a:custGeom>
@@ -13350,7 +13350,7 @@
           </p:nvSpPr>
           <p:spPr>
             <a:xfrm>
-              <a:off x="2103253" y="6625988"/>
+              <a:off x="1784505" y="6625964"/>
               <a:ext cx="63202" cy="63202"/>
             </a:xfrm>
             <a:custGeom>
@@ -13393,7 +13393,7 @@
           </p:nvSpPr>
           <p:spPr>
             <a:xfrm>
-              <a:off x="2161839" y="6223487"/>
+              <a:off x="2023171" y="6223493"/>
               <a:ext cx="63202" cy="63202"/>
             </a:xfrm>
             <a:custGeom>
@@ -13436,7 +13436,7 @@
           </p:nvSpPr>
           <p:spPr>
             <a:xfrm>
-              <a:off x="1903116" y="6183177"/>
+              <a:off x="2241601" y="6183178"/>
               <a:ext cx="63202" cy="63202"/>
             </a:xfrm>
             <a:custGeom>
@@ -13479,7 +13479,7 @@
           </p:nvSpPr>
           <p:spPr>
             <a:xfrm>
-              <a:off x="2121584" y="6628369"/>
+              <a:off x="1943443" y="6628327"/>
               <a:ext cx="63202" cy="63202"/>
             </a:xfrm>
             <a:custGeom>
@@ -13522,7 +13522,7 @@
           </p:nvSpPr>
           <p:spPr>
             <a:xfrm>
-              <a:off x="1934929" y="6328179"/>
+              <a:off x="1691513" y="6328176"/>
               <a:ext cx="63202" cy="63202"/>
             </a:xfrm>
             <a:custGeom>
@@ -13621,7 +13621,7 @@
           </p:nvSpPr>
           <p:spPr>
             <a:xfrm>
-              <a:off x="4325757" y="2815610"/>
+              <a:off x="4325757" y="2815588"/>
               <a:ext cx="2796732" cy="0"/>
             </a:xfrm>
             <a:custGeom>
@@ -13664,7 +13664,7 @@
           </p:nvSpPr>
           <p:spPr>
             <a:xfrm>
-              <a:off x="4325757" y="2361629"/>
+              <a:off x="4325757" y="2361622"/>
               <a:ext cx="2796732" cy="0"/>
             </a:xfrm>
             <a:custGeom>
@@ -13707,7 +13707,7 @@
           </p:nvSpPr>
           <p:spPr>
             <a:xfrm>
-              <a:off x="4325757" y="1907647"/>
+              <a:off x="4325757" y="1907655"/>
               <a:ext cx="2796732" cy="0"/>
             </a:xfrm>
             <a:custGeom>
@@ -13750,7 +13750,7 @@
           </p:nvSpPr>
           <p:spPr>
             <a:xfrm>
-              <a:off x="4325757" y="1453666"/>
+              <a:off x="4325757" y="1453689"/>
               <a:ext cx="2796732" cy="0"/>
             </a:xfrm>
             <a:custGeom>
@@ -13793,7 +13793,7 @@
           </p:nvSpPr>
           <p:spPr>
             <a:xfrm>
-              <a:off x="4325757" y="3042600"/>
+              <a:off x="4325757" y="3042572"/>
               <a:ext cx="2796732" cy="0"/>
             </a:xfrm>
             <a:custGeom>
@@ -13836,7 +13836,7 @@
           </p:nvSpPr>
           <p:spPr>
             <a:xfrm>
-              <a:off x="4325757" y="2588619"/>
+              <a:off x="4325757" y="2588605"/>
               <a:ext cx="2796732" cy="0"/>
             </a:xfrm>
             <a:custGeom>
@@ -13879,7 +13879,7 @@
           </p:nvSpPr>
           <p:spPr>
             <a:xfrm>
-              <a:off x="4325757" y="2134638"/>
+              <a:off x="4325757" y="2134639"/>
               <a:ext cx="2796732" cy="0"/>
             </a:xfrm>
             <a:custGeom>
@@ -13922,7 +13922,7 @@
           </p:nvSpPr>
           <p:spPr>
             <a:xfrm>
-              <a:off x="4325757" y="1680657"/>
+              <a:off x="4325757" y="1680672"/>
               <a:ext cx="2796732" cy="0"/>
             </a:xfrm>
             <a:custGeom>
@@ -14094,7 +14094,7 @@
           </p:nvSpPr>
           <p:spPr>
             <a:xfrm>
-              <a:off x="4609361" y="2249993"/>
+              <a:off x="4704410" y="2249987"/>
               <a:ext cx="63202" cy="63202"/>
             </a:xfrm>
             <a:custGeom>
@@ -14137,7 +14137,7 @@
           </p:nvSpPr>
           <p:spPr>
             <a:xfrm>
-              <a:off x="4893357" y="2284755"/>
+              <a:off x="4660704" y="2284772"/>
               <a:ext cx="63202" cy="63202"/>
             </a:xfrm>
             <a:custGeom>
@@ -14180,7 +14180,7 @@
           </p:nvSpPr>
           <p:spPr>
             <a:xfrm>
-              <a:off x="4700119" y="2521781"/>
+              <a:off x="4729176" y="2521791"/>
               <a:ext cx="63202" cy="63202"/>
             </a:xfrm>
             <a:custGeom>
@@ -14223,7 +14223,7 @@
           </p:nvSpPr>
           <p:spPr>
             <a:xfrm>
-              <a:off x="5017932" y="2239410"/>
+              <a:off x="4521099" y="2239424"/>
               <a:ext cx="63202" cy="63202"/>
             </a:xfrm>
             <a:custGeom>
@@ -14266,7 +14266,7 @@
           </p:nvSpPr>
           <p:spPr>
             <a:xfrm>
-              <a:off x="4689018" y="2310684"/>
+              <a:off x="4747039" y="2310670"/>
               <a:ext cx="63202" cy="63202"/>
             </a:xfrm>
             <a:custGeom>
@@ -14309,7 +14309,7 @@
           </p:nvSpPr>
           <p:spPr>
             <a:xfrm>
-              <a:off x="4957835" y="2550403"/>
+              <a:off x="4807614" y="2550378"/>
               <a:ext cx="63202" cy="63202"/>
             </a:xfrm>
             <a:custGeom>
@@ -14352,7 +14352,7 @@
           </p:nvSpPr>
           <p:spPr>
             <a:xfrm>
-              <a:off x="5117582" y="2279073"/>
+              <a:off x="4965698" y="2279088"/>
               <a:ext cx="63202" cy="63202"/>
             </a:xfrm>
             <a:custGeom>
@@ -14395,7 +14395,7 @@
           </p:nvSpPr>
           <p:spPr>
             <a:xfrm>
-              <a:off x="5913564" y="2933838"/>
+              <a:off x="5363374" y="2933800"/>
               <a:ext cx="63202" cy="63202"/>
             </a:xfrm>
             <a:custGeom>
@@ -14438,7 +14438,7 @@
           </p:nvSpPr>
           <p:spPr>
             <a:xfrm>
-              <a:off x="4596610" y="2251479"/>
+              <a:off x="5168033" y="2251466"/>
               <a:ext cx="63202" cy="63202"/>
             </a:xfrm>
             <a:custGeom>
@@ -14481,7 +14481,7 @@
           </p:nvSpPr>
           <p:spPr>
             <a:xfrm>
-              <a:off x="5147021" y="2590776"/>
+              <a:off x="4918894" y="2590791"/>
               <a:ext cx="63202" cy="63202"/>
             </a:xfrm>
             <a:custGeom>
@@ -14524,7 +14524,7 @@
           </p:nvSpPr>
           <p:spPr>
             <a:xfrm>
-              <a:off x="4884197" y="2835962"/>
+              <a:off x="4869077" y="2835935"/>
               <a:ext cx="63202" cy="63202"/>
             </a:xfrm>
             <a:custGeom>
@@ -14567,7 +14567,7 @@
           </p:nvSpPr>
           <p:spPr>
             <a:xfrm>
-              <a:off x="4850967" y="2254230"/>
+              <a:off x="4763731" y="2254191"/>
               <a:ext cx="63202" cy="63202"/>
             </a:xfrm>
             <a:custGeom>
@@ -14610,7 +14610,7 @@
           </p:nvSpPr>
           <p:spPr>
             <a:xfrm>
-              <a:off x="4904181" y="2247082"/>
+              <a:off x="4995822" y="2247073"/>
               <a:ext cx="63202" cy="63202"/>
             </a:xfrm>
             <a:custGeom>
@@ -14653,7 +14653,7 @@
           </p:nvSpPr>
           <p:spPr>
             <a:xfrm>
-              <a:off x="4737457" y="2273039"/>
+              <a:off x="4905105" y="2273041"/>
               <a:ext cx="63202" cy="63202"/>
             </a:xfrm>
             <a:custGeom>
@@ -14696,7 +14696,7 @@
           </p:nvSpPr>
           <p:spPr>
             <a:xfrm>
-              <a:off x="4987661" y="2294932"/>
+              <a:off x="4647416" y="2294938"/>
               <a:ext cx="63202" cy="63202"/>
             </a:xfrm>
             <a:custGeom>
@@ -14739,7 +14739,7 @@
           </p:nvSpPr>
           <p:spPr>
             <a:xfrm>
-              <a:off x="5093207" y="2282499"/>
+              <a:off x="4611407" y="2282504"/>
               <a:ext cx="63202" cy="63202"/>
             </a:xfrm>
             <a:custGeom>
@@ -14782,7 +14782,7 @@
           </p:nvSpPr>
           <p:spPr>
             <a:xfrm>
-              <a:off x="5066992" y="2301682"/>
+              <a:off x="4611639" y="2301675"/>
               <a:ext cx="63202" cy="63202"/>
             </a:xfrm>
             <a:custGeom>
@@ -14825,7 +14825,7 @@
           </p:nvSpPr>
           <p:spPr>
             <a:xfrm>
-              <a:off x="4917709" y="2274903"/>
+              <a:off x="4942761" y="2274925"/>
               <a:ext cx="63202" cy="63202"/>
             </a:xfrm>
             <a:custGeom>
@@ -14868,7 +14868,7 @@
           </p:nvSpPr>
           <p:spPr>
             <a:xfrm>
-              <a:off x="5041635" y="2270980"/>
+              <a:off x="5162935" y="2270943"/>
               <a:ext cx="63202" cy="63202"/>
             </a:xfrm>
             <a:custGeom>
@@ -14911,7 +14911,7 @@
           </p:nvSpPr>
           <p:spPr>
             <a:xfrm>
-              <a:off x="4628259" y="2419810"/>
+              <a:off x="4937893" y="2419802"/>
               <a:ext cx="63202" cy="63202"/>
             </a:xfrm>
             <a:custGeom>
@@ -14954,7 +14954,7 @@
           </p:nvSpPr>
           <p:spPr>
             <a:xfrm>
-              <a:off x="4554691" y="2269832"/>
+              <a:off x="4992288" y="2269813"/>
               <a:ext cx="63202" cy="63202"/>
             </a:xfrm>
             <a:custGeom>
@@ -14997,7 +14997,7 @@
           </p:nvSpPr>
           <p:spPr>
             <a:xfrm>
-              <a:off x="5149412" y="2405450"/>
+              <a:off x="5023176" y="2405436"/>
               <a:ext cx="63202" cy="63202"/>
             </a:xfrm>
             <a:custGeom>
@@ -15040,7 +15040,7 @@
           </p:nvSpPr>
           <p:spPr>
             <a:xfrm>
-              <a:off x="4535128" y="2494500"/>
+              <a:off x="4961854" y="2494495"/>
               <a:ext cx="63202" cy="63202"/>
             </a:xfrm>
             <a:custGeom>
@@ -15083,7 +15083,7 @@
           </p:nvSpPr>
           <p:spPr>
             <a:xfrm>
-              <a:off x="5036992" y="2464599"/>
+              <a:off x="4587148" y="2464587"/>
               <a:ext cx="63202" cy="63202"/>
             </a:xfrm>
             <a:custGeom>
@@ -15126,7 +15126,7 @@
           </p:nvSpPr>
           <p:spPr>
             <a:xfrm>
-              <a:off x="5165263" y="2415097"/>
+              <a:off x="4763081" y="2415103"/>
               <a:ext cx="63202" cy="63202"/>
             </a:xfrm>
             <a:custGeom>
@@ -15169,7 +15169,7 @@
           </p:nvSpPr>
           <p:spPr>
             <a:xfrm>
-              <a:off x="4985531" y="2275142"/>
+              <a:off x="4936488" y="2275143"/>
               <a:ext cx="63202" cy="63202"/>
             </a:xfrm>
             <a:custGeom>
@@ -15212,7 +15212,7 @@
           </p:nvSpPr>
           <p:spPr>
             <a:xfrm>
-              <a:off x="4571394" y="2515718"/>
+              <a:off x="5080841" y="2515699"/>
               <a:ext cx="63202" cy="63202"/>
             </a:xfrm>
             <a:custGeom>
@@ -15255,7 +15255,7 @@
           </p:nvSpPr>
           <p:spPr>
             <a:xfrm>
-              <a:off x="4558287" y="2275590"/>
+              <a:off x="4707807" y="2275592"/>
               <a:ext cx="63202" cy="63202"/>
             </a:xfrm>
             <a:custGeom>
@@ -15298,7 +15298,7 @@
           </p:nvSpPr>
           <p:spPr>
             <a:xfrm>
-              <a:off x="5077683" y="2296765"/>
+              <a:off x="4818389" y="2296744"/>
               <a:ext cx="63202" cy="63202"/>
             </a:xfrm>
             <a:custGeom>
@@ -15341,7 +15341,7 @@
           </p:nvSpPr>
           <p:spPr>
             <a:xfrm>
-              <a:off x="5123591" y="2648363"/>
+              <a:off x="4799547" y="2648345"/>
               <a:ext cx="63202" cy="63202"/>
             </a:xfrm>
             <a:custGeom>
@@ -15384,7 +15384,7 @@
           </p:nvSpPr>
           <p:spPr>
             <a:xfrm>
-              <a:off x="5119754" y="2331930"/>
+              <a:off x="4838864" y="2331910"/>
               <a:ext cx="63202" cy="63202"/>
             </a:xfrm>
             <a:custGeom>
@@ -15427,7 +15427,7 @@
           </p:nvSpPr>
           <p:spPr>
             <a:xfrm>
-              <a:off x="5055072" y="2270142"/>
+              <a:off x="4682508" y="2270149"/>
               <a:ext cx="63202" cy="63202"/>
             </a:xfrm>
             <a:custGeom>
@@ -15470,7 +15470,7 @@
           </p:nvSpPr>
           <p:spPr>
             <a:xfrm>
-              <a:off x="5058649" y="2584986"/>
+              <a:off x="4815759" y="2584962"/>
               <a:ext cx="63202" cy="63202"/>
             </a:xfrm>
             <a:custGeom>
@@ -15513,7 +15513,7 @@
           </p:nvSpPr>
           <p:spPr>
             <a:xfrm>
-              <a:off x="4851519" y="2394343"/>
+              <a:off x="4604471" y="2394333"/>
               <a:ext cx="63202" cy="63202"/>
             </a:xfrm>
             <a:custGeom>
@@ -15556,7 +15556,7 @@
           </p:nvSpPr>
           <p:spPr>
             <a:xfrm>
-              <a:off x="5028016" y="2285770"/>
+              <a:off x="4735258" y="2285776"/>
               <a:ext cx="63202" cy="63202"/>
             </a:xfrm>
             <a:custGeom>
@@ -15599,7 +15599,7 @@
           </p:nvSpPr>
           <p:spPr>
             <a:xfrm>
-              <a:off x="4822375" y="2283254"/>
+              <a:off x="5132280" y="2283277"/>
               <a:ext cx="63202" cy="63202"/>
             </a:xfrm>
             <a:custGeom>
@@ -15642,7 +15642,7 @@
           </p:nvSpPr>
           <p:spPr>
             <a:xfrm>
-              <a:off x="5136198" y="2242088"/>
+              <a:off x="4752128" y="2242100"/>
               <a:ext cx="63202" cy="63202"/>
             </a:xfrm>
             <a:custGeom>
@@ -15685,7 +15685,7 @@
           </p:nvSpPr>
           <p:spPr>
             <a:xfrm>
-              <a:off x="4957596" y="2242083"/>
+              <a:off x="5018936" y="2242099"/>
               <a:ext cx="63202" cy="63202"/>
             </a:xfrm>
             <a:custGeom>
@@ -15728,7 +15728,7 @@
           </p:nvSpPr>
           <p:spPr>
             <a:xfrm>
-              <a:off x="5143329" y="2307054"/>
+              <a:off x="4578865" y="2307042"/>
               <a:ext cx="63202" cy="63202"/>
             </a:xfrm>
             <a:custGeom>
@@ -15771,7 +15771,7 @@
           </p:nvSpPr>
           <p:spPr>
             <a:xfrm>
-              <a:off x="5058022" y="2595650"/>
+              <a:off x="4543214" y="2595645"/>
               <a:ext cx="63202" cy="63202"/>
             </a:xfrm>
             <a:custGeom>
@@ -15814,7 +15814,7 @@
           </p:nvSpPr>
           <p:spPr>
             <a:xfrm>
-              <a:off x="4921634" y="2303564"/>
+              <a:off x="5126339" y="2303572"/>
               <a:ext cx="63202" cy="63202"/>
             </a:xfrm>
             <a:custGeom>
@@ -15857,7 +15857,7 @@
           </p:nvSpPr>
           <p:spPr>
             <a:xfrm>
-              <a:off x="4575703" y="2289258"/>
+              <a:off x="4547465" y="2289267"/>
               <a:ext cx="63202" cy="63202"/>
             </a:xfrm>
             <a:custGeom>
@@ -15900,7 +15900,7 @@
           </p:nvSpPr>
           <p:spPr>
             <a:xfrm>
-              <a:off x="4951827" y="2210933"/>
+              <a:off x="5153351" y="2210953"/>
               <a:ext cx="63202" cy="63202"/>
             </a:xfrm>
             <a:custGeom>
@@ -15943,7 +15943,7 @@
           </p:nvSpPr>
           <p:spPr>
             <a:xfrm>
-              <a:off x="4834625" y="2488359"/>
+              <a:off x="4564550" y="2488361"/>
               <a:ext cx="63202" cy="63202"/>
             </a:xfrm>
             <a:custGeom>
@@ -15986,7 +15986,7 @@
           </p:nvSpPr>
           <p:spPr>
             <a:xfrm>
-              <a:off x="4747299" y="2235970"/>
+              <a:off x="4815959" y="2235958"/>
               <a:ext cx="63202" cy="63202"/>
             </a:xfrm>
             <a:custGeom>
@@ -16029,7 +16029,7 @@
           </p:nvSpPr>
           <p:spPr>
             <a:xfrm>
-              <a:off x="5142114" y="2324521"/>
+              <a:off x="4952166" y="2324528"/>
               <a:ext cx="63202" cy="63202"/>
             </a:xfrm>
             <a:custGeom>
@@ -16072,7 +16072,7 @@
           </p:nvSpPr>
           <p:spPr>
             <a:xfrm>
-              <a:off x="4739905" y="2355316"/>
+              <a:off x="4501574" y="2355292"/>
               <a:ext cx="63202" cy="63202"/>
             </a:xfrm>
             <a:custGeom>
@@ -16115,7 +16115,7 @@
           </p:nvSpPr>
           <p:spPr>
             <a:xfrm>
-              <a:off x="5133636" y="2276852"/>
+              <a:off x="4676150" y="2276867"/>
               <a:ext cx="63202" cy="63202"/>
             </a:xfrm>
             <a:custGeom>
@@ -16158,7 +16158,7 @@
           </p:nvSpPr>
           <p:spPr>
             <a:xfrm>
-              <a:off x="4541376" y="2577894"/>
+              <a:off x="4474585" y="2577884"/>
               <a:ext cx="63202" cy="63202"/>
             </a:xfrm>
             <a:custGeom>
@@ -16201,7 +16201,7 @@
           </p:nvSpPr>
           <p:spPr>
             <a:xfrm>
-              <a:off x="5106279" y="2747784"/>
+              <a:off x="4576492" y="2747770"/>
               <a:ext cx="63202" cy="63202"/>
             </a:xfrm>
             <a:custGeom>
@@ -16244,7 +16244,7 @@
           </p:nvSpPr>
           <p:spPr>
             <a:xfrm>
-              <a:off x="4979555" y="2329056"/>
+              <a:off x="5136992" y="2329062"/>
               <a:ext cx="63202" cy="63202"/>
             </a:xfrm>
             <a:custGeom>
@@ -16287,7 +16287,7 @@
           </p:nvSpPr>
           <p:spPr>
             <a:xfrm>
-              <a:off x="4807248" y="2463807"/>
+              <a:off x="5137541" y="2463805"/>
               <a:ext cx="63202" cy="63202"/>
             </a:xfrm>
             <a:custGeom>
@@ -16330,7 +16330,7 @@
           </p:nvSpPr>
           <p:spPr>
             <a:xfrm>
-              <a:off x="5098756" y="2595194"/>
+              <a:off x="4875410" y="2595180"/>
               <a:ext cx="63202" cy="63202"/>
             </a:xfrm>
             <a:custGeom>
@@ -16373,7 +16373,7 @@
           </p:nvSpPr>
           <p:spPr>
             <a:xfrm>
-              <a:off x="4571141" y="2284556"/>
+              <a:off x="4906891" y="2284532"/>
               <a:ext cx="63202" cy="63202"/>
             </a:xfrm>
             <a:custGeom>
@@ -16416,7 +16416,7 @@
           </p:nvSpPr>
           <p:spPr>
             <a:xfrm>
-              <a:off x="4510922" y="2356752"/>
+              <a:off x="4727850" y="2356767"/>
               <a:ext cx="63202" cy="63202"/>
             </a:xfrm>
             <a:custGeom>
@@ -16459,7 +16459,7 @@
           </p:nvSpPr>
           <p:spPr>
             <a:xfrm>
-              <a:off x="5112978" y="2252397"/>
+              <a:off x="4520688" y="2252377"/>
               <a:ext cx="63202" cy="63202"/>
             </a:xfrm>
             <a:custGeom>
@@ -16502,7 +16502,7 @@
           </p:nvSpPr>
           <p:spPr>
             <a:xfrm>
-              <a:off x="4469005" y="2709458"/>
+              <a:off x="4770677" y="2709457"/>
               <a:ext cx="63202" cy="63202"/>
             </a:xfrm>
             <a:custGeom>
@@ -16545,7 +16545,7 @@
           </p:nvSpPr>
           <p:spPr>
             <a:xfrm>
-              <a:off x="5103719" y="2278921"/>
+              <a:off x="4776931" y="2278921"/>
               <a:ext cx="63202" cy="63202"/>
             </a:xfrm>
             <a:custGeom>
@@ -16588,7 +16588,7 @@
           </p:nvSpPr>
           <p:spPr>
             <a:xfrm>
-              <a:off x="5096732" y="2329087"/>
+              <a:off x="4536292" y="2329058"/>
               <a:ext cx="63202" cy="63202"/>
             </a:xfrm>
             <a:custGeom>
@@ -16631,7 +16631,7 @@
           </p:nvSpPr>
           <p:spPr>
             <a:xfrm>
-              <a:off x="4884668" y="2676124"/>
+              <a:off x="4702575" y="2676108"/>
               <a:ext cx="63202" cy="63202"/>
             </a:xfrm>
             <a:custGeom>
@@ -16674,7 +16674,7 @@
           </p:nvSpPr>
           <p:spPr>
             <a:xfrm>
-              <a:off x="4809005" y="2345549"/>
+              <a:off x="5087005" y="2345536"/>
               <a:ext cx="63202" cy="63202"/>
             </a:xfrm>
             <a:custGeom>
@@ -16717,7 +16717,7 @@
           </p:nvSpPr>
           <p:spPr>
             <a:xfrm>
-              <a:off x="4607434" y="2351196"/>
+              <a:off x="5049336" y="2351165"/>
               <a:ext cx="63202" cy="63202"/>
             </a:xfrm>
             <a:custGeom>
@@ -16760,7 +16760,7 @@
           </p:nvSpPr>
           <p:spPr>
             <a:xfrm>
-              <a:off x="4913805" y="2239671"/>
+              <a:off x="4494193" y="2239670"/>
               <a:ext cx="63202" cy="63202"/>
             </a:xfrm>
             <a:custGeom>
@@ -16803,7 +16803,7 @@
           </p:nvSpPr>
           <p:spPr>
             <a:xfrm>
-              <a:off x="5085986" y="2273601"/>
+              <a:off x="4928109" y="2273585"/>
               <a:ext cx="63202" cy="63202"/>
             </a:xfrm>
             <a:custGeom>
@@ -16846,7 +16846,7 @@
           </p:nvSpPr>
           <p:spPr>
             <a:xfrm>
-              <a:off x="5001249" y="2338984"/>
+              <a:off x="4922004" y="2338973"/>
               <a:ext cx="63202" cy="63202"/>
             </a:xfrm>
             <a:custGeom>
@@ -16889,7 +16889,7 @@
           </p:nvSpPr>
           <p:spPr>
             <a:xfrm>
-              <a:off x="4890686" y="2316511"/>
+              <a:off x="5011556" y="2316482"/>
               <a:ext cx="63202" cy="63202"/>
             </a:xfrm>
             <a:custGeom>
@@ -16932,7 +16932,7 @@
           </p:nvSpPr>
           <p:spPr>
             <a:xfrm>
-              <a:off x="4734024" y="2241721"/>
+              <a:off x="4722476" y="2241741"/>
               <a:ext cx="63202" cy="63202"/>
             </a:xfrm>
             <a:custGeom>
@@ -16975,7 +16975,7 @@
           </p:nvSpPr>
           <p:spPr>
             <a:xfrm>
-              <a:off x="4543681" y="2454783"/>
+              <a:off x="4569042" y="2454765"/>
               <a:ext cx="63202" cy="63202"/>
             </a:xfrm>
             <a:custGeom>
@@ -17018,7 +17018,7 @@
           </p:nvSpPr>
           <p:spPr>
             <a:xfrm>
-              <a:off x="4757922" y="2302736"/>
+              <a:off x="5083989" y="2302722"/>
               <a:ext cx="63202" cy="63202"/>
             </a:xfrm>
             <a:custGeom>
@@ -17061,7 +17061,7 @@
           </p:nvSpPr>
           <p:spPr>
             <a:xfrm>
-              <a:off x="4539647" y="2316172"/>
+              <a:off x="4652570" y="2316157"/>
               <a:ext cx="63202" cy="63202"/>
             </a:xfrm>
             <a:custGeom>
@@ -17104,7 +17104,7 @@
           </p:nvSpPr>
           <p:spPr>
             <a:xfrm>
-              <a:off x="5024336" y="2610410"/>
+              <a:off x="4581263" y="2610405"/>
               <a:ext cx="63202" cy="63202"/>
             </a:xfrm>
             <a:custGeom>
@@ -17147,7 +17147,7 @@
           </p:nvSpPr>
           <p:spPr>
             <a:xfrm>
-              <a:off x="4554067" y="2630864"/>
+              <a:off x="4765230" y="2630876"/>
               <a:ext cx="63202" cy="63202"/>
             </a:xfrm>
             <a:custGeom>
@@ -17190,7 +17190,7 @@
           </p:nvSpPr>
           <p:spPr>
             <a:xfrm>
-              <a:off x="4717694" y="2242692"/>
+              <a:off x="5044515" y="2242685"/>
               <a:ext cx="63202" cy="63202"/>
             </a:xfrm>
             <a:custGeom>
@@ -17233,7 +17233,7 @@
           </p:nvSpPr>
           <p:spPr>
             <a:xfrm>
-              <a:off x="4943881" y="2236337"/>
+              <a:off x="4646861" y="2236332"/>
               <a:ext cx="63202" cy="63202"/>
             </a:xfrm>
             <a:custGeom>
@@ -17276,7 +17276,7 @@
           </p:nvSpPr>
           <p:spPr>
             <a:xfrm>
-              <a:off x="5009841" y="2233972"/>
+              <a:off x="5105217" y="2233973"/>
               <a:ext cx="63202" cy="63202"/>
             </a:xfrm>
             <a:custGeom>
@@ -17319,7 +17319,7 @@
           </p:nvSpPr>
           <p:spPr>
             <a:xfrm>
-              <a:off x="4530309" y="2486598"/>
+              <a:off x="5151027" y="2486597"/>
               <a:ext cx="63202" cy="63202"/>
             </a:xfrm>
             <a:custGeom>
@@ -17362,7 +17362,7 @@
           </p:nvSpPr>
           <p:spPr>
             <a:xfrm>
-              <a:off x="4577307" y="2283051"/>
+              <a:off x="5043490" y="2283050"/>
               <a:ext cx="63202" cy="63202"/>
             </a:xfrm>
             <a:custGeom>
@@ -17405,7 +17405,7 @@
           </p:nvSpPr>
           <p:spPr>
             <a:xfrm>
-              <a:off x="4750803" y="2242422"/>
+              <a:off x="5128788" y="2242395"/>
               <a:ext cx="63202" cy="63202"/>
             </a:xfrm>
             <a:custGeom>
@@ -17448,7 +17448,7 @@
           </p:nvSpPr>
           <p:spPr>
             <a:xfrm>
-              <a:off x="4564750" y="2481029"/>
+              <a:off x="4663422" y="2481024"/>
               <a:ext cx="63202" cy="63202"/>
             </a:xfrm>
             <a:custGeom>
@@ -17491,7 +17491,7 @@
           </p:nvSpPr>
           <p:spPr>
             <a:xfrm>
-              <a:off x="4629661" y="2236334"/>
+              <a:off x="4740596" y="2236339"/>
               <a:ext cx="63202" cy="63202"/>
             </a:xfrm>
             <a:custGeom>
@@ -17534,7 +17534,7 @@
           </p:nvSpPr>
           <p:spPr>
             <a:xfrm>
-              <a:off x="4877621" y="2238732"/>
+              <a:off x="4946175" y="2238730"/>
               <a:ext cx="63202" cy="63202"/>
             </a:xfrm>
             <a:custGeom>
@@ -17577,7 +17577,7 @@
           </p:nvSpPr>
           <p:spPr>
             <a:xfrm>
-              <a:off x="5114909" y="2275777"/>
+              <a:off x="4906370" y="2275785"/>
               <a:ext cx="63202" cy="63202"/>
             </a:xfrm>
             <a:custGeom>
@@ -17620,7 +17620,7 @@
           </p:nvSpPr>
           <p:spPr>
             <a:xfrm>
-              <a:off x="5023012" y="2240440"/>
+              <a:off x="5026005" y="2240463"/>
               <a:ext cx="63202" cy="63202"/>
             </a:xfrm>
             <a:custGeom>
@@ -17663,7 +17663,7 @@
           </p:nvSpPr>
           <p:spPr>
             <a:xfrm>
-              <a:off x="4641443" y="2398596"/>
+              <a:off x="4647653" y="2398569"/>
               <a:ext cx="63202" cy="63202"/>
             </a:xfrm>
             <a:custGeom>
@@ -17706,7 +17706,7 @@
           </p:nvSpPr>
           <p:spPr>
             <a:xfrm>
-              <a:off x="4740285" y="2238418"/>
+              <a:off x="4586759" y="2238422"/>
               <a:ext cx="63202" cy="63202"/>
             </a:xfrm>
             <a:custGeom>
@@ -17749,7 +17749,7 @@
           </p:nvSpPr>
           <p:spPr>
             <a:xfrm>
-              <a:off x="4578421" y="2243985"/>
+              <a:off x="4648953" y="2243990"/>
               <a:ext cx="63202" cy="63202"/>
             </a:xfrm>
             <a:custGeom>
@@ -17848,7 +17848,7 @@
           </p:nvSpPr>
           <p:spPr>
             <a:xfrm>
-              <a:off x="4325757" y="4740942"/>
+              <a:off x="4325757" y="4740921"/>
               <a:ext cx="2796732" cy="0"/>
             </a:xfrm>
             <a:custGeom>
@@ -17891,7 +17891,7 @@
           </p:nvSpPr>
           <p:spPr>
             <a:xfrm>
-              <a:off x="4325757" y="4286961"/>
+              <a:off x="4325757" y="4286954"/>
               <a:ext cx="2796732" cy="0"/>
             </a:xfrm>
             <a:custGeom>
@@ -17934,7 +17934,7 @@
           </p:nvSpPr>
           <p:spPr>
             <a:xfrm>
-              <a:off x="4325757" y="3832980"/>
+              <a:off x="4325757" y="3832988"/>
               <a:ext cx="2796732" cy="0"/>
             </a:xfrm>
             <a:custGeom>
@@ -17977,7 +17977,7 @@
           </p:nvSpPr>
           <p:spPr>
             <a:xfrm>
-              <a:off x="4325757" y="3378999"/>
+              <a:off x="4325757" y="3379021"/>
               <a:ext cx="2796732" cy="0"/>
             </a:xfrm>
             <a:custGeom>
@@ -18020,7 +18020,7 @@
           </p:nvSpPr>
           <p:spPr>
             <a:xfrm>
-              <a:off x="4325757" y="4967933"/>
+              <a:off x="4325757" y="4967904"/>
               <a:ext cx="2796732" cy="0"/>
             </a:xfrm>
             <a:custGeom>
@@ -18063,7 +18063,7 @@
           </p:nvSpPr>
           <p:spPr>
             <a:xfrm>
-              <a:off x="4325757" y="4513952"/>
+              <a:off x="4325757" y="4513938"/>
               <a:ext cx="2796732" cy="0"/>
             </a:xfrm>
             <a:custGeom>
@@ -18149,7 +18149,7 @@
           </p:nvSpPr>
           <p:spPr>
             <a:xfrm>
-              <a:off x="4325757" y="3605989"/>
+              <a:off x="4325757" y="3606005"/>
               <a:ext cx="2796732" cy="0"/>
             </a:xfrm>
             <a:custGeom>
@@ -18321,7 +18321,7 @@
           </p:nvSpPr>
           <p:spPr>
             <a:xfrm>
-              <a:off x="4771871" y="4367035"/>
+              <a:off x="4704323" y="4367029"/>
               <a:ext cx="63202" cy="63202"/>
             </a:xfrm>
             <a:custGeom>
@@ -18364,7 +18364,7 @@
           </p:nvSpPr>
           <p:spPr>
             <a:xfrm>
-              <a:off x="4471443" y="4304811"/>
+              <a:off x="5127119" y="4304787"/>
               <a:ext cx="63202" cy="63202"/>
             </a:xfrm>
             <a:custGeom>
@@ -18407,7 +18407,7 @@
           </p:nvSpPr>
           <p:spPr>
             <a:xfrm>
-              <a:off x="6024466" y="4227895"/>
+              <a:off x="5562619" y="4227886"/>
               <a:ext cx="63202" cy="63202"/>
             </a:xfrm>
             <a:custGeom>
@@ -18450,7 +18450,7 @@
           </p:nvSpPr>
           <p:spPr>
             <a:xfrm>
-              <a:off x="6386623" y="4769073"/>
+              <a:off x="6727026" y="4769067"/>
               <a:ext cx="63202" cy="63202"/>
             </a:xfrm>
             <a:custGeom>
@@ -18493,7 +18493,7 @@
           </p:nvSpPr>
           <p:spPr>
             <a:xfrm>
-              <a:off x="6338036" y="4883747"/>
+              <a:off x="6473551" y="4883747"/>
               <a:ext cx="63202" cy="63202"/>
             </a:xfrm>
             <a:custGeom>
@@ -18536,7 +18536,7 @@
           </p:nvSpPr>
           <p:spPr>
             <a:xfrm>
-              <a:off x="6255539" y="4687370"/>
+              <a:off x="6796244" y="4687363"/>
               <a:ext cx="63202" cy="63202"/>
             </a:xfrm>
             <a:custGeom>
@@ -18579,7 +18579,7 @@
           </p:nvSpPr>
           <p:spPr>
             <a:xfrm>
-              <a:off x="6297674" y="4864387"/>
+              <a:off x="6508411" y="4864366"/>
               <a:ext cx="63202" cy="63202"/>
             </a:xfrm>
             <a:custGeom>
@@ -18678,7 +18678,7 @@
           </p:nvSpPr>
           <p:spPr>
             <a:xfrm>
-              <a:off x="4325757" y="6666275"/>
+              <a:off x="4325757" y="6666253"/>
               <a:ext cx="2796732" cy="0"/>
             </a:xfrm>
             <a:custGeom>
@@ -18721,7 +18721,7 @@
           </p:nvSpPr>
           <p:spPr>
             <a:xfrm>
-              <a:off x="4325757" y="6212294"/>
+              <a:off x="4325757" y="6212287"/>
               <a:ext cx="2796732" cy="0"/>
             </a:xfrm>
             <a:custGeom>
@@ -18764,7 +18764,7 @@
           </p:nvSpPr>
           <p:spPr>
             <a:xfrm>
-              <a:off x="4325757" y="5758313"/>
+              <a:off x="4325757" y="5758321"/>
               <a:ext cx="2796732" cy="0"/>
             </a:xfrm>
             <a:custGeom>
@@ -18807,7 +18807,7 @@
           </p:nvSpPr>
           <p:spPr>
             <a:xfrm>
-              <a:off x="4325757" y="5304331"/>
+              <a:off x="4325757" y="5304354"/>
               <a:ext cx="2796732" cy="0"/>
             </a:xfrm>
             <a:custGeom>
@@ -18850,7 +18850,7 @@
           </p:nvSpPr>
           <p:spPr>
             <a:xfrm>
-              <a:off x="4325757" y="6893265"/>
+              <a:off x="4325757" y="6893237"/>
               <a:ext cx="2796732" cy="0"/>
             </a:xfrm>
             <a:custGeom>
@@ -18893,7 +18893,7 @@
           </p:nvSpPr>
           <p:spPr>
             <a:xfrm>
-              <a:off x="4325757" y="6439284"/>
+              <a:off x="4325757" y="6439270"/>
               <a:ext cx="2796732" cy="0"/>
             </a:xfrm>
             <a:custGeom>
@@ -18936,7 +18936,7 @@
           </p:nvSpPr>
           <p:spPr>
             <a:xfrm>
-              <a:off x="4325757" y="5985303"/>
+              <a:off x="4325757" y="5985304"/>
               <a:ext cx="2796732" cy="0"/>
             </a:xfrm>
             <a:custGeom>
@@ -18979,7 +18979,7 @@
           </p:nvSpPr>
           <p:spPr>
             <a:xfrm>
-              <a:off x="4325757" y="5531322"/>
+              <a:off x="4325757" y="5531337"/>
               <a:ext cx="2796732" cy="0"/>
             </a:xfrm>
             <a:custGeom>
@@ -19151,7 +19151,7 @@
           </p:nvSpPr>
           <p:spPr>
             <a:xfrm>
-              <a:off x="4869948" y="5890194"/>
+              <a:off x="4926094" y="5890201"/>
               <a:ext cx="63202" cy="63202"/>
             </a:xfrm>
             <a:custGeom>
@@ -19194,7 +19194,7 @@
           </p:nvSpPr>
           <p:spPr>
             <a:xfrm>
-              <a:off x="4846909" y="5865703"/>
+              <a:off x="5093100" y="5865731"/>
               <a:ext cx="63202" cy="63202"/>
             </a:xfrm>
             <a:custGeom>
@@ -19237,7 +19237,7 @@
           </p:nvSpPr>
           <p:spPr>
             <a:xfrm>
-              <a:off x="5063006" y="5923222"/>
+              <a:off x="4495879" y="5923251"/>
               <a:ext cx="63202" cy="63202"/>
             </a:xfrm>
             <a:custGeom>
@@ -19280,7 +19280,7 @@
           </p:nvSpPr>
           <p:spPr>
             <a:xfrm>
-              <a:off x="4647658" y="5811790"/>
+              <a:off x="5031442" y="5811787"/>
               <a:ext cx="63202" cy="63202"/>
             </a:xfrm>
             <a:custGeom>
@@ -19323,7 +19323,7 @@
           </p:nvSpPr>
           <p:spPr>
             <a:xfrm>
-              <a:off x="4795740" y="5866202"/>
+              <a:off x="4968831" y="5866219"/>
               <a:ext cx="63202" cy="63202"/>
             </a:xfrm>
             <a:custGeom>
@@ -19366,7 +19366,7 @@
           </p:nvSpPr>
           <p:spPr>
             <a:xfrm>
-              <a:off x="5113862" y="5881779"/>
+              <a:off x="4475574" y="5881791"/>
               <a:ext cx="63202" cy="63202"/>
             </a:xfrm>
             <a:custGeom>
@@ -19409,7 +19409,7 @@
           </p:nvSpPr>
           <p:spPr>
             <a:xfrm>
-              <a:off x="4879905" y="5864280"/>
+              <a:off x="4611339" y="5864278"/>
               <a:ext cx="63202" cy="63202"/>
             </a:xfrm>
             <a:custGeom>
@@ -19452,7 +19452,7 @@
           </p:nvSpPr>
           <p:spPr>
             <a:xfrm>
-              <a:off x="4940371" y="5933017"/>
+              <a:off x="4659391" y="5933015"/>
               <a:ext cx="63202" cy="63202"/>
             </a:xfrm>
             <a:custGeom>
@@ -19495,7 +19495,7 @@
           </p:nvSpPr>
           <p:spPr>
             <a:xfrm>
-              <a:off x="4486194" y="6091317"/>
+              <a:off x="4507850" y="6091301"/>
               <a:ext cx="63202" cy="63202"/>
             </a:xfrm>
             <a:custGeom>
@@ -19538,7 +19538,7 @@
           </p:nvSpPr>
           <p:spPr>
             <a:xfrm>
-              <a:off x="5115550" y="5923094"/>
+              <a:off x="5131771" y="5923115"/>
               <a:ext cx="63202" cy="63202"/>
             </a:xfrm>
             <a:custGeom>
@@ -19581,7 +19581,7 @@
           </p:nvSpPr>
           <p:spPr>
             <a:xfrm>
-              <a:off x="4963293" y="5929719"/>
+              <a:off x="4937078" y="5929726"/>
               <a:ext cx="63202" cy="63202"/>
             </a:xfrm>
             <a:custGeom>
@@ -19624,7 +19624,7 @@
           </p:nvSpPr>
           <p:spPr>
             <a:xfrm>
-              <a:off x="4474513" y="6079848"/>
+              <a:off x="4592376" y="6079846"/>
               <a:ext cx="63202" cy="63202"/>
             </a:xfrm>
             <a:custGeom>
@@ -19667,7 +19667,7 @@
           </p:nvSpPr>
           <p:spPr>
             <a:xfrm>
-              <a:off x="4815417" y="6082040"/>
+              <a:off x="4980321" y="6082055"/>
               <a:ext cx="63202" cy="63202"/>
             </a:xfrm>
             <a:custGeom>
@@ -19710,7 +19710,7 @@
           </p:nvSpPr>
           <p:spPr>
             <a:xfrm>
-              <a:off x="4742201" y="5899862"/>
+              <a:off x="4577990" y="5899858"/>
               <a:ext cx="63202" cy="63202"/>
             </a:xfrm>
             <a:custGeom>
@@ -19753,7 +19753,7 @@
           </p:nvSpPr>
           <p:spPr>
             <a:xfrm>
-              <a:off x="4838774" y="5930363"/>
+              <a:off x="4770699" y="5930373"/>
               <a:ext cx="63202" cy="63202"/>
             </a:xfrm>
             <a:custGeom>
@@ -19796,7 +19796,7 @@
           </p:nvSpPr>
           <p:spPr>
             <a:xfrm>
-              <a:off x="4958477" y="5848201"/>
+              <a:off x="5139638" y="5848201"/>
               <a:ext cx="63202" cy="63202"/>
             </a:xfrm>
             <a:custGeom>
@@ -19839,7 +19839,7 @@
           </p:nvSpPr>
           <p:spPr>
             <a:xfrm>
-              <a:off x="4937481" y="5912168"/>
+              <a:off x="4729205" y="5912177"/>
               <a:ext cx="63202" cy="63202"/>
             </a:xfrm>
             <a:custGeom>
@@ -19882,7 +19882,7 @@
           </p:nvSpPr>
           <p:spPr>
             <a:xfrm>
-              <a:off x="4631052" y="5859912"/>
+              <a:off x="5096005" y="5859901"/>
               <a:ext cx="63202" cy="63202"/>
             </a:xfrm>
             <a:custGeom>
@@ -19925,7 +19925,7 @@
           </p:nvSpPr>
           <p:spPr>
             <a:xfrm>
-              <a:off x="4701799" y="5887041"/>
+              <a:off x="5025451" y="5887062"/>
               <a:ext cx="63202" cy="63202"/>
             </a:xfrm>
             <a:custGeom>
@@ -19968,7 +19968,7 @@
           </p:nvSpPr>
           <p:spPr>
             <a:xfrm>
-              <a:off x="5090955" y="5845330"/>
+              <a:off x="4771299" y="5845337"/>
               <a:ext cx="63202" cy="63202"/>
             </a:xfrm>
             <a:custGeom>
@@ -20011,7 +20011,7 @@
           </p:nvSpPr>
           <p:spPr>
             <a:xfrm>
-              <a:off x="5147528" y="6194705"/>
+              <a:off x="4971262" y="6194726"/>
               <a:ext cx="63202" cy="63202"/>
             </a:xfrm>
             <a:custGeom>
@@ -20054,7 +20054,7 @@
           </p:nvSpPr>
           <p:spPr>
             <a:xfrm>
-              <a:off x="5131644" y="5886021"/>
+              <a:off x="4894444" y="5886006"/>
               <a:ext cx="63202" cy="63202"/>
             </a:xfrm>
             <a:custGeom>
@@ -20097,7 +20097,7 @@
           </p:nvSpPr>
           <p:spPr>
             <a:xfrm>
-              <a:off x="4680580" y="5883635"/>
+              <a:off x="5077263" y="5883648"/>
               <a:ext cx="63202" cy="63202"/>
             </a:xfrm>
             <a:custGeom>
@@ -20140,7 +20140,7 @@
           </p:nvSpPr>
           <p:spPr>
             <a:xfrm>
-              <a:off x="4568691" y="5854737"/>
+              <a:off x="5125977" y="5854754"/>
               <a:ext cx="63202" cy="63202"/>
             </a:xfrm>
             <a:custGeom>
@@ -20183,7 +20183,7 @@
           </p:nvSpPr>
           <p:spPr>
             <a:xfrm>
-              <a:off x="5086293" y="5863916"/>
+              <a:off x="5141751" y="5863901"/>
               <a:ext cx="63202" cy="63202"/>
             </a:xfrm>
             <a:custGeom>
@@ -20226,7 +20226,7 @@
           </p:nvSpPr>
           <p:spPr>
             <a:xfrm>
-              <a:off x="5078985" y="5882655"/>
+              <a:off x="5112035" y="5882667"/>
               <a:ext cx="63202" cy="63202"/>
             </a:xfrm>
             <a:custGeom>
@@ -20269,7 +20269,7 @@
           </p:nvSpPr>
           <p:spPr>
             <a:xfrm>
-              <a:off x="5163092" y="5881571"/>
+              <a:off x="4593575" y="5881582"/>
               <a:ext cx="63202" cy="63202"/>
             </a:xfrm>
             <a:custGeom>
@@ -20312,7 +20312,7 @@
           </p:nvSpPr>
           <p:spPr>
             <a:xfrm>
-              <a:off x="4519905" y="5865635"/>
+              <a:off x="4531047" y="5865628"/>
               <a:ext cx="63202" cy="63202"/>
             </a:xfrm>
             <a:custGeom>
@@ -20355,7 +20355,7 @@
           </p:nvSpPr>
           <p:spPr>
             <a:xfrm>
-              <a:off x="4519298" y="5922771"/>
+              <a:off x="4916694" y="5922780"/>
               <a:ext cx="63202" cy="63202"/>
             </a:xfrm>
             <a:custGeom>
@@ -20398,7 +20398,7 @@
           </p:nvSpPr>
           <p:spPr>
             <a:xfrm>
-              <a:off x="5015416" y="5901266"/>
+              <a:off x="5146362" y="5901260"/>
               <a:ext cx="63202" cy="63202"/>
             </a:xfrm>
             <a:custGeom>
@@ -20441,7 +20441,7 @@
           </p:nvSpPr>
           <p:spPr>
             <a:xfrm>
-              <a:off x="5162555" y="5889066"/>
+              <a:off x="4824906" y="5889070"/>
               <a:ext cx="63202" cy="63202"/>
             </a:xfrm>
             <a:custGeom>
@@ -20484,7 +20484,7 @@
           </p:nvSpPr>
           <p:spPr>
             <a:xfrm>
-              <a:off x="5017880" y="5854742"/>
+              <a:off x="4886552" y="5854726"/>
               <a:ext cx="63202" cy="63202"/>
             </a:xfrm>
             <a:custGeom>
@@ -20527,7 +20527,7 @@
           </p:nvSpPr>
           <p:spPr>
             <a:xfrm>
-              <a:off x="5124403" y="5864285"/>
+              <a:off x="4882406" y="5864267"/>
               <a:ext cx="63202" cy="63202"/>
             </a:xfrm>
             <a:custGeom>
@@ -20570,7 +20570,7 @@
           </p:nvSpPr>
           <p:spPr>
             <a:xfrm>
-              <a:off x="4890060" y="5864265"/>
+              <a:off x="4695684" y="5864264"/>
               <a:ext cx="63202" cy="63202"/>
             </a:xfrm>
             <a:custGeom>
@@ -20613,7 +20613,7 @@
           </p:nvSpPr>
           <p:spPr>
             <a:xfrm>
-              <a:off x="4760761" y="5889206"/>
+              <a:off x="4517032" y="5889182"/>
               <a:ext cx="63202" cy="63202"/>
             </a:xfrm>
             <a:custGeom>
@@ -20656,7 +20656,7 @@
           </p:nvSpPr>
           <p:spPr>
             <a:xfrm>
-              <a:off x="4953556" y="5890044"/>
+              <a:off x="4653029" y="5890045"/>
               <a:ext cx="63202" cy="63202"/>
             </a:xfrm>
             <a:custGeom>
@@ -20699,7 +20699,7 @@
           </p:nvSpPr>
           <p:spPr>
             <a:xfrm>
-              <a:off x="4974029" y="6023416"/>
+              <a:off x="5103635" y="6023439"/>
               <a:ext cx="63202" cy="63202"/>
             </a:xfrm>
             <a:custGeom>
@@ -20742,7 +20742,7 @@
           </p:nvSpPr>
           <p:spPr>
             <a:xfrm>
-              <a:off x="5090037" y="5857721"/>
+              <a:off x="4725625" y="5857735"/>
               <a:ext cx="63202" cy="63202"/>
             </a:xfrm>
             <a:custGeom>
@@ -20785,7 +20785,7 @@
           </p:nvSpPr>
           <p:spPr>
             <a:xfrm>
-              <a:off x="4823274" y="5892125"/>
+              <a:off x="4875654" y="5892158"/>
               <a:ext cx="63202" cy="63202"/>
             </a:xfrm>
             <a:custGeom>
@@ -20828,7 +20828,7 @@
           </p:nvSpPr>
           <p:spPr>
             <a:xfrm>
-              <a:off x="4886675" y="5917821"/>
+              <a:off x="5089237" y="5917836"/>
               <a:ext cx="63202" cy="63202"/>
             </a:xfrm>
             <a:custGeom>
@@ -20871,7 +20871,7 @@
           </p:nvSpPr>
           <p:spPr>
             <a:xfrm>
-              <a:off x="4814711" y="5862014"/>
+              <a:off x="4981300" y="5862001"/>
               <a:ext cx="63202" cy="63202"/>
             </a:xfrm>
             <a:custGeom>
@@ -20914,7 +20914,7 @@
           </p:nvSpPr>
           <p:spPr>
             <a:xfrm>
-              <a:off x="4970460" y="5878779"/>
+              <a:off x="4748548" y="5878806"/>
               <a:ext cx="63202" cy="63202"/>
             </a:xfrm>
             <a:custGeom>
@@ -20957,7 +20957,7 @@
           </p:nvSpPr>
           <p:spPr>
             <a:xfrm>
-              <a:off x="4553279" y="6183798"/>
+              <a:off x="5014282" y="6183790"/>
               <a:ext cx="63202" cy="63202"/>
             </a:xfrm>
             <a:custGeom>
@@ -21000,7 +21000,7 @@
           </p:nvSpPr>
           <p:spPr>
             <a:xfrm>
-              <a:off x="5015045" y="5889683"/>
+              <a:off x="4582222" y="5889705"/>
               <a:ext cx="63202" cy="63202"/>
             </a:xfrm>
             <a:custGeom>
@@ -21043,7 +21043,7 @@
           </p:nvSpPr>
           <p:spPr>
             <a:xfrm>
-              <a:off x="4481146" y="6015775"/>
+              <a:off x="5001627" y="6015769"/>
               <a:ext cx="63202" cy="63202"/>
             </a:xfrm>
             <a:custGeom>
@@ -21086,7 +21086,7 @@
           </p:nvSpPr>
           <p:spPr>
             <a:xfrm>
-              <a:off x="4995027" y="5864145"/>
+              <a:off x="4726490" y="5864150"/>
               <a:ext cx="63202" cy="63202"/>
             </a:xfrm>
             <a:custGeom>
@@ -21129,7 +21129,7 @@
           </p:nvSpPr>
           <p:spPr>
             <a:xfrm>
-              <a:off x="4590812" y="6004260"/>
+              <a:off x="5161529" y="6004266"/>
               <a:ext cx="63202" cy="63202"/>
             </a:xfrm>
             <a:custGeom>
@@ -21172,7 +21172,7 @@
           </p:nvSpPr>
           <p:spPr>
             <a:xfrm>
-              <a:off x="4536366" y="5866948"/>
+              <a:off x="5025946" y="5866943"/>
               <a:ext cx="63202" cy="63202"/>
             </a:xfrm>
             <a:custGeom>
@@ -21215,7 +21215,7 @@
           </p:nvSpPr>
           <p:spPr>
             <a:xfrm>
-              <a:off x="4896025" y="5898581"/>
+              <a:off x="4577527" y="5898607"/>
               <a:ext cx="63202" cy="63202"/>
             </a:xfrm>
             <a:custGeom>
@@ -21258,7 +21258,7 @@
           </p:nvSpPr>
           <p:spPr>
             <a:xfrm>
-              <a:off x="4611224" y="5875287"/>
+              <a:off x="4612405" y="5875311"/>
               <a:ext cx="63202" cy="63202"/>
             </a:xfrm>
             <a:custGeom>
@@ -21301,7 +21301,7 @@
           </p:nvSpPr>
           <p:spPr>
             <a:xfrm>
-              <a:off x="4497757" y="5939571"/>
+              <a:off x="4982805" y="5939576"/>
               <a:ext cx="63202" cy="63202"/>
             </a:xfrm>
             <a:custGeom>
@@ -21344,7 +21344,7 @@
           </p:nvSpPr>
           <p:spPr>
             <a:xfrm>
-              <a:off x="4837955" y="5899140"/>
+              <a:off x="4633717" y="5899124"/>
               <a:ext cx="63202" cy="63202"/>
             </a:xfrm>
             <a:custGeom>
@@ -21387,7 +21387,7 @@
           </p:nvSpPr>
           <p:spPr>
             <a:xfrm>
-              <a:off x="4771618" y="6159341"/>
+              <a:off x="5124399" y="6159336"/>
               <a:ext cx="63202" cy="63202"/>
             </a:xfrm>
             <a:custGeom>
@@ -21430,7 +21430,7 @@
           </p:nvSpPr>
           <p:spPr>
             <a:xfrm>
-              <a:off x="5000781" y="6107709"/>
+              <a:off x="5011677" y="6107693"/>
               <a:ext cx="63202" cy="63202"/>
             </a:xfrm>
             <a:custGeom>
@@ -21473,7 +21473,7 @@
           </p:nvSpPr>
           <p:spPr>
             <a:xfrm>
-              <a:off x="5107717" y="5862853"/>
+              <a:off x="4645154" y="5862847"/>
               <a:ext cx="63202" cy="63202"/>
             </a:xfrm>
             <a:custGeom>
@@ -21516,7 +21516,7 @@
           </p:nvSpPr>
           <p:spPr>
             <a:xfrm>
-              <a:off x="4910656" y="5917152"/>
+              <a:off x="5129252" y="5917166"/>
               <a:ext cx="63202" cy="63202"/>
             </a:xfrm>
             <a:custGeom>
@@ -21559,7 +21559,7 @@
           </p:nvSpPr>
           <p:spPr>
             <a:xfrm>
-              <a:off x="5063579" y="5988924"/>
+              <a:off x="4651723" y="5988924"/>
               <a:ext cx="63202" cy="63202"/>
             </a:xfrm>
             <a:custGeom>
@@ -21602,7 +21602,7 @@
           </p:nvSpPr>
           <p:spPr>
             <a:xfrm>
-              <a:off x="4893438" y="5870018"/>
+              <a:off x="4481115" y="5870049"/>
               <a:ext cx="63202" cy="63202"/>
             </a:xfrm>
             <a:custGeom>
@@ -21645,7 +21645,7 @@
           </p:nvSpPr>
           <p:spPr>
             <a:xfrm>
-              <a:off x="4783862" y="5858815"/>
+              <a:off x="5166483" y="5858818"/>
               <a:ext cx="63202" cy="63202"/>
             </a:xfrm>
             <a:custGeom>
@@ -21688,7 +21688,7 @@
           </p:nvSpPr>
           <p:spPr>
             <a:xfrm>
-              <a:off x="4667057" y="5924795"/>
+              <a:off x="4779305" y="5924792"/>
               <a:ext cx="63202" cy="63202"/>
             </a:xfrm>
             <a:custGeom>
@@ -21731,7 +21731,7 @@
           </p:nvSpPr>
           <p:spPr>
             <a:xfrm>
-              <a:off x="4799958" y="5925343"/>
+              <a:off x="5147173" y="5925344"/>
               <a:ext cx="63202" cy="63202"/>
             </a:xfrm>
             <a:custGeom>
@@ -21774,7 +21774,7 @@
           </p:nvSpPr>
           <p:spPr>
             <a:xfrm>
-              <a:off x="4616117" y="5931816"/>
+              <a:off x="4931444" y="5931824"/>
               <a:ext cx="63202" cy="63202"/>
             </a:xfrm>
             <a:custGeom>
@@ -21817,7 +21817,7 @@
           </p:nvSpPr>
           <p:spPr>
             <a:xfrm>
-              <a:off x="4651983" y="6193681"/>
+              <a:off x="4832677" y="6193682"/>
               <a:ext cx="63202" cy="63202"/>
             </a:xfrm>
             <a:custGeom>
@@ -21860,7 +21860,7 @@
           </p:nvSpPr>
           <p:spPr>
             <a:xfrm>
-              <a:off x="4669706" y="5866985"/>
+              <a:off x="4977414" y="5866979"/>
               <a:ext cx="63202" cy="63202"/>
             </a:xfrm>
             <a:custGeom>
@@ -21903,7 +21903,7 @@
           </p:nvSpPr>
           <p:spPr>
             <a:xfrm>
-              <a:off x="4830146" y="5878555"/>
+              <a:off x="4541573" y="5878580"/>
               <a:ext cx="63202" cy="63202"/>
             </a:xfrm>
             <a:custGeom>
@@ -21946,7 +21946,7 @@
           </p:nvSpPr>
           <p:spPr>
             <a:xfrm>
-              <a:off x="4716549" y="5930813"/>
+              <a:off x="4843985" y="5930838"/>
               <a:ext cx="63202" cy="63202"/>
             </a:xfrm>
             <a:custGeom>
@@ -21989,7 +21989,7 @@
           </p:nvSpPr>
           <p:spPr>
             <a:xfrm>
-              <a:off x="4961504" y="5874303"/>
+              <a:off x="4811435" y="5874296"/>
               <a:ext cx="63202" cy="63202"/>
             </a:xfrm>
             <a:custGeom>
@@ -22032,7 +22032,7 @@
           </p:nvSpPr>
           <p:spPr>
             <a:xfrm>
-              <a:off x="4848568" y="5872163"/>
+              <a:off x="5129064" y="5872183"/>
               <a:ext cx="63202" cy="63202"/>
             </a:xfrm>
             <a:custGeom>
@@ -22075,7 +22075,7 @@
           </p:nvSpPr>
           <p:spPr>
             <a:xfrm>
-              <a:off x="4939415" y="6101592"/>
+              <a:off x="4832200" y="6101587"/>
               <a:ext cx="63202" cy="63202"/>
             </a:xfrm>
             <a:custGeom>
@@ -22118,7 +22118,7 @@
           </p:nvSpPr>
           <p:spPr>
             <a:xfrm>
-              <a:off x="4577088" y="5858974"/>
+              <a:off x="5057867" y="5858954"/>
               <a:ext cx="63202" cy="63202"/>
             </a:xfrm>
             <a:custGeom>
@@ -22161,7 +22161,7 @@
           </p:nvSpPr>
           <p:spPr>
             <a:xfrm>
-              <a:off x="4630243" y="5861499"/>
+              <a:off x="4826303" y="5861491"/>
               <a:ext cx="63202" cy="63202"/>
             </a:xfrm>
             <a:custGeom>
@@ -22204,7 +22204,7 @@
           </p:nvSpPr>
           <p:spPr>
             <a:xfrm>
-              <a:off x="4756292" y="5851513"/>
+              <a:off x="4500563" y="5851511"/>
               <a:ext cx="63202" cy="63202"/>
             </a:xfrm>
             <a:custGeom>
@@ -22247,7 +22247,7 @@
           </p:nvSpPr>
           <p:spPr>
             <a:xfrm>
-              <a:off x="4929700" y="6108900"/>
+              <a:off x="4710466" y="6108929"/>
               <a:ext cx="63202" cy="63202"/>
             </a:xfrm>
             <a:custGeom>
@@ -22290,7 +22290,7 @@
           </p:nvSpPr>
           <p:spPr>
             <a:xfrm>
-              <a:off x="5151385" y="5865430"/>
+              <a:off x="4898903" y="5865461"/>
               <a:ext cx="63202" cy="63202"/>
             </a:xfrm>
             <a:custGeom>
@@ -22333,7 +22333,7 @@
           </p:nvSpPr>
           <p:spPr>
             <a:xfrm>
-              <a:off x="4484553" y="5869656"/>
+              <a:off x="4717801" y="5869665"/>
               <a:ext cx="63202" cy="63202"/>
             </a:xfrm>
             <a:custGeom>
@@ -22376,7 +22376,7 @@
           </p:nvSpPr>
           <p:spPr>
             <a:xfrm>
-              <a:off x="4505886" y="6004265"/>
+              <a:off x="5150599" y="6004275"/>
               <a:ext cx="63202" cy="63202"/>
             </a:xfrm>
             <a:custGeom>
@@ -22419,7 +22419,7 @@
           </p:nvSpPr>
           <p:spPr>
             <a:xfrm>
-              <a:off x="4711183" y="5931467"/>
+              <a:off x="4673501" y="5931450"/>
               <a:ext cx="63202" cy="63202"/>
             </a:xfrm>
             <a:custGeom>
@@ -22462,7 +22462,7 @@
           </p:nvSpPr>
           <p:spPr>
             <a:xfrm>
-              <a:off x="4826997" y="5927886"/>
+              <a:off x="4843733" y="5927882"/>
               <a:ext cx="63202" cy="63202"/>
             </a:xfrm>
             <a:custGeom>
@@ -22505,7 +22505,7 @@
           </p:nvSpPr>
           <p:spPr>
             <a:xfrm>
-              <a:off x="4731534" y="5870999"/>
+              <a:off x="4635878" y="5870979"/>
               <a:ext cx="63202" cy="63202"/>
             </a:xfrm>
             <a:custGeom>
@@ -22548,7 +22548,7 @@
           </p:nvSpPr>
           <p:spPr>
             <a:xfrm>
-              <a:off x="4990360" y="5871451"/>
+              <a:off x="5012072" y="5871441"/>
               <a:ext cx="63202" cy="63202"/>
             </a:xfrm>
             <a:custGeom>
@@ -22591,7 +22591,7 @@
           </p:nvSpPr>
           <p:spPr>
             <a:xfrm>
-              <a:off x="4809950" y="5891973"/>
+              <a:off x="4771557" y="5891945"/>
               <a:ext cx="63202" cy="63202"/>
             </a:xfrm>
             <a:custGeom>
@@ -22634,7 +22634,7 @@
           </p:nvSpPr>
           <p:spPr>
             <a:xfrm>
-              <a:off x="5040677" y="6126499"/>
+              <a:off x="4722475" y="6126484"/>
               <a:ext cx="63202" cy="63202"/>
             </a:xfrm>
             <a:custGeom>
@@ -22677,7 +22677,7 @@
           </p:nvSpPr>
           <p:spPr>
             <a:xfrm>
-              <a:off x="4768299" y="6319743"/>
+              <a:off x="4868502" y="6319732"/>
               <a:ext cx="63202" cy="63202"/>
             </a:xfrm>
             <a:custGeom>
@@ -22720,7 +22720,7 @@
           </p:nvSpPr>
           <p:spPr>
             <a:xfrm>
-              <a:off x="4916464" y="5891132"/>
+              <a:off x="4540751" y="5891157"/>
               <a:ext cx="63202" cy="63202"/>
             </a:xfrm>
             <a:custGeom>
@@ -22763,7 +22763,7 @@
           </p:nvSpPr>
           <p:spPr>
             <a:xfrm>
-              <a:off x="4877913" y="6680423"/>
+              <a:off x="4548496" y="6680414"/>
               <a:ext cx="63202" cy="63202"/>
             </a:xfrm>
             <a:custGeom>
@@ -22806,7 +22806,7 @@
           </p:nvSpPr>
           <p:spPr>
             <a:xfrm>
-              <a:off x="4954828" y="5940439"/>
+              <a:off x="4589435" y="5940435"/>
               <a:ext cx="63202" cy="63202"/>
             </a:xfrm>
             <a:custGeom>
@@ -22849,7 +22849,7 @@
           </p:nvSpPr>
           <p:spPr>
             <a:xfrm>
-              <a:off x="5050591" y="5897289"/>
+              <a:off x="4546602" y="5897288"/>
               <a:ext cx="63202" cy="63202"/>
             </a:xfrm>
             <a:custGeom>
@@ -22892,7 +22892,7 @@
           </p:nvSpPr>
           <p:spPr>
             <a:xfrm>
-              <a:off x="5069053" y="5856112"/>
+              <a:off x="5050440" y="5856110"/>
               <a:ext cx="63202" cy="63202"/>
             </a:xfrm>
             <a:custGeom>
@@ -22935,7 +22935,7 @@
           </p:nvSpPr>
           <p:spPr>
             <a:xfrm>
-              <a:off x="4676909" y="5953596"/>
+              <a:off x="5049716" y="5953601"/>
               <a:ext cx="63202" cy="63202"/>
             </a:xfrm>
             <a:custGeom>
@@ -22978,7 +22978,7 @@
           </p:nvSpPr>
           <p:spPr>
             <a:xfrm>
-              <a:off x="4680275" y="5869569"/>
+              <a:off x="4820743" y="5869573"/>
               <a:ext cx="63202" cy="63202"/>
             </a:xfrm>
             <a:custGeom>
@@ -23021,7 +23021,7 @@
           </p:nvSpPr>
           <p:spPr>
             <a:xfrm>
-              <a:off x="4880959" y="5923121"/>
+              <a:off x="4961119" y="5923090"/>
               <a:ext cx="63202" cy="63202"/>
             </a:xfrm>
             <a:custGeom>
@@ -23064,7 +23064,7 @@
           </p:nvSpPr>
           <p:spPr>
             <a:xfrm>
-              <a:off x="4781370" y="5932008"/>
+              <a:off x="4729461" y="5931997"/>
               <a:ext cx="63202" cy="63202"/>
             </a:xfrm>
             <a:custGeom>
@@ -23107,7 +23107,7 @@
           </p:nvSpPr>
           <p:spPr>
             <a:xfrm>
-              <a:off x="4892579" y="5947700"/>
+              <a:off x="4584500" y="5947723"/>
               <a:ext cx="63202" cy="63202"/>
             </a:xfrm>
             <a:custGeom>
@@ -23150,7 +23150,7 @@
           </p:nvSpPr>
           <p:spPr>
             <a:xfrm>
-              <a:off x="5007135" y="5874423"/>
+              <a:off x="4726226" y="5874447"/>
               <a:ext cx="63202" cy="63202"/>
             </a:xfrm>
             <a:custGeom>
@@ -23193,7 +23193,7 @@
           </p:nvSpPr>
           <p:spPr>
             <a:xfrm>
-              <a:off x="4473839" y="5879237"/>
+              <a:off x="4668570" y="5879242"/>
               <a:ext cx="63202" cy="63202"/>
             </a:xfrm>
             <a:custGeom>
@@ -23236,7 +23236,7 @@
           </p:nvSpPr>
           <p:spPr>
             <a:xfrm>
-              <a:off x="4627875" y="6126632"/>
+              <a:off x="5077910" y="6126619"/>
               <a:ext cx="63202" cy="63202"/>
             </a:xfrm>
             <a:custGeom>
@@ -23279,7 +23279,7 @@
           </p:nvSpPr>
           <p:spPr>
             <a:xfrm>
-              <a:off x="4754285" y="5862008"/>
+              <a:off x="5099974" y="5861995"/>
               <a:ext cx="63202" cy="63202"/>
             </a:xfrm>
             <a:custGeom>
@@ -23322,7 +23322,7 @@
           </p:nvSpPr>
           <p:spPr>
             <a:xfrm>
-              <a:off x="4515471" y="6132169"/>
+              <a:off x="5009790" y="6132148"/>
               <a:ext cx="63202" cy="63202"/>
             </a:xfrm>
             <a:custGeom>
@@ -23365,7 +23365,7 @@
           </p:nvSpPr>
           <p:spPr>
             <a:xfrm>
-              <a:off x="4851159" y="5908935"/>
+              <a:off x="4607245" y="5908950"/>
               <a:ext cx="63202" cy="63202"/>
             </a:xfrm>
             <a:custGeom>
@@ -23408,7 +23408,7 @@
           </p:nvSpPr>
           <p:spPr>
             <a:xfrm>
-              <a:off x="4817404" y="6042916"/>
+              <a:off x="5052418" y="6042900"/>
               <a:ext cx="63202" cy="63202"/>
             </a:xfrm>
             <a:custGeom>
@@ -23451,7 +23451,7 @@
           </p:nvSpPr>
           <p:spPr>
             <a:xfrm>
-              <a:off x="4767873" y="5920695"/>
+              <a:off x="4557679" y="5920716"/>
               <a:ext cx="63202" cy="63202"/>
             </a:xfrm>
             <a:custGeom>
@@ -23494,7 +23494,7 @@
           </p:nvSpPr>
           <p:spPr>
             <a:xfrm>
-              <a:off x="4967918" y="5921456"/>
+              <a:off x="4637462" y="5921488"/>
               <a:ext cx="63202" cy="63202"/>
             </a:xfrm>
             <a:custGeom>
@@ -23537,7 +23537,7 @@
           </p:nvSpPr>
           <p:spPr>
             <a:xfrm>
-              <a:off x="5156050" y="6072183"/>
+              <a:off x="4499284" y="6072198"/>
               <a:ext cx="63202" cy="63202"/>
             </a:xfrm>
             <a:custGeom>
@@ -23580,7 +23580,7 @@
           </p:nvSpPr>
           <p:spPr>
             <a:xfrm>
-              <a:off x="5142616" y="5871570"/>
+              <a:off x="5102038" y="5871595"/>
               <a:ext cx="63202" cy="63202"/>
             </a:xfrm>
             <a:custGeom>
@@ -23623,7 +23623,7 @@
           </p:nvSpPr>
           <p:spPr>
             <a:xfrm>
-              <a:off x="4751753" y="5854724"/>
+              <a:off x="4502198" y="5854731"/>
               <a:ext cx="63202" cy="63202"/>
             </a:xfrm>
             <a:custGeom>
@@ -23666,7 +23666,7 @@
           </p:nvSpPr>
           <p:spPr>
             <a:xfrm>
-              <a:off x="4517447" y="6086269"/>
+              <a:off x="4761329" y="6086261"/>
               <a:ext cx="63202" cy="63202"/>
             </a:xfrm>
             <a:custGeom>
@@ -23709,7 +23709,7 @@
           </p:nvSpPr>
           <p:spPr>
             <a:xfrm>
-              <a:off x="4574806" y="5869093"/>
+              <a:off x="4898627" y="5869071"/>
               <a:ext cx="63202" cy="63202"/>
             </a:xfrm>
             <a:custGeom>
@@ -23752,7 +23752,7 @@
           </p:nvSpPr>
           <p:spPr>
             <a:xfrm>
-              <a:off x="4536533" y="5936468"/>
+              <a:off x="4737711" y="5936439"/>
               <a:ext cx="63202" cy="63202"/>
             </a:xfrm>
             <a:custGeom>
@@ -23795,7 +23795,7 @@
           </p:nvSpPr>
           <p:spPr>
             <a:xfrm>
-              <a:off x="5116686" y="5868089"/>
+              <a:off x="5087274" y="5868069"/>
               <a:ext cx="63202" cy="63202"/>
             </a:xfrm>
             <a:custGeom>
@@ -23838,7 +23838,7 @@
           </p:nvSpPr>
           <p:spPr>
             <a:xfrm>
-              <a:off x="4578604" y="5850461"/>
+              <a:off x="4747775" y="5850478"/>
               <a:ext cx="63202" cy="63202"/>
             </a:xfrm>
             <a:custGeom>
@@ -23881,7 +23881,7 @@
           </p:nvSpPr>
           <p:spPr>
             <a:xfrm>
-              <a:off x="5150522" y="5849181"/>
+              <a:off x="4574325" y="5849196"/>
               <a:ext cx="63202" cy="63202"/>
             </a:xfrm>
             <a:custGeom>
@@ -23924,7 +23924,7 @@
           </p:nvSpPr>
           <p:spPr>
             <a:xfrm>
-              <a:off x="4719800" y="5849209"/>
+              <a:off x="4816926" y="5849186"/>
               <a:ext cx="63202" cy="63202"/>
             </a:xfrm>
             <a:custGeom>
@@ -23967,7 +23967,7 @@
           </p:nvSpPr>
           <p:spPr>
             <a:xfrm>
-              <a:off x="4921239" y="5857364"/>
+              <a:off x="5100934" y="5857379"/>
               <a:ext cx="63202" cy="63202"/>
             </a:xfrm>
             <a:custGeom>
@@ -24010,7 +24010,7 @@
           </p:nvSpPr>
           <p:spPr>
             <a:xfrm>
-              <a:off x="4492214" y="5883373"/>
+              <a:off x="4763872" y="5883399"/>
               <a:ext cx="63202" cy="63202"/>
             </a:xfrm>
             <a:custGeom>
@@ -24053,7 +24053,7 @@
           </p:nvSpPr>
           <p:spPr>
             <a:xfrm>
-              <a:off x="5090406" y="5909168"/>
+              <a:off x="5071645" y="5909166"/>
               <a:ext cx="63202" cy="63202"/>
             </a:xfrm>
             <a:custGeom>
@@ -24096,7 +24096,7 @@
           </p:nvSpPr>
           <p:spPr>
             <a:xfrm>
-              <a:off x="4928734" y="5866264"/>
+              <a:off x="5161365" y="5866255"/>
               <a:ext cx="63202" cy="63202"/>
             </a:xfrm>
             <a:custGeom>
@@ -24139,7 +24139,7 @@
           </p:nvSpPr>
           <p:spPr>
             <a:xfrm>
-              <a:off x="4497906" y="5945245"/>
+              <a:off x="4620999" y="5945260"/>
               <a:ext cx="63202" cy="63202"/>
             </a:xfrm>
             <a:custGeom>
@@ -24182,7 +24182,7 @@
           </p:nvSpPr>
           <p:spPr>
             <a:xfrm>
-              <a:off x="4941105" y="6091892"/>
+              <a:off x="4842979" y="6091883"/>
               <a:ext cx="63202" cy="63202"/>
             </a:xfrm>
             <a:custGeom>
@@ -24225,7 +24225,7 @@
           </p:nvSpPr>
           <p:spPr>
             <a:xfrm>
-              <a:off x="4840301" y="6031835"/>
+              <a:off x="5082122" y="6031841"/>
               <a:ext cx="63202" cy="63202"/>
             </a:xfrm>
             <a:custGeom>
@@ -24268,7 +24268,7 @@
           </p:nvSpPr>
           <p:spPr>
             <a:xfrm>
-              <a:off x="4929564" y="5901420"/>
+              <a:off x="4954750" y="5901388"/>
               <a:ext cx="63202" cy="63202"/>
             </a:xfrm>
             <a:custGeom>
@@ -24311,7 +24311,7 @@
           </p:nvSpPr>
           <p:spPr>
             <a:xfrm>
-              <a:off x="5104719" y="5885981"/>
+              <a:off x="4683816" y="5885971"/>
               <a:ext cx="63202" cy="63202"/>
             </a:xfrm>
             <a:custGeom>
@@ -24354,7 +24354,7 @@
           </p:nvSpPr>
           <p:spPr>
             <a:xfrm>
-              <a:off x="4946889" y="6176386"/>
+              <a:off x="4910291" y="6176368"/>
               <a:ext cx="63202" cy="63202"/>
             </a:xfrm>
             <a:custGeom>
@@ -24397,7 +24397,7 @@
           </p:nvSpPr>
           <p:spPr>
             <a:xfrm>
-              <a:off x="4720507" y="5985656"/>
+              <a:off x="4792612" y="5985652"/>
               <a:ext cx="63202" cy="63202"/>
             </a:xfrm>
             <a:custGeom>
@@ -24440,7 +24440,7 @@
           </p:nvSpPr>
           <p:spPr>
             <a:xfrm>
-              <a:off x="4861283" y="5887888"/>
+              <a:off x="4968560" y="5887879"/>
               <a:ext cx="63202" cy="63202"/>
             </a:xfrm>
             <a:custGeom>
@@ -24483,7 +24483,7 @@
           </p:nvSpPr>
           <p:spPr>
             <a:xfrm>
-              <a:off x="5091715" y="5868275"/>
+              <a:off x="4812685" y="5868248"/>
               <a:ext cx="63202" cy="63202"/>
             </a:xfrm>
             <a:custGeom>
@@ -24526,7 +24526,7 @@
           </p:nvSpPr>
           <p:spPr>
             <a:xfrm>
-              <a:off x="4960240" y="5935231"/>
+              <a:off x="4950844" y="5935218"/>
               <a:ext cx="63202" cy="63202"/>
             </a:xfrm>
             <a:custGeom>
@@ -24569,7 +24569,7 @@
           </p:nvSpPr>
           <p:spPr>
             <a:xfrm>
-              <a:off x="4890223" y="5892320"/>
+              <a:off x="4892201" y="5892342"/>
               <a:ext cx="63202" cy="63202"/>
             </a:xfrm>
             <a:custGeom>
@@ -24612,7 +24612,7 @@
           </p:nvSpPr>
           <p:spPr>
             <a:xfrm>
-              <a:off x="4696339" y="5858184"/>
+              <a:off x="5077603" y="5858172"/>
               <a:ext cx="63202" cy="63202"/>
             </a:xfrm>
             <a:custGeom>
@@ -24655,7 +24655,7 @@
           </p:nvSpPr>
           <p:spPr>
             <a:xfrm>
-              <a:off x="4651622" y="5863915"/>
+              <a:off x="4586118" y="5863894"/>
               <a:ext cx="63202" cy="63202"/>
             </a:xfrm>
             <a:custGeom>
@@ -24698,7 +24698,7 @@
           </p:nvSpPr>
           <p:spPr>
             <a:xfrm>
-              <a:off x="4723720" y="5876012"/>
+              <a:off x="4923708" y="5876031"/>
               <a:ext cx="63202" cy="63202"/>
             </a:xfrm>
             <a:custGeom>
@@ -24741,7 +24741,7 @@
           </p:nvSpPr>
           <p:spPr>
             <a:xfrm>
-              <a:off x="4616531" y="6083088"/>
+              <a:off x="4541400" y="6083092"/>
               <a:ext cx="63202" cy="63202"/>
             </a:xfrm>
             <a:custGeom>
@@ -24784,7 +24784,7 @@
           </p:nvSpPr>
           <p:spPr>
             <a:xfrm>
-              <a:off x="4747292" y="6339275"/>
+              <a:off x="4879200" y="6339249"/>
               <a:ext cx="63202" cy="63202"/>
             </a:xfrm>
             <a:custGeom>
@@ -24827,7 +24827,7 @@
           </p:nvSpPr>
           <p:spPr>
             <a:xfrm>
-              <a:off x="4959406" y="5904819"/>
+              <a:off x="4932481" y="5904798"/>
               <a:ext cx="63202" cy="63202"/>
             </a:xfrm>
             <a:custGeom>
@@ -24870,7 +24870,7 @@
           </p:nvSpPr>
           <p:spPr>
             <a:xfrm>
-              <a:off x="4924277" y="6357820"/>
+              <a:off x="5057246" y="6357817"/>
               <a:ext cx="63202" cy="63202"/>
             </a:xfrm>
             <a:custGeom>
@@ -24913,7 +24913,7 @@
           </p:nvSpPr>
           <p:spPr>
             <a:xfrm>
-              <a:off x="5054952" y="6076698"/>
+              <a:off x="4795794" y="6076675"/>
               <a:ext cx="63202" cy="63202"/>
             </a:xfrm>
             <a:custGeom>
@@ -24956,7 +24956,7 @@
           </p:nvSpPr>
           <p:spPr>
             <a:xfrm>
-              <a:off x="4520073" y="5876467"/>
+              <a:off x="5044417" y="5876499"/>
               <a:ext cx="63202" cy="63202"/>
             </a:xfrm>
             <a:custGeom>
@@ -24999,7 +24999,7 @@
           </p:nvSpPr>
           <p:spPr>
             <a:xfrm>
-              <a:off x="4691602" y="6068197"/>
+              <a:off x="4715820" y="6068197"/>
               <a:ext cx="63202" cy="63202"/>
             </a:xfrm>
             <a:custGeom>
@@ -25042,7 +25042,7 @@
           </p:nvSpPr>
           <p:spPr>
             <a:xfrm>
-              <a:off x="4722891" y="6079306"/>
+              <a:off x="4634425" y="6079299"/>
               <a:ext cx="63202" cy="63202"/>
             </a:xfrm>
             <a:custGeom>
@@ -25085,7 +25085,7 @@
           </p:nvSpPr>
           <p:spPr>
             <a:xfrm>
-              <a:off x="5027318" y="6141456"/>
+              <a:off x="4532077" y="6141458"/>
               <a:ext cx="63202" cy="63202"/>
             </a:xfrm>
             <a:custGeom>
@@ -25128,7 +25128,7 @@
           </p:nvSpPr>
           <p:spPr>
             <a:xfrm>
-              <a:off x="4499741" y="6080304"/>
+              <a:off x="4576016" y="6080327"/>
               <a:ext cx="63202" cy="63202"/>
             </a:xfrm>
             <a:custGeom>
@@ -25171,7 +25171,7 @@
           </p:nvSpPr>
           <p:spPr>
             <a:xfrm>
-              <a:off x="5102015" y="5911351"/>
+              <a:off x="4564236" y="5911331"/>
               <a:ext cx="63202" cy="63202"/>
             </a:xfrm>
             <a:custGeom>
@@ -25214,7 +25214,7 @@
           </p:nvSpPr>
           <p:spPr>
             <a:xfrm>
-              <a:off x="5048677" y="6005140"/>
+              <a:off x="5017768" y="6005125"/>
               <a:ext cx="63202" cy="63202"/>
             </a:xfrm>
             <a:custGeom>
@@ -25257,7 +25257,7 @@
           </p:nvSpPr>
           <p:spPr>
             <a:xfrm>
-              <a:off x="4691629" y="5921849"/>
+              <a:off x="4812726" y="5921829"/>
               <a:ext cx="63202" cy="63202"/>
             </a:xfrm>
             <a:custGeom>
@@ -25300,7 +25300,7 @@
           </p:nvSpPr>
           <p:spPr>
             <a:xfrm>
-              <a:off x="4991606" y="6113883"/>
+              <a:off x="4768800" y="6113867"/>
               <a:ext cx="63202" cy="63202"/>
             </a:xfrm>
             <a:custGeom>
@@ -25343,7 +25343,7 @@
           </p:nvSpPr>
           <p:spPr>
             <a:xfrm>
-              <a:off x="4483210" y="5975722"/>
+              <a:off x="4668657" y="5975714"/>
               <a:ext cx="63202" cy="63202"/>
             </a:xfrm>
             <a:custGeom>
@@ -25386,7 +25386,7 @@
           </p:nvSpPr>
           <p:spPr>
             <a:xfrm>
-              <a:off x="5047567" y="6117638"/>
+              <a:off x="4846010" y="6117623"/>
               <a:ext cx="63202" cy="63202"/>
             </a:xfrm>
             <a:custGeom>
@@ -25429,7 +25429,7 @@
           </p:nvSpPr>
           <p:spPr>
             <a:xfrm>
-              <a:off x="5076813" y="6068602"/>
+              <a:off x="4596734" y="6068618"/>
               <a:ext cx="63202" cy="63202"/>
             </a:xfrm>
             <a:custGeom>
@@ -25472,7 +25472,7 @@
           </p:nvSpPr>
           <p:spPr>
             <a:xfrm>
-              <a:off x="4780321" y="5999388"/>
+              <a:off x="4850283" y="5999359"/>
               <a:ext cx="63202" cy="63202"/>
             </a:xfrm>
             <a:custGeom>
@@ -25515,7 +25515,7 @@
           </p:nvSpPr>
           <p:spPr>
             <a:xfrm>
-              <a:off x="5037627" y="5913898"/>
+              <a:off x="4996350" y="5913907"/>
               <a:ext cx="63202" cy="63202"/>
             </a:xfrm>
             <a:custGeom>
@@ -25558,7 +25558,7 @@
           </p:nvSpPr>
           <p:spPr>
             <a:xfrm>
-              <a:off x="4584878" y="6085718"/>
+              <a:off x="5021782" y="6085710"/>
               <a:ext cx="63202" cy="63202"/>
             </a:xfrm>
             <a:custGeom>
@@ -25601,7 +25601,7 @@
           </p:nvSpPr>
           <p:spPr>
             <a:xfrm>
-              <a:off x="4996879" y="5936870"/>
+              <a:off x="4556914" y="5936877"/>
               <a:ext cx="63202" cy="63202"/>
             </a:xfrm>
             <a:custGeom>
@@ -25644,7 +25644,7 @@
           </p:nvSpPr>
           <p:spPr>
             <a:xfrm>
-              <a:off x="5074609" y="5900255"/>
+              <a:off x="5159453" y="5900275"/>
               <a:ext cx="63202" cy="63202"/>
             </a:xfrm>
             <a:custGeom>
@@ -25687,7 +25687,7 @@
           </p:nvSpPr>
           <p:spPr>
             <a:xfrm>
-              <a:off x="4674906" y="5896608"/>
+              <a:off x="5136392" y="5896583"/>
               <a:ext cx="63202" cy="63202"/>
             </a:xfrm>
             <a:custGeom>
@@ -25730,7 +25730,7 @@
           </p:nvSpPr>
           <p:spPr>
             <a:xfrm>
-              <a:off x="4937488" y="5892158"/>
+              <a:off x="4709656" y="5892143"/>
               <a:ext cx="63202" cy="63202"/>
             </a:xfrm>
             <a:custGeom>
@@ -25773,7 +25773,7 @@
           </p:nvSpPr>
           <p:spPr>
             <a:xfrm>
-              <a:off x="5131719" y="6170708"/>
+              <a:off x="4950141" y="6170691"/>
               <a:ext cx="63202" cy="63202"/>
             </a:xfrm>
             <a:custGeom>
@@ -25816,7 +25816,7 @@
           </p:nvSpPr>
           <p:spPr>
             <a:xfrm>
-              <a:off x="4710839" y="5916236"/>
+              <a:off x="4614016" y="5916252"/>
               <a:ext cx="63202" cy="63202"/>
             </a:xfrm>
             <a:custGeom>
@@ -25859,7 +25859,7 @@
           </p:nvSpPr>
           <p:spPr>
             <a:xfrm>
-              <a:off x="4674525" y="5891518"/>
+              <a:off x="4502878" y="5891527"/>
               <a:ext cx="63202" cy="63202"/>
             </a:xfrm>
             <a:custGeom>
@@ -25902,7 +25902,7 @@
           </p:nvSpPr>
           <p:spPr>
             <a:xfrm>
-              <a:off x="4904044" y="5883396"/>
+              <a:off x="4822763" y="5883375"/>
               <a:ext cx="63202" cy="63202"/>
             </a:xfrm>
             <a:custGeom>
@@ -25945,7 +25945,7 @@
           </p:nvSpPr>
           <p:spPr>
             <a:xfrm>
-              <a:off x="4492853" y="5925205"/>
+              <a:off x="5063494" y="5925175"/>
               <a:ext cx="63202" cy="63202"/>
             </a:xfrm>
             <a:custGeom>
@@ -25988,7 +25988,7 @@
           </p:nvSpPr>
           <p:spPr>
             <a:xfrm>
-              <a:off x="5166659" y="5896336"/>
+              <a:off x="4666642" y="5896316"/>
               <a:ext cx="63202" cy="63202"/>
             </a:xfrm>
             <a:custGeom>
@@ -26031,7 +26031,7 @@
           </p:nvSpPr>
           <p:spPr>
             <a:xfrm>
-              <a:off x="4742578" y="6119892"/>
+              <a:off x="4662363" y="6119895"/>
               <a:ext cx="63202" cy="63202"/>
             </a:xfrm>
             <a:custGeom>
@@ -26074,7 +26074,7 @@
           </p:nvSpPr>
           <p:spPr>
             <a:xfrm>
-              <a:off x="5102610" y="5926138"/>
+              <a:off x="4783784" y="5926131"/>
               <a:ext cx="63202" cy="63202"/>
             </a:xfrm>
             <a:custGeom>
@@ -26117,7 +26117,7 @@
           </p:nvSpPr>
           <p:spPr>
             <a:xfrm>
-              <a:off x="4842634" y="5922227"/>
+              <a:off x="4940476" y="5922256"/>
               <a:ext cx="63202" cy="63202"/>
             </a:xfrm>
             <a:custGeom>
@@ -26160,7 +26160,7 @@
           </p:nvSpPr>
           <p:spPr>
             <a:xfrm>
-              <a:off x="4695612" y="5931784"/>
+              <a:off x="5130662" y="5931790"/>
               <a:ext cx="63202" cy="63202"/>
             </a:xfrm>
             <a:custGeom>
@@ -26203,7 +26203,7 @@
           </p:nvSpPr>
           <p:spPr>
             <a:xfrm>
-              <a:off x="4536673" y="5862406"/>
+              <a:off x="4819697" y="5862418"/>
               <a:ext cx="63202" cy="63202"/>
             </a:xfrm>
             <a:custGeom>
@@ -26246,7 +26246,7 @@
           </p:nvSpPr>
           <p:spPr>
             <a:xfrm>
-              <a:off x="4644997" y="5879900"/>
+              <a:off x="4510141" y="5879880"/>
               <a:ext cx="63202" cy="63202"/>
             </a:xfrm>
             <a:custGeom>
@@ -26289,7 +26289,7 @@
           </p:nvSpPr>
           <p:spPr>
             <a:xfrm>
-              <a:off x="4592181" y="5887508"/>
+              <a:off x="4651129" y="5887532"/>
               <a:ext cx="63202" cy="63202"/>
             </a:xfrm>
             <a:custGeom>
@@ -26332,7 +26332,7 @@
           </p:nvSpPr>
           <p:spPr>
             <a:xfrm>
-              <a:off x="5066252" y="5887839"/>
+              <a:off x="4870244" y="5887822"/>
               <a:ext cx="63202" cy="63202"/>
             </a:xfrm>
             <a:custGeom>
@@ -26375,7 +26375,7 @@
           </p:nvSpPr>
           <p:spPr>
             <a:xfrm>
-              <a:off x="4854297" y="5916599"/>
+              <a:off x="5001275" y="5916597"/>
               <a:ext cx="63202" cy="63202"/>
             </a:xfrm>
             <a:custGeom>
@@ -26418,7 +26418,7 @@
           </p:nvSpPr>
           <p:spPr>
             <a:xfrm>
-              <a:off x="4678875" y="6138515"/>
+              <a:off x="4981185" y="6138502"/>
               <a:ext cx="63202" cy="63202"/>
             </a:xfrm>
             <a:custGeom>
@@ -26461,7 +26461,7 @@
           </p:nvSpPr>
           <p:spPr>
             <a:xfrm>
-              <a:off x="4666625" y="5904766"/>
+              <a:off x="5114586" y="5904768"/>
               <a:ext cx="63202" cy="63202"/>
             </a:xfrm>
             <a:custGeom>
@@ -26504,7 +26504,7 @@
           </p:nvSpPr>
           <p:spPr>
             <a:xfrm>
-              <a:off x="4953325" y="5869039"/>
+              <a:off x="4831519" y="5869040"/>
               <a:ext cx="63202" cy="63202"/>
             </a:xfrm>
             <a:custGeom>
@@ -26547,7 +26547,7 @@
           </p:nvSpPr>
           <p:spPr>
             <a:xfrm>
-              <a:off x="4937491" y="6128548"/>
+              <a:off x="4969637" y="6128529"/>
               <a:ext cx="63202" cy="63202"/>
             </a:xfrm>
             <a:custGeom>
@@ -26590,7 +26590,7 @@
           </p:nvSpPr>
           <p:spPr>
             <a:xfrm>
-              <a:off x="4967213" y="5888018"/>
+              <a:off x="4871475" y="5887999"/>
               <a:ext cx="63202" cy="63202"/>
             </a:xfrm>
             <a:custGeom>
@@ -26633,7 +26633,7 @@
           </p:nvSpPr>
           <p:spPr>
             <a:xfrm>
-              <a:off x="4647420" y="5939847"/>
+              <a:off x="4624939" y="5939872"/>
               <a:ext cx="63202" cy="63202"/>
             </a:xfrm>
             <a:custGeom>
@@ -26676,7 +26676,7 @@
           </p:nvSpPr>
           <p:spPr>
             <a:xfrm>
-              <a:off x="4961446" y="5862044"/>
+              <a:off x="5122788" y="5862050"/>
               <a:ext cx="63202" cy="63202"/>
             </a:xfrm>
             <a:custGeom>
@@ -26719,7 +26719,7 @@
           </p:nvSpPr>
           <p:spPr>
             <a:xfrm>
-              <a:off x="5121096" y="5913508"/>
+              <a:off x="4566324" y="5913522"/>
               <a:ext cx="63202" cy="63202"/>
             </a:xfrm>
             <a:custGeom>
@@ -26762,7 +26762,7 @@
           </p:nvSpPr>
           <p:spPr>
             <a:xfrm>
-              <a:off x="4550217" y="5861049"/>
+              <a:off x="4612295" y="5861045"/>
               <a:ext cx="63202" cy="63202"/>
             </a:xfrm>
             <a:custGeom>
@@ -26805,7 +26805,7 @@
           </p:nvSpPr>
           <p:spPr>
             <a:xfrm>
-              <a:off x="4521323" y="5860513"/>
+              <a:off x="4622366" y="5860502"/>
               <a:ext cx="63202" cy="63202"/>
             </a:xfrm>
             <a:custGeom>
@@ -26848,7 +26848,7 @@
           </p:nvSpPr>
           <p:spPr>
             <a:xfrm>
-              <a:off x="4916824" y="5859897"/>
+              <a:off x="4964290" y="5859907"/>
               <a:ext cx="63202" cy="63202"/>
             </a:xfrm>
             <a:custGeom>
@@ -26891,7 +26891,7 @@
           </p:nvSpPr>
           <p:spPr>
             <a:xfrm>
-              <a:off x="4572529" y="5862867"/>
+              <a:off x="4843731" y="5862881"/>
               <a:ext cx="63202" cy="63202"/>
             </a:xfrm>
             <a:custGeom>
@@ -26934,7 +26934,7 @@
           </p:nvSpPr>
           <p:spPr>
             <a:xfrm>
-              <a:off x="4530676" y="5896919"/>
+              <a:off x="4833769" y="5896895"/>
               <a:ext cx="63202" cy="63202"/>
             </a:xfrm>
             <a:custGeom>
@@ -26977,7 +26977,7 @@
           </p:nvSpPr>
           <p:spPr>
             <a:xfrm>
-              <a:off x="5037900" y="6060329"/>
+              <a:off x="4502291" y="6060326"/>
               <a:ext cx="63202" cy="63202"/>
             </a:xfrm>
             <a:custGeom>
@@ -27020,7 +27020,7 @@
           </p:nvSpPr>
           <p:spPr>
             <a:xfrm>
-              <a:off x="4471873" y="5888812"/>
+              <a:off x="4942062" y="5888826"/>
               <a:ext cx="63202" cy="63202"/>
             </a:xfrm>
             <a:custGeom>
@@ -27063,7 +27063,7 @@
           </p:nvSpPr>
           <p:spPr>
             <a:xfrm>
-              <a:off x="5001876" y="5872785"/>
+              <a:off x="5153322" y="5872801"/>
               <a:ext cx="63202" cy="63202"/>
             </a:xfrm>
             <a:custGeom>
@@ -27106,7 +27106,7 @@
           </p:nvSpPr>
           <p:spPr>
             <a:xfrm>
-              <a:off x="5026234" y="5997137"/>
+              <a:off x="5054828" y="5997149"/>
               <a:ext cx="63202" cy="63202"/>
             </a:xfrm>
             <a:custGeom>
@@ -27149,7 +27149,7 @@
           </p:nvSpPr>
           <p:spPr>
             <a:xfrm>
-              <a:off x="4471750" y="5990303"/>
+              <a:off x="5133932" y="5990286"/>
               <a:ext cx="63202" cy="63202"/>
             </a:xfrm>
             <a:custGeom>
@@ -27192,7 +27192,7 @@
           </p:nvSpPr>
           <p:spPr>
             <a:xfrm>
-              <a:off x="4545307" y="6000975"/>
+              <a:off x="4534273" y="6000954"/>
               <a:ext cx="63202" cy="63202"/>
             </a:xfrm>
             <a:custGeom>
@@ -27235,7 +27235,7 @@
           </p:nvSpPr>
           <p:spPr>
             <a:xfrm>
-              <a:off x="4579528" y="5968780"/>
+              <a:off x="4598532" y="5968786"/>
               <a:ext cx="63202" cy="63202"/>
             </a:xfrm>
             <a:custGeom>
@@ -27278,7 +27278,7 @@
           </p:nvSpPr>
           <p:spPr>
             <a:xfrm>
-              <a:off x="4635568" y="5862211"/>
+              <a:off x="4707938" y="5862236"/>
               <a:ext cx="63202" cy="63202"/>
             </a:xfrm>
             <a:custGeom>
@@ -27321,7 +27321,7 @@
           </p:nvSpPr>
           <p:spPr>
             <a:xfrm>
-              <a:off x="5095714" y="5317369"/>
+              <a:off x="4555452" y="5317369"/>
               <a:ext cx="63202" cy="63202"/>
             </a:xfrm>
             <a:custGeom>
@@ -27364,7 +27364,7 @@
           </p:nvSpPr>
           <p:spPr>
             <a:xfrm>
-              <a:off x="4743871" y="6104475"/>
+              <a:off x="4666317" y="6104449"/>
               <a:ext cx="63202" cy="63202"/>
             </a:xfrm>
             <a:custGeom>
@@ -27407,7 +27407,7 @@
           </p:nvSpPr>
           <p:spPr>
             <a:xfrm>
-              <a:off x="4520134" y="6119694"/>
+              <a:off x="4938503" y="6119689"/>
               <a:ext cx="63202" cy="63202"/>
             </a:xfrm>
             <a:custGeom>
@@ -27450,7 +27450,7 @@
           </p:nvSpPr>
           <p:spPr>
             <a:xfrm>
-              <a:off x="4770327" y="5861328"/>
+              <a:off x="4841020" y="5861309"/>
               <a:ext cx="63202" cy="63202"/>
             </a:xfrm>
             <a:custGeom>
@@ -27493,7 +27493,7 @@
           </p:nvSpPr>
           <p:spPr>
             <a:xfrm>
-              <a:off x="4875901" y="5875526"/>
+              <a:off x="4805838" y="5875527"/>
               <a:ext cx="63202" cy="63202"/>
             </a:xfrm>
             <a:custGeom>
@@ -27536,7 +27536,7 @@
           </p:nvSpPr>
           <p:spPr>
             <a:xfrm>
-              <a:off x="4842376" y="6143152"/>
+              <a:off x="4611105" y="6143130"/>
               <a:ext cx="63202" cy="63202"/>
             </a:xfrm>
             <a:custGeom>
@@ -27579,7 +27579,7 @@
           </p:nvSpPr>
           <p:spPr>
             <a:xfrm>
-              <a:off x="4824794" y="5887652"/>
+              <a:off x="4932042" y="5887639"/>
               <a:ext cx="63202" cy="63202"/>
             </a:xfrm>
             <a:custGeom>
@@ -27622,7 +27622,7 @@
           </p:nvSpPr>
           <p:spPr>
             <a:xfrm>
-              <a:off x="5019272" y="5865282"/>
+              <a:off x="5076072" y="5865264"/>
               <a:ext cx="63202" cy="63202"/>
             </a:xfrm>
             <a:custGeom>
@@ -27665,7 +27665,7 @@
           </p:nvSpPr>
           <p:spPr>
             <a:xfrm>
-              <a:off x="4518850" y="6127699"/>
+              <a:off x="5125172" y="6127711"/>
               <a:ext cx="63202" cy="63202"/>
             </a:xfrm>
             <a:custGeom>
@@ -27708,7 +27708,7 @@
           </p:nvSpPr>
           <p:spPr>
             <a:xfrm>
-              <a:off x="4915031" y="6128034"/>
+              <a:off x="5093172" y="6128041"/>
               <a:ext cx="63202" cy="63202"/>
             </a:xfrm>
             <a:custGeom>
@@ -27751,7 +27751,7 @@
           </p:nvSpPr>
           <p:spPr>
             <a:xfrm>
-              <a:off x="4659329" y="5936415"/>
+              <a:off x="4951309" y="5936414"/>
               <a:ext cx="63202" cy="63202"/>
             </a:xfrm>
             <a:custGeom>
@@ -27794,7 +27794,7 @@
           </p:nvSpPr>
           <p:spPr>
             <a:xfrm>
-              <a:off x="4983700" y="5911105"/>
+              <a:off x="4965969" y="5911121"/>
               <a:ext cx="63202" cy="63202"/>
             </a:xfrm>
             <a:custGeom>
@@ -27837,7 +27837,7 @@
           </p:nvSpPr>
           <p:spPr>
             <a:xfrm>
-              <a:off x="4974421" y="5899574"/>
+              <a:off x="4806325" y="5899578"/>
               <a:ext cx="63202" cy="63202"/>
             </a:xfrm>
             <a:custGeom>
@@ -27880,7 +27880,7 @@
           </p:nvSpPr>
           <p:spPr>
             <a:xfrm>
-              <a:off x="4586588" y="5853584"/>
+              <a:off x="4723472" y="5853589"/>
               <a:ext cx="63202" cy="63202"/>
             </a:xfrm>
             <a:custGeom>
@@ -27923,7 +27923,7 @@
           </p:nvSpPr>
           <p:spPr>
             <a:xfrm>
-              <a:off x="4614185" y="5906032"/>
+              <a:off x="4894399" y="5906038"/>
               <a:ext cx="63202" cy="63202"/>
             </a:xfrm>
             <a:custGeom>
@@ -27966,7 +27966,7 @@
           </p:nvSpPr>
           <p:spPr>
             <a:xfrm>
-              <a:off x="5155168" y="6433441"/>
+              <a:off x="4872293" y="6433404"/>
               <a:ext cx="63202" cy="63202"/>
             </a:xfrm>
             <a:custGeom>
@@ -28009,7 +28009,7 @@
           </p:nvSpPr>
           <p:spPr>
             <a:xfrm>
-              <a:off x="4640980" y="5877311"/>
+              <a:off x="4660559" y="5877302"/>
               <a:ext cx="63202" cy="63202"/>
             </a:xfrm>
             <a:custGeom>
@@ -28052,7 +28052,7 @@
           </p:nvSpPr>
           <p:spPr>
             <a:xfrm>
-              <a:off x="4958905" y="5881191"/>
+              <a:off x="5061028" y="5881221"/>
               <a:ext cx="63202" cy="63202"/>
             </a:xfrm>
             <a:custGeom>
@@ -28095,7 +28095,7 @@
           </p:nvSpPr>
           <p:spPr>
             <a:xfrm>
-              <a:off x="4997343" y="5872703"/>
+              <a:off x="5005668" y="5872720"/>
               <a:ext cx="63202" cy="63202"/>
             </a:xfrm>
             <a:custGeom>
@@ -28138,7 +28138,7 @@
           </p:nvSpPr>
           <p:spPr>
             <a:xfrm>
-              <a:off x="4558847" y="5864040"/>
+              <a:off x="4558127" y="5864054"/>
               <a:ext cx="63202" cy="63202"/>
             </a:xfrm>
             <a:custGeom>
@@ -28181,7 +28181,7 @@
           </p:nvSpPr>
           <p:spPr>
             <a:xfrm>
-              <a:off x="4475345" y="6099266"/>
+              <a:off x="5028059" y="6099230"/>
               <a:ext cx="63202" cy="63202"/>
             </a:xfrm>
             <a:custGeom>
@@ -28224,7 +28224,7 @@
           </p:nvSpPr>
           <p:spPr>
             <a:xfrm>
-              <a:off x="4879071" y="6086916"/>
+              <a:off x="4780672" y="6086889"/>
               <a:ext cx="63202" cy="63202"/>
             </a:xfrm>
             <a:custGeom>
@@ -28267,7 +28267,7 @@
           </p:nvSpPr>
           <p:spPr>
             <a:xfrm>
-              <a:off x="5134455" y="6148735"/>
+              <a:off x="5016182" y="6148718"/>
               <a:ext cx="63202" cy="63202"/>
             </a:xfrm>
             <a:custGeom>
@@ -28310,7 +28310,7 @@
           </p:nvSpPr>
           <p:spPr>
             <a:xfrm>
-              <a:off x="4973229" y="5890335"/>
+              <a:off x="4923882" y="5890330"/>
               <a:ext cx="63202" cy="63202"/>
             </a:xfrm>
             <a:custGeom>
@@ -28353,7 +28353,7 @@
           </p:nvSpPr>
           <p:spPr>
             <a:xfrm>
-              <a:off x="4820949" y="5935921"/>
+              <a:off x="4983066" y="5935900"/>
               <a:ext cx="63202" cy="63202"/>
             </a:xfrm>
             <a:custGeom>
@@ -28396,7 +28396,7 @@
           </p:nvSpPr>
           <p:spPr>
             <a:xfrm>
-              <a:off x="4801723" y="5913387"/>
+              <a:off x="5097061" y="5913396"/>
               <a:ext cx="63202" cy="63202"/>
             </a:xfrm>
             <a:custGeom>
@@ -28439,7 +28439,7 @@
           </p:nvSpPr>
           <p:spPr>
             <a:xfrm>
-              <a:off x="4581472" y="5993514"/>
+              <a:off x="4771240" y="5993498"/>
               <a:ext cx="63202" cy="63202"/>
             </a:xfrm>
             <a:custGeom>
@@ -28482,7 +28482,7 @@
           </p:nvSpPr>
           <p:spPr>
             <a:xfrm>
-              <a:off x="4857485" y="5931998"/>
+              <a:off x="5083533" y="5932002"/>
               <a:ext cx="63202" cy="63202"/>
             </a:xfrm>
             <a:custGeom>
@@ -28525,7 +28525,7 @@
           </p:nvSpPr>
           <p:spPr>
             <a:xfrm>
-              <a:off x="4663436" y="5930946"/>
+              <a:off x="5081466" y="5930941"/>
               <a:ext cx="63202" cy="63202"/>
             </a:xfrm>
             <a:custGeom>
@@ -28568,7 +28568,7 @@
           </p:nvSpPr>
           <p:spPr>
             <a:xfrm>
-              <a:off x="4509777" y="5931228"/>
+              <a:off x="4898351" y="5931226"/>
               <a:ext cx="63202" cy="63202"/>
             </a:xfrm>
             <a:custGeom>
@@ -28611,7 +28611,7 @@
           </p:nvSpPr>
           <p:spPr>
             <a:xfrm>
-              <a:off x="4690596" y="6116365"/>
+              <a:off x="4995908" y="6116360"/>
               <a:ext cx="63202" cy="63202"/>
             </a:xfrm>
             <a:custGeom>
@@ -28654,7 +28654,7 @@
           </p:nvSpPr>
           <p:spPr>
             <a:xfrm>
-              <a:off x="4807123" y="6054061"/>
+              <a:off x="4635650" y="6054081"/>
               <a:ext cx="63202" cy="63202"/>
             </a:xfrm>
             <a:custGeom>
@@ -28697,7 +28697,7 @@
           </p:nvSpPr>
           <p:spPr>
             <a:xfrm>
-              <a:off x="5105207" y="5854267"/>
+              <a:off x="4797254" y="5854280"/>
               <a:ext cx="63202" cy="63202"/>
             </a:xfrm>
             <a:custGeom>
@@ -28740,7 +28740,7 @@
           </p:nvSpPr>
           <p:spPr>
             <a:xfrm>
-              <a:off x="4512590" y="5930723"/>
+              <a:off x="4705254" y="5930732"/>
               <a:ext cx="63202" cy="63202"/>
             </a:xfrm>
             <a:custGeom>
@@ -28783,7 +28783,7 @@
           </p:nvSpPr>
           <p:spPr>
             <a:xfrm>
-              <a:off x="5143345" y="5868902"/>
+              <a:off x="4771178" y="5868903"/>
               <a:ext cx="63202" cy="63202"/>
             </a:xfrm>
             <a:custGeom>
@@ -28826,7 +28826,7 @@
           </p:nvSpPr>
           <p:spPr>
             <a:xfrm>
-              <a:off x="4944641" y="5877858"/>
+              <a:off x="4869387" y="5877843"/>
               <a:ext cx="63202" cy="63202"/>
             </a:xfrm>
             <a:custGeom>
@@ -28869,7 +28869,7 @@
           </p:nvSpPr>
           <p:spPr>
             <a:xfrm>
-              <a:off x="5095637" y="5862844"/>
+              <a:off x="4601027" y="5862869"/>
               <a:ext cx="63202" cy="63202"/>
             </a:xfrm>
             <a:custGeom>
@@ -28912,7 +28912,7 @@
           </p:nvSpPr>
           <p:spPr>
             <a:xfrm>
-              <a:off x="4786546" y="6202560"/>
+              <a:off x="4875363" y="6202562"/>
               <a:ext cx="63202" cy="63202"/>
             </a:xfrm>
             <a:custGeom>
@@ -28955,7 +28955,7 @@
           </p:nvSpPr>
           <p:spPr>
             <a:xfrm>
-              <a:off x="4782338" y="5962687"/>
+              <a:off x="4598048" y="5962682"/>
               <a:ext cx="63202" cy="63202"/>
             </a:xfrm>
             <a:custGeom>
@@ -28998,7 +28998,7 @@
           </p:nvSpPr>
           <p:spPr>
             <a:xfrm>
-              <a:off x="4531680" y="5934876"/>
+              <a:off x="4894552" y="5934867"/>
               <a:ext cx="63202" cy="63202"/>
             </a:xfrm>
             <a:custGeom>
@@ -29041,7 +29041,7 @@
           </p:nvSpPr>
           <p:spPr>
             <a:xfrm>
-              <a:off x="5162830" y="5879776"/>
+              <a:off x="4875484" y="5879791"/>
               <a:ext cx="63202" cy="63202"/>
             </a:xfrm>
             <a:custGeom>
@@ -29084,7 +29084,7 @@
           </p:nvSpPr>
           <p:spPr>
             <a:xfrm>
-              <a:off x="4912388" y="5886003"/>
+              <a:off x="4893586" y="5886020"/>
               <a:ext cx="63202" cy="63202"/>
             </a:xfrm>
             <a:custGeom>
@@ -29127,7 +29127,7 @@
           </p:nvSpPr>
           <p:spPr>
             <a:xfrm>
-              <a:off x="4851005" y="5870814"/>
+              <a:off x="5001162" y="5870820"/>
               <a:ext cx="63202" cy="63202"/>
             </a:xfrm>
             <a:custGeom>
@@ -29170,7 +29170,7 @@
           </p:nvSpPr>
           <p:spPr>
             <a:xfrm>
-              <a:off x="4788591" y="5867911"/>
+              <a:off x="5016527" y="5867912"/>
               <a:ext cx="63202" cy="63202"/>
             </a:xfrm>
             <a:custGeom>
@@ -29213,7 +29213,7 @@
           </p:nvSpPr>
           <p:spPr>
             <a:xfrm>
-              <a:off x="4727359" y="5872067"/>
+              <a:off x="5064447" y="5872094"/>
               <a:ext cx="63202" cy="63202"/>
             </a:xfrm>
             <a:custGeom>
@@ -29256,7 +29256,7 @@
           </p:nvSpPr>
           <p:spPr>
             <a:xfrm>
-              <a:off x="5003674" y="5924113"/>
+              <a:off x="4931829" y="5924114"/>
               <a:ext cx="63202" cy="63202"/>
             </a:xfrm>
             <a:custGeom>
@@ -29299,7 +29299,7 @@
           </p:nvSpPr>
           <p:spPr>
             <a:xfrm>
-              <a:off x="4596183" y="5851188"/>
+              <a:off x="5112582" y="5851201"/>
               <a:ext cx="63202" cy="63202"/>
             </a:xfrm>
             <a:custGeom>
@@ -29342,7 +29342,7 @@
           </p:nvSpPr>
           <p:spPr>
             <a:xfrm>
-              <a:off x="5081237" y="5880734"/>
+              <a:off x="5101409" y="5880752"/>
               <a:ext cx="63202" cy="63202"/>
             </a:xfrm>
             <a:custGeom>
@@ -29385,7 +29385,7 @@
           </p:nvSpPr>
           <p:spPr>
             <a:xfrm>
-              <a:off x="5164979" y="6354063"/>
+              <a:off x="4905411" y="6354054"/>
               <a:ext cx="63202" cy="63202"/>
             </a:xfrm>
             <a:custGeom>
@@ -29428,7 +29428,7 @@
           </p:nvSpPr>
           <p:spPr>
             <a:xfrm>
-              <a:off x="4732038" y="6078354"/>
+              <a:off x="4946657" y="6078361"/>
               <a:ext cx="63202" cy="63202"/>
             </a:xfrm>
             <a:custGeom>
@@ -29471,7 +29471,7 @@
           </p:nvSpPr>
           <p:spPr>
             <a:xfrm>
-              <a:off x="4648261" y="5856759"/>
+              <a:off x="4938717" y="5856787"/>
               <a:ext cx="63202" cy="63202"/>
             </a:xfrm>
             <a:custGeom>
@@ -29514,7 +29514,7 @@
           </p:nvSpPr>
           <p:spPr>
             <a:xfrm>
-              <a:off x="4798089" y="5928405"/>
+              <a:off x="4562758" y="5928434"/>
               <a:ext cx="63202" cy="63202"/>
             </a:xfrm>
             <a:custGeom>
@@ -29557,7 +29557,7 @@
           </p:nvSpPr>
           <p:spPr>
             <a:xfrm>
-              <a:off x="5132769" y="5897048"/>
+              <a:off x="4852252" y="5897056"/>
               <a:ext cx="63202" cy="63202"/>
             </a:xfrm>
             <a:custGeom>
@@ -29600,7 +29600,7 @@
           </p:nvSpPr>
           <p:spPr>
             <a:xfrm>
-              <a:off x="4473061" y="5860272"/>
+              <a:off x="5082625" y="5860268"/>
               <a:ext cx="63202" cy="63202"/>
             </a:xfrm>
             <a:custGeom>
@@ -29643,7 +29643,7 @@
           </p:nvSpPr>
           <p:spPr>
             <a:xfrm>
-              <a:off x="5036869" y="5989198"/>
+              <a:off x="4689287" y="5989214"/>
               <a:ext cx="63202" cy="63202"/>
             </a:xfrm>
             <a:custGeom>
@@ -29686,7 +29686,7 @@
           </p:nvSpPr>
           <p:spPr>
             <a:xfrm>
-              <a:off x="4498288" y="5889403"/>
+              <a:off x="4562340" y="5889422"/>
               <a:ext cx="63202" cy="63202"/>
             </a:xfrm>
             <a:custGeom>
@@ -29729,7 +29729,7 @@
           </p:nvSpPr>
           <p:spPr>
             <a:xfrm>
-              <a:off x="4863431" y="5863008"/>
+              <a:off x="4701038" y="5862984"/>
               <a:ext cx="63202" cy="63202"/>
             </a:xfrm>
             <a:custGeom>
@@ -29772,7 +29772,7 @@
           </p:nvSpPr>
           <p:spPr>
             <a:xfrm>
-              <a:off x="5102389" y="5873930"/>
+              <a:off x="4754021" y="5873923"/>
               <a:ext cx="63202" cy="63202"/>
             </a:xfrm>
             <a:custGeom>
@@ -29815,7 +29815,7 @@
           </p:nvSpPr>
           <p:spPr>
             <a:xfrm>
-              <a:off x="5128404" y="6186036"/>
+              <a:off x="4900739" y="6186054"/>
               <a:ext cx="63202" cy="63202"/>
             </a:xfrm>
             <a:custGeom>
@@ -29858,7 +29858,7 @@
           </p:nvSpPr>
           <p:spPr>
             <a:xfrm>
-              <a:off x="4664458" y="5858694"/>
+              <a:off x="4617833" y="5858684"/>
               <a:ext cx="63202" cy="63202"/>
             </a:xfrm>
             <a:custGeom>
@@ -29901,7 +29901,7 @@
           </p:nvSpPr>
           <p:spPr>
             <a:xfrm>
-              <a:off x="5037975" y="5860539"/>
+              <a:off x="4591087" y="5860543"/>
               <a:ext cx="63202" cy="63202"/>
             </a:xfrm>
             <a:custGeom>
@@ -29944,7 +29944,7 @@
           </p:nvSpPr>
           <p:spPr>
             <a:xfrm>
-              <a:off x="4471681" y="6107613"/>
+              <a:off x="5127648" y="6107586"/>
               <a:ext cx="63202" cy="63202"/>
             </a:xfrm>
             <a:custGeom>
@@ -29987,7 +29987,7 @@
           </p:nvSpPr>
           <p:spPr>
             <a:xfrm>
-              <a:off x="4986318" y="6311855"/>
+              <a:off x="4740851" y="6311848"/>
               <a:ext cx="63202" cy="63202"/>
             </a:xfrm>
             <a:custGeom>
@@ -30030,7 +30030,7 @@
           </p:nvSpPr>
           <p:spPr>
             <a:xfrm>
-              <a:off x="4917111" y="5870897"/>
+              <a:off x="4560527" y="5870884"/>
               <a:ext cx="63202" cy="63202"/>
             </a:xfrm>
             <a:custGeom>
@@ -30073,7 +30073,7 @@
           </p:nvSpPr>
           <p:spPr>
             <a:xfrm>
-              <a:off x="5056542" y="5887778"/>
+              <a:off x="4608768" y="5887771"/>
               <a:ext cx="63202" cy="63202"/>
             </a:xfrm>
             <a:custGeom>
@@ -30116,7 +30116,7 @@
           </p:nvSpPr>
           <p:spPr>
             <a:xfrm>
-              <a:off x="5089584" y="5882912"/>
+              <a:off x="5087385" y="5882935"/>
               <a:ext cx="63202" cy="63202"/>
             </a:xfrm>
             <a:custGeom>
@@ -30159,7 +30159,7 @@
           </p:nvSpPr>
           <p:spPr>
             <a:xfrm>
-              <a:off x="4469718" y="5867446"/>
+              <a:off x="4733213" y="5867438"/>
               <a:ext cx="63202" cy="63202"/>
             </a:xfrm>
             <a:custGeom>
@@ -30202,7 +30202,7 @@
           </p:nvSpPr>
           <p:spPr>
             <a:xfrm>
-              <a:off x="5022260" y="5917796"/>
+              <a:off x="4878606" y="5917789"/>
               <a:ext cx="63202" cy="63202"/>
             </a:xfrm>
             <a:custGeom>
@@ -30245,7 +30245,7 @@
           </p:nvSpPr>
           <p:spPr>
             <a:xfrm>
-              <a:off x="4859025" y="6007983"/>
+              <a:off x="4482188" y="6007995"/>
               <a:ext cx="63202" cy="63202"/>
             </a:xfrm>
             <a:custGeom>
@@ -30288,7 +30288,7 @@
           </p:nvSpPr>
           <p:spPr>
             <a:xfrm>
-              <a:off x="5035960" y="5866770"/>
+              <a:off x="4934866" y="5866773"/>
               <a:ext cx="63202" cy="63202"/>
             </a:xfrm>
             <a:custGeom>
@@ -30331,7 +30331,7 @@
           </p:nvSpPr>
           <p:spPr>
             <a:xfrm>
-              <a:off x="4982247" y="6148566"/>
+              <a:off x="4773339" y="6148533"/>
               <a:ext cx="63202" cy="63202"/>
             </a:xfrm>
             <a:custGeom>
@@ -30374,7 +30374,7 @@
           </p:nvSpPr>
           <p:spPr>
             <a:xfrm>
-              <a:off x="4843081" y="5936091"/>
+              <a:off x="4560270" y="5936095"/>
               <a:ext cx="63202" cy="63202"/>
             </a:xfrm>
             <a:custGeom>
@@ -30417,7 +30417,7 @@
           </p:nvSpPr>
           <p:spPr>
             <a:xfrm>
-              <a:off x="4502192" y="5869165"/>
+              <a:off x="5063731" y="5869162"/>
               <a:ext cx="63202" cy="63202"/>
             </a:xfrm>
             <a:custGeom>
@@ -30460,7 +30460,7 @@
           </p:nvSpPr>
           <p:spPr>
             <a:xfrm>
-              <a:off x="4989918" y="5852862"/>
+              <a:off x="5038894" y="5852874"/>
               <a:ext cx="63202" cy="63202"/>
             </a:xfrm>
             <a:custGeom>
@@ -30503,7 +30503,7 @@
           </p:nvSpPr>
           <p:spPr>
             <a:xfrm>
-              <a:off x="4812007" y="5920101"/>
+              <a:off x="5103674" y="5920117"/>
               <a:ext cx="63202" cy="63202"/>
             </a:xfrm>
             <a:custGeom>
@@ -30546,7 +30546,7 @@
           </p:nvSpPr>
           <p:spPr>
             <a:xfrm>
-              <a:off x="4757075" y="5927462"/>
+              <a:off x="4895892" y="5927471"/>
               <a:ext cx="63202" cy="63202"/>
             </a:xfrm>
             <a:custGeom>
@@ -30589,7 +30589,7 @@
           </p:nvSpPr>
           <p:spPr>
             <a:xfrm>
-              <a:off x="4502767" y="6269231"/>
+              <a:off x="4956676" y="6269193"/>
               <a:ext cx="63202" cy="63202"/>
             </a:xfrm>
             <a:custGeom>
@@ -30632,7 +30632,7 @@
           </p:nvSpPr>
           <p:spPr>
             <a:xfrm>
-              <a:off x="5140642" y="5935940"/>
+              <a:off x="4517387" y="5935951"/>
               <a:ext cx="63202" cy="63202"/>
             </a:xfrm>
             <a:custGeom>
@@ -30675,7 +30675,7 @@
           </p:nvSpPr>
           <p:spPr>
             <a:xfrm>
-              <a:off x="4571747" y="5929591"/>
+              <a:off x="4695310" y="5929608"/>
               <a:ext cx="63202" cy="63202"/>
             </a:xfrm>
             <a:custGeom>
@@ -30718,7 +30718,7 @@
           </p:nvSpPr>
           <p:spPr>
             <a:xfrm>
-              <a:off x="5001078" y="5854241"/>
+              <a:off x="4752753" y="5854231"/>
               <a:ext cx="63202" cy="63202"/>
             </a:xfrm>
             <a:custGeom>
@@ -30761,7 +30761,7 @@
           </p:nvSpPr>
           <p:spPr>
             <a:xfrm>
-              <a:off x="5026247" y="5895372"/>
+              <a:off x="4758851" y="5895359"/>
               <a:ext cx="63202" cy="63202"/>
             </a:xfrm>
             <a:custGeom>
@@ -30804,7 +30804,7 @@
           </p:nvSpPr>
           <p:spPr>
             <a:xfrm>
-              <a:off x="4783573" y="6115951"/>
+              <a:off x="5130483" y="6115961"/>
               <a:ext cx="63202" cy="63202"/>
             </a:xfrm>
             <a:custGeom>
@@ -30847,7 +30847,7 @@
           </p:nvSpPr>
           <p:spPr>
             <a:xfrm>
-              <a:off x="4969760" y="5862896"/>
+              <a:off x="4639001" y="5862901"/>
               <a:ext cx="63202" cy="63202"/>
             </a:xfrm>
             <a:custGeom>
@@ -30890,7 +30890,7 @@
           </p:nvSpPr>
           <p:spPr>
             <a:xfrm>
-              <a:off x="4655014" y="5867362"/>
+              <a:off x="5157902" y="5867362"/>
               <a:ext cx="63202" cy="63202"/>
             </a:xfrm>
             <a:custGeom>
@@ -30933,7 +30933,7 @@
           </p:nvSpPr>
           <p:spPr>
             <a:xfrm>
-              <a:off x="4701489" y="5867051"/>
+              <a:off x="4722339" y="5867029"/>
               <a:ext cx="63202" cy="63202"/>
             </a:xfrm>
             <a:custGeom>
@@ -30976,7 +30976,7 @@
           </p:nvSpPr>
           <p:spPr>
             <a:xfrm>
-              <a:off x="4581248" y="6122413"/>
+              <a:off x="4778088" y="6122385"/>
               <a:ext cx="63202" cy="63202"/>
             </a:xfrm>
             <a:custGeom>
@@ -31019,7 +31019,7 @@
           </p:nvSpPr>
           <p:spPr>
             <a:xfrm>
-              <a:off x="4787313" y="5858377"/>
+              <a:off x="5001728" y="5858375"/>
               <a:ext cx="63202" cy="63202"/>
             </a:xfrm>
             <a:custGeom>
@@ -31062,7 +31062,7 @@
           </p:nvSpPr>
           <p:spPr>
             <a:xfrm>
-              <a:off x="5134882" y="5908293"/>
+              <a:off x="4758367" y="5908313"/>
               <a:ext cx="63202" cy="63202"/>
             </a:xfrm>
             <a:custGeom>
@@ -31105,7 +31105,7 @@
           </p:nvSpPr>
           <p:spPr>
             <a:xfrm>
-              <a:off x="4769198" y="5924371"/>
+              <a:off x="4544942" y="5924358"/>
               <a:ext cx="63202" cy="63202"/>
             </a:xfrm>
             <a:custGeom>
@@ -31148,7 +31148,7 @@
           </p:nvSpPr>
           <p:spPr>
             <a:xfrm>
-              <a:off x="4568471" y="5876901"/>
+              <a:off x="5087378" y="5876880"/>
               <a:ext cx="63202" cy="63202"/>
             </a:xfrm>
             <a:custGeom>
@@ -31191,7 +31191,7 @@
           </p:nvSpPr>
           <p:spPr>
             <a:xfrm>
-              <a:off x="4569833" y="6128809"/>
+              <a:off x="5093008" y="6128783"/>
               <a:ext cx="63202" cy="63202"/>
             </a:xfrm>
             <a:custGeom>
@@ -31234,7 +31234,7 @@
           </p:nvSpPr>
           <p:spPr>
             <a:xfrm>
-              <a:off x="4589681" y="5963658"/>
+              <a:off x="4844698" y="5963643"/>
               <a:ext cx="63202" cy="63202"/>
             </a:xfrm>
             <a:custGeom>
@@ -31277,7 +31277,7 @@
           </p:nvSpPr>
           <p:spPr>
             <a:xfrm>
-              <a:off x="5148517" y="5888642"/>
+              <a:off x="5105965" y="5888657"/>
               <a:ext cx="63202" cy="63202"/>
             </a:xfrm>
             <a:custGeom>
@@ -31320,7 +31320,7 @@
           </p:nvSpPr>
           <p:spPr>
             <a:xfrm>
-              <a:off x="4698192" y="5863123"/>
+              <a:off x="4950409" y="5863146"/>
               <a:ext cx="63202" cy="63202"/>
             </a:xfrm>
             <a:custGeom>
@@ -31363,7 +31363,7 @@
           </p:nvSpPr>
           <p:spPr>
             <a:xfrm>
-              <a:off x="4867227" y="5903217"/>
+              <a:off x="4784421" y="5903231"/>
               <a:ext cx="63202" cy="63202"/>
             </a:xfrm>
             <a:custGeom>
@@ -31406,7 +31406,7 @@
           </p:nvSpPr>
           <p:spPr>
             <a:xfrm>
-              <a:off x="5095431" y="5883429"/>
+              <a:off x="4616007" y="5883416"/>
               <a:ext cx="63202" cy="63202"/>
             </a:xfrm>
             <a:custGeom>
@@ -31449,7 +31449,7 @@
           </p:nvSpPr>
           <p:spPr>
             <a:xfrm>
-              <a:off x="4733729" y="5932639"/>
+              <a:off x="5103345" y="5932644"/>
               <a:ext cx="63202" cy="63202"/>
             </a:xfrm>
             <a:custGeom>
@@ -31492,7 +31492,7 @@
           </p:nvSpPr>
           <p:spPr>
             <a:xfrm>
-              <a:off x="4494660" y="6202853"/>
+              <a:off x="4596756" y="6202849"/>
               <a:ext cx="63202" cy="63202"/>
             </a:xfrm>
             <a:custGeom>
@@ -31535,7 +31535,7 @@
           </p:nvSpPr>
           <p:spPr>
             <a:xfrm>
-              <a:off x="4633942" y="6163928"/>
+              <a:off x="5141794" y="6163940"/>
               <a:ext cx="63202" cy="63202"/>
             </a:xfrm>
             <a:custGeom>
@@ -31578,7 +31578,7 @@
           </p:nvSpPr>
           <p:spPr>
             <a:xfrm>
-              <a:off x="4859508" y="5959325"/>
+              <a:off x="4791539" y="5959322"/>
               <a:ext cx="63202" cy="63202"/>
             </a:xfrm>
             <a:custGeom>
@@ -31621,7 +31621,7 @@
           </p:nvSpPr>
           <p:spPr>
             <a:xfrm>
-              <a:off x="4649293" y="6236271"/>
+              <a:off x="5161095" y="6236233"/>
               <a:ext cx="63202" cy="63202"/>
             </a:xfrm>
             <a:custGeom>
@@ -31664,7 +31664,7 @@
           </p:nvSpPr>
           <p:spPr>
             <a:xfrm>
-              <a:off x="4552314" y="5864218"/>
+              <a:off x="5085646" y="5864221"/>
               <a:ext cx="63202" cy="63202"/>
             </a:xfrm>
             <a:custGeom>
@@ -31707,7 +31707,7 @@
           </p:nvSpPr>
           <p:spPr>
             <a:xfrm>
-              <a:off x="4832302" y="5907348"/>
+              <a:off x="4579968" y="5907368"/>
               <a:ext cx="63202" cy="63202"/>
             </a:xfrm>
             <a:custGeom>
@@ -31750,7 +31750,7 @@
           </p:nvSpPr>
           <p:spPr>
             <a:xfrm>
-              <a:off x="5027689" y="5894791"/>
+              <a:off x="4646602" y="5894778"/>
               <a:ext cx="63202" cy="63202"/>
             </a:xfrm>
             <a:custGeom>
@@ -31793,7 +31793,7 @@
           </p:nvSpPr>
           <p:spPr>
             <a:xfrm>
-              <a:off x="4703098" y="5860467"/>
+              <a:off x="4677136" y="5860451"/>
               <a:ext cx="63202" cy="63202"/>
             </a:xfrm>
             <a:custGeom>
@@ -31836,7 +31836,7 @@
           </p:nvSpPr>
           <p:spPr>
             <a:xfrm>
-              <a:off x="4483461" y="5890866"/>
+              <a:off x="4855025" y="5890860"/>
               <a:ext cx="63202" cy="63202"/>
             </a:xfrm>
             <a:custGeom>
@@ -31879,7 +31879,7 @@
           </p:nvSpPr>
           <p:spPr>
             <a:xfrm>
-              <a:off x="4836424" y="5868716"/>
+              <a:off x="5144748" y="5868708"/>
               <a:ext cx="63202" cy="63202"/>
             </a:xfrm>
             <a:custGeom>
@@ -31922,7 +31922,7 @@
           </p:nvSpPr>
           <p:spPr>
             <a:xfrm>
-              <a:off x="4807885" y="5873524"/>
+              <a:off x="4497057" y="5873541"/>
               <a:ext cx="63202" cy="63202"/>
             </a:xfrm>
             <a:custGeom>
@@ -31965,7 +31965,7 @@
           </p:nvSpPr>
           <p:spPr>
             <a:xfrm>
-              <a:off x="4831307" y="5883727"/>
+              <a:off x="4741420" y="5883752"/>
               <a:ext cx="63202" cy="63202"/>
             </a:xfrm>
             <a:custGeom>
@@ -32008,7 +32008,7 @@
           </p:nvSpPr>
           <p:spPr>
             <a:xfrm>
-              <a:off x="5111319" y="6121637"/>
+              <a:off x="4578329" y="6121615"/>
               <a:ext cx="63202" cy="63202"/>
             </a:xfrm>
             <a:custGeom>
@@ -32051,7 +32051,7 @@
           </p:nvSpPr>
           <p:spPr>
             <a:xfrm>
-              <a:off x="4572300" y="6008945"/>
+              <a:off x="4559758" y="6008954"/>
               <a:ext cx="63202" cy="63202"/>
             </a:xfrm>
             <a:custGeom>
@@ -32094,7 +32094,7 @@
           </p:nvSpPr>
           <p:spPr>
             <a:xfrm>
-              <a:off x="4757437" y="5853878"/>
+              <a:off x="4650312" y="5853859"/>
               <a:ext cx="63202" cy="63202"/>
             </a:xfrm>
             <a:custGeom>
@@ -32137,7 +32137,7 @@
           </p:nvSpPr>
           <p:spPr>
             <a:xfrm>
-              <a:off x="4943101" y="5930995"/>
+              <a:off x="4550289" y="5930994"/>
               <a:ext cx="63202" cy="63202"/>
             </a:xfrm>
             <a:custGeom>
@@ -32180,7 +32180,7 @@
           </p:nvSpPr>
           <p:spPr>
             <a:xfrm>
-              <a:off x="4917615" y="5931866"/>
+              <a:off x="4943420" y="5931876"/>
               <a:ext cx="63202" cy="63202"/>
             </a:xfrm>
             <a:custGeom>
@@ -32223,7 +32223,7 @@
           </p:nvSpPr>
           <p:spPr>
             <a:xfrm>
-              <a:off x="4615766" y="5874527"/>
+              <a:off x="4531093" y="5874537"/>
               <a:ext cx="63202" cy="63202"/>
             </a:xfrm>
             <a:custGeom>
@@ -32266,7 +32266,7 @@
           </p:nvSpPr>
           <p:spPr>
             <a:xfrm>
-              <a:off x="5004281" y="5893631"/>
+              <a:off x="4825121" y="5893658"/>
               <a:ext cx="63202" cy="63202"/>
             </a:xfrm>
             <a:custGeom>
@@ -32309,7 +32309,7 @@
           </p:nvSpPr>
           <p:spPr>
             <a:xfrm>
-              <a:off x="4879574" y="5923098"/>
+              <a:off x="4909807" y="5923102"/>
               <a:ext cx="63202" cy="63202"/>
             </a:xfrm>
             <a:custGeom>
@@ -32352,7 +32352,7 @@
           </p:nvSpPr>
           <p:spPr>
             <a:xfrm>
-              <a:off x="4678271" y="5923904"/>
+              <a:off x="4804253" y="5923920"/>
               <a:ext cx="63202" cy="63202"/>
             </a:xfrm>
             <a:custGeom>
@@ -32395,7 +32395,7 @@
           </p:nvSpPr>
           <p:spPr>
             <a:xfrm>
-              <a:off x="4710235" y="5889294"/>
+              <a:off x="4938001" y="5889299"/>
               <a:ext cx="63202" cy="63202"/>
             </a:xfrm>
             <a:custGeom>
@@ -32438,7 +32438,7 @@
           </p:nvSpPr>
           <p:spPr>
             <a:xfrm>
-              <a:off x="4705017" y="5888192"/>
+              <a:off x="4589345" y="5888180"/>
               <a:ext cx="63202" cy="63202"/>
             </a:xfrm>
             <a:custGeom>
@@ -32481,7 +32481,7 @@
           </p:nvSpPr>
           <p:spPr>
             <a:xfrm>
-              <a:off x="4541663" y="5960812"/>
+              <a:off x="4988183" y="5960832"/>
               <a:ext cx="63202" cy="63202"/>
             </a:xfrm>
             <a:custGeom>
@@ -32524,7 +32524,7 @@
           </p:nvSpPr>
           <p:spPr>
             <a:xfrm>
-              <a:off x="4503601" y="5887612"/>
+              <a:off x="4784564" y="5887592"/>
               <a:ext cx="63202" cy="63202"/>
             </a:xfrm>
             <a:custGeom>
@@ -32567,7 +32567,7 @@
           </p:nvSpPr>
           <p:spPr>
             <a:xfrm>
-              <a:off x="4561157" y="5883749"/>
+              <a:off x="4798228" y="5883762"/>
               <a:ext cx="63202" cy="63202"/>
             </a:xfrm>
             <a:custGeom>
@@ -32610,7 +32610,7 @@
           </p:nvSpPr>
           <p:spPr>
             <a:xfrm>
-              <a:off x="5046947" y="5733381"/>
+              <a:off x="4880709" y="5733410"/>
               <a:ext cx="63202" cy="63202"/>
             </a:xfrm>
             <a:custGeom>
@@ -32653,7 +32653,7 @@
           </p:nvSpPr>
           <p:spPr>
             <a:xfrm>
-              <a:off x="5131341" y="5874307"/>
+              <a:off x="4967954" y="5874320"/>
               <a:ext cx="63202" cy="63202"/>
             </a:xfrm>
             <a:custGeom>
@@ -32696,7 +32696,7 @@
           </p:nvSpPr>
           <p:spPr>
             <a:xfrm>
-              <a:off x="5020097" y="5890458"/>
+              <a:off x="5087977" y="5890467"/>
               <a:ext cx="63202" cy="63202"/>
             </a:xfrm>
             <a:custGeom>
@@ -32739,7 +32739,7 @@
           </p:nvSpPr>
           <p:spPr>
             <a:xfrm>
-              <a:off x="5002694" y="5882792"/>
+              <a:off x="4847844" y="5882807"/>
               <a:ext cx="63202" cy="63202"/>
             </a:xfrm>
             <a:custGeom>
@@ -32782,7 +32782,7 @@
           </p:nvSpPr>
           <p:spPr>
             <a:xfrm>
-              <a:off x="4510989" y="5870757"/>
+              <a:off x="4783142" y="5870745"/>
               <a:ext cx="63202" cy="63202"/>
             </a:xfrm>
             <a:custGeom>
@@ -32825,7 +32825,7 @@
           </p:nvSpPr>
           <p:spPr>
             <a:xfrm>
-              <a:off x="5070637" y="5873575"/>
+              <a:off x="5123511" y="5873583"/>
               <a:ext cx="63202" cy="63202"/>
             </a:xfrm>
             <a:custGeom>
@@ -32868,7 +32868,7 @@
           </p:nvSpPr>
           <p:spPr>
             <a:xfrm>
-              <a:off x="4937816" y="5857900"/>
+              <a:off x="4876735" y="5857902"/>
               <a:ext cx="63202" cy="63202"/>
             </a:xfrm>
             <a:custGeom>
@@ -32911,7 +32911,7 @@
           </p:nvSpPr>
           <p:spPr>
             <a:xfrm>
-              <a:off x="4767903" y="6073601"/>
+              <a:off x="4821240" y="6073583"/>
               <a:ext cx="63202" cy="63202"/>
             </a:xfrm>
             <a:custGeom>
@@ -32954,7 +32954,7 @@
           </p:nvSpPr>
           <p:spPr>
             <a:xfrm>
-              <a:off x="4573767" y="6066342"/>
+              <a:off x="4945772" y="6066328"/>
               <a:ext cx="63202" cy="63202"/>
             </a:xfrm>
             <a:custGeom>
@@ -32997,7 +32997,7 @@
           </p:nvSpPr>
           <p:spPr>
             <a:xfrm>
-              <a:off x="4545691" y="6096650"/>
+              <a:off x="5051778" y="6096645"/>
               <a:ext cx="63202" cy="63202"/>
             </a:xfrm>
             <a:custGeom>
@@ -33040,7 +33040,7 @@
           </p:nvSpPr>
           <p:spPr>
             <a:xfrm>
-              <a:off x="4885132" y="6063141"/>
+              <a:off x="4986611" y="6063148"/>
               <a:ext cx="63202" cy="63202"/>
             </a:xfrm>
             <a:custGeom>
@@ -33083,7 +33083,7 @@
           </p:nvSpPr>
           <p:spPr>
             <a:xfrm>
-              <a:off x="5056667" y="5899126"/>
+              <a:off x="4695014" y="5899134"/>
               <a:ext cx="63202" cy="63202"/>
             </a:xfrm>
             <a:custGeom>
@@ -33126,7 +33126,7 @@
           </p:nvSpPr>
           <p:spPr>
             <a:xfrm>
-              <a:off x="4859651" y="6299573"/>
+              <a:off x="5008301" y="6299578"/>
               <a:ext cx="63202" cy="63202"/>
             </a:xfrm>
             <a:custGeom>
@@ -33169,7 +33169,7 @@
           </p:nvSpPr>
           <p:spPr>
             <a:xfrm>
-              <a:off x="4621088" y="6289730"/>
+              <a:off x="5065398" y="6289742"/>
               <a:ext cx="63202" cy="63202"/>
             </a:xfrm>
             <a:custGeom>
@@ -33212,7 +33212,7 @@
           </p:nvSpPr>
           <p:spPr>
             <a:xfrm>
-              <a:off x="4927499" y="5866033"/>
+              <a:off x="4921605" y="5866048"/>
               <a:ext cx="63202" cy="63202"/>
             </a:xfrm>
             <a:custGeom>
@@ -33255,7 +33255,7 @@
           </p:nvSpPr>
           <p:spPr>
             <a:xfrm>
-              <a:off x="4533503" y="5870357"/>
+              <a:off x="4830253" y="5870358"/>
               <a:ext cx="63202" cy="63202"/>
             </a:xfrm>
             <a:custGeom>
@@ -33298,7 +33298,7 @@
           </p:nvSpPr>
           <p:spPr>
             <a:xfrm>
-              <a:off x="4758362" y="6098990"/>
+              <a:off x="4489149" y="6098985"/>
               <a:ext cx="63202" cy="63202"/>
             </a:xfrm>
             <a:custGeom>
@@ -33341,7 +33341,7 @@
           </p:nvSpPr>
           <p:spPr>
             <a:xfrm>
-              <a:off x="4742778" y="6052438"/>
+              <a:off x="5064069" y="6052452"/>
               <a:ext cx="63202" cy="63202"/>
             </a:xfrm>
             <a:custGeom>
@@ -33384,7 +33384,7 @@
           </p:nvSpPr>
           <p:spPr>
             <a:xfrm>
-              <a:off x="4937985" y="5902710"/>
+              <a:off x="5034431" y="5902725"/>
               <a:ext cx="63202" cy="63202"/>
             </a:xfrm>
             <a:custGeom>
@@ -33427,7 +33427,7 @@
           </p:nvSpPr>
           <p:spPr>
             <a:xfrm>
-              <a:off x="4506525" y="6049323"/>
+              <a:off x="4484909" y="6049315"/>
               <a:ext cx="63202" cy="63202"/>
             </a:xfrm>
             <a:custGeom>
@@ -33470,7 +33470,7 @@
           </p:nvSpPr>
           <p:spPr>
             <a:xfrm>
-              <a:off x="4740970" y="5998230"/>
+              <a:off x="5119965" y="5998237"/>
               <a:ext cx="63202" cy="63202"/>
             </a:xfrm>
             <a:custGeom>
@@ -33513,7 +33513,7 @@
           </p:nvSpPr>
           <p:spPr>
             <a:xfrm>
-              <a:off x="4812869" y="5863950"/>
+              <a:off x="4527586" y="5863949"/>
               <a:ext cx="63202" cy="63202"/>
             </a:xfrm>
             <a:custGeom>
@@ -33556,7 +33556,7 @@
           </p:nvSpPr>
           <p:spPr>
             <a:xfrm>
-              <a:off x="4699942" y="5871253"/>
+              <a:off x="4892887" y="5871246"/>
               <a:ext cx="63202" cy="63202"/>
             </a:xfrm>
             <a:custGeom>
@@ -33599,7 +33599,7 @@
           </p:nvSpPr>
           <p:spPr>
             <a:xfrm>
-              <a:off x="4981366" y="5860123"/>
+              <a:off x="4719567" y="5860123"/>
               <a:ext cx="63202" cy="63202"/>
             </a:xfrm>
             <a:custGeom>
@@ -33642,7 +33642,7 @@
           </p:nvSpPr>
           <p:spPr>
             <a:xfrm>
-              <a:off x="5080376" y="5925785"/>
+              <a:off x="4880353" y="5925798"/>
               <a:ext cx="63202" cy="63202"/>
             </a:xfrm>
             <a:custGeom>
@@ -33685,7 +33685,7 @@
           </p:nvSpPr>
           <p:spPr>
             <a:xfrm>
-              <a:off x="4954027" y="5870847"/>
+              <a:off x="5150125" y="5870867"/>
               <a:ext cx="63202" cy="63202"/>
             </a:xfrm>
             <a:custGeom>
@@ -33728,7 +33728,7 @@
           </p:nvSpPr>
           <p:spPr>
             <a:xfrm>
-              <a:off x="5068149" y="5927444"/>
+              <a:off x="4662246" y="5927476"/>
               <a:ext cx="63202" cy="63202"/>
             </a:xfrm>
             <a:custGeom>
@@ -33771,7 +33771,7 @@
           </p:nvSpPr>
           <p:spPr>
             <a:xfrm>
-              <a:off x="5105521" y="5932425"/>
+              <a:off x="5093528" y="5932399"/>
               <a:ext cx="63202" cy="63202"/>
             </a:xfrm>
             <a:custGeom>
@@ -33814,7 +33814,7 @@
           </p:nvSpPr>
           <p:spPr>
             <a:xfrm>
-              <a:off x="5114452" y="5926520"/>
+              <a:off x="4867983" y="5926514"/>
               <a:ext cx="63202" cy="63202"/>
             </a:xfrm>
             <a:custGeom>
@@ -33857,7 +33857,7 @@
           </p:nvSpPr>
           <p:spPr>
             <a:xfrm>
-              <a:off x="4934768" y="5926997"/>
+              <a:off x="4508212" y="5926995"/>
               <a:ext cx="63202" cy="63202"/>
             </a:xfrm>
             <a:custGeom>
@@ -33900,7 +33900,7 @@
           </p:nvSpPr>
           <p:spPr>
             <a:xfrm>
-              <a:off x="4884039" y="5888549"/>
+              <a:off x="4572701" y="5888550"/>
               <a:ext cx="63202" cy="63202"/>
             </a:xfrm>
             <a:custGeom>
@@ -33943,7 +33943,7 @@
           </p:nvSpPr>
           <p:spPr>
             <a:xfrm>
-              <a:off x="4503221" y="5925002"/>
+              <a:off x="5147617" y="5925020"/>
               <a:ext cx="63202" cy="63202"/>
             </a:xfrm>
             <a:custGeom>
@@ -33986,7 +33986,7 @@
           </p:nvSpPr>
           <p:spPr>
             <a:xfrm>
-              <a:off x="4607851" y="6043846"/>
+              <a:off x="4919317" y="6043851"/>
               <a:ext cx="63202" cy="63202"/>
             </a:xfrm>
             <a:custGeom>
@@ -34029,7 +34029,7 @@
           </p:nvSpPr>
           <p:spPr>
             <a:xfrm>
-              <a:off x="5150296" y="5870231"/>
+              <a:off x="4978571" y="5870202"/>
               <a:ext cx="63202" cy="63202"/>
             </a:xfrm>
             <a:custGeom>
@@ -34072,7 +34072,7 @@
           </p:nvSpPr>
           <p:spPr>
             <a:xfrm>
-              <a:off x="4903522" y="6197019"/>
+              <a:off x="4700125" y="6197038"/>
               <a:ext cx="63202" cy="63202"/>
             </a:xfrm>
             <a:custGeom>
@@ -34115,7 +34115,7 @@
           </p:nvSpPr>
           <p:spPr>
             <a:xfrm>
-              <a:off x="5024040" y="5907867"/>
+              <a:off x="4999684" y="5907838"/>
               <a:ext cx="63202" cy="63202"/>
             </a:xfrm>
             <a:custGeom>
@@ -34158,7 +34158,7 @@
           </p:nvSpPr>
           <p:spPr>
             <a:xfrm>
-              <a:off x="4887145" y="6119559"/>
+              <a:off x="4973985" y="6119536"/>
               <a:ext cx="63202" cy="63202"/>
             </a:xfrm>
             <a:custGeom>
@@ -34201,7 +34201,7 @@
           </p:nvSpPr>
           <p:spPr>
             <a:xfrm>
-              <a:off x="5161425" y="5959825"/>
+              <a:off x="4485745" y="5959823"/>
               <a:ext cx="63202" cy="63202"/>
             </a:xfrm>
             <a:custGeom>
@@ -34244,7 +34244,7 @@
           </p:nvSpPr>
           <p:spPr>
             <a:xfrm>
-              <a:off x="4648037" y="6153999"/>
+              <a:off x="4602065" y="6154011"/>
               <a:ext cx="63202" cy="63202"/>
             </a:xfrm>
             <a:custGeom>
@@ -34287,7 +34287,7 @@
           </p:nvSpPr>
           <p:spPr>
             <a:xfrm>
-              <a:off x="5153447" y="6086861"/>
+              <a:off x="5150143" y="6086865"/>
               <a:ext cx="63202" cy="63202"/>
             </a:xfrm>
             <a:custGeom>
@@ -34330,7 +34330,7 @@
           </p:nvSpPr>
           <p:spPr>
             <a:xfrm>
-              <a:off x="4901770" y="6260321"/>
+              <a:off x="5102293" y="6260321"/>
               <a:ext cx="63202" cy="63202"/>
             </a:xfrm>
             <a:custGeom>
@@ -34373,7 +34373,7 @@
           </p:nvSpPr>
           <p:spPr>
             <a:xfrm>
-              <a:off x="5119575" y="5865236"/>
+              <a:off x="5133701" y="5865234"/>
               <a:ext cx="63202" cy="63202"/>
             </a:xfrm>
             <a:custGeom>
@@ -34416,7 +34416,7 @@
           </p:nvSpPr>
           <p:spPr>
             <a:xfrm>
-              <a:off x="5042830" y="5865359"/>
+              <a:off x="5154530" y="5865360"/>
               <a:ext cx="63202" cy="63202"/>
             </a:xfrm>
             <a:custGeom>
@@ -34459,7 +34459,7 @@
           </p:nvSpPr>
           <p:spPr>
             <a:xfrm>
-              <a:off x="4512767" y="6175827"/>
+              <a:off x="4815984" y="6175846"/>
               <a:ext cx="63202" cy="63202"/>
             </a:xfrm>
             <a:custGeom>
@@ -34502,7 +34502,7 @@
           </p:nvSpPr>
           <p:spPr>
             <a:xfrm>
-              <a:off x="4576716" y="6112230"/>
+              <a:off x="5078992" y="6112236"/>
               <a:ext cx="63202" cy="63202"/>
             </a:xfrm>
             <a:custGeom>
@@ -34545,7 +34545,7 @@
           </p:nvSpPr>
           <p:spPr>
             <a:xfrm>
-              <a:off x="4802925" y="5998209"/>
+              <a:off x="4866986" y="5998187"/>
               <a:ext cx="63202" cy="63202"/>
             </a:xfrm>
             <a:custGeom>
@@ -34588,7 +34588,7 @@
           </p:nvSpPr>
           <p:spPr>
             <a:xfrm>
-              <a:off x="4984278" y="6068502"/>
+              <a:off x="4985427" y="6068526"/>
               <a:ext cx="63202" cy="63202"/>
             </a:xfrm>
             <a:custGeom>
@@ -34687,7 +34687,7 @@
           </p:nvSpPr>
           <p:spPr>
             <a:xfrm>
-              <a:off x="7192078" y="2815610"/>
+              <a:off x="7192078" y="2815588"/>
               <a:ext cx="2796732" cy="0"/>
             </a:xfrm>
             <a:custGeom>
@@ -34730,7 +34730,7 @@
           </p:nvSpPr>
           <p:spPr>
             <a:xfrm>
-              <a:off x="7192078" y="2361629"/>
+              <a:off x="7192078" y="2361622"/>
               <a:ext cx="2796732" cy="0"/>
             </a:xfrm>
             <a:custGeom>
@@ -34773,7 +34773,7 @@
           </p:nvSpPr>
           <p:spPr>
             <a:xfrm>
-              <a:off x="7192078" y="1907647"/>
+              <a:off x="7192078" y="1907655"/>
               <a:ext cx="2796732" cy="0"/>
             </a:xfrm>
             <a:custGeom>
@@ -34816,7 +34816,7 @@
           </p:nvSpPr>
           <p:spPr>
             <a:xfrm>
-              <a:off x="7192078" y="1453666"/>
+              <a:off x="7192078" y="1453689"/>
               <a:ext cx="2796732" cy="0"/>
             </a:xfrm>
             <a:custGeom>
@@ -34859,7 +34859,7 @@
           </p:nvSpPr>
           <p:spPr>
             <a:xfrm>
-              <a:off x="7192078" y="3042600"/>
+              <a:off x="7192078" y="3042572"/>
               <a:ext cx="2796732" cy="0"/>
             </a:xfrm>
             <a:custGeom>
@@ -34902,7 +34902,7 @@
           </p:nvSpPr>
           <p:spPr>
             <a:xfrm>
-              <a:off x="7192078" y="2588619"/>
+              <a:off x="7192078" y="2588605"/>
               <a:ext cx="2796732" cy="0"/>
             </a:xfrm>
             <a:custGeom>
@@ -34945,7 +34945,7 @@
           </p:nvSpPr>
           <p:spPr>
             <a:xfrm>
-              <a:off x="7192078" y="2134638"/>
+              <a:off x="7192078" y="2134639"/>
               <a:ext cx="2796732" cy="0"/>
             </a:xfrm>
             <a:custGeom>
@@ -34988,7 +34988,7 @@
           </p:nvSpPr>
           <p:spPr>
             <a:xfrm>
-              <a:off x="7192078" y="1680657"/>
+              <a:off x="7192078" y="1680672"/>
               <a:ext cx="2796732" cy="0"/>
             </a:xfrm>
             <a:custGeom>
@@ -35160,7 +35160,7 @@
           </p:nvSpPr>
           <p:spPr>
             <a:xfrm>
-              <a:off x="7719500" y="2813923"/>
+              <a:off x="7801429" y="2813895"/>
               <a:ext cx="63202" cy="63202"/>
             </a:xfrm>
             <a:custGeom>
@@ -35203,7 +35203,7 @@
           </p:nvSpPr>
           <p:spPr>
             <a:xfrm>
-              <a:off x="7376588" y="2585262"/>
+              <a:off x="7451189" y="2585237"/>
               <a:ext cx="63202" cy="63202"/>
             </a:xfrm>
             <a:custGeom>
@@ -35246,7 +35246,7 @@
           </p:nvSpPr>
           <p:spPr>
             <a:xfrm>
-              <a:off x="7478558" y="2552147"/>
+              <a:off x="7774748" y="2552162"/>
               <a:ext cx="63202" cy="63202"/>
             </a:xfrm>
             <a:custGeom>
@@ -35289,7 +35289,7 @@
           </p:nvSpPr>
           <p:spPr>
             <a:xfrm>
-              <a:off x="7970059" y="2556537"/>
+              <a:off x="7621631" y="2556509"/>
               <a:ext cx="63202" cy="63202"/>
             </a:xfrm>
             <a:custGeom>
@@ -35332,7 +35332,7 @@
           </p:nvSpPr>
           <p:spPr>
             <a:xfrm>
-              <a:off x="7475926" y="2550284"/>
+              <a:off x="7571088" y="2550269"/>
               <a:ext cx="63202" cy="63202"/>
             </a:xfrm>
             <a:custGeom>
@@ -35375,7 +35375,7 @@
           </p:nvSpPr>
           <p:spPr>
             <a:xfrm>
-              <a:off x="7738181" y="2269586"/>
+              <a:off x="7691148" y="2269585"/>
               <a:ext cx="63202" cy="63202"/>
             </a:xfrm>
             <a:custGeom>
@@ -35418,7 +35418,7 @@
           </p:nvSpPr>
           <p:spPr>
             <a:xfrm>
-              <a:off x="7776408" y="2573490"/>
+              <a:off x="7919705" y="2573476"/>
               <a:ext cx="63202" cy="63202"/>
             </a:xfrm>
             <a:custGeom>
@@ -35461,7 +35461,7 @@
           </p:nvSpPr>
           <p:spPr>
             <a:xfrm>
-              <a:off x="7823014" y="2583593"/>
+              <a:off x="7353655" y="2583547"/>
               <a:ext cx="63202" cy="63202"/>
             </a:xfrm>
             <a:custGeom>
@@ -35504,7 +35504,7 @@
           </p:nvSpPr>
           <p:spPr>
             <a:xfrm>
-              <a:off x="7594571" y="2549348"/>
+              <a:off x="7666319" y="2549325"/>
               <a:ext cx="63202" cy="63202"/>
             </a:xfrm>
             <a:custGeom>
@@ -35547,7 +35547,7 @@
           </p:nvSpPr>
           <p:spPr>
             <a:xfrm>
-              <a:off x="7581578" y="2548670"/>
+              <a:off x="7892626" y="2548640"/>
               <a:ext cx="63202" cy="63202"/>
             </a:xfrm>
             <a:custGeom>
@@ -35590,7 +35590,7 @@
           </p:nvSpPr>
           <p:spPr>
             <a:xfrm>
-              <a:off x="7767996" y="2574645"/>
+              <a:off x="7666777" y="2574626"/>
               <a:ext cx="63202" cy="63202"/>
             </a:xfrm>
             <a:custGeom>
@@ -35633,7 +35633,7 @@
           </p:nvSpPr>
           <p:spPr>
             <a:xfrm>
-              <a:off x="7939646" y="2659495"/>
+              <a:off x="7958309" y="2659464"/>
               <a:ext cx="63202" cy="63202"/>
             </a:xfrm>
             <a:custGeom>
@@ -35676,7 +35676,7 @@
           </p:nvSpPr>
           <p:spPr>
             <a:xfrm>
-              <a:off x="7695092" y="2579619"/>
+              <a:off x="7701465" y="2579607"/>
               <a:ext cx="63202" cy="63202"/>
             </a:xfrm>
             <a:custGeom>
@@ -35719,7 +35719,7 @@
           </p:nvSpPr>
           <p:spPr>
             <a:xfrm>
-              <a:off x="7576461" y="2585625"/>
+              <a:off x="7803857" y="2585592"/>
               <a:ext cx="63202" cy="63202"/>
             </a:xfrm>
             <a:custGeom>
@@ -35762,7 +35762,7 @@
           </p:nvSpPr>
           <p:spPr>
             <a:xfrm>
-              <a:off x="7594450" y="2573719"/>
+              <a:off x="7665857" y="2573716"/>
               <a:ext cx="63202" cy="63202"/>
             </a:xfrm>
             <a:custGeom>
@@ -35805,7 +35805,7 @@
           </p:nvSpPr>
           <p:spPr>
             <a:xfrm>
-              <a:off x="7846063" y="2582221"/>
+              <a:off x="7919777" y="2582205"/>
               <a:ext cx="63202" cy="63202"/>
             </a:xfrm>
             <a:custGeom>
@@ -35848,7 +35848,7 @@
           </p:nvSpPr>
           <p:spPr>
             <a:xfrm>
-              <a:off x="7880993" y="2572510"/>
+              <a:off x="7360214" y="2572472"/>
               <a:ext cx="63202" cy="63202"/>
             </a:xfrm>
             <a:custGeom>
@@ -35891,7 +35891,7 @@
           </p:nvSpPr>
           <p:spPr>
             <a:xfrm>
-              <a:off x="7657474" y="2557389"/>
+              <a:off x="7968675" y="2557352"/>
               <a:ext cx="63202" cy="63202"/>
             </a:xfrm>
             <a:custGeom>
@@ -35934,7 +35934,7 @@
           </p:nvSpPr>
           <p:spPr>
             <a:xfrm>
-              <a:off x="7694357" y="2578262"/>
+              <a:off x="7970333" y="2578265"/>
               <a:ext cx="63202" cy="63202"/>
             </a:xfrm>
             <a:custGeom>
@@ -35977,7 +35977,7 @@
           </p:nvSpPr>
           <p:spPr>
             <a:xfrm>
-              <a:off x="7527722" y="2671924"/>
+              <a:off x="7507566" y="2671917"/>
               <a:ext cx="63202" cy="63202"/>
             </a:xfrm>
             <a:custGeom>
@@ -36020,7 +36020,7 @@
           </p:nvSpPr>
           <p:spPr>
             <a:xfrm>
-              <a:off x="7818999" y="2548839"/>
+              <a:off x="7528042" y="2548830"/>
               <a:ext cx="63202" cy="63202"/>
             </a:xfrm>
             <a:custGeom>
@@ -36063,7 +36063,7 @@
           </p:nvSpPr>
           <p:spPr>
             <a:xfrm>
-              <a:off x="7791381" y="2552995"/>
+              <a:off x="7920204" y="2552977"/>
               <a:ext cx="63202" cy="63202"/>
             </a:xfrm>
             <a:custGeom>
@@ -36106,7 +36106,7 @@
           </p:nvSpPr>
           <p:spPr>
             <a:xfrm>
-              <a:off x="7898479" y="2585839"/>
+              <a:off x="7780767" y="2585819"/>
               <a:ext cx="63202" cy="63202"/>
             </a:xfrm>
             <a:custGeom>
@@ -36149,7 +36149,7 @@
           </p:nvSpPr>
           <p:spPr>
             <a:xfrm>
-              <a:off x="7732333" y="2572135"/>
+              <a:off x="7612439" y="2572107"/>
               <a:ext cx="63202" cy="63202"/>
             </a:xfrm>
             <a:custGeom>
@@ -36192,7 +36192,7 @@
           </p:nvSpPr>
           <p:spPr>
             <a:xfrm>
-              <a:off x="7812054" y="2576164"/>
+              <a:off x="7884803" y="2576170"/>
               <a:ext cx="63202" cy="63202"/>
             </a:xfrm>
             <a:custGeom>
@@ -36235,7 +36235,7 @@
           </p:nvSpPr>
           <p:spPr>
             <a:xfrm>
-              <a:off x="7815454" y="2574625"/>
+              <a:off x="7666608" y="2574600"/>
               <a:ext cx="63202" cy="63202"/>
             </a:xfrm>
             <a:custGeom>
@@ -36278,7 +36278,7 @@
           </p:nvSpPr>
           <p:spPr>
             <a:xfrm>
-              <a:off x="8027950" y="2256347"/>
+              <a:off x="7755553" y="2256352"/>
               <a:ext cx="63202" cy="63202"/>
             </a:xfrm>
             <a:custGeom>
@@ -36321,7 +36321,7 @@
           </p:nvSpPr>
           <p:spPr>
             <a:xfrm>
-              <a:off x="7625526" y="2583855"/>
+              <a:off x="7357846" y="2583823"/>
               <a:ext cx="63202" cy="63202"/>
             </a:xfrm>
             <a:custGeom>
@@ -36364,7 +36364,7 @@
           </p:nvSpPr>
           <p:spPr>
             <a:xfrm>
-              <a:off x="7646398" y="2683491"/>
+              <a:off x="7418510" y="2683479"/>
               <a:ext cx="63202" cy="63202"/>
             </a:xfrm>
             <a:custGeom>
@@ -36407,7 +36407,7 @@
           </p:nvSpPr>
           <p:spPr>
             <a:xfrm>
-              <a:off x="7829280" y="2572366"/>
+              <a:off x="7778548" y="2572346"/>
               <a:ext cx="63202" cy="63202"/>
             </a:xfrm>
             <a:custGeom>
@@ -36450,7 +36450,7 @@
           </p:nvSpPr>
           <p:spPr>
             <a:xfrm>
-              <a:off x="7757764" y="2256066"/>
+              <a:off x="7614939" y="2256063"/>
               <a:ext cx="63202" cy="63202"/>
             </a:xfrm>
             <a:custGeom>
@@ -36493,7 +36493,7 @@
           </p:nvSpPr>
           <p:spPr>
             <a:xfrm>
-              <a:off x="7614527" y="2553006"/>
+              <a:off x="7647084" y="2553026"/>
               <a:ext cx="63202" cy="63202"/>
             </a:xfrm>
             <a:custGeom>
@@ -36536,7 +36536,7 @@
           </p:nvSpPr>
           <p:spPr>
             <a:xfrm>
-              <a:off x="7727223" y="2562722"/>
+              <a:off x="7430011" y="2562729"/>
               <a:ext cx="63202" cy="63202"/>
             </a:xfrm>
             <a:custGeom>
@@ -36579,7 +36579,7 @@
           </p:nvSpPr>
           <p:spPr>
             <a:xfrm>
-              <a:off x="7586456" y="2555290"/>
+              <a:off x="7490562" y="2555275"/>
               <a:ext cx="63202" cy="63202"/>
             </a:xfrm>
             <a:custGeom>
@@ -36622,7 +36622,7 @@
           </p:nvSpPr>
           <p:spPr>
             <a:xfrm>
-              <a:off x="7568613" y="2557579"/>
+              <a:off x="7665058" y="2557541"/>
               <a:ext cx="63202" cy="63202"/>
             </a:xfrm>
             <a:custGeom>
@@ -36665,7 +36665,7 @@
           </p:nvSpPr>
           <p:spPr>
             <a:xfrm>
-              <a:off x="7747666" y="2557709"/>
+              <a:off x="7392630" y="2557687"/>
               <a:ext cx="63202" cy="63202"/>
             </a:xfrm>
             <a:custGeom>
@@ -36708,7 +36708,7 @@
           </p:nvSpPr>
           <p:spPr>
             <a:xfrm>
-              <a:off x="7489244" y="2558003"/>
+              <a:off x="7689593" y="2557993"/>
               <a:ext cx="63202" cy="63202"/>
             </a:xfrm>
             <a:custGeom>
@@ -36751,7 +36751,7 @@
           </p:nvSpPr>
           <p:spPr>
             <a:xfrm>
-              <a:off x="7951520" y="2559201"/>
+              <a:off x="7618315" y="2559182"/>
               <a:ext cx="63202" cy="63202"/>
             </a:xfrm>
             <a:custGeom>
@@ -36794,7 +36794,7 @@
           </p:nvSpPr>
           <p:spPr>
             <a:xfrm>
-              <a:off x="7789648" y="2553330"/>
+              <a:off x="7435502" y="2553327"/>
               <a:ext cx="63202" cy="63202"/>
             </a:xfrm>
             <a:custGeom>
@@ -36837,7 +36837,7 @@
           </p:nvSpPr>
           <p:spPr>
             <a:xfrm>
-              <a:off x="7969899" y="2592282"/>
+              <a:off x="7656918" y="2592265"/>
               <a:ext cx="63202" cy="63202"/>
             </a:xfrm>
             <a:custGeom>
@@ -36880,7 +36880,7 @@
           </p:nvSpPr>
           <p:spPr>
             <a:xfrm>
-              <a:off x="7372805" y="2568971"/>
+              <a:off x="8010132" y="2568961"/>
               <a:ext cx="63202" cy="63202"/>
             </a:xfrm>
             <a:custGeom>
@@ -36923,7 +36923,7 @@
           </p:nvSpPr>
           <p:spPr>
             <a:xfrm>
-              <a:off x="7411141" y="2555884"/>
+              <a:off x="7878504" y="2555885"/>
               <a:ext cx="63202" cy="63202"/>
             </a:xfrm>
             <a:custGeom>
@@ -36966,7 +36966,7 @@
           </p:nvSpPr>
           <p:spPr>
             <a:xfrm>
-              <a:off x="7807056" y="2622892"/>
+              <a:off x="7633398" y="2622890"/>
               <a:ext cx="63202" cy="63202"/>
             </a:xfrm>
             <a:custGeom>
@@ -37009,7 +37009,7 @@
           </p:nvSpPr>
           <p:spPr>
             <a:xfrm>
-              <a:off x="7401839" y="2469842"/>
+              <a:off x="8003145" y="2469841"/>
               <a:ext cx="63202" cy="63202"/>
             </a:xfrm>
             <a:custGeom>
@@ -37052,7 +37052,7 @@
           </p:nvSpPr>
           <p:spPr>
             <a:xfrm>
-              <a:off x="7434223" y="2555748"/>
+              <a:off x="7436847" y="2555742"/>
               <a:ext cx="63202" cy="63202"/>
             </a:xfrm>
             <a:custGeom>
@@ -37095,7 +37095,7 @@
           </p:nvSpPr>
           <p:spPr>
             <a:xfrm>
-              <a:off x="7398854" y="2557347"/>
+              <a:off x="7592293" y="2557314"/>
               <a:ext cx="63202" cy="63202"/>
             </a:xfrm>
             <a:custGeom>
@@ -37138,7 +37138,7 @@
           </p:nvSpPr>
           <p:spPr>
             <a:xfrm>
-              <a:off x="7536410" y="2556732"/>
+              <a:off x="7759827" y="2556746"/>
               <a:ext cx="63202" cy="63202"/>
             </a:xfrm>
             <a:custGeom>
@@ -37181,7 +37181,7 @@
           </p:nvSpPr>
           <p:spPr>
             <a:xfrm>
-              <a:off x="7810695" y="2557396"/>
+              <a:off x="7469157" y="2557378"/>
               <a:ext cx="63202" cy="63202"/>
             </a:xfrm>
             <a:custGeom>
@@ -37224,7 +37224,7 @@
           </p:nvSpPr>
           <p:spPr>
             <a:xfrm>
-              <a:off x="7554756" y="2550166"/>
+              <a:off x="7790491" y="2550140"/>
               <a:ext cx="63202" cy="63202"/>
             </a:xfrm>
             <a:custGeom>
@@ -37323,7 +37323,7 @@
           </p:nvSpPr>
           <p:spPr>
             <a:xfrm>
-              <a:off x="7192078" y="4740942"/>
+              <a:off x="7192078" y="4740921"/>
               <a:ext cx="2796732" cy="0"/>
             </a:xfrm>
             <a:custGeom>
@@ -37366,7 +37366,7 @@
           </p:nvSpPr>
           <p:spPr>
             <a:xfrm>
-              <a:off x="7192078" y="4286961"/>
+              <a:off x="7192078" y="4286954"/>
               <a:ext cx="2796732" cy="0"/>
             </a:xfrm>
             <a:custGeom>
@@ -37409,7 +37409,7 @@
           </p:nvSpPr>
           <p:spPr>
             <a:xfrm>
-              <a:off x="7192078" y="3832980"/>
+              <a:off x="7192078" y="3832988"/>
               <a:ext cx="2796732" cy="0"/>
             </a:xfrm>
             <a:custGeom>
@@ -37452,7 +37452,7 @@
           </p:nvSpPr>
           <p:spPr>
             <a:xfrm>
-              <a:off x="7192078" y="3378999"/>
+              <a:off x="7192078" y="3379021"/>
               <a:ext cx="2796732" cy="0"/>
             </a:xfrm>
             <a:custGeom>
@@ -37495,7 +37495,7 @@
           </p:nvSpPr>
           <p:spPr>
             <a:xfrm>
-              <a:off x="7192078" y="4967933"/>
+              <a:off x="7192078" y="4967904"/>
               <a:ext cx="2796732" cy="0"/>
             </a:xfrm>
             <a:custGeom>
@@ -37538,7 +37538,7 @@
           </p:nvSpPr>
           <p:spPr>
             <a:xfrm>
-              <a:off x="7192078" y="4513952"/>
+              <a:off x="7192078" y="4513938"/>
               <a:ext cx="2796732" cy="0"/>
             </a:xfrm>
             <a:custGeom>
@@ -37624,7 +37624,7 @@
           </p:nvSpPr>
           <p:spPr>
             <a:xfrm>
-              <a:off x="7192078" y="3605989"/>
+              <a:off x="7192078" y="3606005"/>
               <a:ext cx="2796732" cy="0"/>
             </a:xfrm>
             <a:custGeom>
@@ -37796,7 +37796,7 @@
           </p:nvSpPr>
           <p:spPr>
             <a:xfrm>
-              <a:off x="7574997" y="4442519"/>
+              <a:off x="7920469" y="4442523"/>
               <a:ext cx="63202" cy="63202"/>
             </a:xfrm>
             <a:custGeom>
@@ -37839,7 +37839,7 @@
           </p:nvSpPr>
           <p:spPr>
             <a:xfrm>
-              <a:off x="7974784" y="4365095"/>
+              <a:off x="7689751" y="4365078"/>
               <a:ext cx="63202" cy="63202"/>
             </a:xfrm>
             <a:custGeom>
@@ -37882,7 +37882,7 @@
           </p:nvSpPr>
           <p:spPr>
             <a:xfrm>
-              <a:off x="7705176" y="4516629"/>
+              <a:off x="7921696" y="4516614"/>
               <a:ext cx="63202" cy="63202"/>
             </a:xfrm>
             <a:custGeom>
@@ -37925,7 +37925,7 @@
           </p:nvSpPr>
           <p:spPr>
             <a:xfrm>
-              <a:off x="7930862" y="4441887"/>
+              <a:off x="7343286" y="4441883"/>
               <a:ext cx="63202" cy="63202"/>
             </a:xfrm>
             <a:custGeom>
@@ -37968,7 +37968,7 @@
           </p:nvSpPr>
           <p:spPr>
             <a:xfrm>
-              <a:off x="7768934" y="4504748"/>
+              <a:off x="7706420" y="4504729"/>
               <a:ext cx="63202" cy="63202"/>
             </a:xfrm>
             <a:custGeom>
@@ -38011,7 +38011,7 @@
           </p:nvSpPr>
           <p:spPr>
             <a:xfrm>
-              <a:off x="7566223" y="4407460"/>
+              <a:off x="7496811" y="4407422"/>
               <a:ext cx="63202" cy="63202"/>
             </a:xfrm>
             <a:custGeom>
@@ -38054,7 +38054,7 @@
           </p:nvSpPr>
           <p:spPr>
             <a:xfrm>
-              <a:off x="7841450" y="4388378"/>
+              <a:off x="7827974" y="4388367"/>
               <a:ext cx="63202" cy="63202"/>
             </a:xfrm>
             <a:custGeom>
@@ -38097,7 +38097,7 @@
           </p:nvSpPr>
           <p:spPr>
             <a:xfrm>
-              <a:off x="7854299" y="4445849"/>
+              <a:off x="7995739" y="4445848"/>
               <a:ext cx="63202" cy="63202"/>
             </a:xfrm>
             <a:custGeom>
@@ -38140,7 +38140,7 @@
           </p:nvSpPr>
           <p:spPr>
             <a:xfrm>
-              <a:off x="7723102" y="4475866"/>
+              <a:off x="7410629" y="4475849"/>
               <a:ext cx="63202" cy="63202"/>
             </a:xfrm>
             <a:custGeom>
@@ -38183,7 +38183,7 @@
           </p:nvSpPr>
           <p:spPr>
             <a:xfrm>
-              <a:off x="7864028" y="4371754"/>
+              <a:off x="7676372" y="4371735"/>
               <a:ext cx="63202" cy="63202"/>
             </a:xfrm>
             <a:custGeom>
@@ -38226,7 +38226,7 @@
           </p:nvSpPr>
           <p:spPr>
             <a:xfrm>
-              <a:off x="7524866" y="4356676"/>
+              <a:off x="7641982" y="4356683"/>
               <a:ext cx="63202" cy="63202"/>
             </a:xfrm>
             <a:custGeom>
@@ -38269,7 +38269,7 @@
           </p:nvSpPr>
           <p:spPr>
             <a:xfrm>
-              <a:off x="7977499" y="4415536"/>
+              <a:off x="7972434" y="4415522"/>
               <a:ext cx="63202" cy="63202"/>
             </a:xfrm>
             <a:custGeom>
@@ -38312,7 +38312,7 @@
           </p:nvSpPr>
           <p:spPr>
             <a:xfrm>
-              <a:off x="7513322" y="4357128"/>
+              <a:off x="7824796" y="4357147"/>
               <a:ext cx="63202" cy="63202"/>
             </a:xfrm>
             <a:custGeom>
@@ -38355,7 +38355,7 @@
           </p:nvSpPr>
           <p:spPr>
             <a:xfrm>
-              <a:off x="7825552" y="4387696"/>
+              <a:off x="7613460" y="4387668"/>
               <a:ext cx="63202" cy="63202"/>
             </a:xfrm>
             <a:custGeom>
@@ -39850,7 +39850,7 @@
           </p:nvSpPr>
           <p:spPr>
             <a:xfrm>
-              <a:off x="1334650" y="3000909"/>
+              <a:off x="1334650" y="3000880"/>
               <a:ext cx="62155" cy="81691"/>
             </a:xfrm>
             <a:prstGeom prst="rect">
@@ -39896,7 +39896,7 @@
           </p:nvSpPr>
           <p:spPr>
             <a:xfrm>
-              <a:off x="1148183" y="2546927"/>
+              <a:off x="1148183" y="2546913"/>
               <a:ext cx="248622" cy="81691"/>
             </a:xfrm>
             <a:prstGeom prst="rect">
@@ -39942,7 +39942,7 @@
           </p:nvSpPr>
           <p:spPr>
             <a:xfrm>
-              <a:off x="1148183" y="2092946"/>
+              <a:off x="1148183" y="2092947"/>
               <a:ext cx="248622" cy="81691"/>
             </a:xfrm>
             <a:prstGeom prst="rect">
@@ -39988,7 +39988,7 @@
           </p:nvSpPr>
           <p:spPr>
             <a:xfrm>
-              <a:off x="1148183" y="1638911"/>
+              <a:off x="1148183" y="1638926"/>
               <a:ext cx="248622" cy="81746"/>
             </a:xfrm>
             <a:prstGeom prst="rect">
@@ -40034,7 +40034,7 @@
           </p:nvSpPr>
           <p:spPr>
             <a:xfrm>
-              <a:off x="1424641" y="3042600"/>
+              <a:off x="1424641" y="3042572"/>
               <a:ext cx="34794" cy="0"/>
             </a:xfrm>
             <a:custGeom>
@@ -40074,7 +40074,7 @@
           </p:nvSpPr>
           <p:spPr>
             <a:xfrm>
-              <a:off x="1424641" y="2588619"/>
+              <a:off x="1424641" y="2588605"/>
               <a:ext cx="34794" cy="0"/>
             </a:xfrm>
             <a:custGeom>
@@ -40114,7 +40114,7 @@
           </p:nvSpPr>
           <p:spPr>
             <a:xfrm>
-              <a:off x="1424641" y="2134638"/>
+              <a:off x="1424641" y="2134639"/>
               <a:ext cx="34794" cy="0"/>
             </a:xfrm>
             <a:custGeom>
@@ -40154,7 +40154,7 @@
           </p:nvSpPr>
           <p:spPr>
             <a:xfrm>
-              <a:off x="1424641" y="1680657"/>
+              <a:off x="1424641" y="1680672"/>
               <a:ext cx="34794" cy="0"/>
             </a:xfrm>
             <a:custGeom>
@@ -40194,7 +40194,7 @@
           </p:nvSpPr>
           <p:spPr>
             <a:xfrm>
-              <a:off x="1334650" y="4926241"/>
+              <a:off x="1334650" y="4926212"/>
               <a:ext cx="62155" cy="81691"/>
             </a:xfrm>
             <a:prstGeom prst="rect">
@@ -40240,7 +40240,7 @@
           </p:nvSpPr>
           <p:spPr>
             <a:xfrm>
-              <a:off x="1148183" y="4472260"/>
+              <a:off x="1148183" y="4472246"/>
               <a:ext cx="248622" cy="81691"/>
             </a:xfrm>
             <a:prstGeom prst="rect">
@@ -40332,7 +40332,7 @@
           </p:nvSpPr>
           <p:spPr>
             <a:xfrm>
-              <a:off x="1148183" y="3564243"/>
+              <a:off x="1148183" y="3564258"/>
               <a:ext cx="248622" cy="81746"/>
             </a:xfrm>
             <a:prstGeom prst="rect">
@@ -40378,7 +40378,7 @@
           </p:nvSpPr>
           <p:spPr>
             <a:xfrm>
-              <a:off x="1424641" y="4967933"/>
+              <a:off x="1424641" y="4967904"/>
               <a:ext cx="34794" cy="0"/>
             </a:xfrm>
             <a:custGeom>
@@ -40418,7 +40418,7 @@
           </p:nvSpPr>
           <p:spPr>
             <a:xfrm>
-              <a:off x="1424641" y="4513952"/>
+              <a:off x="1424641" y="4513938"/>
               <a:ext cx="34794" cy="0"/>
             </a:xfrm>
             <a:custGeom>
@@ -40498,7 +40498,7 @@
           </p:nvSpPr>
           <p:spPr>
             <a:xfrm>
-              <a:off x="1424641" y="3605989"/>
+              <a:off x="1424641" y="3606005"/>
               <a:ext cx="34794" cy="0"/>
             </a:xfrm>
             <a:custGeom>
@@ -40538,7 +40538,7 @@
           </p:nvSpPr>
           <p:spPr>
             <a:xfrm>
-              <a:off x="1334650" y="6851574"/>
+              <a:off x="1334650" y="6851545"/>
               <a:ext cx="62155" cy="81691"/>
             </a:xfrm>
             <a:prstGeom prst="rect">
@@ -40584,7 +40584,7 @@
           </p:nvSpPr>
           <p:spPr>
             <a:xfrm>
-              <a:off x="1148183" y="6397593"/>
+              <a:off x="1148183" y="6397578"/>
               <a:ext cx="248622" cy="81691"/>
             </a:xfrm>
             <a:prstGeom prst="rect">
@@ -40630,7 +40630,7 @@
           </p:nvSpPr>
           <p:spPr>
             <a:xfrm>
-              <a:off x="1148183" y="5943611"/>
+              <a:off x="1148183" y="5943612"/>
               <a:ext cx="248622" cy="81691"/>
             </a:xfrm>
             <a:prstGeom prst="rect">
@@ -40676,7 +40676,7 @@
           </p:nvSpPr>
           <p:spPr>
             <a:xfrm>
-              <a:off x="1148183" y="5489576"/>
+              <a:off x="1148183" y="5489591"/>
               <a:ext cx="248622" cy="81746"/>
             </a:xfrm>
             <a:prstGeom prst="rect">
@@ -40722,7 +40722,7 @@
           </p:nvSpPr>
           <p:spPr>
             <a:xfrm>
-              <a:off x="1424641" y="6893265"/>
+              <a:off x="1424641" y="6893237"/>
               <a:ext cx="34794" cy="0"/>
             </a:xfrm>
             <a:custGeom>
@@ -40762,7 +40762,7 @@
           </p:nvSpPr>
           <p:spPr>
             <a:xfrm>
-              <a:off x="1424641" y="6439284"/>
+              <a:off x="1424641" y="6439270"/>
               <a:ext cx="34794" cy="0"/>
             </a:xfrm>
             <a:custGeom>
@@ -40802,7 +40802,7 @@
           </p:nvSpPr>
           <p:spPr>
             <a:xfrm>
-              <a:off x="1424641" y="5985303"/>
+              <a:off x="1424641" y="5985304"/>
               <a:ext cx="34794" cy="0"/>
             </a:xfrm>
             <a:custGeom>
@@ -40842,7 +40842,7 @@
           </p:nvSpPr>
           <p:spPr>
             <a:xfrm>
-              <a:off x="1424641" y="5531322"/>
+              <a:off x="1424641" y="5531337"/>
               <a:ext cx="34794" cy="0"/>
             </a:xfrm>
             <a:custGeom>

--- a/Images/Figures_PPT/Jitter_Plot_TOR_All.pptx
+++ b/Images/Figures_PPT/Jitter_Plot_TOR_All.pptx
@@ -2359,7 +2359,7 @@
           </p:nvSpPr>
           <p:spPr>
             <a:xfrm>
-              <a:off x="1459435" y="2815588"/>
+              <a:off x="1459435" y="2815585"/>
               <a:ext cx="2796732" cy="0"/>
             </a:xfrm>
             <a:custGeom>
@@ -2402,7 +2402,7 @@
           </p:nvSpPr>
           <p:spPr>
             <a:xfrm>
-              <a:off x="1459435" y="2361622"/>
+              <a:off x="1459435" y="2361618"/>
               <a:ext cx="2796732" cy="0"/>
             </a:xfrm>
             <a:custGeom>
@@ -2445,7 +2445,7 @@
           </p:nvSpPr>
           <p:spPr>
             <a:xfrm>
-              <a:off x="1459435" y="1907655"/>
+              <a:off x="1459435" y="1907651"/>
               <a:ext cx="2796732" cy="0"/>
             </a:xfrm>
             <a:custGeom>
@@ -2488,7 +2488,7 @@
           </p:nvSpPr>
           <p:spPr>
             <a:xfrm>
-              <a:off x="1459435" y="1453689"/>
+              <a:off x="1459435" y="1453685"/>
               <a:ext cx="2796732" cy="0"/>
             </a:xfrm>
             <a:custGeom>
@@ -2531,7 +2531,7 @@
           </p:nvSpPr>
           <p:spPr>
             <a:xfrm>
-              <a:off x="1459435" y="3042572"/>
+              <a:off x="1459435" y="3042568"/>
               <a:ext cx="2796732" cy="0"/>
             </a:xfrm>
             <a:custGeom>
@@ -2574,7 +2574,7 @@
           </p:nvSpPr>
           <p:spPr>
             <a:xfrm>
-              <a:off x="1459435" y="2588605"/>
+              <a:off x="1459435" y="2588601"/>
               <a:ext cx="2796732" cy="0"/>
             </a:xfrm>
             <a:custGeom>
@@ -2617,7 +2617,7 @@
           </p:nvSpPr>
           <p:spPr>
             <a:xfrm>
-              <a:off x="1459435" y="2134639"/>
+              <a:off x="1459435" y="2134635"/>
               <a:ext cx="2796732" cy="0"/>
             </a:xfrm>
             <a:custGeom>
@@ -2660,7 +2660,7 @@
           </p:nvSpPr>
           <p:spPr>
             <a:xfrm>
-              <a:off x="1459435" y="1680672"/>
+              <a:off x="1459435" y="1680668"/>
               <a:ext cx="2796732" cy="0"/>
             </a:xfrm>
             <a:custGeom>
@@ -2832,7 +2832,7 @@
           </p:nvSpPr>
           <p:spPr>
             <a:xfrm>
-              <a:off x="2798289" y="2907120"/>
+              <a:off x="2960145" y="2907109"/>
               <a:ext cx="63202" cy="63202"/>
             </a:xfrm>
             <a:custGeom>
@@ -2875,7 +2875,7 @@
           </p:nvSpPr>
           <p:spPr>
             <a:xfrm>
-              <a:off x="2160292" y="2419726"/>
+              <a:off x="2235993" y="2419715"/>
               <a:ext cx="63202" cy="63202"/>
             </a:xfrm>
             <a:custGeom>
@@ -2918,7 +2918,7 @@
           </p:nvSpPr>
           <p:spPr>
             <a:xfrm>
-              <a:off x="1805704" y="2585757"/>
+              <a:off x="1958119" y="2585719"/>
               <a:ext cx="63202" cy="63202"/>
             </a:xfrm>
             <a:custGeom>
@@ -2961,7 +2961,7 @@
           </p:nvSpPr>
           <p:spPr>
             <a:xfrm>
-              <a:off x="3044372" y="2899670"/>
+              <a:off x="2995312" y="2899655"/>
               <a:ext cx="63202" cy="63202"/>
             </a:xfrm>
             <a:custGeom>
@@ -3004,7 +3004,7 @@
           </p:nvSpPr>
           <p:spPr>
             <a:xfrm>
-              <a:off x="1748346" y="2784209"/>
+              <a:off x="2037044" y="2784207"/>
               <a:ext cx="63202" cy="63202"/>
             </a:xfrm>
             <a:custGeom>
@@ -3047,7 +3047,7 @@
           </p:nvSpPr>
           <p:spPr>
             <a:xfrm>
-              <a:off x="1951135" y="2808321"/>
+              <a:off x="2284920" y="2808329"/>
               <a:ext cx="63202" cy="63202"/>
             </a:xfrm>
             <a:custGeom>
@@ -3090,7 +3090,7 @@
           </p:nvSpPr>
           <p:spPr>
             <a:xfrm>
-              <a:off x="2234782" y="2359926"/>
+              <a:off x="1698075" y="2359951"/>
               <a:ext cx="63202" cy="63202"/>
             </a:xfrm>
             <a:custGeom>
@@ -3133,7 +3133,7 @@
           </p:nvSpPr>
           <p:spPr>
             <a:xfrm>
-              <a:off x="1794282" y="2513654"/>
+              <a:off x="2118975" y="2513658"/>
               <a:ext cx="63202" cy="63202"/>
             </a:xfrm>
             <a:custGeom>
@@ -3176,7 +3176,7 @@
           </p:nvSpPr>
           <p:spPr>
             <a:xfrm>
-              <a:off x="1662678" y="2680930"/>
+              <a:off x="2298030" y="2680932"/>
               <a:ext cx="63202" cy="63202"/>
             </a:xfrm>
             <a:custGeom>
@@ -3219,7 +3219,7 @@
           </p:nvSpPr>
           <p:spPr>
             <a:xfrm>
-              <a:off x="2180195" y="2485509"/>
+              <a:off x="1642806" y="2485507"/>
               <a:ext cx="63202" cy="63202"/>
             </a:xfrm>
             <a:custGeom>
@@ -3262,7 +3262,7 @@
           </p:nvSpPr>
           <p:spPr>
             <a:xfrm>
-              <a:off x="2166139" y="2799394"/>
+              <a:off x="1707969" y="2799378"/>
               <a:ext cx="63202" cy="63202"/>
             </a:xfrm>
             <a:custGeom>
@@ -3305,7 +3305,7 @@
           </p:nvSpPr>
           <p:spPr>
             <a:xfrm>
-              <a:off x="3115062" y="2935491"/>
+              <a:off x="3097510" y="2935457"/>
               <a:ext cx="63202" cy="63202"/>
             </a:xfrm>
             <a:custGeom>
@@ -3348,7 +3348,7 @@
           </p:nvSpPr>
           <p:spPr>
             <a:xfrm>
-              <a:off x="1889654" y="2513315"/>
+              <a:off x="2289519" y="2513323"/>
               <a:ext cx="63202" cy="63202"/>
             </a:xfrm>
             <a:custGeom>
@@ -3391,7 +3391,7 @@
           </p:nvSpPr>
           <p:spPr>
             <a:xfrm>
-              <a:off x="1816377" y="2807744"/>
+              <a:off x="1774333" y="2807714"/>
               <a:ext cx="63202" cy="63202"/>
             </a:xfrm>
             <a:custGeom>
@@ -3434,7 +3434,7 @@
           </p:nvSpPr>
           <p:spPr>
             <a:xfrm>
-              <a:off x="1794035" y="2701773"/>
+              <a:off x="1770430" y="2701758"/>
               <a:ext cx="63202" cy="63202"/>
             </a:xfrm>
             <a:custGeom>
@@ -3477,7 +3477,7 @@
           </p:nvSpPr>
           <p:spPr>
             <a:xfrm>
-              <a:off x="2055160" y="2680935"/>
+              <a:off x="1692589" y="2680931"/>
               <a:ext cx="63202" cy="63202"/>
             </a:xfrm>
             <a:custGeom>
@@ -3520,7 +3520,7 @@
           </p:nvSpPr>
           <p:spPr>
             <a:xfrm>
-              <a:off x="1869493" y="2808738"/>
+              <a:off x="2274079" y="2808741"/>
               <a:ext cx="63202" cy="63202"/>
             </a:xfrm>
             <a:custGeom>
@@ -3563,7 +3563,7 @@
           </p:nvSpPr>
           <p:spPr>
             <a:xfrm>
-              <a:off x="2672608" y="2929466"/>
+              <a:off x="2920165" y="2929491"/>
               <a:ext cx="63202" cy="63202"/>
             </a:xfrm>
             <a:custGeom>
@@ -3606,7 +3606,7 @@
           </p:nvSpPr>
           <p:spPr>
             <a:xfrm>
-              <a:off x="1755883" y="2859535"/>
+              <a:off x="1871440" y="2859513"/>
               <a:ext cx="63202" cy="63202"/>
             </a:xfrm>
             <a:custGeom>
@@ -3649,7 +3649,7 @@
           </p:nvSpPr>
           <p:spPr>
             <a:xfrm>
-              <a:off x="1631951" y="2485511"/>
+              <a:off x="1643581" y="2485503"/>
               <a:ext cx="63202" cy="63202"/>
             </a:xfrm>
             <a:custGeom>
@@ -3692,7 +3692,7 @@
           </p:nvSpPr>
           <p:spPr>
             <a:xfrm>
-              <a:off x="2212818" y="2666781"/>
+              <a:off x="1725568" y="2666777"/>
               <a:ext cx="63202" cy="63202"/>
             </a:xfrm>
             <a:custGeom>
@@ -3735,7 +3735,7 @@
           </p:nvSpPr>
           <p:spPr>
             <a:xfrm>
-              <a:off x="2068521" y="2809623"/>
+              <a:off x="1699413" y="2809617"/>
               <a:ext cx="63202" cy="63202"/>
             </a:xfrm>
             <a:custGeom>
@@ -3778,7 +3778,7 @@
           </p:nvSpPr>
           <p:spPr>
             <a:xfrm>
-              <a:off x="1856836" y="2514238"/>
+              <a:off x="1648202" y="2514253"/>
               <a:ext cx="63202" cy="63202"/>
             </a:xfrm>
             <a:custGeom>
@@ -3821,7 +3821,7 @@
           </p:nvSpPr>
           <p:spPr>
             <a:xfrm>
-              <a:off x="2196926" y="2821399"/>
+              <a:off x="2299656" y="2821383"/>
               <a:ext cx="63202" cy="63202"/>
             </a:xfrm>
             <a:custGeom>
@@ -3864,7 +3864,7 @@
           </p:nvSpPr>
           <p:spPr>
             <a:xfrm>
-              <a:off x="1687236" y="2768730"/>
+              <a:off x="1681532" y="2768730"/>
               <a:ext cx="63202" cy="63202"/>
             </a:xfrm>
             <a:custGeom>
@@ -3907,7 +3907,7 @@
           </p:nvSpPr>
           <p:spPr>
             <a:xfrm>
-              <a:off x="2247712" y="2680698"/>
+              <a:off x="2289412" y="2680708"/>
               <a:ext cx="63202" cy="63202"/>
             </a:xfrm>
             <a:custGeom>
@@ -3950,7 +3950,7 @@
           </p:nvSpPr>
           <p:spPr>
             <a:xfrm>
-              <a:off x="1962707" y="2681328"/>
+              <a:off x="1824280" y="2681331"/>
               <a:ext cx="63202" cy="63202"/>
             </a:xfrm>
             <a:custGeom>
@@ -3993,7 +3993,7 @@
           </p:nvSpPr>
           <p:spPr>
             <a:xfrm>
-              <a:off x="2258739" y="2681147"/>
+              <a:off x="2120429" y="2681173"/>
               <a:ext cx="63202" cy="63202"/>
             </a:xfrm>
             <a:custGeom>
@@ -4036,7 +4036,7 @@
           </p:nvSpPr>
           <p:spPr>
             <a:xfrm>
-              <a:off x="1761601" y="2681486"/>
+              <a:off x="2121817" y="2681487"/>
               <a:ext cx="63202" cy="63202"/>
             </a:xfrm>
             <a:custGeom>
@@ -4079,7 +4079,7 @@
           </p:nvSpPr>
           <p:spPr>
             <a:xfrm>
-              <a:off x="1764455" y="2680249"/>
+              <a:off x="2091590" y="2680257"/>
               <a:ext cx="63202" cy="63202"/>
             </a:xfrm>
             <a:custGeom>
@@ -4122,7 +4122,7 @@
           </p:nvSpPr>
           <p:spPr>
             <a:xfrm>
-              <a:off x="1936372" y="2681212"/>
+              <a:off x="2138461" y="2681214"/>
               <a:ext cx="63202" cy="63202"/>
             </a:xfrm>
             <a:custGeom>
@@ -4165,7 +4165,7 @@
           </p:nvSpPr>
           <p:spPr>
             <a:xfrm>
-              <a:off x="2203919" y="2680266"/>
+              <a:off x="2111328" y="2680248"/>
               <a:ext cx="63202" cy="63202"/>
             </a:xfrm>
             <a:custGeom>
@@ -4208,7 +4208,7 @@
           </p:nvSpPr>
           <p:spPr>
             <a:xfrm>
-              <a:off x="2249991" y="2679653"/>
+              <a:off x="1803796" y="2679660"/>
               <a:ext cx="63202" cy="63202"/>
             </a:xfrm>
             <a:custGeom>
@@ -4251,7 +4251,7 @@
           </p:nvSpPr>
           <p:spPr>
             <a:xfrm>
-              <a:off x="1774254" y="2680940"/>
+              <a:off x="2241867" y="2680925"/>
               <a:ext cx="63202" cy="63202"/>
             </a:xfrm>
             <a:custGeom>
@@ -4294,7 +4294,7 @@
           </p:nvSpPr>
           <p:spPr>
             <a:xfrm>
-              <a:off x="1640468" y="2865340"/>
+              <a:off x="2248204" y="2865326"/>
               <a:ext cx="63202" cy="63202"/>
             </a:xfrm>
             <a:custGeom>
@@ -4337,7 +4337,7 @@
           </p:nvSpPr>
           <p:spPr>
             <a:xfrm>
-              <a:off x="3136878" y="2883265"/>
+              <a:off x="2557633" y="2883264"/>
               <a:ext cx="63202" cy="63202"/>
             </a:xfrm>
             <a:custGeom>
@@ -4380,7 +4380,7 @@
           </p:nvSpPr>
           <p:spPr>
             <a:xfrm>
-              <a:off x="2597658" y="2913194"/>
+              <a:off x="3044266" y="2913189"/>
               <a:ext cx="63202" cy="63202"/>
             </a:xfrm>
             <a:custGeom>
@@ -4423,7 +4423,7 @@
           </p:nvSpPr>
           <p:spPr>
             <a:xfrm>
-              <a:off x="3492805" y="2950427"/>
+              <a:off x="3561090" y="2950410"/>
               <a:ext cx="63202" cy="63202"/>
             </a:xfrm>
             <a:custGeom>
@@ -4466,7 +4466,7 @@
           </p:nvSpPr>
           <p:spPr>
             <a:xfrm>
-              <a:off x="2917407" y="2926819"/>
+              <a:off x="3172699" y="2926788"/>
               <a:ext cx="63202" cy="63202"/>
             </a:xfrm>
             <a:custGeom>
@@ -4509,7 +4509,7 @@
           </p:nvSpPr>
           <p:spPr>
             <a:xfrm>
-              <a:off x="3038947" y="2897078"/>
+              <a:off x="2726971" y="2897080"/>
               <a:ext cx="63202" cy="63202"/>
             </a:xfrm>
             <a:custGeom>
@@ -4552,7 +4552,7 @@
           </p:nvSpPr>
           <p:spPr>
             <a:xfrm>
-              <a:off x="2488698" y="2933158"/>
+              <a:off x="3004438" y="2933172"/>
               <a:ext cx="63202" cy="63202"/>
             </a:xfrm>
             <a:custGeom>
@@ -4595,7 +4595,7 @@
           </p:nvSpPr>
           <p:spPr>
             <a:xfrm>
-              <a:off x="2253952" y="2475216"/>
+              <a:off x="2206855" y="2475190"/>
               <a:ext cx="63202" cy="63202"/>
             </a:xfrm>
             <a:custGeom>
@@ -4638,7 +4638,7 @@
           </p:nvSpPr>
           <p:spPr>
             <a:xfrm>
-              <a:off x="2773688" y="2880004"/>
+              <a:off x="3132235" y="2880013"/>
               <a:ext cx="63202" cy="63202"/>
             </a:xfrm>
             <a:custGeom>
@@ -4681,7 +4681,7 @@
           </p:nvSpPr>
           <p:spPr>
             <a:xfrm>
-              <a:off x="1636940" y="2856474"/>
+              <a:off x="1871883" y="2856484"/>
               <a:ext cx="63202" cy="63202"/>
             </a:xfrm>
             <a:custGeom>
@@ -4724,7 +4724,7 @@
           </p:nvSpPr>
           <p:spPr>
             <a:xfrm>
-              <a:off x="2017862" y="2564370"/>
+              <a:off x="1815353" y="2564371"/>
               <a:ext cx="63202" cy="63202"/>
             </a:xfrm>
             <a:custGeom>
@@ -4767,7 +4767,7 @@
           </p:nvSpPr>
           <p:spPr>
             <a:xfrm>
-              <a:off x="2244129" y="2808773"/>
+              <a:off x="1671119" y="2808782"/>
               <a:ext cx="63202" cy="63202"/>
             </a:xfrm>
             <a:custGeom>
@@ -4810,7 +4810,7 @@
           </p:nvSpPr>
           <p:spPr>
             <a:xfrm>
-              <a:off x="2062190" y="2803650"/>
+              <a:off x="2092463" y="2803634"/>
               <a:ext cx="63202" cy="63202"/>
             </a:xfrm>
             <a:custGeom>
@@ -4853,7 +4853,7 @@
           </p:nvSpPr>
           <p:spPr>
             <a:xfrm>
-              <a:off x="1899694" y="2813224"/>
+              <a:off x="2042874" y="2813201"/>
               <a:ext cx="63202" cy="63202"/>
             </a:xfrm>
             <a:custGeom>
@@ -4896,7 +4896,7 @@
           </p:nvSpPr>
           <p:spPr>
             <a:xfrm>
-              <a:off x="1814945" y="2809505"/>
+              <a:off x="2240261" y="2809505"/>
               <a:ext cx="63202" cy="63202"/>
             </a:xfrm>
             <a:custGeom>
@@ -4939,7 +4939,7 @@
           </p:nvSpPr>
           <p:spPr>
             <a:xfrm>
-              <a:off x="1720923" y="2862627"/>
+              <a:off x="1974145" y="2862613"/>
               <a:ext cx="63202" cy="63202"/>
             </a:xfrm>
             <a:custGeom>
@@ -4982,7 +4982,7 @@
           </p:nvSpPr>
           <p:spPr>
             <a:xfrm>
-              <a:off x="1785905" y="2644817"/>
+              <a:off x="1938538" y="2644793"/>
               <a:ext cx="63202" cy="63202"/>
             </a:xfrm>
             <a:custGeom>
@@ -5025,7 +5025,7 @@
           </p:nvSpPr>
           <p:spPr>
             <a:xfrm>
-              <a:off x="1863715" y="2639398"/>
+              <a:off x="1912284" y="2639402"/>
               <a:ext cx="63202" cy="63202"/>
             </a:xfrm>
             <a:custGeom>
@@ -5068,7 +5068,7 @@
           </p:nvSpPr>
           <p:spPr>
             <a:xfrm>
-              <a:off x="1888218" y="2865129"/>
+              <a:off x="2000956" y="2865095"/>
               <a:ext cx="63202" cy="63202"/>
             </a:xfrm>
             <a:custGeom>
@@ -5111,7 +5111,7 @@
           </p:nvSpPr>
           <p:spPr>
             <a:xfrm>
-              <a:off x="2716944" y="2932770"/>
+              <a:off x="2961201" y="2932756"/>
               <a:ext cx="63202" cy="63202"/>
             </a:xfrm>
             <a:custGeom>
@@ -5154,7 +5154,7 @@
           </p:nvSpPr>
           <p:spPr>
             <a:xfrm>
-              <a:off x="1863945" y="2806052"/>
+              <a:off x="2228568" y="2806049"/>
               <a:ext cx="63202" cy="63202"/>
             </a:xfrm>
             <a:custGeom>
@@ -5197,7 +5197,7 @@
           </p:nvSpPr>
           <p:spPr>
             <a:xfrm>
-              <a:off x="1971843" y="2808851"/>
+              <a:off x="1645702" y="2808855"/>
               <a:ext cx="63202" cy="63202"/>
             </a:xfrm>
             <a:custGeom>
@@ -5240,7 +5240,7 @@
           </p:nvSpPr>
           <p:spPr>
             <a:xfrm>
-              <a:off x="2264568" y="2811079"/>
+              <a:off x="1772240" y="2811073"/>
               <a:ext cx="63202" cy="63202"/>
             </a:xfrm>
             <a:custGeom>
@@ -5283,7 +5283,7 @@
           </p:nvSpPr>
           <p:spPr>
             <a:xfrm>
-              <a:off x="1940542" y="2808922"/>
+              <a:off x="1735276" y="2808921"/>
               <a:ext cx="63202" cy="63202"/>
             </a:xfrm>
             <a:custGeom>
@@ -5326,7 +5326,7 @@
           </p:nvSpPr>
           <p:spPr>
             <a:xfrm>
-              <a:off x="2233643" y="2688690"/>
+              <a:off x="2051113" y="2688688"/>
               <a:ext cx="63202" cy="63202"/>
             </a:xfrm>
             <a:custGeom>
@@ -5369,7 +5369,7 @@
           </p:nvSpPr>
           <p:spPr>
             <a:xfrm>
-              <a:off x="1691212" y="2485464"/>
+              <a:off x="1758908" y="2485448"/>
               <a:ext cx="63202" cy="63202"/>
             </a:xfrm>
             <a:custGeom>
@@ -5412,7 +5412,7 @@
           </p:nvSpPr>
           <p:spPr>
             <a:xfrm>
-              <a:off x="2285900" y="2475640"/>
+              <a:off x="1922555" y="2475648"/>
               <a:ext cx="63202" cy="63202"/>
             </a:xfrm>
             <a:custGeom>
@@ -5455,7 +5455,7 @@
           </p:nvSpPr>
           <p:spPr>
             <a:xfrm>
-              <a:off x="1767639" y="2796115"/>
+              <a:off x="1997893" y="2796114"/>
               <a:ext cx="63202" cy="63202"/>
             </a:xfrm>
             <a:custGeom>
@@ -5498,7 +5498,7 @@
           </p:nvSpPr>
           <p:spPr>
             <a:xfrm>
-              <a:off x="2949226" y="2875789"/>
+              <a:off x="2563120" y="2875760"/>
               <a:ext cx="63202" cy="63202"/>
             </a:xfrm>
             <a:custGeom>
@@ -5541,7 +5541,7 @@
           </p:nvSpPr>
           <p:spPr>
             <a:xfrm>
-              <a:off x="2683788" y="2897339"/>
+              <a:off x="3025288" y="2897351"/>
               <a:ext cx="63202" cy="63202"/>
             </a:xfrm>
             <a:custGeom>
@@ -5584,7 +5584,7 @@
           </p:nvSpPr>
           <p:spPr>
             <a:xfrm>
-              <a:off x="1615914" y="2858707"/>
+              <a:off x="1847847" y="2858698"/>
               <a:ext cx="63202" cy="63202"/>
             </a:xfrm>
             <a:custGeom>
@@ -5627,7 +5627,7 @@
           </p:nvSpPr>
           <p:spPr>
             <a:xfrm>
-              <a:off x="1752444" y="2793558"/>
+              <a:off x="1694098" y="2793577"/>
               <a:ext cx="63202" cy="63202"/>
             </a:xfrm>
             <a:custGeom>
@@ -5670,7 +5670,7 @@
           </p:nvSpPr>
           <p:spPr>
             <a:xfrm>
-              <a:off x="2206876" y="2851872"/>
+              <a:off x="2084660" y="2851837"/>
               <a:ext cx="63202" cy="63202"/>
             </a:xfrm>
             <a:custGeom>
@@ -5713,7 +5713,7 @@
           </p:nvSpPr>
           <p:spPr>
             <a:xfrm>
-              <a:off x="2005771" y="2858581"/>
+              <a:off x="1910792" y="2858575"/>
               <a:ext cx="63202" cy="63202"/>
             </a:xfrm>
             <a:custGeom>
@@ -5756,7 +5756,7 @@
           </p:nvSpPr>
           <p:spPr>
             <a:xfrm>
-              <a:off x="2065987" y="2809634"/>
+              <a:off x="2284218" y="2809639"/>
               <a:ext cx="63202" cy="63202"/>
             </a:xfrm>
             <a:custGeom>
@@ -5799,7 +5799,7 @@
           </p:nvSpPr>
           <p:spPr>
             <a:xfrm>
-              <a:off x="1654837" y="2812390"/>
+              <a:off x="2164597" y="2812399"/>
               <a:ext cx="63202" cy="63202"/>
             </a:xfrm>
             <a:custGeom>
@@ -5842,7 +5842,7 @@
           </p:nvSpPr>
           <p:spPr>
             <a:xfrm>
-              <a:off x="3048783" y="2876049"/>
+              <a:off x="3007753" y="2876064"/>
               <a:ext cx="63202" cy="63202"/>
             </a:xfrm>
             <a:custGeom>
@@ -5885,7 +5885,7 @@
           </p:nvSpPr>
           <p:spPr>
             <a:xfrm>
-              <a:off x="2198100" y="2472031"/>
+              <a:off x="1936852" y="2472032"/>
               <a:ext cx="63202" cy="63202"/>
             </a:xfrm>
             <a:custGeom>
@@ -5928,7 +5928,7 @@
           </p:nvSpPr>
           <p:spPr>
             <a:xfrm>
-              <a:off x="1965431" y="2473532"/>
+              <a:off x="2221177" y="2473503"/>
               <a:ext cx="63202" cy="63202"/>
             </a:xfrm>
             <a:custGeom>
@@ -5971,7 +5971,7 @@
           </p:nvSpPr>
           <p:spPr>
             <a:xfrm>
-              <a:off x="1612565" y="2476293"/>
+              <a:off x="1815621" y="2476282"/>
               <a:ext cx="63202" cy="63202"/>
             </a:xfrm>
             <a:custGeom>
@@ -6014,7 +6014,7 @@
           </p:nvSpPr>
           <p:spPr>
             <a:xfrm>
-              <a:off x="2104818" y="2817617"/>
+              <a:off x="2122505" y="2817638"/>
               <a:ext cx="63202" cy="63202"/>
             </a:xfrm>
             <a:custGeom>
@@ -6057,7 +6057,7 @@
           </p:nvSpPr>
           <p:spPr>
             <a:xfrm>
-              <a:off x="1946184" y="2817823"/>
+              <a:off x="2125067" y="2817810"/>
               <a:ext cx="63202" cy="63202"/>
             </a:xfrm>
             <a:custGeom>
@@ -6100,7 +6100,7 @@
           </p:nvSpPr>
           <p:spPr>
             <a:xfrm>
-              <a:off x="1645726" y="2658133"/>
+              <a:off x="2041454" y="2658158"/>
               <a:ext cx="63202" cy="63202"/>
             </a:xfrm>
             <a:custGeom>
@@ -6143,7 +6143,7 @@
           </p:nvSpPr>
           <p:spPr>
             <a:xfrm>
-              <a:off x="2006431" y="2843448"/>
+              <a:off x="2181252" y="2843471"/>
               <a:ext cx="63202" cy="63202"/>
             </a:xfrm>
             <a:custGeom>
@@ -6186,7 +6186,7 @@
           </p:nvSpPr>
           <p:spPr>
             <a:xfrm>
-              <a:off x="2136131" y="2498651"/>
+              <a:off x="1653689" y="2498678"/>
               <a:ext cx="63202" cy="63202"/>
             </a:xfrm>
             <a:custGeom>
@@ -6229,7 +6229,7 @@
           </p:nvSpPr>
           <p:spPr>
             <a:xfrm>
-              <a:off x="1952093" y="2828298"/>
+              <a:off x="2102878" y="2828274"/>
               <a:ext cx="63202" cy="63202"/>
             </a:xfrm>
             <a:custGeom>
@@ -6272,7 +6272,7 @@
           </p:nvSpPr>
           <p:spPr>
             <a:xfrm>
-              <a:off x="2223663" y="2746950"/>
+              <a:off x="1832786" y="2746923"/>
               <a:ext cx="63202" cy="63202"/>
             </a:xfrm>
             <a:custGeom>
@@ -6315,7 +6315,7 @@
           </p:nvSpPr>
           <p:spPr>
             <a:xfrm>
-              <a:off x="1715829" y="2805247"/>
+              <a:off x="2202472" y="2805240"/>
               <a:ext cx="63202" cy="63202"/>
             </a:xfrm>
             <a:custGeom>
@@ -6358,7 +6358,7 @@
           </p:nvSpPr>
           <p:spPr>
             <a:xfrm>
-              <a:off x="1772389" y="2476044"/>
+              <a:off x="1822142" y="2476075"/>
               <a:ext cx="63202" cy="63202"/>
             </a:xfrm>
             <a:custGeom>
@@ -6457,7 +6457,7 @@
           </p:nvSpPr>
           <p:spPr>
             <a:xfrm>
-              <a:off x="1459435" y="4740921"/>
+              <a:off x="1459435" y="4740917"/>
               <a:ext cx="2796732" cy="0"/>
             </a:xfrm>
             <a:custGeom>
@@ -6500,7 +6500,7 @@
           </p:nvSpPr>
           <p:spPr>
             <a:xfrm>
-              <a:off x="1459435" y="4286954"/>
+              <a:off x="1459435" y="4286951"/>
               <a:ext cx="2796732" cy="0"/>
             </a:xfrm>
             <a:custGeom>
@@ -6543,7 +6543,7 @@
           </p:nvSpPr>
           <p:spPr>
             <a:xfrm>
-              <a:off x="1459435" y="3832988"/>
+              <a:off x="1459435" y="3832984"/>
               <a:ext cx="2796732" cy="0"/>
             </a:xfrm>
             <a:custGeom>
@@ -6586,7 +6586,7 @@
           </p:nvSpPr>
           <p:spPr>
             <a:xfrm>
-              <a:off x="1459435" y="3379021"/>
+              <a:off x="1459435" y="3379017"/>
               <a:ext cx="2796732" cy="0"/>
             </a:xfrm>
             <a:custGeom>
@@ -6629,7 +6629,7 @@
           </p:nvSpPr>
           <p:spPr>
             <a:xfrm>
-              <a:off x="1459435" y="4967904"/>
+              <a:off x="1459435" y="4967901"/>
               <a:ext cx="2796732" cy="0"/>
             </a:xfrm>
             <a:custGeom>
@@ -6672,7 +6672,7 @@
           </p:nvSpPr>
           <p:spPr>
             <a:xfrm>
-              <a:off x="1459435" y="4513938"/>
+              <a:off x="1459435" y="4513934"/>
               <a:ext cx="2796732" cy="0"/>
             </a:xfrm>
             <a:custGeom>
@@ -6715,7 +6715,7 @@
           </p:nvSpPr>
           <p:spPr>
             <a:xfrm>
-              <a:off x="1459435" y="4059971"/>
+              <a:off x="1459435" y="4059967"/>
               <a:ext cx="2796732" cy="0"/>
             </a:xfrm>
             <a:custGeom>
@@ -6758,7 +6758,7 @@
           </p:nvSpPr>
           <p:spPr>
             <a:xfrm>
-              <a:off x="1459435" y="3606005"/>
+              <a:off x="1459435" y="3606001"/>
               <a:ext cx="2796732" cy="0"/>
             </a:xfrm>
             <a:custGeom>
@@ -6930,7 +6930,7 @@
           </p:nvSpPr>
           <p:spPr>
             <a:xfrm>
-              <a:off x="1909050" y="4513600"/>
+              <a:off x="2028814" y="4513610"/>
               <a:ext cx="63202" cy="63202"/>
             </a:xfrm>
             <a:custGeom>
@@ -6973,7 +6973,7 @@
           </p:nvSpPr>
           <p:spPr>
             <a:xfrm>
-              <a:off x="1884160" y="4611458"/>
+              <a:off x="2220480" y="4611440"/>
               <a:ext cx="63202" cy="63202"/>
             </a:xfrm>
             <a:custGeom>
@@ -7016,7 +7016,7 @@
           </p:nvSpPr>
           <p:spPr>
             <a:xfrm>
-              <a:off x="1941493" y="4512428"/>
+              <a:off x="1841359" y="4512416"/>
               <a:ext cx="63202" cy="63202"/>
             </a:xfrm>
             <a:custGeom>
@@ -7059,7 +7059,7 @@
           </p:nvSpPr>
           <p:spPr>
             <a:xfrm>
-              <a:off x="1918379" y="4519783"/>
+              <a:off x="1972015" y="4519772"/>
               <a:ext cx="63202" cy="63202"/>
             </a:xfrm>
             <a:custGeom>
@@ -7102,7 +7102,7 @@
           </p:nvSpPr>
           <p:spPr>
             <a:xfrm>
-              <a:off x="1978302" y="4515191"/>
+              <a:off x="2059547" y="4515214"/>
               <a:ext cx="63202" cy="63202"/>
             </a:xfrm>
             <a:custGeom>
@@ -7145,7 +7145,7 @@
           </p:nvSpPr>
           <p:spPr>
             <a:xfrm>
-              <a:off x="1788588" y="4654972"/>
+              <a:off x="1967546" y="4654988"/>
               <a:ext cx="63202" cy="63202"/>
             </a:xfrm>
             <a:custGeom>
@@ -7188,7 +7188,7 @@
           </p:nvSpPr>
           <p:spPr>
             <a:xfrm>
-              <a:off x="2300974" y="4527038"/>
+              <a:off x="1898447" y="4527032"/>
               <a:ext cx="63202" cy="63202"/>
             </a:xfrm>
             <a:custGeom>
@@ -7231,7 +7231,7 @@
           </p:nvSpPr>
           <p:spPr>
             <a:xfrm>
-              <a:off x="2134444" y="4577565"/>
+              <a:off x="2026336" y="4577566"/>
               <a:ext cx="63202" cy="63202"/>
             </a:xfrm>
             <a:custGeom>
@@ -7274,7 +7274,7 @@
           </p:nvSpPr>
           <p:spPr>
             <a:xfrm>
-              <a:off x="2067545" y="4622189"/>
+              <a:off x="2136980" y="4622187"/>
               <a:ext cx="63202" cy="63202"/>
             </a:xfrm>
             <a:custGeom>
@@ -7317,7 +7317,7 @@
           </p:nvSpPr>
           <p:spPr>
             <a:xfrm>
-              <a:off x="2160199" y="4576154"/>
+              <a:off x="1987774" y="4576156"/>
               <a:ext cx="63202" cy="63202"/>
             </a:xfrm>
             <a:custGeom>
@@ -7360,7 +7360,7 @@
           </p:nvSpPr>
           <p:spPr>
             <a:xfrm>
-              <a:off x="1929081" y="4569181"/>
+              <a:off x="2279882" y="4569164"/>
               <a:ext cx="63202" cy="63202"/>
             </a:xfrm>
             <a:custGeom>
@@ -7403,7 +7403,7 @@
           </p:nvSpPr>
           <p:spPr>
             <a:xfrm>
-              <a:off x="2234382" y="4697395"/>
+              <a:off x="2138249" y="4697394"/>
               <a:ext cx="63202" cy="63202"/>
             </a:xfrm>
             <a:custGeom>
@@ -7446,7 +7446,7 @@
           </p:nvSpPr>
           <p:spPr>
             <a:xfrm>
-              <a:off x="1730066" y="4419515"/>
+              <a:off x="2065101" y="4419515"/>
               <a:ext cx="63202" cy="63202"/>
             </a:xfrm>
             <a:custGeom>
@@ -7489,7 +7489,7 @@
           </p:nvSpPr>
           <p:spPr>
             <a:xfrm>
-              <a:off x="1629491" y="4632324"/>
+              <a:off x="2135699" y="4632331"/>
               <a:ext cx="63202" cy="63202"/>
             </a:xfrm>
             <a:custGeom>
@@ -7532,7 +7532,7 @@
           </p:nvSpPr>
           <p:spPr>
             <a:xfrm>
-              <a:off x="2099807" y="4679454"/>
+              <a:off x="1965384" y="4679429"/>
               <a:ext cx="63202" cy="63202"/>
             </a:xfrm>
             <a:custGeom>
@@ -7575,7 +7575,7 @@
           </p:nvSpPr>
           <p:spPr>
             <a:xfrm>
-              <a:off x="1803577" y="4351059"/>
+              <a:off x="1648931" y="4351029"/>
               <a:ext cx="63202" cy="63202"/>
             </a:xfrm>
             <a:custGeom>
@@ -7618,7 +7618,7 @@
           </p:nvSpPr>
           <p:spPr>
             <a:xfrm>
-              <a:off x="2256852" y="4615204"/>
+              <a:off x="1894500" y="4615216"/>
               <a:ext cx="63202" cy="63202"/>
             </a:xfrm>
             <a:custGeom>
@@ -7661,7 +7661,7 @@
           </p:nvSpPr>
           <p:spPr>
             <a:xfrm>
-              <a:off x="1790888" y="4391857"/>
+              <a:off x="1783485" y="4391855"/>
               <a:ext cx="63202" cy="63202"/>
             </a:xfrm>
             <a:custGeom>
@@ -7704,7 +7704,7 @@
           </p:nvSpPr>
           <p:spPr>
             <a:xfrm>
-              <a:off x="1804617" y="4621790"/>
+              <a:off x="1643734" y="4621796"/>
               <a:ext cx="63202" cy="63202"/>
             </a:xfrm>
             <a:custGeom>
@@ -7747,7 +7747,7 @@
           </p:nvSpPr>
           <p:spPr>
             <a:xfrm>
-              <a:off x="1639779" y="4622205"/>
+              <a:off x="2024505" y="4622188"/>
               <a:ext cx="63202" cy="63202"/>
             </a:xfrm>
             <a:custGeom>
@@ -7790,7 +7790,7 @@
           </p:nvSpPr>
           <p:spPr>
             <a:xfrm>
-              <a:off x="2044306" y="4538825"/>
+              <a:off x="2238362" y="4538800"/>
               <a:ext cx="63202" cy="63202"/>
             </a:xfrm>
             <a:custGeom>
@@ -7833,7 +7833,7 @@
           </p:nvSpPr>
           <p:spPr>
             <a:xfrm>
-              <a:off x="1885373" y="4572504"/>
+              <a:off x="1693341" y="4572499"/>
               <a:ext cx="63202" cy="63202"/>
             </a:xfrm>
             <a:custGeom>
@@ -7932,7 +7932,7 @@
           </p:nvSpPr>
           <p:spPr>
             <a:xfrm>
-              <a:off x="1459435" y="6666253"/>
+              <a:off x="1459435" y="6666250"/>
               <a:ext cx="2796732" cy="0"/>
             </a:xfrm>
             <a:custGeom>
@@ -7975,7 +7975,7 @@
           </p:nvSpPr>
           <p:spPr>
             <a:xfrm>
-              <a:off x="1459435" y="6212287"/>
+              <a:off x="1459435" y="6212283"/>
               <a:ext cx="2796732" cy="0"/>
             </a:xfrm>
             <a:custGeom>
@@ -8018,7 +8018,7 @@
           </p:nvSpPr>
           <p:spPr>
             <a:xfrm>
-              <a:off x="1459435" y="5758321"/>
+              <a:off x="1459435" y="5758316"/>
               <a:ext cx="2796732" cy="0"/>
             </a:xfrm>
             <a:custGeom>
@@ -8061,7 +8061,7 @@
           </p:nvSpPr>
           <p:spPr>
             <a:xfrm>
-              <a:off x="1459435" y="5304354"/>
+              <a:off x="1459435" y="5304350"/>
               <a:ext cx="2796732" cy="0"/>
             </a:xfrm>
             <a:custGeom>
@@ -8104,7 +8104,7 @@
           </p:nvSpPr>
           <p:spPr>
             <a:xfrm>
-              <a:off x="1459435" y="6893237"/>
+              <a:off x="1459435" y="6893233"/>
               <a:ext cx="2796732" cy="0"/>
             </a:xfrm>
             <a:custGeom>
@@ -8147,7 +8147,7 @@
           </p:nvSpPr>
           <p:spPr>
             <a:xfrm>
-              <a:off x="1459435" y="6439270"/>
+              <a:off x="1459435" y="6439267"/>
               <a:ext cx="2796732" cy="0"/>
             </a:xfrm>
             <a:custGeom>
@@ -8190,7 +8190,7 @@
           </p:nvSpPr>
           <p:spPr>
             <a:xfrm>
-              <a:off x="1459435" y="5985304"/>
+              <a:off x="1459435" y="5985300"/>
               <a:ext cx="2796732" cy="0"/>
             </a:xfrm>
             <a:custGeom>
@@ -8233,7 +8233,7 @@
           </p:nvSpPr>
           <p:spPr>
             <a:xfrm>
-              <a:off x="1459435" y="5531337"/>
+              <a:off x="1459435" y="5531333"/>
               <a:ext cx="2796732" cy="0"/>
             </a:xfrm>
             <a:custGeom>
@@ -8405,7 +8405,7 @@
           </p:nvSpPr>
           <p:spPr>
             <a:xfrm>
-              <a:off x="2045988" y="5955432"/>
+              <a:off x="1889626" y="5955433"/>
               <a:ext cx="63202" cy="63202"/>
             </a:xfrm>
             <a:custGeom>
@@ -8448,7 +8448,7 @@
           </p:nvSpPr>
           <p:spPr>
             <a:xfrm>
-              <a:off x="2286645" y="5973368"/>
+              <a:off x="2101221" y="5973346"/>
               <a:ext cx="63202" cy="63202"/>
             </a:xfrm>
             <a:custGeom>
@@ -8491,7 +8491,7 @@
           </p:nvSpPr>
           <p:spPr>
             <a:xfrm>
-              <a:off x="1634381" y="5924935"/>
+              <a:off x="2009875" y="5924899"/>
               <a:ext cx="63202" cy="63202"/>
             </a:xfrm>
             <a:custGeom>
@@ -8534,7 +8534,7 @@
           </p:nvSpPr>
           <p:spPr>
             <a:xfrm>
-              <a:off x="2209269" y="6337211"/>
+              <a:off x="1994770" y="6337222"/>
               <a:ext cx="63202" cy="63202"/>
             </a:xfrm>
             <a:custGeom>
@@ -8577,7 +8577,7 @@
           </p:nvSpPr>
           <p:spPr>
             <a:xfrm>
-              <a:off x="1776757" y="6262628"/>
+              <a:off x="1782454" y="6262614"/>
               <a:ext cx="63202" cy="63202"/>
             </a:xfrm>
             <a:custGeom>
@@ -8620,7 +8620,7 @@
           </p:nvSpPr>
           <p:spPr>
             <a:xfrm>
-              <a:off x="1789072" y="6282915"/>
+              <a:off x="1603859" y="6282930"/>
               <a:ext cx="63202" cy="63202"/>
             </a:xfrm>
             <a:custGeom>
@@ -8663,7 +8663,7 @@
           </p:nvSpPr>
           <p:spPr>
             <a:xfrm>
-              <a:off x="1943967" y="6194411"/>
+              <a:off x="1949925" y="6194394"/>
               <a:ext cx="63202" cy="63202"/>
             </a:xfrm>
             <a:custGeom>
@@ -8706,7 +8706,7 @@
           </p:nvSpPr>
           <p:spPr>
             <a:xfrm>
-              <a:off x="1717443" y="6178200"/>
+              <a:off x="1886416" y="6178201"/>
               <a:ext cx="63202" cy="63202"/>
             </a:xfrm>
             <a:custGeom>
@@ -8749,7 +8749,7 @@
           </p:nvSpPr>
           <p:spPr>
             <a:xfrm>
-              <a:off x="2276737" y="6518720"/>
+              <a:off x="1969208" y="6518704"/>
               <a:ext cx="63202" cy="63202"/>
             </a:xfrm>
             <a:custGeom>
@@ -8792,7 +8792,7 @@
           </p:nvSpPr>
           <p:spPr>
             <a:xfrm>
-              <a:off x="2159254" y="6514711"/>
+              <a:off x="2007714" y="6514707"/>
               <a:ext cx="63202" cy="63202"/>
             </a:xfrm>
             <a:custGeom>
@@ -8835,7 +8835,7 @@
           </p:nvSpPr>
           <p:spPr>
             <a:xfrm>
-              <a:off x="1641014" y="6288217"/>
+              <a:off x="1911512" y="6288215"/>
               <a:ext cx="63202" cy="63202"/>
             </a:xfrm>
             <a:custGeom>
@@ -8878,7 +8878,7 @@
           </p:nvSpPr>
           <p:spPr>
             <a:xfrm>
-              <a:off x="1715417" y="6379007"/>
+              <a:off x="2034813" y="6379025"/>
               <a:ext cx="63202" cy="63202"/>
             </a:xfrm>
             <a:custGeom>
@@ -8921,7 +8921,7 @@
           </p:nvSpPr>
           <p:spPr>
             <a:xfrm>
-              <a:off x="1800657" y="6230983"/>
+              <a:off x="1728494" y="6230999"/>
               <a:ext cx="63202" cy="63202"/>
             </a:xfrm>
             <a:custGeom>
@@ -8964,7 +8964,7 @@
           </p:nvSpPr>
           <p:spPr>
             <a:xfrm>
-              <a:off x="1636113" y="6304357"/>
+              <a:off x="1777019" y="6304356"/>
               <a:ext cx="63202" cy="63202"/>
             </a:xfrm>
             <a:custGeom>
@@ -9007,7 +9007,7 @@
           </p:nvSpPr>
           <p:spPr>
             <a:xfrm>
-              <a:off x="1633899" y="6425739"/>
+              <a:off x="1927908" y="6425732"/>
               <a:ext cx="63202" cy="63202"/>
             </a:xfrm>
             <a:custGeom>
@@ -9050,7 +9050,7 @@
           </p:nvSpPr>
           <p:spPr>
             <a:xfrm>
-              <a:off x="2154194" y="6300531"/>
+              <a:off x="1680290" y="6300539"/>
               <a:ext cx="63202" cy="63202"/>
             </a:xfrm>
             <a:custGeom>
@@ -9093,7 +9093,7 @@
           </p:nvSpPr>
           <p:spPr>
             <a:xfrm>
-              <a:off x="2286838" y="6335895"/>
+              <a:off x="2173161" y="6335887"/>
               <a:ext cx="63202" cy="63202"/>
             </a:xfrm>
             <a:custGeom>
@@ -9136,7 +9136,7 @@
           </p:nvSpPr>
           <p:spPr>
             <a:xfrm>
-              <a:off x="2244688" y="6305838"/>
+              <a:off x="1994451" y="6305826"/>
               <a:ext cx="63202" cy="63202"/>
             </a:xfrm>
             <a:custGeom>
@@ -9179,7 +9179,7 @@
           </p:nvSpPr>
           <p:spPr>
             <a:xfrm>
-              <a:off x="1890636" y="6287280"/>
+              <a:off x="2032132" y="6287267"/>
               <a:ext cx="63202" cy="63202"/>
             </a:xfrm>
             <a:custGeom>
@@ -9222,7 +9222,7 @@
           </p:nvSpPr>
           <p:spPr>
             <a:xfrm>
-              <a:off x="1697043" y="6314026"/>
+              <a:off x="1662081" y="6313999"/>
               <a:ext cx="63202" cy="63202"/>
             </a:xfrm>
             <a:custGeom>
@@ -9265,7 +9265,7 @@
           </p:nvSpPr>
           <p:spPr>
             <a:xfrm>
-              <a:off x="2224593" y="6299344"/>
+              <a:off x="2232271" y="6299365"/>
               <a:ext cx="63202" cy="63202"/>
             </a:xfrm>
             <a:custGeom>
@@ -9308,7 +9308,7 @@
           </p:nvSpPr>
           <p:spPr>
             <a:xfrm>
-              <a:off x="1870543" y="6274645"/>
+              <a:off x="2128953" y="6274639"/>
               <a:ext cx="63202" cy="63202"/>
             </a:xfrm>
             <a:custGeom>
@@ -9351,7 +9351,7 @@
           </p:nvSpPr>
           <p:spPr>
             <a:xfrm>
-              <a:off x="2025923" y="6157339"/>
+              <a:off x="1665022" y="6157366"/>
               <a:ext cx="63202" cy="63202"/>
             </a:xfrm>
             <a:custGeom>
@@ -9394,7 +9394,7 @@
           </p:nvSpPr>
           <p:spPr>
             <a:xfrm>
-              <a:off x="1612135" y="6189126"/>
+              <a:off x="1878300" y="6189118"/>
               <a:ext cx="63202" cy="63202"/>
             </a:xfrm>
             <a:custGeom>
@@ -9437,7 +9437,7 @@
           </p:nvSpPr>
           <p:spPr>
             <a:xfrm>
-              <a:off x="2178010" y="6393218"/>
+              <a:off x="2285237" y="6393237"/>
               <a:ext cx="63202" cy="63202"/>
             </a:xfrm>
             <a:custGeom>
@@ -9480,7 +9480,7 @@
           </p:nvSpPr>
           <p:spPr>
             <a:xfrm>
-              <a:off x="2011025" y="6476980"/>
+              <a:off x="2228322" y="6476971"/>
               <a:ext cx="63202" cy="63202"/>
             </a:xfrm>
             <a:custGeom>
@@ -9523,7 +9523,7 @@
           </p:nvSpPr>
           <p:spPr>
             <a:xfrm>
-              <a:off x="2070829" y="6511263"/>
+              <a:off x="2105916" y="6511251"/>
               <a:ext cx="63202" cy="63202"/>
             </a:xfrm>
             <a:custGeom>
@@ -9566,7 +9566,7 @@
           </p:nvSpPr>
           <p:spPr>
             <a:xfrm>
-              <a:off x="1939448" y="6586445"/>
+              <a:off x="1678538" y="6586444"/>
               <a:ext cx="63202" cy="63202"/>
             </a:xfrm>
             <a:custGeom>
@@ -9609,7 +9609,7 @@
           </p:nvSpPr>
           <p:spPr>
             <a:xfrm>
-              <a:off x="1924105" y="6235310"/>
+              <a:off x="1718230" y="6235287"/>
               <a:ext cx="63202" cy="63202"/>
             </a:xfrm>
             <a:custGeom>
@@ -9652,7 +9652,7 @@
           </p:nvSpPr>
           <p:spPr>
             <a:xfrm>
-              <a:off x="2220367" y="6280195"/>
+              <a:off x="2166782" y="6280206"/>
               <a:ext cx="63202" cy="63202"/>
             </a:xfrm>
             <a:custGeom>
@@ -9695,7 +9695,7 @@
           </p:nvSpPr>
           <p:spPr>
             <a:xfrm>
-              <a:off x="2106674" y="6641155"/>
+              <a:off x="1754110" y="6641123"/>
               <a:ext cx="63202" cy="63202"/>
             </a:xfrm>
             <a:custGeom>
@@ -9738,7 +9738,7 @@
           </p:nvSpPr>
           <p:spPr>
             <a:xfrm>
-              <a:off x="1723820" y="5944812"/>
+              <a:off x="2171005" y="5944791"/>
               <a:ext cx="63202" cy="63202"/>
             </a:xfrm>
             <a:custGeom>
@@ -9781,7 +9781,7 @@
           </p:nvSpPr>
           <p:spPr>
             <a:xfrm>
-              <a:off x="2111112" y="6287322"/>
+              <a:off x="2053815" y="6287315"/>
               <a:ext cx="63202" cy="63202"/>
             </a:xfrm>
             <a:custGeom>
@@ -9824,7 +9824,7 @@
           </p:nvSpPr>
           <p:spPr>
             <a:xfrm>
-              <a:off x="2005144" y="6305347"/>
+              <a:off x="1692489" y="6305357"/>
               <a:ext cx="63202" cy="63202"/>
             </a:xfrm>
             <a:custGeom>
@@ -9867,7 +9867,7 @@
           </p:nvSpPr>
           <p:spPr>
             <a:xfrm>
-              <a:off x="1732339" y="6352782"/>
+              <a:off x="1901360" y="6352797"/>
               <a:ext cx="63202" cy="63202"/>
             </a:xfrm>
             <a:custGeom>
@@ -9910,7 +9910,7 @@
           </p:nvSpPr>
           <p:spPr>
             <a:xfrm>
-              <a:off x="1767770" y="6337267"/>
+              <a:off x="2042610" y="6337246"/>
               <a:ext cx="63202" cy="63202"/>
             </a:xfrm>
             <a:custGeom>
@@ -9953,7 +9953,7 @@
           </p:nvSpPr>
           <p:spPr>
             <a:xfrm>
-              <a:off x="2051891" y="6310713"/>
+              <a:off x="2197794" y="6310701"/>
               <a:ext cx="63202" cy="63202"/>
             </a:xfrm>
             <a:custGeom>
@@ -9996,7 +9996,7 @@
           </p:nvSpPr>
           <p:spPr>
             <a:xfrm>
-              <a:off x="2261550" y="6395702"/>
+              <a:off x="1630300" y="6395672"/>
               <a:ext cx="63202" cy="63202"/>
             </a:xfrm>
             <a:custGeom>
@@ -10039,7 +10039,7 @@
           </p:nvSpPr>
           <p:spPr>
             <a:xfrm>
-              <a:off x="1776192" y="6072544"/>
+              <a:off x="1880656" y="6072540"/>
               <a:ext cx="63202" cy="63202"/>
             </a:xfrm>
             <a:custGeom>
@@ -10082,7 +10082,7 @@
           </p:nvSpPr>
           <p:spPr>
             <a:xfrm>
-              <a:off x="1755014" y="6417959"/>
+              <a:off x="1656378" y="6417983"/>
               <a:ext cx="63202" cy="63202"/>
             </a:xfrm>
             <a:custGeom>
@@ -10125,7 +10125,7 @@
           </p:nvSpPr>
           <p:spPr>
             <a:xfrm>
-              <a:off x="2025307" y="5914341"/>
+              <a:off x="1858059" y="5914352"/>
               <a:ext cx="63202" cy="63202"/>
             </a:xfrm>
             <a:custGeom>
@@ -10168,7 +10168,7 @@
           </p:nvSpPr>
           <p:spPr>
             <a:xfrm>
-              <a:off x="2105320" y="6387474"/>
+              <a:off x="2194820" y="6387470"/>
               <a:ext cx="63202" cy="63202"/>
             </a:xfrm>
             <a:custGeom>
@@ -10211,7 +10211,7 @@
           </p:nvSpPr>
           <p:spPr>
             <a:xfrm>
-              <a:off x="1841540" y="6296621"/>
+              <a:off x="2144492" y="6296617"/>
               <a:ext cx="63202" cy="63202"/>
             </a:xfrm>
             <a:custGeom>
@@ -10254,7 +10254,7 @@
           </p:nvSpPr>
           <p:spPr>
             <a:xfrm>
-              <a:off x="1868868" y="6441870"/>
+              <a:off x="1693678" y="6441836"/>
               <a:ext cx="63202" cy="63202"/>
             </a:xfrm>
             <a:custGeom>
@@ -10297,7 +10297,7 @@
           </p:nvSpPr>
           <p:spPr>
             <a:xfrm>
-              <a:off x="1981773" y="5895291"/>
+              <a:off x="1609353" y="5895283"/>
               <a:ext cx="63202" cy="63202"/>
             </a:xfrm>
             <a:custGeom>
@@ -10340,7 +10340,7 @@
           </p:nvSpPr>
           <p:spPr>
             <a:xfrm>
-              <a:off x="1685034" y="6308931"/>
+              <a:off x="2255170" y="6308935"/>
               <a:ext cx="63202" cy="63202"/>
             </a:xfrm>
             <a:custGeom>
@@ -10383,7 +10383,7 @@
           </p:nvSpPr>
           <p:spPr>
             <a:xfrm>
-              <a:off x="2255872" y="6245768"/>
+              <a:off x="1872757" y="6245775"/>
               <a:ext cx="63202" cy="63202"/>
             </a:xfrm>
             <a:custGeom>
@@ -10426,7 +10426,7 @@
           </p:nvSpPr>
           <p:spPr>
             <a:xfrm>
-              <a:off x="1952641" y="6236762"/>
+              <a:off x="1974902" y="6236763"/>
               <a:ext cx="63202" cy="63202"/>
             </a:xfrm>
             <a:custGeom>
@@ -10469,7 +10469,7 @@
           </p:nvSpPr>
           <p:spPr>
             <a:xfrm>
-              <a:off x="1746616" y="5889770"/>
+              <a:off x="2117626" y="5889791"/>
               <a:ext cx="63202" cy="63202"/>
             </a:xfrm>
             <a:custGeom>
@@ -10512,7 +10512,7 @@
           </p:nvSpPr>
           <p:spPr>
             <a:xfrm>
-              <a:off x="2199184" y="6225840"/>
+              <a:off x="1923531" y="6225846"/>
               <a:ext cx="63202" cy="63202"/>
             </a:xfrm>
             <a:custGeom>
@@ -10555,7 +10555,7 @@
           </p:nvSpPr>
           <p:spPr>
             <a:xfrm>
-              <a:off x="2011517" y="6281468"/>
+              <a:off x="1935811" y="6281463"/>
               <a:ext cx="63202" cy="63202"/>
             </a:xfrm>
             <a:custGeom>
@@ -10598,7 +10598,7 @@
           </p:nvSpPr>
           <p:spPr>
             <a:xfrm>
-              <a:off x="2155219" y="6361269"/>
+              <a:off x="2156821" y="6361276"/>
               <a:ext cx="63202" cy="63202"/>
             </a:xfrm>
             <a:custGeom>
@@ -10641,7 +10641,7 @@
           </p:nvSpPr>
           <p:spPr>
             <a:xfrm>
-              <a:off x="1748518" y="6277397"/>
+              <a:off x="1683107" y="6277382"/>
               <a:ext cx="63202" cy="63202"/>
             </a:xfrm>
             <a:custGeom>
@@ -10684,7 +10684,7 @@
           </p:nvSpPr>
           <p:spPr>
             <a:xfrm>
-              <a:off x="2219080" y="6282539"/>
+              <a:off x="2142442" y="6282558"/>
               <a:ext cx="63202" cy="63202"/>
             </a:xfrm>
             <a:custGeom>
@@ -10727,7 +10727,7 @@
           </p:nvSpPr>
           <p:spPr>
             <a:xfrm>
-              <a:off x="1820594" y="6069753"/>
+              <a:off x="2074173" y="6069720"/>
               <a:ext cx="63202" cy="63202"/>
             </a:xfrm>
             <a:custGeom>
@@ -10770,7 +10770,7 @@
           </p:nvSpPr>
           <p:spPr>
             <a:xfrm>
-              <a:off x="1846374" y="6387483"/>
+              <a:off x="1867236" y="6387480"/>
               <a:ext cx="63202" cy="63202"/>
             </a:xfrm>
             <a:custGeom>
@@ -10813,7 +10813,7 @@
           </p:nvSpPr>
           <p:spPr>
             <a:xfrm>
-              <a:off x="1754742" y="6229858"/>
+              <a:off x="2083181" y="6229838"/>
               <a:ext cx="63202" cy="63202"/>
             </a:xfrm>
             <a:custGeom>
@@ -10856,7 +10856,7 @@
           </p:nvSpPr>
           <p:spPr>
             <a:xfrm>
-              <a:off x="1786646" y="5916444"/>
+              <a:off x="2106421" y="5916434"/>
               <a:ext cx="63202" cy="63202"/>
             </a:xfrm>
             <a:custGeom>
@@ -10899,7 +10899,7 @@
           </p:nvSpPr>
           <p:spPr>
             <a:xfrm>
-              <a:off x="1991228" y="5914834"/>
+              <a:off x="2028716" y="5914827"/>
               <a:ext cx="63202" cy="63202"/>
             </a:xfrm>
             <a:custGeom>
@@ -10942,7 +10942,7 @@
           </p:nvSpPr>
           <p:spPr>
             <a:xfrm>
-              <a:off x="1947005" y="5914616"/>
+              <a:off x="2190125" y="5914614"/>
               <a:ext cx="63202" cy="63202"/>
             </a:xfrm>
             <a:custGeom>
@@ -10985,7 +10985,7 @@
           </p:nvSpPr>
           <p:spPr>
             <a:xfrm>
-              <a:off x="1872986" y="5914482"/>
+              <a:off x="2050523" y="5914464"/>
               <a:ext cx="63202" cy="63202"/>
             </a:xfrm>
             <a:custGeom>
@@ -11028,7 +11028,7 @@
           </p:nvSpPr>
           <p:spPr>
             <a:xfrm>
-              <a:off x="1700311" y="5914465"/>
+              <a:off x="1799550" y="5914480"/>
               <a:ext cx="63202" cy="63202"/>
             </a:xfrm>
             <a:custGeom>
@@ -11071,7 +11071,7 @@
           </p:nvSpPr>
           <p:spPr>
             <a:xfrm>
-              <a:off x="2191403" y="6094890"/>
+              <a:off x="2221427" y="6094872"/>
               <a:ext cx="63202" cy="63202"/>
             </a:xfrm>
             <a:custGeom>
@@ -11114,7 +11114,7 @@
           </p:nvSpPr>
           <p:spPr>
             <a:xfrm>
-              <a:off x="1800542" y="6087934"/>
+              <a:off x="2124187" y="6087933"/>
               <a:ext cx="63202" cy="63202"/>
             </a:xfrm>
             <a:custGeom>
@@ -11157,7 +11157,7 @@
           </p:nvSpPr>
           <p:spPr>
             <a:xfrm>
-              <a:off x="1680008" y="6364962"/>
+              <a:off x="1777711" y="6364931"/>
               <a:ext cx="63202" cy="63202"/>
             </a:xfrm>
             <a:custGeom>
@@ -11200,7 +11200,7 @@
           </p:nvSpPr>
           <p:spPr>
             <a:xfrm>
-              <a:off x="1814426" y="5925138"/>
+              <a:off x="2221659" y="5925155"/>
               <a:ext cx="63202" cy="63202"/>
             </a:xfrm>
             <a:custGeom>
@@ -11243,7 +11243,7 @@
           </p:nvSpPr>
           <p:spPr>
             <a:xfrm>
-              <a:off x="2196275" y="6185256"/>
+              <a:off x="2137823" y="6185256"/>
               <a:ext cx="63202" cy="63202"/>
             </a:xfrm>
             <a:custGeom>
@@ -11286,7 +11286,7 @@
           </p:nvSpPr>
           <p:spPr>
             <a:xfrm>
-              <a:off x="2280249" y="6102452"/>
+              <a:off x="1630800" y="6102474"/>
               <a:ext cx="63202" cy="63202"/>
             </a:xfrm>
             <a:custGeom>
@@ -11329,7 +11329,7 @@
           </p:nvSpPr>
           <p:spPr>
             <a:xfrm>
-              <a:off x="1732072" y="6375798"/>
+              <a:off x="2192656" y="6375780"/>
               <a:ext cx="63202" cy="63202"/>
             </a:xfrm>
             <a:custGeom>
@@ -11372,7 +11372,7 @@
           </p:nvSpPr>
           <p:spPr>
             <a:xfrm>
-              <a:off x="2197304" y="5932011"/>
+              <a:off x="1945929" y="5931986"/>
               <a:ext cx="63202" cy="63202"/>
             </a:xfrm>
             <a:custGeom>
@@ -11415,7 +11415,7 @@
           </p:nvSpPr>
           <p:spPr>
             <a:xfrm>
-              <a:off x="2058490" y="6292969"/>
+              <a:off x="2093505" y="6292951"/>
               <a:ext cx="63202" cy="63202"/>
             </a:xfrm>
             <a:custGeom>
@@ -11458,7 +11458,7 @@
           </p:nvSpPr>
           <p:spPr>
             <a:xfrm>
-              <a:off x="2074387" y="6513258"/>
+              <a:off x="2067328" y="6513254"/>
               <a:ext cx="63202" cy="63202"/>
             </a:xfrm>
             <a:custGeom>
@@ -11501,7 +11501,7 @@
           </p:nvSpPr>
           <p:spPr>
             <a:xfrm>
-              <a:off x="1879272" y="6080148"/>
+              <a:off x="1935867" y="6080142"/>
               <a:ext cx="63202" cy="63202"/>
             </a:xfrm>
             <a:custGeom>
@@ -11544,7 +11544,7 @@
           </p:nvSpPr>
           <p:spPr>
             <a:xfrm>
-              <a:off x="1656029" y="6359830"/>
+              <a:off x="2259950" y="6359800"/>
               <a:ext cx="63202" cy="63202"/>
             </a:xfrm>
             <a:custGeom>
@@ -11587,7 +11587,7 @@
           </p:nvSpPr>
           <p:spPr>
             <a:xfrm>
-              <a:off x="1846208" y="5909667"/>
+              <a:off x="1739127" y="5909653"/>
               <a:ext cx="63202" cy="63202"/>
             </a:xfrm>
             <a:custGeom>
@@ -11630,7 +11630,7 @@
           </p:nvSpPr>
           <p:spPr>
             <a:xfrm>
-              <a:off x="2261903" y="6040175"/>
+              <a:off x="1754350" y="6040167"/>
               <a:ext cx="63202" cy="63202"/>
             </a:xfrm>
             <a:custGeom>
@@ -11673,7 +11673,7 @@
           </p:nvSpPr>
           <p:spPr>
             <a:xfrm>
-              <a:off x="1699013" y="6001682"/>
+              <a:off x="1835190" y="6001666"/>
               <a:ext cx="63202" cy="63202"/>
             </a:xfrm>
             <a:custGeom>
@@ -11716,7 +11716,7 @@
           </p:nvSpPr>
           <p:spPr>
             <a:xfrm>
-              <a:off x="1623287" y="6031432"/>
+              <a:off x="2288325" y="6031408"/>
               <a:ext cx="63202" cy="63202"/>
             </a:xfrm>
             <a:custGeom>
@@ -11759,7 +11759,7 @@
           </p:nvSpPr>
           <p:spPr>
             <a:xfrm>
-              <a:off x="1652328" y="5903251"/>
+              <a:off x="1804393" y="5903269"/>
               <a:ext cx="63202" cy="63202"/>
             </a:xfrm>
             <a:custGeom>
@@ -11802,7 +11802,7 @@
           </p:nvSpPr>
           <p:spPr>
             <a:xfrm>
-              <a:off x="1680811" y="5901130"/>
+              <a:off x="1744543" y="5901124"/>
               <a:ext cx="63202" cy="63202"/>
             </a:xfrm>
             <a:custGeom>
@@ -11845,7 +11845,7 @@
           </p:nvSpPr>
           <p:spPr>
             <a:xfrm>
-              <a:off x="2289056" y="6067554"/>
+              <a:off x="1756892" y="6067549"/>
               <a:ext cx="63202" cy="63202"/>
             </a:xfrm>
             <a:custGeom>
@@ -11888,7 +11888,7 @@
           </p:nvSpPr>
           <p:spPr>
             <a:xfrm>
-              <a:off x="2255105" y="6060288"/>
+              <a:off x="2044654" y="6060307"/>
               <a:ext cx="63202" cy="63202"/>
             </a:xfrm>
             <a:custGeom>
@@ -11931,7 +11931,7 @@
           </p:nvSpPr>
           <p:spPr>
             <a:xfrm>
-              <a:off x="1904485" y="5912797"/>
+              <a:off x="2204232" y="5912793"/>
               <a:ext cx="63202" cy="63202"/>
             </a:xfrm>
             <a:custGeom>
@@ -11974,7 +11974,7 @@
           </p:nvSpPr>
           <p:spPr>
             <a:xfrm>
-              <a:off x="1772501" y="5918215"/>
+              <a:off x="1756295" y="5918216"/>
               <a:ext cx="63202" cy="63202"/>
             </a:xfrm>
             <a:custGeom>
@@ -12017,7 +12017,7 @@
           </p:nvSpPr>
           <p:spPr>
             <a:xfrm>
-              <a:off x="1951800" y="5918298"/>
+              <a:off x="2090319" y="5918299"/>
               <a:ext cx="63202" cy="63202"/>
             </a:xfrm>
             <a:custGeom>
@@ -12060,7 +12060,7 @@
           </p:nvSpPr>
           <p:spPr>
             <a:xfrm>
-              <a:off x="1825274" y="5956432"/>
+              <a:off x="1869956" y="5956414"/>
               <a:ext cx="63202" cy="63202"/>
             </a:xfrm>
             <a:custGeom>
@@ -12103,7 +12103,7 @@
           </p:nvSpPr>
           <p:spPr>
             <a:xfrm>
-              <a:off x="1984573" y="5910680"/>
+              <a:off x="1969403" y="5910657"/>
               <a:ext cx="63202" cy="63202"/>
             </a:xfrm>
             <a:custGeom>
@@ -12146,7 +12146,7 @@
           </p:nvSpPr>
           <p:spPr>
             <a:xfrm>
-              <a:off x="1657413" y="6280202"/>
+              <a:off x="2193495" y="6280180"/>
               <a:ext cx="63202" cy="63202"/>
             </a:xfrm>
             <a:custGeom>
@@ -12189,7 +12189,7 @@
           </p:nvSpPr>
           <p:spPr>
             <a:xfrm>
-              <a:off x="2181692" y="5926791"/>
+              <a:off x="2195506" y="5926773"/>
               <a:ext cx="63202" cy="63202"/>
             </a:xfrm>
             <a:custGeom>
@@ -12232,7 +12232,7 @@
           </p:nvSpPr>
           <p:spPr>
             <a:xfrm>
-              <a:off x="1745955" y="5866433"/>
+              <a:off x="1625595" y="5866453"/>
               <a:ext cx="63202" cy="63202"/>
             </a:xfrm>
             <a:custGeom>
@@ -12275,7 +12275,7 @@
           </p:nvSpPr>
           <p:spPr>
             <a:xfrm>
-              <a:off x="1828216" y="6192031"/>
+              <a:off x="1908544" y="6192024"/>
               <a:ext cx="63202" cy="63202"/>
             </a:xfrm>
             <a:custGeom>
@@ -12318,7 +12318,7 @@
           </p:nvSpPr>
           <p:spPr>
             <a:xfrm>
-              <a:off x="2093838" y="6535886"/>
+              <a:off x="2155255" y="6535857"/>
               <a:ext cx="63202" cy="63202"/>
             </a:xfrm>
             <a:custGeom>
@@ -12361,7 +12361,7 @@
           </p:nvSpPr>
           <p:spPr>
             <a:xfrm>
-              <a:off x="1761601" y="6254913"/>
+              <a:off x="2229440" y="6254898"/>
               <a:ext cx="63202" cy="63202"/>
             </a:xfrm>
             <a:custGeom>
@@ -12404,7 +12404,7 @@
           </p:nvSpPr>
           <p:spPr>
             <a:xfrm>
-              <a:off x="1753746" y="6244832"/>
+              <a:off x="1681190" y="6244812"/>
               <a:ext cx="63202" cy="63202"/>
             </a:xfrm>
             <a:custGeom>
@@ -12447,7 +12447,7 @@
           </p:nvSpPr>
           <p:spPr>
             <a:xfrm>
-              <a:off x="1666389" y="5905888"/>
+              <a:off x="2136781" y="5905883"/>
               <a:ext cx="63202" cy="63202"/>
             </a:xfrm>
             <a:custGeom>
@@ -12490,7 +12490,7 @@
           </p:nvSpPr>
           <p:spPr>
             <a:xfrm>
-              <a:off x="1725327" y="5966817"/>
+              <a:off x="2017326" y="5966835"/>
               <a:ext cx="63202" cy="63202"/>
             </a:xfrm>
             <a:custGeom>
@@ -12533,7 +12533,7 @@
           </p:nvSpPr>
           <p:spPr>
             <a:xfrm>
-              <a:off x="2201739" y="6248552"/>
+              <a:off x="1987259" y="6248553"/>
               <a:ext cx="63202" cy="63202"/>
             </a:xfrm>
             <a:custGeom>
@@ -12576,7 +12576,7 @@
           </p:nvSpPr>
           <p:spPr>
             <a:xfrm>
-              <a:off x="1761445" y="6257449"/>
+              <a:off x="1771654" y="6257449"/>
               <a:ext cx="63202" cy="63202"/>
             </a:xfrm>
             <a:custGeom>
@@ -12619,7 +12619,7 @@
           </p:nvSpPr>
           <p:spPr>
             <a:xfrm>
-              <a:off x="2084134" y="6255822"/>
+              <a:off x="1900306" y="6255828"/>
               <a:ext cx="63202" cy="63202"/>
             </a:xfrm>
             <a:custGeom>
@@ -12662,7 +12662,7 @@
           </p:nvSpPr>
           <p:spPr>
             <a:xfrm>
-              <a:off x="2137483" y="6355447"/>
+              <a:off x="1683146" y="6355476"/>
               <a:ext cx="63202" cy="63202"/>
             </a:xfrm>
             <a:custGeom>
@@ -12705,7 +12705,7 @@
           </p:nvSpPr>
           <p:spPr>
             <a:xfrm>
-              <a:off x="1693809" y="6301972"/>
+              <a:off x="2211277" y="6301984"/>
               <a:ext cx="63202" cy="63202"/>
             </a:xfrm>
             <a:custGeom>
@@ -12748,7 +12748,7 @@
           </p:nvSpPr>
           <p:spPr>
             <a:xfrm>
-              <a:off x="1759288" y="5922614"/>
+              <a:off x="2141618" y="5922596"/>
               <a:ext cx="63202" cy="63202"/>
             </a:xfrm>
             <a:custGeom>
@@ -12791,7 +12791,7 @@
           </p:nvSpPr>
           <p:spPr>
             <a:xfrm>
-              <a:off x="1636581" y="6353504"/>
+              <a:off x="2030866" y="6353492"/>
               <a:ext cx="63202" cy="63202"/>
             </a:xfrm>
             <a:custGeom>
@@ -12834,7 +12834,7 @@
           </p:nvSpPr>
           <p:spPr>
             <a:xfrm>
-              <a:off x="1694313" y="6359097"/>
+              <a:off x="2084426" y="6359080"/>
               <a:ext cx="63202" cy="63202"/>
             </a:xfrm>
             <a:custGeom>
@@ -12877,7 +12877,7 @@
           </p:nvSpPr>
           <p:spPr>
             <a:xfrm>
-              <a:off x="1770463" y="6328957"/>
+              <a:off x="1844998" y="6328963"/>
               <a:ext cx="63202" cy="63202"/>
             </a:xfrm>
             <a:custGeom>
@@ -12920,7 +12920,7 @@
           </p:nvSpPr>
           <p:spPr>
             <a:xfrm>
-              <a:off x="1802875" y="6419213"/>
+              <a:off x="1719531" y="6419192"/>
               <a:ext cx="63202" cy="63202"/>
             </a:xfrm>
             <a:custGeom>
@@ -12963,7 +12963,7 @@
           </p:nvSpPr>
           <p:spPr>
             <a:xfrm>
-              <a:off x="1724321" y="6358968"/>
+              <a:off x="1891359" y="6358966"/>
               <a:ext cx="63202" cy="63202"/>
             </a:xfrm>
             <a:custGeom>
@@ -13006,7 +13006,7 @@
           </p:nvSpPr>
           <p:spPr>
             <a:xfrm>
-              <a:off x="2055961" y="5980989"/>
+              <a:off x="1892281" y="5980987"/>
               <a:ext cx="63202" cy="63202"/>
             </a:xfrm>
             <a:custGeom>
@@ -13049,7 +13049,7 @@
           </p:nvSpPr>
           <p:spPr>
             <a:xfrm>
-              <a:off x="1849309" y="6483946"/>
+              <a:off x="2195712" y="6483930"/>
               <a:ext cx="63202" cy="63202"/>
             </a:xfrm>
             <a:custGeom>
@@ -13092,7 +13092,7 @@
           </p:nvSpPr>
           <p:spPr>
             <a:xfrm>
-              <a:off x="1858029" y="6336639"/>
+              <a:off x="1943865" y="6336607"/>
               <a:ext cx="63202" cy="63202"/>
             </a:xfrm>
             <a:custGeom>
@@ -13135,7 +13135,7 @@
           </p:nvSpPr>
           <p:spPr>
             <a:xfrm>
-              <a:off x="2118020" y="5928682"/>
+              <a:off x="1996765" y="5928668"/>
               <a:ext cx="63202" cy="63202"/>
             </a:xfrm>
             <a:custGeom>
@@ -13178,7 +13178,7 @@
           </p:nvSpPr>
           <p:spPr>
             <a:xfrm>
-              <a:off x="2034241" y="5926292"/>
+              <a:off x="2198537" y="5926288"/>
               <a:ext cx="63202" cy="63202"/>
             </a:xfrm>
             <a:custGeom>
@@ -13221,7 +13221,7 @@
           </p:nvSpPr>
           <p:spPr>
             <a:xfrm>
-              <a:off x="2200637" y="5943368"/>
+              <a:off x="2224251" y="5943346"/>
               <a:ext cx="63202" cy="63202"/>
             </a:xfrm>
             <a:custGeom>
@@ -13264,7 +13264,7 @@
           </p:nvSpPr>
           <p:spPr>
             <a:xfrm>
-              <a:off x="1657396" y="5934726"/>
+              <a:off x="1796531" y="5934741"/>
               <a:ext cx="63202" cy="63202"/>
             </a:xfrm>
             <a:custGeom>
@@ -13307,7 +13307,7 @@
           </p:nvSpPr>
           <p:spPr>
             <a:xfrm>
-              <a:off x="2242197" y="6062621"/>
+              <a:off x="2110810" y="6062621"/>
               <a:ext cx="63202" cy="63202"/>
             </a:xfrm>
             <a:custGeom>
@@ -13350,7 +13350,7 @@
           </p:nvSpPr>
           <p:spPr>
             <a:xfrm>
-              <a:off x="1784505" y="6625964"/>
+              <a:off x="2096550" y="6625980"/>
               <a:ext cx="63202" cy="63202"/>
             </a:xfrm>
             <a:custGeom>
@@ -13393,7 +13393,7 @@
           </p:nvSpPr>
           <p:spPr>
             <a:xfrm>
-              <a:off x="2023171" y="6223493"/>
+              <a:off x="2179050" y="6223479"/>
               <a:ext cx="63202" cy="63202"/>
             </a:xfrm>
             <a:custGeom>
@@ -13436,7 +13436,7 @@
           </p:nvSpPr>
           <p:spPr>
             <a:xfrm>
-              <a:off x="2241601" y="6183178"/>
+              <a:off x="1610823" y="6183183"/>
               <a:ext cx="63202" cy="63202"/>
             </a:xfrm>
             <a:custGeom>
@@ -13479,7 +13479,7 @@
           </p:nvSpPr>
           <p:spPr>
             <a:xfrm>
-              <a:off x="1943443" y="6628327"/>
+              <a:off x="1838302" y="6628322"/>
               <a:ext cx="63202" cy="63202"/>
             </a:xfrm>
             <a:custGeom>
@@ -13522,7 +13522,7 @@
           </p:nvSpPr>
           <p:spPr>
             <a:xfrm>
-              <a:off x="1691513" y="6328176"/>
+              <a:off x="2142374" y="6328172"/>
               <a:ext cx="63202" cy="63202"/>
             </a:xfrm>
             <a:custGeom>
@@ -13621,7 +13621,7 @@
           </p:nvSpPr>
           <p:spPr>
             <a:xfrm>
-              <a:off x="4325757" y="2815588"/>
+              <a:off x="4325757" y="2815585"/>
               <a:ext cx="2796732" cy="0"/>
             </a:xfrm>
             <a:custGeom>
@@ -13664,7 +13664,7 @@
           </p:nvSpPr>
           <p:spPr>
             <a:xfrm>
-              <a:off x="4325757" y="2361622"/>
+              <a:off x="4325757" y="2361618"/>
               <a:ext cx="2796732" cy="0"/>
             </a:xfrm>
             <a:custGeom>
@@ -13707,7 +13707,7 @@
           </p:nvSpPr>
           <p:spPr>
             <a:xfrm>
-              <a:off x="4325757" y="1907655"/>
+              <a:off x="4325757" y="1907651"/>
               <a:ext cx="2796732" cy="0"/>
             </a:xfrm>
             <a:custGeom>
@@ -13750,7 +13750,7 @@
           </p:nvSpPr>
           <p:spPr>
             <a:xfrm>
-              <a:off x="4325757" y="1453689"/>
+              <a:off x="4325757" y="1453685"/>
               <a:ext cx="2796732" cy="0"/>
             </a:xfrm>
             <a:custGeom>
@@ -13793,7 +13793,7 @@
           </p:nvSpPr>
           <p:spPr>
             <a:xfrm>
-              <a:off x="4325757" y="3042572"/>
+              <a:off x="4325757" y="3042568"/>
               <a:ext cx="2796732" cy="0"/>
             </a:xfrm>
             <a:custGeom>
@@ -13836,7 +13836,7 @@
           </p:nvSpPr>
           <p:spPr>
             <a:xfrm>
-              <a:off x="4325757" y="2588605"/>
+              <a:off x="4325757" y="2588601"/>
               <a:ext cx="2796732" cy="0"/>
             </a:xfrm>
             <a:custGeom>
@@ -13879,7 +13879,7 @@
           </p:nvSpPr>
           <p:spPr>
             <a:xfrm>
-              <a:off x="4325757" y="2134639"/>
+              <a:off x="4325757" y="2134635"/>
               <a:ext cx="2796732" cy="0"/>
             </a:xfrm>
             <a:custGeom>
@@ -13922,7 +13922,7 @@
           </p:nvSpPr>
           <p:spPr>
             <a:xfrm>
-              <a:off x="4325757" y="1680672"/>
+              <a:off x="4325757" y="1680668"/>
               <a:ext cx="2796732" cy="0"/>
             </a:xfrm>
             <a:custGeom>
@@ -14094,7 +14094,7 @@
           </p:nvSpPr>
           <p:spPr>
             <a:xfrm>
-              <a:off x="4704410" y="2249987"/>
+              <a:off x="5031363" y="2249998"/>
               <a:ext cx="63202" cy="63202"/>
             </a:xfrm>
             <a:custGeom>
@@ -14137,7 +14137,7 @@
           </p:nvSpPr>
           <p:spPr>
             <a:xfrm>
-              <a:off x="4660704" y="2284772"/>
+              <a:off x="5089313" y="2284769"/>
               <a:ext cx="63202" cy="63202"/>
             </a:xfrm>
             <a:custGeom>
@@ -14180,7 +14180,7 @@
           </p:nvSpPr>
           <p:spPr>
             <a:xfrm>
-              <a:off x="4729176" y="2521791"/>
+              <a:off x="4720080" y="2521762"/>
               <a:ext cx="63202" cy="63202"/>
             </a:xfrm>
             <a:custGeom>
@@ -14223,7 +14223,7 @@
           </p:nvSpPr>
           <p:spPr>
             <a:xfrm>
-              <a:off x="4521099" y="2239424"/>
+              <a:off x="4718188" y="2239396"/>
               <a:ext cx="63202" cy="63202"/>
             </a:xfrm>
             <a:custGeom>
@@ -14266,7 +14266,7 @@
           </p:nvSpPr>
           <p:spPr>
             <a:xfrm>
-              <a:off x="4747039" y="2310670"/>
+              <a:off x="4863473" y="2310667"/>
               <a:ext cx="63202" cy="63202"/>
             </a:xfrm>
             <a:custGeom>
@@ -14309,7 +14309,7 @@
           </p:nvSpPr>
           <p:spPr>
             <a:xfrm>
-              <a:off x="4807614" y="2550378"/>
+              <a:off x="4539026" y="2550384"/>
               <a:ext cx="63202" cy="63202"/>
             </a:xfrm>
             <a:custGeom>
@@ -14352,7 +14352,7 @@
           </p:nvSpPr>
           <p:spPr>
             <a:xfrm>
-              <a:off x="4965698" y="2279088"/>
+              <a:off x="4816452" y="2279092"/>
               <a:ext cx="63202" cy="63202"/>
             </a:xfrm>
             <a:custGeom>
@@ -14395,7 +14395,7 @@
           </p:nvSpPr>
           <p:spPr>
             <a:xfrm>
-              <a:off x="5363374" y="2933800"/>
+              <a:off x="5894323" y="2933780"/>
               <a:ext cx="63202" cy="63202"/>
             </a:xfrm>
             <a:custGeom>
@@ -14438,7 +14438,7 @@
           </p:nvSpPr>
           <p:spPr>
             <a:xfrm>
-              <a:off x="5168033" y="2251466"/>
+              <a:off x="4589555" y="2251476"/>
               <a:ext cx="63202" cy="63202"/>
             </a:xfrm>
             <a:custGeom>
@@ -14481,7 +14481,7 @@
           </p:nvSpPr>
           <p:spPr>
             <a:xfrm>
-              <a:off x="4918894" y="2590791"/>
+              <a:off x="4875597" y="2590761"/>
               <a:ext cx="63202" cy="63202"/>
             </a:xfrm>
             <a:custGeom>
@@ -14524,7 +14524,7 @@
           </p:nvSpPr>
           <p:spPr>
             <a:xfrm>
-              <a:off x="4869077" y="2835935"/>
+              <a:off x="4960822" y="2835935"/>
               <a:ext cx="63202" cy="63202"/>
             </a:xfrm>
             <a:custGeom>
@@ -14567,7 +14567,7 @@
           </p:nvSpPr>
           <p:spPr>
             <a:xfrm>
-              <a:off x="4763731" y="2254191"/>
+              <a:off x="4534400" y="2254193"/>
               <a:ext cx="63202" cy="63202"/>
             </a:xfrm>
             <a:custGeom>
@@ -14610,7 +14610,7 @@
           </p:nvSpPr>
           <p:spPr>
             <a:xfrm>
-              <a:off x="4995822" y="2247073"/>
+              <a:off x="4916470" y="2247081"/>
               <a:ext cx="63202" cy="63202"/>
             </a:xfrm>
             <a:custGeom>
@@ -14653,7 +14653,7 @@
           </p:nvSpPr>
           <p:spPr>
             <a:xfrm>
-              <a:off x="4905105" y="2273041"/>
+              <a:off x="4871502" y="2273031"/>
               <a:ext cx="63202" cy="63202"/>
             </a:xfrm>
             <a:custGeom>
@@ -14696,7 +14696,7 @@
           </p:nvSpPr>
           <p:spPr>
             <a:xfrm>
-              <a:off x="4647416" y="2294938"/>
+              <a:off x="4670666" y="2294937"/>
               <a:ext cx="63202" cy="63202"/>
             </a:xfrm>
             <a:custGeom>
@@ -14739,7 +14739,7 @@
           </p:nvSpPr>
           <p:spPr>
             <a:xfrm>
-              <a:off x="4611407" y="2282504"/>
+              <a:off x="5122236" y="2282488"/>
               <a:ext cx="63202" cy="63202"/>
             </a:xfrm>
             <a:custGeom>
@@ -14782,7 +14782,7 @@
           </p:nvSpPr>
           <p:spPr>
             <a:xfrm>
-              <a:off x="4611639" y="2301675"/>
+              <a:off x="5039833" y="2301707"/>
               <a:ext cx="63202" cy="63202"/>
             </a:xfrm>
             <a:custGeom>
@@ -14825,7 +14825,7 @@
           </p:nvSpPr>
           <p:spPr>
             <a:xfrm>
-              <a:off x="4942761" y="2274925"/>
+              <a:off x="4859445" y="2274896"/>
               <a:ext cx="63202" cy="63202"/>
             </a:xfrm>
             <a:custGeom>
@@ -14868,7 +14868,7 @@
           </p:nvSpPr>
           <p:spPr>
             <a:xfrm>
-              <a:off x="5162935" y="2270943"/>
+              <a:off x="5057330" y="2270957"/>
               <a:ext cx="63202" cy="63202"/>
             </a:xfrm>
             <a:custGeom>
@@ -14911,7 +14911,7 @@
           </p:nvSpPr>
           <p:spPr>
             <a:xfrm>
-              <a:off x="4937893" y="2419802"/>
+              <a:off x="4685682" y="2419802"/>
               <a:ext cx="63202" cy="63202"/>
             </a:xfrm>
             <a:custGeom>
@@ -14954,7 +14954,7 @@
           </p:nvSpPr>
           <p:spPr>
             <a:xfrm>
-              <a:off x="4992288" y="2269813"/>
+              <a:off x="5087412" y="2269817"/>
               <a:ext cx="63202" cy="63202"/>
             </a:xfrm>
             <a:custGeom>
@@ -14997,7 +14997,7 @@
           </p:nvSpPr>
           <p:spPr>
             <a:xfrm>
-              <a:off x="5023176" y="2405436"/>
+              <a:off x="5148392" y="2405405"/>
               <a:ext cx="63202" cy="63202"/>
             </a:xfrm>
             <a:custGeom>
@@ -15040,7 +15040,7 @@
           </p:nvSpPr>
           <p:spPr>
             <a:xfrm>
-              <a:off x="4961854" y="2494495"/>
+              <a:off x="4777658" y="2494472"/>
               <a:ext cx="63202" cy="63202"/>
             </a:xfrm>
             <a:custGeom>
@@ -15083,7 +15083,7 @@
           </p:nvSpPr>
           <p:spPr>
             <a:xfrm>
-              <a:off x="4587148" y="2464587"/>
+              <a:off x="5149790" y="2464582"/>
               <a:ext cx="63202" cy="63202"/>
             </a:xfrm>
             <a:custGeom>
@@ -15126,7 +15126,7 @@
           </p:nvSpPr>
           <p:spPr>
             <a:xfrm>
-              <a:off x="4763081" y="2415103"/>
+              <a:off x="4828524" y="2415079"/>
               <a:ext cx="63202" cy="63202"/>
             </a:xfrm>
             <a:custGeom>
@@ -15169,7 +15169,7 @@
           </p:nvSpPr>
           <p:spPr>
             <a:xfrm>
-              <a:off x="4936488" y="2275143"/>
+              <a:off x="4836114" y="2275141"/>
               <a:ext cx="63202" cy="63202"/>
             </a:xfrm>
             <a:custGeom>
@@ -15212,7 +15212,7 @@
           </p:nvSpPr>
           <p:spPr>
             <a:xfrm>
-              <a:off x="5080841" y="2515699"/>
+              <a:off x="4799291" y="2515678"/>
               <a:ext cx="63202" cy="63202"/>
             </a:xfrm>
             <a:custGeom>
@@ -15255,7 +15255,7 @@
           </p:nvSpPr>
           <p:spPr>
             <a:xfrm>
-              <a:off x="4707807" y="2275592"/>
+              <a:off x="4532046" y="2275585"/>
               <a:ext cx="63202" cy="63202"/>
             </a:xfrm>
             <a:custGeom>
@@ -15298,7 +15298,7 @@
           </p:nvSpPr>
           <p:spPr>
             <a:xfrm>
-              <a:off x="4818389" y="2296744"/>
+              <a:off x="4869629" y="2296757"/>
               <a:ext cx="63202" cy="63202"/>
             </a:xfrm>
             <a:custGeom>
@@ -15341,7 +15341,7 @@
           </p:nvSpPr>
           <p:spPr>
             <a:xfrm>
-              <a:off x="4799547" y="2648345"/>
+              <a:off x="4647251" y="2648345"/>
               <a:ext cx="63202" cy="63202"/>
             </a:xfrm>
             <a:custGeom>
@@ -15384,7 +15384,7 @@
           </p:nvSpPr>
           <p:spPr>
             <a:xfrm>
-              <a:off x="4838864" y="2331910"/>
+              <a:off x="4680725" y="2331914"/>
               <a:ext cx="63202" cy="63202"/>
             </a:xfrm>
             <a:custGeom>
@@ -15427,7 +15427,7 @@
           </p:nvSpPr>
           <p:spPr>
             <a:xfrm>
-              <a:off x="4682508" y="2270149"/>
+              <a:off x="4985172" y="2270121"/>
               <a:ext cx="63202" cy="63202"/>
             </a:xfrm>
             <a:custGeom>
@@ -15470,7 +15470,7 @@
           </p:nvSpPr>
           <p:spPr>
             <a:xfrm>
-              <a:off x="4815759" y="2584962"/>
+              <a:off x="4786972" y="2584953"/>
               <a:ext cx="63202" cy="63202"/>
             </a:xfrm>
             <a:custGeom>
@@ -15513,7 +15513,7 @@
           </p:nvSpPr>
           <p:spPr>
             <a:xfrm>
-              <a:off x="4604471" y="2394333"/>
+              <a:off x="4566640" y="2394340"/>
               <a:ext cx="63202" cy="63202"/>
             </a:xfrm>
             <a:custGeom>
@@ -15556,7 +15556,7 @@
           </p:nvSpPr>
           <p:spPr>
             <a:xfrm>
-              <a:off x="4735258" y="2285776"/>
+              <a:off x="5122926" y="2285767"/>
               <a:ext cx="63202" cy="63202"/>
             </a:xfrm>
             <a:custGeom>
@@ -15599,7 +15599,7 @@
           </p:nvSpPr>
           <p:spPr>
             <a:xfrm>
-              <a:off x="5132280" y="2283277"/>
+              <a:off x="4946596" y="2283266"/>
               <a:ext cx="63202" cy="63202"/>
             </a:xfrm>
             <a:custGeom>
@@ -15642,7 +15642,7 @@
           </p:nvSpPr>
           <p:spPr>
             <a:xfrm>
-              <a:off x="4752128" y="2242100"/>
+              <a:off x="4543207" y="2242085"/>
               <a:ext cx="63202" cy="63202"/>
             </a:xfrm>
             <a:custGeom>
@@ -15685,7 +15685,7 @@
           </p:nvSpPr>
           <p:spPr>
             <a:xfrm>
-              <a:off x="5018936" y="2242099"/>
+              <a:off x="5020672" y="2242075"/>
               <a:ext cx="63202" cy="63202"/>
             </a:xfrm>
             <a:custGeom>
@@ -15728,7 +15728,7 @@
           </p:nvSpPr>
           <p:spPr>
             <a:xfrm>
-              <a:off x="4578865" y="2307042"/>
+              <a:off x="4701085" y="2307051"/>
               <a:ext cx="63202" cy="63202"/>
             </a:xfrm>
             <a:custGeom>
@@ -15771,7 +15771,7 @@
           </p:nvSpPr>
           <p:spPr>
             <a:xfrm>
-              <a:off x="4543214" y="2595645"/>
+              <a:off x="4736937" y="2595647"/>
               <a:ext cx="63202" cy="63202"/>
             </a:xfrm>
             <a:custGeom>
@@ -15814,7 +15814,7 @@
           </p:nvSpPr>
           <p:spPr>
             <a:xfrm>
-              <a:off x="5126339" y="2303572"/>
+              <a:off x="4833396" y="2303566"/>
               <a:ext cx="63202" cy="63202"/>
             </a:xfrm>
             <a:custGeom>
@@ -15857,7 +15857,7 @@
           </p:nvSpPr>
           <p:spPr>
             <a:xfrm>
-              <a:off x="4547465" y="2289267"/>
+              <a:off x="4970823" y="2289264"/>
               <a:ext cx="63202" cy="63202"/>
             </a:xfrm>
             <a:custGeom>
@@ -15900,7 +15900,7 @@
           </p:nvSpPr>
           <p:spPr>
             <a:xfrm>
-              <a:off x="5153351" y="2210953"/>
+              <a:off x="5018121" y="2210939"/>
               <a:ext cx="63202" cy="63202"/>
             </a:xfrm>
             <a:custGeom>
@@ -15943,7 +15943,7 @@
           </p:nvSpPr>
           <p:spPr>
             <a:xfrm>
-              <a:off x="4564550" y="2488361"/>
+              <a:off x="4699580" y="2488344"/>
               <a:ext cx="63202" cy="63202"/>
             </a:xfrm>
             <a:custGeom>
@@ -15986,7 +15986,7 @@
           </p:nvSpPr>
           <p:spPr>
             <a:xfrm>
-              <a:off x="4815959" y="2235958"/>
+              <a:off x="5099754" y="2235942"/>
               <a:ext cx="63202" cy="63202"/>
             </a:xfrm>
             <a:custGeom>
@@ -16029,7 +16029,7 @@
           </p:nvSpPr>
           <p:spPr>
             <a:xfrm>
-              <a:off x="4952166" y="2324528"/>
+              <a:off x="4500335" y="2324520"/>
               <a:ext cx="63202" cy="63202"/>
             </a:xfrm>
             <a:custGeom>
@@ -16072,7 +16072,7 @@
           </p:nvSpPr>
           <p:spPr>
             <a:xfrm>
-              <a:off x="4501574" y="2355292"/>
+              <a:off x="4695888" y="2355294"/>
               <a:ext cx="63202" cy="63202"/>
             </a:xfrm>
             <a:custGeom>
@@ -16115,7 +16115,7 @@
           </p:nvSpPr>
           <p:spPr>
             <a:xfrm>
-              <a:off x="4676150" y="2276867"/>
+              <a:off x="4820178" y="2276861"/>
               <a:ext cx="63202" cy="63202"/>
             </a:xfrm>
             <a:custGeom>
@@ -16158,7 +16158,7 @@
           </p:nvSpPr>
           <p:spPr>
             <a:xfrm>
-              <a:off x="4474585" y="2577884"/>
+              <a:off x="5087468" y="2577869"/>
               <a:ext cx="63202" cy="63202"/>
             </a:xfrm>
             <a:custGeom>
@@ -16201,7 +16201,7 @@
           </p:nvSpPr>
           <p:spPr>
             <a:xfrm>
-              <a:off x="4576492" y="2747770"/>
+              <a:off x="4728120" y="2747749"/>
               <a:ext cx="63202" cy="63202"/>
             </a:xfrm>
             <a:custGeom>
@@ -16244,7 +16244,7 @@
           </p:nvSpPr>
           <p:spPr>
             <a:xfrm>
-              <a:off x="5136992" y="2329062"/>
+              <a:off x="4738483" y="2329069"/>
               <a:ext cx="63202" cy="63202"/>
             </a:xfrm>
             <a:custGeom>
@@ -16287,7 +16287,7 @@
           </p:nvSpPr>
           <p:spPr>
             <a:xfrm>
-              <a:off x="5137541" y="2463805"/>
+              <a:off x="4509082" y="2463787"/>
               <a:ext cx="63202" cy="63202"/>
             </a:xfrm>
             <a:custGeom>
@@ -16330,7 +16330,7 @@
           </p:nvSpPr>
           <p:spPr>
             <a:xfrm>
-              <a:off x="4875410" y="2595180"/>
+              <a:off x="4844860" y="2595175"/>
               <a:ext cx="63202" cy="63202"/>
             </a:xfrm>
             <a:custGeom>
@@ -16373,7 +16373,7 @@
           </p:nvSpPr>
           <p:spPr>
             <a:xfrm>
-              <a:off x="4906891" y="2284532"/>
+              <a:off x="4704658" y="2284543"/>
               <a:ext cx="63202" cy="63202"/>
             </a:xfrm>
             <a:custGeom>
@@ -16416,7 +16416,7 @@
           </p:nvSpPr>
           <p:spPr>
             <a:xfrm>
-              <a:off x="4727850" y="2356767"/>
+              <a:off x="4537729" y="2356744"/>
               <a:ext cx="63202" cy="63202"/>
             </a:xfrm>
             <a:custGeom>
@@ -16459,7 +16459,7 @@
           </p:nvSpPr>
           <p:spPr>
             <a:xfrm>
-              <a:off x="4520688" y="2252377"/>
+              <a:off x="4500604" y="2252375"/>
               <a:ext cx="63202" cy="63202"/>
             </a:xfrm>
             <a:custGeom>
@@ -16502,7 +16502,7 @@
           </p:nvSpPr>
           <p:spPr>
             <a:xfrm>
-              <a:off x="4770677" y="2709457"/>
+              <a:off x="4750010" y="2709444"/>
               <a:ext cx="63202" cy="63202"/>
             </a:xfrm>
             <a:custGeom>
@@ -16545,7 +16545,7 @@
           </p:nvSpPr>
           <p:spPr>
             <a:xfrm>
-              <a:off x="4776931" y="2278921"/>
+              <a:off x="4863066" y="2278887"/>
               <a:ext cx="63202" cy="63202"/>
             </a:xfrm>
             <a:custGeom>
@@ -16588,7 +16588,7 @@
           </p:nvSpPr>
           <p:spPr>
             <a:xfrm>
-              <a:off x="4536292" y="2329058"/>
+              <a:off x="4870108" y="2329072"/>
               <a:ext cx="63202" cy="63202"/>
             </a:xfrm>
             <a:custGeom>
@@ -16631,7 +16631,7 @@
           </p:nvSpPr>
           <p:spPr>
             <a:xfrm>
-              <a:off x="4702575" y="2676108"/>
+              <a:off x="5079973" y="2676121"/>
               <a:ext cx="63202" cy="63202"/>
             </a:xfrm>
             <a:custGeom>
@@ -16674,7 +16674,7 @@
           </p:nvSpPr>
           <p:spPr>
             <a:xfrm>
-              <a:off x="5087005" y="2345536"/>
+              <a:off x="4689340" y="2345537"/>
               <a:ext cx="63202" cy="63202"/>
             </a:xfrm>
             <a:custGeom>
@@ -16717,7 +16717,7 @@
           </p:nvSpPr>
           <p:spPr>
             <a:xfrm>
-              <a:off x="5049336" y="2351165"/>
+              <a:off x="4897407" y="2351173"/>
               <a:ext cx="63202" cy="63202"/>
             </a:xfrm>
             <a:custGeom>
@@ -16760,7 +16760,7 @@
           </p:nvSpPr>
           <p:spPr>
             <a:xfrm>
-              <a:off x="4494193" y="2239670"/>
+              <a:off x="5041464" y="2239673"/>
               <a:ext cx="63202" cy="63202"/>
             </a:xfrm>
             <a:custGeom>
@@ -16803,7 +16803,7 @@
           </p:nvSpPr>
           <p:spPr>
             <a:xfrm>
-              <a:off x="4928109" y="2273585"/>
+              <a:off x="4631120" y="2273595"/>
               <a:ext cx="63202" cy="63202"/>
             </a:xfrm>
             <a:custGeom>
@@ -16846,7 +16846,7 @@
           </p:nvSpPr>
           <p:spPr>
             <a:xfrm>
-              <a:off x="4922004" y="2338973"/>
+              <a:off x="4768708" y="2338944"/>
               <a:ext cx="63202" cy="63202"/>
             </a:xfrm>
             <a:custGeom>
@@ -16889,7 +16889,7 @@
           </p:nvSpPr>
           <p:spPr>
             <a:xfrm>
-              <a:off x="5011556" y="2316482"/>
+              <a:off x="5000904" y="2316501"/>
               <a:ext cx="63202" cy="63202"/>
             </a:xfrm>
             <a:custGeom>
@@ -16932,7 +16932,7 @@
           </p:nvSpPr>
           <p:spPr>
             <a:xfrm>
-              <a:off x="4722476" y="2241741"/>
+              <a:off x="4697038" y="2241736"/>
               <a:ext cx="63202" cy="63202"/>
             </a:xfrm>
             <a:custGeom>
@@ -16975,7 +16975,7 @@
           </p:nvSpPr>
           <p:spPr>
             <a:xfrm>
-              <a:off x="4569042" y="2454765"/>
+              <a:off x="4989527" y="2454767"/>
               <a:ext cx="63202" cy="63202"/>
             </a:xfrm>
             <a:custGeom>
@@ -17018,7 +17018,7 @@
           </p:nvSpPr>
           <p:spPr>
             <a:xfrm>
-              <a:off x="5083989" y="2302722"/>
+              <a:off x="4683578" y="2302718"/>
               <a:ext cx="63202" cy="63202"/>
             </a:xfrm>
             <a:custGeom>
@@ -17061,7 +17061,7 @@
           </p:nvSpPr>
           <p:spPr>
             <a:xfrm>
-              <a:off x="4652570" y="2316157"/>
+              <a:off x="5018241" y="2316182"/>
               <a:ext cx="63202" cy="63202"/>
             </a:xfrm>
             <a:custGeom>
@@ -17104,7 +17104,7 @@
           </p:nvSpPr>
           <p:spPr>
             <a:xfrm>
-              <a:off x="4581263" y="2610405"/>
+              <a:off x="4859808" y="2610384"/>
               <a:ext cx="63202" cy="63202"/>
             </a:xfrm>
             <a:custGeom>
@@ -17147,7 +17147,7 @@
           </p:nvSpPr>
           <p:spPr>
             <a:xfrm>
-              <a:off x="4765230" y="2630876"/>
+              <a:off x="4549109" y="2630852"/>
               <a:ext cx="63202" cy="63202"/>
             </a:xfrm>
             <a:custGeom>
@@ -17190,7 +17190,7 @@
           </p:nvSpPr>
           <p:spPr>
             <a:xfrm>
-              <a:off x="5044515" y="2242685"/>
+              <a:off x="4804258" y="2242656"/>
               <a:ext cx="63202" cy="63202"/>
             </a:xfrm>
             <a:custGeom>
@@ -17233,7 +17233,7 @@
           </p:nvSpPr>
           <p:spPr>
             <a:xfrm>
-              <a:off x="4646861" y="2236332"/>
+              <a:off x="4479845" y="2236315"/>
               <a:ext cx="63202" cy="63202"/>
             </a:xfrm>
             <a:custGeom>
@@ -17276,7 +17276,7 @@
           </p:nvSpPr>
           <p:spPr>
             <a:xfrm>
-              <a:off x="5105217" y="2233973"/>
+              <a:off x="4715688" y="2233961"/>
               <a:ext cx="63202" cy="63202"/>
             </a:xfrm>
             <a:custGeom>
@@ -17319,7 +17319,7 @@
           </p:nvSpPr>
           <p:spPr>
             <a:xfrm>
-              <a:off x="5151027" y="2486597"/>
+              <a:off x="4858215" y="2486582"/>
               <a:ext cx="63202" cy="63202"/>
             </a:xfrm>
             <a:custGeom>
@@ -17362,7 +17362,7 @@
           </p:nvSpPr>
           <p:spPr>
             <a:xfrm>
-              <a:off x="5043490" y="2283050"/>
+              <a:off x="5119723" y="2283020"/>
               <a:ext cx="63202" cy="63202"/>
             </a:xfrm>
             <a:custGeom>
@@ -17405,7 +17405,7 @@
           </p:nvSpPr>
           <p:spPr>
             <a:xfrm>
-              <a:off x="5128788" y="2242395"/>
+              <a:off x="4631571" y="2242412"/>
               <a:ext cx="63202" cy="63202"/>
             </a:xfrm>
             <a:custGeom>
@@ -17448,7 +17448,7 @@
           </p:nvSpPr>
           <p:spPr>
             <a:xfrm>
-              <a:off x="4663422" y="2481024"/>
+              <a:off x="4546417" y="2481000"/>
               <a:ext cx="63202" cy="63202"/>
             </a:xfrm>
             <a:custGeom>
@@ -17491,7 +17491,7 @@
           </p:nvSpPr>
           <p:spPr>
             <a:xfrm>
-              <a:off x="4740596" y="2236339"/>
+              <a:off x="4860250" y="2236316"/>
               <a:ext cx="63202" cy="63202"/>
             </a:xfrm>
             <a:custGeom>
@@ -17534,7 +17534,7 @@
           </p:nvSpPr>
           <p:spPr>
             <a:xfrm>
-              <a:off x="4946175" y="2238730"/>
+              <a:off x="4860513" y="2238712"/>
               <a:ext cx="63202" cy="63202"/>
             </a:xfrm>
             <a:custGeom>
@@ -17577,7 +17577,7 @@
           </p:nvSpPr>
           <p:spPr>
             <a:xfrm>
-              <a:off x="4906370" y="2275785"/>
+              <a:off x="4777664" y="2275763"/>
               <a:ext cx="63202" cy="63202"/>
             </a:xfrm>
             <a:custGeom>
@@ -17620,7 +17620,7 @@
           </p:nvSpPr>
           <p:spPr>
             <a:xfrm>
-              <a:off x="5026005" y="2240463"/>
+              <a:off x="4888946" y="2240432"/>
               <a:ext cx="63202" cy="63202"/>
             </a:xfrm>
             <a:custGeom>
@@ -17663,7 +17663,7 @@
           </p:nvSpPr>
           <p:spPr>
             <a:xfrm>
-              <a:off x="4647653" y="2398569"/>
+              <a:off x="4943231" y="2398556"/>
               <a:ext cx="63202" cy="63202"/>
             </a:xfrm>
             <a:custGeom>
@@ -17706,7 +17706,7 @@
           </p:nvSpPr>
           <p:spPr>
             <a:xfrm>
-              <a:off x="4586759" y="2238422"/>
+              <a:off x="4782750" y="2238395"/>
               <a:ext cx="63202" cy="63202"/>
             </a:xfrm>
             <a:custGeom>
@@ -17749,7 +17749,7 @@
           </p:nvSpPr>
           <p:spPr>
             <a:xfrm>
-              <a:off x="4648953" y="2243990"/>
+              <a:off x="5018839" y="2243994"/>
               <a:ext cx="63202" cy="63202"/>
             </a:xfrm>
             <a:custGeom>
@@ -17848,7 +17848,7 @@
           </p:nvSpPr>
           <p:spPr>
             <a:xfrm>
-              <a:off x="4325757" y="4740921"/>
+              <a:off x="4325757" y="4740917"/>
               <a:ext cx="2796732" cy="0"/>
             </a:xfrm>
             <a:custGeom>
@@ -17891,7 +17891,7 @@
           </p:nvSpPr>
           <p:spPr>
             <a:xfrm>
-              <a:off x="4325757" y="4286954"/>
+              <a:off x="4325757" y="4286951"/>
               <a:ext cx="2796732" cy="0"/>
             </a:xfrm>
             <a:custGeom>
@@ -17934,7 +17934,7 @@
           </p:nvSpPr>
           <p:spPr>
             <a:xfrm>
-              <a:off x="4325757" y="3832988"/>
+              <a:off x="4325757" y="3832984"/>
               <a:ext cx="2796732" cy="0"/>
             </a:xfrm>
             <a:custGeom>
@@ -17977,7 +17977,7 @@
           </p:nvSpPr>
           <p:spPr>
             <a:xfrm>
-              <a:off x="4325757" y="3379021"/>
+              <a:off x="4325757" y="3379017"/>
               <a:ext cx="2796732" cy="0"/>
             </a:xfrm>
             <a:custGeom>
@@ -18020,7 +18020,7 @@
           </p:nvSpPr>
           <p:spPr>
             <a:xfrm>
-              <a:off x="4325757" y="4967904"/>
+              <a:off x="4325757" y="4967901"/>
               <a:ext cx="2796732" cy="0"/>
             </a:xfrm>
             <a:custGeom>
@@ -18063,7 +18063,7 @@
           </p:nvSpPr>
           <p:spPr>
             <a:xfrm>
-              <a:off x="4325757" y="4513938"/>
+              <a:off x="4325757" y="4513934"/>
               <a:ext cx="2796732" cy="0"/>
             </a:xfrm>
             <a:custGeom>
@@ -18106,7 +18106,7 @@
           </p:nvSpPr>
           <p:spPr>
             <a:xfrm>
-              <a:off x="4325757" y="4059971"/>
+              <a:off x="4325757" y="4059967"/>
               <a:ext cx="2796732" cy="0"/>
             </a:xfrm>
             <a:custGeom>
@@ -18149,7 +18149,7 @@
           </p:nvSpPr>
           <p:spPr>
             <a:xfrm>
-              <a:off x="4325757" y="3606005"/>
+              <a:off x="4325757" y="3606001"/>
               <a:ext cx="2796732" cy="0"/>
             </a:xfrm>
             <a:custGeom>
@@ -18321,7 +18321,7 @@
           </p:nvSpPr>
           <p:spPr>
             <a:xfrm>
-              <a:off x="4704323" y="4367029"/>
+              <a:off x="4527228" y="4367035"/>
               <a:ext cx="63202" cy="63202"/>
             </a:xfrm>
             <a:custGeom>
@@ -18364,7 +18364,7 @@
           </p:nvSpPr>
           <p:spPr>
             <a:xfrm>
-              <a:off x="5127119" y="4304787"/>
+              <a:off x="4889100" y="4304788"/>
               <a:ext cx="63202" cy="63202"/>
             </a:xfrm>
             <a:custGeom>
@@ -18407,7 +18407,7 @@
           </p:nvSpPr>
           <p:spPr>
             <a:xfrm>
-              <a:off x="5562619" y="4227886"/>
+              <a:off x="5937862" y="4227872"/>
               <a:ext cx="63202" cy="63202"/>
             </a:xfrm>
             <a:custGeom>
@@ -18450,7 +18450,7 @@
           </p:nvSpPr>
           <p:spPr>
             <a:xfrm>
-              <a:off x="6727026" y="4769067"/>
+              <a:off x="6256749" y="4769056"/>
               <a:ext cx="63202" cy="63202"/>
             </a:xfrm>
             <a:custGeom>
@@ -18493,7 +18493,7 @@
           </p:nvSpPr>
           <p:spPr>
             <a:xfrm>
-              <a:off x="6473551" y="4883747"/>
+              <a:off x="6559252" y="4883747"/>
               <a:ext cx="63202" cy="63202"/>
             </a:xfrm>
             <a:custGeom>
@@ -18536,7 +18536,7 @@
           </p:nvSpPr>
           <p:spPr>
             <a:xfrm>
-              <a:off x="6796244" y="4687363"/>
+              <a:off x="6635686" y="4687358"/>
               <a:ext cx="63202" cy="63202"/>
             </a:xfrm>
             <a:custGeom>
@@ -18579,7 +18579,7 @@
           </p:nvSpPr>
           <p:spPr>
             <a:xfrm>
-              <a:off x="6508411" y="4864366"/>
+              <a:off x="6407188" y="4864341"/>
               <a:ext cx="63202" cy="63202"/>
             </a:xfrm>
             <a:custGeom>
@@ -18678,7 +18678,7 @@
           </p:nvSpPr>
           <p:spPr>
             <a:xfrm>
-              <a:off x="4325757" y="6666253"/>
+              <a:off x="4325757" y="6666250"/>
               <a:ext cx="2796732" cy="0"/>
             </a:xfrm>
             <a:custGeom>
@@ -18721,7 +18721,7 @@
           </p:nvSpPr>
           <p:spPr>
             <a:xfrm>
-              <a:off x="4325757" y="6212287"/>
+              <a:off x="4325757" y="6212283"/>
               <a:ext cx="2796732" cy="0"/>
             </a:xfrm>
             <a:custGeom>
@@ -18764,7 +18764,7 @@
           </p:nvSpPr>
           <p:spPr>
             <a:xfrm>
-              <a:off x="4325757" y="5758321"/>
+              <a:off x="4325757" y="5758316"/>
               <a:ext cx="2796732" cy="0"/>
             </a:xfrm>
             <a:custGeom>
@@ -18807,7 +18807,7 @@
           </p:nvSpPr>
           <p:spPr>
             <a:xfrm>
-              <a:off x="4325757" y="5304354"/>
+              <a:off x="4325757" y="5304350"/>
               <a:ext cx="2796732" cy="0"/>
             </a:xfrm>
             <a:custGeom>
@@ -18850,7 +18850,7 @@
           </p:nvSpPr>
           <p:spPr>
             <a:xfrm>
-              <a:off x="4325757" y="6893237"/>
+              <a:off x="4325757" y="6893233"/>
               <a:ext cx="2796732" cy="0"/>
             </a:xfrm>
             <a:custGeom>
@@ -18893,7 +18893,7 @@
           </p:nvSpPr>
           <p:spPr>
             <a:xfrm>
-              <a:off x="4325757" y="6439270"/>
+              <a:off x="4325757" y="6439267"/>
               <a:ext cx="2796732" cy="0"/>
             </a:xfrm>
             <a:custGeom>
@@ -18936,7 +18936,7 @@
           </p:nvSpPr>
           <p:spPr>
             <a:xfrm>
-              <a:off x="4325757" y="5985304"/>
+              <a:off x="4325757" y="5985300"/>
               <a:ext cx="2796732" cy="0"/>
             </a:xfrm>
             <a:custGeom>
@@ -18979,7 +18979,7 @@
           </p:nvSpPr>
           <p:spPr>
             <a:xfrm>
-              <a:off x="4325757" y="5531337"/>
+              <a:off x="4325757" y="5531333"/>
               <a:ext cx="2796732" cy="0"/>
             </a:xfrm>
             <a:custGeom>
@@ -19151,7 +19151,7 @@
           </p:nvSpPr>
           <p:spPr>
             <a:xfrm>
-              <a:off x="4926094" y="5890201"/>
+              <a:off x="4928182" y="5890197"/>
               <a:ext cx="63202" cy="63202"/>
             </a:xfrm>
             <a:custGeom>
@@ -19194,7 +19194,7 @@
           </p:nvSpPr>
           <p:spPr>
             <a:xfrm>
-              <a:off x="5093100" y="5865731"/>
+              <a:off x="4907490" y="5865720"/>
               <a:ext cx="63202" cy="63202"/>
             </a:xfrm>
             <a:custGeom>
@@ -19237,7 +19237,7 @@
           </p:nvSpPr>
           <p:spPr>
             <a:xfrm>
-              <a:off x="4495879" y="5923251"/>
+              <a:off x="5100993" y="5923235"/>
               <a:ext cx="63202" cy="63202"/>
             </a:xfrm>
             <a:custGeom>
@@ -19280,7 +19280,7 @@
           </p:nvSpPr>
           <p:spPr>
             <a:xfrm>
-              <a:off x="5031442" y="5811787"/>
+              <a:off x="4889786" y="5811797"/>
               <a:ext cx="63202" cy="63202"/>
             </a:xfrm>
             <a:custGeom>
@@ -19323,7 +19323,7 @@
           </p:nvSpPr>
           <p:spPr>
             <a:xfrm>
-              <a:off x="4968831" y="5866219"/>
+              <a:off x="5145652" y="5866226"/>
               <a:ext cx="63202" cy="63202"/>
             </a:xfrm>
             <a:custGeom>
@@ -19366,7 +19366,7 @@
           </p:nvSpPr>
           <p:spPr>
             <a:xfrm>
-              <a:off x="4475574" y="5881791"/>
+              <a:off x="4495196" y="5881798"/>
               <a:ext cx="63202" cy="63202"/>
             </a:xfrm>
             <a:custGeom>
@@ -19409,7 +19409,7 @@
           </p:nvSpPr>
           <p:spPr>
             <a:xfrm>
-              <a:off x="4611339" y="5864278"/>
+              <a:off x="4493647" y="5864281"/>
               <a:ext cx="63202" cy="63202"/>
             </a:xfrm>
             <a:custGeom>
@@ -19452,7 +19452,7 @@
           </p:nvSpPr>
           <p:spPr>
             <a:xfrm>
-              <a:off x="4659391" y="5933015"/>
+              <a:off x="4998239" y="5933015"/>
               <a:ext cx="63202" cy="63202"/>
             </a:xfrm>
             <a:custGeom>
@@ -19495,7 +19495,7 @@
           </p:nvSpPr>
           <p:spPr>
             <a:xfrm>
-              <a:off x="4507850" y="6091301"/>
+              <a:off x="4479899" y="6091285"/>
               <a:ext cx="63202" cy="63202"/>
             </a:xfrm>
             <a:custGeom>
@@ -19538,7 +19538,7 @@
           </p:nvSpPr>
           <p:spPr>
             <a:xfrm>
-              <a:off x="5131771" y="5923115"/>
+              <a:off x="4940194" y="5923097"/>
               <a:ext cx="63202" cy="63202"/>
             </a:xfrm>
             <a:custGeom>
@@ -19581,7 +19581,7 @@
           </p:nvSpPr>
           <p:spPr>
             <a:xfrm>
-              <a:off x="4937078" y="5929726"/>
+              <a:off x="5042866" y="5929713"/>
               <a:ext cx="63202" cy="63202"/>
             </a:xfrm>
             <a:custGeom>
@@ -19624,7 +19624,7 @@
           </p:nvSpPr>
           <p:spPr>
             <a:xfrm>
-              <a:off x="4592376" y="6079846"/>
+              <a:off x="4958403" y="6079872"/>
               <a:ext cx="63202" cy="63202"/>
             </a:xfrm>
             <a:custGeom>
@@ -19667,7 +19667,7 @@
           </p:nvSpPr>
           <p:spPr>
             <a:xfrm>
-              <a:off x="4980321" y="6082055"/>
+              <a:off x="5145169" y="6082051"/>
               <a:ext cx="63202" cy="63202"/>
             </a:xfrm>
             <a:custGeom>
@@ -19710,7 +19710,7 @@
           </p:nvSpPr>
           <p:spPr>
             <a:xfrm>
-              <a:off x="4577990" y="5899858"/>
+              <a:off x="4573051" y="5899853"/>
               <a:ext cx="63202" cy="63202"/>
             </a:xfrm>
             <a:custGeom>
@@ -19753,7 +19753,7 @@
           </p:nvSpPr>
           <p:spPr>
             <a:xfrm>
-              <a:off x="4770699" y="5930373"/>
+              <a:off x="5007843" y="5930355"/>
               <a:ext cx="63202" cy="63202"/>
             </a:xfrm>
             <a:custGeom>
@@ -19796,7 +19796,7 @@
           </p:nvSpPr>
           <p:spPr>
             <a:xfrm>
-              <a:off x="5139638" y="5848201"/>
+              <a:off x="4614042" y="5848201"/>
               <a:ext cx="63202" cy="63202"/>
             </a:xfrm>
             <a:custGeom>
@@ -19839,7 +19839,7 @@
           </p:nvSpPr>
           <p:spPr>
             <a:xfrm>
-              <a:off x="4729205" y="5912177"/>
+              <a:off x="5107226" y="5912175"/>
               <a:ext cx="63202" cy="63202"/>
             </a:xfrm>
             <a:custGeom>
@@ -19882,7 +19882,7 @@
           </p:nvSpPr>
           <p:spPr>
             <a:xfrm>
-              <a:off x="5096005" y="5859901"/>
+              <a:off x="5167766" y="5859916"/>
               <a:ext cx="63202" cy="63202"/>
             </a:xfrm>
             <a:custGeom>
@@ -19925,7 +19925,7 @@
           </p:nvSpPr>
           <p:spPr>
             <a:xfrm>
-              <a:off x="5025451" y="5887062"/>
+              <a:off x="4845399" y="5887044"/>
               <a:ext cx="63202" cy="63202"/>
             </a:xfrm>
             <a:custGeom>
@@ -19968,7 +19968,7 @@
           </p:nvSpPr>
           <p:spPr>
             <a:xfrm>
-              <a:off x="4771299" y="5845337"/>
+              <a:off x="4653908" y="5845319"/>
               <a:ext cx="63202" cy="63202"/>
             </a:xfrm>
             <a:custGeom>
@@ -20011,7 +20011,7 @@
           </p:nvSpPr>
           <p:spPr>
             <a:xfrm>
-              <a:off x="4971262" y="6194726"/>
+              <a:off x="4728788" y="6194696"/>
               <a:ext cx="63202" cy="63202"/>
             </a:xfrm>
             <a:custGeom>
@@ -20054,7 +20054,7 @@
           </p:nvSpPr>
           <p:spPr>
             <a:xfrm>
-              <a:off x="4894444" y="5886006"/>
+              <a:off x="4679720" y="5886026"/>
               <a:ext cx="63202" cy="63202"/>
             </a:xfrm>
             <a:custGeom>
@@ -20097,7 +20097,7 @@
           </p:nvSpPr>
           <p:spPr>
             <a:xfrm>
-              <a:off x="5077263" y="5883648"/>
+              <a:off x="4989484" y="5883655"/>
               <a:ext cx="63202" cy="63202"/>
             </a:xfrm>
             <a:custGeom>
@@ -20140,7 +20140,7 @@
           </p:nvSpPr>
           <p:spPr>
             <a:xfrm>
-              <a:off x="5125977" y="5854754"/>
+              <a:off x="5163349" y="5854738"/>
               <a:ext cx="63202" cy="63202"/>
             </a:xfrm>
             <a:custGeom>
@@ -20183,7 +20183,7 @@
           </p:nvSpPr>
           <p:spPr>
             <a:xfrm>
-              <a:off x="5141751" y="5863901"/>
+              <a:off x="4703430" y="5863914"/>
               <a:ext cx="63202" cy="63202"/>
             </a:xfrm>
             <a:custGeom>
@@ -20226,7 +20226,7 @@
           </p:nvSpPr>
           <p:spPr>
             <a:xfrm>
-              <a:off x="5112035" y="5882667"/>
+              <a:off x="4676128" y="5882652"/>
               <a:ext cx="63202" cy="63202"/>
             </a:xfrm>
             <a:custGeom>
@@ -20269,7 +20269,7 @@
           </p:nvSpPr>
           <p:spPr>
             <a:xfrm>
-              <a:off x="4593575" y="5881582"/>
+              <a:off x="4558246" y="5881567"/>
               <a:ext cx="63202" cy="63202"/>
             </a:xfrm>
             <a:custGeom>
@@ -20312,7 +20312,7 @@
           </p:nvSpPr>
           <p:spPr>
             <a:xfrm>
-              <a:off x="4531047" y="5865628"/>
+              <a:off x="4619933" y="5865629"/>
               <a:ext cx="63202" cy="63202"/>
             </a:xfrm>
             <a:custGeom>
@@ -20355,7 +20355,7 @@
           </p:nvSpPr>
           <p:spPr>
             <a:xfrm>
-              <a:off x="4916694" y="5922780"/>
+              <a:off x="4921086" y="5922796"/>
               <a:ext cx="63202" cy="63202"/>
             </a:xfrm>
             <a:custGeom>
@@ -20398,7 +20398,7 @@
           </p:nvSpPr>
           <p:spPr>
             <a:xfrm>
-              <a:off x="5146362" y="5901260"/>
+              <a:off x="4947210" y="5901272"/>
               <a:ext cx="63202" cy="63202"/>
             </a:xfrm>
             <a:custGeom>
@@ -20441,7 +20441,7 @@
           </p:nvSpPr>
           <p:spPr>
             <a:xfrm>
-              <a:off x="4824906" y="5889070"/>
+              <a:off x="4787792" y="5889061"/>
               <a:ext cx="63202" cy="63202"/>
             </a:xfrm>
             <a:custGeom>
@@ -20484,7 +20484,7 @@
           </p:nvSpPr>
           <p:spPr>
             <a:xfrm>
-              <a:off x="4886552" y="5854726"/>
+              <a:off x="4788939" y="5854740"/>
               <a:ext cx="63202" cy="63202"/>
             </a:xfrm>
             <a:custGeom>
@@ -20527,7 +20527,7 @@
           </p:nvSpPr>
           <p:spPr>
             <a:xfrm>
-              <a:off x="4882406" y="5864267"/>
+              <a:off x="4997080" y="5864254"/>
               <a:ext cx="63202" cy="63202"/>
             </a:xfrm>
             <a:custGeom>
@@ -20570,7 +20570,7 @@
           </p:nvSpPr>
           <p:spPr>
             <a:xfrm>
-              <a:off x="4695684" y="5864264"/>
+              <a:off x="4676173" y="5864279"/>
               <a:ext cx="63202" cy="63202"/>
             </a:xfrm>
             <a:custGeom>
@@ -20613,7 +20613,7 @@
           </p:nvSpPr>
           <p:spPr>
             <a:xfrm>
-              <a:off x="4517032" y="5889182"/>
+              <a:off x="4749909" y="5889190"/>
               <a:ext cx="63202" cy="63202"/>
             </a:xfrm>
             <a:custGeom>
@@ -20656,7 +20656,7 @@
           </p:nvSpPr>
           <p:spPr>
             <a:xfrm>
-              <a:off x="4653029" y="5890045"/>
+              <a:off x="4981361" y="5890067"/>
               <a:ext cx="63202" cy="63202"/>
             </a:xfrm>
             <a:custGeom>
@@ -20699,7 +20699,7 @@
           </p:nvSpPr>
           <p:spPr>
             <a:xfrm>
-              <a:off x="5103635" y="6023439"/>
+              <a:off x="4701691" y="6023426"/>
               <a:ext cx="63202" cy="63202"/>
             </a:xfrm>
             <a:custGeom>
@@ -20742,7 +20742,7 @@
           </p:nvSpPr>
           <p:spPr>
             <a:xfrm>
-              <a:off x="4725625" y="5857735"/>
+              <a:off x="4751234" y="5857725"/>
               <a:ext cx="63202" cy="63202"/>
             </a:xfrm>
             <a:custGeom>
@@ -20785,7 +20785,7 @@
           </p:nvSpPr>
           <p:spPr>
             <a:xfrm>
-              <a:off x="4875654" y="5892158"/>
+              <a:off x="4737192" y="5892138"/>
               <a:ext cx="63202" cy="63202"/>
             </a:xfrm>
             <a:custGeom>
@@ -20828,7 +20828,7 @@
           </p:nvSpPr>
           <p:spPr>
             <a:xfrm>
-              <a:off x="5089237" y="5917836"/>
+              <a:off x="4661735" y="5917843"/>
               <a:ext cx="63202" cy="63202"/>
             </a:xfrm>
             <a:custGeom>
@@ -20871,7 +20871,7 @@
           </p:nvSpPr>
           <p:spPr>
             <a:xfrm>
-              <a:off x="4981300" y="5862001"/>
+              <a:off x="4733386" y="5862005"/>
               <a:ext cx="63202" cy="63202"/>
             </a:xfrm>
             <a:custGeom>
@@ -20914,7 +20914,7 @@
           </p:nvSpPr>
           <p:spPr>
             <a:xfrm>
-              <a:off x="4748548" y="5878806"/>
+              <a:off x="4677034" y="5878810"/>
               <a:ext cx="63202" cy="63202"/>
             </a:xfrm>
             <a:custGeom>
@@ -20957,7 +20957,7 @@
           </p:nvSpPr>
           <p:spPr>
             <a:xfrm>
-              <a:off x="5014282" y="6183790"/>
+              <a:off x="4480592" y="6183771"/>
               <a:ext cx="63202" cy="63202"/>
             </a:xfrm>
             <a:custGeom>
@@ -21000,7 +21000,7 @@
           </p:nvSpPr>
           <p:spPr>
             <a:xfrm>
-              <a:off x="4582222" y="5889705"/>
+              <a:off x="5006089" y="5889694"/>
               <a:ext cx="63202" cy="63202"/>
             </a:xfrm>
             <a:custGeom>
@@ -21043,7 +21043,7 @@
           </p:nvSpPr>
           <p:spPr>
             <a:xfrm>
-              <a:off x="5001627" y="6015769"/>
+              <a:off x="4552476" y="6015753"/>
               <a:ext cx="63202" cy="63202"/>
             </a:xfrm>
             <a:custGeom>
@@ -21086,7 +21086,7 @@
           </p:nvSpPr>
           <p:spPr>
             <a:xfrm>
-              <a:off x="4726490" y="5864150"/>
+              <a:off x="4886741" y="5864115"/>
               <a:ext cx="63202" cy="63202"/>
             </a:xfrm>
             <a:custGeom>
@@ -21129,7 +21129,7 @@
           </p:nvSpPr>
           <p:spPr>
             <a:xfrm>
-              <a:off x="5161529" y="6004266"/>
+              <a:off x="5123348" y="6004278"/>
               <a:ext cx="63202" cy="63202"/>
             </a:xfrm>
             <a:custGeom>
@@ -21172,7 +21172,7 @@
           </p:nvSpPr>
           <p:spPr>
             <a:xfrm>
-              <a:off x="5025946" y="5866943"/>
+              <a:off x="4602994" y="5866955"/>
               <a:ext cx="63202" cy="63202"/>
             </a:xfrm>
             <a:custGeom>
@@ -21215,7 +21215,7 @@
           </p:nvSpPr>
           <p:spPr>
             <a:xfrm>
-              <a:off x="4577527" y="5898607"/>
+              <a:off x="4844924" y="5898590"/>
               <a:ext cx="63202" cy="63202"/>
             </a:xfrm>
             <a:custGeom>
@@ -21258,7 +21258,7 @@
           </p:nvSpPr>
           <p:spPr>
             <a:xfrm>
-              <a:off x="4612405" y="5875311"/>
+              <a:off x="4779807" y="5875312"/>
               <a:ext cx="63202" cy="63202"/>
             </a:xfrm>
             <a:custGeom>
@@ -21301,7 +21301,7 @@
           </p:nvSpPr>
           <p:spPr>
             <a:xfrm>
-              <a:off x="4982805" y="5939576"/>
+              <a:off x="4746130" y="5939578"/>
               <a:ext cx="63202" cy="63202"/>
             </a:xfrm>
             <a:custGeom>
@@ -21344,7 +21344,7 @@
           </p:nvSpPr>
           <p:spPr>
             <a:xfrm>
-              <a:off x="4633717" y="5899124"/>
+              <a:off x="4620288" y="5899128"/>
               <a:ext cx="63202" cy="63202"/>
             </a:xfrm>
             <a:custGeom>
@@ -21387,7 +21387,7 @@
           </p:nvSpPr>
           <p:spPr>
             <a:xfrm>
-              <a:off x="5124399" y="6159336"/>
+              <a:off x="4670919" y="6159348"/>
               <a:ext cx="63202" cy="63202"/>
             </a:xfrm>
             <a:custGeom>
@@ -21430,7 +21430,7 @@
           </p:nvSpPr>
           <p:spPr>
             <a:xfrm>
-              <a:off x="5011677" y="6107693"/>
+              <a:off x="4722170" y="6107677"/>
               <a:ext cx="63202" cy="63202"/>
             </a:xfrm>
             <a:custGeom>
@@ -21473,7 +21473,7 @@
           </p:nvSpPr>
           <p:spPr>
             <a:xfrm>
-              <a:off x="4645154" y="5862847"/>
+              <a:off x="4915029" y="5862857"/>
               <a:ext cx="63202" cy="63202"/>
             </a:xfrm>
             <a:custGeom>
@@ -21516,7 +21516,7 @@
           </p:nvSpPr>
           <p:spPr>
             <a:xfrm>
-              <a:off x="5129252" y="5917166"/>
+              <a:off x="4838869" y="5917157"/>
               <a:ext cx="63202" cy="63202"/>
             </a:xfrm>
             <a:custGeom>
@@ -21559,7 +21559,7 @@
           </p:nvSpPr>
           <p:spPr>
             <a:xfrm>
-              <a:off x="4651723" y="5988924"/>
+              <a:off x="4537061" y="5988925"/>
               <a:ext cx="63202" cy="63202"/>
             </a:xfrm>
             <a:custGeom>
@@ -21602,7 +21602,7 @@
           </p:nvSpPr>
           <p:spPr>
             <a:xfrm>
-              <a:off x="4481115" y="5870049"/>
+              <a:off x="4715312" y="5870020"/>
               <a:ext cx="63202" cy="63202"/>
             </a:xfrm>
             <a:custGeom>
@@ -21645,7 +21645,7 @@
           </p:nvSpPr>
           <p:spPr>
             <a:xfrm>
-              <a:off x="5166483" y="5858818"/>
+              <a:off x="4605271" y="5858836"/>
               <a:ext cx="63202" cy="63202"/>
             </a:xfrm>
             <a:custGeom>
@@ -21688,7 +21688,7 @@
           </p:nvSpPr>
           <p:spPr>
             <a:xfrm>
-              <a:off x="4779305" y="5924792"/>
+              <a:off x="4820494" y="5924777"/>
               <a:ext cx="63202" cy="63202"/>
             </a:xfrm>
             <a:custGeom>
@@ -21731,7 +21731,7 @@
           </p:nvSpPr>
           <p:spPr>
             <a:xfrm>
-              <a:off x="5147173" y="5925344"/>
+              <a:off x="5131663" y="5925344"/>
               <a:ext cx="63202" cy="63202"/>
             </a:xfrm>
             <a:custGeom>
@@ -21774,7 +21774,7 @@
           </p:nvSpPr>
           <p:spPr>
             <a:xfrm>
-              <a:off x="4931444" y="5931824"/>
+              <a:off x="4550939" y="5931806"/>
               <a:ext cx="63202" cy="63202"/>
             </a:xfrm>
             <a:custGeom>
@@ -21817,7 +21817,7 @@
           </p:nvSpPr>
           <p:spPr>
             <a:xfrm>
-              <a:off x="4832677" y="6193682"/>
+              <a:off x="4516470" y="6193666"/>
               <a:ext cx="63202" cy="63202"/>
             </a:xfrm>
             <a:custGeom>
@@ -21860,7 +21860,7 @@
           </p:nvSpPr>
           <p:spPr>
             <a:xfrm>
-              <a:off x="4977414" y="5866979"/>
+              <a:off x="5123078" y="5866997"/>
               <a:ext cx="63202" cy="63202"/>
             </a:xfrm>
             <a:custGeom>
@@ -21903,7 +21903,7 @@
           </p:nvSpPr>
           <p:spPr>
             <a:xfrm>
-              <a:off x="4541573" y="5878580"/>
+              <a:off x="5147957" y="5878570"/>
               <a:ext cx="63202" cy="63202"/>
             </a:xfrm>
             <a:custGeom>
@@ -21946,7 +21946,7 @@
           </p:nvSpPr>
           <p:spPr>
             <a:xfrm>
-              <a:off x="4843985" y="5930838"/>
+              <a:off x="4939751" y="5930829"/>
               <a:ext cx="63202" cy="63202"/>
             </a:xfrm>
             <a:custGeom>
@@ -21989,7 +21989,7 @@
           </p:nvSpPr>
           <p:spPr>
             <a:xfrm>
-              <a:off x="4811435" y="5874296"/>
+              <a:off x="4976364" y="5874294"/>
               <a:ext cx="63202" cy="63202"/>
             </a:xfrm>
             <a:custGeom>
@@ -22032,7 +22032,7 @@
           </p:nvSpPr>
           <p:spPr>
             <a:xfrm>
-              <a:off x="5129064" y="5872183"/>
+              <a:off x="5032040" y="5872175"/>
               <a:ext cx="63202" cy="63202"/>
             </a:xfrm>
             <a:custGeom>
@@ -22075,7 +22075,7 @@
           </p:nvSpPr>
           <p:spPr>
             <a:xfrm>
-              <a:off x="4832200" y="6101587"/>
+              <a:off x="4764525" y="6101591"/>
               <a:ext cx="63202" cy="63202"/>
             </a:xfrm>
             <a:custGeom>
@@ -22118,7 +22118,7 @@
           </p:nvSpPr>
           <p:spPr>
             <a:xfrm>
-              <a:off x="5057867" y="5858954"/>
+              <a:off x="4666262" y="5858961"/>
               <a:ext cx="63202" cy="63202"/>
             </a:xfrm>
             <a:custGeom>
@@ -22161,7 +22161,7 @@
           </p:nvSpPr>
           <p:spPr>
             <a:xfrm>
-              <a:off x="4826303" y="5861491"/>
+              <a:off x="5032491" y="5861495"/>
               <a:ext cx="63202" cy="63202"/>
             </a:xfrm>
             <a:custGeom>
@@ -22204,7 +22204,7 @@
           </p:nvSpPr>
           <p:spPr>
             <a:xfrm>
-              <a:off x="4500563" y="5851511"/>
+              <a:off x="5003698" y="5851524"/>
               <a:ext cx="63202" cy="63202"/>
             </a:xfrm>
             <a:custGeom>
@@ -22247,7 +22247,7 @@
           </p:nvSpPr>
           <p:spPr>
             <a:xfrm>
-              <a:off x="4710466" y="6108929"/>
+              <a:off x="4477393" y="6108901"/>
               <a:ext cx="63202" cy="63202"/>
             </a:xfrm>
             <a:custGeom>
@@ -22290,7 +22290,7 @@
           </p:nvSpPr>
           <p:spPr>
             <a:xfrm>
-              <a:off x="4898903" y="5865461"/>
+              <a:off x="4731273" y="5865437"/>
               <a:ext cx="63202" cy="63202"/>
             </a:xfrm>
             <a:custGeom>
@@ -22333,7 +22333,7 @@
           </p:nvSpPr>
           <p:spPr>
             <a:xfrm>
-              <a:off x="4717801" y="5869665"/>
+              <a:off x="4855405" y="5869682"/>
               <a:ext cx="63202" cy="63202"/>
             </a:xfrm>
             <a:custGeom>
@@ -22376,7 +22376,7 @@
           </p:nvSpPr>
           <p:spPr>
             <a:xfrm>
-              <a:off x="5150599" y="6004275"/>
+              <a:off x="4642187" y="6004286"/>
               <a:ext cx="63202" cy="63202"/>
             </a:xfrm>
             <a:custGeom>
@@ -22419,7 +22419,7 @@
           </p:nvSpPr>
           <p:spPr>
             <a:xfrm>
-              <a:off x="4673501" y="5931450"/>
+              <a:off x="5039364" y="5931463"/>
               <a:ext cx="63202" cy="63202"/>
             </a:xfrm>
             <a:custGeom>
@@ -22462,7 +22462,7 @@
           </p:nvSpPr>
           <p:spPr>
             <a:xfrm>
-              <a:off x="4843733" y="5927882"/>
+              <a:off x="5021451" y="5927863"/>
               <a:ext cx="63202" cy="63202"/>
             </a:xfrm>
             <a:custGeom>
@@ -22505,7 +22505,7 @@
           </p:nvSpPr>
           <p:spPr>
             <a:xfrm>
-              <a:off x="4635878" y="5870979"/>
+              <a:off x="4875697" y="5871000"/>
               <a:ext cx="63202" cy="63202"/>
             </a:xfrm>
             <a:custGeom>
@@ -22548,7 +22548,7 @@
           </p:nvSpPr>
           <p:spPr>
             <a:xfrm>
-              <a:off x="5012072" y="5871441"/>
+              <a:off x="5155077" y="5871439"/>
               <a:ext cx="63202" cy="63202"/>
             </a:xfrm>
             <a:custGeom>
@@ -22591,7 +22591,7 @@
           </p:nvSpPr>
           <p:spPr>
             <a:xfrm>
-              <a:off x="4771557" y="5891945"/>
+              <a:off x="4607160" y="5891944"/>
               <a:ext cx="63202" cy="63202"/>
             </a:xfrm>
             <a:custGeom>
@@ -22634,7 +22634,7 @@
           </p:nvSpPr>
           <p:spPr>
             <a:xfrm>
-              <a:off x="4722475" y="6126484"/>
+              <a:off x="4801402" y="6126466"/>
               <a:ext cx="63202" cy="63202"/>
             </a:xfrm>
             <a:custGeom>
@@ -22677,7 +22677,7 @@
           </p:nvSpPr>
           <p:spPr>
             <a:xfrm>
-              <a:off x="4868502" y="6319732"/>
+              <a:off x="4816878" y="6319730"/>
               <a:ext cx="63202" cy="63202"/>
             </a:xfrm>
             <a:custGeom>
@@ -22720,7 +22720,7 @@
           </p:nvSpPr>
           <p:spPr>
             <a:xfrm>
-              <a:off x="4540751" y="5891157"/>
+              <a:off x="4756287" y="5891133"/>
               <a:ext cx="63202" cy="63202"/>
             </a:xfrm>
             <a:custGeom>
@@ -22763,7 +22763,7 @@
           </p:nvSpPr>
           <p:spPr>
             <a:xfrm>
-              <a:off x="4548496" y="6680414"/>
+              <a:off x="5001116" y="6680397"/>
               <a:ext cx="63202" cy="63202"/>
             </a:xfrm>
             <a:custGeom>
@@ -22806,7 +22806,7 @@
           </p:nvSpPr>
           <p:spPr>
             <a:xfrm>
-              <a:off x="4589435" y="5940435"/>
+              <a:off x="4946607" y="5940437"/>
               <a:ext cx="63202" cy="63202"/>
             </a:xfrm>
             <a:custGeom>
@@ -22849,7 +22849,7 @@
           </p:nvSpPr>
           <p:spPr>
             <a:xfrm>
-              <a:off x="4546602" y="5897288"/>
+              <a:off x="4911037" y="5897283"/>
               <a:ext cx="63202" cy="63202"/>
             </a:xfrm>
             <a:custGeom>
@@ -22892,7 +22892,7 @@
           </p:nvSpPr>
           <p:spPr>
             <a:xfrm>
-              <a:off x="5050440" y="5856110"/>
+              <a:off x="4627759" y="5856092"/>
               <a:ext cx="63202" cy="63202"/>
             </a:xfrm>
             <a:custGeom>
@@ -22935,7 +22935,7 @@
           </p:nvSpPr>
           <p:spPr>
             <a:xfrm>
-              <a:off x="5049716" y="5953601"/>
+              <a:off x="4876263" y="5953616"/>
               <a:ext cx="63202" cy="63202"/>
             </a:xfrm>
             <a:custGeom>
@@ -22978,7 +22978,7 @@
           </p:nvSpPr>
           <p:spPr>
             <a:xfrm>
-              <a:off x="4820743" y="5869573"/>
+              <a:off x="4634373" y="5869582"/>
               <a:ext cx="63202" cy="63202"/>
             </a:xfrm>
             <a:custGeom>
@@ -23021,7 +23021,7 @@
           </p:nvSpPr>
           <p:spPr>
             <a:xfrm>
-              <a:off x="4961119" y="5923090"/>
+              <a:off x="4778407" y="5923110"/>
               <a:ext cx="63202" cy="63202"/>
             </a:xfrm>
             <a:custGeom>
@@ -23064,7 +23064,7 @@
           </p:nvSpPr>
           <p:spPr>
             <a:xfrm>
-              <a:off x="4729461" y="5931997"/>
+              <a:off x="4974339" y="5931989"/>
               <a:ext cx="63202" cy="63202"/>
             </a:xfrm>
             <a:custGeom>
@@ -23107,7 +23107,7 @@
           </p:nvSpPr>
           <p:spPr>
             <a:xfrm>
-              <a:off x="4584500" y="5947723"/>
+              <a:off x="4512001" y="5947697"/>
               <a:ext cx="63202" cy="63202"/>
             </a:xfrm>
             <a:custGeom>
@@ -23150,7 +23150,7 @@
           </p:nvSpPr>
           <p:spPr>
             <a:xfrm>
-              <a:off x="4726226" y="5874447"/>
+              <a:off x="5069381" y="5874444"/>
               <a:ext cx="63202" cy="63202"/>
             </a:xfrm>
             <a:custGeom>
@@ -23193,7 +23193,7 @@
           </p:nvSpPr>
           <p:spPr>
             <a:xfrm>
-              <a:off x="4668570" y="5879242"/>
+              <a:off x="4547074" y="5879261"/>
               <a:ext cx="63202" cy="63202"/>
             </a:xfrm>
             <a:custGeom>
@@ -23236,7 +23236,7 @@
           </p:nvSpPr>
           <p:spPr>
             <a:xfrm>
-              <a:off x="5077910" y="6126619"/>
+              <a:off x="4861417" y="6126632"/>
               <a:ext cx="63202" cy="63202"/>
             </a:xfrm>
             <a:custGeom>
@@ -23279,7 +23279,7 @@
           </p:nvSpPr>
           <p:spPr>
             <a:xfrm>
-              <a:off x="5099974" y="5861995"/>
+              <a:off x="4970488" y="5861993"/>
               <a:ext cx="63202" cy="63202"/>
             </a:xfrm>
             <a:custGeom>
@@ -23322,7 +23322,7 @@
           </p:nvSpPr>
           <p:spPr>
             <a:xfrm>
-              <a:off x="5009790" y="6132148"/>
+              <a:off x="5073163" y="6132137"/>
               <a:ext cx="63202" cy="63202"/>
             </a:xfrm>
             <a:custGeom>
@@ -23365,7 +23365,7 @@
           </p:nvSpPr>
           <p:spPr>
             <a:xfrm>
-              <a:off x="4607245" y="5908950"/>
+              <a:off x="4510725" y="5908923"/>
               <a:ext cx="63202" cy="63202"/>
             </a:xfrm>
             <a:custGeom>
@@ -23408,7 +23408,7 @@
           </p:nvSpPr>
           <p:spPr>
             <a:xfrm>
-              <a:off x="5052418" y="6042900"/>
+              <a:off x="4735589" y="6042906"/>
               <a:ext cx="63202" cy="63202"/>
             </a:xfrm>
             <a:custGeom>
@@ -23451,7 +23451,7 @@
           </p:nvSpPr>
           <p:spPr>
             <a:xfrm>
-              <a:off x="4557679" y="5920716"/>
+              <a:off x="4751828" y="5920701"/>
               <a:ext cx="63202" cy="63202"/>
             </a:xfrm>
             <a:custGeom>
@@ -23494,7 +23494,7 @@
           </p:nvSpPr>
           <p:spPr>
             <a:xfrm>
-              <a:off x="4637462" y="5921488"/>
+              <a:off x="4779698" y="5921484"/>
               <a:ext cx="63202" cy="63202"/>
             </a:xfrm>
             <a:custGeom>
@@ -23537,7 +23537,7 @@
           </p:nvSpPr>
           <p:spPr>
             <a:xfrm>
-              <a:off x="4499284" y="6072198"/>
+              <a:off x="5112792" y="6072189"/>
               <a:ext cx="63202" cy="63202"/>
             </a:xfrm>
             <a:custGeom>
@@ -23580,7 +23580,7 @@
           </p:nvSpPr>
           <p:spPr>
             <a:xfrm>
-              <a:off x="5102038" y="5871595"/>
+              <a:off x="4890015" y="5871568"/>
               <a:ext cx="63202" cy="63202"/>
             </a:xfrm>
             <a:custGeom>
@@ -23623,7 +23623,7 @@
           </p:nvSpPr>
           <p:spPr>
             <a:xfrm>
-              <a:off x="4502198" y="5854731"/>
+              <a:off x="4480194" y="5854729"/>
               <a:ext cx="63202" cy="63202"/>
             </a:xfrm>
             <a:custGeom>
@@ -23666,7 +23666,7 @@
           </p:nvSpPr>
           <p:spPr>
             <a:xfrm>
-              <a:off x="4761329" y="6086261"/>
+              <a:off x="4935032" y="6086244"/>
               <a:ext cx="63202" cy="63202"/>
             </a:xfrm>
             <a:custGeom>
@@ -23709,7 +23709,7 @@
           </p:nvSpPr>
           <p:spPr>
             <a:xfrm>
-              <a:off x="4898627" y="5869071"/>
+              <a:off x="4966593" y="5869070"/>
               <a:ext cx="63202" cy="63202"/>
             </a:xfrm>
             <a:custGeom>
@@ -23752,7 +23752,7 @@
           </p:nvSpPr>
           <p:spPr>
             <a:xfrm>
-              <a:off x="4737711" y="5936439"/>
+              <a:off x="4818616" y="5936446"/>
               <a:ext cx="63202" cy="63202"/>
             </a:xfrm>
             <a:custGeom>
@@ -23795,7 +23795,7 @@
           </p:nvSpPr>
           <p:spPr>
             <a:xfrm>
-              <a:off x="5087274" y="5868069"/>
+              <a:off x="4887450" y="5868081"/>
               <a:ext cx="63202" cy="63202"/>
             </a:xfrm>
             <a:custGeom>
@@ -23838,7 +23838,7 @@
           </p:nvSpPr>
           <p:spPr>
             <a:xfrm>
-              <a:off x="4747775" y="5850478"/>
+              <a:off x="5165746" y="5850451"/>
               <a:ext cx="63202" cy="63202"/>
             </a:xfrm>
             <a:custGeom>
@@ -23881,7 +23881,7 @@
           </p:nvSpPr>
           <p:spPr>
             <a:xfrm>
-              <a:off x="4574325" y="5849196"/>
+              <a:off x="4926170" y="5849201"/>
               <a:ext cx="63202" cy="63202"/>
             </a:xfrm>
             <a:custGeom>
@@ -23924,7 +23924,7 @@
           </p:nvSpPr>
           <p:spPr>
             <a:xfrm>
-              <a:off x="4816926" y="5849186"/>
+              <a:off x="4474285" y="5849191"/>
               <a:ext cx="63202" cy="63202"/>
             </a:xfrm>
             <a:custGeom>
@@ -23967,7 +23967,7 @@
           </p:nvSpPr>
           <p:spPr>
             <a:xfrm>
-              <a:off x="5100934" y="5857379"/>
+              <a:off x="5039427" y="5857379"/>
               <a:ext cx="63202" cy="63202"/>
             </a:xfrm>
             <a:custGeom>
@@ -24010,7 +24010,7 @@
           </p:nvSpPr>
           <p:spPr>
             <a:xfrm>
-              <a:off x="4763872" y="5883399"/>
+              <a:off x="5051361" y="5883374"/>
               <a:ext cx="63202" cy="63202"/>
             </a:xfrm>
             <a:custGeom>
@@ -24053,7 +24053,7 @@
           </p:nvSpPr>
           <p:spPr>
             <a:xfrm>
-              <a:off x="5071645" y="5909166"/>
+              <a:off x="5054023" y="5909170"/>
               <a:ext cx="63202" cy="63202"/>
             </a:xfrm>
             <a:custGeom>
@@ -24096,7 +24096,7 @@
           </p:nvSpPr>
           <p:spPr>
             <a:xfrm>
-              <a:off x="5161365" y="5866255"/>
+              <a:off x="4546216" y="5866269"/>
               <a:ext cx="63202" cy="63202"/>
             </a:xfrm>
             <a:custGeom>
@@ -24139,7 +24139,7 @@
           </p:nvSpPr>
           <p:spPr>
             <a:xfrm>
-              <a:off x="4620999" y="5945260"/>
+              <a:off x="4548669" y="5945248"/>
               <a:ext cx="63202" cy="63202"/>
             </a:xfrm>
             <a:custGeom>
@@ -24182,7 +24182,7 @@
           </p:nvSpPr>
           <p:spPr>
             <a:xfrm>
-              <a:off x="4842979" y="6091883"/>
+              <a:off x="4842782" y="6091886"/>
               <a:ext cx="63202" cy="63202"/>
             </a:xfrm>
             <a:custGeom>
@@ -24225,7 +24225,7 @@
           </p:nvSpPr>
           <p:spPr>
             <a:xfrm>
-              <a:off x="5082122" y="6031841"/>
+              <a:off x="5051072" y="6031831"/>
               <a:ext cx="63202" cy="63202"/>
             </a:xfrm>
             <a:custGeom>
@@ -24268,7 +24268,7 @@
           </p:nvSpPr>
           <p:spPr>
             <a:xfrm>
-              <a:off x="4954750" y="5901388"/>
+              <a:off x="4597773" y="5901401"/>
               <a:ext cx="63202" cy="63202"/>
             </a:xfrm>
             <a:custGeom>
@@ -24311,7 +24311,7 @@
           </p:nvSpPr>
           <p:spPr>
             <a:xfrm>
-              <a:off x="4683816" y="5885971"/>
+              <a:off x="4970419" y="5885983"/>
               <a:ext cx="63202" cy="63202"/>
             </a:xfrm>
             <a:custGeom>
@@ -24354,7 +24354,7 @@
           </p:nvSpPr>
           <p:spPr>
             <a:xfrm>
-              <a:off x="4910291" y="6176368"/>
+              <a:off x="4805647" y="6176367"/>
               <a:ext cx="63202" cy="63202"/>
             </a:xfrm>
             <a:custGeom>
@@ -24397,7 +24397,7 @@
           </p:nvSpPr>
           <p:spPr>
             <a:xfrm>
-              <a:off x="4792612" y="5985652"/>
+              <a:off x="4890883" y="5985662"/>
               <a:ext cx="63202" cy="63202"/>
             </a:xfrm>
             <a:custGeom>
@@ -24440,7 +24440,7 @@
           </p:nvSpPr>
           <p:spPr>
             <a:xfrm>
-              <a:off x="4968560" y="5887879"/>
+              <a:off x="4727090" y="5887885"/>
               <a:ext cx="63202" cy="63202"/>
             </a:xfrm>
             <a:custGeom>
@@ -24483,7 +24483,7 @@
           </p:nvSpPr>
           <p:spPr>
             <a:xfrm>
-              <a:off x="4812685" y="5868248"/>
+              <a:off x="4819004" y="5868267"/>
               <a:ext cx="63202" cy="63202"/>
             </a:xfrm>
             <a:custGeom>
@@ -24526,7 +24526,7 @@
           </p:nvSpPr>
           <p:spPr>
             <a:xfrm>
-              <a:off x="4950844" y="5935218"/>
+              <a:off x="4501037" y="5935205"/>
               <a:ext cx="63202" cy="63202"/>
             </a:xfrm>
             <a:custGeom>
@@ -24569,7 +24569,7 @@
           </p:nvSpPr>
           <p:spPr>
             <a:xfrm>
-              <a:off x="4892201" y="5892342"/>
+              <a:off x="4548806" y="5892306"/>
               <a:ext cx="63202" cy="63202"/>
             </a:xfrm>
             <a:custGeom>
@@ -24612,7 +24612,7 @@
           </p:nvSpPr>
           <p:spPr>
             <a:xfrm>
-              <a:off x="5077603" y="5858172"/>
+              <a:off x="4707577" y="5858179"/>
               <a:ext cx="63202" cy="63202"/>
             </a:xfrm>
             <a:custGeom>
@@ -24655,7 +24655,7 @@
           </p:nvSpPr>
           <p:spPr>
             <a:xfrm>
-              <a:off x="4586118" y="5863894"/>
+              <a:off x="5095054" y="5863914"/>
               <a:ext cx="63202" cy="63202"/>
             </a:xfrm>
             <a:custGeom>
@@ -24698,7 +24698,7 @@
           </p:nvSpPr>
           <p:spPr>
             <a:xfrm>
-              <a:off x="4923708" y="5876031"/>
+              <a:off x="4758182" y="5876035"/>
               <a:ext cx="63202" cy="63202"/>
             </a:xfrm>
             <a:custGeom>
@@ -24741,7 +24741,7 @@
           </p:nvSpPr>
           <p:spPr>
             <a:xfrm>
-              <a:off x="4541400" y="6083092"/>
+              <a:off x="4800656" y="6083061"/>
               <a:ext cx="63202" cy="63202"/>
             </a:xfrm>
             <a:custGeom>
@@ -24784,7 +24784,7 @@
           </p:nvSpPr>
           <p:spPr>
             <a:xfrm>
-              <a:off x="4879200" y="6339249"/>
+              <a:off x="4970577" y="6339255"/>
               <a:ext cx="63202" cy="63202"/>
             </a:xfrm>
             <a:custGeom>
@@ -24827,7 +24827,7 @@
           </p:nvSpPr>
           <p:spPr>
             <a:xfrm>
-              <a:off x="4932481" y="5904798"/>
+              <a:off x="4872267" y="5904824"/>
               <a:ext cx="63202" cy="63202"/>
             </a:xfrm>
             <a:custGeom>
@@ -24870,7 +24870,7 @@
           </p:nvSpPr>
           <p:spPr>
             <a:xfrm>
-              <a:off x="5057246" y="6357817"/>
+              <a:off x="4690476" y="6357827"/>
               <a:ext cx="63202" cy="63202"/>
             </a:xfrm>
             <a:custGeom>
@@ -24913,7 +24913,7 @@
           </p:nvSpPr>
           <p:spPr>
             <a:xfrm>
-              <a:off x="4795794" y="6076675"/>
+              <a:off x="4577416" y="6076691"/>
               <a:ext cx="63202" cy="63202"/>
             </a:xfrm>
             <a:custGeom>
@@ -24956,7 +24956,7 @@
           </p:nvSpPr>
           <p:spPr>
             <a:xfrm>
-              <a:off x="5044417" y="5876499"/>
+              <a:off x="4532539" y="5876477"/>
               <a:ext cx="63202" cy="63202"/>
             </a:xfrm>
             <a:custGeom>
@@ -24999,7 +24999,7 @@
           </p:nvSpPr>
           <p:spPr>
             <a:xfrm>
-              <a:off x="4715820" y="6068197"/>
+              <a:off x="4575235" y="6068178"/>
               <a:ext cx="63202" cy="63202"/>
             </a:xfrm>
             <a:custGeom>
@@ -25042,7 +25042,7 @@
           </p:nvSpPr>
           <p:spPr>
             <a:xfrm>
-              <a:off x="4634425" y="6079299"/>
+              <a:off x="4964727" y="6079295"/>
               <a:ext cx="63202" cy="63202"/>
             </a:xfrm>
             <a:custGeom>
@@ -25085,7 +25085,7 @@
           </p:nvSpPr>
           <p:spPr>
             <a:xfrm>
-              <a:off x="4532077" y="6141458"/>
+              <a:off x="5049248" y="6141447"/>
               <a:ext cx="63202" cy="63202"/>
             </a:xfrm>
             <a:custGeom>
@@ -25128,7 +25128,7 @@
           </p:nvSpPr>
           <p:spPr>
             <a:xfrm>
-              <a:off x="4576016" y="6080327"/>
+              <a:off x="4567997" y="6080293"/>
               <a:ext cx="63202" cy="63202"/>
             </a:xfrm>
             <a:custGeom>
@@ -25171,7 +25171,7 @@
           </p:nvSpPr>
           <p:spPr>
             <a:xfrm>
-              <a:off x="4564236" y="5911331"/>
+              <a:off x="4627157" y="5911330"/>
               <a:ext cx="63202" cy="63202"/>
             </a:xfrm>
             <a:custGeom>
@@ -25214,7 +25214,7 @@
           </p:nvSpPr>
           <p:spPr>
             <a:xfrm>
-              <a:off x="5017768" y="6005125"/>
+              <a:off x="4769733" y="6005130"/>
               <a:ext cx="63202" cy="63202"/>
             </a:xfrm>
             <a:custGeom>
@@ -25257,7 +25257,7 @@
           </p:nvSpPr>
           <p:spPr>
             <a:xfrm>
-              <a:off x="4812726" y="5921829"/>
+              <a:off x="5108513" y="5921824"/>
               <a:ext cx="63202" cy="63202"/>
             </a:xfrm>
             <a:custGeom>
@@ -25300,7 +25300,7 @@
           </p:nvSpPr>
           <p:spPr>
             <a:xfrm>
-              <a:off x="4768800" y="6113867"/>
+              <a:off x="5158571" y="6113860"/>
               <a:ext cx="63202" cy="63202"/>
             </a:xfrm>
             <a:custGeom>
@@ -25343,7 +25343,7 @@
           </p:nvSpPr>
           <p:spPr>
             <a:xfrm>
-              <a:off x="4668657" y="5975714"/>
+              <a:off x="4970228" y="5975703"/>
               <a:ext cx="63202" cy="63202"/>
             </a:xfrm>
             <a:custGeom>
@@ -25386,7 +25386,7 @@
           </p:nvSpPr>
           <p:spPr>
             <a:xfrm>
-              <a:off x="4846010" y="6117623"/>
+              <a:off x="4989668" y="6117620"/>
               <a:ext cx="63202" cy="63202"/>
             </a:xfrm>
             <a:custGeom>
@@ -25429,7 +25429,7 @@
           </p:nvSpPr>
           <p:spPr>
             <a:xfrm>
-              <a:off x="4596734" y="6068618"/>
+              <a:off x="4854760" y="6068615"/>
               <a:ext cx="63202" cy="63202"/>
             </a:xfrm>
             <a:custGeom>
@@ -25472,7 +25472,7 @@
           </p:nvSpPr>
           <p:spPr>
             <a:xfrm>
-              <a:off x="4850283" y="5999359"/>
+              <a:off x="5080496" y="5999354"/>
               <a:ext cx="63202" cy="63202"/>
             </a:xfrm>
             <a:custGeom>
@@ -25515,7 +25515,7 @@
           </p:nvSpPr>
           <p:spPr>
             <a:xfrm>
-              <a:off x="4996350" y="5913907"/>
+              <a:off x="4740827" y="5913900"/>
               <a:ext cx="63202" cy="63202"/>
             </a:xfrm>
             <a:custGeom>
@@ -25558,7 +25558,7 @@
           </p:nvSpPr>
           <p:spPr>
             <a:xfrm>
-              <a:off x="5021782" y="6085710"/>
+              <a:off x="4538917" y="6085699"/>
               <a:ext cx="63202" cy="63202"/>
             </a:xfrm>
             <a:custGeom>
@@ -25601,7 +25601,7 @@
           </p:nvSpPr>
           <p:spPr>
             <a:xfrm>
-              <a:off x="4556914" y="5936877"/>
+              <a:off x="4579841" y="5936843"/>
               <a:ext cx="63202" cy="63202"/>
             </a:xfrm>
             <a:custGeom>
@@ -25644,7 +25644,7 @@
           </p:nvSpPr>
           <p:spPr>
             <a:xfrm>
-              <a:off x="5159453" y="5900275"/>
+              <a:off x="4926981" y="5900258"/>
               <a:ext cx="63202" cy="63202"/>
             </a:xfrm>
             <a:custGeom>
@@ -25687,7 +25687,7 @@
           </p:nvSpPr>
           <p:spPr>
             <a:xfrm>
-              <a:off x="5136392" y="5896583"/>
+              <a:off x="4876789" y="5896592"/>
               <a:ext cx="63202" cy="63202"/>
             </a:xfrm>
             <a:custGeom>
@@ -25730,7 +25730,7 @@
           </p:nvSpPr>
           <p:spPr>
             <a:xfrm>
-              <a:off x="4709656" y="5892143"/>
+              <a:off x="4542615" y="5892153"/>
               <a:ext cx="63202" cy="63202"/>
             </a:xfrm>
             <a:custGeom>
@@ -25773,7 +25773,7 @@
           </p:nvSpPr>
           <p:spPr>
             <a:xfrm>
-              <a:off x="4950141" y="6170691"/>
+              <a:off x="4755001" y="6170711"/>
               <a:ext cx="63202" cy="63202"/>
             </a:xfrm>
             <a:custGeom>
@@ -25816,7 +25816,7 @@
           </p:nvSpPr>
           <p:spPr>
             <a:xfrm>
-              <a:off x="4614016" y="5916252"/>
+              <a:off x="4937391" y="5916252"/>
               <a:ext cx="63202" cy="63202"/>
             </a:xfrm>
             <a:custGeom>
@@ -25859,7 +25859,7 @@
           </p:nvSpPr>
           <p:spPr>
             <a:xfrm>
-              <a:off x="4502878" y="5891527"/>
+              <a:off x="4810170" y="5891500"/>
               <a:ext cx="63202" cy="63202"/>
             </a:xfrm>
             <a:custGeom>
@@ -25902,7 +25902,7 @@
           </p:nvSpPr>
           <p:spPr>
             <a:xfrm>
-              <a:off x="4822763" y="5883375"/>
+              <a:off x="4471852" y="5883384"/>
               <a:ext cx="63202" cy="63202"/>
             </a:xfrm>
             <a:custGeom>
@@ -25945,7 +25945,7 @@
           </p:nvSpPr>
           <p:spPr>
             <a:xfrm>
-              <a:off x="5063494" y="5925175"/>
+              <a:off x="4628694" y="5925175"/>
               <a:ext cx="63202" cy="63202"/>
             </a:xfrm>
             <a:custGeom>
@@ -25988,7 +25988,7 @@
           </p:nvSpPr>
           <p:spPr>
             <a:xfrm>
-              <a:off x="4666642" y="5896316"/>
+              <a:off x="4800141" y="5896301"/>
               <a:ext cx="63202" cy="63202"/>
             </a:xfrm>
             <a:custGeom>
@@ -26031,7 +26031,7 @@
           </p:nvSpPr>
           <p:spPr>
             <a:xfrm>
-              <a:off x="4662363" y="6119895"/>
+              <a:off x="4857600" y="6119884"/>
               <a:ext cx="63202" cy="63202"/>
             </a:xfrm>
             <a:custGeom>
@@ -26074,7 +26074,7 @@
           </p:nvSpPr>
           <p:spPr>
             <a:xfrm>
-              <a:off x="4783784" y="5926131"/>
+              <a:off x="4747925" y="5926136"/>
               <a:ext cx="63202" cy="63202"/>
             </a:xfrm>
             <a:custGeom>
@@ -26117,7 +26117,7 @@
           </p:nvSpPr>
           <p:spPr>
             <a:xfrm>
-              <a:off x="4940476" y="5922256"/>
+              <a:off x="4558903" y="5922233"/>
               <a:ext cx="63202" cy="63202"/>
             </a:xfrm>
             <a:custGeom>
@@ -26160,7 +26160,7 @@
           </p:nvSpPr>
           <p:spPr>
             <a:xfrm>
-              <a:off x="5130662" y="5931790"/>
+              <a:off x="4545313" y="5931769"/>
               <a:ext cx="63202" cy="63202"/>
             </a:xfrm>
             <a:custGeom>
@@ -26203,7 +26203,7 @@
           </p:nvSpPr>
           <p:spPr>
             <a:xfrm>
-              <a:off x="4819697" y="5862418"/>
+              <a:off x="4914947" y="5862399"/>
               <a:ext cx="63202" cy="63202"/>
             </a:xfrm>
             <a:custGeom>
@@ -26246,7 +26246,7 @@
           </p:nvSpPr>
           <p:spPr>
             <a:xfrm>
-              <a:off x="4510141" y="5879880"/>
+              <a:off x="5088941" y="5879898"/>
               <a:ext cx="63202" cy="63202"/>
             </a:xfrm>
             <a:custGeom>
@@ -26289,7 +26289,7 @@
           </p:nvSpPr>
           <p:spPr>
             <a:xfrm>
-              <a:off x="4651129" y="5887532"/>
+              <a:off x="4523928" y="5887501"/>
               <a:ext cx="63202" cy="63202"/>
             </a:xfrm>
             <a:custGeom>
@@ -26332,7 +26332,7 @@
           </p:nvSpPr>
           <p:spPr>
             <a:xfrm>
-              <a:off x="4870244" y="5887822"/>
+              <a:off x="4596750" y="5887846"/>
               <a:ext cx="63202" cy="63202"/>
             </a:xfrm>
             <a:custGeom>
@@ -26375,7 +26375,7 @@
           </p:nvSpPr>
           <p:spPr>
             <a:xfrm>
-              <a:off x="5001275" y="5916597"/>
+              <a:off x="4886326" y="5916609"/>
               <a:ext cx="63202" cy="63202"/>
             </a:xfrm>
             <a:custGeom>
@@ -26418,7 +26418,7 @@
           </p:nvSpPr>
           <p:spPr>
             <a:xfrm>
-              <a:off x="4981185" y="6138502"/>
+              <a:off x="4472633" y="6138515"/>
               <a:ext cx="63202" cy="63202"/>
             </a:xfrm>
             <a:custGeom>
@@ -26461,7 +26461,7 @@
           </p:nvSpPr>
           <p:spPr>
             <a:xfrm>
-              <a:off x="5114586" y="5904768"/>
+              <a:off x="4511680" y="5904757"/>
               <a:ext cx="63202" cy="63202"/>
             </a:xfrm>
             <a:custGeom>
@@ -26504,7 +26504,7 @@
           </p:nvSpPr>
           <p:spPr>
             <a:xfrm>
-              <a:off x="4831519" y="5869040"/>
+              <a:off x="4668124" y="5869018"/>
               <a:ext cx="63202" cy="63202"/>
             </a:xfrm>
             <a:custGeom>
@@ -26547,7 +26547,7 @@
           </p:nvSpPr>
           <p:spPr>
             <a:xfrm>
-              <a:off x="4969637" y="6128529"/>
+              <a:off x="4788653" y="6128522"/>
               <a:ext cx="63202" cy="63202"/>
             </a:xfrm>
             <a:custGeom>
@@ -26590,7 +26590,7 @@
           </p:nvSpPr>
           <p:spPr>
             <a:xfrm>
-              <a:off x="4871475" y="5887999"/>
+              <a:off x="4897689" y="5888007"/>
               <a:ext cx="63202" cy="63202"/>
             </a:xfrm>
             <a:custGeom>
@@ -26633,7 +26633,7 @@
           </p:nvSpPr>
           <p:spPr>
             <a:xfrm>
-              <a:off x="4624939" y="5939872"/>
+              <a:off x="4922429" y="5939844"/>
               <a:ext cx="63202" cy="63202"/>
             </a:xfrm>
             <a:custGeom>
@@ -26676,7 +26676,7 @@
           </p:nvSpPr>
           <p:spPr>
             <a:xfrm>
-              <a:off x="5122788" y="5862050"/>
+              <a:off x="4823148" y="5862061"/>
               <a:ext cx="63202" cy="63202"/>
             </a:xfrm>
             <a:custGeom>
@@ -26719,7 +26719,7 @@
           </p:nvSpPr>
           <p:spPr>
             <a:xfrm>
-              <a:off x="4566324" y="5913522"/>
+              <a:off x="4507748" y="5913520"/>
               <a:ext cx="63202" cy="63202"/>
             </a:xfrm>
             <a:custGeom>
@@ -26762,7 +26762,7 @@
           </p:nvSpPr>
           <p:spPr>
             <a:xfrm>
-              <a:off x="4612295" y="5861045"/>
+              <a:off x="5134384" y="5861047"/>
               <a:ext cx="63202" cy="63202"/>
             </a:xfrm>
             <a:custGeom>
@@ -26805,7 +26805,7 @@
           </p:nvSpPr>
           <p:spPr>
             <a:xfrm>
-              <a:off x="4622366" y="5860502"/>
+              <a:off x="4613848" y="5860503"/>
               <a:ext cx="63202" cy="63202"/>
             </a:xfrm>
             <a:custGeom>
@@ -26848,7 +26848,7 @@
           </p:nvSpPr>
           <p:spPr>
             <a:xfrm>
-              <a:off x="4964290" y="5859907"/>
+              <a:off x="4488473" y="5859905"/>
               <a:ext cx="63202" cy="63202"/>
             </a:xfrm>
             <a:custGeom>
@@ -26891,7 +26891,7 @@
           </p:nvSpPr>
           <p:spPr>
             <a:xfrm>
-              <a:off x="4843731" y="5862881"/>
+              <a:off x="5154320" y="5862853"/>
               <a:ext cx="63202" cy="63202"/>
             </a:xfrm>
             <a:custGeom>
@@ -26934,7 +26934,7 @@
           </p:nvSpPr>
           <p:spPr>
             <a:xfrm>
-              <a:off x="4833769" y="5896895"/>
+              <a:off x="4513157" y="5896911"/>
               <a:ext cx="63202" cy="63202"/>
             </a:xfrm>
             <a:custGeom>
@@ -26977,7 +26977,7 @@
           </p:nvSpPr>
           <p:spPr>
             <a:xfrm>
-              <a:off x="4502291" y="6060326"/>
+              <a:off x="5062622" y="6060350"/>
               <a:ext cx="63202" cy="63202"/>
             </a:xfrm>
             <a:custGeom>
@@ -27020,7 +27020,7 @@
           </p:nvSpPr>
           <p:spPr>
             <a:xfrm>
-              <a:off x="4942062" y="5888826"/>
+              <a:off x="4534789" y="5888811"/>
               <a:ext cx="63202" cy="63202"/>
             </a:xfrm>
             <a:custGeom>
@@ -27063,7 +27063,7 @@
           </p:nvSpPr>
           <p:spPr>
             <a:xfrm>
-              <a:off x="5153322" y="5872801"/>
+              <a:off x="4683465" y="5872817"/>
               <a:ext cx="63202" cy="63202"/>
             </a:xfrm>
             <a:custGeom>
@@ -27106,7 +27106,7 @@
           </p:nvSpPr>
           <p:spPr>
             <a:xfrm>
-              <a:off x="5054828" y="5997149"/>
+              <a:off x="4530223" y="5997152"/>
               <a:ext cx="63202" cy="63202"/>
             </a:xfrm>
             <a:custGeom>
@@ -27149,7 +27149,7 @@
           </p:nvSpPr>
           <p:spPr>
             <a:xfrm>
-              <a:off x="5133932" y="5990286"/>
+              <a:off x="5132183" y="5990301"/>
               <a:ext cx="63202" cy="63202"/>
             </a:xfrm>
             <a:custGeom>
@@ -27192,7 +27192,7 @@
           </p:nvSpPr>
           <p:spPr>
             <a:xfrm>
-              <a:off x="4534273" y="6000954"/>
+              <a:off x="4778877" y="6000948"/>
               <a:ext cx="63202" cy="63202"/>
             </a:xfrm>
             <a:custGeom>
@@ -27235,7 +27235,7 @@
           </p:nvSpPr>
           <p:spPr>
             <a:xfrm>
-              <a:off x="4598532" y="5968786"/>
+              <a:off x="4675678" y="5968755"/>
               <a:ext cx="63202" cy="63202"/>
             </a:xfrm>
             <a:custGeom>
@@ -27278,7 +27278,7 @@
           </p:nvSpPr>
           <p:spPr>
             <a:xfrm>
-              <a:off x="4707938" y="5862236"/>
+              <a:off x="4760884" y="5862222"/>
               <a:ext cx="63202" cy="63202"/>
             </a:xfrm>
             <a:custGeom>
@@ -27321,7 +27321,7 @@
           </p:nvSpPr>
           <p:spPr>
             <a:xfrm>
-              <a:off x="4555452" y="5317369"/>
+              <a:off x="4547011" y="5317369"/>
               <a:ext cx="63202" cy="63202"/>
             </a:xfrm>
             <a:custGeom>
@@ -27364,7 +27364,7 @@
           </p:nvSpPr>
           <p:spPr>
             <a:xfrm>
-              <a:off x="4666317" y="6104449"/>
+              <a:off x="4518946" y="6104452"/>
               <a:ext cx="63202" cy="63202"/>
             </a:xfrm>
             <a:custGeom>
@@ -27407,7 +27407,7 @@
           </p:nvSpPr>
           <p:spPr>
             <a:xfrm>
-              <a:off x="4938503" y="6119689"/>
+              <a:off x="4886729" y="6119681"/>
               <a:ext cx="63202" cy="63202"/>
             </a:xfrm>
             <a:custGeom>
@@ -27450,7 +27450,7 @@
           </p:nvSpPr>
           <p:spPr>
             <a:xfrm>
-              <a:off x="4841020" y="5861309"/>
+              <a:off x="5023048" y="5861329"/>
               <a:ext cx="63202" cy="63202"/>
             </a:xfrm>
             <a:custGeom>
@@ -27493,7 +27493,7 @@
           </p:nvSpPr>
           <p:spPr>
             <a:xfrm>
-              <a:off x="4805838" y="5875527"/>
+              <a:off x="5109479" y="5875516"/>
               <a:ext cx="63202" cy="63202"/>
             </a:xfrm>
             <a:custGeom>
@@ -27536,7 +27536,7 @@
           </p:nvSpPr>
           <p:spPr>
             <a:xfrm>
-              <a:off x="4611105" y="6143130"/>
+              <a:off x="5045909" y="6143142"/>
               <a:ext cx="63202" cy="63202"/>
             </a:xfrm>
             <a:custGeom>
@@ -27579,7 +27579,7 @@
           </p:nvSpPr>
           <p:spPr>
             <a:xfrm>
-              <a:off x="4932042" y="5887639"/>
+              <a:off x="4519811" y="5887639"/>
               <a:ext cx="63202" cy="63202"/>
             </a:xfrm>
             <a:custGeom>
@@ -27622,7 +27622,7 @@
           </p:nvSpPr>
           <p:spPr>
             <a:xfrm>
-              <a:off x="5076072" y="5865264"/>
+              <a:off x="5050483" y="5865262"/>
               <a:ext cx="63202" cy="63202"/>
             </a:xfrm>
             <a:custGeom>
@@ -27665,7 +27665,7 @@
           </p:nvSpPr>
           <p:spPr>
             <a:xfrm>
-              <a:off x="5125172" y="6127711"/>
+              <a:off x="4623458" y="6127704"/>
               <a:ext cx="63202" cy="63202"/>
             </a:xfrm>
             <a:custGeom>
@@ -27708,7 +27708,7 @@
           </p:nvSpPr>
           <p:spPr>
             <a:xfrm>
-              <a:off x="5093172" y="6128041"/>
+              <a:off x="4587625" y="6128020"/>
               <a:ext cx="63202" cy="63202"/>
             </a:xfrm>
             <a:custGeom>
@@ -27751,7 +27751,7 @@
           </p:nvSpPr>
           <p:spPr>
             <a:xfrm>
-              <a:off x="4951309" y="5936414"/>
+              <a:off x="4620448" y="5936393"/>
               <a:ext cx="63202" cy="63202"/>
             </a:xfrm>
             <a:custGeom>
@@ -27794,7 +27794,7 @@
           </p:nvSpPr>
           <p:spPr>
             <a:xfrm>
-              <a:off x="4965969" y="5911121"/>
+              <a:off x="5158123" y="5911123"/>
               <a:ext cx="63202" cy="63202"/>
             </a:xfrm>
             <a:custGeom>
@@ -27837,7 +27837,7 @@
           </p:nvSpPr>
           <p:spPr>
             <a:xfrm>
-              <a:off x="4806325" y="5899578"/>
+              <a:off x="4726982" y="5899571"/>
               <a:ext cx="63202" cy="63202"/>
             </a:xfrm>
             <a:custGeom>
@@ -27880,7 +27880,7 @@
           </p:nvSpPr>
           <p:spPr>
             <a:xfrm>
-              <a:off x="4723472" y="5853589"/>
+              <a:off x="4640574" y="5853594"/>
               <a:ext cx="63202" cy="63202"/>
             </a:xfrm>
             <a:custGeom>
@@ -27923,7 +27923,7 @@
           </p:nvSpPr>
           <p:spPr>
             <a:xfrm>
-              <a:off x="4894399" y="5906038"/>
+              <a:off x="4701442" y="5906039"/>
               <a:ext cx="63202" cy="63202"/>
             </a:xfrm>
             <a:custGeom>
@@ -27966,7 +27966,7 @@
           </p:nvSpPr>
           <p:spPr>
             <a:xfrm>
-              <a:off x="4872293" y="6433404"/>
+              <a:off x="4653295" y="6433410"/>
               <a:ext cx="63202" cy="63202"/>
             </a:xfrm>
             <a:custGeom>
@@ -28009,7 +28009,7 @@
           </p:nvSpPr>
           <p:spPr>
             <a:xfrm>
-              <a:off x="4660559" y="5877302"/>
+              <a:off x="4489408" y="5877306"/>
               <a:ext cx="63202" cy="63202"/>
             </a:xfrm>
             <a:custGeom>
@@ -28052,7 +28052,7 @@
           </p:nvSpPr>
           <p:spPr>
             <a:xfrm>
-              <a:off x="5061028" y="5881221"/>
+              <a:off x="4998112" y="5881214"/>
               <a:ext cx="63202" cy="63202"/>
             </a:xfrm>
             <a:custGeom>
@@ -28095,7 +28095,7 @@
           </p:nvSpPr>
           <p:spPr>
             <a:xfrm>
-              <a:off x="5005668" y="5872720"/>
+              <a:off x="4698107" y="5872705"/>
               <a:ext cx="63202" cy="63202"/>
             </a:xfrm>
             <a:custGeom>
@@ -28138,7 +28138,7 @@
           </p:nvSpPr>
           <p:spPr>
             <a:xfrm>
-              <a:off x="4558127" y="5864054"/>
+              <a:off x="4609312" y="5864043"/>
               <a:ext cx="63202" cy="63202"/>
             </a:xfrm>
             <a:custGeom>
@@ -28181,7 +28181,7 @@
           </p:nvSpPr>
           <p:spPr>
             <a:xfrm>
-              <a:off x="5028059" y="6099230"/>
+              <a:off x="4875322" y="6099245"/>
               <a:ext cx="63202" cy="63202"/>
             </a:xfrm>
             <a:custGeom>
@@ -28224,7 +28224,7 @@
           </p:nvSpPr>
           <p:spPr>
             <a:xfrm>
-              <a:off x="4780672" y="6086889"/>
+              <a:off x="4549956" y="6086883"/>
               <a:ext cx="63202" cy="63202"/>
             </a:xfrm>
             <a:custGeom>
@@ -28267,7 +28267,7 @@
           </p:nvSpPr>
           <p:spPr>
             <a:xfrm>
-              <a:off x="5016182" y="6148718"/>
+              <a:off x="4658095" y="6148716"/>
               <a:ext cx="63202" cy="63202"/>
             </a:xfrm>
             <a:custGeom>
@@ -28310,7 +28310,7 @@
           </p:nvSpPr>
           <p:spPr>
             <a:xfrm>
-              <a:off x="4923882" y="5890330"/>
+              <a:off x="4871507" y="5890320"/>
               <a:ext cx="63202" cy="63202"/>
             </a:xfrm>
             <a:custGeom>
@@ -28353,7 +28353,7 @@
           </p:nvSpPr>
           <p:spPr>
             <a:xfrm>
-              <a:off x="4983066" y="5935900"/>
+              <a:off x="5058492" y="5935911"/>
               <a:ext cx="63202" cy="63202"/>
             </a:xfrm>
             <a:custGeom>
@@ -28396,7 +28396,7 @@
           </p:nvSpPr>
           <p:spPr>
             <a:xfrm>
-              <a:off x="5097061" y="5913396"/>
+              <a:off x="4768897" y="5913370"/>
               <a:ext cx="63202" cy="63202"/>
             </a:xfrm>
             <a:custGeom>
@@ -28439,7 +28439,7 @@
           </p:nvSpPr>
           <p:spPr>
             <a:xfrm>
-              <a:off x="4771240" y="5993498"/>
+              <a:off x="4800853" y="5993495"/>
               <a:ext cx="63202" cy="63202"/>
             </a:xfrm>
             <a:custGeom>
@@ -28482,7 +28482,7 @@
           </p:nvSpPr>
           <p:spPr>
             <a:xfrm>
-              <a:off x="5083533" y="5932002"/>
+              <a:off x="5145759" y="5932003"/>
               <a:ext cx="63202" cy="63202"/>
             </a:xfrm>
             <a:custGeom>
@@ -28525,7 +28525,7 @@
           </p:nvSpPr>
           <p:spPr>
             <a:xfrm>
-              <a:off x="5081466" y="5930941"/>
+              <a:off x="5001243" y="5930945"/>
               <a:ext cx="63202" cy="63202"/>
             </a:xfrm>
             <a:custGeom>
@@ -28568,7 +28568,7 @@
           </p:nvSpPr>
           <p:spPr>
             <a:xfrm>
-              <a:off x="4898351" y="5931226"/>
+              <a:off x="4778512" y="5931242"/>
               <a:ext cx="63202" cy="63202"/>
             </a:xfrm>
             <a:custGeom>
@@ -28611,7 +28611,7 @@
           </p:nvSpPr>
           <p:spPr>
             <a:xfrm>
-              <a:off x="4995908" y="6116360"/>
+              <a:off x="4548591" y="6116360"/>
               <a:ext cx="63202" cy="63202"/>
             </a:xfrm>
             <a:custGeom>
@@ -28654,7 +28654,7 @@
           </p:nvSpPr>
           <p:spPr>
             <a:xfrm>
-              <a:off x="4635650" y="6054081"/>
+              <a:off x="4809266" y="6054086"/>
               <a:ext cx="63202" cy="63202"/>
             </a:xfrm>
             <a:custGeom>
@@ -28697,7 +28697,7 @@
           </p:nvSpPr>
           <p:spPr>
             <a:xfrm>
-              <a:off x="4797254" y="5854280"/>
+              <a:off x="5003569" y="5854290"/>
               <a:ext cx="63202" cy="63202"/>
             </a:xfrm>
             <a:custGeom>
@@ -28740,7 +28740,7 @@
           </p:nvSpPr>
           <p:spPr>
             <a:xfrm>
-              <a:off x="4705254" y="5930732"/>
+              <a:off x="4797593" y="5930732"/>
               <a:ext cx="63202" cy="63202"/>
             </a:xfrm>
             <a:custGeom>
@@ -28783,7 +28783,7 @@
           </p:nvSpPr>
           <p:spPr>
             <a:xfrm>
-              <a:off x="4771178" y="5868903"/>
+              <a:off x="4545533" y="5868896"/>
               <a:ext cx="63202" cy="63202"/>
             </a:xfrm>
             <a:custGeom>
@@ -28826,7 +28826,7 @@
           </p:nvSpPr>
           <p:spPr>
             <a:xfrm>
-              <a:off x="4869387" y="5877843"/>
+              <a:off x="4899868" y="5877850"/>
               <a:ext cx="63202" cy="63202"/>
             </a:xfrm>
             <a:custGeom>
@@ -28869,7 +28869,7 @@
           </p:nvSpPr>
           <p:spPr>
             <a:xfrm>
-              <a:off x="4601027" y="5862869"/>
+              <a:off x="4761106" y="5862852"/>
               <a:ext cx="63202" cy="63202"/>
             </a:xfrm>
             <a:custGeom>
@@ -28912,7 +28912,7 @@
           </p:nvSpPr>
           <p:spPr>
             <a:xfrm>
-              <a:off x="4875363" y="6202562"/>
+              <a:off x="5011071" y="6202565"/>
               <a:ext cx="63202" cy="63202"/>
             </a:xfrm>
             <a:custGeom>
@@ -28955,7 +28955,7 @@
           </p:nvSpPr>
           <p:spPr>
             <a:xfrm>
-              <a:off x="4598048" y="5962682"/>
+              <a:off x="4473089" y="5962696"/>
               <a:ext cx="63202" cy="63202"/>
             </a:xfrm>
             <a:custGeom>
@@ -28998,7 +28998,7 @@
           </p:nvSpPr>
           <p:spPr>
             <a:xfrm>
-              <a:off x="4894552" y="5934867"/>
+              <a:off x="5092928" y="5934860"/>
               <a:ext cx="63202" cy="63202"/>
             </a:xfrm>
             <a:custGeom>
@@ -29041,7 +29041,7 @@
           </p:nvSpPr>
           <p:spPr>
             <a:xfrm>
-              <a:off x="4875484" y="5879791"/>
+              <a:off x="5012815" y="5879781"/>
               <a:ext cx="63202" cy="63202"/>
             </a:xfrm>
             <a:custGeom>
@@ -29084,7 +29084,7 @@
           </p:nvSpPr>
           <p:spPr>
             <a:xfrm>
-              <a:off x="4893586" y="5886020"/>
+              <a:off x="5159338" y="5885997"/>
               <a:ext cx="63202" cy="63202"/>
             </a:xfrm>
             <a:custGeom>
@@ -29127,7 +29127,7 @@
           </p:nvSpPr>
           <p:spPr>
             <a:xfrm>
-              <a:off x="5001162" y="5870820"/>
+              <a:off x="4527637" y="5870812"/>
               <a:ext cx="63202" cy="63202"/>
             </a:xfrm>
             <a:custGeom>
@@ -29170,7 +29170,7 @@
           </p:nvSpPr>
           <p:spPr>
             <a:xfrm>
-              <a:off x="5016527" y="5867912"/>
+              <a:off x="5162949" y="5867885"/>
               <a:ext cx="63202" cy="63202"/>
             </a:xfrm>
             <a:custGeom>
@@ -29213,7 +29213,7 @@
           </p:nvSpPr>
           <p:spPr>
             <a:xfrm>
-              <a:off x="5064447" y="5872094"/>
+              <a:off x="4955013" y="5872077"/>
               <a:ext cx="63202" cy="63202"/>
             </a:xfrm>
             <a:custGeom>
@@ -29256,7 +29256,7 @@
           </p:nvSpPr>
           <p:spPr>
             <a:xfrm>
-              <a:off x="4931829" y="5924114"/>
+              <a:off x="5121903" y="5924099"/>
               <a:ext cx="63202" cy="63202"/>
             </a:xfrm>
             <a:custGeom>
@@ -29299,7 +29299,7 @@
           </p:nvSpPr>
           <p:spPr>
             <a:xfrm>
-              <a:off x="5112582" y="5851201"/>
+              <a:off x="4930303" y="5851191"/>
               <a:ext cx="63202" cy="63202"/>
             </a:xfrm>
             <a:custGeom>
@@ -29342,7 +29342,7 @@
           </p:nvSpPr>
           <p:spPr>
             <a:xfrm>
-              <a:off x="5101409" y="5880752"/>
+              <a:off x="4571104" y="5880733"/>
               <a:ext cx="63202" cy="63202"/>
             </a:xfrm>
             <a:custGeom>
@@ -29385,7 +29385,7 @@
           </p:nvSpPr>
           <p:spPr>
             <a:xfrm>
-              <a:off x="4905411" y="6354054"/>
+              <a:off x="5034764" y="6354034"/>
               <a:ext cx="63202" cy="63202"/>
             </a:xfrm>
             <a:custGeom>
@@ -29428,7 +29428,7 @@
           </p:nvSpPr>
           <p:spPr>
             <a:xfrm>
-              <a:off x="4946657" y="6078361"/>
+              <a:off x="4582575" y="6078361"/>
               <a:ext cx="63202" cy="63202"/>
             </a:xfrm>
             <a:custGeom>
@@ -29471,7 +29471,7 @@
           </p:nvSpPr>
           <p:spPr>
             <a:xfrm>
-              <a:off x="4938717" y="5856787"/>
+              <a:off x="4924401" y="5856790"/>
               <a:ext cx="63202" cy="63202"/>
             </a:xfrm>
             <a:custGeom>
@@ -29514,7 +29514,7 @@
           </p:nvSpPr>
           <p:spPr>
             <a:xfrm>
-              <a:off x="4562758" y="5928434"/>
+              <a:off x="4890422" y="5928395"/>
               <a:ext cx="63202" cy="63202"/>
             </a:xfrm>
             <a:custGeom>
@@ -29557,7 +29557,7 @@
           </p:nvSpPr>
           <p:spPr>
             <a:xfrm>
-              <a:off x="4852252" y="5897056"/>
+              <a:off x="5041684" y="5897048"/>
               <a:ext cx="63202" cy="63202"/>
             </a:xfrm>
             <a:custGeom>
@@ -29600,7 +29600,7 @@
           </p:nvSpPr>
           <p:spPr>
             <a:xfrm>
-              <a:off x="5082625" y="5860268"/>
+              <a:off x="4749643" y="5860273"/>
               <a:ext cx="63202" cy="63202"/>
             </a:xfrm>
             <a:custGeom>
@@ -29643,7 +29643,7 @@
           </p:nvSpPr>
           <p:spPr>
             <a:xfrm>
-              <a:off x="4689287" y="5989214"/>
+              <a:off x="4821760" y="5989199"/>
               <a:ext cx="63202" cy="63202"/>
             </a:xfrm>
             <a:custGeom>
@@ -29686,7 +29686,7 @@
           </p:nvSpPr>
           <p:spPr>
             <a:xfrm>
-              <a:off x="4562340" y="5889422"/>
+              <a:off x="4842815" y="5889430"/>
               <a:ext cx="63202" cy="63202"/>
             </a:xfrm>
             <a:custGeom>
@@ -29729,7 +29729,7 @@
           </p:nvSpPr>
           <p:spPr>
             <a:xfrm>
-              <a:off x="4701038" y="5862984"/>
+              <a:off x="4996195" y="5862994"/>
               <a:ext cx="63202" cy="63202"/>
             </a:xfrm>
             <a:custGeom>
@@ -29772,7 +29772,7 @@
           </p:nvSpPr>
           <p:spPr>
             <a:xfrm>
-              <a:off x="4754021" y="5873923"/>
+              <a:off x="5144598" y="5873938"/>
               <a:ext cx="63202" cy="63202"/>
             </a:xfrm>
             <a:custGeom>
@@ -29815,7 +29815,7 @@
           </p:nvSpPr>
           <p:spPr>
             <a:xfrm>
-              <a:off x="4900739" y="6186054"/>
+              <a:off x="4578818" y="6186043"/>
               <a:ext cx="63202" cy="63202"/>
             </a:xfrm>
             <a:custGeom>
@@ -29858,7 +29858,7 @@
           </p:nvSpPr>
           <p:spPr>
             <a:xfrm>
-              <a:off x="4617833" y="5858684"/>
+              <a:off x="4655993" y="5858687"/>
               <a:ext cx="63202" cy="63202"/>
             </a:xfrm>
             <a:custGeom>
@@ -29901,7 +29901,7 @@
           </p:nvSpPr>
           <p:spPr>
             <a:xfrm>
-              <a:off x="4591087" y="5860543"/>
+              <a:off x="5046195" y="5860538"/>
               <a:ext cx="63202" cy="63202"/>
             </a:xfrm>
             <a:custGeom>
@@ -29944,7 +29944,7 @@
           </p:nvSpPr>
           <p:spPr>
             <a:xfrm>
-              <a:off x="5127648" y="6107586"/>
+              <a:off x="4504237" y="6107582"/>
               <a:ext cx="63202" cy="63202"/>
             </a:xfrm>
             <a:custGeom>
@@ -29987,7 +29987,7 @@
           </p:nvSpPr>
           <p:spPr>
             <a:xfrm>
-              <a:off x="4740851" y="6311848"/>
+              <a:off x="4868836" y="6311820"/>
               <a:ext cx="63202" cy="63202"/>
             </a:xfrm>
             <a:custGeom>
@@ -30030,7 +30030,7 @@
           </p:nvSpPr>
           <p:spPr>
             <a:xfrm>
-              <a:off x="4560527" y="5870884"/>
+              <a:off x="4621793" y="5870904"/>
               <a:ext cx="63202" cy="63202"/>
             </a:xfrm>
             <a:custGeom>
@@ -30073,7 +30073,7 @@
           </p:nvSpPr>
           <p:spPr>
             <a:xfrm>
-              <a:off x="4608768" y="5887771"/>
+              <a:off x="5060332" y="5887794"/>
               <a:ext cx="63202" cy="63202"/>
             </a:xfrm>
             <a:custGeom>
@@ -30116,7 +30116,7 @@
           </p:nvSpPr>
           <p:spPr>
             <a:xfrm>
-              <a:off x="5087385" y="5882935"/>
+              <a:off x="5054314" y="5882933"/>
               <a:ext cx="63202" cy="63202"/>
             </a:xfrm>
             <a:custGeom>
@@ -30159,7 +30159,7 @@
           </p:nvSpPr>
           <p:spPr>
             <a:xfrm>
-              <a:off x="4733213" y="5867438"/>
+              <a:off x="5082700" y="5867429"/>
               <a:ext cx="63202" cy="63202"/>
             </a:xfrm>
             <a:custGeom>
@@ -30202,7 +30202,7 @@
           </p:nvSpPr>
           <p:spPr>
             <a:xfrm>
-              <a:off x="4878606" y="5917789"/>
+              <a:off x="4712122" y="5917805"/>
               <a:ext cx="63202" cy="63202"/>
             </a:xfrm>
             <a:custGeom>
@@ -30245,7 +30245,7 @@
           </p:nvSpPr>
           <p:spPr>
             <a:xfrm>
-              <a:off x="4482188" y="6007995"/>
+              <a:off x="4805601" y="6007976"/>
               <a:ext cx="63202" cy="63202"/>
             </a:xfrm>
             <a:custGeom>
@@ -30288,7 +30288,7 @@
           </p:nvSpPr>
           <p:spPr>
             <a:xfrm>
-              <a:off x="4934866" y="5866773"/>
+              <a:off x="5129119" y="5866748"/>
               <a:ext cx="63202" cy="63202"/>
             </a:xfrm>
             <a:custGeom>
@@ -30331,7 +30331,7 @@
           </p:nvSpPr>
           <p:spPr>
             <a:xfrm>
-              <a:off x="4773339" y="6148533"/>
+              <a:off x="5069720" y="6148526"/>
               <a:ext cx="63202" cy="63202"/>
             </a:xfrm>
             <a:custGeom>
@@ -30374,7 +30374,7 @@
           </p:nvSpPr>
           <p:spPr>
             <a:xfrm>
-              <a:off x="4560270" y="5936095"/>
+              <a:off x="4592015" y="5936096"/>
               <a:ext cx="63202" cy="63202"/>
             </a:xfrm>
             <a:custGeom>
@@ -30417,7 +30417,7 @@
           </p:nvSpPr>
           <p:spPr>
             <a:xfrm>
-              <a:off x="5063731" y="5869162"/>
+              <a:off x="5150292" y="5869183"/>
               <a:ext cx="63202" cy="63202"/>
             </a:xfrm>
             <a:custGeom>
@@ -30460,7 +30460,7 @@
           </p:nvSpPr>
           <p:spPr>
             <a:xfrm>
-              <a:off x="5038894" y="5852874"/>
+              <a:off x="4827609" y="5852874"/>
               <a:ext cx="63202" cy="63202"/>
             </a:xfrm>
             <a:custGeom>
@@ -30503,7 +30503,7 @@
           </p:nvSpPr>
           <p:spPr>
             <a:xfrm>
-              <a:off x="5103674" y="5920117"/>
+              <a:off x="4916427" y="5920117"/>
               <a:ext cx="63202" cy="63202"/>
             </a:xfrm>
             <a:custGeom>
@@ -30546,7 +30546,7 @@
           </p:nvSpPr>
           <p:spPr>
             <a:xfrm>
-              <a:off x="4895892" y="5927471"/>
+              <a:off x="4728250" y="5927468"/>
               <a:ext cx="63202" cy="63202"/>
             </a:xfrm>
             <a:custGeom>
@@ -30589,7 +30589,7 @@
           </p:nvSpPr>
           <p:spPr>
             <a:xfrm>
-              <a:off x="4956676" y="6269193"/>
+              <a:off x="4554540" y="6269202"/>
               <a:ext cx="63202" cy="63202"/>
             </a:xfrm>
             <a:custGeom>
@@ -30632,7 +30632,7 @@
           </p:nvSpPr>
           <p:spPr>
             <a:xfrm>
-              <a:off x="4517387" y="5935951"/>
+              <a:off x="4865613" y="5935962"/>
               <a:ext cx="63202" cy="63202"/>
             </a:xfrm>
             <a:custGeom>
@@ -30675,7 +30675,7 @@
           </p:nvSpPr>
           <p:spPr>
             <a:xfrm>
-              <a:off x="4695310" y="5929608"/>
+              <a:off x="4914685" y="5929580"/>
               <a:ext cx="63202" cy="63202"/>
             </a:xfrm>
             <a:custGeom>
@@ -30718,7 +30718,7 @@
           </p:nvSpPr>
           <p:spPr>
             <a:xfrm>
-              <a:off x="4752753" y="5854231"/>
+              <a:off x="5145458" y="5854223"/>
               <a:ext cx="63202" cy="63202"/>
             </a:xfrm>
             <a:custGeom>
@@ -30761,7 +30761,7 @@
           </p:nvSpPr>
           <p:spPr>
             <a:xfrm>
-              <a:off x="4758851" y="5895359"/>
+              <a:off x="4719896" y="5895356"/>
               <a:ext cx="63202" cy="63202"/>
             </a:xfrm>
             <a:custGeom>
@@ -30804,7 +30804,7 @@
           </p:nvSpPr>
           <p:spPr>
             <a:xfrm>
-              <a:off x="5130483" y="6115961"/>
+              <a:off x="4942643" y="6115929"/>
               <a:ext cx="63202" cy="63202"/>
             </a:xfrm>
             <a:custGeom>
@@ -30847,7 +30847,7 @@
           </p:nvSpPr>
           <p:spPr>
             <a:xfrm>
-              <a:off x="4639001" y="5862901"/>
+              <a:off x="4945202" y="5862916"/>
               <a:ext cx="63202" cy="63202"/>
             </a:xfrm>
             <a:custGeom>
@@ -30890,7 +30890,7 @@
           </p:nvSpPr>
           <p:spPr>
             <a:xfrm>
-              <a:off x="5157902" y="5867362"/>
+              <a:off x="4523449" y="5867350"/>
               <a:ext cx="63202" cy="63202"/>
             </a:xfrm>
             <a:custGeom>
@@ -30933,7 +30933,7 @@
           </p:nvSpPr>
           <p:spPr>
             <a:xfrm>
-              <a:off x="4722339" y="5867029"/>
+              <a:off x="4545852" y="5867023"/>
               <a:ext cx="63202" cy="63202"/>
             </a:xfrm>
             <a:custGeom>
@@ -30976,7 +30976,7 @@
           </p:nvSpPr>
           <p:spPr>
             <a:xfrm>
-              <a:off x="4778088" y="6122385"/>
+              <a:off x="5007697" y="6122410"/>
               <a:ext cx="63202" cy="63202"/>
             </a:xfrm>
             <a:custGeom>
@@ -31019,7 +31019,7 @@
           </p:nvSpPr>
           <p:spPr>
             <a:xfrm>
-              <a:off x="5001728" y="5858375"/>
+              <a:off x="4836293" y="5858366"/>
               <a:ext cx="63202" cy="63202"/>
             </a:xfrm>
             <a:custGeom>
@@ -31062,7 +31062,7 @@
           </p:nvSpPr>
           <p:spPr>
             <a:xfrm>
-              <a:off x="4758367" y="5908313"/>
+              <a:off x="4469383" y="5908303"/>
               <a:ext cx="63202" cy="63202"/>
             </a:xfrm>
             <a:custGeom>
@@ -31105,7 +31105,7 @@
           </p:nvSpPr>
           <p:spPr>
             <a:xfrm>
-              <a:off x="4544942" y="5924358"/>
+              <a:off x="4889131" y="5924383"/>
               <a:ext cx="63202" cy="63202"/>
             </a:xfrm>
             <a:custGeom>
@@ -31148,7 +31148,7 @@
           </p:nvSpPr>
           <p:spPr>
             <a:xfrm>
-              <a:off x="5087378" y="5876880"/>
+              <a:off x="4970495" y="5876877"/>
               <a:ext cx="63202" cy="63202"/>
             </a:xfrm>
             <a:custGeom>
@@ -31191,7 +31191,7 @@
           </p:nvSpPr>
           <p:spPr>
             <a:xfrm>
-              <a:off x="5093008" y="6128783"/>
+              <a:off x="4922244" y="6128787"/>
               <a:ext cx="63202" cy="63202"/>
             </a:xfrm>
             <a:custGeom>
@@ -31234,7 +31234,7 @@
           </p:nvSpPr>
           <p:spPr>
             <a:xfrm>
-              <a:off x="4844698" y="5963643"/>
+              <a:off x="4632494" y="5963657"/>
               <a:ext cx="63202" cy="63202"/>
             </a:xfrm>
             <a:custGeom>
@@ -31277,7 +31277,7 @@
           </p:nvSpPr>
           <p:spPr>
             <a:xfrm>
-              <a:off x="5105965" y="5888657"/>
+              <a:off x="4741177" y="5888634"/>
               <a:ext cx="63202" cy="63202"/>
             </a:xfrm>
             <a:custGeom>
@@ -31320,7 +31320,7 @@
           </p:nvSpPr>
           <p:spPr>
             <a:xfrm>
-              <a:off x="4950409" y="5863146"/>
+              <a:off x="5059435" y="5863119"/>
               <a:ext cx="63202" cy="63202"/>
             </a:xfrm>
             <a:custGeom>
@@ -31363,7 +31363,7 @@
           </p:nvSpPr>
           <p:spPr>
             <a:xfrm>
-              <a:off x="4784421" y="5903231"/>
+              <a:off x="4772460" y="5903220"/>
               <a:ext cx="63202" cy="63202"/>
             </a:xfrm>
             <a:custGeom>
@@ -31406,7 +31406,7 @@
           </p:nvSpPr>
           <p:spPr>
             <a:xfrm>
-              <a:off x="4616007" y="5883416"/>
+              <a:off x="4551214" y="5883429"/>
               <a:ext cx="63202" cy="63202"/>
             </a:xfrm>
             <a:custGeom>
@@ -31449,7 +31449,7 @@
           </p:nvSpPr>
           <p:spPr>
             <a:xfrm>
-              <a:off x="5103345" y="5932644"/>
+              <a:off x="4726373" y="5932645"/>
               <a:ext cx="63202" cy="63202"/>
             </a:xfrm>
             <a:custGeom>
@@ -31492,7 +31492,7 @@
           </p:nvSpPr>
           <p:spPr>
             <a:xfrm>
-              <a:off x="4596756" y="6202849"/>
+              <a:off x="4764185" y="6202823"/>
               <a:ext cx="63202" cy="63202"/>
             </a:xfrm>
             <a:custGeom>
@@ -31535,7 +31535,7 @@
           </p:nvSpPr>
           <p:spPr>
             <a:xfrm>
-              <a:off x="5141794" y="6163940"/>
+              <a:off x="4498824" y="6163923"/>
               <a:ext cx="63202" cy="63202"/>
             </a:xfrm>
             <a:custGeom>
@@ -31578,7 +31578,7 @@
           </p:nvSpPr>
           <p:spPr>
             <a:xfrm>
-              <a:off x="4791539" y="5959322"/>
+              <a:off x="4589758" y="5959341"/>
               <a:ext cx="63202" cy="63202"/>
             </a:xfrm>
             <a:custGeom>
@@ -31621,7 +31621,7 @@
           </p:nvSpPr>
           <p:spPr>
             <a:xfrm>
-              <a:off x="5161095" y="6236233"/>
+              <a:off x="5108814" y="6236257"/>
               <a:ext cx="63202" cy="63202"/>
             </a:xfrm>
             <a:custGeom>
@@ -31664,7 +31664,7 @@
           </p:nvSpPr>
           <p:spPr>
             <a:xfrm>
-              <a:off x="5085646" y="5864221"/>
+              <a:off x="4944796" y="5864231"/>
               <a:ext cx="63202" cy="63202"/>
             </a:xfrm>
             <a:custGeom>
@@ -31707,7 +31707,7 @@
           </p:nvSpPr>
           <p:spPr>
             <a:xfrm>
-              <a:off x="4579968" y="5907368"/>
+              <a:off x="4737765" y="5907333"/>
               <a:ext cx="63202" cy="63202"/>
             </a:xfrm>
             <a:custGeom>
@@ -31750,7 +31750,7 @@
           </p:nvSpPr>
           <p:spPr>
             <a:xfrm>
-              <a:off x="4646602" y="5894778"/>
+              <a:off x="4610383" y="5894785"/>
               <a:ext cx="63202" cy="63202"/>
             </a:xfrm>
             <a:custGeom>
@@ -31793,7 +31793,7 @@
           </p:nvSpPr>
           <p:spPr>
             <a:xfrm>
-              <a:off x="4677136" y="5860451"/>
+              <a:off x="4721015" y="5860465"/>
               <a:ext cx="63202" cy="63202"/>
             </a:xfrm>
             <a:custGeom>
@@ -31836,7 +31836,7 @@
           </p:nvSpPr>
           <p:spPr>
             <a:xfrm>
-              <a:off x="4855025" y="5890860"/>
+              <a:off x="4504990" y="5890861"/>
               <a:ext cx="63202" cy="63202"/>
             </a:xfrm>
             <a:custGeom>
@@ -31879,7 +31879,7 @@
           </p:nvSpPr>
           <p:spPr>
             <a:xfrm>
-              <a:off x="5144748" y="5868708"/>
+              <a:off x="5034183" y="5868706"/>
               <a:ext cx="63202" cy="63202"/>
             </a:xfrm>
             <a:custGeom>
@@ -31922,7 +31922,7 @@
           </p:nvSpPr>
           <p:spPr>
             <a:xfrm>
-              <a:off x="4497057" y="5873541"/>
+              <a:off x="4696264" y="5873511"/>
               <a:ext cx="63202" cy="63202"/>
             </a:xfrm>
             <a:custGeom>
@@ -31965,7 +31965,7 @@
           </p:nvSpPr>
           <p:spPr>
             <a:xfrm>
-              <a:off x="4741420" y="5883752"/>
+              <a:off x="5093684" y="5883727"/>
               <a:ext cx="63202" cy="63202"/>
             </a:xfrm>
             <a:custGeom>
@@ -32008,7 +32008,7 @@
           </p:nvSpPr>
           <p:spPr>
             <a:xfrm>
-              <a:off x="4578329" y="6121615"/>
+              <a:off x="4566542" y="6121623"/>
               <a:ext cx="63202" cy="63202"/>
             </a:xfrm>
             <a:custGeom>
@@ -32051,7 +32051,7 @@
           </p:nvSpPr>
           <p:spPr>
             <a:xfrm>
-              <a:off x="4559758" y="6008954"/>
+              <a:off x="4653996" y="6008940"/>
               <a:ext cx="63202" cy="63202"/>
             </a:xfrm>
             <a:custGeom>
@@ -32094,7 +32094,7 @@
           </p:nvSpPr>
           <p:spPr>
             <a:xfrm>
-              <a:off x="4650312" y="5853859"/>
+              <a:off x="4907234" y="5853889"/>
               <a:ext cx="63202" cy="63202"/>
             </a:xfrm>
             <a:custGeom>
@@ -32137,7 +32137,7 @@
           </p:nvSpPr>
           <p:spPr>
             <a:xfrm>
-              <a:off x="4550289" y="5930994"/>
+              <a:off x="4702616" y="5931001"/>
               <a:ext cx="63202" cy="63202"/>
             </a:xfrm>
             <a:custGeom>
@@ -32180,7 +32180,7 @@
           </p:nvSpPr>
           <p:spPr>
             <a:xfrm>
-              <a:off x="4943420" y="5931876"/>
+              <a:off x="4853485" y="5931852"/>
               <a:ext cx="63202" cy="63202"/>
             </a:xfrm>
             <a:custGeom>
@@ -32223,7 +32223,7 @@
           </p:nvSpPr>
           <p:spPr>
             <a:xfrm>
-              <a:off x="4531093" y="5874537"/>
+              <a:off x="4781235" y="5874541"/>
               <a:ext cx="63202" cy="63202"/>
             </a:xfrm>
             <a:custGeom>
@@ -32266,7 +32266,7 @@
           </p:nvSpPr>
           <p:spPr>
             <a:xfrm>
-              <a:off x="4825121" y="5893658"/>
+              <a:off x="4472014" y="5893655"/>
               <a:ext cx="63202" cy="63202"/>
             </a:xfrm>
             <a:custGeom>
@@ -32309,7 +32309,7 @@
           </p:nvSpPr>
           <p:spPr>
             <a:xfrm>
-              <a:off x="4909807" y="5923102"/>
+              <a:off x="5022421" y="5923093"/>
               <a:ext cx="63202" cy="63202"/>
             </a:xfrm>
             <a:custGeom>
@@ -32352,7 +32352,7 @@
           </p:nvSpPr>
           <p:spPr>
             <a:xfrm>
-              <a:off x="4804253" y="5923920"/>
+              <a:off x="5163087" y="5923908"/>
               <a:ext cx="63202" cy="63202"/>
             </a:xfrm>
             <a:custGeom>
@@ -32395,7 +32395,7 @@
           </p:nvSpPr>
           <p:spPr>
             <a:xfrm>
-              <a:off x="4938001" y="5889299"/>
+              <a:off x="4875683" y="5889280"/>
               <a:ext cx="63202" cy="63202"/>
             </a:xfrm>
             <a:custGeom>
@@ -32438,7 +32438,7 @@
           </p:nvSpPr>
           <p:spPr>
             <a:xfrm>
-              <a:off x="4589345" y="5888180"/>
+              <a:off x="5008710" y="5888201"/>
               <a:ext cx="63202" cy="63202"/>
             </a:xfrm>
             <a:custGeom>
@@ -32481,7 +32481,7 @@
           </p:nvSpPr>
           <p:spPr>
             <a:xfrm>
-              <a:off x="4988183" y="5960832"/>
+              <a:off x="4591278" y="5960829"/>
               <a:ext cx="63202" cy="63202"/>
             </a:xfrm>
             <a:custGeom>
@@ -32524,7 +32524,7 @@
           </p:nvSpPr>
           <p:spPr>
             <a:xfrm>
-              <a:off x="4784564" y="5887592"/>
+              <a:off x="4857972" y="5887600"/>
               <a:ext cx="63202" cy="63202"/>
             </a:xfrm>
             <a:custGeom>
@@ -32567,7 +32567,7 @@
           </p:nvSpPr>
           <p:spPr>
             <a:xfrm>
-              <a:off x="4798228" y="5883762"/>
+              <a:off x="4930957" y="5883733"/>
               <a:ext cx="63202" cy="63202"/>
             </a:xfrm>
             <a:custGeom>
@@ -32610,7 +32610,7 @@
           </p:nvSpPr>
           <p:spPr>
             <a:xfrm>
-              <a:off x="4880709" y="5733410"/>
+              <a:off x="5009608" y="5733375"/>
               <a:ext cx="63202" cy="63202"/>
             </a:xfrm>
             <a:custGeom>
@@ -32653,7 +32653,7 @@
           </p:nvSpPr>
           <p:spPr>
             <a:xfrm>
-              <a:off x="4967954" y="5874320"/>
+              <a:off x="4593319" y="5874295"/>
               <a:ext cx="63202" cy="63202"/>
             </a:xfrm>
             <a:custGeom>
@@ -32696,7 +32696,7 @@
           </p:nvSpPr>
           <p:spPr>
             <a:xfrm>
-              <a:off x="5087977" y="5890467"/>
+              <a:off x="4866639" y="5890444"/>
               <a:ext cx="63202" cy="63202"/>
             </a:xfrm>
             <a:custGeom>
@@ -32739,7 +32739,7 @@
           </p:nvSpPr>
           <p:spPr>
             <a:xfrm>
-              <a:off x="4847844" y="5882807"/>
+              <a:off x="4728511" y="5882778"/>
               <a:ext cx="63202" cy="63202"/>
             </a:xfrm>
             <a:custGeom>
@@ -32782,7 +32782,7 @@
           </p:nvSpPr>
           <p:spPr>
             <a:xfrm>
-              <a:off x="4783142" y="5870745"/>
+              <a:off x="4942432" y="5870775"/>
               <a:ext cx="63202" cy="63202"/>
             </a:xfrm>
             <a:custGeom>
@@ -32825,7 +32825,7 @@
           </p:nvSpPr>
           <p:spPr>
             <a:xfrm>
-              <a:off x="5123511" y="5873583"/>
+              <a:off x="4953926" y="5873572"/>
               <a:ext cx="63202" cy="63202"/>
             </a:xfrm>
             <a:custGeom>
@@ -32868,7 +32868,7 @@
           </p:nvSpPr>
           <p:spPr>
             <a:xfrm>
-              <a:off x="4876735" y="5857902"/>
+              <a:off x="4834318" y="5857905"/>
               <a:ext cx="63202" cy="63202"/>
             </a:xfrm>
             <a:custGeom>
@@ -32911,7 +32911,7 @@
           </p:nvSpPr>
           <p:spPr>
             <a:xfrm>
-              <a:off x="4821240" y="6073583"/>
+              <a:off x="4805680" y="6073583"/>
               <a:ext cx="63202" cy="63202"/>
             </a:xfrm>
             <a:custGeom>
@@ -32954,7 +32954,7 @@
           </p:nvSpPr>
           <p:spPr>
             <a:xfrm>
-              <a:off x="4945772" y="6066328"/>
+              <a:off x="4925509" y="6066341"/>
               <a:ext cx="63202" cy="63202"/>
             </a:xfrm>
             <a:custGeom>
@@ -32997,7 +32997,7 @@
           </p:nvSpPr>
           <p:spPr>
             <a:xfrm>
-              <a:off x="5051778" y="6096645"/>
+              <a:off x="4741289" y="6096642"/>
               <a:ext cx="63202" cy="63202"/>
             </a:xfrm>
             <a:custGeom>
@@ -33040,7 +33040,7 @@
           </p:nvSpPr>
           <p:spPr>
             <a:xfrm>
-              <a:off x="4986611" y="6063148"/>
+              <a:off x="5080436" y="6063142"/>
               <a:ext cx="63202" cy="63202"/>
             </a:xfrm>
             <a:custGeom>
@@ -33083,7 +33083,7 @@
           </p:nvSpPr>
           <p:spPr>
             <a:xfrm>
-              <a:off x="4695014" y="5899134"/>
+              <a:off x="4588523" y="5899137"/>
               <a:ext cx="63202" cy="63202"/>
             </a:xfrm>
             <a:custGeom>
@@ -33126,7 +33126,7 @@
           </p:nvSpPr>
           <p:spPr>
             <a:xfrm>
-              <a:off x="5008301" y="6299578"/>
+              <a:off x="5032942" y="6299559"/>
               <a:ext cx="63202" cy="63202"/>
             </a:xfrm>
             <a:custGeom>
@@ -33169,7 +33169,7 @@
           </p:nvSpPr>
           <p:spPr>
             <a:xfrm>
-              <a:off x="5065398" y="6289742"/>
+              <a:off x="4932391" y="6289721"/>
               <a:ext cx="63202" cy="63202"/>
             </a:xfrm>
             <a:custGeom>
@@ -33212,7 +33212,7 @@
           </p:nvSpPr>
           <p:spPr>
             <a:xfrm>
-              <a:off x="4921605" y="5866048"/>
+              <a:off x="4923997" y="5866039"/>
               <a:ext cx="63202" cy="63202"/>
             </a:xfrm>
             <a:custGeom>
@@ -33255,7 +33255,7 @@
           </p:nvSpPr>
           <p:spPr>
             <a:xfrm>
-              <a:off x="4830253" y="5870358"/>
+              <a:off x="4482267" y="5870367"/>
               <a:ext cx="63202" cy="63202"/>
             </a:xfrm>
             <a:custGeom>
@@ -33298,7 +33298,7 @@
           </p:nvSpPr>
           <p:spPr>
             <a:xfrm>
-              <a:off x="4489149" y="6098985"/>
+              <a:off x="4548464" y="6098965"/>
               <a:ext cx="63202" cy="63202"/>
             </a:xfrm>
             <a:custGeom>
@@ -33341,7 +33341,7 @@
           </p:nvSpPr>
           <p:spPr>
             <a:xfrm>
-              <a:off x="5064069" y="6052452"/>
+              <a:off x="4931510" y="6052429"/>
               <a:ext cx="63202" cy="63202"/>
             </a:xfrm>
             <a:custGeom>
@@ -33384,7 +33384,7 @@
           </p:nvSpPr>
           <p:spPr>
             <a:xfrm>
-              <a:off x="5034431" y="5902725"/>
+              <a:off x="4654067" y="5902709"/>
               <a:ext cx="63202" cy="63202"/>
             </a:xfrm>
             <a:custGeom>
@@ -33427,7 +33427,7 @@
           </p:nvSpPr>
           <p:spPr>
             <a:xfrm>
-              <a:off x="4484909" y="6049315"/>
+              <a:off x="5001786" y="6049315"/>
               <a:ext cx="63202" cy="63202"/>
             </a:xfrm>
             <a:custGeom>
@@ -33470,7 +33470,7 @@
           </p:nvSpPr>
           <p:spPr>
             <a:xfrm>
-              <a:off x="5119965" y="5998237"/>
+              <a:off x="4598468" y="5998221"/>
               <a:ext cx="63202" cy="63202"/>
             </a:xfrm>
             <a:custGeom>
@@ -33513,7 +33513,7 @@
           </p:nvSpPr>
           <p:spPr>
             <a:xfrm>
-              <a:off x="4527586" y="5863949"/>
+              <a:off x="4635673" y="5863964"/>
               <a:ext cx="63202" cy="63202"/>
             </a:xfrm>
             <a:custGeom>
@@ -33556,7 +33556,7 @@
           </p:nvSpPr>
           <p:spPr>
             <a:xfrm>
-              <a:off x="4892887" y="5871246"/>
+              <a:off x="4538382" y="5871242"/>
               <a:ext cx="63202" cy="63202"/>
             </a:xfrm>
             <a:custGeom>
@@ -33599,7 +33599,7 @@
           </p:nvSpPr>
           <p:spPr>
             <a:xfrm>
-              <a:off x="4719567" y="5860123"/>
+              <a:off x="5042857" y="5860134"/>
               <a:ext cx="63202" cy="63202"/>
             </a:xfrm>
             <a:custGeom>
@@ -33642,7 +33642,7 @@
           </p:nvSpPr>
           <p:spPr>
             <a:xfrm>
-              <a:off x="4880353" y="5925798"/>
+              <a:off x="4860102" y="5925770"/>
               <a:ext cx="63202" cy="63202"/>
             </a:xfrm>
             <a:custGeom>
@@ -33685,7 +33685,7 @@
           </p:nvSpPr>
           <p:spPr>
             <a:xfrm>
-              <a:off x="5150125" y="5870867"/>
+              <a:off x="4601313" y="5870844"/>
               <a:ext cx="63202" cy="63202"/>
             </a:xfrm>
             <a:custGeom>
@@ -33728,7 +33728,7 @@
           </p:nvSpPr>
           <p:spPr>
             <a:xfrm>
-              <a:off x="4662246" y="5927476"/>
+              <a:off x="4803467" y="5927476"/>
               <a:ext cx="63202" cy="63202"/>
             </a:xfrm>
             <a:custGeom>
@@ -33771,7 +33771,7 @@
           </p:nvSpPr>
           <p:spPr>
             <a:xfrm>
-              <a:off x="5093528" y="5932399"/>
+              <a:off x="4867458" y="5932410"/>
               <a:ext cx="63202" cy="63202"/>
             </a:xfrm>
             <a:custGeom>
@@ -33814,7 +33814,7 @@
           </p:nvSpPr>
           <p:spPr>
             <a:xfrm>
-              <a:off x="4867983" y="5926514"/>
+              <a:off x="4990253" y="5926496"/>
               <a:ext cx="63202" cy="63202"/>
             </a:xfrm>
             <a:custGeom>
@@ -33857,7 +33857,7 @@
           </p:nvSpPr>
           <p:spPr>
             <a:xfrm>
-              <a:off x="4508212" y="5926995"/>
+              <a:off x="4948761" y="5927016"/>
               <a:ext cx="63202" cy="63202"/>
             </a:xfrm>
             <a:custGeom>
@@ -33900,7 +33900,7 @@
           </p:nvSpPr>
           <p:spPr>
             <a:xfrm>
-              <a:off x="4572701" y="5888550"/>
+              <a:off x="4947467" y="5888543"/>
               <a:ext cx="63202" cy="63202"/>
             </a:xfrm>
             <a:custGeom>
@@ -33943,7 +33943,7 @@
           </p:nvSpPr>
           <p:spPr>
             <a:xfrm>
-              <a:off x="5147617" y="5925020"/>
+              <a:off x="5135790" y="5925021"/>
               <a:ext cx="63202" cy="63202"/>
             </a:xfrm>
             <a:custGeom>
@@ -33986,7 +33986,7 @@
           </p:nvSpPr>
           <p:spPr>
             <a:xfrm>
-              <a:off x="4919317" y="6043851"/>
+              <a:off x="4564398" y="6043839"/>
               <a:ext cx="63202" cy="63202"/>
             </a:xfrm>
             <a:custGeom>
@@ -34029,7 +34029,7 @@
           </p:nvSpPr>
           <p:spPr>
             <a:xfrm>
-              <a:off x="4978571" y="5870202"/>
+              <a:off x="4743193" y="5870225"/>
               <a:ext cx="63202" cy="63202"/>
             </a:xfrm>
             <a:custGeom>
@@ -34072,7 +34072,7 @@
           </p:nvSpPr>
           <p:spPr>
             <a:xfrm>
-              <a:off x="4700125" y="6197038"/>
+              <a:off x="4806153" y="6197015"/>
               <a:ext cx="63202" cy="63202"/>
             </a:xfrm>
             <a:custGeom>
@@ -34115,7 +34115,7 @@
           </p:nvSpPr>
           <p:spPr>
             <a:xfrm>
-              <a:off x="4999684" y="5907838"/>
+              <a:off x="4536437" y="5907831"/>
               <a:ext cx="63202" cy="63202"/>
             </a:xfrm>
             <a:custGeom>
@@ -34158,7 +34158,7 @@
           </p:nvSpPr>
           <p:spPr>
             <a:xfrm>
-              <a:off x="4973985" y="6119536"/>
+              <a:off x="4489514" y="6119543"/>
               <a:ext cx="63202" cy="63202"/>
             </a:xfrm>
             <a:custGeom>
@@ -34201,7 +34201,7 @@
           </p:nvSpPr>
           <p:spPr>
             <a:xfrm>
-              <a:off x="4485745" y="5959823"/>
+              <a:off x="5097217" y="5959837"/>
               <a:ext cx="63202" cy="63202"/>
             </a:xfrm>
             <a:custGeom>
@@ -34244,7 +34244,7 @@
           </p:nvSpPr>
           <p:spPr>
             <a:xfrm>
-              <a:off x="4602065" y="6154011"/>
+              <a:off x="4826878" y="6153986"/>
               <a:ext cx="63202" cy="63202"/>
             </a:xfrm>
             <a:custGeom>
@@ -34287,7 +34287,7 @@
           </p:nvSpPr>
           <p:spPr>
             <a:xfrm>
-              <a:off x="5150143" y="6086865"/>
+              <a:off x="4736212" y="6086851"/>
               <a:ext cx="63202" cy="63202"/>
             </a:xfrm>
             <a:custGeom>
@@ -34330,7 +34330,7 @@
           </p:nvSpPr>
           <p:spPr>
             <a:xfrm>
-              <a:off x="5102293" y="6260321"/>
+              <a:off x="5046122" y="6260321"/>
               <a:ext cx="63202" cy="63202"/>
             </a:xfrm>
             <a:custGeom>
@@ -34373,7 +34373,7 @@
           </p:nvSpPr>
           <p:spPr>
             <a:xfrm>
-              <a:off x="5133701" y="5865234"/>
+              <a:off x="4617775" y="5865207"/>
               <a:ext cx="63202" cy="63202"/>
             </a:xfrm>
             <a:custGeom>
@@ -34416,7 +34416,7 @@
           </p:nvSpPr>
           <p:spPr>
             <a:xfrm>
-              <a:off x="5154530" y="5865360"/>
+              <a:off x="4853622" y="5865355"/>
               <a:ext cx="63202" cy="63202"/>
             </a:xfrm>
             <a:custGeom>
@@ -34459,7 +34459,7 @@
           </p:nvSpPr>
           <p:spPr>
             <a:xfrm>
-              <a:off x="4815984" y="6175846"/>
+              <a:off x="5132464" y="6175813"/>
               <a:ext cx="63202" cy="63202"/>
             </a:xfrm>
             <a:custGeom>
@@ -34502,7 +34502,7 @@
           </p:nvSpPr>
           <p:spPr>
             <a:xfrm>
-              <a:off x="5078992" y="6112236"/>
+              <a:off x="4656926" y="6112206"/>
               <a:ext cx="63202" cy="63202"/>
             </a:xfrm>
             <a:custGeom>
@@ -34545,7 +34545,7 @@
           </p:nvSpPr>
           <p:spPr>
             <a:xfrm>
-              <a:off x="4866986" y="5998187"/>
+              <a:off x="4950976" y="5998181"/>
               <a:ext cx="63202" cy="63202"/>
             </a:xfrm>
             <a:custGeom>
@@ -34588,7 +34588,7 @@
           </p:nvSpPr>
           <p:spPr>
             <a:xfrm>
-              <a:off x="4985427" y="6068526"/>
+              <a:off x="5139331" y="6068492"/>
               <a:ext cx="63202" cy="63202"/>
             </a:xfrm>
             <a:custGeom>
@@ -34687,7 +34687,7 @@
           </p:nvSpPr>
           <p:spPr>
             <a:xfrm>
-              <a:off x="7192078" y="2815588"/>
+              <a:off x="7192078" y="2815585"/>
               <a:ext cx="2796732" cy="0"/>
             </a:xfrm>
             <a:custGeom>
@@ -34730,7 +34730,7 @@
           </p:nvSpPr>
           <p:spPr>
             <a:xfrm>
-              <a:off x="7192078" y="2361622"/>
+              <a:off x="7192078" y="2361618"/>
               <a:ext cx="2796732" cy="0"/>
             </a:xfrm>
             <a:custGeom>
@@ -34773,7 +34773,7 @@
           </p:nvSpPr>
           <p:spPr>
             <a:xfrm>
-              <a:off x="7192078" y="1907655"/>
+              <a:off x="7192078" y="1907651"/>
               <a:ext cx="2796732" cy="0"/>
             </a:xfrm>
             <a:custGeom>
@@ -34816,7 +34816,7 @@
           </p:nvSpPr>
           <p:spPr>
             <a:xfrm>
-              <a:off x="7192078" y="1453689"/>
+              <a:off x="7192078" y="1453685"/>
               <a:ext cx="2796732" cy="0"/>
             </a:xfrm>
             <a:custGeom>
@@ -34859,7 +34859,7 @@
           </p:nvSpPr>
           <p:spPr>
             <a:xfrm>
-              <a:off x="7192078" y="3042572"/>
+              <a:off x="7192078" y="3042568"/>
               <a:ext cx="2796732" cy="0"/>
             </a:xfrm>
             <a:custGeom>
@@ -34902,7 +34902,7 @@
           </p:nvSpPr>
           <p:spPr>
             <a:xfrm>
-              <a:off x="7192078" y="2588605"/>
+              <a:off x="7192078" y="2588601"/>
               <a:ext cx="2796732" cy="0"/>
             </a:xfrm>
             <a:custGeom>
@@ -34945,7 +34945,7 @@
           </p:nvSpPr>
           <p:spPr>
             <a:xfrm>
-              <a:off x="7192078" y="2134639"/>
+              <a:off x="7192078" y="2134635"/>
               <a:ext cx="2796732" cy="0"/>
             </a:xfrm>
             <a:custGeom>
@@ -34988,7 +34988,7 @@
           </p:nvSpPr>
           <p:spPr>
             <a:xfrm>
-              <a:off x="7192078" y="1680672"/>
+              <a:off x="7192078" y="1680668"/>
               <a:ext cx="2796732" cy="0"/>
             </a:xfrm>
             <a:custGeom>
@@ -35160,7 +35160,7 @@
           </p:nvSpPr>
           <p:spPr>
             <a:xfrm>
-              <a:off x="7801429" y="2813895"/>
+              <a:off x="8019296" y="2813886"/>
               <a:ext cx="63202" cy="63202"/>
             </a:xfrm>
             <a:custGeom>
@@ -35203,7 +35203,7 @@
           </p:nvSpPr>
           <p:spPr>
             <a:xfrm>
-              <a:off x="7451189" y="2585237"/>
+              <a:off x="7914326" y="2585248"/>
               <a:ext cx="63202" cy="63202"/>
             </a:xfrm>
             <a:custGeom>
@@ -35246,7 +35246,7 @@
           </p:nvSpPr>
           <p:spPr>
             <a:xfrm>
-              <a:off x="7774748" y="2552162"/>
+              <a:off x="7972408" y="2552159"/>
               <a:ext cx="63202" cy="63202"/>
             </a:xfrm>
             <a:custGeom>
@@ -35289,7 +35289,7 @@
           </p:nvSpPr>
           <p:spPr>
             <a:xfrm>
-              <a:off x="7621631" y="2556509"/>
+              <a:off x="7707023" y="2556498"/>
               <a:ext cx="63202" cy="63202"/>
             </a:xfrm>
             <a:custGeom>
@@ -35332,7 +35332,7 @@
           </p:nvSpPr>
           <p:spPr>
             <a:xfrm>
-              <a:off x="7571088" y="2550269"/>
+              <a:off x="7682656" y="2550278"/>
               <a:ext cx="63202" cy="63202"/>
             </a:xfrm>
             <a:custGeom>
@@ -35375,7 +35375,7 @@
           </p:nvSpPr>
           <p:spPr>
             <a:xfrm>
-              <a:off x="7691148" y="2269585"/>
+              <a:off x="7376510" y="2269579"/>
               <a:ext cx="63202" cy="63202"/>
             </a:xfrm>
             <a:custGeom>
@@ -35418,7 +35418,7 @@
           </p:nvSpPr>
           <p:spPr>
             <a:xfrm>
-              <a:off x="7919705" y="2573476"/>
+              <a:off x="7698349" y="2573482"/>
               <a:ext cx="63202" cy="63202"/>
             </a:xfrm>
             <a:custGeom>
@@ -35461,7 +35461,7 @@
           </p:nvSpPr>
           <p:spPr>
             <a:xfrm>
-              <a:off x="7353655" y="2583547"/>
+              <a:off x="7915542" y="2583569"/>
               <a:ext cx="63202" cy="63202"/>
             </a:xfrm>
             <a:custGeom>
@@ -35504,7 +35504,7 @@
           </p:nvSpPr>
           <p:spPr>
             <a:xfrm>
-              <a:off x="7666319" y="2549325"/>
+              <a:off x="7875692" y="2549339"/>
               <a:ext cx="63202" cy="63202"/>
             </a:xfrm>
             <a:custGeom>
@@ -35547,7 +35547,7 @@
           </p:nvSpPr>
           <p:spPr>
             <a:xfrm>
-              <a:off x="7892626" y="2548640"/>
+              <a:off x="8024244" y="2548637"/>
               <a:ext cx="63202" cy="63202"/>
             </a:xfrm>
             <a:custGeom>
@@ -35590,7 +35590,7 @@
           </p:nvSpPr>
           <p:spPr>
             <a:xfrm>
-              <a:off x="7666777" y="2574626"/>
+              <a:off x="7768983" y="2574618"/>
               <a:ext cx="63202" cy="63202"/>
             </a:xfrm>
             <a:custGeom>
@@ -35633,7 +35633,7 @@
           </p:nvSpPr>
           <p:spPr>
             <a:xfrm>
-              <a:off x="7958309" y="2659464"/>
+              <a:off x="7464369" y="2659460"/>
               <a:ext cx="63202" cy="63202"/>
             </a:xfrm>
             <a:custGeom>
@@ -35676,7 +35676,7 @@
           </p:nvSpPr>
           <p:spPr>
             <a:xfrm>
-              <a:off x="7701465" y="2579607"/>
+              <a:off x="7864271" y="2579615"/>
               <a:ext cx="63202" cy="63202"/>
             </a:xfrm>
             <a:custGeom>
@@ -35719,7 +35719,7 @@
           </p:nvSpPr>
           <p:spPr>
             <a:xfrm>
-              <a:off x="7803857" y="2585592"/>
+              <a:off x="7376243" y="2585583"/>
               <a:ext cx="63202" cy="63202"/>
             </a:xfrm>
             <a:custGeom>
@@ -35762,7 +35762,7 @@
           </p:nvSpPr>
           <p:spPr>
             <a:xfrm>
-              <a:off x="7665857" y="2573716"/>
+              <a:off x="7982303" y="2573701"/>
               <a:ext cx="63202" cy="63202"/>
             </a:xfrm>
             <a:custGeom>
@@ -35805,7 +35805,7 @@
           </p:nvSpPr>
           <p:spPr>
             <a:xfrm>
-              <a:off x="7919777" y="2582205"/>
+              <a:off x="7966477" y="2582201"/>
               <a:ext cx="63202" cy="63202"/>
             </a:xfrm>
             <a:custGeom>
@@ -35848,7 +35848,7 @@
           </p:nvSpPr>
           <p:spPr>
             <a:xfrm>
-              <a:off x="7360214" y="2572472"/>
+              <a:off x="7652209" y="2572497"/>
               <a:ext cx="63202" cy="63202"/>
             </a:xfrm>
             <a:custGeom>
@@ -35891,7 +35891,7 @@
           </p:nvSpPr>
           <p:spPr>
             <a:xfrm>
-              <a:off x="7968675" y="2557352"/>
+              <a:off x="7735675" y="2557346"/>
               <a:ext cx="63202" cy="63202"/>
             </a:xfrm>
             <a:custGeom>
@@ -35934,7 +35934,7 @@
           </p:nvSpPr>
           <p:spPr>
             <a:xfrm>
-              <a:off x="7970333" y="2578265"/>
+              <a:off x="7643227" y="2578244"/>
               <a:ext cx="63202" cy="63202"/>
             </a:xfrm>
             <a:custGeom>
@@ -35977,7 +35977,7 @@
           </p:nvSpPr>
           <p:spPr>
             <a:xfrm>
-              <a:off x="7507566" y="2671917"/>
+              <a:off x="7720319" y="2671905"/>
               <a:ext cx="63202" cy="63202"/>
             </a:xfrm>
             <a:custGeom>
@@ -36020,7 +36020,7 @@
           </p:nvSpPr>
           <p:spPr>
             <a:xfrm>
-              <a:off x="7528042" y="2548830"/>
+              <a:off x="7502191" y="2548832"/>
               <a:ext cx="63202" cy="63202"/>
             </a:xfrm>
             <a:custGeom>
@@ -36063,7 +36063,7 @@
           </p:nvSpPr>
           <p:spPr>
             <a:xfrm>
-              <a:off x="7920204" y="2552977"/>
+              <a:off x="7338719" y="2552944"/>
               <a:ext cx="63202" cy="63202"/>
             </a:xfrm>
             <a:custGeom>
@@ -36106,7 +36106,7 @@
           </p:nvSpPr>
           <p:spPr>
             <a:xfrm>
-              <a:off x="7780767" y="2585819"/>
+              <a:off x="7770606" y="2585809"/>
               <a:ext cx="63202" cy="63202"/>
             </a:xfrm>
             <a:custGeom>
@@ -36149,7 +36149,7 @@
           </p:nvSpPr>
           <p:spPr>
             <a:xfrm>
-              <a:off x="7612439" y="2572107"/>
+              <a:off x="7621068" y="2572120"/>
               <a:ext cx="63202" cy="63202"/>
             </a:xfrm>
             <a:custGeom>
@@ -36192,7 +36192,7 @@
           </p:nvSpPr>
           <p:spPr>
             <a:xfrm>
-              <a:off x="7884803" y="2576170"/>
+              <a:off x="7914389" y="2576166"/>
               <a:ext cx="63202" cy="63202"/>
             </a:xfrm>
             <a:custGeom>
@@ -36235,7 +36235,7 @@
           </p:nvSpPr>
           <p:spPr>
             <a:xfrm>
-              <a:off x="7666608" y="2574600"/>
+              <a:off x="7367467" y="2574625"/>
               <a:ext cx="63202" cy="63202"/>
             </a:xfrm>
             <a:custGeom>
@@ -36278,7 +36278,7 @@
           </p:nvSpPr>
           <p:spPr>
             <a:xfrm>
-              <a:off x="7755553" y="2256352"/>
+              <a:off x="7417148" y="2256328"/>
               <a:ext cx="63202" cy="63202"/>
             </a:xfrm>
             <a:custGeom>
@@ -36321,7 +36321,7 @@
           </p:nvSpPr>
           <p:spPr>
             <a:xfrm>
-              <a:off x="7357846" y="2583823"/>
+              <a:off x="7753642" y="2583813"/>
               <a:ext cx="63202" cy="63202"/>
             </a:xfrm>
             <a:custGeom>
@@ -36364,7 +36364,7 @@
           </p:nvSpPr>
           <p:spPr>
             <a:xfrm>
-              <a:off x="7418510" y="2683479"/>
+              <a:off x="7454998" y="2683479"/>
               <a:ext cx="63202" cy="63202"/>
             </a:xfrm>
             <a:custGeom>
@@ -36407,7 +36407,7 @@
           </p:nvSpPr>
           <p:spPr>
             <a:xfrm>
-              <a:off x="7778548" y="2572346"/>
+              <a:off x="7710335" y="2572347"/>
               <a:ext cx="63202" cy="63202"/>
             </a:xfrm>
             <a:custGeom>
@@ -36450,7 +36450,7 @@
           </p:nvSpPr>
           <p:spPr>
             <a:xfrm>
-              <a:off x="7614939" y="2256063"/>
+              <a:off x="7993383" y="2256051"/>
               <a:ext cx="63202" cy="63202"/>
             </a:xfrm>
             <a:custGeom>
@@ -36493,7 +36493,7 @@
           </p:nvSpPr>
           <p:spPr>
             <a:xfrm>
-              <a:off x="7647084" y="2553026"/>
+              <a:off x="7748334" y="2553005"/>
               <a:ext cx="63202" cy="63202"/>
             </a:xfrm>
             <a:custGeom>
@@ -36536,7 +36536,7 @@
           </p:nvSpPr>
           <p:spPr>
             <a:xfrm>
-              <a:off x="7430011" y="2562729"/>
+              <a:off x="7487245" y="2562722"/>
               <a:ext cx="63202" cy="63202"/>
             </a:xfrm>
             <a:custGeom>
@@ -36579,7 +36579,7 @@
           </p:nvSpPr>
           <p:spPr>
             <a:xfrm>
-              <a:off x="7490562" y="2555275"/>
+              <a:off x="8007311" y="2555262"/>
               <a:ext cx="63202" cy="63202"/>
             </a:xfrm>
             <a:custGeom>
@@ -36622,7 +36622,7 @@
           </p:nvSpPr>
           <p:spPr>
             <a:xfrm>
-              <a:off x="7665058" y="2557541"/>
+              <a:off x="7651711" y="2557558"/>
               <a:ext cx="63202" cy="63202"/>
             </a:xfrm>
             <a:custGeom>
@@ -36665,7 +36665,7 @@
           </p:nvSpPr>
           <p:spPr>
             <a:xfrm>
-              <a:off x="7392630" y="2557687"/>
+              <a:off x="7722002" y="2557696"/>
               <a:ext cx="63202" cy="63202"/>
             </a:xfrm>
             <a:custGeom>
@@ -36708,7 +36708,7 @@
           </p:nvSpPr>
           <p:spPr>
             <a:xfrm>
-              <a:off x="7689593" y="2557993"/>
+              <a:off x="7969387" y="2558002"/>
               <a:ext cx="63202" cy="63202"/>
             </a:xfrm>
             <a:custGeom>
@@ -36751,7 +36751,7 @@
           </p:nvSpPr>
           <p:spPr>
             <a:xfrm>
-              <a:off x="7618315" y="2559182"/>
+              <a:off x="7356027" y="2559168"/>
               <a:ext cx="63202" cy="63202"/>
             </a:xfrm>
             <a:custGeom>
@@ -36794,7 +36794,7 @@
           </p:nvSpPr>
           <p:spPr>
             <a:xfrm>
-              <a:off x="7435502" y="2553327"/>
+              <a:off x="7760554" y="2553315"/>
               <a:ext cx="63202" cy="63202"/>
             </a:xfrm>
             <a:custGeom>
@@ -36837,7 +36837,7 @@
           </p:nvSpPr>
           <p:spPr>
             <a:xfrm>
-              <a:off x="7656918" y="2592265"/>
+              <a:off x="7637992" y="2592286"/>
               <a:ext cx="63202" cy="63202"/>
             </a:xfrm>
             <a:custGeom>
@@ -36880,7 +36880,7 @@
           </p:nvSpPr>
           <p:spPr>
             <a:xfrm>
-              <a:off x="8010132" y="2568961"/>
+              <a:off x="7419184" y="2568943"/>
               <a:ext cx="63202" cy="63202"/>
             </a:xfrm>
             <a:custGeom>
@@ -36923,7 +36923,7 @@
           </p:nvSpPr>
           <p:spPr>
             <a:xfrm>
-              <a:off x="7878504" y="2555885"/>
+              <a:off x="7904251" y="2555851"/>
               <a:ext cx="63202" cy="63202"/>
             </a:xfrm>
             <a:custGeom>
@@ -36966,7 +36966,7 @@
           </p:nvSpPr>
           <p:spPr>
             <a:xfrm>
-              <a:off x="7633398" y="2622890"/>
+              <a:off x="7554682" y="2622859"/>
               <a:ext cx="63202" cy="63202"/>
             </a:xfrm>
             <a:custGeom>
@@ -37009,7 +37009,7 @@
           </p:nvSpPr>
           <p:spPr>
             <a:xfrm>
-              <a:off x="8003145" y="2469841"/>
+              <a:off x="7383196" y="2469855"/>
               <a:ext cx="63202" cy="63202"/>
             </a:xfrm>
             <a:custGeom>
@@ -37052,7 +37052,7 @@
           </p:nvSpPr>
           <p:spPr>
             <a:xfrm>
-              <a:off x="7436847" y="2555742"/>
+              <a:off x="8032074" y="2555743"/>
               <a:ext cx="63202" cy="63202"/>
             </a:xfrm>
             <a:custGeom>
@@ -37095,7 +37095,7 @@
           </p:nvSpPr>
           <p:spPr>
             <a:xfrm>
-              <a:off x="7592293" y="2557314"/>
+              <a:off x="7543087" y="2557329"/>
               <a:ext cx="63202" cy="63202"/>
             </a:xfrm>
             <a:custGeom>
@@ -37138,7 +37138,7 @@
           </p:nvSpPr>
           <p:spPr>
             <a:xfrm>
-              <a:off x="7759827" y="2556746"/>
+              <a:off x="7624971" y="2556737"/>
               <a:ext cx="63202" cy="63202"/>
             </a:xfrm>
             <a:custGeom>
@@ -37181,7 +37181,7 @@
           </p:nvSpPr>
           <p:spPr>
             <a:xfrm>
-              <a:off x="7469157" y="2557378"/>
+              <a:off x="7666683" y="2557376"/>
               <a:ext cx="63202" cy="63202"/>
             </a:xfrm>
             <a:custGeom>
@@ -37224,7 +37224,7 @@
           </p:nvSpPr>
           <p:spPr>
             <a:xfrm>
-              <a:off x="7790491" y="2550140"/>
+              <a:off x="7561949" y="2550129"/>
               <a:ext cx="63202" cy="63202"/>
             </a:xfrm>
             <a:custGeom>
@@ -37323,7 +37323,7 @@
           </p:nvSpPr>
           <p:spPr>
             <a:xfrm>
-              <a:off x="7192078" y="4740921"/>
+              <a:off x="7192078" y="4740917"/>
               <a:ext cx="2796732" cy="0"/>
             </a:xfrm>
             <a:custGeom>
@@ -37366,7 +37366,7 @@
           </p:nvSpPr>
           <p:spPr>
             <a:xfrm>
-              <a:off x="7192078" y="4286954"/>
+              <a:off x="7192078" y="4286951"/>
               <a:ext cx="2796732" cy="0"/>
             </a:xfrm>
             <a:custGeom>
@@ -37409,7 +37409,7 @@
           </p:nvSpPr>
           <p:spPr>
             <a:xfrm>
-              <a:off x="7192078" y="3832988"/>
+              <a:off x="7192078" y="3832984"/>
               <a:ext cx="2796732" cy="0"/>
             </a:xfrm>
             <a:custGeom>
@@ -37452,7 +37452,7 @@
           </p:nvSpPr>
           <p:spPr>
             <a:xfrm>
-              <a:off x="7192078" y="3379021"/>
+              <a:off x="7192078" y="3379017"/>
               <a:ext cx="2796732" cy="0"/>
             </a:xfrm>
             <a:custGeom>
@@ -37495,7 +37495,7 @@
           </p:nvSpPr>
           <p:spPr>
             <a:xfrm>
-              <a:off x="7192078" y="4967904"/>
+              <a:off x="7192078" y="4967901"/>
               <a:ext cx="2796732" cy="0"/>
             </a:xfrm>
             <a:custGeom>
@@ -37538,7 +37538,7 @@
           </p:nvSpPr>
           <p:spPr>
             <a:xfrm>
-              <a:off x="7192078" y="4513938"/>
+              <a:off x="7192078" y="4513934"/>
               <a:ext cx="2796732" cy="0"/>
             </a:xfrm>
             <a:custGeom>
@@ -37581,7 +37581,7 @@
           </p:nvSpPr>
           <p:spPr>
             <a:xfrm>
-              <a:off x="7192078" y="4059971"/>
+              <a:off x="7192078" y="4059967"/>
               <a:ext cx="2796732" cy="0"/>
             </a:xfrm>
             <a:custGeom>
@@ -37624,7 +37624,7 @@
           </p:nvSpPr>
           <p:spPr>
             <a:xfrm>
-              <a:off x="7192078" y="3606005"/>
+              <a:off x="7192078" y="3606001"/>
               <a:ext cx="2796732" cy="0"/>
             </a:xfrm>
             <a:custGeom>
@@ -37796,7 +37796,7 @@
           </p:nvSpPr>
           <p:spPr>
             <a:xfrm>
-              <a:off x="7920469" y="4442523"/>
+              <a:off x="7695216" y="4442518"/>
               <a:ext cx="63202" cy="63202"/>
             </a:xfrm>
             <a:custGeom>
@@ -37839,7 +37839,7 @@
           </p:nvSpPr>
           <p:spPr>
             <a:xfrm>
-              <a:off x="7689751" y="4365078"/>
+              <a:off x="7574911" y="4365060"/>
               <a:ext cx="63202" cy="63202"/>
             </a:xfrm>
             <a:custGeom>
@@ -37882,7 +37882,7 @@
           </p:nvSpPr>
           <p:spPr>
             <a:xfrm>
-              <a:off x="7921696" y="4516614"/>
+              <a:off x="7956726" y="4516597"/>
               <a:ext cx="63202" cy="63202"/>
             </a:xfrm>
             <a:custGeom>
@@ -37925,7 +37925,7 @@
           </p:nvSpPr>
           <p:spPr>
             <a:xfrm>
-              <a:off x="7343286" y="4441883"/>
+              <a:off x="7686731" y="4441870"/>
               <a:ext cx="63202" cy="63202"/>
             </a:xfrm>
             <a:custGeom>
@@ -37968,7 +37968,7 @@
           </p:nvSpPr>
           <p:spPr>
             <a:xfrm>
-              <a:off x="7706420" y="4504729"/>
+              <a:off x="7684273" y="4504698"/>
               <a:ext cx="63202" cy="63202"/>
             </a:xfrm>
             <a:custGeom>
@@ -38011,7 +38011,7 @@
           </p:nvSpPr>
           <p:spPr>
             <a:xfrm>
-              <a:off x="7496811" y="4407422"/>
+              <a:off x="7755731" y="4407438"/>
               <a:ext cx="63202" cy="63202"/>
             </a:xfrm>
             <a:custGeom>
@@ -38054,7 +38054,7 @@
           </p:nvSpPr>
           <p:spPr>
             <a:xfrm>
-              <a:off x="7827974" y="4388367"/>
+              <a:off x="7560160" y="4388344"/>
               <a:ext cx="63202" cy="63202"/>
             </a:xfrm>
             <a:custGeom>
@@ -38097,7 +38097,7 @@
           </p:nvSpPr>
           <p:spPr>
             <a:xfrm>
-              <a:off x="7995739" y="4445848"/>
+              <a:off x="7855127" y="4445846"/>
               <a:ext cx="63202" cy="63202"/>
             </a:xfrm>
             <a:custGeom>
@@ -38140,7 +38140,7 @@
           </p:nvSpPr>
           <p:spPr>
             <a:xfrm>
-              <a:off x="7410629" y="4475849"/>
+              <a:off x="7539774" y="4475828"/>
               <a:ext cx="63202" cy="63202"/>
             </a:xfrm>
             <a:custGeom>
@@ -38183,7 +38183,7 @@
           </p:nvSpPr>
           <p:spPr>
             <a:xfrm>
-              <a:off x="7676372" y="4371735"/>
+              <a:off x="8028933" y="4371755"/>
               <a:ext cx="63202" cy="63202"/>
             </a:xfrm>
             <a:custGeom>
@@ -38226,7 +38226,7 @@
           </p:nvSpPr>
           <p:spPr>
             <a:xfrm>
-              <a:off x="7641982" y="4356683"/>
+              <a:off x="7619946" y="4356664"/>
               <a:ext cx="63202" cy="63202"/>
             </a:xfrm>
             <a:custGeom>
@@ -38269,7 +38269,7 @@
           </p:nvSpPr>
           <p:spPr>
             <a:xfrm>
-              <a:off x="7972434" y="4415522"/>
+              <a:off x="8008736" y="4415523"/>
               <a:ext cx="63202" cy="63202"/>
             </a:xfrm>
             <a:custGeom>
@@ -38312,7 +38312,7 @@
           </p:nvSpPr>
           <p:spPr>
             <a:xfrm>
-              <a:off x="7824796" y="4357147"/>
+              <a:off x="7982716" y="4357145"/>
               <a:ext cx="63202" cy="63202"/>
             </a:xfrm>
             <a:custGeom>
@@ -38355,7 +38355,7 @@
           </p:nvSpPr>
           <p:spPr>
             <a:xfrm>
-              <a:off x="7613460" y="4387668"/>
+              <a:off x="7548449" y="4387668"/>
               <a:ext cx="63202" cy="63202"/>
             </a:xfrm>
             <a:custGeom>
@@ -39850,7 +39850,7 @@
           </p:nvSpPr>
           <p:spPr>
             <a:xfrm>
-              <a:off x="1334650" y="3000880"/>
+              <a:off x="1334650" y="3000877"/>
               <a:ext cx="62155" cy="81691"/>
             </a:xfrm>
             <a:prstGeom prst="rect">
@@ -39896,7 +39896,7 @@
           </p:nvSpPr>
           <p:spPr>
             <a:xfrm>
-              <a:off x="1148183" y="2546913"/>
+              <a:off x="1148183" y="2546910"/>
               <a:ext cx="248622" cy="81691"/>
             </a:xfrm>
             <a:prstGeom prst="rect">
@@ -39942,7 +39942,7 @@
           </p:nvSpPr>
           <p:spPr>
             <a:xfrm>
-              <a:off x="1148183" y="2092947"/>
+              <a:off x="1148183" y="2092943"/>
               <a:ext cx="248622" cy="81691"/>
             </a:xfrm>
             <a:prstGeom prst="rect">
@@ -39988,7 +39988,7 @@
           </p:nvSpPr>
           <p:spPr>
             <a:xfrm>
-              <a:off x="1148183" y="1638926"/>
+              <a:off x="1148183" y="1638922"/>
               <a:ext cx="248622" cy="81746"/>
             </a:xfrm>
             <a:prstGeom prst="rect">
@@ -40034,7 +40034,7 @@
           </p:nvSpPr>
           <p:spPr>
             <a:xfrm>
-              <a:off x="1424641" y="3042572"/>
+              <a:off x="1424641" y="3042568"/>
               <a:ext cx="34794" cy="0"/>
             </a:xfrm>
             <a:custGeom>
@@ -40074,7 +40074,7 @@
           </p:nvSpPr>
           <p:spPr>
             <a:xfrm>
-              <a:off x="1424641" y="2588605"/>
+              <a:off x="1424641" y="2588601"/>
               <a:ext cx="34794" cy="0"/>
             </a:xfrm>
             <a:custGeom>
@@ -40114,7 +40114,7 @@
           </p:nvSpPr>
           <p:spPr>
             <a:xfrm>
-              <a:off x="1424641" y="2134639"/>
+              <a:off x="1424641" y="2134635"/>
               <a:ext cx="34794" cy="0"/>
             </a:xfrm>
             <a:custGeom>
@@ -40154,7 +40154,7 @@
           </p:nvSpPr>
           <p:spPr>
             <a:xfrm>
-              <a:off x="1424641" y="1680672"/>
+              <a:off x="1424641" y="1680668"/>
               <a:ext cx="34794" cy="0"/>
             </a:xfrm>
             <a:custGeom>
@@ -40194,7 +40194,7 @@
           </p:nvSpPr>
           <p:spPr>
             <a:xfrm>
-              <a:off x="1334650" y="4926212"/>
+              <a:off x="1334650" y="4926209"/>
               <a:ext cx="62155" cy="81691"/>
             </a:xfrm>
             <a:prstGeom prst="rect">
@@ -40240,7 +40240,7 @@
           </p:nvSpPr>
           <p:spPr>
             <a:xfrm>
-              <a:off x="1148183" y="4472246"/>
+              <a:off x="1148183" y="4472242"/>
               <a:ext cx="248622" cy="81691"/>
             </a:xfrm>
             <a:prstGeom prst="rect">
@@ -40286,7 +40286,7 @@
           </p:nvSpPr>
           <p:spPr>
             <a:xfrm>
-              <a:off x="1148183" y="4018279"/>
+              <a:off x="1148183" y="4018276"/>
               <a:ext cx="248622" cy="81691"/>
             </a:xfrm>
             <a:prstGeom prst="rect">
@@ -40332,7 +40332,7 @@
           </p:nvSpPr>
           <p:spPr>
             <a:xfrm>
-              <a:off x="1148183" y="3564258"/>
+              <a:off x="1148183" y="3564254"/>
               <a:ext cx="248622" cy="81746"/>
             </a:xfrm>
             <a:prstGeom prst="rect">
@@ -40378,7 +40378,7 @@
           </p:nvSpPr>
           <p:spPr>
             <a:xfrm>
-              <a:off x="1424641" y="4967904"/>
+              <a:off x="1424641" y="4967901"/>
               <a:ext cx="34794" cy="0"/>
             </a:xfrm>
             <a:custGeom>
@@ -40418,7 +40418,7 @@
           </p:nvSpPr>
           <p:spPr>
             <a:xfrm>
-              <a:off x="1424641" y="4513938"/>
+              <a:off x="1424641" y="4513934"/>
               <a:ext cx="34794" cy="0"/>
             </a:xfrm>
             <a:custGeom>
@@ -40458,7 +40458,7 @@
           </p:nvSpPr>
           <p:spPr>
             <a:xfrm>
-              <a:off x="1424641" y="4059971"/>
+              <a:off x="1424641" y="4059967"/>
               <a:ext cx="34794" cy="0"/>
             </a:xfrm>
             <a:custGeom>
@@ -40498,7 +40498,7 @@
           </p:nvSpPr>
           <p:spPr>
             <a:xfrm>
-              <a:off x="1424641" y="3606005"/>
+              <a:off x="1424641" y="3606001"/>
               <a:ext cx="34794" cy="0"/>
             </a:xfrm>
             <a:custGeom>
@@ -40538,7 +40538,7 @@
           </p:nvSpPr>
           <p:spPr>
             <a:xfrm>
-              <a:off x="1334650" y="6851545"/>
+              <a:off x="1334650" y="6851542"/>
               <a:ext cx="62155" cy="81691"/>
             </a:xfrm>
             <a:prstGeom prst="rect">
@@ -40584,7 +40584,7 @@
           </p:nvSpPr>
           <p:spPr>
             <a:xfrm>
-              <a:off x="1148183" y="6397578"/>
+              <a:off x="1148183" y="6397575"/>
               <a:ext cx="248622" cy="81691"/>
             </a:xfrm>
             <a:prstGeom prst="rect">
@@ -40630,7 +40630,7 @@
           </p:nvSpPr>
           <p:spPr>
             <a:xfrm>
-              <a:off x="1148183" y="5943612"/>
+              <a:off x="1148183" y="5943608"/>
               <a:ext cx="248622" cy="81691"/>
             </a:xfrm>
             <a:prstGeom prst="rect">
@@ -40676,7 +40676,7 @@
           </p:nvSpPr>
           <p:spPr>
             <a:xfrm>
-              <a:off x="1148183" y="5489591"/>
+              <a:off x="1148183" y="5489587"/>
               <a:ext cx="248622" cy="81746"/>
             </a:xfrm>
             <a:prstGeom prst="rect">
@@ -40722,7 +40722,7 @@
           </p:nvSpPr>
           <p:spPr>
             <a:xfrm>
-              <a:off x="1424641" y="6893237"/>
+              <a:off x="1424641" y="6893233"/>
               <a:ext cx="34794" cy="0"/>
             </a:xfrm>
             <a:custGeom>
@@ -40762,7 +40762,7 @@
           </p:nvSpPr>
           <p:spPr>
             <a:xfrm>
-              <a:off x="1424641" y="6439270"/>
+              <a:off x="1424641" y="6439267"/>
               <a:ext cx="34794" cy="0"/>
             </a:xfrm>
             <a:custGeom>
@@ -40802,7 +40802,7 @@
           </p:nvSpPr>
           <p:spPr>
             <a:xfrm>
-              <a:off x="1424641" y="5985304"/>
+              <a:off x="1424641" y="5985300"/>
               <a:ext cx="34794" cy="0"/>
             </a:xfrm>
             <a:custGeom>
@@ -40842,7 +40842,7 @@
           </p:nvSpPr>
           <p:spPr>
             <a:xfrm>
-              <a:off x="1424641" y="5531337"/>
+              <a:off x="1424641" y="5531333"/>
               <a:ext cx="34794" cy="0"/>
             </a:xfrm>
             <a:custGeom>

--- a/Images/Figures_PPT/Jitter_Plot_TOR_All.pptx
+++ b/Images/Figures_PPT/Jitter_Plot_TOR_All.pptx
@@ -2359,7 +2359,7 @@
           </p:nvSpPr>
           <p:spPr>
             <a:xfrm>
-              <a:off x="1459435" y="2815585"/>
+              <a:off x="1459435" y="2815603"/>
               <a:ext cx="2796732" cy="0"/>
             </a:xfrm>
             <a:custGeom>
@@ -2402,7 +2402,7 @@
           </p:nvSpPr>
           <p:spPr>
             <a:xfrm>
-              <a:off x="1459435" y="2361618"/>
+              <a:off x="1459435" y="2361625"/>
               <a:ext cx="2796732" cy="0"/>
             </a:xfrm>
             <a:custGeom>
@@ -2445,7 +2445,7 @@
           </p:nvSpPr>
           <p:spPr>
             <a:xfrm>
-              <a:off x="1459435" y="1907651"/>
+              <a:off x="1459435" y="1907646"/>
               <a:ext cx="2796732" cy="0"/>
             </a:xfrm>
             <a:custGeom>
@@ -2488,7 +2488,7 @@
           </p:nvSpPr>
           <p:spPr>
             <a:xfrm>
-              <a:off x="1459435" y="1453685"/>
+              <a:off x="1459435" y="1453668"/>
               <a:ext cx="2796732" cy="0"/>
             </a:xfrm>
             <a:custGeom>
@@ -2531,7 +2531,7 @@
           </p:nvSpPr>
           <p:spPr>
             <a:xfrm>
-              <a:off x="1459435" y="3042568"/>
+              <a:off x="1459435" y="3042592"/>
               <a:ext cx="2796732" cy="0"/>
             </a:xfrm>
             <a:custGeom>
@@ -2574,7 +2574,7 @@
           </p:nvSpPr>
           <p:spPr>
             <a:xfrm>
-              <a:off x="1459435" y="2588601"/>
+              <a:off x="1459435" y="2588614"/>
               <a:ext cx="2796732" cy="0"/>
             </a:xfrm>
             <a:custGeom>
@@ -2660,7 +2660,7 @@
           </p:nvSpPr>
           <p:spPr>
             <a:xfrm>
-              <a:off x="1459435" y="1680668"/>
+              <a:off x="1459435" y="1680657"/>
               <a:ext cx="2796732" cy="0"/>
             </a:xfrm>
             <a:custGeom>
@@ -2832,7 +2832,7 @@
           </p:nvSpPr>
           <p:spPr>
             <a:xfrm>
-              <a:off x="2960145" y="2907109"/>
+              <a:off x="3076250" y="2907130"/>
               <a:ext cx="63202" cy="63202"/>
             </a:xfrm>
             <a:custGeom>
@@ -2875,7 +2875,7 @@
           </p:nvSpPr>
           <p:spPr>
             <a:xfrm>
-              <a:off x="2235993" y="2419715"/>
+              <a:off x="2273364" y="2419737"/>
               <a:ext cx="63202" cy="63202"/>
             </a:xfrm>
             <a:custGeom>
@@ -2918,7 +2918,7 @@
           </p:nvSpPr>
           <p:spPr>
             <a:xfrm>
-              <a:off x="1958119" y="2585719"/>
+              <a:off x="1724404" y="2585766"/>
               <a:ext cx="63202" cy="63202"/>
             </a:xfrm>
             <a:custGeom>
@@ -2961,7 +2961,7 @@
           </p:nvSpPr>
           <p:spPr>
             <a:xfrm>
-              <a:off x="2995312" y="2899655"/>
+              <a:off x="2548570" y="2899669"/>
               <a:ext cx="63202" cy="63202"/>
             </a:xfrm>
             <a:custGeom>
@@ -3004,7 +3004,7 @@
           </p:nvSpPr>
           <p:spPr>
             <a:xfrm>
-              <a:off x="2037044" y="2784207"/>
+              <a:off x="1878216" y="2784212"/>
               <a:ext cx="63202" cy="63202"/>
             </a:xfrm>
             <a:custGeom>
@@ -3047,7 +3047,7 @@
           </p:nvSpPr>
           <p:spPr>
             <a:xfrm>
-              <a:off x="2284920" y="2808329"/>
+              <a:off x="2188318" y="2808327"/>
               <a:ext cx="63202" cy="63202"/>
             </a:xfrm>
             <a:custGeom>
@@ -3090,7 +3090,7 @@
           </p:nvSpPr>
           <p:spPr>
             <a:xfrm>
-              <a:off x="1698075" y="2359951"/>
+              <a:off x="1722483" y="2359937"/>
               <a:ext cx="63202" cy="63202"/>
             </a:xfrm>
             <a:custGeom>
@@ -3133,7 +3133,7 @@
           </p:nvSpPr>
           <p:spPr>
             <a:xfrm>
-              <a:off x="2118975" y="2513658"/>
+              <a:off x="1838823" y="2513652"/>
               <a:ext cx="63202" cy="63202"/>
             </a:xfrm>
             <a:custGeom>
@@ -3176,7 +3176,7 @@
           </p:nvSpPr>
           <p:spPr>
             <a:xfrm>
-              <a:off x="2298030" y="2680932"/>
+              <a:off x="1752617" y="2680939"/>
               <a:ext cx="63202" cy="63202"/>
             </a:xfrm>
             <a:custGeom>
@@ -3219,7 +3219,7 @@
           </p:nvSpPr>
           <p:spPr>
             <a:xfrm>
-              <a:off x="1642806" y="2485507"/>
+              <a:off x="1877077" y="2485495"/>
               <a:ext cx="63202" cy="63202"/>
             </a:xfrm>
             <a:custGeom>
@@ -3262,7 +3262,7 @@
           </p:nvSpPr>
           <p:spPr>
             <a:xfrm>
-              <a:off x="1707969" y="2799378"/>
+              <a:off x="2131445" y="2799376"/>
               <a:ext cx="63202" cy="63202"/>
             </a:xfrm>
             <a:custGeom>
@@ -3305,7 +3305,7 @@
           </p:nvSpPr>
           <p:spPr>
             <a:xfrm>
-              <a:off x="3097510" y="2935457"/>
+              <a:off x="3119141" y="2935495"/>
               <a:ext cx="63202" cy="63202"/>
             </a:xfrm>
             <a:custGeom>
@@ -3348,7 +3348,7 @@
           </p:nvSpPr>
           <p:spPr>
             <a:xfrm>
-              <a:off x="2289519" y="2513323"/>
+              <a:off x="2201394" y="2513341"/>
               <a:ext cx="63202" cy="63202"/>
             </a:xfrm>
             <a:custGeom>
@@ -3391,7 +3391,7 @@
           </p:nvSpPr>
           <p:spPr>
             <a:xfrm>
-              <a:off x="1774333" y="2807714"/>
+              <a:off x="2157892" y="2807742"/>
               <a:ext cx="63202" cy="63202"/>
             </a:xfrm>
             <a:custGeom>
@@ -3434,7 +3434,7 @@
           </p:nvSpPr>
           <p:spPr>
             <a:xfrm>
-              <a:off x="1770430" y="2701758"/>
+              <a:off x="2146355" y="2701787"/>
               <a:ext cx="63202" cy="63202"/>
             </a:xfrm>
             <a:custGeom>
@@ -3477,7 +3477,7 @@
           </p:nvSpPr>
           <p:spPr>
             <a:xfrm>
-              <a:off x="1692589" y="2680931"/>
+              <a:off x="2044253" y="2680934"/>
               <a:ext cx="63202" cy="63202"/>
             </a:xfrm>
             <a:custGeom>
@@ -3520,7 +3520,7 @@
           </p:nvSpPr>
           <p:spPr>
             <a:xfrm>
-              <a:off x="2274079" y="2808741"/>
+              <a:off x="1681275" y="2808738"/>
               <a:ext cx="63202" cy="63202"/>
             </a:xfrm>
             <a:custGeom>
@@ -3563,7 +3563,7 @@
           </p:nvSpPr>
           <p:spPr>
             <a:xfrm>
-              <a:off x="2920165" y="2929491"/>
+              <a:off x="3054492" y="2929507"/>
               <a:ext cx="63202" cy="63202"/>
             </a:xfrm>
             <a:custGeom>
@@ -3606,7 +3606,7 @@
           </p:nvSpPr>
           <p:spPr>
             <a:xfrm>
-              <a:off x="1871440" y="2859513"/>
+              <a:off x="1765248" y="2859544"/>
               <a:ext cx="63202" cy="63202"/>
             </a:xfrm>
             <a:custGeom>
@@ -3649,7 +3649,7 @@
           </p:nvSpPr>
           <p:spPr>
             <a:xfrm>
-              <a:off x="1643581" y="2485503"/>
+              <a:off x="1713188" y="2485523"/>
               <a:ext cx="63202" cy="63202"/>
             </a:xfrm>
             <a:custGeom>
@@ -3692,7 +3692,7 @@
           </p:nvSpPr>
           <p:spPr>
             <a:xfrm>
-              <a:off x="1725568" y="2666777"/>
+              <a:off x="2183025" y="2666798"/>
               <a:ext cx="63202" cy="63202"/>
             </a:xfrm>
             <a:custGeom>
@@ -3735,7 +3735,7 @@
           </p:nvSpPr>
           <p:spPr>
             <a:xfrm>
-              <a:off x="1699413" y="2809617"/>
+              <a:off x="1783122" y="2809633"/>
               <a:ext cx="63202" cy="63202"/>
             </a:xfrm>
             <a:custGeom>
@@ -3778,7 +3778,7 @@
           </p:nvSpPr>
           <p:spPr>
             <a:xfrm>
-              <a:off x="1648202" y="2514253"/>
+              <a:off x="1816228" y="2514261"/>
               <a:ext cx="63202" cy="63202"/>
             </a:xfrm>
             <a:custGeom>
@@ -3821,7 +3821,7 @@
           </p:nvSpPr>
           <p:spPr>
             <a:xfrm>
-              <a:off x="2299656" y="2821383"/>
+              <a:off x="1652935" y="2821421"/>
               <a:ext cx="63202" cy="63202"/>
             </a:xfrm>
             <a:custGeom>
@@ -3864,7 +3864,7 @@
           </p:nvSpPr>
           <p:spPr>
             <a:xfrm>
-              <a:off x="1681532" y="2768730"/>
+              <a:off x="2289064" y="2768766"/>
               <a:ext cx="63202" cy="63202"/>
             </a:xfrm>
             <a:custGeom>
@@ -3907,7 +3907,7 @@
           </p:nvSpPr>
           <p:spPr>
             <a:xfrm>
-              <a:off x="2289412" y="2680708"/>
+              <a:off x="2154775" y="2680724"/>
               <a:ext cx="63202" cy="63202"/>
             </a:xfrm>
             <a:custGeom>
@@ -3950,7 +3950,7 @@
           </p:nvSpPr>
           <p:spPr>
             <a:xfrm>
-              <a:off x="1824280" y="2681331"/>
+              <a:off x="1604917" y="2681353"/>
               <a:ext cx="63202" cy="63202"/>
             </a:xfrm>
             <a:custGeom>
@@ -3993,7 +3993,7 @@
           </p:nvSpPr>
           <p:spPr>
             <a:xfrm>
-              <a:off x="2120429" y="2681173"/>
+              <a:off x="1849739" y="2681175"/>
               <a:ext cx="63202" cy="63202"/>
             </a:xfrm>
             <a:custGeom>
@@ -4036,7 +4036,7 @@
           </p:nvSpPr>
           <p:spPr>
             <a:xfrm>
-              <a:off x="2121817" y="2681487"/>
+              <a:off x="1613925" y="2681503"/>
               <a:ext cx="63202" cy="63202"/>
             </a:xfrm>
             <a:custGeom>
@@ -4079,7 +4079,7 @@
           </p:nvSpPr>
           <p:spPr>
             <a:xfrm>
-              <a:off x="2091590" y="2680257"/>
+              <a:off x="1904567" y="2680276"/>
               <a:ext cx="63202" cy="63202"/>
             </a:xfrm>
             <a:custGeom>
@@ -4122,7 +4122,7 @@
           </p:nvSpPr>
           <p:spPr>
             <a:xfrm>
-              <a:off x="2138461" y="2681214"/>
+              <a:off x="2179160" y="2681234"/>
               <a:ext cx="63202" cy="63202"/>
             </a:xfrm>
             <a:custGeom>
@@ -4165,7 +4165,7 @@
           </p:nvSpPr>
           <p:spPr>
             <a:xfrm>
-              <a:off x="2111328" y="2680248"/>
+              <a:off x="1728613" y="2680281"/>
               <a:ext cx="63202" cy="63202"/>
             </a:xfrm>
             <a:custGeom>
@@ -4208,7 +4208,7 @@
           </p:nvSpPr>
           <p:spPr>
             <a:xfrm>
-              <a:off x="1803796" y="2679660"/>
+              <a:off x="2230425" y="2679680"/>
               <a:ext cx="63202" cy="63202"/>
             </a:xfrm>
             <a:custGeom>
@@ -4251,7 +4251,7 @@
           </p:nvSpPr>
           <p:spPr>
             <a:xfrm>
-              <a:off x="2241867" y="2680925"/>
+              <a:off x="1834867" y="2680941"/>
               <a:ext cx="63202" cy="63202"/>
             </a:xfrm>
             <a:custGeom>
@@ -4294,7 +4294,7 @@
           </p:nvSpPr>
           <p:spPr>
             <a:xfrm>
-              <a:off x="2248204" y="2865326"/>
+              <a:off x="2203434" y="2865337"/>
               <a:ext cx="63202" cy="63202"/>
             </a:xfrm>
             <a:custGeom>
@@ -4337,7 +4337,7 @@
           </p:nvSpPr>
           <p:spPr>
             <a:xfrm>
-              <a:off x="2557633" y="2883264"/>
+              <a:off x="3034410" y="2883271"/>
               <a:ext cx="63202" cy="63202"/>
             </a:xfrm>
             <a:custGeom>
@@ -4380,7 +4380,7 @@
           </p:nvSpPr>
           <p:spPr>
             <a:xfrm>
-              <a:off x="3044266" y="2913189"/>
+              <a:off x="2843406" y="2913192"/>
               <a:ext cx="63202" cy="63202"/>
             </a:xfrm>
             <a:custGeom>
@@ -4423,7 +4423,7 @@
           </p:nvSpPr>
           <p:spPr>
             <a:xfrm>
-              <a:off x="3561090" y="2950410"/>
+              <a:off x="3618460" y="2950414"/>
               <a:ext cx="63202" cy="63202"/>
             </a:xfrm>
             <a:custGeom>
@@ -4466,7 +4466,7 @@
           </p:nvSpPr>
           <p:spPr>
             <a:xfrm>
-              <a:off x="3172699" y="2926788"/>
+              <a:off x="2504420" y="2926829"/>
               <a:ext cx="63202" cy="63202"/>
             </a:xfrm>
             <a:custGeom>
@@ -4509,7 +4509,7 @@
           </p:nvSpPr>
           <p:spPr>
             <a:xfrm>
-              <a:off x="2726971" y="2897080"/>
+              <a:off x="2884913" y="2897086"/>
               <a:ext cx="63202" cy="63202"/>
             </a:xfrm>
             <a:custGeom>
@@ -4552,7 +4552,7 @@
           </p:nvSpPr>
           <p:spPr>
             <a:xfrm>
-              <a:off x="3004438" y="2933172"/>
+              <a:off x="2816569" y="2933196"/>
               <a:ext cx="63202" cy="63202"/>
             </a:xfrm>
             <a:custGeom>
@@ -4595,7 +4595,7 @@
           </p:nvSpPr>
           <p:spPr>
             <a:xfrm>
-              <a:off x="2206855" y="2475190"/>
+              <a:off x="1943823" y="2475208"/>
               <a:ext cx="63202" cy="63202"/>
             </a:xfrm>
             <a:custGeom>
@@ -4638,7 +4638,7 @@
           </p:nvSpPr>
           <p:spPr>
             <a:xfrm>
-              <a:off x="3132235" y="2880013"/>
+              <a:off x="2590812" y="2880004"/>
               <a:ext cx="63202" cy="63202"/>
             </a:xfrm>
             <a:custGeom>
@@ -4681,7 +4681,7 @@
           </p:nvSpPr>
           <p:spPr>
             <a:xfrm>
-              <a:off x="1871883" y="2856484"/>
+              <a:off x="2091061" y="2856501"/>
               <a:ext cx="63202" cy="63202"/>
             </a:xfrm>
             <a:custGeom>
@@ -4724,7 +4724,7 @@
           </p:nvSpPr>
           <p:spPr>
             <a:xfrm>
-              <a:off x="1815353" y="2564371"/>
+              <a:off x="2226966" y="2564356"/>
               <a:ext cx="63202" cy="63202"/>
             </a:xfrm>
             <a:custGeom>
@@ -4767,7 +4767,7 @@
           </p:nvSpPr>
           <p:spPr>
             <a:xfrm>
-              <a:off x="1671119" y="2808782"/>
+              <a:off x="1812036" y="2808807"/>
               <a:ext cx="63202" cy="63202"/>
             </a:xfrm>
             <a:custGeom>
@@ -4810,7 +4810,7 @@
           </p:nvSpPr>
           <p:spPr>
             <a:xfrm>
-              <a:off x="2092463" y="2803634"/>
+              <a:off x="1827035" y="2803657"/>
               <a:ext cx="63202" cy="63202"/>
             </a:xfrm>
             <a:custGeom>
@@ -4853,7 +4853,7 @@
           </p:nvSpPr>
           <p:spPr>
             <a:xfrm>
-              <a:off x="2042874" y="2813201"/>
+              <a:off x="2268562" y="2813224"/>
               <a:ext cx="63202" cy="63202"/>
             </a:xfrm>
             <a:custGeom>
@@ -4896,7 +4896,7 @@
           </p:nvSpPr>
           <p:spPr>
             <a:xfrm>
-              <a:off x="2240261" y="2809505"/>
+              <a:off x="1777236" y="2809523"/>
               <a:ext cx="63202" cy="63202"/>
             </a:xfrm>
             <a:custGeom>
@@ -4939,7 +4939,7 @@
           </p:nvSpPr>
           <p:spPr>
             <a:xfrm>
-              <a:off x="1974145" y="2862613"/>
+              <a:off x="1981561" y="2862645"/>
               <a:ext cx="63202" cy="63202"/>
             </a:xfrm>
             <a:custGeom>
@@ -4982,7 +4982,7 @@
           </p:nvSpPr>
           <p:spPr>
             <a:xfrm>
-              <a:off x="1938538" y="2644793"/>
+              <a:off x="2217667" y="2644803"/>
               <a:ext cx="63202" cy="63202"/>
             </a:xfrm>
             <a:custGeom>
@@ -5025,7 +5025,7 @@
           </p:nvSpPr>
           <p:spPr>
             <a:xfrm>
-              <a:off x="1912284" y="2639402"/>
+              <a:off x="1662864" y="2639421"/>
               <a:ext cx="63202" cy="63202"/>
             </a:xfrm>
             <a:custGeom>
@@ -5068,7 +5068,7 @@
           </p:nvSpPr>
           <p:spPr>
             <a:xfrm>
-              <a:off x="2000956" y="2865095"/>
+              <a:off x="2054300" y="2865136"/>
               <a:ext cx="63202" cy="63202"/>
             </a:xfrm>
             <a:custGeom>
@@ -5111,7 +5111,7 @@
           </p:nvSpPr>
           <p:spPr>
             <a:xfrm>
-              <a:off x="2961201" y="2932756"/>
+              <a:off x="3082241" y="2932770"/>
               <a:ext cx="63202" cy="63202"/>
             </a:xfrm>
             <a:custGeom>
@@ -5154,7 +5154,7 @@
           </p:nvSpPr>
           <p:spPr>
             <a:xfrm>
-              <a:off x="2228568" y="2806049"/>
+              <a:off x="2054422" y="2806061"/>
               <a:ext cx="63202" cy="63202"/>
             </a:xfrm>
             <a:custGeom>
@@ -5197,7 +5197,7 @@
           </p:nvSpPr>
           <p:spPr>
             <a:xfrm>
-              <a:off x="1645702" y="2808855"/>
+              <a:off x="2183447" y="2808871"/>
               <a:ext cx="63202" cy="63202"/>
             </a:xfrm>
             <a:custGeom>
@@ -5240,7 +5240,7 @@
           </p:nvSpPr>
           <p:spPr>
             <a:xfrm>
-              <a:off x="1772240" y="2811073"/>
+              <a:off x="2122131" y="2811088"/>
               <a:ext cx="63202" cy="63202"/>
             </a:xfrm>
             <a:custGeom>
@@ -5283,7 +5283,7 @@
           </p:nvSpPr>
           <p:spPr>
             <a:xfrm>
-              <a:off x="1735276" y="2808921"/>
+              <a:off x="2006476" y="2808926"/>
               <a:ext cx="63202" cy="63202"/>
             </a:xfrm>
             <a:custGeom>
@@ -5326,7 +5326,7 @@
           </p:nvSpPr>
           <p:spPr>
             <a:xfrm>
-              <a:off x="2051113" y="2688688"/>
+              <a:off x="1861395" y="2688726"/>
               <a:ext cx="63202" cy="63202"/>
             </a:xfrm>
             <a:custGeom>
@@ -5369,7 +5369,7 @@
           </p:nvSpPr>
           <p:spPr>
             <a:xfrm>
-              <a:off x="1758908" y="2485448"/>
+              <a:off x="1734674" y="2485477"/>
               <a:ext cx="63202" cy="63202"/>
             </a:xfrm>
             <a:custGeom>
@@ -5412,7 +5412,7 @@
           </p:nvSpPr>
           <p:spPr>
             <a:xfrm>
-              <a:off x="1922555" y="2475648"/>
+              <a:off x="1621101" y="2475676"/>
               <a:ext cx="63202" cy="63202"/>
             </a:xfrm>
             <a:custGeom>
@@ -5455,7 +5455,7 @@
           </p:nvSpPr>
           <p:spPr>
             <a:xfrm>
-              <a:off x="1997893" y="2796114"/>
+              <a:off x="2239172" y="2796125"/>
               <a:ext cx="63202" cy="63202"/>
             </a:xfrm>
             <a:custGeom>
@@ -5498,7 +5498,7 @@
           </p:nvSpPr>
           <p:spPr>
             <a:xfrm>
-              <a:off x="2563120" y="2875760"/>
+              <a:off x="3170594" y="2875797"/>
               <a:ext cx="63202" cy="63202"/>
             </a:xfrm>
             <a:custGeom>
@@ -5541,7 +5541,7 @@
           </p:nvSpPr>
           <p:spPr>
             <a:xfrm>
-              <a:off x="3025288" y="2897351"/>
+              <a:off x="2974297" y="2897349"/>
               <a:ext cx="63202" cy="63202"/>
             </a:xfrm>
             <a:custGeom>
@@ -5584,7 +5584,7 @@
           </p:nvSpPr>
           <p:spPr>
             <a:xfrm>
-              <a:off x="1847847" y="2858698"/>
+              <a:off x="1791515" y="2858742"/>
               <a:ext cx="63202" cy="63202"/>
             </a:xfrm>
             <a:custGeom>
@@ -5627,7 +5627,7 @@
           </p:nvSpPr>
           <p:spPr>
             <a:xfrm>
-              <a:off x="1694098" y="2793577"/>
+              <a:off x="2179901" y="2793594"/>
               <a:ext cx="63202" cy="63202"/>
             </a:xfrm>
             <a:custGeom>
@@ -5670,7 +5670,7 @@
           </p:nvSpPr>
           <p:spPr>
             <a:xfrm>
-              <a:off x="2084660" y="2851837"/>
+              <a:off x="1639382" y="2851859"/>
               <a:ext cx="63202" cy="63202"/>
             </a:xfrm>
             <a:custGeom>
@@ -5713,7 +5713,7 @@
           </p:nvSpPr>
           <p:spPr>
             <a:xfrm>
-              <a:off x="1910792" y="2858575"/>
+              <a:off x="2280577" y="2858595"/>
               <a:ext cx="63202" cy="63202"/>
             </a:xfrm>
             <a:custGeom>
@@ -5756,7 +5756,7 @@
           </p:nvSpPr>
           <p:spPr>
             <a:xfrm>
-              <a:off x="2284218" y="2809639"/>
+              <a:off x="1903151" y="2809644"/>
               <a:ext cx="63202" cy="63202"/>
             </a:xfrm>
             <a:custGeom>
@@ -5799,7 +5799,7 @@
           </p:nvSpPr>
           <p:spPr>
             <a:xfrm>
-              <a:off x="2164597" y="2812399"/>
+              <a:off x="1980973" y="2812407"/>
               <a:ext cx="63202" cy="63202"/>
             </a:xfrm>
             <a:custGeom>
@@ -5842,7 +5842,7 @@
           </p:nvSpPr>
           <p:spPr>
             <a:xfrm>
-              <a:off x="3007753" y="2876064"/>
+              <a:off x="3153375" y="2876058"/>
               <a:ext cx="63202" cy="63202"/>
             </a:xfrm>
             <a:custGeom>
@@ -5885,7 +5885,7 @@
           </p:nvSpPr>
           <p:spPr>
             <a:xfrm>
-              <a:off x="1936852" y="2472032"/>
+              <a:off x="1985038" y="2472026"/>
               <a:ext cx="63202" cy="63202"/>
             </a:xfrm>
             <a:custGeom>
@@ -5928,7 +5928,7 @@
           </p:nvSpPr>
           <p:spPr>
             <a:xfrm>
-              <a:off x="2221177" y="2473503"/>
+              <a:off x="1749038" y="2473514"/>
               <a:ext cx="63202" cy="63202"/>
             </a:xfrm>
             <a:custGeom>
@@ -5971,7 +5971,7 @@
           </p:nvSpPr>
           <p:spPr>
             <a:xfrm>
-              <a:off x="1815621" y="2476282"/>
+              <a:off x="2223084" y="2476296"/>
               <a:ext cx="63202" cy="63202"/>
             </a:xfrm>
             <a:custGeom>
@@ -6014,7 +6014,7 @@
           </p:nvSpPr>
           <p:spPr>
             <a:xfrm>
-              <a:off x="2122505" y="2817638"/>
+              <a:off x="1881344" y="2817650"/>
               <a:ext cx="63202" cy="63202"/>
             </a:xfrm>
             <a:custGeom>
@@ -6057,7 +6057,7 @@
           </p:nvSpPr>
           <p:spPr>
             <a:xfrm>
-              <a:off x="2125067" y="2817810"/>
+              <a:off x="2150689" y="2817834"/>
               <a:ext cx="63202" cy="63202"/>
             </a:xfrm>
             <a:custGeom>
@@ -6100,7 +6100,7 @@
           </p:nvSpPr>
           <p:spPr>
             <a:xfrm>
-              <a:off x="2041454" y="2658158"/>
+              <a:off x="1773581" y="2658152"/>
               <a:ext cx="63202" cy="63202"/>
             </a:xfrm>
             <a:custGeom>
@@ -6143,7 +6143,7 @@
           </p:nvSpPr>
           <p:spPr>
             <a:xfrm>
-              <a:off x="2181252" y="2843471"/>
+              <a:off x="1848967" y="2843485"/>
               <a:ext cx="63202" cy="63202"/>
             </a:xfrm>
             <a:custGeom>
@@ -6186,7 +6186,7 @@
           </p:nvSpPr>
           <p:spPr>
             <a:xfrm>
-              <a:off x="1653689" y="2498678"/>
+              <a:off x="1607339" y="2498679"/>
               <a:ext cx="63202" cy="63202"/>
             </a:xfrm>
             <a:custGeom>
@@ -6229,7 +6229,7 @@
           </p:nvSpPr>
           <p:spPr>
             <a:xfrm>
-              <a:off x="2102878" y="2828274"/>
+              <a:off x="2269916" y="2828302"/>
               <a:ext cx="63202" cy="63202"/>
             </a:xfrm>
             <a:custGeom>
@@ -6272,7 +6272,7 @@
           </p:nvSpPr>
           <p:spPr>
             <a:xfrm>
-              <a:off x="1832786" y="2746923"/>
+              <a:off x="2136257" y="2746945"/>
               <a:ext cx="63202" cy="63202"/>
             </a:xfrm>
             <a:custGeom>
@@ -6315,7 +6315,7 @@
           </p:nvSpPr>
           <p:spPr>
             <a:xfrm>
-              <a:off x="2202472" y="2805240"/>
+              <a:off x="1868828" y="2805261"/>
               <a:ext cx="63202" cy="63202"/>
             </a:xfrm>
             <a:custGeom>
@@ -6358,7 +6358,7 @@
           </p:nvSpPr>
           <p:spPr>
             <a:xfrm>
-              <a:off x="1822142" y="2476075"/>
+              <a:off x="1719866" y="2476083"/>
               <a:ext cx="63202" cy="63202"/>
             </a:xfrm>
             <a:custGeom>
@@ -6457,7 +6457,7 @@
           </p:nvSpPr>
           <p:spPr>
             <a:xfrm>
-              <a:off x="1459435" y="4740917"/>
+              <a:off x="1459435" y="4740936"/>
               <a:ext cx="2796732" cy="0"/>
             </a:xfrm>
             <a:custGeom>
@@ -6500,7 +6500,7 @@
           </p:nvSpPr>
           <p:spPr>
             <a:xfrm>
-              <a:off x="1459435" y="4286951"/>
+              <a:off x="1459435" y="4286957"/>
               <a:ext cx="2796732" cy="0"/>
             </a:xfrm>
             <a:custGeom>
@@ -6543,7 +6543,7 @@
           </p:nvSpPr>
           <p:spPr>
             <a:xfrm>
-              <a:off x="1459435" y="3832984"/>
+              <a:off x="1459435" y="3832979"/>
               <a:ext cx="2796732" cy="0"/>
             </a:xfrm>
             <a:custGeom>
@@ -6586,7 +6586,7 @@
           </p:nvSpPr>
           <p:spPr>
             <a:xfrm>
-              <a:off x="1459435" y="3379017"/>
+              <a:off x="1459435" y="3379000"/>
               <a:ext cx="2796732" cy="0"/>
             </a:xfrm>
             <a:custGeom>
@@ -6629,7 +6629,7 @@
           </p:nvSpPr>
           <p:spPr>
             <a:xfrm>
-              <a:off x="1459435" y="4967901"/>
+              <a:off x="1459435" y="4967925"/>
               <a:ext cx="2796732" cy="0"/>
             </a:xfrm>
             <a:custGeom>
@@ -6672,7 +6672,7 @@
           </p:nvSpPr>
           <p:spPr>
             <a:xfrm>
-              <a:off x="1459435" y="4513934"/>
+              <a:off x="1459435" y="4513946"/>
               <a:ext cx="2796732" cy="0"/>
             </a:xfrm>
             <a:custGeom>
@@ -6715,7 +6715,7 @@
           </p:nvSpPr>
           <p:spPr>
             <a:xfrm>
-              <a:off x="1459435" y="4059967"/>
+              <a:off x="1459435" y="4059968"/>
               <a:ext cx="2796732" cy="0"/>
             </a:xfrm>
             <a:custGeom>
@@ -6758,7 +6758,7 @@
           </p:nvSpPr>
           <p:spPr>
             <a:xfrm>
-              <a:off x="1459435" y="3606001"/>
+              <a:off x="1459435" y="3605990"/>
               <a:ext cx="2796732" cy="0"/>
             </a:xfrm>
             <a:custGeom>
@@ -6930,7 +6930,7 @@
           </p:nvSpPr>
           <p:spPr>
             <a:xfrm>
-              <a:off x="2028814" y="4513610"/>
+              <a:off x="2195734" y="4513627"/>
               <a:ext cx="63202" cy="63202"/>
             </a:xfrm>
             <a:custGeom>
@@ -6973,7 +6973,7 @@
           </p:nvSpPr>
           <p:spPr>
             <a:xfrm>
-              <a:off x="2220480" y="4611440"/>
+              <a:off x="1821050" y="4611438"/>
               <a:ext cx="63202" cy="63202"/>
             </a:xfrm>
             <a:custGeom>
@@ -7016,7 +7016,7 @@
           </p:nvSpPr>
           <p:spPr>
             <a:xfrm>
-              <a:off x="1841359" y="4512416"/>
+              <a:off x="1895158" y="4512434"/>
               <a:ext cx="63202" cy="63202"/>
             </a:xfrm>
             <a:custGeom>
@@ -7059,7 +7059,7 @@
           </p:nvSpPr>
           <p:spPr>
             <a:xfrm>
-              <a:off x="1972015" y="4519772"/>
+              <a:off x="2047164" y="4519811"/>
               <a:ext cx="63202" cy="63202"/>
             </a:xfrm>
             <a:custGeom>
@@ -7102,7 +7102,7 @@
           </p:nvSpPr>
           <p:spPr>
             <a:xfrm>
-              <a:off x="2059547" y="4515214"/>
+              <a:off x="2240408" y="4515221"/>
               <a:ext cx="63202" cy="63202"/>
             </a:xfrm>
             <a:custGeom>
@@ -7145,7 +7145,7 @@
           </p:nvSpPr>
           <p:spPr>
             <a:xfrm>
-              <a:off x="1967546" y="4654988"/>
+              <a:off x="2142695" y="4655008"/>
               <a:ext cx="63202" cy="63202"/>
             </a:xfrm>
             <a:custGeom>
@@ -7188,7 +7188,7 @@
           </p:nvSpPr>
           <p:spPr>
             <a:xfrm>
-              <a:off x="1898447" y="4527032"/>
+              <a:off x="1808586" y="4527061"/>
               <a:ext cx="63202" cy="63202"/>
             </a:xfrm>
             <a:custGeom>
@@ -7231,7 +7231,7 @@
           </p:nvSpPr>
           <p:spPr>
             <a:xfrm>
-              <a:off x="2026336" y="4577566"/>
+              <a:off x="1872009" y="4577597"/>
               <a:ext cx="63202" cy="63202"/>
             </a:xfrm>
             <a:custGeom>
@@ -7274,7 +7274,7 @@
           </p:nvSpPr>
           <p:spPr>
             <a:xfrm>
-              <a:off x="2136980" y="4622187"/>
+              <a:off x="2132321" y="4622228"/>
               <a:ext cx="63202" cy="63202"/>
             </a:xfrm>
             <a:custGeom>
@@ -7317,7 +7317,7 @@
           </p:nvSpPr>
           <p:spPr>
             <a:xfrm>
-              <a:off x="1987774" y="4576156"/>
+              <a:off x="2161136" y="4576176"/>
               <a:ext cx="63202" cy="63202"/>
             </a:xfrm>
             <a:custGeom>
@@ -7360,7 +7360,7 @@
           </p:nvSpPr>
           <p:spPr>
             <a:xfrm>
-              <a:off x="2279882" y="4569164"/>
+              <a:off x="2058694" y="4569179"/>
               <a:ext cx="63202" cy="63202"/>
             </a:xfrm>
             <a:custGeom>
@@ -7403,7 +7403,7 @@
           </p:nvSpPr>
           <p:spPr>
             <a:xfrm>
-              <a:off x="2138249" y="4697394"/>
+              <a:off x="2277205" y="4697396"/>
               <a:ext cx="63202" cy="63202"/>
             </a:xfrm>
             <a:custGeom>
@@ -7446,7 +7446,7 @@
           </p:nvSpPr>
           <p:spPr>
             <a:xfrm>
-              <a:off x="2065101" y="4419515"/>
+              <a:off x="2083689" y="4419502"/>
               <a:ext cx="63202" cy="63202"/>
             </a:xfrm>
             <a:custGeom>
@@ -7489,7 +7489,7 @@
           </p:nvSpPr>
           <p:spPr>
             <a:xfrm>
-              <a:off x="2135699" y="4632331"/>
+              <a:off x="1692708" y="4632350"/>
               <a:ext cx="63202" cy="63202"/>
             </a:xfrm>
             <a:custGeom>
@@ -7532,7 +7532,7 @@
           </p:nvSpPr>
           <p:spPr>
             <a:xfrm>
-              <a:off x="1965384" y="4679429"/>
+              <a:off x="2011235" y="4679449"/>
               <a:ext cx="63202" cy="63202"/>
             </a:xfrm>
             <a:custGeom>
@@ -7575,7 +7575,7 @@
           </p:nvSpPr>
           <p:spPr>
             <a:xfrm>
-              <a:off x="1648931" y="4351029"/>
+              <a:off x="2040382" y="4351047"/>
               <a:ext cx="63202" cy="63202"/>
             </a:xfrm>
             <a:custGeom>
@@ -7618,7 +7618,7 @@
           </p:nvSpPr>
           <p:spPr>
             <a:xfrm>
-              <a:off x="1894500" y="4615216"/>
+              <a:off x="1802152" y="4615240"/>
               <a:ext cx="63202" cy="63202"/>
             </a:xfrm>
             <a:custGeom>
@@ -7661,7 +7661,7 @@
           </p:nvSpPr>
           <p:spPr>
             <a:xfrm>
-              <a:off x="1783485" y="4391855"/>
+              <a:off x="1644177" y="4391883"/>
               <a:ext cx="63202" cy="63202"/>
             </a:xfrm>
             <a:custGeom>
@@ -7704,7 +7704,7 @@
           </p:nvSpPr>
           <p:spPr>
             <a:xfrm>
-              <a:off x="1643734" y="4621796"/>
+              <a:off x="1942487" y="4621799"/>
               <a:ext cx="63202" cy="63202"/>
             </a:xfrm>
             <a:custGeom>
@@ -7747,7 +7747,7 @@
           </p:nvSpPr>
           <p:spPr>
             <a:xfrm>
-              <a:off x="2024505" y="4622188"/>
+              <a:off x="1955221" y="4622201"/>
               <a:ext cx="63202" cy="63202"/>
             </a:xfrm>
             <a:custGeom>
@@ -7790,7 +7790,7 @@
           </p:nvSpPr>
           <p:spPr>
             <a:xfrm>
-              <a:off x="2238362" y="4538800"/>
+              <a:off x="1820978" y="4538831"/>
               <a:ext cx="63202" cy="63202"/>
             </a:xfrm>
             <a:custGeom>
@@ -7833,7 +7833,7 @@
           </p:nvSpPr>
           <p:spPr>
             <a:xfrm>
-              <a:off x="1693341" y="4572499"/>
+              <a:off x="2082445" y="4572522"/>
               <a:ext cx="63202" cy="63202"/>
             </a:xfrm>
             <a:custGeom>
@@ -7932,7 +7932,7 @@
           </p:nvSpPr>
           <p:spPr>
             <a:xfrm>
-              <a:off x="1459435" y="6666250"/>
+              <a:off x="1459435" y="6666268"/>
               <a:ext cx="2796732" cy="0"/>
             </a:xfrm>
             <a:custGeom>
@@ -7975,7 +7975,7 @@
           </p:nvSpPr>
           <p:spPr>
             <a:xfrm>
-              <a:off x="1459435" y="6212283"/>
+              <a:off x="1459435" y="6212290"/>
               <a:ext cx="2796732" cy="0"/>
             </a:xfrm>
             <a:custGeom>
@@ -8018,7 +8018,7 @@
           </p:nvSpPr>
           <p:spPr>
             <a:xfrm>
-              <a:off x="1459435" y="5758316"/>
+              <a:off x="1459435" y="5758311"/>
               <a:ext cx="2796732" cy="0"/>
             </a:xfrm>
             <a:custGeom>
@@ -8061,7 +8061,7 @@
           </p:nvSpPr>
           <p:spPr>
             <a:xfrm>
-              <a:off x="1459435" y="5304350"/>
+              <a:off x="1459435" y="5304333"/>
               <a:ext cx="2796732" cy="0"/>
             </a:xfrm>
             <a:custGeom>
@@ -8104,7 +8104,7 @@
           </p:nvSpPr>
           <p:spPr>
             <a:xfrm>
-              <a:off x="1459435" y="6893233"/>
+              <a:off x="1459435" y="6893257"/>
               <a:ext cx="2796732" cy="0"/>
             </a:xfrm>
             <a:custGeom>
@@ -8147,7 +8147,7 @@
           </p:nvSpPr>
           <p:spPr>
             <a:xfrm>
-              <a:off x="1459435" y="6439267"/>
+              <a:off x="1459435" y="6439279"/>
               <a:ext cx="2796732" cy="0"/>
             </a:xfrm>
             <a:custGeom>
@@ -8190,7 +8190,7 @@
           </p:nvSpPr>
           <p:spPr>
             <a:xfrm>
-              <a:off x="1459435" y="5985300"/>
+              <a:off x="1459435" y="5985301"/>
               <a:ext cx="2796732" cy="0"/>
             </a:xfrm>
             <a:custGeom>
@@ -8233,7 +8233,7 @@
           </p:nvSpPr>
           <p:spPr>
             <a:xfrm>
-              <a:off x="1459435" y="5531333"/>
+              <a:off x="1459435" y="5531322"/>
               <a:ext cx="2796732" cy="0"/>
             </a:xfrm>
             <a:custGeom>
@@ -8405,7 +8405,7 @@
           </p:nvSpPr>
           <p:spPr>
             <a:xfrm>
-              <a:off x="1889626" y="5955433"/>
+              <a:off x="2138848" y="5955439"/>
               <a:ext cx="63202" cy="63202"/>
             </a:xfrm>
             <a:custGeom>
@@ -8448,7 +8448,7 @@
           </p:nvSpPr>
           <p:spPr>
             <a:xfrm>
-              <a:off x="2101221" y="5973346"/>
+              <a:off x="2054948" y="5973374"/>
               <a:ext cx="63202" cy="63202"/>
             </a:xfrm>
             <a:custGeom>
@@ -8491,7 +8491,7 @@
           </p:nvSpPr>
           <p:spPr>
             <a:xfrm>
-              <a:off x="2009875" y="5924899"/>
+              <a:off x="2177792" y="5924923"/>
               <a:ext cx="63202" cy="63202"/>
             </a:xfrm>
             <a:custGeom>
@@ -8534,7 +8534,7 @@
           </p:nvSpPr>
           <p:spPr>
             <a:xfrm>
-              <a:off x="1994770" y="6337222"/>
+              <a:off x="1735058" y="6337233"/>
               <a:ext cx="63202" cy="63202"/>
             </a:xfrm>
             <a:custGeom>
@@ -8577,7 +8577,7 @@
           </p:nvSpPr>
           <p:spPr>
             <a:xfrm>
-              <a:off x="1782454" y="6262614"/>
+              <a:off x="1778740" y="6262632"/>
               <a:ext cx="63202" cy="63202"/>
             </a:xfrm>
             <a:custGeom>
@@ -8620,7 +8620,7 @@
           </p:nvSpPr>
           <p:spPr>
             <a:xfrm>
-              <a:off x="1603859" y="6282930"/>
+              <a:off x="2278342" y="6282910"/>
               <a:ext cx="63202" cy="63202"/>
             </a:xfrm>
             <a:custGeom>
@@ -8663,7 +8663,7 @@
           </p:nvSpPr>
           <p:spPr>
             <a:xfrm>
-              <a:off x="1949925" y="6194394"/>
+              <a:off x="1895226" y="6194402"/>
               <a:ext cx="63202" cy="63202"/>
             </a:xfrm>
             <a:custGeom>
@@ -8706,7 +8706,7 @@
           </p:nvSpPr>
           <p:spPr>
             <a:xfrm>
-              <a:off x="1886416" y="6178201"/>
+              <a:off x="1604529" y="6178196"/>
               <a:ext cx="63202" cy="63202"/>
             </a:xfrm>
             <a:custGeom>
@@ -8749,7 +8749,7 @@
           </p:nvSpPr>
           <p:spPr>
             <a:xfrm>
-              <a:off x="1969208" y="6518704"/>
+              <a:off x="2052865" y="6518736"/>
               <a:ext cx="63202" cy="63202"/>
             </a:xfrm>
             <a:custGeom>
@@ -8792,7 +8792,7 @@
           </p:nvSpPr>
           <p:spPr>
             <a:xfrm>
-              <a:off x="2007714" y="6514707"/>
+              <a:off x="1789501" y="6514729"/>
               <a:ext cx="63202" cy="63202"/>
             </a:xfrm>
             <a:custGeom>
@@ -8835,7 +8835,7 @@
           </p:nvSpPr>
           <p:spPr>
             <a:xfrm>
-              <a:off x="1911512" y="6288215"/>
+              <a:off x="2100257" y="6288240"/>
               <a:ext cx="63202" cy="63202"/>
             </a:xfrm>
             <a:custGeom>
@@ -8878,7 +8878,7 @@
           </p:nvSpPr>
           <p:spPr>
             <a:xfrm>
-              <a:off x="2034813" y="6379025"/>
+              <a:off x="1798629" y="6379027"/>
               <a:ext cx="63202" cy="63202"/>
             </a:xfrm>
             <a:custGeom>
@@ -8921,7 +8921,7 @@
           </p:nvSpPr>
           <p:spPr>
             <a:xfrm>
-              <a:off x="1728494" y="6230999"/>
+              <a:off x="1964501" y="6230973"/>
               <a:ext cx="63202" cy="63202"/>
             </a:xfrm>
             <a:custGeom>
@@ -8964,7 +8964,7 @@
           </p:nvSpPr>
           <p:spPr>
             <a:xfrm>
-              <a:off x="1777019" y="6304356"/>
+              <a:off x="2124740" y="6304358"/>
               <a:ext cx="63202" cy="63202"/>
             </a:xfrm>
             <a:custGeom>
@@ -9007,7 +9007,7 @@
           </p:nvSpPr>
           <p:spPr>
             <a:xfrm>
-              <a:off x="1927908" y="6425732"/>
+              <a:off x="2118914" y="6425742"/>
               <a:ext cx="63202" cy="63202"/>
             </a:xfrm>
             <a:custGeom>
@@ -9050,7 +9050,7 @@
           </p:nvSpPr>
           <p:spPr>
             <a:xfrm>
-              <a:off x="1680290" y="6300539"/>
+              <a:off x="2155418" y="6300551"/>
               <a:ext cx="63202" cy="63202"/>
             </a:xfrm>
             <a:custGeom>
@@ -9093,7 +9093,7 @@
           </p:nvSpPr>
           <p:spPr>
             <a:xfrm>
-              <a:off x="2173161" y="6335887"/>
+              <a:off x="1883209" y="6335898"/>
               <a:ext cx="63202" cy="63202"/>
             </a:xfrm>
             <a:custGeom>
@@ -9136,7 +9136,7 @@
           </p:nvSpPr>
           <p:spPr>
             <a:xfrm>
-              <a:off x="1994451" y="6305826"/>
+              <a:off x="1892904" y="6305852"/>
               <a:ext cx="63202" cy="63202"/>
             </a:xfrm>
             <a:custGeom>
@@ -9179,7 +9179,7 @@
           </p:nvSpPr>
           <p:spPr>
             <a:xfrm>
-              <a:off x="2032132" y="6287267"/>
+              <a:off x="1791713" y="6287296"/>
               <a:ext cx="63202" cy="63202"/>
             </a:xfrm>
             <a:custGeom>
@@ -9222,7 +9222,7 @@
           </p:nvSpPr>
           <p:spPr>
             <a:xfrm>
-              <a:off x="1662081" y="6313999"/>
+              <a:off x="2236390" y="6314012"/>
               <a:ext cx="63202" cy="63202"/>
             </a:xfrm>
             <a:custGeom>
@@ -9265,7 +9265,7 @@
           </p:nvSpPr>
           <p:spPr>
             <a:xfrm>
-              <a:off x="2232271" y="6299365"/>
+              <a:off x="1869792" y="6299375"/>
               <a:ext cx="63202" cy="63202"/>
             </a:xfrm>
             <a:custGeom>
@@ -9308,7 +9308,7 @@
           </p:nvSpPr>
           <p:spPr>
             <a:xfrm>
-              <a:off x="2128953" y="6274639"/>
+              <a:off x="1691807" y="6274659"/>
               <a:ext cx="63202" cy="63202"/>
             </a:xfrm>
             <a:custGeom>
@@ -9351,7 +9351,7 @@
           </p:nvSpPr>
           <p:spPr>
             <a:xfrm>
-              <a:off x="1665022" y="6157366"/>
+              <a:off x="1609579" y="6157359"/>
               <a:ext cx="63202" cy="63202"/>
             </a:xfrm>
             <a:custGeom>
@@ -9394,7 +9394,7 @@
           </p:nvSpPr>
           <p:spPr>
             <a:xfrm>
-              <a:off x="1878300" y="6189118"/>
+              <a:off x="2187324" y="6189130"/>
               <a:ext cx="63202" cy="63202"/>
             </a:xfrm>
             <a:custGeom>
@@ -9437,7 +9437,7 @@
           </p:nvSpPr>
           <p:spPr>
             <a:xfrm>
-              <a:off x="2285237" y="6393237"/>
+              <a:off x="1842786" y="6393227"/>
               <a:ext cx="63202" cy="63202"/>
             </a:xfrm>
             <a:custGeom>
@@ -9480,7 +9480,7 @@
           </p:nvSpPr>
           <p:spPr>
             <a:xfrm>
-              <a:off x="2228322" y="6476971"/>
+              <a:off x="2287105" y="6477011"/>
               <a:ext cx="63202" cy="63202"/>
             </a:xfrm>
             <a:custGeom>
@@ -9523,7 +9523,7 @@
           </p:nvSpPr>
           <p:spPr>
             <a:xfrm>
-              <a:off x="2105916" y="6511251"/>
+              <a:off x="1969534" y="6511264"/>
               <a:ext cx="63202" cy="63202"/>
             </a:xfrm>
             <a:custGeom>
@@ -9566,7 +9566,7 @@
           </p:nvSpPr>
           <p:spPr>
             <a:xfrm>
-              <a:off x="1678538" y="6586444"/>
+              <a:off x="2231028" y="6586443"/>
               <a:ext cx="63202" cy="63202"/>
             </a:xfrm>
             <a:custGeom>
@@ -9609,7 +9609,7 @@
           </p:nvSpPr>
           <p:spPr>
             <a:xfrm>
-              <a:off x="1718230" y="6235287"/>
+              <a:off x="1835319" y="6235314"/>
               <a:ext cx="63202" cy="63202"/>
             </a:xfrm>
             <a:custGeom>
@@ -9652,7 +9652,7 @@
           </p:nvSpPr>
           <p:spPr>
             <a:xfrm>
-              <a:off x="2166782" y="6280206"/>
+              <a:off x="2009188" y="6280189"/>
               <a:ext cx="63202" cy="63202"/>
             </a:xfrm>
             <a:custGeom>
@@ -9695,7 +9695,7 @@
           </p:nvSpPr>
           <p:spPr>
             <a:xfrm>
-              <a:off x="1754110" y="6641123"/>
+              <a:off x="2129276" y="6641167"/>
               <a:ext cx="63202" cy="63202"/>
             </a:xfrm>
             <a:custGeom>
@@ -9738,7 +9738,7 @@
           </p:nvSpPr>
           <p:spPr>
             <a:xfrm>
-              <a:off x="2171005" y="5944791"/>
+              <a:off x="2121785" y="5944807"/>
               <a:ext cx="63202" cy="63202"/>
             </a:xfrm>
             <a:custGeom>
@@ -9781,7 +9781,7 @@
           </p:nvSpPr>
           <p:spPr>
             <a:xfrm>
-              <a:off x="2053815" y="6287315"/>
+              <a:off x="2164005" y="6287328"/>
               <a:ext cx="63202" cy="63202"/>
             </a:xfrm>
             <a:custGeom>
@@ -9824,7 +9824,7 @@
           </p:nvSpPr>
           <p:spPr>
             <a:xfrm>
-              <a:off x="1692489" y="6305357"/>
+              <a:off x="1776659" y="6305350"/>
               <a:ext cx="63202" cy="63202"/>
             </a:xfrm>
             <a:custGeom>
@@ -9867,7 +9867,7 @@
           </p:nvSpPr>
           <p:spPr>
             <a:xfrm>
-              <a:off x="1901360" y="6352797"/>
+              <a:off x="2104500" y="6352776"/>
               <a:ext cx="63202" cy="63202"/>
             </a:xfrm>
             <a:custGeom>
@@ -9910,7 +9910,7 @@
           </p:nvSpPr>
           <p:spPr>
             <a:xfrm>
-              <a:off x="2042610" y="6337246"/>
+              <a:off x="2275766" y="6337250"/>
               <a:ext cx="63202" cy="63202"/>
             </a:xfrm>
             <a:custGeom>
@@ -9953,7 +9953,7 @@
           </p:nvSpPr>
           <p:spPr>
             <a:xfrm>
-              <a:off x="2197794" y="6310701"/>
+              <a:off x="1628694" y="6310720"/>
               <a:ext cx="63202" cy="63202"/>
             </a:xfrm>
             <a:custGeom>
@@ -9996,7 +9996,7 @@
           </p:nvSpPr>
           <p:spPr>
             <a:xfrm>
-              <a:off x="1630300" y="6395672"/>
+              <a:off x="2001491" y="6395700"/>
               <a:ext cx="63202" cy="63202"/>
             </a:xfrm>
             <a:custGeom>
@@ -10039,7 +10039,7 @@
           </p:nvSpPr>
           <p:spPr>
             <a:xfrm>
-              <a:off x="1880656" y="6072540"/>
+              <a:off x="1726059" y="6072561"/>
               <a:ext cx="63202" cy="63202"/>
             </a:xfrm>
             <a:custGeom>
@@ -10082,7 +10082,7 @@
           </p:nvSpPr>
           <p:spPr>
             <a:xfrm>
-              <a:off x="1656378" y="6417983"/>
+              <a:off x="2086477" y="6417983"/>
               <a:ext cx="63202" cy="63202"/>
             </a:xfrm>
             <a:custGeom>
@@ -10125,7 +10125,7 @@
           </p:nvSpPr>
           <p:spPr>
             <a:xfrm>
-              <a:off x="1858059" y="5914352"/>
+              <a:off x="2053582" y="5914326"/>
               <a:ext cx="63202" cy="63202"/>
             </a:xfrm>
             <a:custGeom>
@@ -10168,7 +10168,7 @@
           </p:nvSpPr>
           <p:spPr>
             <a:xfrm>
-              <a:off x="2194820" y="6387470"/>
+              <a:off x="1803865" y="6387467"/>
               <a:ext cx="63202" cy="63202"/>
             </a:xfrm>
             <a:custGeom>
@@ -10211,7 +10211,7 @@
           </p:nvSpPr>
           <p:spPr>
             <a:xfrm>
-              <a:off x="2144492" y="6296617"/>
+              <a:off x="1622584" y="6296626"/>
               <a:ext cx="63202" cy="63202"/>
             </a:xfrm>
             <a:custGeom>
@@ -10254,7 +10254,7 @@
           </p:nvSpPr>
           <p:spPr>
             <a:xfrm>
-              <a:off x="1693678" y="6441836"/>
+              <a:off x="2122375" y="6441856"/>
               <a:ext cx="63202" cy="63202"/>
             </a:xfrm>
             <a:custGeom>
@@ -10297,7 +10297,7 @@
           </p:nvSpPr>
           <p:spPr>
             <a:xfrm>
-              <a:off x="1609353" y="5895283"/>
+              <a:off x="2223086" y="5895273"/>
               <a:ext cx="63202" cy="63202"/>
             </a:xfrm>
             <a:custGeom>
@@ -10340,7 +10340,7 @@
           </p:nvSpPr>
           <p:spPr>
             <a:xfrm>
-              <a:off x="2255170" y="6308935"/>
+              <a:off x="1767764" y="6308936"/>
               <a:ext cx="63202" cy="63202"/>
             </a:xfrm>
             <a:custGeom>
@@ -10383,7 +10383,7 @@
           </p:nvSpPr>
           <p:spPr>
             <a:xfrm>
-              <a:off x="1872757" y="6245775"/>
+              <a:off x="2214591" y="6245776"/>
               <a:ext cx="63202" cy="63202"/>
             </a:xfrm>
             <a:custGeom>
@@ -10426,7 +10426,7 @@
           </p:nvSpPr>
           <p:spPr>
             <a:xfrm>
-              <a:off x="1974902" y="6236763"/>
+              <a:off x="1690522" y="6236766"/>
               <a:ext cx="63202" cy="63202"/>
             </a:xfrm>
             <a:custGeom>
@@ -10469,7 +10469,7 @@
           </p:nvSpPr>
           <p:spPr>
             <a:xfrm>
-              <a:off x="2117626" y="5889791"/>
+              <a:off x="1719472" y="5889796"/>
               <a:ext cx="63202" cy="63202"/>
             </a:xfrm>
             <a:custGeom>
@@ -10512,7 +10512,7 @@
           </p:nvSpPr>
           <p:spPr>
             <a:xfrm>
-              <a:off x="1923531" y="6225846"/>
+              <a:off x="1689582" y="6225843"/>
               <a:ext cx="63202" cy="63202"/>
             </a:xfrm>
             <a:custGeom>
@@ -10555,7 +10555,7 @@
           </p:nvSpPr>
           <p:spPr>
             <a:xfrm>
-              <a:off x="1935811" y="6281463"/>
+              <a:off x="2112670" y="6281467"/>
               <a:ext cx="63202" cy="63202"/>
             </a:xfrm>
             <a:custGeom>
@@ -10598,7 +10598,7 @@
           </p:nvSpPr>
           <p:spPr>
             <a:xfrm>
-              <a:off x="2156821" y="6361276"/>
+              <a:off x="2238831" y="6361280"/>
               <a:ext cx="63202" cy="63202"/>
             </a:xfrm>
             <a:custGeom>
@@ -10641,7 +10641,7 @@
           </p:nvSpPr>
           <p:spPr>
             <a:xfrm>
-              <a:off x="1683107" y="6277382"/>
+              <a:off x="1938350" y="6277393"/>
               <a:ext cx="63202" cy="63202"/>
             </a:xfrm>
             <a:custGeom>
@@ -10684,7 +10684,7 @@
           </p:nvSpPr>
           <p:spPr>
             <a:xfrm>
-              <a:off x="2142442" y="6282558"/>
+              <a:off x="2125632" y="6282571"/>
               <a:ext cx="63202" cy="63202"/>
             </a:xfrm>
             <a:custGeom>
@@ -10727,7 +10727,7 @@
           </p:nvSpPr>
           <p:spPr>
             <a:xfrm>
-              <a:off x="2074173" y="6069720"/>
+              <a:off x="2142215" y="6069718"/>
               <a:ext cx="63202" cy="63202"/>
             </a:xfrm>
             <a:custGeom>
@@ -10770,7 +10770,7 @@
           </p:nvSpPr>
           <p:spPr>
             <a:xfrm>
-              <a:off x="1867236" y="6387480"/>
+              <a:off x="2266300" y="6387488"/>
               <a:ext cx="63202" cy="63202"/>
             </a:xfrm>
             <a:custGeom>
@@ -10813,7 +10813,7 @@
           </p:nvSpPr>
           <p:spPr>
             <a:xfrm>
-              <a:off x="2083181" y="6229838"/>
+              <a:off x="1750806" y="6229841"/>
               <a:ext cx="63202" cy="63202"/>
             </a:xfrm>
             <a:custGeom>
@@ -10856,7 +10856,7 @@
           </p:nvSpPr>
           <p:spPr>
             <a:xfrm>
-              <a:off x="2106421" y="5916434"/>
+              <a:off x="2074940" y="5916418"/>
               <a:ext cx="63202" cy="63202"/>
             </a:xfrm>
             <a:custGeom>
@@ -10899,7 +10899,7 @@
           </p:nvSpPr>
           <p:spPr>
             <a:xfrm>
-              <a:off x="2028716" y="5914827"/>
+              <a:off x="2124590" y="5914832"/>
               <a:ext cx="63202" cy="63202"/>
             </a:xfrm>
             <a:custGeom>
@@ -10942,7 +10942,7 @@
           </p:nvSpPr>
           <p:spPr>
             <a:xfrm>
-              <a:off x="2190125" y="5914614"/>
+              <a:off x="1612978" y="5914595"/>
               <a:ext cx="63202" cy="63202"/>
             </a:xfrm>
             <a:custGeom>
@@ -10985,7 +10985,7 @@
           </p:nvSpPr>
           <p:spPr>
             <a:xfrm>
-              <a:off x="2050523" y="5914464"/>
+              <a:off x="2279171" y="5914492"/>
               <a:ext cx="63202" cy="63202"/>
             </a:xfrm>
             <a:custGeom>
@@ -11028,7 +11028,7 @@
           </p:nvSpPr>
           <p:spPr>
             <a:xfrm>
-              <a:off x="1799550" y="5914480"/>
+              <a:off x="2191232" y="5914483"/>
               <a:ext cx="63202" cy="63202"/>
             </a:xfrm>
             <a:custGeom>
@@ -11071,7 +11071,7 @@
           </p:nvSpPr>
           <p:spPr>
             <a:xfrm>
-              <a:off x="2221427" y="6094872"/>
+              <a:off x="2252197" y="6094877"/>
               <a:ext cx="63202" cy="63202"/>
             </a:xfrm>
             <a:custGeom>
@@ -11114,7 +11114,7 @@
           </p:nvSpPr>
           <p:spPr>
             <a:xfrm>
-              <a:off x="2124187" y="6087933"/>
+              <a:off x="1781981" y="6087924"/>
               <a:ext cx="63202" cy="63202"/>
             </a:xfrm>
             <a:custGeom>
@@ -11157,7 +11157,7 @@
           </p:nvSpPr>
           <p:spPr>
             <a:xfrm>
-              <a:off x="1777711" y="6364931"/>
+              <a:off x="2150768" y="6364961"/>
               <a:ext cx="63202" cy="63202"/>
             </a:xfrm>
             <a:custGeom>
@@ -11200,7 +11200,7 @@
           </p:nvSpPr>
           <p:spPr>
             <a:xfrm>
-              <a:off x="2221659" y="5925155"/>
+              <a:off x="2101925" y="5925158"/>
               <a:ext cx="63202" cy="63202"/>
             </a:xfrm>
             <a:custGeom>
@@ -11243,7 +11243,7 @@
           </p:nvSpPr>
           <p:spPr>
             <a:xfrm>
-              <a:off x="2137823" y="6185256"/>
+              <a:off x="1907668" y="6185281"/>
               <a:ext cx="63202" cy="63202"/>
             </a:xfrm>
             <a:custGeom>
@@ -11286,7 +11286,7 @@
           </p:nvSpPr>
           <p:spPr>
             <a:xfrm>
-              <a:off x="1630800" y="6102474"/>
+              <a:off x="1944059" y="6102472"/>
               <a:ext cx="63202" cy="63202"/>
             </a:xfrm>
             <a:custGeom>
@@ -11329,7 +11329,7 @@
           </p:nvSpPr>
           <p:spPr>
             <a:xfrm>
-              <a:off x="2192656" y="6375780"/>
+              <a:off x="1773980" y="6375804"/>
               <a:ext cx="63202" cy="63202"/>
             </a:xfrm>
             <a:custGeom>
@@ -11372,7 +11372,7 @@
           </p:nvSpPr>
           <p:spPr>
             <a:xfrm>
-              <a:off x="1945929" y="5931986"/>
+              <a:off x="2246190" y="5932014"/>
               <a:ext cx="63202" cy="63202"/>
             </a:xfrm>
             <a:custGeom>
@@ -11415,7 +11415,7 @@
           </p:nvSpPr>
           <p:spPr>
             <a:xfrm>
-              <a:off x="2093505" y="6292951"/>
+              <a:off x="1657329" y="6292962"/>
               <a:ext cx="63202" cy="63202"/>
             </a:xfrm>
             <a:custGeom>
@@ -11458,7 +11458,7 @@
           </p:nvSpPr>
           <p:spPr>
             <a:xfrm>
-              <a:off x="2067328" y="6513254"/>
+              <a:off x="2282432" y="6513280"/>
               <a:ext cx="63202" cy="63202"/>
             </a:xfrm>
             <a:custGeom>
@@ -11501,7 +11501,7 @@
           </p:nvSpPr>
           <p:spPr>
             <a:xfrm>
-              <a:off x="1935867" y="6080142"/>
+              <a:off x="1822983" y="6080129"/>
               <a:ext cx="63202" cy="63202"/>
             </a:xfrm>
             <a:custGeom>
@@ -11544,7 +11544,7 @@
           </p:nvSpPr>
           <p:spPr>
             <a:xfrm>
-              <a:off x="2259950" y="6359800"/>
+              <a:off x="1975620" y="6359818"/>
               <a:ext cx="63202" cy="63202"/>
             </a:xfrm>
             <a:custGeom>
@@ -11587,7 +11587,7 @@
           </p:nvSpPr>
           <p:spPr>
             <a:xfrm>
-              <a:off x="1739127" y="5909653"/>
+              <a:off x="1653372" y="5909666"/>
               <a:ext cx="63202" cy="63202"/>
             </a:xfrm>
             <a:custGeom>
@@ -11630,7 +11630,7 @@
           </p:nvSpPr>
           <p:spPr>
             <a:xfrm>
-              <a:off x="1754350" y="6040167"/>
+              <a:off x="1760880" y="6040183"/>
               <a:ext cx="63202" cy="63202"/>
             </a:xfrm>
             <a:custGeom>
@@ -11673,7 +11673,7 @@
           </p:nvSpPr>
           <p:spPr>
             <a:xfrm>
-              <a:off x="1835190" y="6001666"/>
+              <a:off x="1812680" y="6001696"/>
               <a:ext cx="63202" cy="63202"/>
             </a:xfrm>
             <a:custGeom>
@@ -11716,7 +11716,7 @@
           </p:nvSpPr>
           <p:spPr>
             <a:xfrm>
-              <a:off x="2288325" y="6031408"/>
+              <a:off x="2266253" y="6031410"/>
               <a:ext cx="63202" cy="63202"/>
             </a:xfrm>
             <a:custGeom>
@@ -11759,7 +11759,7 @@
           </p:nvSpPr>
           <p:spPr>
             <a:xfrm>
-              <a:off x="1804393" y="5903269"/>
+              <a:off x="1609736" y="5903270"/>
               <a:ext cx="63202" cy="63202"/>
             </a:xfrm>
             <a:custGeom>
@@ -11802,7 +11802,7 @@
           </p:nvSpPr>
           <p:spPr>
             <a:xfrm>
-              <a:off x="1744543" y="5901124"/>
+              <a:off x="2251829" y="5901115"/>
               <a:ext cx="63202" cy="63202"/>
             </a:xfrm>
             <a:custGeom>
@@ -11845,7 +11845,7 @@
           </p:nvSpPr>
           <p:spPr>
             <a:xfrm>
-              <a:off x="1756892" y="6067549"/>
+              <a:off x="2058652" y="6067572"/>
               <a:ext cx="63202" cy="63202"/>
             </a:xfrm>
             <a:custGeom>
@@ -11888,7 +11888,7 @@
           </p:nvSpPr>
           <p:spPr>
             <a:xfrm>
-              <a:off x="2044654" y="6060307"/>
+              <a:off x="2001025" y="6060276"/>
               <a:ext cx="63202" cy="63202"/>
             </a:xfrm>
             <a:custGeom>
@@ -11931,7 +11931,7 @@
           </p:nvSpPr>
           <p:spPr>
             <a:xfrm>
-              <a:off x="2204232" y="5912793"/>
+              <a:off x="2013098" y="5912789"/>
               <a:ext cx="63202" cy="63202"/>
             </a:xfrm>
             <a:custGeom>
@@ -11974,7 +11974,7 @@
           </p:nvSpPr>
           <p:spPr>
             <a:xfrm>
-              <a:off x="1756295" y="5918216"/>
+              <a:off x="1956608" y="5918199"/>
               <a:ext cx="63202" cy="63202"/>
             </a:xfrm>
             <a:custGeom>
@@ -12017,7 +12017,7 @@
           </p:nvSpPr>
           <p:spPr>
             <a:xfrm>
-              <a:off x="2090319" y="5918299"/>
+              <a:off x="2066067" y="5918306"/>
               <a:ext cx="63202" cy="63202"/>
             </a:xfrm>
             <a:custGeom>
@@ -12060,7 +12060,7 @@
           </p:nvSpPr>
           <p:spPr>
             <a:xfrm>
-              <a:off x="1869956" y="5956414"/>
+              <a:off x="1722535" y="5956425"/>
               <a:ext cx="63202" cy="63202"/>
             </a:xfrm>
             <a:custGeom>
@@ -12103,7 +12103,7 @@
           </p:nvSpPr>
           <p:spPr>
             <a:xfrm>
-              <a:off x="1969403" y="5910657"/>
+              <a:off x="1827318" y="5910664"/>
               <a:ext cx="63202" cy="63202"/>
             </a:xfrm>
             <a:custGeom>
@@ -12146,7 +12146,7 @@
           </p:nvSpPr>
           <p:spPr>
             <a:xfrm>
-              <a:off x="2193495" y="6280180"/>
+              <a:off x="1886191" y="6280188"/>
               <a:ext cx="63202" cy="63202"/>
             </a:xfrm>
             <a:custGeom>
@@ -12189,7 +12189,7 @@
           </p:nvSpPr>
           <p:spPr>
             <a:xfrm>
-              <a:off x="2195506" y="5926773"/>
+              <a:off x="1863080" y="5926773"/>
               <a:ext cx="63202" cy="63202"/>
             </a:xfrm>
             <a:custGeom>
@@ -12232,7 +12232,7 @@
           </p:nvSpPr>
           <p:spPr>
             <a:xfrm>
-              <a:off x="1625595" y="5866453"/>
+              <a:off x="1603645" y="5866455"/>
               <a:ext cx="63202" cy="63202"/>
             </a:xfrm>
             <a:custGeom>
@@ -12275,7 +12275,7 @@
           </p:nvSpPr>
           <p:spPr>
             <a:xfrm>
-              <a:off x="1908544" y="6192024"/>
+              <a:off x="1815440" y="6192049"/>
               <a:ext cx="63202" cy="63202"/>
             </a:xfrm>
             <a:custGeom>
@@ -12318,7 +12318,7 @@
           </p:nvSpPr>
           <p:spPr>
             <a:xfrm>
-              <a:off x="2155255" y="6535857"/>
+              <a:off x="1731806" y="6535884"/>
               <a:ext cx="63202" cy="63202"/>
             </a:xfrm>
             <a:custGeom>
@@ -12361,7 +12361,7 @@
           </p:nvSpPr>
           <p:spPr>
             <a:xfrm>
-              <a:off x="2229440" y="6254898"/>
+              <a:off x="1823365" y="6254928"/>
               <a:ext cx="63202" cy="63202"/>
             </a:xfrm>
             <a:custGeom>
@@ -12404,7 +12404,7 @@
           </p:nvSpPr>
           <p:spPr>
             <a:xfrm>
-              <a:off x="1681190" y="6244812"/>
+              <a:off x="1968496" y="6244827"/>
               <a:ext cx="63202" cy="63202"/>
             </a:xfrm>
             <a:custGeom>
@@ -12447,7 +12447,7 @@
           </p:nvSpPr>
           <p:spPr>
             <a:xfrm>
-              <a:off x="2136781" y="5905883"/>
+              <a:off x="2211165" y="5905900"/>
               <a:ext cx="63202" cy="63202"/>
             </a:xfrm>
             <a:custGeom>
@@ -12490,7 +12490,7 @@
           </p:nvSpPr>
           <p:spPr>
             <a:xfrm>
-              <a:off x="2017326" y="5966835"/>
+              <a:off x="2010701" y="5966819"/>
               <a:ext cx="63202" cy="63202"/>
             </a:xfrm>
             <a:custGeom>
@@ -12533,7 +12533,7 @@
           </p:nvSpPr>
           <p:spPr>
             <a:xfrm>
-              <a:off x="1987259" y="6248553"/>
+              <a:off x="2195927" y="6248557"/>
               <a:ext cx="63202" cy="63202"/>
             </a:xfrm>
             <a:custGeom>
@@ -12576,7 +12576,7 @@
           </p:nvSpPr>
           <p:spPr>
             <a:xfrm>
-              <a:off x="1771654" y="6257449"/>
+              <a:off x="2144702" y="6257464"/>
               <a:ext cx="63202" cy="63202"/>
             </a:xfrm>
             <a:custGeom>
@@ -12619,7 +12619,7 @@
           </p:nvSpPr>
           <p:spPr>
             <a:xfrm>
-              <a:off x="1900306" y="6255828"/>
+              <a:off x="1844167" y="6255808"/>
               <a:ext cx="63202" cy="63202"/>
             </a:xfrm>
             <a:custGeom>
@@ -12662,7 +12662,7 @@
           </p:nvSpPr>
           <p:spPr>
             <a:xfrm>
-              <a:off x="1683146" y="6355476"/>
+              <a:off x="2022563" y="6355453"/>
               <a:ext cx="63202" cy="63202"/>
             </a:xfrm>
             <a:custGeom>
@@ -12705,7 +12705,7 @@
           </p:nvSpPr>
           <p:spPr>
             <a:xfrm>
-              <a:off x="2211277" y="6301984"/>
+              <a:off x="2169815" y="6301985"/>
               <a:ext cx="63202" cy="63202"/>
             </a:xfrm>
             <a:custGeom>
@@ -12748,7 +12748,7 @@
           </p:nvSpPr>
           <p:spPr>
             <a:xfrm>
-              <a:off x="2141618" y="5922596"/>
+              <a:off x="2004264" y="5922594"/>
               <a:ext cx="63202" cy="63202"/>
             </a:xfrm>
             <a:custGeom>
@@ -12791,7 +12791,7 @@
           </p:nvSpPr>
           <p:spPr>
             <a:xfrm>
-              <a:off x="2030866" y="6353492"/>
+              <a:off x="1653308" y="6353515"/>
               <a:ext cx="63202" cy="63202"/>
             </a:xfrm>
             <a:custGeom>
@@ -12834,7 +12834,7 @@
           </p:nvSpPr>
           <p:spPr>
             <a:xfrm>
-              <a:off x="2084426" y="6359080"/>
+              <a:off x="2034282" y="6359088"/>
               <a:ext cx="63202" cy="63202"/>
             </a:xfrm>
             <a:custGeom>
@@ -12877,7 +12877,7 @@
           </p:nvSpPr>
           <p:spPr>
             <a:xfrm>
-              <a:off x="1844998" y="6328963"/>
+              <a:off x="2272820" y="6328963"/>
               <a:ext cx="63202" cy="63202"/>
             </a:xfrm>
             <a:custGeom>
@@ -12920,7 +12920,7 @@
           </p:nvSpPr>
           <p:spPr>
             <a:xfrm>
-              <a:off x="1719531" y="6419192"/>
+              <a:off x="1743095" y="6419196"/>
               <a:ext cx="63202" cy="63202"/>
             </a:xfrm>
             <a:custGeom>
@@ -12963,7 +12963,7 @@
           </p:nvSpPr>
           <p:spPr>
             <a:xfrm>
-              <a:off x="1891359" y="6358966"/>
+              <a:off x="2222806" y="6358976"/>
               <a:ext cx="63202" cy="63202"/>
             </a:xfrm>
             <a:custGeom>
@@ -13006,7 +13006,7 @@
           </p:nvSpPr>
           <p:spPr>
             <a:xfrm>
-              <a:off x="1892281" y="5980987"/>
+              <a:off x="2209752" y="5980973"/>
               <a:ext cx="63202" cy="63202"/>
             </a:xfrm>
             <a:custGeom>
@@ -13049,7 +13049,7 @@
           </p:nvSpPr>
           <p:spPr>
             <a:xfrm>
-              <a:off x="2195712" y="6483930"/>
+              <a:off x="1814716" y="6483939"/>
               <a:ext cx="63202" cy="63202"/>
             </a:xfrm>
             <a:custGeom>
@@ -13092,7 +13092,7 @@
           </p:nvSpPr>
           <p:spPr>
             <a:xfrm>
-              <a:off x="1943865" y="6336607"/>
+              <a:off x="1995648" y="6336639"/>
               <a:ext cx="63202" cy="63202"/>
             </a:xfrm>
             <a:custGeom>
@@ -13135,7 +13135,7 @@
           </p:nvSpPr>
           <p:spPr>
             <a:xfrm>
-              <a:off x="1996765" y="5928668"/>
+              <a:off x="1905250" y="5928670"/>
               <a:ext cx="63202" cy="63202"/>
             </a:xfrm>
             <a:custGeom>
@@ -13178,7 +13178,7 @@
           </p:nvSpPr>
           <p:spPr>
             <a:xfrm>
-              <a:off x="2198537" y="5926288"/>
+              <a:off x="1786494" y="5926276"/>
               <a:ext cx="63202" cy="63202"/>
             </a:xfrm>
             <a:custGeom>
@@ -13221,7 +13221,7 @@
           </p:nvSpPr>
           <p:spPr>
             <a:xfrm>
-              <a:off x="2224251" y="5943346"/>
+              <a:off x="2081871" y="5943357"/>
               <a:ext cx="63202" cy="63202"/>
             </a:xfrm>
             <a:custGeom>
@@ -13264,7 +13264,7 @@
           </p:nvSpPr>
           <p:spPr>
             <a:xfrm>
-              <a:off x="1796531" y="5934741"/>
+              <a:off x="1886449" y="5934715"/>
               <a:ext cx="63202" cy="63202"/>
             </a:xfrm>
             <a:custGeom>
@@ -13307,7 +13307,7 @@
           </p:nvSpPr>
           <p:spPr>
             <a:xfrm>
-              <a:off x="2110810" y="6062621"/>
+              <a:off x="1606713" y="6062620"/>
               <a:ext cx="63202" cy="63202"/>
             </a:xfrm>
             <a:custGeom>
@@ -13350,7 +13350,7 @@
           </p:nvSpPr>
           <p:spPr>
             <a:xfrm>
-              <a:off x="2096550" y="6625980"/>
+              <a:off x="1879380" y="6626005"/>
               <a:ext cx="63202" cy="63202"/>
             </a:xfrm>
             <a:custGeom>
@@ -13393,7 +13393,7 @@
           </p:nvSpPr>
           <p:spPr>
             <a:xfrm>
-              <a:off x="2179050" y="6223479"/>
+              <a:off x="2037507" y="6223482"/>
               <a:ext cx="63202" cy="63202"/>
             </a:xfrm>
             <a:custGeom>
@@ -13436,7 +13436,7 @@
           </p:nvSpPr>
           <p:spPr>
             <a:xfrm>
-              <a:off x="1610823" y="6183183"/>
+              <a:off x="1754552" y="6183174"/>
               <a:ext cx="63202" cy="63202"/>
             </a:xfrm>
             <a:custGeom>
@@ -13479,7 +13479,7 @@
           </p:nvSpPr>
           <p:spPr>
             <a:xfrm>
-              <a:off x="1838302" y="6628322"/>
+              <a:off x="2045448" y="6628353"/>
               <a:ext cx="63202" cy="63202"/>
             </a:xfrm>
             <a:custGeom>
@@ -13522,7 +13522,7 @@
           </p:nvSpPr>
           <p:spPr>
             <a:xfrm>
-              <a:off x="2142374" y="6328172"/>
+              <a:off x="1611383" y="6328197"/>
               <a:ext cx="63202" cy="63202"/>
             </a:xfrm>
             <a:custGeom>
@@ -13621,7 +13621,7 @@
           </p:nvSpPr>
           <p:spPr>
             <a:xfrm>
-              <a:off x="4325757" y="2815585"/>
+              <a:off x="4325757" y="2815603"/>
               <a:ext cx="2796732" cy="0"/>
             </a:xfrm>
             <a:custGeom>
@@ -13664,7 +13664,7 @@
           </p:nvSpPr>
           <p:spPr>
             <a:xfrm>
-              <a:off x="4325757" y="2361618"/>
+              <a:off x="4325757" y="2361625"/>
               <a:ext cx="2796732" cy="0"/>
             </a:xfrm>
             <a:custGeom>
@@ -13707,7 +13707,7 @@
           </p:nvSpPr>
           <p:spPr>
             <a:xfrm>
-              <a:off x="4325757" y="1907651"/>
+              <a:off x="4325757" y="1907646"/>
               <a:ext cx="2796732" cy="0"/>
             </a:xfrm>
             <a:custGeom>
@@ -13750,7 +13750,7 @@
           </p:nvSpPr>
           <p:spPr>
             <a:xfrm>
-              <a:off x="4325757" y="1453685"/>
+              <a:off x="4325757" y="1453668"/>
               <a:ext cx="2796732" cy="0"/>
             </a:xfrm>
             <a:custGeom>
@@ -13793,7 +13793,7 @@
           </p:nvSpPr>
           <p:spPr>
             <a:xfrm>
-              <a:off x="4325757" y="3042568"/>
+              <a:off x="4325757" y="3042592"/>
               <a:ext cx="2796732" cy="0"/>
             </a:xfrm>
             <a:custGeom>
@@ -13836,7 +13836,7 @@
           </p:nvSpPr>
           <p:spPr>
             <a:xfrm>
-              <a:off x="4325757" y="2588601"/>
+              <a:off x="4325757" y="2588614"/>
               <a:ext cx="2796732" cy="0"/>
             </a:xfrm>
             <a:custGeom>
@@ -13922,7 +13922,7 @@
           </p:nvSpPr>
           <p:spPr>
             <a:xfrm>
-              <a:off x="4325757" y="1680668"/>
+              <a:off x="4325757" y="1680657"/>
               <a:ext cx="2796732" cy="0"/>
             </a:xfrm>
             <a:custGeom>
@@ -14094,7 +14094,7 @@
           </p:nvSpPr>
           <p:spPr>
             <a:xfrm>
-              <a:off x="5031363" y="2249998"/>
+              <a:off x="5140249" y="2249980"/>
               <a:ext cx="63202" cy="63202"/>
             </a:xfrm>
             <a:custGeom>
@@ -14137,7 +14137,7 @@
           </p:nvSpPr>
           <p:spPr>
             <a:xfrm>
-              <a:off x="5089313" y="2284769"/>
+              <a:off x="5011146" y="2284767"/>
               <a:ext cx="63202" cy="63202"/>
             </a:xfrm>
             <a:custGeom>
@@ -14180,7 +14180,7 @@
           </p:nvSpPr>
           <p:spPr>
             <a:xfrm>
-              <a:off x="4720080" y="2521762"/>
+              <a:off x="4967894" y="2521767"/>
               <a:ext cx="63202" cy="63202"/>
             </a:xfrm>
             <a:custGeom>
@@ -14223,7 +14223,7 @@
           </p:nvSpPr>
           <p:spPr>
             <a:xfrm>
-              <a:off x="4718188" y="2239396"/>
+              <a:off x="4489235" y="2239422"/>
               <a:ext cx="63202" cy="63202"/>
             </a:xfrm>
             <a:custGeom>
@@ -14266,7 +14266,7 @@
           </p:nvSpPr>
           <p:spPr>
             <a:xfrm>
-              <a:off x="4863473" y="2310667"/>
+              <a:off x="5100942" y="2310696"/>
               <a:ext cx="63202" cy="63202"/>
             </a:xfrm>
             <a:custGeom>
@@ -14309,7 +14309,7 @@
           </p:nvSpPr>
           <p:spPr>
             <a:xfrm>
-              <a:off x="4539026" y="2550384"/>
+              <a:off x="4528284" y="2550388"/>
               <a:ext cx="63202" cy="63202"/>
             </a:xfrm>
             <a:custGeom>
@@ -14352,7 +14352,7 @@
           </p:nvSpPr>
           <p:spPr>
             <a:xfrm>
-              <a:off x="4816452" y="2279092"/>
+              <a:off x="4835257" y="2279099"/>
               <a:ext cx="63202" cy="63202"/>
             </a:xfrm>
             <a:custGeom>
@@ -14395,7 +14395,7 @@
           </p:nvSpPr>
           <p:spPr>
             <a:xfrm>
-              <a:off x="5894323" y="2933780"/>
+              <a:off x="5689621" y="2933815"/>
               <a:ext cx="63202" cy="63202"/>
             </a:xfrm>
             <a:custGeom>
@@ -14438,7 +14438,7 @@
           </p:nvSpPr>
           <p:spPr>
             <a:xfrm>
-              <a:off x="4589555" y="2251476"/>
+              <a:off x="4714888" y="2251473"/>
               <a:ext cx="63202" cy="63202"/>
             </a:xfrm>
             <a:custGeom>
@@ -14481,7 +14481,7 @@
           </p:nvSpPr>
           <p:spPr>
             <a:xfrm>
-              <a:off x="4875597" y="2590761"/>
+              <a:off x="4684710" y="2590791"/>
               <a:ext cx="63202" cy="63202"/>
             </a:xfrm>
             <a:custGeom>
@@ -14524,7 +14524,7 @@
           </p:nvSpPr>
           <p:spPr>
             <a:xfrm>
-              <a:off x="4960822" y="2835935"/>
+              <a:off x="4637493" y="2835953"/>
               <a:ext cx="63202" cy="63202"/>
             </a:xfrm>
             <a:custGeom>
@@ -14567,7 +14567,7 @@
           </p:nvSpPr>
           <p:spPr>
             <a:xfrm>
-              <a:off x="4534400" y="2254193"/>
+              <a:off x="4855606" y="2254224"/>
               <a:ext cx="63202" cy="63202"/>
             </a:xfrm>
             <a:custGeom>
@@ -14610,7 +14610,7 @@
           </p:nvSpPr>
           <p:spPr>
             <a:xfrm>
-              <a:off x="4916470" y="2247081"/>
+              <a:off x="4705803" y="2247087"/>
               <a:ext cx="63202" cy="63202"/>
             </a:xfrm>
             <a:custGeom>
@@ -14653,7 +14653,7 @@
           </p:nvSpPr>
           <p:spPr>
             <a:xfrm>
-              <a:off x="4871502" y="2273031"/>
+              <a:off x="4801794" y="2273044"/>
               <a:ext cx="63202" cy="63202"/>
             </a:xfrm>
             <a:custGeom>
@@ -14696,7 +14696,7 @@
           </p:nvSpPr>
           <p:spPr>
             <a:xfrm>
-              <a:off x="4670666" y="2294937"/>
+              <a:off x="5151441" y="2294913"/>
               <a:ext cx="63202" cy="63202"/>
             </a:xfrm>
             <a:custGeom>
@@ -14739,7 +14739,7 @@
           </p:nvSpPr>
           <p:spPr>
             <a:xfrm>
-              <a:off x="5122236" y="2282488"/>
+              <a:off x="4628562" y="2282505"/>
               <a:ext cx="63202" cy="63202"/>
             </a:xfrm>
             <a:custGeom>
@@ -14782,7 +14782,7 @@
           </p:nvSpPr>
           <p:spPr>
             <a:xfrm>
-              <a:off x="5039833" y="2301707"/>
+              <a:off x="4574245" y="2301707"/>
               <a:ext cx="63202" cy="63202"/>
             </a:xfrm>
             <a:custGeom>
@@ -14825,7 +14825,7 @@
           </p:nvSpPr>
           <p:spPr>
             <a:xfrm>
-              <a:off x="4859445" y="2274896"/>
+              <a:off x="4570315" y="2274927"/>
               <a:ext cx="63202" cy="63202"/>
             </a:xfrm>
             <a:custGeom>
@@ -14868,7 +14868,7 @@
           </p:nvSpPr>
           <p:spPr>
             <a:xfrm>
-              <a:off x="5057330" y="2270957"/>
+              <a:off x="4579483" y="2270972"/>
               <a:ext cx="63202" cy="63202"/>
             </a:xfrm>
             <a:custGeom>
@@ -14911,7 +14911,7 @@
           </p:nvSpPr>
           <p:spPr>
             <a:xfrm>
-              <a:off x="4685682" y="2419802"/>
+              <a:off x="4794672" y="2419811"/>
               <a:ext cx="63202" cy="63202"/>
             </a:xfrm>
             <a:custGeom>
@@ -14954,7 +14954,7 @@
           </p:nvSpPr>
           <p:spPr>
             <a:xfrm>
-              <a:off x="5087412" y="2269817"/>
+              <a:off x="4564781" y="2269824"/>
               <a:ext cx="63202" cy="63202"/>
             </a:xfrm>
             <a:custGeom>
@@ -14997,7 +14997,7 @@
           </p:nvSpPr>
           <p:spPr>
             <a:xfrm>
-              <a:off x="5148392" y="2405405"/>
+              <a:off x="4848942" y="2405446"/>
               <a:ext cx="63202" cy="63202"/>
             </a:xfrm>
             <a:custGeom>
@@ -15040,7 +15040,7 @@
           </p:nvSpPr>
           <p:spPr>
             <a:xfrm>
-              <a:off x="4777658" y="2494472"/>
+              <a:off x="5144536" y="2494512"/>
               <a:ext cx="63202" cy="63202"/>
             </a:xfrm>
             <a:custGeom>
@@ -15083,7 +15083,7 @@
           </p:nvSpPr>
           <p:spPr>
             <a:xfrm>
-              <a:off x="5149790" y="2464582"/>
+              <a:off x="4568074" y="2464571"/>
               <a:ext cx="63202" cy="63202"/>
             </a:xfrm>
             <a:custGeom>
@@ -15126,7 +15126,7 @@
           </p:nvSpPr>
           <p:spPr>
             <a:xfrm>
-              <a:off x="4828524" y="2415079"/>
+              <a:off x="4883332" y="2415114"/>
               <a:ext cx="63202" cy="63202"/>
             </a:xfrm>
             <a:custGeom>
@@ -15169,7 +15169,7 @@
           </p:nvSpPr>
           <p:spPr>
             <a:xfrm>
-              <a:off x="4836114" y="2275141"/>
+              <a:off x="4601575" y="2275129"/>
               <a:ext cx="63202" cy="63202"/>
             </a:xfrm>
             <a:custGeom>
@@ -15212,7 +15212,7 @@
           </p:nvSpPr>
           <p:spPr>
             <a:xfrm>
-              <a:off x="4799291" y="2515678"/>
+              <a:off x="4879558" y="2515691"/>
               <a:ext cx="63202" cy="63202"/>
             </a:xfrm>
             <a:custGeom>
@@ -15255,7 +15255,7 @@
           </p:nvSpPr>
           <p:spPr>
             <a:xfrm>
-              <a:off x="4532046" y="2275585"/>
+              <a:off x="4667503" y="2275590"/>
               <a:ext cx="63202" cy="63202"/>
             </a:xfrm>
             <a:custGeom>
@@ -15298,7 +15298,7 @@
           </p:nvSpPr>
           <p:spPr>
             <a:xfrm>
-              <a:off x="4869629" y="2296757"/>
+              <a:off x="5047080" y="2296750"/>
               <a:ext cx="63202" cy="63202"/>
             </a:xfrm>
             <a:custGeom>
@@ -15341,7 +15341,7 @@
           </p:nvSpPr>
           <p:spPr>
             <a:xfrm>
-              <a:off x="4647251" y="2648345"/>
+              <a:off x="4744405" y="2648340"/>
               <a:ext cx="63202" cy="63202"/>
             </a:xfrm>
             <a:custGeom>
@@ -15384,7 +15384,7 @@
           </p:nvSpPr>
           <p:spPr>
             <a:xfrm>
-              <a:off x="4680725" y="2331914"/>
+              <a:off x="4866158" y="2331939"/>
               <a:ext cx="63202" cy="63202"/>
             </a:xfrm>
             <a:custGeom>
@@ -15427,7 +15427,7 @@
           </p:nvSpPr>
           <p:spPr>
             <a:xfrm>
-              <a:off x="4985172" y="2270121"/>
+              <a:off x="4967043" y="2270160"/>
               <a:ext cx="63202" cy="63202"/>
             </a:xfrm>
             <a:custGeom>
@@ -15470,7 +15470,7 @@
           </p:nvSpPr>
           <p:spPr>
             <a:xfrm>
-              <a:off x="4786972" y="2584953"/>
+              <a:off x="5076821" y="2584970"/>
               <a:ext cx="63202" cy="63202"/>
             </a:xfrm>
             <a:custGeom>
@@ -15513,7 +15513,7 @@
           </p:nvSpPr>
           <p:spPr>
             <a:xfrm>
-              <a:off x="4566640" y="2394340"/>
+              <a:off x="4859957" y="2394352"/>
               <a:ext cx="63202" cy="63202"/>
             </a:xfrm>
             <a:custGeom>
@@ -15556,7 +15556,7 @@
           </p:nvSpPr>
           <p:spPr>
             <a:xfrm>
-              <a:off x="5122926" y="2285767"/>
+              <a:off x="4642681" y="2285754"/>
               <a:ext cx="63202" cy="63202"/>
             </a:xfrm>
             <a:custGeom>
@@ -15599,7 +15599,7 @@
           </p:nvSpPr>
           <p:spPr>
             <a:xfrm>
-              <a:off x="4946596" y="2283266"/>
+              <a:off x="4722924" y="2283281"/>
               <a:ext cx="63202" cy="63202"/>
             </a:xfrm>
             <a:custGeom>
@@ -15642,7 +15642,7 @@
           </p:nvSpPr>
           <p:spPr>
             <a:xfrm>
-              <a:off x="4543207" y="2242085"/>
+              <a:off x="4871438" y="2242097"/>
               <a:ext cx="63202" cy="63202"/>
             </a:xfrm>
             <a:custGeom>
@@ -15685,7 +15685,7 @@
           </p:nvSpPr>
           <p:spPr>
             <a:xfrm>
-              <a:off x="5020672" y="2242075"/>
+              <a:off x="4765851" y="2242099"/>
               <a:ext cx="63202" cy="63202"/>
             </a:xfrm>
             <a:custGeom>
@@ -15728,7 +15728,7 @@
           </p:nvSpPr>
           <p:spPr>
             <a:xfrm>
-              <a:off x="4701085" y="2307051"/>
+              <a:off x="4555391" y="2307046"/>
               <a:ext cx="63202" cy="63202"/>
             </a:xfrm>
             <a:custGeom>
@@ -15771,7 +15771,7 @@
           </p:nvSpPr>
           <p:spPr>
             <a:xfrm>
-              <a:off x="4736937" y="2595647"/>
+              <a:off x="4545318" y="2595646"/>
               <a:ext cx="63202" cy="63202"/>
             </a:xfrm>
             <a:custGeom>
@@ -15814,7 +15814,7 @@
           </p:nvSpPr>
           <p:spPr>
             <a:xfrm>
-              <a:off x="4833396" y="2303566"/>
+              <a:off x="4538969" y="2303564"/>
               <a:ext cx="63202" cy="63202"/>
             </a:xfrm>
             <a:custGeom>
@@ -15857,7 +15857,7 @@
           </p:nvSpPr>
           <p:spPr>
             <a:xfrm>
-              <a:off x="4970823" y="2289264"/>
+              <a:off x="4558029" y="2289239"/>
               <a:ext cx="63202" cy="63202"/>
             </a:xfrm>
             <a:custGeom>
@@ -15900,7 +15900,7 @@
           </p:nvSpPr>
           <p:spPr>
             <a:xfrm>
-              <a:off x="5018121" y="2210939"/>
+              <a:off x="5070159" y="2210953"/>
               <a:ext cx="63202" cy="63202"/>
             </a:xfrm>
             <a:custGeom>
@@ -15943,7 +15943,7 @@
           </p:nvSpPr>
           <p:spPr>
             <a:xfrm>
-              <a:off x="4699580" y="2488344"/>
+              <a:off x="5108039" y="2488387"/>
               <a:ext cx="63202" cy="63202"/>
             </a:xfrm>
             <a:custGeom>
@@ -15986,7 +15986,7 @@
           </p:nvSpPr>
           <p:spPr>
             <a:xfrm>
-              <a:off x="5099754" y="2235942"/>
+              <a:off x="4472650" y="2235976"/>
               <a:ext cx="63202" cy="63202"/>
             </a:xfrm>
             <a:custGeom>
@@ -16029,7 +16029,7 @@
           </p:nvSpPr>
           <p:spPr>
             <a:xfrm>
-              <a:off x="4500335" y="2324520"/>
+              <a:off x="4659979" y="2324530"/>
               <a:ext cx="63202" cy="63202"/>
             </a:xfrm>
             <a:custGeom>
@@ -16072,7 +16072,7 @@
           </p:nvSpPr>
           <p:spPr>
             <a:xfrm>
-              <a:off x="4695888" y="2355294"/>
+              <a:off x="4937414" y="2355325"/>
               <a:ext cx="63202" cy="63202"/>
             </a:xfrm>
             <a:custGeom>
@@ -16115,7 +16115,7 @@
           </p:nvSpPr>
           <p:spPr>
             <a:xfrm>
-              <a:off x="4820178" y="2276861"/>
+              <a:off x="4875458" y="2276876"/>
               <a:ext cx="63202" cy="63202"/>
             </a:xfrm>
             <a:custGeom>
@@ -16158,7 +16158,7 @@
           </p:nvSpPr>
           <p:spPr>
             <a:xfrm>
-              <a:off x="5087468" y="2577869"/>
+              <a:off x="4998557" y="2577898"/>
               <a:ext cx="63202" cy="63202"/>
             </a:xfrm>
             <a:custGeom>
@@ -16201,7 +16201,7 @@
           </p:nvSpPr>
           <p:spPr>
             <a:xfrm>
-              <a:off x="4728120" y="2747749"/>
+              <a:off x="5050701" y="2747757"/>
               <a:ext cx="63202" cy="63202"/>
             </a:xfrm>
             <a:custGeom>
@@ -16244,7 +16244,7 @@
           </p:nvSpPr>
           <p:spPr>
             <a:xfrm>
-              <a:off x="4738483" y="2329069"/>
+              <a:off x="4923704" y="2329067"/>
               <a:ext cx="63202" cy="63202"/>
             </a:xfrm>
             <a:custGeom>
@@ -16287,7 +16287,7 @@
           </p:nvSpPr>
           <p:spPr>
             <a:xfrm>
-              <a:off x="4509082" y="2463787"/>
+              <a:off x="5071595" y="2463793"/>
               <a:ext cx="63202" cy="63202"/>
             </a:xfrm>
             <a:custGeom>
@@ -16330,7 +16330,7 @@
           </p:nvSpPr>
           <p:spPr>
             <a:xfrm>
-              <a:off x="4844860" y="2595175"/>
+              <a:off x="5167906" y="2595208"/>
               <a:ext cx="63202" cy="63202"/>
             </a:xfrm>
             <a:custGeom>
@@ -16373,7 +16373,7 @@
           </p:nvSpPr>
           <p:spPr>
             <a:xfrm>
-              <a:off x="4704658" y="2284543"/>
+              <a:off x="4770886" y="2284522"/>
               <a:ext cx="63202" cy="63202"/>
             </a:xfrm>
             <a:custGeom>
@@ -16416,7 +16416,7 @@
           </p:nvSpPr>
           <p:spPr>
             <a:xfrm>
-              <a:off x="4537729" y="2356744"/>
+              <a:off x="4630806" y="2356766"/>
               <a:ext cx="63202" cy="63202"/>
             </a:xfrm>
             <a:custGeom>
@@ -16459,7 +16459,7 @@
           </p:nvSpPr>
           <p:spPr>
             <a:xfrm>
-              <a:off x="4500604" y="2252375"/>
+              <a:off x="5051720" y="2252386"/>
               <a:ext cx="63202" cy="63202"/>
             </a:xfrm>
             <a:custGeom>
@@ -16502,7 +16502,7 @@
           </p:nvSpPr>
           <p:spPr>
             <a:xfrm>
-              <a:off x="4750010" y="2709444"/>
+              <a:off x="4822039" y="2709466"/>
               <a:ext cx="63202" cy="63202"/>
             </a:xfrm>
             <a:custGeom>
@@ -16545,7 +16545,7 @@
           </p:nvSpPr>
           <p:spPr>
             <a:xfrm>
-              <a:off x="4863066" y="2278887"/>
+              <a:off x="5027750" y="2278920"/>
               <a:ext cx="63202" cy="63202"/>
             </a:xfrm>
             <a:custGeom>
@@ -16588,7 +16588,7 @@
           </p:nvSpPr>
           <p:spPr>
             <a:xfrm>
-              <a:off x="4870108" y="2329072"/>
+              <a:off x="4827980" y="2329064"/>
               <a:ext cx="63202" cy="63202"/>
             </a:xfrm>
             <a:custGeom>
@@ -16631,7 +16631,7 @@
           </p:nvSpPr>
           <p:spPr>
             <a:xfrm>
-              <a:off x="5079973" y="2676121"/>
+              <a:off x="4576751" y="2676125"/>
               <a:ext cx="63202" cy="63202"/>
             </a:xfrm>
             <a:custGeom>
@@ -16674,7 +16674,7 @@
           </p:nvSpPr>
           <p:spPr>
             <a:xfrm>
-              <a:off x="4689340" y="2345537"/>
+              <a:off x="4846513" y="2345532"/>
               <a:ext cx="63202" cy="63202"/>
             </a:xfrm>
             <a:custGeom>
@@ -16717,7 +16717,7 @@
           </p:nvSpPr>
           <p:spPr>
             <a:xfrm>
-              <a:off x="4897407" y="2351173"/>
+              <a:off x="4486125" y="2351186"/>
               <a:ext cx="63202" cy="63202"/>
             </a:xfrm>
             <a:custGeom>
@@ -16760,7 +16760,7 @@
           </p:nvSpPr>
           <p:spPr>
             <a:xfrm>
-              <a:off x="5041464" y="2239673"/>
+              <a:off x="4825478" y="2239692"/>
               <a:ext cx="63202" cy="63202"/>
             </a:xfrm>
             <a:custGeom>
@@ -16803,7 +16803,7 @@
           </p:nvSpPr>
           <p:spPr>
             <a:xfrm>
-              <a:off x="4631120" y="2273595"/>
+              <a:off x="4613389" y="2273576"/>
               <a:ext cx="63202" cy="63202"/>
             </a:xfrm>
             <a:custGeom>
@@ -16846,7 +16846,7 @@
           </p:nvSpPr>
           <p:spPr>
             <a:xfrm>
-              <a:off x="4768708" y="2338944"/>
+              <a:off x="4943191" y="2338959"/>
               <a:ext cx="63202" cy="63202"/>
             </a:xfrm>
             <a:custGeom>
@@ -16889,7 +16889,7 @@
           </p:nvSpPr>
           <p:spPr>
             <a:xfrm>
-              <a:off x="5000904" y="2316501"/>
+              <a:off x="5029756" y="2316480"/>
               <a:ext cx="63202" cy="63202"/>
             </a:xfrm>
             <a:custGeom>
@@ -16932,7 +16932,7 @@
           </p:nvSpPr>
           <p:spPr>
             <a:xfrm>
-              <a:off x="4697038" y="2241736"/>
+              <a:off x="4671433" y="2241721"/>
               <a:ext cx="63202" cy="63202"/>
             </a:xfrm>
             <a:custGeom>
@@ -16975,7 +16975,7 @@
           </p:nvSpPr>
           <p:spPr>
             <a:xfrm>
-              <a:off x="4989527" y="2454767"/>
+              <a:off x="4657948" y="2454770"/>
               <a:ext cx="63202" cy="63202"/>
             </a:xfrm>
             <a:custGeom>
@@ -17018,7 +17018,7 @@
           </p:nvSpPr>
           <p:spPr>
             <a:xfrm>
-              <a:off x="4683578" y="2302718"/>
+              <a:off x="4604896" y="2302733"/>
               <a:ext cx="63202" cy="63202"/>
             </a:xfrm>
             <a:custGeom>
@@ -17061,7 +17061,7 @@
           </p:nvSpPr>
           <p:spPr>
             <a:xfrm>
-              <a:off x="5018241" y="2316182"/>
+              <a:off x="5074681" y="2316193"/>
               <a:ext cx="63202" cy="63202"/>
             </a:xfrm>
             <a:custGeom>
@@ -17104,7 +17104,7 @@
           </p:nvSpPr>
           <p:spPr>
             <a:xfrm>
-              <a:off x="4859808" y="2610384"/>
+              <a:off x="4524931" y="2610389"/>
               <a:ext cx="63202" cy="63202"/>
             </a:xfrm>
             <a:custGeom>
@@ -17147,7 +17147,7 @@
           </p:nvSpPr>
           <p:spPr>
             <a:xfrm>
-              <a:off x="4549109" y="2630852"/>
+              <a:off x="5165099" y="2630868"/>
               <a:ext cx="63202" cy="63202"/>
             </a:xfrm>
             <a:custGeom>
@@ -17190,7 +17190,7 @@
           </p:nvSpPr>
           <p:spPr>
             <a:xfrm>
-              <a:off x="4804258" y="2242656"/>
+              <a:off x="4827735" y="2242696"/>
               <a:ext cx="63202" cy="63202"/>
             </a:xfrm>
             <a:custGeom>
@@ -17233,7 +17233,7 @@
           </p:nvSpPr>
           <p:spPr>
             <a:xfrm>
-              <a:off x="4479845" y="2236315"/>
+              <a:off x="4650764" y="2236338"/>
               <a:ext cx="63202" cy="63202"/>
             </a:xfrm>
             <a:custGeom>
@@ -17276,7 +17276,7 @@
           </p:nvSpPr>
           <p:spPr>
             <a:xfrm>
-              <a:off x="4715688" y="2233961"/>
+              <a:off x="4915913" y="2233978"/>
               <a:ext cx="63202" cy="63202"/>
             </a:xfrm>
             <a:custGeom>
@@ -17319,7 +17319,7 @@
           </p:nvSpPr>
           <p:spPr>
             <a:xfrm>
-              <a:off x="4858215" y="2486582"/>
+              <a:off x="4660132" y="2486583"/>
               <a:ext cx="63202" cy="63202"/>
             </a:xfrm>
             <a:custGeom>
@@ -17362,7 +17362,7 @@
           </p:nvSpPr>
           <p:spPr>
             <a:xfrm>
-              <a:off x="5119723" y="2283020"/>
+              <a:off x="4556134" y="2283049"/>
               <a:ext cx="63202" cy="63202"/>
             </a:xfrm>
             <a:custGeom>
@@ -17405,7 +17405,7 @@
           </p:nvSpPr>
           <p:spPr>
             <a:xfrm>
-              <a:off x="4631571" y="2242412"/>
+              <a:off x="4701944" y="2242399"/>
               <a:ext cx="63202" cy="63202"/>
             </a:xfrm>
             <a:custGeom>
@@ -17448,7 +17448,7 @@
           </p:nvSpPr>
           <p:spPr>
             <a:xfrm>
-              <a:off x="4546417" y="2481000"/>
+              <a:off x="4772618" y="2481006"/>
               <a:ext cx="63202" cy="63202"/>
             </a:xfrm>
             <a:custGeom>
@@ -17491,7 +17491,7 @@
           </p:nvSpPr>
           <p:spPr>
             <a:xfrm>
-              <a:off x="4860250" y="2236316"/>
+              <a:off x="4624571" y="2236328"/>
               <a:ext cx="63202" cy="63202"/>
             </a:xfrm>
             <a:custGeom>
@@ -17534,7 +17534,7 @@
           </p:nvSpPr>
           <p:spPr>
             <a:xfrm>
-              <a:off x="4860513" y="2238712"/>
+              <a:off x="4638347" y="2238732"/>
               <a:ext cx="63202" cy="63202"/>
             </a:xfrm>
             <a:custGeom>
@@ -17577,7 +17577,7 @@
           </p:nvSpPr>
           <p:spPr>
             <a:xfrm>
-              <a:off x="4777664" y="2275763"/>
+              <a:off x="4667651" y="2275761"/>
               <a:ext cx="63202" cy="63202"/>
             </a:xfrm>
             <a:custGeom>
@@ -17620,7 +17620,7 @@
           </p:nvSpPr>
           <p:spPr>
             <a:xfrm>
-              <a:off x="4888946" y="2240432"/>
+              <a:off x="5026189" y="2240452"/>
               <a:ext cx="63202" cy="63202"/>
             </a:xfrm>
             <a:custGeom>
@@ -17663,7 +17663,7 @@
           </p:nvSpPr>
           <p:spPr>
             <a:xfrm>
-              <a:off x="4943231" y="2398556"/>
+              <a:off x="4893566" y="2398573"/>
               <a:ext cx="63202" cy="63202"/>
             </a:xfrm>
             <a:custGeom>
@@ -17706,7 +17706,7 @@
           </p:nvSpPr>
           <p:spPr>
             <a:xfrm>
-              <a:off x="4782750" y="2238395"/>
+              <a:off x="4733333" y="2238426"/>
               <a:ext cx="63202" cy="63202"/>
             </a:xfrm>
             <a:custGeom>
@@ -17749,7 +17749,7 @@
           </p:nvSpPr>
           <p:spPr>
             <a:xfrm>
-              <a:off x="5018839" y="2243994"/>
+              <a:off x="4503305" y="2244011"/>
               <a:ext cx="63202" cy="63202"/>
             </a:xfrm>
             <a:custGeom>
@@ -17848,7 +17848,7 @@
           </p:nvSpPr>
           <p:spPr>
             <a:xfrm>
-              <a:off x="4325757" y="4740917"/>
+              <a:off x="4325757" y="4740936"/>
               <a:ext cx="2796732" cy="0"/>
             </a:xfrm>
             <a:custGeom>
@@ -17891,7 +17891,7 @@
           </p:nvSpPr>
           <p:spPr>
             <a:xfrm>
-              <a:off x="4325757" y="4286951"/>
+              <a:off x="4325757" y="4286957"/>
               <a:ext cx="2796732" cy="0"/>
             </a:xfrm>
             <a:custGeom>
@@ -17934,7 +17934,7 @@
           </p:nvSpPr>
           <p:spPr>
             <a:xfrm>
-              <a:off x="4325757" y="3832984"/>
+              <a:off x="4325757" y="3832979"/>
               <a:ext cx="2796732" cy="0"/>
             </a:xfrm>
             <a:custGeom>
@@ -17977,7 +17977,7 @@
           </p:nvSpPr>
           <p:spPr>
             <a:xfrm>
-              <a:off x="4325757" y="3379017"/>
+              <a:off x="4325757" y="3379000"/>
               <a:ext cx="2796732" cy="0"/>
             </a:xfrm>
             <a:custGeom>
@@ -18020,7 +18020,7 @@
           </p:nvSpPr>
           <p:spPr>
             <a:xfrm>
-              <a:off x="4325757" y="4967901"/>
+              <a:off x="4325757" y="4967925"/>
               <a:ext cx="2796732" cy="0"/>
             </a:xfrm>
             <a:custGeom>
@@ -18063,7 +18063,7 @@
           </p:nvSpPr>
           <p:spPr>
             <a:xfrm>
-              <a:off x="4325757" y="4513934"/>
+              <a:off x="4325757" y="4513946"/>
               <a:ext cx="2796732" cy="0"/>
             </a:xfrm>
             <a:custGeom>
@@ -18106,7 +18106,7 @@
           </p:nvSpPr>
           <p:spPr>
             <a:xfrm>
-              <a:off x="4325757" y="4059967"/>
+              <a:off x="4325757" y="4059968"/>
               <a:ext cx="2796732" cy="0"/>
             </a:xfrm>
             <a:custGeom>
@@ -18149,7 +18149,7 @@
           </p:nvSpPr>
           <p:spPr>
             <a:xfrm>
-              <a:off x="4325757" y="3606001"/>
+              <a:off x="4325757" y="3605990"/>
               <a:ext cx="2796732" cy="0"/>
             </a:xfrm>
             <a:custGeom>
@@ -18321,7 +18321,7 @@
           </p:nvSpPr>
           <p:spPr>
             <a:xfrm>
-              <a:off x="4527228" y="4367035"/>
+              <a:off x="4990459" y="4367023"/>
               <a:ext cx="63202" cy="63202"/>
             </a:xfrm>
             <a:custGeom>
@@ -18364,7 +18364,7 @@
           </p:nvSpPr>
           <p:spPr>
             <a:xfrm>
-              <a:off x="4889100" y="4304788"/>
+              <a:off x="5098201" y="4304803"/>
               <a:ext cx="63202" cy="63202"/>
             </a:xfrm>
             <a:custGeom>
@@ -18407,7 +18407,7 @@
           </p:nvSpPr>
           <p:spPr>
             <a:xfrm>
-              <a:off x="5937862" y="4227872"/>
+              <a:off x="5606987" y="4227883"/>
               <a:ext cx="63202" cy="63202"/>
             </a:xfrm>
             <a:custGeom>
@@ -18450,7 +18450,7 @@
           </p:nvSpPr>
           <p:spPr>
             <a:xfrm>
-              <a:off x="6256749" y="4769056"/>
+              <a:off x="6448860" y="4769083"/>
               <a:ext cx="63202" cy="63202"/>
             </a:xfrm>
             <a:custGeom>
@@ -18493,7 +18493,7 @@
           </p:nvSpPr>
           <p:spPr>
             <a:xfrm>
-              <a:off x="6559252" y="4883747"/>
+              <a:off x="6406476" y="4883747"/>
               <a:ext cx="63202" cy="63202"/>
             </a:xfrm>
             <a:custGeom>
@@ -18536,7 +18536,7 @@
           </p:nvSpPr>
           <p:spPr>
             <a:xfrm>
-              <a:off x="6635686" y="4687358"/>
+              <a:off x="6245420" y="4687362"/>
               <a:ext cx="63202" cy="63202"/>
             </a:xfrm>
             <a:custGeom>
@@ -18579,7 +18579,7 @@
           </p:nvSpPr>
           <p:spPr>
             <a:xfrm>
-              <a:off x="6407188" y="4864341"/>
+              <a:off x="6787156" y="4864355"/>
               <a:ext cx="63202" cy="63202"/>
             </a:xfrm>
             <a:custGeom>
@@ -18678,7 +18678,7 @@
           </p:nvSpPr>
           <p:spPr>
             <a:xfrm>
-              <a:off x="4325757" y="6666250"/>
+              <a:off x="4325757" y="6666268"/>
               <a:ext cx="2796732" cy="0"/>
             </a:xfrm>
             <a:custGeom>
@@ -18721,7 +18721,7 @@
           </p:nvSpPr>
           <p:spPr>
             <a:xfrm>
-              <a:off x="4325757" y="6212283"/>
+              <a:off x="4325757" y="6212290"/>
               <a:ext cx="2796732" cy="0"/>
             </a:xfrm>
             <a:custGeom>
@@ -18764,7 +18764,7 @@
           </p:nvSpPr>
           <p:spPr>
             <a:xfrm>
-              <a:off x="4325757" y="5758316"/>
+              <a:off x="4325757" y="5758311"/>
               <a:ext cx="2796732" cy="0"/>
             </a:xfrm>
             <a:custGeom>
@@ -18807,7 +18807,7 @@
           </p:nvSpPr>
           <p:spPr>
             <a:xfrm>
-              <a:off x="4325757" y="5304350"/>
+              <a:off x="4325757" y="5304333"/>
               <a:ext cx="2796732" cy="0"/>
             </a:xfrm>
             <a:custGeom>
@@ -18850,7 +18850,7 @@
           </p:nvSpPr>
           <p:spPr>
             <a:xfrm>
-              <a:off x="4325757" y="6893233"/>
+              <a:off x="4325757" y="6893257"/>
               <a:ext cx="2796732" cy="0"/>
             </a:xfrm>
             <a:custGeom>
@@ -18893,7 +18893,7 @@
           </p:nvSpPr>
           <p:spPr>
             <a:xfrm>
-              <a:off x="4325757" y="6439267"/>
+              <a:off x="4325757" y="6439279"/>
               <a:ext cx="2796732" cy="0"/>
             </a:xfrm>
             <a:custGeom>
@@ -18936,7 +18936,7 @@
           </p:nvSpPr>
           <p:spPr>
             <a:xfrm>
-              <a:off x="4325757" y="5985300"/>
+              <a:off x="4325757" y="5985301"/>
               <a:ext cx="2796732" cy="0"/>
             </a:xfrm>
             <a:custGeom>
@@ -18979,7 +18979,7 @@
           </p:nvSpPr>
           <p:spPr>
             <a:xfrm>
-              <a:off x="4325757" y="5531333"/>
+              <a:off x="4325757" y="5531322"/>
               <a:ext cx="2796732" cy="0"/>
             </a:xfrm>
             <a:custGeom>
@@ -19151,7 +19151,7 @@
           </p:nvSpPr>
           <p:spPr>
             <a:xfrm>
-              <a:off x="4928182" y="5890197"/>
+              <a:off x="4965161" y="5890190"/>
               <a:ext cx="63202" cy="63202"/>
             </a:xfrm>
             <a:custGeom>
@@ -19194,7 +19194,7 @@
           </p:nvSpPr>
           <p:spPr>
             <a:xfrm>
-              <a:off x="4907490" y="5865720"/>
+              <a:off x="4931655" y="5865707"/>
               <a:ext cx="63202" cy="63202"/>
             </a:xfrm>
             <a:custGeom>
@@ -19237,7 +19237,7 @@
           </p:nvSpPr>
           <p:spPr>
             <a:xfrm>
-              <a:off x="5100993" y="5923235"/>
+              <a:off x="5062008" y="5923247"/>
               <a:ext cx="63202" cy="63202"/>
             </a:xfrm>
             <a:custGeom>
@@ -19280,7 +19280,7 @@
           </p:nvSpPr>
           <p:spPr>
             <a:xfrm>
-              <a:off x="4889786" y="5811797"/>
+              <a:off x="4867201" y="5811789"/>
               <a:ext cx="63202" cy="63202"/>
             </a:xfrm>
             <a:custGeom>
@@ -19323,7 +19323,7 @@
           </p:nvSpPr>
           <p:spPr>
             <a:xfrm>
-              <a:off x="5145652" y="5866226"/>
+              <a:off x="4751593" y="5866206"/>
               <a:ext cx="63202" cy="63202"/>
             </a:xfrm>
             <a:custGeom>
@@ -19366,7 +19366,7 @@
           </p:nvSpPr>
           <p:spPr>
             <a:xfrm>
-              <a:off x="4495196" y="5881798"/>
+              <a:off x="4501977" y="5881788"/>
               <a:ext cx="63202" cy="63202"/>
             </a:xfrm>
             <a:custGeom>
@@ -19409,7 +19409,7 @@
           </p:nvSpPr>
           <p:spPr>
             <a:xfrm>
-              <a:off x="4493647" y="5864281"/>
+              <a:off x="4900029" y="5864251"/>
               <a:ext cx="63202" cy="63202"/>
             </a:xfrm>
             <a:custGeom>
@@ -19452,7 +19452,7 @@
           </p:nvSpPr>
           <p:spPr>
             <a:xfrm>
-              <a:off x="4998239" y="5933015"/>
+              <a:off x="4808314" y="5932984"/>
               <a:ext cx="63202" cy="63202"/>
             </a:xfrm>
             <a:custGeom>
@@ -19495,7 +19495,7 @@
           </p:nvSpPr>
           <p:spPr>
             <a:xfrm>
-              <a:off x="4479899" y="6091285"/>
+              <a:off x="5062509" y="6091295"/>
               <a:ext cx="63202" cy="63202"/>
             </a:xfrm>
             <a:custGeom>
@@ -19538,7 +19538,7 @@
           </p:nvSpPr>
           <p:spPr>
             <a:xfrm>
-              <a:off x="4940194" y="5923097"/>
+              <a:off x="4674918" y="5923118"/>
               <a:ext cx="63202" cy="63202"/>
             </a:xfrm>
             <a:custGeom>
@@ -19581,7 +19581,7 @@
           </p:nvSpPr>
           <p:spPr>
             <a:xfrm>
-              <a:off x="5042866" y="5929713"/>
+              <a:off x="4905152" y="5929741"/>
               <a:ext cx="63202" cy="63202"/>
             </a:xfrm>
             <a:custGeom>
@@ -19624,7 +19624,7 @@
           </p:nvSpPr>
           <p:spPr>
             <a:xfrm>
-              <a:off x="4958403" y="6079872"/>
+              <a:off x="4932283" y="6079865"/>
               <a:ext cx="63202" cy="63202"/>
             </a:xfrm>
             <a:custGeom>
@@ -19667,7 +19667,7 @@
           </p:nvSpPr>
           <p:spPr>
             <a:xfrm>
-              <a:off x="5145169" y="6082051"/>
+              <a:off x="5039462" y="6082028"/>
               <a:ext cx="63202" cy="63202"/>
             </a:xfrm>
             <a:custGeom>
@@ -19710,7 +19710,7 @@
           </p:nvSpPr>
           <p:spPr>
             <a:xfrm>
-              <a:off x="4573051" y="5899853"/>
+              <a:off x="5126076" y="5899848"/>
               <a:ext cx="63202" cy="63202"/>
             </a:xfrm>
             <a:custGeom>
@@ -19753,7 +19753,7 @@
           </p:nvSpPr>
           <p:spPr>
             <a:xfrm>
-              <a:off x="5007843" y="5930355"/>
+              <a:off x="4906603" y="5930347"/>
               <a:ext cx="63202" cy="63202"/>
             </a:xfrm>
             <a:custGeom>
@@ -19796,7 +19796,7 @@
           </p:nvSpPr>
           <p:spPr>
             <a:xfrm>
-              <a:off x="4614042" y="5848201"/>
+              <a:off x="4870376" y="5848205"/>
               <a:ext cx="63202" cy="63202"/>
             </a:xfrm>
             <a:custGeom>
@@ -19839,7 +19839,7 @@
           </p:nvSpPr>
           <p:spPr>
             <a:xfrm>
-              <a:off x="5107226" y="5912175"/>
+              <a:off x="5108835" y="5912153"/>
               <a:ext cx="63202" cy="63202"/>
             </a:xfrm>
             <a:custGeom>
@@ -19882,7 +19882,7 @@
           </p:nvSpPr>
           <p:spPr>
             <a:xfrm>
-              <a:off x="5167766" y="5859916"/>
+              <a:off x="5108195" y="5859911"/>
               <a:ext cx="63202" cy="63202"/>
             </a:xfrm>
             <a:custGeom>
@@ -19925,7 +19925,7 @@
           </p:nvSpPr>
           <p:spPr>
             <a:xfrm>
-              <a:off x="4845399" y="5887044"/>
+              <a:off x="4746626" y="5887040"/>
               <a:ext cx="63202" cy="63202"/>
             </a:xfrm>
             <a:custGeom>
@@ -19968,7 +19968,7 @@
           </p:nvSpPr>
           <p:spPr>
             <a:xfrm>
-              <a:off x="4653908" y="5845319"/>
+              <a:off x="4860051" y="5845329"/>
               <a:ext cx="63202" cy="63202"/>
             </a:xfrm>
             <a:custGeom>
@@ -20011,7 +20011,7 @@
           </p:nvSpPr>
           <p:spPr>
             <a:xfrm>
-              <a:off x="4728788" y="6194696"/>
+              <a:off x="4845712" y="6194705"/>
               <a:ext cx="63202" cy="63202"/>
             </a:xfrm>
             <a:custGeom>
@@ -20054,7 +20054,7 @@
           </p:nvSpPr>
           <p:spPr>
             <a:xfrm>
-              <a:off x="4679720" y="5886026"/>
+              <a:off x="5165692" y="5886022"/>
               <a:ext cx="63202" cy="63202"/>
             </a:xfrm>
             <a:custGeom>
@@ -20097,7 +20097,7 @@
           </p:nvSpPr>
           <p:spPr>
             <a:xfrm>
-              <a:off x="4989484" y="5883655"/>
+              <a:off x="4699119" y="5883667"/>
               <a:ext cx="63202" cy="63202"/>
             </a:xfrm>
             <a:custGeom>
@@ -20140,7 +20140,7 @@
           </p:nvSpPr>
           <p:spPr>
             <a:xfrm>
-              <a:off x="5163349" y="5854738"/>
+              <a:off x="5127541" y="5854726"/>
               <a:ext cx="63202" cy="63202"/>
             </a:xfrm>
             <a:custGeom>
@@ -20183,7 +20183,7 @@
           </p:nvSpPr>
           <p:spPr>
             <a:xfrm>
-              <a:off x="4703430" y="5863914"/>
+              <a:off x="4507570" y="5863899"/>
               <a:ext cx="63202" cy="63202"/>
             </a:xfrm>
             <a:custGeom>
@@ -20226,7 +20226,7 @@
           </p:nvSpPr>
           <p:spPr>
             <a:xfrm>
-              <a:off x="4676128" y="5882652"/>
+              <a:off x="4609097" y="5882647"/>
               <a:ext cx="63202" cy="63202"/>
             </a:xfrm>
             <a:custGeom>
@@ -20269,7 +20269,7 @@
           </p:nvSpPr>
           <p:spPr>
             <a:xfrm>
-              <a:off x="4558246" y="5881567"/>
+              <a:off x="4984204" y="5881573"/>
               <a:ext cx="63202" cy="63202"/>
             </a:xfrm>
             <a:custGeom>
@@ -20312,7 +20312,7 @@
           </p:nvSpPr>
           <p:spPr>
             <a:xfrm>
-              <a:off x="4619933" y="5865629"/>
+              <a:off x="4756350" y="5865636"/>
               <a:ext cx="63202" cy="63202"/>
             </a:xfrm>
             <a:custGeom>
@@ -20355,7 +20355,7 @@
           </p:nvSpPr>
           <p:spPr>
             <a:xfrm>
-              <a:off x="4921086" y="5922796"/>
+              <a:off x="4733594" y="5922799"/>
               <a:ext cx="63202" cy="63202"/>
             </a:xfrm>
             <a:custGeom>
@@ -20398,7 +20398,7 @@
           </p:nvSpPr>
           <p:spPr>
             <a:xfrm>
-              <a:off x="4947210" y="5901272"/>
+              <a:off x="4987951" y="5901263"/>
               <a:ext cx="63202" cy="63202"/>
             </a:xfrm>
             <a:custGeom>
@@ -20441,7 +20441,7 @@
           </p:nvSpPr>
           <p:spPr>
             <a:xfrm>
-              <a:off x="4787792" y="5889061"/>
+              <a:off x="5120788" y="5889066"/>
               <a:ext cx="63202" cy="63202"/>
             </a:xfrm>
             <a:custGeom>
@@ -20484,7 +20484,7 @@
           </p:nvSpPr>
           <p:spPr>
             <a:xfrm>
-              <a:off x="4788939" y="5854740"/>
+              <a:off x="5155055" y="5854737"/>
               <a:ext cx="63202" cy="63202"/>
             </a:xfrm>
             <a:custGeom>
@@ -20527,7 +20527,7 @@
           </p:nvSpPr>
           <p:spPr>
             <a:xfrm>
-              <a:off x="4997080" y="5864254"/>
+              <a:off x="4830932" y="5864258"/>
               <a:ext cx="63202" cy="63202"/>
             </a:xfrm>
             <a:custGeom>
@@ -20570,7 +20570,7 @@
           </p:nvSpPr>
           <p:spPr>
             <a:xfrm>
-              <a:off x="4676173" y="5864279"/>
+              <a:off x="4589121" y="5864255"/>
               <a:ext cx="63202" cy="63202"/>
             </a:xfrm>
             <a:custGeom>
@@ -20613,7 +20613,7 @@
           </p:nvSpPr>
           <p:spPr>
             <a:xfrm>
-              <a:off x="4749909" y="5889190"/>
+              <a:off x="4934592" y="5889185"/>
               <a:ext cx="63202" cy="63202"/>
             </a:xfrm>
             <a:custGeom>
@@ -20656,7 +20656,7 @@
           </p:nvSpPr>
           <p:spPr>
             <a:xfrm>
-              <a:off x="4981361" y="5890067"/>
+              <a:off x="4958246" y="5890063"/>
               <a:ext cx="63202" cy="63202"/>
             </a:xfrm>
             <a:custGeom>
@@ -20699,7 +20699,7 @@
           </p:nvSpPr>
           <p:spPr>
             <a:xfrm>
-              <a:off x="4701691" y="6023426"/>
+              <a:off x="4808249" y="6023421"/>
               <a:ext cx="63202" cy="63202"/>
             </a:xfrm>
             <a:custGeom>
@@ -20742,7 +20742,7 @@
           </p:nvSpPr>
           <p:spPr>
             <a:xfrm>
-              <a:off x="4751234" y="5857725"/>
+              <a:off x="4481410" y="5857717"/>
               <a:ext cx="63202" cy="63202"/>
             </a:xfrm>
             <a:custGeom>
@@ -20785,7 +20785,7 @@
           </p:nvSpPr>
           <p:spPr>
             <a:xfrm>
-              <a:off x="4737192" y="5892138"/>
+              <a:off x="4643210" y="5892152"/>
               <a:ext cx="63202" cy="63202"/>
             </a:xfrm>
             <a:custGeom>
@@ -20828,7 +20828,7 @@
           </p:nvSpPr>
           <p:spPr>
             <a:xfrm>
-              <a:off x="4661735" y="5917843"/>
+              <a:off x="4602353" y="5917833"/>
               <a:ext cx="63202" cy="63202"/>
             </a:xfrm>
             <a:custGeom>
@@ -20871,7 +20871,7 @@
           </p:nvSpPr>
           <p:spPr>
             <a:xfrm>
-              <a:off x="4733386" y="5862005"/>
+              <a:off x="4606814" y="5861990"/>
               <a:ext cx="63202" cy="63202"/>
             </a:xfrm>
             <a:custGeom>
@@ -20914,7 +20914,7 @@
           </p:nvSpPr>
           <p:spPr>
             <a:xfrm>
-              <a:off x="4677034" y="5878810"/>
+              <a:off x="4871226" y="5878800"/>
               <a:ext cx="63202" cy="63202"/>
             </a:xfrm>
             <a:custGeom>
@@ -20957,7 +20957,7 @@
           </p:nvSpPr>
           <p:spPr>
             <a:xfrm>
-              <a:off x="4480592" y="6183771"/>
+              <a:off x="4693206" y="6183791"/>
               <a:ext cx="63202" cy="63202"/>
             </a:xfrm>
             <a:custGeom>
@@ -21000,7 +21000,7 @@
           </p:nvSpPr>
           <p:spPr>
             <a:xfrm>
-              <a:off x="5006089" y="5889694"/>
+              <a:off x="4838262" y="5889681"/>
               <a:ext cx="63202" cy="63202"/>
             </a:xfrm>
             <a:custGeom>
@@ -21043,7 +21043,7 @@
           </p:nvSpPr>
           <p:spPr>
             <a:xfrm>
-              <a:off x="4552476" y="6015753"/>
+              <a:off x="4777826" y="6015772"/>
               <a:ext cx="63202" cy="63202"/>
             </a:xfrm>
             <a:custGeom>
@@ -21086,7 +21086,7 @@
           </p:nvSpPr>
           <p:spPr>
             <a:xfrm>
-              <a:off x="4886741" y="5864115"/>
+              <a:off x="5135258" y="5864138"/>
               <a:ext cx="63202" cy="63202"/>
             </a:xfrm>
             <a:custGeom>
@@ -21129,7 +21129,7 @@
           </p:nvSpPr>
           <p:spPr>
             <a:xfrm>
-              <a:off x="5123348" y="6004278"/>
+              <a:off x="4675972" y="6004260"/>
               <a:ext cx="63202" cy="63202"/>
             </a:xfrm>
             <a:custGeom>
@@ -21172,7 +21172,7 @@
           </p:nvSpPr>
           <p:spPr>
             <a:xfrm>
-              <a:off x="4602994" y="5866955"/>
+              <a:off x="4626985" y="5866937"/>
               <a:ext cx="63202" cy="63202"/>
             </a:xfrm>
             <a:custGeom>
@@ -21215,7 +21215,7 @@
           </p:nvSpPr>
           <p:spPr>
             <a:xfrm>
-              <a:off x="4844924" y="5898590"/>
+              <a:off x="4637977" y="5898576"/>
               <a:ext cx="63202" cy="63202"/>
             </a:xfrm>
             <a:custGeom>
@@ -21258,7 +21258,7 @@
           </p:nvSpPr>
           <p:spPr>
             <a:xfrm>
-              <a:off x="4779807" y="5875312"/>
+              <a:off x="4678288" y="5875292"/>
               <a:ext cx="63202" cy="63202"/>
             </a:xfrm>
             <a:custGeom>
@@ -21301,7 +21301,7 @@
           </p:nvSpPr>
           <p:spPr>
             <a:xfrm>
-              <a:off x="4746130" y="5939578"/>
+              <a:off x="4631769" y="5939564"/>
               <a:ext cx="63202" cy="63202"/>
             </a:xfrm>
             <a:custGeom>
@@ -21344,7 +21344,7 @@
           </p:nvSpPr>
           <p:spPr>
             <a:xfrm>
-              <a:off x="4620288" y="5899128"/>
+              <a:off x="5018863" y="5899115"/>
               <a:ext cx="63202" cy="63202"/>
             </a:xfrm>
             <a:custGeom>
@@ -21387,7 +21387,7 @@
           </p:nvSpPr>
           <p:spPr>
             <a:xfrm>
-              <a:off x="4670919" y="6159348"/>
+              <a:off x="5027650" y="6159351"/>
               <a:ext cx="63202" cy="63202"/>
             </a:xfrm>
             <a:custGeom>
@@ -21430,7 +21430,7 @@
           </p:nvSpPr>
           <p:spPr>
             <a:xfrm>
-              <a:off x="4722170" y="6107677"/>
+              <a:off x="4901290" y="6107695"/>
               <a:ext cx="63202" cy="63202"/>
             </a:xfrm>
             <a:custGeom>
@@ -21473,7 +21473,7 @@
           </p:nvSpPr>
           <p:spPr>
             <a:xfrm>
-              <a:off x="4915029" y="5862857"/>
+              <a:off x="5052043" y="5862859"/>
               <a:ext cx="63202" cy="63202"/>
             </a:xfrm>
             <a:custGeom>
@@ -21516,7 +21516,7 @@
           </p:nvSpPr>
           <p:spPr>
             <a:xfrm>
-              <a:off x="4838869" y="5917157"/>
+              <a:off x="4814576" y="5917140"/>
               <a:ext cx="63202" cy="63202"/>
             </a:xfrm>
             <a:custGeom>
@@ -21559,7 +21559,7 @@
           </p:nvSpPr>
           <p:spPr>
             <a:xfrm>
-              <a:off x="4537061" y="5988925"/>
+              <a:off x="5057273" y="5988941"/>
               <a:ext cx="63202" cy="63202"/>
             </a:xfrm>
             <a:custGeom>
@@ -21602,7 +21602,7 @@
           </p:nvSpPr>
           <p:spPr>
             <a:xfrm>
-              <a:off x="4715312" y="5870020"/>
+              <a:off x="4678540" y="5870048"/>
               <a:ext cx="63202" cy="63202"/>
             </a:xfrm>
             <a:custGeom>
@@ -21645,7 +21645,7 @@
           </p:nvSpPr>
           <p:spPr>
             <a:xfrm>
-              <a:off x="4605271" y="5858836"/>
+              <a:off x="4897403" y="5858805"/>
               <a:ext cx="63202" cy="63202"/>
             </a:xfrm>
             <a:custGeom>
@@ -21688,7 +21688,7 @@
           </p:nvSpPr>
           <p:spPr>
             <a:xfrm>
-              <a:off x="4820494" y="5924777"/>
+              <a:off x="5130801" y="5924765"/>
               <a:ext cx="63202" cy="63202"/>
             </a:xfrm>
             <a:custGeom>
@@ -21731,7 +21731,7 @@
           </p:nvSpPr>
           <p:spPr>
             <a:xfrm>
-              <a:off x="5131663" y="5925344"/>
+              <a:off x="4551971" y="5925342"/>
               <a:ext cx="63202" cy="63202"/>
             </a:xfrm>
             <a:custGeom>
@@ -21774,7 +21774,7 @@
           </p:nvSpPr>
           <p:spPr>
             <a:xfrm>
-              <a:off x="4550939" y="5931806"/>
+              <a:off x="4678645" y="5931811"/>
               <a:ext cx="63202" cy="63202"/>
             </a:xfrm>
             <a:custGeom>
@@ -21817,7 +21817,7 @@
           </p:nvSpPr>
           <p:spPr>
             <a:xfrm>
-              <a:off x="4516470" y="6193666"/>
+              <a:off x="4961438" y="6193673"/>
               <a:ext cx="63202" cy="63202"/>
             </a:xfrm>
             <a:custGeom>
@@ -21860,7 +21860,7 @@
           </p:nvSpPr>
           <p:spPr>
             <a:xfrm>
-              <a:off x="5123078" y="5866997"/>
+              <a:off x="4954299" y="5866973"/>
               <a:ext cx="63202" cy="63202"/>
             </a:xfrm>
             <a:custGeom>
@@ -21903,7 +21903,7 @@
           </p:nvSpPr>
           <p:spPr>
             <a:xfrm>
-              <a:off x="5147957" y="5878570"/>
+              <a:off x="4926470" y="5878574"/>
               <a:ext cx="63202" cy="63202"/>
             </a:xfrm>
             <a:custGeom>
@@ -21946,7 +21946,7 @@
           </p:nvSpPr>
           <p:spPr>
             <a:xfrm>
-              <a:off x="4939751" y="5930829"/>
+              <a:off x="5087053" y="5930816"/>
               <a:ext cx="63202" cy="63202"/>
             </a:xfrm>
             <a:custGeom>
@@ -21989,7 +21989,7 @@
           </p:nvSpPr>
           <p:spPr>
             <a:xfrm>
-              <a:off x="4976364" y="5874294"/>
+              <a:off x="4490502" y="5874305"/>
               <a:ext cx="63202" cy="63202"/>
             </a:xfrm>
             <a:custGeom>
@@ -22032,7 +22032,7 @@
           </p:nvSpPr>
           <p:spPr>
             <a:xfrm>
-              <a:off x="5032040" y="5872175"/>
+              <a:off x="5120526" y="5872175"/>
               <a:ext cx="63202" cy="63202"/>
             </a:xfrm>
             <a:custGeom>
@@ -22075,7 +22075,7 @@
           </p:nvSpPr>
           <p:spPr>
             <a:xfrm>
-              <a:off x="4764525" y="6101591"/>
+              <a:off x="4986128" y="6101603"/>
               <a:ext cx="63202" cy="63202"/>
             </a:xfrm>
             <a:custGeom>
@@ -22118,7 +22118,7 @@
           </p:nvSpPr>
           <p:spPr>
             <a:xfrm>
-              <a:off x="4666262" y="5858961"/>
+              <a:off x="4831199" y="5858940"/>
               <a:ext cx="63202" cy="63202"/>
             </a:xfrm>
             <a:custGeom>
@@ -22161,7 +22161,7 @@
           </p:nvSpPr>
           <p:spPr>
             <a:xfrm>
-              <a:off x="5032491" y="5861495"/>
+              <a:off x="4762128" y="5861514"/>
               <a:ext cx="63202" cy="63202"/>
             </a:xfrm>
             <a:custGeom>
@@ -22204,7 +22204,7 @@
           </p:nvSpPr>
           <p:spPr>
             <a:xfrm>
-              <a:off x="5003698" y="5851524"/>
+              <a:off x="4645952" y="5851527"/>
               <a:ext cx="63202" cy="63202"/>
             </a:xfrm>
             <a:custGeom>
@@ -22247,7 +22247,7 @@
           </p:nvSpPr>
           <p:spPr>
             <a:xfrm>
-              <a:off x="4477393" y="6108901"/>
+              <a:off x="4546174" y="6108927"/>
               <a:ext cx="63202" cy="63202"/>
             </a:xfrm>
             <a:custGeom>
@@ -22290,7 +22290,7 @@
           </p:nvSpPr>
           <p:spPr>
             <a:xfrm>
-              <a:off x="4731273" y="5865437"/>
+              <a:off x="4654383" y="5865450"/>
               <a:ext cx="63202" cy="63202"/>
             </a:xfrm>
             <a:custGeom>
@@ -22333,7 +22333,7 @@
           </p:nvSpPr>
           <p:spPr>
             <a:xfrm>
-              <a:off x="4855405" y="5869682"/>
+              <a:off x="4976762" y="5869679"/>
               <a:ext cx="63202" cy="63202"/>
             </a:xfrm>
             <a:custGeom>
@@ -22376,7 +22376,7 @@
           </p:nvSpPr>
           <p:spPr>
             <a:xfrm>
-              <a:off x="4642187" y="6004286"/>
+              <a:off x="4691908" y="6004291"/>
               <a:ext cx="63202" cy="63202"/>
             </a:xfrm>
             <a:custGeom>
@@ -22419,7 +22419,7 @@
           </p:nvSpPr>
           <p:spPr>
             <a:xfrm>
-              <a:off x="5039364" y="5931463"/>
+              <a:off x="4861112" y="5931449"/>
               <a:ext cx="63202" cy="63202"/>
             </a:xfrm>
             <a:custGeom>
@@ -22462,7 +22462,7 @@
           </p:nvSpPr>
           <p:spPr>
             <a:xfrm>
-              <a:off x="5021451" y="5927863"/>
+              <a:off x="4856251" y="5927854"/>
               <a:ext cx="63202" cy="63202"/>
             </a:xfrm>
             <a:custGeom>
@@ -22505,7 +22505,7 @@
           </p:nvSpPr>
           <p:spPr>
             <a:xfrm>
-              <a:off x="4875697" y="5871000"/>
+              <a:off x="4636311" y="5870978"/>
               <a:ext cx="63202" cy="63202"/>
             </a:xfrm>
             <a:custGeom>
@@ -22548,7 +22548,7 @@
           </p:nvSpPr>
           <p:spPr>
             <a:xfrm>
-              <a:off x="5155077" y="5871439"/>
+              <a:off x="4590872" y="5871429"/>
               <a:ext cx="63202" cy="63202"/>
             </a:xfrm>
             <a:custGeom>
@@ -22591,7 +22591,7 @@
           </p:nvSpPr>
           <p:spPr>
             <a:xfrm>
-              <a:off x="4607160" y="5891944"/>
+              <a:off x="4874569" y="5891945"/>
               <a:ext cx="63202" cy="63202"/>
             </a:xfrm>
             <a:custGeom>
@@ -22634,7 +22634,7 @@
           </p:nvSpPr>
           <p:spPr>
             <a:xfrm>
-              <a:off x="4801402" y="6126466"/>
+              <a:off x="4910226" y="6126492"/>
               <a:ext cx="63202" cy="63202"/>
             </a:xfrm>
             <a:custGeom>
@@ -22677,7 +22677,7 @@
           </p:nvSpPr>
           <p:spPr>
             <a:xfrm>
-              <a:off x="4816878" y="6319730"/>
+              <a:off x="5032885" y="6319742"/>
               <a:ext cx="63202" cy="63202"/>
             </a:xfrm>
             <a:custGeom>
@@ -22720,7 +22720,7 @@
           </p:nvSpPr>
           <p:spPr>
             <a:xfrm>
-              <a:off x="4756287" y="5891133"/>
+              <a:off x="5161817" y="5891157"/>
               <a:ext cx="63202" cy="63202"/>
             </a:xfrm>
             <a:custGeom>
@@ -22763,7 +22763,7 @@
           </p:nvSpPr>
           <p:spPr>
             <a:xfrm>
-              <a:off x="5001116" y="6680397"/>
+              <a:off x="4600719" y="6680416"/>
               <a:ext cx="63202" cy="63202"/>
             </a:xfrm>
             <a:custGeom>
@@ -22806,7 +22806,7 @@
           </p:nvSpPr>
           <p:spPr>
             <a:xfrm>
-              <a:off x="4946607" y="5940437"/>
+              <a:off x="5164619" y="5940454"/>
               <a:ext cx="63202" cy="63202"/>
             </a:xfrm>
             <a:custGeom>
@@ -22849,7 +22849,7 @@
           </p:nvSpPr>
           <p:spPr>
             <a:xfrm>
-              <a:off x="4911037" y="5897283"/>
+              <a:off x="4779803" y="5897273"/>
               <a:ext cx="63202" cy="63202"/>
             </a:xfrm>
             <a:custGeom>
@@ -22892,7 +22892,7 @@
           </p:nvSpPr>
           <p:spPr>
             <a:xfrm>
-              <a:off x="4627759" y="5856092"/>
+              <a:off x="4605606" y="5856091"/>
               <a:ext cx="63202" cy="63202"/>
             </a:xfrm>
             <a:custGeom>
@@ -22935,7 +22935,7 @@
           </p:nvSpPr>
           <p:spPr>
             <a:xfrm>
-              <a:off x="4876263" y="5953616"/>
+              <a:off x="5042022" y="5953601"/>
               <a:ext cx="63202" cy="63202"/>
             </a:xfrm>
             <a:custGeom>
@@ -22978,7 +22978,7 @@
           </p:nvSpPr>
           <p:spPr>
             <a:xfrm>
-              <a:off x="4634373" y="5869582"/>
+              <a:off x="4938771" y="5869583"/>
               <a:ext cx="63202" cy="63202"/>
             </a:xfrm>
             <a:custGeom>
@@ -23021,7 +23021,7 @@
           </p:nvSpPr>
           <p:spPr>
             <a:xfrm>
-              <a:off x="4778407" y="5923110"/>
+              <a:off x="5119256" y="5923085"/>
               <a:ext cx="63202" cy="63202"/>
             </a:xfrm>
             <a:custGeom>
@@ -23064,7 +23064,7 @@
           </p:nvSpPr>
           <p:spPr>
             <a:xfrm>
-              <a:off x="4974339" y="5931989"/>
+              <a:off x="4598756" y="5931984"/>
               <a:ext cx="63202" cy="63202"/>
             </a:xfrm>
             <a:custGeom>
@@ -23107,7 +23107,7 @@
           </p:nvSpPr>
           <p:spPr>
             <a:xfrm>
-              <a:off x="4512001" y="5947697"/>
+              <a:off x="4960749" y="5947696"/>
               <a:ext cx="63202" cy="63202"/>
             </a:xfrm>
             <a:custGeom>
@@ -23150,7 +23150,7 @@
           </p:nvSpPr>
           <p:spPr>
             <a:xfrm>
-              <a:off x="5069381" y="5874444"/>
+              <a:off x="4508433" y="5874424"/>
               <a:ext cx="63202" cy="63202"/>
             </a:xfrm>
             <a:custGeom>
@@ -23193,7 +23193,7 @@
           </p:nvSpPr>
           <p:spPr>
             <a:xfrm>
-              <a:off x="4547074" y="5879261"/>
+              <a:off x="4844633" y="5879244"/>
               <a:ext cx="63202" cy="63202"/>
             </a:xfrm>
             <a:custGeom>
@@ -23236,7 +23236,7 @@
           </p:nvSpPr>
           <p:spPr>
             <a:xfrm>
-              <a:off x="4861417" y="6126632"/>
+              <a:off x="4558987" y="6126610"/>
               <a:ext cx="63202" cy="63202"/>
             </a:xfrm>
             <a:custGeom>
@@ -23279,7 +23279,7 @@
           </p:nvSpPr>
           <p:spPr>
             <a:xfrm>
-              <a:off x="4970488" y="5861993"/>
+              <a:off x="4854020" y="5861992"/>
               <a:ext cx="63202" cy="63202"/>
             </a:xfrm>
             <a:custGeom>
@@ -23322,7 +23322,7 @@
           </p:nvSpPr>
           <p:spPr>
             <a:xfrm>
-              <a:off x="5073163" y="6132137"/>
+              <a:off x="4976758" y="6132141"/>
               <a:ext cx="63202" cy="63202"/>
             </a:xfrm>
             <a:custGeom>
@@ -23365,7 +23365,7 @@
           </p:nvSpPr>
           <p:spPr>
             <a:xfrm>
-              <a:off x="4510725" y="5908923"/>
+              <a:off x="5114387" y="5908938"/>
               <a:ext cx="63202" cy="63202"/>
             </a:xfrm>
             <a:custGeom>
@@ -23408,7 +23408,7 @@
           </p:nvSpPr>
           <p:spPr>
             <a:xfrm>
-              <a:off x="4735589" y="6042906"/>
+              <a:off x="4700204" y="6042892"/>
               <a:ext cx="63202" cy="63202"/>
             </a:xfrm>
             <a:custGeom>
@@ -23451,7 +23451,7 @@
           </p:nvSpPr>
           <p:spPr>
             <a:xfrm>
-              <a:off x="4751828" y="5920701"/>
+              <a:off x="4925908" y="5920692"/>
               <a:ext cx="63202" cy="63202"/>
             </a:xfrm>
             <a:custGeom>
@@ -23494,7 +23494,7 @@
           </p:nvSpPr>
           <p:spPr>
             <a:xfrm>
-              <a:off x="4779698" y="5921484"/>
+              <a:off x="4614599" y="5921463"/>
               <a:ext cx="63202" cy="63202"/>
             </a:xfrm>
             <a:custGeom>
@@ -23537,7 +23537,7 @@
           </p:nvSpPr>
           <p:spPr>
             <a:xfrm>
-              <a:off x="5112792" y="6072189"/>
+              <a:off x="4945217" y="6072178"/>
               <a:ext cx="63202" cy="63202"/>
             </a:xfrm>
             <a:custGeom>
@@ -23580,7 +23580,7 @@
           </p:nvSpPr>
           <p:spPr>
             <a:xfrm>
-              <a:off x="4890015" y="5871568"/>
+              <a:off x="5130859" y="5871577"/>
               <a:ext cx="63202" cy="63202"/>
             </a:xfrm>
             <a:custGeom>
@@ -23623,7 +23623,7 @@
           </p:nvSpPr>
           <p:spPr>
             <a:xfrm>
-              <a:off x="4480194" y="5854729"/>
+              <a:off x="4845573" y="5854714"/>
               <a:ext cx="63202" cy="63202"/>
             </a:xfrm>
             <a:custGeom>
@@ -23666,7 +23666,7 @@
           </p:nvSpPr>
           <p:spPr>
             <a:xfrm>
-              <a:off x="4935032" y="6086244"/>
+              <a:off x="4631906" y="6086252"/>
               <a:ext cx="63202" cy="63202"/>
             </a:xfrm>
             <a:custGeom>
@@ -23709,7 +23709,7 @@
           </p:nvSpPr>
           <p:spPr>
             <a:xfrm>
-              <a:off x="4966593" y="5869070"/>
+              <a:off x="4564391" y="5869071"/>
               <a:ext cx="63202" cy="63202"/>
             </a:xfrm>
             <a:custGeom>
@@ -23752,7 +23752,7 @@
           </p:nvSpPr>
           <p:spPr>
             <a:xfrm>
-              <a:off x="4818616" y="5936446"/>
+              <a:off x="4861951" y="5936457"/>
               <a:ext cx="63202" cy="63202"/>
             </a:xfrm>
             <a:custGeom>
@@ -23795,7 +23795,7 @@
           </p:nvSpPr>
           <p:spPr>
             <a:xfrm>
-              <a:off x="4887450" y="5868081"/>
+              <a:off x="5167276" y="5868068"/>
               <a:ext cx="63202" cy="63202"/>
             </a:xfrm>
             <a:custGeom>
@@ -23838,7 +23838,7 @@
           </p:nvSpPr>
           <p:spPr>
             <a:xfrm>
-              <a:off x="5165746" y="5850451"/>
+              <a:off x="4970750" y="5850462"/>
               <a:ext cx="63202" cy="63202"/>
             </a:xfrm>
             <a:custGeom>
@@ -23881,7 +23881,7 @@
           </p:nvSpPr>
           <p:spPr>
             <a:xfrm>
-              <a:off x="4926170" y="5849201"/>
+              <a:off x="4855169" y="5849192"/>
               <a:ext cx="63202" cy="63202"/>
             </a:xfrm>
             <a:custGeom>
@@ -23924,7 +23924,7 @@
           </p:nvSpPr>
           <p:spPr>
             <a:xfrm>
-              <a:off x="4474285" y="5849191"/>
+              <a:off x="4753135" y="5849202"/>
               <a:ext cx="63202" cy="63202"/>
             </a:xfrm>
             <a:custGeom>
@@ -23967,7 +23967,7 @@
           </p:nvSpPr>
           <p:spPr>
             <a:xfrm>
-              <a:off x="5039427" y="5857379"/>
+              <a:off x="5116083" y="5857374"/>
               <a:ext cx="63202" cy="63202"/>
             </a:xfrm>
             <a:custGeom>
@@ -24010,7 +24010,7 @@
           </p:nvSpPr>
           <p:spPr>
             <a:xfrm>
-              <a:off x="5051361" y="5883374"/>
+              <a:off x="4556528" y="5883383"/>
               <a:ext cx="63202" cy="63202"/>
             </a:xfrm>
             <a:custGeom>
@@ -24053,7 +24053,7 @@
           </p:nvSpPr>
           <p:spPr>
             <a:xfrm>
-              <a:off x="5054023" y="5909170"/>
+              <a:off x="4951561" y="5909151"/>
               <a:ext cx="63202" cy="63202"/>
             </a:xfrm>
             <a:custGeom>
@@ -24096,7 +24096,7 @@
           </p:nvSpPr>
           <p:spPr>
             <a:xfrm>
-              <a:off x="4546216" y="5866269"/>
+              <a:off x="4975392" y="5866273"/>
               <a:ext cx="63202" cy="63202"/>
             </a:xfrm>
             <a:custGeom>
@@ -24139,7 +24139,7 @@
           </p:nvSpPr>
           <p:spPr>
             <a:xfrm>
-              <a:off x="4548669" y="5945248"/>
+              <a:off x="5056278" y="5945240"/>
               <a:ext cx="63202" cy="63202"/>
             </a:xfrm>
             <a:custGeom>
@@ -24182,7 +24182,7 @@
           </p:nvSpPr>
           <p:spPr>
             <a:xfrm>
-              <a:off x="4842782" y="6091886"/>
+              <a:off x="4639561" y="6091884"/>
               <a:ext cx="63202" cy="63202"/>
             </a:xfrm>
             <a:custGeom>
@@ -24225,7 +24225,7 @@
           </p:nvSpPr>
           <p:spPr>
             <a:xfrm>
-              <a:off x="5051072" y="6031831"/>
+              <a:off x="5156142" y="6031822"/>
               <a:ext cx="63202" cy="63202"/>
             </a:xfrm>
             <a:custGeom>
@@ -24268,7 +24268,7 @@
           </p:nvSpPr>
           <p:spPr>
             <a:xfrm>
-              <a:off x="4597773" y="5901401"/>
+              <a:off x="4730855" y="5901387"/>
               <a:ext cx="63202" cy="63202"/>
             </a:xfrm>
             <a:custGeom>
@@ -24311,7 +24311,7 @@
           </p:nvSpPr>
           <p:spPr>
             <a:xfrm>
-              <a:off x="4970419" y="5885983"/>
+              <a:off x="4771237" y="5885956"/>
               <a:ext cx="63202" cy="63202"/>
             </a:xfrm>
             <a:custGeom>
@@ -24354,7 +24354,7 @@
           </p:nvSpPr>
           <p:spPr>
             <a:xfrm>
-              <a:off x="4805647" y="6176367"/>
+              <a:off x="4505548" y="6176367"/>
               <a:ext cx="63202" cy="63202"/>
             </a:xfrm>
             <a:custGeom>
@@ -24397,7 +24397,7 @@
           </p:nvSpPr>
           <p:spPr>
             <a:xfrm>
-              <a:off x="4890883" y="5985662"/>
+              <a:off x="4815463" y="5985652"/>
               <a:ext cx="63202" cy="63202"/>
             </a:xfrm>
             <a:custGeom>
@@ -24440,7 +24440,7 @@
           </p:nvSpPr>
           <p:spPr>
             <a:xfrm>
-              <a:off x="4727090" y="5887885"/>
+              <a:off x="4653378" y="5887875"/>
               <a:ext cx="63202" cy="63202"/>
             </a:xfrm>
             <a:custGeom>
@@ -24483,7 +24483,7 @@
           </p:nvSpPr>
           <p:spPr>
             <a:xfrm>
-              <a:off x="4819004" y="5868267"/>
+              <a:off x="4910233" y="5868262"/>
               <a:ext cx="63202" cy="63202"/>
             </a:xfrm>
             <a:custGeom>
@@ -24526,7 +24526,7 @@
           </p:nvSpPr>
           <p:spPr>
             <a:xfrm>
-              <a:off x="4501037" y="5935205"/>
+              <a:off x="4596547" y="5935237"/>
               <a:ext cx="63202" cy="63202"/>
             </a:xfrm>
             <a:custGeom>
@@ -24569,7 +24569,7 @@
           </p:nvSpPr>
           <p:spPr>
             <a:xfrm>
-              <a:off x="4548806" y="5892306"/>
+              <a:off x="5007837" y="5892319"/>
               <a:ext cx="63202" cy="63202"/>
             </a:xfrm>
             <a:custGeom>
@@ -24612,7 +24612,7 @@
           </p:nvSpPr>
           <p:spPr>
             <a:xfrm>
-              <a:off x="4707577" y="5858179"/>
+              <a:off x="4473227" y="5858177"/>
               <a:ext cx="63202" cy="63202"/>
             </a:xfrm>
             <a:custGeom>
@@ -24655,7 +24655,7 @@
           </p:nvSpPr>
           <p:spPr>
             <a:xfrm>
-              <a:off x="5095054" y="5863914"/>
+              <a:off x="4948656" y="5863907"/>
               <a:ext cx="63202" cy="63202"/>
             </a:xfrm>
             <a:custGeom>
@@ -24698,7 +24698,7 @@
           </p:nvSpPr>
           <p:spPr>
             <a:xfrm>
-              <a:off x="4758182" y="5876035"/>
+              <a:off x="4968239" y="5876009"/>
               <a:ext cx="63202" cy="63202"/>
             </a:xfrm>
             <a:custGeom>
@@ -24741,7 +24741,7 @@
           </p:nvSpPr>
           <p:spPr>
             <a:xfrm>
-              <a:off x="4800656" y="6083061"/>
+              <a:off x="4529994" y="6083099"/>
               <a:ext cx="63202" cy="63202"/>
             </a:xfrm>
             <a:custGeom>
@@ -24784,7 +24784,7 @@
           </p:nvSpPr>
           <p:spPr>
             <a:xfrm>
-              <a:off x="4970577" y="6339255"/>
+              <a:off x="4525599" y="6339263"/>
               <a:ext cx="63202" cy="63202"/>
             </a:xfrm>
             <a:custGeom>
@@ -24827,7 +24827,7 @@
           </p:nvSpPr>
           <p:spPr>
             <a:xfrm>
-              <a:off x="4872267" y="5904824"/>
+              <a:off x="5059379" y="5904823"/>
               <a:ext cx="63202" cy="63202"/>
             </a:xfrm>
             <a:custGeom>
@@ -24870,7 +24870,7 @@
           </p:nvSpPr>
           <p:spPr>
             <a:xfrm>
-              <a:off x="4690476" y="6357827"/>
+              <a:off x="4525663" y="6357848"/>
               <a:ext cx="63202" cy="63202"/>
             </a:xfrm>
             <a:custGeom>
@@ -24913,7 +24913,7 @@
           </p:nvSpPr>
           <p:spPr>
             <a:xfrm>
-              <a:off x="4577416" y="6076691"/>
+              <a:off x="4711944" y="6076689"/>
               <a:ext cx="63202" cy="63202"/>
             </a:xfrm>
             <a:custGeom>
@@ -24956,7 +24956,7 @@
           </p:nvSpPr>
           <p:spPr>
             <a:xfrm>
-              <a:off x="4532539" y="5876477"/>
+              <a:off x="5024975" y="5876461"/>
               <a:ext cx="63202" cy="63202"/>
             </a:xfrm>
             <a:custGeom>
@@ -24999,7 +24999,7 @@
           </p:nvSpPr>
           <p:spPr>
             <a:xfrm>
-              <a:off x="4575235" y="6068178"/>
+              <a:off x="4672036" y="6068188"/>
               <a:ext cx="63202" cy="63202"/>
             </a:xfrm>
             <a:custGeom>
@@ -25042,7 +25042,7 @@
           </p:nvSpPr>
           <p:spPr>
             <a:xfrm>
-              <a:off x="4964727" y="6079295"/>
+              <a:off x="5119467" y="6079310"/>
               <a:ext cx="63202" cy="63202"/>
             </a:xfrm>
             <a:custGeom>
@@ -25085,7 +25085,7 @@
           </p:nvSpPr>
           <p:spPr>
             <a:xfrm>
-              <a:off x="5049248" y="6141447"/>
+              <a:off x="5089251" y="6141455"/>
               <a:ext cx="63202" cy="63202"/>
             </a:xfrm>
             <a:custGeom>
@@ -25128,7 +25128,7 @@
           </p:nvSpPr>
           <p:spPr>
             <a:xfrm>
-              <a:off x="4567997" y="6080293"/>
+              <a:off x="4930886" y="6080326"/>
               <a:ext cx="63202" cy="63202"/>
             </a:xfrm>
             <a:custGeom>
@@ -25171,7 +25171,7 @@
           </p:nvSpPr>
           <p:spPr>
             <a:xfrm>
-              <a:off x="4627157" y="5911330"/>
+              <a:off x="5164973" y="5911326"/>
               <a:ext cx="63202" cy="63202"/>
             </a:xfrm>
             <a:custGeom>
@@ -25214,7 +25214,7 @@
           </p:nvSpPr>
           <p:spPr>
             <a:xfrm>
-              <a:off x="4769733" y="6005130"/>
+              <a:off x="4977172" y="6005147"/>
               <a:ext cx="63202" cy="63202"/>
             </a:xfrm>
             <a:custGeom>
@@ -25257,7 +25257,7 @@
           </p:nvSpPr>
           <p:spPr>
             <a:xfrm>
-              <a:off x="5108513" y="5921824"/>
+              <a:off x="4944127" y="5921825"/>
               <a:ext cx="63202" cy="63202"/>
             </a:xfrm>
             <a:custGeom>
@@ -25300,7 +25300,7 @@
           </p:nvSpPr>
           <p:spPr>
             <a:xfrm>
-              <a:off x="5158571" y="6113860"/>
+              <a:off x="5152685" y="6113846"/>
               <a:ext cx="63202" cy="63202"/>
             </a:xfrm>
             <a:custGeom>
@@ -25343,7 +25343,7 @@
           </p:nvSpPr>
           <p:spPr>
             <a:xfrm>
-              <a:off x="4970228" y="5975703"/>
+              <a:off x="4554375" y="5975709"/>
               <a:ext cx="63202" cy="63202"/>
             </a:xfrm>
             <a:custGeom>
@@ -25386,7 +25386,7 @@
           </p:nvSpPr>
           <p:spPr>
             <a:xfrm>
-              <a:off x="4989668" y="6117620"/>
+              <a:off x="5119384" y="6117613"/>
               <a:ext cx="63202" cy="63202"/>
             </a:xfrm>
             <a:custGeom>
@@ -25429,7 +25429,7 @@
           </p:nvSpPr>
           <p:spPr>
             <a:xfrm>
-              <a:off x="4854760" y="6068615"/>
+              <a:off x="4549026" y="6068606"/>
               <a:ext cx="63202" cy="63202"/>
             </a:xfrm>
             <a:custGeom>
@@ -25472,7 +25472,7 @@
           </p:nvSpPr>
           <p:spPr>
             <a:xfrm>
-              <a:off x="5080496" y="5999354"/>
+              <a:off x="4597398" y="5999381"/>
               <a:ext cx="63202" cy="63202"/>
             </a:xfrm>
             <a:custGeom>
@@ -25515,7 +25515,7 @@
           </p:nvSpPr>
           <p:spPr>
             <a:xfrm>
-              <a:off x="4740827" y="5913900"/>
+              <a:off x="4778070" y="5913867"/>
               <a:ext cx="63202" cy="63202"/>
             </a:xfrm>
             <a:custGeom>
@@ -25558,7 +25558,7 @@
           </p:nvSpPr>
           <p:spPr>
             <a:xfrm>
-              <a:off x="4538917" y="6085699"/>
+              <a:off x="4930938" y="6085721"/>
               <a:ext cx="63202" cy="63202"/>
             </a:xfrm>
             <a:custGeom>
@@ -25601,7 +25601,7 @@
           </p:nvSpPr>
           <p:spPr>
             <a:xfrm>
-              <a:off x="4579841" y="5936843"/>
+              <a:off x="4613177" y="5936856"/>
               <a:ext cx="63202" cy="63202"/>
             </a:xfrm>
             <a:custGeom>
@@ -25644,7 +25644,7 @@
           </p:nvSpPr>
           <p:spPr>
             <a:xfrm>
-              <a:off x="4926981" y="5900258"/>
+              <a:off x="4820718" y="5900271"/>
               <a:ext cx="63202" cy="63202"/>
             </a:xfrm>
             <a:custGeom>
@@ -25687,7 +25687,7 @@
           </p:nvSpPr>
           <p:spPr>
             <a:xfrm>
-              <a:off x="4876789" y="5896592"/>
+              <a:off x="5022687" y="5896604"/>
               <a:ext cx="63202" cy="63202"/>
             </a:xfrm>
             <a:custGeom>
@@ -25730,7 +25730,7 @@
           </p:nvSpPr>
           <p:spPr>
             <a:xfrm>
-              <a:off x="4542615" y="5892153"/>
+              <a:off x="5158649" y="5892133"/>
               <a:ext cx="63202" cy="63202"/>
             </a:xfrm>
             <a:custGeom>
@@ -25773,7 +25773,7 @@
           </p:nvSpPr>
           <p:spPr>
             <a:xfrm>
-              <a:off x="4755001" y="6170711"/>
+              <a:off x="4588065" y="6170699"/>
               <a:ext cx="63202" cy="63202"/>
             </a:xfrm>
             <a:custGeom>
@@ -25816,7 +25816,7 @@
           </p:nvSpPr>
           <p:spPr>
             <a:xfrm>
-              <a:off x="4937391" y="5916252"/>
+              <a:off x="4666043" y="5916233"/>
               <a:ext cx="63202" cy="63202"/>
             </a:xfrm>
             <a:custGeom>
@@ -25859,7 +25859,7 @@
           </p:nvSpPr>
           <p:spPr>
             <a:xfrm>
-              <a:off x="4810170" y="5891500"/>
+              <a:off x="4741678" y="5891488"/>
               <a:ext cx="63202" cy="63202"/>
             </a:xfrm>
             <a:custGeom>
@@ -25902,7 +25902,7 @@
           </p:nvSpPr>
           <p:spPr>
             <a:xfrm>
-              <a:off x="4471852" y="5883384"/>
+              <a:off x="4641722" y="5883396"/>
               <a:ext cx="63202" cy="63202"/>
             </a:xfrm>
             <a:custGeom>
@@ -25945,7 +25945,7 @@
           </p:nvSpPr>
           <p:spPr>
             <a:xfrm>
-              <a:off x="4628694" y="5925175"/>
+              <a:off x="4968482" y="5925185"/>
               <a:ext cx="63202" cy="63202"/>
             </a:xfrm>
             <a:custGeom>
@@ -25988,7 +25988,7 @@
           </p:nvSpPr>
           <p:spPr>
             <a:xfrm>
-              <a:off x="4800141" y="5896301"/>
+              <a:off x="4641723" y="5896308"/>
               <a:ext cx="63202" cy="63202"/>
             </a:xfrm>
             <a:custGeom>
@@ -26031,7 +26031,7 @@
           </p:nvSpPr>
           <p:spPr>
             <a:xfrm>
-              <a:off x="4857600" y="6119884"/>
+              <a:off x="4964657" y="6119910"/>
               <a:ext cx="63202" cy="63202"/>
             </a:xfrm>
             <a:custGeom>
@@ -26074,7 +26074,7 @@
           </p:nvSpPr>
           <p:spPr>
             <a:xfrm>
-              <a:off x="4747925" y="5926136"/>
+              <a:off x="4789217" y="5926137"/>
               <a:ext cx="63202" cy="63202"/>
             </a:xfrm>
             <a:custGeom>
@@ -26117,7 +26117,7 @@
           </p:nvSpPr>
           <p:spPr>
             <a:xfrm>
-              <a:off x="4558903" y="5922233"/>
+              <a:off x="4661118" y="5922235"/>
               <a:ext cx="63202" cy="63202"/>
             </a:xfrm>
             <a:custGeom>
@@ -26160,7 +26160,7 @@
           </p:nvSpPr>
           <p:spPr>
             <a:xfrm>
-              <a:off x="4545313" y="5931769"/>
+              <a:off x="4720930" y="5931784"/>
               <a:ext cx="63202" cy="63202"/>
             </a:xfrm>
             <a:custGeom>
@@ -26203,7 +26203,7 @@
           </p:nvSpPr>
           <p:spPr>
             <a:xfrm>
-              <a:off x="4914947" y="5862399"/>
+              <a:off x="4985862" y="5862405"/>
               <a:ext cx="63202" cy="63202"/>
             </a:xfrm>
             <a:custGeom>
@@ -26246,7 +26246,7 @@
           </p:nvSpPr>
           <p:spPr>
             <a:xfrm>
-              <a:off x="5088941" y="5879898"/>
+              <a:off x="4931290" y="5879880"/>
               <a:ext cx="63202" cy="63202"/>
             </a:xfrm>
             <a:custGeom>
@@ -26289,7 +26289,7 @@
           </p:nvSpPr>
           <p:spPr>
             <a:xfrm>
-              <a:off x="4523928" y="5887501"/>
+              <a:off x="4896613" y="5887500"/>
               <a:ext cx="63202" cy="63202"/>
             </a:xfrm>
             <a:custGeom>
@@ -26332,7 +26332,7 @@
           </p:nvSpPr>
           <p:spPr>
             <a:xfrm>
-              <a:off x="4596750" y="5887846"/>
+              <a:off x="4861599" y="5887833"/>
               <a:ext cx="63202" cy="63202"/>
             </a:xfrm>
             <a:custGeom>
@@ -26375,7 +26375,7 @@
           </p:nvSpPr>
           <p:spPr>
             <a:xfrm>
-              <a:off x="4886326" y="5916609"/>
+              <a:off x="4539775" y="5916608"/>
               <a:ext cx="63202" cy="63202"/>
             </a:xfrm>
             <a:custGeom>
@@ -26418,7 +26418,7 @@
           </p:nvSpPr>
           <p:spPr>
             <a:xfrm>
-              <a:off x="4472633" y="6138515"/>
+              <a:off x="4521233" y="6138498"/>
               <a:ext cx="63202" cy="63202"/>
             </a:xfrm>
             <a:custGeom>
@@ -26461,7 +26461,7 @@
           </p:nvSpPr>
           <p:spPr>
             <a:xfrm>
-              <a:off x="4511680" y="5904757"/>
+              <a:off x="4791716" y="5904761"/>
               <a:ext cx="63202" cy="63202"/>
             </a:xfrm>
             <a:custGeom>
@@ -26504,7 +26504,7 @@
           </p:nvSpPr>
           <p:spPr>
             <a:xfrm>
-              <a:off x="4668124" y="5869018"/>
+              <a:off x="4875482" y="5869046"/>
               <a:ext cx="63202" cy="63202"/>
             </a:xfrm>
             <a:custGeom>
@@ -26547,7 +26547,7 @@
           </p:nvSpPr>
           <p:spPr>
             <a:xfrm>
-              <a:off x="4788653" y="6128522"/>
+              <a:off x="4738925" y="6128535"/>
               <a:ext cx="63202" cy="63202"/>
             </a:xfrm>
             <a:custGeom>
@@ -26590,7 +26590,7 @@
           </p:nvSpPr>
           <p:spPr>
             <a:xfrm>
-              <a:off x="4897689" y="5888007"/>
+              <a:off x="5021171" y="5887997"/>
               <a:ext cx="63202" cy="63202"/>
             </a:xfrm>
             <a:custGeom>
@@ -26633,7 +26633,7 @@
           </p:nvSpPr>
           <p:spPr>
             <a:xfrm>
-              <a:off x="4922429" y="5939844"/>
+              <a:off x="4917287" y="5939853"/>
               <a:ext cx="63202" cy="63202"/>
             </a:xfrm>
             <a:custGeom>
@@ -26676,7 +26676,7 @@
           </p:nvSpPr>
           <p:spPr>
             <a:xfrm>
-              <a:off x="4823148" y="5862061"/>
+              <a:off x="5074217" y="5862024"/>
               <a:ext cx="63202" cy="63202"/>
             </a:xfrm>
             <a:custGeom>
@@ -26719,7 +26719,7 @@
           </p:nvSpPr>
           <p:spPr>
             <a:xfrm>
-              <a:off x="4507748" y="5913520"/>
+              <a:off x="4570732" y="5913514"/>
               <a:ext cx="63202" cy="63202"/>
             </a:xfrm>
             <a:custGeom>
@@ -26762,7 +26762,7 @@
           </p:nvSpPr>
           <p:spPr>
             <a:xfrm>
-              <a:off x="5134384" y="5861047"/>
+              <a:off x="5146447" y="5861032"/>
               <a:ext cx="63202" cy="63202"/>
             </a:xfrm>
             <a:custGeom>
@@ -26805,7 +26805,7 @@
           </p:nvSpPr>
           <p:spPr>
             <a:xfrm>
-              <a:off x="4613848" y="5860503"/>
+              <a:off x="4594910" y="5860496"/>
               <a:ext cx="63202" cy="63202"/>
             </a:xfrm>
             <a:custGeom>
@@ -26848,7 +26848,7 @@
           </p:nvSpPr>
           <p:spPr>
             <a:xfrm>
-              <a:off x="4488473" y="5859905"/>
+              <a:off x="4665776" y="5859925"/>
               <a:ext cx="63202" cy="63202"/>
             </a:xfrm>
             <a:custGeom>
@@ -26891,7 +26891,7 @@
           </p:nvSpPr>
           <p:spPr>
             <a:xfrm>
-              <a:off x="5154320" y="5862853"/>
+              <a:off x="4974502" y="5862864"/>
               <a:ext cx="63202" cy="63202"/>
             </a:xfrm>
             <a:custGeom>
@@ -26934,7 +26934,7 @@
           </p:nvSpPr>
           <p:spPr>
             <a:xfrm>
-              <a:off x="4513157" y="5896911"/>
+              <a:off x="4856468" y="5896902"/>
               <a:ext cx="63202" cy="63202"/>
             </a:xfrm>
             <a:custGeom>
@@ -26977,7 +26977,7 @@
           </p:nvSpPr>
           <p:spPr>
             <a:xfrm>
-              <a:off x="5062622" y="6060350"/>
+              <a:off x="4904303" y="6060342"/>
               <a:ext cx="63202" cy="63202"/>
             </a:xfrm>
             <a:custGeom>
@@ -27020,7 +27020,7 @@
           </p:nvSpPr>
           <p:spPr>
             <a:xfrm>
-              <a:off x="4534789" y="5888811"/>
+              <a:off x="4890456" y="5888810"/>
               <a:ext cx="63202" cy="63202"/>
             </a:xfrm>
             <a:custGeom>
@@ -27063,7 +27063,7 @@
           </p:nvSpPr>
           <p:spPr>
             <a:xfrm>
-              <a:off x="4683465" y="5872817"/>
+              <a:off x="4488503" y="5872791"/>
               <a:ext cx="63202" cy="63202"/>
             </a:xfrm>
             <a:custGeom>
@@ -27106,7 +27106,7 @@
           </p:nvSpPr>
           <p:spPr>
             <a:xfrm>
-              <a:off x="4530223" y="5997152"/>
+              <a:off x="4606963" y="5997130"/>
               <a:ext cx="63202" cy="63202"/>
             </a:xfrm>
             <a:custGeom>
@@ -27149,7 +27149,7 @@
           </p:nvSpPr>
           <p:spPr>
             <a:xfrm>
-              <a:off x="5132183" y="5990301"/>
+              <a:off x="4785788" y="5990301"/>
               <a:ext cx="63202" cy="63202"/>
             </a:xfrm>
             <a:custGeom>
@@ -27192,7 +27192,7 @@
           </p:nvSpPr>
           <p:spPr>
             <a:xfrm>
-              <a:off x="4778877" y="6000948"/>
+              <a:off x="4487419" y="6000976"/>
               <a:ext cx="63202" cy="63202"/>
             </a:xfrm>
             <a:custGeom>
@@ -27235,7 +27235,7 @@
           </p:nvSpPr>
           <p:spPr>
             <a:xfrm>
-              <a:off x="4675678" y="5968755"/>
+              <a:off x="4923310" y="5968761"/>
               <a:ext cx="63202" cy="63202"/>
             </a:xfrm>
             <a:custGeom>
@@ -27278,7 +27278,7 @@
           </p:nvSpPr>
           <p:spPr>
             <a:xfrm>
-              <a:off x="4760884" y="5862222"/>
+              <a:off x="4832550" y="5862238"/>
               <a:ext cx="63202" cy="63202"/>
             </a:xfrm>
             <a:custGeom>
@@ -27321,7 +27321,7 @@
           </p:nvSpPr>
           <p:spPr>
             <a:xfrm>
-              <a:off x="4547011" y="5317369"/>
+              <a:off x="4596961" y="5317369"/>
               <a:ext cx="63202" cy="63202"/>
             </a:xfrm>
             <a:custGeom>
@@ -27364,7 +27364,7 @@
           </p:nvSpPr>
           <p:spPr>
             <a:xfrm>
-              <a:off x="4518946" y="6104452"/>
+              <a:off x="4868827" y="6104456"/>
               <a:ext cx="63202" cy="63202"/>
             </a:xfrm>
             <a:custGeom>
@@ -27407,7 +27407,7 @@
           </p:nvSpPr>
           <p:spPr>
             <a:xfrm>
-              <a:off x="4886729" y="6119681"/>
+              <a:off x="4897451" y="6119682"/>
               <a:ext cx="63202" cy="63202"/>
             </a:xfrm>
             <a:custGeom>
@@ -27450,7 +27450,7 @@
           </p:nvSpPr>
           <p:spPr>
             <a:xfrm>
-              <a:off x="5023048" y="5861329"/>
+              <a:off x="4642378" y="5861319"/>
               <a:ext cx="63202" cy="63202"/>
             </a:xfrm>
             <a:custGeom>
@@ -27493,7 +27493,7 @@
           </p:nvSpPr>
           <p:spPr>
             <a:xfrm>
-              <a:off x="5109479" y="5875516"/>
+              <a:off x="4834279" y="5875535"/>
               <a:ext cx="63202" cy="63202"/>
             </a:xfrm>
             <a:custGeom>
@@ -27536,7 +27536,7 @@
           </p:nvSpPr>
           <p:spPr>
             <a:xfrm>
-              <a:off x="5045909" y="6143142"/>
+              <a:off x="4809518" y="6143155"/>
               <a:ext cx="63202" cy="63202"/>
             </a:xfrm>
             <a:custGeom>
@@ -27579,7 +27579,7 @@
           </p:nvSpPr>
           <p:spPr>
             <a:xfrm>
-              <a:off x="4519811" y="5887639"/>
+              <a:off x="4973800" y="5887642"/>
               <a:ext cx="63202" cy="63202"/>
             </a:xfrm>
             <a:custGeom>
@@ -27622,7 +27622,7 @@
           </p:nvSpPr>
           <p:spPr>
             <a:xfrm>
-              <a:off x="5050483" y="5865262"/>
+              <a:off x="4930690" y="5865256"/>
               <a:ext cx="63202" cy="63202"/>
             </a:xfrm>
             <a:custGeom>
@@ -27665,7 +27665,7 @@
           </p:nvSpPr>
           <p:spPr>
             <a:xfrm>
-              <a:off x="4623458" y="6127704"/>
+              <a:off x="5154921" y="6127709"/>
               <a:ext cx="63202" cy="63202"/>
             </a:xfrm>
             <a:custGeom>
@@ -27708,7 +27708,7 @@
           </p:nvSpPr>
           <p:spPr>
             <a:xfrm>
-              <a:off x="4587625" y="6128020"/>
+              <a:off x="4669597" y="6128035"/>
               <a:ext cx="63202" cy="63202"/>
             </a:xfrm>
             <a:custGeom>
@@ -27751,7 +27751,7 @@
           </p:nvSpPr>
           <p:spPr>
             <a:xfrm>
-              <a:off x="4620448" y="5936393"/>
+              <a:off x="5139403" y="5936419"/>
               <a:ext cx="63202" cy="63202"/>
             </a:xfrm>
             <a:custGeom>
@@ -27794,7 +27794,7 @@
           </p:nvSpPr>
           <p:spPr>
             <a:xfrm>
-              <a:off x="5158123" y="5911123"/>
+              <a:off x="4539538" y="5911111"/>
               <a:ext cx="63202" cy="63202"/>
             </a:xfrm>
             <a:custGeom>
@@ -27837,7 +27837,7 @@
           </p:nvSpPr>
           <p:spPr>
             <a:xfrm>
-              <a:off x="4726982" y="5899571"/>
+              <a:off x="4937278" y="5899587"/>
               <a:ext cx="63202" cy="63202"/>
             </a:xfrm>
             <a:custGeom>
@@ -27880,7 +27880,7 @@
           </p:nvSpPr>
           <p:spPr>
             <a:xfrm>
-              <a:off x="4640574" y="5853594"/>
+              <a:off x="5110461" y="5853592"/>
               <a:ext cx="63202" cy="63202"/>
             </a:xfrm>
             <a:custGeom>
@@ -27923,7 +27923,7 @@
           </p:nvSpPr>
           <p:spPr>
             <a:xfrm>
-              <a:off x="4701442" y="5906039"/>
+              <a:off x="4904263" y="5906046"/>
               <a:ext cx="63202" cy="63202"/>
             </a:xfrm>
             <a:custGeom>
@@ -27966,7 +27966,7 @@
           </p:nvSpPr>
           <p:spPr>
             <a:xfrm>
-              <a:off x="4653295" y="6433410"/>
+              <a:off x="4529990" y="6433425"/>
               <a:ext cx="63202" cy="63202"/>
             </a:xfrm>
             <a:custGeom>
@@ -28009,7 +28009,7 @@
           </p:nvSpPr>
           <p:spPr>
             <a:xfrm>
-              <a:off x="4489408" y="5877306"/>
+              <a:off x="4761039" y="5877302"/>
               <a:ext cx="63202" cy="63202"/>
             </a:xfrm>
             <a:custGeom>
@@ -28052,7 +28052,7 @@
           </p:nvSpPr>
           <p:spPr>
             <a:xfrm>
-              <a:off x="4998112" y="5881214"/>
+              <a:off x="4524437" y="5881200"/>
               <a:ext cx="63202" cy="63202"/>
             </a:xfrm>
             <a:custGeom>
@@ -28095,7 +28095,7 @@
           </p:nvSpPr>
           <p:spPr>
             <a:xfrm>
-              <a:off x="4698107" y="5872705"/>
+              <a:off x="4899729" y="5872712"/>
               <a:ext cx="63202" cy="63202"/>
             </a:xfrm>
             <a:custGeom>
@@ -28138,7 +28138,7 @@
           </p:nvSpPr>
           <p:spPr>
             <a:xfrm>
-              <a:off x="4609312" y="5864043"/>
+              <a:off x="5093307" y="5864053"/>
               <a:ext cx="63202" cy="63202"/>
             </a:xfrm>
             <a:custGeom>
@@ -28181,7 +28181,7 @@
           </p:nvSpPr>
           <p:spPr>
             <a:xfrm>
-              <a:off x="4875322" y="6099245"/>
+              <a:off x="4562231" y="6099232"/>
               <a:ext cx="63202" cy="63202"/>
             </a:xfrm>
             <a:custGeom>
@@ -28224,7 +28224,7 @@
           </p:nvSpPr>
           <p:spPr>
             <a:xfrm>
-              <a:off x="4549956" y="6086883"/>
+              <a:off x="4962912" y="6086882"/>
               <a:ext cx="63202" cy="63202"/>
             </a:xfrm>
             <a:custGeom>
@@ -28267,7 +28267,7 @@
           </p:nvSpPr>
           <p:spPr>
             <a:xfrm>
-              <a:off x="4658095" y="6148716"/>
+              <a:off x="4484042" y="6148744"/>
               <a:ext cx="63202" cy="63202"/>
             </a:xfrm>
             <a:custGeom>
@@ -28310,7 +28310,7 @@
           </p:nvSpPr>
           <p:spPr>
             <a:xfrm>
-              <a:off x="4871507" y="5890320"/>
+              <a:off x="4812116" y="5890310"/>
               <a:ext cx="63202" cy="63202"/>
             </a:xfrm>
             <a:custGeom>
@@ -28353,7 +28353,7 @@
           </p:nvSpPr>
           <p:spPr>
             <a:xfrm>
-              <a:off x="5058492" y="5935911"/>
+              <a:off x="5079345" y="5935895"/>
               <a:ext cx="63202" cy="63202"/>
             </a:xfrm>
             <a:custGeom>
@@ -28396,7 +28396,7 @@
           </p:nvSpPr>
           <p:spPr>
             <a:xfrm>
-              <a:off x="4768897" y="5913370"/>
+              <a:off x="4793249" y="5913404"/>
               <a:ext cx="63202" cy="63202"/>
             </a:xfrm>
             <a:custGeom>
@@ -28439,7 +28439,7 @@
           </p:nvSpPr>
           <p:spPr>
             <a:xfrm>
-              <a:off x="4800853" y="5993495"/>
+              <a:off x="4802157" y="5993516"/>
               <a:ext cx="63202" cy="63202"/>
             </a:xfrm>
             <a:custGeom>
@@ -28482,7 +28482,7 @@
           </p:nvSpPr>
           <p:spPr>
             <a:xfrm>
-              <a:off x="5145759" y="5932003"/>
+              <a:off x="5145521" y="5931984"/>
               <a:ext cx="63202" cy="63202"/>
             </a:xfrm>
             <a:custGeom>
@@ -28525,7 +28525,7 @@
           </p:nvSpPr>
           <p:spPr>
             <a:xfrm>
-              <a:off x="5001243" y="5930945"/>
+              <a:off x="4743271" y="5930954"/>
               <a:ext cx="63202" cy="63202"/>
             </a:xfrm>
             <a:custGeom>
@@ -28568,7 +28568,7 @@
           </p:nvSpPr>
           <p:spPr>
             <a:xfrm>
-              <a:off x="4778512" y="5931242"/>
+              <a:off x="4816991" y="5931213"/>
               <a:ext cx="63202" cy="63202"/>
             </a:xfrm>
             <a:custGeom>
@@ -28611,7 +28611,7 @@
           </p:nvSpPr>
           <p:spPr>
             <a:xfrm>
-              <a:off x="4548591" y="6116360"/>
+              <a:off x="5067679" y="6116359"/>
               <a:ext cx="63202" cy="63202"/>
             </a:xfrm>
             <a:custGeom>
@@ -28654,7 +28654,7 @@
           </p:nvSpPr>
           <p:spPr>
             <a:xfrm>
-              <a:off x="4809266" y="6054086"/>
+              <a:off x="4923970" y="6054066"/>
               <a:ext cx="63202" cy="63202"/>
             </a:xfrm>
             <a:custGeom>
@@ -28697,7 +28697,7 @@
           </p:nvSpPr>
           <p:spPr>
             <a:xfrm>
-              <a:off x="5003569" y="5854290"/>
+              <a:off x="4502990" y="5854271"/>
               <a:ext cx="63202" cy="63202"/>
             </a:xfrm>
             <a:custGeom>
@@ -28740,7 +28740,7 @@
           </p:nvSpPr>
           <p:spPr>
             <a:xfrm>
-              <a:off x="4797593" y="5930732"/>
+              <a:off x="4732126" y="5930732"/>
               <a:ext cx="63202" cy="63202"/>
             </a:xfrm>
             <a:custGeom>
@@ -28783,7 +28783,7 @@
           </p:nvSpPr>
           <p:spPr>
             <a:xfrm>
-              <a:off x="4545533" y="5868896"/>
+              <a:off x="4892036" y="5868881"/>
               <a:ext cx="63202" cy="63202"/>
             </a:xfrm>
             <a:custGeom>
@@ -28826,7 +28826,7 @@
           </p:nvSpPr>
           <p:spPr>
             <a:xfrm>
-              <a:off x="4899868" y="5877850"/>
+              <a:off x="4869453" y="5877858"/>
               <a:ext cx="63202" cy="63202"/>
             </a:xfrm>
             <a:custGeom>
@@ -28869,7 +28869,7 @@
           </p:nvSpPr>
           <p:spPr>
             <a:xfrm>
-              <a:off x="4761106" y="5862852"/>
+              <a:off x="4667507" y="5862866"/>
               <a:ext cx="63202" cy="63202"/>
             </a:xfrm>
             <a:custGeom>
@@ -28912,7 +28912,7 @@
           </p:nvSpPr>
           <p:spPr>
             <a:xfrm>
-              <a:off x="5011071" y="6202565"/>
+              <a:off x="4477671" y="6202570"/>
               <a:ext cx="63202" cy="63202"/>
             </a:xfrm>
             <a:custGeom>
@@ -28955,7 +28955,7 @@
           </p:nvSpPr>
           <p:spPr>
             <a:xfrm>
-              <a:off x="4473089" y="5962696"/>
+              <a:off x="4511295" y="5962697"/>
               <a:ext cx="63202" cy="63202"/>
             </a:xfrm>
             <a:custGeom>
@@ -28998,7 +28998,7 @@
           </p:nvSpPr>
           <p:spPr>
             <a:xfrm>
-              <a:off x="5092928" y="5934860"/>
+              <a:off x="4835107" y="5934868"/>
               <a:ext cx="63202" cy="63202"/>
             </a:xfrm>
             <a:custGeom>
@@ -29041,7 +29041,7 @@
           </p:nvSpPr>
           <p:spPr>
             <a:xfrm>
-              <a:off x="5012815" y="5879781"/>
+              <a:off x="5046732" y="5879775"/>
               <a:ext cx="63202" cy="63202"/>
             </a:xfrm>
             <a:custGeom>
@@ -29084,7 +29084,7 @@
           </p:nvSpPr>
           <p:spPr>
             <a:xfrm>
-              <a:off x="5159338" y="5885997"/>
+              <a:off x="4621622" y="5885997"/>
               <a:ext cx="63202" cy="63202"/>
             </a:xfrm>
             <a:custGeom>
@@ -29127,7 +29127,7 @@
           </p:nvSpPr>
           <p:spPr>
             <a:xfrm>
-              <a:off x="4527637" y="5870812"/>
+              <a:off x="4836985" y="5870796"/>
               <a:ext cx="63202" cy="63202"/>
             </a:xfrm>
             <a:custGeom>
@@ -29170,7 +29170,7 @@
           </p:nvSpPr>
           <p:spPr>
             <a:xfrm>
-              <a:off x="5162949" y="5867885"/>
+              <a:off x="4550687" y="5867909"/>
               <a:ext cx="63202" cy="63202"/>
             </a:xfrm>
             <a:custGeom>
@@ -29213,7 +29213,7 @@
           </p:nvSpPr>
           <p:spPr>
             <a:xfrm>
-              <a:off x="4955013" y="5872077"/>
+              <a:off x="5066638" y="5872072"/>
               <a:ext cx="63202" cy="63202"/>
             </a:xfrm>
             <a:custGeom>
@@ -29256,7 +29256,7 @@
           </p:nvSpPr>
           <p:spPr>
             <a:xfrm>
-              <a:off x="5121903" y="5924099"/>
+              <a:off x="5036396" y="5924105"/>
               <a:ext cx="63202" cy="63202"/>
             </a:xfrm>
             <a:custGeom>
@@ -29299,7 +29299,7 @@
           </p:nvSpPr>
           <p:spPr>
             <a:xfrm>
-              <a:off x="4930303" y="5851191"/>
+              <a:off x="4632792" y="5851209"/>
               <a:ext cx="63202" cy="63202"/>
             </a:xfrm>
             <a:custGeom>
@@ -29342,7 +29342,7 @@
           </p:nvSpPr>
           <p:spPr>
             <a:xfrm>
-              <a:off x="4571104" y="5880733"/>
+              <a:off x="4864571" y="5880729"/>
               <a:ext cx="63202" cy="63202"/>
             </a:xfrm>
             <a:custGeom>
@@ -29385,7 +29385,7 @@
           </p:nvSpPr>
           <p:spPr>
             <a:xfrm>
-              <a:off x="5034764" y="6354034"/>
+              <a:off x="4992282" y="6354053"/>
               <a:ext cx="63202" cy="63202"/>
             </a:xfrm>
             <a:custGeom>
@@ -29428,7 +29428,7 @@
           </p:nvSpPr>
           <p:spPr>
             <a:xfrm>
-              <a:off x="4582575" y="6078361"/>
+              <a:off x="4915267" y="6078357"/>
               <a:ext cx="63202" cy="63202"/>
             </a:xfrm>
             <a:custGeom>
@@ -29471,7 +29471,7 @@
           </p:nvSpPr>
           <p:spPr>
             <a:xfrm>
-              <a:off x="4924401" y="5856790"/>
+              <a:off x="4955130" y="5856788"/>
               <a:ext cx="63202" cy="63202"/>
             </a:xfrm>
             <a:custGeom>
@@ -29514,7 +29514,7 @@
           </p:nvSpPr>
           <p:spPr>
             <a:xfrm>
-              <a:off x="4890422" y="5928395"/>
+              <a:off x="4533719" y="5928416"/>
               <a:ext cx="63202" cy="63202"/>
             </a:xfrm>
             <a:custGeom>
@@ -29557,7 +29557,7 @@
           </p:nvSpPr>
           <p:spPr>
             <a:xfrm>
-              <a:off x="5041684" y="5897048"/>
+              <a:off x="5132629" y="5897032"/>
               <a:ext cx="63202" cy="63202"/>
             </a:xfrm>
             <a:custGeom>
@@ -29600,7 +29600,7 @@
           </p:nvSpPr>
           <p:spPr>
             <a:xfrm>
-              <a:off x="4749643" y="5860273"/>
+              <a:off x="4949897" y="5860262"/>
               <a:ext cx="63202" cy="63202"/>
             </a:xfrm>
             <a:custGeom>
@@ -29643,7 +29643,7 @@
           </p:nvSpPr>
           <p:spPr>
             <a:xfrm>
-              <a:off x="4821760" y="5989199"/>
+              <a:off x="4791824" y="5989190"/>
               <a:ext cx="63202" cy="63202"/>
             </a:xfrm>
             <a:custGeom>
@@ -29686,7 +29686,7 @@
           </p:nvSpPr>
           <p:spPr>
             <a:xfrm>
-              <a:off x="4842815" y="5889430"/>
+              <a:off x="4620520" y="5889402"/>
               <a:ext cx="63202" cy="63202"/>
             </a:xfrm>
             <a:custGeom>
@@ -29729,7 +29729,7 @@
           </p:nvSpPr>
           <p:spPr>
             <a:xfrm>
-              <a:off x="4996195" y="5862994"/>
+              <a:off x="4748503" y="5862981"/>
               <a:ext cx="63202" cy="63202"/>
             </a:xfrm>
             <a:custGeom>
@@ -29772,7 +29772,7 @@
           </p:nvSpPr>
           <p:spPr>
             <a:xfrm>
-              <a:off x="5144598" y="5873938"/>
+              <a:off x="4919306" y="5873950"/>
               <a:ext cx="63202" cy="63202"/>
             </a:xfrm>
             <a:custGeom>
@@ -29815,7 +29815,7 @@
           </p:nvSpPr>
           <p:spPr>
             <a:xfrm>
-              <a:off x="4578818" y="6186043"/>
+              <a:off x="4593822" y="6186043"/>
               <a:ext cx="63202" cy="63202"/>
             </a:xfrm>
             <a:custGeom>
@@ -29858,7 +29858,7 @@
           </p:nvSpPr>
           <p:spPr>
             <a:xfrm>
-              <a:off x="4655993" y="5858687"/>
+              <a:off x="5143148" y="5858687"/>
               <a:ext cx="63202" cy="63202"/>
             </a:xfrm>
             <a:custGeom>
@@ -29901,7 +29901,7 @@
           </p:nvSpPr>
           <p:spPr>
             <a:xfrm>
-              <a:off x="5046195" y="5860538"/>
+              <a:off x="4737785" y="5860529"/>
               <a:ext cx="63202" cy="63202"/>
             </a:xfrm>
             <a:custGeom>
@@ -29944,7 +29944,7 @@
           </p:nvSpPr>
           <p:spPr>
             <a:xfrm>
-              <a:off x="4504237" y="6107582"/>
+              <a:off x="5121402" y="6107609"/>
               <a:ext cx="63202" cy="63202"/>
             </a:xfrm>
             <a:custGeom>
@@ -29987,7 +29987,7 @@
           </p:nvSpPr>
           <p:spPr>
             <a:xfrm>
-              <a:off x="4868836" y="6311820"/>
+              <a:off x="4695104" y="6311841"/>
               <a:ext cx="63202" cy="63202"/>
             </a:xfrm>
             <a:custGeom>
@@ -30030,7 +30030,7 @@
           </p:nvSpPr>
           <p:spPr>
             <a:xfrm>
-              <a:off x="4621793" y="5870904"/>
+              <a:off x="5086828" y="5870884"/>
               <a:ext cx="63202" cy="63202"/>
             </a:xfrm>
             <a:custGeom>
@@ -30073,7 +30073,7 @@
           </p:nvSpPr>
           <p:spPr>
             <a:xfrm>
-              <a:off x="5060332" y="5887794"/>
+              <a:off x="4995071" y="5887783"/>
               <a:ext cx="63202" cy="63202"/>
             </a:xfrm>
             <a:custGeom>
@@ -30116,7 +30116,7 @@
           </p:nvSpPr>
           <p:spPr>
             <a:xfrm>
-              <a:off x="5054314" y="5882933"/>
+              <a:off x="4744628" y="5882918"/>
               <a:ext cx="63202" cy="63202"/>
             </a:xfrm>
             <a:custGeom>
@@ -30159,7 +30159,7 @@
           </p:nvSpPr>
           <p:spPr>
             <a:xfrm>
-              <a:off x="5082700" y="5867429"/>
+              <a:off x="4600465" y="5867453"/>
               <a:ext cx="63202" cy="63202"/>
             </a:xfrm>
             <a:custGeom>
@@ -30202,7 +30202,7 @@
           </p:nvSpPr>
           <p:spPr>
             <a:xfrm>
-              <a:off x="4712122" y="5917805"/>
+              <a:off x="4549904" y="5917788"/>
               <a:ext cx="63202" cy="63202"/>
             </a:xfrm>
             <a:custGeom>
@@ -30245,7 +30245,7 @@
           </p:nvSpPr>
           <p:spPr>
             <a:xfrm>
-              <a:off x="4805601" y="6007976"/>
+              <a:off x="4543827" y="6008004"/>
               <a:ext cx="63202" cy="63202"/>
             </a:xfrm>
             <a:custGeom>
@@ -30288,7 +30288,7 @@
           </p:nvSpPr>
           <p:spPr>
             <a:xfrm>
-              <a:off x="5129119" y="5866748"/>
+              <a:off x="4895837" y="5866776"/>
               <a:ext cx="63202" cy="63202"/>
             </a:xfrm>
             <a:custGeom>
@@ -30331,7 +30331,7 @@
           </p:nvSpPr>
           <p:spPr>
             <a:xfrm>
-              <a:off x="5069720" y="6148526"/>
+              <a:off x="4889383" y="6148561"/>
               <a:ext cx="63202" cy="63202"/>
             </a:xfrm>
             <a:custGeom>
@@ -30374,7 +30374,7 @@
           </p:nvSpPr>
           <p:spPr>
             <a:xfrm>
-              <a:off x="4592015" y="5936096"/>
+              <a:off x="4546858" y="5936100"/>
               <a:ext cx="63202" cy="63202"/>
             </a:xfrm>
             <a:custGeom>
@@ -30417,7 +30417,7 @@
           </p:nvSpPr>
           <p:spPr>
             <a:xfrm>
-              <a:off x="5150292" y="5869183"/>
+              <a:off x="4756645" y="5869154"/>
               <a:ext cx="63202" cy="63202"/>
             </a:xfrm>
             <a:custGeom>
@@ -30460,7 +30460,7 @@
           </p:nvSpPr>
           <p:spPr>
             <a:xfrm>
-              <a:off x="4827609" y="5852874"/>
+              <a:off x="5146447" y="5852866"/>
               <a:ext cx="63202" cy="63202"/>
             </a:xfrm>
             <a:custGeom>
@@ -30503,7 +30503,7 @@
           </p:nvSpPr>
           <p:spPr>
             <a:xfrm>
-              <a:off x="4916427" y="5920117"/>
+              <a:off x="4920129" y="5920104"/>
               <a:ext cx="63202" cy="63202"/>
             </a:xfrm>
             <a:custGeom>
@@ -30546,7 +30546,7 @@
           </p:nvSpPr>
           <p:spPr>
             <a:xfrm>
-              <a:off x="4728250" y="5927468"/>
+              <a:off x="4555543" y="5927459"/>
               <a:ext cx="63202" cy="63202"/>
             </a:xfrm>
             <a:custGeom>
@@ -30589,7 +30589,7 @@
           </p:nvSpPr>
           <p:spPr>
             <a:xfrm>
-              <a:off x="4554540" y="6269202"/>
+              <a:off x="4733750" y="6269215"/>
               <a:ext cx="63202" cy="63202"/>
             </a:xfrm>
             <a:custGeom>
@@ -30632,7 +30632,7 @@
           </p:nvSpPr>
           <p:spPr>
             <a:xfrm>
-              <a:off x="4865613" y="5935962"/>
+              <a:off x="4589576" y="5935959"/>
               <a:ext cx="63202" cy="63202"/>
             </a:xfrm>
             <a:custGeom>
@@ -30675,7 +30675,7 @@
           </p:nvSpPr>
           <p:spPr>
             <a:xfrm>
-              <a:off x="4914685" y="5929580"/>
+              <a:off x="5061944" y="5929588"/>
               <a:ext cx="63202" cy="63202"/>
             </a:xfrm>
             <a:custGeom>
@@ -30718,7 +30718,7 @@
           </p:nvSpPr>
           <p:spPr>
             <a:xfrm>
-              <a:off x="5145458" y="5854223"/>
+              <a:off x="4721794" y="5854220"/>
               <a:ext cx="63202" cy="63202"/>
             </a:xfrm>
             <a:custGeom>
@@ -30761,7 +30761,7 @@
           </p:nvSpPr>
           <p:spPr>
             <a:xfrm>
-              <a:off x="4719896" y="5895356"/>
+              <a:off x="4835481" y="5895349"/>
               <a:ext cx="63202" cy="63202"/>
             </a:xfrm>
             <a:custGeom>
@@ -30804,7 +30804,7 @@
           </p:nvSpPr>
           <p:spPr>
             <a:xfrm>
-              <a:off x="4942643" y="6115929"/>
+              <a:off x="4843587" y="6115961"/>
               <a:ext cx="63202" cy="63202"/>
             </a:xfrm>
             <a:custGeom>
@@ -30847,7 +30847,7 @@
           </p:nvSpPr>
           <p:spPr>
             <a:xfrm>
-              <a:off x="4945202" y="5862916"/>
+              <a:off x="4619582" y="5862908"/>
               <a:ext cx="63202" cy="63202"/>
             </a:xfrm>
             <a:custGeom>
@@ -30890,7 +30890,7 @@
           </p:nvSpPr>
           <p:spPr>
             <a:xfrm>
-              <a:off x="4523449" y="5867350"/>
+              <a:off x="4639522" y="5867345"/>
               <a:ext cx="63202" cy="63202"/>
             </a:xfrm>
             <a:custGeom>
@@ -30933,7 +30933,7 @@
           </p:nvSpPr>
           <p:spPr>
             <a:xfrm>
-              <a:off x="4545852" y="5867023"/>
+              <a:off x="4585217" y="5867051"/>
               <a:ext cx="63202" cy="63202"/>
             </a:xfrm>
             <a:custGeom>
@@ -30976,7 +30976,7 @@
           </p:nvSpPr>
           <p:spPr>
             <a:xfrm>
-              <a:off x="5007697" y="6122410"/>
+              <a:off x="4512853" y="6122388"/>
               <a:ext cx="63202" cy="63202"/>
             </a:xfrm>
             <a:custGeom>
@@ -31019,7 +31019,7 @@
           </p:nvSpPr>
           <p:spPr>
             <a:xfrm>
-              <a:off x="4836293" y="5858366"/>
+              <a:off x="5151205" y="5858363"/>
               <a:ext cx="63202" cy="63202"/>
             </a:xfrm>
             <a:custGeom>
@@ -31062,7 +31062,7 @@
           </p:nvSpPr>
           <p:spPr>
             <a:xfrm>
-              <a:off x="4469383" y="5908303"/>
+              <a:off x="4850435" y="5908296"/>
               <a:ext cx="63202" cy="63202"/>
             </a:xfrm>
             <a:custGeom>
@@ -31105,7 +31105,7 @@
           </p:nvSpPr>
           <p:spPr>
             <a:xfrm>
-              <a:off x="4889131" y="5924383"/>
+              <a:off x="5065162" y="5924366"/>
               <a:ext cx="63202" cy="63202"/>
             </a:xfrm>
             <a:custGeom>
@@ -31148,7 +31148,7 @@
           </p:nvSpPr>
           <p:spPr>
             <a:xfrm>
-              <a:off x="4970495" y="5876877"/>
+              <a:off x="4882859" y="5876875"/>
               <a:ext cx="63202" cy="63202"/>
             </a:xfrm>
             <a:custGeom>
@@ -31191,7 +31191,7 @@
           </p:nvSpPr>
           <p:spPr>
             <a:xfrm>
-              <a:off x="4922244" y="6128787"/>
+              <a:off x="5010747" y="6128811"/>
               <a:ext cx="63202" cy="63202"/>
             </a:xfrm>
             <a:custGeom>
@@ -31234,7 +31234,7 @@
           </p:nvSpPr>
           <p:spPr>
             <a:xfrm>
-              <a:off x="4632494" y="5963657"/>
+              <a:off x="5160714" y="5963636"/>
               <a:ext cx="63202" cy="63202"/>
             </a:xfrm>
             <a:custGeom>
@@ -31277,7 +31277,7 @@
           </p:nvSpPr>
           <p:spPr>
             <a:xfrm>
-              <a:off x="4741177" y="5888634"/>
+              <a:off x="5043326" y="5888638"/>
               <a:ext cx="63202" cy="63202"/>
             </a:xfrm>
             <a:custGeom>
@@ -31320,7 +31320,7 @@
           </p:nvSpPr>
           <p:spPr>
             <a:xfrm>
-              <a:off x="5059435" y="5863119"/>
+              <a:off x="4809262" y="5863134"/>
               <a:ext cx="63202" cy="63202"/>
             </a:xfrm>
             <a:custGeom>
@@ -31363,7 +31363,7 @@
           </p:nvSpPr>
           <p:spPr>
             <a:xfrm>
-              <a:off x="4772460" y="5903220"/>
+              <a:off x="4861144" y="5903214"/>
               <a:ext cx="63202" cy="63202"/>
             </a:xfrm>
             <a:custGeom>
@@ -31406,7 +31406,7 @@
           </p:nvSpPr>
           <p:spPr>
             <a:xfrm>
-              <a:off x="4551214" y="5883429"/>
+              <a:off x="4510807" y="5883427"/>
               <a:ext cx="63202" cy="63202"/>
             </a:xfrm>
             <a:custGeom>
@@ -31449,7 +31449,7 @@
           </p:nvSpPr>
           <p:spPr>
             <a:xfrm>
-              <a:off x="4726373" y="5932645"/>
+              <a:off x="4873856" y="5932632"/>
               <a:ext cx="63202" cy="63202"/>
             </a:xfrm>
             <a:custGeom>
@@ -31492,7 +31492,7 @@
           </p:nvSpPr>
           <p:spPr>
             <a:xfrm>
-              <a:off x="4764185" y="6202823"/>
+              <a:off x="5084266" y="6202851"/>
               <a:ext cx="63202" cy="63202"/>
             </a:xfrm>
             <a:custGeom>
@@ -31535,7 +31535,7 @@
           </p:nvSpPr>
           <p:spPr>
             <a:xfrm>
-              <a:off x="4498824" y="6163923"/>
+              <a:off x="4964941" y="6163954"/>
               <a:ext cx="63202" cy="63202"/>
             </a:xfrm>
             <a:custGeom>
@@ -31578,7 +31578,7 @@
           </p:nvSpPr>
           <p:spPr>
             <a:xfrm>
-              <a:off x="4589758" y="5959341"/>
+              <a:off x="4669675" y="5959337"/>
               <a:ext cx="63202" cy="63202"/>
             </a:xfrm>
             <a:custGeom>
@@ -31621,7 +31621,7 @@
           </p:nvSpPr>
           <p:spPr>
             <a:xfrm>
-              <a:off x="5108814" y="6236257"/>
+              <a:off x="4620363" y="6236240"/>
               <a:ext cx="63202" cy="63202"/>
             </a:xfrm>
             <a:custGeom>
@@ -31664,7 +31664,7 @@
           </p:nvSpPr>
           <p:spPr>
             <a:xfrm>
-              <a:off x="4944796" y="5864231"/>
+              <a:off x="4870561" y="5864215"/>
               <a:ext cx="63202" cy="63202"/>
             </a:xfrm>
             <a:custGeom>
@@ -31707,7 +31707,7 @@
           </p:nvSpPr>
           <p:spPr>
             <a:xfrm>
-              <a:off x="4737765" y="5907333"/>
+              <a:off x="5147381" y="5907349"/>
               <a:ext cx="63202" cy="63202"/>
             </a:xfrm>
             <a:custGeom>
@@ -31750,7 +31750,7 @@
           </p:nvSpPr>
           <p:spPr>
             <a:xfrm>
-              <a:off x="4610383" y="5894785"/>
+              <a:off x="4958913" y="5894784"/>
               <a:ext cx="63202" cy="63202"/>
             </a:xfrm>
             <a:custGeom>
@@ -31793,7 +31793,7 @@
           </p:nvSpPr>
           <p:spPr>
             <a:xfrm>
-              <a:off x="4721015" y="5860465"/>
+              <a:off x="4479174" y="5860447"/>
               <a:ext cx="63202" cy="63202"/>
             </a:xfrm>
             <a:custGeom>
@@ -31836,7 +31836,7 @@
           </p:nvSpPr>
           <p:spPr>
             <a:xfrm>
-              <a:off x="4504990" y="5890861"/>
+              <a:off x="4937871" y="5890878"/>
               <a:ext cx="63202" cy="63202"/>
             </a:xfrm>
             <a:custGeom>
@@ -31879,7 +31879,7 @@
           </p:nvSpPr>
           <p:spPr>
             <a:xfrm>
-              <a:off x="5034183" y="5868706"/>
+              <a:off x="4946108" y="5868703"/>
               <a:ext cx="63202" cy="63202"/>
             </a:xfrm>
             <a:custGeom>
@@ -31922,7 +31922,7 @@
           </p:nvSpPr>
           <p:spPr>
             <a:xfrm>
-              <a:off x="4696264" y="5873511"/>
+              <a:off x="4843511" y="5873516"/>
               <a:ext cx="63202" cy="63202"/>
             </a:xfrm>
             <a:custGeom>
@@ -31965,7 +31965,7 @@
           </p:nvSpPr>
           <p:spPr>
             <a:xfrm>
-              <a:off x="5093684" y="5883727"/>
+              <a:off x="4606374" y="5883748"/>
               <a:ext cx="63202" cy="63202"/>
             </a:xfrm>
             <a:custGeom>
@@ -32008,7 +32008,7 @@
           </p:nvSpPr>
           <p:spPr>
             <a:xfrm>
-              <a:off x="4566542" y="6121623"/>
+              <a:off x="4891730" y="6121643"/>
               <a:ext cx="63202" cy="63202"/>
             </a:xfrm>
             <a:custGeom>
@@ -32051,7 +32051,7 @@
           </p:nvSpPr>
           <p:spPr>
             <a:xfrm>
-              <a:off x="4653996" y="6008940"/>
+              <a:off x="4830177" y="6008957"/>
               <a:ext cx="63202" cy="63202"/>
             </a:xfrm>
             <a:custGeom>
@@ -32094,7 +32094,7 @@
           </p:nvSpPr>
           <p:spPr>
             <a:xfrm>
-              <a:off x="4907234" y="5853889"/>
+              <a:off x="4747286" y="5853873"/>
               <a:ext cx="63202" cy="63202"/>
             </a:xfrm>
             <a:custGeom>
@@ -32137,7 +32137,7 @@
           </p:nvSpPr>
           <p:spPr>
             <a:xfrm>
-              <a:off x="4702616" y="5931001"/>
+              <a:off x="4854391" y="5931008"/>
               <a:ext cx="63202" cy="63202"/>
             </a:xfrm>
             <a:custGeom>
@@ -32180,7 +32180,7 @@
           </p:nvSpPr>
           <p:spPr>
             <a:xfrm>
-              <a:off x="4853485" y="5931852"/>
+              <a:off x="4664994" y="5931880"/>
               <a:ext cx="63202" cy="63202"/>
             </a:xfrm>
             <a:custGeom>
@@ -32223,7 +32223,7 @@
           </p:nvSpPr>
           <p:spPr>
             <a:xfrm>
-              <a:off x="4781235" y="5874541"/>
+              <a:off x="4551763" y="5874538"/>
               <a:ext cx="63202" cy="63202"/>
             </a:xfrm>
             <a:custGeom>
@@ -32266,7 +32266,7 @@
           </p:nvSpPr>
           <p:spPr>
             <a:xfrm>
-              <a:off x="4472014" y="5893655"/>
+              <a:off x="4912220" y="5893641"/>
               <a:ext cx="63202" cy="63202"/>
             </a:xfrm>
             <a:custGeom>
@@ -32309,7 +32309,7 @@
           </p:nvSpPr>
           <p:spPr>
             <a:xfrm>
-              <a:off x="5022421" y="5923093"/>
+              <a:off x="4713622" y="5923112"/>
               <a:ext cx="63202" cy="63202"/>
             </a:xfrm>
             <a:custGeom>
@@ -32352,7 +32352,7 @@
           </p:nvSpPr>
           <p:spPr>
             <a:xfrm>
-              <a:off x="5163087" y="5923908"/>
+              <a:off x="4616024" y="5923931"/>
               <a:ext cx="63202" cy="63202"/>
             </a:xfrm>
             <a:custGeom>
@@ -32395,7 +32395,7 @@
           </p:nvSpPr>
           <p:spPr>
             <a:xfrm>
-              <a:off x="4875683" y="5889280"/>
+              <a:off x="4706716" y="5889297"/>
               <a:ext cx="63202" cy="63202"/>
             </a:xfrm>
             <a:custGeom>
@@ -32438,7 +32438,7 @@
           </p:nvSpPr>
           <p:spPr>
             <a:xfrm>
-              <a:off x="5008710" y="5888201"/>
+              <a:off x="4547884" y="5888199"/>
               <a:ext cx="63202" cy="63202"/>
             </a:xfrm>
             <a:custGeom>
@@ -32481,7 +32481,7 @@
           </p:nvSpPr>
           <p:spPr>
             <a:xfrm>
-              <a:off x="4591278" y="5960829"/>
+              <a:off x="4710722" y="5960815"/>
               <a:ext cx="63202" cy="63202"/>
             </a:xfrm>
             <a:custGeom>
@@ -32524,7 +32524,7 @@
           </p:nvSpPr>
           <p:spPr>
             <a:xfrm>
-              <a:off x="4857972" y="5887600"/>
+              <a:off x="4626093" y="5887610"/>
               <a:ext cx="63202" cy="63202"/>
             </a:xfrm>
             <a:custGeom>
@@ -32567,7 +32567,7 @@
           </p:nvSpPr>
           <p:spPr>
             <a:xfrm>
-              <a:off x="4930957" y="5883733"/>
+              <a:off x="4915894" y="5883748"/>
               <a:ext cx="63202" cy="63202"/>
             </a:xfrm>
             <a:custGeom>
@@ -32610,7 +32610,7 @@
           </p:nvSpPr>
           <p:spPr>
             <a:xfrm>
-              <a:off x="5009608" y="5733375"/>
+              <a:off x="4617707" y="5733367"/>
               <a:ext cx="63202" cy="63202"/>
             </a:xfrm>
             <a:custGeom>
@@ -32653,7 +32653,7 @@
           </p:nvSpPr>
           <p:spPr>
             <a:xfrm>
-              <a:off x="4593319" y="5874295"/>
+              <a:off x="4855629" y="5874313"/>
               <a:ext cx="63202" cy="63202"/>
             </a:xfrm>
             <a:custGeom>
@@ -32696,7 +32696,7 @@
           </p:nvSpPr>
           <p:spPr>
             <a:xfrm>
-              <a:off x="4866639" y="5890444"/>
+              <a:off x="4860202" y="5890452"/>
               <a:ext cx="63202" cy="63202"/>
             </a:xfrm>
             <a:custGeom>
@@ -32739,7 +32739,7 @@
           </p:nvSpPr>
           <p:spPr>
             <a:xfrm>
-              <a:off x="4728511" y="5882778"/>
+              <a:off x="4983585" y="5882800"/>
               <a:ext cx="63202" cy="63202"/>
             </a:xfrm>
             <a:custGeom>
@@ -32782,7 +32782,7 @@
           </p:nvSpPr>
           <p:spPr>
             <a:xfrm>
-              <a:off x="4942432" y="5870775"/>
+              <a:off x="4508960" y="5870748"/>
               <a:ext cx="63202" cy="63202"/>
             </a:xfrm>
             <a:custGeom>
@@ -32825,7 +32825,7 @@
           </p:nvSpPr>
           <p:spPr>
             <a:xfrm>
-              <a:off x="4953926" y="5873572"/>
+              <a:off x="4823784" y="5873584"/>
               <a:ext cx="63202" cy="63202"/>
             </a:xfrm>
             <a:custGeom>
@@ -32868,7 +32868,7 @@
           </p:nvSpPr>
           <p:spPr>
             <a:xfrm>
-              <a:off x="4834318" y="5857905"/>
+              <a:off x="4483785" y="5857894"/>
               <a:ext cx="63202" cy="63202"/>
             </a:xfrm>
             <a:custGeom>
@@ -32911,7 +32911,7 @@
           </p:nvSpPr>
           <p:spPr>
             <a:xfrm>
-              <a:off x="4805680" y="6073583"/>
+              <a:off x="4590225" y="6073594"/>
               <a:ext cx="63202" cy="63202"/>
             </a:xfrm>
             <a:custGeom>
@@ -32954,7 +32954,7 @@
           </p:nvSpPr>
           <p:spPr>
             <a:xfrm>
-              <a:off x="4925509" y="6066341"/>
+              <a:off x="4689420" y="6066345"/>
               <a:ext cx="63202" cy="63202"/>
             </a:xfrm>
             <a:custGeom>
@@ -32997,7 +32997,7 @@
           </p:nvSpPr>
           <p:spPr>
             <a:xfrm>
-              <a:off x="4741289" y="6096642"/>
+              <a:off x="4997707" y="6096652"/>
               <a:ext cx="63202" cy="63202"/>
             </a:xfrm>
             <a:custGeom>
@@ -33040,7 +33040,7 @@
           </p:nvSpPr>
           <p:spPr>
             <a:xfrm>
-              <a:off x="5080436" y="6063142"/>
+              <a:off x="4926508" y="6063148"/>
               <a:ext cx="63202" cy="63202"/>
             </a:xfrm>
             <a:custGeom>
@@ -33083,7 +33083,7 @@
           </p:nvSpPr>
           <p:spPr>
             <a:xfrm>
-              <a:off x="4588523" y="5899137"/>
+              <a:off x="4740887" y="5899133"/>
               <a:ext cx="63202" cy="63202"/>
             </a:xfrm>
             <a:custGeom>
@@ -33126,7 +33126,7 @@
           </p:nvSpPr>
           <p:spPr>
             <a:xfrm>
-              <a:off x="5032942" y="6299559"/>
+              <a:off x="4504129" y="6299581"/>
               <a:ext cx="63202" cy="63202"/>
             </a:xfrm>
             <a:custGeom>
@@ -33169,7 +33169,7 @@
           </p:nvSpPr>
           <p:spPr>
             <a:xfrm>
-              <a:off x="4932391" y="6289721"/>
+              <a:off x="4578217" y="6289721"/>
               <a:ext cx="63202" cy="63202"/>
             </a:xfrm>
             <a:custGeom>
@@ -33212,7 +33212,7 @@
           </p:nvSpPr>
           <p:spPr>
             <a:xfrm>
-              <a:off x="4923997" y="5866039"/>
+              <a:off x="4983389" y="5866025"/>
               <a:ext cx="63202" cy="63202"/>
             </a:xfrm>
             <a:custGeom>
@@ -33255,7 +33255,7 @@
           </p:nvSpPr>
           <p:spPr>
             <a:xfrm>
-              <a:off x="4482267" y="5870367"/>
+              <a:off x="4980276" y="5870336"/>
               <a:ext cx="63202" cy="63202"/>
             </a:xfrm>
             <a:custGeom>
@@ -33298,7 +33298,7 @@
           </p:nvSpPr>
           <p:spPr>
             <a:xfrm>
-              <a:off x="4548464" y="6098965"/>
+              <a:off x="5137658" y="6098982"/>
               <a:ext cx="63202" cy="63202"/>
             </a:xfrm>
             <a:custGeom>
@@ -33341,7 +33341,7 @@
           </p:nvSpPr>
           <p:spPr>
             <a:xfrm>
-              <a:off x="4931510" y="6052429"/>
+              <a:off x="4746270" y="6052449"/>
               <a:ext cx="63202" cy="63202"/>
             </a:xfrm>
             <a:custGeom>
@@ -33384,7 +33384,7 @@
           </p:nvSpPr>
           <p:spPr>
             <a:xfrm>
-              <a:off x="4654067" y="5902709"/>
+              <a:off x="5166060" y="5902705"/>
               <a:ext cx="63202" cy="63202"/>
             </a:xfrm>
             <a:custGeom>
@@ -33427,7 +33427,7 @@
           </p:nvSpPr>
           <p:spPr>
             <a:xfrm>
-              <a:off x="5001786" y="6049315"/>
+              <a:off x="4524319" y="6049317"/>
               <a:ext cx="63202" cy="63202"/>
             </a:xfrm>
             <a:custGeom>
@@ -33470,7 +33470,7 @@
           </p:nvSpPr>
           <p:spPr>
             <a:xfrm>
-              <a:off x="4598468" y="5998221"/>
+              <a:off x="4843178" y="5998238"/>
               <a:ext cx="63202" cy="63202"/>
             </a:xfrm>
             <a:custGeom>
@@ -33513,7 +33513,7 @@
           </p:nvSpPr>
           <p:spPr>
             <a:xfrm>
-              <a:off x="4635673" y="5863964"/>
+              <a:off x="4782519" y="5863956"/>
               <a:ext cx="63202" cy="63202"/>
             </a:xfrm>
             <a:custGeom>
@@ -33556,7 +33556,7 @@
           </p:nvSpPr>
           <p:spPr>
             <a:xfrm>
-              <a:off x="4538382" y="5871242"/>
+              <a:off x="4810425" y="5871268"/>
               <a:ext cx="63202" cy="63202"/>
             </a:xfrm>
             <a:custGeom>
@@ -33599,7 +33599,7 @@
           </p:nvSpPr>
           <p:spPr>
             <a:xfrm>
-              <a:off x="5042857" y="5860134"/>
+              <a:off x="4741181" y="5860131"/>
               <a:ext cx="63202" cy="63202"/>
             </a:xfrm>
             <a:custGeom>
@@ -33642,7 +33642,7 @@
           </p:nvSpPr>
           <p:spPr>
             <a:xfrm>
-              <a:off x="4860102" y="5925770"/>
+              <a:off x="4594953" y="5925768"/>
               <a:ext cx="63202" cy="63202"/>
             </a:xfrm>
             <a:custGeom>
@@ -33685,7 +33685,7 @@
           </p:nvSpPr>
           <p:spPr>
             <a:xfrm>
-              <a:off x="4601313" y="5870844"/>
+              <a:off x="4795376" y="5870833"/>
               <a:ext cx="63202" cy="63202"/>
             </a:xfrm>
             <a:custGeom>
@@ -33728,7 +33728,7 @@
           </p:nvSpPr>
           <p:spPr>
             <a:xfrm>
-              <a:off x="4803467" y="5927476"/>
+              <a:off x="5041030" y="5927477"/>
               <a:ext cx="63202" cy="63202"/>
             </a:xfrm>
             <a:custGeom>
@@ -33771,7 +33771,7 @@
           </p:nvSpPr>
           <p:spPr>
             <a:xfrm>
-              <a:off x="4867458" y="5932410"/>
+              <a:off x="4932575" y="5932416"/>
               <a:ext cx="63202" cy="63202"/>
             </a:xfrm>
             <a:custGeom>
@@ -33814,7 +33814,7 @@
           </p:nvSpPr>
           <p:spPr>
             <a:xfrm>
-              <a:off x="4990253" y="5926496"/>
+              <a:off x="4611815" y="5926524"/>
               <a:ext cx="63202" cy="63202"/>
             </a:xfrm>
             <a:custGeom>
@@ -33857,7 +33857,7 @@
           </p:nvSpPr>
           <p:spPr>
             <a:xfrm>
-              <a:off x="4948761" y="5927016"/>
+              <a:off x="4482492" y="5926993"/>
               <a:ext cx="63202" cy="63202"/>
             </a:xfrm>
             <a:custGeom>
@@ -33900,7 +33900,7 @@
           </p:nvSpPr>
           <p:spPr>
             <a:xfrm>
-              <a:off x="4947467" y="5888543"/>
+              <a:off x="4708522" y="5888540"/>
               <a:ext cx="63202" cy="63202"/>
             </a:xfrm>
             <a:custGeom>
@@ -33943,7 +33943,7 @@
           </p:nvSpPr>
           <p:spPr>
             <a:xfrm>
-              <a:off x="5135790" y="5925021"/>
+              <a:off x="4842956" y="5925010"/>
               <a:ext cx="63202" cy="63202"/>
             </a:xfrm>
             <a:custGeom>
@@ -33986,7 +33986,7 @@
           </p:nvSpPr>
           <p:spPr>
             <a:xfrm>
-              <a:off x="4564398" y="6043839"/>
+              <a:off x="4907254" y="6043855"/>
               <a:ext cx="63202" cy="63202"/>
             </a:xfrm>
             <a:custGeom>
@@ -34029,7 +34029,7 @@
           </p:nvSpPr>
           <p:spPr>
             <a:xfrm>
-              <a:off x="4743193" y="5870225"/>
+              <a:off x="4861624" y="5870222"/>
               <a:ext cx="63202" cy="63202"/>
             </a:xfrm>
             <a:custGeom>
@@ -34072,7 +34072,7 @@
           </p:nvSpPr>
           <p:spPr>
             <a:xfrm>
-              <a:off x="4806153" y="6197015"/>
+              <a:off x="4923273" y="6197048"/>
               <a:ext cx="63202" cy="63202"/>
             </a:xfrm>
             <a:custGeom>
@@ -34115,7 +34115,7 @@
           </p:nvSpPr>
           <p:spPr>
             <a:xfrm>
-              <a:off x="4536437" y="5907831"/>
+              <a:off x="4820258" y="5907834"/>
               <a:ext cx="63202" cy="63202"/>
             </a:xfrm>
             <a:custGeom>
@@ -34158,7 +34158,7 @@
           </p:nvSpPr>
           <p:spPr>
             <a:xfrm>
-              <a:off x="4489514" y="6119543"/>
+              <a:off x="4493664" y="6119553"/>
               <a:ext cx="63202" cy="63202"/>
             </a:xfrm>
             <a:custGeom>
@@ -34201,7 +34201,7 @@
           </p:nvSpPr>
           <p:spPr>
             <a:xfrm>
-              <a:off x="5097217" y="5959837"/>
+              <a:off x="4571128" y="5959834"/>
               <a:ext cx="63202" cy="63202"/>
             </a:xfrm>
             <a:custGeom>
@@ -34244,7 +34244,7 @@
           </p:nvSpPr>
           <p:spPr>
             <a:xfrm>
-              <a:off x="4826878" y="6153986"/>
+              <a:off x="5151587" y="6153990"/>
               <a:ext cx="63202" cy="63202"/>
             </a:xfrm>
             <a:custGeom>
@@ -34287,7 +34287,7 @@
           </p:nvSpPr>
           <p:spPr>
             <a:xfrm>
-              <a:off x="4736212" y="6086851"/>
+              <a:off x="4798916" y="6086867"/>
               <a:ext cx="63202" cy="63202"/>
             </a:xfrm>
             <a:custGeom>
@@ -34330,7 +34330,7 @@
           </p:nvSpPr>
           <p:spPr>
             <a:xfrm>
-              <a:off x="5046122" y="6260321"/>
+              <a:off x="5137187" y="6260333"/>
               <a:ext cx="63202" cy="63202"/>
             </a:xfrm>
             <a:custGeom>
@@ -34373,7 +34373,7 @@
           </p:nvSpPr>
           <p:spPr>
             <a:xfrm>
-              <a:off x="4617775" y="5865207"/>
+              <a:off x="4915440" y="5865205"/>
               <a:ext cx="63202" cy="63202"/>
             </a:xfrm>
             <a:custGeom>
@@ -34416,7 +34416,7 @@
           </p:nvSpPr>
           <p:spPr>
             <a:xfrm>
-              <a:off x="4853622" y="5865355"/>
+              <a:off x="5028121" y="5865350"/>
               <a:ext cx="63202" cy="63202"/>
             </a:xfrm>
             <a:custGeom>
@@ -34459,7 +34459,7 @@
           </p:nvSpPr>
           <p:spPr>
             <a:xfrm>
-              <a:off x="5132464" y="6175813"/>
+              <a:off x="4683963" y="6175824"/>
               <a:ext cx="63202" cy="63202"/>
             </a:xfrm>
             <a:custGeom>
@@ -34502,7 +34502,7 @@
           </p:nvSpPr>
           <p:spPr>
             <a:xfrm>
-              <a:off x="4656926" y="6112206"/>
+              <a:off x="4764832" y="6112224"/>
               <a:ext cx="63202" cy="63202"/>
             </a:xfrm>
             <a:custGeom>
@@ -34545,7 +34545,7 @@
           </p:nvSpPr>
           <p:spPr>
             <a:xfrm>
-              <a:off x="4950976" y="5998181"/>
+              <a:off x="5014981" y="5998192"/>
               <a:ext cx="63202" cy="63202"/>
             </a:xfrm>
             <a:custGeom>
@@ -34588,7 +34588,7 @@
           </p:nvSpPr>
           <p:spPr>
             <a:xfrm>
-              <a:off x="5139331" y="6068492"/>
+              <a:off x="4635342" y="6068521"/>
               <a:ext cx="63202" cy="63202"/>
             </a:xfrm>
             <a:custGeom>
@@ -34687,7 +34687,7 @@
           </p:nvSpPr>
           <p:spPr>
             <a:xfrm>
-              <a:off x="7192078" y="2815585"/>
+              <a:off x="7192078" y="2815603"/>
               <a:ext cx="2796732" cy="0"/>
             </a:xfrm>
             <a:custGeom>
@@ -34730,7 +34730,7 @@
           </p:nvSpPr>
           <p:spPr>
             <a:xfrm>
-              <a:off x="7192078" y="2361618"/>
+              <a:off x="7192078" y="2361625"/>
               <a:ext cx="2796732" cy="0"/>
             </a:xfrm>
             <a:custGeom>
@@ -34773,7 +34773,7 @@
           </p:nvSpPr>
           <p:spPr>
             <a:xfrm>
-              <a:off x="7192078" y="1907651"/>
+              <a:off x="7192078" y="1907646"/>
               <a:ext cx="2796732" cy="0"/>
             </a:xfrm>
             <a:custGeom>
@@ -34816,7 +34816,7 @@
           </p:nvSpPr>
           <p:spPr>
             <a:xfrm>
-              <a:off x="7192078" y="1453685"/>
+              <a:off x="7192078" y="1453668"/>
               <a:ext cx="2796732" cy="0"/>
             </a:xfrm>
             <a:custGeom>
@@ -34859,7 +34859,7 @@
           </p:nvSpPr>
           <p:spPr>
             <a:xfrm>
-              <a:off x="7192078" y="3042568"/>
+              <a:off x="7192078" y="3042592"/>
               <a:ext cx="2796732" cy="0"/>
             </a:xfrm>
             <a:custGeom>
@@ -34902,7 +34902,7 @@
           </p:nvSpPr>
           <p:spPr>
             <a:xfrm>
-              <a:off x="7192078" y="2588601"/>
+              <a:off x="7192078" y="2588614"/>
               <a:ext cx="2796732" cy="0"/>
             </a:xfrm>
             <a:custGeom>
@@ -34988,7 +34988,7 @@
           </p:nvSpPr>
           <p:spPr>
             <a:xfrm>
-              <a:off x="7192078" y="1680668"/>
+              <a:off x="7192078" y="1680657"/>
               <a:ext cx="2796732" cy="0"/>
             </a:xfrm>
             <a:custGeom>
@@ -35160,7 +35160,7 @@
           </p:nvSpPr>
           <p:spPr>
             <a:xfrm>
-              <a:off x="8019296" y="2813886"/>
+              <a:off x="7869761" y="2813935"/>
               <a:ext cx="63202" cy="63202"/>
             </a:xfrm>
             <a:custGeom>
@@ -35203,7 +35203,7 @@
           </p:nvSpPr>
           <p:spPr>
             <a:xfrm>
-              <a:off x="7914326" y="2585248"/>
+              <a:off x="7353278" y="2585235"/>
               <a:ext cx="63202" cy="63202"/>
             </a:xfrm>
             <a:custGeom>
@@ -35246,7 +35246,7 @@
           </p:nvSpPr>
           <p:spPr>
             <a:xfrm>
-              <a:off x="7972408" y="2552159"/>
+              <a:off x="7560699" y="2552142"/>
               <a:ext cx="63202" cy="63202"/>
             </a:xfrm>
             <a:custGeom>
@@ -35289,7 +35289,7 @@
           </p:nvSpPr>
           <p:spPr>
             <a:xfrm>
-              <a:off x="7707023" y="2556498"/>
+              <a:off x="7545325" y="2556511"/>
               <a:ext cx="63202" cy="63202"/>
             </a:xfrm>
             <a:custGeom>
@@ -35332,7 +35332,7 @@
           </p:nvSpPr>
           <p:spPr>
             <a:xfrm>
-              <a:off x="7682656" y="2550278"/>
+              <a:off x="7871722" y="2550281"/>
               <a:ext cx="63202" cy="63202"/>
             </a:xfrm>
             <a:custGeom>
@@ -35375,7 +35375,7 @@
           </p:nvSpPr>
           <p:spPr>
             <a:xfrm>
-              <a:off x="7376510" y="2269579"/>
+              <a:off x="7780547" y="2269587"/>
               <a:ext cx="63202" cy="63202"/>
             </a:xfrm>
             <a:custGeom>
@@ -35418,7 +35418,7 @@
           </p:nvSpPr>
           <p:spPr>
             <a:xfrm>
-              <a:off x="7698349" y="2573482"/>
+              <a:off x="7363258" y="2573500"/>
               <a:ext cx="63202" cy="63202"/>
             </a:xfrm>
             <a:custGeom>
@@ -35461,7 +35461,7 @@
           </p:nvSpPr>
           <p:spPr>
             <a:xfrm>
-              <a:off x="7915542" y="2583569"/>
+              <a:off x="7566373" y="2583555"/>
               <a:ext cx="63202" cy="63202"/>
             </a:xfrm>
             <a:custGeom>
@@ -35504,7 +35504,7 @@
           </p:nvSpPr>
           <p:spPr>
             <a:xfrm>
-              <a:off x="7875692" y="2549339"/>
+              <a:off x="7559026" y="2549329"/>
               <a:ext cx="63202" cy="63202"/>
             </a:xfrm>
             <a:custGeom>
@@ -35547,7 +35547,7 @@
           </p:nvSpPr>
           <p:spPr>
             <a:xfrm>
-              <a:off x="8024244" y="2548637"/>
+              <a:off x="7736629" y="2548659"/>
               <a:ext cx="63202" cy="63202"/>
             </a:xfrm>
             <a:custGeom>
@@ -35590,7 +35590,7 @@
           </p:nvSpPr>
           <p:spPr>
             <a:xfrm>
-              <a:off x="7768983" y="2574618"/>
+              <a:off x="7551579" y="2574612"/>
               <a:ext cx="63202" cy="63202"/>
             </a:xfrm>
             <a:custGeom>
@@ -35633,7 +35633,7 @@
           </p:nvSpPr>
           <p:spPr>
             <a:xfrm>
-              <a:off x="7464369" y="2659460"/>
+              <a:off x="7713632" y="2659476"/>
               <a:ext cx="63202" cy="63202"/>
             </a:xfrm>
             <a:custGeom>
@@ -35676,7 +35676,7 @@
           </p:nvSpPr>
           <p:spPr>
             <a:xfrm>
-              <a:off x="7864271" y="2579615"/>
+              <a:off x="7992190" y="2579619"/>
               <a:ext cx="63202" cy="63202"/>
             </a:xfrm>
             <a:custGeom>
@@ -35719,7 +35719,7 @@
           </p:nvSpPr>
           <p:spPr>
             <a:xfrm>
-              <a:off x="7376243" y="2585583"/>
+              <a:off x="7457552" y="2585614"/>
               <a:ext cx="63202" cy="63202"/>
             </a:xfrm>
             <a:custGeom>
@@ -35762,7 +35762,7 @@
           </p:nvSpPr>
           <p:spPr>
             <a:xfrm>
-              <a:off x="7982303" y="2573701"/>
+              <a:off x="8010841" y="2573731"/>
               <a:ext cx="63202" cy="63202"/>
             </a:xfrm>
             <a:custGeom>
@@ -35805,7 +35805,7 @@
           </p:nvSpPr>
           <p:spPr>
             <a:xfrm>
-              <a:off x="7966477" y="2582201"/>
+              <a:off x="7481208" y="2582195"/>
               <a:ext cx="63202" cy="63202"/>
             </a:xfrm>
             <a:custGeom>
@@ -35848,7 +35848,7 @@
           </p:nvSpPr>
           <p:spPr>
             <a:xfrm>
-              <a:off x="7652209" y="2572497"/>
+              <a:off x="7488973" y="2572476"/>
               <a:ext cx="63202" cy="63202"/>
             </a:xfrm>
             <a:custGeom>
@@ -35891,7 +35891,7 @@
           </p:nvSpPr>
           <p:spPr>
             <a:xfrm>
-              <a:off x="7735675" y="2557346"/>
+              <a:off x="7367952" y="2557365"/>
               <a:ext cx="63202" cy="63202"/>
             </a:xfrm>
             <a:custGeom>
@@ -35934,7 +35934,7 @@
           </p:nvSpPr>
           <p:spPr>
             <a:xfrm>
-              <a:off x="7643227" y="2578244"/>
+              <a:off x="7367795" y="2578264"/>
               <a:ext cx="63202" cy="63202"/>
             </a:xfrm>
             <a:custGeom>
@@ -35977,7 +35977,7 @@
           </p:nvSpPr>
           <p:spPr>
             <a:xfrm>
-              <a:off x="7720319" y="2671905"/>
+              <a:off x="7585171" y="2671926"/>
               <a:ext cx="63202" cy="63202"/>
             </a:xfrm>
             <a:custGeom>
@@ -36020,7 +36020,7 @@
           </p:nvSpPr>
           <p:spPr>
             <a:xfrm>
-              <a:off x="7502191" y="2548832"/>
+              <a:off x="7625529" y="2548844"/>
               <a:ext cx="63202" cy="63202"/>
             </a:xfrm>
             <a:custGeom>
@@ -36063,7 +36063,7 @@
           </p:nvSpPr>
           <p:spPr>
             <a:xfrm>
-              <a:off x="7338719" y="2552944"/>
+              <a:off x="7762230" y="2552966"/>
               <a:ext cx="63202" cy="63202"/>
             </a:xfrm>
             <a:custGeom>
@@ -36106,7 +36106,7 @@
           </p:nvSpPr>
           <p:spPr>
             <a:xfrm>
-              <a:off x="7770606" y="2585809"/>
+              <a:off x="7356830" y="2585830"/>
               <a:ext cx="63202" cy="63202"/>
             </a:xfrm>
             <a:custGeom>
@@ -36149,7 +36149,7 @@
           </p:nvSpPr>
           <p:spPr>
             <a:xfrm>
-              <a:off x="7621068" y="2572120"/>
+              <a:off x="7816833" y="2572116"/>
               <a:ext cx="63202" cy="63202"/>
             </a:xfrm>
             <a:custGeom>
@@ -36192,7 +36192,7 @@
           </p:nvSpPr>
           <p:spPr>
             <a:xfrm>
-              <a:off x="7914389" y="2576166"/>
+              <a:off x="7660786" y="2576170"/>
               <a:ext cx="63202" cy="63202"/>
             </a:xfrm>
             <a:custGeom>
@@ -36235,7 +36235,7 @@
           </p:nvSpPr>
           <p:spPr>
             <a:xfrm>
-              <a:off x="7367467" y="2574625"/>
+              <a:off x="7521088" y="2574611"/>
               <a:ext cx="63202" cy="63202"/>
             </a:xfrm>
             <a:custGeom>
@@ -36278,7 +36278,7 @@
           </p:nvSpPr>
           <p:spPr>
             <a:xfrm>
-              <a:off x="7417148" y="2256328"/>
+              <a:off x="7380283" y="2256359"/>
               <a:ext cx="63202" cy="63202"/>
             </a:xfrm>
             <a:custGeom>
@@ -36321,7 +36321,7 @@
           </p:nvSpPr>
           <p:spPr>
             <a:xfrm>
-              <a:off x="7753642" y="2583813"/>
+              <a:off x="7620127" y="2583844"/>
               <a:ext cx="63202" cy="63202"/>
             </a:xfrm>
             <a:custGeom>
@@ -36364,7 +36364,7 @@
           </p:nvSpPr>
           <p:spPr>
             <a:xfrm>
-              <a:off x="7454998" y="2683479"/>
+              <a:off x="7504302" y="2683502"/>
               <a:ext cx="63202" cy="63202"/>
             </a:xfrm>
             <a:custGeom>
@@ -36407,7 +36407,7 @@
           </p:nvSpPr>
           <p:spPr>
             <a:xfrm>
-              <a:off x="7710335" y="2572347"/>
+              <a:off x="7976392" y="2572356"/>
               <a:ext cx="63202" cy="63202"/>
             </a:xfrm>
             <a:custGeom>
@@ -36450,7 +36450,7 @@
           </p:nvSpPr>
           <p:spPr>
             <a:xfrm>
-              <a:off x="7993383" y="2256051"/>
+              <a:off x="7958045" y="2256059"/>
               <a:ext cx="63202" cy="63202"/>
             </a:xfrm>
             <a:custGeom>
@@ -36493,7 +36493,7 @@
           </p:nvSpPr>
           <p:spPr>
             <a:xfrm>
-              <a:off x="7748334" y="2553005"/>
+              <a:off x="7403043" y="2553001"/>
               <a:ext cx="63202" cy="63202"/>
             </a:xfrm>
             <a:custGeom>
@@ -36536,7 +36536,7 @@
           </p:nvSpPr>
           <p:spPr>
             <a:xfrm>
-              <a:off x="7487245" y="2562722"/>
+              <a:off x="7862034" y="2562731"/>
               <a:ext cx="63202" cy="63202"/>
             </a:xfrm>
             <a:custGeom>
@@ -36579,7 +36579,7 @@
           </p:nvSpPr>
           <p:spPr>
             <a:xfrm>
-              <a:off x="8007311" y="2555262"/>
+              <a:off x="7572848" y="2555273"/>
               <a:ext cx="63202" cy="63202"/>
             </a:xfrm>
             <a:custGeom>
@@ -36622,7 +36622,7 @@
           </p:nvSpPr>
           <p:spPr>
             <a:xfrm>
-              <a:off x="7651711" y="2557558"/>
+              <a:off x="7337541" y="2557575"/>
               <a:ext cx="63202" cy="63202"/>
             </a:xfrm>
             <a:custGeom>
@@ -36665,7 +36665,7 @@
           </p:nvSpPr>
           <p:spPr>
             <a:xfrm>
-              <a:off x="7722002" y="2557696"/>
+              <a:off x="7406585" y="2557700"/>
               <a:ext cx="63202" cy="63202"/>
             </a:xfrm>
             <a:custGeom>
@@ -36708,7 +36708,7 @@
           </p:nvSpPr>
           <p:spPr>
             <a:xfrm>
-              <a:off x="7969387" y="2558002"/>
+              <a:off x="7744127" y="2558025"/>
               <a:ext cx="63202" cy="63202"/>
             </a:xfrm>
             <a:custGeom>
@@ -36751,7 +36751,7 @@
           </p:nvSpPr>
           <p:spPr>
             <a:xfrm>
-              <a:off x="7356027" y="2559168"/>
+              <a:off x="7410486" y="2559206"/>
               <a:ext cx="63202" cy="63202"/>
             </a:xfrm>
             <a:custGeom>
@@ -36794,7 +36794,7 @@
           </p:nvSpPr>
           <p:spPr>
             <a:xfrm>
-              <a:off x="7760554" y="2553315"/>
+              <a:off x="7592231" y="2553353"/>
               <a:ext cx="63202" cy="63202"/>
             </a:xfrm>
             <a:custGeom>
@@ -36837,7 +36837,7 @@
           </p:nvSpPr>
           <p:spPr>
             <a:xfrm>
-              <a:off x="7637992" y="2592286"/>
+              <a:off x="7596896" y="2592273"/>
               <a:ext cx="63202" cy="63202"/>
             </a:xfrm>
             <a:custGeom>
@@ -36880,7 +36880,7 @@
           </p:nvSpPr>
           <p:spPr>
             <a:xfrm>
-              <a:off x="7419184" y="2568943"/>
+              <a:off x="7547993" y="2568960"/>
               <a:ext cx="63202" cy="63202"/>
             </a:xfrm>
             <a:custGeom>
@@ -36923,7 +36923,7 @@
           </p:nvSpPr>
           <p:spPr>
             <a:xfrm>
-              <a:off x="7904251" y="2555851"/>
+              <a:off x="7758403" y="2555864"/>
               <a:ext cx="63202" cy="63202"/>
             </a:xfrm>
             <a:custGeom>
@@ -36966,7 +36966,7 @@
           </p:nvSpPr>
           <p:spPr>
             <a:xfrm>
-              <a:off x="7554682" y="2622859"/>
+              <a:off x="7867182" y="2622898"/>
               <a:ext cx="63202" cy="63202"/>
             </a:xfrm>
             <a:custGeom>
@@ -37009,7 +37009,7 @@
           </p:nvSpPr>
           <p:spPr>
             <a:xfrm>
-              <a:off x="7383196" y="2469855"/>
+              <a:off x="7384385" y="2469865"/>
               <a:ext cx="63202" cy="63202"/>
             </a:xfrm>
             <a:custGeom>
@@ -37052,7 +37052,7 @@
           </p:nvSpPr>
           <p:spPr>
             <a:xfrm>
-              <a:off x="8032074" y="2555743"/>
+              <a:off x="7801649" y="2555753"/>
               <a:ext cx="63202" cy="63202"/>
             </a:xfrm>
             <a:custGeom>
@@ -37095,7 +37095,7 @@
           </p:nvSpPr>
           <p:spPr>
             <a:xfrm>
-              <a:off x="7543087" y="2557329"/>
+              <a:off x="7362576" y="2557319"/>
               <a:ext cx="63202" cy="63202"/>
             </a:xfrm>
             <a:custGeom>
@@ -37138,7 +37138,7 @@
           </p:nvSpPr>
           <p:spPr>
             <a:xfrm>
-              <a:off x="7624971" y="2556737"/>
+              <a:off x="7964933" y="2556750"/>
               <a:ext cx="63202" cy="63202"/>
             </a:xfrm>
             <a:custGeom>
@@ -37181,7 +37181,7 @@
           </p:nvSpPr>
           <p:spPr>
             <a:xfrm>
-              <a:off x="7666683" y="2557376"/>
+              <a:off x="7568747" y="2557371"/>
               <a:ext cx="63202" cy="63202"/>
             </a:xfrm>
             <a:custGeom>
@@ -37224,7 +37224,7 @@
           </p:nvSpPr>
           <p:spPr>
             <a:xfrm>
-              <a:off x="7561949" y="2550129"/>
+              <a:off x="7371600" y="2550156"/>
               <a:ext cx="63202" cy="63202"/>
             </a:xfrm>
             <a:custGeom>
@@ -37323,7 +37323,7 @@
           </p:nvSpPr>
           <p:spPr>
             <a:xfrm>
-              <a:off x="7192078" y="4740917"/>
+              <a:off x="7192078" y="4740936"/>
               <a:ext cx="2796732" cy="0"/>
             </a:xfrm>
             <a:custGeom>
@@ -37366,7 +37366,7 @@
           </p:nvSpPr>
           <p:spPr>
             <a:xfrm>
-              <a:off x="7192078" y="4286951"/>
+              <a:off x="7192078" y="4286957"/>
               <a:ext cx="2796732" cy="0"/>
             </a:xfrm>
             <a:custGeom>
@@ -37409,7 +37409,7 @@
           </p:nvSpPr>
           <p:spPr>
             <a:xfrm>
-              <a:off x="7192078" y="3832984"/>
+              <a:off x="7192078" y="3832979"/>
               <a:ext cx="2796732" cy="0"/>
             </a:xfrm>
             <a:custGeom>
@@ -37452,7 +37452,7 @@
           </p:nvSpPr>
           <p:spPr>
             <a:xfrm>
-              <a:off x="7192078" y="3379017"/>
+              <a:off x="7192078" y="3379000"/>
               <a:ext cx="2796732" cy="0"/>
             </a:xfrm>
             <a:custGeom>
@@ -37495,7 +37495,7 @@
           </p:nvSpPr>
           <p:spPr>
             <a:xfrm>
-              <a:off x="7192078" y="4967901"/>
+              <a:off x="7192078" y="4967925"/>
               <a:ext cx="2796732" cy="0"/>
             </a:xfrm>
             <a:custGeom>
@@ -37538,7 +37538,7 @@
           </p:nvSpPr>
           <p:spPr>
             <a:xfrm>
-              <a:off x="7192078" y="4513934"/>
+              <a:off x="7192078" y="4513946"/>
               <a:ext cx="2796732" cy="0"/>
             </a:xfrm>
             <a:custGeom>
@@ -37581,7 +37581,7 @@
           </p:nvSpPr>
           <p:spPr>
             <a:xfrm>
-              <a:off x="7192078" y="4059967"/>
+              <a:off x="7192078" y="4059968"/>
               <a:ext cx="2796732" cy="0"/>
             </a:xfrm>
             <a:custGeom>
@@ -37624,7 +37624,7 @@
           </p:nvSpPr>
           <p:spPr>
             <a:xfrm>
-              <a:off x="7192078" y="3606001"/>
+              <a:off x="7192078" y="3605990"/>
               <a:ext cx="2796732" cy="0"/>
             </a:xfrm>
             <a:custGeom>
@@ -37796,7 +37796,7 @@
           </p:nvSpPr>
           <p:spPr>
             <a:xfrm>
-              <a:off x="7695216" y="4442518"/>
+              <a:off x="7733221" y="4442528"/>
               <a:ext cx="63202" cy="63202"/>
             </a:xfrm>
             <a:custGeom>
@@ -37839,7 +37839,7 @@
           </p:nvSpPr>
           <p:spPr>
             <a:xfrm>
-              <a:off x="7574911" y="4365060"/>
+              <a:off x="7975016" y="4365077"/>
               <a:ext cx="63202" cy="63202"/>
             </a:xfrm>
             <a:custGeom>
@@ -37882,7 +37882,7 @@
           </p:nvSpPr>
           <p:spPr>
             <a:xfrm>
-              <a:off x="7956726" y="4516597"/>
+              <a:off x="7739290" y="4516610"/>
               <a:ext cx="63202" cy="63202"/>
             </a:xfrm>
             <a:custGeom>
@@ -37925,7 +37925,7 @@
           </p:nvSpPr>
           <p:spPr>
             <a:xfrm>
-              <a:off x="7686731" y="4441870"/>
+              <a:off x="7650934" y="4441909"/>
               <a:ext cx="63202" cy="63202"/>
             </a:xfrm>
             <a:custGeom>
@@ -37968,7 +37968,7 @@
           </p:nvSpPr>
           <p:spPr>
             <a:xfrm>
-              <a:off x="7684273" y="4504698"/>
+              <a:off x="7861963" y="4504740"/>
               <a:ext cx="63202" cy="63202"/>
             </a:xfrm>
             <a:custGeom>
@@ -38011,7 +38011,7 @@
           </p:nvSpPr>
           <p:spPr>
             <a:xfrm>
-              <a:off x="7755731" y="4407438"/>
+              <a:off x="7953977" y="4407452"/>
               <a:ext cx="63202" cy="63202"/>
             </a:xfrm>
             <a:custGeom>
@@ -38054,7 +38054,7 @@
           </p:nvSpPr>
           <p:spPr>
             <a:xfrm>
-              <a:off x="7560160" y="4388344"/>
+              <a:off x="7628865" y="4388359"/>
               <a:ext cx="63202" cy="63202"/>
             </a:xfrm>
             <a:custGeom>
@@ -38097,7 +38097,7 @@
           </p:nvSpPr>
           <p:spPr>
             <a:xfrm>
-              <a:off x="7855127" y="4445846"/>
+              <a:off x="7385102" y="4445845"/>
               <a:ext cx="63202" cy="63202"/>
             </a:xfrm>
             <a:custGeom>
@@ -38140,7 +38140,7 @@
           </p:nvSpPr>
           <p:spPr>
             <a:xfrm>
-              <a:off x="7539774" y="4475828"/>
+              <a:off x="7886242" y="4475857"/>
               <a:ext cx="63202" cy="63202"/>
             </a:xfrm>
             <a:custGeom>
@@ -38183,7 +38183,7 @@
           </p:nvSpPr>
           <p:spPr>
             <a:xfrm>
-              <a:off x="8028933" y="4371755"/>
+              <a:off x="8007035" y="4371741"/>
               <a:ext cx="63202" cy="63202"/>
             </a:xfrm>
             <a:custGeom>
@@ -38226,7 +38226,7 @@
           </p:nvSpPr>
           <p:spPr>
             <a:xfrm>
-              <a:off x="7619946" y="4356664"/>
+              <a:off x="7974582" y="4356690"/>
               <a:ext cx="63202" cy="63202"/>
             </a:xfrm>
             <a:custGeom>
@@ -38269,7 +38269,7 @@
           </p:nvSpPr>
           <p:spPr>
             <a:xfrm>
-              <a:off x="8008736" y="4415523"/>
+              <a:off x="7948280" y="4415513"/>
               <a:ext cx="63202" cy="63202"/>
             </a:xfrm>
             <a:custGeom>
@@ -38312,7 +38312,7 @@
           </p:nvSpPr>
           <p:spPr>
             <a:xfrm>
-              <a:off x="7982716" y="4357145"/>
+              <a:off x="7683563" y="4357151"/>
               <a:ext cx="63202" cy="63202"/>
             </a:xfrm>
             <a:custGeom>
@@ -38355,7 +38355,7 @@
           </p:nvSpPr>
           <p:spPr>
             <a:xfrm>
-              <a:off x="7548449" y="4387668"/>
+              <a:off x="7523047" y="4387705"/>
               <a:ext cx="63202" cy="63202"/>
             </a:xfrm>
             <a:custGeom>
@@ -39850,7 +39850,7 @@
           </p:nvSpPr>
           <p:spPr>
             <a:xfrm>
-              <a:off x="1334650" y="3000877"/>
+              <a:off x="1334650" y="3000900"/>
               <a:ext cx="62155" cy="81691"/>
             </a:xfrm>
             <a:prstGeom prst="rect">
@@ -39896,7 +39896,7 @@
           </p:nvSpPr>
           <p:spPr>
             <a:xfrm>
-              <a:off x="1148183" y="2546910"/>
+              <a:off x="1148183" y="2546922"/>
               <a:ext cx="248622" cy="81691"/>
             </a:xfrm>
             <a:prstGeom prst="rect">
@@ -39942,7 +39942,7 @@
           </p:nvSpPr>
           <p:spPr>
             <a:xfrm>
-              <a:off x="1148183" y="2092943"/>
+              <a:off x="1148183" y="2092944"/>
               <a:ext cx="248622" cy="81691"/>
             </a:xfrm>
             <a:prstGeom prst="rect">
@@ -39988,7 +39988,7 @@
           </p:nvSpPr>
           <p:spPr>
             <a:xfrm>
-              <a:off x="1148183" y="1638922"/>
+              <a:off x="1148183" y="1638911"/>
               <a:ext cx="248622" cy="81746"/>
             </a:xfrm>
             <a:prstGeom prst="rect">
@@ -40034,7 +40034,7 @@
           </p:nvSpPr>
           <p:spPr>
             <a:xfrm>
-              <a:off x="1424641" y="3042568"/>
+              <a:off x="1424641" y="3042592"/>
               <a:ext cx="34794" cy="0"/>
             </a:xfrm>
             <a:custGeom>
@@ -40074,7 +40074,7 @@
           </p:nvSpPr>
           <p:spPr>
             <a:xfrm>
-              <a:off x="1424641" y="2588601"/>
+              <a:off x="1424641" y="2588614"/>
               <a:ext cx="34794" cy="0"/>
             </a:xfrm>
             <a:custGeom>
@@ -40154,7 +40154,7 @@
           </p:nvSpPr>
           <p:spPr>
             <a:xfrm>
-              <a:off x="1424641" y="1680668"/>
+              <a:off x="1424641" y="1680657"/>
               <a:ext cx="34794" cy="0"/>
             </a:xfrm>
             <a:custGeom>
@@ -40194,7 +40194,7 @@
           </p:nvSpPr>
           <p:spPr>
             <a:xfrm>
-              <a:off x="1334650" y="4926209"/>
+              <a:off x="1334650" y="4926233"/>
               <a:ext cx="62155" cy="81691"/>
             </a:xfrm>
             <a:prstGeom prst="rect">
@@ -40240,7 +40240,7 @@
           </p:nvSpPr>
           <p:spPr>
             <a:xfrm>
-              <a:off x="1148183" y="4472242"/>
+              <a:off x="1148183" y="4472255"/>
               <a:ext cx="248622" cy="81691"/>
             </a:xfrm>
             <a:prstGeom prst="rect">
@@ -40332,7 +40332,7 @@
           </p:nvSpPr>
           <p:spPr>
             <a:xfrm>
-              <a:off x="1148183" y="3564254"/>
+              <a:off x="1148183" y="3564243"/>
               <a:ext cx="248622" cy="81746"/>
             </a:xfrm>
             <a:prstGeom prst="rect">
@@ -40378,7 +40378,7 @@
           </p:nvSpPr>
           <p:spPr>
             <a:xfrm>
-              <a:off x="1424641" y="4967901"/>
+              <a:off x="1424641" y="4967925"/>
               <a:ext cx="34794" cy="0"/>
             </a:xfrm>
             <a:custGeom>
@@ -40418,7 +40418,7 @@
           </p:nvSpPr>
           <p:spPr>
             <a:xfrm>
-              <a:off x="1424641" y="4513934"/>
+              <a:off x="1424641" y="4513946"/>
               <a:ext cx="34794" cy="0"/>
             </a:xfrm>
             <a:custGeom>
@@ -40458,7 +40458,7 @@
           </p:nvSpPr>
           <p:spPr>
             <a:xfrm>
-              <a:off x="1424641" y="4059967"/>
+              <a:off x="1424641" y="4059968"/>
               <a:ext cx="34794" cy="0"/>
             </a:xfrm>
             <a:custGeom>
@@ -40498,7 +40498,7 @@
           </p:nvSpPr>
           <p:spPr>
             <a:xfrm>
-              <a:off x="1424641" y="3606001"/>
+              <a:off x="1424641" y="3605990"/>
               <a:ext cx="34794" cy="0"/>
             </a:xfrm>
             <a:custGeom>
@@ -40538,7 +40538,7 @@
           </p:nvSpPr>
           <p:spPr>
             <a:xfrm>
-              <a:off x="1334650" y="6851542"/>
+              <a:off x="1334650" y="6851566"/>
               <a:ext cx="62155" cy="81691"/>
             </a:xfrm>
             <a:prstGeom prst="rect">
@@ -40584,7 +40584,7 @@
           </p:nvSpPr>
           <p:spPr>
             <a:xfrm>
-              <a:off x="1148183" y="6397575"/>
+              <a:off x="1148183" y="6397587"/>
               <a:ext cx="248622" cy="81691"/>
             </a:xfrm>
             <a:prstGeom prst="rect">
@@ -40630,7 +40630,7 @@
           </p:nvSpPr>
           <p:spPr>
             <a:xfrm>
-              <a:off x="1148183" y="5943608"/>
+              <a:off x="1148183" y="5943609"/>
               <a:ext cx="248622" cy="81691"/>
             </a:xfrm>
             <a:prstGeom prst="rect">
@@ -40676,7 +40676,7 @@
           </p:nvSpPr>
           <p:spPr>
             <a:xfrm>
-              <a:off x="1148183" y="5489587"/>
+              <a:off x="1148183" y="5489576"/>
               <a:ext cx="248622" cy="81746"/>
             </a:xfrm>
             <a:prstGeom prst="rect">
@@ -40722,7 +40722,7 @@
           </p:nvSpPr>
           <p:spPr>
             <a:xfrm>
-              <a:off x="1424641" y="6893233"/>
+              <a:off x="1424641" y="6893257"/>
               <a:ext cx="34794" cy="0"/>
             </a:xfrm>
             <a:custGeom>
@@ -40762,7 +40762,7 @@
           </p:nvSpPr>
           <p:spPr>
             <a:xfrm>
-              <a:off x="1424641" y="6439267"/>
+              <a:off x="1424641" y="6439279"/>
               <a:ext cx="34794" cy="0"/>
             </a:xfrm>
             <a:custGeom>
@@ -40802,7 +40802,7 @@
           </p:nvSpPr>
           <p:spPr>
             <a:xfrm>
-              <a:off x="1424641" y="5985300"/>
+              <a:off x="1424641" y="5985301"/>
               <a:ext cx="34794" cy="0"/>
             </a:xfrm>
             <a:custGeom>
@@ -40842,7 +40842,7 @@
           </p:nvSpPr>
           <p:spPr>
             <a:xfrm>
-              <a:off x="1424641" y="5531333"/>
+              <a:off x="1424641" y="5531322"/>
               <a:ext cx="34794" cy="0"/>
             </a:xfrm>
             <a:custGeom>

--- a/Images/Figures_PPT/Jitter_Plot_TOR_All.pptx
+++ b/Images/Figures_PPT/Jitter_Plot_TOR_All.pptx
@@ -2359,7 +2359,7 @@
           </p:nvSpPr>
           <p:spPr>
             <a:xfrm>
-              <a:off x="1459435" y="2815603"/>
+              <a:off x="1459435" y="2815595"/>
               <a:ext cx="2796732" cy="0"/>
             </a:xfrm>
             <a:custGeom>
@@ -2402,7 +2402,7 @@
           </p:nvSpPr>
           <p:spPr>
             <a:xfrm>
-              <a:off x="1459435" y="2361625"/>
+              <a:off x="1459435" y="2361628"/>
               <a:ext cx="2796732" cy="0"/>
             </a:xfrm>
             <a:custGeom>
@@ -2445,7 +2445,7 @@
           </p:nvSpPr>
           <p:spPr>
             <a:xfrm>
-              <a:off x="1459435" y="1907646"/>
+              <a:off x="1459435" y="1907661"/>
               <a:ext cx="2796732" cy="0"/>
             </a:xfrm>
             <a:custGeom>
@@ -2488,7 +2488,7 @@
           </p:nvSpPr>
           <p:spPr>
             <a:xfrm>
-              <a:off x="1459435" y="1453668"/>
+              <a:off x="1459435" y="1453694"/>
               <a:ext cx="2796732" cy="0"/>
             </a:xfrm>
             <a:custGeom>
@@ -2531,7 +2531,7 @@
           </p:nvSpPr>
           <p:spPr>
             <a:xfrm>
-              <a:off x="1459435" y="3042592"/>
+              <a:off x="1459435" y="3042578"/>
               <a:ext cx="2796732" cy="0"/>
             </a:xfrm>
             <a:custGeom>
@@ -2574,7 +2574,7 @@
           </p:nvSpPr>
           <p:spPr>
             <a:xfrm>
-              <a:off x="1459435" y="2588614"/>
+              <a:off x="1459435" y="2588612"/>
               <a:ext cx="2796732" cy="0"/>
             </a:xfrm>
             <a:custGeom>
@@ -2617,7 +2617,7 @@
           </p:nvSpPr>
           <p:spPr>
             <a:xfrm>
-              <a:off x="1459435" y="2134635"/>
+              <a:off x="1459435" y="2134645"/>
               <a:ext cx="2796732" cy="0"/>
             </a:xfrm>
             <a:custGeom>
@@ -2660,7 +2660,7 @@
           </p:nvSpPr>
           <p:spPr>
             <a:xfrm>
-              <a:off x="1459435" y="1680657"/>
+              <a:off x="1459435" y="1680678"/>
               <a:ext cx="2796732" cy="0"/>
             </a:xfrm>
             <a:custGeom>
@@ -2832,7 +2832,7 @@
           </p:nvSpPr>
           <p:spPr>
             <a:xfrm>
-              <a:off x="3076250" y="2907130"/>
+              <a:off x="2522788" y="2907122"/>
               <a:ext cx="63202" cy="63202"/>
             </a:xfrm>
             <a:custGeom>
@@ -2875,7 +2875,7 @@
           </p:nvSpPr>
           <p:spPr>
             <a:xfrm>
-              <a:off x="2273364" y="2419737"/>
+              <a:off x="1766975" y="2419746"/>
               <a:ext cx="63202" cy="63202"/>
             </a:xfrm>
             <a:custGeom>
@@ -2918,7 +2918,7 @@
           </p:nvSpPr>
           <p:spPr>
             <a:xfrm>
-              <a:off x="1724404" y="2585766"/>
+              <a:off x="1753352" y="2585739"/>
               <a:ext cx="63202" cy="63202"/>
             </a:xfrm>
             <a:custGeom>
@@ -2961,7 +2961,7 @@
           </p:nvSpPr>
           <p:spPr>
             <a:xfrm>
-              <a:off x="2548570" y="2899669"/>
+              <a:off x="2840018" y="2899672"/>
               <a:ext cx="63202" cy="63202"/>
             </a:xfrm>
             <a:custGeom>
@@ -3004,7 +3004,7 @@
           </p:nvSpPr>
           <p:spPr>
             <a:xfrm>
-              <a:off x="1878216" y="2784212"/>
+              <a:off x="2174326" y="2784209"/>
               <a:ext cx="63202" cy="63202"/>
             </a:xfrm>
             <a:custGeom>
@@ -3047,7 +3047,7 @@
           </p:nvSpPr>
           <p:spPr>
             <a:xfrm>
-              <a:off x="2188318" y="2808327"/>
+              <a:off x="1955113" y="2808337"/>
               <a:ext cx="63202" cy="63202"/>
             </a:xfrm>
             <a:custGeom>
@@ -3090,7 +3090,7 @@
           </p:nvSpPr>
           <p:spPr>
             <a:xfrm>
-              <a:off x="1722483" y="2359937"/>
+              <a:off x="1969921" y="2359929"/>
               <a:ext cx="63202" cy="63202"/>
             </a:xfrm>
             <a:custGeom>
@@ -3133,7 +3133,7 @@
           </p:nvSpPr>
           <p:spPr>
             <a:xfrm>
-              <a:off x="1838823" y="2513652"/>
+              <a:off x="2137825" y="2513674"/>
               <a:ext cx="63202" cy="63202"/>
             </a:xfrm>
             <a:custGeom>
@@ -3176,7 +3176,7 @@
           </p:nvSpPr>
           <p:spPr>
             <a:xfrm>
-              <a:off x="1752617" y="2680939"/>
+              <a:off x="2030015" y="2680951"/>
               <a:ext cx="63202" cy="63202"/>
             </a:xfrm>
             <a:custGeom>
@@ -3219,7 +3219,7 @@
           </p:nvSpPr>
           <p:spPr>
             <a:xfrm>
-              <a:off x="1877077" y="2485495"/>
+              <a:off x="2026808" y="2485508"/>
               <a:ext cx="63202" cy="63202"/>
             </a:xfrm>
             <a:custGeom>
@@ -3262,7 +3262,7 @@
           </p:nvSpPr>
           <p:spPr>
             <a:xfrm>
-              <a:off x="2131445" y="2799376"/>
+              <a:off x="2158975" y="2799382"/>
               <a:ext cx="63202" cy="63202"/>
             </a:xfrm>
             <a:custGeom>
@@ -3305,7 +3305,7 @@
           </p:nvSpPr>
           <p:spPr>
             <a:xfrm>
-              <a:off x="3119141" y="2935495"/>
+              <a:off x="3095193" y="2935470"/>
               <a:ext cx="63202" cy="63202"/>
             </a:xfrm>
             <a:custGeom>
@@ -3348,7 +3348,7 @@
           </p:nvSpPr>
           <p:spPr>
             <a:xfrm>
-              <a:off x="2201394" y="2513341"/>
+              <a:off x="1984278" y="2513347"/>
               <a:ext cx="63202" cy="63202"/>
             </a:xfrm>
             <a:custGeom>
@@ -3391,7 +3391,7 @@
           </p:nvSpPr>
           <p:spPr>
             <a:xfrm>
-              <a:off x="2157892" y="2807742"/>
+              <a:off x="2099690" y="2807719"/>
               <a:ext cx="63202" cy="63202"/>
             </a:xfrm>
             <a:custGeom>
@@ -3434,7 +3434,7 @@
           </p:nvSpPr>
           <p:spPr>
             <a:xfrm>
-              <a:off x="2146355" y="2701787"/>
+              <a:off x="1901493" y="2701790"/>
               <a:ext cx="63202" cy="63202"/>
             </a:xfrm>
             <a:custGeom>
@@ -3477,7 +3477,7 @@
           </p:nvSpPr>
           <p:spPr>
             <a:xfrm>
-              <a:off x="2044253" y="2680934"/>
+              <a:off x="1705338" y="2680961"/>
               <a:ext cx="63202" cy="63202"/>
             </a:xfrm>
             <a:custGeom>
@@ -3520,7 +3520,7 @@
           </p:nvSpPr>
           <p:spPr>
             <a:xfrm>
-              <a:off x="1681275" y="2808738"/>
+              <a:off x="2282697" y="2808728"/>
               <a:ext cx="63202" cy="63202"/>
             </a:xfrm>
             <a:custGeom>
@@ -3563,7 +3563,7 @@
           </p:nvSpPr>
           <p:spPr>
             <a:xfrm>
-              <a:off x="3054492" y="2929507"/>
+              <a:off x="2669142" y="2929505"/>
               <a:ext cx="63202" cy="63202"/>
             </a:xfrm>
             <a:custGeom>
@@ -3606,7 +3606,7 @@
           </p:nvSpPr>
           <p:spPr>
             <a:xfrm>
-              <a:off x="1765248" y="2859544"/>
+              <a:off x="1767108" y="2859531"/>
               <a:ext cx="63202" cy="63202"/>
             </a:xfrm>
             <a:custGeom>
@@ -3649,7 +3649,7 @@
           </p:nvSpPr>
           <p:spPr>
             <a:xfrm>
-              <a:off x="1713188" y="2485523"/>
+              <a:off x="1736923" y="2485499"/>
               <a:ext cx="63202" cy="63202"/>
             </a:xfrm>
             <a:custGeom>
@@ -3692,7 +3692,7 @@
           </p:nvSpPr>
           <p:spPr>
             <a:xfrm>
-              <a:off x="2183025" y="2666798"/>
+              <a:off x="1776163" y="2666763"/>
               <a:ext cx="63202" cy="63202"/>
             </a:xfrm>
             <a:custGeom>
@@ -3735,7 +3735,7 @@
           </p:nvSpPr>
           <p:spPr>
             <a:xfrm>
-              <a:off x="1783122" y="2809633"/>
+              <a:off x="1995286" y="2809651"/>
               <a:ext cx="63202" cy="63202"/>
             </a:xfrm>
             <a:custGeom>
@@ -3778,7 +3778,7 @@
           </p:nvSpPr>
           <p:spPr>
             <a:xfrm>
-              <a:off x="1816228" y="2514261"/>
+              <a:off x="1671783" y="2514239"/>
               <a:ext cx="63202" cy="63202"/>
             </a:xfrm>
             <a:custGeom>
@@ -3821,7 +3821,7 @@
           </p:nvSpPr>
           <p:spPr>
             <a:xfrm>
-              <a:off x="1652935" y="2821421"/>
+              <a:off x="1658370" y="2821385"/>
               <a:ext cx="63202" cy="63202"/>
             </a:xfrm>
             <a:custGeom>
@@ -3864,7 +3864,7 @@
           </p:nvSpPr>
           <p:spPr>
             <a:xfrm>
-              <a:off x="2289064" y="2768766"/>
+              <a:off x="1900922" y="2768739"/>
               <a:ext cx="63202" cy="63202"/>
             </a:xfrm>
             <a:custGeom>
@@ -3907,7 +3907,7 @@
           </p:nvSpPr>
           <p:spPr>
             <a:xfrm>
-              <a:off x="2154775" y="2680724"/>
+              <a:off x="2061909" y="2680732"/>
               <a:ext cx="63202" cy="63202"/>
             </a:xfrm>
             <a:custGeom>
@@ -3950,7 +3950,7 @@
           </p:nvSpPr>
           <p:spPr>
             <a:xfrm>
-              <a:off x="1604917" y="2681353"/>
+              <a:off x="1653372" y="2681346"/>
               <a:ext cx="63202" cy="63202"/>
             </a:xfrm>
             <a:custGeom>
@@ -3993,7 +3993,7 @@
           </p:nvSpPr>
           <p:spPr>
             <a:xfrm>
-              <a:off x="1849739" y="2681175"/>
+              <a:off x="1851782" y="2681178"/>
               <a:ext cx="63202" cy="63202"/>
             </a:xfrm>
             <a:custGeom>
@@ -4036,7 +4036,7 @@
           </p:nvSpPr>
           <p:spPr>
             <a:xfrm>
-              <a:off x="1613925" y="2681503"/>
+              <a:off x="1803144" y="2681477"/>
               <a:ext cx="63202" cy="63202"/>
             </a:xfrm>
             <a:custGeom>
@@ -4079,7 +4079,7 @@
           </p:nvSpPr>
           <p:spPr>
             <a:xfrm>
-              <a:off x="1904567" y="2680276"/>
+              <a:off x="2131977" y="2680257"/>
               <a:ext cx="63202" cy="63202"/>
             </a:xfrm>
             <a:custGeom>
@@ -4122,7 +4122,7 @@
           </p:nvSpPr>
           <p:spPr>
             <a:xfrm>
-              <a:off x="2179160" y="2681234"/>
+              <a:off x="2079797" y="2681199"/>
               <a:ext cx="63202" cy="63202"/>
             </a:xfrm>
             <a:custGeom>
@@ -4165,7 +4165,7 @@
           </p:nvSpPr>
           <p:spPr>
             <a:xfrm>
-              <a:off x="1728613" y="2680281"/>
+              <a:off x="2174231" y="2680278"/>
               <a:ext cx="63202" cy="63202"/>
             </a:xfrm>
             <a:custGeom>
@@ -4208,7 +4208,7 @@
           </p:nvSpPr>
           <p:spPr>
             <a:xfrm>
-              <a:off x="2230425" y="2679680"/>
+              <a:off x="1907684" y="2679662"/>
               <a:ext cx="63202" cy="63202"/>
             </a:xfrm>
             <a:custGeom>
@@ -4251,7 +4251,7 @@
           </p:nvSpPr>
           <p:spPr>
             <a:xfrm>
-              <a:off x="1834867" y="2680941"/>
+              <a:off x="2003141" y="2680938"/>
               <a:ext cx="63202" cy="63202"/>
             </a:xfrm>
             <a:custGeom>
@@ -4294,7 +4294,7 @@
           </p:nvSpPr>
           <p:spPr>
             <a:xfrm>
-              <a:off x="2203434" y="2865337"/>
+              <a:off x="2189190" y="2865350"/>
               <a:ext cx="63202" cy="63202"/>
             </a:xfrm>
             <a:custGeom>
@@ -4337,7 +4337,7 @@
           </p:nvSpPr>
           <p:spPr>
             <a:xfrm>
-              <a:off x="3034410" y="2883271"/>
+              <a:off x="2670044" y="2883265"/>
               <a:ext cx="63202" cy="63202"/>
             </a:xfrm>
             <a:custGeom>
@@ -4380,7 +4380,7 @@
           </p:nvSpPr>
           <p:spPr>
             <a:xfrm>
-              <a:off x="2843406" y="2913192"/>
+              <a:off x="2482318" y="2913194"/>
               <a:ext cx="63202" cy="63202"/>
             </a:xfrm>
             <a:custGeom>
@@ -4423,7 +4423,7 @@
           </p:nvSpPr>
           <p:spPr>
             <a:xfrm>
-              <a:off x="3618460" y="2950414"/>
+              <a:off x="3954058" y="2950419"/>
               <a:ext cx="63202" cy="63202"/>
             </a:xfrm>
             <a:custGeom>
@@ -4466,7 +4466,7 @@
           </p:nvSpPr>
           <p:spPr>
             <a:xfrm>
-              <a:off x="2504420" y="2926829"/>
+              <a:off x="2758494" y="2926804"/>
               <a:ext cx="63202" cy="63202"/>
             </a:xfrm>
             <a:custGeom>
@@ -4509,7 +4509,7 @@
           </p:nvSpPr>
           <p:spPr>
             <a:xfrm>
-              <a:off x="2884913" y="2897086"/>
+              <a:off x="2744480" y="2897093"/>
               <a:ext cx="63202" cy="63202"/>
             </a:xfrm>
             <a:custGeom>
@@ -4552,7 +4552,7 @@
           </p:nvSpPr>
           <p:spPr>
             <a:xfrm>
-              <a:off x="2816569" y="2933196"/>
+              <a:off x="2646065" y="2933172"/>
               <a:ext cx="63202" cy="63202"/>
             </a:xfrm>
             <a:custGeom>
@@ -4595,7 +4595,7 @@
           </p:nvSpPr>
           <p:spPr>
             <a:xfrm>
-              <a:off x="1943823" y="2475208"/>
+              <a:off x="1718169" y="2475221"/>
               <a:ext cx="63202" cy="63202"/>
             </a:xfrm>
             <a:custGeom>
@@ -4638,7 +4638,7 @@
           </p:nvSpPr>
           <p:spPr>
             <a:xfrm>
-              <a:off x="2590812" y="2880004"/>
+              <a:off x="2942016" y="2880000"/>
               <a:ext cx="63202" cy="63202"/>
             </a:xfrm>
             <a:custGeom>
@@ -4681,7 +4681,7 @@
           </p:nvSpPr>
           <p:spPr>
             <a:xfrm>
-              <a:off x="2091061" y="2856501"/>
+              <a:off x="2140152" y="2856496"/>
               <a:ext cx="63202" cy="63202"/>
             </a:xfrm>
             <a:custGeom>
@@ -4724,7 +4724,7 @@
           </p:nvSpPr>
           <p:spPr>
             <a:xfrm>
-              <a:off x="2226966" y="2564356"/>
+              <a:off x="2255194" y="2564368"/>
               <a:ext cx="63202" cy="63202"/>
             </a:xfrm>
             <a:custGeom>
@@ -4767,7 +4767,7 @@
           </p:nvSpPr>
           <p:spPr>
             <a:xfrm>
-              <a:off x="1812036" y="2808807"/>
+              <a:off x="1663542" y="2808781"/>
               <a:ext cx="63202" cy="63202"/>
             </a:xfrm>
             <a:custGeom>
@@ -4810,7 +4810,7 @@
           </p:nvSpPr>
           <p:spPr>
             <a:xfrm>
-              <a:off x="1827035" y="2803657"/>
+              <a:off x="2293565" y="2803640"/>
               <a:ext cx="63202" cy="63202"/>
             </a:xfrm>
             <a:custGeom>
@@ -4853,7 +4853,7 @@
           </p:nvSpPr>
           <p:spPr>
             <a:xfrm>
-              <a:off x="2268562" y="2813224"/>
+              <a:off x="1705229" y="2813247"/>
               <a:ext cx="63202" cy="63202"/>
             </a:xfrm>
             <a:custGeom>
@@ -4896,7 +4896,7 @@
           </p:nvSpPr>
           <p:spPr>
             <a:xfrm>
-              <a:off x="1777236" y="2809523"/>
+              <a:off x="2148793" y="2809525"/>
               <a:ext cx="63202" cy="63202"/>
             </a:xfrm>
             <a:custGeom>
@@ -4939,7 +4939,7 @@
           </p:nvSpPr>
           <p:spPr>
             <a:xfrm>
-              <a:off x="1981561" y="2862645"/>
+              <a:off x="1801305" y="2862625"/>
               <a:ext cx="63202" cy="63202"/>
             </a:xfrm>
             <a:custGeom>
@@ -4982,7 +4982,7 @@
           </p:nvSpPr>
           <p:spPr>
             <a:xfrm>
-              <a:off x="2217667" y="2644803"/>
+              <a:off x="1799726" y="2644809"/>
               <a:ext cx="63202" cy="63202"/>
             </a:xfrm>
             <a:custGeom>
@@ -5025,7 +5025,7 @@
           </p:nvSpPr>
           <p:spPr>
             <a:xfrm>
-              <a:off x="1662864" y="2639421"/>
+              <a:off x="2075878" y="2639406"/>
               <a:ext cx="63202" cy="63202"/>
             </a:xfrm>
             <a:custGeom>
@@ -5068,7 +5068,7 @@
           </p:nvSpPr>
           <p:spPr>
             <a:xfrm>
-              <a:off x="2054300" y="2865136"/>
+              <a:off x="2261528" y="2865118"/>
               <a:ext cx="63202" cy="63202"/>
             </a:xfrm>
             <a:custGeom>
@@ -5111,7 +5111,7 @@
           </p:nvSpPr>
           <p:spPr>
             <a:xfrm>
-              <a:off x="3082241" y="2932770"/>
+              <a:off x="2619943" y="2932770"/>
               <a:ext cx="63202" cy="63202"/>
             </a:xfrm>
             <a:custGeom>
@@ -5154,7 +5154,7 @@
           </p:nvSpPr>
           <p:spPr>
             <a:xfrm>
-              <a:off x="2054422" y="2806061"/>
+              <a:off x="2286788" y="2806041"/>
               <a:ext cx="63202" cy="63202"/>
             </a:xfrm>
             <a:custGeom>
@@ -5197,7 +5197,7 @@
           </p:nvSpPr>
           <p:spPr>
             <a:xfrm>
-              <a:off x="2183447" y="2808871"/>
+              <a:off x="2285395" y="2808853"/>
               <a:ext cx="63202" cy="63202"/>
             </a:xfrm>
             <a:custGeom>
@@ -5240,7 +5240,7 @@
           </p:nvSpPr>
           <p:spPr>
             <a:xfrm>
-              <a:off x="2122131" y="2811088"/>
+              <a:off x="1621867" y="2811092"/>
               <a:ext cx="63202" cy="63202"/>
             </a:xfrm>
             <a:custGeom>
@@ -5283,7 +5283,7 @@
           </p:nvSpPr>
           <p:spPr>
             <a:xfrm>
-              <a:off x="2006476" y="2808926"/>
+              <a:off x="1713467" y="2808922"/>
               <a:ext cx="63202" cy="63202"/>
             </a:xfrm>
             <a:custGeom>
@@ -5326,7 +5326,7 @@
           </p:nvSpPr>
           <p:spPr>
             <a:xfrm>
-              <a:off x="1861395" y="2688726"/>
+              <a:off x="2166959" y="2688699"/>
               <a:ext cx="63202" cy="63202"/>
             </a:xfrm>
             <a:custGeom>
@@ -5369,7 +5369,7 @@
           </p:nvSpPr>
           <p:spPr>
             <a:xfrm>
-              <a:off x="1734674" y="2485477"/>
+              <a:off x="2247943" y="2485477"/>
               <a:ext cx="63202" cy="63202"/>
             </a:xfrm>
             <a:custGeom>
@@ -5412,7 +5412,7 @@
           </p:nvSpPr>
           <p:spPr>
             <a:xfrm>
-              <a:off x="1621101" y="2475676"/>
+              <a:off x="1951072" y="2475656"/>
               <a:ext cx="63202" cy="63202"/>
             </a:xfrm>
             <a:custGeom>
@@ -5455,7 +5455,7 @@
           </p:nvSpPr>
           <p:spPr>
             <a:xfrm>
-              <a:off x="2239172" y="2796125"/>
+              <a:off x="2065048" y="2796125"/>
               <a:ext cx="63202" cy="63202"/>
             </a:xfrm>
             <a:custGeom>
@@ -5498,7 +5498,7 @@
           </p:nvSpPr>
           <p:spPr>
             <a:xfrm>
-              <a:off x="3170594" y="2875797"/>
+              <a:off x="3121755" y="2875799"/>
               <a:ext cx="63202" cy="63202"/>
             </a:xfrm>
             <a:custGeom>
@@ -5541,7 +5541,7 @@
           </p:nvSpPr>
           <p:spPr>
             <a:xfrm>
-              <a:off x="2974297" y="2897349"/>
+              <a:off x="2500827" y="2897356"/>
               <a:ext cx="63202" cy="63202"/>
             </a:xfrm>
             <a:custGeom>
@@ -5584,7 +5584,7 @@
           </p:nvSpPr>
           <p:spPr>
             <a:xfrm>
-              <a:off x="1791515" y="2858742"/>
+              <a:off x="1922234" y="2858731"/>
               <a:ext cx="63202" cy="63202"/>
             </a:xfrm>
             <a:custGeom>
@@ -5627,7 +5627,7 @@
           </p:nvSpPr>
           <p:spPr>
             <a:xfrm>
-              <a:off x="2179901" y="2793594"/>
+              <a:off x="1826855" y="2793563"/>
               <a:ext cx="63202" cy="63202"/>
             </a:xfrm>
             <a:custGeom>
@@ -5670,7 +5670,7 @@
           </p:nvSpPr>
           <p:spPr>
             <a:xfrm>
-              <a:off x="1639382" y="2851859"/>
+              <a:off x="1911295" y="2851866"/>
               <a:ext cx="63202" cy="63202"/>
             </a:xfrm>
             <a:custGeom>
@@ -5713,7 +5713,7 @@
           </p:nvSpPr>
           <p:spPr>
             <a:xfrm>
-              <a:off x="2280577" y="2858595"/>
+              <a:off x="1755219" y="2858593"/>
               <a:ext cx="63202" cy="63202"/>
             </a:xfrm>
             <a:custGeom>
@@ -5756,7 +5756,7 @@
           </p:nvSpPr>
           <p:spPr>
             <a:xfrm>
-              <a:off x="1903151" y="2809644"/>
+              <a:off x="2050444" y="2809641"/>
               <a:ext cx="63202" cy="63202"/>
             </a:xfrm>
             <a:custGeom>
@@ -5799,7 +5799,7 @@
           </p:nvSpPr>
           <p:spPr>
             <a:xfrm>
-              <a:off x="1980973" y="2812407"/>
+              <a:off x="2200899" y="2812419"/>
               <a:ext cx="63202" cy="63202"/>
             </a:xfrm>
             <a:custGeom>
@@ -5842,7 +5842,7 @@
           </p:nvSpPr>
           <p:spPr>
             <a:xfrm>
-              <a:off x="3153375" y="2876058"/>
+              <a:off x="2584715" y="2876064"/>
               <a:ext cx="63202" cy="63202"/>
             </a:xfrm>
             <a:custGeom>
@@ -5885,7 +5885,7 @@
           </p:nvSpPr>
           <p:spPr>
             <a:xfrm>
-              <a:off x="1985038" y="2472026"/>
+              <a:off x="1860202" y="2472033"/>
               <a:ext cx="63202" cy="63202"/>
             </a:xfrm>
             <a:custGeom>
@@ -5928,7 +5928,7 @@
           </p:nvSpPr>
           <p:spPr>
             <a:xfrm>
-              <a:off x="1749038" y="2473514"/>
+              <a:off x="2119553" y="2473542"/>
               <a:ext cx="63202" cy="63202"/>
             </a:xfrm>
             <a:custGeom>
@@ -5971,7 +5971,7 @@
           </p:nvSpPr>
           <p:spPr>
             <a:xfrm>
-              <a:off x="2223084" y="2476296"/>
+              <a:off x="1849256" y="2476284"/>
               <a:ext cx="63202" cy="63202"/>
             </a:xfrm>
             <a:custGeom>
@@ -6014,7 +6014,7 @@
           </p:nvSpPr>
           <p:spPr>
             <a:xfrm>
-              <a:off x="1881344" y="2817650"/>
+              <a:off x="1959643" y="2817634"/>
               <a:ext cx="63202" cy="63202"/>
             </a:xfrm>
             <a:custGeom>
@@ -6057,7 +6057,7 @@
           </p:nvSpPr>
           <p:spPr>
             <a:xfrm>
-              <a:off x="2150689" y="2817834"/>
+              <a:off x="1697220" y="2817810"/>
               <a:ext cx="63202" cy="63202"/>
             </a:xfrm>
             <a:custGeom>
@@ -6100,7 +6100,7 @@
           </p:nvSpPr>
           <p:spPr>
             <a:xfrm>
-              <a:off x="1773581" y="2658152"/>
+              <a:off x="1866033" y="2658149"/>
               <a:ext cx="63202" cy="63202"/>
             </a:xfrm>
             <a:custGeom>
@@ -6143,7 +6143,7 @@
           </p:nvSpPr>
           <p:spPr>
             <a:xfrm>
-              <a:off x="1848967" y="2843485"/>
+              <a:off x="2116113" y="2843447"/>
               <a:ext cx="63202" cy="63202"/>
             </a:xfrm>
             <a:custGeom>
@@ -6186,7 +6186,7 @@
           </p:nvSpPr>
           <p:spPr>
             <a:xfrm>
-              <a:off x="1607339" y="2498679"/>
+              <a:off x="2170625" y="2498676"/>
               <a:ext cx="63202" cy="63202"/>
             </a:xfrm>
             <a:custGeom>
@@ -6229,7 +6229,7 @@
           </p:nvSpPr>
           <p:spPr>
             <a:xfrm>
-              <a:off x="2269916" y="2828302"/>
+              <a:off x="2069739" y="2828308"/>
               <a:ext cx="63202" cy="63202"/>
             </a:xfrm>
             <a:custGeom>
@@ -6272,7 +6272,7 @@
           </p:nvSpPr>
           <p:spPr>
             <a:xfrm>
-              <a:off x="2136257" y="2746945"/>
+              <a:off x="1950828" y="2746932"/>
               <a:ext cx="63202" cy="63202"/>
             </a:xfrm>
             <a:custGeom>
@@ -6315,7 +6315,7 @@
           </p:nvSpPr>
           <p:spPr>
             <a:xfrm>
-              <a:off x="1868828" y="2805261"/>
+              <a:off x="2101983" y="2805253"/>
               <a:ext cx="63202" cy="63202"/>
             </a:xfrm>
             <a:custGeom>
@@ -6358,7 +6358,7 @@
           </p:nvSpPr>
           <p:spPr>
             <a:xfrm>
-              <a:off x="1719866" y="2476083"/>
+              <a:off x="1727910" y="2476083"/>
               <a:ext cx="63202" cy="63202"/>
             </a:xfrm>
             <a:custGeom>
@@ -6457,7 +6457,7 @@
           </p:nvSpPr>
           <p:spPr>
             <a:xfrm>
-              <a:off x="1459435" y="4740936"/>
+              <a:off x="1459435" y="4740928"/>
               <a:ext cx="2796732" cy="0"/>
             </a:xfrm>
             <a:custGeom>
@@ -6500,7 +6500,7 @@
           </p:nvSpPr>
           <p:spPr>
             <a:xfrm>
-              <a:off x="1459435" y="4286957"/>
+              <a:off x="1459435" y="4286961"/>
               <a:ext cx="2796732" cy="0"/>
             </a:xfrm>
             <a:custGeom>
@@ -6543,7 +6543,7 @@
           </p:nvSpPr>
           <p:spPr>
             <a:xfrm>
-              <a:off x="1459435" y="3832979"/>
+              <a:off x="1459435" y="3832994"/>
               <a:ext cx="2796732" cy="0"/>
             </a:xfrm>
             <a:custGeom>
@@ -6586,7 +6586,7 @@
           </p:nvSpPr>
           <p:spPr>
             <a:xfrm>
-              <a:off x="1459435" y="3379000"/>
+              <a:off x="1459435" y="3379027"/>
               <a:ext cx="2796732" cy="0"/>
             </a:xfrm>
             <a:custGeom>
@@ -6629,7 +6629,7 @@
           </p:nvSpPr>
           <p:spPr>
             <a:xfrm>
-              <a:off x="1459435" y="4967925"/>
+              <a:off x="1459435" y="4967911"/>
               <a:ext cx="2796732" cy="0"/>
             </a:xfrm>
             <a:custGeom>
@@ -6672,7 +6672,7 @@
           </p:nvSpPr>
           <p:spPr>
             <a:xfrm>
-              <a:off x="1459435" y="4513946"/>
+              <a:off x="1459435" y="4513944"/>
               <a:ext cx="2796732" cy="0"/>
             </a:xfrm>
             <a:custGeom>
@@ -6715,7 +6715,7 @@
           </p:nvSpPr>
           <p:spPr>
             <a:xfrm>
-              <a:off x="1459435" y="4059968"/>
+              <a:off x="1459435" y="4059977"/>
               <a:ext cx="2796732" cy="0"/>
             </a:xfrm>
             <a:custGeom>
@@ -6758,7 +6758,7 @@
           </p:nvSpPr>
           <p:spPr>
             <a:xfrm>
-              <a:off x="1459435" y="3605990"/>
+              <a:off x="1459435" y="3606010"/>
               <a:ext cx="2796732" cy="0"/>
             </a:xfrm>
             <a:custGeom>
@@ -6930,7 +6930,7 @@
           </p:nvSpPr>
           <p:spPr>
             <a:xfrm>
-              <a:off x="2195734" y="4513627"/>
+              <a:off x="1654161" y="4513632"/>
               <a:ext cx="63202" cy="63202"/>
             </a:xfrm>
             <a:custGeom>
@@ -6973,7 +6973,7 @@
           </p:nvSpPr>
           <p:spPr>
             <a:xfrm>
-              <a:off x="1821050" y="4611438"/>
+              <a:off x="1653998" y="4611465"/>
               <a:ext cx="63202" cy="63202"/>
             </a:xfrm>
             <a:custGeom>
@@ -7016,7 +7016,7 @@
           </p:nvSpPr>
           <p:spPr>
             <a:xfrm>
-              <a:off x="1895158" y="4512434"/>
+              <a:off x="2165861" y="4512429"/>
               <a:ext cx="63202" cy="63202"/>
             </a:xfrm>
             <a:custGeom>
@@ -7059,7 +7059,7 @@
           </p:nvSpPr>
           <p:spPr>
             <a:xfrm>
-              <a:off x="2047164" y="4519811"/>
+              <a:off x="2294868" y="4519779"/>
               <a:ext cx="63202" cy="63202"/>
             </a:xfrm>
             <a:custGeom>
@@ -7102,7 +7102,7 @@
           </p:nvSpPr>
           <p:spPr>
             <a:xfrm>
-              <a:off x="2240408" y="4515221"/>
+              <a:off x="1663288" y="4515192"/>
               <a:ext cx="63202" cy="63202"/>
             </a:xfrm>
             <a:custGeom>
@@ -7145,7 +7145,7 @@
           </p:nvSpPr>
           <p:spPr>
             <a:xfrm>
-              <a:off x="2142695" y="4655008"/>
+              <a:off x="2274651" y="4654980"/>
               <a:ext cx="63202" cy="63202"/>
             </a:xfrm>
             <a:custGeom>
@@ -7188,7 +7188,7 @@
           </p:nvSpPr>
           <p:spPr>
             <a:xfrm>
-              <a:off x="1808586" y="4527061"/>
+              <a:off x="1923638" y="4527075"/>
               <a:ext cx="63202" cy="63202"/>
             </a:xfrm>
             <a:custGeom>
@@ -7231,7 +7231,7 @@
           </p:nvSpPr>
           <p:spPr>
             <a:xfrm>
-              <a:off x="1872009" y="4577597"/>
+              <a:off x="1776958" y="4577586"/>
               <a:ext cx="63202" cy="63202"/>
             </a:xfrm>
             <a:custGeom>
@@ -7274,7 +7274,7 @@
           </p:nvSpPr>
           <p:spPr>
             <a:xfrm>
-              <a:off x="2132321" y="4622228"/>
+              <a:off x="2011220" y="4622210"/>
               <a:ext cx="63202" cy="63202"/>
             </a:xfrm>
             <a:custGeom>
@@ -7317,7 +7317,7 @@
           </p:nvSpPr>
           <p:spPr>
             <a:xfrm>
-              <a:off x="2161136" y="4576176"/>
+              <a:off x="1890880" y="4576183"/>
               <a:ext cx="63202" cy="63202"/>
             </a:xfrm>
             <a:custGeom>
@@ -7360,7 +7360,7 @@
           </p:nvSpPr>
           <p:spPr>
             <a:xfrm>
-              <a:off x="2058694" y="4569179"/>
+              <a:off x="2289454" y="4569186"/>
               <a:ext cx="63202" cy="63202"/>
             </a:xfrm>
             <a:custGeom>
@@ -7403,7 +7403,7 @@
           </p:nvSpPr>
           <p:spPr>
             <a:xfrm>
-              <a:off x="2277205" y="4697396"/>
+              <a:off x="1970331" y="4697400"/>
               <a:ext cx="63202" cy="63202"/>
             </a:xfrm>
             <a:custGeom>
@@ -7446,7 +7446,7 @@
           </p:nvSpPr>
           <p:spPr>
             <a:xfrm>
-              <a:off x="2083689" y="4419502"/>
+              <a:off x="1650660" y="4419528"/>
               <a:ext cx="63202" cy="63202"/>
             </a:xfrm>
             <a:custGeom>
@@ -7489,7 +7489,7 @@
           </p:nvSpPr>
           <p:spPr>
             <a:xfrm>
-              <a:off x="1692708" y="4632350"/>
+              <a:off x="1984978" y="4632318"/>
               <a:ext cx="63202" cy="63202"/>
             </a:xfrm>
             <a:custGeom>
@@ -7532,7 +7532,7 @@
           </p:nvSpPr>
           <p:spPr>
             <a:xfrm>
-              <a:off x="2011235" y="4679449"/>
+              <a:off x="2182271" y="4679454"/>
               <a:ext cx="63202" cy="63202"/>
             </a:xfrm>
             <a:custGeom>
@@ -7575,7 +7575,7 @@
           </p:nvSpPr>
           <p:spPr>
             <a:xfrm>
-              <a:off x="2040382" y="4351047"/>
+              <a:off x="1730701" y="4351066"/>
               <a:ext cx="63202" cy="63202"/>
             </a:xfrm>
             <a:custGeom>
@@ -7618,7 +7618,7 @@
           </p:nvSpPr>
           <p:spPr>
             <a:xfrm>
-              <a:off x="1802152" y="4615240"/>
+              <a:off x="1699333" y="4615215"/>
               <a:ext cx="63202" cy="63202"/>
             </a:xfrm>
             <a:custGeom>
@@ -7661,7 +7661,7 @@
           </p:nvSpPr>
           <p:spPr>
             <a:xfrm>
-              <a:off x="1644177" y="4391883"/>
+              <a:off x="1732441" y="4391878"/>
               <a:ext cx="63202" cy="63202"/>
             </a:xfrm>
             <a:custGeom>
@@ -7704,7 +7704,7 @@
           </p:nvSpPr>
           <p:spPr>
             <a:xfrm>
-              <a:off x="1942487" y="4621799"/>
+              <a:off x="2169028" y="4621802"/>
               <a:ext cx="63202" cy="63202"/>
             </a:xfrm>
             <a:custGeom>
@@ -7747,7 +7747,7 @@
           </p:nvSpPr>
           <p:spPr>
             <a:xfrm>
-              <a:off x="1955221" y="4622201"/>
+              <a:off x="1733049" y="4622214"/>
               <a:ext cx="63202" cy="63202"/>
             </a:xfrm>
             <a:custGeom>
@@ -7790,7 +7790,7 @@
           </p:nvSpPr>
           <p:spPr>
             <a:xfrm>
-              <a:off x="1820978" y="4538831"/>
+              <a:off x="1847493" y="4538827"/>
               <a:ext cx="63202" cy="63202"/>
             </a:xfrm>
             <a:custGeom>
@@ -7833,7 +7833,7 @@
           </p:nvSpPr>
           <p:spPr>
             <a:xfrm>
-              <a:off x="2082445" y="4572522"/>
+              <a:off x="2130725" y="4572491"/>
               <a:ext cx="63202" cy="63202"/>
             </a:xfrm>
             <a:custGeom>
@@ -7932,7 +7932,7 @@
           </p:nvSpPr>
           <p:spPr>
             <a:xfrm>
-              <a:off x="1459435" y="6666268"/>
+              <a:off x="1459435" y="6666260"/>
               <a:ext cx="2796732" cy="0"/>
             </a:xfrm>
             <a:custGeom>
@@ -7975,7 +7975,7 @@
           </p:nvSpPr>
           <p:spPr>
             <a:xfrm>
-              <a:off x="1459435" y="6212290"/>
+              <a:off x="1459435" y="6212293"/>
               <a:ext cx="2796732" cy="0"/>
             </a:xfrm>
             <a:custGeom>
@@ -8018,7 +8018,7 @@
           </p:nvSpPr>
           <p:spPr>
             <a:xfrm>
-              <a:off x="1459435" y="5758311"/>
+              <a:off x="1459435" y="5758326"/>
               <a:ext cx="2796732" cy="0"/>
             </a:xfrm>
             <a:custGeom>
@@ -8061,7 +8061,7 @@
           </p:nvSpPr>
           <p:spPr>
             <a:xfrm>
-              <a:off x="1459435" y="5304333"/>
+              <a:off x="1459435" y="5304359"/>
               <a:ext cx="2796732" cy="0"/>
             </a:xfrm>
             <a:custGeom>
@@ -8104,7 +8104,7 @@
           </p:nvSpPr>
           <p:spPr>
             <a:xfrm>
-              <a:off x="1459435" y="6893257"/>
+              <a:off x="1459435" y="6893244"/>
               <a:ext cx="2796732" cy="0"/>
             </a:xfrm>
             <a:custGeom>
@@ -8147,7 +8147,7 @@
           </p:nvSpPr>
           <p:spPr>
             <a:xfrm>
-              <a:off x="1459435" y="6439279"/>
+              <a:off x="1459435" y="6439277"/>
               <a:ext cx="2796732" cy="0"/>
             </a:xfrm>
             <a:custGeom>
@@ -8190,7 +8190,7 @@
           </p:nvSpPr>
           <p:spPr>
             <a:xfrm>
-              <a:off x="1459435" y="5985301"/>
+              <a:off x="1459435" y="5985310"/>
               <a:ext cx="2796732" cy="0"/>
             </a:xfrm>
             <a:custGeom>
@@ -8233,7 +8233,7 @@
           </p:nvSpPr>
           <p:spPr>
             <a:xfrm>
-              <a:off x="1459435" y="5531322"/>
+              <a:off x="1459435" y="5531343"/>
               <a:ext cx="2796732" cy="0"/>
             </a:xfrm>
             <a:custGeom>
@@ -8405,7 +8405,7 @@
           </p:nvSpPr>
           <p:spPr>
             <a:xfrm>
-              <a:off x="2138848" y="5955439"/>
+              <a:off x="1833915" y="5955417"/>
               <a:ext cx="63202" cy="63202"/>
             </a:xfrm>
             <a:custGeom>
@@ -8448,7 +8448,7 @@
           </p:nvSpPr>
           <p:spPr>
             <a:xfrm>
-              <a:off x="2054948" y="5973374"/>
+              <a:off x="2108983" y="5973369"/>
               <a:ext cx="63202" cy="63202"/>
             </a:xfrm>
             <a:custGeom>
@@ -8491,7 +8491,7 @@
           </p:nvSpPr>
           <p:spPr>
             <a:xfrm>
-              <a:off x="2177792" y="5924923"/>
+              <a:off x="2089473" y="5924912"/>
               <a:ext cx="63202" cy="63202"/>
             </a:xfrm>
             <a:custGeom>
@@ -8534,7 +8534,7 @@
           </p:nvSpPr>
           <p:spPr>
             <a:xfrm>
-              <a:off x="1735058" y="6337233"/>
+              <a:off x="1991696" y="6337226"/>
               <a:ext cx="63202" cy="63202"/>
             </a:xfrm>
             <a:custGeom>
@@ -8577,7 +8577,7 @@
           </p:nvSpPr>
           <p:spPr>
             <a:xfrm>
-              <a:off x="1778740" y="6262632"/>
+              <a:off x="2284010" y="6262632"/>
               <a:ext cx="63202" cy="63202"/>
             </a:xfrm>
             <a:custGeom>
@@ -8620,7 +8620,7 @@
           </p:nvSpPr>
           <p:spPr>
             <a:xfrm>
-              <a:off x="2278342" y="6282910"/>
+              <a:off x="1874737" y="6282936"/>
               <a:ext cx="63202" cy="63202"/>
             </a:xfrm>
             <a:custGeom>
@@ -8663,7 +8663,7 @@
           </p:nvSpPr>
           <p:spPr>
             <a:xfrm>
-              <a:off x="1895226" y="6194402"/>
+              <a:off x="2218458" y="6194406"/>
               <a:ext cx="63202" cy="63202"/>
             </a:xfrm>
             <a:custGeom>
@@ -8706,7 +8706,7 @@
           </p:nvSpPr>
           <p:spPr>
             <a:xfrm>
-              <a:off x="1604529" y="6178196"/>
+              <a:off x="2280799" y="6178195"/>
               <a:ext cx="63202" cy="63202"/>
             </a:xfrm>
             <a:custGeom>
@@ -8749,7 +8749,7 @@
           </p:nvSpPr>
           <p:spPr>
             <a:xfrm>
-              <a:off x="2052865" y="6518736"/>
+              <a:off x="1966649" y="6518712"/>
               <a:ext cx="63202" cy="63202"/>
             </a:xfrm>
             <a:custGeom>
@@ -8792,7 +8792,7 @@
           </p:nvSpPr>
           <p:spPr>
             <a:xfrm>
-              <a:off x="1789501" y="6514729"/>
+              <a:off x="2039128" y="6514718"/>
               <a:ext cx="63202" cy="63202"/>
             </a:xfrm>
             <a:custGeom>
@@ -8835,7 +8835,7 @@
           </p:nvSpPr>
           <p:spPr>
             <a:xfrm>
-              <a:off x="2100257" y="6288240"/>
+              <a:off x="1700582" y="6288224"/>
               <a:ext cx="63202" cy="63202"/>
             </a:xfrm>
             <a:custGeom>
@@ -8878,7 +8878,7 @@
           </p:nvSpPr>
           <p:spPr>
             <a:xfrm>
-              <a:off x="1798629" y="6379027"/>
+              <a:off x="2018694" y="6379045"/>
               <a:ext cx="63202" cy="63202"/>
             </a:xfrm>
             <a:custGeom>
@@ -8921,7 +8921,7 @@
           </p:nvSpPr>
           <p:spPr>
             <a:xfrm>
-              <a:off x="1964501" y="6230973"/>
+              <a:off x="2134214" y="6230994"/>
               <a:ext cx="63202" cy="63202"/>
             </a:xfrm>
             <a:custGeom>
@@ -8964,7 +8964,7 @@
           </p:nvSpPr>
           <p:spPr>
             <a:xfrm>
-              <a:off x="2124740" y="6304358"/>
+              <a:off x="1836140" y="6304357"/>
               <a:ext cx="63202" cy="63202"/>
             </a:xfrm>
             <a:custGeom>
@@ -9007,7 +9007,7 @@
           </p:nvSpPr>
           <p:spPr>
             <a:xfrm>
-              <a:off x="2118914" y="6425742"/>
+              <a:off x="1627775" y="6425733"/>
               <a:ext cx="63202" cy="63202"/>
             </a:xfrm>
             <a:custGeom>
@@ -9050,7 +9050,7 @@
           </p:nvSpPr>
           <p:spPr>
             <a:xfrm>
-              <a:off x="2155418" y="6300551"/>
+              <a:off x="1728079" y="6300542"/>
               <a:ext cx="63202" cy="63202"/>
             </a:xfrm>
             <a:custGeom>
@@ -9093,7 +9093,7 @@
           </p:nvSpPr>
           <p:spPr>
             <a:xfrm>
-              <a:off x="1883209" y="6335898"/>
+              <a:off x="2145998" y="6335918"/>
               <a:ext cx="63202" cy="63202"/>
             </a:xfrm>
             <a:custGeom>
@@ -9136,7 +9136,7 @@
           </p:nvSpPr>
           <p:spPr>
             <a:xfrm>
-              <a:off x="1892904" y="6305852"/>
+              <a:off x="2109730" y="6305856"/>
               <a:ext cx="63202" cy="63202"/>
             </a:xfrm>
             <a:custGeom>
@@ -9179,7 +9179,7 @@
           </p:nvSpPr>
           <p:spPr>
             <a:xfrm>
-              <a:off x="1791713" y="6287296"/>
+              <a:off x="2220504" y="6287298"/>
               <a:ext cx="63202" cy="63202"/>
             </a:xfrm>
             <a:custGeom>
@@ -9222,7 +9222,7 @@
           </p:nvSpPr>
           <p:spPr>
             <a:xfrm>
-              <a:off x="2236390" y="6314012"/>
+              <a:off x="2051566" y="6314024"/>
               <a:ext cx="63202" cy="63202"/>
             </a:xfrm>
             <a:custGeom>
@@ -9265,7 +9265,7 @@
           </p:nvSpPr>
           <p:spPr>
             <a:xfrm>
-              <a:off x="1869792" y="6299375"/>
+              <a:off x="2295716" y="6299375"/>
               <a:ext cx="63202" cy="63202"/>
             </a:xfrm>
             <a:custGeom>
@@ -9308,7 +9308,7 @@
           </p:nvSpPr>
           <p:spPr>
             <a:xfrm>
-              <a:off x="1691807" y="6274659"/>
+              <a:off x="2220194" y="6274652"/>
               <a:ext cx="63202" cy="63202"/>
             </a:xfrm>
             <a:custGeom>
@@ -9351,7 +9351,7 @@
           </p:nvSpPr>
           <p:spPr>
             <a:xfrm>
-              <a:off x="1609579" y="6157359"/>
+              <a:off x="1734387" y="6157363"/>
               <a:ext cx="63202" cy="63202"/>
             </a:xfrm>
             <a:custGeom>
@@ -9394,7 +9394,7 @@
           </p:nvSpPr>
           <p:spPr>
             <a:xfrm>
-              <a:off x="2187324" y="6189130"/>
+              <a:off x="1954633" y="6189118"/>
               <a:ext cx="63202" cy="63202"/>
             </a:xfrm>
             <a:custGeom>
@@ -9437,7 +9437,7 @@
           </p:nvSpPr>
           <p:spPr>
             <a:xfrm>
-              <a:off x="1842786" y="6393227"/>
+              <a:off x="1813396" y="6393252"/>
               <a:ext cx="63202" cy="63202"/>
             </a:xfrm>
             <a:custGeom>
@@ -9480,7 +9480,7 @@
           </p:nvSpPr>
           <p:spPr>
             <a:xfrm>
-              <a:off x="2287105" y="6477011"/>
+              <a:off x="1961154" y="6477005"/>
               <a:ext cx="63202" cy="63202"/>
             </a:xfrm>
             <a:custGeom>
@@ -9523,7 +9523,7 @@
           </p:nvSpPr>
           <p:spPr>
             <a:xfrm>
-              <a:off x="1969534" y="6511264"/>
+              <a:off x="1738959" y="6511265"/>
               <a:ext cx="63202" cy="63202"/>
             </a:xfrm>
             <a:custGeom>
@@ -9566,7 +9566,7 @@
           </p:nvSpPr>
           <p:spPr>
             <a:xfrm>
-              <a:off x="2231028" y="6586443"/>
+              <a:off x="2217349" y="6586456"/>
               <a:ext cx="63202" cy="63202"/>
             </a:xfrm>
             <a:custGeom>
@@ -9609,7 +9609,7 @@
           </p:nvSpPr>
           <p:spPr>
             <a:xfrm>
-              <a:off x="1835319" y="6235314"/>
+              <a:off x="2218675" y="6235288"/>
               <a:ext cx="63202" cy="63202"/>
             </a:xfrm>
             <a:custGeom>
@@ -9652,7 +9652,7 @@
           </p:nvSpPr>
           <p:spPr>
             <a:xfrm>
-              <a:off x="2009188" y="6280189"/>
+              <a:off x="1934616" y="6280188"/>
               <a:ext cx="63202" cy="63202"/>
             </a:xfrm>
             <a:custGeom>
@@ -9695,7 +9695,7 @@
           </p:nvSpPr>
           <p:spPr>
             <a:xfrm>
-              <a:off x="2129276" y="6641167"/>
+              <a:off x="1878241" y="6641146"/>
               <a:ext cx="63202" cy="63202"/>
             </a:xfrm>
             <a:custGeom>
@@ -9738,7 +9738,7 @@
           </p:nvSpPr>
           <p:spPr>
             <a:xfrm>
-              <a:off x="2121785" y="5944807"/>
+              <a:off x="1884938" y="5944806"/>
               <a:ext cx="63202" cy="63202"/>
             </a:xfrm>
             <a:custGeom>
@@ -9781,7 +9781,7 @@
           </p:nvSpPr>
           <p:spPr>
             <a:xfrm>
-              <a:off x="2164005" y="6287328"/>
+              <a:off x="1739348" y="6287333"/>
               <a:ext cx="63202" cy="63202"/>
             </a:xfrm>
             <a:custGeom>
@@ -9824,7 +9824,7 @@
           </p:nvSpPr>
           <p:spPr>
             <a:xfrm>
-              <a:off x="1776659" y="6305350"/>
+              <a:off x="1866974" y="6305341"/>
               <a:ext cx="63202" cy="63202"/>
             </a:xfrm>
             <a:custGeom>
@@ -9867,7 +9867,7 @@
           </p:nvSpPr>
           <p:spPr>
             <a:xfrm>
-              <a:off x="2104500" y="6352776"/>
+              <a:off x="1778290" y="6352778"/>
               <a:ext cx="63202" cy="63202"/>
             </a:xfrm>
             <a:custGeom>
@@ -9910,7 +9910,7 @@
           </p:nvSpPr>
           <p:spPr>
             <a:xfrm>
-              <a:off x="2275766" y="6337250"/>
+              <a:off x="1977921" y="6337257"/>
               <a:ext cx="63202" cy="63202"/>
             </a:xfrm>
             <a:custGeom>
@@ -9953,7 +9953,7 @@
           </p:nvSpPr>
           <p:spPr>
             <a:xfrm>
-              <a:off x="1628694" y="6310720"/>
+              <a:off x="2153489" y="6310694"/>
               <a:ext cx="63202" cy="63202"/>
             </a:xfrm>
             <a:custGeom>
@@ -9996,7 +9996,7 @@
           </p:nvSpPr>
           <p:spPr>
             <a:xfrm>
-              <a:off x="2001491" y="6395700"/>
+              <a:off x="1820961" y="6395709"/>
               <a:ext cx="63202" cy="63202"/>
             </a:xfrm>
             <a:custGeom>
@@ -10039,7 +10039,7 @@
           </p:nvSpPr>
           <p:spPr>
             <a:xfrm>
-              <a:off x="1726059" y="6072561"/>
+              <a:off x="1681508" y="6072544"/>
               <a:ext cx="63202" cy="63202"/>
             </a:xfrm>
             <a:custGeom>
@@ -10082,7 +10082,7 @@
           </p:nvSpPr>
           <p:spPr>
             <a:xfrm>
-              <a:off x="2086477" y="6417983"/>
+              <a:off x="1935294" y="6417965"/>
               <a:ext cx="63202" cy="63202"/>
             </a:xfrm>
             <a:custGeom>
@@ -10125,7 +10125,7 @@
           </p:nvSpPr>
           <p:spPr>
             <a:xfrm>
-              <a:off x="2053582" y="5914326"/>
+              <a:off x="2252021" y="5914352"/>
               <a:ext cx="63202" cy="63202"/>
             </a:xfrm>
             <a:custGeom>
@@ -10168,7 +10168,7 @@
           </p:nvSpPr>
           <p:spPr>
             <a:xfrm>
-              <a:off x="1803865" y="6387467"/>
+              <a:off x="1914956" y="6387461"/>
               <a:ext cx="63202" cy="63202"/>
             </a:xfrm>
             <a:custGeom>
@@ -10211,7 +10211,7 @@
           </p:nvSpPr>
           <p:spPr>
             <a:xfrm>
-              <a:off x="1622584" y="6296626"/>
+              <a:off x="2196869" y="6296643"/>
               <a:ext cx="63202" cy="63202"/>
             </a:xfrm>
             <a:custGeom>
@@ -10254,7 +10254,7 @@
           </p:nvSpPr>
           <p:spPr>
             <a:xfrm>
-              <a:off x="2122375" y="6441856"/>
+              <a:off x="1926955" y="6441867"/>
               <a:ext cx="63202" cy="63202"/>
             </a:xfrm>
             <a:custGeom>
@@ -10297,7 +10297,7 @@
           </p:nvSpPr>
           <p:spPr>
             <a:xfrm>
-              <a:off x="2223086" y="5895273"/>
+              <a:off x="2297554" y="5895266"/>
               <a:ext cx="63202" cy="63202"/>
             </a:xfrm>
             <a:custGeom>
@@ -10340,7 +10340,7 @@
           </p:nvSpPr>
           <p:spPr>
             <a:xfrm>
-              <a:off x="1767764" y="6308936"/>
+              <a:off x="2161564" y="6308934"/>
               <a:ext cx="63202" cy="63202"/>
             </a:xfrm>
             <a:custGeom>
@@ -10383,7 +10383,7 @@
           </p:nvSpPr>
           <p:spPr>
             <a:xfrm>
-              <a:off x="2214591" y="6245776"/>
+              <a:off x="1723303" y="6245787"/>
               <a:ext cx="63202" cy="63202"/>
             </a:xfrm>
             <a:custGeom>
@@ -10426,7 +10426,7 @@
           </p:nvSpPr>
           <p:spPr>
             <a:xfrm>
-              <a:off x="1690522" y="6236766"/>
+              <a:off x="1756627" y="6236772"/>
               <a:ext cx="63202" cy="63202"/>
             </a:xfrm>
             <a:custGeom>
@@ -10469,7 +10469,7 @@
           </p:nvSpPr>
           <p:spPr>
             <a:xfrm>
-              <a:off x="1719472" y="5889796"/>
+              <a:off x="2217214" y="5889795"/>
               <a:ext cx="63202" cy="63202"/>
             </a:xfrm>
             <a:custGeom>
@@ -10512,7 +10512,7 @@
           </p:nvSpPr>
           <p:spPr>
             <a:xfrm>
-              <a:off x="1689582" y="6225843"/>
+              <a:off x="1760654" y="6225850"/>
               <a:ext cx="63202" cy="63202"/>
             </a:xfrm>
             <a:custGeom>
@@ -10555,7 +10555,7 @@
           </p:nvSpPr>
           <p:spPr>
             <a:xfrm>
-              <a:off x="2112670" y="6281467"/>
+              <a:off x="1978517" y="6281487"/>
               <a:ext cx="63202" cy="63202"/>
             </a:xfrm>
             <a:custGeom>
@@ -10598,7 +10598,7 @@
           </p:nvSpPr>
           <p:spPr>
             <a:xfrm>
-              <a:off x="2238831" y="6361280"/>
+              <a:off x="1945694" y="6361296"/>
               <a:ext cx="63202" cy="63202"/>
             </a:xfrm>
             <a:custGeom>
@@ -10641,7 +10641,7 @@
           </p:nvSpPr>
           <p:spPr>
             <a:xfrm>
-              <a:off x="1938350" y="6277393"/>
+              <a:off x="1842670" y="6277388"/>
               <a:ext cx="63202" cy="63202"/>
             </a:xfrm>
             <a:custGeom>
@@ -10684,7 +10684,7 @@
           </p:nvSpPr>
           <p:spPr>
             <a:xfrm>
-              <a:off x="2125632" y="6282571"/>
+              <a:off x="2078397" y="6282548"/>
               <a:ext cx="63202" cy="63202"/>
             </a:xfrm>
             <a:custGeom>
@@ -10727,7 +10727,7 @@
           </p:nvSpPr>
           <p:spPr>
             <a:xfrm>
-              <a:off x="2142215" y="6069718"/>
+              <a:off x="1934448" y="6069726"/>
               <a:ext cx="63202" cy="63202"/>
             </a:xfrm>
             <a:custGeom>
@@ -10770,7 +10770,7 @@
           </p:nvSpPr>
           <p:spPr>
             <a:xfrm>
-              <a:off x="2266300" y="6387488"/>
+              <a:off x="1875590" y="6387458"/>
               <a:ext cx="63202" cy="63202"/>
             </a:xfrm>
             <a:custGeom>
@@ -10813,7 +10813,7 @@
           </p:nvSpPr>
           <p:spPr>
             <a:xfrm>
-              <a:off x="1750806" y="6229841"/>
+              <a:off x="1824168" y="6229844"/>
               <a:ext cx="63202" cy="63202"/>
             </a:xfrm>
             <a:custGeom>
@@ -10856,7 +10856,7 @@
           </p:nvSpPr>
           <p:spPr>
             <a:xfrm>
-              <a:off x="2074940" y="5916418"/>
+              <a:off x="2025852" y="5916430"/>
               <a:ext cx="63202" cy="63202"/>
             </a:xfrm>
             <a:custGeom>
@@ -10899,7 +10899,7 @@
           </p:nvSpPr>
           <p:spPr>
             <a:xfrm>
-              <a:off x="2124590" y="5914832"/>
+              <a:off x="2171588" y="5914863"/>
               <a:ext cx="63202" cy="63202"/>
             </a:xfrm>
             <a:custGeom>
@@ -10942,7 +10942,7 @@
           </p:nvSpPr>
           <p:spPr>
             <a:xfrm>
-              <a:off x="1612978" y="5914595"/>
+              <a:off x="1896903" y="5914628"/>
               <a:ext cx="63202" cy="63202"/>
             </a:xfrm>
             <a:custGeom>
@@ -10985,7 +10985,7 @@
           </p:nvSpPr>
           <p:spPr>
             <a:xfrm>
-              <a:off x="2279171" y="5914492"/>
+              <a:off x="2289922" y="5914491"/>
               <a:ext cx="63202" cy="63202"/>
             </a:xfrm>
             <a:custGeom>
@@ -11028,7 +11028,7 @@
           </p:nvSpPr>
           <p:spPr>
             <a:xfrm>
-              <a:off x="2191232" y="5914483"/>
+              <a:off x="1794334" y="5914476"/>
               <a:ext cx="63202" cy="63202"/>
             </a:xfrm>
             <a:custGeom>
@@ -11071,7 +11071,7 @@
           </p:nvSpPr>
           <p:spPr>
             <a:xfrm>
-              <a:off x="2252197" y="6094877"/>
+              <a:off x="1836070" y="6094881"/>
               <a:ext cx="63202" cy="63202"/>
             </a:xfrm>
             <a:custGeom>
@@ -11114,7 +11114,7 @@
           </p:nvSpPr>
           <p:spPr>
             <a:xfrm>
-              <a:off x="1781981" y="6087924"/>
+              <a:off x="2000835" y="6087962"/>
               <a:ext cx="63202" cy="63202"/>
             </a:xfrm>
             <a:custGeom>
@@ -11157,7 +11157,7 @@
           </p:nvSpPr>
           <p:spPr>
             <a:xfrm>
-              <a:off x="2150768" y="6364961"/>
+              <a:off x="1661342" y="6364975"/>
               <a:ext cx="63202" cy="63202"/>
             </a:xfrm>
             <a:custGeom>
@@ -11200,7 +11200,7 @@
           </p:nvSpPr>
           <p:spPr>
             <a:xfrm>
-              <a:off x="2101925" y="5925158"/>
+              <a:off x="1681131" y="5925151"/>
               <a:ext cx="63202" cy="63202"/>
             </a:xfrm>
             <a:custGeom>
@@ -11243,7 +11243,7 @@
           </p:nvSpPr>
           <p:spPr>
             <a:xfrm>
-              <a:off x="1907668" y="6185281"/>
+              <a:off x="1874476" y="6185280"/>
               <a:ext cx="63202" cy="63202"/>
             </a:xfrm>
             <a:custGeom>
@@ -11286,7 +11286,7 @@
           </p:nvSpPr>
           <p:spPr>
             <a:xfrm>
-              <a:off x="1944059" y="6102472"/>
+              <a:off x="1655719" y="6102479"/>
               <a:ext cx="63202" cy="63202"/>
             </a:xfrm>
             <a:custGeom>
@@ -11329,7 +11329,7 @@
           </p:nvSpPr>
           <p:spPr>
             <a:xfrm>
-              <a:off x="1773980" y="6375804"/>
+              <a:off x="2217890" y="6375811"/>
               <a:ext cx="63202" cy="63202"/>
             </a:xfrm>
             <a:custGeom>
@@ -11372,7 +11372,7 @@
           </p:nvSpPr>
           <p:spPr>
             <a:xfrm>
-              <a:off x="2246190" y="5932014"/>
+              <a:off x="1792158" y="5931998"/>
               <a:ext cx="63202" cy="63202"/>
             </a:xfrm>
             <a:custGeom>
@@ -11415,7 +11415,7 @@
           </p:nvSpPr>
           <p:spPr>
             <a:xfrm>
-              <a:off x="1657329" y="6292962"/>
+              <a:off x="1870765" y="6292975"/>
               <a:ext cx="63202" cy="63202"/>
             </a:xfrm>
             <a:custGeom>
@@ -11458,7 +11458,7 @@
           </p:nvSpPr>
           <p:spPr>
             <a:xfrm>
-              <a:off x="2282432" y="6513280"/>
+              <a:off x="1671342" y="6513266"/>
               <a:ext cx="63202" cy="63202"/>
             </a:xfrm>
             <a:custGeom>
@@ -11501,7 +11501,7 @@
           </p:nvSpPr>
           <p:spPr>
             <a:xfrm>
-              <a:off x="1822983" y="6080129"/>
+              <a:off x="1788202" y="6080142"/>
               <a:ext cx="63202" cy="63202"/>
             </a:xfrm>
             <a:custGeom>
@@ -11544,7 +11544,7 @@
           </p:nvSpPr>
           <p:spPr>
             <a:xfrm>
-              <a:off x="1975620" y="6359818"/>
+              <a:off x="1905242" y="6359813"/>
               <a:ext cx="63202" cy="63202"/>
             </a:xfrm>
             <a:custGeom>
@@ -11587,7 +11587,7 @@
           </p:nvSpPr>
           <p:spPr>
             <a:xfrm>
-              <a:off x="1653372" y="5909666"/>
+              <a:off x="2013594" y="5909674"/>
               <a:ext cx="63202" cy="63202"/>
             </a:xfrm>
             <a:custGeom>
@@ -11630,7 +11630,7 @@
           </p:nvSpPr>
           <p:spPr>
             <a:xfrm>
-              <a:off x="1760880" y="6040183"/>
+              <a:off x="1710003" y="6040172"/>
               <a:ext cx="63202" cy="63202"/>
             </a:xfrm>
             <a:custGeom>
@@ -11673,7 +11673,7 @@
           </p:nvSpPr>
           <p:spPr>
             <a:xfrm>
-              <a:off x="1812680" y="6001696"/>
+              <a:off x="1783229" y="6001695"/>
               <a:ext cx="63202" cy="63202"/>
             </a:xfrm>
             <a:custGeom>
@@ -11716,7 +11716,7 @@
           </p:nvSpPr>
           <p:spPr>
             <a:xfrm>
-              <a:off x="2266253" y="6031410"/>
+              <a:off x="1918911" y="6031423"/>
               <a:ext cx="63202" cy="63202"/>
             </a:xfrm>
             <a:custGeom>
@@ -11759,7 +11759,7 @@
           </p:nvSpPr>
           <p:spPr>
             <a:xfrm>
-              <a:off x="1609736" y="5903270"/>
+              <a:off x="2042580" y="5903256"/>
               <a:ext cx="63202" cy="63202"/>
             </a:xfrm>
             <a:custGeom>
@@ -11802,7 +11802,7 @@
           </p:nvSpPr>
           <p:spPr>
             <a:xfrm>
-              <a:off x="2251829" y="5901115"/>
+              <a:off x="2256904" y="5901153"/>
               <a:ext cx="63202" cy="63202"/>
             </a:xfrm>
             <a:custGeom>
@@ -11845,7 +11845,7 @@
           </p:nvSpPr>
           <p:spPr>
             <a:xfrm>
-              <a:off x="2058652" y="6067572"/>
+              <a:off x="1705602" y="6067571"/>
               <a:ext cx="63202" cy="63202"/>
             </a:xfrm>
             <a:custGeom>
@@ -11888,7 +11888,7 @@
           </p:nvSpPr>
           <p:spPr>
             <a:xfrm>
-              <a:off x="2001025" y="6060276"/>
+              <a:off x="1920036" y="6060300"/>
               <a:ext cx="63202" cy="63202"/>
             </a:xfrm>
             <a:custGeom>
@@ -11931,7 +11931,7 @@
           </p:nvSpPr>
           <p:spPr>
             <a:xfrm>
-              <a:off x="2013098" y="5912789"/>
+              <a:off x="1704895" y="5912807"/>
               <a:ext cx="63202" cy="63202"/>
             </a:xfrm>
             <a:custGeom>
@@ -11974,7 +11974,7 @@
           </p:nvSpPr>
           <p:spPr>
             <a:xfrm>
-              <a:off x="1956608" y="5918199"/>
+              <a:off x="2274407" y="5918203"/>
               <a:ext cx="63202" cy="63202"/>
             </a:xfrm>
             <a:custGeom>
@@ -12017,7 +12017,7 @@
           </p:nvSpPr>
           <p:spPr>
             <a:xfrm>
-              <a:off x="2066067" y="5918306"/>
+              <a:off x="1943104" y="5918304"/>
               <a:ext cx="63202" cy="63202"/>
             </a:xfrm>
             <a:custGeom>
@@ -12060,7 +12060,7 @@
           </p:nvSpPr>
           <p:spPr>
             <a:xfrm>
-              <a:off x="1722535" y="5956425"/>
+              <a:off x="1816197" y="5956440"/>
               <a:ext cx="63202" cy="63202"/>
             </a:xfrm>
             <a:custGeom>
@@ -12103,7 +12103,7 @@
           </p:nvSpPr>
           <p:spPr>
             <a:xfrm>
-              <a:off x="1827318" y="5910664"/>
+              <a:off x="1768929" y="5910658"/>
               <a:ext cx="63202" cy="63202"/>
             </a:xfrm>
             <a:custGeom>
@@ -12146,7 +12146,7 @@
           </p:nvSpPr>
           <p:spPr>
             <a:xfrm>
-              <a:off x="1886191" y="6280188"/>
+              <a:off x="1703413" y="6280193"/>
               <a:ext cx="63202" cy="63202"/>
             </a:xfrm>
             <a:custGeom>
@@ -12189,7 +12189,7 @@
           </p:nvSpPr>
           <p:spPr>
             <a:xfrm>
-              <a:off x="1863080" y="5926773"/>
+              <a:off x="2029451" y="5926781"/>
               <a:ext cx="63202" cy="63202"/>
             </a:xfrm>
             <a:custGeom>
@@ -12232,7 +12232,7 @@
           </p:nvSpPr>
           <p:spPr>
             <a:xfrm>
-              <a:off x="1603645" y="5866455"/>
+              <a:off x="2269607" y="5866446"/>
               <a:ext cx="63202" cy="63202"/>
             </a:xfrm>
             <a:custGeom>
@@ -12275,7 +12275,7 @@
           </p:nvSpPr>
           <p:spPr>
             <a:xfrm>
-              <a:off x="1815440" y="6192049"/>
+              <a:off x="1961707" y="6192029"/>
               <a:ext cx="63202" cy="63202"/>
             </a:xfrm>
             <a:custGeom>
@@ -12318,7 +12318,7 @@
           </p:nvSpPr>
           <p:spPr>
             <a:xfrm>
-              <a:off x="1731806" y="6535884"/>
+              <a:off x="1936143" y="6535885"/>
               <a:ext cx="63202" cy="63202"/>
             </a:xfrm>
             <a:custGeom>
@@ -12361,7 +12361,7 @@
           </p:nvSpPr>
           <p:spPr>
             <a:xfrm>
-              <a:off x="1823365" y="6254928"/>
+              <a:off x="2297878" y="6254910"/>
               <a:ext cx="63202" cy="63202"/>
             </a:xfrm>
             <a:custGeom>
@@ -12404,7 +12404,7 @@
           </p:nvSpPr>
           <p:spPr>
             <a:xfrm>
-              <a:off x="1968496" y="6244827"/>
+              <a:off x="1749185" y="6244827"/>
               <a:ext cx="63202" cy="63202"/>
             </a:xfrm>
             <a:custGeom>
@@ -12447,7 +12447,7 @@
           </p:nvSpPr>
           <p:spPr>
             <a:xfrm>
-              <a:off x="2211165" y="5905900"/>
+              <a:off x="1794551" y="5905920"/>
               <a:ext cx="63202" cy="63202"/>
             </a:xfrm>
             <a:custGeom>
@@ -12490,7 +12490,7 @@
           </p:nvSpPr>
           <p:spPr>
             <a:xfrm>
-              <a:off x="2010701" y="5966819"/>
+              <a:off x="2274003" y="5966837"/>
               <a:ext cx="63202" cy="63202"/>
             </a:xfrm>
             <a:custGeom>
@@ -12533,7 +12533,7 @@
           </p:nvSpPr>
           <p:spPr>
             <a:xfrm>
-              <a:off x="2195927" y="6248557"/>
+              <a:off x="1711405" y="6248550"/>
               <a:ext cx="63202" cy="63202"/>
             </a:xfrm>
             <a:custGeom>
@@ -12576,7 +12576,7 @@
           </p:nvSpPr>
           <p:spPr>
             <a:xfrm>
-              <a:off x="2144702" y="6257464"/>
+              <a:off x="1683980" y="6257471"/>
               <a:ext cx="63202" cy="63202"/>
             </a:xfrm>
             <a:custGeom>
@@ -12619,7 +12619,7 @@
           </p:nvSpPr>
           <p:spPr>
             <a:xfrm>
-              <a:off x="1844167" y="6255808"/>
+              <a:off x="1866076" y="6255824"/>
               <a:ext cx="63202" cy="63202"/>
             </a:xfrm>
             <a:custGeom>
@@ -12662,7 +12662,7 @@
           </p:nvSpPr>
           <p:spPr>
             <a:xfrm>
-              <a:off x="2022563" y="6355453"/>
+              <a:off x="2091194" y="6355475"/>
               <a:ext cx="63202" cy="63202"/>
             </a:xfrm>
             <a:custGeom>
@@ -12705,7 +12705,7 @@
           </p:nvSpPr>
           <p:spPr>
             <a:xfrm>
-              <a:off x="2169815" y="6301985"/>
+              <a:off x="2098560" y="6301997"/>
               <a:ext cx="63202" cy="63202"/>
             </a:xfrm>
             <a:custGeom>
@@ -12748,7 +12748,7 @@
           </p:nvSpPr>
           <p:spPr>
             <a:xfrm>
-              <a:off x="2004264" y="5922594"/>
+              <a:off x="1777093" y="5922617"/>
               <a:ext cx="63202" cy="63202"/>
             </a:xfrm>
             <a:custGeom>
@@ -12791,7 +12791,7 @@
           </p:nvSpPr>
           <p:spPr>
             <a:xfrm>
-              <a:off x="1653308" y="6353515"/>
+              <a:off x="2113670" y="6353525"/>
               <a:ext cx="63202" cy="63202"/>
             </a:xfrm>
             <a:custGeom>
@@ -12834,7 +12834,7 @@
           </p:nvSpPr>
           <p:spPr>
             <a:xfrm>
-              <a:off x="2034282" y="6359088"/>
+              <a:off x="2059283" y="6359093"/>
               <a:ext cx="63202" cy="63202"/>
             </a:xfrm>
             <a:custGeom>
@@ -12877,7 +12877,7 @@
           </p:nvSpPr>
           <p:spPr>
             <a:xfrm>
-              <a:off x="2272820" y="6328963"/>
+              <a:off x="2071473" y="6328947"/>
               <a:ext cx="63202" cy="63202"/>
             </a:xfrm>
             <a:custGeom>
@@ -12920,7 +12920,7 @@
           </p:nvSpPr>
           <p:spPr>
             <a:xfrm>
-              <a:off x="1743095" y="6419196"/>
+              <a:off x="2200679" y="6419194"/>
               <a:ext cx="63202" cy="63202"/>
             </a:xfrm>
             <a:custGeom>
@@ -12963,7 +12963,7 @@
           </p:nvSpPr>
           <p:spPr>
             <a:xfrm>
-              <a:off x="2222806" y="6358976"/>
+              <a:off x="2098692" y="6358951"/>
               <a:ext cx="63202" cy="63202"/>
             </a:xfrm>
             <a:custGeom>
@@ -13006,7 +13006,7 @@
           </p:nvSpPr>
           <p:spPr>
             <a:xfrm>
-              <a:off x="2209752" y="5980973"/>
+              <a:off x="2054030" y="5980994"/>
               <a:ext cx="63202" cy="63202"/>
             </a:xfrm>
             <a:custGeom>
@@ -13049,7 +13049,7 @@
           </p:nvSpPr>
           <p:spPr>
             <a:xfrm>
-              <a:off x="1814716" y="6483939"/>
+              <a:off x="2116301" y="6483950"/>
               <a:ext cx="63202" cy="63202"/>
             </a:xfrm>
             <a:custGeom>
@@ -13092,7 +13092,7 @@
           </p:nvSpPr>
           <p:spPr>
             <a:xfrm>
-              <a:off x="1995648" y="6336639"/>
+              <a:off x="1637950" y="6336633"/>
               <a:ext cx="63202" cy="63202"/>
             </a:xfrm>
             <a:custGeom>
@@ -13135,7 +13135,7 @@
           </p:nvSpPr>
           <p:spPr>
             <a:xfrm>
-              <a:off x="1905250" y="5928670"/>
+              <a:off x="2021781" y="5928699"/>
               <a:ext cx="63202" cy="63202"/>
             </a:xfrm>
             <a:custGeom>
@@ -13178,7 +13178,7 @@
           </p:nvSpPr>
           <p:spPr>
             <a:xfrm>
-              <a:off x="1786494" y="5926276"/>
+              <a:off x="1904918" y="5926288"/>
               <a:ext cx="63202" cy="63202"/>
             </a:xfrm>
             <a:custGeom>
@@ -13221,7 +13221,7 @@
           </p:nvSpPr>
           <p:spPr>
             <a:xfrm>
-              <a:off x="2081871" y="5943357"/>
+              <a:off x="2187981" y="5943376"/>
               <a:ext cx="63202" cy="63202"/>
             </a:xfrm>
             <a:custGeom>
@@ -13264,7 +13264,7 @@
           </p:nvSpPr>
           <p:spPr>
             <a:xfrm>
-              <a:off x="1886449" y="5934715"/>
+              <a:off x="1854001" y="5934741"/>
               <a:ext cx="63202" cy="63202"/>
             </a:xfrm>
             <a:custGeom>
@@ -13307,7 +13307,7 @@
           </p:nvSpPr>
           <p:spPr>
             <a:xfrm>
-              <a:off x="1606713" y="6062620"/>
+              <a:off x="1780925" y="6062621"/>
               <a:ext cx="63202" cy="63202"/>
             </a:xfrm>
             <a:custGeom>
@@ -13350,7 +13350,7 @@
           </p:nvSpPr>
           <p:spPr>
             <a:xfrm>
-              <a:off x="1879380" y="6626005"/>
+              <a:off x="1954501" y="6625995"/>
               <a:ext cx="63202" cy="63202"/>
             </a:xfrm>
             <a:custGeom>
@@ -13393,7 +13393,7 @@
           </p:nvSpPr>
           <p:spPr>
             <a:xfrm>
-              <a:off x="2037507" y="6223482"/>
+              <a:off x="2163369" y="6223487"/>
               <a:ext cx="63202" cy="63202"/>
             </a:xfrm>
             <a:custGeom>
@@ -13436,7 +13436,7 @@
           </p:nvSpPr>
           <p:spPr>
             <a:xfrm>
-              <a:off x="1754552" y="6183174"/>
+              <a:off x="1759055" y="6183197"/>
               <a:ext cx="63202" cy="63202"/>
             </a:xfrm>
             <a:custGeom>
@@ -13479,7 +13479,7 @@
           </p:nvSpPr>
           <p:spPr>
             <a:xfrm>
-              <a:off x="2045448" y="6628353"/>
+              <a:off x="2215644" y="6628366"/>
               <a:ext cx="63202" cy="63202"/>
             </a:xfrm>
             <a:custGeom>
@@ -13522,7 +13522,7 @@
           </p:nvSpPr>
           <p:spPr>
             <a:xfrm>
-              <a:off x="1611383" y="6328197"/>
+              <a:off x="2281687" y="6328183"/>
               <a:ext cx="63202" cy="63202"/>
             </a:xfrm>
             <a:custGeom>
@@ -13621,7 +13621,7 @@
           </p:nvSpPr>
           <p:spPr>
             <a:xfrm>
-              <a:off x="4325757" y="2815603"/>
+              <a:off x="4325757" y="2815595"/>
               <a:ext cx="2796732" cy="0"/>
             </a:xfrm>
             <a:custGeom>
@@ -13664,7 +13664,7 @@
           </p:nvSpPr>
           <p:spPr>
             <a:xfrm>
-              <a:off x="4325757" y="2361625"/>
+              <a:off x="4325757" y="2361628"/>
               <a:ext cx="2796732" cy="0"/>
             </a:xfrm>
             <a:custGeom>
@@ -13707,7 +13707,7 @@
           </p:nvSpPr>
           <p:spPr>
             <a:xfrm>
-              <a:off x="4325757" y="1907646"/>
+              <a:off x="4325757" y="1907661"/>
               <a:ext cx="2796732" cy="0"/>
             </a:xfrm>
             <a:custGeom>
@@ -13750,7 +13750,7 @@
           </p:nvSpPr>
           <p:spPr>
             <a:xfrm>
-              <a:off x="4325757" y="1453668"/>
+              <a:off x="4325757" y="1453694"/>
               <a:ext cx="2796732" cy="0"/>
             </a:xfrm>
             <a:custGeom>
@@ -13793,7 +13793,7 @@
           </p:nvSpPr>
           <p:spPr>
             <a:xfrm>
-              <a:off x="4325757" y="3042592"/>
+              <a:off x="4325757" y="3042578"/>
               <a:ext cx="2796732" cy="0"/>
             </a:xfrm>
             <a:custGeom>
@@ -13836,7 +13836,7 @@
           </p:nvSpPr>
           <p:spPr>
             <a:xfrm>
-              <a:off x="4325757" y="2588614"/>
+              <a:off x="4325757" y="2588612"/>
               <a:ext cx="2796732" cy="0"/>
             </a:xfrm>
             <a:custGeom>
@@ -13879,7 +13879,7 @@
           </p:nvSpPr>
           <p:spPr>
             <a:xfrm>
-              <a:off x="4325757" y="2134635"/>
+              <a:off x="4325757" y="2134645"/>
               <a:ext cx="2796732" cy="0"/>
             </a:xfrm>
             <a:custGeom>
@@ -13922,7 +13922,7 @@
           </p:nvSpPr>
           <p:spPr>
             <a:xfrm>
-              <a:off x="4325757" y="1680657"/>
+              <a:off x="4325757" y="1680678"/>
               <a:ext cx="2796732" cy="0"/>
             </a:xfrm>
             <a:custGeom>
@@ -14094,7 +14094,7 @@
           </p:nvSpPr>
           <p:spPr>
             <a:xfrm>
-              <a:off x="5140249" y="2249980"/>
+              <a:off x="4486096" y="2249993"/>
               <a:ext cx="63202" cy="63202"/>
             </a:xfrm>
             <a:custGeom>
@@ -14137,7 +14137,7 @@
           </p:nvSpPr>
           <p:spPr>
             <a:xfrm>
-              <a:off x="5011146" y="2284767"/>
+              <a:off x="4664771" y="2284768"/>
               <a:ext cx="63202" cy="63202"/>
             </a:xfrm>
             <a:custGeom>
@@ -14180,7 +14180,7 @@
           </p:nvSpPr>
           <p:spPr>
             <a:xfrm>
-              <a:off x="4967894" y="2521767"/>
+              <a:off x="4595761" y="2521780"/>
               <a:ext cx="63202" cy="63202"/>
             </a:xfrm>
             <a:custGeom>
@@ -14223,7 +14223,7 @@
           </p:nvSpPr>
           <p:spPr>
             <a:xfrm>
-              <a:off x="4489235" y="2239422"/>
+              <a:off x="4502944" y="2239403"/>
               <a:ext cx="63202" cy="63202"/>
             </a:xfrm>
             <a:custGeom>
@@ -14266,7 +14266,7 @@
           </p:nvSpPr>
           <p:spPr>
             <a:xfrm>
-              <a:off x="5100942" y="2310696"/>
+              <a:off x="4945761" y="2310687"/>
               <a:ext cx="63202" cy="63202"/>
             </a:xfrm>
             <a:custGeom>
@@ -14309,7 +14309,7 @@
           </p:nvSpPr>
           <p:spPr>
             <a:xfrm>
-              <a:off x="4528284" y="2550388"/>
+              <a:off x="5155010" y="2550370"/>
               <a:ext cx="63202" cy="63202"/>
             </a:xfrm>
             <a:custGeom>
@@ -14352,7 +14352,7 @@
           </p:nvSpPr>
           <p:spPr>
             <a:xfrm>
-              <a:off x="4835257" y="2279099"/>
+              <a:off x="4848774" y="2279080"/>
               <a:ext cx="63202" cy="63202"/>
             </a:xfrm>
             <a:custGeom>
@@ -14395,7 +14395,7 @@
           </p:nvSpPr>
           <p:spPr>
             <a:xfrm>
-              <a:off x="5689621" y="2933815"/>
+              <a:off x="5714370" y="2933797"/>
               <a:ext cx="63202" cy="63202"/>
             </a:xfrm>
             <a:custGeom>
@@ -14438,7 +14438,7 @@
           </p:nvSpPr>
           <p:spPr>
             <a:xfrm>
-              <a:off x="4714888" y="2251473"/>
+              <a:off x="5126165" y="2251507"/>
               <a:ext cx="63202" cy="63202"/>
             </a:xfrm>
             <a:custGeom>
@@ -14481,7 +14481,7 @@
           </p:nvSpPr>
           <p:spPr>
             <a:xfrm>
-              <a:off x="4684710" y="2590791"/>
+              <a:off x="5094145" y="2590777"/>
               <a:ext cx="63202" cy="63202"/>
             </a:xfrm>
             <a:custGeom>
@@ -14524,7 +14524,7 @@
           </p:nvSpPr>
           <p:spPr>
             <a:xfrm>
-              <a:off x="4637493" y="2835953"/>
+              <a:off x="4856719" y="2835942"/>
               <a:ext cx="63202" cy="63202"/>
             </a:xfrm>
             <a:custGeom>
@@ -14567,7 +14567,7 @@
           </p:nvSpPr>
           <p:spPr>
             <a:xfrm>
-              <a:off x="4855606" y="2254224"/>
+              <a:off x="4972746" y="2254223"/>
               <a:ext cx="63202" cy="63202"/>
             </a:xfrm>
             <a:custGeom>
@@ -14610,7 +14610,7 @@
           </p:nvSpPr>
           <p:spPr>
             <a:xfrm>
-              <a:off x="4705803" y="2247087"/>
+              <a:off x="4655688" y="2247084"/>
               <a:ext cx="63202" cy="63202"/>
             </a:xfrm>
             <a:custGeom>
@@ -14653,7 +14653,7 @@
           </p:nvSpPr>
           <p:spPr>
             <a:xfrm>
-              <a:off x="4801794" y="2273044"/>
+              <a:off x="4712781" y="2273047"/>
               <a:ext cx="63202" cy="63202"/>
             </a:xfrm>
             <a:custGeom>
@@ -14696,7 +14696,7 @@
           </p:nvSpPr>
           <p:spPr>
             <a:xfrm>
-              <a:off x="5151441" y="2294913"/>
+              <a:off x="4700887" y="2294953"/>
               <a:ext cx="63202" cy="63202"/>
             </a:xfrm>
             <a:custGeom>
@@ -14739,7 +14739,7 @@
           </p:nvSpPr>
           <p:spPr>
             <a:xfrm>
-              <a:off x="4628562" y="2282505"/>
+              <a:off x="4912096" y="2282501"/>
               <a:ext cx="63202" cy="63202"/>
             </a:xfrm>
             <a:custGeom>
@@ -14782,7 +14782,7 @@
           </p:nvSpPr>
           <p:spPr>
             <a:xfrm>
-              <a:off x="4574245" y="2301707"/>
+              <a:off x="4703522" y="2301689"/>
               <a:ext cx="63202" cy="63202"/>
             </a:xfrm>
             <a:custGeom>
@@ -14825,7 +14825,7 @@
           </p:nvSpPr>
           <p:spPr>
             <a:xfrm>
-              <a:off x="4570315" y="2274927"/>
+              <a:off x="4550437" y="2274903"/>
               <a:ext cx="63202" cy="63202"/>
             </a:xfrm>
             <a:custGeom>
@@ -14868,7 +14868,7 @@
           </p:nvSpPr>
           <p:spPr>
             <a:xfrm>
-              <a:off x="4579483" y="2270972"/>
+              <a:off x="5040661" y="2270960"/>
               <a:ext cx="63202" cy="63202"/>
             </a:xfrm>
             <a:custGeom>
@@ -14911,7 +14911,7 @@
           </p:nvSpPr>
           <p:spPr>
             <a:xfrm>
-              <a:off x="4794672" y="2419811"/>
+              <a:off x="4970115" y="2419839"/>
               <a:ext cx="63202" cy="63202"/>
             </a:xfrm>
             <a:custGeom>
@@ -14954,7 +14954,7 @@
           </p:nvSpPr>
           <p:spPr>
             <a:xfrm>
-              <a:off x="4564781" y="2269824"/>
+              <a:off x="4888819" y="2269847"/>
               <a:ext cx="63202" cy="63202"/>
             </a:xfrm>
             <a:custGeom>
@@ -14997,7 +14997,7 @@
           </p:nvSpPr>
           <p:spPr>
             <a:xfrm>
-              <a:off x="4848942" y="2405446"/>
+              <a:off x="4481927" y="2405419"/>
               <a:ext cx="63202" cy="63202"/>
             </a:xfrm>
             <a:custGeom>
@@ -15040,7 +15040,7 @@
           </p:nvSpPr>
           <p:spPr>
             <a:xfrm>
-              <a:off x="5144536" y="2494512"/>
+              <a:off x="4921816" y="2494506"/>
               <a:ext cx="63202" cy="63202"/>
             </a:xfrm>
             <a:custGeom>
@@ -15083,7 +15083,7 @@
           </p:nvSpPr>
           <p:spPr>
             <a:xfrm>
-              <a:off x="4568074" y="2464571"/>
+              <a:off x="4823262" y="2464583"/>
               <a:ext cx="63202" cy="63202"/>
             </a:xfrm>
             <a:custGeom>
@@ -15126,7 +15126,7 @@
           </p:nvSpPr>
           <p:spPr>
             <a:xfrm>
-              <a:off x="4883332" y="2415114"/>
+              <a:off x="4518839" y="2415082"/>
               <a:ext cx="63202" cy="63202"/>
             </a:xfrm>
             <a:custGeom>
@@ -15169,7 +15169,7 @@
           </p:nvSpPr>
           <p:spPr>
             <a:xfrm>
-              <a:off x="4601575" y="2275129"/>
+              <a:off x="4930714" y="2275139"/>
               <a:ext cx="63202" cy="63202"/>
             </a:xfrm>
             <a:custGeom>
@@ -15212,7 +15212,7 @@
           </p:nvSpPr>
           <p:spPr>
             <a:xfrm>
-              <a:off x="4879558" y="2515691"/>
+              <a:off x="4478222" y="2515682"/>
               <a:ext cx="63202" cy="63202"/>
             </a:xfrm>
             <a:custGeom>
@@ -15255,7 +15255,7 @@
           </p:nvSpPr>
           <p:spPr>
             <a:xfrm>
-              <a:off x="4667503" y="2275590"/>
+              <a:off x="4776236" y="2275596"/>
               <a:ext cx="63202" cy="63202"/>
             </a:xfrm>
             <a:custGeom>
@@ -15298,7 +15298,7 @@
           </p:nvSpPr>
           <p:spPr>
             <a:xfrm>
-              <a:off x="5047080" y="2296750"/>
+              <a:off x="4812447" y="2296754"/>
               <a:ext cx="63202" cy="63202"/>
             </a:xfrm>
             <a:custGeom>
@@ -15341,7 +15341,7 @@
           </p:nvSpPr>
           <p:spPr>
             <a:xfrm>
-              <a:off x="4744405" y="2648340"/>
+              <a:off x="4906666" y="2648365"/>
               <a:ext cx="63202" cy="63202"/>
             </a:xfrm>
             <a:custGeom>
@@ -15384,7 +15384,7 @@
           </p:nvSpPr>
           <p:spPr>
             <a:xfrm>
-              <a:off x="4866158" y="2331939"/>
+              <a:off x="4671559" y="2331948"/>
               <a:ext cx="63202" cy="63202"/>
             </a:xfrm>
             <a:custGeom>
@@ -15427,7 +15427,7 @@
           </p:nvSpPr>
           <p:spPr>
             <a:xfrm>
-              <a:off x="4967043" y="2270160"/>
+              <a:off x="4624338" y="2270154"/>
               <a:ext cx="63202" cy="63202"/>
             </a:xfrm>
             <a:custGeom>
@@ -15470,7 +15470,7 @@
           </p:nvSpPr>
           <p:spPr>
             <a:xfrm>
-              <a:off x="5076821" y="2584970"/>
+              <a:off x="4932873" y="2584963"/>
               <a:ext cx="63202" cy="63202"/>
             </a:xfrm>
             <a:custGeom>
@@ -15513,7 +15513,7 @@
           </p:nvSpPr>
           <p:spPr>
             <a:xfrm>
-              <a:off x="4859957" y="2394352"/>
+              <a:off x="4618910" y="2394354"/>
               <a:ext cx="63202" cy="63202"/>
             </a:xfrm>
             <a:custGeom>
@@ -15556,7 +15556,7 @@
           </p:nvSpPr>
           <p:spPr>
             <a:xfrm>
-              <a:off x="4642681" y="2285754"/>
+              <a:off x="4714984" y="2285754"/>
               <a:ext cx="63202" cy="63202"/>
             </a:xfrm>
             <a:custGeom>
@@ -15599,7 +15599,7 @@
           </p:nvSpPr>
           <p:spPr>
             <a:xfrm>
-              <a:off x="4722924" y="2283281"/>
+              <a:off x="4843964" y="2283285"/>
               <a:ext cx="63202" cy="63202"/>
             </a:xfrm>
             <a:custGeom>
@@ -15642,7 +15642,7 @@
           </p:nvSpPr>
           <p:spPr>
             <a:xfrm>
-              <a:off x="4871438" y="2242097"/>
+              <a:off x="4685054" y="2242096"/>
               <a:ext cx="63202" cy="63202"/>
             </a:xfrm>
             <a:custGeom>
@@ -15685,7 +15685,7 @@
           </p:nvSpPr>
           <p:spPr>
             <a:xfrm>
-              <a:off x="4765851" y="2242099"/>
+              <a:off x="4730760" y="2242096"/>
               <a:ext cx="63202" cy="63202"/>
             </a:xfrm>
             <a:custGeom>
@@ -15728,7 +15728,7 @@
           </p:nvSpPr>
           <p:spPr>
             <a:xfrm>
-              <a:off x="4555391" y="2307046"/>
+              <a:off x="5077517" y="2307067"/>
               <a:ext cx="63202" cy="63202"/>
             </a:xfrm>
             <a:custGeom>
@@ -15771,7 +15771,7 @@
           </p:nvSpPr>
           <p:spPr>
             <a:xfrm>
-              <a:off x="4545318" y="2595646"/>
+              <a:off x="4492884" y="2595635"/>
               <a:ext cx="63202" cy="63202"/>
             </a:xfrm>
             <a:custGeom>
@@ -15814,7 +15814,7 @@
           </p:nvSpPr>
           <p:spPr>
             <a:xfrm>
-              <a:off x="4538969" y="2303564"/>
+              <a:off x="4868732" y="2303563"/>
               <a:ext cx="63202" cy="63202"/>
             </a:xfrm>
             <a:custGeom>
@@ -15857,7 +15857,7 @@
           </p:nvSpPr>
           <p:spPr>
             <a:xfrm>
-              <a:off x="4558029" y="2289239"/>
+              <a:off x="4990767" y="2289245"/>
               <a:ext cx="63202" cy="63202"/>
             </a:xfrm>
             <a:custGeom>
@@ -15900,7 +15900,7 @@
           </p:nvSpPr>
           <p:spPr>
             <a:xfrm>
-              <a:off x="5070159" y="2210953"/>
+              <a:off x="4734492" y="2210967"/>
               <a:ext cx="63202" cy="63202"/>
             </a:xfrm>
             <a:custGeom>
@@ -15943,7 +15943,7 @@
           </p:nvSpPr>
           <p:spPr>
             <a:xfrm>
-              <a:off x="5108039" y="2488387"/>
+              <a:off x="5041060" y="2488373"/>
               <a:ext cx="63202" cy="63202"/>
             </a:xfrm>
             <a:custGeom>
@@ -15986,7 +15986,7 @@
           </p:nvSpPr>
           <p:spPr>
             <a:xfrm>
-              <a:off x="4472650" y="2235976"/>
+              <a:off x="4857471" y="2235966"/>
               <a:ext cx="63202" cy="63202"/>
             </a:xfrm>
             <a:custGeom>
@@ -16029,7 +16029,7 @@
           </p:nvSpPr>
           <p:spPr>
             <a:xfrm>
-              <a:off x="4659979" y="2324530"/>
+              <a:off x="4538046" y="2324522"/>
               <a:ext cx="63202" cy="63202"/>
             </a:xfrm>
             <a:custGeom>
@@ -16072,7 +16072,7 @@
           </p:nvSpPr>
           <p:spPr>
             <a:xfrm>
-              <a:off x="4937414" y="2355325"/>
+              <a:off x="4840889" y="2355295"/>
               <a:ext cx="63202" cy="63202"/>
             </a:xfrm>
             <a:custGeom>
@@ -16115,7 +16115,7 @@
           </p:nvSpPr>
           <p:spPr>
             <a:xfrm>
-              <a:off x="4875458" y="2276876"/>
+              <a:off x="4873639" y="2276856"/>
               <a:ext cx="63202" cy="63202"/>
             </a:xfrm>
             <a:custGeom>
@@ -16158,7 +16158,7 @@
           </p:nvSpPr>
           <p:spPr>
             <a:xfrm>
-              <a:off x="4998557" y="2577898"/>
+              <a:off x="4979302" y="2577882"/>
               <a:ext cx="63202" cy="63202"/>
             </a:xfrm>
             <a:custGeom>
@@ -16201,7 +16201,7 @@
           </p:nvSpPr>
           <p:spPr>
             <a:xfrm>
-              <a:off x="5050701" y="2747757"/>
+              <a:off x="4523555" y="2747765"/>
               <a:ext cx="63202" cy="63202"/>
             </a:xfrm>
             <a:custGeom>
@@ -16244,7 +16244,7 @@
           </p:nvSpPr>
           <p:spPr>
             <a:xfrm>
-              <a:off x="4923704" y="2329067"/>
+              <a:off x="4806615" y="2329086"/>
               <a:ext cx="63202" cy="63202"/>
             </a:xfrm>
             <a:custGeom>
@@ -16287,7 +16287,7 @@
           </p:nvSpPr>
           <p:spPr>
             <a:xfrm>
-              <a:off x="5071595" y="2463793"/>
+              <a:off x="5126261" y="2463805"/>
               <a:ext cx="63202" cy="63202"/>
             </a:xfrm>
             <a:custGeom>
@@ -16330,7 +16330,7 @@
           </p:nvSpPr>
           <p:spPr>
             <a:xfrm>
-              <a:off x="5167906" y="2595208"/>
+              <a:off x="4754649" y="2595185"/>
               <a:ext cx="63202" cy="63202"/>
             </a:xfrm>
             <a:custGeom>
@@ -16373,7 +16373,7 @@
           </p:nvSpPr>
           <p:spPr>
             <a:xfrm>
-              <a:off x="4770886" y="2284522"/>
+              <a:off x="4650706" y="2284540"/>
               <a:ext cx="63202" cy="63202"/>
             </a:xfrm>
             <a:custGeom>
@@ -16416,7 +16416,7 @@
           </p:nvSpPr>
           <p:spPr>
             <a:xfrm>
-              <a:off x="4630806" y="2356766"/>
+              <a:off x="5123611" y="2356782"/>
               <a:ext cx="63202" cy="63202"/>
             </a:xfrm>
             <a:custGeom>
@@ -16459,7 +16459,7 @@
           </p:nvSpPr>
           <p:spPr>
             <a:xfrm>
-              <a:off x="5051720" y="2252386"/>
+              <a:off x="5159531" y="2252387"/>
               <a:ext cx="63202" cy="63202"/>
             </a:xfrm>
             <a:custGeom>
@@ -16502,7 +16502,7 @@
           </p:nvSpPr>
           <p:spPr>
             <a:xfrm>
-              <a:off x="4822039" y="2709466"/>
+              <a:off x="4871243" y="2709447"/>
               <a:ext cx="63202" cy="63202"/>
             </a:xfrm>
             <a:custGeom>
@@ -16545,7 +16545,7 @@
           </p:nvSpPr>
           <p:spPr>
             <a:xfrm>
-              <a:off x="5027750" y="2278920"/>
+              <a:off x="5115069" y="2278909"/>
               <a:ext cx="63202" cy="63202"/>
             </a:xfrm>
             <a:custGeom>
@@ -16588,7 +16588,7 @@
           </p:nvSpPr>
           <p:spPr>
             <a:xfrm>
-              <a:off x="4827980" y="2329064"/>
+              <a:off x="4719729" y="2329081"/>
               <a:ext cx="63202" cy="63202"/>
             </a:xfrm>
             <a:custGeom>
@@ -16631,7 +16631,7 @@
           </p:nvSpPr>
           <p:spPr>
             <a:xfrm>
-              <a:off x="4576751" y="2676125"/>
+              <a:off x="4861892" y="2676134"/>
               <a:ext cx="63202" cy="63202"/>
             </a:xfrm>
             <a:custGeom>
@@ -16674,7 +16674,7 @@
           </p:nvSpPr>
           <p:spPr>
             <a:xfrm>
-              <a:off x="4846513" y="2345532"/>
+              <a:off x="4973881" y="2345567"/>
               <a:ext cx="63202" cy="63202"/>
             </a:xfrm>
             <a:custGeom>
@@ -16717,7 +16717,7 @@
           </p:nvSpPr>
           <p:spPr>
             <a:xfrm>
-              <a:off x="4486125" y="2351186"/>
+              <a:off x="4852012" y="2351191"/>
               <a:ext cx="63202" cy="63202"/>
             </a:xfrm>
             <a:custGeom>
@@ -16760,7 +16760,7 @@
           </p:nvSpPr>
           <p:spPr>
             <a:xfrm>
-              <a:off x="4825478" y="2239692"/>
+              <a:off x="4769485" y="2239682"/>
               <a:ext cx="63202" cy="63202"/>
             </a:xfrm>
             <a:custGeom>
@@ -16803,7 +16803,7 @@
           </p:nvSpPr>
           <p:spPr>
             <a:xfrm>
-              <a:off x="4613389" y="2273576"/>
+              <a:off x="5118931" y="2273603"/>
               <a:ext cx="63202" cy="63202"/>
             </a:xfrm>
             <a:custGeom>
@@ -16846,7 +16846,7 @@
           </p:nvSpPr>
           <p:spPr>
             <a:xfrm>
-              <a:off x="4943191" y="2338959"/>
+              <a:off x="4805730" y="2338961"/>
               <a:ext cx="63202" cy="63202"/>
             </a:xfrm>
             <a:custGeom>
@@ -16889,7 +16889,7 @@
           </p:nvSpPr>
           <p:spPr>
             <a:xfrm>
-              <a:off x="5029756" y="2316480"/>
+              <a:off x="5107442" y="2316483"/>
               <a:ext cx="63202" cy="63202"/>
             </a:xfrm>
             <a:custGeom>
@@ -16932,7 +16932,7 @@
           </p:nvSpPr>
           <p:spPr>
             <a:xfrm>
-              <a:off x="4671433" y="2241721"/>
+              <a:off x="4477800" y="2241745"/>
               <a:ext cx="63202" cy="63202"/>
             </a:xfrm>
             <a:custGeom>
@@ -16975,7 +16975,7 @@
           </p:nvSpPr>
           <p:spPr>
             <a:xfrm>
-              <a:off x="4657948" y="2454770"/>
+              <a:off x="4608442" y="2454787"/>
               <a:ext cx="63202" cy="63202"/>
             </a:xfrm>
             <a:custGeom>
@@ -17018,7 +17018,7 @@
           </p:nvSpPr>
           <p:spPr>
             <a:xfrm>
-              <a:off x="4604896" y="2302733"/>
+              <a:off x="5140763" y="2302728"/>
               <a:ext cx="63202" cy="63202"/>
             </a:xfrm>
             <a:custGeom>
@@ -17061,7 +17061,7 @@
           </p:nvSpPr>
           <p:spPr>
             <a:xfrm>
-              <a:off x="5074681" y="2316193"/>
+              <a:off x="5053334" y="2316180"/>
               <a:ext cx="63202" cy="63202"/>
             </a:xfrm>
             <a:custGeom>
@@ -17104,7 +17104,7 @@
           </p:nvSpPr>
           <p:spPr>
             <a:xfrm>
-              <a:off x="4524931" y="2610389"/>
+              <a:off x="4641432" y="2610394"/>
               <a:ext cx="63202" cy="63202"/>
             </a:xfrm>
             <a:custGeom>
@@ -17147,7 +17147,7 @@
           </p:nvSpPr>
           <p:spPr>
             <a:xfrm>
-              <a:off x="5165099" y="2630868"/>
+              <a:off x="4962207" y="2630871"/>
               <a:ext cx="63202" cy="63202"/>
             </a:xfrm>
             <a:custGeom>
@@ -17190,7 +17190,7 @@
           </p:nvSpPr>
           <p:spPr>
             <a:xfrm>
-              <a:off x="4827735" y="2242696"/>
+              <a:off x="5109558" y="2242701"/>
               <a:ext cx="63202" cy="63202"/>
             </a:xfrm>
             <a:custGeom>
@@ -17233,7 +17233,7 @@
           </p:nvSpPr>
           <p:spPr>
             <a:xfrm>
-              <a:off x="4650764" y="2236338"/>
+              <a:off x="4496733" y="2236338"/>
               <a:ext cx="63202" cy="63202"/>
             </a:xfrm>
             <a:custGeom>
@@ -17276,7 +17276,7 @@
           </p:nvSpPr>
           <p:spPr>
             <a:xfrm>
-              <a:off x="4915913" y="2233978"/>
+              <a:off x="4532218" y="2233966"/>
               <a:ext cx="63202" cy="63202"/>
             </a:xfrm>
             <a:custGeom>
@@ -17319,7 +17319,7 @@
           </p:nvSpPr>
           <p:spPr>
             <a:xfrm>
-              <a:off x="4660132" y="2486583"/>
+              <a:off x="5022055" y="2486598"/>
               <a:ext cx="63202" cy="63202"/>
             </a:xfrm>
             <a:custGeom>
@@ -17362,7 +17362,7 @@
           </p:nvSpPr>
           <p:spPr>
             <a:xfrm>
-              <a:off x="4556134" y="2283049"/>
+              <a:off x="5088161" y="2283031"/>
               <a:ext cx="63202" cy="63202"/>
             </a:xfrm>
             <a:custGeom>
@@ -17405,7 +17405,7 @@
           </p:nvSpPr>
           <p:spPr>
             <a:xfrm>
-              <a:off x="4701944" y="2242399"/>
+              <a:off x="4906962" y="2242427"/>
               <a:ext cx="63202" cy="63202"/>
             </a:xfrm>
             <a:custGeom>
@@ -17448,7 +17448,7 @@
           </p:nvSpPr>
           <p:spPr>
             <a:xfrm>
-              <a:off x="4772618" y="2481006"/>
+              <a:off x="4622108" y="2481019"/>
               <a:ext cx="63202" cy="63202"/>
             </a:xfrm>
             <a:custGeom>
@@ -17491,7 +17491,7 @@
           </p:nvSpPr>
           <p:spPr>
             <a:xfrm>
-              <a:off x="4624571" y="2236328"/>
+              <a:off x="4607174" y="2236345"/>
               <a:ext cx="63202" cy="63202"/>
             </a:xfrm>
             <a:custGeom>
@@ -17534,7 +17534,7 @@
           </p:nvSpPr>
           <p:spPr>
             <a:xfrm>
-              <a:off x="4638347" y="2238732"/>
+              <a:off x="4836340" y="2238727"/>
               <a:ext cx="63202" cy="63202"/>
             </a:xfrm>
             <a:custGeom>
@@ -17577,7 +17577,7 @@
           </p:nvSpPr>
           <p:spPr>
             <a:xfrm>
-              <a:off x="4667651" y="2275761"/>
+              <a:off x="5084793" y="2275761"/>
               <a:ext cx="63202" cy="63202"/>
             </a:xfrm>
             <a:custGeom>
@@ -17620,7 +17620,7 @@
           </p:nvSpPr>
           <p:spPr>
             <a:xfrm>
-              <a:off x="5026189" y="2240452"/>
+              <a:off x="4839633" y="2240456"/>
               <a:ext cx="63202" cy="63202"/>
             </a:xfrm>
             <a:custGeom>
@@ -17663,7 +17663,7 @@
           </p:nvSpPr>
           <p:spPr>
             <a:xfrm>
-              <a:off x="4893566" y="2398573"/>
+              <a:off x="4620387" y="2398589"/>
               <a:ext cx="63202" cy="63202"/>
             </a:xfrm>
             <a:custGeom>
@@ -17706,7 +17706,7 @@
           </p:nvSpPr>
           <p:spPr>
             <a:xfrm>
-              <a:off x="4733333" y="2238426"/>
+              <a:off x="4855177" y="2238404"/>
               <a:ext cx="63202" cy="63202"/>
             </a:xfrm>
             <a:custGeom>
@@ -17749,7 +17749,7 @@
           </p:nvSpPr>
           <p:spPr>
             <a:xfrm>
-              <a:off x="4503305" y="2244011"/>
+              <a:off x="4801203" y="2244010"/>
               <a:ext cx="63202" cy="63202"/>
             </a:xfrm>
             <a:custGeom>
@@ -17848,7 +17848,7 @@
           </p:nvSpPr>
           <p:spPr>
             <a:xfrm>
-              <a:off x="4325757" y="4740936"/>
+              <a:off x="4325757" y="4740928"/>
               <a:ext cx="2796732" cy="0"/>
             </a:xfrm>
             <a:custGeom>
@@ -17891,7 +17891,7 @@
           </p:nvSpPr>
           <p:spPr>
             <a:xfrm>
-              <a:off x="4325757" y="4286957"/>
+              <a:off x="4325757" y="4286961"/>
               <a:ext cx="2796732" cy="0"/>
             </a:xfrm>
             <a:custGeom>
@@ -17934,7 +17934,7 @@
           </p:nvSpPr>
           <p:spPr>
             <a:xfrm>
-              <a:off x="4325757" y="3832979"/>
+              <a:off x="4325757" y="3832994"/>
               <a:ext cx="2796732" cy="0"/>
             </a:xfrm>
             <a:custGeom>
@@ -17977,7 +17977,7 @@
           </p:nvSpPr>
           <p:spPr>
             <a:xfrm>
-              <a:off x="4325757" y="3379000"/>
+              <a:off x="4325757" y="3379027"/>
               <a:ext cx="2796732" cy="0"/>
             </a:xfrm>
             <a:custGeom>
@@ -18020,7 +18020,7 @@
           </p:nvSpPr>
           <p:spPr>
             <a:xfrm>
-              <a:off x="4325757" y="4967925"/>
+              <a:off x="4325757" y="4967911"/>
               <a:ext cx="2796732" cy="0"/>
             </a:xfrm>
             <a:custGeom>
@@ -18063,7 +18063,7 @@
           </p:nvSpPr>
           <p:spPr>
             <a:xfrm>
-              <a:off x="4325757" y="4513946"/>
+              <a:off x="4325757" y="4513944"/>
               <a:ext cx="2796732" cy="0"/>
             </a:xfrm>
             <a:custGeom>
@@ -18106,7 +18106,7 @@
           </p:nvSpPr>
           <p:spPr>
             <a:xfrm>
-              <a:off x="4325757" y="4059968"/>
+              <a:off x="4325757" y="4059977"/>
               <a:ext cx="2796732" cy="0"/>
             </a:xfrm>
             <a:custGeom>
@@ -18149,7 +18149,7 @@
           </p:nvSpPr>
           <p:spPr>
             <a:xfrm>
-              <a:off x="4325757" y="3605990"/>
+              <a:off x="4325757" y="3606010"/>
               <a:ext cx="2796732" cy="0"/>
             </a:xfrm>
             <a:custGeom>
@@ -18321,7 +18321,7 @@
           </p:nvSpPr>
           <p:spPr>
             <a:xfrm>
-              <a:off x="4990459" y="4367023"/>
+              <a:off x="4527957" y="4367038"/>
               <a:ext cx="63202" cy="63202"/>
             </a:xfrm>
             <a:custGeom>
@@ -18364,7 +18364,7 @@
           </p:nvSpPr>
           <p:spPr>
             <a:xfrm>
-              <a:off x="5098201" y="4304803"/>
+              <a:off x="4710231" y="4304814"/>
               <a:ext cx="63202" cy="63202"/>
             </a:xfrm>
             <a:custGeom>
@@ -18407,7 +18407,7 @@
           </p:nvSpPr>
           <p:spPr>
             <a:xfrm>
-              <a:off x="5606987" y="4227883"/>
+              <a:off x="6027263" y="4227899"/>
               <a:ext cx="63202" cy="63202"/>
             </a:xfrm>
             <a:custGeom>
@@ -18450,7 +18450,7 @@
           </p:nvSpPr>
           <p:spPr>
             <a:xfrm>
-              <a:off x="6448860" y="4769083"/>
+              <a:off x="6575649" y="4769079"/>
               <a:ext cx="63202" cy="63202"/>
             </a:xfrm>
             <a:custGeom>
@@ -18493,7 +18493,7 @@
           </p:nvSpPr>
           <p:spPr>
             <a:xfrm>
-              <a:off x="6406476" y="4883747"/>
+              <a:off x="6890632" y="4883747"/>
               <a:ext cx="63202" cy="63202"/>
             </a:xfrm>
             <a:custGeom>
@@ -18536,7 +18536,7 @@
           </p:nvSpPr>
           <p:spPr>
             <a:xfrm>
-              <a:off x="6245420" y="4687362"/>
+              <a:off x="6721268" y="4687349"/>
               <a:ext cx="63202" cy="63202"/>
             </a:xfrm>
             <a:custGeom>
@@ -18579,7 +18579,7 @@
           </p:nvSpPr>
           <p:spPr>
             <a:xfrm>
-              <a:off x="6787156" y="4864355"/>
+              <a:off x="6588454" y="4864342"/>
               <a:ext cx="63202" cy="63202"/>
             </a:xfrm>
             <a:custGeom>
@@ -18678,7 +18678,7 @@
           </p:nvSpPr>
           <p:spPr>
             <a:xfrm>
-              <a:off x="4325757" y="6666268"/>
+              <a:off x="4325757" y="6666260"/>
               <a:ext cx="2796732" cy="0"/>
             </a:xfrm>
             <a:custGeom>
@@ -18721,7 +18721,7 @@
           </p:nvSpPr>
           <p:spPr>
             <a:xfrm>
-              <a:off x="4325757" y="6212290"/>
+              <a:off x="4325757" y="6212293"/>
               <a:ext cx="2796732" cy="0"/>
             </a:xfrm>
             <a:custGeom>
@@ -18764,7 +18764,7 @@
           </p:nvSpPr>
           <p:spPr>
             <a:xfrm>
-              <a:off x="4325757" y="5758311"/>
+              <a:off x="4325757" y="5758326"/>
               <a:ext cx="2796732" cy="0"/>
             </a:xfrm>
             <a:custGeom>
@@ -18807,7 +18807,7 @@
           </p:nvSpPr>
           <p:spPr>
             <a:xfrm>
-              <a:off x="4325757" y="5304333"/>
+              <a:off x="4325757" y="5304359"/>
               <a:ext cx="2796732" cy="0"/>
             </a:xfrm>
             <a:custGeom>
@@ -18850,7 +18850,7 @@
           </p:nvSpPr>
           <p:spPr>
             <a:xfrm>
-              <a:off x="4325757" y="6893257"/>
+              <a:off x="4325757" y="6893244"/>
               <a:ext cx="2796732" cy="0"/>
             </a:xfrm>
             <a:custGeom>
@@ -18893,7 +18893,7 @@
           </p:nvSpPr>
           <p:spPr>
             <a:xfrm>
-              <a:off x="4325757" y="6439279"/>
+              <a:off x="4325757" y="6439277"/>
               <a:ext cx="2796732" cy="0"/>
             </a:xfrm>
             <a:custGeom>
@@ -18936,7 +18936,7 @@
           </p:nvSpPr>
           <p:spPr>
             <a:xfrm>
-              <a:off x="4325757" y="5985301"/>
+              <a:off x="4325757" y="5985310"/>
               <a:ext cx="2796732" cy="0"/>
             </a:xfrm>
             <a:custGeom>
@@ -18979,7 +18979,7 @@
           </p:nvSpPr>
           <p:spPr>
             <a:xfrm>
-              <a:off x="4325757" y="5531322"/>
+              <a:off x="4325757" y="5531343"/>
               <a:ext cx="2796732" cy="0"/>
             </a:xfrm>
             <a:custGeom>
@@ -19151,7 +19151,7 @@
           </p:nvSpPr>
           <p:spPr>
             <a:xfrm>
-              <a:off x="4965161" y="5890190"/>
+              <a:off x="4827641" y="5890188"/>
               <a:ext cx="63202" cy="63202"/>
             </a:xfrm>
             <a:custGeom>
@@ -19194,7 +19194,7 @@
           </p:nvSpPr>
           <p:spPr>
             <a:xfrm>
-              <a:off x="4931655" y="5865707"/>
+              <a:off x="5090854" y="5865735"/>
               <a:ext cx="63202" cy="63202"/>
             </a:xfrm>
             <a:custGeom>
@@ -19237,7 +19237,7 @@
           </p:nvSpPr>
           <p:spPr>
             <a:xfrm>
-              <a:off x="5062008" y="5923247"/>
+              <a:off x="4475571" y="5923256"/>
               <a:ext cx="63202" cy="63202"/>
             </a:xfrm>
             <a:custGeom>
@@ -19280,7 +19280,7 @@
           </p:nvSpPr>
           <p:spPr>
             <a:xfrm>
-              <a:off x="4867201" y="5811789"/>
+              <a:off x="4703211" y="5811808"/>
               <a:ext cx="63202" cy="63202"/>
             </a:xfrm>
             <a:custGeom>
@@ -19323,7 +19323,7 @@
           </p:nvSpPr>
           <p:spPr>
             <a:xfrm>
-              <a:off x="4751593" y="5866206"/>
+              <a:off x="4577210" y="5866225"/>
               <a:ext cx="63202" cy="63202"/>
             </a:xfrm>
             <a:custGeom>
@@ -19366,7 +19366,7 @@
           </p:nvSpPr>
           <p:spPr>
             <a:xfrm>
-              <a:off x="4501977" y="5881788"/>
+              <a:off x="5009324" y="5881816"/>
               <a:ext cx="63202" cy="63202"/>
             </a:xfrm>
             <a:custGeom>
@@ -19409,7 +19409,7 @@
           </p:nvSpPr>
           <p:spPr>
             <a:xfrm>
-              <a:off x="4900029" y="5864251"/>
+              <a:off x="5096710" y="5864284"/>
               <a:ext cx="63202" cy="63202"/>
             </a:xfrm>
             <a:custGeom>
@@ -19452,7 +19452,7 @@
           </p:nvSpPr>
           <p:spPr>
             <a:xfrm>
-              <a:off x="4808314" y="5932984"/>
+              <a:off x="4494813" y="5932992"/>
               <a:ext cx="63202" cy="63202"/>
             </a:xfrm>
             <a:custGeom>
@@ -19495,7 +19495,7 @@
           </p:nvSpPr>
           <p:spPr>
             <a:xfrm>
-              <a:off x="5062509" y="6091295"/>
+              <a:off x="4710779" y="6091303"/>
               <a:ext cx="63202" cy="63202"/>
             </a:xfrm>
             <a:custGeom>
@@ -19538,7 +19538,7 @@
           </p:nvSpPr>
           <p:spPr>
             <a:xfrm>
-              <a:off x="4674918" y="5923118"/>
+              <a:off x="4842458" y="5923111"/>
               <a:ext cx="63202" cy="63202"/>
             </a:xfrm>
             <a:custGeom>
@@ -19581,7 +19581,7 @@
           </p:nvSpPr>
           <p:spPr>
             <a:xfrm>
-              <a:off x="4905152" y="5929741"/>
+              <a:off x="5085578" y="5929727"/>
               <a:ext cx="63202" cy="63202"/>
             </a:xfrm>
             <a:custGeom>
@@ -19624,7 +19624,7 @@
           </p:nvSpPr>
           <p:spPr>
             <a:xfrm>
-              <a:off x="4932283" y="6079865"/>
+              <a:off x="4761828" y="6079883"/>
               <a:ext cx="63202" cy="63202"/>
             </a:xfrm>
             <a:custGeom>
@@ -19667,7 +19667,7 @@
           </p:nvSpPr>
           <p:spPr>
             <a:xfrm>
-              <a:off x="5039462" y="6082028"/>
+              <a:off x="4597092" y="6082044"/>
               <a:ext cx="63202" cy="63202"/>
             </a:xfrm>
             <a:custGeom>
@@ -19710,7 +19710,7 @@
           </p:nvSpPr>
           <p:spPr>
             <a:xfrm>
-              <a:off x="5126076" y="5899848"/>
+              <a:off x="4908473" y="5899877"/>
               <a:ext cx="63202" cy="63202"/>
             </a:xfrm>
             <a:custGeom>
@@ -19753,7 +19753,7 @@
           </p:nvSpPr>
           <p:spPr>
             <a:xfrm>
-              <a:off x="4906603" y="5930347"/>
+              <a:off x="4474875" y="5930386"/>
               <a:ext cx="63202" cy="63202"/>
             </a:xfrm>
             <a:custGeom>
@@ -19796,7 +19796,7 @@
           </p:nvSpPr>
           <p:spPr>
             <a:xfrm>
-              <a:off x="4870376" y="5848205"/>
+              <a:off x="4560524" y="5848218"/>
               <a:ext cx="63202" cy="63202"/>
             </a:xfrm>
             <a:custGeom>
@@ -19839,7 +19839,7 @@
           </p:nvSpPr>
           <p:spPr>
             <a:xfrm>
-              <a:off x="5108835" y="5912153"/>
+              <a:off x="5057100" y="5912154"/>
               <a:ext cx="63202" cy="63202"/>
             </a:xfrm>
             <a:custGeom>
@@ -19882,7 +19882,7 @@
           </p:nvSpPr>
           <p:spPr>
             <a:xfrm>
-              <a:off x="5108195" y="5859911"/>
+              <a:off x="4475952" y="5859919"/>
               <a:ext cx="63202" cy="63202"/>
             </a:xfrm>
             <a:custGeom>
@@ -19925,7 +19925,7 @@
           </p:nvSpPr>
           <p:spPr>
             <a:xfrm>
-              <a:off x="4746626" y="5887040"/>
+              <a:off x="4539910" y="5887068"/>
               <a:ext cx="63202" cy="63202"/>
             </a:xfrm>
             <a:custGeom>
@@ -19968,7 +19968,7 @@
           </p:nvSpPr>
           <p:spPr>
             <a:xfrm>
-              <a:off x="4860051" y="5845329"/>
+              <a:off x="4838555" y="5845346"/>
               <a:ext cx="63202" cy="63202"/>
             </a:xfrm>
             <a:custGeom>
@@ -20011,7 +20011,7 @@
           </p:nvSpPr>
           <p:spPr>
             <a:xfrm>
-              <a:off x="4845712" y="6194705"/>
+              <a:off x="5105744" y="6194726"/>
               <a:ext cx="63202" cy="63202"/>
             </a:xfrm>
             <a:custGeom>
@@ -20054,7 +20054,7 @@
           </p:nvSpPr>
           <p:spPr>
             <a:xfrm>
-              <a:off x="5165692" y="5886022"/>
+              <a:off x="4804351" y="5886023"/>
               <a:ext cx="63202" cy="63202"/>
             </a:xfrm>
             <a:custGeom>
@@ -20097,7 +20097,7 @@
           </p:nvSpPr>
           <p:spPr>
             <a:xfrm>
-              <a:off x="4699119" y="5883667"/>
+              <a:off x="5076249" y="5883668"/>
               <a:ext cx="63202" cy="63202"/>
             </a:xfrm>
             <a:custGeom>
@@ -20140,7 +20140,7 @@
           </p:nvSpPr>
           <p:spPr>
             <a:xfrm>
-              <a:off x="5127541" y="5854726"/>
+              <a:off x="4970791" y="5854734"/>
               <a:ext cx="63202" cy="63202"/>
             </a:xfrm>
             <a:custGeom>
@@ -20183,7 +20183,7 @@
           </p:nvSpPr>
           <p:spPr>
             <a:xfrm>
-              <a:off x="4507570" y="5863899"/>
+              <a:off x="4673235" y="5863919"/>
               <a:ext cx="63202" cy="63202"/>
             </a:xfrm>
             <a:custGeom>
@@ -20226,7 +20226,7 @@
           </p:nvSpPr>
           <p:spPr>
             <a:xfrm>
-              <a:off x="4609097" y="5882647"/>
+              <a:off x="5110341" y="5882675"/>
               <a:ext cx="63202" cy="63202"/>
             </a:xfrm>
             <a:custGeom>
@@ -20269,7 +20269,7 @@
           </p:nvSpPr>
           <p:spPr>
             <a:xfrm>
-              <a:off x="4984204" y="5881573"/>
+              <a:off x="4539066" y="5881574"/>
               <a:ext cx="63202" cy="63202"/>
             </a:xfrm>
             <a:custGeom>
@@ -20312,7 +20312,7 @@
           </p:nvSpPr>
           <p:spPr>
             <a:xfrm>
-              <a:off x="4756350" y="5865636"/>
+              <a:off x="4653813" y="5865655"/>
               <a:ext cx="63202" cy="63202"/>
             </a:xfrm>
             <a:custGeom>
@@ -20355,7 +20355,7 @@
           </p:nvSpPr>
           <p:spPr>
             <a:xfrm>
-              <a:off x="4733594" y="5922799"/>
+              <a:off x="5155454" y="5922776"/>
               <a:ext cx="63202" cy="63202"/>
             </a:xfrm>
             <a:custGeom>
@@ -20398,7 +20398,7 @@
           </p:nvSpPr>
           <p:spPr>
             <a:xfrm>
-              <a:off x="4987951" y="5901263"/>
+              <a:off x="5144852" y="5901273"/>
               <a:ext cx="63202" cy="63202"/>
             </a:xfrm>
             <a:custGeom>
@@ -20441,7 +20441,7 @@
           </p:nvSpPr>
           <p:spPr>
             <a:xfrm>
-              <a:off x="5120788" y="5889066"/>
+              <a:off x="4629535" y="5889047"/>
               <a:ext cx="63202" cy="63202"/>
             </a:xfrm>
             <a:custGeom>
@@ -20484,7 +20484,7 @@
           </p:nvSpPr>
           <p:spPr>
             <a:xfrm>
-              <a:off x="5155055" y="5854737"/>
+              <a:off x="4943110" y="5854740"/>
               <a:ext cx="63202" cy="63202"/>
             </a:xfrm>
             <a:custGeom>
@@ -20527,7 +20527,7 @@
           </p:nvSpPr>
           <p:spPr>
             <a:xfrm>
-              <a:off x="4830932" y="5864258"/>
+              <a:off x="5159045" y="5864295"/>
               <a:ext cx="63202" cy="63202"/>
             </a:xfrm>
             <a:custGeom>
@@ -20570,7 +20570,7 @@
           </p:nvSpPr>
           <p:spPr>
             <a:xfrm>
-              <a:off x="4589121" y="5864255"/>
+              <a:off x="4678889" y="5864292"/>
               <a:ext cx="63202" cy="63202"/>
             </a:xfrm>
             <a:custGeom>
@@ -20613,7 +20613,7 @@
           </p:nvSpPr>
           <p:spPr>
             <a:xfrm>
-              <a:off x="4934592" y="5889185"/>
+              <a:off x="4835837" y="5889190"/>
               <a:ext cx="63202" cy="63202"/>
             </a:xfrm>
             <a:custGeom>
@@ -20656,7 +20656,7 @@
           </p:nvSpPr>
           <p:spPr>
             <a:xfrm>
-              <a:off x="4958246" y="5890063"/>
+              <a:off x="4729082" y="5890077"/>
               <a:ext cx="63202" cy="63202"/>
             </a:xfrm>
             <a:custGeom>
@@ -20699,7 +20699,7 @@
           </p:nvSpPr>
           <p:spPr>
             <a:xfrm>
-              <a:off x="4808249" y="6023421"/>
+              <a:off x="4524970" y="6023444"/>
               <a:ext cx="63202" cy="63202"/>
             </a:xfrm>
             <a:custGeom>
@@ -20742,7 +20742,7 @@
           </p:nvSpPr>
           <p:spPr>
             <a:xfrm>
-              <a:off x="4481410" y="5857717"/>
+              <a:off x="5130455" y="5857757"/>
               <a:ext cx="63202" cy="63202"/>
             </a:xfrm>
             <a:custGeom>
@@ -20785,7 +20785,7 @@
           </p:nvSpPr>
           <p:spPr>
             <a:xfrm>
-              <a:off x="4643210" y="5892152"/>
+              <a:off x="4747010" y="5892158"/>
               <a:ext cx="63202" cy="63202"/>
             </a:xfrm>
             <a:custGeom>
@@ -20828,7 +20828,7 @@
           </p:nvSpPr>
           <p:spPr>
             <a:xfrm>
-              <a:off x="4602353" y="5917833"/>
+              <a:off x="4667197" y="5917834"/>
               <a:ext cx="63202" cy="63202"/>
             </a:xfrm>
             <a:custGeom>
@@ -20871,7 +20871,7 @@
           </p:nvSpPr>
           <p:spPr>
             <a:xfrm>
-              <a:off x="4606814" y="5861990"/>
+              <a:off x="4989776" y="5862025"/>
               <a:ext cx="63202" cy="63202"/>
             </a:xfrm>
             <a:custGeom>
@@ -20914,7 +20914,7 @@
           </p:nvSpPr>
           <p:spPr>
             <a:xfrm>
-              <a:off x="4871226" y="5878800"/>
+              <a:off x="4886513" y="5878801"/>
               <a:ext cx="63202" cy="63202"/>
             </a:xfrm>
             <a:custGeom>
@@ -20957,7 +20957,7 @@
           </p:nvSpPr>
           <p:spPr>
             <a:xfrm>
-              <a:off x="4693206" y="6183791"/>
+              <a:off x="4754992" y="6183784"/>
               <a:ext cx="63202" cy="63202"/>
             </a:xfrm>
             <a:custGeom>
@@ -21000,7 +21000,7 @@
           </p:nvSpPr>
           <p:spPr>
             <a:xfrm>
-              <a:off x="4838262" y="5889681"/>
+              <a:off x="4986467" y="5889698"/>
               <a:ext cx="63202" cy="63202"/>
             </a:xfrm>
             <a:custGeom>
@@ -21043,7 +21043,7 @@
           </p:nvSpPr>
           <p:spPr>
             <a:xfrm>
-              <a:off x="4777826" y="6015772"/>
+              <a:off x="4676127" y="6015759"/>
               <a:ext cx="63202" cy="63202"/>
             </a:xfrm>
             <a:custGeom>
@@ -21086,7 +21086,7 @@
           </p:nvSpPr>
           <p:spPr>
             <a:xfrm>
-              <a:off x="5135258" y="5864138"/>
+              <a:off x="4606957" y="5864133"/>
               <a:ext cx="63202" cy="63202"/>
             </a:xfrm>
             <a:custGeom>
@@ -21129,7 +21129,7 @@
           </p:nvSpPr>
           <p:spPr>
             <a:xfrm>
-              <a:off x="4675972" y="6004260"/>
+              <a:off x="4510288" y="6004270"/>
               <a:ext cx="63202" cy="63202"/>
             </a:xfrm>
             <a:custGeom>
@@ -21172,7 +21172,7 @@
           </p:nvSpPr>
           <p:spPr>
             <a:xfrm>
-              <a:off x="4626985" y="5866937"/>
+              <a:off x="4951739" y="5866940"/>
               <a:ext cx="63202" cy="63202"/>
             </a:xfrm>
             <a:custGeom>
@@ -21215,7 +21215,7 @@
           </p:nvSpPr>
           <p:spPr>
             <a:xfrm>
-              <a:off x="4637977" y="5898576"/>
+              <a:off x="5052172" y="5898591"/>
               <a:ext cx="63202" cy="63202"/>
             </a:xfrm>
             <a:custGeom>
@@ -21258,7 +21258,7 @@
           </p:nvSpPr>
           <p:spPr>
             <a:xfrm>
-              <a:off x="4678288" y="5875292"/>
+              <a:off x="4858485" y="5875315"/>
               <a:ext cx="63202" cy="63202"/>
             </a:xfrm>
             <a:custGeom>
@@ -21301,7 +21301,7 @@
           </p:nvSpPr>
           <p:spPr>
             <a:xfrm>
-              <a:off x="4631769" y="5939564"/>
+              <a:off x="4714651" y="5939596"/>
               <a:ext cx="63202" cy="63202"/>
             </a:xfrm>
             <a:custGeom>
@@ -21344,7 +21344,7 @@
           </p:nvSpPr>
           <p:spPr>
             <a:xfrm>
-              <a:off x="5018863" y="5899115"/>
+              <a:off x="4979840" y="5899140"/>
               <a:ext cx="63202" cy="63202"/>
             </a:xfrm>
             <a:custGeom>
@@ -21387,7 +21387,7 @@
           </p:nvSpPr>
           <p:spPr>
             <a:xfrm>
-              <a:off x="5027650" y="6159351"/>
+              <a:off x="5111056" y="6159361"/>
               <a:ext cx="63202" cy="63202"/>
             </a:xfrm>
             <a:custGeom>
@@ -21430,7 +21430,7 @@
           </p:nvSpPr>
           <p:spPr>
             <a:xfrm>
-              <a:off x="4901290" y="6107695"/>
+              <a:off x="4808174" y="6107695"/>
               <a:ext cx="63202" cy="63202"/>
             </a:xfrm>
             <a:custGeom>
@@ -21473,7 +21473,7 @@
           </p:nvSpPr>
           <p:spPr>
             <a:xfrm>
-              <a:off x="5052043" y="5862859"/>
+              <a:off x="4840483" y="5862870"/>
               <a:ext cx="63202" cy="63202"/>
             </a:xfrm>
             <a:custGeom>
@@ -21516,7 +21516,7 @@
           </p:nvSpPr>
           <p:spPr>
             <a:xfrm>
-              <a:off x="4814576" y="5917140"/>
+              <a:off x="4736185" y="5917167"/>
               <a:ext cx="63202" cy="63202"/>
             </a:xfrm>
             <a:custGeom>
@@ -21559,7 +21559,7 @@
           </p:nvSpPr>
           <p:spPr>
             <a:xfrm>
-              <a:off x="5057273" y="5988941"/>
+              <a:off x="4697849" y="5988919"/>
               <a:ext cx="63202" cy="63202"/>
             </a:xfrm>
             <a:custGeom>
@@ -21602,7 +21602,7 @@
           </p:nvSpPr>
           <p:spPr>
             <a:xfrm>
-              <a:off x="4678540" y="5870048"/>
+              <a:off x="4748328" y="5870029"/>
               <a:ext cx="63202" cy="63202"/>
             </a:xfrm>
             <a:custGeom>
@@ -21645,7 +21645,7 @@
           </p:nvSpPr>
           <p:spPr>
             <a:xfrm>
-              <a:off x="4897403" y="5858805"/>
+              <a:off x="5016979" y="5858823"/>
               <a:ext cx="63202" cy="63202"/>
             </a:xfrm>
             <a:custGeom>
@@ -21688,7 +21688,7 @@
           </p:nvSpPr>
           <p:spPr>
             <a:xfrm>
-              <a:off x="5130801" y="5924765"/>
+              <a:off x="4882689" y="5924809"/>
               <a:ext cx="63202" cy="63202"/>
             </a:xfrm>
             <a:custGeom>
@@ -21731,7 +21731,7 @@
           </p:nvSpPr>
           <p:spPr>
             <a:xfrm>
-              <a:off x="4551971" y="5925342"/>
+              <a:off x="5023055" y="5925353"/>
               <a:ext cx="63202" cy="63202"/>
             </a:xfrm>
             <a:custGeom>
@@ -21774,7 +21774,7 @@
           </p:nvSpPr>
           <p:spPr>
             <a:xfrm>
-              <a:off x="4678645" y="5931811"/>
+              <a:off x="5115377" y="5931812"/>
               <a:ext cx="63202" cy="63202"/>
             </a:xfrm>
             <a:custGeom>
@@ -21817,7 +21817,7 @@
           </p:nvSpPr>
           <p:spPr>
             <a:xfrm>
-              <a:off x="4961438" y="6193673"/>
+              <a:off x="4947160" y="6193688"/>
               <a:ext cx="63202" cy="63202"/>
             </a:xfrm>
             <a:custGeom>
@@ -21860,7 +21860,7 @@
           </p:nvSpPr>
           <p:spPr>
             <a:xfrm>
-              <a:off x="4954299" y="5866973"/>
+              <a:off x="5037501" y="5867008"/>
               <a:ext cx="63202" cy="63202"/>
             </a:xfrm>
             <a:custGeom>
@@ -21903,7 +21903,7 @@
           </p:nvSpPr>
           <p:spPr>
             <a:xfrm>
-              <a:off x="4926470" y="5878574"/>
+              <a:off x="5114278" y="5878584"/>
               <a:ext cx="63202" cy="63202"/>
             </a:xfrm>
             <a:custGeom>
@@ -21946,7 +21946,7 @@
           </p:nvSpPr>
           <p:spPr>
             <a:xfrm>
-              <a:off x="5087053" y="5930816"/>
+              <a:off x="4974153" y="5930841"/>
               <a:ext cx="63202" cy="63202"/>
             </a:xfrm>
             <a:custGeom>
@@ -21989,7 +21989,7 @@
           </p:nvSpPr>
           <p:spPr>
             <a:xfrm>
-              <a:off x="4490502" y="5874305"/>
+              <a:off x="4750655" y="5874317"/>
               <a:ext cx="63202" cy="63202"/>
             </a:xfrm>
             <a:custGeom>
@@ -22032,7 +22032,7 @@
           </p:nvSpPr>
           <p:spPr>
             <a:xfrm>
-              <a:off x="5120526" y="5872175"/>
+              <a:off x="5105535" y="5872186"/>
               <a:ext cx="63202" cy="63202"/>
             </a:xfrm>
             <a:custGeom>
@@ -22075,7 +22075,7 @@
           </p:nvSpPr>
           <p:spPr>
             <a:xfrm>
-              <a:off x="4986128" y="6101603"/>
+              <a:off x="4958498" y="6101626"/>
               <a:ext cx="63202" cy="63202"/>
             </a:xfrm>
             <a:custGeom>
@@ -22118,7 +22118,7 @@
           </p:nvSpPr>
           <p:spPr>
             <a:xfrm>
-              <a:off x="4831199" y="5858940"/>
+              <a:off x="5167198" y="5858982"/>
               <a:ext cx="63202" cy="63202"/>
             </a:xfrm>
             <a:custGeom>
@@ -22161,7 +22161,7 @@
           </p:nvSpPr>
           <p:spPr>
             <a:xfrm>
-              <a:off x="4762128" y="5861514"/>
+              <a:off x="4858068" y="5861499"/>
               <a:ext cx="63202" cy="63202"/>
             </a:xfrm>
             <a:custGeom>
@@ -22204,7 +22204,7 @@
           </p:nvSpPr>
           <p:spPr>
             <a:xfrm>
-              <a:off x="4645952" y="5851527"/>
+              <a:off x="4826568" y="5851510"/>
               <a:ext cx="63202" cy="63202"/>
             </a:xfrm>
             <a:custGeom>
@@ -22247,7 +22247,7 @@
           </p:nvSpPr>
           <p:spPr>
             <a:xfrm>
-              <a:off x="4546174" y="6108927"/>
+              <a:off x="4960874" y="6108904"/>
               <a:ext cx="63202" cy="63202"/>
             </a:xfrm>
             <a:custGeom>
@@ -22290,7 +22290,7 @@
           </p:nvSpPr>
           <p:spPr>
             <a:xfrm>
-              <a:off x="4654383" y="5865450"/>
+              <a:off x="4576608" y="5865454"/>
               <a:ext cx="63202" cy="63202"/>
             </a:xfrm>
             <a:custGeom>
@@ -22333,7 +22333,7 @@
           </p:nvSpPr>
           <p:spPr>
             <a:xfrm>
-              <a:off x="4976762" y="5869679"/>
+              <a:off x="5004182" y="5869670"/>
               <a:ext cx="63202" cy="63202"/>
             </a:xfrm>
             <a:custGeom>
@@ -22376,7 +22376,7 @@
           </p:nvSpPr>
           <p:spPr>
             <a:xfrm>
-              <a:off x="4691908" y="6004291"/>
+              <a:off x="5054695" y="6004270"/>
               <a:ext cx="63202" cy="63202"/>
             </a:xfrm>
             <a:custGeom>
@@ -22419,7 +22419,7 @@
           </p:nvSpPr>
           <p:spPr>
             <a:xfrm>
-              <a:off x="4861112" y="5931449"/>
+              <a:off x="4942976" y="5931465"/>
               <a:ext cx="63202" cy="63202"/>
             </a:xfrm>
             <a:custGeom>
@@ -22462,7 +22462,7 @@
           </p:nvSpPr>
           <p:spPr>
             <a:xfrm>
-              <a:off x="4856251" y="5927854"/>
+              <a:off x="5125240" y="5927885"/>
               <a:ext cx="63202" cy="63202"/>
             </a:xfrm>
             <a:custGeom>
@@ -22505,7 +22505,7 @@
           </p:nvSpPr>
           <p:spPr>
             <a:xfrm>
-              <a:off x="4636311" y="5870978"/>
+              <a:off x="4738231" y="5870995"/>
               <a:ext cx="63202" cy="63202"/>
             </a:xfrm>
             <a:custGeom>
@@ -22548,7 +22548,7 @@
           </p:nvSpPr>
           <p:spPr>
             <a:xfrm>
-              <a:off x="4590872" y="5871429"/>
+              <a:off x="4741622" y="5871453"/>
               <a:ext cx="63202" cy="63202"/>
             </a:xfrm>
             <a:custGeom>
@@ -22591,7 +22591,7 @@
           </p:nvSpPr>
           <p:spPr>
             <a:xfrm>
-              <a:off x="4874569" y="5891945"/>
+              <a:off x="4924816" y="5891979"/>
               <a:ext cx="63202" cy="63202"/>
             </a:xfrm>
             <a:custGeom>
@@ -22634,7 +22634,7 @@
           </p:nvSpPr>
           <p:spPr>
             <a:xfrm>
-              <a:off x="4910226" y="6126492"/>
+              <a:off x="4898358" y="6126479"/>
               <a:ext cx="63202" cy="63202"/>
             </a:xfrm>
             <a:custGeom>
@@ -22677,7 +22677,7 @@
           </p:nvSpPr>
           <p:spPr>
             <a:xfrm>
-              <a:off x="5032885" y="6319742"/>
+              <a:off x="4472261" y="6319753"/>
               <a:ext cx="63202" cy="63202"/>
             </a:xfrm>
             <a:custGeom>
@@ -22720,7 +22720,7 @@
           </p:nvSpPr>
           <p:spPr>
             <a:xfrm>
-              <a:off x="5161817" y="5891157"/>
+              <a:off x="4631301" y="5891155"/>
               <a:ext cx="63202" cy="63202"/>
             </a:xfrm>
             <a:custGeom>
@@ -22763,7 +22763,7 @@
           </p:nvSpPr>
           <p:spPr>
             <a:xfrm>
-              <a:off x="4600719" y="6680416"/>
+              <a:off x="4598424" y="6680437"/>
               <a:ext cx="63202" cy="63202"/>
             </a:xfrm>
             <a:custGeom>
@@ -22806,7 +22806,7 @@
           </p:nvSpPr>
           <p:spPr>
             <a:xfrm>
-              <a:off x="5164619" y="5940454"/>
+              <a:off x="4703235" y="5940438"/>
               <a:ext cx="63202" cy="63202"/>
             </a:xfrm>
             <a:custGeom>
@@ -22849,7 +22849,7 @@
           </p:nvSpPr>
           <p:spPr>
             <a:xfrm>
-              <a:off x="4779803" y="5897273"/>
+              <a:off x="4898770" y="5897294"/>
               <a:ext cx="63202" cy="63202"/>
             </a:xfrm>
             <a:custGeom>
@@ -22892,7 +22892,7 @@
           </p:nvSpPr>
           <p:spPr>
             <a:xfrm>
-              <a:off x="4605606" y="5856091"/>
+              <a:off x="4781003" y="5856119"/>
               <a:ext cx="63202" cy="63202"/>
             </a:xfrm>
             <a:custGeom>
@@ -22935,7 +22935,7 @@
           </p:nvSpPr>
           <p:spPr>
             <a:xfrm>
-              <a:off x="5042022" y="5953601"/>
+              <a:off x="4596639" y="5953616"/>
               <a:ext cx="63202" cy="63202"/>
             </a:xfrm>
             <a:custGeom>
@@ -22978,7 +22978,7 @@
           </p:nvSpPr>
           <p:spPr>
             <a:xfrm>
-              <a:off x="4938771" y="5869583"/>
+              <a:off x="4884611" y="5869583"/>
               <a:ext cx="63202" cy="63202"/>
             </a:xfrm>
             <a:custGeom>
@@ -23021,7 +23021,7 @@
           </p:nvSpPr>
           <p:spPr>
             <a:xfrm>
-              <a:off x="5119256" y="5923085"/>
+              <a:off x="5094256" y="5923097"/>
               <a:ext cx="63202" cy="63202"/>
             </a:xfrm>
             <a:custGeom>
@@ -23064,7 +23064,7 @@
           </p:nvSpPr>
           <p:spPr>
             <a:xfrm>
-              <a:off x="4598756" y="5931984"/>
+              <a:off x="4606280" y="5932020"/>
               <a:ext cx="63202" cy="63202"/>
             </a:xfrm>
             <a:custGeom>
@@ -23107,7 +23107,7 @@
           </p:nvSpPr>
           <p:spPr>
             <a:xfrm>
-              <a:off x="4960749" y="5947696"/>
+              <a:off x="4513441" y="5947717"/>
               <a:ext cx="63202" cy="63202"/>
             </a:xfrm>
             <a:custGeom>
@@ -23150,7 +23150,7 @@
           </p:nvSpPr>
           <p:spPr>
             <a:xfrm>
-              <a:off x="4508433" y="5874424"/>
+              <a:off x="4968530" y="5874457"/>
               <a:ext cx="63202" cy="63202"/>
             </a:xfrm>
             <a:custGeom>
@@ -23193,7 +23193,7 @@
           </p:nvSpPr>
           <p:spPr>
             <a:xfrm>
-              <a:off x="4844633" y="5879244"/>
+              <a:off x="4822966" y="5879262"/>
               <a:ext cx="63202" cy="63202"/>
             </a:xfrm>
             <a:custGeom>
@@ -23236,7 +23236,7 @@
           </p:nvSpPr>
           <p:spPr>
             <a:xfrm>
-              <a:off x="4558987" y="6126610"/>
+              <a:off x="5041836" y="6126622"/>
               <a:ext cx="63202" cy="63202"/>
             </a:xfrm>
             <a:custGeom>
@@ -23279,7 +23279,7 @@
           </p:nvSpPr>
           <p:spPr>
             <a:xfrm>
-              <a:off x="4854020" y="5861992"/>
+              <a:off x="4866930" y="5861993"/>
               <a:ext cx="63202" cy="63202"/>
             </a:xfrm>
             <a:custGeom>
@@ -23322,7 +23322,7 @@
           </p:nvSpPr>
           <p:spPr>
             <a:xfrm>
-              <a:off x="4976758" y="6132141"/>
+              <a:off x="4896352" y="6132168"/>
               <a:ext cx="63202" cy="63202"/>
             </a:xfrm>
             <a:custGeom>
@@ -23365,7 +23365,7 @@
           </p:nvSpPr>
           <p:spPr>
             <a:xfrm>
-              <a:off x="5114387" y="5908938"/>
+              <a:off x="5089928" y="5908959"/>
               <a:ext cx="63202" cy="63202"/>
             </a:xfrm>
             <a:custGeom>
@@ -23408,7 +23408,7 @@
           </p:nvSpPr>
           <p:spPr>
             <a:xfrm>
-              <a:off x="4700204" y="6042892"/>
+              <a:off x="4711447" y="6042922"/>
               <a:ext cx="63202" cy="63202"/>
             </a:xfrm>
             <a:custGeom>
@@ -23451,7 +23451,7 @@
           </p:nvSpPr>
           <p:spPr>
             <a:xfrm>
-              <a:off x="4925908" y="5920692"/>
+              <a:off x="4531076" y="5920719"/>
               <a:ext cx="63202" cy="63202"/>
             </a:xfrm>
             <a:custGeom>
@@ -23494,7 +23494,7 @@
           </p:nvSpPr>
           <p:spPr>
             <a:xfrm>
-              <a:off x="4614599" y="5921463"/>
+              <a:off x="4717477" y="5921494"/>
               <a:ext cx="63202" cy="63202"/>
             </a:xfrm>
             <a:custGeom>
@@ -23537,7 +23537,7 @@
           </p:nvSpPr>
           <p:spPr>
             <a:xfrm>
-              <a:off x="4945217" y="6072178"/>
+              <a:off x="4490200" y="6072198"/>
               <a:ext cx="63202" cy="63202"/>
             </a:xfrm>
             <a:custGeom>
@@ -23580,7 +23580,7 @@
           </p:nvSpPr>
           <p:spPr>
             <a:xfrm>
-              <a:off x="5130859" y="5871577"/>
+              <a:off x="5092037" y="5871571"/>
               <a:ext cx="63202" cy="63202"/>
             </a:xfrm>
             <a:custGeom>
@@ -23623,7 +23623,7 @@
           </p:nvSpPr>
           <p:spPr>
             <a:xfrm>
-              <a:off x="4845573" y="5854714"/>
+              <a:off x="4656549" y="5854745"/>
               <a:ext cx="63202" cy="63202"/>
             </a:xfrm>
             <a:custGeom>
@@ -23666,7 +23666,7 @@
           </p:nvSpPr>
           <p:spPr>
             <a:xfrm>
-              <a:off x="4631906" y="6086252"/>
+              <a:off x="4778987" y="6086282"/>
               <a:ext cx="63202" cy="63202"/>
             </a:xfrm>
             <a:custGeom>
@@ -23709,7 +23709,7 @@
           </p:nvSpPr>
           <p:spPr>
             <a:xfrm>
-              <a:off x="4564391" y="5869071"/>
+              <a:off x="5051691" y="5869077"/>
               <a:ext cx="63202" cy="63202"/>
             </a:xfrm>
             <a:custGeom>
@@ -23752,7 +23752,7 @@
           </p:nvSpPr>
           <p:spPr>
             <a:xfrm>
-              <a:off x="4861951" y="5936457"/>
+              <a:off x="4980469" y="5936461"/>
               <a:ext cx="63202" cy="63202"/>
             </a:xfrm>
             <a:custGeom>
@@ -23795,7 +23795,7 @@
           </p:nvSpPr>
           <p:spPr>
             <a:xfrm>
-              <a:off x="5167276" y="5868068"/>
+              <a:off x="4594284" y="5868095"/>
               <a:ext cx="63202" cy="63202"/>
             </a:xfrm>
             <a:custGeom>
@@ -23838,7 +23838,7 @@
           </p:nvSpPr>
           <p:spPr>
             <a:xfrm>
-              <a:off x="4970750" y="5850462"/>
+              <a:off x="5157146" y="5850484"/>
               <a:ext cx="63202" cy="63202"/>
             </a:xfrm>
             <a:custGeom>
@@ -23881,7 +23881,7 @@
           </p:nvSpPr>
           <p:spPr>
             <a:xfrm>
-              <a:off x="4855169" y="5849192"/>
+              <a:off x="4523424" y="5849204"/>
               <a:ext cx="63202" cy="63202"/>
             </a:xfrm>
             <a:custGeom>
@@ -23924,7 +23924,7 @@
           </p:nvSpPr>
           <p:spPr>
             <a:xfrm>
-              <a:off x="4753135" y="5849202"/>
+              <a:off x="4972479" y="5849205"/>
               <a:ext cx="63202" cy="63202"/>
             </a:xfrm>
             <a:custGeom>
@@ -23967,7 +23967,7 @@
           </p:nvSpPr>
           <p:spPr>
             <a:xfrm>
-              <a:off x="5116083" y="5857374"/>
+              <a:off x="5162439" y="5857390"/>
               <a:ext cx="63202" cy="63202"/>
             </a:xfrm>
             <a:custGeom>
@@ -24010,7 +24010,7 @@
           </p:nvSpPr>
           <p:spPr>
             <a:xfrm>
-              <a:off x="4556528" y="5883383"/>
+              <a:off x="4857308" y="5883387"/>
               <a:ext cx="63202" cy="63202"/>
             </a:xfrm>
             <a:custGeom>
@@ -24053,7 +24053,7 @@
           </p:nvSpPr>
           <p:spPr>
             <a:xfrm>
-              <a:off x="4951561" y="5909151"/>
+              <a:off x="4720214" y="5909162"/>
               <a:ext cx="63202" cy="63202"/>
             </a:xfrm>
             <a:custGeom>
@@ -24096,7 +24096,7 @@
           </p:nvSpPr>
           <p:spPr>
             <a:xfrm>
-              <a:off x="4975392" y="5866273"/>
+              <a:off x="4866400" y="5866260"/>
               <a:ext cx="63202" cy="63202"/>
             </a:xfrm>
             <a:custGeom>
@@ -24139,7 +24139,7 @@
           </p:nvSpPr>
           <p:spPr>
             <a:xfrm>
-              <a:off x="5056278" y="5945240"/>
+              <a:off x="4742276" y="5945262"/>
               <a:ext cx="63202" cy="63202"/>
             </a:xfrm>
             <a:custGeom>
@@ -24182,7 +24182,7 @@
           </p:nvSpPr>
           <p:spPr>
             <a:xfrm>
-              <a:off x="4639561" y="6091884"/>
+              <a:off x="4948255" y="6091895"/>
               <a:ext cx="63202" cy="63202"/>
             </a:xfrm>
             <a:custGeom>
@@ -24225,7 +24225,7 @@
           </p:nvSpPr>
           <p:spPr>
             <a:xfrm>
-              <a:off x="5156142" y="6031822"/>
+              <a:off x="4746826" y="6031832"/>
               <a:ext cx="63202" cy="63202"/>
             </a:xfrm>
             <a:custGeom>
@@ -24268,7 +24268,7 @@
           </p:nvSpPr>
           <p:spPr>
             <a:xfrm>
-              <a:off x="4730855" y="5901387"/>
+              <a:off x="4510188" y="5901418"/>
               <a:ext cx="63202" cy="63202"/>
             </a:xfrm>
             <a:custGeom>
@@ -24311,7 +24311,7 @@
           </p:nvSpPr>
           <p:spPr>
             <a:xfrm>
-              <a:off x="4771237" y="5885956"/>
+              <a:off x="4711178" y="5885969"/>
               <a:ext cx="63202" cy="63202"/>
             </a:xfrm>
             <a:custGeom>
@@ -24354,7 +24354,7 @@
           </p:nvSpPr>
           <p:spPr>
             <a:xfrm>
-              <a:off x="4505548" y="6176367"/>
+              <a:off x="5075841" y="6176387"/>
               <a:ext cx="63202" cy="63202"/>
             </a:xfrm>
             <a:custGeom>
@@ -24397,7 +24397,7 @@
           </p:nvSpPr>
           <p:spPr>
             <a:xfrm>
-              <a:off x="4815463" y="5985652"/>
+              <a:off x="4578714" y="5985675"/>
               <a:ext cx="63202" cy="63202"/>
             </a:xfrm>
             <a:custGeom>
@@ -24440,7 +24440,7 @@
           </p:nvSpPr>
           <p:spPr>
             <a:xfrm>
-              <a:off x="4653378" y="5887875"/>
+              <a:off x="4695607" y="5887875"/>
               <a:ext cx="63202" cy="63202"/>
             </a:xfrm>
             <a:custGeom>
@@ -24483,7 +24483,7 @@
           </p:nvSpPr>
           <p:spPr>
             <a:xfrm>
-              <a:off x="4910233" y="5868262"/>
+              <a:off x="4632145" y="5868266"/>
               <a:ext cx="63202" cy="63202"/>
             </a:xfrm>
             <a:custGeom>
@@ -24526,7 +24526,7 @@
           </p:nvSpPr>
           <p:spPr>
             <a:xfrm>
-              <a:off x="4596547" y="5935237"/>
+              <a:off x="4696374" y="5935231"/>
               <a:ext cx="63202" cy="63202"/>
             </a:xfrm>
             <a:custGeom>
@@ -24569,7 +24569,7 @@
           </p:nvSpPr>
           <p:spPr>
             <a:xfrm>
-              <a:off x="5007837" y="5892319"/>
+              <a:off x="4812314" y="5892329"/>
               <a:ext cx="63202" cy="63202"/>
             </a:xfrm>
             <a:custGeom>
@@ -24612,7 +24612,7 @@
           </p:nvSpPr>
           <p:spPr>
             <a:xfrm>
-              <a:off x="4473227" y="5858177"/>
+              <a:off x="5063335" y="5858203"/>
               <a:ext cx="63202" cy="63202"/>
             </a:xfrm>
             <a:custGeom>
@@ -24655,7 +24655,7 @@
           </p:nvSpPr>
           <p:spPr>
             <a:xfrm>
-              <a:off x="4948656" y="5863907"/>
+              <a:off x="4643445" y="5863924"/>
               <a:ext cx="63202" cy="63202"/>
             </a:xfrm>
             <a:custGeom>
@@ -24698,7 +24698,7 @@
           </p:nvSpPr>
           <p:spPr>
             <a:xfrm>
-              <a:off x="4968239" y="5876009"/>
+              <a:off x="4910878" y="5876030"/>
               <a:ext cx="63202" cy="63202"/>
             </a:xfrm>
             <a:custGeom>
@@ -24741,7 +24741,7 @@
           </p:nvSpPr>
           <p:spPr>
             <a:xfrm>
-              <a:off x="4529994" y="6083099"/>
+              <a:off x="4542019" y="6083078"/>
               <a:ext cx="63202" cy="63202"/>
             </a:xfrm>
             <a:custGeom>
@@ -24784,7 +24784,7 @@
           </p:nvSpPr>
           <p:spPr>
             <a:xfrm>
-              <a:off x="4525599" y="6339263"/>
+              <a:off x="4483939" y="6339248"/>
               <a:ext cx="63202" cy="63202"/>
             </a:xfrm>
             <a:custGeom>
@@ -24827,7 +24827,7 @@
           </p:nvSpPr>
           <p:spPr>
             <a:xfrm>
-              <a:off x="5059379" y="5904823"/>
+              <a:off x="4909935" y="5904799"/>
               <a:ext cx="63202" cy="63202"/>
             </a:xfrm>
             <a:custGeom>
@@ -24870,7 +24870,7 @@
           </p:nvSpPr>
           <p:spPr>
             <a:xfrm>
-              <a:off x="4525663" y="6357848"/>
+              <a:off x="4908383" y="6357836"/>
               <a:ext cx="63202" cy="63202"/>
             </a:xfrm>
             <a:custGeom>
@@ -24913,7 +24913,7 @@
           </p:nvSpPr>
           <p:spPr>
             <a:xfrm>
-              <a:off x="4711944" y="6076689"/>
+              <a:off x="4616185" y="6076679"/>
               <a:ext cx="63202" cy="63202"/>
             </a:xfrm>
             <a:custGeom>
@@ -24956,7 +24956,7 @@
           </p:nvSpPr>
           <p:spPr>
             <a:xfrm>
-              <a:off x="5024975" y="5876461"/>
+              <a:off x="5069585" y="5876493"/>
               <a:ext cx="63202" cy="63202"/>
             </a:xfrm>
             <a:custGeom>
@@ -24999,7 +24999,7 @@
           </p:nvSpPr>
           <p:spPr>
             <a:xfrm>
-              <a:off x="4672036" y="6068188"/>
+              <a:off x="4737041" y="6068209"/>
               <a:ext cx="63202" cy="63202"/>
             </a:xfrm>
             <a:custGeom>
@@ -25042,7 +25042,7 @@
           </p:nvSpPr>
           <p:spPr>
             <a:xfrm>
-              <a:off x="5119467" y="6079310"/>
+              <a:off x="4872540" y="6079327"/>
               <a:ext cx="63202" cy="63202"/>
             </a:xfrm>
             <a:custGeom>
@@ -25085,7 +25085,7 @@
           </p:nvSpPr>
           <p:spPr>
             <a:xfrm>
-              <a:off x="5089251" y="6141455"/>
+              <a:off x="4543193" y="6141458"/>
               <a:ext cx="63202" cy="63202"/>
             </a:xfrm>
             <a:custGeom>
@@ -25128,7 +25128,7 @@
           </p:nvSpPr>
           <p:spPr>
             <a:xfrm>
-              <a:off x="4930886" y="6080326"/>
+              <a:off x="4851710" y="6080331"/>
               <a:ext cx="63202" cy="63202"/>
             </a:xfrm>
             <a:custGeom>
@@ -25171,7 +25171,7 @@
           </p:nvSpPr>
           <p:spPr>
             <a:xfrm>
-              <a:off x="5164973" y="5911326"/>
+              <a:off x="4946510" y="5911366"/>
               <a:ext cx="63202" cy="63202"/>
             </a:xfrm>
             <a:custGeom>
@@ -25214,7 +25214,7 @@
           </p:nvSpPr>
           <p:spPr>
             <a:xfrm>
-              <a:off x="4977172" y="6005147"/>
+              <a:off x="4807791" y="6005148"/>
               <a:ext cx="63202" cy="63202"/>
             </a:xfrm>
             <a:custGeom>
@@ -25257,7 +25257,7 @@
           </p:nvSpPr>
           <p:spPr>
             <a:xfrm>
-              <a:off x="4944127" y="5921825"/>
+              <a:off x="4994475" y="5921837"/>
               <a:ext cx="63202" cy="63202"/>
             </a:xfrm>
             <a:custGeom>
@@ -25300,7 +25300,7 @@
           </p:nvSpPr>
           <p:spPr>
             <a:xfrm>
-              <a:off x="5152685" y="6113846"/>
+              <a:off x="4826077" y="6113884"/>
               <a:ext cx="63202" cy="63202"/>
             </a:xfrm>
             <a:custGeom>
@@ -25343,7 +25343,7 @@
           </p:nvSpPr>
           <p:spPr>
             <a:xfrm>
-              <a:off x="4554375" y="5975709"/>
+              <a:off x="4533046" y="5975726"/>
               <a:ext cx="63202" cy="63202"/>
             </a:xfrm>
             <a:custGeom>
@@ -25386,7 +25386,7 @@
           </p:nvSpPr>
           <p:spPr>
             <a:xfrm>
-              <a:off x="5119384" y="6117613"/>
+              <a:off x="4689566" y="6117651"/>
               <a:ext cx="63202" cy="63202"/>
             </a:xfrm>
             <a:custGeom>
@@ -25429,7 +25429,7 @@
           </p:nvSpPr>
           <p:spPr>
             <a:xfrm>
-              <a:off x="4549026" y="6068606"/>
+              <a:off x="4837041" y="6068598"/>
               <a:ext cx="63202" cy="63202"/>
             </a:xfrm>
             <a:custGeom>
@@ -25472,7 +25472,7 @@
           </p:nvSpPr>
           <p:spPr>
             <a:xfrm>
-              <a:off x="4597398" y="5999381"/>
+              <a:off x="4555419" y="5999372"/>
               <a:ext cx="63202" cy="63202"/>
             </a:xfrm>
             <a:custGeom>
@@ -25515,7 +25515,7 @@
           </p:nvSpPr>
           <p:spPr>
             <a:xfrm>
-              <a:off x="4778070" y="5913867"/>
+              <a:off x="4745864" y="5913901"/>
               <a:ext cx="63202" cy="63202"/>
             </a:xfrm>
             <a:custGeom>
@@ -25558,7 +25558,7 @@
           </p:nvSpPr>
           <p:spPr>
             <a:xfrm>
-              <a:off x="4930938" y="6085721"/>
+              <a:off x="5121366" y="6085720"/>
               <a:ext cx="63202" cy="63202"/>
             </a:xfrm>
             <a:custGeom>
@@ -25601,7 +25601,7 @@
           </p:nvSpPr>
           <p:spPr>
             <a:xfrm>
-              <a:off x="4613177" y="5936856"/>
+              <a:off x="4940360" y="5936876"/>
               <a:ext cx="63202" cy="63202"/>
             </a:xfrm>
             <a:custGeom>
@@ -25644,7 +25644,7 @@
           </p:nvSpPr>
           <p:spPr>
             <a:xfrm>
-              <a:off x="4820718" y="5900271"/>
+              <a:off x="4474670" y="5900279"/>
               <a:ext cx="63202" cy="63202"/>
             </a:xfrm>
             <a:custGeom>
@@ -25687,7 +25687,7 @@
           </p:nvSpPr>
           <p:spPr>
             <a:xfrm>
-              <a:off x="5022687" y="5896604"/>
+              <a:off x="5075457" y="5896594"/>
               <a:ext cx="63202" cy="63202"/>
             </a:xfrm>
             <a:custGeom>
@@ -25730,7 +25730,7 @@
           </p:nvSpPr>
           <p:spPr>
             <a:xfrm>
-              <a:off x="5158649" y="5892133"/>
+              <a:off x="4924895" y="5892142"/>
               <a:ext cx="63202" cy="63202"/>
             </a:xfrm>
             <a:custGeom>
@@ -25773,7 +25773,7 @@
           </p:nvSpPr>
           <p:spPr>
             <a:xfrm>
-              <a:off x="4588065" y="6170699"/>
+              <a:off x="4566788" y="6170708"/>
               <a:ext cx="63202" cy="63202"/>
             </a:xfrm>
             <a:custGeom>
@@ -25816,7 +25816,7 @@
           </p:nvSpPr>
           <p:spPr>
             <a:xfrm>
-              <a:off x="4666043" y="5916233"/>
+              <a:off x="4928725" y="5916259"/>
               <a:ext cx="63202" cy="63202"/>
             </a:xfrm>
             <a:custGeom>
@@ -25859,7 +25859,7 @@
           </p:nvSpPr>
           <p:spPr>
             <a:xfrm>
-              <a:off x="4741678" y="5891488"/>
+              <a:off x="4770295" y="5891505"/>
               <a:ext cx="63202" cy="63202"/>
             </a:xfrm>
             <a:custGeom>
@@ -25902,7 +25902,7 @@
           </p:nvSpPr>
           <p:spPr>
             <a:xfrm>
-              <a:off x="4641722" y="5883396"/>
+              <a:off x="4570462" y="5883373"/>
               <a:ext cx="63202" cy="63202"/>
             </a:xfrm>
             <a:custGeom>
@@ -25945,7 +25945,7 @@
           </p:nvSpPr>
           <p:spPr>
             <a:xfrm>
-              <a:off x="4968482" y="5925185"/>
+              <a:off x="5028356" y="5925199"/>
               <a:ext cx="63202" cy="63202"/>
             </a:xfrm>
             <a:custGeom>
@@ -25988,7 +25988,7 @@
           </p:nvSpPr>
           <p:spPr>
             <a:xfrm>
-              <a:off x="4641723" y="5896308"/>
+              <a:off x="4495975" y="5896344"/>
               <a:ext cx="63202" cy="63202"/>
             </a:xfrm>
             <a:custGeom>
@@ -26031,7 +26031,7 @@
           </p:nvSpPr>
           <p:spPr>
             <a:xfrm>
-              <a:off x="4964657" y="6119910"/>
+              <a:off x="4717423" y="6119910"/>
               <a:ext cx="63202" cy="63202"/>
             </a:xfrm>
             <a:custGeom>
@@ -26074,7 +26074,7 @@
           </p:nvSpPr>
           <p:spPr>
             <a:xfrm>
-              <a:off x="4789217" y="5926137"/>
+              <a:off x="4609292" y="5926144"/>
               <a:ext cx="63202" cy="63202"/>
             </a:xfrm>
             <a:custGeom>
@@ -26117,7 +26117,7 @@
           </p:nvSpPr>
           <p:spPr>
             <a:xfrm>
-              <a:off x="4661118" y="5922235"/>
+              <a:off x="5115133" y="5922235"/>
               <a:ext cx="63202" cy="63202"/>
             </a:xfrm>
             <a:custGeom>
@@ -26160,7 +26160,7 @@
           </p:nvSpPr>
           <p:spPr>
             <a:xfrm>
-              <a:off x="4720930" y="5931784"/>
+              <a:off x="4773270" y="5931798"/>
               <a:ext cx="63202" cy="63202"/>
             </a:xfrm>
             <a:custGeom>
@@ -26203,7 +26203,7 @@
           </p:nvSpPr>
           <p:spPr>
             <a:xfrm>
-              <a:off x="4985862" y="5862405"/>
+              <a:off x="4597916" y="5862431"/>
               <a:ext cx="63202" cy="63202"/>
             </a:xfrm>
             <a:custGeom>
@@ -26246,7 +26246,7 @@
           </p:nvSpPr>
           <p:spPr>
             <a:xfrm>
-              <a:off x="4931290" y="5879880"/>
+              <a:off x="4897196" y="5879888"/>
               <a:ext cx="63202" cy="63202"/>
             </a:xfrm>
             <a:custGeom>
@@ -26289,7 +26289,7 @@
           </p:nvSpPr>
           <p:spPr>
             <a:xfrm>
-              <a:off x="4896613" y="5887500"/>
+              <a:off x="4516240" y="5887528"/>
               <a:ext cx="63202" cy="63202"/>
             </a:xfrm>
             <a:custGeom>
@@ -26332,7 +26332,7 @@
           </p:nvSpPr>
           <p:spPr>
             <a:xfrm>
-              <a:off x="4861599" y="5887833"/>
+              <a:off x="4707541" y="5887833"/>
               <a:ext cx="63202" cy="63202"/>
             </a:xfrm>
             <a:custGeom>
@@ -26375,7 +26375,7 @@
           </p:nvSpPr>
           <p:spPr>
             <a:xfrm>
-              <a:off x="4539775" y="5916608"/>
+              <a:off x="4585334" y="5916604"/>
               <a:ext cx="63202" cy="63202"/>
             </a:xfrm>
             <a:custGeom>
@@ -26418,7 +26418,7 @@
           </p:nvSpPr>
           <p:spPr>
             <a:xfrm>
-              <a:off x="4521233" y="6138498"/>
+              <a:off x="4886314" y="6138515"/>
               <a:ext cx="63202" cy="63202"/>
             </a:xfrm>
             <a:custGeom>
@@ -26461,7 +26461,7 @@
           </p:nvSpPr>
           <p:spPr>
             <a:xfrm>
-              <a:off x="4791716" y="5904761"/>
+              <a:off x="4524074" y="5904771"/>
               <a:ext cx="63202" cy="63202"/>
             </a:xfrm>
             <a:custGeom>
@@ -26504,7 +26504,7 @@
           </p:nvSpPr>
           <p:spPr>
             <a:xfrm>
-              <a:off x="4875482" y="5869046"/>
+              <a:off x="4857291" y="5869028"/>
               <a:ext cx="63202" cy="63202"/>
             </a:xfrm>
             <a:custGeom>
@@ -26547,7 +26547,7 @@
           </p:nvSpPr>
           <p:spPr>
             <a:xfrm>
-              <a:off x="4738925" y="6128535"/>
+              <a:off x="4689765" y="6128547"/>
               <a:ext cx="63202" cy="63202"/>
             </a:xfrm>
             <a:custGeom>
@@ -26590,7 +26590,7 @@
           </p:nvSpPr>
           <p:spPr>
             <a:xfrm>
-              <a:off x="5021171" y="5887997"/>
+              <a:off x="5099004" y="5888037"/>
               <a:ext cx="63202" cy="63202"/>
             </a:xfrm>
             <a:custGeom>
@@ -26633,7 +26633,7 @@
           </p:nvSpPr>
           <p:spPr>
             <a:xfrm>
-              <a:off x="4917287" y="5939853"/>
+              <a:off x="4526682" y="5939859"/>
               <a:ext cx="63202" cy="63202"/>
             </a:xfrm>
             <a:custGeom>
@@ -26676,7 +26676,7 @@
           </p:nvSpPr>
           <p:spPr>
             <a:xfrm>
-              <a:off x="5074217" y="5862024"/>
+              <a:off x="4525442" y="5862038"/>
               <a:ext cx="63202" cy="63202"/>
             </a:xfrm>
             <a:custGeom>
@@ -26719,7 +26719,7 @@
           </p:nvSpPr>
           <p:spPr>
             <a:xfrm>
-              <a:off x="4570732" y="5913514"/>
+              <a:off x="4802741" y="5913537"/>
               <a:ext cx="63202" cy="63202"/>
             </a:xfrm>
             <a:custGeom>
@@ -26762,7 +26762,7 @@
           </p:nvSpPr>
           <p:spPr>
             <a:xfrm>
-              <a:off x="5146447" y="5861032"/>
+              <a:off x="4491682" y="5861041"/>
               <a:ext cx="63202" cy="63202"/>
             </a:xfrm>
             <a:custGeom>
@@ -26805,7 +26805,7 @@
           </p:nvSpPr>
           <p:spPr>
             <a:xfrm>
-              <a:off x="4594910" y="5860496"/>
+              <a:off x="4912685" y="5860508"/>
               <a:ext cx="63202" cy="63202"/>
             </a:xfrm>
             <a:custGeom>
@@ -26848,7 +26848,7 @@
           </p:nvSpPr>
           <p:spPr>
             <a:xfrm>
-              <a:off x="4665776" y="5859925"/>
+              <a:off x="5099323" y="5859918"/>
               <a:ext cx="63202" cy="63202"/>
             </a:xfrm>
             <a:custGeom>
@@ -26891,7 +26891,7 @@
           </p:nvSpPr>
           <p:spPr>
             <a:xfrm>
-              <a:off x="4974502" y="5862864"/>
+              <a:off x="4720236" y="5862857"/>
               <a:ext cx="63202" cy="63202"/>
             </a:xfrm>
             <a:custGeom>
@@ -26934,7 +26934,7 @@
           </p:nvSpPr>
           <p:spPr>
             <a:xfrm>
-              <a:off x="4856468" y="5896902"/>
+              <a:off x="4704427" y="5896910"/>
               <a:ext cx="63202" cy="63202"/>
             </a:xfrm>
             <a:custGeom>
@@ -26977,7 +26977,7 @@
           </p:nvSpPr>
           <p:spPr>
             <a:xfrm>
-              <a:off x="4904303" y="6060342"/>
+              <a:off x="4551303" y="6060352"/>
               <a:ext cx="63202" cy="63202"/>
             </a:xfrm>
             <a:custGeom>
@@ -27020,7 +27020,7 @@
           </p:nvSpPr>
           <p:spPr>
             <a:xfrm>
-              <a:off x="4890456" y="5888810"/>
+              <a:off x="5072914" y="5888848"/>
               <a:ext cx="63202" cy="63202"/>
             </a:xfrm>
             <a:custGeom>
@@ -27063,7 +27063,7 @@
           </p:nvSpPr>
           <p:spPr>
             <a:xfrm>
-              <a:off x="4488503" y="5872791"/>
+              <a:off x="4833854" y="5872812"/>
               <a:ext cx="63202" cy="63202"/>
             </a:xfrm>
             <a:custGeom>
@@ -27106,7 +27106,7 @@
           </p:nvSpPr>
           <p:spPr>
             <a:xfrm>
-              <a:off x="4606963" y="5997130"/>
+              <a:off x="4704080" y="5997136"/>
               <a:ext cx="63202" cy="63202"/>
             </a:xfrm>
             <a:custGeom>
@@ -27149,7 +27149,7 @@
           </p:nvSpPr>
           <p:spPr>
             <a:xfrm>
-              <a:off x="4785788" y="5990301"/>
+              <a:off x="5077001" y="5990284"/>
               <a:ext cx="63202" cy="63202"/>
             </a:xfrm>
             <a:custGeom>
@@ -27192,7 +27192,7 @@
           </p:nvSpPr>
           <p:spPr>
             <a:xfrm>
-              <a:off x="4487419" y="6000976"/>
+              <a:off x="4842542" y="6000960"/>
               <a:ext cx="63202" cy="63202"/>
             </a:xfrm>
             <a:custGeom>
@@ -27235,7 +27235,7 @@
           </p:nvSpPr>
           <p:spPr>
             <a:xfrm>
-              <a:off x="4923310" y="5968761"/>
+              <a:off x="4688870" y="5968777"/>
               <a:ext cx="63202" cy="63202"/>
             </a:xfrm>
             <a:custGeom>
@@ -27278,7 +27278,7 @@
           </p:nvSpPr>
           <p:spPr>
             <a:xfrm>
-              <a:off x="4832550" y="5862238"/>
+              <a:off x="4659804" y="5862240"/>
               <a:ext cx="63202" cy="63202"/>
             </a:xfrm>
             <a:custGeom>
@@ -27321,7 +27321,7 @@
           </p:nvSpPr>
           <p:spPr>
             <a:xfrm>
-              <a:off x="4596961" y="5317369"/>
+              <a:off x="5139456" y="5317369"/>
               <a:ext cx="63202" cy="63202"/>
             </a:xfrm>
             <a:custGeom>
@@ -27364,7 +27364,7 @@
           </p:nvSpPr>
           <p:spPr>
             <a:xfrm>
-              <a:off x="4868827" y="6104456"/>
+              <a:off x="4513043" y="6104472"/>
               <a:ext cx="63202" cy="63202"/>
             </a:xfrm>
             <a:custGeom>
@@ -27407,7 +27407,7 @@
           </p:nvSpPr>
           <p:spPr>
             <a:xfrm>
-              <a:off x="4897451" y="6119682"/>
+              <a:off x="4834567" y="6119661"/>
               <a:ext cx="63202" cy="63202"/>
             </a:xfrm>
             <a:custGeom>
@@ -27450,7 +27450,7 @@
           </p:nvSpPr>
           <p:spPr>
             <a:xfrm>
-              <a:off x="4642378" y="5861319"/>
+              <a:off x="4606307" y="5861344"/>
               <a:ext cx="63202" cy="63202"/>
             </a:xfrm>
             <a:custGeom>
@@ -27493,7 +27493,7 @@
           </p:nvSpPr>
           <p:spPr>
             <a:xfrm>
-              <a:off x="4834279" y="5875535"/>
+              <a:off x="4769325" y="5875520"/>
               <a:ext cx="63202" cy="63202"/>
             </a:xfrm>
             <a:custGeom>
@@ -27536,7 +27536,7 @@
           </p:nvSpPr>
           <p:spPr>
             <a:xfrm>
-              <a:off x="4809518" y="6143155"/>
+              <a:off x="5034990" y="6143132"/>
               <a:ext cx="63202" cy="63202"/>
             </a:xfrm>
             <a:custGeom>
@@ -27579,7 +27579,7 @@
           </p:nvSpPr>
           <p:spPr>
             <a:xfrm>
-              <a:off x="4973800" y="5887642"/>
+              <a:off x="4471281" y="5887645"/>
               <a:ext cx="63202" cy="63202"/>
             </a:xfrm>
             <a:custGeom>
@@ -27622,7 +27622,7 @@
           </p:nvSpPr>
           <p:spPr>
             <a:xfrm>
-              <a:off x="4930690" y="5865256"/>
+              <a:off x="4813458" y="5865265"/>
               <a:ext cx="63202" cy="63202"/>
             </a:xfrm>
             <a:custGeom>
@@ -27665,7 +27665,7 @@
           </p:nvSpPr>
           <p:spPr>
             <a:xfrm>
-              <a:off x="5154921" y="6127709"/>
+              <a:off x="5101311" y="6127722"/>
               <a:ext cx="63202" cy="63202"/>
             </a:xfrm>
             <a:custGeom>
@@ -27708,7 +27708,7 @@
           </p:nvSpPr>
           <p:spPr>
             <a:xfrm>
-              <a:off x="4669597" y="6128035"/>
+              <a:off x="5097823" y="6128032"/>
               <a:ext cx="63202" cy="63202"/>
             </a:xfrm>
             <a:custGeom>
@@ -27751,7 +27751,7 @@
           </p:nvSpPr>
           <p:spPr>
             <a:xfrm>
-              <a:off x="5139403" y="5936419"/>
+              <a:off x="4633169" y="5936426"/>
               <a:ext cx="63202" cy="63202"/>
             </a:xfrm>
             <a:custGeom>
@@ -27794,7 +27794,7 @@
           </p:nvSpPr>
           <p:spPr>
             <a:xfrm>
-              <a:off x="4539538" y="5911111"/>
+              <a:off x="5016218" y="5911108"/>
               <a:ext cx="63202" cy="63202"/>
             </a:xfrm>
             <a:custGeom>
@@ -27837,7 +27837,7 @@
           </p:nvSpPr>
           <p:spPr>
             <a:xfrm>
-              <a:off x="4937278" y="5899587"/>
+              <a:off x="4962461" y="5899584"/>
               <a:ext cx="63202" cy="63202"/>
             </a:xfrm>
             <a:custGeom>
@@ -27880,7 +27880,7 @@
           </p:nvSpPr>
           <p:spPr>
             <a:xfrm>
-              <a:off x="5110461" y="5853592"/>
+              <a:off x="5099700" y="5853601"/>
               <a:ext cx="63202" cy="63202"/>
             </a:xfrm>
             <a:custGeom>
@@ -27923,7 +27923,7 @@
           </p:nvSpPr>
           <p:spPr>
             <a:xfrm>
-              <a:off x="4904263" y="5906046"/>
+              <a:off x="4905192" y="5906050"/>
               <a:ext cx="63202" cy="63202"/>
             </a:xfrm>
             <a:custGeom>
@@ -27966,7 +27966,7 @@
           </p:nvSpPr>
           <p:spPr>
             <a:xfrm>
-              <a:off x="4529990" y="6433425"/>
+              <a:off x="4807078" y="6433420"/>
               <a:ext cx="63202" cy="63202"/>
             </a:xfrm>
             <a:custGeom>
@@ -28009,7 +28009,7 @@
           </p:nvSpPr>
           <p:spPr>
             <a:xfrm>
-              <a:off x="4761039" y="5877302"/>
+              <a:off x="4887313" y="5877296"/>
               <a:ext cx="63202" cy="63202"/>
             </a:xfrm>
             <a:custGeom>
@@ -28052,7 +28052,7 @@
           </p:nvSpPr>
           <p:spPr>
             <a:xfrm>
-              <a:off x="4524437" y="5881200"/>
+              <a:off x="4820190" y="5881199"/>
               <a:ext cx="63202" cy="63202"/>
             </a:xfrm>
             <a:custGeom>
@@ -28095,7 +28095,7 @@
           </p:nvSpPr>
           <p:spPr>
             <a:xfrm>
-              <a:off x="4899729" y="5872712"/>
+              <a:off x="4519902" y="5872725"/>
               <a:ext cx="63202" cy="63202"/>
             </a:xfrm>
             <a:custGeom>
@@ -28138,7 +28138,7 @@
           </p:nvSpPr>
           <p:spPr>
             <a:xfrm>
-              <a:off x="5093307" y="5864053"/>
+              <a:off x="4913625" y="5864060"/>
               <a:ext cx="63202" cy="63202"/>
             </a:xfrm>
             <a:custGeom>
@@ -28181,7 +28181,7 @@
           </p:nvSpPr>
           <p:spPr>
             <a:xfrm>
-              <a:off x="4562231" y="6099232"/>
+              <a:off x="4792065" y="6099263"/>
               <a:ext cx="63202" cy="63202"/>
             </a:xfrm>
             <a:custGeom>
@@ -28224,7 +28224,7 @@
           </p:nvSpPr>
           <p:spPr>
             <a:xfrm>
-              <a:off x="4962912" y="6086882"/>
+              <a:off x="4997702" y="6086886"/>
               <a:ext cx="63202" cy="63202"/>
             </a:xfrm>
             <a:custGeom>
@@ -28267,7 +28267,7 @@
           </p:nvSpPr>
           <p:spPr>
             <a:xfrm>
-              <a:off x="4484042" y="6148744"/>
+              <a:off x="4739725" y="6148748"/>
               <a:ext cx="63202" cy="63202"/>
             </a:xfrm>
             <a:custGeom>
@@ -28310,7 +28310,7 @@
           </p:nvSpPr>
           <p:spPr>
             <a:xfrm>
-              <a:off x="4812116" y="5890310"/>
+              <a:off x="4986205" y="5890331"/>
               <a:ext cx="63202" cy="63202"/>
             </a:xfrm>
             <a:custGeom>
@@ -28353,7 +28353,7 @@
           </p:nvSpPr>
           <p:spPr>
             <a:xfrm>
-              <a:off x="5079345" y="5935895"/>
+              <a:off x="5151743" y="5935897"/>
               <a:ext cx="63202" cy="63202"/>
             </a:xfrm>
             <a:custGeom>
@@ -28396,7 +28396,7 @@
           </p:nvSpPr>
           <p:spPr>
             <a:xfrm>
-              <a:off x="4793249" y="5913404"/>
+              <a:off x="4815474" y="5913388"/>
               <a:ext cx="63202" cy="63202"/>
             </a:xfrm>
             <a:custGeom>
@@ -28439,7 +28439,7 @@
           </p:nvSpPr>
           <p:spPr>
             <a:xfrm>
-              <a:off x="4802157" y="5993516"/>
+              <a:off x="4676839" y="5993525"/>
               <a:ext cx="63202" cy="63202"/>
             </a:xfrm>
             <a:custGeom>
@@ -28482,7 +28482,7 @@
           </p:nvSpPr>
           <p:spPr>
             <a:xfrm>
-              <a:off x="5145521" y="5931984"/>
+              <a:off x="4671319" y="5932007"/>
               <a:ext cx="63202" cy="63202"/>
             </a:xfrm>
             <a:custGeom>
@@ -28525,7 +28525,7 @@
           </p:nvSpPr>
           <p:spPr>
             <a:xfrm>
-              <a:off x="4743271" y="5930954"/>
+              <a:off x="4876708" y="5930968"/>
               <a:ext cx="63202" cy="63202"/>
             </a:xfrm>
             <a:custGeom>
@@ -28568,7 +28568,7 @@
           </p:nvSpPr>
           <p:spPr>
             <a:xfrm>
-              <a:off x="4816991" y="5931213"/>
+              <a:off x="4623925" y="5931220"/>
               <a:ext cx="63202" cy="63202"/>
             </a:xfrm>
             <a:custGeom>
@@ -28611,7 +28611,7 @@
           </p:nvSpPr>
           <p:spPr>
             <a:xfrm>
-              <a:off x="5067679" y="6116359"/>
+              <a:off x="5164145" y="6116369"/>
               <a:ext cx="63202" cy="63202"/>
             </a:xfrm>
             <a:custGeom>
@@ -28654,7 +28654,7 @@
           </p:nvSpPr>
           <p:spPr>
             <a:xfrm>
-              <a:off x="4923970" y="6054066"/>
+              <a:off x="4891602" y="6054079"/>
               <a:ext cx="63202" cy="63202"/>
             </a:xfrm>
             <a:custGeom>
@@ -28697,7 +28697,7 @@
           </p:nvSpPr>
           <p:spPr>
             <a:xfrm>
-              <a:off x="4502990" y="5854271"/>
+              <a:off x="4890053" y="5854281"/>
               <a:ext cx="63202" cy="63202"/>
             </a:xfrm>
             <a:custGeom>
@@ -28740,7 +28740,7 @@
           </p:nvSpPr>
           <p:spPr>
             <a:xfrm>
-              <a:off x="4732126" y="5930732"/>
+              <a:off x="4576673" y="5930736"/>
               <a:ext cx="63202" cy="63202"/>
             </a:xfrm>
             <a:custGeom>
@@ -28783,7 +28783,7 @@
           </p:nvSpPr>
           <p:spPr>
             <a:xfrm>
-              <a:off x="4892036" y="5868881"/>
+              <a:off x="4723910" y="5868896"/>
               <a:ext cx="63202" cy="63202"/>
             </a:xfrm>
             <a:custGeom>
@@ -28826,7 +28826,7 @@
           </p:nvSpPr>
           <p:spPr>
             <a:xfrm>
-              <a:off x="4869453" y="5877858"/>
+              <a:off x="4608132" y="5877863"/>
               <a:ext cx="63202" cy="63202"/>
             </a:xfrm>
             <a:custGeom>
@@ -28869,7 +28869,7 @@
           </p:nvSpPr>
           <p:spPr>
             <a:xfrm>
-              <a:off x="4667507" y="5862866"/>
+              <a:off x="4700898" y="5862887"/>
               <a:ext cx="63202" cy="63202"/>
             </a:xfrm>
             <a:custGeom>
@@ -28912,7 +28912,7 @@
           </p:nvSpPr>
           <p:spPr>
             <a:xfrm>
-              <a:off x="4477671" y="6202570"/>
+              <a:off x="4762469" y="6202590"/>
               <a:ext cx="63202" cy="63202"/>
             </a:xfrm>
             <a:custGeom>
@@ -28955,7 +28955,7 @@
           </p:nvSpPr>
           <p:spPr>
             <a:xfrm>
-              <a:off x="4511295" y="5962697"/>
+              <a:off x="4637241" y="5962680"/>
               <a:ext cx="63202" cy="63202"/>
             </a:xfrm>
             <a:custGeom>
@@ -28998,7 +28998,7 @@
           </p:nvSpPr>
           <p:spPr>
             <a:xfrm>
-              <a:off x="4835107" y="5934868"/>
+              <a:off x="4826764" y="5934880"/>
               <a:ext cx="63202" cy="63202"/>
             </a:xfrm>
             <a:custGeom>
@@ -29041,7 +29041,7 @@
           </p:nvSpPr>
           <p:spPr>
             <a:xfrm>
-              <a:off x="5046732" y="5879775"/>
+              <a:off x="4964358" y="5879811"/>
               <a:ext cx="63202" cy="63202"/>
             </a:xfrm>
             <a:custGeom>
@@ -29084,7 +29084,7 @@
           </p:nvSpPr>
           <p:spPr>
             <a:xfrm>
-              <a:off x="4621622" y="5885997"/>
+              <a:off x="4749159" y="5886009"/>
               <a:ext cx="63202" cy="63202"/>
             </a:xfrm>
             <a:custGeom>
@@ -29127,7 +29127,7 @@
           </p:nvSpPr>
           <p:spPr>
             <a:xfrm>
-              <a:off x="4836985" y="5870796"/>
+              <a:off x="4820602" y="5870803"/>
               <a:ext cx="63202" cy="63202"/>
             </a:xfrm>
             <a:custGeom>
@@ -29170,7 +29170,7 @@
           </p:nvSpPr>
           <p:spPr>
             <a:xfrm>
-              <a:off x="4550687" y="5867909"/>
+              <a:off x="4781154" y="5867925"/>
               <a:ext cx="63202" cy="63202"/>
             </a:xfrm>
             <a:custGeom>
@@ -29213,7 +29213,7 @@
           </p:nvSpPr>
           <p:spPr>
             <a:xfrm>
-              <a:off x="5066638" y="5872072"/>
+              <a:off x="5028531" y="5872096"/>
               <a:ext cx="63202" cy="63202"/>
             </a:xfrm>
             <a:custGeom>
@@ -29256,7 +29256,7 @@
           </p:nvSpPr>
           <p:spPr>
             <a:xfrm>
-              <a:off x="5036396" y="5924105"/>
+              <a:off x="5102941" y="5924125"/>
               <a:ext cx="63202" cy="63202"/>
             </a:xfrm>
             <a:custGeom>
@@ -29299,7 +29299,7 @@
           </p:nvSpPr>
           <p:spPr>
             <a:xfrm>
-              <a:off x="4632792" y="5851209"/>
+              <a:off x="5015315" y="5851201"/>
               <a:ext cx="63202" cy="63202"/>
             </a:xfrm>
             <a:custGeom>
@@ -29342,7 +29342,7 @@
           </p:nvSpPr>
           <p:spPr>
             <a:xfrm>
-              <a:off x="4864571" y="5880729"/>
+              <a:off x="5045746" y="5880754"/>
               <a:ext cx="63202" cy="63202"/>
             </a:xfrm>
             <a:custGeom>
@@ -29385,7 +29385,7 @@
           </p:nvSpPr>
           <p:spPr>
             <a:xfrm>
-              <a:off x="4992282" y="6354053"/>
+              <a:off x="4565929" y="6354079"/>
               <a:ext cx="63202" cy="63202"/>
             </a:xfrm>
             <a:custGeom>
@@ -29428,7 +29428,7 @@
           </p:nvSpPr>
           <p:spPr>
             <a:xfrm>
-              <a:off x="4915267" y="6078357"/>
+              <a:off x="4727853" y="6078357"/>
               <a:ext cx="63202" cy="63202"/>
             </a:xfrm>
             <a:custGeom>
@@ -29471,7 +29471,7 @@
           </p:nvSpPr>
           <p:spPr>
             <a:xfrm>
-              <a:off x="4955130" y="5856788"/>
+              <a:off x="4685439" y="5856777"/>
               <a:ext cx="63202" cy="63202"/>
             </a:xfrm>
             <a:custGeom>
@@ -29514,7 +29514,7 @@
           </p:nvSpPr>
           <p:spPr>
             <a:xfrm>
-              <a:off x="4533719" y="5928416"/>
+              <a:off x="4541805" y="5928430"/>
               <a:ext cx="63202" cy="63202"/>
             </a:xfrm>
             <a:custGeom>
@@ -29557,7 +29557,7 @@
           </p:nvSpPr>
           <p:spPr>
             <a:xfrm>
-              <a:off x="5132629" y="5897032"/>
+              <a:off x="4694953" y="5897046"/>
               <a:ext cx="63202" cy="63202"/>
             </a:xfrm>
             <a:custGeom>
@@ -29600,7 +29600,7 @@
           </p:nvSpPr>
           <p:spPr>
             <a:xfrm>
-              <a:off x="4949897" y="5860262"/>
+              <a:off x="4676853" y="5860274"/>
               <a:ext cx="63202" cy="63202"/>
             </a:xfrm>
             <a:custGeom>
@@ -29643,7 +29643,7 @@
           </p:nvSpPr>
           <p:spPr>
             <a:xfrm>
-              <a:off x="4791824" y="5989190"/>
+              <a:off x="5113552" y="5989202"/>
               <a:ext cx="63202" cy="63202"/>
             </a:xfrm>
             <a:custGeom>
@@ -29686,7 +29686,7 @@
           </p:nvSpPr>
           <p:spPr>
             <a:xfrm>
-              <a:off x="4620520" y="5889402"/>
+              <a:off x="5018321" y="5889431"/>
               <a:ext cx="63202" cy="63202"/>
             </a:xfrm>
             <a:custGeom>
@@ -29729,7 +29729,7 @@
           </p:nvSpPr>
           <p:spPr>
             <a:xfrm>
-              <a:off x="4748503" y="5862981"/>
+              <a:off x="4639946" y="5862993"/>
               <a:ext cx="63202" cy="63202"/>
             </a:xfrm>
             <a:custGeom>
@@ -29772,7 +29772,7 @@
           </p:nvSpPr>
           <p:spPr>
             <a:xfrm>
-              <a:off x="4919306" y="5873950"/>
+              <a:off x="4891723" y="5873962"/>
               <a:ext cx="63202" cy="63202"/>
             </a:xfrm>
             <a:custGeom>
@@ -29815,7 +29815,7 @@
           </p:nvSpPr>
           <p:spPr>
             <a:xfrm>
-              <a:off x="4593822" y="6186043"/>
+              <a:off x="4642382" y="6186048"/>
               <a:ext cx="63202" cy="63202"/>
             </a:xfrm>
             <a:custGeom>
@@ -29858,7 +29858,7 @@
           </p:nvSpPr>
           <p:spPr>
             <a:xfrm>
-              <a:off x="5143148" y="5858687"/>
+              <a:off x="4575639" y="5858682"/>
               <a:ext cx="63202" cy="63202"/>
             </a:xfrm>
             <a:custGeom>
@@ -29901,7 +29901,7 @@
           </p:nvSpPr>
           <p:spPr>
             <a:xfrm>
-              <a:off x="4737785" y="5860529"/>
+              <a:off x="5143791" y="5860543"/>
               <a:ext cx="63202" cy="63202"/>
             </a:xfrm>
             <a:custGeom>
@@ -29944,7 +29944,7 @@
           </p:nvSpPr>
           <p:spPr>
             <a:xfrm>
-              <a:off x="5121402" y="6107609"/>
+              <a:off x="4583529" y="6107594"/>
               <a:ext cx="63202" cy="63202"/>
             </a:xfrm>
             <a:custGeom>
@@ -29987,7 +29987,7 @@
           </p:nvSpPr>
           <p:spPr>
             <a:xfrm>
-              <a:off x="4695104" y="6311841"/>
+              <a:off x="4711301" y="6311861"/>
               <a:ext cx="63202" cy="63202"/>
             </a:xfrm>
             <a:custGeom>
@@ -30030,7 +30030,7 @@
           </p:nvSpPr>
           <p:spPr>
             <a:xfrm>
-              <a:off x="5086828" y="5870884"/>
+              <a:off x="5124838" y="5870889"/>
               <a:ext cx="63202" cy="63202"/>
             </a:xfrm>
             <a:custGeom>
@@ -30073,7 +30073,7 @@
           </p:nvSpPr>
           <p:spPr>
             <a:xfrm>
-              <a:off x="4995071" y="5887783"/>
+              <a:off x="4528750" y="5887805"/>
               <a:ext cx="63202" cy="63202"/>
             </a:xfrm>
             <a:custGeom>
@@ -30116,7 +30116,7 @@
           </p:nvSpPr>
           <p:spPr>
             <a:xfrm>
-              <a:off x="4744628" y="5882918"/>
+              <a:off x="4918059" y="5882925"/>
               <a:ext cx="63202" cy="63202"/>
             </a:xfrm>
             <a:custGeom>
@@ -30159,7 +30159,7 @@
           </p:nvSpPr>
           <p:spPr>
             <a:xfrm>
-              <a:off x="4600465" y="5867453"/>
+              <a:off x="5011559" y="5867437"/>
               <a:ext cx="63202" cy="63202"/>
             </a:xfrm>
             <a:custGeom>
@@ -30202,7 +30202,7 @@
           </p:nvSpPr>
           <p:spPr>
             <a:xfrm>
-              <a:off x="4549904" y="5917788"/>
+              <a:off x="5044812" y="5917802"/>
               <a:ext cx="63202" cy="63202"/>
             </a:xfrm>
             <a:custGeom>
@@ -30245,7 +30245,7 @@
           </p:nvSpPr>
           <p:spPr>
             <a:xfrm>
-              <a:off x="4543827" y="6008004"/>
+              <a:off x="4533905" y="6008013"/>
               <a:ext cx="63202" cy="63202"/>
             </a:xfrm>
             <a:custGeom>
@@ -30288,7 +30288,7 @@
           </p:nvSpPr>
           <p:spPr>
             <a:xfrm>
-              <a:off x="4895837" y="5866776"/>
+              <a:off x="4794031" y="5866771"/>
               <a:ext cx="63202" cy="63202"/>
             </a:xfrm>
             <a:custGeom>
@@ -30331,7 +30331,7 @@
           </p:nvSpPr>
           <p:spPr>
             <a:xfrm>
-              <a:off x="4889383" y="6148561"/>
+              <a:off x="4832953" y="6148554"/>
               <a:ext cx="63202" cy="63202"/>
             </a:xfrm>
             <a:custGeom>
@@ -30374,7 +30374,7 @@
           </p:nvSpPr>
           <p:spPr>
             <a:xfrm>
-              <a:off x="4546858" y="5936100"/>
+              <a:off x="4626036" y="5936111"/>
               <a:ext cx="63202" cy="63202"/>
             </a:xfrm>
             <a:custGeom>
@@ -30417,7 +30417,7 @@
           </p:nvSpPr>
           <p:spPr>
             <a:xfrm>
-              <a:off x="4756645" y="5869154"/>
+              <a:off x="4986168" y="5869179"/>
               <a:ext cx="63202" cy="63202"/>
             </a:xfrm>
             <a:custGeom>
@@ -30460,7 +30460,7 @@
           </p:nvSpPr>
           <p:spPr>
             <a:xfrm>
-              <a:off x="5146447" y="5852866"/>
+              <a:off x="4923134" y="5852880"/>
               <a:ext cx="63202" cy="63202"/>
             </a:xfrm>
             <a:custGeom>
@@ -30503,7 +30503,7 @@
           </p:nvSpPr>
           <p:spPr>
             <a:xfrm>
-              <a:off x="4920129" y="5920104"/>
+              <a:off x="4977895" y="5920118"/>
               <a:ext cx="63202" cy="63202"/>
             </a:xfrm>
             <a:custGeom>
@@ -30546,7 +30546,7 @@
           </p:nvSpPr>
           <p:spPr>
             <a:xfrm>
-              <a:off x="4555543" y="5927459"/>
+              <a:off x="4497297" y="5927463"/>
               <a:ext cx="63202" cy="63202"/>
             </a:xfrm>
             <a:custGeom>
@@ -30589,7 +30589,7 @@
           </p:nvSpPr>
           <p:spPr>
             <a:xfrm>
-              <a:off x="4733750" y="6269215"/>
+              <a:off x="4588443" y="6269226"/>
               <a:ext cx="63202" cy="63202"/>
             </a:xfrm>
             <a:custGeom>
@@ -30632,7 +30632,7 @@
           </p:nvSpPr>
           <p:spPr>
             <a:xfrm>
-              <a:off x="4589576" y="5935959"/>
+              <a:off x="5065794" y="5935941"/>
               <a:ext cx="63202" cy="63202"/>
             </a:xfrm>
             <a:custGeom>
@@ -30675,7 +30675,7 @@
           </p:nvSpPr>
           <p:spPr>
             <a:xfrm>
-              <a:off x="5061944" y="5929588"/>
+              <a:off x="4570283" y="5929604"/>
               <a:ext cx="63202" cy="63202"/>
             </a:xfrm>
             <a:custGeom>
@@ -30718,7 +30718,7 @@
           </p:nvSpPr>
           <p:spPr>
             <a:xfrm>
-              <a:off x="4721794" y="5854220"/>
+              <a:off x="4827559" y="5854234"/>
               <a:ext cx="63202" cy="63202"/>
             </a:xfrm>
             <a:custGeom>
@@ -30761,7 +30761,7 @@
           </p:nvSpPr>
           <p:spPr>
             <a:xfrm>
-              <a:off x="4835481" y="5895349"/>
+              <a:off x="4561884" y="5895367"/>
               <a:ext cx="63202" cy="63202"/>
             </a:xfrm>
             <a:custGeom>
@@ -30804,7 +30804,7 @@
           </p:nvSpPr>
           <p:spPr>
             <a:xfrm>
-              <a:off x="4843587" y="6115961"/>
+              <a:off x="4536879" y="6115938"/>
               <a:ext cx="63202" cy="63202"/>
             </a:xfrm>
             <a:custGeom>
@@ -30847,7 +30847,7 @@
           </p:nvSpPr>
           <p:spPr>
             <a:xfrm>
-              <a:off x="4619582" y="5862908"/>
+              <a:off x="4746819" y="5862902"/>
               <a:ext cx="63202" cy="63202"/>
             </a:xfrm>
             <a:custGeom>
@@ -30890,7 +30890,7 @@
           </p:nvSpPr>
           <p:spPr>
             <a:xfrm>
-              <a:off x="4639522" y="5867345"/>
+              <a:off x="4818160" y="5867374"/>
               <a:ext cx="63202" cy="63202"/>
             </a:xfrm>
             <a:custGeom>
@@ -30933,7 +30933,7 @@
           </p:nvSpPr>
           <p:spPr>
             <a:xfrm>
-              <a:off x="4585217" y="5867051"/>
+              <a:off x="5103969" y="5867058"/>
               <a:ext cx="63202" cy="63202"/>
             </a:xfrm>
             <a:custGeom>
@@ -30976,7 +30976,7 @@
           </p:nvSpPr>
           <p:spPr>
             <a:xfrm>
-              <a:off x="4512853" y="6122388"/>
+              <a:off x="4651019" y="6122419"/>
               <a:ext cx="63202" cy="63202"/>
             </a:xfrm>
             <a:custGeom>
@@ -31019,7 +31019,7 @@
           </p:nvSpPr>
           <p:spPr>
             <a:xfrm>
-              <a:off x="5151205" y="5858363"/>
+              <a:off x="4858991" y="5858384"/>
               <a:ext cx="63202" cy="63202"/>
             </a:xfrm>
             <a:custGeom>
@@ -31062,7 +31062,7 @@
           </p:nvSpPr>
           <p:spPr>
             <a:xfrm>
-              <a:off x="4850435" y="5908296"/>
+              <a:off x="4498200" y="5908308"/>
               <a:ext cx="63202" cy="63202"/>
             </a:xfrm>
             <a:custGeom>
@@ -31105,7 +31105,7 @@
           </p:nvSpPr>
           <p:spPr>
             <a:xfrm>
-              <a:off x="5065162" y="5924366"/>
+              <a:off x="4792717" y="5924376"/>
               <a:ext cx="63202" cy="63202"/>
             </a:xfrm>
             <a:custGeom>
@@ -31148,7 +31148,7 @@
           </p:nvSpPr>
           <p:spPr>
             <a:xfrm>
-              <a:off x="4882859" y="5876875"/>
+              <a:off x="4626129" y="5876903"/>
               <a:ext cx="63202" cy="63202"/>
             </a:xfrm>
             <a:custGeom>
@@ -31191,7 +31191,7 @@
           </p:nvSpPr>
           <p:spPr>
             <a:xfrm>
-              <a:off x="5010747" y="6128811"/>
+              <a:off x="4562197" y="6128789"/>
               <a:ext cx="63202" cy="63202"/>
             </a:xfrm>
             <a:custGeom>
@@ -31234,7 +31234,7 @@
           </p:nvSpPr>
           <p:spPr>
             <a:xfrm>
-              <a:off x="5160714" y="5963636"/>
+              <a:off x="4981099" y="5963644"/>
               <a:ext cx="63202" cy="63202"/>
             </a:xfrm>
             <a:custGeom>
@@ -31277,7 +31277,7 @@
           </p:nvSpPr>
           <p:spPr>
             <a:xfrm>
-              <a:off x="5043326" y="5888638"/>
+              <a:off x="5048915" y="5888657"/>
               <a:ext cx="63202" cy="63202"/>
             </a:xfrm>
             <a:custGeom>
@@ -31320,7 +31320,7 @@
           </p:nvSpPr>
           <p:spPr>
             <a:xfrm>
-              <a:off x="4809262" y="5863134"/>
+              <a:off x="4730731" y="5863126"/>
               <a:ext cx="63202" cy="63202"/>
             </a:xfrm>
             <a:custGeom>
@@ -31363,7 +31363,7 @@
           </p:nvSpPr>
           <p:spPr>
             <a:xfrm>
-              <a:off x="4861144" y="5903214"/>
+              <a:off x="5130157" y="5903231"/>
               <a:ext cx="63202" cy="63202"/>
             </a:xfrm>
             <a:custGeom>
@@ -31406,7 +31406,7 @@
           </p:nvSpPr>
           <p:spPr>
             <a:xfrm>
-              <a:off x="4510807" y="5883427"/>
+              <a:off x="4744003" y="5883422"/>
               <a:ext cx="63202" cy="63202"/>
             </a:xfrm>
             <a:custGeom>
@@ -31449,7 +31449,7 @@
           </p:nvSpPr>
           <p:spPr>
             <a:xfrm>
-              <a:off x="4873856" y="5932632"/>
+              <a:off x="4752175" y="5932649"/>
               <a:ext cx="63202" cy="63202"/>
             </a:xfrm>
             <a:custGeom>
@@ -31492,7 +31492,7 @@
           </p:nvSpPr>
           <p:spPr>
             <a:xfrm>
-              <a:off x="5084266" y="6202851"/>
+              <a:off x="5087426" y="6202831"/>
               <a:ext cx="63202" cy="63202"/>
             </a:xfrm>
             <a:custGeom>
@@ -31535,7 +31535,7 @@
           </p:nvSpPr>
           <p:spPr>
             <a:xfrm>
-              <a:off x="4964941" y="6163954"/>
+              <a:off x="5013934" y="6163952"/>
               <a:ext cx="63202" cy="63202"/>
             </a:xfrm>
             <a:custGeom>
@@ -31578,7 +31578,7 @@
           </p:nvSpPr>
           <p:spPr>
             <a:xfrm>
-              <a:off x="4669675" y="5959337"/>
+              <a:off x="5008625" y="5959345"/>
               <a:ext cx="63202" cy="63202"/>
             </a:xfrm>
             <a:custGeom>
@@ -31621,7 +31621,7 @@
           </p:nvSpPr>
           <p:spPr>
             <a:xfrm>
-              <a:off x="4620363" y="6236240"/>
+              <a:off x="5098477" y="6236275"/>
               <a:ext cx="63202" cy="63202"/>
             </a:xfrm>
             <a:custGeom>
@@ -31664,7 +31664,7 @@
           </p:nvSpPr>
           <p:spPr>
             <a:xfrm>
-              <a:off x="4870561" y="5864215"/>
+              <a:off x="4792660" y="5864235"/>
               <a:ext cx="63202" cy="63202"/>
             </a:xfrm>
             <a:custGeom>
@@ -31707,7 +31707,7 @@
           </p:nvSpPr>
           <p:spPr>
             <a:xfrm>
-              <a:off x="5147381" y="5907349"/>
+              <a:off x="4976314" y="5907356"/>
               <a:ext cx="63202" cy="63202"/>
             </a:xfrm>
             <a:custGeom>
@@ -31750,7 +31750,7 @@
           </p:nvSpPr>
           <p:spPr>
             <a:xfrm>
-              <a:off x="4958913" y="5894784"/>
+              <a:off x="4810158" y="5894767"/>
               <a:ext cx="63202" cy="63202"/>
             </a:xfrm>
             <a:custGeom>
@@ -31793,7 +31793,7 @@
           </p:nvSpPr>
           <p:spPr>
             <a:xfrm>
-              <a:off x="4479174" y="5860447"/>
+              <a:off x="4737077" y="5860478"/>
               <a:ext cx="63202" cy="63202"/>
             </a:xfrm>
             <a:custGeom>
@@ -31836,7 +31836,7 @@
           </p:nvSpPr>
           <p:spPr>
             <a:xfrm>
-              <a:off x="4937871" y="5890878"/>
+              <a:off x="4750313" y="5890864"/>
               <a:ext cx="63202" cy="63202"/>
             </a:xfrm>
             <a:custGeom>
@@ -31879,7 +31879,7 @@
           </p:nvSpPr>
           <p:spPr>
             <a:xfrm>
-              <a:off x="4946108" y="5868703"/>
+              <a:off x="4492622" y="5868712"/>
               <a:ext cx="63202" cy="63202"/>
             </a:xfrm>
             <a:custGeom>
@@ -31922,7 +31922,7 @@
           </p:nvSpPr>
           <p:spPr>
             <a:xfrm>
-              <a:off x="4843511" y="5873516"/>
+              <a:off x="4800261" y="5873539"/>
               <a:ext cx="63202" cy="63202"/>
             </a:xfrm>
             <a:custGeom>
@@ -31965,7 +31965,7 @@
           </p:nvSpPr>
           <p:spPr>
             <a:xfrm>
-              <a:off x="4606374" y="5883748"/>
+              <a:off x="4843772" y="5883742"/>
               <a:ext cx="63202" cy="63202"/>
             </a:xfrm>
             <a:custGeom>
@@ -32008,7 +32008,7 @@
           </p:nvSpPr>
           <p:spPr>
             <a:xfrm>
-              <a:off x="4891730" y="6121643"/>
+              <a:off x="4864876" y="6121615"/>
               <a:ext cx="63202" cy="63202"/>
             </a:xfrm>
             <a:custGeom>
@@ -32051,7 +32051,7 @@
           </p:nvSpPr>
           <p:spPr>
             <a:xfrm>
-              <a:off x="4830177" y="6008957"/>
+              <a:off x="4568607" y="6008941"/>
               <a:ext cx="63202" cy="63202"/>
             </a:xfrm>
             <a:custGeom>
@@ -32094,7 +32094,7 @@
           </p:nvSpPr>
           <p:spPr>
             <a:xfrm>
-              <a:off x="4747286" y="5853873"/>
+              <a:off x="4622801" y="5853863"/>
               <a:ext cx="63202" cy="63202"/>
             </a:xfrm>
             <a:custGeom>
@@ -32137,7 +32137,7 @@
           </p:nvSpPr>
           <p:spPr>
             <a:xfrm>
-              <a:off x="4854391" y="5931008"/>
+              <a:off x="4736431" y="5931023"/>
               <a:ext cx="63202" cy="63202"/>
             </a:xfrm>
             <a:custGeom>
@@ -32180,7 +32180,7 @@
           </p:nvSpPr>
           <p:spPr>
             <a:xfrm>
-              <a:off x="4664994" y="5931880"/>
+              <a:off x="4863152" y="5931876"/>
               <a:ext cx="63202" cy="63202"/>
             </a:xfrm>
             <a:custGeom>
@@ -32223,7 +32223,7 @@
           </p:nvSpPr>
           <p:spPr>
             <a:xfrm>
-              <a:off x="4551763" y="5874538"/>
+              <a:off x="5043885" y="5874551"/>
               <a:ext cx="63202" cy="63202"/>
             </a:xfrm>
             <a:custGeom>
@@ -32266,7 +32266,7 @@
           </p:nvSpPr>
           <p:spPr>
             <a:xfrm>
-              <a:off x="4912220" y="5893641"/>
+              <a:off x="5077723" y="5893648"/>
               <a:ext cx="63202" cy="63202"/>
             </a:xfrm>
             <a:custGeom>
@@ -32309,7 +32309,7 @@
           </p:nvSpPr>
           <p:spPr>
             <a:xfrm>
-              <a:off x="4713622" y="5923112"/>
+              <a:off x="4749146" y="5923096"/>
               <a:ext cx="63202" cy="63202"/>
             </a:xfrm>
             <a:custGeom>
@@ -32352,7 +32352,7 @@
           </p:nvSpPr>
           <p:spPr>
             <a:xfrm>
-              <a:off x="4616024" y="5923931"/>
+              <a:off x="4872010" y="5923945"/>
               <a:ext cx="63202" cy="63202"/>
             </a:xfrm>
             <a:custGeom>
@@ -32395,7 +32395,7 @@
           </p:nvSpPr>
           <p:spPr>
             <a:xfrm>
-              <a:off x="4706716" y="5889297"/>
+              <a:off x="5132968" y="5889291"/>
               <a:ext cx="63202" cy="63202"/>
             </a:xfrm>
             <a:custGeom>
@@ -32438,7 +32438,7 @@
           </p:nvSpPr>
           <p:spPr>
             <a:xfrm>
-              <a:off x="4547884" y="5888199"/>
+              <a:off x="4659694" y="5888190"/>
               <a:ext cx="63202" cy="63202"/>
             </a:xfrm>
             <a:custGeom>
@@ -32481,7 +32481,7 @@
           </p:nvSpPr>
           <p:spPr>
             <a:xfrm>
-              <a:off x="4710722" y="5960815"/>
+              <a:off x="4931416" y="5960841"/>
               <a:ext cx="63202" cy="63202"/>
             </a:xfrm>
             <a:custGeom>
@@ -32524,7 +32524,7 @@
           </p:nvSpPr>
           <p:spPr>
             <a:xfrm>
-              <a:off x="4626093" y="5887610"/>
+              <a:off x="5078911" y="5887604"/>
               <a:ext cx="63202" cy="63202"/>
             </a:xfrm>
             <a:custGeom>
@@ -32567,7 +32567,7 @@
           </p:nvSpPr>
           <p:spPr>
             <a:xfrm>
-              <a:off x="4915894" y="5883748"/>
+              <a:off x="4926862" y="5883759"/>
               <a:ext cx="63202" cy="63202"/>
             </a:xfrm>
             <a:custGeom>
@@ -32610,7 +32610,7 @@
           </p:nvSpPr>
           <p:spPr>
             <a:xfrm>
-              <a:off x="4617707" y="5733367"/>
+              <a:off x="4911056" y="5733404"/>
               <a:ext cx="63202" cy="63202"/>
             </a:xfrm>
             <a:custGeom>
@@ -32653,7 +32653,7 @@
           </p:nvSpPr>
           <p:spPr>
             <a:xfrm>
-              <a:off x="4855629" y="5874313"/>
+              <a:off x="4591280" y="5874308"/>
               <a:ext cx="63202" cy="63202"/>
             </a:xfrm>
             <a:custGeom>
@@ -32696,7 +32696,7 @@
           </p:nvSpPr>
           <p:spPr>
             <a:xfrm>
-              <a:off x="4860202" y="5890452"/>
+              <a:off x="4728260" y="5890468"/>
               <a:ext cx="63202" cy="63202"/>
             </a:xfrm>
             <a:custGeom>
@@ -32739,7 +32739,7 @@
           </p:nvSpPr>
           <p:spPr>
             <a:xfrm>
-              <a:off x="4983585" y="5882800"/>
+              <a:off x="4540565" y="5882798"/>
               <a:ext cx="63202" cy="63202"/>
             </a:xfrm>
             <a:custGeom>
@@ -32782,7 +32782,7 @@
           </p:nvSpPr>
           <p:spPr>
             <a:xfrm>
-              <a:off x="4508960" y="5870748"/>
+              <a:off x="4880508" y="5870755"/>
               <a:ext cx="63202" cy="63202"/>
             </a:xfrm>
             <a:custGeom>
@@ -32825,7 +32825,7 @@
           </p:nvSpPr>
           <p:spPr>
             <a:xfrm>
-              <a:off x="4823784" y="5873584"/>
+              <a:off x="4487357" y="5873575"/>
               <a:ext cx="63202" cy="63202"/>
             </a:xfrm>
             <a:custGeom>
@@ -32868,7 +32868,7 @@
           </p:nvSpPr>
           <p:spPr>
             <a:xfrm>
-              <a:off x="4483785" y="5857894"/>
+              <a:off x="5156876" y="5857932"/>
               <a:ext cx="63202" cy="63202"/>
             </a:xfrm>
             <a:custGeom>
@@ -32911,7 +32911,7 @@
           </p:nvSpPr>
           <p:spPr>
             <a:xfrm>
-              <a:off x="4590225" y="6073594"/>
+              <a:off x="4847411" y="6073612"/>
               <a:ext cx="63202" cy="63202"/>
             </a:xfrm>
             <a:custGeom>
@@ -32954,7 +32954,7 @@
           </p:nvSpPr>
           <p:spPr>
             <a:xfrm>
-              <a:off x="4689420" y="6066345"/>
+              <a:off x="4921302" y="6066352"/>
               <a:ext cx="63202" cy="63202"/>
             </a:xfrm>
             <a:custGeom>
@@ -32997,7 +32997,7 @@
           </p:nvSpPr>
           <p:spPr>
             <a:xfrm>
-              <a:off x="4997707" y="6096652"/>
+              <a:off x="4571487" y="6096645"/>
               <a:ext cx="63202" cy="63202"/>
             </a:xfrm>
             <a:custGeom>
@@ -33040,7 +33040,7 @@
           </p:nvSpPr>
           <p:spPr>
             <a:xfrm>
-              <a:off x="4926508" y="6063148"/>
+              <a:off x="4471335" y="6063170"/>
               <a:ext cx="63202" cy="63202"/>
             </a:xfrm>
             <a:custGeom>
@@ -33083,7 +33083,7 @@
           </p:nvSpPr>
           <p:spPr>
             <a:xfrm>
-              <a:off x="4740887" y="5899133"/>
+              <a:off x="4728166" y="5899134"/>
               <a:ext cx="63202" cy="63202"/>
             </a:xfrm>
             <a:custGeom>
@@ -33126,7 +33126,7 @@
           </p:nvSpPr>
           <p:spPr>
             <a:xfrm>
-              <a:off x="4504129" y="6299581"/>
+              <a:off x="5097448" y="6299589"/>
               <a:ext cx="63202" cy="63202"/>
             </a:xfrm>
             <a:custGeom>
@@ -33169,7 +33169,7 @@
           </p:nvSpPr>
           <p:spPr>
             <a:xfrm>
-              <a:off x="4578217" y="6289721"/>
+              <a:off x="5129174" y="6289736"/>
               <a:ext cx="63202" cy="63202"/>
             </a:xfrm>
             <a:custGeom>
@@ -33212,7 +33212,7 @@
           </p:nvSpPr>
           <p:spPr>
             <a:xfrm>
-              <a:off x="4983389" y="5866025"/>
+              <a:off x="4655408" y="5866047"/>
               <a:ext cx="63202" cy="63202"/>
             </a:xfrm>
             <a:custGeom>
@@ -33255,7 +33255,7 @@
           </p:nvSpPr>
           <p:spPr>
             <a:xfrm>
-              <a:off x="4980276" y="5870336"/>
+              <a:off x="4907609" y="5870346"/>
               <a:ext cx="63202" cy="63202"/>
             </a:xfrm>
             <a:custGeom>
@@ -33298,7 +33298,7 @@
           </p:nvSpPr>
           <p:spPr>
             <a:xfrm>
-              <a:off x="5137658" y="6098982"/>
+              <a:off x="4759371" y="6098993"/>
               <a:ext cx="63202" cy="63202"/>
             </a:xfrm>
             <a:custGeom>
@@ -33341,7 +33341,7 @@
           </p:nvSpPr>
           <p:spPr>
             <a:xfrm>
-              <a:off x="4746270" y="6052449"/>
+              <a:off x="4586376" y="6052452"/>
               <a:ext cx="63202" cy="63202"/>
             </a:xfrm>
             <a:custGeom>
@@ -33384,7 +33384,7 @@
           </p:nvSpPr>
           <p:spPr>
             <a:xfrm>
-              <a:off x="5166060" y="5902705"/>
+              <a:off x="4689391" y="5902721"/>
               <a:ext cx="63202" cy="63202"/>
             </a:xfrm>
             <a:custGeom>
@@ -33427,7 +33427,7 @@
           </p:nvSpPr>
           <p:spPr>
             <a:xfrm>
-              <a:off x="4524319" y="6049317"/>
+              <a:off x="4862572" y="6049310"/>
               <a:ext cx="63202" cy="63202"/>
             </a:xfrm>
             <a:custGeom>
@@ -33470,7 +33470,7 @@
           </p:nvSpPr>
           <p:spPr>
             <a:xfrm>
-              <a:off x="4843178" y="5998238"/>
+              <a:off x="4857587" y="5998253"/>
               <a:ext cx="63202" cy="63202"/>
             </a:xfrm>
             <a:custGeom>
@@ -33513,7 +33513,7 @@
           </p:nvSpPr>
           <p:spPr>
             <a:xfrm>
-              <a:off x="4782519" y="5863956"/>
+              <a:off x="4555712" y="5863952"/>
               <a:ext cx="63202" cy="63202"/>
             </a:xfrm>
             <a:custGeom>
@@ -33556,7 +33556,7 @@
           </p:nvSpPr>
           <p:spPr>
             <a:xfrm>
-              <a:off x="4810425" y="5871268"/>
+              <a:off x="5102721" y="5871259"/>
               <a:ext cx="63202" cy="63202"/>
             </a:xfrm>
             <a:custGeom>
@@ -33599,7 +33599,7 @@
           </p:nvSpPr>
           <p:spPr>
             <a:xfrm>
-              <a:off x="4741181" y="5860131"/>
+              <a:off x="4870833" y="5860138"/>
               <a:ext cx="63202" cy="63202"/>
             </a:xfrm>
             <a:custGeom>
@@ -33642,7 +33642,7 @@
           </p:nvSpPr>
           <p:spPr>
             <a:xfrm>
-              <a:off x="4594953" y="5925768"/>
+              <a:off x="4726496" y="5925776"/>
               <a:ext cx="63202" cy="63202"/>
             </a:xfrm>
             <a:custGeom>
@@ -33685,7 +33685,7 @@
           </p:nvSpPr>
           <p:spPr>
             <a:xfrm>
-              <a:off x="4795376" y="5870833"/>
+              <a:off x="4592398" y="5870846"/>
               <a:ext cx="63202" cy="63202"/>
             </a:xfrm>
             <a:custGeom>
@@ -33728,7 +33728,7 @@
           </p:nvSpPr>
           <p:spPr>
             <a:xfrm>
-              <a:off x="5041030" y="5927477"/>
+              <a:off x="4717559" y="5927451"/>
               <a:ext cx="63202" cy="63202"/>
             </a:xfrm>
             <a:custGeom>
@@ -33771,7 +33771,7 @@
           </p:nvSpPr>
           <p:spPr>
             <a:xfrm>
-              <a:off x="4932575" y="5932416"/>
+              <a:off x="4500235" y="5932415"/>
               <a:ext cx="63202" cy="63202"/>
             </a:xfrm>
             <a:custGeom>
@@ -33814,7 +33814,7 @@
           </p:nvSpPr>
           <p:spPr>
             <a:xfrm>
-              <a:off x="4611815" y="5926524"/>
+              <a:off x="4724986" y="5926532"/>
               <a:ext cx="63202" cy="63202"/>
             </a:xfrm>
             <a:custGeom>
@@ -33857,7 +33857,7 @@
           </p:nvSpPr>
           <p:spPr>
             <a:xfrm>
-              <a:off x="4482492" y="5926993"/>
+              <a:off x="4997387" y="5927025"/>
               <a:ext cx="63202" cy="63202"/>
             </a:xfrm>
             <a:custGeom>
@@ -33900,7 +33900,7 @@
           </p:nvSpPr>
           <p:spPr>
             <a:xfrm>
-              <a:off x="4708522" y="5888540"/>
+              <a:off x="4660508" y="5888575"/>
               <a:ext cx="63202" cy="63202"/>
             </a:xfrm>
             <a:custGeom>
@@ -33943,7 +33943,7 @@
           </p:nvSpPr>
           <p:spPr>
             <a:xfrm>
-              <a:off x="4842956" y="5925010"/>
+              <a:off x="4478113" y="5925028"/>
               <a:ext cx="63202" cy="63202"/>
             </a:xfrm>
             <a:custGeom>
@@ -33986,7 +33986,7 @@
           </p:nvSpPr>
           <p:spPr>
             <a:xfrm>
-              <a:off x="4907254" y="6043855"/>
+              <a:off x="4569065" y="6043884"/>
               <a:ext cx="63202" cy="63202"/>
             </a:xfrm>
             <a:custGeom>
@@ -34029,7 +34029,7 @@
           </p:nvSpPr>
           <p:spPr>
             <a:xfrm>
-              <a:off x="4861624" y="5870222"/>
+              <a:off x="4555586" y="5870220"/>
               <a:ext cx="63202" cy="63202"/>
             </a:xfrm>
             <a:custGeom>
@@ -34072,7 +34072,7 @@
           </p:nvSpPr>
           <p:spPr>
             <a:xfrm>
-              <a:off x="4923273" y="6197048"/>
+              <a:off x="4725055" y="6197053"/>
               <a:ext cx="63202" cy="63202"/>
             </a:xfrm>
             <a:custGeom>
@@ -34115,7 +34115,7 @@
           </p:nvSpPr>
           <p:spPr>
             <a:xfrm>
-              <a:off x="4820258" y="5907834"/>
+              <a:off x="4907722" y="5907868"/>
               <a:ext cx="63202" cy="63202"/>
             </a:xfrm>
             <a:custGeom>
@@ -34158,7 +34158,7 @@
           </p:nvSpPr>
           <p:spPr>
             <a:xfrm>
-              <a:off x="4493664" y="6119553"/>
+              <a:off x="4925285" y="6119539"/>
               <a:ext cx="63202" cy="63202"/>
             </a:xfrm>
             <a:custGeom>
@@ -34201,7 +34201,7 @@
           </p:nvSpPr>
           <p:spPr>
             <a:xfrm>
-              <a:off x="4571128" y="5959834"/>
+              <a:off x="4984666" y="5959847"/>
               <a:ext cx="63202" cy="63202"/>
             </a:xfrm>
             <a:custGeom>
@@ -34244,7 +34244,7 @@
           </p:nvSpPr>
           <p:spPr>
             <a:xfrm>
-              <a:off x="5151587" y="6153990"/>
+              <a:off x="4471399" y="6153988"/>
               <a:ext cx="63202" cy="63202"/>
             </a:xfrm>
             <a:custGeom>
@@ -34287,7 +34287,7 @@
           </p:nvSpPr>
           <p:spPr>
             <a:xfrm>
-              <a:off x="4798916" y="6086867"/>
+              <a:off x="4664070" y="6086872"/>
               <a:ext cx="63202" cy="63202"/>
             </a:xfrm>
             <a:custGeom>
@@ -34330,7 +34330,7 @@
           </p:nvSpPr>
           <p:spPr>
             <a:xfrm>
-              <a:off x="5137187" y="6260333"/>
+              <a:off x="5104358" y="6260302"/>
               <a:ext cx="63202" cy="63202"/>
             </a:xfrm>
             <a:custGeom>
@@ -34373,7 +34373,7 @@
           </p:nvSpPr>
           <p:spPr>
             <a:xfrm>
-              <a:off x="4915440" y="5865205"/>
+              <a:off x="4978343" y="5865226"/>
               <a:ext cx="63202" cy="63202"/>
             </a:xfrm>
             <a:custGeom>
@@ -34416,7 +34416,7 @@
           </p:nvSpPr>
           <p:spPr>
             <a:xfrm>
-              <a:off x="5028121" y="5865350"/>
+              <a:off x="4535367" y="5865373"/>
               <a:ext cx="63202" cy="63202"/>
             </a:xfrm>
             <a:custGeom>
@@ -34459,7 +34459,7 @@
           </p:nvSpPr>
           <p:spPr>
             <a:xfrm>
-              <a:off x="4683963" y="6175824"/>
+              <a:off x="4726395" y="6175823"/>
               <a:ext cx="63202" cy="63202"/>
             </a:xfrm>
             <a:custGeom>
@@ -34502,7 +34502,7 @@
           </p:nvSpPr>
           <p:spPr>
             <a:xfrm>
-              <a:off x="4764832" y="6112224"/>
+              <a:off x="4730954" y="6112236"/>
               <a:ext cx="63202" cy="63202"/>
             </a:xfrm>
             <a:custGeom>
@@ -34545,7 +34545,7 @@
           </p:nvSpPr>
           <p:spPr>
             <a:xfrm>
-              <a:off x="5014981" y="5998192"/>
+              <a:off x="5094749" y="5998197"/>
               <a:ext cx="63202" cy="63202"/>
             </a:xfrm>
             <a:custGeom>
@@ -34588,7 +34588,7 @@
           </p:nvSpPr>
           <p:spPr>
             <a:xfrm>
-              <a:off x="4635342" y="6068521"/>
+              <a:off x="4941086" y="6068510"/>
               <a:ext cx="63202" cy="63202"/>
             </a:xfrm>
             <a:custGeom>
@@ -34687,7 +34687,7 @@
           </p:nvSpPr>
           <p:spPr>
             <a:xfrm>
-              <a:off x="7192078" y="2815603"/>
+              <a:off x="7192078" y="2815595"/>
               <a:ext cx="2796732" cy="0"/>
             </a:xfrm>
             <a:custGeom>
@@ -34730,7 +34730,7 @@
           </p:nvSpPr>
           <p:spPr>
             <a:xfrm>
-              <a:off x="7192078" y="2361625"/>
+              <a:off x="7192078" y="2361628"/>
               <a:ext cx="2796732" cy="0"/>
             </a:xfrm>
             <a:custGeom>
@@ -34773,7 +34773,7 @@
           </p:nvSpPr>
           <p:spPr>
             <a:xfrm>
-              <a:off x="7192078" y="1907646"/>
+              <a:off x="7192078" y="1907661"/>
               <a:ext cx="2796732" cy="0"/>
             </a:xfrm>
             <a:custGeom>
@@ -34816,7 +34816,7 @@
           </p:nvSpPr>
           <p:spPr>
             <a:xfrm>
-              <a:off x="7192078" y="1453668"/>
+              <a:off x="7192078" y="1453694"/>
               <a:ext cx="2796732" cy="0"/>
             </a:xfrm>
             <a:custGeom>
@@ -34859,7 +34859,7 @@
           </p:nvSpPr>
           <p:spPr>
             <a:xfrm>
-              <a:off x="7192078" y="3042592"/>
+              <a:off x="7192078" y="3042578"/>
               <a:ext cx="2796732" cy="0"/>
             </a:xfrm>
             <a:custGeom>
@@ -34902,7 +34902,7 @@
           </p:nvSpPr>
           <p:spPr>
             <a:xfrm>
-              <a:off x="7192078" y="2588614"/>
+              <a:off x="7192078" y="2588612"/>
               <a:ext cx="2796732" cy="0"/>
             </a:xfrm>
             <a:custGeom>
@@ -34945,7 +34945,7 @@
           </p:nvSpPr>
           <p:spPr>
             <a:xfrm>
-              <a:off x="7192078" y="2134635"/>
+              <a:off x="7192078" y="2134645"/>
               <a:ext cx="2796732" cy="0"/>
             </a:xfrm>
             <a:custGeom>
@@ -34988,7 +34988,7 @@
           </p:nvSpPr>
           <p:spPr>
             <a:xfrm>
-              <a:off x="7192078" y="1680657"/>
+              <a:off x="7192078" y="1680678"/>
               <a:ext cx="2796732" cy="0"/>
             </a:xfrm>
             <a:custGeom>
@@ -35160,7 +35160,7 @@
           </p:nvSpPr>
           <p:spPr>
             <a:xfrm>
-              <a:off x="7869761" y="2813935"/>
+              <a:off x="7930331" y="2813895"/>
               <a:ext cx="63202" cy="63202"/>
             </a:xfrm>
             <a:custGeom>
@@ -35203,7 +35203,7 @@
           </p:nvSpPr>
           <p:spPr>
             <a:xfrm>
-              <a:off x="7353278" y="2585235"/>
+              <a:off x="7959820" y="2585250"/>
               <a:ext cx="63202" cy="63202"/>
             </a:xfrm>
             <a:custGeom>
@@ -35246,7 +35246,7 @@
           </p:nvSpPr>
           <p:spPr>
             <a:xfrm>
-              <a:off x="7560699" y="2552142"/>
+              <a:off x="8007892" y="2552156"/>
               <a:ext cx="63202" cy="63202"/>
             </a:xfrm>
             <a:custGeom>
@@ -35289,7 +35289,7 @@
           </p:nvSpPr>
           <p:spPr>
             <a:xfrm>
-              <a:off x="7545325" y="2556511"/>
+              <a:off x="8017014" y="2556520"/>
               <a:ext cx="63202" cy="63202"/>
             </a:xfrm>
             <a:custGeom>
@@ -35332,7 +35332,7 @@
           </p:nvSpPr>
           <p:spPr>
             <a:xfrm>
-              <a:off x="7871722" y="2550281"/>
+              <a:off x="7925223" y="2550302"/>
               <a:ext cx="63202" cy="63202"/>
             </a:xfrm>
             <a:custGeom>
@@ -35375,7 +35375,7 @@
           </p:nvSpPr>
           <p:spPr>
             <a:xfrm>
-              <a:off x="7780547" y="2269587"/>
+              <a:off x="8010013" y="2269605"/>
               <a:ext cx="63202" cy="63202"/>
             </a:xfrm>
             <a:custGeom>
@@ -35418,7 +35418,7 @@
           </p:nvSpPr>
           <p:spPr>
             <a:xfrm>
-              <a:off x="7363258" y="2573500"/>
+              <a:off x="7607587" y="2573496"/>
               <a:ext cx="63202" cy="63202"/>
             </a:xfrm>
             <a:custGeom>
@@ -35461,7 +35461,7 @@
           </p:nvSpPr>
           <p:spPr>
             <a:xfrm>
-              <a:off x="7566373" y="2583555"/>
+              <a:off x="7384869" y="2583562"/>
               <a:ext cx="63202" cy="63202"/>
             </a:xfrm>
             <a:custGeom>
@@ -35504,7 +35504,7 @@
           </p:nvSpPr>
           <p:spPr>
             <a:xfrm>
-              <a:off x="7559026" y="2549329"/>
+              <a:off x="7906259" y="2549356"/>
               <a:ext cx="63202" cy="63202"/>
             </a:xfrm>
             <a:custGeom>
@@ -35547,7 +35547,7 @@
           </p:nvSpPr>
           <p:spPr>
             <a:xfrm>
-              <a:off x="7736629" y="2548659"/>
+              <a:off x="7461025" y="2548673"/>
               <a:ext cx="63202" cy="63202"/>
             </a:xfrm>
             <a:custGeom>
@@ -35590,7 +35590,7 @@
           </p:nvSpPr>
           <p:spPr>
             <a:xfrm>
-              <a:off x="7551579" y="2574612"/>
+              <a:off x="7423064" y="2574638"/>
               <a:ext cx="63202" cy="63202"/>
             </a:xfrm>
             <a:custGeom>
@@ -35633,7 +35633,7 @@
           </p:nvSpPr>
           <p:spPr>
             <a:xfrm>
-              <a:off x="7713632" y="2659476"/>
+              <a:off x="7846553" y="2659483"/>
               <a:ext cx="63202" cy="63202"/>
             </a:xfrm>
             <a:custGeom>
@@ -35676,7 +35676,7 @@
           </p:nvSpPr>
           <p:spPr>
             <a:xfrm>
-              <a:off x="7992190" y="2579619"/>
+              <a:off x="7531426" y="2579625"/>
               <a:ext cx="63202" cy="63202"/>
             </a:xfrm>
             <a:custGeom>
@@ -35719,7 +35719,7 @@
           </p:nvSpPr>
           <p:spPr>
             <a:xfrm>
-              <a:off x="7457552" y="2585614"/>
+              <a:off x="7363709" y="2585610"/>
               <a:ext cx="63202" cy="63202"/>
             </a:xfrm>
             <a:custGeom>
@@ -35762,7 +35762,7 @@
           </p:nvSpPr>
           <p:spPr>
             <a:xfrm>
-              <a:off x="8010841" y="2573731"/>
+              <a:off x="7540532" y="2573719"/>
               <a:ext cx="63202" cy="63202"/>
             </a:xfrm>
             <a:custGeom>
@@ -35805,7 +35805,7 @@
           </p:nvSpPr>
           <p:spPr>
             <a:xfrm>
-              <a:off x="7481208" y="2582195"/>
+              <a:off x="7451084" y="2582198"/>
               <a:ext cx="63202" cy="63202"/>
             </a:xfrm>
             <a:custGeom>
@@ -35848,7 +35848,7 @@
           </p:nvSpPr>
           <p:spPr>
             <a:xfrm>
-              <a:off x="7488973" y="2572476"/>
+              <a:off x="7666678" y="2572492"/>
               <a:ext cx="63202" cy="63202"/>
             </a:xfrm>
             <a:custGeom>
@@ -35891,7 +35891,7 @@
           </p:nvSpPr>
           <p:spPr>
             <a:xfrm>
-              <a:off x="7367952" y="2557365"/>
+              <a:off x="7891757" y="2557389"/>
               <a:ext cx="63202" cy="63202"/>
             </a:xfrm>
             <a:custGeom>
@@ -35934,7 +35934,7 @@
           </p:nvSpPr>
           <p:spPr>
             <a:xfrm>
-              <a:off x="7367795" y="2578264"/>
+              <a:off x="7493241" y="2578260"/>
               <a:ext cx="63202" cy="63202"/>
             </a:xfrm>
             <a:custGeom>
@@ -35977,7 +35977,7 @@
           </p:nvSpPr>
           <p:spPr>
             <a:xfrm>
-              <a:off x="7585171" y="2671926"/>
+              <a:off x="7495709" y="2671899"/>
               <a:ext cx="63202" cy="63202"/>
             </a:xfrm>
             <a:custGeom>
@@ -36020,7 +36020,7 @@
           </p:nvSpPr>
           <p:spPr>
             <a:xfrm>
-              <a:off x="7625529" y="2548844"/>
+              <a:off x="7622233" y="2548825"/>
               <a:ext cx="63202" cy="63202"/>
             </a:xfrm>
             <a:custGeom>
@@ -36063,7 +36063,7 @@
           </p:nvSpPr>
           <p:spPr>
             <a:xfrm>
-              <a:off x="7762230" y="2552966"/>
+              <a:off x="7643911" y="2552976"/>
               <a:ext cx="63202" cy="63202"/>
             </a:xfrm>
             <a:custGeom>
@@ -36106,7 +36106,7 @@
           </p:nvSpPr>
           <p:spPr>
             <a:xfrm>
-              <a:off x="7356830" y="2585830"/>
+              <a:off x="7515273" y="2585834"/>
               <a:ext cx="63202" cy="63202"/>
             </a:xfrm>
             <a:custGeom>
@@ -36149,7 +36149,7 @@
           </p:nvSpPr>
           <p:spPr>
             <a:xfrm>
-              <a:off x="7816833" y="2572116"/>
+              <a:off x="7927998" y="2572121"/>
               <a:ext cx="63202" cy="63202"/>
             </a:xfrm>
             <a:custGeom>
@@ -36192,7 +36192,7 @@
           </p:nvSpPr>
           <p:spPr>
             <a:xfrm>
-              <a:off x="7660786" y="2576170"/>
+              <a:off x="7419547" y="2576182"/>
               <a:ext cx="63202" cy="63202"/>
             </a:xfrm>
             <a:custGeom>
@@ -36235,7 +36235,7 @@
           </p:nvSpPr>
           <p:spPr>
             <a:xfrm>
-              <a:off x="7521088" y="2574611"/>
+              <a:off x="7606327" y="2574637"/>
               <a:ext cx="63202" cy="63202"/>
             </a:xfrm>
             <a:custGeom>
@@ -36278,7 +36278,7 @@
           </p:nvSpPr>
           <p:spPr>
             <a:xfrm>
-              <a:off x="7380283" y="2256359"/>
+              <a:off x="7358754" y="2256352"/>
               <a:ext cx="63202" cy="63202"/>
             </a:xfrm>
             <a:custGeom>
@@ -36321,7 +36321,7 @@
           </p:nvSpPr>
           <p:spPr>
             <a:xfrm>
-              <a:off x="7620127" y="2583844"/>
+              <a:off x="7661086" y="2583856"/>
               <a:ext cx="63202" cy="63202"/>
             </a:xfrm>
             <a:custGeom>
@@ -36364,7 +36364,7 @@
           </p:nvSpPr>
           <p:spPr>
             <a:xfrm>
-              <a:off x="7504302" y="2683502"/>
+              <a:off x="7458750" y="2683479"/>
               <a:ext cx="63202" cy="63202"/>
             </a:xfrm>
             <a:custGeom>
@@ -36407,7 +36407,7 @@
           </p:nvSpPr>
           <p:spPr>
             <a:xfrm>
-              <a:off x="7976392" y="2572356"/>
+              <a:off x="7743343" y="2572344"/>
               <a:ext cx="63202" cy="63202"/>
             </a:xfrm>
             <a:custGeom>
@@ -36450,7 +36450,7 @@
           </p:nvSpPr>
           <p:spPr>
             <a:xfrm>
-              <a:off x="7958045" y="2256059"/>
+              <a:off x="7698974" y="2256089"/>
               <a:ext cx="63202" cy="63202"/>
             </a:xfrm>
             <a:custGeom>
@@ -36493,7 +36493,7 @@
           </p:nvSpPr>
           <p:spPr>
             <a:xfrm>
-              <a:off x="7403043" y="2553001"/>
+              <a:off x="7915165" y="2552999"/>
               <a:ext cx="63202" cy="63202"/>
             </a:xfrm>
             <a:custGeom>
@@ -36536,7 +36536,7 @@
           </p:nvSpPr>
           <p:spPr>
             <a:xfrm>
-              <a:off x="7862034" y="2562731"/>
+              <a:off x="7363522" y="2562740"/>
               <a:ext cx="63202" cy="63202"/>
             </a:xfrm>
             <a:custGeom>
@@ -36579,7 +36579,7 @@
           </p:nvSpPr>
           <p:spPr>
             <a:xfrm>
-              <a:off x="7572848" y="2555273"/>
+              <a:off x="7772402" y="2555289"/>
               <a:ext cx="63202" cy="63202"/>
             </a:xfrm>
             <a:custGeom>
@@ -36622,7 +36622,7 @@
           </p:nvSpPr>
           <p:spPr>
             <a:xfrm>
-              <a:off x="7337541" y="2557575"/>
+              <a:off x="7914086" y="2557563"/>
               <a:ext cx="63202" cy="63202"/>
             </a:xfrm>
             <a:custGeom>
@@ -36665,7 +36665,7 @@
           </p:nvSpPr>
           <p:spPr>
             <a:xfrm>
-              <a:off x="7406585" y="2557700"/>
+              <a:off x="7901942" y="2557693"/>
               <a:ext cx="63202" cy="63202"/>
             </a:xfrm>
             <a:custGeom>
@@ -36708,7 +36708,7 @@
           </p:nvSpPr>
           <p:spPr>
             <a:xfrm>
-              <a:off x="7744127" y="2558025"/>
+              <a:off x="7464100" y="2558009"/>
               <a:ext cx="63202" cy="63202"/>
             </a:xfrm>
             <a:custGeom>
@@ -36751,7 +36751,7 @@
           </p:nvSpPr>
           <p:spPr>
             <a:xfrm>
-              <a:off x="7410486" y="2559206"/>
+              <a:off x="7546568" y="2559190"/>
               <a:ext cx="63202" cy="63202"/>
             </a:xfrm>
             <a:custGeom>
@@ -36794,7 +36794,7 @@
           </p:nvSpPr>
           <p:spPr>
             <a:xfrm>
-              <a:off x="7592231" y="2553353"/>
+              <a:off x="7488760" y="2553346"/>
               <a:ext cx="63202" cy="63202"/>
             </a:xfrm>
             <a:custGeom>
@@ -36837,7 +36837,7 @@
           </p:nvSpPr>
           <p:spPr>
             <a:xfrm>
-              <a:off x="7596896" y="2592273"/>
+              <a:off x="7625523" y="2592278"/>
               <a:ext cx="63202" cy="63202"/>
             </a:xfrm>
             <a:custGeom>
@@ -36880,7 +36880,7 @@
           </p:nvSpPr>
           <p:spPr>
             <a:xfrm>
-              <a:off x="7547993" y="2568960"/>
+              <a:off x="7502337" y="2568936"/>
               <a:ext cx="63202" cy="63202"/>
             </a:xfrm>
             <a:custGeom>
@@ -36923,7 +36923,7 @@
           </p:nvSpPr>
           <p:spPr>
             <a:xfrm>
-              <a:off x="7758403" y="2555864"/>
+              <a:off x="7495886" y="2555879"/>
               <a:ext cx="63202" cy="63202"/>
             </a:xfrm>
             <a:custGeom>
@@ -36966,7 +36966,7 @@
           </p:nvSpPr>
           <p:spPr>
             <a:xfrm>
-              <a:off x="7867182" y="2622898"/>
+              <a:off x="7386147" y="2622879"/>
               <a:ext cx="63202" cy="63202"/>
             </a:xfrm>
             <a:custGeom>
@@ -37009,7 +37009,7 @@
           </p:nvSpPr>
           <p:spPr>
             <a:xfrm>
-              <a:off x="7384385" y="2469865"/>
+              <a:off x="7727464" y="2469862"/>
               <a:ext cx="63202" cy="63202"/>
             </a:xfrm>
             <a:custGeom>
@@ -37052,7 +37052,7 @@
           </p:nvSpPr>
           <p:spPr>
             <a:xfrm>
-              <a:off x="7801649" y="2555753"/>
+              <a:off x="7609653" y="2555722"/>
               <a:ext cx="63202" cy="63202"/>
             </a:xfrm>
             <a:custGeom>
@@ -37095,7 +37095,7 @@
           </p:nvSpPr>
           <p:spPr>
             <a:xfrm>
-              <a:off x="7362576" y="2557319"/>
+              <a:off x="7894956" y="2557337"/>
               <a:ext cx="63202" cy="63202"/>
             </a:xfrm>
             <a:custGeom>
@@ -37138,7 +37138,7 @@
           </p:nvSpPr>
           <p:spPr>
             <a:xfrm>
-              <a:off x="7964933" y="2556750"/>
+              <a:off x="7801388" y="2556747"/>
               <a:ext cx="63202" cy="63202"/>
             </a:xfrm>
             <a:custGeom>
@@ -37181,7 +37181,7 @@
           </p:nvSpPr>
           <p:spPr>
             <a:xfrm>
-              <a:off x="7568747" y="2557371"/>
+              <a:off x="7733428" y="2557363"/>
               <a:ext cx="63202" cy="63202"/>
             </a:xfrm>
             <a:custGeom>
@@ -37224,7 +37224,7 @@
           </p:nvSpPr>
           <p:spPr>
             <a:xfrm>
-              <a:off x="7371600" y="2550156"/>
+              <a:off x="7671230" y="2550164"/>
               <a:ext cx="63202" cy="63202"/>
             </a:xfrm>
             <a:custGeom>
@@ -37323,7 +37323,7 @@
           </p:nvSpPr>
           <p:spPr>
             <a:xfrm>
-              <a:off x="7192078" y="4740936"/>
+              <a:off x="7192078" y="4740928"/>
               <a:ext cx="2796732" cy="0"/>
             </a:xfrm>
             <a:custGeom>
@@ -37366,7 +37366,7 @@
           </p:nvSpPr>
           <p:spPr>
             <a:xfrm>
-              <a:off x="7192078" y="4286957"/>
+              <a:off x="7192078" y="4286961"/>
               <a:ext cx="2796732" cy="0"/>
             </a:xfrm>
             <a:custGeom>
@@ -37409,7 +37409,7 @@
           </p:nvSpPr>
           <p:spPr>
             <a:xfrm>
-              <a:off x="7192078" y="3832979"/>
+              <a:off x="7192078" y="3832994"/>
               <a:ext cx="2796732" cy="0"/>
             </a:xfrm>
             <a:custGeom>
@@ -37452,7 +37452,7 @@
           </p:nvSpPr>
           <p:spPr>
             <a:xfrm>
-              <a:off x="7192078" y="3379000"/>
+              <a:off x="7192078" y="3379027"/>
               <a:ext cx="2796732" cy="0"/>
             </a:xfrm>
             <a:custGeom>
@@ -37495,7 +37495,7 @@
           </p:nvSpPr>
           <p:spPr>
             <a:xfrm>
-              <a:off x="7192078" y="4967925"/>
+              <a:off x="7192078" y="4967911"/>
               <a:ext cx="2796732" cy="0"/>
             </a:xfrm>
             <a:custGeom>
@@ -37538,7 +37538,7 @@
           </p:nvSpPr>
           <p:spPr>
             <a:xfrm>
-              <a:off x="7192078" y="4513946"/>
+              <a:off x="7192078" y="4513944"/>
               <a:ext cx="2796732" cy="0"/>
             </a:xfrm>
             <a:custGeom>
@@ -37581,7 +37581,7 @@
           </p:nvSpPr>
           <p:spPr>
             <a:xfrm>
-              <a:off x="7192078" y="4059968"/>
+              <a:off x="7192078" y="4059977"/>
               <a:ext cx="2796732" cy="0"/>
             </a:xfrm>
             <a:custGeom>
@@ -37624,7 +37624,7 @@
           </p:nvSpPr>
           <p:spPr>
             <a:xfrm>
-              <a:off x="7192078" y="3605990"/>
+              <a:off x="7192078" y="3606010"/>
               <a:ext cx="2796732" cy="0"/>
             </a:xfrm>
             <a:custGeom>
@@ -37796,7 +37796,7 @@
           </p:nvSpPr>
           <p:spPr>
             <a:xfrm>
-              <a:off x="7733221" y="4442528"/>
+              <a:off x="7670902" y="4442518"/>
               <a:ext cx="63202" cy="63202"/>
             </a:xfrm>
             <a:custGeom>
@@ -37839,7 +37839,7 @@
           </p:nvSpPr>
           <p:spPr>
             <a:xfrm>
-              <a:off x="7975016" y="4365077"/>
+              <a:off x="7568733" y="4365077"/>
               <a:ext cx="63202" cy="63202"/>
             </a:xfrm>
             <a:custGeom>
@@ -37882,7 +37882,7 @@
           </p:nvSpPr>
           <p:spPr>
             <a:xfrm>
-              <a:off x="7739290" y="4516610"/>
+              <a:off x="7616102" y="4516630"/>
               <a:ext cx="63202" cy="63202"/>
             </a:xfrm>
             <a:custGeom>
@@ -37925,7 +37925,7 @@
           </p:nvSpPr>
           <p:spPr>
             <a:xfrm>
-              <a:off x="7650934" y="4441909"/>
+              <a:off x="7460636" y="4441905"/>
               <a:ext cx="63202" cy="63202"/>
             </a:xfrm>
             <a:custGeom>
@@ -37968,7 +37968,7 @@
           </p:nvSpPr>
           <p:spPr>
             <a:xfrm>
-              <a:off x="7861963" y="4504740"/>
+              <a:off x="7619102" y="4504707"/>
               <a:ext cx="63202" cy="63202"/>
             </a:xfrm>
             <a:custGeom>
@@ -38011,7 +38011,7 @@
           </p:nvSpPr>
           <p:spPr>
             <a:xfrm>
-              <a:off x="7953977" y="4407452"/>
+              <a:off x="7565170" y="4407431"/>
               <a:ext cx="63202" cy="63202"/>
             </a:xfrm>
             <a:custGeom>
@@ -38054,7 +38054,7 @@
           </p:nvSpPr>
           <p:spPr>
             <a:xfrm>
-              <a:off x="7628865" y="4388359"/>
+              <a:off x="7798130" y="4388380"/>
               <a:ext cx="63202" cy="63202"/>
             </a:xfrm>
             <a:custGeom>
@@ -38097,7 +38097,7 @@
           </p:nvSpPr>
           <p:spPr>
             <a:xfrm>
-              <a:off x="7385102" y="4445845"/>
+              <a:off x="7351684" y="4445853"/>
               <a:ext cx="63202" cy="63202"/>
             </a:xfrm>
             <a:custGeom>
@@ -38140,7 +38140,7 @@
           </p:nvSpPr>
           <p:spPr>
             <a:xfrm>
-              <a:off x="7886242" y="4475857"/>
+              <a:off x="7991382" y="4475843"/>
               <a:ext cx="63202" cy="63202"/>
             </a:xfrm>
             <a:custGeom>
@@ -38183,7 +38183,7 @@
           </p:nvSpPr>
           <p:spPr>
             <a:xfrm>
-              <a:off x="8007035" y="4371741"/>
+              <a:off x="7430861" y="4371751"/>
               <a:ext cx="63202" cy="63202"/>
             </a:xfrm>
             <a:custGeom>
@@ -38226,7 +38226,7 @@
           </p:nvSpPr>
           <p:spPr>
             <a:xfrm>
-              <a:off x="7974582" y="4356690"/>
+              <a:off x="7384510" y="4356681"/>
               <a:ext cx="63202" cy="63202"/>
             </a:xfrm>
             <a:custGeom>
@@ -38269,7 +38269,7 @@
           </p:nvSpPr>
           <p:spPr>
             <a:xfrm>
-              <a:off x="7948280" y="4415513"/>
+              <a:off x="7713521" y="4415518"/>
               <a:ext cx="63202" cy="63202"/>
             </a:xfrm>
             <a:custGeom>
@@ -38312,7 +38312,7 @@
           </p:nvSpPr>
           <p:spPr>
             <a:xfrm>
-              <a:off x="7683563" y="4357151"/>
+              <a:off x="7846601" y="4357137"/>
               <a:ext cx="63202" cy="63202"/>
             </a:xfrm>
             <a:custGeom>
@@ -38355,7 +38355,7 @@
           </p:nvSpPr>
           <p:spPr>
             <a:xfrm>
-              <a:off x="7523047" y="4387705"/>
+              <a:off x="7366644" y="4387692"/>
               <a:ext cx="63202" cy="63202"/>
             </a:xfrm>
             <a:custGeom>
@@ -39850,7 +39850,7 @@
           </p:nvSpPr>
           <p:spPr>
             <a:xfrm>
-              <a:off x="1334650" y="3000900"/>
+              <a:off x="1334650" y="3000887"/>
               <a:ext cx="62155" cy="81691"/>
             </a:xfrm>
             <a:prstGeom prst="rect">
@@ -39896,7 +39896,7 @@
           </p:nvSpPr>
           <p:spPr>
             <a:xfrm>
-              <a:off x="1148183" y="2546922"/>
+              <a:off x="1148183" y="2546920"/>
               <a:ext cx="248622" cy="81691"/>
             </a:xfrm>
             <a:prstGeom prst="rect">
@@ -39942,7 +39942,7 @@
           </p:nvSpPr>
           <p:spPr>
             <a:xfrm>
-              <a:off x="1148183" y="2092944"/>
+              <a:off x="1148183" y="2092953"/>
               <a:ext cx="248622" cy="81691"/>
             </a:xfrm>
             <a:prstGeom prst="rect">
@@ -39988,7 +39988,7 @@
           </p:nvSpPr>
           <p:spPr>
             <a:xfrm>
-              <a:off x="1148183" y="1638911"/>
+              <a:off x="1148183" y="1638931"/>
               <a:ext cx="248622" cy="81746"/>
             </a:xfrm>
             <a:prstGeom prst="rect">
@@ -40034,7 +40034,7 @@
           </p:nvSpPr>
           <p:spPr>
             <a:xfrm>
-              <a:off x="1424641" y="3042592"/>
+              <a:off x="1424641" y="3042578"/>
               <a:ext cx="34794" cy="0"/>
             </a:xfrm>
             <a:custGeom>
@@ -40074,7 +40074,7 @@
           </p:nvSpPr>
           <p:spPr>
             <a:xfrm>
-              <a:off x="1424641" y="2588614"/>
+              <a:off x="1424641" y="2588612"/>
               <a:ext cx="34794" cy="0"/>
             </a:xfrm>
             <a:custGeom>
@@ -40114,7 +40114,7 @@
           </p:nvSpPr>
           <p:spPr>
             <a:xfrm>
-              <a:off x="1424641" y="2134635"/>
+              <a:off x="1424641" y="2134645"/>
               <a:ext cx="34794" cy="0"/>
             </a:xfrm>
             <a:custGeom>
@@ -40154,7 +40154,7 @@
           </p:nvSpPr>
           <p:spPr>
             <a:xfrm>
-              <a:off x="1424641" y="1680657"/>
+              <a:off x="1424641" y="1680678"/>
               <a:ext cx="34794" cy="0"/>
             </a:xfrm>
             <a:custGeom>
@@ -40194,7 +40194,7 @@
           </p:nvSpPr>
           <p:spPr>
             <a:xfrm>
-              <a:off x="1334650" y="4926233"/>
+              <a:off x="1334650" y="4926219"/>
               <a:ext cx="62155" cy="81691"/>
             </a:xfrm>
             <a:prstGeom prst="rect">
@@ -40240,7 +40240,7 @@
           </p:nvSpPr>
           <p:spPr>
             <a:xfrm>
-              <a:off x="1148183" y="4472255"/>
+              <a:off x="1148183" y="4472252"/>
               <a:ext cx="248622" cy="81691"/>
             </a:xfrm>
             <a:prstGeom prst="rect">
@@ -40286,7 +40286,7 @@
           </p:nvSpPr>
           <p:spPr>
             <a:xfrm>
-              <a:off x="1148183" y="4018276"/>
+              <a:off x="1148183" y="4018285"/>
               <a:ext cx="248622" cy="81691"/>
             </a:xfrm>
             <a:prstGeom prst="rect">
@@ -40332,7 +40332,7 @@
           </p:nvSpPr>
           <p:spPr>
             <a:xfrm>
-              <a:off x="1148183" y="3564243"/>
+              <a:off x="1148183" y="3564264"/>
               <a:ext cx="248622" cy="81746"/>
             </a:xfrm>
             <a:prstGeom prst="rect">
@@ -40378,7 +40378,7 @@
           </p:nvSpPr>
           <p:spPr>
             <a:xfrm>
-              <a:off x="1424641" y="4967925"/>
+              <a:off x="1424641" y="4967911"/>
               <a:ext cx="34794" cy="0"/>
             </a:xfrm>
             <a:custGeom>
@@ -40418,7 +40418,7 @@
           </p:nvSpPr>
           <p:spPr>
             <a:xfrm>
-              <a:off x="1424641" y="4513946"/>
+              <a:off x="1424641" y="4513944"/>
               <a:ext cx="34794" cy="0"/>
             </a:xfrm>
             <a:custGeom>
@@ -40458,7 +40458,7 @@
           </p:nvSpPr>
           <p:spPr>
             <a:xfrm>
-              <a:off x="1424641" y="4059968"/>
+              <a:off x="1424641" y="4059977"/>
               <a:ext cx="34794" cy="0"/>
             </a:xfrm>
             <a:custGeom>
@@ -40498,7 +40498,7 @@
           </p:nvSpPr>
           <p:spPr>
             <a:xfrm>
-              <a:off x="1424641" y="3605990"/>
+              <a:off x="1424641" y="3606010"/>
               <a:ext cx="34794" cy="0"/>
             </a:xfrm>
             <a:custGeom>
@@ -40538,7 +40538,7 @@
           </p:nvSpPr>
           <p:spPr>
             <a:xfrm>
-              <a:off x="1334650" y="6851566"/>
+              <a:off x="1334650" y="6851552"/>
               <a:ext cx="62155" cy="81691"/>
             </a:xfrm>
             <a:prstGeom prst="rect">
@@ -40584,7 +40584,7 @@
           </p:nvSpPr>
           <p:spPr>
             <a:xfrm>
-              <a:off x="1148183" y="6397587"/>
+              <a:off x="1148183" y="6397585"/>
               <a:ext cx="248622" cy="81691"/>
             </a:xfrm>
             <a:prstGeom prst="rect">
@@ -40630,7 +40630,7 @@
           </p:nvSpPr>
           <p:spPr>
             <a:xfrm>
-              <a:off x="1148183" y="5943609"/>
+              <a:off x="1148183" y="5943618"/>
               <a:ext cx="248622" cy="81691"/>
             </a:xfrm>
             <a:prstGeom prst="rect">
@@ -40676,7 +40676,7 @@
           </p:nvSpPr>
           <p:spPr>
             <a:xfrm>
-              <a:off x="1148183" y="5489576"/>
+              <a:off x="1148183" y="5489596"/>
               <a:ext cx="248622" cy="81746"/>
             </a:xfrm>
             <a:prstGeom prst="rect">
@@ -40722,7 +40722,7 @@
           </p:nvSpPr>
           <p:spPr>
             <a:xfrm>
-              <a:off x="1424641" y="6893257"/>
+              <a:off x="1424641" y="6893244"/>
               <a:ext cx="34794" cy="0"/>
             </a:xfrm>
             <a:custGeom>
@@ -40762,7 +40762,7 @@
           </p:nvSpPr>
           <p:spPr>
             <a:xfrm>
-              <a:off x="1424641" y="6439279"/>
+              <a:off x="1424641" y="6439277"/>
               <a:ext cx="34794" cy="0"/>
             </a:xfrm>
             <a:custGeom>
@@ -40802,7 +40802,7 @@
           </p:nvSpPr>
           <p:spPr>
             <a:xfrm>
-              <a:off x="1424641" y="5985301"/>
+              <a:off x="1424641" y="5985310"/>
               <a:ext cx="34794" cy="0"/>
             </a:xfrm>
             <a:custGeom>
@@ -40842,7 +40842,7 @@
           </p:nvSpPr>
           <p:spPr>
             <a:xfrm>
-              <a:off x="1424641" y="5531322"/>
+              <a:off x="1424641" y="5531343"/>
               <a:ext cx="34794" cy="0"/>
             </a:xfrm>
             <a:custGeom>

--- a/Images/Figures_PPT/Jitter_Plot_TOR_All.pptx
+++ b/Images/Figures_PPT/Jitter_Plot_TOR_All.pptx
@@ -2359,7 +2359,7 @@
           </p:nvSpPr>
           <p:spPr>
             <a:xfrm>
-              <a:off x="1459435" y="2815595"/>
+              <a:off x="1459435" y="2815604"/>
               <a:ext cx="2796732" cy="0"/>
             </a:xfrm>
             <a:custGeom>
@@ -2402,7 +2402,7 @@
           </p:nvSpPr>
           <p:spPr>
             <a:xfrm>
-              <a:off x="1459435" y="2361628"/>
+              <a:off x="1459435" y="2361629"/>
               <a:ext cx="2796732" cy="0"/>
             </a:xfrm>
             <a:custGeom>
@@ -2445,7 +2445,7 @@
           </p:nvSpPr>
           <p:spPr>
             <a:xfrm>
-              <a:off x="1459435" y="1907661"/>
+              <a:off x="1459435" y="1907653"/>
               <a:ext cx="2796732" cy="0"/>
             </a:xfrm>
             <a:custGeom>
@@ -2488,7 +2488,7 @@
           </p:nvSpPr>
           <p:spPr>
             <a:xfrm>
-              <a:off x="1459435" y="1453694"/>
+              <a:off x="1459435" y="1453677"/>
               <a:ext cx="2796732" cy="0"/>
             </a:xfrm>
             <a:custGeom>
@@ -2531,7 +2531,7 @@
           </p:nvSpPr>
           <p:spPr>
             <a:xfrm>
-              <a:off x="1459435" y="3042578"/>
+              <a:off x="1459435" y="3042592"/>
               <a:ext cx="2796732" cy="0"/>
             </a:xfrm>
             <a:custGeom>
@@ -2574,7 +2574,7 @@
           </p:nvSpPr>
           <p:spPr>
             <a:xfrm>
-              <a:off x="1459435" y="2588612"/>
+              <a:off x="1459435" y="2588616"/>
               <a:ext cx="2796732" cy="0"/>
             </a:xfrm>
             <a:custGeom>
@@ -2617,7 +2617,7 @@
           </p:nvSpPr>
           <p:spPr>
             <a:xfrm>
-              <a:off x="1459435" y="2134645"/>
+              <a:off x="1459435" y="2134641"/>
               <a:ext cx="2796732" cy="0"/>
             </a:xfrm>
             <a:custGeom>
@@ -2660,7 +2660,7 @@
           </p:nvSpPr>
           <p:spPr>
             <a:xfrm>
-              <a:off x="1459435" y="1680678"/>
+              <a:off x="1459435" y="1680665"/>
               <a:ext cx="2796732" cy="0"/>
             </a:xfrm>
             <a:custGeom>
@@ -2832,7 +2832,7 @@
           </p:nvSpPr>
           <p:spPr>
             <a:xfrm>
-              <a:off x="2522788" y="2907122"/>
+              <a:off x="3094271" y="2907121"/>
               <a:ext cx="63202" cy="63202"/>
             </a:xfrm>
             <a:custGeom>
@@ -2875,7 +2875,7 @@
           </p:nvSpPr>
           <p:spPr>
             <a:xfrm>
-              <a:off x="1766975" y="2419746"/>
+              <a:off x="2295732" y="2419736"/>
               <a:ext cx="63202" cy="63202"/>
             </a:xfrm>
             <a:custGeom>
@@ -2918,7 +2918,7 @@
           </p:nvSpPr>
           <p:spPr>
             <a:xfrm>
-              <a:off x="1753352" y="2585739"/>
+              <a:off x="1857823" y="2585753"/>
               <a:ext cx="63202" cy="63202"/>
             </a:xfrm>
             <a:custGeom>
@@ -2961,7 +2961,7 @@
           </p:nvSpPr>
           <p:spPr>
             <a:xfrm>
-              <a:off x="2840018" y="2899672"/>
+              <a:off x="2982018" y="2899659"/>
               <a:ext cx="63202" cy="63202"/>
             </a:xfrm>
             <a:custGeom>
@@ -3004,7 +3004,7 @@
           </p:nvSpPr>
           <p:spPr>
             <a:xfrm>
-              <a:off x="2174326" y="2784209"/>
+              <a:off x="1638350" y="2784232"/>
               <a:ext cx="63202" cy="63202"/>
             </a:xfrm>
             <a:custGeom>
@@ -3047,7 +3047,7 @@
           </p:nvSpPr>
           <p:spPr>
             <a:xfrm>
-              <a:off x="1955113" y="2808337"/>
+              <a:off x="1746320" y="2808322"/>
               <a:ext cx="63202" cy="63202"/>
             </a:xfrm>
             <a:custGeom>
@@ -3090,7 +3090,7 @@
           </p:nvSpPr>
           <p:spPr>
             <a:xfrm>
-              <a:off x="1969921" y="2359929"/>
+              <a:off x="2110773" y="2359934"/>
               <a:ext cx="63202" cy="63202"/>
             </a:xfrm>
             <a:custGeom>
@@ -3133,7 +3133,7 @@
           </p:nvSpPr>
           <p:spPr>
             <a:xfrm>
-              <a:off x="2137825" y="2513674"/>
+              <a:off x="1731457" y="2513672"/>
               <a:ext cx="63202" cy="63202"/>
             </a:xfrm>
             <a:custGeom>
@@ -3176,7 +3176,7 @@
           </p:nvSpPr>
           <p:spPr>
             <a:xfrm>
-              <a:off x="2030015" y="2680951"/>
+              <a:off x="1637405" y="2680955"/>
               <a:ext cx="63202" cy="63202"/>
             </a:xfrm>
             <a:custGeom>
@@ -3219,7 +3219,7 @@
           </p:nvSpPr>
           <p:spPr>
             <a:xfrm>
-              <a:off x="2026808" y="2485508"/>
+              <a:off x="2136736" y="2485503"/>
               <a:ext cx="63202" cy="63202"/>
             </a:xfrm>
             <a:custGeom>
@@ -3262,7 +3262,7 @@
           </p:nvSpPr>
           <p:spPr>
             <a:xfrm>
-              <a:off x="2158975" y="2799382"/>
+              <a:off x="1808519" y="2799390"/>
               <a:ext cx="63202" cy="63202"/>
             </a:xfrm>
             <a:custGeom>
@@ -3305,7 +3305,7 @@
           </p:nvSpPr>
           <p:spPr>
             <a:xfrm>
-              <a:off x="3095193" y="2935470"/>
+              <a:off x="3023139" y="2935483"/>
               <a:ext cx="63202" cy="63202"/>
             </a:xfrm>
             <a:custGeom>
@@ -3348,7 +3348,7 @@
           </p:nvSpPr>
           <p:spPr>
             <a:xfrm>
-              <a:off x="1984278" y="2513347"/>
+              <a:off x="2240100" y="2513359"/>
               <a:ext cx="63202" cy="63202"/>
             </a:xfrm>
             <a:custGeom>
@@ -3391,7 +3391,7 @@
           </p:nvSpPr>
           <p:spPr>
             <a:xfrm>
-              <a:off x="2099690" y="2807719"/>
+              <a:off x="1646278" y="2807759"/>
               <a:ext cx="63202" cy="63202"/>
             </a:xfrm>
             <a:custGeom>
@@ -3434,7 +3434,7 @@
           </p:nvSpPr>
           <p:spPr>
             <a:xfrm>
-              <a:off x="1901493" y="2701790"/>
+              <a:off x="2212906" y="2701789"/>
               <a:ext cx="63202" cy="63202"/>
             </a:xfrm>
             <a:custGeom>
@@ -3477,7 +3477,7 @@
           </p:nvSpPr>
           <p:spPr>
             <a:xfrm>
-              <a:off x="1705338" y="2680961"/>
+              <a:off x="1611059" y="2680960"/>
               <a:ext cx="63202" cy="63202"/>
             </a:xfrm>
             <a:custGeom>
@@ -3520,7 +3520,7 @@
           </p:nvSpPr>
           <p:spPr>
             <a:xfrm>
-              <a:off x="2282697" y="2808728"/>
+              <a:off x="1816588" y="2808744"/>
               <a:ext cx="63202" cy="63202"/>
             </a:xfrm>
             <a:custGeom>
@@ -3563,7 +3563,7 @@
           </p:nvSpPr>
           <p:spPr>
             <a:xfrm>
-              <a:off x="2669142" y="2929505"/>
+              <a:off x="3061665" y="2929489"/>
               <a:ext cx="63202" cy="63202"/>
             </a:xfrm>
             <a:custGeom>
@@ -3606,7 +3606,7 @@
           </p:nvSpPr>
           <p:spPr>
             <a:xfrm>
-              <a:off x="1767108" y="2859531"/>
+              <a:off x="1720499" y="2859546"/>
               <a:ext cx="63202" cy="63202"/>
             </a:xfrm>
             <a:custGeom>
@@ -3649,7 +3649,7 @@
           </p:nvSpPr>
           <p:spPr>
             <a:xfrm>
-              <a:off x="1736923" y="2485499"/>
+              <a:off x="2074211" y="2485521"/>
               <a:ext cx="63202" cy="63202"/>
             </a:xfrm>
             <a:custGeom>
@@ -3692,7 +3692,7 @@
           </p:nvSpPr>
           <p:spPr>
             <a:xfrm>
-              <a:off x="1776163" y="2666763"/>
+              <a:off x="1685075" y="2666800"/>
               <a:ext cx="63202" cy="63202"/>
             </a:xfrm>
             <a:custGeom>
@@ -3735,7 +3735,7 @@
           </p:nvSpPr>
           <p:spPr>
             <a:xfrm>
-              <a:off x="1995286" y="2809651"/>
+              <a:off x="2159681" y="2809644"/>
               <a:ext cx="63202" cy="63202"/>
             </a:xfrm>
             <a:custGeom>
@@ -3778,7 +3778,7 @@
           </p:nvSpPr>
           <p:spPr>
             <a:xfrm>
-              <a:off x="1671783" y="2514239"/>
+              <a:off x="2161162" y="2514249"/>
               <a:ext cx="63202" cy="63202"/>
             </a:xfrm>
             <a:custGeom>
@@ -3821,7 +3821,7 @@
           </p:nvSpPr>
           <p:spPr>
             <a:xfrm>
-              <a:off x="1658370" y="2821385"/>
+              <a:off x="1929982" y="2821413"/>
               <a:ext cx="63202" cy="63202"/>
             </a:xfrm>
             <a:custGeom>
@@ -3864,7 +3864,7 @@
           </p:nvSpPr>
           <p:spPr>
             <a:xfrm>
-              <a:off x="1900922" y="2768739"/>
+              <a:off x="1880804" y="2768747"/>
               <a:ext cx="63202" cy="63202"/>
             </a:xfrm>
             <a:custGeom>
@@ -3907,7 +3907,7 @@
           </p:nvSpPr>
           <p:spPr>
             <a:xfrm>
-              <a:off x="2061909" y="2680732"/>
+              <a:off x="1892330" y="2680717"/>
               <a:ext cx="63202" cy="63202"/>
             </a:xfrm>
             <a:custGeom>
@@ -3950,7 +3950,7 @@
           </p:nvSpPr>
           <p:spPr>
             <a:xfrm>
-              <a:off x="1653372" y="2681346"/>
+              <a:off x="1915532" y="2681373"/>
               <a:ext cx="63202" cy="63202"/>
             </a:xfrm>
             <a:custGeom>
@@ -3993,7 +3993,7 @@
           </p:nvSpPr>
           <p:spPr>
             <a:xfrm>
-              <a:off x="1851782" y="2681178"/>
+              <a:off x="2090778" y="2681193"/>
               <a:ext cx="63202" cy="63202"/>
             </a:xfrm>
             <a:custGeom>
@@ -4036,7 +4036,7 @@
           </p:nvSpPr>
           <p:spPr>
             <a:xfrm>
-              <a:off x="1803144" y="2681477"/>
+              <a:off x="1945374" y="2681499"/>
               <a:ext cx="63202" cy="63202"/>
             </a:xfrm>
             <a:custGeom>
@@ -4079,7 +4079,7 @@
           </p:nvSpPr>
           <p:spPr>
             <a:xfrm>
-              <a:off x="2131977" y="2680257"/>
+              <a:off x="1922658" y="2680258"/>
               <a:ext cx="63202" cy="63202"/>
             </a:xfrm>
             <a:custGeom>
@@ -4122,7 +4122,7 @@
           </p:nvSpPr>
           <p:spPr>
             <a:xfrm>
-              <a:off x="2079797" y="2681199"/>
+              <a:off x="1717493" y="2681218"/>
               <a:ext cx="63202" cy="63202"/>
             </a:xfrm>
             <a:custGeom>
@@ -4165,7 +4165,7 @@
           </p:nvSpPr>
           <p:spPr>
             <a:xfrm>
-              <a:off x="2174231" y="2680278"/>
+              <a:off x="1641081" y="2680266"/>
               <a:ext cx="63202" cy="63202"/>
             </a:xfrm>
             <a:custGeom>
@@ -4208,7 +4208,7 @@
           </p:nvSpPr>
           <p:spPr>
             <a:xfrm>
-              <a:off x="1907684" y="2679662"/>
+              <a:off x="1777412" y="2679661"/>
               <a:ext cx="63202" cy="63202"/>
             </a:xfrm>
             <a:custGeom>
@@ -4251,7 +4251,7 @@
           </p:nvSpPr>
           <p:spPr>
             <a:xfrm>
-              <a:off x="2003141" y="2680938"/>
+              <a:off x="2064026" y="2680933"/>
               <a:ext cx="63202" cy="63202"/>
             </a:xfrm>
             <a:custGeom>
@@ -4294,7 +4294,7 @@
           </p:nvSpPr>
           <p:spPr>
             <a:xfrm>
-              <a:off x="2189190" y="2865350"/>
+              <a:off x="2081709" y="2865348"/>
               <a:ext cx="63202" cy="63202"/>
             </a:xfrm>
             <a:custGeom>
@@ -4337,7 +4337,7 @@
           </p:nvSpPr>
           <p:spPr>
             <a:xfrm>
-              <a:off x="2670044" y="2883265"/>
+              <a:off x="2849929" y="2883270"/>
               <a:ext cx="63202" cy="63202"/>
             </a:xfrm>
             <a:custGeom>
@@ -4380,7 +4380,7 @@
           </p:nvSpPr>
           <p:spPr>
             <a:xfrm>
-              <a:off x="2482318" y="2913194"/>
+              <a:off x="3145214" y="2913204"/>
               <a:ext cx="63202" cy="63202"/>
             </a:xfrm>
             <a:custGeom>
@@ -4423,7 +4423,7 @@
           </p:nvSpPr>
           <p:spPr>
             <a:xfrm>
-              <a:off x="3954058" y="2950419"/>
+              <a:off x="3957236" y="2950434"/>
               <a:ext cx="63202" cy="63202"/>
             </a:xfrm>
             <a:custGeom>
@@ -4466,7 +4466,7 @@
           </p:nvSpPr>
           <p:spPr>
             <a:xfrm>
-              <a:off x="2758494" y="2926804"/>
+              <a:off x="2504523" y="2926818"/>
               <a:ext cx="63202" cy="63202"/>
             </a:xfrm>
             <a:custGeom>
@@ -4509,7 +4509,7 @@
           </p:nvSpPr>
           <p:spPr>
             <a:xfrm>
-              <a:off x="2744480" y="2897093"/>
+              <a:off x="2483854" y="2897089"/>
               <a:ext cx="63202" cy="63202"/>
             </a:xfrm>
             <a:custGeom>
@@ -4552,7 +4552,7 @@
           </p:nvSpPr>
           <p:spPr>
             <a:xfrm>
-              <a:off x="2646065" y="2933172"/>
+              <a:off x="2516157" y="2933188"/>
               <a:ext cx="63202" cy="63202"/>
             </a:xfrm>
             <a:custGeom>
@@ -4595,7 +4595,7 @@
           </p:nvSpPr>
           <p:spPr>
             <a:xfrm>
-              <a:off x="1718169" y="2475221"/>
+              <a:off x="1852198" y="2475219"/>
               <a:ext cx="63202" cy="63202"/>
             </a:xfrm>
             <a:custGeom>
@@ -4638,7 +4638,7 @@
           </p:nvSpPr>
           <p:spPr>
             <a:xfrm>
-              <a:off x="2942016" y="2880000"/>
+              <a:off x="2983568" y="2880013"/>
               <a:ext cx="63202" cy="63202"/>
             </a:xfrm>
             <a:custGeom>
@@ -4681,7 +4681,7 @@
           </p:nvSpPr>
           <p:spPr>
             <a:xfrm>
-              <a:off x="2140152" y="2856496"/>
+              <a:off x="2023544" y="2856515"/>
               <a:ext cx="63202" cy="63202"/>
             </a:xfrm>
             <a:custGeom>
@@ -4724,7 +4724,7 @@
           </p:nvSpPr>
           <p:spPr>
             <a:xfrm>
-              <a:off x="2255194" y="2564368"/>
+              <a:off x="2240435" y="2564372"/>
               <a:ext cx="63202" cy="63202"/>
             </a:xfrm>
             <a:custGeom>
@@ -4767,7 +4767,7 @@
           </p:nvSpPr>
           <p:spPr>
             <a:xfrm>
-              <a:off x="1663542" y="2808781"/>
+              <a:off x="2250379" y="2808804"/>
               <a:ext cx="63202" cy="63202"/>
             </a:xfrm>
             <a:custGeom>
@@ -4810,7 +4810,7 @@
           </p:nvSpPr>
           <p:spPr>
             <a:xfrm>
-              <a:off x="2293565" y="2803640"/>
+              <a:off x="1640414" y="2803677"/>
               <a:ext cx="63202" cy="63202"/>
             </a:xfrm>
             <a:custGeom>
@@ -4853,7 +4853,7 @@
           </p:nvSpPr>
           <p:spPr>
             <a:xfrm>
-              <a:off x="1705229" y="2813247"/>
+              <a:off x="1763208" y="2813237"/>
               <a:ext cx="63202" cy="63202"/>
             </a:xfrm>
             <a:custGeom>
@@ -4896,7 +4896,7 @@
           </p:nvSpPr>
           <p:spPr>
             <a:xfrm>
-              <a:off x="2148793" y="2809525"/>
+              <a:off x="1798891" y="2809522"/>
               <a:ext cx="63202" cy="63202"/>
             </a:xfrm>
             <a:custGeom>
@@ -4939,7 +4939,7 @@
           </p:nvSpPr>
           <p:spPr>
             <a:xfrm>
-              <a:off x="1801305" y="2862625"/>
+              <a:off x="1794644" y="2862627"/>
               <a:ext cx="63202" cy="63202"/>
             </a:xfrm>
             <a:custGeom>
@@ -4982,7 +4982,7 @@
           </p:nvSpPr>
           <p:spPr>
             <a:xfrm>
-              <a:off x="1799726" y="2644809"/>
+              <a:off x="1680816" y="2644803"/>
               <a:ext cx="63202" cy="63202"/>
             </a:xfrm>
             <a:custGeom>
@@ -5025,7 +5025,7 @@
           </p:nvSpPr>
           <p:spPr>
             <a:xfrm>
-              <a:off x="2075878" y="2639406"/>
+              <a:off x="1641561" y="2639423"/>
               <a:ext cx="63202" cy="63202"/>
             </a:xfrm>
             <a:custGeom>
@@ -5068,7 +5068,7 @@
           </p:nvSpPr>
           <p:spPr>
             <a:xfrm>
-              <a:off x="2261528" y="2865118"/>
+              <a:off x="2075458" y="2865111"/>
               <a:ext cx="63202" cy="63202"/>
             </a:xfrm>
             <a:custGeom>
@@ -5111,7 +5111,7 @@
           </p:nvSpPr>
           <p:spPr>
             <a:xfrm>
-              <a:off x="2619943" y="2932770"/>
+              <a:off x="2970161" y="2932754"/>
               <a:ext cx="63202" cy="63202"/>
             </a:xfrm>
             <a:custGeom>
@@ -5154,7 +5154,7 @@
           </p:nvSpPr>
           <p:spPr>
             <a:xfrm>
-              <a:off x="2286788" y="2806041"/>
+              <a:off x="2062514" y="2806068"/>
               <a:ext cx="63202" cy="63202"/>
             </a:xfrm>
             <a:custGeom>
@@ -5197,7 +5197,7 @@
           </p:nvSpPr>
           <p:spPr>
             <a:xfrm>
-              <a:off x="2285395" y="2808853"/>
+              <a:off x="1995111" y="2808873"/>
               <a:ext cx="63202" cy="63202"/>
             </a:xfrm>
             <a:custGeom>
@@ -5240,7 +5240,7 @@
           </p:nvSpPr>
           <p:spPr>
             <a:xfrm>
-              <a:off x="1621867" y="2811092"/>
+              <a:off x="1771923" y="2811093"/>
               <a:ext cx="63202" cy="63202"/>
             </a:xfrm>
             <a:custGeom>
@@ -5283,7 +5283,7 @@
           </p:nvSpPr>
           <p:spPr>
             <a:xfrm>
-              <a:off x="1713467" y="2808922"/>
+              <a:off x="2298327" y="2808928"/>
               <a:ext cx="63202" cy="63202"/>
             </a:xfrm>
             <a:custGeom>
@@ -5326,7 +5326,7 @@
           </p:nvSpPr>
           <p:spPr>
             <a:xfrm>
-              <a:off x="2166959" y="2688699"/>
+              <a:off x="2198578" y="2688731"/>
               <a:ext cx="63202" cy="63202"/>
             </a:xfrm>
             <a:custGeom>
@@ -5369,7 +5369,7 @@
           </p:nvSpPr>
           <p:spPr>
             <a:xfrm>
-              <a:off x="2247943" y="2485477"/>
+              <a:off x="2142909" y="2485463"/>
               <a:ext cx="63202" cy="63202"/>
             </a:xfrm>
             <a:custGeom>
@@ -5412,7 +5412,7 @@
           </p:nvSpPr>
           <p:spPr>
             <a:xfrm>
-              <a:off x="1951072" y="2475656"/>
+              <a:off x="2010561" y="2475655"/>
               <a:ext cx="63202" cy="63202"/>
             </a:xfrm>
             <a:custGeom>
@@ -5455,7 +5455,7 @@
           </p:nvSpPr>
           <p:spPr>
             <a:xfrm>
-              <a:off x="2065048" y="2796125"/>
+              <a:off x="1954446" y="2796114"/>
               <a:ext cx="63202" cy="63202"/>
             </a:xfrm>
             <a:custGeom>
@@ -5498,7 +5498,7 @@
           </p:nvSpPr>
           <p:spPr>
             <a:xfrm>
-              <a:off x="3121755" y="2875799"/>
+              <a:off x="3003193" y="2875790"/>
               <a:ext cx="63202" cy="63202"/>
             </a:xfrm>
             <a:custGeom>
@@ -5541,7 +5541,7 @@
           </p:nvSpPr>
           <p:spPr>
             <a:xfrm>
-              <a:off x="2500827" y="2897356"/>
+              <a:off x="2710025" y="2897358"/>
               <a:ext cx="63202" cy="63202"/>
             </a:xfrm>
             <a:custGeom>
@@ -5584,7 +5584,7 @@
           </p:nvSpPr>
           <p:spPr>
             <a:xfrm>
-              <a:off x="1922234" y="2858731"/>
+              <a:off x="1728784" y="2858726"/>
               <a:ext cx="63202" cy="63202"/>
             </a:xfrm>
             <a:custGeom>
@@ -5627,7 +5627,7 @@
           </p:nvSpPr>
           <p:spPr>
             <a:xfrm>
-              <a:off x="1826855" y="2793563"/>
+              <a:off x="1855997" y="2793589"/>
               <a:ext cx="63202" cy="63202"/>
             </a:xfrm>
             <a:custGeom>
@@ -5670,7 +5670,7 @@
           </p:nvSpPr>
           <p:spPr>
             <a:xfrm>
-              <a:off x="1911295" y="2851866"/>
+              <a:off x="1652557" y="2851873"/>
               <a:ext cx="63202" cy="63202"/>
             </a:xfrm>
             <a:custGeom>
@@ -5713,7 +5713,7 @@
           </p:nvSpPr>
           <p:spPr>
             <a:xfrm>
-              <a:off x="1755219" y="2858593"/>
+              <a:off x="1706542" y="2858607"/>
               <a:ext cx="63202" cy="63202"/>
             </a:xfrm>
             <a:custGeom>
@@ -5756,7 +5756,7 @@
           </p:nvSpPr>
           <p:spPr>
             <a:xfrm>
-              <a:off x="2050444" y="2809641"/>
+              <a:off x="1783702" y="2809665"/>
               <a:ext cx="63202" cy="63202"/>
             </a:xfrm>
             <a:custGeom>
@@ -5799,7 +5799,7 @@
           </p:nvSpPr>
           <p:spPr>
             <a:xfrm>
-              <a:off x="2200899" y="2812419"/>
+              <a:off x="1794287" y="2812435"/>
               <a:ext cx="63202" cy="63202"/>
             </a:xfrm>
             <a:custGeom>
@@ -5842,7 +5842,7 @@
           </p:nvSpPr>
           <p:spPr>
             <a:xfrm>
-              <a:off x="2584715" y="2876064"/>
+              <a:off x="2700259" y="2876069"/>
               <a:ext cx="63202" cy="63202"/>
             </a:xfrm>
             <a:custGeom>
@@ -5885,7 +5885,7 @@
           </p:nvSpPr>
           <p:spPr>
             <a:xfrm>
-              <a:off x="1860202" y="2472033"/>
+              <a:off x="2033186" y="2472016"/>
               <a:ext cx="63202" cy="63202"/>
             </a:xfrm>
             <a:custGeom>
@@ -5928,7 +5928,7 @@
           </p:nvSpPr>
           <p:spPr>
             <a:xfrm>
-              <a:off x="2119553" y="2473542"/>
+              <a:off x="2292925" y="2473546"/>
               <a:ext cx="63202" cy="63202"/>
             </a:xfrm>
             <a:custGeom>
@@ -5971,7 +5971,7 @@
           </p:nvSpPr>
           <p:spPr>
             <a:xfrm>
-              <a:off x="1849256" y="2476284"/>
+              <a:off x="2243173" y="2476291"/>
               <a:ext cx="63202" cy="63202"/>
             </a:xfrm>
             <a:custGeom>
@@ -6014,7 +6014,7 @@
           </p:nvSpPr>
           <p:spPr>
             <a:xfrm>
-              <a:off x="1959643" y="2817634"/>
+              <a:off x="1674711" y="2817649"/>
               <a:ext cx="63202" cy="63202"/>
             </a:xfrm>
             <a:custGeom>
@@ -6057,7 +6057,7 @@
           </p:nvSpPr>
           <p:spPr>
             <a:xfrm>
-              <a:off x="1697220" y="2817810"/>
+              <a:off x="1774818" y="2817835"/>
               <a:ext cx="63202" cy="63202"/>
             </a:xfrm>
             <a:custGeom>
@@ -6100,7 +6100,7 @@
           </p:nvSpPr>
           <p:spPr>
             <a:xfrm>
-              <a:off x="1866033" y="2658149"/>
+              <a:off x="2016396" y="2658164"/>
               <a:ext cx="63202" cy="63202"/>
             </a:xfrm>
             <a:custGeom>
@@ -6143,7 +6143,7 @@
           </p:nvSpPr>
           <p:spPr>
             <a:xfrm>
-              <a:off x="2116113" y="2843447"/>
+              <a:off x="1995892" y="2843456"/>
               <a:ext cx="63202" cy="63202"/>
             </a:xfrm>
             <a:custGeom>
@@ -6186,7 +6186,7 @@
           </p:nvSpPr>
           <p:spPr>
             <a:xfrm>
-              <a:off x="2170625" y="2498676"/>
+              <a:off x="2276931" y="2498692"/>
               <a:ext cx="63202" cy="63202"/>
             </a:xfrm>
             <a:custGeom>
@@ -6229,7 +6229,7 @@
           </p:nvSpPr>
           <p:spPr>
             <a:xfrm>
-              <a:off x="2069739" y="2828308"/>
+              <a:off x="2096209" y="2828328"/>
               <a:ext cx="63202" cy="63202"/>
             </a:xfrm>
             <a:custGeom>
@@ -6272,7 +6272,7 @@
           </p:nvSpPr>
           <p:spPr>
             <a:xfrm>
-              <a:off x="1950828" y="2746932"/>
+              <a:off x="2058820" y="2746952"/>
               <a:ext cx="63202" cy="63202"/>
             </a:xfrm>
             <a:custGeom>
@@ -6315,7 +6315,7 @@
           </p:nvSpPr>
           <p:spPr>
             <a:xfrm>
-              <a:off x="2101983" y="2805253"/>
+              <a:off x="2021384" y="2805239"/>
               <a:ext cx="63202" cy="63202"/>
             </a:xfrm>
             <a:custGeom>
@@ -6358,7 +6358,7 @@
           </p:nvSpPr>
           <p:spPr>
             <a:xfrm>
-              <a:off x="1727910" y="2476083"/>
+              <a:off x="1729281" y="2476072"/>
               <a:ext cx="63202" cy="63202"/>
             </a:xfrm>
             <a:custGeom>
@@ -6457,7 +6457,7 @@
           </p:nvSpPr>
           <p:spPr>
             <a:xfrm>
-              <a:off x="1459435" y="4740928"/>
+              <a:off x="1459435" y="4740937"/>
               <a:ext cx="2796732" cy="0"/>
             </a:xfrm>
             <a:custGeom>
@@ -6543,7 +6543,7 @@
           </p:nvSpPr>
           <p:spPr>
             <a:xfrm>
-              <a:off x="1459435" y="3832994"/>
+              <a:off x="1459435" y="3832985"/>
               <a:ext cx="2796732" cy="0"/>
             </a:xfrm>
             <a:custGeom>
@@ -6586,7 +6586,7 @@
           </p:nvSpPr>
           <p:spPr>
             <a:xfrm>
-              <a:off x="1459435" y="3379027"/>
+              <a:off x="1459435" y="3379010"/>
               <a:ext cx="2796732" cy="0"/>
             </a:xfrm>
             <a:custGeom>
@@ -6629,7 +6629,7 @@
           </p:nvSpPr>
           <p:spPr>
             <a:xfrm>
-              <a:off x="1459435" y="4967911"/>
+              <a:off x="1459435" y="4967925"/>
               <a:ext cx="2796732" cy="0"/>
             </a:xfrm>
             <a:custGeom>
@@ -6672,7 +6672,7 @@
           </p:nvSpPr>
           <p:spPr>
             <a:xfrm>
-              <a:off x="1459435" y="4513944"/>
+              <a:off x="1459435" y="4513949"/>
               <a:ext cx="2796732" cy="0"/>
             </a:xfrm>
             <a:custGeom>
@@ -6715,7 +6715,7 @@
           </p:nvSpPr>
           <p:spPr>
             <a:xfrm>
-              <a:off x="1459435" y="4059977"/>
+              <a:off x="1459435" y="4059973"/>
               <a:ext cx="2796732" cy="0"/>
             </a:xfrm>
             <a:custGeom>
@@ -6758,7 +6758,7 @@
           </p:nvSpPr>
           <p:spPr>
             <a:xfrm>
-              <a:off x="1459435" y="3606010"/>
+              <a:off x="1459435" y="3605998"/>
               <a:ext cx="2796732" cy="0"/>
             </a:xfrm>
             <a:custGeom>
@@ -6930,7 +6930,7 @@
           </p:nvSpPr>
           <p:spPr>
             <a:xfrm>
-              <a:off x="1654161" y="4513632"/>
+              <a:off x="2024708" y="4513620"/>
               <a:ext cx="63202" cy="63202"/>
             </a:xfrm>
             <a:custGeom>
@@ -6973,7 +6973,7 @@
           </p:nvSpPr>
           <p:spPr>
             <a:xfrm>
-              <a:off x="1653998" y="4611465"/>
+              <a:off x="2032884" y="4611446"/>
               <a:ext cx="63202" cy="63202"/>
             </a:xfrm>
             <a:custGeom>
@@ -7016,7 +7016,7 @@
           </p:nvSpPr>
           <p:spPr>
             <a:xfrm>
-              <a:off x="2165861" y="4512429"/>
+              <a:off x="1668075" y="4512456"/>
               <a:ext cx="63202" cy="63202"/>
             </a:xfrm>
             <a:custGeom>
@@ -7059,7 +7059,7 @@
           </p:nvSpPr>
           <p:spPr>
             <a:xfrm>
-              <a:off x="2294868" y="4519779"/>
+              <a:off x="1901810" y="4519790"/>
               <a:ext cx="63202" cy="63202"/>
             </a:xfrm>
             <a:custGeom>
@@ -7102,7 +7102,7 @@
           </p:nvSpPr>
           <p:spPr>
             <a:xfrm>
-              <a:off x="1663288" y="4515192"/>
+              <a:off x="1820441" y="4515229"/>
               <a:ext cx="63202" cy="63202"/>
             </a:xfrm>
             <a:custGeom>
@@ -7145,7 +7145,7 @@
           </p:nvSpPr>
           <p:spPr>
             <a:xfrm>
-              <a:off x="2274651" y="4654980"/>
+              <a:off x="2067698" y="4655007"/>
               <a:ext cx="63202" cy="63202"/>
             </a:xfrm>
             <a:custGeom>
@@ -7188,7 +7188,7 @@
           </p:nvSpPr>
           <p:spPr>
             <a:xfrm>
-              <a:off x="1923638" y="4527075"/>
+              <a:off x="1602812" y="4527059"/>
               <a:ext cx="63202" cy="63202"/>
             </a:xfrm>
             <a:custGeom>
@@ -7231,7 +7231,7 @@
           </p:nvSpPr>
           <p:spPr>
             <a:xfrm>
-              <a:off x="1776958" y="4577586"/>
+              <a:off x="2135506" y="4577597"/>
               <a:ext cx="63202" cy="63202"/>
             </a:xfrm>
             <a:custGeom>
@@ -7274,7 +7274,7 @@
           </p:nvSpPr>
           <p:spPr>
             <a:xfrm>
-              <a:off x="2011220" y="4622210"/>
+              <a:off x="1726556" y="4622212"/>
               <a:ext cx="63202" cy="63202"/>
             </a:xfrm>
             <a:custGeom>
@@ -7317,7 +7317,7 @@
           </p:nvSpPr>
           <p:spPr>
             <a:xfrm>
-              <a:off x="1890880" y="4576183"/>
+              <a:off x="2167760" y="4576202"/>
               <a:ext cx="63202" cy="63202"/>
             </a:xfrm>
             <a:custGeom>
@@ -7360,7 +7360,7 @@
           </p:nvSpPr>
           <p:spPr>
             <a:xfrm>
-              <a:off x="2289454" y="4569186"/>
+              <a:off x="1965856" y="4569176"/>
               <a:ext cx="63202" cy="63202"/>
             </a:xfrm>
             <a:custGeom>
@@ -7403,7 +7403,7 @@
           </p:nvSpPr>
           <p:spPr>
             <a:xfrm>
-              <a:off x="1970331" y="4697400"/>
+              <a:off x="1661122" y="4697384"/>
               <a:ext cx="63202" cy="63202"/>
             </a:xfrm>
             <a:custGeom>
@@ -7446,7 +7446,7 @@
           </p:nvSpPr>
           <p:spPr>
             <a:xfrm>
-              <a:off x="1650660" y="4419528"/>
+              <a:off x="2003464" y="4419512"/>
               <a:ext cx="63202" cy="63202"/>
             </a:xfrm>
             <a:custGeom>
@@ -7489,7 +7489,7 @@
           </p:nvSpPr>
           <p:spPr>
             <a:xfrm>
-              <a:off x="1984978" y="4632318"/>
+              <a:off x="2065371" y="4632348"/>
               <a:ext cx="63202" cy="63202"/>
             </a:xfrm>
             <a:custGeom>
@@ -7532,7 +7532,7 @@
           </p:nvSpPr>
           <p:spPr>
             <a:xfrm>
-              <a:off x="2182271" y="4679454"/>
+              <a:off x="1670470" y="4679447"/>
               <a:ext cx="63202" cy="63202"/>
             </a:xfrm>
             <a:custGeom>
@@ -7575,7 +7575,7 @@
           </p:nvSpPr>
           <p:spPr>
             <a:xfrm>
-              <a:off x="1730701" y="4351066"/>
+              <a:off x="1891802" y="4351070"/>
               <a:ext cx="63202" cy="63202"/>
             </a:xfrm>
             <a:custGeom>
@@ -7618,7 +7618,7 @@
           </p:nvSpPr>
           <p:spPr>
             <a:xfrm>
-              <a:off x="1699333" y="4615215"/>
+              <a:off x="2087513" y="4615234"/>
               <a:ext cx="63202" cy="63202"/>
             </a:xfrm>
             <a:custGeom>
@@ -7661,7 +7661,7 @@
           </p:nvSpPr>
           <p:spPr>
             <a:xfrm>
-              <a:off x="1732441" y="4391878"/>
+              <a:off x="2188002" y="4391862"/>
               <a:ext cx="63202" cy="63202"/>
             </a:xfrm>
             <a:custGeom>
@@ -7704,7 +7704,7 @@
           </p:nvSpPr>
           <p:spPr>
             <a:xfrm>
-              <a:off x="2169028" y="4621802"/>
+              <a:off x="2213478" y="4621795"/>
               <a:ext cx="63202" cy="63202"/>
             </a:xfrm>
             <a:custGeom>
@@ -7747,7 +7747,7 @@
           </p:nvSpPr>
           <p:spPr>
             <a:xfrm>
-              <a:off x="1733049" y="4622214"/>
+              <a:off x="1607790" y="4622212"/>
               <a:ext cx="63202" cy="63202"/>
             </a:xfrm>
             <a:custGeom>
@@ -7790,7 +7790,7 @@
           </p:nvSpPr>
           <p:spPr>
             <a:xfrm>
-              <a:off x="1847493" y="4538827"/>
+              <a:off x="1844457" y="4538823"/>
               <a:ext cx="63202" cy="63202"/>
             </a:xfrm>
             <a:custGeom>
@@ -7833,7 +7833,7 @@
           </p:nvSpPr>
           <p:spPr>
             <a:xfrm>
-              <a:off x="2130725" y="4572491"/>
+              <a:off x="1659209" y="4572491"/>
               <a:ext cx="63202" cy="63202"/>
             </a:xfrm>
             <a:custGeom>
@@ -7932,7 +7932,7 @@
           </p:nvSpPr>
           <p:spPr>
             <a:xfrm>
-              <a:off x="1459435" y="6666260"/>
+              <a:off x="1459435" y="6666269"/>
               <a:ext cx="2796732" cy="0"/>
             </a:xfrm>
             <a:custGeom>
@@ -7975,7 +7975,7 @@
           </p:nvSpPr>
           <p:spPr>
             <a:xfrm>
-              <a:off x="1459435" y="6212293"/>
+              <a:off x="1459435" y="6212294"/>
               <a:ext cx="2796732" cy="0"/>
             </a:xfrm>
             <a:custGeom>
@@ -8018,7 +8018,7 @@
           </p:nvSpPr>
           <p:spPr>
             <a:xfrm>
-              <a:off x="1459435" y="5758326"/>
+              <a:off x="1459435" y="5758318"/>
               <a:ext cx="2796732" cy="0"/>
             </a:xfrm>
             <a:custGeom>
@@ -8061,7 +8061,7 @@
           </p:nvSpPr>
           <p:spPr>
             <a:xfrm>
-              <a:off x="1459435" y="5304359"/>
+              <a:off x="1459435" y="5304342"/>
               <a:ext cx="2796732" cy="0"/>
             </a:xfrm>
             <a:custGeom>
@@ -8104,7 +8104,7 @@
           </p:nvSpPr>
           <p:spPr>
             <a:xfrm>
-              <a:off x="1459435" y="6893244"/>
+              <a:off x="1459435" y="6893257"/>
               <a:ext cx="2796732" cy="0"/>
             </a:xfrm>
             <a:custGeom>
@@ -8147,7 +8147,7 @@
           </p:nvSpPr>
           <p:spPr>
             <a:xfrm>
-              <a:off x="1459435" y="6439277"/>
+              <a:off x="1459435" y="6439282"/>
               <a:ext cx="2796732" cy="0"/>
             </a:xfrm>
             <a:custGeom>
@@ -8190,7 +8190,7 @@
           </p:nvSpPr>
           <p:spPr>
             <a:xfrm>
-              <a:off x="1459435" y="5985310"/>
+              <a:off x="1459435" y="5985306"/>
               <a:ext cx="2796732" cy="0"/>
             </a:xfrm>
             <a:custGeom>
@@ -8233,7 +8233,7 @@
           </p:nvSpPr>
           <p:spPr>
             <a:xfrm>
-              <a:off x="1459435" y="5531343"/>
+              <a:off x="1459435" y="5531330"/>
               <a:ext cx="2796732" cy="0"/>
             </a:xfrm>
             <a:custGeom>
@@ -8405,7 +8405,7 @@
           </p:nvSpPr>
           <p:spPr>
             <a:xfrm>
-              <a:off x="1833915" y="5955417"/>
+              <a:off x="2136585" y="5955445"/>
               <a:ext cx="63202" cy="63202"/>
             </a:xfrm>
             <a:custGeom>
@@ -8448,7 +8448,7 @@
           </p:nvSpPr>
           <p:spPr>
             <a:xfrm>
-              <a:off x="2108983" y="5973369"/>
+              <a:off x="2237976" y="5973362"/>
               <a:ext cx="63202" cy="63202"/>
             </a:xfrm>
             <a:custGeom>
@@ -8491,7 +8491,7 @@
           </p:nvSpPr>
           <p:spPr>
             <a:xfrm>
-              <a:off x="2089473" y="5924912"/>
+              <a:off x="2188044" y="5924920"/>
               <a:ext cx="63202" cy="63202"/>
             </a:xfrm>
             <a:custGeom>
@@ -8534,7 +8534,7 @@
           </p:nvSpPr>
           <p:spPr>
             <a:xfrm>
-              <a:off x="1991696" y="6337226"/>
+              <a:off x="1943977" y="6337220"/>
               <a:ext cx="63202" cy="63202"/>
             </a:xfrm>
             <a:custGeom>
@@ -8577,7 +8577,7 @@
           </p:nvSpPr>
           <p:spPr>
             <a:xfrm>
-              <a:off x="2284010" y="6262632"/>
+              <a:off x="1671909" y="6262628"/>
               <a:ext cx="63202" cy="63202"/>
             </a:xfrm>
             <a:custGeom>
@@ -8620,7 +8620,7 @@
           </p:nvSpPr>
           <p:spPr>
             <a:xfrm>
-              <a:off x="1874737" y="6282936"/>
+              <a:off x="1746828" y="6282938"/>
               <a:ext cx="63202" cy="63202"/>
             </a:xfrm>
             <a:custGeom>
@@ -8663,7 +8663,7 @@
           </p:nvSpPr>
           <p:spPr>
             <a:xfrm>
-              <a:off x="2218458" y="6194406"/>
+              <a:off x="1791068" y="6194389"/>
               <a:ext cx="63202" cy="63202"/>
             </a:xfrm>
             <a:custGeom>
@@ -8706,7 +8706,7 @@
           </p:nvSpPr>
           <p:spPr>
             <a:xfrm>
-              <a:off x="2280799" y="6178195"/>
+              <a:off x="1832744" y="6178194"/>
               <a:ext cx="63202" cy="63202"/>
             </a:xfrm>
             <a:custGeom>
@@ -8749,7 +8749,7 @@
           </p:nvSpPr>
           <p:spPr>
             <a:xfrm>
-              <a:off x="1966649" y="6518712"/>
+              <a:off x="2087949" y="6518710"/>
               <a:ext cx="63202" cy="63202"/>
             </a:xfrm>
             <a:custGeom>
@@ -8792,7 +8792,7 @@
           </p:nvSpPr>
           <p:spPr>
             <a:xfrm>
-              <a:off x="2039128" y="6514718"/>
+              <a:off x="2295559" y="6514739"/>
               <a:ext cx="63202" cy="63202"/>
             </a:xfrm>
             <a:custGeom>
@@ -8835,7 +8835,7 @@
           </p:nvSpPr>
           <p:spPr>
             <a:xfrm>
-              <a:off x="1700582" y="6288224"/>
+              <a:off x="1958062" y="6288248"/>
               <a:ext cx="63202" cy="63202"/>
             </a:xfrm>
             <a:custGeom>
@@ -8878,7 +8878,7 @@
           </p:nvSpPr>
           <p:spPr>
             <a:xfrm>
-              <a:off x="2018694" y="6379045"/>
+              <a:off x="2040793" y="6379049"/>
               <a:ext cx="63202" cy="63202"/>
             </a:xfrm>
             <a:custGeom>
@@ -8921,7 +8921,7 @@
           </p:nvSpPr>
           <p:spPr>
             <a:xfrm>
-              <a:off x="2134214" y="6230994"/>
+              <a:off x="1650627" y="6231002"/>
               <a:ext cx="63202" cy="63202"/>
             </a:xfrm>
             <a:custGeom>
@@ -8964,7 +8964,7 @@
           </p:nvSpPr>
           <p:spPr>
             <a:xfrm>
-              <a:off x="1836140" y="6304357"/>
+              <a:off x="1917330" y="6304357"/>
               <a:ext cx="63202" cy="63202"/>
             </a:xfrm>
             <a:custGeom>
@@ -9007,7 +9007,7 @@
           </p:nvSpPr>
           <p:spPr>
             <a:xfrm>
-              <a:off x="1627775" y="6425733"/>
+              <a:off x="2083859" y="6425733"/>
               <a:ext cx="63202" cy="63202"/>
             </a:xfrm>
             <a:custGeom>
@@ -9050,7 +9050,7 @@
           </p:nvSpPr>
           <p:spPr>
             <a:xfrm>
-              <a:off x="1728079" y="6300542"/>
+              <a:off x="1982328" y="6300528"/>
               <a:ext cx="63202" cy="63202"/>
             </a:xfrm>
             <a:custGeom>
@@ -9093,7 +9093,7 @@
           </p:nvSpPr>
           <p:spPr>
             <a:xfrm>
-              <a:off x="2145998" y="6335918"/>
+              <a:off x="2017458" y="6335915"/>
               <a:ext cx="63202" cy="63202"/>
             </a:xfrm>
             <a:custGeom>
@@ -9136,7 +9136,7 @@
           </p:nvSpPr>
           <p:spPr>
             <a:xfrm>
-              <a:off x="2109730" y="6305856"/>
+              <a:off x="1760574" y="6305849"/>
               <a:ext cx="63202" cy="63202"/>
             </a:xfrm>
             <a:custGeom>
@@ -9179,7 +9179,7 @@
           </p:nvSpPr>
           <p:spPr>
             <a:xfrm>
-              <a:off x="2220504" y="6287298"/>
+              <a:off x="2097759" y="6287270"/>
               <a:ext cx="63202" cy="63202"/>
             </a:xfrm>
             <a:custGeom>
@@ -9222,7 +9222,7 @@
           </p:nvSpPr>
           <p:spPr>
             <a:xfrm>
-              <a:off x="2051566" y="6314024"/>
+              <a:off x="1722812" y="6314027"/>
               <a:ext cx="63202" cy="63202"/>
             </a:xfrm>
             <a:custGeom>
@@ -9265,7 +9265,7 @@
           </p:nvSpPr>
           <p:spPr>
             <a:xfrm>
-              <a:off x="2295716" y="6299375"/>
+              <a:off x="2120525" y="6299364"/>
               <a:ext cx="63202" cy="63202"/>
             </a:xfrm>
             <a:custGeom>
@@ -9308,7 +9308,7 @@
           </p:nvSpPr>
           <p:spPr>
             <a:xfrm>
-              <a:off x="2220194" y="6274652"/>
+              <a:off x="2245822" y="6274666"/>
               <a:ext cx="63202" cy="63202"/>
             </a:xfrm>
             <a:custGeom>
@@ -9351,7 +9351,7 @@
           </p:nvSpPr>
           <p:spPr>
             <a:xfrm>
-              <a:off x="1734387" y="6157363"/>
+              <a:off x="1635045" y="6157352"/>
               <a:ext cx="63202" cy="63202"/>
             </a:xfrm>
             <a:custGeom>
@@ -9394,7 +9394,7 @@
           </p:nvSpPr>
           <p:spPr>
             <a:xfrm>
-              <a:off x="1954633" y="6189118"/>
+              <a:off x="2089053" y="6189154"/>
               <a:ext cx="63202" cy="63202"/>
             </a:xfrm>
             <a:custGeom>
@@ -9437,7 +9437,7 @@
           </p:nvSpPr>
           <p:spPr>
             <a:xfrm>
-              <a:off x="1813396" y="6393252"/>
+              <a:off x="1749890" y="6393235"/>
               <a:ext cx="63202" cy="63202"/>
             </a:xfrm>
             <a:custGeom>
@@ -9480,7 +9480,7 @@
           </p:nvSpPr>
           <p:spPr>
             <a:xfrm>
-              <a:off x="1961154" y="6477005"/>
+              <a:off x="1641254" y="6477013"/>
               <a:ext cx="63202" cy="63202"/>
             </a:xfrm>
             <a:custGeom>
@@ -9523,7 +9523,7 @@
           </p:nvSpPr>
           <p:spPr>
             <a:xfrm>
-              <a:off x="1738959" y="6511265"/>
+              <a:off x="1652221" y="6511274"/>
               <a:ext cx="63202" cy="63202"/>
             </a:xfrm>
             <a:custGeom>
@@ -9566,7 +9566,7 @@
           </p:nvSpPr>
           <p:spPr>
             <a:xfrm>
-              <a:off x="2217349" y="6586456"/>
+              <a:off x="2202705" y="6586441"/>
               <a:ext cx="63202" cy="63202"/>
             </a:xfrm>
             <a:custGeom>
@@ -9609,7 +9609,7 @@
           </p:nvSpPr>
           <p:spPr>
             <a:xfrm>
-              <a:off x="2218675" y="6235288"/>
+              <a:off x="1715297" y="6235309"/>
               <a:ext cx="63202" cy="63202"/>
             </a:xfrm>
             <a:custGeom>
@@ -9652,7 +9652,7 @@
           </p:nvSpPr>
           <p:spPr>
             <a:xfrm>
-              <a:off x="1934616" y="6280188"/>
+              <a:off x="2008144" y="6280205"/>
               <a:ext cx="63202" cy="63202"/>
             </a:xfrm>
             <a:custGeom>
@@ -9695,7 +9695,7 @@
           </p:nvSpPr>
           <p:spPr>
             <a:xfrm>
-              <a:off x="1878241" y="6641146"/>
+              <a:off x="1891095" y="6641145"/>
               <a:ext cx="63202" cy="63202"/>
             </a:xfrm>
             <a:custGeom>
@@ -9738,7 +9738,7 @@
           </p:nvSpPr>
           <p:spPr>
             <a:xfrm>
-              <a:off x="1884938" y="5944806"/>
+              <a:off x="1984086" y="5944798"/>
               <a:ext cx="63202" cy="63202"/>
             </a:xfrm>
             <a:custGeom>
@@ -9781,7 +9781,7 @@
           </p:nvSpPr>
           <p:spPr>
             <a:xfrm>
-              <a:off x="1739348" y="6287333"/>
+              <a:off x="2082689" y="6287333"/>
               <a:ext cx="63202" cy="63202"/>
             </a:xfrm>
             <a:custGeom>
@@ -9824,7 +9824,7 @@
           </p:nvSpPr>
           <p:spPr>
             <a:xfrm>
-              <a:off x="1866974" y="6305341"/>
+              <a:off x="1889511" y="6305340"/>
               <a:ext cx="63202" cy="63202"/>
             </a:xfrm>
             <a:custGeom>
@@ -9867,7 +9867,7 @@
           </p:nvSpPr>
           <p:spPr>
             <a:xfrm>
-              <a:off x="1778290" y="6352778"/>
+              <a:off x="2198282" y="6352791"/>
               <a:ext cx="63202" cy="63202"/>
             </a:xfrm>
             <a:custGeom>
@@ -9910,7 +9910,7 @@
           </p:nvSpPr>
           <p:spPr>
             <a:xfrm>
-              <a:off x="1977921" y="6337257"/>
+              <a:off x="1777009" y="6337276"/>
               <a:ext cx="63202" cy="63202"/>
             </a:xfrm>
             <a:custGeom>
@@ -9953,7 +9953,7 @@
           </p:nvSpPr>
           <p:spPr>
             <a:xfrm>
-              <a:off x="2153489" y="6310694"/>
+              <a:off x="1660022" y="6310718"/>
               <a:ext cx="63202" cy="63202"/>
             </a:xfrm>
             <a:custGeom>
@@ -9996,7 +9996,7 @@
           </p:nvSpPr>
           <p:spPr>
             <a:xfrm>
-              <a:off x="1820961" y="6395709"/>
+              <a:off x="2295553" y="6395710"/>
               <a:ext cx="63202" cy="63202"/>
             </a:xfrm>
             <a:custGeom>
@@ -10039,7 +10039,7 @@
           </p:nvSpPr>
           <p:spPr>
             <a:xfrm>
-              <a:off x="1681508" y="6072544"/>
+              <a:off x="1680904" y="6072553"/>
               <a:ext cx="63202" cy="63202"/>
             </a:xfrm>
             <a:custGeom>
@@ -10082,7 +10082,7 @@
           </p:nvSpPr>
           <p:spPr>
             <a:xfrm>
-              <a:off x="1935294" y="6417965"/>
+              <a:off x="2040249" y="6417980"/>
               <a:ext cx="63202" cy="63202"/>
             </a:xfrm>
             <a:custGeom>
@@ -10125,7 +10125,7 @@
           </p:nvSpPr>
           <p:spPr>
             <a:xfrm>
-              <a:off x="2252021" y="5914352"/>
+              <a:off x="2083648" y="5914350"/>
               <a:ext cx="63202" cy="63202"/>
             </a:xfrm>
             <a:custGeom>
@@ -10168,7 +10168,7 @@
           </p:nvSpPr>
           <p:spPr>
             <a:xfrm>
-              <a:off x="1914956" y="6387461"/>
+              <a:off x="1974274" y="6387473"/>
               <a:ext cx="63202" cy="63202"/>
             </a:xfrm>
             <a:custGeom>
@@ -10211,7 +10211,7 @@
           </p:nvSpPr>
           <p:spPr>
             <a:xfrm>
-              <a:off x="2196869" y="6296643"/>
+              <a:off x="1997234" y="6296627"/>
               <a:ext cx="63202" cy="63202"/>
             </a:xfrm>
             <a:custGeom>
@@ -10254,7 +10254,7 @@
           </p:nvSpPr>
           <p:spPr>
             <a:xfrm>
-              <a:off x="1926955" y="6441867"/>
+              <a:off x="2192110" y="6441857"/>
               <a:ext cx="63202" cy="63202"/>
             </a:xfrm>
             <a:custGeom>
@@ -10297,7 +10297,7 @@
           </p:nvSpPr>
           <p:spPr>
             <a:xfrm>
-              <a:off x="2297554" y="5895266"/>
+              <a:off x="1900428" y="5895278"/>
               <a:ext cx="63202" cy="63202"/>
             </a:xfrm>
             <a:custGeom>
@@ -10340,7 +10340,7 @@
           </p:nvSpPr>
           <p:spPr>
             <a:xfrm>
-              <a:off x="2161564" y="6308934"/>
+              <a:off x="1838665" y="6308954"/>
               <a:ext cx="63202" cy="63202"/>
             </a:xfrm>
             <a:custGeom>
@@ -10383,7 +10383,7 @@
           </p:nvSpPr>
           <p:spPr>
             <a:xfrm>
-              <a:off x="1723303" y="6245787"/>
+              <a:off x="1706230" y="6245806"/>
               <a:ext cx="63202" cy="63202"/>
             </a:xfrm>
             <a:custGeom>
@@ -10426,7 +10426,7 @@
           </p:nvSpPr>
           <p:spPr>
             <a:xfrm>
-              <a:off x="1756627" y="6236772"/>
+              <a:off x="2129583" y="6236764"/>
               <a:ext cx="63202" cy="63202"/>
             </a:xfrm>
             <a:custGeom>
@@ -10469,7 +10469,7 @@
           </p:nvSpPr>
           <p:spPr>
             <a:xfrm>
-              <a:off x="2217214" y="5889795"/>
+              <a:off x="1756845" y="5889795"/>
               <a:ext cx="63202" cy="63202"/>
             </a:xfrm>
             <a:custGeom>
@@ -10512,7 +10512,7 @@
           </p:nvSpPr>
           <p:spPr>
             <a:xfrm>
-              <a:off x="1760654" y="6225850"/>
+              <a:off x="1733870" y="6225871"/>
               <a:ext cx="63202" cy="63202"/>
             </a:xfrm>
             <a:custGeom>
@@ -10555,7 +10555,7 @@
           </p:nvSpPr>
           <p:spPr>
             <a:xfrm>
-              <a:off x="1978517" y="6281487"/>
+              <a:off x="1731522" y="6281460"/>
               <a:ext cx="63202" cy="63202"/>
             </a:xfrm>
             <a:custGeom>
@@ -10598,7 +10598,7 @@
           </p:nvSpPr>
           <p:spPr>
             <a:xfrm>
-              <a:off x="1945694" y="6361296"/>
+              <a:off x="1836116" y="6361292"/>
               <a:ext cx="63202" cy="63202"/>
             </a:xfrm>
             <a:custGeom>
@@ -10641,7 +10641,7 @@
           </p:nvSpPr>
           <p:spPr>
             <a:xfrm>
-              <a:off x="1842670" y="6277388"/>
+              <a:off x="1889347" y="6277395"/>
               <a:ext cx="63202" cy="63202"/>
             </a:xfrm>
             <a:custGeom>
@@ -10684,7 +10684,7 @@
           </p:nvSpPr>
           <p:spPr>
             <a:xfrm>
-              <a:off x="2078397" y="6282548"/>
+              <a:off x="2201117" y="6282568"/>
               <a:ext cx="63202" cy="63202"/>
             </a:xfrm>
             <a:custGeom>
@@ -10727,7 +10727,7 @@
           </p:nvSpPr>
           <p:spPr>
             <a:xfrm>
-              <a:off x="1934448" y="6069726"/>
+              <a:off x="1974102" y="6069755"/>
               <a:ext cx="63202" cy="63202"/>
             </a:xfrm>
             <a:custGeom>
@@ -10770,7 +10770,7 @@
           </p:nvSpPr>
           <p:spPr>
             <a:xfrm>
-              <a:off x="1875590" y="6387458"/>
+              <a:off x="2058264" y="6387474"/>
               <a:ext cx="63202" cy="63202"/>
             </a:xfrm>
             <a:custGeom>
@@ -10813,7 +10813,7 @@
           </p:nvSpPr>
           <p:spPr>
             <a:xfrm>
-              <a:off x="1824168" y="6229844"/>
+              <a:off x="1636977" y="6229874"/>
               <a:ext cx="63202" cy="63202"/>
             </a:xfrm>
             <a:custGeom>
@@ -10856,7 +10856,7 @@
           </p:nvSpPr>
           <p:spPr>
             <a:xfrm>
-              <a:off x="2025852" y="5916430"/>
+              <a:off x="2000644" y="5916423"/>
               <a:ext cx="63202" cy="63202"/>
             </a:xfrm>
             <a:custGeom>
@@ -10899,7 +10899,7 @@
           </p:nvSpPr>
           <p:spPr>
             <a:xfrm>
-              <a:off x="2171588" y="5914863"/>
+              <a:off x="1992093" y="5914852"/>
               <a:ext cx="63202" cy="63202"/>
             </a:xfrm>
             <a:custGeom>
@@ -10942,7 +10942,7 @@
           </p:nvSpPr>
           <p:spPr>
             <a:xfrm>
-              <a:off x="1896903" y="5914628"/>
+              <a:off x="2040263" y="5914626"/>
               <a:ext cx="63202" cy="63202"/>
             </a:xfrm>
             <a:custGeom>
@@ -10985,7 +10985,7 @@
           </p:nvSpPr>
           <p:spPr>
             <a:xfrm>
-              <a:off x="2289922" y="5914491"/>
+              <a:off x="1694615" y="5914499"/>
               <a:ext cx="63202" cy="63202"/>
             </a:xfrm>
             <a:custGeom>
@@ -11028,7 +11028,7 @@
           </p:nvSpPr>
           <p:spPr>
             <a:xfrm>
-              <a:off x="1794334" y="5914476"/>
+              <a:off x="1784112" y="5914492"/>
               <a:ext cx="63202" cy="63202"/>
             </a:xfrm>
             <a:custGeom>
@@ -11071,7 +11071,7 @@
           </p:nvSpPr>
           <p:spPr>
             <a:xfrm>
-              <a:off x="1836070" y="6094881"/>
+              <a:off x="2150372" y="6094899"/>
               <a:ext cx="63202" cy="63202"/>
             </a:xfrm>
             <a:custGeom>
@@ -11114,7 +11114,7 @@
           </p:nvSpPr>
           <p:spPr>
             <a:xfrm>
-              <a:off x="2000835" y="6087962"/>
+              <a:off x="2041316" y="6087931"/>
               <a:ext cx="63202" cy="63202"/>
             </a:xfrm>
             <a:custGeom>
@@ -11157,7 +11157,7 @@
           </p:nvSpPr>
           <p:spPr>
             <a:xfrm>
-              <a:off x="1661342" y="6364975"/>
+              <a:off x="1638735" y="6364955"/>
               <a:ext cx="63202" cy="63202"/>
             </a:xfrm>
             <a:custGeom>
@@ -11200,7 +11200,7 @@
           </p:nvSpPr>
           <p:spPr>
             <a:xfrm>
-              <a:off x="1681131" y="5925151"/>
+              <a:off x="2271645" y="5925147"/>
               <a:ext cx="63202" cy="63202"/>
             </a:xfrm>
             <a:custGeom>
@@ -11243,7 +11243,7 @@
           </p:nvSpPr>
           <p:spPr>
             <a:xfrm>
-              <a:off x="1874476" y="6185280"/>
+              <a:off x="1780481" y="6185260"/>
               <a:ext cx="63202" cy="63202"/>
             </a:xfrm>
             <a:custGeom>
@@ -11286,7 +11286,7 @@
           </p:nvSpPr>
           <p:spPr>
             <a:xfrm>
-              <a:off x="1655719" y="6102479"/>
+              <a:off x="2275972" y="6102466"/>
               <a:ext cx="63202" cy="63202"/>
             </a:xfrm>
             <a:custGeom>
@@ -11329,7 +11329,7 @@
           </p:nvSpPr>
           <p:spPr>
             <a:xfrm>
-              <a:off x="2217890" y="6375811"/>
+              <a:off x="1875791" y="6375822"/>
               <a:ext cx="63202" cy="63202"/>
             </a:xfrm>
             <a:custGeom>
@@ -11372,7 +11372,7 @@
           </p:nvSpPr>
           <p:spPr>
             <a:xfrm>
-              <a:off x="1792158" y="5931998"/>
+              <a:off x="1790981" y="5932001"/>
               <a:ext cx="63202" cy="63202"/>
             </a:xfrm>
             <a:custGeom>
@@ -11415,7 +11415,7 @@
           </p:nvSpPr>
           <p:spPr>
             <a:xfrm>
-              <a:off x="1870765" y="6292975"/>
+              <a:off x="1780508" y="6292971"/>
               <a:ext cx="63202" cy="63202"/>
             </a:xfrm>
             <a:custGeom>
@@ -11458,7 +11458,7 @@
           </p:nvSpPr>
           <p:spPr>
             <a:xfrm>
-              <a:off x="1671342" y="6513266"/>
+              <a:off x="2027378" y="6513270"/>
               <a:ext cx="63202" cy="63202"/>
             </a:xfrm>
             <a:custGeom>
@@ -11501,7 +11501,7 @@
           </p:nvSpPr>
           <p:spPr>
             <a:xfrm>
-              <a:off x="1788202" y="6080142"/>
+              <a:off x="2145926" y="6080130"/>
               <a:ext cx="63202" cy="63202"/>
             </a:xfrm>
             <a:custGeom>
@@ -11544,7 +11544,7 @@
           </p:nvSpPr>
           <p:spPr>
             <a:xfrm>
-              <a:off x="1905242" y="6359813"/>
+              <a:off x="1968848" y="6359825"/>
               <a:ext cx="63202" cy="63202"/>
             </a:xfrm>
             <a:custGeom>
@@ -11587,7 +11587,7 @@
           </p:nvSpPr>
           <p:spPr>
             <a:xfrm>
-              <a:off x="2013594" y="5909674"/>
+              <a:off x="2105474" y="5909677"/>
               <a:ext cx="63202" cy="63202"/>
             </a:xfrm>
             <a:custGeom>
@@ -11630,7 +11630,7 @@
           </p:nvSpPr>
           <p:spPr>
             <a:xfrm>
-              <a:off x="1710003" y="6040172"/>
+              <a:off x="1649810" y="6040184"/>
               <a:ext cx="63202" cy="63202"/>
             </a:xfrm>
             <a:custGeom>
@@ -11673,7 +11673,7 @@
           </p:nvSpPr>
           <p:spPr>
             <a:xfrm>
-              <a:off x="1783229" y="6001695"/>
+              <a:off x="2264131" y="6001682"/>
               <a:ext cx="63202" cy="63202"/>
             </a:xfrm>
             <a:custGeom>
@@ -11716,7 +11716,7 @@
           </p:nvSpPr>
           <p:spPr>
             <a:xfrm>
-              <a:off x="1918911" y="6031423"/>
+              <a:off x="1743426" y="6031419"/>
               <a:ext cx="63202" cy="63202"/>
             </a:xfrm>
             <a:custGeom>
@@ -11759,7 +11759,7 @@
           </p:nvSpPr>
           <p:spPr>
             <a:xfrm>
-              <a:off x="2042580" y="5903256"/>
+              <a:off x="1725457" y="5903274"/>
               <a:ext cx="63202" cy="63202"/>
             </a:xfrm>
             <a:custGeom>
@@ -11802,7 +11802,7 @@
           </p:nvSpPr>
           <p:spPr>
             <a:xfrm>
-              <a:off x="2256904" y="5901153"/>
+              <a:off x="1693600" y="5901151"/>
               <a:ext cx="63202" cy="63202"/>
             </a:xfrm>
             <a:custGeom>
@@ -11845,7 +11845,7 @@
           </p:nvSpPr>
           <p:spPr>
             <a:xfrm>
-              <a:off x="1705602" y="6067571"/>
+              <a:off x="1678532" y="6067548"/>
               <a:ext cx="63202" cy="63202"/>
             </a:xfrm>
             <a:custGeom>
@@ -11888,7 +11888,7 @@
           </p:nvSpPr>
           <p:spPr>
             <a:xfrm>
-              <a:off x="1920036" y="6060300"/>
+              <a:off x="2118614" y="6060291"/>
               <a:ext cx="63202" cy="63202"/>
             </a:xfrm>
             <a:custGeom>
@@ -11931,7 +11931,7 @@
           </p:nvSpPr>
           <p:spPr>
             <a:xfrm>
-              <a:off x="1704895" y="5912807"/>
+              <a:off x="1711842" y="5912809"/>
               <a:ext cx="63202" cy="63202"/>
             </a:xfrm>
             <a:custGeom>
@@ -11974,7 +11974,7 @@
           </p:nvSpPr>
           <p:spPr>
             <a:xfrm>
-              <a:off x="2274407" y="5918203"/>
+              <a:off x="2012834" y="5918205"/>
               <a:ext cx="63202" cy="63202"/>
             </a:xfrm>
             <a:custGeom>
@@ -12017,7 +12017,7 @@
           </p:nvSpPr>
           <p:spPr>
             <a:xfrm>
-              <a:off x="1943104" y="5918304"/>
+              <a:off x="1775188" y="5918290"/>
               <a:ext cx="63202" cy="63202"/>
             </a:xfrm>
             <a:custGeom>
@@ -12060,7 +12060,7 @@
           </p:nvSpPr>
           <p:spPr>
             <a:xfrm>
-              <a:off x="1816197" y="5956440"/>
+              <a:off x="2018099" y="5956415"/>
               <a:ext cx="63202" cy="63202"/>
             </a:xfrm>
             <a:custGeom>
@@ -12103,7 +12103,7 @@
           </p:nvSpPr>
           <p:spPr>
             <a:xfrm>
-              <a:off x="1768929" y="5910658"/>
+              <a:off x="1837885" y="5910668"/>
               <a:ext cx="63202" cy="63202"/>
             </a:xfrm>
             <a:custGeom>
@@ -12146,7 +12146,7 @@
           </p:nvSpPr>
           <p:spPr>
             <a:xfrm>
-              <a:off x="1703413" y="6280193"/>
+              <a:off x="1873082" y="6280221"/>
               <a:ext cx="63202" cy="63202"/>
             </a:xfrm>
             <a:custGeom>
@@ -12189,7 +12189,7 @@
           </p:nvSpPr>
           <p:spPr>
             <a:xfrm>
-              <a:off x="2029451" y="5926781"/>
+              <a:off x="2273387" y="5926790"/>
               <a:ext cx="63202" cy="63202"/>
             </a:xfrm>
             <a:custGeom>
@@ -12232,7 +12232,7 @@
           </p:nvSpPr>
           <p:spPr>
             <a:xfrm>
-              <a:off x="2269607" y="5866446"/>
+              <a:off x="2100655" y="5866438"/>
               <a:ext cx="63202" cy="63202"/>
             </a:xfrm>
             <a:custGeom>
@@ -12275,7 +12275,7 @@
           </p:nvSpPr>
           <p:spPr>
             <a:xfrm>
-              <a:off x="1961707" y="6192029"/>
+              <a:off x="1795306" y="6192038"/>
               <a:ext cx="63202" cy="63202"/>
             </a:xfrm>
             <a:custGeom>
@@ -12318,7 +12318,7 @@
           </p:nvSpPr>
           <p:spPr>
             <a:xfrm>
-              <a:off x="1936143" y="6535885"/>
+              <a:off x="2135689" y="6535876"/>
               <a:ext cx="63202" cy="63202"/>
             </a:xfrm>
             <a:custGeom>
@@ -12361,7 +12361,7 @@
           </p:nvSpPr>
           <p:spPr>
             <a:xfrm>
-              <a:off x="2297878" y="6254910"/>
+              <a:off x="1803592" y="6254906"/>
               <a:ext cx="63202" cy="63202"/>
             </a:xfrm>
             <a:custGeom>
@@ -12404,7 +12404,7 @@
           </p:nvSpPr>
           <p:spPr>
             <a:xfrm>
-              <a:off x="1749185" y="6244827"/>
+              <a:off x="1852598" y="6244832"/>
               <a:ext cx="63202" cy="63202"/>
             </a:xfrm>
             <a:custGeom>
@@ -12447,7 +12447,7 @@
           </p:nvSpPr>
           <p:spPr>
             <a:xfrm>
-              <a:off x="1794551" y="5905920"/>
+              <a:off x="1787922" y="5905905"/>
               <a:ext cx="63202" cy="63202"/>
             </a:xfrm>
             <a:custGeom>
@@ -12490,7 +12490,7 @@
           </p:nvSpPr>
           <p:spPr>
             <a:xfrm>
-              <a:off x="2274003" y="5966837"/>
+              <a:off x="1666395" y="5966807"/>
               <a:ext cx="63202" cy="63202"/>
             </a:xfrm>
             <a:custGeom>
@@ -12533,7 +12533,7 @@
           </p:nvSpPr>
           <p:spPr>
             <a:xfrm>
-              <a:off x="1711405" y="6248550"/>
+              <a:off x="1994892" y="6248567"/>
               <a:ext cx="63202" cy="63202"/>
             </a:xfrm>
             <a:custGeom>
@@ -12576,7 +12576,7 @@
           </p:nvSpPr>
           <p:spPr>
             <a:xfrm>
-              <a:off x="1683980" y="6257471"/>
+              <a:off x="1808772" y="6257462"/>
               <a:ext cx="63202" cy="63202"/>
             </a:xfrm>
             <a:custGeom>
@@ -12619,7 +12619,7 @@
           </p:nvSpPr>
           <p:spPr>
             <a:xfrm>
-              <a:off x="1866076" y="6255824"/>
+              <a:off x="2200708" y="6255815"/>
               <a:ext cx="63202" cy="63202"/>
             </a:xfrm>
             <a:custGeom>
@@ -12662,7 +12662,7 @@
           </p:nvSpPr>
           <p:spPr>
             <a:xfrm>
-              <a:off x="2091194" y="6355475"/>
+              <a:off x="2100291" y="6355471"/>
               <a:ext cx="63202" cy="63202"/>
             </a:xfrm>
             <a:custGeom>
@@ -12705,7 +12705,7 @@
           </p:nvSpPr>
           <p:spPr>
             <a:xfrm>
-              <a:off x="2098560" y="6301997"/>
+              <a:off x="2074030" y="6301982"/>
               <a:ext cx="63202" cy="63202"/>
             </a:xfrm>
             <a:custGeom>
@@ -12748,7 +12748,7 @@
           </p:nvSpPr>
           <p:spPr>
             <a:xfrm>
-              <a:off x="1777093" y="5922617"/>
+              <a:off x="1989564" y="5922602"/>
               <a:ext cx="63202" cy="63202"/>
             </a:xfrm>
             <a:custGeom>
@@ -12791,7 +12791,7 @@
           </p:nvSpPr>
           <p:spPr>
             <a:xfrm>
-              <a:off x="2113670" y="6353525"/>
+              <a:off x="1765274" y="6353525"/>
               <a:ext cx="63202" cy="63202"/>
             </a:xfrm>
             <a:custGeom>
@@ -12834,7 +12834,7 @@
           </p:nvSpPr>
           <p:spPr>
             <a:xfrm>
-              <a:off x="2059283" y="6359093"/>
+              <a:off x="1893912" y="6359119"/>
               <a:ext cx="63202" cy="63202"/>
             </a:xfrm>
             <a:custGeom>
@@ -12877,7 +12877,7 @@
           </p:nvSpPr>
           <p:spPr>
             <a:xfrm>
-              <a:off x="2071473" y="6328947"/>
+              <a:off x="1649544" y="6328973"/>
               <a:ext cx="63202" cy="63202"/>
             </a:xfrm>
             <a:custGeom>
@@ -12920,7 +12920,7 @@
           </p:nvSpPr>
           <p:spPr>
             <a:xfrm>
-              <a:off x="2200679" y="6419194"/>
+              <a:off x="1705975" y="6419213"/>
               <a:ext cx="63202" cy="63202"/>
             </a:xfrm>
             <a:custGeom>
@@ -12963,7 +12963,7 @@
           </p:nvSpPr>
           <p:spPr>
             <a:xfrm>
-              <a:off x="2098692" y="6358951"/>
+              <a:off x="2185994" y="6358969"/>
               <a:ext cx="63202" cy="63202"/>
             </a:xfrm>
             <a:custGeom>
@@ -13006,7 +13006,7 @@
           </p:nvSpPr>
           <p:spPr>
             <a:xfrm>
-              <a:off x="2054030" y="5980994"/>
+              <a:off x="2160917" y="5980983"/>
               <a:ext cx="63202" cy="63202"/>
             </a:xfrm>
             <a:custGeom>
@@ -13049,7 +13049,7 @@
           </p:nvSpPr>
           <p:spPr>
             <a:xfrm>
-              <a:off x="2116301" y="6483950"/>
+              <a:off x="1714599" y="6483963"/>
               <a:ext cx="63202" cy="63202"/>
             </a:xfrm>
             <a:custGeom>
@@ -13092,7 +13092,7 @@
           </p:nvSpPr>
           <p:spPr>
             <a:xfrm>
-              <a:off x="1637950" y="6336633"/>
+              <a:off x="1991016" y="6336616"/>
               <a:ext cx="63202" cy="63202"/>
             </a:xfrm>
             <a:custGeom>
@@ -13135,7 +13135,7 @@
           </p:nvSpPr>
           <p:spPr>
             <a:xfrm>
-              <a:off x="2021781" y="5928699"/>
+              <a:off x="2297109" y="5928686"/>
               <a:ext cx="63202" cy="63202"/>
             </a:xfrm>
             <a:custGeom>
@@ -13178,7 +13178,7 @@
           </p:nvSpPr>
           <p:spPr>
             <a:xfrm>
-              <a:off x="1904918" y="5926288"/>
+              <a:off x="2250968" y="5926297"/>
               <a:ext cx="63202" cy="63202"/>
             </a:xfrm>
             <a:custGeom>
@@ -13221,7 +13221,7 @@
           </p:nvSpPr>
           <p:spPr>
             <a:xfrm>
-              <a:off x="2187981" y="5943376"/>
+              <a:off x="1747342" y="5943357"/>
               <a:ext cx="63202" cy="63202"/>
             </a:xfrm>
             <a:custGeom>
@@ -13264,7 +13264,7 @@
           </p:nvSpPr>
           <p:spPr>
             <a:xfrm>
-              <a:off x="1854001" y="5934741"/>
+              <a:off x="2298732" y="5934744"/>
               <a:ext cx="63202" cy="63202"/>
             </a:xfrm>
             <a:custGeom>
@@ -13307,7 +13307,7 @@
           </p:nvSpPr>
           <p:spPr>
             <a:xfrm>
-              <a:off x="1780925" y="6062621"/>
+              <a:off x="2228478" y="6062600"/>
               <a:ext cx="63202" cy="63202"/>
             </a:xfrm>
             <a:custGeom>
@@ -13350,7 +13350,7 @@
           </p:nvSpPr>
           <p:spPr>
             <a:xfrm>
-              <a:off x="1954501" y="6625995"/>
+              <a:off x="1722046" y="6625989"/>
               <a:ext cx="63202" cy="63202"/>
             </a:xfrm>
             <a:custGeom>
@@ -13393,7 +13393,7 @@
           </p:nvSpPr>
           <p:spPr>
             <a:xfrm>
-              <a:off x="2163369" y="6223487"/>
+              <a:off x="2255085" y="6223509"/>
               <a:ext cx="63202" cy="63202"/>
             </a:xfrm>
             <a:custGeom>
@@ -13436,7 +13436,7 @@
           </p:nvSpPr>
           <p:spPr>
             <a:xfrm>
-              <a:off x="1759055" y="6183197"/>
+              <a:off x="2231075" y="6183180"/>
               <a:ext cx="63202" cy="63202"/>
             </a:xfrm>
             <a:custGeom>
@@ -13479,7 +13479,7 @@
           </p:nvSpPr>
           <p:spPr>
             <a:xfrm>
-              <a:off x="2215644" y="6628366"/>
+              <a:off x="2061940" y="6628363"/>
               <a:ext cx="63202" cy="63202"/>
             </a:xfrm>
             <a:custGeom>
@@ -13522,7 +13522,7 @@
           </p:nvSpPr>
           <p:spPr>
             <a:xfrm>
-              <a:off x="2281687" y="6328183"/>
+              <a:off x="1822891" y="6328194"/>
               <a:ext cx="63202" cy="63202"/>
             </a:xfrm>
             <a:custGeom>
@@ -13621,7 +13621,7 @@
           </p:nvSpPr>
           <p:spPr>
             <a:xfrm>
-              <a:off x="4325757" y="2815595"/>
+              <a:off x="4325757" y="2815604"/>
               <a:ext cx="2796732" cy="0"/>
             </a:xfrm>
             <a:custGeom>
@@ -13664,7 +13664,7 @@
           </p:nvSpPr>
           <p:spPr>
             <a:xfrm>
-              <a:off x="4325757" y="2361628"/>
+              <a:off x="4325757" y="2361629"/>
               <a:ext cx="2796732" cy="0"/>
             </a:xfrm>
             <a:custGeom>
@@ -13707,7 +13707,7 @@
           </p:nvSpPr>
           <p:spPr>
             <a:xfrm>
-              <a:off x="4325757" y="1907661"/>
+              <a:off x="4325757" y="1907653"/>
               <a:ext cx="2796732" cy="0"/>
             </a:xfrm>
             <a:custGeom>
@@ -13750,7 +13750,7 @@
           </p:nvSpPr>
           <p:spPr>
             <a:xfrm>
-              <a:off x="4325757" y="1453694"/>
+              <a:off x="4325757" y="1453677"/>
               <a:ext cx="2796732" cy="0"/>
             </a:xfrm>
             <a:custGeom>
@@ -13793,7 +13793,7 @@
           </p:nvSpPr>
           <p:spPr>
             <a:xfrm>
-              <a:off x="4325757" y="3042578"/>
+              <a:off x="4325757" y="3042592"/>
               <a:ext cx="2796732" cy="0"/>
             </a:xfrm>
             <a:custGeom>
@@ -13836,7 +13836,7 @@
           </p:nvSpPr>
           <p:spPr>
             <a:xfrm>
-              <a:off x="4325757" y="2588612"/>
+              <a:off x="4325757" y="2588616"/>
               <a:ext cx="2796732" cy="0"/>
             </a:xfrm>
             <a:custGeom>
@@ -13879,7 +13879,7 @@
           </p:nvSpPr>
           <p:spPr>
             <a:xfrm>
-              <a:off x="4325757" y="2134645"/>
+              <a:off x="4325757" y="2134641"/>
               <a:ext cx="2796732" cy="0"/>
             </a:xfrm>
             <a:custGeom>
@@ -13922,7 +13922,7 @@
           </p:nvSpPr>
           <p:spPr>
             <a:xfrm>
-              <a:off x="4325757" y="1680678"/>
+              <a:off x="4325757" y="1680665"/>
               <a:ext cx="2796732" cy="0"/>
             </a:xfrm>
             <a:custGeom>
@@ -14094,7 +14094,7 @@
           </p:nvSpPr>
           <p:spPr>
             <a:xfrm>
-              <a:off x="4486096" y="2249993"/>
+              <a:off x="4787024" y="2249994"/>
               <a:ext cx="63202" cy="63202"/>
             </a:xfrm>
             <a:custGeom>
@@ -14137,7 +14137,7 @@
           </p:nvSpPr>
           <p:spPr>
             <a:xfrm>
-              <a:off x="4664771" y="2284768"/>
+              <a:off x="4759582" y="2284773"/>
               <a:ext cx="63202" cy="63202"/>
             </a:xfrm>
             <a:custGeom>
@@ -14180,7 +14180,7 @@
           </p:nvSpPr>
           <p:spPr>
             <a:xfrm>
-              <a:off x="4595761" y="2521780"/>
+              <a:off x="4846370" y="2521782"/>
               <a:ext cx="63202" cy="63202"/>
             </a:xfrm>
             <a:custGeom>
@@ -14223,7 +14223,7 @@
           </p:nvSpPr>
           <p:spPr>
             <a:xfrm>
-              <a:off x="4502944" y="2239403"/>
+              <a:off x="4576500" y="2239404"/>
               <a:ext cx="63202" cy="63202"/>
             </a:xfrm>
             <a:custGeom>
@@ -14266,7 +14266,7 @@
           </p:nvSpPr>
           <p:spPr>
             <a:xfrm>
-              <a:off x="4945761" y="2310687"/>
+              <a:off x="4520402" y="2310696"/>
               <a:ext cx="63202" cy="63202"/>
             </a:xfrm>
             <a:custGeom>
@@ -14309,7 +14309,7 @@
           </p:nvSpPr>
           <p:spPr>
             <a:xfrm>
-              <a:off x="5155010" y="2550370"/>
+              <a:off x="4672275" y="2550374"/>
               <a:ext cx="63202" cy="63202"/>
             </a:xfrm>
             <a:custGeom>
@@ -14352,7 +14352,7 @@
           </p:nvSpPr>
           <p:spPr>
             <a:xfrm>
-              <a:off x="4848774" y="2279080"/>
+              <a:off x="5160977" y="2279083"/>
               <a:ext cx="63202" cy="63202"/>
             </a:xfrm>
             <a:custGeom>
@@ -14395,7 +14395,7 @@
           </p:nvSpPr>
           <p:spPr>
             <a:xfrm>
-              <a:off x="5714370" y="2933797"/>
+              <a:off x="5591910" y="2933806"/>
               <a:ext cx="63202" cy="63202"/>
             </a:xfrm>
             <a:custGeom>
@@ -14438,7 +14438,7 @@
           </p:nvSpPr>
           <p:spPr>
             <a:xfrm>
-              <a:off x="5126165" y="2251507"/>
+              <a:off x="4863917" y="2251502"/>
               <a:ext cx="63202" cy="63202"/>
             </a:xfrm>
             <a:custGeom>
@@ -14481,7 +14481,7 @@
           </p:nvSpPr>
           <p:spPr>
             <a:xfrm>
-              <a:off x="5094145" y="2590777"/>
+              <a:off x="5107336" y="2590805"/>
               <a:ext cx="63202" cy="63202"/>
             </a:xfrm>
             <a:custGeom>
@@ -14524,7 +14524,7 @@
           </p:nvSpPr>
           <p:spPr>
             <a:xfrm>
-              <a:off x="4856719" y="2835942"/>
+              <a:off x="4733932" y="2835936"/>
               <a:ext cx="63202" cy="63202"/>
             </a:xfrm>
             <a:custGeom>
@@ -14567,7 +14567,7 @@
           </p:nvSpPr>
           <p:spPr>
             <a:xfrm>
-              <a:off x="4972746" y="2254223"/>
+              <a:off x="5129301" y="2254215"/>
               <a:ext cx="63202" cy="63202"/>
             </a:xfrm>
             <a:custGeom>
@@ -14610,7 +14610,7 @@
           </p:nvSpPr>
           <p:spPr>
             <a:xfrm>
-              <a:off x="4655688" y="2247084"/>
+              <a:off x="5063557" y="2247076"/>
               <a:ext cx="63202" cy="63202"/>
             </a:xfrm>
             <a:custGeom>
@@ -14653,7 +14653,7 @@
           </p:nvSpPr>
           <p:spPr>
             <a:xfrm>
-              <a:off x="4712781" y="2273047"/>
+              <a:off x="4486329" y="2273071"/>
               <a:ext cx="63202" cy="63202"/>
             </a:xfrm>
             <a:custGeom>
@@ -14696,7 +14696,7 @@
           </p:nvSpPr>
           <p:spPr>
             <a:xfrm>
-              <a:off x="4700887" y="2294953"/>
+              <a:off x="4950911" y="2294947"/>
               <a:ext cx="63202" cy="63202"/>
             </a:xfrm>
             <a:custGeom>
@@ -14739,7 +14739,7 @@
           </p:nvSpPr>
           <p:spPr>
             <a:xfrm>
-              <a:off x="4912096" y="2282501"/>
+              <a:off x="4480106" y="2282495"/>
               <a:ext cx="63202" cy="63202"/>
             </a:xfrm>
             <a:custGeom>
@@ -14782,7 +14782,7 @@
           </p:nvSpPr>
           <p:spPr>
             <a:xfrm>
-              <a:off x="4703522" y="2301689"/>
+              <a:off x="4753836" y="2301702"/>
               <a:ext cx="63202" cy="63202"/>
             </a:xfrm>
             <a:custGeom>
@@ -14825,7 +14825,7 @@
           </p:nvSpPr>
           <p:spPr>
             <a:xfrm>
-              <a:off x="4550437" y="2274903"/>
+              <a:off x="4936904" y="2274920"/>
               <a:ext cx="63202" cy="63202"/>
             </a:xfrm>
             <a:custGeom>
@@ -14868,7 +14868,7 @@
           </p:nvSpPr>
           <p:spPr>
             <a:xfrm>
-              <a:off x="5040661" y="2270960"/>
+              <a:off x="4752342" y="2270973"/>
               <a:ext cx="63202" cy="63202"/>
             </a:xfrm>
             <a:custGeom>
@@ -14911,7 +14911,7 @@
           </p:nvSpPr>
           <p:spPr>
             <a:xfrm>
-              <a:off x="4970115" y="2419839"/>
+              <a:off x="4677236" y="2419809"/>
               <a:ext cx="63202" cy="63202"/>
             </a:xfrm>
             <a:custGeom>
@@ -14954,7 +14954,7 @@
           </p:nvSpPr>
           <p:spPr>
             <a:xfrm>
-              <a:off x="4888819" y="2269847"/>
+              <a:off x="4997131" y="2269824"/>
               <a:ext cx="63202" cy="63202"/>
             </a:xfrm>
             <a:custGeom>
@@ -14997,7 +14997,7 @@
           </p:nvSpPr>
           <p:spPr>
             <a:xfrm>
-              <a:off x="4481927" y="2405419"/>
+              <a:off x="4702150" y="2405444"/>
               <a:ext cx="63202" cy="63202"/>
             </a:xfrm>
             <a:custGeom>
@@ -15040,7 +15040,7 @@
           </p:nvSpPr>
           <p:spPr>
             <a:xfrm>
-              <a:off x="4921816" y="2494506"/>
+              <a:off x="4725802" y="2494517"/>
               <a:ext cx="63202" cy="63202"/>
             </a:xfrm>
             <a:custGeom>
@@ -15083,7 +15083,7 @@
           </p:nvSpPr>
           <p:spPr>
             <a:xfrm>
-              <a:off x="4823262" y="2464583"/>
+              <a:off x="4965768" y="2464589"/>
               <a:ext cx="63202" cy="63202"/>
             </a:xfrm>
             <a:custGeom>
@@ -15126,7 +15126,7 @@
           </p:nvSpPr>
           <p:spPr>
             <a:xfrm>
-              <a:off x="4518839" y="2415082"/>
+              <a:off x="4895384" y="2415095"/>
               <a:ext cx="63202" cy="63202"/>
             </a:xfrm>
             <a:custGeom>
@@ -15169,7 +15169,7 @@
           </p:nvSpPr>
           <p:spPr>
             <a:xfrm>
-              <a:off x="4930714" y="2275139"/>
+              <a:off x="4533667" y="2275140"/>
               <a:ext cx="63202" cy="63202"/>
             </a:xfrm>
             <a:custGeom>
@@ -15212,7 +15212,7 @@
           </p:nvSpPr>
           <p:spPr>
             <a:xfrm>
-              <a:off x="4478222" y="2515682"/>
+              <a:off x="4812713" y="2515709"/>
               <a:ext cx="63202" cy="63202"/>
             </a:xfrm>
             <a:custGeom>
@@ -15255,7 +15255,7 @@
           </p:nvSpPr>
           <p:spPr>
             <a:xfrm>
-              <a:off x="4776236" y="2275596"/>
+              <a:off x="5028897" y="2275588"/>
               <a:ext cx="63202" cy="63202"/>
             </a:xfrm>
             <a:custGeom>
@@ -15298,7 +15298,7 @@
           </p:nvSpPr>
           <p:spPr>
             <a:xfrm>
-              <a:off x="4812447" y="2296754"/>
+              <a:off x="4660790" y="2296737"/>
               <a:ext cx="63202" cy="63202"/>
             </a:xfrm>
             <a:custGeom>
@@ -15341,7 +15341,7 @@
           </p:nvSpPr>
           <p:spPr>
             <a:xfrm>
-              <a:off x="4906666" y="2648365"/>
+              <a:off x="4627225" y="2648358"/>
               <a:ext cx="63202" cy="63202"/>
             </a:xfrm>
             <a:custGeom>
@@ -15384,7 +15384,7 @@
           </p:nvSpPr>
           <p:spPr>
             <a:xfrm>
-              <a:off x="4671559" y="2331948"/>
+              <a:off x="5092909" y="2331930"/>
               <a:ext cx="63202" cy="63202"/>
             </a:xfrm>
             <a:custGeom>
@@ -15427,7 +15427,7 @@
           </p:nvSpPr>
           <p:spPr>
             <a:xfrm>
-              <a:off x="4624338" y="2270154"/>
+              <a:off x="5022874" y="2270142"/>
               <a:ext cx="63202" cy="63202"/>
             </a:xfrm>
             <a:custGeom>
@@ -15470,7 +15470,7 @@
           </p:nvSpPr>
           <p:spPr>
             <a:xfrm>
-              <a:off x="4932873" y="2584963"/>
+              <a:off x="4632509" y="2584968"/>
               <a:ext cx="63202" cy="63202"/>
             </a:xfrm>
             <a:custGeom>
@@ -15513,7 +15513,7 @@
           </p:nvSpPr>
           <p:spPr>
             <a:xfrm>
-              <a:off x="4618910" y="2394354"/>
+              <a:off x="5065109" y="2394355"/>
               <a:ext cx="63202" cy="63202"/>
             </a:xfrm>
             <a:custGeom>
@@ -15556,7 +15556,7 @@
           </p:nvSpPr>
           <p:spPr>
             <a:xfrm>
-              <a:off x="4714984" y="2285754"/>
+              <a:off x="5141163" y="2285769"/>
               <a:ext cx="63202" cy="63202"/>
             </a:xfrm>
             <a:custGeom>
@@ -15599,7 +15599,7 @@
           </p:nvSpPr>
           <p:spPr>
             <a:xfrm>
-              <a:off x="4843964" y="2283285"/>
+              <a:off x="4583899" y="2283285"/>
               <a:ext cx="63202" cy="63202"/>
             </a:xfrm>
             <a:custGeom>
@@ -15642,7 +15642,7 @@
           </p:nvSpPr>
           <p:spPr>
             <a:xfrm>
-              <a:off x="4685054" y="2242096"/>
+              <a:off x="4957044" y="2242093"/>
               <a:ext cx="63202" cy="63202"/>
             </a:xfrm>
             <a:custGeom>
@@ -15685,7 +15685,7 @@
           </p:nvSpPr>
           <p:spPr>
             <a:xfrm>
-              <a:off x="4730760" y="2242096"/>
+              <a:off x="4707400" y="2242080"/>
               <a:ext cx="63202" cy="63202"/>
             </a:xfrm>
             <a:custGeom>
@@ -15728,7 +15728,7 @@
           </p:nvSpPr>
           <p:spPr>
             <a:xfrm>
-              <a:off x="5077517" y="2307067"/>
+              <a:off x="4484688" y="2307073"/>
               <a:ext cx="63202" cy="63202"/>
             </a:xfrm>
             <a:custGeom>
@@ -15771,7 +15771,7 @@
           </p:nvSpPr>
           <p:spPr>
             <a:xfrm>
-              <a:off x="4492884" y="2595635"/>
+              <a:off x="4491057" y="2595643"/>
               <a:ext cx="63202" cy="63202"/>
             </a:xfrm>
             <a:custGeom>
@@ -15814,7 +15814,7 @@
           </p:nvSpPr>
           <p:spPr>
             <a:xfrm>
-              <a:off x="4868732" y="2303563"/>
+              <a:off x="4516839" y="2303561"/>
               <a:ext cx="63202" cy="63202"/>
             </a:xfrm>
             <a:custGeom>
@@ -15857,7 +15857,7 @@
           </p:nvSpPr>
           <p:spPr>
             <a:xfrm>
-              <a:off x="4990767" y="2289245"/>
+              <a:off x="4741232" y="2289254"/>
               <a:ext cx="63202" cy="63202"/>
             </a:xfrm>
             <a:custGeom>
@@ -15900,7 +15900,7 @@
           </p:nvSpPr>
           <p:spPr>
             <a:xfrm>
-              <a:off x="4734492" y="2210967"/>
+              <a:off x="5055762" y="2210961"/>
               <a:ext cx="63202" cy="63202"/>
             </a:xfrm>
             <a:custGeom>
@@ -15943,7 +15943,7 @@
           </p:nvSpPr>
           <p:spPr>
             <a:xfrm>
-              <a:off x="5041060" y="2488373"/>
+              <a:off x="4705854" y="2488370"/>
               <a:ext cx="63202" cy="63202"/>
             </a:xfrm>
             <a:custGeom>
@@ -15986,7 +15986,7 @@
           </p:nvSpPr>
           <p:spPr>
             <a:xfrm>
-              <a:off x="4857471" y="2235966"/>
+              <a:off x="4512084" y="2235964"/>
               <a:ext cx="63202" cy="63202"/>
             </a:xfrm>
             <a:custGeom>
@@ -16029,7 +16029,7 @@
           </p:nvSpPr>
           <p:spPr>
             <a:xfrm>
-              <a:off x="4538046" y="2324522"/>
+              <a:off x="4990279" y="2324548"/>
               <a:ext cx="63202" cy="63202"/>
             </a:xfrm>
             <a:custGeom>
@@ -16072,7 +16072,7 @@
           </p:nvSpPr>
           <p:spPr>
             <a:xfrm>
-              <a:off x="4840889" y="2355295"/>
+              <a:off x="4693753" y="2355309"/>
               <a:ext cx="63202" cy="63202"/>
             </a:xfrm>
             <a:custGeom>
@@ -16115,7 +16115,7 @@
           </p:nvSpPr>
           <p:spPr>
             <a:xfrm>
-              <a:off x="4873639" y="2276856"/>
+              <a:off x="4672970" y="2276865"/>
               <a:ext cx="63202" cy="63202"/>
             </a:xfrm>
             <a:custGeom>
@@ -16158,7 +16158,7 @@
           </p:nvSpPr>
           <p:spPr>
             <a:xfrm>
-              <a:off x="4979302" y="2577882"/>
+              <a:off x="4588997" y="2577892"/>
               <a:ext cx="63202" cy="63202"/>
             </a:xfrm>
             <a:custGeom>
@@ -16201,7 +16201,7 @@
           </p:nvSpPr>
           <p:spPr>
             <a:xfrm>
-              <a:off x="4523555" y="2747765"/>
+              <a:off x="5008602" y="2747793"/>
               <a:ext cx="63202" cy="63202"/>
             </a:xfrm>
             <a:custGeom>
@@ -16244,7 +16244,7 @@
           </p:nvSpPr>
           <p:spPr>
             <a:xfrm>
-              <a:off x="4806615" y="2329086"/>
+              <a:off x="4901207" y="2329060"/>
               <a:ext cx="63202" cy="63202"/>
             </a:xfrm>
             <a:custGeom>
@@ -16287,7 +16287,7 @@
           </p:nvSpPr>
           <p:spPr>
             <a:xfrm>
-              <a:off x="5126261" y="2463805"/>
+              <a:off x="5086385" y="2463821"/>
               <a:ext cx="63202" cy="63202"/>
             </a:xfrm>
             <a:custGeom>
@@ -16330,7 +16330,7 @@
           </p:nvSpPr>
           <p:spPr>
             <a:xfrm>
-              <a:off x="4754649" y="2595185"/>
+              <a:off x="5139925" y="2595201"/>
               <a:ext cx="63202" cy="63202"/>
             </a:xfrm>
             <a:custGeom>
@@ -16373,7 +16373,7 @@
           </p:nvSpPr>
           <p:spPr>
             <a:xfrm>
-              <a:off x="4650706" y="2284540"/>
+              <a:off x="4779502" y="2284552"/>
               <a:ext cx="63202" cy="63202"/>
             </a:xfrm>
             <a:custGeom>
@@ -16416,7 +16416,7 @@
           </p:nvSpPr>
           <p:spPr>
             <a:xfrm>
-              <a:off x="5123611" y="2356782"/>
+              <a:off x="4730352" y="2356784"/>
               <a:ext cx="63202" cy="63202"/>
             </a:xfrm>
             <a:custGeom>
@@ -16459,7 +16459,7 @@
           </p:nvSpPr>
           <p:spPr>
             <a:xfrm>
-              <a:off x="5159531" y="2252387"/>
+              <a:off x="5012757" y="2252415"/>
               <a:ext cx="63202" cy="63202"/>
             </a:xfrm>
             <a:custGeom>
@@ -16502,7 +16502,7 @@
           </p:nvSpPr>
           <p:spPr>
             <a:xfrm>
-              <a:off x="4871243" y="2709447"/>
+              <a:off x="4966075" y="2709470"/>
               <a:ext cx="63202" cy="63202"/>
             </a:xfrm>
             <a:custGeom>
@@ -16545,7 +16545,7 @@
           </p:nvSpPr>
           <p:spPr>
             <a:xfrm>
-              <a:off x="5115069" y="2278909"/>
+              <a:off x="4715642" y="2278901"/>
               <a:ext cx="63202" cy="63202"/>
             </a:xfrm>
             <a:custGeom>
@@ -16588,7 +16588,7 @@
           </p:nvSpPr>
           <p:spPr>
             <a:xfrm>
-              <a:off x="4719729" y="2329081"/>
+              <a:off x="5034918" y="2329090"/>
               <a:ext cx="63202" cy="63202"/>
             </a:xfrm>
             <a:custGeom>
@@ -16631,7 +16631,7 @@
           </p:nvSpPr>
           <p:spPr>
             <a:xfrm>
-              <a:off x="4861892" y="2676134"/>
+              <a:off x="4622216" y="2676144"/>
               <a:ext cx="63202" cy="63202"/>
             </a:xfrm>
             <a:custGeom>
@@ -16674,7 +16674,7 @@
           </p:nvSpPr>
           <p:spPr>
             <a:xfrm>
-              <a:off x="4973881" y="2345567"/>
+              <a:off x="5161766" y="2345560"/>
               <a:ext cx="63202" cy="63202"/>
             </a:xfrm>
             <a:custGeom>
@@ -16717,7 +16717,7 @@
           </p:nvSpPr>
           <p:spPr>
             <a:xfrm>
-              <a:off x="4852012" y="2351191"/>
+              <a:off x="4693465" y="2351186"/>
               <a:ext cx="63202" cy="63202"/>
             </a:xfrm>
             <a:custGeom>
@@ -16760,7 +16760,7 @@
           </p:nvSpPr>
           <p:spPr>
             <a:xfrm>
-              <a:off x="4769485" y="2239682"/>
+              <a:off x="5085400" y="2239685"/>
               <a:ext cx="63202" cy="63202"/>
             </a:xfrm>
             <a:custGeom>
@@ -16803,7 +16803,7 @@
           </p:nvSpPr>
           <p:spPr>
             <a:xfrm>
-              <a:off x="5118931" y="2273603"/>
+              <a:off x="4566671" y="2273590"/>
               <a:ext cx="63202" cy="63202"/>
             </a:xfrm>
             <a:custGeom>
@@ -16846,7 +16846,7 @@
           </p:nvSpPr>
           <p:spPr>
             <a:xfrm>
-              <a:off x="4805730" y="2338961"/>
+              <a:off x="4820462" y="2338978"/>
               <a:ext cx="63202" cy="63202"/>
             </a:xfrm>
             <a:custGeom>
@@ -16889,7 +16889,7 @@
           </p:nvSpPr>
           <p:spPr>
             <a:xfrm>
-              <a:off x="5107442" y="2316483"/>
+              <a:off x="4906702" y="2316515"/>
               <a:ext cx="63202" cy="63202"/>
             </a:xfrm>
             <a:custGeom>
@@ -16932,7 +16932,7 @@
           </p:nvSpPr>
           <p:spPr>
             <a:xfrm>
-              <a:off x="4477800" y="2241745"/>
+              <a:off x="4470139" y="2241733"/>
               <a:ext cx="63202" cy="63202"/>
             </a:xfrm>
             <a:custGeom>
@@ -16975,7 +16975,7 @@
           </p:nvSpPr>
           <p:spPr>
             <a:xfrm>
-              <a:off x="4608442" y="2454787"/>
+              <a:off x="4836903" y="2454794"/>
               <a:ext cx="63202" cy="63202"/>
             </a:xfrm>
             <a:custGeom>
@@ -17018,7 +17018,7 @@
           </p:nvSpPr>
           <p:spPr>
             <a:xfrm>
-              <a:off x="5140763" y="2302728"/>
+              <a:off x="4821729" y="2302738"/>
               <a:ext cx="63202" cy="63202"/>
             </a:xfrm>
             <a:custGeom>
@@ -17061,7 +17061,7 @@
           </p:nvSpPr>
           <p:spPr>
             <a:xfrm>
-              <a:off x="5053334" y="2316180"/>
+              <a:off x="4824756" y="2316183"/>
               <a:ext cx="63202" cy="63202"/>
             </a:xfrm>
             <a:custGeom>
@@ -17104,7 +17104,7 @@
           </p:nvSpPr>
           <p:spPr>
             <a:xfrm>
-              <a:off x="4641432" y="2610394"/>
+              <a:off x="4835793" y="2610407"/>
               <a:ext cx="63202" cy="63202"/>
             </a:xfrm>
             <a:custGeom>
@@ -17147,7 +17147,7 @@
           </p:nvSpPr>
           <p:spPr>
             <a:xfrm>
-              <a:off x="4962207" y="2630871"/>
+              <a:off x="4762254" y="2630867"/>
               <a:ext cx="63202" cy="63202"/>
             </a:xfrm>
             <a:custGeom>
@@ -17190,7 +17190,7 @@
           </p:nvSpPr>
           <p:spPr>
             <a:xfrm>
-              <a:off x="5109558" y="2242701"/>
+              <a:off x="4917741" y="2242682"/>
               <a:ext cx="63202" cy="63202"/>
             </a:xfrm>
             <a:custGeom>
@@ -17233,7 +17233,7 @@
           </p:nvSpPr>
           <p:spPr>
             <a:xfrm>
-              <a:off x="4496733" y="2236338"/>
+              <a:off x="4590299" y="2236313"/>
               <a:ext cx="63202" cy="63202"/>
             </a:xfrm>
             <a:custGeom>
@@ -17276,7 +17276,7 @@
           </p:nvSpPr>
           <p:spPr>
             <a:xfrm>
-              <a:off x="4532218" y="2233966"/>
+              <a:off x="4678785" y="2233973"/>
               <a:ext cx="63202" cy="63202"/>
             </a:xfrm>
             <a:custGeom>
@@ -17319,7 +17319,7 @@
           </p:nvSpPr>
           <p:spPr>
             <a:xfrm>
-              <a:off x="5022055" y="2486598"/>
+              <a:off x="4710590" y="2486602"/>
               <a:ext cx="63202" cy="63202"/>
             </a:xfrm>
             <a:custGeom>
@@ -17362,7 +17362,7 @@
           </p:nvSpPr>
           <p:spPr>
             <a:xfrm>
-              <a:off x="5088161" y="2283031"/>
+              <a:off x="4715995" y="2283024"/>
               <a:ext cx="63202" cy="63202"/>
             </a:xfrm>
             <a:custGeom>
@@ -17405,7 +17405,7 @@
           </p:nvSpPr>
           <p:spPr>
             <a:xfrm>
-              <a:off x="4906962" y="2242427"/>
+              <a:off x="4730642" y="2242403"/>
               <a:ext cx="63202" cy="63202"/>
             </a:xfrm>
             <a:custGeom>
@@ -17448,7 +17448,7 @@
           </p:nvSpPr>
           <p:spPr>
             <a:xfrm>
-              <a:off x="4622108" y="2481019"/>
+              <a:off x="4665429" y="2481028"/>
               <a:ext cx="63202" cy="63202"/>
             </a:xfrm>
             <a:custGeom>
@@ -17491,7 +17491,7 @@
           </p:nvSpPr>
           <p:spPr>
             <a:xfrm>
-              <a:off x="4607174" y="2236345"/>
+              <a:off x="4707381" y="2236328"/>
               <a:ext cx="63202" cy="63202"/>
             </a:xfrm>
             <a:custGeom>
@@ -17534,7 +17534,7 @@
           </p:nvSpPr>
           <p:spPr>
             <a:xfrm>
-              <a:off x="4836340" y="2238727"/>
+              <a:off x="4526329" y="2238726"/>
               <a:ext cx="63202" cy="63202"/>
             </a:xfrm>
             <a:custGeom>
@@ -17577,7 +17577,7 @@
           </p:nvSpPr>
           <p:spPr>
             <a:xfrm>
-              <a:off x="5084793" y="2275761"/>
+              <a:off x="5078385" y="2275777"/>
               <a:ext cx="63202" cy="63202"/>
             </a:xfrm>
             <a:custGeom>
@@ -17620,7 +17620,7 @@
           </p:nvSpPr>
           <p:spPr>
             <a:xfrm>
-              <a:off x="4839633" y="2240456"/>
+              <a:off x="5135397" y="2240471"/>
               <a:ext cx="63202" cy="63202"/>
             </a:xfrm>
             <a:custGeom>
@@ -17663,7 +17663,7 @@
           </p:nvSpPr>
           <p:spPr>
             <a:xfrm>
-              <a:off x="4620387" y="2398589"/>
+              <a:off x="4563727" y="2398595"/>
               <a:ext cx="63202" cy="63202"/>
             </a:xfrm>
             <a:custGeom>
@@ -17706,7 +17706,7 @@
           </p:nvSpPr>
           <p:spPr>
             <a:xfrm>
-              <a:off x="4855177" y="2238404"/>
+              <a:off x="4922590" y="2238401"/>
               <a:ext cx="63202" cy="63202"/>
             </a:xfrm>
             <a:custGeom>
@@ -17749,7 +17749,7 @@
           </p:nvSpPr>
           <p:spPr>
             <a:xfrm>
-              <a:off x="4801203" y="2244010"/>
+              <a:off x="4640776" y="2244012"/>
               <a:ext cx="63202" cy="63202"/>
             </a:xfrm>
             <a:custGeom>
@@ -17848,7 +17848,7 @@
           </p:nvSpPr>
           <p:spPr>
             <a:xfrm>
-              <a:off x="4325757" y="4740928"/>
+              <a:off x="4325757" y="4740937"/>
               <a:ext cx="2796732" cy="0"/>
             </a:xfrm>
             <a:custGeom>
@@ -17934,7 +17934,7 @@
           </p:nvSpPr>
           <p:spPr>
             <a:xfrm>
-              <a:off x="4325757" y="3832994"/>
+              <a:off x="4325757" y="3832985"/>
               <a:ext cx="2796732" cy="0"/>
             </a:xfrm>
             <a:custGeom>
@@ -17977,7 +17977,7 @@
           </p:nvSpPr>
           <p:spPr>
             <a:xfrm>
-              <a:off x="4325757" y="3379027"/>
+              <a:off x="4325757" y="3379010"/>
               <a:ext cx="2796732" cy="0"/>
             </a:xfrm>
             <a:custGeom>
@@ -18020,7 +18020,7 @@
           </p:nvSpPr>
           <p:spPr>
             <a:xfrm>
-              <a:off x="4325757" y="4967911"/>
+              <a:off x="4325757" y="4967925"/>
               <a:ext cx="2796732" cy="0"/>
             </a:xfrm>
             <a:custGeom>
@@ -18063,7 +18063,7 @@
           </p:nvSpPr>
           <p:spPr>
             <a:xfrm>
-              <a:off x="4325757" y="4513944"/>
+              <a:off x="4325757" y="4513949"/>
               <a:ext cx="2796732" cy="0"/>
             </a:xfrm>
             <a:custGeom>
@@ -18106,7 +18106,7 @@
           </p:nvSpPr>
           <p:spPr>
             <a:xfrm>
-              <a:off x="4325757" y="4059977"/>
+              <a:off x="4325757" y="4059973"/>
               <a:ext cx="2796732" cy="0"/>
             </a:xfrm>
             <a:custGeom>
@@ -18149,7 +18149,7 @@
           </p:nvSpPr>
           <p:spPr>
             <a:xfrm>
-              <a:off x="4325757" y="3606010"/>
+              <a:off x="4325757" y="3605998"/>
               <a:ext cx="2796732" cy="0"/>
             </a:xfrm>
             <a:custGeom>
@@ -18321,7 +18321,7 @@
           </p:nvSpPr>
           <p:spPr>
             <a:xfrm>
-              <a:off x="4527957" y="4367038"/>
+              <a:off x="4944553" y="4367026"/>
               <a:ext cx="63202" cy="63202"/>
             </a:xfrm>
             <a:custGeom>
@@ -18364,7 +18364,7 @@
           </p:nvSpPr>
           <p:spPr>
             <a:xfrm>
-              <a:off x="4710231" y="4304814"/>
+              <a:off x="5014986" y="4304794"/>
               <a:ext cx="63202" cy="63202"/>
             </a:xfrm>
             <a:custGeom>
@@ -18407,7 +18407,7 @@
           </p:nvSpPr>
           <p:spPr>
             <a:xfrm>
-              <a:off x="6027263" y="4227899"/>
+              <a:off x="5393365" y="4227886"/>
               <a:ext cx="63202" cy="63202"/>
             </a:xfrm>
             <a:custGeom>
@@ -18450,7 +18450,7 @@
           </p:nvSpPr>
           <p:spPr>
             <a:xfrm>
-              <a:off x="6575649" y="4769079"/>
+              <a:off x="6883576" y="4769069"/>
               <a:ext cx="63202" cy="63202"/>
             </a:xfrm>
             <a:custGeom>
@@ -18493,7 +18493,7 @@
           </p:nvSpPr>
           <p:spPr>
             <a:xfrm>
-              <a:off x="6890632" y="4883747"/>
+              <a:off x="6813433" y="4883747"/>
               <a:ext cx="63202" cy="63202"/>
             </a:xfrm>
             <a:custGeom>
@@ -18536,7 +18536,7 @@
           </p:nvSpPr>
           <p:spPr>
             <a:xfrm>
-              <a:off x="6721268" y="4687349"/>
+              <a:off x="6652378" y="4687368"/>
               <a:ext cx="63202" cy="63202"/>
             </a:xfrm>
             <a:custGeom>
@@ -18579,7 +18579,7 @@
           </p:nvSpPr>
           <p:spPr>
             <a:xfrm>
-              <a:off x="6588454" y="4864342"/>
+              <a:off x="6849595" y="4864374"/>
               <a:ext cx="63202" cy="63202"/>
             </a:xfrm>
             <a:custGeom>
@@ -18678,7 +18678,7 @@
           </p:nvSpPr>
           <p:spPr>
             <a:xfrm>
-              <a:off x="4325757" y="6666260"/>
+              <a:off x="4325757" y="6666269"/>
               <a:ext cx="2796732" cy="0"/>
             </a:xfrm>
             <a:custGeom>
@@ -18721,7 +18721,7 @@
           </p:nvSpPr>
           <p:spPr>
             <a:xfrm>
-              <a:off x="4325757" y="6212293"/>
+              <a:off x="4325757" y="6212294"/>
               <a:ext cx="2796732" cy="0"/>
             </a:xfrm>
             <a:custGeom>
@@ -18764,7 +18764,7 @@
           </p:nvSpPr>
           <p:spPr>
             <a:xfrm>
-              <a:off x="4325757" y="5758326"/>
+              <a:off x="4325757" y="5758318"/>
               <a:ext cx="2796732" cy="0"/>
             </a:xfrm>
             <a:custGeom>
@@ -18807,7 +18807,7 @@
           </p:nvSpPr>
           <p:spPr>
             <a:xfrm>
-              <a:off x="4325757" y="5304359"/>
+              <a:off x="4325757" y="5304342"/>
               <a:ext cx="2796732" cy="0"/>
             </a:xfrm>
             <a:custGeom>
@@ -18850,7 +18850,7 @@
           </p:nvSpPr>
           <p:spPr>
             <a:xfrm>
-              <a:off x="4325757" y="6893244"/>
+              <a:off x="4325757" y="6893257"/>
               <a:ext cx="2796732" cy="0"/>
             </a:xfrm>
             <a:custGeom>
@@ -18893,7 +18893,7 @@
           </p:nvSpPr>
           <p:spPr>
             <a:xfrm>
-              <a:off x="4325757" y="6439277"/>
+              <a:off x="4325757" y="6439282"/>
               <a:ext cx="2796732" cy="0"/>
             </a:xfrm>
             <a:custGeom>
@@ -18936,7 +18936,7 @@
           </p:nvSpPr>
           <p:spPr>
             <a:xfrm>
-              <a:off x="4325757" y="5985310"/>
+              <a:off x="4325757" y="5985306"/>
               <a:ext cx="2796732" cy="0"/>
             </a:xfrm>
             <a:custGeom>
@@ -18979,7 +18979,7 @@
           </p:nvSpPr>
           <p:spPr>
             <a:xfrm>
-              <a:off x="4325757" y="5531343"/>
+              <a:off x="4325757" y="5531330"/>
               <a:ext cx="2796732" cy="0"/>
             </a:xfrm>
             <a:custGeom>
@@ -19151,7 +19151,7 @@
           </p:nvSpPr>
           <p:spPr>
             <a:xfrm>
-              <a:off x="4827641" y="5890188"/>
+              <a:off x="4551536" y="5890191"/>
               <a:ext cx="63202" cy="63202"/>
             </a:xfrm>
             <a:custGeom>
@@ -19194,7 +19194,7 @@
           </p:nvSpPr>
           <p:spPr>
             <a:xfrm>
-              <a:off x="5090854" y="5865735"/>
+              <a:off x="4793693" y="5865709"/>
               <a:ext cx="63202" cy="63202"/>
             </a:xfrm>
             <a:custGeom>
@@ -19237,7 +19237,7 @@
           </p:nvSpPr>
           <p:spPr>
             <a:xfrm>
-              <a:off x="4475571" y="5923256"/>
+              <a:off x="5167505" y="5923238"/>
               <a:ext cx="63202" cy="63202"/>
             </a:xfrm>
             <a:custGeom>
@@ -19280,7 +19280,7 @@
           </p:nvSpPr>
           <p:spPr>
             <a:xfrm>
-              <a:off x="4703211" y="5811808"/>
+              <a:off x="4695538" y="5811777"/>
               <a:ext cx="63202" cy="63202"/>
             </a:xfrm>
             <a:custGeom>
@@ -19323,7 +19323,7 @@
           </p:nvSpPr>
           <p:spPr>
             <a:xfrm>
-              <a:off x="4577210" y="5866225"/>
+              <a:off x="5085765" y="5866226"/>
               <a:ext cx="63202" cy="63202"/>
             </a:xfrm>
             <a:custGeom>
@@ -19366,7 +19366,7 @@
           </p:nvSpPr>
           <p:spPr>
             <a:xfrm>
-              <a:off x="5009324" y="5881816"/>
+              <a:off x="4907398" y="5881779"/>
               <a:ext cx="63202" cy="63202"/>
             </a:xfrm>
             <a:custGeom>
@@ -19409,7 +19409,7 @@
           </p:nvSpPr>
           <p:spPr>
             <a:xfrm>
-              <a:off x="5096710" y="5864284"/>
+              <a:off x="5053883" y="5864287"/>
               <a:ext cx="63202" cy="63202"/>
             </a:xfrm>
             <a:custGeom>
@@ -19452,7 +19452,7 @@
           </p:nvSpPr>
           <p:spPr>
             <a:xfrm>
-              <a:off x="4494813" y="5932992"/>
+              <a:off x="4798368" y="5932998"/>
               <a:ext cx="63202" cy="63202"/>
             </a:xfrm>
             <a:custGeom>
@@ -19495,7 +19495,7 @@
           </p:nvSpPr>
           <p:spPr>
             <a:xfrm>
-              <a:off x="4710779" y="6091303"/>
+              <a:off x="4855984" y="6091305"/>
               <a:ext cx="63202" cy="63202"/>
             </a:xfrm>
             <a:custGeom>
@@ -19538,7 +19538,7 @@
           </p:nvSpPr>
           <p:spPr>
             <a:xfrm>
-              <a:off x="4842458" y="5923111"/>
+              <a:off x="4828060" y="5923111"/>
               <a:ext cx="63202" cy="63202"/>
             </a:xfrm>
             <a:custGeom>
@@ -19581,7 +19581,7 @@
           </p:nvSpPr>
           <p:spPr>
             <a:xfrm>
-              <a:off x="5085578" y="5929727"/>
+              <a:off x="5002095" y="5929746"/>
               <a:ext cx="63202" cy="63202"/>
             </a:xfrm>
             <a:custGeom>
@@ -19624,7 +19624,7 @@
           </p:nvSpPr>
           <p:spPr>
             <a:xfrm>
-              <a:off x="4761828" y="6079883"/>
+              <a:off x="4668602" y="6079877"/>
               <a:ext cx="63202" cy="63202"/>
             </a:xfrm>
             <a:custGeom>
@@ -19667,7 +19667,7 @@
           </p:nvSpPr>
           <p:spPr>
             <a:xfrm>
-              <a:off x="4597092" y="6082044"/>
+              <a:off x="4862416" y="6082040"/>
               <a:ext cx="63202" cy="63202"/>
             </a:xfrm>
             <a:custGeom>
@@ -19710,7 +19710,7 @@
           </p:nvSpPr>
           <p:spPr>
             <a:xfrm>
-              <a:off x="4908473" y="5899877"/>
+              <a:off x="5087290" y="5899876"/>
               <a:ext cx="63202" cy="63202"/>
             </a:xfrm>
             <a:custGeom>
@@ -19753,7 +19753,7 @@
           </p:nvSpPr>
           <p:spPr>
             <a:xfrm>
-              <a:off x="4474875" y="5930386"/>
+              <a:off x="4714303" y="5930386"/>
               <a:ext cx="63202" cy="63202"/>
             </a:xfrm>
             <a:custGeom>
@@ -19796,7 +19796,7 @@
           </p:nvSpPr>
           <p:spPr>
             <a:xfrm>
-              <a:off x="4560524" y="5848218"/>
+              <a:off x="4811654" y="5848207"/>
               <a:ext cx="63202" cy="63202"/>
             </a:xfrm>
             <a:custGeom>
@@ -19839,7 +19839,7 @@
           </p:nvSpPr>
           <p:spPr>
             <a:xfrm>
-              <a:off x="5057100" y="5912154"/>
+              <a:off x="4874354" y="5912175"/>
               <a:ext cx="63202" cy="63202"/>
             </a:xfrm>
             <a:custGeom>
@@ -19882,7 +19882,7 @@
           </p:nvSpPr>
           <p:spPr>
             <a:xfrm>
-              <a:off x="4475952" y="5859919"/>
+              <a:off x="4781213" y="5859921"/>
               <a:ext cx="63202" cy="63202"/>
             </a:xfrm>
             <a:custGeom>
@@ -19925,7 +19925,7 @@
           </p:nvSpPr>
           <p:spPr>
             <a:xfrm>
-              <a:off x="4539910" y="5887068"/>
+              <a:off x="4948069" y="5887073"/>
               <a:ext cx="63202" cy="63202"/>
             </a:xfrm>
             <a:custGeom>
@@ -19968,7 +19968,7 @@
           </p:nvSpPr>
           <p:spPr>
             <a:xfrm>
-              <a:off x="4838555" y="5845346"/>
+              <a:off x="4716671" y="5845329"/>
               <a:ext cx="63202" cy="63202"/>
             </a:xfrm>
             <a:custGeom>
@@ -20011,7 +20011,7 @@
           </p:nvSpPr>
           <p:spPr>
             <a:xfrm>
-              <a:off x="5105744" y="6194726"/>
+              <a:off x="5023937" y="6194719"/>
               <a:ext cx="63202" cy="63202"/>
             </a:xfrm>
             <a:custGeom>
@@ -20054,7 +20054,7 @@
           </p:nvSpPr>
           <p:spPr>
             <a:xfrm>
-              <a:off x="4804351" y="5886023"/>
+              <a:off x="4925055" y="5886018"/>
               <a:ext cx="63202" cy="63202"/>
             </a:xfrm>
             <a:custGeom>
@@ -20097,7 +20097,7 @@
           </p:nvSpPr>
           <p:spPr>
             <a:xfrm>
-              <a:off x="5076249" y="5883668"/>
+              <a:off x="4600552" y="5883654"/>
               <a:ext cx="63202" cy="63202"/>
             </a:xfrm>
             <a:custGeom>
@@ -20140,7 +20140,7 @@
           </p:nvSpPr>
           <p:spPr>
             <a:xfrm>
-              <a:off x="4970791" y="5854734"/>
+              <a:off x="4709018" y="5854753"/>
               <a:ext cx="63202" cy="63202"/>
             </a:xfrm>
             <a:custGeom>
@@ -20183,7 +20183,7 @@
           </p:nvSpPr>
           <p:spPr>
             <a:xfrm>
-              <a:off x="4673235" y="5863919"/>
+              <a:off x="4671294" y="5863920"/>
               <a:ext cx="63202" cy="63202"/>
             </a:xfrm>
             <a:custGeom>
@@ -20226,7 +20226,7 @@
           </p:nvSpPr>
           <p:spPr>
             <a:xfrm>
-              <a:off x="5110341" y="5882675"/>
+              <a:off x="4560430" y="5882649"/>
               <a:ext cx="63202" cy="63202"/>
             </a:xfrm>
             <a:custGeom>
@@ -20269,7 +20269,7 @@
           </p:nvSpPr>
           <p:spPr>
             <a:xfrm>
-              <a:off x="4539066" y="5881574"/>
+              <a:off x="4962830" y="5881557"/>
               <a:ext cx="63202" cy="63202"/>
             </a:xfrm>
             <a:custGeom>
@@ -20312,7 +20312,7 @@
           </p:nvSpPr>
           <p:spPr>
             <a:xfrm>
-              <a:off x="4653813" y="5865655"/>
+              <a:off x="4931020" y="5865631"/>
               <a:ext cx="63202" cy="63202"/>
             </a:xfrm>
             <a:custGeom>
@@ -20355,7 +20355,7 @@
           </p:nvSpPr>
           <p:spPr>
             <a:xfrm>
-              <a:off x="5155454" y="5922776"/>
+              <a:off x="4710477" y="5922793"/>
               <a:ext cx="63202" cy="63202"/>
             </a:xfrm>
             <a:custGeom>
@@ -20398,7 +20398,7 @@
           </p:nvSpPr>
           <p:spPr>
             <a:xfrm>
-              <a:off x="5144852" y="5901273"/>
+              <a:off x="4473722" y="5901281"/>
               <a:ext cx="63202" cy="63202"/>
             </a:xfrm>
             <a:custGeom>
@@ -20441,7 +20441,7 @@
           </p:nvSpPr>
           <p:spPr>
             <a:xfrm>
-              <a:off x="4629535" y="5889047"/>
+              <a:off x="5088357" y="5889041"/>
               <a:ext cx="63202" cy="63202"/>
             </a:xfrm>
             <a:custGeom>
@@ -20484,7 +20484,7 @@
           </p:nvSpPr>
           <p:spPr>
             <a:xfrm>
-              <a:off x="4943110" y="5854740"/>
+              <a:off x="5093178" y="5854751"/>
               <a:ext cx="63202" cy="63202"/>
             </a:xfrm>
             <a:custGeom>
@@ -20527,7 +20527,7 @@
           </p:nvSpPr>
           <p:spPr>
             <a:xfrm>
-              <a:off x="5159045" y="5864295"/>
+              <a:off x="5114790" y="5864278"/>
               <a:ext cx="63202" cy="63202"/>
             </a:xfrm>
             <a:custGeom>
@@ -20570,7 +20570,7 @@
           </p:nvSpPr>
           <p:spPr>
             <a:xfrm>
-              <a:off x="4678889" y="5864292"/>
+              <a:off x="4569294" y="5864281"/>
               <a:ext cx="63202" cy="63202"/>
             </a:xfrm>
             <a:custGeom>
@@ -20613,7 +20613,7 @@
           </p:nvSpPr>
           <p:spPr>
             <a:xfrm>
-              <a:off x="4835837" y="5889190"/>
+              <a:off x="4790644" y="5889205"/>
               <a:ext cx="63202" cy="63202"/>
             </a:xfrm>
             <a:custGeom>
@@ -20656,7 +20656,7 @@
           </p:nvSpPr>
           <p:spPr>
             <a:xfrm>
-              <a:off x="4729082" y="5890077"/>
+              <a:off x="5131474" y="5890048"/>
               <a:ext cx="63202" cy="63202"/>
             </a:xfrm>
             <a:custGeom>
@@ -20699,7 +20699,7 @@
           </p:nvSpPr>
           <p:spPr>
             <a:xfrm>
-              <a:off x="4524970" y="6023444"/>
+              <a:off x="4537998" y="6023429"/>
               <a:ext cx="63202" cy="63202"/>
             </a:xfrm>
             <a:custGeom>
@@ -20742,7 +20742,7 @@
           </p:nvSpPr>
           <p:spPr>
             <a:xfrm>
-              <a:off x="5130455" y="5857757"/>
+              <a:off x="5113081" y="5857736"/>
               <a:ext cx="63202" cy="63202"/>
             </a:xfrm>
             <a:custGeom>
@@ -20785,7 +20785,7 @@
           </p:nvSpPr>
           <p:spPr>
             <a:xfrm>
-              <a:off x="4747010" y="5892158"/>
+              <a:off x="5068644" y="5892158"/>
               <a:ext cx="63202" cy="63202"/>
             </a:xfrm>
             <a:custGeom>
@@ -20828,7 +20828,7 @@
           </p:nvSpPr>
           <p:spPr>
             <a:xfrm>
-              <a:off x="4667197" y="5917834"/>
+              <a:off x="4535059" y="5917830"/>
               <a:ext cx="63202" cy="63202"/>
             </a:xfrm>
             <a:custGeom>
@@ -20871,7 +20871,7 @@
           </p:nvSpPr>
           <p:spPr>
             <a:xfrm>
-              <a:off x="4989776" y="5862025"/>
+              <a:off x="4866820" y="5862005"/>
               <a:ext cx="63202" cy="63202"/>
             </a:xfrm>
             <a:custGeom>
@@ -20914,7 +20914,7 @@
           </p:nvSpPr>
           <p:spPr>
             <a:xfrm>
-              <a:off x="4886513" y="5878801"/>
+              <a:off x="4548999" y="5878814"/>
               <a:ext cx="63202" cy="63202"/>
             </a:xfrm>
             <a:custGeom>
@@ -20957,7 +20957,7 @@
           </p:nvSpPr>
           <p:spPr>
             <a:xfrm>
-              <a:off x="4754992" y="6183784"/>
+              <a:off x="4703576" y="6183779"/>
               <a:ext cx="63202" cy="63202"/>
             </a:xfrm>
             <a:custGeom>
@@ -21000,7 +21000,7 @@
           </p:nvSpPr>
           <p:spPr>
             <a:xfrm>
-              <a:off x="4986467" y="5889698"/>
+              <a:off x="5016835" y="5889701"/>
               <a:ext cx="63202" cy="63202"/>
             </a:xfrm>
             <a:custGeom>
@@ -21043,7 +21043,7 @@
           </p:nvSpPr>
           <p:spPr>
             <a:xfrm>
-              <a:off x="4676127" y="6015759"/>
+              <a:off x="4855535" y="6015773"/>
               <a:ext cx="63202" cy="63202"/>
             </a:xfrm>
             <a:custGeom>
@@ -21086,7 +21086,7 @@
           </p:nvSpPr>
           <p:spPr>
             <a:xfrm>
-              <a:off x="4606957" y="5864133"/>
+              <a:off x="4751738" y="5864137"/>
               <a:ext cx="63202" cy="63202"/>
             </a:xfrm>
             <a:custGeom>
@@ -21129,7 +21129,7 @@
           </p:nvSpPr>
           <p:spPr>
             <a:xfrm>
-              <a:off x="4510288" y="6004270"/>
+              <a:off x="4938176" y="6004284"/>
               <a:ext cx="63202" cy="63202"/>
             </a:xfrm>
             <a:custGeom>
@@ -21172,7 +21172,7 @@
           </p:nvSpPr>
           <p:spPr>
             <a:xfrm>
-              <a:off x="4951739" y="5866940"/>
+              <a:off x="4741526" y="5866937"/>
               <a:ext cx="63202" cy="63202"/>
             </a:xfrm>
             <a:custGeom>
@@ -21215,7 +21215,7 @@
           </p:nvSpPr>
           <p:spPr>
             <a:xfrm>
-              <a:off x="5052172" y="5898591"/>
+              <a:off x="4637218" y="5898598"/>
               <a:ext cx="63202" cy="63202"/>
             </a:xfrm>
             <a:custGeom>
@@ -21258,7 +21258,7 @@
           </p:nvSpPr>
           <p:spPr>
             <a:xfrm>
-              <a:off x="4858485" y="5875315"/>
+              <a:off x="4631048" y="5875303"/>
               <a:ext cx="63202" cy="63202"/>
             </a:xfrm>
             <a:custGeom>
@@ -21301,7 +21301,7 @@
           </p:nvSpPr>
           <p:spPr>
             <a:xfrm>
-              <a:off x="4714651" y="5939596"/>
+              <a:off x="5150894" y="5939593"/>
               <a:ext cx="63202" cy="63202"/>
             </a:xfrm>
             <a:custGeom>
@@ -21344,7 +21344,7 @@
           </p:nvSpPr>
           <p:spPr>
             <a:xfrm>
-              <a:off x="4979840" y="5899140"/>
+              <a:off x="4825388" y="5899123"/>
               <a:ext cx="63202" cy="63202"/>
             </a:xfrm>
             <a:custGeom>
@@ -21387,7 +21387,7 @@
           </p:nvSpPr>
           <p:spPr>
             <a:xfrm>
-              <a:off x="5111056" y="6159361"/>
+              <a:off x="4674989" y="6159357"/>
               <a:ext cx="63202" cy="63202"/>
             </a:xfrm>
             <a:custGeom>
@@ -21430,7 +21430,7 @@
           </p:nvSpPr>
           <p:spPr>
             <a:xfrm>
-              <a:off x="4808174" y="6107695"/>
+              <a:off x="4781179" y="6107688"/>
               <a:ext cx="63202" cy="63202"/>
             </a:xfrm>
             <a:custGeom>
@@ -21473,7 +21473,7 @@
           </p:nvSpPr>
           <p:spPr>
             <a:xfrm>
-              <a:off x="4840483" y="5862870"/>
+              <a:off x="4505558" y="5862866"/>
               <a:ext cx="63202" cy="63202"/>
             </a:xfrm>
             <a:custGeom>
@@ -21516,7 +21516,7 @@
           </p:nvSpPr>
           <p:spPr>
             <a:xfrm>
-              <a:off x="4736185" y="5917167"/>
+              <a:off x="4865223" y="5917164"/>
               <a:ext cx="63202" cy="63202"/>
             </a:xfrm>
             <a:custGeom>
@@ -21559,7 +21559,7 @@
           </p:nvSpPr>
           <p:spPr>
             <a:xfrm>
-              <a:off x="4697849" y="5988919"/>
+              <a:off x="4532716" y="5988936"/>
               <a:ext cx="63202" cy="63202"/>
             </a:xfrm>
             <a:custGeom>
@@ -21602,7 +21602,7 @@
           </p:nvSpPr>
           <p:spPr>
             <a:xfrm>
-              <a:off x="4748328" y="5870029"/>
+              <a:off x="4650100" y="5870020"/>
               <a:ext cx="63202" cy="63202"/>
             </a:xfrm>
             <a:custGeom>
@@ -21645,7 +21645,7 @@
           </p:nvSpPr>
           <p:spPr>
             <a:xfrm>
-              <a:off x="5016979" y="5858823"/>
+              <a:off x="4902353" y="5858827"/>
               <a:ext cx="63202" cy="63202"/>
             </a:xfrm>
             <a:custGeom>
@@ -21688,7 +21688,7 @@
           </p:nvSpPr>
           <p:spPr>
             <a:xfrm>
-              <a:off x="4882689" y="5924809"/>
+              <a:off x="4541824" y="5924801"/>
               <a:ext cx="63202" cy="63202"/>
             </a:xfrm>
             <a:custGeom>
@@ -21731,7 +21731,7 @@
           </p:nvSpPr>
           <p:spPr>
             <a:xfrm>
-              <a:off x="5023055" y="5925353"/>
+              <a:off x="4911242" y="5925333"/>
               <a:ext cx="63202" cy="63202"/>
             </a:xfrm>
             <a:custGeom>
@@ -21774,7 +21774,7 @@
           </p:nvSpPr>
           <p:spPr>
             <a:xfrm>
-              <a:off x="5115377" y="5931812"/>
+              <a:off x="4939418" y="5931838"/>
               <a:ext cx="63202" cy="63202"/>
             </a:xfrm>
             <a:custGeom>
@@ -21817,7 +21817,7 @@
           </p:nvSpPr>
           <p:spPr>
             <a:xfrm>
-              <a:off x="4947160" y="6193688"/>
+              <a:off x="5059114" y="6193673"/>
               <a:ext cx="63202" cy="63202"/>
             </a:xfrm>
             <a:custGeom>
@@ -21860,7 +21860,7 @@
           </p:nvSpPr>
           <p:spPr>
             <a:xfrm>
-              <a:off x="5037501" y="5867008"/>
+              <a:off x="4683698" y="5866979"/>
               <a:ext cx="63202" cy="63202"/>
             </a:xfrm>
             <a:custGeom>
@@ -21903,7 +21903,7 @@
           </p:nvSpPr>
           <p:spPr>
             <a:xfrm>
-              <a:off x="5114278" y="5878584"/>
+              <a:off x="5041645" y="5878582"/>
               <a:ext cx="63202" cy="63202"/>
             </a:xfrm>
             <a:custGeom>
@@ -21946,7 +21946,7 @@
           </p:nvSpPr>
           <p:spPr>
             <a:xfrm>
-              <a:off x="4974153" y="5930841"/>
+              <a:off x="4538427" y="5930830"/>
               <a:ext cx="63202" cy="63202"/>
             </a:xfrm>
             <a:custGeom>
@@ -21989,7 +21989,7 @@
           </p:nvSpPr>
           <p:spPr>
             <a:xfrm>
-              <a:off x="4750655" y="5874317"/>
+              <a:off x="4473273" y="5874301"/>
               <a:ext cx="63202" cy="63202"/>
             </a:xfrm>
             <a:custGeom>
@@ -22032,7 +22032,7 @@
           </p:nvSpPr>
           <p:spPr>
             <a:xfrm>
-              <a:off x="5105535" y="5872186"/>
+              <a:off x="5137939" y="5872161"/>
               <a:ext cx="63202" cy="63202"/>
             </a:xfrm>
             <a:custGeom>
@@ -22075,7 +22075,7 @@
           </p:nvSpPr>
           <p:spPr>
             <a:xfrm>
-              <a:off x="4958498" y="6101626"/>
+              <a:off x="4605976" y="6101625"/>
               <a:ext cx="63202" cy="63202"/>
             </a:xfrm>
             <a:custGeom>
@@ -22118,7 +22118,7 @@
           </p:nvSpPr>
           <p:spPr>
             <a:xfrm>
-              <a:off x="5167198" y="5858982"/>
+              <a:off x="5081427" y="5858944"/>
               <a:ext cx="63202" cy="63202"/>
             </a:xfrm>
             <a:custGeom>
@@ -22161,7 +22161,7 @@
           </p:nvSpPr>
           <p:spPr>
             <a:xfrm>
-              <a:off x="4858068" y="5861499"/>
+              <a:off x="4623260" y="5861513"/>
               <a:ext cx="63202" cy="63202"/>
             </a:xfrm>
             <a:custGeom>
@@ -22204,7 +22204,7 @@
           </p:nvSpPr>
           <p:spPr>
             <a:xfrm>
-              <a:off x="4826568" y="5851510"/>
+              <a:off x="4486571" y="5851503"/>
               <a:ext cx="63202" cy="63202"/>
             </a:xfrm>
             <a:custGeom>
@@ -22247,7 +22247,7 @@
           </p:nvSpPr>
           <p:spPr>
             <a:xfrm>
-              <a:off x="4960874" y="6108904"/>
+              <a:off x="5087455" y="6108934"/>
               <a:ext cx="63202" cy="63202"/>
             </a:xfrm>
             <a:custGeom>
@@ -22290,7 +22290,7 @@
           </p:nvSpPr>
           <p:spPr>
             <a:xfrm>
-              <a:off x="4576608" y="5865454"/>
+              <a:off x="5114480" y="5865452"/>
               <a:ext cx="63202" cy="63202"/>
             </a:xfrm>
             <a:custGeom>
@@ -22333,7 +22333,7 @@
           </p:nvSpPr>
           <p:spPr>
             <a:xfrm>
-              <a:off x="5004182" y="5869670"/>
+              <a:off x="4885688" y="5869656"/>
               <a:ext cx="63202" cy="63202"/>
             </a:xfrm>
             <a:custGeom>
@@ -22376,7 +22376,7 @@
           </p:nvSpPr>
           <p:spPr>
             <a:xfrm>
-              <a:off x="5054695" y="6004270"/>
+              <a:off x="5144082" y="6004281"/>
               <a:ext cx="63202" cy="63202"/>
             </a:xfrm>
             <a:custGeom>
@@ -22419,7 +22419,7 @@
           </p:nvSpPr>
           <p:spPr>
             <a:xfrm>
-              <a:off x="4942976" y="5931465"/>
+              <a:off x="4730240" y="5931450"/>
               <a:ext cx="63202" cy="63202"/>
             </a:xfrm>
             <a:custGeom>
@@ -22462,7 +22462,7 @@
           </p:nvSpPr>
           <p:spPr>
             <a:xfrm>
-              <a:off x="5125240" y="5927885"/>
+              <a:off x="4646826" y="5927858"/>
               <a:ext cx="63202" cy="63202"/>
             </a:xfrm>
             <a:custGeom>
@@ -22505,7 +22505,7 @@
           </p:nvSpPr>
           <p:spPr>
             <a:xfrm>
-              <a:off x="4738231" y="5870995"/>
+              <a:off x="4790416" y="5870981"/>
               <a:ext cx="63202" cy="63202"/>
             </a:xfrm>
             <a:custGeom>
@@ -22548,7 +22548,7 @@
           </p:nvSpPr>
           <p:spPr>
             <a:xfrm>
-              <a:off x="4741622" y="5871453"/>
+              <a:off x="4898820" y="5871445"/>
               <a:ext cx="63202" cy="63202"/>
             </a:xfrm>
             <a:custGeom>
@@ -22591,7 +22591,7 @@
           </p:nvSpPr>
           <p:spPr>
             <a:xfrm>
-              <a:off x="4924816" y="5891979"/>
+              <a:off x="4622942" y="5891963"/>
               <a:ext cx="63202" cy="63202"/>
             </a:xfrm>
             <a:custGeom>
@@ -22634,7 +22634,7 @@
           </p:nvSpPr>
           <p:spPr>
             <a:xfrm>
-              <a:off x="4898358" y="6126479"/>
+              <a:off x="4891870" y="6126497"/>
               <a:ext cx="63202" cy="63202"/>
             </a:xfrm>
             <a:custGeom>
@@ -22677,7 +22677,7 @@
           </p:nvSpPr>
           <p:spPr>
             <a:xfrm>
-              <a:off x="4472261" y="6319753"/>
+              <a:off x="5138710" y="6319757"/>
               <a:ext cx="63202" cy="63202"/>
             </a:xfrm>
             <a:custGeom>
@@ -22720,7 +22720,7 @@
           </p:nvSpPr>
           <p:spPr>
             <a:xfrm>
-              <a:off x="4631301" y="5891155"/>
+              <a:off x="4658001" y="5891157"/>
               <a:ext cx="63202" cy="63202"/>
             </a:xfrm>
             <a:custGeom>
@@ -22763,7 +22763,7 @@
           </p:nvSpPr>
           <p:spPr>
             <a:xfrm>
-              <a:off x="4598424" y="6680437"/>
+              <a:off x="4764714" y="6680439"/>
               <a:ext cx="63202" cy="63202"/>
             </a:xfrm>
             <a:custGeom>
@@ -22806,7 +22806,7 @@
           </p:nvSpPr>
           <p:spPr>
             <a:xfrm>
-              <a:off x="4703235" y="5940438"/>
+              <a:off x="4486273" y="5940443"/>
               <a:ext cx="63202" cy="63202"/>
             </a:xfrm>
             <a:custGeom>
@@ -22849,7 +22849,7 @@
           </p:nvSpPr>
           <p:spPr>
             <a:xfrm>
-              <a:off x="4898770" y="5897294"/>
+              <a:off x="4719863" y="5897265"/>
               <a:ext cx="63202" cy="63202"/>
             </a:xfrm>
             <a:custGeom>
@@ -22892,7 +22892,7 @@
           </p:nvSpPr>
           <p:spPr>
             <a:xfrm>
-              <a:off x="4781003" y="5856119"/>
+              <a:off x="4710016" y="5856086"/>
               <a:ext cx="63202" cy="63202"/>
             </a:xfrm>
             <a:custGeom>
@@ -22935,7 +22935,7 @@
           </p:nvSpPr>
           <p:spPr>
             <a:xfrm>
-              <a:off x="4596639" y="5953616"/>
+              <a:off x="4831338" y="5953617"/>
               <a:ext cx="63202" cy="63202"/>
             </a:xfrm>
             <a:custGeom>
@@ -22978,7 +22978,7 @@
           </p:nvSpPr>
           <p:spPr>
             <a:xfrm>
-              <a:off x="4884611" y="5869583"/>
+              <a:off x="5011124" y="5869592"/>
               <a:ext cx="63202" cy="63202"/>
             </a:xfrm>
             <a:custGeom>
@@ -23021,7 +23021,7 @@
           </p:nvSpPr>
           <p:spPr>
             <a:xfrm>
-              <a:off x="5094256" y="5923097"/>
+              <a:off x="4705024" y="5923101"/>
               <a:ext cx="63202" cy="63202"/>
             </a:xfrm>
             <a:custGeom>
@@ -23064,7 +23064,7 @@
           </p:nvSpPr>
           <p:spPr>
             <a:xfrm>
-              <a:off x="4606280" y="5932020"/>
+              <a:off x="4740309" y="5932009"/>
               <a:ext cx="63202" cy="63202"/>
             </a:xfrm>
             <a:custGeom>
@@ -23107,7 +23107,7 @@
           </p:nvSpPr>
           <p:spPr>
             <a:xfrm>
-              <a:off x="4513441" y="5947717"/>
+              <a:off x="4825722" y="5947704"/>
               <a:ext cx="63202" cy="63202"/>
             </a:xfrm>
             <a:custGeom>
@@ -23150,7 +23150,7 @@
           </p:nvSpPr>
           <p:spPr>
             <a:xfrm>
-              <a:off x="4968530" y="5874457"/>
+              <a:off x="4682933" y="5874457"/>
               <a:ext cx="63202" cy="63202"/>
             </a:xfrm>
             <a:custGeom>
@@ -23193,7 +23193,7 @@
           </p:nvSpPr>
           <p:spPr>
             <a:xfrm>
-              <a:off x="4822966" y="5879262"/>
+              <a:off x="4661852" y="5879266"/>
               <a:ext cx="63202" cy="63202"/>
             </a:xfrm>
             <a:custGeom>
@@ -23236,7 +23236,7 @@
           </p:nvSpPr>
           <p:spPr>
             <a:xfrm>
-              <a:off x="5041836" y="6126622"/>
+              <a:off x="4552010" y="6126642"/>
               <a:ext cx="63202" cy="63202"/>
             </a:xfrm>
             <a:custGeom>
@@ -23279,7 +23279,7 @@
           </p:nvSpPr>
           <p:spPr>
             <a:xfrm>
-              <a:off x="4866930" y="5861993"/>
+              <a:off x="4989225" y="5861990"/>
               <a:ext cx="63202" cy="63202"/>
             </a:xfrm>
             <a:custGeom>
@@ -23322,7 +23322,7 @@
           </p:nvSpPr>
           <p:spPr>
             <a:xfrm>
-              <a:off x="4896352" y="6132168"/>
+              <a:off x="4657067" y="6132145"/>
               <a:ext cx="63202" cy="63202"/>
             </a:xfrm>
             <a:custGeom>
@@ -23365,7 +23365,7 @@
           </p:nvSpPr>
           <p:spPr>
             <a:xfrm>
-              <a:off x="5089928" y="5908959"/>
+              <a:off x="4913077" y="5908959"/>
               <a:ext cx="63202" cy="63202"/>
             </a:xfrm>
             <a:custGeom>
@@ -23408,7 +23408,7 @@
           </p:nvSpPr>
           <p:spPr>
             <a:xfrm>
-              <a:off x="4711447" y="6042922"/>
+              <a:off x="4873748" y="6042901"/>
               <a:ext cx="63202" cy="63202"/>
             </a:xfrm>
             <a:custGeom>
@@ -23451,7 +23451,7 @@
           </p:nvSpPr>
           <p:spPr>
             <a:xfrm>
-              <a:off x="4531076" y="5920719"/>
+              <a:off x="5034817" y="5920683"/>
               <a:ext cx="63202" cy="63202"/>
             </a:xfrm>
             <a:custGeom>
@@ -23494,7 +23494,7 @@
           </p:nvSpPr>
           <p:spPr>
             <a:xfrm>
-              <a:off x="4717477" y="5921494"/>
+              <a:off x="5061924" y="5921456"/>
               <a:ext cx="63202" cy="63202"/>
             </a:xfrm>
             <a:custGeom>
@@ -23537,7 +23537,7 @@
           </p:nvSpPr>
           <p:spPr>
             <a:xfrm>
-              <a:off x="4490200" y="6072198"/>
+              <a:off x="4613983" y="6072180"/>
               <a:ext cx="63202" cy="63202"/>
             </a:xfrm>
             <a:custGeom>
@@ -23580,7 +23580,7 @@
           </p:nvSpPr>
           <p:spPr>
             <a:xfrm>
-              <a:off x="5092037" y="5871571"/>
+              <a:off x="4837971" y="5871570"/>
               <a:ext cx="63202" cy="63202"/>
             </a:xfrm>
             <a:custGeom>
@@ -23623,7 +23623,7 @@
           </p:nvSpPr>
           <p:spPr>
             <a:xfrm>
-              <a:off x="4656549" y="5854745"/>
+              <a:off x="4995568" y="5854731"/>
               <a:ext cx="63202" cy="63202"/>
             </a:xfrm>
             <a:custGeom>
@@ -23666,7 +23666,7 @@
           </p:nvSpPr>
           <p:spPr>
             <a:xfrm>
-              <a:off x="4778987" y="6086282"/>
+              <a:off x="4736590" y="6086256"/>
               <a:ext cx="63202" cy="63202"/>
             </a:xfrm>
             <a:custGeom>
@@ -23709,7 +23709,7 @@
           </p:nvSpPr>
           <p:spPr>
             <a:xfrm>
-              <a:off x="5051691" y="5869077"/>
+              <a:off x="4661695" y="5869072"/>
               <a:ext cx="63202" cy="63202"/>
             </a:xfrm>
             <a:custGeom>
@@ -23752,7 +23752,7 @@
           </p:nvSpPr>
           <p:spPr>
             <a:xfrm>
-              <a:off x="4980469" y="5936461"/>
+              <a:off x="5143863" y="5936440"/>
               <a:ext cx="63202" cy="63202"/>
             </a:xfrm>
             <a:custGeom>
@@ -23795,7 +23795,7 @@
           </p:nvSpPr>
           <p:spPr>
             <a:xfrm>
-              <a:off x="4594284" y="5868095"/>
+              <a:off x="4937441" y="5868075"/>
               <a:ext cx="63202" cy="63202"/>
             </a:xfrm>
             <a:custGeom>
@@ -23838,7 +23838,7 @@
           </p:nvSpPr>
           <p:spPr>
             <a:xfrm>
-              <a:off x="5157146" y="5850484"/>
+              <a:off x="4996651" y="5850485"/>
               <a:ext cx="63202" cy="63202"/>
             </a:xfrm>
             <a:custGeom>
@@ -23881,7 +23881,7 @@
           </p:nvSpPr>
           <p:spPr>
             <a:xfrm>
-              <a:off x="4523424" y="5849204"/>
+              <a:off x="4859239" y="5849194"/>
               <a:ext cx="63202" cy="63202"/>
             </a:xfrm>
             <a:custGeom>
@@ -23924,7 +23924,7 @@
           </p:nvSpPr>
           <p:spPr>
             <a:xfrm>
-              <a:off x="4972479" y="5849205"/>
+              <a:off x="5118940" y="5849199"/>
               <a:ext cx="63202" cy="63202"/>
             </a:xfrm>
             <a:custGeom>
@@ -23967,7 +23967,7 @@
           </p:nvSpPr>
           <p:spPr>
             <a:xfrm>
-              <a:off x="5162439" y="5857390"/>
+              <a:off x="4724989" y="5857365"/>
               <a:ext cx="63202" cy="63202"/>
             </a:xfrm>
             <a:custGeom>
@@ -24010,7 +24010,7 @@
           </p:nvSpPr>
           <p:spPr>
             <a:xfrm>
-              <a:off x="4857308" y="5883387"/>
+              <a:off x="5140739" y="5883397"/>
               <a:ext cx="63202" cy="63202"/>
             </a:xfrm>
             <a:custGeom>
@@ -24053,7 +24053,7 @@
           </p:nvSpPr>
           <p:spPr>
             <a:xfrm>
-              <a:off x="4720214" y="5909162"/>
+              <a:off x="4997707" y="5909182"/>
               <a:ext cx="63202" cy="63202"/>
             </a:xfrm>
             <a:custGeom>
@@ -24096,7 +24096,7 @@
           </p:nvSpPr>
           <p:spPr>
             <a:xfrm>
-              <a:off x="4866400" y="5866260"/>
+              <a:off x="4590361" y="5866279"/>
               <a:ext cx="63202" cy="63202"/>
             </a:xfrm>
             <a:custGeom>
@@ -24139,7 +24139,7 @@
           </p:nvSpPr>
           <p:spPr>
             <a:xfrm>
-              <a:off x="4742276" y="5945262"/>
+              <a:off x="5118881" y="5945251"/>
               <a:ext cx="63202" cy="63202"/>
             </a:xfrm>
             <a:custGeom>
@@ -24182,7 +24182,7 @@
           </p:nvSpPr>
           <p:spPr>
             <a:xfrm>
-              <a:off x="4948255" y="6091895"/>
+              <a:off x="4957938" y="6091908"/>
               <a:ext cx="63202" cy="63202"/>
             </a:xfrm>
             <a:custGeom>
@@ -24225,7 +24225,7 @@
           </p:nvSpPr>
           <p:spPr>
             <a:xfrm>
-              <a:off x="4746826" y="6031832"/>
+              <a:off x="4773358" y="6031835"/>
               <a:ext cx="63202" cy="63202"/>
             </a:xfrm>
             <a:custGeom>
@@ -24268,7 +24268,7 @@
           </p:nvSpPr>
           <p:spPr>
             <a:xfrm>
-              <a:off x="4510188" y="5901418"/>
+              <a:off x="5028566" y="5901391"/>
               <a:ext cx="63202" cy="63202"/>
             </a:xfrm>
             <a:custGeom>
@@ -24311,7 +24311,7 @@
           </p:nvSpPr>
           <p:spPr>
             <a:xfrm>
-              <a:off x="4711178" y="5885969"/>
+              <a:off x="4922665" y="5885973"/>
               <a:ext cx="63202" cy="63202"/>
             </a:xfrm>
             <a:custGeom>
@@ -24354,7 +24354,7 @@
           </p:nvSpPr>
           <p:spPr>
             <a:xfrm>
-              <a:off x="5075841" y="6176387"/>
+              <a:off x="4499350" y="6176396"/>
               <a:ext cx="63202" cy="63202"/>
             </a:xfrm>
             <a:custGeom>
@@ -24397,7 +24397,7 @@
           </p:nvSpPr>
           <p:spPr>
             <a:xfrm>
-              <a:off x="4578714" y="5985675"/>
+              <a:off x="4937965" y="5985670"/>
               <a:ext cx="63202" cy="63202"/>
             </a:xfrm>
             <a:custGeom>
@@ -24440,7 +24440,7 @@
           </p:nvSpPr>
           <p:spPr>
             <a:xfrm>
-              <a:off x="4695607" y="5887875"/>
+              <a:off x="4990163" y="5887895"/>
               <a:ext cx="63202" cy="63202"/>
             </a:xfrm>
             <a:custGeom>
@@ -24483,7 +24483,7 @@
           </p:nvSpPr>
           <p:spPr>
             <a:xfrm>
-              <a:off x="4632145" y="5868266"/>
+              <a:off x="4968090" y="5868280"/>
               <a:ext cx="63202" cy="63202"/>
             </a:xfrm>
             <a:custGeom>
@@ -24526,7 +24526,7 @@
           </p:nvSpPr>
           <p:spPr>
             <a:xfrm>
-              <a:off x="4696374" y="5935231"/>
+              <a:off x="4516207" y="5935224"/>
               <a:ext cx="63202" cy="63202"/>
             </a:xfrm>
             <a:custGeom>
@@ -24569,7 +24569,7 @@
           </p:nvSpPr>
           <p:spPr>
             <a:xfrm>
-              <a:off x="4812314" y="5892329"/>
+              <a:off x="4949166" y="5892323"/>
               <a:ext cx="63202" cy="63202"/>
             </a:xfrm>
             <a:custGeom>
@@ -24612,7 +24612,7 @@
           </p:nvSpPr>
           <p:spPr>
             <a:xfrm>
-              <a:off x="5063335" y="5858203"/>
+              <a:off x="4989485" y="5858182"/>
               <a:ext cx="63202" cy="63202"/>
             </a:xfrm>
             <a:custGeom>
@@ -24655,7 +24655,7 @@
           </p:nvSpPr>
           <p:spPr>
             <a:xfrm>
-              <a:off x="4643445" y="5863924"/>
+              <a:off x="5118478" y="5863916"/>
               <a:ext cx="63202" cy="63202"/>
             </a:xfrm>
             <a:custGeom>
@@ -24698,7 +24698,7 @@
           </p:nvSpPr>
           <p:spPr>
             <a:xfrm>
-              <a:off x="4910878" y="5876030"/>
+              <a:off x="4855705" y="5876012"/>
               <a:ext cx="63202" cy="63202"/>
             </a:xfrm>
             <a:custGeom>
@@ -24741,7 +24741,7 @@
           </p:nvSpPr>
           <p:spPr>
             <a:xfrm>
-              <a:off x="4542019" y="6083078"/>
+              <a:off x="5107194" y="6083092"/>
               <a:ext cx="63202" cy="63202"/>
             </a:xfrm>
             <a:custGeom>
@@ -24784,7 +24784,7 @@
           </p:nvSpPr>
           <p:spPr>
             <a:xfrm>
-              <a:off x="4483939" y="6339248"/>
+              <a:off x="5040487" y="6339269"/>
               <a:ext cx="63202" cy="63202"/>
             </a:xfrm>
             <a:custGeom>
@@ -24827,7 +24827,7 @@
           </p:nvSpPr>
           <p:spPr>
             <a:xfrm>
-              <a:off x="4909935" y="5904799"/>
+              <a:off x="4689604" y="5904810"/>
               <a:ext cx="63202" cy="63202"/>
             </a:xfrm>
             <a:custGeom>
@@ -24870,7 +24870,7 @@
           </p:nvSpPr>
           <p:spPr>
             <a:xfrm>
-              <a:off x="4908383" y="6357836"/>
+              <a:off x="4801240" y="6357832"/>
               <a:ext cx="63202" cy="63202"/>
             </a:xfrm>
             <a:custGeom>
@@ -24913,7 +24913,7 @@
           </p:nvSpPr>
           <p:spPr>
             <a:xfrm>
-              <a:off x="4616185" y="6076679"/>
+              <a:off x="5167024" y="6076698"/>
               <a:ext cx="63202" cy="63202"/>
             </a:xfrm>
             <a:custGeom>
@@ -24956,7 +24956,7 @@
           </p:nvSpPr>
           <p:spPr>
             <a:xfrm>
-              <a:off x="5069585" y="5876493"/>
+              <a:off x="4649889" y="5876485"/>
               <a:ext cx="63202" cy="63202"/>
             </a:xfrm>
             <a:custGeom>
@@ -24999,7 +24999,7 @@
           </p:nvSpPr>
           <p:spPr>
             <a:xfrm>
-              <a:off x="4737041" y="6068209"/>
+              <a:off x="5166698" y="6068195"/>
               <a:ext cx="63202" cy="63202"/>
             </a:xfrm>
             <a:custGeom>
@@ -25042,7 +25042,7 @@
           </p:nvSpPr>
           <p:spPr>
             <a:xfrm>
-              <a:off x="4872540" y="6079327"/>
+              <a:off x="4697017" y="6079333"/>
               <a:ext cx="63202" cy="63202"/>
             </a:xfrm>
             <a:custGeom>
@@ -25085,7 +25085,7 @@
           </p:nvSpPr>
           <p:spPr>
             <a:xfrm>
-              <a:off x="4543193" y="6141458"/>
+              <a:off x="4667807" y="6141478"/>
               <a:ext cx="63202" cy="63202"/>
             </a:xfrm>
             <a:custGeom>
@@ -25128,7 +25128,7 @@
           </p:nvSpPr>
           <p:spPr>
             <a:xfrm>
-              <a:off x="4851710" y="6080331"/>
+              <a:off x="4744870" y="6080313"/>
               <a:ext cx="63202" cy="63202"/>
             </a:xfrm>
             <a:custGeom>
@@ -25171,7 +25171,7 @@
           </p:nvSpPr>
           <p:spPr>
             <a:xfrm>
-              <a:off x="4946510" y="5911366"/>
+              <a:off x="4933079" y="5911352"/>
               <a:ext cx="63202" cy="63202"/>
             </a:xfrm>
             <a:custGeom>
@@ -25214,7 +25214,7 @@
           </p:nvSpPr>
           <p:spPr>
             <a:xfrm>
-              <a:off x="4807791" y="6005148"/>
+              <a:off x="5141905" y="6005125"/>
               <a:ext cx="63202" cy="63202"/>
             </a:xfrm>
             <a:custGeom>
@@ -25257,7 +25257,7 @@
           </p:nvSpPr>
           <p:spPr>
             <a:xfrm>
-              <a:off x="4994475" y="5921837"/>
+              <a:off x="4708669" y="5921833"/>
               <a:ext cx="63202" cy="63202"/>
             </a:xfrm>
             <a:custGeom>
@@ -25300,7 +25300,7 @@
           </p:nvSpPr>
           <p:spPr>
             <a:xfrm>
-              <a:off x="4826077" y="6113884"/>
+              <a:off x="4932118" y="6113875"/>
               <a:ext cx="63202" cy="63202"/>
             </a:xfrm>
             <a:custGeom>
@@ -25343,7 +25343,7 @@
           </p:nvSpPr>
           <p:spPr>
             <a:xfrm>
-              <a:off x="4533046" y="5975726"/>
+              <a:off x="4686237" y="5975737"/>
               <a:ext cx="63202" cy="63202"/>
             </a:xfrm>
             <a:custGeom>
@@ -25386,7 +25386,7 @@
           </p:nvSpPr>
           <p:spPr>
             <a:xfrm>
-              <a:off x="4689566" y="6117651"/>
+              <a:off x="4808933" y="6117647"/>
               <a:ext cx="63202" cy="63202"/>
             </a:xfrm>
             <a:custGeom>
@@ -25429,7 +25429,7 @@
           </p:nvSpPr>
           <p:spPr>
             <a:xfrm>
-              <a:off x="4837041" y="6068598"/>
+              <a:off x="4935709" y="6068601"/>
               <a:ext cx="63202" cy="63202"/>
             </a:xfrm>
             <a:custGeom>
@@ -25472,7 +25472,7 @@
           </p:nvSpPr>
           <p:spPr>
             <a:xfrm>
-              <a:off x="4555419" y="5999372"/>
+              <a:off x="4906244" y="5999363"/>
               <a:ext cx="63202" cy="63202"/>
             </a:xfrm>
             <a:custGeom>
@@ -25515,7 +25515,7 @@
           </p:nvSpPr>
           <p:spPr>
             <a:xfrm>
-              <a:off x="4745864" y="5913901"/>
+              <a:off x="4555294" y="5913886"/>
               <a:ext cx="63202" cy="63202"/>
             </a:xfrm>
             <a:custGeom>
@@ -25558,7 +25558,7 @@
           </p:nvSpPr>
           <p:spPr>
             <a:xfrm>
-              <a:off x="5121366" y="6085720"/>
+              <a:off x="4828532" y="6085730"/>
               <a:ext cx="63202" cy="63202"/>
             </a:xfrm>
             <a:custGeom>
@@ -25601,7 +25601,7 @@
           </p:nvSpPr>
           <p:spPr>
             <a:xfrm>
-              <a:off x="4940360" y="5936876"/>
+              <a:off x="4492879" y="5936859"/>
               <a:ext cx="63202" cy="63202"/>
             </a:xfrm>
             <a:custGeom>
@@ -25644,7 +25644,7 @@
           </p:nvSpPr>
           <p:spPr>
             <a:xfrm>
-              <a:off x="4474670" y="5900279"/>
+              <a:off x="4909925" y="5900262"/>
               <a:ext cx="63202" cy="63202"/>
             </a:xfrm>
             <a:custGeom>
@@ -25687,7 +25687,7 @@
           </p:nvSpPr>
           <p:spPr>
             <a:xfrm>
-              <a:off x="5075457" y="5896594"/>
+              <a:off x="4580149" y="5896596"/>
               <a:ext cx="63202" cy="63202"/>
             </a:xfrm>
             <a:custGeom>
@@ -25730,7 +25730,7 @@
           </p:nvSpPr>
           <p:spPr>
             <a:xfrm>
-              <a:off x="4924895" y="5892142"/>
+              <a:off x="5060634" y="5892159"/>
               <a:ext cx="63202" cy="63202"/>
             </a:xfrm>
             <a:custGeom>
@@ -25773,7 +25773,7 @@
           </p:nvSpPr>
           <p:spPr>
             <a:xfrm>
-              <a:off x="4566788" y="6170708"/>
+              <a:off x="5022369" y="6170697"/>
               <a:ext cx="63202" cy="63202"/>
             </a:xfrm>
             <a:custGeom>
@@ -25816,7 +25816,7 @@
           </p:nvSpPr>
           <p:spPr>
             <a:xfrm>
-              <a:off x="4928725" y="5916259"/>
+              <a:off x="4707767" y="5916260"/>
               <a:ext cx="63202" cy="63202"/>
             </a:xfrm>
             <a:custGeom>
@@ -25859,7 +25859,7 @@
           </p:nvSpPr>
           <p:spPr>
             <a:xfrm>
-              <a:off x="4770295" y="5891505"/>
+              <a:off x="5081191" y="5891520"/>
               <a:ext cx="63202" cy="63202"/>
             </a:xfrm>
             <a:custGeom>
@@ -25902,7 +25902,7 @@
           </p:nvSpPr>
           <p:spPr>
             <a:xfrm>
-              <a:off x="4570462" y="5883373"/>
+              <a:off x="4679542" y="5883373"/>
               <a:ext cx="63202" cy="63202"/>
             </a:xfrm>
             <a:custGeom>
@@ -25945,7 +25945,7 @@
           </p:nvSpPr>
           <p:spPr>
             <a:xfrm>
-              <a:off x="5028356" y="5925199"/>
+              <a:off x="5032901" y="5925191"/>
               <a:ext cx="63202" cy="63202"/>
             </a:xfrm>
             <a:custGeom>
@@ -25988,7 +25988,7 @@
           </p:nvSpPr>
           <p:spPr>
             <a:xfrm>
-              <a:off x="4495975" y="5896344"/>
+              <a:off x="4519239" y="5896326"/>
               <a:ext cx="63202" cy="63202"/>
             </a:xfrm>
             <a:custGeom>
@@ -26031,7 +26031,7 @@
           </p:nvSpPr>
           <p:spPr>
             <a:xfrm>
-              <a:off x="4717423" y="6119910"/>
+              <a:off x="4621865" y="6119892"/>
               <a:ext cx="63202" cy="63202"/>
             </a:xfrm>
             <a:custGeom>
@@ -26074,7 +26074,7 @@
           </p:nvSpPr>
           <p:spPr>
             <a:xfrm>
-              <a:off x="4609292" y="5926144"/>
+              <a:off x="4567682" y="5926147"/>
               <a:ext cx="63202" cy="63202"/>
             </a:xfrm>
             <a:custGeom>
@@ -26117,7 +26117,7 @@
           </p:nvSpPr>
           <p:spPr>
             <a:xfrm>
-              <a:off x="5115133" y="5922235"/>
+              <a:off x="5042092" y="5922251"/>
               <a:ext cx="63202" cy="63202"/>
             </a:xfrm>
             <a:custGeom>
@@ -26160,7 +26160,7 @@
           </p:nvSpPr>
           <p:spPr>
             <a:xfrm>
-              <a:off x="4773270" y="5931798"/>
+              <a:off x="4960099" y="5931772"/>
               <a:ext cx="63202" cy="63202"/>
             </a:xfrm>
             <a:custGeom>
@@ -26203,7 +26203,7 @@
           </p:nvSpPr>
           <p:spPr>
             <a:xfrm>
-              <a:off x="4597916" y="5862431"/>
+              <a:off x="4536143" y="5862398"/>
               <a:ext cx="63202" cy="63202"/>
             </a:xfrm>
             <a:custGeom>
@@ -26246,7 +26246,7 @@
           </p:nvSpPr>
           <p:spPr>
             <a:xfrm>
-              <a:off x="4897196" y="5879888"/>
+              <a:off x="5106341" y="5879874"/>
               <a:ext cx="63202" cy="63202"/>
             </a:xfrm>
             <a:custGeom>
@@ -26289,7 +26289,7 @@
           </p:nvSpPr>
           <p:spPr>
             <a:xfrm>
-              <a:off x="4516240" y="5887528"/>
+              <a:off x="4690029" y="5887528"/>
               <a:ext cx="63202" cy="63202"/>
             </a:xfrm>
             <a:custGeom>
@@ -26332,7 +26332,7 @@
           </p:nvSpPr>
           <p:spPr>
             <a:xfrm>
-              <a:off x="4707541" y="5887833"/>
+              <a:off x="4510477" y="5887830"/>
               <a:ext cx="63202" cy="63202"/>
             </a:xfrm>
             <a:custGeom>
@@ -26375,7 +26375,7 @@
           </p:nvSpPr>
           <p:spPr>
             <a:xfrm>
-              <a:off x="4585334" y="5916604"/>
+              <a:off x="4983810" y="5916616"/>
               <a:ext cx="63202" cy="63202"/>
             </a:xfrm>
             <a:custGeom>
@@ -26418,7 +26418,7 @@
           </p:nvSpPr>
           <p:spPr>
             <a:xfrm>
-              <a:off x="4886314" y="6138515"/>
+              <a:off x="4796112" y="6138533"/>
               <a:ext cx="63202" cy="63202"/>
             </a:xfrm>
             <a:custGeom>
@@ -26461,7 +26461,7 @@
           </p:nvSpPr>
           <p:spPr>
             <a:xfrm>
-              <a:off x="4524074" y="5904771"/>
+              <a:off x="4860811" y="5904751"/>
               <a:ext cx="63202" cy="63202"/>
             </a:xfrm>
             <a:custGeom>
@@ -26504,7 +26504,7 @@
           </p:nvSpPr>
           <p:spPr>
             <a:xfrm>
-              <a:off x="4857291" y="5869028"/>
+              <a:off x="4668665" y="5869048"/>
               <a:ext cx="63202" cy="63202"/>
             </a:xfrm>
             <a:custGeom>
@@ -26547,7 +26547,7 @@
           </p:nvSpPr>
           <p:spPr>
             <a:xfrm>
-              <a:off x="4689765" y="6128547"/>
+              <a:off x="4769912" y="6128525"/>
               <a:ext cx="63202" cy="63202"/>
             </a:xfrm>
             <a:custGeom>
@@ -26590,7 +26590,7 @@
           </p:nvSpPr>
           <p:spPr>
             <a:xfrm>
-              <a:off x="5099004" y="5888037"/>
+              <a:off x="4713913" y="5888018"/>
               <a:ext cx="63202" cy="63202"/>
             </a:xfrm>
             <a:custGeom>
@@ -26633,7 +26633,7 @@
           </p:nvSpPr>
           <p:spPr>
             <a:xfrm>
-              <a:off x="4526682" y="5939859"/>
+              <a:off x="4776545" y="5939871"/>
               <a:ext cx="63202" cy="63202"/>
             </a:xfrm>
             <a:custGeom>
@@ -26676,7 +26676,7 @@
           </p:nvSpPr>
           <p:spPr>
             <a:xfrm>
-              <a:off x="4525442" y="5862038"/>
+              <a:off x="4664488" y="5862054"/>
               <a:ext cx="63202" cy="63202"/>
             </a:xfrm>
             <a:custGeom>
@@ -26719,7 +26719,7 @@
           </p:nvSpPr>
           <p:spPr>
             <a:xfrm>
-              <a:off x="4802741" y="5913537"/>
+              <a:off x="4837967" y="5913539"/>
               <a:ext cx="63202" cy="63202"/>
             </a:xfrm>
             <a:custGeom>
@@ -26762,7 +26762,7 @@
           </p:nvSpPr>
           <p:spPr>
             <a:xfrm>
-              <a:off x="4491682" y="5861041"/>
+              <a:off x="4700141" y="5861048"/>
               <a:ext cx="63202" cy="63202"/>
             </a:xfrm>
             <a:custGeom>
@@ -26805,7 +26805,7 @@
           </p:nvSpPr>
           <p:spPr>
             <a:xfrm>
-              <a:off x="4912685" y="5860508"/>
+              <a:off x="4773377" y="5860510"/>
               <a:ext cx="63202" cy="63202"/>
             </a:xfrm>
             <a:custGeom>
@@ -26848,7 +26848,7 @@
           </p:nvSpPr>
           <p:spPr>
             <a:xfrm>
-              <a:off x="5099323" y="5859918"/>
+              <a:off x="4472802" y="5859900"/>
               <a:ext cx="63202" cy="63202"/>
             </a:xfrm>
             <a:custGeom>
@@ -26891,7 +26891,7 @@
           </p:nvSpPr>
           <p:spPr>
             <a:xfrm>
-              <a:off x="4720236" y="5862857"/>
+              <a:off x="4510073" y="5862859"/>
               <a:ext cx="63202" cy="63202"/>
             </a:xfrm>
             <a:custGeom>
@@ -26934,7 +26934,7 @@
           </p:nvSpPr>
           <p:spPr>
             <a:xfrm>
-              <a:off x="4704427" y="5896910"/>
+              <a:off x="5036291" y="5896926"/>
               <a:ext cx="63202" cy="63202"/>
             </a:xfrm>
             <a:custGeom>
@@ -26977,7 +26977,7 @@
           </p:nvSpPr>
           <p:spPr>
             <a:xfrm>
-              <a:off x="4551303" y="6060352"/>
+              <a:off x="4909539" y="6060330"/>
               <a:ext cx="63202" cy="63202"/>
             </a:xfrm>
             <a:custGeom>
@@ -27020,7 +27020,7 @@
           </p:nvSpPr>
           <p:spPr>
             <a:xfrm>
-              <a:off x="5072914" y="5888848"/>
+              <a:off x="4999629" y="5888836"/>
               <a:ext cx="63202" cy="63202"/>
             </a:xfrm>
             <a:custGeom>
@@ -27063,7 +27063,7 @@
           </p:nvSpPr>
           <p:spPr>
             <a:xfrm>
-              <a:off x="4833854" y="5872812"/>
+              <a:off x="4534845" y="5872819"/>
               <a:ext cx="63202" cy="63202"/>
             </a:xfrm>
             <a:custGeom>
@@ -27106,7 +27106,7 @@
           </p:nvSpPr>
           <p:spPr>
             <a:xfrm>
-              <a:off x="4704080" y="5997136"/>
+              <a:off x="4794591" y="5997161"/>
               <a:ext cx="63202" cy="63202"/>
             </a:xfrm>
             <a:custGeom>
@@ -27149,7 +27149,7 @@
           </p:nvSpPr>
           <p:spPr>
             <a:xfrm>
-              <a:off x="5077001" y="5990284"/>
+              <a:off x="4993728" y="5990297"/>
               <a:ext cx="63202" cy="63202"/>
             </a:xfrm>
             <a:custGeom>
@@ -27192,7 +27192,7 @@
           </p:nvSpPr>
           <p:spPr>
             <a:xfrm>
-              <a:off x="4842542" y="6000960"/>
+              <a:off x="4840140" y="6000966"/>
               <a:ext cx="63202" cy="63202"/>
             </a:xfrm>
             <a:custGeom>
@@ -27235,7 +27235,7 @@
           </p:nvSpPr>
           <p:spPr>
             <a:xfrm>
-              <a:off x="4688870" y="5968777"/>
+              <a:off x="4986597" y="5968789"/>
               <a:ext cx="63202" cy="63202"/>
             </a:xfrm>
             <a:custGeom>
@@ -27278,7 +27278,7 @@
           </p:nvSpPr>
           <p:spPr>
             <a:xfrm>
-              <a:off x="4659804" y="5862240"/>
+              <a:off x="5128755" y="5862232"/>
               <a:ext cx="63202" cy="63202"/>
             </a:xfrm>
             <a:custGeom>
@@ -27321,7 +27321,7 @@
           </p:nvSpPr>
           <p:spPr>
             <a:xfrm>
-              <a:off x="5139456" y="5317369"/>
+              <a:off x="5108672" y="5317369"/>
               <a:ext cx="63202" cy="63202"/>
             </a:xfrm>
             <a:custGeom>
@@ -27364,7 +27364,7 @@
           </p:nvSpPr>
           <p:spPr>
             <a:xfrm>
-              <a:off x="4513043" y="6104472"/>
+              <a:off x="4560088" y="6104479"/>
               <a:ext cx="63202" cy="63202"/>
             </a:xfrm>
             <a:custGeom>
@@ -27407,7 +27407,7 @@
           </p:nvSpPr>
           <p:spPr>
             <a:xfrm>
-              <a:off x="4834567" y="6119661"/>
+              <a:off x="4495256" y="6119670"/>
               <a:ext cx="63202" cy="63202"/>
             </a:xfrm>
             <a:custGeom>
@@ -27450,7 +27450,7 @@
           </p:nvSpPr>
           <p:spPr>
             <a:xfrm>
-              <a:off x="4606307" y="5861344"/>
+              <a:off x="4894550" y="5861334"/>
               <a:ext cx="63202" cy="63202"/>
             </a:xfrm>
             <a:custGeom>
@@ -27493,7 +27493,7 @@
           </p:nvSpPr>
           <p:spPr>
             <a:xfrm>
-              <a:off x="4769325" y="5875520"/>
+              <a:off x="5162117" y="5875528"/>
               <a:ext cx="63202" cy="63202"/>
             </a:xfrm>
             <a:custGeom>
@@ -27536,7 +27536,7 @@
           </p:nvSpPr>
           <p:spPr>
             <a:xfrm>
-              <a:off x="5034990" y="6143132"/>
+              <a:off x="4627679" y="6143140"/>
               <a:ext cx="63202" cy="63202"/>
             </a:xfrm>
             <a:custGeom>
@@ -27579,7 +27579,7 @@
           </p:nvSpPr>
           <p:spPr>
             <a:xfrm>
-              <a:off x="4471281" y="5887645"/>
+              <a:off x="4489303" y="5887650"/>
               <a:ext cx="63202" cy="63202"/>
             </a:xfrm>
             <a:custGeom>
@@ -27622,7 +27622,7 @@
           </p:nvSpPr>
           <p:spPr>
             <a:xfrm>
-              <a:off x="4813458" y="5865265"/>
+              <a:off x="5089105" y="5865280"/>
               <a:ext cx="63202" cy="63202"/>
             </a:xfrm>
             <a:custGeom>
@@ -27665,7 +27665,7 @@
           </p:nvSpPr>
           <p:spPr>
             <a:xfrm>
-              <a:off x="5101311" y="6127722"/>
+              <a:off x="4555871" y="6127730"/>
               <a:ext cx="63202" cy="63202"/>
             </a:xfrm>
             <a:custGeom>
@@ -27708,7 +27708,7 @@
           </p:nvSpPr>
           <p:spPr>
             <a:xfrm>
-              <a:off x="5097823" y="6128032"/>
+              <a:off x="5147207" y="6128014"/>
               <a:ext cx="63202" cy="63202"/>
             </a:xfrm>
             <a:custGeom>
@@ -27751,7 +27751,7 @@
           </p:nvSpPr>
           <p:spPr>
             <a:xfrm>
-              <a:off x="4633169" y="5936426"/>
+              <a:off x="4915959" y="5936395"/>
               <a:ext cx="63202" cy="63202"/>
             </a:xfrm>
             <a:custGeom>
@@ -27794,7 +27794,7 @@
           </p:nvSpPr>
           <p:spPr>
             <a:xfrm>
-              <a:off x="5016218" y="5911108"/>
+              <a:off x="4862248" y="5911122"/>
               <a:ext cx="63202" cy="63202"/>
             </a:xfrm>
             <a:custGeom>
@@ -27837,7 +27837,7 @@
           </p:nvSpPr>
           <p:spPr>
             <a:xfrm>
-              <a:off x="4962461" y="5899584"/>
+              <a:off x="4798662" y="5899578"/>
               <a:ext cx="63202" cy="63202"/>
             </a:xfrm>
             <a:custGeom>
@@ -27880,7 +27880,7 @@
           </p:nvSpPr>
           <p:spPr>
             <a:xfrm>
-              <a:off x="5099700" y="5853601"/>
+              <a:off x="5134760" y="5853585"/>
               <a:ext cx="63202" cy="63202"/>
             </a:xfrm>
             <a:custGeom>
@@ -27923,7 +27923,7 @@
           </p:nvSpPr>
           <p:spPr>
             <a:xfrm>
-              <a:off x="4905192" y="5906050"/>
+              <a:off x="4837729" y="5906025"/>
               <a:ext cx="63202" cy="63202"/>
             </a:xfrm>
             <a:custGeom>
@@ -27966,7 +27966,7 @@
           </p:nvSpPr>
           <p:spPr>
             <a:xfrm>
-              <a:off x="4807078" y="6433420"/>
+              <a:off x="4660766" y="6433431"/>
               <a:ext cx="63202" cy="63202"/>
             </a:xfrm>
             <a:custGeom>
@@ -28009,7 +28009,7 @@
           </p:nvSpPr>
           <p:spPr>
             <a:xfrm>
-              <a:off x="4887313" y="5877296"/>
+              <a:off x="4895936" y="5877314"/>
               <a:ext cx="63202" cy="63202"/>
             </a:xfrm>
             <a:custGeom>
@@ -28052,7 +28052,7 @@
           </p:nvSpPr>
           <p:spPr>
             <a:xfrm>
-              <a:off x="4820190" y="5881199"/>
+              <a:off x="5066412" y="5881212"/>
               <a:ext cx="63202" cy="63202"/>
             </a:xfrm>
             <a:custGeom>
@@ -28095,7 +28095,7 @@
           </p:nvSpPr>
           <p:spPr>
             <a:xfrm>
-              <a:off x="4519902" y="5872725"/>
+              <a:off x="4829491" y="5872699"/>
               <a:ext cx="63202" cy="63202"/>
             </a:xfrm>
             <a:custGeom>
@@ -28138,7 +28138,7 @@
           </p:nvSpPr>
           <p:spPr>
             <a:xfrm>
-              <a:off x="4913625" y="5864060"/>
+              <a:off x="4712407" y="5864057"/>
               <a:ext cx="63202" cy="63202"/>
             </a:xfrm>
             <a:custGeom>
@@ -28181,7 +28181,7 @@
           </p:nvSpPr>
           <p:spPr>
             <a:xfrm>
-              <a:off x="4792065" y="6099263"/>
+              <a:off x="5063211" y="6099244"/>
               <a:ext cx="63202" cy="63202"/>
             </a:xfrm>
             <a:custGeom>
@@ -28224,7 +28224,7 @@
           </p:nvSpPr>
           <p:spPr>
             <a:xfrm>
-              <a:off x="4997702" y="6086886"/>
+              <a:off x="4990065" y="6086903"/>
               <a:ext cx="63202" cy="63202"/>
             </a:xfrm>
             <a:custGeom>
@@ -28267,7 +28267,7 @@
           </p:nvSpPr>
           <p:spPr>
             <a:xfrm>
-              <a:off x="4739725" y="6148748"/>
+              <a:off x="4766381" y="6148717"/>
               <a:ext cx="63202" cy="63202"/>
             </a:xfrm>
             <a:custGeom>
@@ -28310,7 +28310,7 @@
           </p:nvSpPr>
           <p:spPr>
             <a:xfrm>
-              <a:off x="4986205" y="5890331"/>
+              <a:off x="4609234" y="5890347"/>
               <a:ext cx="63202" cy="63202"/>
             </a:xfrm>
             <a:custGeom>
@@ -28353,7 +28353,7 @@
           </p:nvSpPr>
           <p:spPr>
             <a:xfrm>
-              <a:off x="5151743" y="5935897"/>
+              <a:off x="5070048" y="5935898"/>
               <a:ext cx="63202" cy="63202"/>
             </a:xfrm>
             <a:custGeom>
@@ -28396,7 +28396,7 @@
           </p:nvSpPr>
           <p:spPr>
             <a:xfrm>
-              <a:off x="4815474" y="5913388"/>
+              <a:off x="4821331" y="5913396"/>
               <a:ext cx="63202" cy="63202"/>
             </a:xfrm>
             <a:custGeom>
@@ -28439,7 +28439,7 @@
           </p:nvSpPr>
           <p:spPr>
             <a:xfrm>
-              <a:off x="4676839" y="5993525"/>
+              <a:off x="4923261" y="5993516"/>
               <a:ext cx="63202" cy="63202"/>
             </a:xfrm>
             <a:custGeom>
@@ -28482,7 +28482,7 @@
           </p:nvSpPr>
           <p:spPr>
             <a:xfrm>
-              <a:off x="4671319" y="5932007"/>
+              <a:off x="4572770" y="5932014"/>
               <a:ext cx="63202" cy="63202"/>
             </a:xfrm>
             <a:custGeom>
@@ -28525,7 +28525,7 @@
           </p:nvSpPr>
           <p:spPr>
             <a:xfrm>
-              <a:off x="4876708" y="5930968"/>
+              <a:off x="4865195" y="5930972"/>
               <a:ext cx="63202" cy="63202"/>
             </a:xfrm>
             <a:custGeom>
@@ -28568,7 +28568,7 @@
           </p:nvSpPr>
           <p:spPr>
             <a:xfrm>
-              <a:off x="4623925" y="5931220"/>
+              <a:off x="4554269" y="5931243"/>
               <a:ext cx="63202" cy="63202"/>
             </a:xfrm>
             <a:custGeom>
@@ -28611,7 +28611,7 @@
           </p:nvSpPr>
           <p:spPr>
             <a:xfrm>
-              <a:off x="5164145" y="6116369"/>
+              <a:off x="4859331" y="6116370"/>
               <a:ext cx="63202" cy="63202"/>
             </a:xfrm>
             <a:custGeom>
@@ -28654,7 +28654,7 @@
           </p:nvSpPr>
           <p:spPr>
             <a:xfrm>
-              <a:off x="4891602" y="6054079"/>
+              <a:off x="5082608" y="6054079"/>
               <a:ext cx="63202" cy="63202"/>
             </a:xfrm>
             <a:custGeom>
@@ -28697,7 +28697,7 @@
           </p:nvSpPr>
           <p:spPr>
             <a:xfrm>
-              <a:off x="4890053" y="5854281"/>
+              <a:off x="5113612" y="5854280"/>
               <a:ext cx="63202" cy="63202"/>
             </a:xfrm>
             <a:custGeom>
@@ -28740,7 +28740,7 @@
           </p:nvSpPr>
           <p:spPr>
             <a:xfrm>
-              <a:off x="4576673" y="5930736"/>
+              <a:off x="4996444" y="5930746"/>
               <a:ext cx="63202" cy="63202"/>
             </a:xfrm>
             <a:custGeom>
@@ -28783,7 +28783,7 @@
           </p:nvSpPr>
           <p:spPr>
             <a:xfrm>
-              <a:off x="4723910" y="5868896"/>
+              <a:off x="4479719" y="5868917"/>
               <a:ext cx="63202" cy="63202"/>
             </a:xfrm>
             <a:custGeom>
@@ -28826,7 +28826,7 @@
           </p:nvSpPr>
           <p:spPr>
             <a:xfrm>
-              <a:off x="4608132" y="5877863"/>
+              <a:off x="4754670" y="5877842"/>
               <a:ext cx="63202" cy="63202"/>
             </a:xfrm>
             <a:custGeom>
@@ -28869,7 +28869,7 @@
           </p:nvSpPr>
           <p:spPr>
             <a:xfrm>
-              <a:off x="4700898" y="5862887"/>
+              <a:off x="4519539" y="5862860"/>
               <a:ext cx="63202" cy="63202"/>
             </a:xfrm>
             <a:custGeom>
@@ -28912,7 +28912,7 @@
           </p:nvSpPr>
           <p:spPr>
             <a:xfrm>
-              <a:off x="4762469" y="6202590"/>
+              <a:off x="4684362" y="6202585"/>
               <a:ext cx="63202" cy="63202"/>
             </a:xfrm>
             <a:custGeom>
@@ -28955,7 +28955,7 @@
           </p:nvSpPr>
           <p:spPr>
             <a:xfrm>
-              <a:off x="4637241" y="5962680"/>
+              <a:off x="4859665" y="5962697"/>
               <a:ext cx="63202" cy="63202"/>
             </a:xfrm>
             <a:custGeom>
@@ -28998,7 +28998,7 @@
           </p:nvSpPr>
           <p:spPr>
             <a:xfrm>
-              <a:off x="4826764" y="5934880"/>
+              <a:off x="4838623" y="5934876"/>
               <a:ext cx="63202" cy="63202"/>
             </a:xfrm>
             <a:custGeom>
@@ -29041,7 +29041,7 @@
           </p:nvSpPr>
           <p:spPr>
             <a:xfrm>
-              <a:off x="4964358" y="5879811"/>
+              <a:off x="4930302" y="5879811"/>
               <a:ext cx="63202" cy="63202"/>
             </a:xfrm>
             <a:custGeom>
@@ -29084,7 +29084,7 @@
           </p:nvSpPr>
           <p:spPr>
             <a:xfrm>
-              <a:off x="4749159" y="5886009"/>
+              <a:off x="4509766" y="5886002"/>
               <a:ext cx="63202" cy="63202"/>
             </a:xfrm>
             <a:custGeom>
@@ -29127,7 +29127,7 @@
           </p:nvSpPr>
           <p:spPr>
             <a:xfrm>
-              <a:off x="4820602" y="5870803"/>
+              <a:off x="4957272" y="5870813"/>
               <a:ext cx="63202" cy="63202"/>
             </a:xfrm>
             <a:custGeom>
@@ -29170,7 +29170,7 @@
           </p:nvSpPr>
           <p:spPr>
             <a:xfrm>
-              <a:off x="4781154" y="5867925"/>
+              <a:off x="4958971" y="5867912"/>
               <a:ext cx="63202" cy="63202"/>
             </a:xfrm>
             <a:custGeom>
@@ -29213,7 +29213,7 @@
           </p:nvSpPr>
           <p:spPr>
             <a:xfrm>
-              <a:off x="5028531" y="5872096"/>
+              <a:off x="5058800" y="5872068"/>
               <a:ext cx="63202" cy="63202"/>
             </a:xfrm>
             <a:custGeom>
@@ -29256,7 +29256,7 @@
           </p:nvSpPr>
           <p:spPr>
             <a:xfrm>
-              <a:off x="5102941" y="5924125"/>
+              <a:off x="4883891" y="5924089"/>
               <a:ext cx="63202" cy="63202"/>
             </a:xfrm>
             <a:custGeom>
@@ -29299,7 +29299,7 @@
           </p:nvSpPr>
           <p:spPr>
             <a:xfrm>
-              <a:off x="5015315" y="5851201"/>
+              <a:off x="4469593" y="5851193"/>
               <a:ext cx="63202" cy="63202"/>
             </a:xfrm>
             <a:custGeom>
@@ -29342,7 +29342,7 @@
           </p:nvSpPr>
           <p:spPr>
             <a:xfrm>
-              <a:off x="5045746" y="5880754"/>
+              <a:off x="4971590" y="5880737"/>
               <a:ext cx="63202" cy="63202"/>
             </a:xfrm>
             <a:custGeom>
@@ -29385,7 +29385,7 @@
           </p:nvSpPr>
           <p:spPr>
             <a:xfrm>
-              <a:off x="4565929" y="6354079"/>
+              <a:off x="4685845" y="6354072"/>
               <a:ext cx="63202" cy="63202"/>
             </a:xfrm>
             <a:custGeom>
@@ -29428,7 +29428,7 @@
           </p:nvSpPr>
           <p:spPr>
             <a:xfrm>
-              <a:off x="4727853" y="6078357"/>
+              <a:off x="4882894" y="6078349"/>
               <a:ext cx="63202" cy="63202"/>
             </a:xfrm>
             <a:custGeom>
@@ -29471,7 +29471,7 @@
           </p:nvSpPr>
           <p:spPr>
             <a:xfrm>
-              <a:off x="4685439" y="5856777"/>
+              <a:off x="4471313" y="5856764"/>
               <a:ext cx="63202" cy="63202"/>
             </a:xfrm>
             <a:custGeom>
@@ -29514,7 +29514,7 @@
           </p:nvSpPr>
           <p:spPr>
             <a:xfrm>
-              <a:off x="4541805" y="5928430"/>
+              <a:off x="4661993" y="5928436"/>
               <a:ext cx="63202" cy="63202"/>
             </a:xfrm>
             <a:custGeom>
@@ -29557,7 +29557,7 @@
           </p:nvSpPr>
           <p:spPr>
             <a:xfrm>
-              <a:off x="4694953" y="5897046"/>
+              <a:off x="5145145" y="5897065"/>
               <a:ext cx="63202" cy="63202"/>
             </a:xfrm>
             <a:custGeom>
@@ -29600,7 +29600,7 @@
           </p:nvSpPr>
           <p:spPr>
             <a:xfrm>
-              <a:off x="4676853" y="5860274"/>
+              <a:off x="4795382" y="5860277"/>
               <a:ext cx="63202" cy="63202"/>
             </a:xfrm>
             <a:custGeom>
@@ -29643,7 +29643,7 @@
           </p:nvSpPr>
           <p:spPr>
             <a:xfrm>
-              <a:off x="5113552" y="5989202"/>
+              <a:off x="4839022" y="5989220"/>
               <a:ext cx="63202" cy="63202"/>
             </a:xfrm>
             <a:custGeom>
@@ -29686,7 +29686,7 @@
           </p:nvSpPr>
           <p:spPr>
             <a:xfrm>
-              <a:off x="5018321" y="5889431"/>
+              <a:off x="5140549" y="5889431"/>
               <a:ext cx="63202" cy="63202"/>
             </a:xfrm>
             <a:custGeom>
@@ -29729,7 +29729,7 @@
           </p:nvSpPr>
           <p:spPr>
             <a:xfrm>
-              <a:off x="4639946" y="5862993"/>
+              <a:off x="4707738" y="5863003"/>
               <a:ext cx="63202" cy="63202"/>
             </a:xfrm>
             <a:custGeom>
@@ -29772,7 +29772,7 @@
           </p:nvSpPr>
           <p:spPr>
             <a:xfrm>
-              <a:off x="4891723" y="5873962"/>
+              <a:off x="4986335" y="5873952"/>
               <a:ext cx="63202" cy="63202"/>
             </a:xfrm>
             <a:custGeom>
@@ -29815,7 +29815,7 @@
           </p:nvSpPr>
           <p:spPr>
             <a:xfrm>
-              <a:off x="4642382" y="6186048"/>
+              <a:off x="4700166" y="6186054"/>
               <a:ext cx="63202" cy="63202"/>
             </a:xfrm>
             <a:custGeom>
@@ -29858,7 +29858,7 @@
           </p:nvSpPr>
           <p:spPr>
             <a:xfrm>
-              <a:off x="4575639" y="5858682"/>
+              <a:off x="4919907" y="5858670"/>
               <a:ext cx="63202" cy="63202"/>
             </a:xfrm>
             <a:custGeom>
@@ -29901,7 +29901,7 @@
           </p:nvSpPr>
           <p:spPr>
             <a:xfrm>
-              <a:off x="5143791" y="5860543"/>
+              <a:off x="5027410" y="5860565"/>
               <a:ext cx="63202" cy="63202"/>
             </a:xfrm>
             <a:custGeom>
@@ -29944,7 +29944,7 @@
           </p:nvSpPr>
           <p:spPr>
             <a:xfrm>
-              <a:off x="4583529" y="6107594"/>
+              <a:off x="4618416" y="6107611"/>
               <a:ext cx="63202" cy="63202"/>
             </a:xfrm>
             <a:custGeom>
@@ -29987,7 +29987,7 @@
           </p:nvSpPr>
           <p:spPr>
             <a:xfrm>
-              <a:off x="4711301" y="6311861"/>
+              <a:off x="4847438" y="6311851"/>
               <a:ext cx="63202" cy="63202"/>
             </a:xfrm>
             <a:custGeom>
@@ -30030,7 +30030,7 @@
           </p:nvSpPr>
           <p:spPr>
             <a:xfrm>
-              <a:off x="5124838" y="5870889"/>
+              <a:off x="5148725" y="5870898"/>
               <a:ext cx="63202" cy="63202"/>
             </a:xfrm>
             <a:custGeom>
@@ -30073,7 +30073,7 @@
           </p:nvSpPr>
           <p:spPr>
             <a:xfrm>
-              <a:off x="4528750" y="5887805"/>
+              <a:off x="4646520" y="5887803"/>
               <a:ext cx="63202" cy="63202"/>
             </a:xfrm>
             <a:custGeom>
@@ -30116,7 +30116,7 @@
           </p:nvSpPr>
           <p:spPr>
             <a:xfrm>
-              <a:off x="4918059" y="5882925"/>
+              <a:off x="4761758" y="5882912"/>
               <a:ext cx="63202" cy="63202"/>
             </a:xfrm>
             <a:custGeom>
@@ -30159,7 +30159,7 @@
           </p:nvSpPr>
           <p:spPr>
             <a:xfrm>
-              <a:off x="5011559" y="5867437"/>
+              <a:off x="5077781" y="5867451"/>
               <a:ext cx="63202" cy="63202"/>
             </a:xfrm>
             <a:custGeom>
@@ -30202,7 +30202,7 @@
           </p:nvSpPr>
           <p:spPr>
             <a:xfrm>
-              <a:off x="5044812" y="5917802"/>
+              <a:off x="5166129" y="5917810"/>
               <a:ext cx="63202" cy="63202"/>
             </a:xfrm>
             <a:custGeom>
@@ -30245,7 +30245,7 @@
           </p:nvSpPr>
           <p:spPr>
             <a:xfrm>
-              <a:off x="4533905" y="6008013"/>
+              <a:off x="4634209" y="6007992"/>
               <a:ext cx="63202" cy="63202"/>
             </a:xfrm>
             <a:custGeom>
@@ -30288,7 +30288,7 @@
           </p:nvSpPr>
           <p:spPr>
             <a:xfrm>
-              <a:off x="4794031" y="5866771"/>
+              <a:off x="5097183" y="5866777"/>
               <a:ext cx="63202" cy="63202"/>
             </a:xfrm>
             <a:custGeom>
@@ -30331,7 +30331,7 @@
           </p:nvSpPr>
           <p:spPr>
             <a:xfrm>
-              <a:off x="4832953" y="6148554"/>
+              <a:off x="4528741" y="6148537"/>
               <a:ext cx="63202" cy="63202"/>
             </a:xfrm>
             <a:custGeom>
@@ -30374,7 +30374,7 @@
           </p:nvSpPr>
           <p:spPr>
             <a:xfrm>
-              <a:off x="4626036" y="5936111"/>
+              <a:off x="4561986" y="5936107"/>
               <a:ext cx="63202" cy="63202"/>
             </a:xfrm>
             <a:custGeom>
@@ -30417,7 +30417,7 @@
           </p:nvSpPr>
           <p:spPr>
             <a:xfrm>
-              <a:off x="4986168" y="5869179"/>
+              <a:off x="5066624" y="5869183"/>
               <a:ext cx="63202" cy="63202"/>
             </a:xfrm>
             <a:custGeom>
@@ -30460,7 +30460,7 @@
           </p:nvSpPr>
           <p:spPr>
             <a:xfrm>
-              <a:off x="4923134" y="5852880"/>
+              <a:off x="4672375" y="5852894"/>
               <a:ext cx="63202" cy="63202"/>
             </a:xfrm>
             <a:custGeom>
@@ -30503,7 +30503,7 @@
           </p:nvSpPr>
           <p:spPr>
             <a:xfrm>
-              <a:off x="4977895" y="5920118"/>
+              <a:off x="4572665" y="5920115"/>
               <a:ext cx="63202" cy="63202"/>
             </a:xfrm>
             <a:custGeom>
@@ -30546,7 +30546,7 @@
           </p:nvSpPr>
           <p:spPr>
             <a:xfrm>
-              <a:off x="4497297" y="5927463"/>
+              <a:off x="4473478" y="5927468"/>
               <a:ext cx="63202" cy="63202"/>
             </a:xfrm>
             <a:custGeom>
@@ -30589,7 +30589,7 @@
           </p:nvSpPr>
           <p:spPr>
             <a:xfrm>
-              <a:off x="4588443" y="6269226"/>
+              <a:off x="4521896" y="6269228"/>
               <a:ext cx="63202" cy="63202"/>
             </a:xfrm>
             <a:custGeom>
@@ -30632,7 +30632,7 @@
           </p:nvSpPr>
           <p:spPr>
             <a:xfrm>
-              <a:off x="5065794" y="5935941"/>
+              <a:off x="4564898" y="5935945"/>
               <a:ext cx="63202" cy="63202"/>
             </a:xfrm>
             <a:custGeom>
@@ -30675,7 +30675,7 @@
           </p:nvSpPr>
           <p:spPr>
             <a:xfrm>
-              <a:off x="4570283" y="5929604"/>
+              <a:off x="5119301" y="5929586"/>
               <a:ext cx="63202" cy="63202"/>
             </a:xfrm>
             <a:custGeom>
@@ -30718,7 +30718,7 @@
           </p:nvSpPr>
           <p:spPr>
             <a:xfrm>
-              <a:off x="4827559" y="5854234"/>
+              <a:off x="4852853" y="5854229"/>
               <a:ext cx="63202" cy="63202"/>
             </a:xfrm>
             <a:custGeom>
@@ -30761,7 +30761,7 @@
           </p:nvSpPr>
           <p:spPr>
             <a:xfrm>
-              <a:off x="4561884" y="5895367"/>
+              <a:off x="4807444" y="5895351"/>
               <a:ext cx="63202" cy="63202"/>
             </a:xfrm>
             <a:custGeom>
@@ -30804,7 +30804,7 @@
           </p:nvSpPr>
           <p:spPr>
             <a:xfrm>
-              <a:off x="4536879" y="6115938"/>
+              <a:off x="4603347" y="6115947"/>
               <a:ext cx="63202" cy="63202"/>
             </a:xfrm>
             <a:custGeom>
@@ -30847,7 +30847,7 @@
           </p:nvSpPr>
           <p:spPr>
             <a:xfrm>
-              <a:off x="4746819" y="5862902"/>
+              <a:off x="4483077" y="5862893"/>
               <a:ext cx="63202" cy="63202"/>
             </a:xfrm>
             <a:custGeom>
@@ -30890,7 +30890,7 @@
           </p:nvSpPr>
           <p:spPr>
             <a:xfrm>
-              <a:off x="4818160" y="5867374"/>
+              <a:off x="4698364" y="5867365"/>
               <a:ext cx="63202" cy="63202"/>
             </a:xfrm>
             <a:custGeom>
@@ -30933,7 +30933,7 @@
           </p:nvSpPr>
           <p:spPr>
             <a:xfrm>
-              <a:off x="5103969" y="5867058"/>
+              <a:off x="4698451" y="5867028"/>
               <a:ext cx="63202" cy="63202"/>
             </a:xfrm>
             <a:custGeom>
@@ -30976,7 +30976,7 @@
           </p:nvSpPr>
           <p:spPr>
             <a:xfrm>
-              <a:off x="4651019" y="6122419"/>
+              <a:off x="4920060" y="6122386"/>
               <a:ext cx="63202" cy="63202"/>
             </a:xfrm>
             <a:custGeom>
@@ -31019,7 +31019,7 @@
           </p:nvSpPr>
           <p:spPr>
             <a:xfrm>
-              <a:off x="4858991" y="5858384"/>
+              <a:off x="4693717" y="5858361"/>
               <a:ext cx="63202" cy="63202"/>
             </a:xfrm>
             <a:custGeom>
@@ -31062,7 +31062,7 @@
           </p:nvSpPr>
           <p:spPr>
             <a:xfrm>
-              <a:off x="4498200" y="5908308"/>
+              <a:off x="4741185" y="5908324"/>
               <a:ext cx="63202" cy="63202"/>
             </a:xfrm>
             <a:custGeom>
@@ -31105,7 +31105,7 @@
           </p:nvSpPr>
           <p:spPr>
             <a:xfrm>
-              <a:off x="4792717" y="5924376"/>
+              <a:off x="4710790" y="5924391"/>
               <a:ext cx="63202" cy="63202"/>
             </a:xfrm>
             <a:custGeom>
@@ -31148,7 +31148,7 @@
           </p:nvSpPr>
           <p:spPr>
             <a:xfrm>
-              <a:off x="4626129" y="5876903"/>
+              <a:off x="4949015" y="5876875"/>
               <a:ext cx="63202" cy="63202"/>
             </a:xfrm>
             <a:custGeom>
@@ -31191,7 +31191,7 @@
           </p:nvSpPr>
           <p:spPr>
             <a:xfrm>
-              <a:off x="4562197" y="6128789"/>
+              <a:off x="4808654" y="6128795"/>
               <a:ext cx="63202" cy="63202"/>
             </a:xfrm>
             <a:custGeom>
@@ -31234,7 +31234,7 @@
           </p:nvSpPr>
           <p:spPr>
             <a:xfrm>
-              <a:off x="4981099" y="5963644"/>
+              <a:off x="4508361" y="5963645"/>
               <a:ext cx="63202" cy="63202"/>
             </a:xfrm>
             <a:custGeom>
@@ -31277,7 +31277,7 @@
           </p:nvSpPr>
           <p:spPr>
             <a:xfrm>
-              <a:off x="5048915" y="5888657"/>
+              <a:off x="4896130" y="5888658"/>
               <a:ext cx="63202" cy="63202"/>
             </a:xfrm>
             <a:custGeom>
@@ -31320,7 +31320,7 @@
           </p:nvSpPr>
           <p:spPr>
             <a:xfrm>
-              <a:off x="4730731" y="5863126"/>
+              <a:off x="4821490" y="5863148"/>
               <a:ext cx="63202" cy="63202"/>
             </a:xfrm>
             <a:custGeom>
@@ -31363,7 +31363,7 @@
           </p:nvSpPr>
           <p:spPr>
             <a:xfrm>
-              <a:off x="5130157" y="5903231"/>
+              <a:off x="4623335" y="5903209"/>
               <a:ext cx="63202" cy="63202"/>
             </a:xfrm>
             <a:custGeom>
@@ -31406,7 +31406,7 @@
           </p:nvSpPr>
           <p:spPr>
             <a:xfrm>
-              <a:off x="4744003" y="5883422"/>
+              <a:off x="4514880" y="5883445"/>
               <a:ext cx="63202" cy="63202"/>
             </a:xfrm>
             <a:custGeom>
@@ -31449,7 +31449,7 @@
           </p:nvSpPr>
           <p:spPr>
             <a:xfrm>
-              <a:off x="4752175" y="5932649"/>
+              <a:off x="5134890" y="5932631"/>
               <a:ext cx="63202" cy="63202"/>
             </a:xfrm>
             <a:custGeom>
@@ -31492,7 +31492,7 @@
           </p:nvSpPr>
           <p:spPr>
             <a:xfrm>
-              <a:off x="5087426" y="6202831"/>
+              <a:off x="5161199" y="6202856"/>
               <a:ext cx="63202" cy="63202"/>
             </a:xfrm>
             <a:custGeom>
@@ -31535,7 +31535,7 @@
           </p:nvSpPr>
           <p:spPr>
             <a:xfrm>
-              <a:off x="5013934" y="6163952"/>
+              <a:off x="4581671" y="6163959"/>
               <a:ext cx="63202" cy="63202"/>
             </a:xfrm>
             <a:custGeom>
@@ -31578,7 +31578,7 @@
           </p:nvSpPr>
           <p:spPr>
             <a:xfrm>
-              <a:off x="5008625" y="5959345"/>
+              <a:off x="4536743" y="5959340"/>
               <a:ext cx="63202" cy="63202"/>
             </a:xfrm>
             <a:custGeom>
@@ -31621,7 +31621,7 @@
           </p:nvSpPr>
           <p:spPr>
             <a:xfrm>
-              <a:off x="5098477" y="6236275"/>
+              <a:off x="4944905" y="6236265"/>
               <a:ext cx="63202" cy="63202"/>
             </a:xfrm>
             <a:custGeom>
@@ -31664,7 +31664,7 @@
           </p:nvSpPr>
           <p:spPr>
             <a:xfrm>
-              <a:off x="4792660" y="5864235"/>
+              <a:off x="4506694" y="5864238"/>
               <a:ext cx="63202" cy="63202"/>
             </a:xfrm>
             <a:custGeom>
@@ -31707,7 +31707,7 @@
           </p:nvSpPr>
           <p:spPr>
             <a:xfrm>
-              <a:off x="4976314" y="5907356"/>
+              <a:off x="4676772" y="5907352"/>
               <a:ext cx="63202" cy="63202"/>
             </a:xfrm>
             <a:custGeom>
@@ -31750,7 +31750,7 @@
           </p:nvSpPr>
           <p:spPr>
             <a:xfrm>
-              <a:off x="4810158" y="5894767"/>
+              <a:off x="5156201" y="5894769"/>
               <a:ext cx="63202" cy="63202"/>
             </a:xfrm>
             <a:custGeom>
@@ -31793,7 +31793,7 @@
           </p:nvSpPr>
           <p:spPr>
             <a:xfrm>
-              <a:off x="4737077" y="5860478"/>
+              <a:off x="4634319" y="5860451"/>
               <a:ext cx="63202" cy="63202"/>
             </a:xfrm>
             <a:custGeom>
@@ -31836,7 +31836,7 @@
           </p:nvSpPr>
           <p:spPr>
             <a:xfrm>
-              <a:off x="4750313" y="5890864"/>
+              <a:off x="4482758" y="5890860"/>
               <a:ext cx="63202" cy="63202"/>
             </a:xfrm>
             <a:custGeom>
@@ -31879,7 +31879,7 @@
           </p:nvSpPr>
           <p:spPr>
             <a:xfrm>
-              <a:off x="4492622" y="5868712"/>
+              <a:off x="4478456" y="5868721"/>
               <a:ext cx="63202" cy="63202"/>
             </a:xfrm>
             <a:custGeom>
@@ -31922,7 +31922,7 @@
           </p:nvSpPr>
           <p:spPr>
             <a:xfrm>
-              <a:off x="4800261" y="5873539"/>
+              <a:off x="4721767" y="5873534"/>
               <a:ext cx="63202" cy="63202"/>
             </a:xfrm>
             <a:custGeom>
@@ -31965,7 +31965,7 @@
           </p:nvSpPr>
           <p:spPr>
             <a:xfrm>
-              <a:off x="4843772" y="5883742"/>
+              <a:off x="4696343" y="5883764"/>
               <a:ext cx="63202" cy="63202"/>
             </a:xfrm>
             <a:custGeom>
@@ -32008,7 +32008,7 @@
           </p:nvSpPr>
           <p:spPr>
             <a:xfrm>
-              <a:off x="4864876" y="6121615"/>
+              <a:off x="5008639" y="6121630"/>
               <a:ext cx="63202" cy="63202"/>
             </a:xfrm>
             <a:custGeom>
@@ -32051,7 +32051,7 @@
           </p:nvSpPr>
           <p:spPr>
             <a:xfrm>
-              <a:off x="4568607" y="6008941"/>
+              <a:off x="4607135" y="6008944"/>
               <a:ext cx="63202" cy="63202"/>
             </a:xfrm>
             <a:custGeom>
@@ -32094,7 +32094,7 @@
           </p:nvSpPr>
           <p:spPr>
             <a:xfrm>
-              <a:off x="4622801" y="5853863"/>
+              <a:off x="4681270" y="5853859"/>
               <a:ext cx="63202" cy="63202"/>
             </a:xfrm>
             <a:custGeom>
@@ -32137,7 +32137,7 @@
           </p:nvSpPr>
           <p:spPr>
             <a:xfrm>
-              <a:off x="4736431" y="5931023"/>
+              <a:off x="4895484" y="5931003"/>
               <a:ext cx="63202" cy="63202"/>
             </a:xfrm>
             <a:custGeom>
@@ -32180,7 +32180,7 @@
           </p:nvSpPr>
           <p:spPr>
             <a:xfrm>
-              <a:off x="4863152" y="5931876"/>
+              <a:off x="4584997" y="5931881"/>
               <a:ext cx="63202" cy="63202"/>
             </a:xfrm>
             <a:custGeom>
@@ -32223,7 +32223,7 @@
           </p:nvSpPr>
           <p:spPr>
             <a:xfrm>
-              <a:off x="5043885" y="5874551"/>
+              <a:off x="5064056" y="5874525"/>
               <a:ext cx="63202" cy="63202"/>
             </a:xfrm>
             <a:custGeom>
@@ -32266,7 +32266,7 @@
           </p:nvSpPr>
           <p:spPr>
             <a:xfrm>
-              <a:off x="5077723" y="5893648"/>
+              <a:off x="5066344" y="5893629"/>
               <a:ext cx="63202" cy="63202"/>
             </a:xfrm>
             <a:custGeom>
@@ -32309,7 +32309,7 @@
           </p:nvSpPr>
           <p:spPr>
             <a:xfrm>
-              <a:off x="4749146" y="5923096"/>
+              <a:off x="4626630" y="5923093"/>
               <a:ext cx="63202" cy="63202"/>
             </a:xfrm>
             <a:custGeom>
@@ -32352,7 +32352,7 @@
           </p:nvSpPr>
           <p:spPr>
             <a:xfrm>
-              <a:off x="4872010" y="5923945"/>
+              <a:off x="4765097" y="5923908"/>
               <a:ext cx="63202" cy="63202"/>
             </a:xfrm>
             <a:custGeom>
@@ -32395,7 +32395,7 @@
           </p:nvSpPr>
           <p:spPr>
             <a:xfrm>
-              <a:off x="5132968" y="5889291"/>
+              <a:off x="4569973" y="5889289"/>
               <a:ext cx="63202" cy="63202"/>
             </a:xfrm>
             <a:custGeom>
@@ -32438,7 +32438,7 @@
           </p:nvSpPr>
           <p:spPr>
             <a:xfrm>
-              <a:off x="4659694" y="5888190"/>
+              <a:off x="4533480" y="5888208"/>
               <a:ext cx="63202" cy="63202"/>
             </a:xfrm>
             <a:custGeom>
@@ -32481,7 +32481,7 @@
           </p:nvSpPr>
           <p:spPr>
             <a:xfrm>
-              <a:off x="4931416" y="5960841"/>
+              <a:off x="4704294" y="5960833"/>
               <a:ext cx="63202" cy="63202"/>
             </a:xfrm>
             <a:custGeom>
@@ -32524,7 +32524,7 @@
           </p:nvSpPr>
           <p:spPr>
             <a:xfrm>
-              <a:off x="5078911" y="5887604"/>
+              <a:off x="5063253" y="5887600"/>
               <a:ext cx="63202" cy="63202"/>
             </a:xfrm>
             <a:custGeom>
@@ -32567,7 +32567,7 @@
           </p:nvSpPr>
           <p:spPr>
             <a:xfrm>
-              <a:off x="4926862" y="5883759"/>
+              <a:off x="4546678" y="5883729"/>
               <a:ext cx="63202" cy="63202"/>
             </a:xfrm>
             <a:custGeom>
@@ -32610,7 +32610,7 @@
           </p:nvSpPr>
           <p:spPr>
             <a:xfrm>
-              <a:off x="4911056" y="5733404"/>
+              <a:off x="4831892" y="5733395"/>
               <a:ext cx="63202" cy="63202"/>
             </a:xfrm>
             <a:custGeom>
@@ -32653,7 +32653,7 @@
           </p:nvSpPr>
           <p:spPr>
             <a:xfrm>
-              <a:off x="4591280" y="5874308"/>
+              <a:off x="4488916" y="5874300"/>
               <a:ext cx="63202" cy="63202"/>
             </a:xfrm>
             <a:custGeom>
@@ -32696,7 +32696,7 @@
           </p:nvSpPr>
           <p:spPr>
             <a:xfrm>
-              <a:off x="4728260" y="5890468"/>
+              <a:off x="4706215" y="5890457"/>
               <a:ext cx="63202" cy="63202"/>
             </a:xfrm>
             <a:custGeom>
@@ -32739,7 +32739,7 @@
           </p:nvSpPr>
           <p:spPr>
             <a:xfrm>
-              <a:off x="4540565" y="5882798"/>
+              <a:off x="4712622" y="5882780"/>
               <a:ext cx="63202" cy="63202"/>
             </a:xfrm>
             <a:custGeom>
@@ -32782,7 +32782,7 @@
           </p:nvSpPr>
           <p:spPr>
             <a:xfrm>
-              <a:off x="4880508" y="5870755"/>
+              <a:off x="5009203" y="5870768"/>
               <a:ext cx="63202" cy="63202"/>
             </a:xfrm>
             <a:custGeom>
@@ -32825,7 +32825,7 @@
           </p:nvSpPr>
           <p:spPr>
             <a:xfrm>
-              <a:off x="4487357" y="5873575"/>
+              <a:off x="4945883" y="5873588"/>
               <a:ext cx="63202" cy="63202"/>
             </a:xfrm>
             <a:custGeom>
@@ -32868,7 +32868,7 @@
           </p:nvSpPr>
           <p:spPr>
             <a:xfrm>
-              <a:off x="5156876" y="5857932"/>
+              <a:off x="5096988" y="5857930"/>
               <a:ext cx="63202" cy="63202"/>
             </a:xfrm>
             <a:custGeom>
@@ -32911,7 +32911,7 @@
           </p:nvSpPr>
           <p:spPr>
             <a:xfrm>
-              <a:off x="4847411" y="6073612"/>
+              <a:off x="4919029" y="6073612"/>
               <a:ext cx="63202" cy="63202"/>
             </a:xfrm>
             <a:custGeom>
@@ -32954,7 +32954,7 @@
           </p:nvSpPr>
           <p:spPr>
             <a:xfrm>
-              <a:off x="4921302" y="6066352"/>
+              <a:off x="5107652" y="6066342"/>
               <a:ext cx="63202" cy="63202"/>
             </a:xfrm>
             <a:custGeom>
@@ -32997,7 +32997,7 @@
           </p:nvSpPr>
           <p:spPr>
             <a:xfrm>
-              <a:off x="4571487" y="6096645"/>
+              <a:off x="4807160" y="6096644"/>
               <a:ext cx="63202" cy="63202"/>
             </a:xfrm>
             <a:custGeom>
@@ -33040,7 +33040,7 @@
           </p:nvSpPr>
           <p:spPr>
             <a:xfrm>
-              <a:off x="4471335" y="6063170"/>
+              <a:off x="5092253" y="6063156"/>
               <a:ext cx="63202" cy="63202"/>
             </a:xfrm>
             <a:custGeom>
@@ -33083,7 +33083,7 @@
           </p:nvSpPr>
           <p:spPr>
             <a:xfrm>
-              <a:off x="4728166" y="5899134"/>
+              <a:off x="4551140" y="5899134"/>
               <a:ext cx="63202" cy="63202"/>
             </a:xfrm>
             <a:custGeom>
@@ -33126,7 +33126,7 @@
           </p:nvSpPr>
           <p:spPr>
             <a:xfrm>
-              <a:off x="5097448" y="6299589"/>
+              <a:off x="4658441" y="6299592"/>
               <a:ext cx="63202" cy="63202"/>
             </a:xfrm>
             <a:custGeom>
@@ -33169,7 +33169,7 @@
           </p:nvSpPr>
           <p:spPr>
             <a:xfrm>
-              <a:off x="5129174" y="6289736"/>
+              <a:off x="4874738" y="6289723"/>
               <a:ext cx="63202" cy="63202"/>
             </a:xfrm>
             <a:custGeom>
@@ -33212,7 +33212,7 @@
           </p:nvSpPr>
           <p:spPr>
             <a:xfrm>
-              <a:off x="4655408" y="5866047"/>
+              <a:off x="4921108" y="5866036"/>
               <a:ext cx="63202" cy="63202"/>
             </a:xfrm>
             <a:custGeom>
@@ -33255,7 +33255,7 @@
           </p:nvSpPr>
           <p:spPr>
             <a:xfrm>
-              <a:off x="4907609" y="5870346"/>
+              <a:off x="5004296" y="5870366"/>
               <a:ext cx="63202" cy="63202"/>
             </a:xfrm>
             <a:custGeom>
@@ -33298,7 +33298,7 @@
           </p:nvSpPr>
           <p:spPr>
             <a:xfrm>
-              <a:off x="4759371" y="6098993"/>
+              <a:off x="4870504" y="6098992"/>
               <a:ext cx="63202" cy="63202"/>
             </a:xfrm>
             <a:custGeom>
@@ -33341,7 +33341,7 @@
           </p:nvSpPr>
           <p:spPr>
             <a:xfrm>
-              <a:off x="4586376" y="6052452"/>
+              <a:off x="4688493" y="6052448"/>
               <a:ext cx="63202" cy="63202"/>
             </a:xfrm>
             <a:custGeom>
@@ -33384,7 +33384,7 @@
           </p:nvSpPr>
           <p:spPr>
             <a:xfrm>
-              <a:off x="4689391" y="5902721"/>
+              <a:off x="4558425" y="5902729"/>
               <a:ext cx="63202" cy="63202"/>
             </a:xfrm>
             <a:custGeom>
@@ -33427,7 +33427,7 @@
           </p:nvSpPr>
           <p:spPr>
             <a:xfrm>
-              <a:off x="4862572" y="6049310"/>
+              <a:off x="4800977" y="6049328"/>
               <a:ext cx="63202" cy="63202"/>
             </a:xfrm>
             <a:custGeom>
@@ -33470,7 +33470,7 @@
           </p:nvSpPr>
           <p:spPr>
             <a:xfrm>
-              <a:off x="4857587" y="5998253"/>
+              <a:off x="5084588" y="5998237"/>
               <a:ext cx="63202" cy="63202"/>
             </a:xfrm>
             <a:custGeom>
@@ -33513,7 +33513,7 @@
           </p:nvSpPr>
           <p:spPr>
             <a:xfrm>
-              <a:off x="4555712" y="5863952"/>
+              <a:off x="4497765" y="5863965"/>
               <a:ext cx="63202" cy="63202"/>
             </a:xfrm>
             <a:custGeom>
@@ -33556,7 +33556,7 @@
           </p:nvSpPr>
           <p:spPr>
             <a:xfrm>
-              <a:off x="5102721" y="5871259"/>
+              <a:off x="4681855" y="5871272"/>
               <a:ext cx="63202" cy="63202"/>
             </a:xfrm>
             <a:custGeom>
@@ -33599,7 +33599,7 @@
           </p:nvSpPr>
           <p:spPr>
             <a:xfrm>
-              <a:off x="4870833" y="5860138"/>
+              <a:off x="4746237" y="5860124"/>
               <a:ext cx="63202" cy="63202"/>
             </a:xfrm>
             <a:custGeom>
@@ -33642,7 +33642,7 @@
           </p:nvSpPr>
           <p:spPr>
             <a:xfrm>
-              <a:off x="4726496" y="5925776"/>
+              <a:off x="5124107" y="5925780"/>
               <a:ext cx="63202" cy="63202"/>
             </a:xfrm>
             <a:custGeom>
@@ -33685,7 +33685,7 @@
           </p:nvSpPr>
           <p:spPr>
             <a:xfrm>
-              <a:off x="4592398" y="5870846"/>
+              <a:off x="5039708" y="5870846"/>
               <a:ext cx="63202" cy="63202"/>
             </a:xfrm>
             <a:custGeom>
@@ -33728,7 +33728,7 @@
           </p:nvSpPr>
           <p:spPr>
             <a:xfrm>
-              <a:off x="4717559" y="5927451"/>
+              <a:off x="4892371" y="5927468"/>
               <a:ext cx="63202" cy="63202"/>
             </a:xfrm>
             <a:custGeom>
@@ -33771,7 +33771,7 @@
           </p:nvSpPr>
           <p:spPr>
             <a:xfrm>
-              <a:off x="4500235" y="5932415"/>
+              <a:off x="4619433" y="5932405"/>
               <a:ext cx="63202" cy="63202"/>
             </a:xfrm>
             <a:custGeom>
@@ -33814,7 +33814,7 @@
           </p:nvSpPr>
           <p:spPr>
             <a:xfrm>
-              <a:off x="4724986" y="5926532"/>
+              <a:off x="4963404" y="5926517"/>
               <a:ext cx="63202" cy="63202"/>
             </a:xfrm>
             <a:custGeom>
@@ -33857,7 +33857,7 @@
           </p:nvSpPr>
           <p:spPr>
             <a:xfrm>
-              <a:off x="4997387" y="5927025"/>
+              <a:off x="5067969" y="5926998"/>
               <a:ext cx="63202" cy="63202"/>
             </a:xfrm>
             <a:custGeom>
@@ -33900,7 +33900,7 @@
           </p:nvSpPr>
           <p:spPr>
             <a:xfrm>
-              <a:off x="4660508" y="5888575"/>
+              <a:off x="4616678" y="5888570"/>
               <a:ext cx="63202" cy="63202"/>
             </a:xfrm>
             <a:custGeom>
@@ -33943,7 +33943,7 @@
           </p:nvSpPr>
           <p:spPr>
             <a:xfrm>
-              <a:off x="4478113" y="5925028"/>
+              <a:off x="4921085" y="5925015"/>
               <a:ext cx="63202" cy="63202"/>
             </a:xfrm>
             <a:custGeom>
@@ -33986,7 +33986,7 @@
           </p:nvSpPr>
           <p:spPr>
             <a:xfrm>
-              <a:off x="4569065" y="6043884"/>
+              <a:off x="4652642" y="6043867"/>
               <a:ext cx="63202" cy="63202"/>
             </a:xfrm>
             <a:custGeom>
@@ -34029,7 +34029,7 @@
           </p:nvSpPr>
           <p:spPr>
             <a:xfrm>
-              <a:off x="4555586" y="5870220"/>
+              <a:off x="4916508" y="5870233"/>
               <a:ext cx="63202" cy="63202"/>
             </a:xfrm>
             <a:custGeom>
@@ -34072,7 +34072,7 @@
           </p:nvSpPr>
           <p:spPr>
             <a:xfrm>
-              <a:off x="4725055" y="6197053"/>
+              <a:off x="4930601" y="6197026"/>
               <a:ext cx="63202" cy="63202"/>
             </a:xfrm>
             <a:custGeom>
@@ -34115,7 +34115,7 @@
           </p:nvSpPr>
           <p:spPr>
             <a:xfrm>
-              <a:off x="4907722" y="5907868"/>
+              <a:off x="4511590" y="5907855"/>
               <a:ext cx="63202" cy="63202"/>
             </a:xfrm>
             <a:custGeom>
@@ -34158,7 +34158,7 @@
           </p:nvSpPr>
           <p:spPr>
             <a:xfrm>
-              <a:off x="4925285" y="6119539"/>
+              <a:off x="5151235" y="6119554"/>
               <a:ext cx="63202" cy="63202"/>
             </a:xfrm>
             <a:custGeom>
@@ -34201,7 +34201,7 @@
           </p:nvSpPr>
           <p:spPr>
             <a:xfrm>
-              <a:off x="4984666" y="5959847"/>
+              <a:off x="4865594" y="5959823"/>
               <a:ext cx="63202" cy="63202"/>
             </a:xfrm>
             <a:custGeom>
@@ -34244,7 +34244,7 @@
           </p:nvSpPr>
           <p:spPr>
             <a:xfrm>
-              <a:off x="4471399" y="6153988"/>
+              <a:off x="4884859" y="6153989"/>
               <a:ext cx="63202" cy="63202"/>
             </a:xfrm>
             <a:custGeom>
@@ -34287,7 +34287,7 @@
           </p:nvSpPr>
           <p:spPr>
             <a:xfrm>
-              <a:off x="4664070" y="6086872"/>
+              <a:off x="4649972" y="6086856"/>
               <a:ext cx="63202" cy="63202"/>
             </a:xfrm>
             <a:custGeom>
@@ -34330,7 +34330,7 @@
           </p:nvSpPr>
           <p:spPr>
             <a:xfrm>
-              <a:off x="5104358" y="6260302"/>
+              <a:off x="4953198" y="6260322"/>
               <a:ext cx="63202" cy="63202"/>
             </a:xfrm>
             <a:custGeom>
@@ -34373,7 +34373,7 @@
           </p:nvSpPr>
           <p:spPr>
             <a:xfrm>
-              <a:off x="4978343" y="5865226"/>
+              <a:off x="4812986" y="5865214"/>
               <a:ext cx="63202" cy="63202"/>
             </a:xfrm>
             <a:custGeom>
@@ -34416,7 +34416,7 @@
           </p:nvSpPr>
           <p:spPr>
             <a:xfrm>
-              <a:off x="4535367" y="5865373"/>
+              <a:off x="4996656" y="5865371"/>
               <a:ext cx="63202" cy="63202"/>
             </a:xfrm>
             <a:custGeom>
@@ -34459,7 +34459,7 @@
           </p:nvSpPr>
           <p:spPr>
             <a:xfrm>
-              <a:off x="4726395" y="6175823"/>
+              <a:off x="4609221" y="6175829"/>
               <a:ext cx="63202" cy="63202"/>
             </a:xfrm>
             <a:custGeom>
@@ -34502,7 +34502,7 @@
           </p:nvSpPr>
           <p:spPr>
             <a:xfrm>
-              <a:off x="4730954" y="6112236"/>
+              <a:off x="5106257" y="6112229"/>
               <a:ext cx="63202" cy="63202"/>
             </a:xfrm>
             <a:custGeom>
@@ -34545,7 +34545,7 @@
           </p:nvSpPr>
           <p:spPr>
             <a:xfrm>
-              <a:off x="5094749" y="5998197"/>
+              <a:off x="4804795" y="5998208"/>
               <a:ext cx="63202" cy="63202"/>
             </a:xfrm>
             <a:custGeom>
@@ -34588,7 +34588,7 @@
           </p:nvSpPr>
           <p:spPr>
             <a:xfrm>
-              <a:off x="4941086" y="6068510"/>
+              <a:off x="4716249" y="6068516"/>
               <a:ext cx="63202" cy="63202"/>
             </a:xfrm>
             <a:custGeom>
@@ -34687,7 +34687,7 @@
           </p:nvSpPr>
           <p:spPr>
             <a:xfrm>
-              <a:off x="7192078" y="2815595"/>
+              <a:off x="7192078" y="2815604"/>
               <a:ext cx="2796732" cy="0"/>
             </a:xfrm>
             <a:custGeom>
@@ -34730,7 +34730,7 @@
           </p:nvSpPr>
           <p:spPr>
             <a:xfrm>
-              <a:off x="7192078" y="2361628"/>
+              <a:off x="7192078" y="2361629"/>
               <a:ext cx="2796732" cy="0"/>
             </a:xfrm>
             <a:custGeom>
@@ -34773,7 +34773,7 @@
           </p:nvSpPr>
           <p:spPr>
             <a:xfrm>
-              <a:off x="7192078" y="1907661"/>
+              <a:off x="7192078" y="1907653"/>
               <a:ext cx="2796732" cy="0"/>
             </a:xfrm>
             <a:custGeom>
@@ -34816,7 +34816,7 @@
           </p:nvSpPr>
           <p:spPr>
             <a:xfrm>
-              <a:off x="7192078" y="1453694"/>
+              <a:off x="7192078" y="1453677"/>
               <a:ext cx="2796732" cy="0"/>
             </a:xfrm>
             <a:custGeom>
@@ -34859,7 +34859,7 @@
           </p:nvSpPr>
           <p:spPr>
             <a:xfrm>
-              <a:off x="7192078" y="3042578"/>
+              <a:off x="7192078" y="3042592"/>
               <a:ext cx="2796732" cy="0"/>
             </a:xfrm>
             <a:custGeom>
@@ -34902,7 +34902,7 @@
           </p:nvSpPr>
           <p:spPr>
             <a:xfrm>
-              <a:off x="7192078" y="2588612"/>
+              <a:off x="7192078" y="2588616"/>
               <a:ext cx="2796732" cy="0"/>
             </a:xfrm>
             <a:custGeom>
@@ -34945,7 +34945,7 @@
           </p:nvSpPr>
           <p:spPr>
             <a:xfrm>
-              <a:off x="7192078" y="2134645"/>
+              <a:off x="7192078" y="2134641"/>
               <a:ext cx="2796732" cy="0"/>
             </a:xfrm>
             <a:custGeom>
@@ -34988,7 +34988,7 @@
           </p:nvSpPr>
           <p:spPr>
             <a:xfrm>
-              <a:off x="7192078" y="1680678"/>
+              <a:off x="7192078" y="1680665"/>
               <a:ext cx="2796732" cy="0"/>
             </a:xfrm>
             <a:custGeom>
@@ -35160,7 +35160,7 @@
           </p:nvSpPr>
           <p:spPr>
             <a:xfrm>
-              <a:off x="7930331" y="2813895"/>
+              <a:off x="8022826" y="2813910"/>
               <a:ext cx="63202" cy="63202"/>
             </a:xfrm>
             <a:custGeom>
@@ -35203,7 +35203,7 @@
           </p:nvSpPr>
           <p:spPr>
             <a:xfrm>
-              <a:off x="7959820" y="2585250"/>
+              <a:off x="7868172" y="2585257"/>
               <a:ext cx="63202" cy="63202"/>
             </a:xfrm>
             <a:custGeom>
@@ -35246,7 +35246,7 @@
           </p:nvSpPr>
           <p:spPr>
             <a:xfrm>
-              <a:off x="8007892" y="2552156"/>
+              <a:off x="8007152" y="2552165"/>
               <a:ext cx="63202" cy="63202"/>
             </a:xfrm>
             <a:custGeom>
@@ -35289,7 +35289,7 @@
           </p:nvSpPr>
           <p:spPr>
             <a:xfrm>
-              <a:off x="8017014" y="2556520"/>
+              <a:off x="7976494" y="2556514"/>
               <a:ext cx="63202" cy="63202"/>
             </a:xfrm>
             <a:custGeom>
@@ -35332,7 +35332,7 @@
           </p:nvSpPr>
           <p:spPr>
             <a:xfrm>
-              <a:off x="7925223" y="2550302"/>
+              <a:off x="7455584" y="2550291"/>
               <a:ext cx="63202" cy="63202"/>
             </a:xfrm>
             <a:custGeom>
@@ -35375,7 +35375,7 @@
           </p:nvSpPr>
           <p:spPr>
             <a:xfrm>
-              <a:off x="8010013" y="2269605"/>
+              <a:off x="7844087" y="2269586"/>
               <a:ext cx="63202" cy="63202"/>
             </a:xfrm>
             <a:custGeom>
@@ -35418,7 +35418,7 @@
           </p:nvSpPr>
           <p:spPr>
             <a:xfrm>
-              <a:off x="7607587" y="2573496"/>
+              <a:off x="7458415" y="2573486"/>
               <a:ext cx="63202" cy="63202"/>
             </a:xfrm>
             <a:custGeom>
@@ -35461,7 +35461,7 @@
           </p:nvSpPr>
           <p:spPr>
             <a:xfrm>
-              <a:off x="7384869" y="2583562"/>
+              <a:off x="7757942" y="2583559"/>
               <a:ext cx="63202" cy="63202"/>
             </a:xfrm>
             <a:custGeom>
@@ -35504,7 +35504,7 @@
           </p:nvSpPr>
           <p:spPr>
             <a:xfrm>
-              <a:off x="7906259" y="2549356"/>
+              <a:off x="7656117" y="2549358"/>
               <a:ext cx="63202" cy="63202"/>
             </a:xfrm>
             <a:custGeom>
@@ -35547,7 +35547,7 @@
           </p:nvSpPr>
           <p:spPr>
             <a:xfrm>
-              <a:off x="7461025" y="2548673"/>
+              <a:off x="7720118" y="2548654"/>
               <a:ext cx="63202" cy="63202"/>
             </a:xfrm>
             <a:custGeom>
@@ -35590,7 +35590,7 @@
           </p:nvSpPr>
           <p:spPr>
             <a:xfrm>
-              <a:off x="7423064" y="2574638"/>
+              <a:off x="7817441" y="2574629"/>
               <a:ext cx="63202" cy="63202"/>
             </a:xfrm>
             <a:custGeom>
@@ -35633,7 +35633,7 @@
           </p:nvSpPr>
           <p:spPr>
             <a:xfrm>
-              <a:off x="7846553" y="2659483"/>
+              <a:off x="7407477" y="2659485"/>
               <a:ext cx="63202" cy="63202"/>
             </a:xfrm>
             <a:custGeom>
@@ -35676,7 +35676,7 @@
           </p:nvSpPr>
           <p:spPr>
             <a:xfrm>
-              <a:off x="7531426" y="2579625"/>
+              <a:off x="7342619" y="2579632"/>
               <a:ext cx="63202" cy="63202"/>
             </a:xfrm>
             <a:custGeom>
@@ -35719,7 +35719,7 @@
           </p:nvSpPr>
           <p:spPr>
             <a:xfrm>
-              <a:off x="7363709" y="2585610"/>
+              <a:off x="7525655" y="2585628"/>
               <a:ext cx="63202" cy="63202"/>
             </a:xfrm>
             <a:custGeom>
@@ -35762,7 +35762,7 @@
           </p:nvSpPr>
           <p:spPr>
             <a:xfrm>
-              <a:off x="7540532" y="2573719"/>
+              <a:off x="7437750" y="2573722"/>
               <a:ext cx="63202" cy="63202"/>
             </a:xfrm>
             <a:custGeom>
@@ -35805,7 +35805,7 @@
           </p:nvSpPr>
           <p:spPr>
             <a:xfrm>
-              <a:off x="7451084" y="2582198"/>
+              <a:off x="8025965" y="2582220"/>
               <a:ext cx="63202" cy="63202"/>
             </a:xfrm>
             <a:custGeom>
@@ -35848,7 +35848,7 @@
           </p:nvSpPr>
           <p:spPr>
             <a:xfrm>
-              <a:off x="7666678" y="2572492"/>
+              <a:off x="7771126" y="2572496"/>
               <a:ext cx="63202" cy="63202"/>
             </a:xfrm>
             <a:custGeom>
@@ -35891,7 +35891,7 @@
           </p:nvSpPr>
           <p:spPr>
             <a:xfrm>
-              <a:off x="7891757" y="2557389"/>
+              <a:off x="7513322" y="2557396"/>
               <a:ext cx="63202" cy="63202"/>
             </a:xfrm>
             <a:custGeom>
@@ -35934,7 +35934,7 @@
           </p:nvSpPr>
           <p:spPr>
             <a:xfrm>
-              <a:off x="7493241" y="2578260"/>
+              <a:off x="7865097" y="2578257"/>
               <a:ext cx="63202" cy="63202"/>
             </a:xfrm>
             <a:custGeom>
@@ -35977,7 +35977,7 @@
           </p:nvSpPr>
           <p:spPr>
             <a:xfrm>
-              <a:off x="7495709" y="2671899"/>
+              <a:off x="7768301" y="2671917"/>
               <a:ext cx="63202" cy="63202"/>
             </a:xfrm>
             <a:custGeom>
@@ -36020,7 +36020,7 @@
           </p:nvSpPr>
           <p:spPr>
             <a:xfrm>
-              <a:off x="7622233" y="2548825"/>
+              <a:off x="7780272" y="2548839"/>
               <a:ext cx="63202" cy="63202"/>
             </a:xfrm>
             <a:custGeom>
@@ -36063,7 +36063,7 @@
           </p:nvSpPr>
           <p:spPr>
             <a:xfrm>
-              <a:off x="7643911" y="2552976"/>
+              <a:off x="7780228" y="2552989"/>
               <a:ext cx="63202" cy="63202"/>
             </a:xfrm>
             <a:custGeom>
@@ -36106,7 +36106,7 @@
           </p:nvSpPr>
           <p:spPr>
             <a:xfrm>
-              <a:off x="7515273" y="2585834"/>
+              <a:off x="7962153" y="2585840"/>
               <a:ext cx="63202" cy="63202"/>
             </a:xfrm>
             <a:custGeom>
@@ -36149,7 +36149,7 @@
           </p:nvSpPr>
           <p:spPr>
             <a:xfrm>
-              <a:off x="7927998" y="2572121"/>
+              <a:off x="7470831" y="2572135"/>
               <a:ext cx="63202" cy="63202"/>
             </a:xfrm>
             <a:custGeom>
@@ -36192,7 +36192,7 @@
           </p:nvSpPr>
           <p:spPr>
             <a:xfrm>
-              <a:off x="7419547" y="2576182"/>
+              <a:off x="7480844" y="2576190"/>
               <a:ext cx="63202" cy="63202"/>
             </a:xfrm>
             <a:custGeom>
@@ -36235,7 +36235,7 @@
           </p:nvSpPr>
           <p:spPr>
             <a:xfrm>
-              <a:off x="7606327" y="2574637"/>
+              <a:off x="7422534" y="2574639"/>
               <a:ext cx="63202" cy="63202"/>
             </a:xfrm>
             <a:custGeom>
@@ -36278,7 +36278,7 @@
           </p:nvSpPr>
           <p:spPr>
             <a:xfrm>
-              <a:off x="7358754" y="2256352"/>
+              <a:off x="7409028" y="2256359"/>
               <a:ext cx="63202" cy="63202"/>
             </a:xfrm>
             <a:custGeom>
@@ -36321,7 +36321,7 @@
           </p:nvSpPr>
           <p:spPr>
             <a:xfrm>
-              <a:off x="7661086" y="2583856"/>
+              <a:off x="7361696" y="2583854"/>
               <a:ext cx="63202" cy="63202"/>
             </a:xfrm>
             <a:custGeom>
@@ -36364,7 +36364,7 @@
           </p:nvSpPr>
           <p:spPr>
             <a:xfrm>
-              <a:off x="7458750" y="2683479"/>
+              <a:off x="7743571" y="2683500"/>
               <a:ext cx="63202" cy="63202"/>
             </a:xfrm>
             <a:custGeom>
@@ -36407,7 +36407,7 @@
           </p:nvSpPr>
           <p:spPr>
             <a:xfrm>
-              <a:off x="7743343" y="2572344"/>
+              <a:off x="7881744" y="2572344"/>
               <a:ext cx="63202" cy="63202"/>
             </a:xfrm>
             <a:custGeom>
@@ -36450,7 +36450,7 @@
           </p:nvSpPr>
           <p:spPr>
             <a:xfrm>
-              <a:off x="7698974" y="2256089"/>
+              <a:off x="7341216" y="2256063"/>
               <a:ext cx="63202" cy="63202"/>
             </a:xfrm>
             <a:custGeom>
@@ -36493,7 +36493,7 @@
           </p:nvSpPr>
           <p:spPr>
             <a:xfrm>
-              <a:off x="7915165" y="2552999"/>
+              <a:off x="7404377" y="2553016"/>
               <a:ext cx="63202" cy="63202"/>
             </a:xfrm>
             <a:custGeom>
@@ -36536,7 +36536,7 @@
           </p:nvSpPr>
           <p:spPr>
             <a:xfrm>
-              <a:off x="7363522" y="2562740"/>
+              <a:off x="7771889" y="2562746"/>
               <a:ext cx="63202" cy="63202"/>
             </a:xfrm>
             <a:custGeom>
@@ -36579,7 +36579,7 @@
           </p:nvSpPr>
           <p:spPr>
             <a:xfrm>
-              <a:off x="7772402" y="2555289"/>
+              <a:off x="7659759" y="2555303"/>
               <a:ext cx="63202" cy="63202"/>
             </a:xfrm>
             <a:custGeom>
@@ -36622,7 +36622,7 @@
           </p:nvSpPr>
           <p:spPr>
             <a:xfrm>
-              <a:off x="7914086" y="2557563"/>
+              <a:off x="7633602" y="2557552"/>
               <a:ext cx="63202" cy="63202"/>
             </a:xfrm>
             <a:custGeom>
@@ -36665,7 +36665,7 @@
           </p:nvSpPr>
           <p:spPr>
             <a:xfrm>
-              <a:off x="7901942" y="2557693"/>
+              <a:off x="7585432" y="2557714"/>
               <a:ext cx="63202" cy="63202"/>
             </a:xfrm>
             <a:custGeom>
@@ -36708,7 +36708,7 @@
           </p:nvSpPr>
           <p:spPr>
             <a:xfrm>
-              <a:off x="7464100" y="2558009"/>
+              <a:off x="7584952" y="2558017"/>
               <a:ext cx="63202" cy="63202"/>
             </a:xfrm>
             <a:custGeom>
@@ -36751,7 +36751,7 @@
           </p:nvSpPr>
           <p:spPr>
             <a:xfrm>
-              <a:off x="7546568" y="2559190"/>
+              <a:off x="7674115" y="2559176"/>
               <a:ext cx="63202" cy="63202"/>
             </a:xfrm>
             <a:custGeom>
@@ -36794,7 +36794,7 @@
           </p:nvSpPr>
           <p:spPr>
             <a:xfrm>
-              <a:off x="7488760" y="2553346"/>
+              <a:off x="7999680" y="2553339"/>
               <a:ext cx="63202" cy="63202"/>
             </a:xfrm>
             <a:custGeom>
@@ -36837,7 +36837,7 @@
           </p:nvSpPr>
           <p:spPr>
             <a:xfrm>
-              <a:off x="7625523" y="2592278"/>
+              <a:off x="7379816" y="2592293"/>
               <a:ext cx="63202" cy="63202"/>
             </a:xfrm>
             <a:custGeom>
@@ -36880,7 +36880,7 @@
           </p:nvSpPr>
           <p:spPr>
             <a:xfrm>
-              <a:off x="7502337" y="2568936"/>
+              <a:off x="7961300" y="2568942"/>
               <a:ext cx="63202" cy="63202"/>
             </a:xfrm>
             <a:custGeom>
@@ -36923,7 +36923,7 @@
           </p:nvSpPr>
           <p:spPr>
             <a:xfrm>
-              <a:off x="7495886" y="2555879"/>
+              <a:off x="7548160" y="2555895"/>
               <a:ext cx="63202" cy="63202"/>
             </a:xfrm>
             <a:custGeom>
@@ -36966,7 +36966,7 @@
           </p:nvSpPr>
           <p:spPr>
             <a:xfrm>
-              <a:off x="7386147" y="2622879"/>
+              <a:off x="7463049" y="2622898"/>
               <a:ext cx="63202" cy="63202"/>
             </a:xfrm>
             <a:custGeom>
@@ -37009,7 +37009,7 @@
           </p:nvSpPr>
           <p:spPr>
             <a:xfrm>
-              <a:off x="7727464" y="2469862"/>
+              <a:off x="7928291" y="2469844"/>
               <a:ext cx="63202" cy="63202"/>
             </a:xfrm>
             <a:custGeom>
@@ -37052,7 +37052,7 @@
           </p:nvSpPr>
           <p:spPr>
             <a:xfrm>
-              <a:off x="7609653" y="2555722"/>
+              <a:off x="7898433" y="2555732"/>
               <a:ext cx="63202" cy="63202"/>
             </a:xfrm>
             <a:custGeom>
@@ -37095,7 +37095,7 @@
           </p:nvSpPr>
           <p:spPr>
             <a:xfrm>
-              <a:off x="7894956" y="2557337"/>
+              <a:off x="7998920" y="2557331"/>
               <a:ext cx="63202" cy="63202"/>
             </a:xfrm>
             <a:custGeom>
@@ -37138,7 +37138,7 @@
           </p:nvSpPr>
           <p:spPr>
             <a:xfrm>
-              <a:off x="7801388" y="2556747"/>
+              <a:off x="7935501" y="2556742"/>
               <a:ext cx="63202" cy="63202"/>
             </a:xfrm>
             <a:custGeom>
@@ -37181,7 +37181,7 @@
           </p:nvSpPr>
           <p:spPr>
             <a:xfrm>
-              <a:off x="7733428" y="2557363"/>
+              <a:off x="7769981" y="2557381"/>
               <a:ext cx="63202" cy="63202"/>
             </a:xfrm>
             <a:custGeom>
@@ -37224,7 +37224,7 @@
           </p:nvSpPr>
           <p:spPr>
             <a:xfrm>
-              <a:off x="7671230" y="2550164"/>
+              <a:off x="7834517" y="2550156"/>
               <a:ext cx="63202" cy="63202"/>
             </a:xfrm>
             <a:custGeom>
@@ -37323,7 +37323,7 @@
           </p:nvSpPr>
           <p:spPr>
             <a:xfrm>
-              <a:off x="7192078" y="4740928"/>
+              <a:off x="7192078" y="4740937"/>
               <a:ext cx="2796732" cy="0"/>
             </a:xfrm>
             <a:custGeom>
@@ -37409,7 +37409,7 @@
           </p:nvSpPr>
           <p:spPr>
             <a:xfrm>
-              <a:off x="7192078" y="3832994"/>
+              <a:off x="7192078" y="3832985"/>
               <a:ext cx="2796732" cy="0"/>
             </a:xfrm>
             <a:custGeom>
@@ -37452,7 +37452,7 @@
           </p:nvSpPr>
           <p:spPr>
             <a:xfrm>
-              <a:off x="7192078" y="3379027"/>
+              <a:off x="7192078" y="3379010"/>
               <a:ext cx="2796732" cy="0"/>
             </a:xfrm>
             <a:custGeom>
@@ -37495,7 +37495,7 @@
           </p:nvSpPr>
           <p:spPr>
             <a:xfrm>
-              <a:off x="7192078" y="4967911"/>
+              <a:off x="7192078" y="4967925"/>
               <a:ext cx="2796732" cy="0"/>
             </a:xfrm>
             <a:custGeom>
@@ -37538,7 +37538,7 @@
           </p:nvSpPr>
           <p:spPr>
             <a:xfrm>
-              <a:off x="7192078" y="4513944"/>
+              <a:off x="7192078" y="4513949"/>
               <a:ext cx="2796732" cy="0"/>
             </a:xfrm>
             <a:custGeom>
@@ -37581,7 +37581,7 @@
           </p:nvSpPr>
           <p:spPr>
             <a:xfrm>
-              <a:off x="7192078" y="4059977"/>
+              <a:off x="7192078" y="4059973"/>
               <a:ext cx="2796732" cy="0"/>
             </a:xfrm>
             <a:custGeom>
@@ -37624,7 +37624,7 @@
           </p:nvSpPr>
           <p:spPr>
             <a:xfrm>
-              <a:off x="7192078" y="3606010"/>
+              <a:off x="7192078" y="3605998"/>
               <a:ext cx="2796732" cy="0"/>
             </a:xfrm>
             <a:custGeom>
@@ -37796,7 +37796,7 @@
           </p:nvSpPr>
           <p:spPr>
             <a:xfrm>
-              <a:off x="7670902" y="4442518"/>
+              <a:off x="7890489" y="4442545"/>
               <a:ext cx="63202" cy="63202"/>
             </a:xfrm>
             <a:custGeom>
@@ -37839,7 +37839,7 @@
           </p:nvSpPr>
           <p:spPr>
             <a:xfrm>
-              <a:off x="7568733" y="4365077"/>
+              <a:off x="7714732" y="4365071"/>
               <a:ext cx="63202" cy="63202"/>
             </a:xfrm>
             <a:custGeom>
@@ -37882,7 +37882,7 @@
           </p:nvSpPr>
           <p:spPr>
             <a:xfrm>
-              <a:off x="7616102" y="4516630"/>
+              <a:off x="7415513" y="4516634"/>
               <a:ext cx="63202" cy="63202"/>
             </a:xfrm>
             <a:custGeom>
@@ -37925,7 +37925,7 @@
           </p:nvSpPr>
           <p:spPr>
             <a:xfrm>
-              <a:off x="7460636" y="4441905"/>
+              <a:off x="7928718" y="4441917"/>
               <a:ext cx="63202" cy="63202"/>
             </a:xfrm>
             <a:custGeom>
@@ -37968,7 +37968,7 @@
           </p:nvSpPr>
           <p:spPr>
             <a:xfrm>
-              <a:off x="7619102" y="4504707"/>
+              <a:off x="7650541" y="4504722"/>
               <a:ext cx="63202" cy="63202"/>
             </a:xfrm>
             <a:custGeom>
@@ -38011,7 +38011,7 @@
           </p:nvSpPr>
           <p:spPr>
             <a:xfrm>
-              <a:off x="7565170" y="4407431"/>
+              <a:off x="7918757" y="4407447"/>
               <a:ext cx="63202" cy="63202"/>
             </a:xfrm>
             <a:custGeom>
@@ -38054,7 +38054,7 @@
           </p:nvSpPr>
           <p:spPr>
             <a:xfrm>
-              <a:off x="7798130" y="4388380"/>
+              <a:off x="7700823" y="4388363"/>
               <a:ext cx="63202" cy="63202"/>
             </a:xfrm>
             <a:custGeom>
@@ -38097,7 +38097,7 @@
           </p:nvSpPr>
           <p:spPr>
             <a:xfrm>
-              <a:off x="7351684" y="4445853"/>
+              <a:off x="7862907" y="4445845"/>
               <a:ext cx="63202" cy="63202"/>
             </a:xfrm>
             <a:custGeom>
@@ -38140,7 +38140,7 @@
           </p:nvSpPr>
           <p:spPr>
             <a:xfrm>
-              <a:off x="7991382" y="4475843"/>
+              <a:off x="7448119" y="4475844"/>
               <a:ext cx="63202" cy="63202"/>
             </a:xfrm>
             <a:custGeom>
@@ -38183,7 +38183,7 @@
           </p:nvSpPr>
           <p:spPr>
             <a:xfrm>
-              <a:off x="7430861" y="4371751"/>
+              <a:off x="7771773" y="4371770"/>
               <a:ext cx="63202" cy="63202"/>
             </a:xfrm>
             <a:custGeom>
@@ -38226,7 +38226,7 @@
           </p:nvSpPr>
           <p:spPr>
             <a:xfrm>
-              <a:off x="7384510" y="4356681"/>
+              <a:off x="7806885" y="4356695"/>
               <a:ext cx="63202" cy="63202"/>
             </a:xfrm>
             <a:custGeom>
@@ -38269,7 +38269,7 @@
           </p:nvSpPr>
           <p:spPr>
             <a:xfrm>
-              <a:off x="7713521" y="4415518"/>
+              <a:off x="7363881" y="4415518"/>
               <a:ext cx="63202" cy="63202"/>
             </a:xfrm>
             <a:custGeom>
@@ -38312,7 +38312,7 @@
           </p:nvSpPr>
           <p:spPr>
             <a:xfrm>
-              <a:off x="7846601" y="4357137"/>
+              <a:off x="7335396" y="4357148"/>
               <a:ext cx="63202" cy="63202"/>
             </a:xfrm>
             <a:custGeom>
@@ -38355,7 +38355,7 @@
           </p:nvSpPr>
           <p:spPr>
             <a:xfrm>
-              <a:off x="7366644" y="4387692"/>
+              <a:off x="7819230" y="4387711"/>
               <a:ext cx="63202" cy="63202"/>
             </a:xfrm>
             <a:custGeom>
@@ -39850,7 +39850,7 @@
           </p:nvSpPr>
           <p:spPr>
             <a:xfrm>
-              <a:off x="1334650" y="3000887"/>
+              <a:off x="1334650" y="3000900"/>
               <a:ext cx="62155" cy="81691"/>
             </a:xfrm>
             <a:prstGeom prst="rect">
@@ -39896,7 +39896,7 @@
           </p:nvSpPr>
           <p:spPr>
             <a:xfrm>
-              <a:off x="1148183" y="2546920"/>
+              <a:off x="1148183" y="2546925"/>
               <a:ext cx="248622" cy="81691"/>
             </a:xfrm>
             <a:prstGeom prst="rect">
@@ -39942,7 +39942,7 @@
           </p:nvSpPr>
           <p:spPr>
             <a:xfrm>
-              <a:off x="1148183" y="2092953"/>
+              <a:off x="1148183" y="2092949"/>
               <a:ext cx="248622" cy="81691"/>
             </a:xfrm>
             <a:prstGeom prst="rect">
@@ -39988,7 +39988,7 @@
           </p:nvSpPr>
           <p:spPr>
             <a:xfrm>
-              <a:off x="1148183" y="1638931"/>
+              <a:off x="1148183" y="1638919"/>
               <a:ext cx="248622" cy="81746"/>
             </a:xfrm>
             <a:prstGeom prst="rect">
@@ -40034,7 +40034,7 @@
           </p:nvSpPr>
           <p:spPr>
             <a:xfrm>
-              <a:off x="1424641" y="3042578"/>
+              <a:off x="1424641" y="3042592"/>
               <a:ext cx="34794" cy="0"/>
             </a:xfrm>
             <a:custGeom>
@@ -40074,7 +40074,7 @@
           </p:nvSpPr>
           <p:spPr>
             <a:xfrm>
-              <a:off x="1424641" y="2588612"/>
+              <a:off x="1424641" y="2588616"/>
               <a:ext cx="34794" cy="0"/>
             </a:xfrm>
             <a:custGeom>
@@ -40114,7 +40114,7 @@
           </p:nvSpPr>
           <p:spPr>
             <a:xfrm>
-              <a:off x="1424641" y="2134645"/>
+              <a:off x="1424641" y="2134641"/>
               <a:ext cx="34794" cy="0"/>
             </a:xfrm>
             <a:custGeom>
@@ -40154,7 +40154,7 @@
           </p:nvSpPr>
           <p:spPr>
             <a:xfrm>
-              <a:off x="1424641" y="1680678"/>
+              <a:off x="1424641" y="1680665"/>
               <a:ext cx="34794" cy="0"/>
             </a:xfrm>
             <a:custGeom>
@@ -40194,7 +40194,7 @@
           </p:nvSpPr>
           <p:spPr>
             <a:xfrm>
-              <a:off x="1334650" y="4926219"/>
+              <a:off x="1334650" y="4926233"/>
               <a:ext cx="62155" cy="81691"/>
             </a:xfrm>
             <a:prstGeom prst="rect">
@@ -40240,7 +40240,7 @@
           </p:nvSpPr>
           <p:spPr>
             <a:xfrm>
-              <a:off x="1148183" y="4472252"/>
+              <a:off x="1148183" y="4472257"/>
               <a:ext cx="248622" cy="81691"/>
             </a:xfrm>
             <a:prstGeom prst="rect">
@@ -40286,7 +40286,7 @@
           </p:nvSpPr>
           <p:spPr>
             <a:xfrm>
-              <a:off x="1148183" y="4018285"/>
+              <a:off x="1148183" y="4018282"/>
               <a:ext cx="248622" cy="81691"/>
             </a:xfrm>
             <a:prstGeom prst="rect">
@@ -40332,7 +40332,7 @@
           </p:nvSpPr>
           <p:spPr>
             <a:xfrm>
-              <a:off x="1148183" y="3564264"/>
+              <a:off x="1148183" y="3564251"/>
               <a:ext cx="248622" cy="81746"/>
             </a:xfrm>
             <a:prstGeom prst="rect">
@@ -40378,7 +40378,7 @@
           </p:nvSpPr>
           <p:spPr>
             <a:xfrm>
-              <a:off x="1424641" y="4967911"/>
+              <a:off x="1424641" y="4967925"/>
               <a:ext cx="34794" cy="0"/>
             </a:xfrm>
             <a:custGeom>
@@ -40418,7 +40418,7 @@
           </p:nvSpPr>
           <p:spPr>
             <a:xfrm>
-              <a:off x="1424641" y="4513944"/>
+              <a:off x="1424641" y="4513949"/>
               <a:ext cx="34794" cy="0"/>
             </a:xfrm>
             <a:custGeom>
@@ -40458,7 +40458,7 @@
           </p:nvSpPr>
           <p:spPr>
             <a:xfrm>
-              <a:off x="1424641" y="4059977"/>
+              <a:off x="1424641" y="4059973"/>
               <a:ext cx="34794" cy="0"/>
             </a:xfrm>
             <a:custGeom>
@@ -40498,7 +40498,7 @@
           </p:nvSpPr>
           <p:spPr>
             <a:xfrm>
-              <a:off x="1424641" y="3606010"/>
+              <a:off x="1424641" y="3605998"/>
               <a:ext cx="34794" cy="0"/>
             </a:xfrm>
             <a:custGeom>
@@ -40538,7 +40538,7 @@
           </p:nvSpPr>
           <p:spPr>
             <a:xfrm>
-              <a:off x="1334650" y="6851552"/>
+              <a:off x="1334650" y="6851566"/>
               <a:ext cx="62155" cy="81691"/>
             </a:xfrm>
             <a:prstGeom prst="rect">
@@ -40584,7 +40584,7 @@
           </p:nvSpPr>
           <p:spPr>
             <a:xfrm>
-              <a:off x="1148183" y="6397585"/>
+              <a:off x="1148183" y="6397590"/>
               <a:ext cx="248622" cy="81691"/>
             </a:xfrm>
             <a:prstGeom prst="rect">
@@ -40630,7 +40630,7 @@
           </p:nvSpPr>
           <p:spPr>
             <a:xfrm>
-              <a:off x="1148183" y="5943618"/>
+              <a:off x="1148183" y="5943614"/>
               <a:ext cx="248622" cy="81691"/>
             </a:xfrm>
             <a:prstGeom prst="rect">
@@ -40676,7 +40676,7 @@
           </p:nvSpPr>
           <p:spPr>
             <a:xfrm>
-              <a:off x="1148183" y="5489596"/>
+              <a:off x="1148183" y="5489584"/>
               <a:ext cx="248622" cy="81746"/>
             </a:xfrm>
             <a:prstGeom prst="rect">
@@ -40722,7 +40722,7 @@
           </p:nvSpPr>
           <p:spPr>
             <a:xfrm>
-              <a:off x="1424641" y="6893244"/>
+              <a:off x="1424641" y="6893257"/>
               <a:ext cx="34794" cy="0"/>
             </a:xfrm>
             <a:custGeom>
@@ -40762,7 +40762,7 @@
           </p:nvSpPr>
           <p:spPr>
             <a:xfrm>
-              <a:off x="1424641" y="6439277"/>
+              <a:off x="1424641" y="6439282"/>
               <a:ext cx="34794" cy="0"/>
             </a:xfrm>
             <a:custGeom>
@@ -40802,7 +40802,7 @@
           </p:nvSpPr>
           <p:spPr>
             <a:xfrm>
-              <a:off x="1424641" y="5985310"/>
+              <a:off x="1424641" y="5985306"/>
               <a:ext cx="34794" cy="0"/>
             </a:xfrm>
             <a:custGeom>
@@ -40842,7 +40842,7 @@
           </p:nvSpPr>
           <p:spPr>
             <a:xfrm>
-              <a:off x="1424641" y="5531343"/>
+              <a:off x="1424641" y="5531330"/>
               <a:ext cx="34794" cy="0"/>
             </a:xfrm>
             <a:custGeom>
